--- a/Programming Assesment.pptx
+++ b/Programming Assesment.pptx
@@ -6,10 +6,12 @@
   </p:sldMasterIdLst>
   <p:sldIdLst>
     <p:sldId id="256" r:id="rId2"/>
-    <p:sldId id="257" r:id="rId3"/>
-    <p:sldId id="258" r:id="rId4"/>
-    <p:sldId id="259" r:id="rId5"/>
-    <p:sldId id="260" r:id="rId6"/>
+    <p:sldId id="262" r:id="rId3"/>
+    <p:sldId id="257" r:id="rId4"/>
+    <p:sldId id="258" r:id="rId5"/>
+    <p:sldId id="259" r:id="rId6"/>
+    <p:sldId id="260" r:id="rId7"/>
+    <p:sldId id="261" r:id="rId8"/>
   </p:sldIdLst>
   <p:sldSz cx="12192000" cy="6858000"/>
   <p:notesSz cx="6858000" cy="9144000"/>
@@ -124,6 +126,8 @@
     <p1510:client id="{82670D97-0EF6-5614-F833-FE3B0A574D76}" v="27" dt="2021-05-30T21:53:29.949"/>
     <p1510:client id="{8BDA8286-ABF9-455E-92B6-822DD2D54F24}" v="363" dt="2021-06-02T23:33:01.816"/>
     <p1510:client id="{B97A3ED7-EE4A-5CC1-A41D-E85CFB4F2B38}" v="388" dt="2021-06-01T02:31:37.218"/>
+    <p1510:client id="{C9F5174C-5619-5E50-BF05-0D84B8F86598}" v="516" dt="2021-06-10T00:06:46.122"/>
+    <p1510:client id="{D3BA5852-7B66-A859-35DA-1A7F22D39787}" v="441" dt="2021-06-09T01:12:33.081"/>
   </p1510:revLst>
 </p1510:revInfo>
 </file>
@@ -173,6 +177,118 @@
             <pc:docMk/>
             <pc:sldMk cId="1121134679" sldId="259"/>
             <ac:picMk id="4" creationId="{832CB706-A894-4C79-A765-CAC0EEA0D08A}"/>
+          </ac:picMkLst>
+        </pc:picChg>
+      </pc:sldChg>
+    </pc:docChg>
+  </pc:docChgLst>
+  <pc:docChgLst>
+    <pc:chgData name="Jonny Morris" userId="S::morrisj70800@masseyhigh.school.nz::4fab9e21-29a7-4d03-b4c0-6c8a112c783d" providerId="AD" clId="Web-{D3BA5852-7B66-A859-35DA-1A7F22D39787}"/>
+    <pc:docChg chg="addSld modSld">
+      <pc:chgData name="Jonny Morris" userId="S::morrisj70800@masseyhigh.school.nz::4fab9e21-29a7-4d03-b4c0-6c8a112c783d" providerId="AD" clId="Web-{D3BA5852-7B66-A859-35DA-1A7F22D39787}" dt="2021-06-09T01:12:33.081" v="234" actId="20577"/>
+      <pc:docMkLst>
+        <pc:docMk/>
+      </pc:docMkLst>
+      <pc:sldChg chg="addSp delSp modSp new mod setBg setClrOvrMap">
+        <pc:chgData name="Jonny Morris" userId="S::morrisj70800@masseyhigh.school.nz::4fab9e21-29a7-4d03-b4c0-6c8a112c783d" providerId="AD" clId="Web-{D3BA5852-7B66-A859-35DA-1A7F22D39787}" dt="2021-06-09T01:12:33.081" v="234" actId="20577"/>
+        <pc:sldMkLst>
+          <pc:docMk/>
+          <pc:sldMk cId="1564752394" sldId="261"/>
+        </pc:sldMkLst>
+        <pc:spChg chg="mod ord">
+          <ac:chgData name="Jonny Morris" userId="S::morrisj70800@masseyhigh.school.nz::4fab9e21-29a7-4d03-b4c0-6c8a112c783d" providerId="AD" clId="Web-{D3BA5852-7B66-A859-35DA-1A7F22D39787}" dt="2021-06-09T00:59:57.987" v="149"/>
+          <ac:spMkLst>
+            <pc:docMk/>
+            <pc:sldMk cId="1564752394" sldId="261"/>
+            <ac:spMk id="2" creationId="{A81619B3-50A6-4AE2-A2F1-2C344111BFA3}"/>
+          </ac:spMkLst>
+        </pc:spChg>
+        <pc:spChg chg="del">
+          <ac:chgData name="Jonny Morris" userId="S::morrisj70800@masseyhigh.school.nz::4fab9e21-29a7-4d03-b4c0-6c8a112c783d" providerId="AD" clId="Web-{D3BA5852-7B66-A859-35DA-1A7F22D39787}" dt="2021-06-09T00:42:58.419" v="1"/>
+          <ac:spMkLst>
+            <pc:docMk/>
+            <pc:sldMk cId="1564752394" sldId="261"/>
+            <ac:spMk id="3" creationId="{11D74DFB-90FC-4934-9B45-EC3E31BFCBE1}"/>
+          </ac:spMkLst>
+        </pc:spChg>
+        <pc:spChg chg="add mod">
+          <ac:chgData name="Jonny Morris" userId="S::morrisj70800@masseyhigh.school.nz::4fab9e21-29a7-4d03-b4c0-6c8a112c783d" providerId="AD" clId="Web-{D3BA5852-7B66-A859-35DA-1A7F22D39787}" dt="2021-06-09T01:12:33.081" v="234" actId="20577"/>
+          <ac:spMkLst>
+            <pc:docMk/>
+            <pc:sldMk cId="1564752394" sldId="261"/>
+            <ac:spMk id="5" creationId="{F77A086F-6797-4CAF-8296-05DDDA8099AD}"/>
+          </ac:spMkLst>
+        </pc:spChg>
+        <pc:spChg chg="add del">
+          <ac:chgData name="Jonny Morris" userId="S::morrisj70800@masseyhigh.school.nz::4fab9e21-29a7-4d03-b4c0-6c8a112c783d" providerId="AD" clId="Web-{D3BA5852-7B66-A859-35DA-1A7F22D39787}" dt="2021-06-09T00:59:45.190" v="146"/>
+          <ac:spMkLst>
+            <pc:docMk/>
+            <pc:sldMk cId="1564752394" sldId="261"/>
+            <ac:spMk id="7" creationId="{1A95671B-3CC6-4792-9114-B74FAEA224E6}"/>
+          </ac:spMkLst>
+        </pc:spChg>
+        <pc:spChg chg="add del">
+          <ac:chgData name="Jonny Morris" userId="S::morrisj70800@masseyhigh.school.nz::4fab9e21-29a7-4d03-b4c0-6c8a112c783d" providerId="AD" clId="Web-{D3BA5852-7B66-A859-35DA-1A7F22D39787}" dt="2021-06-09T00:59:57.972" v="148"/>
+          <ac:spMkLst>
+            <pc:docMk/>
+            <pc:sldMk cId="1564752394" sldId="261"/>
+            <ac:spMk id="8" creationId="{305265DC-CF6B-4AE8-B3F3-2A7A16374D31}"/>
+          </ac:spMkLst>
+        </pc:spChg>
+        <pc:spChg chg="add del">
+          <ac:chgData name="Jonny Morris" userId="S::morrisj70800@masseyhigh.school.nz::4fab9e21-29a7-4d03-b4c0-6c8a112c783d" providerId="AD" clId="Web-{D3BA5852-7B66-A859-35DA-1A7F22D39787}" dt="2021-06-09T00:59:42.799" v="144"/>
+          <ac:spMkLst>
+            <pc:docMk/>
+            <pc:sldMk cId="1564752394" sldId="261"/>
+            <ac:spMk id="10" creationId="{9AA72BD9-2C5A-4EDC-931F-5AA08EACA0F3}"/>
+          </ac:spMkLst>
+        </pc:spChg>
+        <pc:spChg chg="add">
+          <ac:chgData name="Jonny Morris" userId="S::morrisj70800@masseyhigh.school.nz::4fab9e21-29a7-4d03-b4c0-6c8a112c783d" providerId="AD" clId="Web-{D3BA5852-7B66-A859-35DA-1A7F22D39787}" dt="2021-06-09T00:59:57.987" v="149"/>
+          <ac:spMkLst>
+            <pc:docMk/>
+            <pc:sldMk cId="1564752394" sldId="261"/>
+            <ac:spMk id="11" creationId="{1A95671B-3CC6-4792-9114-B74FAEA224E6}"/>
+          </ac:spMkLst>
+        </pc:spChg>
+        <pc:spChg chg="add del">
+          <ac:chgData name="Jonny Morris" userId="S::morrisj70800@masseyhigh.school.nz::4fab9e21-29a7-4d03-b4c0-6c8a112c783d" providerId="AD" clId="Web-{D3BA5852-7B66-A859-35DA-1A7F22D39787}" dt="2021-06-09T00:59:42.799" v="144"/>
+          <ac:spMkLst>
+            <pc:docMk/>
+            <pc:sldMk cId="1564752394" sldId="261"/>
+            <ac:spMk id="12" creationId="{DD3981AC-7B61-4947-BCF3-F7AA7FA385B9}"/>
+          </ac:spMkLst>
+        </pc:spChg>
+        <pc:spChg chg="add del">
+          <ac:chgData name="Jonny Morris" userId="S::morrisj70800@masseyhigh.school.nz::4fab9e21-29a7-4d03-b4c0-6c8a112c783d" providerId="AD" clId="Web-{D3BA5852-7B66-A859-35DA-1A7F22D39787}" dt="2021-06-09T00:59:42.799" v="144"/>
+          <ac:spMkLst>
+            <pc:docMk/>
+            <pc:sldMk cId="1564752394" sldId="261"/>
+            <ac:spMk id="14" creationId="{55D4142C-5077-457F-A6AD-3FECFDB39685}"/>
+          </ac:spMkLst>
+        </pc:spChg>
+        <pc:spChg chg="add del">
+          <ac:chgData name="Jonny Morris" userId="S::morrisj70800@masseyhigh.school.nz::4fab9e21-29a7-4d03-b4c0-6c8a112c783d" providerId="AD" clId="Web-{D3BA5852-7B66-A859-35DA-1A7F22D39787}" dt="2021-06-09T00:59:42.799" v="144"/>
+          <ac:spMkLst>
+            <pc:docMk/>
+            <pc:sldMk cId="1564752394" sldId="261"/>
+            <ac:spMk id="16" creationId="{7A5F0580-5EE9-419F-96EE-B6529EF6E7D0}"/>
+          </ac:spMkLst>
+        </pc:spChg>
+        <pc:grpChg chg="add del">
+          <ac:chgData name="Jonny Morris" userId="S::morrisj70800@masseyhigh.school.nz::4fab9e21-29a7-4d03-b4c0-6c8a112c783d" providerId="AD" clId="Web-{D3BA5852-7B66-A859-35DA-1A7F22D39787}" dt="2021-06-09T00:59:57.972" v="148"/>
+          <ac:grpSpMkLst>
+            <pc:docMk/>
+            <pc:sldMk cId="1564752394" sldId="261"/>
+            <ac:grpSpMk id="9" creationId="{37EA779C-87BF-454F-919D-A3DA98FD8A79}"/>
+          </ac:grpSpMkLst>
+        </pc:grpChg>
+        <pc:picChg chg="add mod ord">
+          <ac:chgData name="Jonny Morris" userId="S::morrisj70800@masseyhigh.school.nz::4fab9e21-29a7-4d03-b4c0-6c8a112c783d" providerId="AD" clId="Web-{D3BA5852-7B66-A859-35DA-1A7F22D39787}" dt="2021-06-09T00:59:57.987" v="149"/>
+          <ac:picMkLst>
+            <pc:docMk/>
+            <pc:sldMk cId="1564752394" sldId="261"/>
+            <ac:picMk id="4" creationId="{95A9B02B-2840-47F5-851E-CE4DC41FA2E8}"/>
           </ac:picMkLst>
         </pc:picChg>
       </pc:sldChg>
@@ -412,6 +528,54 @@
       </pc:sldChg>
     </pc:docChg>
   </pc:docChgLst>
+  <pc:docChgLst>
+    <pc:chgData name="Jonny Morris" userId="S::morrisj70800@masseyhigh.school.nz::4fab9e21-29a7-4d03-b4c0-6c8a112c783d" providerId="AD" clId="Web-{C9F5174C-5619-5E50-BF05-0D84B8F86598}"/>
+    <pc:docChg chg="addSld modSld">
+      <pc:chgData name="Jonny Morris" userId="S::morrisj70800@masseyhigh.school.nz::4fab9e21-29a7-4d03-b4c0-6c8a112c783d" providerId="AD" clId="Web-{C9F5174C-5619-5E50-BF05-0D84B8F86598}" dt="2021-06-10T00:06:44.466" v="251" actId="20577"/>
+      <pc:docMkLst>
+        <pc:docMk/>
+      </pc:docMkLst>
+      <pc:sldChg chg="addSp delSp modSp new">
+        <pc:chgData name="Jonny Morris" userId="S::morrisj70800@masseyhigh.school.nz::4fab9e21-29a7-4d03-b4c0-6c8a112c783d" providerId="AD" clId="Web-{C9F5174C-5619-5E50-BF05-0D84B8F86598}" dt="2021-06-10T00:06:44.466" v="251" actId="20577"/>
+        <pc:sldMkLst>
+          <pc:docMk/>
+          <pc:sldMk cId="2917113191" sldId="262"/>
+        </pc:sldMkLst>
+        <pc:spChg chg="mod">
+          <ac:chgData name="Jonny Morris" userId="S::morrisj70800@masseyhigh.school.nz::4fab9e21-29a7-4d03-b4c0-6c8a112c783d" providerId="AD" clId="Web-{C9F5174C-5619-5E50-BF05-0D84B8F86598}" dt="2021-06-10T00:04:38.541" v="19" actId="20577"/>
+          <ac:spMkLst>
+            <pc:docMk/>
+            <pc:sldMk cId="2917113191" sldId="262"/>
+            <ac:spMk id="2" creationId="{5AE28010-B0EF-44DA-8BCD-4527C8D1D059}"/>
+          </ac:spMkLst>
+        </pc:spChg>
+        <pc:spChg chg="del">
+          <ac:chgData name="Jonny Morris" userId="S::morrisj70800@masseyhigh.school.nz::4fab9e21-29a7-4d03-b4c0-6c8a112c783d" providerId="AD" clId="Web-{C9F5174C-5619-5E50-BF05-0D84B8F86598}" dt="2021-06-10T00:04:40.900" v="20"/>
+          <ac:spMkLst>
+            <pc:docMk/>
+            <pc:sldMk cId="2917113191" sldId="262"/>
+            <ac:spMk id="3" creationId="{E7D04A62-9223-4F4D-B02C-FF5C63AE999B}"/>
+          </ac:spMkLst>
+        </pc:spChg>
+        <pc:spChg chg="add mod">
+          <ac:chgData name="Jonny Morris" userId="S::morrisj70800@masseyhigh.school.nz::4fab9e21-29a7-4d03-b4c0-6c8a112c783d" providerId="AD" clId="Web-{C9F5174C-5619-5E50-BF05-0D84B8F86598}" dt="2021-06-10T00:06:44.466" v="251" actId="20577"/>
+          <ac:spMkLst>
+            <pc:docMk/>
+            <pc:sldMk cId="2917113191" sldId="262"/>
+            <ac:spMk id="5" creationId="{9E912266-C109-4D55-9601-8A9EE4EE52B5}"/>
+          </ac:spMkLst>
+        </pc:spChg>
+        <pc:picChg chg="add mod ord">
+          <ac:chgData name="Jonny Morris" userId="S::morrisj70800@masseyhigh.school.nz::4fab9e21-29a7-4d03-b4c0-6c8a112c783d" providerId="AD" clId="Web-{C9F5174C-5619-5E50-BF05-0D84B8F86598}" dt="2021-06-10T00:04:44.416" v="22" actId="1076"/>
+          <ac:picMkLst>
+            <pc:docMk/>
+            <pc:sldMk cId="2917113191" sldId="262"/>
+            <ac:picMk id="4" creationId="{A23B8DD8-2A29-4176-AF99-EF02CE8EBC35}"/>
+          </ac:picMkLst>
+        </pc:picChg>
+      </pc:sldChg>
+    </pc:docChg>
+  </pc:docChgLst>
 </pc:chgInfo>
 </file>
 
@@ -546,7 +710,7 @@
           <a:p>
             <a:fld id="{846CE7D5-CF57-46EF-B807-FDD0502418D4}" type="datetimeFigureOut">
               <a:rPr lang="en-US" smtClean="0"/>
-              <a:t>6/3/2021</a:t>
+              <a:t>6/9/2021</a:t>
             </a:fld>
             <a:endParaRPr lang="en-US"/>
           </a:p>
@@ -716,7 +880,7 @@
           <a:p>
             <a:fld id="{846CE7D5-CF57-46EF-B807-FDD0502418D4}" type="datetimeFigureOut">
               <a:rPr lang="en-US" smtClean="0"/>
-              <a:t>6/3/2021</a:t>
+              <a:t>6/9/2021</a:t>
             </a:fld>
             <a:endParaRPr lang="en-US"/>
           </a:p>
@@ -896,7 +1060,7 @@
           <a:p>
             <a:fld id="{846CE7D5-CF57-46EF-B807-FDD0502418D4}" type="datetimeFigureOut">
               <a:rPr lang="en-US" smtClean="0"/>
-              <a:t>6/3/2021</a:t>
+              <a:t>6/9/2021</a:t>
             </a:fld>
             <a:endParaRPr lang="en-US"/>
           </a:p>
@@ -1066,7 +1230,7 @@
           <a:p>
             <a:fld id="{846CE7D5-CF57-46EF-B807-FDD0502418D4}" type="datetimeFigureOut">
               <a:rPr lang="en-US" smtClean="0"/>
-              <a:t>6/3/2021</a:t>
+              <a:t>6/9/2021</a:t>
             </a:fld>
             <a:endParaRPr lang="en-US"/>
           </a:p>
@@ -1312,7 +1476,7 @@
           <a:p>
             <a:fld id="{846CE7D5-CF57-46EF-B807-FDD0502418D4}" type="datetimeFigureOut">
               <a:rPr lang="en-US" smtClean="0"/>
-              <a:t>6/3/2021</a:t>
+              <a:t>6/9/2021</a:t>
             </a:fld>
             <a:endParaRPr lang="en-US"/>
           </a:p>
@@ -1544,7 +1708,7 @@
           <a:p>
             <a:fld id="{846CE7D5-CF57-46EF-B807-FDD0502418D4}" type="datetimeFigureOut">
               <a:rPr lang="en-US" smtClean="0"/>
-              <a:t>6/3/2021</a:t>
+              <a:t>6/9/2021</a:t>
             </a:fld>
             <a:endParaRPr lang="en-US"/>
           </a:p>
@@ -1911,7 +2075,7 @@
           <a:p>
             <a:fld id="{846CE7D5-CF57-46EF-B807-FDD0502418D4}" type="datetimeFigureOut">
               <a:rPr lang="en-US" smtClean="0"/>
-              <a:t>6/3/2021</a:t>
+              <a:t>6/9/2021</a:t>
             </a:fld>
             <a:endParaRPr lang="en-US"/>
           </a:p>
@@ -2029,7 +2193,7 @@
           <a:p>
             <a:fld id="{846CE7D5-CF57-46EF-B807-FDD0502418D4}" type="datetimeFigureOut">
               <a:rPr lang="en-US" smtClean="0"/>
-              <a:t>6/3/2021</a:t>
+              <a:t>6/9/2021</a:t>
             </a:fld>
             <a:endParaRPr lang="en-US"/>
           </a:p>
@@ -2124,7 +2288,7 @@
           <a:p>
             <a:fld id="{846CE7D5-CF57-46EF-B807-FDD0502418D4}" type="datetimeFigureOut">
               <a:rPr lang="en-US" smtClean="0"/>
-              <a:t>6/3/2021</a:t>
+              <a:t>6/9/2021</a:t>
             </a:fld>
             <a:endParaRPr lang="en-US"/>
           </a:p>
@@ -2401,7 +2565,7 @@
           <a:p>
             <a:fld id="{846CE7D5-CF57-46EF-B807-FDD0502418D4}" type="datetimeFigureOut">
               <a:rPr lang="en-US" smtClean="0"/>
-              <a:t>6/3/2021</a:t>
+              <a:t>6/9/2021</a:t>
             </a:fld>
             <a:endParaRPr lang="en-US"/>
           </a:p>
@@ -2658,7 +2822,7 @@
           <a:p>
             <a:fld id="{846CE7D5-CF57-46EF-B807-FDD0502418D4}" type="datetimeFigureOut">
               <a:rPr lang="en-US" smtClean="0"/>
-              <a:t>6/3/2021</a:t>
+              <a:t>6/9/2021</a:t>
             </a:fld>
             <a:endParaRPr lang="en-US"/>
           </a:p>
@@ -2871,7 +3035,7 @@
           <a:p>
             <a:fld id="{846CE7D5-CF57-46EF-B807-FDD0502418D4}" type="datetimeFigureOut">
               <a:rPr lang="en-US" smtClean="0"/>
-              <a:t>6/3/2021</a:t>
+              <a:t>6/9/2021</a:t>
             </a:fld>
             <a:endParaRPr lang="en-US"/>
           </a:p>
@@ -3354,7 +3518,7 @@
           <p:cNvPr id="2" name="Title 1">
             <a:extLst>
               <a:ext uri="{FF2B5EF4-FFF2-40B4-BE49-F238E27FC236}">
-                <a16:creationId xmlns:a16="http://schemas.microsoft.com/office/drawing/2014/main" id="{4AA7760E-DDE6-43AD-B768-5AF8FC14ECF5}"/>
+                <a16:creationId xmlns:a16="http://schemas.microsoft.com/office/drawing/2014/main" id="{5AE28010-B0EF-44DA-8BCD-4527C8D1D059}"/>
               </a:ext>
             </a:extLst>
           </p:cNvPr>
@@ -3371,21 +3535,21 @@
           <a:lstStyle/>
           <a:p>
             <a:r>
-              <a:rPr lang="en-US" dirty="0">
+              <a:rPr lang="en-US">
                 <a:cs typeface="Calibri Light"/>
               </a:rPr>
-              <a:t>QUIZ GUI</a:t>
-            </a:r>
-            <a:endParaRPr lang="en-US" dirty="0"/>
+              <a:t>Quiz_GUI v3</a:t>
+            </a:r>
+            <a:endParaRPr lang="en-US"/>
           </a:p>
         </p:txBody>
       </p:sp>
       <p:pic>
         <p:nvPicPr>
-          <p:cNvPr id="4" name="Picture 4" descr="A picture containing graphical user interface&#10;&#10;Description automatically generated">
+          <p:cNvPr id="4" name="Picture 4">
             <a:extLst>
               <a:ext uri="{FF2B5EF4-FFF2-40B4-BE49-F238E27FC236}">
-                <a16:creationId xmlns:a16="http://schemas.microsoft.com/office/drawing/2014/main" id="{D274BBA2-E442-450E-8D18-87D3DBB0D22E}"/>
+                <a16:creationId xmlns:a16="http://schemas.microsoft.com/office/drawing/2014/main" id="{A23B8DD8-2A29-4176-AF99-EF02CE8EBC35}"/>
               </a:ext>
             </a:extLst>
           </p:cNvPr>
@@ -3404,17 +3568,17 @@
         </p:blipFill>
         <p:spPr>
           <a:xfrm>
-            <a:off x="3841606" y="1825625"/>
-            <a:ext cx="4508788" cy="4351338"/>
+            <a:off x="256478" y="1577762"/>
+            <a:ext cx="3352800" cy="2895600"/>
           </a:xfrm>
         </p:spPr>
       </p:pic>
       <p:sp>
         <p:nvSpPr>
-          <p:cNvPr id="3" name="TextBox 2">
+          <p:cNvPr id="5" name="TextBox 4">
             <a:extLst>
               <a:ext uri="{FF2B5EF4-FFF2-40B4-BE49-F238E27FC236}">
-                <a16:creationId xmlns:a16="http://schemas.microsoft.com/office/drawing/2014/main" id="{3AA76EDA-873B-4C95-9ED7-4CD3ABC97401}"/>
+                <a16:creationId xmlns:a16="http://schemas.microsoft.com/office/drawing/2014/main" id="{9E912266-C109-4D55-9601-8A9EE4EE52B5}"/>
               </a:ext>
             </a:extLst>
           </p:cNvPr>
@@ -3423,8 +3587,8 @@
         </p:nvSpPr>
         <p:spPr>
           <a:xfrm>
-            <a:off x="308264" y="1823605"/>
-            <a:ext cx="2743199" cy="369332"/>
+            <a:off x="4361985" y="1574180"/>
+            <a:ext cx="4490224" cy="2031325"/>
           </a:xfrm>
           <a:prstGeom prst="rect">
             <a:avLst/>
@@ -3440,18 +3604,28 @@
           </a:bodyPr>
           <a:lstStyle/>
           <a:p>
-            <a:pPr algn="l"/>
-            <a:r>
-              <a:rPr lang="en-US"/>
-              <a:t>Click to add text</a:t>
-            </a:r>
+            <a:r>
+              <a:rPr lang="en-US" dirty="0">
+                <a:cs typeface="Calibri"/>
+              </a:rPr>
+              <a:t>This is my third version of my start gui. I will make it so that when you press one of the buttons it will take you to a quiz where it will display a question and give you 4 different answers. 1 of them will be correct and the other 3 will be randomly generated from a list </a:t>
+            </a:r>
+            <a:r>
+              <a:rPr lang="en-US">
+                <a:cs typeface="Calibri"/>
+              </a:rPr>
+              <a:t>of answers that I have designed </a:t>
+            </a:r>
+            <a:endParaRPr lang="en-US" dirty="0">
+              <a:cs typeface="Calibri"/>
+            </a:endParaRPr>
           </a:p>
         </p:txBody>
       </p:sp>
     </p:spTree>
     <p:extLst>
       <p:ext uri="{BB962C8B-B14F-4D97-AF65-F5344CB8AC3E}">
-        <p14:creationId xmlns:p14="http://schemas.microsoft.com/office/powerpoint/2010/main" val="358461426"/>
+        <p14:creationId xmlns:p14="http://schemas.microsoft.com/office/powerpoint/2010/main" val="2917113191"/>
       </p:ext>
     </p:extLst>
   </p:cSld>
@@ -3483,7 +3657,7 @@
           <p:cNvPr id="2" name="Title 1">
             <a:extLst>
               <a:ext uri="{FF2B5EF4-FFF2-40B4-BE49-F238E27FC236}">
-                <a16:creationId xmlns:a16="http://schemas.microsoft.com/office/drawing/2014/main" id="{92EE7463-1C1B-4BDE-94BB-493F7281A42D}"/>
+                <a16:creationId xmlns:a16="http://schemas.microsoft.com/office/drawing/2014/main" id="{4AA7760E-DDE6-43AD-B768-5AF8FC14ECF5}"/>
               </a:ext>
             </a:extLst>
           </p:cNvPr>
@@ -3503,7 +3677,7 @@
               <a:rPr lang="en-US" dirty="0">
                 <a:cs typeface="Calibri Light"/>
               </a:rPr>
-              <a:t>Program Structure</a:t>
+              <a:t>QUIZ GUI</a:t>
             </a:r>
             <a:endParaRPr lang="en-US" dirty="0"/>
           </a:p>
@@ -3511,10 +3685,10 @@
       </p:sp>
       <p:pic>
         <p:nvPicPr>
-          <p:cNvPr id="4" name="Picture 4" descr="Diagram&#10;&#10;Description automatically generated">
+          <p:cNvPr id="4" name="Picture 4" descr="A picture containing graphical user interface&#10;&#10;Description automatically generated">
             <a:extLst>
               <a:ext uri="{FF2B5EF4-FFF2-40B4-BE49-F238E27FC236}">
-                <a16:creationId xmlns:a16="http://schemas.microsoft.com/office/drawing/2014/main" id="{770B29DB-722F-42EE-BD98-08A6A58798B3}"/>
+                <a16:creationId xmlns:a16="http://schemas.microsoft.com/office/drawing/2014/main" id="{D274BBA2-E442-450E-8D18-87D3DBB0D22E}"/>
               </a:ext>
             </a:extLst>
           </p:cNvPr>
@@ -3533,8 +3707,8 @@
         </p:blipFill>
         <p:spPr>
           <a:xfrm>
-            <a:off x="4245664" y="1825625"/>
-            <a:ext cx="3700671" cy="4351338"/>
+            <a:off x="3841606" y="1825625"/>
+            <a:ext cx="4508788" cy="4351338"/>
           </a:xfrm>
         </p:spPr>
       </p:pic>
@@ -3543,7 +3717,7 @@
           <p:cNvPr id="3" name="TextBox 2">
             <a:extLst>
               <a:ext uri="{FF2B5EF4-FFF2-40B4-BE49-F238E27FC236}">
-                <a16:creationId xmlns:a16="http://schemas.microsoft.com/office/drawing/2014/main" id="{5D4E9E55-94C1-4FD3-A80E-D9AB284B8D0E}"/>
+                <a16:creationId xmlns:a16="http://schemas.microsoft.com/office/drawing/2014/main" id="{3AA76EDA-873B-4C95-9ED7-4CD3ABC97401}"/>
               </a:ext>
             </a:extLst>
           </p:cNvPr>
@@ -3552,8 +3726,8 @@
         </p:nvSpPr>
         <p:spPr>
           <a:xfrm>
-            <a:off x="602673" y="1823605"/>
-            <a:ext cx="2743199" cy="3139321"/>
+            <a:off x="308264" y="1823605"/>
+            <a:ext cx="2743199" cy="369332"/>
           </a:xfrm>
           <a:prstGeom prst="rect">
             <a:avLst/>
@@ -3569,11 +3743,10 @@
           </a:bodyPr>
           <a:lstStyle/>
           <a:p>
-            <a:r>
-              <a:rPr lang="en-US" dirty="0">
-                <a:cs typeface="Calibri"/>
-              </a:rPr>
-              <a:t>This is a plan of what my coding will need to have in each of my different components so I know what to write when I am doing the coding and making sure I have everything so that the components will work as they should be and I don’t miss out anything.</a:t>
+            <a:pPr algn="l"/>
+            <a:r>
+              <a:rPr lang="en-US"/>
+              <a:t>Click to add text</a:t>
             </a:r>
           </a:p>
         </p:txBody>
@@ -3581,7 +3754,7 @@
     </p:spTree>
     <p:extLst>
       <p:ext uri="{BB962C8B-B14F-4D97-AF65-F5344CB8AC3E}">
-        <p14:creationId xmlns:p14="http://schemas.microsoft.com/office/powerpoint/2010/main" val="2720713569"/>
+        <p14:creationId xmlns:p14="http://schemas.microsoft.com/office/powerpoint/2010/main" val="358461426"/>
       </p:ext>
     </p:extLst>
   </p:cSld>
@@ -3613,6 +3786,136 @@
           <p:cNvPr id="2" name="Title 1">
             <a:extLst>
               <a:ext uri="{FF2B5EF4-FFF2-40B4-BE49-F238E27FC236}">
+                <a16:creationId xmlns:a16="http://schemas.microsoft.com/office/drawing/2014/main" id="{92EE7463-1C1B-4BDE-94BB-493F7281A42D}"/>
+              </a:ext>
+            </a:extLst>
+          </p:cNvPr>
+          <p:cNvSpPr>
+            <a:spLocks noGrp="1"/>
+          </p:cNvSpPr>
+          <p:nvPr>
+            <p:ph type="title"/>
+          </p:nvPr>
+        </p:nvSpPr>
+        <p:spPr/>
+        <p:txBody>
+          <a:bodyPr/>
+          <a:lstStyle/>
+          <a:p>
+            <a:r>
+              <a:rPr lang="en-US" dirty="0">
+                <a:cs typeface="Calibri Light"/>
+              </a:rPr>
+              <a:t>Program Structure</a:t>
+            </a:r>
+            <a:endParaRPr lang="en-US" dirty="0"/>
+          </a:p>
+        </p:txBody>
+      </p:sp>
+      <p:pic>
+        <p:nvPicPr>
+          <p:cNvPr id="4" name="Picture 4" descr="Diagram&#10;&#10;Description automatically generated">
+            <a:extLst>
+              <a:ext uri="{FF2B5EF4-FFF2-40B4-BE49-F238E27FC236}">
+                <a16:creationId xmlns:a16="http://schemas.microsoft.com/office/drawing/2014/main" id="{770B29DB-722F-42EE-BD98-08A6A58798B3}"/>
+              </a:ext>
+            </a:extLst>
+          </p:cNvPr>
+          <p:cNvPicPr>
+            <a:picLocks noGrp="1" noChangeAspect="1"/>
+          </p:cNvPicPr>
+          <p:nvPr>
+            <p:ph idx="1"/>
+          </p:nvPr>
+        </p:nvPicPr>
+        <p:blipFill>
+          <a:blip r:embed="rId2"/>
+          <a:stretch>
+            <a:fillRect/>
+          </a:stretch>
+        </p:blipFill>
+        <p:spPr>
+          <a:xfrm>
+            <a:off x="4245664" y="1825625"/>
+            <a:ext cx="3700671" cy="4351338"/>
+          </a:xfrm>
+        </p:spPr>
+      </p:pic>
+      <p:sp>
+        <p:nvSpPr>
+          <p:cNvPr id="3" name="TextBox 2">
+            <a:extLst>
+              <a:ext uri="{FF2B5EF4-FFF2-40B4-BE49-F238E27FC236}">
+                <a16:creationId xmlns:a16="http://schemas.microsoft.com/office/drawing/2014/main" id="{5D4E9E55-94C1-4FD3-A80E-D9AB284B8D0E}"/>
+              </a:ext>
+            </a:extLst>
+          </p:cNvPr>
+          <p:cNvSpPr txBox="1"/>
+          <p:nvPr/>
+        </p:nvSpPr>
+        <p:spPr>
+          <a:xfrm>
+            <a:off x="602673" y="1823605"/>
+            <a:ext cx="2743199" cy="3139321"/>
+          </a:xfrm>
+          <a:prstGeom prst="rect">
+            <a:avLst/>
+          </a:prstGeom>
+          <a:noFill/>
+        </p:spPr>
+        <p:txBody>
+          <a:bodyPr rot="0" spcFirstLastPara="0" vertOverflow="overflow" horzOverflow="overflow" vert="horz" wrap="square" lIns="91440" tIns="45720" rIns="91440" bIns="45720" numCol="1" spcCol="0" rtlCol="0" fromWordArt="0" anchor="t" anchorCtr="0" forceAA="0" compatLnSpc="1">
+            <a:prstTxWarp prst="textNoShape">
+              <a:avLst/>
+            </a:prstTxWarp>
+            <a:spAutoFit/>
+          </a:bodyPr>
+          <a:lstStyle/>
+          <a:p>
+            <a:r>
+              <a:rPr lang="en-US" dirty="0">
+                <a:cs typeface="Calibri"/>
+              </a:rPr>
+              <a:t>This is a plan of what my coding will need to have in each of my different components so I know what to write when I am doing the coding and making sure I have everything so that the components will work as they should be and I don’t miss out anything.</a:t>
+            </a:r>
+          </a:p>
+        </p:txBody>
+      </p:sp>
+    </p:spTree>
+    <p:extLst>
+      <p:ext uri="{BB962C8B-B14F-4D97-AF65-F5344CB8AC3E}">
+        <p14:creationId xmlns:p14="http://schemas.microsoft.com/office/powerpoint/2010/main" val="2720713569"/>
+      </p:ext>
+    </p:extLst>
+  </p:cSld>
+  <p:clrMapOvr>
+    <a:masterClrMapping/>
+  </p:clrMapOvr>
+</p:sld>
+</file>
+
+<file path=ppt/slides/slide5.xml><?xml version="1.0" encoding="utf-8"?>
+<p:sld xmlns:a="http://schemas.openxmlformats.org/drawingml/2006/main" xmlns:r="http://schemas.openxmlformats.org/officeDocument/2006/relationships" xmlns:p="http://schemas.openxmlformats.org/presentationml/2006/main">
+  <p:cSld>
+    <p:spTree>
+      <p:nvGrpSpPr>
+        <p:cNvPr id="1" name=""/>
+        <p:cNvGrpSpPr/>
+        <p:nvPr/>
+      </p:nvGrpSpPr>
+      <p:grpSpPr>
+        <a:xfrm>
+          <a:off x="0" y="0"/>
+          <a:ext cx="0" cy="0"/>
+          <a:chOff x="0" y="0"/>
+          <a:chExt cx="0" cy="0"/>
+        </a:xfrm>
+      </p:grpSpPr>
+      <p:sp>
+        <p:nvSpPr>
+          <p:cNvPr id="2" name="Title 1">
+            <a:extLst>
+              <a:ext uri="{FF2B5EF4-FFF2-40B4-BE49-F238E27FC236}">
                 <a16:creationId xmlns:a16="http://schemas.microsoft.com/office/drawing/2014/main" id="{588E3780-8974-43B7-B56C-88962D87DE18}"/>
               </a:ext>
             </a:extLst>
@@ -3733,7 +4036,7 @@
 </p:sld>
 </file>
 
-<file path=ppt/slides/slide5.xml><?xml version="1.0" encoding="utf-8"?>
+<file path=ppt/slides/slide6.xml><?xml version="1.0" encoding="utf-8"?>
 <p:sld xmlns:a="http://schemas.openxmlformats.org/drawingml/2006/main" xmlns:r="http://schemas.openxmlformats.org/officeDocument/2006/relationships" xmlns:p="http://schemas.openxmlformats.org/presentationml/2006/main">
   <p:cSld>
     <p:bg>
@@ -3978,6 +4281,226 @@
     <p:extLst>
       <p:ext uri="{BB962C8B-B14F-4D97-AF65-F5344CB8AC3E}">
         <p14:creationId xmlns:p14="http://schemas.microsoft.com/office/powerpoint/2010/main" val="4213354389"/>
+      </p:ext>
+    </p:extLst>
+  </p:cSld>
+  <p:clrMapOvr>
+    <a:masterClrMapping/>
+  </p:clrMapOvr>
+</p:sld>
+</file>
+
+<file path=ppt/slides/slide7.xml><?xml version="1.0" encoding="utf-8"?>
+<p:sld xmlns:a="http://schemas.openxmlformats.org/drawingml/2006/main" xmlns:r="http://schemas.openxmlformats.org/officeDocument/2006/relationships" xmlns:p="http://schemas.openxmlformats.org/presentationml/2006/main">
+  <p:cSld>
+    <p:bg>
+      <p:bgPr>
+        <a:solidFill>
+          <a:schemeClr val="bg1"/>
+        </a:solidFill>
+        <a:effectLst/>
+      </p:bgPr>
+    </p:bg>
+    <p:spTree>
+      <p:nvGrpSpPr>
+        <p:cNvPr id="1" name=""/>
+        <p:cNvGrpSpPr/>
+        <p:nvPr/>
+      </p:nvGrpSpPr>
+      <p:grpSpPr>
+        <a:xfrm>
+          <a:off x="0" y="0"/>
+          <a:ext cx="0" cy="0"/>
+          <a:chOff x="0" y="0"/>
+          <a:chExt cx="0" cy="0"/>
+        </a:xfrm>
+      </p:grpSpPr>
+      <p:sp useBgFill="1">
+        <p:nvSpPr>
+          <p:cNvPr id="11" name="Rectangle 9">
+            <a:extLst>
+              <a:ext uri="{FF2B5EF4-FFF2-40B4-BE49-F238E27FC236}">
+                <a16:creationId xmlns:a16="http://schemas.microsoft.com/office/drawing/2014/main" id="{1A95671B-3CC6-4792-9114-B74FAEA224E6}"/>
+              </a:ext>
+              <a:ext uri="{C183D7F6-B498-43B3-948B-1728B52AA6E4}">
+                <adec:decorative xmlns:adec="http://schemas.microsoft.com/office/drawing/2017/decorative" val="1"/>
+              </a:ext>
+            </a:extLst>
+          </p:cNvPr>
+          <p:cNvSpPr>
+            <a:spLocks noGrp="1" noRot="1" noChangeAspect="1" noMove="1" noResize="1" noEditPoints="1" noAdjustHandles="1" noChangeArrowheads="1" noChangeShapeType="1" noTextEdit="1"/>
+          </p:cNvSpPr>
+          <p:nvPr>
+            <p:extLst>
+              <p:ext uri="{386F3935-93C4-4BCD-93E2-E3B085C9AB24}">
+                <p16:designElem xmlns:p16="http://schemas.microsoft.com/office/powerpoint/2015/main" val="1"/>
+              </p:ext>
+            </p:extLst>
+          </p:nvPr>
+        </p:nvSpPr>
+        <p:spPr>
+          <a:xfrm>
+            <a:off x="0" y="0"/>
+            <a:ext cx="12188952" cy="6858000"/>
+          </a:xfrm>
+          <a:prstGeom prst="rect">
+            <a:avLst/>
+          </a:prstGeom>
+          <a:ln>
+            <a:noFill/>
+          </a:ln>
+        </p:spPr>
+        <p:style>
+          <a:lnRef idx="2">
+            <a:schemeClr val="accent1">
+              <a:shade val="50000"/>
+            </a:schemeClr>
+          </a:lnRef>
+          <a:fillRef idx="1">
+            <a:schemeClr val="accent1"/>
+          </a:fillRef>
+          <a:effectRef idx="0">
+            <a:schemeClr val="accent1"/>
+          </a:effectRef>
+          <a:fontRef idx="minor">
+            <a:schemeClr val="lt1"/>
+          </a:fontRef>
+        </p:style>
+        <p:txBody>
+          <a:bodyPr rtlCol="0" anchor="ctr"/>
+          <a:lstStyle/>
+          <a:p>
+            <a:pPr algn="ctr"/>
+            <a:endParaRPr lang="en-US"/>
+          </a:p>
+        </p:txBody>
+      </p:sp>
+      <p:sp>
+        <p:nvSpPr>
+          <p:cNvPr id="2" name="Title 1">
+            <a:extLst>
+              <a:ext uri="{FF2B5EF4-FFF2-40B4-BE49-F238E27FC236}">
+                <a16:creationId xmlns:a16="http://schemas.microsoft.com/office/drawing/2014/main" id="{A81619B3-50A6-4AE2-A2F1-2C344111BFA3}"/>
+              </a:ext>
+            </a:extLst>
+          </p:cNvPr>
+          <p:cNvSpPr>
+            <a:spLocks noGrp="1"/>
+          </p:cNvSpPr>
+          <p:nvPr>
+            <p:ph type="title"/>
+          </p:nvPr>
+        </p:nvSpPr>
+        <p:spPr>
+          <a:xfrm>
+            <a:off x="1008184" y="174032"/>
+            <a:ext cx="10175631" cy="1111843"/>
+          </a:xfrm>
+        </p:spPr>
+        <p:txBody>
+          <a:bodyPr vert="horz" lIns="91440" tIns="45720" rIns="91440" bIns="45720" rtlCol="0" anchor="ctr">
+            <a:normAutofit/>
+          </a:bodyPr>
+          <a:lstStyle/>
+          <a:p>
+            <a:pPr algn="ctr"/>
+            <a:r>
+              <a:rPr lang="en-US" sz="4000" kern="1200">
+                <a:solidFill>
+                  <a:schemeClr val="tx1"/>
+                </a:solidFill>
+                <a:latin typeface="+mj-lt"/>
+                <a:ea typeface="+mj-ea"/>
+                <a:cs typeface="+mj-cs"/>
+              </a:rPr>
+              <a:t>Start_Gui_V2</a:t>
+            </a:r>
+          </a:p>
+        </p:txBody>
+      </p:sp>
+      <p:sp>
+        <p:nvSpPr>
+          <p:cNvPr id="5" name="TextBox 4">
+            <a:extLst>
+              <a:ext uri="{FF2B5EF4-FFF2-40B4-BE49-F238E27FC236}">
+                <a16:creationId xmlns:a16="http://schemas.microsoft.com/office/drawing/2014/main" id="{F77A086F-6797-4CAF-8296-05DDDA8099AD}"/>
+              </a:ext>
+            </a:extLst>
+          </p:cNvPr>
+          <p:cNvSpPr txBox="1"/>
+          <p:nvPr/>
+        </p:nvSpPr>
+        <p:spPr>
+          <a:xfrm>
+            <a:off x="1008184" y="1459907"/>
+            <a:ext cx="10175630" cy="767904"/>
+          </a:xfrm>
+          <a:prstGeom prst="rect">
+            <a:avLst/>
+          </a:prstGeom>
+        </p:spPr>
+        <p:txBody>
+          <a:bodyPr rot="0" spcFirstLastPara="0" vertOverflow="overflow" horzOverflow="overflow" vert="horz" lIns="91440" tIns="45720" rIns="91440" bIns="45720" numCol="1" spcCol="0" rtlCol="0" fromWordArt="0" anchor="ctr" anchorCtr="0" forceAA="0" compatLnSpc="1">
+            <a:prstTxWarp prst="textNoShape">
+              <a:avLst/>
+            </a:prstTxWarp>
+            <a:normAutofit/>
+          </a:bodyPr>
+          <a:lstStyle/>
+          <a:p>
+            <a:pPr indent="-228600" algn="ctr">
+              <a:lnSpc>
+                <a:spcPct val="90000"/>
+              </a:lnSpc>
+              <a:spcAft>
+                <a:spcPts val="600"/>
+              </a:spcAft>
+              <a:buFont typeface="Arial" panose="020B0604020202020204" pitchFamily="34" charset="0"/>
+              <a:buChar char="•"/>
+            </a:pPr>
+            <a:r>
+              <a:rPr lang="en-US" sz="1600"/>
+              <a:t>This is a very rough  draft of what I intend my start gui to look like. Ideally  I want to make the pictures smaller and add 2 more pictures of the different gods from the roman and greek periods I will also change the picture of the current god you can see.. And I would like to add a quit button aswell. </a:t>
+            </a:r>
+          </a:p>
+        </p:txBody>
+      </p:sp>
+      <p:pic>
+        <p:nvPicPr>
+          <p:cNvPr id="4" name="Picture 4">
+            <a:extLst>
+              <a:ext uri="{FF2B5EF4-FFF2-40B4-BE49-F238E27FC236}">
+                <a16:creationId xmlns:a16="http://schemas.microsoft.com/office/drawing/2014/main" id="{95A9B02B-2840-47F5-851E-CE4DC41FA2E8}"/>
+              </a:ext>
+            </a:extLst>
+          </p:cNvPr>
+          <p:cNvPicPr>
+            <a:picLocks noGrp="1" noChangeAspect="1"/>
+          </p:cNvPicPr>
+          <p:nvPr>
+            <p:ph idx="1"/>
+          </p:nvPr>
+        </p:nvPicPr>
+        <p:blipFill>
+          <a:blip r:embed="rId2"/>
+          <a:stretch>
+            <a:fillRect/>
+          </a:stretch>
+        </p:blipFill>
+        <p:spPr>
+          <a:xfrm>
+            <a:off x="835154" y="2501473"/>
+            <a:ext cx="10515595" cy="3706745"/>
+          </a:xfrm>
+          <a:prstGeom prst="rect">
+            <a:avLst/>
+          </a:prstGeom>
+        </p:spPr>
+      </p:pic>
+    </p:spTree>
+    <p:extLst>
+      <p:ext uri="{BB962C8B-B14F-4D97-AF65-F5344CB8AC3E}">
+        <p14:creationId xmlns:p14="http://schemas.microsoft.com/office/powerpoint/2010/main" val="1564752394"/>
       </p:ext>
     </p:extLst>
   </p:cSld>

--- a/Programming Assesment.pptx
+++ b/Programming Assesment.pptx
@@ -12,6 +12,7 @@
     <p:sldId id="259" r:id="rId6"/>
     <p:sldId id="260" r:id="rId7"/>
     <p:sldId id="261" r:id="rId8"/>
+    <p:sldId id="263" r:id="rId9"/>
   </p:sldIdLst>
   <p:sldSz cx="12192000" cy="6858000"/>
   <p:notesSz cx="6858000" cy="9144000"/>
@@ -121,6 +122,8 @@
 <file path=ppt/revisionInfo.xml><?xml version="1.0" encoding="utf-8"?>
 <p1510:revInfo xmlns:a="http://schemas.openxmlformats.org/drawingml/2006/main" xmlns:r="http://schemas.openxmlformats.org/officeDocument/2006/relationships" xmlns:p1510="http://schemas.microsoft.com/office/powerpoint/2015/10/main">
   <p1510:revLst>
+    <p1510:client id="{019C6E3F-A324-5B4C-50AB-15D7FB2CFC33}" v="4" dt="2021-06-15T02:11:27.852"/>
+    <p1510:client id="{3312139C-ECA4-D6E5-6EA0-9FAF5992739F}" v="61" dt="2021-06-15T02:10:40.639"/>
     <p1510:client id="{33F175D3-4D32-71D5-6709-62DB828ADCB0}" v="83" dt="2021-06-03T22:45:46.848"/>
     <p1510:client id="{61852D5F-CC47-4EF3-8523-0D8470090199}" v="32" dt="2021-05-27T22:48:17.050"/>
     <p1510:client id="{82670D97-0EF6-5614-F833-FE3B0A574D76}" v="27" dt="2021-05-30T21:53:29.949"/>
@@ -134,54 +137,6 @@
 
 <file path=ppt/changesInfos/changesInfo1.xml><?xml version="1.0" encoding="utf-8"?>
 <pc:chgInfo xmlns:a="http://schemas.openxmlformats.org/drawingml/2006/main" xmlns:r="http://schemas.openxmlformats.org/officeDocument/2006/relationships" xmlns:ac="http://schemas.microsoft.com/office/drawing/2013/main/command" xmlns:pc="http://schemas.microsoft.com/office/powerpoint/2013/main/command">
-  <pc:docChgLst>
-    <pc:chgData name="Jonny Morris" userId="S::morrisj70800@masseyhigh.school.nz::4fab9e21-29a7-4d03-b4c0-6c8a112c783d" providerId="AD" clId="Web-{82670D97-0EF6-5614-F833-FE3B0A574D76}"/>
-    <pc:docChg chg="modSld">
-      <pc:chgData name="Jonny Morris" userId="S::morrisj70800@masseyhigh.school.nz::4fab9e21-29a7-4d03-b4c0-6c8a112c783d" providerId="AD" clId="Web-{82670D97-0EF6-5614-F833-FE3B0A574D76}" dt="2021-05-30T21:53:29.949" v="16" actId="14100"/>
-      <pc:docMkLst>
-        <pc:docMk/>
-      </pc:docMkLst>
-      <pc:sldChg chg="addSp delSp modSp">
-        <pc:chgData name="Jonny Morris" userId="S::morrisj70800@masseyhigh.school.nz::4fab9e21-29a7-4d03-b4c0-6c8a112c783d" providerId="AD" clId="Web-{82670D97-0EF6-5614-F833-FE3B0A574D76}" dt="2021-05-30T21:53:29.949" v="16" actId="14100"/>
-        <pc:sldMkLst>
-          <pc:docMk/>
-          <pc:sldMk cId="1121134679" sldId="259"/>
-        </pc:sldMkLst>
-        <pc:spChg chg="mod">
-          <ac:chgData name="Jonny Morris" userId="S::morrisj70800@masseyhigh.school.nz::4fab9e21-29a7-4d03-b4c0-6c8a112c783d" providerId="AD" clId="Web-{82670D97-0EF6-5614-F833-FE3B0A574D76}" dt="2021-05-30T21:53:09.277" v="9" actId="20577"/>
-          <ac:spMkLst>
-            <pc:docMk/>
-            <pc:sldMk cId="1121134679" sldId="259"/>
-            <ac:spMk id="2" creationId="{588E3780-8974-43B7-B56C-88962D87DE18}"/>
-          </ac:spMkLst>
-        </pc:spChg>
-        <pc:spChg chg="del">
-          <ac:chgData name="Jonny Morris" userId="S::morrisj70800@masseyhigh.school.nz::4fab9e21-29a7-4d03-b4c0-6c8a112c783d" providerId="AD" clId="Web-{82670D97-0EF6-5614-F833-FE3B0A574D76}" dt="2021-05-30T21:53:10.495" v="10"/>
-          <ac:spMkLst>
-            <pc:docMk/>
-            <pc:sldMk cId="1121134679" sldId="259"/>
-            <ac:spMk id="3" creationId="{A9883A00-3047-4C01-A803-486F6FC2F7B9}"/>
-          </ac:spMkLst>
-        </pc:spChg>
-        <pc:spChg chg="add mod">
-          <ac:chgData name="Jonny Morris" userId="S::morrisj70800@masseyhigh.school.nz::4fab9e21-29a7-4d03-b4c0-6c8a112c783d" providerId="AD" clId="Web-{82670D97-0EF6-5614-F833-FE3B0A574D76}" dt="2021-05-30T21:53:29.949" v="16" actId="14100"/>
-          <ac:spMkLst>
-            <pc:docMk/>
-            <pc:sldMk cId="1121134679" sldId="259"/>
-            <ac:spMk id="5" creationId="{13770BC4-8233-4892-B0E6-F07AC0ADDCFD}"/>
-          </ac:spMkLst>
-        </pc:spChg>
-        <pc:picChg chg="add mod ord">
-          <ac:chgData name="Jonny Morris" userId="S::morrisj70800@masseyhigh.school.nz::4fab9e21-29a7-4d03-b4c0-6c8a112c783d" providerId="AD" clId="Web-{82670D97-0EF6-5614-F833-FE3B0A574D76}" dt="2021-05-30T21:53:12.824" v="11" actId="1076"/>
-          <ac:picMkLst>
-            <pc:docMk/>
-            <pc:sldMk cId="1121134679" sldId="259"/>
-            <ac:picMk id="4" creationId="{832CB706-A894-4C79-A765-CAC0EEA0D08A}"/>
-          </ac:picMkLst>
-        </pc:picChg>
-      </pc:sldChg>
-    </pc:docChg>
-  </pc:docChgLst>
   <pc:docChgLst>
     <pc:chgData name="Jonny Morris" userId="S::morrisj70800@masseyhigh.school.nz::4fab9e21-29a7-4d03-b4c0-6c8a112c783d" providerId="AD" clId="Web-{D3BA5852-7B66-A859-35DA-1A7F22D39787}"/>
     <pc:docChg chg="addSld modSld">
@@ -295,6 +250,54 @@
     </pc:docChg>
   </pc:docChgLst>
   <pc:docChgLst>
+    <pc:chgData name="Jonny Morris" userId="S::morrisj70800@masseyhigh.school.nz::4fab9e21-29a7-4d03-b4c0-6c8a112c783d" providerId="AD" clId="Web-{82670D97-0EF6-5614-F833-FE3B0A574D76}"/>
+    <pc:docChg chg="modSld">
+      <pc:chgData name="Jonny Morris" userId="S::morrisj70800@masseyhigh.school.nz::4fab9e21-29a7-4d03-b4c0-6c8a112c783d" providerId="AD" clId="Web-{82670D97-0EF6-5614-F833-FE3B0A574D76}" dt="2021-05-30T21:53:29.949" v="16" actId="14100"/>
+      <pc:docMkLst>
+        <pc:docMk/>
+      </pc:docMkLst>
+      <pc:sldChg chg="addSp delSp modSp">
+        <pc:chgData name="Jonny Morris" userId="S::morrisj70800@masseyhigh.school.nz::4fab9e21-29a7-4d03-b4c0-6c8a112c783d" providerId="AD" clId="Web-{82670D97-0EF6-5614-F833-FE3B0A574D76}" dt="2021-05-30T21:53:29.949" v="16" actId="14100"/>
+        <pc:sldMkLst>
+          <pc:docMk/>
+          <pc:sldMk cId="1121134679" sldId="259"/>
+        </pc:sldMkLst>
+        <pc:spChg chg="mod">
+          <ac:chgData name="Jonny Morris" userId="S::morrisj70800@masseyhigh.school.nz::4fab9e21-29a7-4d03-b4c0-6c8a112c783d" providerId="AD" clId="Web-{82670D97-0EF6-5614-F833-FE3B0A574D76}" dt="2021-05-30T21:53:09.277" v="9" actId="20577"/>
+          <ac:spMkLst>
+            <pc:docMk/>
+            <pc:sldMk cId="1121134679" sldId="259"/>
+            <ac:spMk id="2" creationId="{588E3780-8974-43B7-B56C-88962D87DE18}"/>
+          </ac:spMkLst>
+        </pc:spChg>
+        <pc:spChg chg="del">
+          <ac:chgData name="Jonny Morris" userId="S::morrisj70800@masseyhigh.school.nz::4fab9e21-29a7-4d03-b4c0-6c8a112c783d" providerId="AD" clId="Web-{82670D97-0EF6-5614-F833-FE3B0A574D76}" dt="2021-05-30T21:53:10.495" v="10"/>
+          <ac:spMkLst>
+            <pc:docMk/>
+            <pc:sldMk cId="1121134679" sldId="259"/>
+            <ac:spMk id="3" creationId="{A9883A00-3047-4C01-A803-486F6FC2F7B9}"/>
+          </ac:spMkLst>
+        </pc:spChg>
+        <pc:spChg chg="add mod">
+          <ac:chgData name="Jonny Morris" userId="S::morrisj70800@masseyhigh.school.nz::4fab9e21-29a7-4d03-b4c0-6c8a112c783d" providerId="AD" clId="Web-{82670D97-0EF6-5614-F833-FE3B0A574D76}" dt="2021-05-30T21:53:29.949" v="16" actId="14100"/>
+          <ac:spMkLst>
+            <pc:docMk/>
+            <pc:sldMk cId="1121134679" sldId="259"/>
+            <ac:spMk id="5" creationId="{13770BC4-8233-4892-B0E6-F07AC0ADDCFD}"/>
+          </ac:spMkLst>
+        </pc:spChg>
+        <pc:picChg chg="add mod ord">
+          <ac:chgData name="Jonny Morris" userId="S::morrisj70800@masseyhigh.school.nz::4fab9e21-29a7-4d03-b4c0-6c8a112c783d" providerId="AD" clId="Web-{82670D97-0EF6-5614-F833-FE3B0A574D76}" dt="2021-05-30T21:53:12.824" v="11" actId="1076"/>
+          <ac:picMkLst>
+            <pc:docMk/>
+            <pc:sldMk cId="1121134679" sldId="259"/>
+            <ac:picMk id="4" creationId="{832CB706-A894-4C79-A765-CAC0EEA0D08A}"/>
+          </ac:picMkLst>
+        </pc:picChg>
+      </pc:sldChg>
+    </pc:docChg>
+  </pc:docChgLst>
+  <pc:docChgLst>
     <pc:chgData name="Jonny Morris" userId="S::morrisj70800@masseyhigh.school.nz::4fab9e21-29a7-4d03-b4c0-6c8a112c783d" providerId="AD" clId="Web-{61852D5F-CC47-4EF3-8523-0D8470090199}"/>
     <pc:docChg chg="addSld modSld">
       <pc:chgData name="Jonny Morris" userId="S::morrisj70800@masseyhigh.school.nz::4fab9e21-29a7-4d03-b4c0-6c8a112c783d" providerId="AD" clId="Web-{61852D5F-CC47-4EF3-8523-0D8470090199}" dt="2021-05-27T22:48:16.206" v="16" actId="20577"/>
@@ -395,6 +398,60 @@
     </pc:docChg>
   </pc:docChgLst>
   <pc:docChgLst>
+    <pc:chgData name="Jonny Morris" userId="S::morrisj70800@masseyhigh.school.nz::4fab9e21-29a7-4d03-b4c0-6c8a112c783d" providerId="AD" clId="Web-{8BDA8286-ABF9-455E-92B6-822DD2D54F24}"/>
+    <pc:docChg chg="modSld">
+      <pc:chgData name="Jonny Morris" userId="S::morrisj70800@masseyhigh.school.nz::4fab9e21-29a7-4d03-b4c0-6c8a112c783d" providerId="AD" clId="Web-{8BDA8286-ABF9-455E-92B6-822DD2D54F24}" dt="2021-06-02T23:33:01.816" v="185" actId="14100"/>
+      <pc:docMkLst>
+        <pc:docMk/>
+      </pc:docMkLst>
+      <pc:sldChg chg="addSp modSp">
+        <pc:chgData name="Jonny Morris" userId="S::morrisj70800@masseyhigh.school.nz::4fab9e21-29a7-4d03-b4c0-6c8a112c783d" providerId="AD" clId="Web-{8BDA8286-ABF9-455E-92B6-822DD2D54F24}" dt="2021-06-02T23:33:01.816" v="185" actId="14100"/>
+        <pc:sldMkLst>
+          <pc:docMk/>
+          <pc:sldMk cId="358461426" sldId="257"/>
+        </pc:sldMkLst>
+        <pc:spChg chg="add mod">
+          <ac:chgData name="Jonny Morris" userId="S::morrisj70800@masseyhigh.school.nz::4fab9e21-29a7-4d03-b4c0-6c8a112c783d" providerId="AD" clId="Web-{8BDA8286-ABF9-455E-92B6-822DD2D54F24}" dt="2021-06-02T23:33:01.816" v="185" actId="14100"/>
+          <ac:spMkLst>
+            <pc:docMk/>
+            <pc:sldMk cId="358461426" sldId="257"/>
+            <ac:spMk id="3" creationId="{3AA76EDA-873B-4C95-9ED7-4CD3ABC97401}"/>
+          </ac:spMkLst>
+        </pc:spChg>
+      </pc:sldChg>
+      <pc:sldChg chg="addSp modSp">
+        <pc:chgData name="Jonny Morris" userId="S::morrisj70800@masseyhigh.school.nz::4fab9e21-29a7-4d03-b4c0-6c8a112c783d" providerId="AD" clId="Web-{8BDA8286-ABF9-455E-92B6-822DD2D54F24}" dt="2021-06-02T23:32:14.187" v="182" actId="20577"/>
+        <pc:sldMkLst>
+          <pc:docMk/>
+          <pc:sldMk cId="2720713569" sldId="258"/>
+        </pc:sldMkLst>
+        <pc:spChg chg="add mod">
+          <ac:chgData name="Jonny Morris" userId="S::morrisj70800@masseyhigh.school.nz::4fab9e21-29a7-4d03-b4c0-6c8a112c783d" providerId="AD" clId="Web-{8BDA8286-ABF9-455E-92B6-822DD2D54F24}" dt="2021-06-02T23:32:14.187" v="182" actId="20577"/>
+          <ac:spMkLst>
+            <pc:docMk/>
+            <pc:sldMk cId="2720713569" sldId="258"/>
+            <ac:spMk id="3" creationId="{5D4E9E55-94C1-4FD3-A80E-D9AB284B8D0E}"/>
+          </ac:spMkLst>
+        </pc:spChg>
+      </pc:sldChg>
+      <pc:sldChg chg="modSp">
+        <pc:chgData name="Jonny Morris" userId="S::morrisj70800@masseyhigh.school.nz::4fab9e21-29a7-4d03-b4c0-6c8a112c783d" providerId="AD" clId="Web-{8BDA8286-ABF9-455E-92B6-822DD2D54F24}" dt="2021-06-02T23:28:21.230" v="4" actId="20577"/>
+        <pc:sldMkLst>
+          <pc:docMk/>
+          <pc:sldMk cId="1121134679" sldId="259"/>
+        </pc:sldMkLst>
+        <pc:spChg chg="mod">
+          <ac:chgData name="Jonny Morris" userId="S::morrisj70800@masseyhigh.school.nz::4fab9e21-29a7-4d03-b4c0-6c8a112c783d" providerId="AD" clId="Web-{8BDA8286-ABF9-455E-92B6-822DD2D54F24}" dt="2021-06-02T23:28:21.230" v="4" actId="20577"/>
+          <ac:spMkLst>
+            <pc:docMk/>
+            <pc:sldMk cId="1121134679" sldId="259"/>
+            <ac:spMk id="2" creationId="{588E3780-8974-43B7-B56C-88962D87DE18}"/>
+          </ac:spMkLst>
+        </pc:spChg>
+      </pc:sldChg>
+    </pc:docChg>
+  </pc:docChgLst>
+  <pc:docChgLst>
     <pc:chgData name="Jonny Morris" userId="S::morrisj70800@masseyhigh.school.nz::4fab9e21-29a7-4d03-b4c0-6c8a112c783d" providerId="AD" clId="Web-{33F175D3-4D32-71D5-6709-62DB828ADCB0}"/>
     <pc:docChg chg="modSld">
       <pc:chgData name="Jonny Morris" userId="S::morrisj70800@masseyhigh.school.nz::4fab9e21-29a7-4d03-b4c0-6c8a112c783d" providerId="AD" clId="Web-{33F175D3-4D32-71D5-6709-62DB828ADCB0}" dt="2021-06-03T22:51:11.495" v="43"/>
@@ -451,56 +508,112 @@
     </pc:docChg>
   </pc:docChgLst>
   <pc:docChgLst>
-    <pc:chgData name="Jonny Morris" userId="S::morrisj70800@masseyhigh.school.nz::4fab9e21-29a7-4d03-b4c0-6c8a112c783d" providerId="AD" clId="Web-{8BDA8286-ABF9-455E-92B6-822DD2D54F24}"/>
-    <pc:docChg chg="modSld">
-      <pc:chgData name="Jonny Morris" userId="S::morrisj70800@masseyhigh.school.nz::4fab9e21-29a7-4d03-b4c0-6c8a112c783d" providerId="AD" clId="Web-{8BDA8286-ABF9-455E-92B6-822DD2D54F24}" dt="2021-06-02T23:33:01.816" v="185" actId="14100"/>
+    <pc:chgData name="Jonny Morris" userId="S::morrisj70800@masseyhigh.school.nz::4fab9e21-29a7-4d03-b4c0-6c8a112c783d" providerId="AD" clId="Web-{3312139C-ECA4-D6E5-6EA0-9FAF5992739F}"/>
+    <pc:docChg chg="addSld modSld">
+      <pc:chgData name="Jonny Morris" userId="S::morrisj70800@masseyhigh.school.nz::4fab9e21-29a7-4d03-b4c0-6c8a112c783d" providerId="AD" clId="Web-{3312139C-ECA4-D6E5-6EA0-9FAF5992739F}" dt="2021-06-15T02:10:40.639" v="39" actId="14100"/>
       <pc:docMkLst>
         <pc:docMk/>
       </pc:docMkLst>
-      <pc:sldChg chg="addSp modSp">
-        <pc:chgData name="Jonny Morris" userId="S::morrisj70800@masseyhigh.school.nz::4fab9e21-29a7-4d03-b4c0-6c8a112c783d" providerId="AD" clId="Web-{8BDA8286-ABF9-455E-92B6-822DD2D54F24}" dt="2021-06-02T23:33:01.816" v="185" actId="14100"/>
+      <pc:sldChg chg="addSp delSp modSp">
+        <pc:chgData name="Jonny Morris" userId="S::morrisj70800@masseyhigh.school.nz::4fab9e21-29a7-4d03-b4c0-6c8a112c783d" providerId="AD" clId="Web-{3312139C-ECA4-D6E5-6EA0-9FAF5992739F}" dt="2021-06-15T02:08:00.534" v="17"/>
         <pc:sldMkLst>
           <pc:docMk/>
-          <pc:sldMk cId="358461426" sldId="257"/>
+          <pc:sldMk cId="109857222" sldId="256"/>
         </pc:sldMkLst>
-        <pc:spChg chg="add mod">
-          <ac:chgData name="Jonny Morris" userId="S::morrisj70800@masseyhigh.school.nz::4fab9e21-29a7-4d03-b4c0-6c8a112c783d" providerId="AD" clId="Web-{8BDA8286-ABF9-455E-92B6-822DD2D54F24}" dt="2021-06-02T23:33:01.816" v="185" actId="14100"/>
+        <pc:spChg chg="mod">
+          <ac:chgData name="Jonny Morris" userId="S::morrisj70800@masseyhigh.school.nz::4fab9e21-29a7-4d03-b4c0-6c8a112c783d" providerId="AD" clId="Web-{3312139C-ECA4-D6E5-6EA0-9FAF5992739F}" dt="2021-06-15T02:07:55.206" v="12" actId="20577"/>
           <ac:spMkLst>
             <pc:docMk/>
-            <pc:sldMk cId="358461426" sldId="257"/>
-            <ac:spMk id="3" creationId="{3AA76EDA-873B-4C95-9ED7-4CD3ABC97401}"/>
+            <pc:sldMk cId="109857222" sldId="256"/>
+            <ac:spMk id="2" creationId="{00000000-0000-0000-0000-000000000000}"/>
           </ac:spMkLst>
         </pc:spChg>
+        <pc:picChg chg="add del mod">
+          <ac:chgData name="Jonny Morris" userId="S::morrisj70800@masseyhigh.school.nz::4fab9e21-29a7-4d03-b4c0-6c8a112c783d" providerId="AD" clId="Web-{3312139C-ECA4-D6E5-6EA0-9FAF5992739F}" dt="2021-06-15T02:08:00.534" v="17"/>
+          <ac:picMkLst>
+            <pc:docMk/>
+            <pc:sldMk cId="109857222" sldId="256"/>
+            <ac:picMk id="4" creationId="{6D1D8967-C6E2-4034-BB3C-C8B3C41033E7}"/>
+          </ac:picMkLst>
+        </pc:picChg>
       </pc:sldChg>
-      <pc:sldChg chg="addSp modSp">
-        <pc:chgData name="Jonny Morris" userId="S::morrisj70800@masseyhigh.school.nz::4fab9e21-29a7-4d03-b4c0-6c8a112c783d" providerId="AD" clId="Web-{8BDA8286-ABF9-455E-92B6-822DD2D54F24}" dt="2021-06-02T23:32:14.187" v="182" actId="20577"/>
+      <pc:sldChg chg="addSp delSp modSp new">
+        <pc:chgData name="Jonny Morris" userId="S::morrisj70800@masseyhigh.school.nz::4fab9e21-29a7-4d03-b4c0-6c8a112c783d" providerId="AD" clId="Web-{3312139C-ECA4-D6E5-6EA0-9FAF5992739F}" dt="2021-06-15T02:10:40.639" v="39" actId="14100"/>
         <pc:sldMkLst>
           <pc:docMk/>
-          <pc:sldMk cId="2720713569" sldId="258"/>
+          <pc:sldMk cId="3210139407" sldId="263"/>
         </pc:sldMkLst>
-        <pc:spChg chg="add mod">
-          <ac:chgData name="Jonny Morris" userId="S::morrisj70800@masseyhigh.school.nz::4fab9e21-29a7-4d03-b4c0-6c8a112c783d" providerId="AD" clId="Web-{8BDA8286-ABF9-455E-92B6-822DD2D54F24}" dt="2021-06-02T23:32:14.187" v="182" actId="20577"/>
+        <pc:spChg chg="mod">
+          <ac:chgData name="Jonny Morris" userId="S::morrisj70800@masseyhigh.school.nz::4fab9e21-29a7-4d03-b4c0-6c8a112c783d" providerId="AD" clId="Web-{3312139C-ECA4-D6E5-6EA0-9FAF5992739F}" dt="2021-06-15T02:08:23.942" v="34" actId="20577"/>
           <ac:spMkLst>
             <pc:docMk/>
-            <pc:sldMk cId="2720713569" sldId="258"/>
-            <ac:spMk id="3" creationId="{5D4E9E55-94C1-4FD3-A80E-D9AB284B8D0E}"/>
+            <pc:sldMk cId="3210139407" sldId="263"/>
+            <ac:spMk id="2" creationId="{A1F03816-608E-4768-91BC-5675075A7D2E}"/>
           </ac:spMkLst>
         </pc:spChg>
+        <pc:spChg chg="del">
+          <ac:chgData name="Jonny Morris" userId="S::morrisj70800@masseyhigh.school.nz::4fab9e21-29a7-4d03-b4c0-6c8a112c783d" providerId="AD" clId="Web-{3312139C-ECA4-D6E5-6EA0-9FAF5992739F}" dt="2021-06-15T02:08:09.363" v="19"/>
+          <ac:spMkLst>
+            <pc:docMk/>
+            <pc:sldMk cId="3210139407" sldId="263"/>
+            <ac:spMk id="3" creationId="{051DA18D-7A50-4959-92AF-556161888C20}"/>
+          </ac:spMkLst>
+        </pc:spChg>
+        <pc:spChg chg="add mod">
+          <ac:chgData name="Jonny Morris" userId="S::morrisj70800@masseyhigh.school.nz::4fab9e21-29a7-4d03-b4c0-6c8a112c783d" providerId="AD" clId="Web-{3312139C-ECA4-D6E5-6EA0-9FAF5992739F}" dt="2021-06-15T02:10:40.639" v="39" actId="14100"/>
+          <ac:spMkLst>
+            <pc:docMk/>
+            <pc:sldMk cId="3210139407" sldId="263"/>
+            <ac:spMk id="5" creationId="{ED8DD957-DAE6-4C20-809E-897DC17E1B0F}"/>
+          </ac:spMkLst>
+        </pc:spChg>
+        <pc:picChg chg="add mod ord">
+          <ac:chgData name="Jonny Morris" userId="S::morrisj70800@masseyhigh.school.nz::4fab9e21-29a7-4d03-b4c0-6c8a112c783d" providerId="AD" clId="Web-{3312139C-ECA4-D6E5-6EA0-9FAF5992739F}" dt="2021-06-15T02:08:29.193" v="35" actId="1076"/>
+          <ac:picMkLst>
+            <pc:docMk/>
+            <pc:sldMk cId="3210139407" sldId="263"/>
+            <ac:picMk id="4" creationId="{BBCB68B3-086F-4AC7-9B28-0F9C2FFC13BC}"/>
+          </ac:picMkLst>
+        </pc:picChg>
       </pc:sldChg>
-      <pc:sldChg chg="modSp">
-        <pc:chgData name="Jonny Morris" userId="S::morrisj70800@masseyhigh.school.nz::4fab9e21-29a7-4d03-b4c0-6c8a112c783d" providerId="AD" clId="Web-{8BDA8286-ABF9-455E-92B6-822DD2D54F24}" dt="2021-06-02T23:28:21.230" v="4" actId="20577"/>
+    </pc:docChg>
+  </pc:docChgLst>
+  <pc:docChgLst>
+    <pc:chgData name="Jonny Morris" userId="S::morrisj70800@masseyhigh.school.nz::4fab9e21-29a7-4d03-b4c0-6c8a112c783d" providerId="AD" clId="Web-{019C6E3F-A324-5B4C-50AB-15D7FB2CFC33}"/>
+    <pc:docChg chg="addSld delSld modSld">
+      <pc:chgData name="Jonny Morris" userId="S::morrisj70800@masseyhigh.school.nz::4fab9e21-29a7-4d03-b4c0-6c8a112c783d" providerId="AD" clId="Web-{019C6E3F-A324-5B4C-50AB-15D7FB2CFC33}" dt="2021-06-15T02:11:27.852" v="3" actId="1076"/>
+      <pc:docMkLst>
+        <pc:docMk/>
+      </pc:docMkLst>
+      <pc:sldChg chg="del">
+        <pc:chgData name="Jonny Morris" userId="S::morrisj70800@masseyhigh.school.nz::4fab9e21-29a7-4d03-b4c0-6c8a112c783d" providerId="AD" clId="Web-{019C6E3F-A324-5B4C-50AB-15D7FB2CFC33}" dt="2021-06-15T02:11:07.086" v="0"/>
         <pc:sldMkLst>
           <pc:docMk/>
-          <pc:sldMk cId="1121134679" sldId="259"/>
+          <pc:sldMk cId="3210139407" sldId="263"/>
         </pc:sldMkLst>
-        <pc:spChg chg="mod">
-          <ac:chgData name="Jonny Morris" userId="S::morrisj70800@masseyhigh.school.nz::4fab9e21-29a7-4d03-b4c0-6c8a112c783d" providerId="AD" clId="Web-{8BDA8286-ABF9-455E-92B6-822DD2D54F24}" dt="2021-06-02T23:28:21.230" v="4" actId="20577"/>
+      </pc:sldChg>
+      <pc:sldChg chg="addSp delSp modSp new">
+        <pc:chgData name="Jonny Morris" userId="S::morrisj70800@masseyhigh.school.nz::4fab9e21-29a7-4d03-b4c0-6c8a112c783d" providerId="AD" clId="Web-{019C6E3F-A324-5B4C-50AB-15D7FB2CFC33}" dt="2021-06-15T02:11:27.852" v="3" actId="1076"/>
+        <pc:sldMkLst>
+          <pc:docMk/>
+          <pc:sldMk cId="3634938810" sldId="263"/>
+        </pc:sldMkLst>
+        <pc:spChg chg="del">
+          <ac:chgData name="Jonny Morris" userId="S::morrisj70800@masseyhigh.school.nz::4fab9e21-29a7-4d03-b4c0-6c8a112c783d" providerId="AD" clId="Web-{019C6E3F-A324-5B4C-50AB-15D7FB2CFC33}" dt="2021-06-15T02:11:25.289" v="2"/>
           <ac:spMkLst>
             <pc:docMk/>
-            <pc:sldMk cId="1121134679" sldId="259"/>
-            <ac:spMk id="2" creationId="{588E3780-8974-43B7-B56C-88962D87DE18}"/>
+            <pc:sldMk cId="3634938810" sldId="263"/>
+            <ac:spMk id="3" creationId="{D57E317C-7A47-42AD-A180-662A2A194464}"/>
           </ac:spMkLst>
         </pc:spChg>
+        <pc:picChg chg="add mod ord">
+          <ac:chgData name="Jonny Morris" userId="S::morrisj70800@masseyhigh.school.nz::4fab9e21-29a7-4d03-b4c0-6c8a112c783d" providerId="AD" clId="Web-{019C6E3F-A324-5B4C-50AB-15D7FB2CFC33}" dt="2021-06-15T02:11:27.852" v="3" actId="1076"/>
+          <ac:picMkLst>
+            <pc:docMk/>
+            <pc:sldMk cId="3634938810" sldId="263"/>
+            <ac:picMk id="4" creationId="{7B754C1B-604C-427F-A868-FECC41A85331}"/>
+          </ac:picMkLst>
+        </pc:picChg>
       </pc:sldChg>
     </pc:docChg>
   </pc:docChgLst>
@@ -624,7 +737,6 @@
               <a:rPr lang="en-US"/>
               <a:t>Click to edit Master title style</a:t>
             </a:r>
-            <a:endParaRPr lang="en-US" dirty="0"/>
           </a:p>
         </p:txBody>
       </p:sp>
@@ -689,7 +801,6 @@
               <a:rPr lang="en-US"/>
               <a:t>Click to edit Master subtitle style</a:t>
             </a:r>
-            <a:endParaRPr lang="en-US" dirty="0"/>
           </a:p>
         </p:txBody>
       </p:sp>
@@ -710,7 +821,7 @@
           <a:p>
             <a:fld id="{846CE7D5-CF57-46EF-B807-FDD0502418D4}" type="datetimeFigureOut">
               <a:rPr lang="en-US" smtClean="0"/>
-              <a:t>6/9/2021</a:t>
+              <a:t>6/14/2021</a:t>
             </a:fld>
             <a:endParaRPr lang="en-US"/>
           </a:p>
@@ -807,7 +918,6 @@
               <a:rPr lang="en-US"/>
               <a:t>Click to edit Master title style</a:t>
             </a:r>
-            <a:endParaRPr lang="en-US" dirty="0"/>
           </a:p>
         </p:txBody>
       </p:sp>
@@ -859,7 +969,6 @@
               <a:rPr lang="en-US"/>
               <a:t>Fifth level</a:t>
             </a:r>
-            <a:endParaRPr lang="en-US" dirty="0"/>
           </a:p>
         </p:txBody>
       </p:sp>
@@ -880,7 +989,7 @@
           <a:p>
             <a:fld id="{846CE7D5-CF57-46EF-B807-FDD0502418D4}" type="datetimeFigureOut">
               <a:rPr lang="en-US" smtClean="0"/>
-              <a:t>6/9/2021</a:t>
+              <a:t>6/14/2021</a:t>
             </a:fld>
             <a:endParaRPr lang="en-US"/>
           </a:p>
@@ -982,7 +1091,6 @@
               <a:rPr lang="en-US"/>
               <a:t>Click to edit Master title style</a:t>
             </a:r>
-            <a:endParaRPr lang="en-US" dirty="0"/>
           </a:p>
         </p:txBody>
       </p:sp>
@@ -1039,7 +1147,6 @@
               <a:rPr lang="en-US"/>
               <a:t>Fifth level</a:t>
             </a:r>
-            <a:endParaRPr lang="en-US" dirty="0"/>
           </a:p>
         </p:txBody>
       </p:sp>
@@ -1060,7 +1167,7 @@
           <a:p>
             <a:fld id="{846CE7D5-CF57-46EF-B807-FDD0502418D4}" type="datetimeFigureOut">
               <a:rPr lang="en-US" smtClean="0"/>
-              <a:t>6/9/2021</a:t>
+              <a:t>6/14/2021</a:t>
             </a:fld>
             <a:endParaRPr lang="en-US"/>
           </a:p>
@@ -1157,7 +1264,6 @@
               <a:rPr lang="en-US"/>
               <a:t>Click to edit Master title style</a:t>
             </a:r>
-            <a:endParaRPr lang="en-US" dirty="0"/>
           </a:p>
         </p:txBody>
       </p:sp>
@@ -1209,7 +1315,6 @@
               <a:rPr lang="en-US"/>
               <a:t>Fifth level</a:t>
             </a:r>
-            <a:endParaRPr lang="en-US" dirty="0"/>
           </a:p>
         </p:txBody>
       </p:sp>
@@ -1230,7 +1335,7 @@
           <a:p>
             <a:fld id="{846CE7D5-CF57-46EF-B807-FDD0502418D4}" type="datetimeFigureOut">
               <a:rPr lang="en-US" smtClean="0"/>
-              <a:t>6/9/2021</a:t>
+              <a:t>6/14/2021</a:t>
             </a:fld>
             <a:endParaRPr lang="en-US"/>
           </a:p>
@@ -1336,7 +1441,6 @@
               <a:rPr lang="en-US"/>
               <a:t>Click to edit Master title style</a:t>
             </a:r>
-            <a:endParaRPr lang="en-US" dirty="0"/>
           </a:p>
         </p:txBody>
       </p:sp>
@@ -1476,7 +1580,7 @@
           <a:p>
             <a:fld id="{846CE7D5-CF57-46EF-B807-FDD0502418D4}" type="datetimeFigureOut">
               <a:rPr lang="en-US" smtClean="0"/>
-              <a:t>6/9/2021</a:t>
+              <a:t>6/14/2021</a:t>
             </a:fld>
             <a:endParaRPr lang="en-US"/>
           </a:p>
@@ -1573,7 +1677,6 @@
               <a:rPr lang="en-US"/>
               <a:t>Click to edit Master title style</a:t>
             </a:r>
-            <a:endParaRPr lang="en-US" dirty="0"/>
           </a:p>
         </p:txBody>
       </p:sp>
@@ -1630,7 +1733,6 @@
               <a:rPr lang="en-US"/>
               <a:t>Fifth level</a:t>
             </a:r>
-            <a:endParaRPr lang="en-US" dirty="0"/>
           </a:p>
         </p:txBody>
       </p:sp>
@@ -1687,7 +1789,6 @@
               <a:rPr lang="en-US"/>
               <a:t>Fifth level</a:t>
             </a:r>
-            <a:endParaRPr lang="en-US" dirty="0"/>
           </a:p>
         </p:txBody>
       </p:sp>
@@ -1708,7 +1809,7 @@
           <a:p>
             <a:fld id="{846CE7D5-CF57-46EF-B807-FDD0502418D4}" type="datetimeFigureOut">
               <a:rPr lang="en-US" smtClean="0"/>
-              <a:t>6/9/2021</a:t>
+              <a:t>6/14/2021</a:t>
             </a:fld>
             <a:endParaRPr lang="en-US"/>
           </a:p>
@@ -1810,7 +1911,6 @@
               <a:rPr lang="en-US"/>
               <a:t>Click to edit Master title style</a:t>
             </a:r>
-            <a:endParaRPr lang="en-US" dirty="0"/>
           </a:p>
         </p:txBody>
       </p:sp>
@@ -1932,7 +2032,6 @@
               <a:rPr lang="en-US"/>
               <a:t>Fifth level</a:t>
             </a:r>
-            <a:endParaRPr lang="en-US" dirty="0"/>
           </a:p>
         </p:txBody>
       </p:sp>
@@ -2054,7 +2153,6 @@
               <a:rPr lang="en-US"/>
               <a:t>Fifth level</a:t>
             </a:r>
-            <a:endParaRPr lang="en-US" dirty="0"/>
           </a:p>
         </p:txBody>
       </p:sp>
@@ -2075,7 +2173,7 @@
           <a:p>
             <a:fld id="{846CE7D5-CF57-46EF-B807-FDD0502418D4}" type="datetimeFigureOut">
               <a:rPr lang="en-US" smtClean="0"/>
-              <a:t>6/9/2021</a:t>
+              <a:t>6/14/2021</a:t>
             </a:fld>
             <a:endParaRPr lang="en-US"/>
           </a:p>
@@ -2172,7 +2270,6 @@
               <a:rPr lang="en-US"/>
               <a:t>Click to edit Master title style</a:t>
             </a:r>
-            <a:endParaRPr lang="en-US" dirty="0"/>
           </a:p>
         </p:txBody>
       </p:sp>
@@ -2193,7 +2290,7 @@
           <a:p>
             <a:fld id="{846CE7D5-CF57-46EF-B807-FDD0502418D4}" type="datetimeFigureOut">
               <a:rPr lang="en-US" smtClean="0"/>
-              <a:t>6/9/2021</a:t>
+              <a:t>6/14/2021</a:t>
             </a:fld>
             <a:endParaRPr lang="en-US"/>
           </a:p>
@@ -2288,7 +2385,7 @@
           <a:p>
             <a:fld id="{846CE7D5-CF57-46EF-B807-FDD0502418D4}" type="datetimeFigureOut">
               <a:rPr lang="en-US" smtClean="0"/>
-              <a:t>6/9/2021</a:t>
+              <a:t>6/14/2021</a:t>
             </a:fld>
             <a:endParaRPr lang="en-US"/>
           </a:p>
@@ -2394,7 +2491,6 @@
               <a:rPr lang="en-US"/>
               <a:t>Click to edit Master title style</a:t>
             </a:r>
-            <a:endParaRPr lang="en-US" dirty="0"/>
           </a:p>
         </p:txBody>
       </p:sp>
@@ -2479,7 +2575,6 @@
               <a:rPr lang="en-US"/>
               <a:t>Fifth level</a:t>
             </a:r>
-            <a:endParaRPr lang="en-US" dirty="0"/>
           </a:p>
         </p:txBody>
       </p:sp>
@@ -2565,7 +2660,7 @@
           <a:p>
             <a:fld id="{846CE7D5-CF57-46EF-B807-FDD0502418D4}" type="datetimeFigureOut">
               <a:rPr lang="en-US" smtClean="0"/>
-              <a:t>6/9/2021</a:t>
+              <a:t>6/14/2021</a:t>
             </a:fld>
             <a:endParaRPr lang="en-US"/>
           </a:p>
@@ -2671,7 +2766,6 @@
               <a:rPr lang="en-US"/>
               <a:t>Click to edit Master title style</a:t>
             </a:r>
-            <a:endParaRPr lang="en-US" dirty="0"/>
           </a:p>
         </p:txBody>
       </p:sp>
@@ -2736,7 +2830,6 @@
               <a:rPr lang="en-US"/>
               <a:t>Click icon to add picture</a:t>
             </a:r>
-            <a:endParaRPr lang="en-US" dirty="0"/>
           </a:p>
         </p:txBody>
       </p:sp>
@@ -2822,7 +2915,7 @@
           <a:p>
             <a:fld id="{846CE7D5-CF57-46EF-B807-FDD0502418D4}" type="datetimeFigureOut">
               <a:rPr lang="en-US" smtClean="0"/>
-              <a:t>6/9/2021</a:t>
+              <a:t>6/14/2021</a:t>
             </a:fld>
             <a:endParaRPr lang="en-US"/>
           </a:p>
@@ -2934,7 +3027,6 @@
               <a:rPr lang="en-US"/>
               <a:t>Click to edit Master title style</a:t>
             </a:r>
-            <a:endParaRPr lang="en-US" dirty="0"/>
           </a:p>
         </p:txBody>
       </p:sp>
@@ -2996,7 +3088,6 @@
               <a:rPr lang="en-US"/>
               <a:t>Fifth level</a:t>
             </a:r>
-            <a:endParaRPr lang="en-US" dirty="0"/>
           </a:p>
         </p:txBody>
       </p:sp>
@@ -3035,7 +3126,7 @@
           <a:p>
             <a:fld id="{846CE7D5-CF57-46EF-B807-FDD0502418D4}" type="datetimeFigureOut">
               <a:rPr lang="en-US" smtClean="0"/>
-              <a:t>6/9/2021</a:t>
+              <a:t>6/14/2021</a:t>
             </a:fld>
             <a:endParaRPr lang="en-US"/>
           </a:p>
@@ -3605,20 +3696,11 @@
           <a:lstStyle/>
           <a:p>
             <a:r>
-              <a:rPr lang="en-US" dirty="0">
-                <a:cs typeface="Calibri"/>
-              </a:rPr>
-              <a:t>This is my third version of my start gui. I will make it so that when you press one of the buttons it will take you to a quiz where it will display a question and give you 4 different answers. 1 of them will be correct and the other 3 will be randomly generated from a list </a:t>
-            </a:r>
-            <a:r>
               <a:rPr lang="en-US">
                 <a:cs typeface="Calibri"/>
               </a:rPr>
-              <a:t>of answers that I have designed </a:t>
-            </a:r>
-            <a:endParaRPr lang="en-US" dirty="0">
-              <a:cs typeface="Calibri"/>
-            </a:endParaRPr>
+              <a:t>This is my third version of my start gui. I will make it so that when you press one of the buttons it will take you to a quiz where it will display a question and give you 4 different answers. 1 of them will be correct and the other 3 will be randomly generated from a list of answers that I have designed </a:t>
+            </a:r>
           </a:p>
         </p:txBody>
       </p:sp>
@@ -3674,12 +3756,12 @@
           <a:lstStyle/>
           <a:p>
             <a:r>
-              <a:rPr lang="en-US" dirty="0">
+              <a:rPr lang="en-US">
                 <a:cs typeface="Calibri Light"/>
               </a:rPr>
               <a:t>QUIZ GUI</a:t>
             </a:r>
-            <a:endParaRPr lang="en-US" dirty="0"/>
+            <a:endParaRPr lang="en-US"/>
           </a:p>
         </p:txBody>
       </p:sp>
@@ -3803,12 +3885,12 @@
           <a:lstStyle/>
           <a:p>
             <a:r>
-              <a:rPr lang="en-US" dirty="0">
+              <a:rPr lang="en-US">
                 <a:cs typeface="Calibri Light"/>
               </a:rPr>
               <a:t>Program Structure</a:t>
             </a:r>
-            <a:endParaRPr lang="en-US" dirty="0"/>
+            <a:endParaRPr lang="en-US"/>
           </a:p>
         </p:txBody>
       </p:sp>
@@ -3873,7 +3955,7 @@
           <a:lstStyle/>
           <a:p>
             <a:r>
-              <a:rPr lang="en-US" dirty="0">
+              <a:rPr lang="en-US">
                 <a:cs typeface="Calibri"/>
               </a:rPr>
               <a:t>This is a plan of what my coding will need to have in each of my different components so I know what to write when I am doing the coding and making sure I have everything so that the components will work as they should be and I don’t miss out anything.</a:t>
@@ -3933,12 +4015,12 @@
           <a:lstStyle/>
           <a:p>
             <a:r>
-              <a:rPr lang="en-US" dirty="0">
+              <a:rPr lang="en-US">
                 <a:cs typeface="Calibri Light"/>
               </a:rPr>
               <a:t>Questions Making</a:t>
             </a:r>
-            <a:endParaRPr lang="en-US" dirty="0"/>
+            <a:endParaRPr lang="en-US"/>
           </a:p>
         </p:txBody>
       </p:sp>
@@ -4009,16 +4091,10 @@
           </a:p>
           <a:p>
             <a:r>
-              <a:rPr lang="en-US" dirty="0">
-                <a:cs typeface="Calibri"/>
-              </a:rPr>
-              <a:t>But it is now not a good way to do my questions as it would be much easier if I just made a list of random answers that would go with the real answer instead of making </a:t>
-            </a:r>
-            <a:r>
               <a:rPr lang="en-US">
                 <a:cs typeface="Calibri"/>
               </a:rPr>
-              <a:t>having to make many different answers for each of my questions.</a:t>
+              <a:t>But it is now not a good way to do my questions as it would be much easier if I just made a list of random answers that would go with the real answer instead of making having to make many different answers for each of my questions.</a:t>
             </a:r>
           </a:p>
         </p:txBody>
@@ -4501,6 +4577,90 @@
     <p:extLst>
       <p:ext uri="{BB962C8B-B14F-4D97-AF65-F5344CB8AC3E}">
         <p14:creationId xmlns:p14="http://schemas.microsoft.com/office/powerpoint/2010/main" val="1564752394"/>
+      </p:ext>
+    </p:extLst>
+  </p:cSld>
+  <p:clrMapOvr>
+    <a:masterClrMapping/>
+  </p:clrMapOvr>
+</p:sld>
+</file>
+
+<file path=ppt/slides/slide8.xml><?xml version="1.0" encoding="utf-8"?>
+<p:sld xmlns:a="http://schemas.openxmlformats.org/drawingml/2006/main" xmlns:r="http://schemas.openxmlformats.org/officeDocument/2006/relationships" xmlns:p="http://schemas.openxmlformats.org/presentationml/2006/main">
+  <p:cSld>
+    <p:spTree>
+      <p:nvGrpSpPr>
+        <p:cNvPr id="1" name=""/>
+        <p:cNvGrpSpPr/>
+        <p:nvPr/>
+      </p:nvGrpSpPr>
+      <p:grpSpPr>
+        <a:xfrm>
+          <a:off x="0" y="0"/>
+          <a:ext cx="0" cy="0"/>
+          <a:chOff x="0" y="0"/>
+          <a:chExt cx="0" cy="0"/>
+        </a:xfrm>
+      </p:grpSpPr>
+      <p:sp>
+        <p:nvSpPr>
+          <p:cNvPr id="2" name="Title 1">
+            <a:extLst>
+              <a:ext uri="{FF2B5EF4-FFF2-40B4-BE49-F238E27FC236}">
+                <a16:creationId xmlns:a16="http://schemas.microsoft.com/office/drawing/2014/main" id="{40E80544-C795-410D-ACBE-5B39F33D5CE0}"/>
+              </a:ext>
+            </a:extLst>
+          </p:cNvPr>
+          <p:cNvSpPr>
+            <a:spLocks noGrp="1"/>
+          </p:cNvSpPr>
+          <p:nvPr>
+            <p:ph type="title"/>
+          </p:nvPr>
+        </p:nvSpPr>
+        <p:spPr/>
+        <p:txBody>
+          <a:bodyPr/>
+          <a:lstStyle/>
+          <a:p>
+            <a:endParaRPr lang="en-US"/>
+          </a:p>
+        </p:txBody>
+      </p:sp>
+      <p:pic>
+        <p:nvPicPr>
+          <p:cNvPr id="4" name="Picture 4">
+            <a:extLst>
+              <a:ext uri="{FF2B5EF4-FFF2-40B4-BE49-F238E27FC236}">
+                <a16:creationId xmlns:a16="http://schemas.microsoft.com/office/drawing/2014/main" id="{7B754C1B-604C-427F-A868-FECC41A85331}"/>
+              </a:ext>
+            </a:extLst>
+          </p:cNvPr>
+          <p:cNvPicPr>
+            <a:picLocks noGrp="1" noChangeAspect="1"/>
+          </p:cNvPicPr>
+          <p:nvPr>
+            <p:ph idx="1"/>
+          </p:nvPr>
+        </p:nvPicPr>
+        <p:blipFill>
+          <a:blip r:embed="rId2"/>
+          <a:stretch>
+            <a:fillRect/>
+          </a:stretch>
+        </p:blipFill>
+        <p:spPr>
+          <a:xfrm>
+            <a:off x="839972" y="1687080"/>
+            <a:ext cx="2961327" cy="4351338"/>
+          </a:xfrm>
+        </p:spPr>
+      </p:pic>
+    </p:spTree>
+    <p:extLst>
+      <p:ext uri="{BB962C8B-B14F-4D97-AF65-F5344CB8AC3E}">
+        <p14:creationId xmlns:p14="http://schemas.microsoft.com/office/powerpoint/2010/main" val="3634938810"/>
       </p:ext>
     </p:extLst>
   </p:cSld>

--- a/Programming Assesment.pptx
+++ b/Programming Assesment.pptx
@@ -13,6 +13,7 @@
     <p:sldId id="260" r:id="rId7"/>
     <p:sldId id="261" r:id="rId8"/>
     <p:sldId id="263" r:id="rId9"/>
+    <p:sldId id="264" r:id="rId10"/>
   </p:sldIdLst>
   <p:sldSz cx="12192000" cy="6858000"/>
   <p:notesSz cx="6858000" cy="9144000"/>
@@ -131,6 +132,7 @@
     <p1510:client id="{B97A3ED7-EE4A-5CC1-A41D-E85CFB4F2B38}" v="388" dt="2021-06-01T02:31:37.218"/>
     <p1510:client id="{C9F5174C-5619-5E50-BF05-0D84B8F86598}" v="516" dt="2021-06-10T00:06:46.122"/>
     <p1510:client id="{D3BA5852-7B66-A859-35DA-1A7F22D39787}" v="441" dt="2021-06-09T01:12:33.081"/>
+    <p1510:client id="{EE33AF41-30E7-9FB3-CC2C-421B72023142}" v="326" dt="2021-06-16T00:49:48.168"/>
   </p1510:revLst>
 </p1510:revInfo>
 </file>
@@ -250,264 +252,6 @@
     </pc:docChg>
   </pc:docChgLst>
   <pc:docChgLst>
-    <pc:chgData name="Jonny Morris" userId="S::morrisj70800@masseyhigh.school.nz::4fab9e21-29a7-4d03-b4c0-6c8a112c783d" providerId="AD" clId="Web-{82670D97-0EF6-5614-F833-FE3B0A574D76}"/>
-    <pc:docChg chg="modSld">
-      <pc:chgData name="Jonny Morris" userId="S::morrisj70800@masseyhigh.school.nz::4fab9e21-29a7-4d03-b4c0-6c8a112c783d" providerId="AD" clId="Web-{82670D97-0EF6-5614-F833-FE3B0A574D76}" dt="2021-05-30T21:53:29.949" v="16" actId="14100"/>
-      <pc:docMkLst>
-        <pc:docMk/>
-      </pc:docMkLst>
-      <pc:sldChg chg="addSp delSp modSp">
-        <pc:chgData name="Jonny Morris" userId="S::morrisj70800@masseyhigh.school.nz::4fab9e21-29a7-4d03-b4c0-6c8a112c783d" providerId="AD" clId="Web-{82670D97-0EF6-5614-F833-FE3B0A574D76}" dt="2021-05-30T21:53:29.949" v="16" actId="14100"/>
-        <pc:sldMkLst>
-          <pc:docMk/>
-          <pc:sldMk cId="1121134679" sldId="259"/>
-        </pc:sldMkLst>
-        <pc:spChg chg="mod">
-          <ac:chgData name="Jonny Morris" userId="S::morrisj70800@masseyhigh.school.nz::4fab9e21-29a7-4d03-b4c0-6c8a112c783d" providerId="AD" clId="Web-{82670D97-0EF6-5614-F833-FE3B0A574D76}" dt="2021-05-30T21:53:09.277" v="9" actId="20577"/>
-          <ac:spMkLst>
-            <pc:docMk/>
-            <pc:sldMk cId="1121134679" sldId="259"/>
-            <ac:spMk id="2" creationId="{588E3780-8974-43B7-B56C-88962D87DE18}"/>
-          </ac:spMkLst>
-        </pc:spChg>
-        <pc:spChg chg="del">
-          <ac:chgData name="Jonny Morris" userId="S::morrisj70800@masseyhigh.school.nz::4fab9e21-29a7-4d03-b4c0-6c8a112c783d" providerId="AD" clId="Web-{82670D97-0EF6-5614-F833-FE3B0A574D76}" dt="2021-05-30T21:53:10.495" v="10"/>
-          <ac:spMkLst>
-            <pc:docMk/>
-            <pc:sldMk cId="1121134679" sldId="259"/>
-            <ac:spMk id="3" creationId="{A9883A00-3047-4C01-A803-486F6FC2F7B9}"/>
-          </ac:spMkLst>
-        </pc:spChg>
-        <pc:spChg chg="add mod">
-          <ac:chgData name="Jonny Morris" userId="S::morrisj70800@masseyhigh.school.nz::4fab9e21-29a7-4d03-b4c0-6c8a112c783d" providerId="AD" clId="Web-{82670D97-0EF6-5614-F833-FE3B0A574D76}" dt="2021-05-30T21:53:29.949" v="16" actId="14100"/>
-          <ac:spMkLst>
-            <pc:docMk/>
-            <pc:sldMk cId="1121134679" sldId="259"/>
-            <ac:spMk id="5" creationId="{13770BC4-8233-4892-B0E6-F07AC0ADDCFD}"/>
-          </ac:spMkLst>
-        </pc:spChg>
-        <pc:picChg chg="add mod ord">
-          <ac:chgData name="Jonny Morris" userId="S::morrisj70800@masseyhigh.school.nz::4fab9e21-29a7-4d03-b4c0-6c8a112c783d" providerId="AD" clId="Web-{82670D97-0EF6-5614-F833-FE3B0A574D76}" dt="2021-05-30T21:53:12.824" v="11" actId="1076"/>
-          <ac:picMkLst>
-            <pc:docMk/>
-            <pc:sldMk cId="1121134679" sldId="259"/>
-            <ac:picMk id="4" creationId="{832CB706-A894-4C79-A765-CAC0EEA0D08A}"/>
-          </ac:picMkLst>
-        </pc:picChg>
-      </pc:sldChg>
-    </pc:docChg>
-  </pc:docChgLst>
-  <pc:docChgLst>
-    <pc:chgData name="Jonny Morris" userId="S::morrisj70800@masseyhigh.school.nz::4fab9e21-29a7-4d03-b4c0-6c8a112c783d" providerId="AD" clId="Web-{61852D5F-CC47-4EF3-8523-0D8470090199}"/>
-    <pc:docChg chg="addSld modSld">
-      <pc:chgData name="Jonny Morris" userId="S::morrisj70800@masseyhigh.school.nz::4fab9e21-29a7-4d03-b4c0-6c8a112c783d" providerId="AD" clId="Web-{61852D5F-CC47-4EF3-8523-0D8470090199}" dt="2021-05-27T22:48:16.206" v="16" actId="20577"/>
-      <pc:docMkLst>
-        <pc:docMk/>
-      </pc:docMkLst>
-      <pc:sldChg chg="modSp">
-        <pc:chgData name="Jonny Morris" userId="S::morrisj70800@masseyhigh.school.nz::4fab9e21-29a7-4d03-b4c0-6c8a112c783d" providerId="AD" clId="Web-{61852D5F-CC47-4EF3-8523-0D8470090199}" dt="2021-05-27T22:43:03.745" v="0" actId="1076"/>
-        <pc:sldMkLst>
-          <pc:docMk/>
-          <pc:sldMk cId="109857222" sldId="256"/>
-        </pc:sldMkLst>
-        <pc:spChg chg="mod">
-          <ac:chgData name="Jonny Morris" userId="S::morrisj70800@masseyhigh.school.nz::4fab9e21-29a7-4d03-b4c0-6c8a112c783d" providerId="AD" clId="Web-{61852D5F-CC47-4EF3-8523-0D8470090199}" dt="2021-05-27T22:43:03.745" v="0" actId="1076"/>
-          <ac:spMkLst>
-            <pc:docMk/>
-            <pc:sldMk cId="109857222" sldId="256"/>
-            <ac:spMk id="2" creationId="{00000000-0000-0000-0000-000000000000}"/>
-          </ac:spMkLst>
-        </pc:spChg>
-      </pc:sldChg>
-      <pc:sldChg chg="addSp delSp modSp new">
-        <pc:chgData name="Jonny Morris" userId="S::morrisj70800@masseyhigh.school.nz::4fab9e21-29a7-4d03-b4c0-6c8a112c783d" providerId="AD" clId="Web-{61852D5F-CC47-4EF3-8523-0D8470090199}" dt="2021-05-27T22:48:16.206" v="16" actId="20577"/>
-        <pc:sldMkLst>
-          <pc:docMk/>
-          <pc:sldMk cId="358461426" sldId="257"/>
-        </pc:sldMkLst>
-        <pc:spChg chg="mod">
-          <ac:chgData name="Jonny Morris" userId="S::morrisj70800@masseyhigh.school.nz::4fab9e21-29a7-4d03-b4c0-6c8a112c783d" providerId="AD" clId="Web-{61852D5F-CC47-4EF3-8523-0D8470090199}" dt="2021-05-27T22:48:16.206" v="16" actId="20577"/>
-          <ac:spMkLst>
-            <pc:docMk/>
-            <pc:sldMk cId="358461426" sldId="257"/>
-            <ac:spMk id="2" creationId="{4AA7760E-DDE6-43AD-B768-5AF8FC14ECF5}"/>
-          </ac:spMkLst>
-        </pc:spChg>
-        <pc:spChg chg="del">
-          <ac:chgData name="Jonny Morris" userId="S::morrisj70800@masseyhigh.school.nz::4fab9e21-29a7-4d03-b4c0-6c8a112c783d" providerId="AD" clId="Web-{61852D5F-CC47-4EF3-8523-0D8470090199}" dt="2021-05-27T22:44:00.074" v="5"/>
-          <ac:spMkLst>
-            <pc:docMk/>
-            <pc:sldMk cId="358461426" sldId="257"/>
-            <ac:spMk id="3" creationId="{D8C59009-2A6A-4F56-A1D2-A2B19FFCCCED}"/>
-          </ac:spMkLst>
-        </pc:spChg>
-        <pc:picChg chg="add mod ord">
-          <ac:chgData name="Jonny Morris" userId="S::morrisj70800@masseyhigh.school.nz::4fab9e21-29a7-4d03-b4c0-6c8a112c783d" providerId="AD" clId="Web-{61852D5F-CC47-4EF3-8523-0D8470090199}" dt="2021-05-27T22:44:00.074" v="5"/>
-          <ac:picMkLst>
-            <pc:docMk/>
-            <pc:sldMk cId="358461426" sldId="257"/>
-            <ac:picMk id="4" creationId="{D274BBA2-E442-450E-8D18-87D3DBB0D22E}"/>
-          </ac:picMkLst>
-        </pc:picChg>
-      </pc:sldChg>
-      <pc:sldChg chg="addSp delSp modSp new">
-        <pc:chgData name="Jonny Morris" userId="S::morrisj70800@masseyhigh.school.nz::4fab9e21-29a7-4d03-b4c0-6c8a112c783d" providerId="AD" clId="Web-{61852D5F-CC47-4EF3-8523-0D8470090199}" dt="2021-05-27T22:48:10.550" v="14" actId="20577"/>
-        <pc:sldMkLst>
-          <pc:docMk/>
-          <pc:sldMk cId="2720713569" sldId="258"/>
-        </pc:sldMkLst>
-        <pc:spChg chg="mod">
-          <ac:chgData name="Jonny Morris" userId="S::morrisj70800@masseyhigh.school.nz::4fab9e21-29a7-4d03-b4c0-6c8a112c783d" providerId="AD" clId="Web-{61852D5F-CC47-4EF3-8523-0D8470090199}" dt="2021-05-27T22:48:10.550" v="14" actId="20577"/>
-          <ac:spMkLst>
-            <pc:docMk/>
-            <pc:sldMk cId="2720713569" sldId="258"/>
-            <ac:spMk id="2" creationId="{92EE7463-1C1B-4BDE-94BB-493F7281A42D}"/>
-          </ac:spMkLst>
-        </pc:spChg>
-        <pc:spChg chg="del">
-          <ac:chgData name="Jonny Morris" userId="S::morrisj70800@masseyhigh.school.nz::4fab9e21-29a7-4d03-b4c0-6c8a112c783d" providerId="AD" clId="Web-{61852D5F-CC47-4EF3-8523-0D8470090199}" dt="2021-05-27T22:45:14.639" v="6"/>
-          <ac:spMkLst>
-            <pc:docMk/>
-            <pc:sldMk cId="2720713569" sldId="258"/>
-            <ac:spMk id="3" creationId="{CD403E76-3547-4C2A-A26C-57E96749ADF9}"/>
-          </ac:spMkLst>
-        </pc:spChg>
-        <pc:picChg chg="add mod ord">
-          <ac:chgData name="Jonny Morris" userId="S::morrisj70800@masseyhigh.school.nz::4fab9e21-29a7-4d03-b4c0-6c8a112c783d" providerId="AD" clId="Web-{61852D5F-CC47-4EF3-8523-0D8470090199}" dt="2021-05-27T22:45:14.639" v="6"/>
-          <ac:picMkLst>
-            <pc:docMk/>
-            <pc:sldMk cId="2720713569" sldId="258"/>
-            <ac:picMk id="4" creationId="{770B29DB-722F-42EE-BD98-08A6A58798B3}"/>
-          </ac:picMkLst>
-        </pc:picChg>
-      </pc:sldChg>
-      <pc:sldChg chg="new">
-        <pc:chgData name="Jonny Morris" userId="S::morrisj70800@masseyhigh.school.nz::4fab9e21-29a7-4d03-b4c0-6c8a112c783d" providerId="AD" clId="Web-{61852D5F-CC47-4EF3-8523-0D8470090199}" dt="2021-05-27T22:43:29.355" v="3"/>
-        <pc:sldMkLst>
-          <pc:docMk/>
-          <pc:sldMk cId="1121134679" sldId="259"/>
-        </pc:sldMkLst>
-      </pc:sldChg>
-      <pc:sldChg chg="new">
-        <pc:chgData name="Jonny Morris" userId="S::morrisj70800@masseyhigh.school.nz::4fab9e21-29a7-4d03-b4c0-6c8a112c783d" providerId="AD" clId="Web-{61852D5F-CC47-4EF3-8523-0D8470090199}" dt="2021-05-27T22:43:31.902" v="4"/>
-        <pc:sldMkLst>
-          <pc:docMk/>
-          <pc:sldMk cId="4213354389" sldId="260"/>
-        </pc:sldMkLst>
-      </pc:sldChg>
-    </pc:docChg>
-  </pc:docChgLst>
-  <pc:docChgLst>
-    <pc:chgData name="Jonny Morris" userId="S::morrisj70800@masseyhigh.school.nz::4fab9e21-29a7-4d03-b4c0-6c8a112c783d" providerId="AD" clId="Web-{8BDA8286-ABF9-455E-92B6-822DD2D54F24}"/>
-    <pc:docChg chg="modSld">
-      <pc:chgData name="Jonny Morris" userId="S::morrisj70800@masseyhigh.school.nz::4fab9e21-29a7-4d03-b4c0-6c8a112c783d" providerId="AD" clId="Web-{8BDA8286-ABF9-455E-92B6-822DD2D54F24}" dt="2021-06-02T23:33:01.816" v="185" actId="14100"/>
-      <pc:docMkLst>
-        <pc:docMk/>
-      </pc:docMkLst>
-      <pc:sldChg chg="addSp modSp">
-        <pc:chgData name="Jonny Morris" userId="S::morrisj70800@masseyhigh.school.nz::4fab9e21-29a7-4d03-b4c0-6c8a112c783d" providerId="AD" clId="Web-{8BDA8286-ABF9-455E-92B6-822DD2D54F24}" dt="2021-06-02T23:33:01.816" v="185" actId="14100"/>
-        <pc:sldMkLst>
-          <pc:docMk/>
-          <pc:sldMk cId="358461426" sldId="257"/>
-        </pc:sldMkLst>
-        <pc:spChg chg="add mod">
-          <ac:chgData name="Jonny Morris" userId="S::morrisj70800@masseyhigh.school.nz::4fab9e21-29a7-4d03-b4c0-6c8a112c783d" providerId="AD" clId="Web-{8BDA8286-ABF9-455E-92B6-822DD2D54F24}" dt="2021-06-02T23:33:01.816" v="185" actId="14100"/>
-          <ac:spMkLst>
-            <pc:docMk/>
-            <pc:sldMk cId="358461426" sldId="257"/>
-            <ac:spMk id="3" creationId="{3AA76EDA-873B-4C95-9ED7-4CD3ABC97401}"/>
-          </ac:spMkLst>
-        </pc:spChg>
-      </pc:sldChg>
-      <pc:sldChg chg="addSp modSp">
-        <pc:chgData name="Jonny Morris" userId="S::morrisj70800@masseyhigh.school.nz::4fab9e21-29a7-4d03-b4c0-6c8a112c783d" providerId="AD" clId="Web-{8BDA8286-ABF9-455E-92B6-822DD2D54F24}" dt="2021-06-02T23:32:14.187" v="182" actId="20577"/>
-        <pc:sldMkLst>
-          <pc:docMk/>
-          <pc:sldMk cId="2720713569" sldId="258"/>
-        </pc:sldMkLst>
-        <pc:spChg chg="add mod">
-          <ac:chgData name="Jonny Morris" userId="S::morrisj70800@masseyhigh.school.nz::4fab9e21-29a7-4d03-b4c0-6c8a112c783d" providerId="AD" clId="Web-{8BDA8286-ABF9-455E-92B6-822DD2D54F24}" dt="2021-06-02T23:32:14.187" v="182" actId="20577"/>
-          <ac:spMkLst>
-            <pc:docMk/>
-            <pc:sldMk cId="2720713569" sldId="258"/>
-            <ac:spMk id="3" creationId="{5D4E9E55-94C1-4FD3-A80E-D9AB284B8D0E}"/>
-          </ac:spMkLst>
-        </pc:spChg>
-      </pc:sldChg>
-      <pc:sldChg chg="modSp">
-        <pc:chgData name="Jonny Morris" userId="S::morrisj70800@masseyhigh.school.nz::4fab9e21-29a7-4d03-b4c0-6c8a112c783d" providerId="AD" clId="Web-{8BDA8286-ABF9-455E-92B6-822DD2D54F24}" dt="2021-06-02T23:28:21.230" v="4" actId="20577"/>
-        <pc:sldMkLst>
-          <pc:docMk/>
-          <pc:sldMk cId="1121134679" sldId="259"/>
-        </pc:sldMkLst>
-        <pc:spChg chg="mod">
-          <ac:chgData name="Jonny Morris" userId="S::morrisj70800@masseyhigh.school.nz::4fab9e21-29a7-4d03-b4c0-6c8a112c783d" providerId="AD" clId="Web-{8BDA8286-ABF9-455E-92B6-822DD2D54F24}" dt="2021-06-02T23:28:21.230" v="4" actId="20577"/>
-          <ac:spMkLst>
-            <pc:docMk/>
-            <pc:sldMk cId="1121134679" sldId="259"/>
-            <ac:spMk id="2" creationId="{588E3780-8974-43B7-B56C-88962D87DE18}"/>
-          </ac:spMkLst>
-        </pc:spChg>
-      </pc:sldChg>
-    </pc:docChg>
-  </pc:docChgLst>
-  <pc:docChgLst>
-    <pc:chgData name="Jonny Morris" userId="S::morrisj70800@masseyhigh.school.nz::4fab9e21-29a7-4d03-b4c0-6c8a112c783d" providerId="AD" clId="Web-{33F175D3-4D32-71D5-6709-62DB828ADCB0}"/>
-    <pc:docChg chg="modSld">
-      <pc:chgData name="Jonny Morris" userId="S::morrisj70800@masseyhigh.school.nz::4fab9e21-29a7-4d03-b4c0-6c8a112c783d" providerId="AD" clId="Web-{33F175D3-4D32-71D5-6709-62DB828ADCB0}" dt="2021-06-03T22:51:11.495" v="43"/>
-      <pc:docMkLst>
-        <pc:docMk/>
-      </pc:docMkLst>
-      <pc:sldChg chg="addSp delSp modSp mod setBg">
-        <pc:chgData name="Jonny Morris" userId="S::morrisj70800@masseyhigh.school.nz::4fab9e21-29a7-4d03-b4c0-6c8a112c783d" providerId="AD" clId="Web-{33F175D3-4D32-71D5-6709-62DB828ADCB0}" dt="2021-06-03T22:51:11.495" v="43"/>
-        <pc:sldMkLst>
-          <pc:docMk/>
-          <pc:sldMk cId="4213354389" sldId="260"/>
-        </pc:sldMkLst>
-        <pc:spChg chg="mod">
-          <ac:chgData name="Jonny Morris" userId="S::morrisj70800@masseyhigh.school.nz::4fab9e21-29a7-4d03-b4c0-6c8a112c783d" providerId="AD" clId="Web-{33F175D3-4D32-71D5-6709-62DB828ADCB0}" dt="2021-06-03T22:51:11.495" v="43"/>
-          <ac:spMkLst>
-            <pc:docMk/>
-            <pc:sldMk cId="4213354389" sldId="260"/>
-            <ac:spMk id="2" creationId="{54EC48D4-B0FC-4660-8894-4F1B722EAFD3}"/>
-          </ac:spMkLst>
-        </pc:spChg>
-        <pc:spChg chg="del">
-          <ac:chgData name="Jonny Morris" userId="S::morrisj70800@masseyhigh.school.nz::4fab9e21-29a7-4d03-b4c0-6c8a112c783d" providerId="AD" clId="Web-{33F175D3-4D32-71D5-6709-62DB828ADCB0}" dt="2021-06-03T22:44:55.988" v="0"/>
-          <ac:spMkLst>
-            <pc:docMk/>
-            <pc:sldMk cId="4213354389" sldId="260"/>
-            <ac:spMk id="3" creationId="{1E8EF868-1C38-43AA-BA0A-E75CFB29EE0D}"/>
-          </ac:spMkLst>
-        </pc:spChg>
-        <pc:spChg chg="add mod">
-          <ac:chgData name="Jonny Morris" userId="S::morrisj70800@masseyhigh.school.nz::4fab9e21-29a7-4d03-b4c0-6c8a112c783d" providerId="AD" clId="Web-{33F175D3-4D32-71D5-6709-62DB828ADCB0}" dt="2021-06-03T22:51:11.495" v="43"/>
-          <ac:spMkLst>
-            <pc:docMk/>
-            <pc:sldMk cId="4213354389" sldId="260"/>
-            <ac:spMk id="5" creationId="{A626E451-29FF-476C-B176-15A181E7FCFB}"/>
-          </ac:spMkLst>
-        </pc:spChg>
-        <pc:spChg chg="add">
-          <ac:chgData name="Jonny Morris" userId="S::morrisj70800@masseyhigh.school.nz::4fab9e21-29a7-4d03-b4c0-6c8a112c783d" providerId="AD" clId="Web-{33F175D3-4D32-71D5-6709-62DB828ADCB0}" dt="2021-06-03T22:51:11.495" v="43"/>
-          <ac:spMkLst>
-            <pc:docMk/>
-            <pc:sldMk cId="4213354389" sldId="260"/>
-            <ac:spMk id="10" creationId="{73DE2CFE-42F2-48F0-8706-5264E012B10C}"/>
-          </ac:spMkLst>
-        </pc:spChg>
-        <pc:picChg chg="add mod ord">
-          <ac:chgData name="Jonny Morris" userId="S::morrisj70800@masseyhigh.school.nz::4fab9e21-29a7-4d03-b4c0-6c8a112c783d" providerId="AD" clId="Web-{33F175D3-4D32-71D5-6709-62DB828ADCB0}" dt="2021-06-03T22:51:11.495" v="43"/>
-          <ac:picMkLst>
-            <pc:docMk/>
-            <pc:sldMk cId="4213354389" sldId="260"/>
-            <ac:picMk id="4" creationId="{DB2173E9-EC0E-4405-B0D1-1F2CC6B9FFC6}"/>
-          </ac:picMkLst>
-        </pc:picChg>
-      </pc:sldChg>
-    </pc:docChg>
-  </pc:docChgLst>
-  <pc:docChgLst>
     <pc:chgData name="Jonny Morris" userId="S::morrisj70800@masseyhigh.school.nz::4fab9e21-29a7-4d03-b4c0-6c8a112c783d" providerId="AD" clId="Web-{3312139C-ECA4-D6E5-6EA0-9FAF5992739F}"/>
     <pc:docChg chg="addSld modSld">
       <pc:chgData name="Jonny Morris" userId="S::morrisj70800@masseyhigh.school.nz::4fab9e21-29a7-4d03-b4c0-6c8a112c783d" providerId="AD" clId="Web-{3312139C-ECA4-D6E5-6EA0-9FAF5992739F}" dt="2021-06-15T02:10:40.639" v="39" actId="14100"/>
@@ -618,26 +362,102 @@
     </pc:docChg>
   </pc:docChgLst>
   <pc:docChgLst>
-    <pc:chgData name="Jonny Morris" userId="S::morrisj70800@masseyhigh.school.nz::4fab9e21-29a7-4d03-b4c0-6c8a112c783d" providerId="AD" clId="Web-{B97A3ED7-EE4A-5CC1-A41D-E85CFB4F2B38}"/>
-    <pc:docChg chg="modSld">
-      <pc:chgData name="Jonny Morris" userId="S::morrisj70800@masseyhigh.school.nz::4fab9e21-29a7-4d03-b4c0-6c8a112c783d" providerId="AD" clId="Web-{B97A3ED7-EE4A-5CC1-A41D-E85CFB4F2B38}" dt="2021-06-01T02:31:37.218" v="183" actId="20577"/>
+    <pc:chgData name="Jonny Morris" userId="S::morrisj70800@masseyhigh.school.nz::4fab9e21-29a7-4d03-b4c0-6c8a112c783d" providerId="AD" clId="Web-{61852D5F-CC47-4EF3-8523-0D8470090199}"/>
+    <pc:docChg chg="addSld modSld">
+      <pc:chgData name="Jonny Morris" userId="S::morrisj70800@masseyhigh.school.nz::4fab9e21-29a7-4d03-b4c0-6c8a112c783d" providerId="AD" clId="Web-{61852D5F-CC47-4EF3-8523-0D8470090199}" dt="2021-05-27T22:48:16.206" v="16" actId="20577"/>
       <pc:docMkLst>
         <pc:docMk/>
       </pc:docMkLst>
       <pc:sldChg chg="modSp">
-        <pc:chgData name="Jonny Morris" userId="S::morrisj70800@masseyhigh.school.nz::4fab9e21-29a7-4d03-b4c0-6c8a112c783d" providerId="AD" clId="Web-{B97A3ED7-EE4A-5CC1-A41D-E85CFB4F2B38}" dt="2021-06-01T02:31:37.218" v="183" actId="20577"/>
+        <pc:chgData name="Jonny Morris" userId="S::morrisj70800@masseyhigh.school.nz::4fab9e21-29a7-4d03-b4c0-6c8a112c783d" providerId="AD" clId="Web-{61852D5F-CC47-4EF3-8523-0D8470090199}" dt="2021-05-27T22:43:03.745" v="0" actId="1076"/>
+        <pc:sldMkLst>
+          <pc:docMk/>
+          <pc:sldMk cId="109857222" sldId="256"/>
+        </pc:sldMkLst>
+        <pc:spChg chg="mod">
+          <ac:chgData name="Jonny Morris" userId="S::morrisj70800@masseyhigh.school.nz::4fab9e21-29a7-4d03-b4c0-6c8a112c783d" providerId="AD" clId="Web-{61852D5F-CC47-4EF3-8523-0D8470090199}" dt="2021-05-27T22:43:03.745" v="0" actId="1076"/>
+          <ac:spMkLst>
+            <pc:docMk/>
+            <pc:sldMk cId="109857222" sldId="256"/>
+            <ac:spMk id="2" creationId="{00000000-0000-0000-0000-000000000000}"/>
+          </ac:spMkLst>
+        </pc:spChg>
+      </pc:sldChg>
+      <pc:sldChg chg="addSp delSp modSp new">
+        <pc:chgData name="Jonny Morris" userId="S::morrisj70800@masseyhigh.school.nz::4fab9e21-29a7-4d03-b4c0-6c8a112c783d" providerId="AD" clId="Web-{61852D5F-CC47-4EF3-8523-0D8470090199}" dt="2021-05-27T22:48:16.206" v="16" actId="20577"/>
+        <pc:sldMkLst>
+          <pc:docMk/>
+          <pc:sldMk cId="358461426" sldId="257"/>
+        </pc:sldMkLst>
+        <pc:spChg chg="mod">
+          <ac:chgData name="Jonny Morris" userId="S::morrisj70800@masseyhigh.school.nz::4fab9e21-29a7-4d03-b4c0-6c8a112c783d" providerId="AD" clId="Web-{61852D5F-CC47-4EF3-8523-0D8470090199}" dt="2021-05-27T22:48:16.206" v="16" actId="20577"/>
+          <ac:spMkLst>
+            <pc:docMk/>
+            <pc:sldMk cId="358461426" sldId="257"/>
+            <ac:spMk id="2" creationId="{4AA7760E-DDE6-43AD-B768-5AF8FC14ECF5}"/>
+          </ac:spMkLst>
+        </pc:spChg>
+        <pc:spChg chg="del">
+          <ac:chgData name="Jonny Morris" userId="S::morrisj70800@masseyhigh.school.nz::4fab9e21-29a7-4d03-b4c0-6c8a112c783d" providerId="AD" clId="Web-{61852D5F-CC47-4EF3-8523-0D8470090199}" dt="2021-05-27T22:44:00.074" v="5"/>
+          <ac:spMkLst>
+            <pc:docMk/>
+            <pc:sldMk cId="358461426" sldId="257"/>
+            <ac:spMk id="3" creationId="{D8C59009-2A6A-4F56-A1D2-A2B19FFCCCED}"/>
+          </ac:spMkLst>
+        </pc:spChg>
+        <pc:picChg chg="add mod ord">
+          <ac:chgData name="Jonny Morris" userId="S::morrisj70800@masseyhigh.school.nz::4fab9e21-29a7-4d03-b4c0-6c8a112c783d" providerId="AD" clId="Web-{61852D5F-CC47-4EF3-8523-0D8470090199}" dt="2021-05-27T22:44:00.074" v="5"/>
+          <ac:picMkLst>
+            <pc:docMk/>
+            <pc:sldMk cId="358461426" sldId="257"/>
+            <ac:picMk id="4" creationId="{D274BBA2-E442-450E-8D18-87D3DBB0D22E}"/>
+          </ac:picMkLst>
+        </pc:picChg>
+      </pc:sldChg>
+      <pc:sldChg chg="addSp delSp modSp new">
+        <pc:chgData name="Jonny Morris" userId="S::morrisj70800@masseyhigh.school.nz::4fab9e21-29a7-4d03-b4c0-6c8a112c783d" providerId="AD" clId="Web-{61852D5F-CC47-4EF3-8523-0D8470090199}" dt="2021-05-27T22:48:10.550" v="14" actId="20577"/>
+        <pc:sldMkLst>
+          <pc:docMk/>
+          <pc:sldMk cId="2720713569" sldId="258"/>
+        </pc:sldMkLst>
+        <pc:spChg chg="mod">
+          <ac:chgData name="Jonny Morris" userId="S::morrisj70800@masseyhigh.school.nz::4fab9e21-29a7-4d03-b4c0-6c8a112c783d" providerId="AD" clId="Web-{61852D5F-CC47-4EF3-8523-0D8470090199}" dt="2021-05-27T22:48:10.550" v="14" actId="20577"/>
+          <ac:spMkLst>
+            <pc:docMk/>
+            <pc:sldMk cId="2720713569" sldId="258"/>
+            <ac:spMk id="2" creationId="{92EE7463-1C1B-4BDE-94BB-493F7281A42D}"/>
+          </ac:spMkLst>
+        </pc:spChg>
+        <pc:spChg chg="del">
+          <ac:chgData name="Jonny Morris" userId="S::morrisj70800@masseyhigh.school.nz::4fab9e21-29a7-4d03-b4c0-6c8a112c783d" providerId="AD" clId="Web-{61852D5F-CC47-4EF3-8523-0D8470090199}" dt="2021-05-27T22:45:14.639" v="6"/>
+          <ac:spMkLst>
+            <pc:docMk/>
+            <pc:sldMk cId="2720713569" sldId="258"/>
+            <ac:spMk id="3" creationId="{CD403E76-3547-4C2A-A26C-57E96749ADF9}"/>
+          </ac:spMkLst>
+        </pc:spChg>
+        <pc:picChg chg="add mod ord">
+          <ac:chgData name="Jonny Morris" userId="S::morrisj70800@masseyhigh.school.nz::4fab9e21-29a7-4d03-b4c0-6c8a112c783d" providerId="AD" clId="Web-{61852D5F-CC47-4EF3-8523-0D8470090199}" dt="2021-05-27T22:45:14.639" v="6"/>
+          <ac:picMkLst>
+            <pc:docMk/>
+            <pc:sldMk cId="2720713569" sldId="258"/>
+            <ac:picMk id="4" creationId="{770B29DB-722F-42EE-BD98-08A6A58798B3}"/>
+          </ac:picMkLst>
+        </pc:picChg>
+      </pc:sldChg>
+      <pc:sldChg chg="new">
+        <pc:chgData name="Jonny Morris" userId="S::morrisj70800@masseyhigh.school.nz::4fab9e21-29a7-4d03-b4c0-6c8a112c783d" providerId="AD" clId="Web-{61852D5F-CC47-4EF3-8523-0D8470090199}" dt="2021-05-27T22:43:29.355" v="3"/>
         <pc:sldMkLst>
           <pc:docMk/>
           <pc:sldMk cId="1121134679" sldId="259"/>
         </pc:sldMkLst>
-        <pc:spChg chg="mod">
-          <ac:chgData name="Jonny Morris" userId="S::morrisj70800@masseyhigh.school.nz::4fab9e21-29a7-4d03-b4c0-6c8a112c783d" providerId="AD" clId="Web-{B97A3ED7-EE4A-5CC1-A41D-E85CFB4F2B38}" dt="2021-06-01T02:31:37.218" v="183" actId="20577"/>
-          <ac:spMkLst>
-            <pc:docMk/>
-            <pc:sldMk cId="1121134679" sldId="259"/>
-            <ac:spMk id="5" creationId="{13770BC4-8233-4892-B0E6-F07AC0ADDCFD}"/>
-          </ac:spMkLst>
-        </pc:spChg>
+      </pc:sldChg>
+      <pc:sldChg chg="new">
+        <pc:chgData name="Jonny Morris" userId="S::morrisj70800@masseyhigh.school.nz::4fab9e21-29a7-4d03-b4c0-6c8a112c783d" providerId="AD" clId="Web-{61852D5F-CC47-4EF3-8523-0D8470090199}" dt="2021-05-27T22:43:31.902" v="4"/>
+        <pc:sldMkLst>
+          <pc:docMk/>
+          <pc:sldMk cId="4213354389" sldId="260"/>
+        </pc:sldMkLst>
       </pc:sldChg>
     </pc:docChg>
   </pc:docChgLst>
@@ -689,6 +509,354 @@
       </pc:sldChg>
     </pc:docChg>
   </pc:docChgLst>
+  <pc:docChgLst>
+    <pc:chgData clId="Web-{EE33AF41-30E7-9FB3-CC2C-421B72023142}"/>
+    <pc:docChg chg="modSld">
+      <pc:chgData name="" userId="" providerId="" clId="Web-{EE33AF41-30E7-9FB3-CC2C-421B72023142}" dt="2021-06-16T00:31:18.610" v="1" actId="20577"/>
+      <pc:docMkLst>
+        <pc:docMk/>
+      </pc:docMkLst>
+      <pc:sldChg chg="modSp">
+        <pc:chgData name="" userId="" providerId="" clId="Web-{EE33AF41-30E7-9FB3-CC2C-421B72023142}" dt="2021-06-16T00:31:18.610" v="1" actId="20577"/>
+        <pc:sldMkLst>
+          <pc:docMk/>
+          <pc:sldMk cId="109857222" sldId="256"/>
+        </pc:sldMkLst>
+        <pc:spChg chg="mod">
+          <ac:chgData name="" userId="" providerId="" clId="Web-{EE33AF41-30E7-9FB3-CC2C-421B72023142}" dt="2021-06-16T00:31:18.610" v="1" actId="20577"/>
+          <ac:spMkLst>
+            <pc:docMk/>
+            <pc:sldMk cId="109857222" sldId="256"/>
+            <ac:spMk id="2" creationId="{00000000-0000-0000-0000-000000000000}"/>
+          </ac:spMkLst>
+        </pc:spChg>
+      </pc:sldChg>
+    </pc:docChg>
+  </pc:docChgLst>
+  <pc:docChgLst>
+    <pc:chgData name="Jonny Morris" userId="S::morrisj70800@masseyhigh.school.nz::4fab9e21-29a7-4d03-b4c0-6c8a112c783d" providerId="AD" clId="Web-{8BDA8286-ABF9-455E-92B6-822DD2D54F24}"/>
+    <pc:docChg chg="modSld">
+      <pc:chgData name="Jonny Morris" userId="S::morrisj70800@masseyhigh.school.nz::4fab9e21-29a7-4d03-b4c0-6c8a112c783d" providerId="AD" clId="Web-{8BDA8286-ABF9-455E-92B6-822DD2D54F24}" dt="2021-06-02T23:33:01.816" v="185" actId="14100"/>
+      <pc:docMkLst>
+        <pc:docMk/>
+      </pc:docMkLst>
+      <pc:sldChg chg="addSp modSp">
+        <pc:chgData name="Jonny Morris" userId="S::morrisj70800@masseyhigh.school.nz::4fab9e21-29a7-4d03-b4c0-6c8a112c783d" providerId="AD" clId="Web-{8BDA8286-ABF9-455E-92B6-822DD2D54F24}" dt="2021-06-02T23:33:01.816" v="185" actId="14100"/>
+        <pc:sldMkLst>
+          <pc:docMk/>
+          <pc:sldMk cId="358461426" sldId="257"/>
+        </pc:sldMkLst>
+        <pc:spChg chg="add mod">
+          <ac:chgData name="Jonny Morris" userId="S::morrisj70800@masseyhigh.school.nz::4fab9e21-29a7-4d03-b4c0-6c8a112c783d" providerId="AD" clId="Web-{8BDA8286-ABF9-455E-92B6-822DD2D54F24}" dt="2021-06-02T23:33:01.816" v="185" actId="14100"/>
+          <ac:spMkLst>
+            <pc:docMk/>
+            <pc:sldMk cId="358461426" sldId="257"/>
+            <ac:spMk id="3" creationId="{3AA76EDA-873B-4C95-9ED7-4CD3ABC97401}"/>
+          </ac:spMkLst>
+        </pc:spChg>
+      </pc:sldChg>
+      <pc:sldChg chg="addSp modSp">
+        <pc:chgData name="Jonny Morris" userId="S::morrisj70800@masseyhigh.school.nz::4fab9e21-29a7-4d03-b4c0-6c8a112c783d" providerId="AD" clId="Web-{8BDA8286-ABF9-455E-92B6-822DD2D54F24}" dt="2021-06-02T23:32:14.187" v="182" actId="20577"/>
+        <pc:sldMkLst>
+          <pc:docMk/>
+          <pc:sldMk cId="2720713569" sldId="258"/>
+        </pc:sldMkLst>
+        <pc:spChg chg="add mod">
+          <ac:chgData name="Jonny Morris" userId="S::morrisj70800@masseyhigh.school.nz::4fab9e21-29a7-4d03-b4c0-6c8a112c783d" providerId="AD" clId="Web-{8BDA8286-ABF9-455E-92B6-822DD2D54F24}" dt="2021-06-02T23:32:14.187" v="182" actId="20577"/>
+          <ac:spMkLst>
+            <pc:docMk/>
+            <pc:sldMk cId="2720713569" sldId="258"/>
+            <ac:spMk id="3" creationId="{5D4E9E55-94C1-4FD3-A80E-D9AB284B8D0E}"/>
+          </ac:spMkLst>
+        </pc:spChg>
+      </pc:sldChg>
+      <pc:sldChg chg="modSp">
+        <pc:chgData name="Jonny Morris" userId="S::morrisj70800@masseyhigh.school.nz::4fab9e21-29a7-4d03-b4c0-6c8a112c783d" providerId="AD" clId="Web-{8BDA8286-ABF9-455E-92B6-822DD2D54F24}" dt="2021-06-02T23:28:21.230" v="4" actId="20577"/>
+        <pc:sldMkLst>
+          <pc:docMk/>
+          <pc:sldMk cId="1121134679" sldId="259"/>
+        </pc:sldMkLst>
+        <pc:spChg chg="mod">
+          <ac:chgData name="Jonny Morris" userId="S::morrisj70800@masseyhigh.school.nz::4fab9e21-29a7-4d03-b4c0-6c8a112c783d" providerId="AD" clId="Web-{8BDA8286-ABF9-455E-92B6-822DD2D54F24}" dt="2021-06-02T23:28:21.230" v="4" actId="20577"/>
+          <ac:spMkLst>
+            <pc:docMk/>
+            <pc:sldMk cId="1121134679" sldId="259"/>
+            <ac:spMk id="2" creationId="{588E3780-8974-43B7-B56C-88962D87DE18}"/>
+          </ac:spMkLst>
+        </pc:spChg>
+      </pc:sldChg>
+    </pc:docChg>
+  </pc:docChgLst>
+  <pc:docChgLst>
+    <pc:chgData name="Jonny Morris" userId="S::morrisj70800@masseyhigh.school.nz::4fab9e21-29a7-4d03-b4c0-6c8a112c783d" providerId="AD" clId="Web-{EE33AF41-30E7-9FB3-CC2C-421B72023142}"/>
+    <pc:docChg chg="addSld modSld">
+      <pc:chgData name="Jonny Morris" userId="S::morrisj70800@masseyhigh.school.nz::4fab9e21-29a7-4d03-b4c0-6c8a112c783d" providerId="AD" clId="Web-{EE33AF41-30E7-9FB3-CC2C-421B72023142}" dt="2021-06-16T00:53:42.955" v="174"/>
+      <pc:docMkLst>
+        <pc:docMk/>
+      </pc:docMkLst>
+      <pc:sldChg chg="modSp">
+        <pc:chgData name="Jonny Morris" userId="S::morrisj70800@masseyhigh.school.nz::4fab9e21-29a7-4d03-b4c0-6c8a112c783d" providerId="AD" clId="Web-{EE33AF41-30E7-9FB3-CC2C-421B72023142}" dt="2021-06-16T00:31:27.922" v="2" actId="20577"/>
+        <pc:sldMkLst>
+          <pc:docMk/>
+          <pc:sldMk cId="109857222" sldId="256"/>
+        </pc:sldMkLst>
+        <pc:spChg chg="mod">
+          <ac:chgData name="Jonny Morris" userId="S::morrisj70800@masseyhigh.school.nz::4fab9e21-29a7-4d03-b4c0-6c8a112c783d" providerId="AD" clId="Web-{EE33AF41-30E7-9FB3-CC2C-421B72023142}" dt="2021-06-16T00:31:27.922" v="2" actId="20577"/>
+          <ac:spMkLst>
+            <pc:docMk/>
+            <pc:sldMk cId="109857222" sldId="256"/>
+            <ac:spMk id="2" creationId="{00000000-0000-0000-0000-000000000000}"/>
+          </ac:spMkLst>
+        </pc:spChg>
+      </pc:sldChg>
+      <pc:sldChg chg="addSp delSp modSp mod setBg">
+        <pc:chgData name="Jonny Morris" userId="S::morrisj70800@masseyhigh.school.nz::4fab9e21-29a7-4d03-b4c0-6c8a112c783d" providerId="AD" clId="Web-{EE33AF41-30E7-9FB3-CC2C-421B72023142}" dt="2021-06-16T00:36:08.757" v="102" actId="20577"/>
+        <pc:sldMkLst>
+          <pc:docMk/>
+          <pc:sldMk cId="3634938810" sldId="263"/>
+        </pc:sldMkLst>
+        <pc:spChg chg="mod">
+          <ac:chgData name="Jonny Morris" userId="S::morrisj70800@masseyhigh.school.nz::4fab9e21-29a7-4d03-b4c0-6c8a112c783d" providerId="AD" clId="Web-{EE33AF41-30E7-9FB3-CC2C-421B72023142}" dt="2021-06-16T00:35:37.772" v="84" actId="20577"/>
+          <ac:spMkLst>
+            <pc:docMk/>
+            <pc:sldMk cId="3634938810" sldId="263"/>
+            <ac:spMk id="2" creationId="{40E80544-C795-410D-ACBE-5B39F33D5CE0}"/>
+          </ac:spMkLst>
+        </pc:spChg>
+        <pc:spChg chg="add del mod">
+          <ac:chgData name="Jonny Morris" userId="S::morrisj70800@masseyhigh.school.nz::4fab9e21-29a7-4d03-b4c0-6c8a112c783d" providerId="AD" clId="Web-{EE33AF41-30E7-9FB3-CC2C-421B72023142}" dt="2021-06-16T00:34:13.176" v="4"/>
+          <ac:spMkLst>
+            <pc:docMk/>
+            <pc:sldMk cId="3634938810" sldId="263"/>
+            <ac:spMk id="5" creationId="{4FF788E9-73E2-47BE-8F31-A7012EC688A0}"/>
+          </ac:spMkLst>
+        </pc:spChg>
+        <pc:spChg chg="add mod">
+          <ac:chgData name="Jonny Morris" userId="S::morrisj70800@masseyhigh.school.nz::4fab9e21-29a7-4d03-b4c0-6c8a112c783d" providerId="AD" clId="Web-{EE33AF41-30E7-9FB3-CC2C-421B72023142}" dt="2021-06-16T00:36:08.757" v="102" actId="20577"/>
+          <ac:spMkLst>
+            <pc:docMk/>
+            <pc:sldMk cId="3634938810" sldId="263"/>
+            <ac:spMk id="7" creationId="{575A2884-D3F4-4F04-843C-A1781ED6E8D0}"/>
+          </ac:spMkLst>
+        </pc:spChg>
+        <pc:picChg chg="del">
+          <ac:chgData name="Jonny Morris" userId="S::morrisj70800@masseyhigh.school.nz::4fab9e21-29a7-4d03-b4c0-6c8a112c783d" providerId="AD" clId="Web-{EE33AF41-30E7-9FB3-CC2C-421B72023142}" dt="2021-06-16T00:34:11.629" v="3"/>
+          <ac:picMkLst>
+            <pc:docMk/>
+            <pc:sldMk cId="3634938810" sldId="263"/>
+            <ac:picMk id="4" creationId="{7B754C1B-604C-427F-A868-FECC41A85331}"/>
+          </ac:picMkLst>
+        </pc:picChg>
+        <pc:picChg chg="add mod ord">
+          <ac:chgData name="Jonny Morris" userId="S::morrisj70800@masseyhigh.school.nz::4fab9e21-29a7-4d03-b4c0-6c8a112c783d" providerId="AD" clId="Web-{EE33AF41-30E7-9FB3-CC2C-421B72023142}" dt="2021-06-16T00:35:32.491" v="83"/>
+          <ac:picMkLst>
+            <pc:docMk/>
+            <pc:sldMk cId="3634938810" sldId="263"/>
+            <ac:picMk id="6" creationId="{7D7F0479-26D5-4D36-A1D1-4F626F1FAC68}"/>
+          </ac:picMkLst>
+        </pc:picChg>
+        <pc:cxnChg chg="add">
+          <ac:chgData name="Jonny Morris" userId="S::morrisj70800@masseyhigh.school.nz::4fab9e21-29a7-4d03-b4c0-6c8a112c783d" providerId="AD" clId="Web-{EE33AF41-30E7-9FB3-CC2C-421B72023142}" dt="2021-06-16T00:35:32.491" v="83"/>
+          <ac:cxnSpMkLst>
+            <pc:docMk/>
+            <pc:sldMk cId="3634938810" sldId="263"/>
+            <ac:cxnSpMk id="12" creationId="{A7F400EE-A8A5-48AF-B4D6-291B52C6F0B0}"/>
+          </ac:cxnSpMkLst>
+        </pc:cxnChg>
+      </pc:sldChg>
+      <pc:sldChg chg="addSp delSp modSp new mod setBg">
+        <pc:chgData name="Jonny Morris" userId="S::morrisj70800@masseyhigh.school.nz::4fab9e21-29a7-4d03-b4c0-6c8a112c783d" providerId="AD" clId="Web-{EE33AF41-30E7-9FB3-CC2C-421B72023142}" dt="2021-06-16T00:53:42.955" v="174"/>
+        <pc:sldMkLst>
+          <pc:docMk/>
+          <pc:sldMk cId="1522414602" sldId="264"/>
+        </pc:sldMkLst>
+        <pc:spChg chg="mod">
+          <ac:chgData name="Jonny Morris" userId="S::morrisj70800@masseyhigh.school.nz::4fab9e21-29a7-4d03-b4c0-6c8a112c783d" providerId="AD" clId="Web-{EE33AF41-30E7-9FB3-CC2C-421B72023142}" dt="2021-06-16T00:53:42.955" v="174"/>
+          <ac:spMkLst>
+            <pc:docMk/>
+            <pc:sldMk cId="1522414602" sldId="264"/>
+            <ac:spMk id="2" creationId="{3E212635-CADE-43BF-A371-49E22896C9EE}"/>
+          </ac:spMkLst>
+        </pc:spChg>
+        <pc:spChg chg="del">
+          <ac:chgData name="Jonny Morris" userId="S::morrisj70800@masseyhigh.school.nz::4fab9e21-29a7-4d03-b4c0-6c8a112c783d" providerId="AD" clId="Web-{EE33AF41-30E7-9FB3-CC2C-421B72023142}" dt="2021-06-16T00:48:32.119" v="112"/>
+          <ac:spMkLst>
+            <pc:docMk/>
+            <pc:sldMk cId="1522414602" sldId="264"/>
+            <ac:spMk id="3" creationId="{01101CFF-D6AB-414A-84A8-8070870A2170}"/>
+          </ac:spMkLst>
+        </pc:spChg>
+        <pc:spChg chg="add mod">
+          <ac:chgData name="Jonny Morris" userId="S::morrisj70800@masseyhigh.school.nz::4fab9e21-29a7-4d03-b4c0-6c8a112c783d" providerId="AD" clId="Web-{EE33AF41-30E7-9FB3-CC2C-421B72023142}" dt="2021-06-16T00:53:42.955" v="174"/>
+          <ac:spMkLst>
+            <pc:docMk/>
+            <pc:sldMk cId="1522414602" sldId="264"/>
+            <ac:spMk id="5" creationId="{F66156E5-FCA1-407A-AF31-9A6D63AAC414}"/>
+          </ac:spMkLst>
+        </pc:spChg>
+        <pc:spChg chg="add">
+          <ac:chgData name="Jonny Morris" userId="S::morrisj70800@masseyhigh.school.nz::4fab9e21-29a7-4d03-b4c0-6c8a112c783d" providerId="AD" clId="Web-{EE33AF41-30E7-9FB3-CC2C-421B72023142}" dt="2021-06-16T00:53:42.955" v="174"/>
+          <ac:spMkLst>
+            <pc:docMk/>
+            <pc:sldMk cId="1522414602" sldId="264"/>
+            <ac:spMk id="10" creationId="{C232B152-3720-4D3B-97ED-45CE5483F16F}"/>
+          </ac:spMkLst>
+        </pc:spChg>
+        <pc:spChg chg="add">
+          <ac:chgData name="Jonny Morris" userId="S::morrisj70800@masseyhigh.school.nz::4fab9e21-29a7-4d03-b4c0-6c8a112c783d" providerId="AD" clId="Web-{EE33AF41-30E7-9FB3-CC2C-421B72023142}" dt="2021-06-16T00:53:42.955" v="174"/>
+          <ac:spMkLst>
+            <pc:docMk/>
+            <pc:sldMk cId="1522414602" sldId="264"/>
+            <ac:spMk id="12" creationId="{11BAB570-FF10-4E96-8A3F-FA9804702B89}"/>
+          </ac:spMkLst>
+        </pc:spChg>
+        <pc:spChg chg="add">
+          <ac:chgData name="Jonny Morris" userId="S::morrisj70800@masseyhigh.school.nz::4fab9e21-29a7-4d03-b4c0-6c8a112c783d" providerId="AD" clId="Web-{EE33AF41-30E7-9FB3-CC2C-421B72023142}" dt="2021-06-16T00:53:42.955" v="174"/>
+          <ac:spMkLst>
+            <pc:docMk/>
+            <pc:sldMk cId="1522414602" sldId="264"/>
+            <ac:spMk id="14" creationId="{4B9FAFB2-BEB5-4848-8018-BCAD99E2E1AA}"/>
+          </ac:spMkLst>
+        </pc:spChg>
+        <pc:picChg chg="add mod ord">
+          <ac:chgData name="Jonny Morris" userId="S::morrisj70800@masseyhigh.school.nz::4fab9e21-29a7-4d03-b4c0-6c8a112c783d" providerId="AD" clId="Web-{EE33AF41-30E7-9FB3-CC2C-421B72023142}" dt="2021-06-16T00:53:42.955" v="174"/>
+          <ac:picMkLst>
+            <pc:docMk/>
+            <pc:sldMk cId="1522414602" sldId="264"/>
+            <ac:picMk id="4" creationId="{A702C9A9-F585-45C7-AC23-C1B81B3EF6BA}"/>
+          </ac:picMkLst>
+        </pc:picChg>
+      </pc:sldChg>
+    </pc:docChg>
+  </pc:docChgLst>
+  <pc:docChgLst>
+    <pc:chgData name="Jonny Morris" userId="S::morrisj70800@masseyhigh.school.nz::4fab9e21-29a7-4d03-b4c0-6c8a112c783d" providerId="AD" clId="Web-{B97A3ED7-EE4A-5CC1-A41D-E85CFB4F2B38}"/>
+    <pc:docChg chg="modSld">
+      <pc:chgData name="Jonny Morris" userId="S::morrisj70800@masseyhigh.school.nz::4fab9e21-29a7-4d03-b4c0-6c8a112c783d" providerId="AD" clId="Web-{B97A3ED7-EE4A-5CC1-A41D-E85CFB4F2B38}" dt="2021-06-01T02:31:37.218" v="183" actId="20577"/>
+      <pc:docMkLst>
+        <pc:docMk/>
+      </pc:docMkLst>
+      <pc:sldChg chg="modSp">
+        <pc:chgData name="Jonny Morris" userId="S::morrisj70800@masseyhigh.school.nz::4fab9e21-29a7-4d03-b4c0-6c8a112c783d" providerId="AD" clId="Web-{B97A3ED7-EE4A-5CC1-A41D-E85CFB4F2B38}" dt="2021-06-01T02:31:37.218" v="183" actId="20577"/>
+        <pc:sldMkLst>
+          <pc:docMk/>
+          <pc:sldMk cId="1121134679" sldId="259"/>
+        </pc:sldMkLst>
+        <pc:spChg chg="mod">
+          <ac:chgData name="Jonny Morris" userId="S::morrisj70800@masseyhigh.school.nz::4fab9e21-29a7-4d03-b4c0-6c8a112c783d" providerId="AD" clId="Web-{B97A3ED7-EE4A-5CC1-A41D-E85CFB4F2B38}" dt="2021-06-01T02:31:37.218" v="183" actId="20577"/>
+          <ac:spMkLst>
+            <pc:docMk/>
+            <pc:sldMk cId="1121134679" sldId="259"/>
+            <ac:spMk id="5" creationId="{13770BC4-8233-4892-B0E6-F07AC0ADDCFD}"/>
+          </ac:spMkLst>
+        </pc:spChg>
+      </pc:sldChg>
+    </pc:docChg>
+  </pc:docChgLst>
+  <pc:docChgLst>
+    <pc:chgData name="Jonny Morris" userId="S::morrisj70800@masseyhigh.school.nz::4fab9e21-29a7-4d03-b4c0-6c8a112c783d" providerId="AD" clId="Web-{33F175D3-4D32-71D5-6709-62DB828ADCB0}"/>
+    <pc:docChg chg="modSld">
+      <pc:chgData name="Jonny Morris" userId="S::morrisj70800@masseyhigh.school.nz::4fab9e21-29a7-4d03-b4c0-6c8a112c783d" providerId="AD" clId="Web-{33F175D3-4D32-71D5-6709-62DB828ADCB0}" dt="2021-06-03T22:51:11.495" v="43"/>
+      <pc:docMkLst>
+        <pc:docMk/>
+      </pc:docMkLst>
+      <pc:sldChg chg="addSp delSp modSp mod setBg">
+        <pc:chgData name="Jonny Morris" userId="S::morrisj70800@masseyhigh.school.nz::4fab9e21-29a7-4d03-b4c0-6c8a112c783d" providerId="AD" clId="Web-{33F175D3-4D32-71D5-6709-62DB828ADCB0}" dt="2021-06-03T22:51:11.495" v="43"/>
+        <pc:sldMkLst>
+          <pc:docMk/>
+          <pc:sldMk cId="4213354389" sldId="260"/>
+        </pc:sldMkLst>
+        <pc:spChg chg="mod">
+          <ac:chgData name="Jonny Morris" userId="S::morrisj70800@masseyhigh.school.nz::4fab9e21-29a7-4d03-b4c0-6c8a112c783d" providerId="AD" clId="Web-{33F175D3-4D32-71D5-6709-62DB828ADCB0}" dt="2021-06-03T22:51:11.495" v="43"/>
+          <ac:spMkLst>
+            <pc:docMk/>
+            <pc:sldMk cId="4213354389" sldId="260"/>
+            <ac:spMk id="2" creationId="{54EC48D4-B0FC-4660-8894-4F1B722EAFD3}"/>
+          </ac:spMkLst>
+        </pc:spChg>
+        <pc:spChg chg="del">
+          <ac:chgData name="Jonny Morris" userId="S::morrisj70800@masseyhigh.school.nz::4fab9e21-29a7-4d03-b4c0-6c8a112c783d" providerId="AD" clId="Web-{33F175D3-4D32-71D5-6709-62DB828ADCB0}" dt="2021-06-03T22:44:55.988" v="0"/>
+          <ac:spMkLst>
+            <pc:docMk/>
+            <pc:sldMk cId="4213354389" sldId="260"/>
+            <ac:spMk id="3" creationId="{1E8EF868-1C38-43AA-BA0A-E75CFB29EE0D}"/>
+          </ac:spMkLst>
+        </pc:spChg>
+        <pc:spChg chg="add mod">
+          <ac:chgData name="Jonny Morris" userId="S::morrisj70800@masseyhigh.school.nz::4fab9e21-29a7-4d03-b4c0-6c8a112c783d" providerId="AD" clId="Web-{33F175D3-4D32-71D5-6709-62DB828ADCB0}" dt="2021-06-03T22:51:11.495" v="43"/>
+          <ac:spMkLst>
+            <pc:docMk/>
+            <pc:sldMk cId="4213354389" sldId="260"/>
+            <ac:spMk id="5" creationId="{A626E451-29FF-476C-B176-15A181E7FCFB}"/>
+          </ac:spMkLst>
+        </pc:spChg>
+        <pc:spChg chg="add">
+          <ac:chgData name="Jonny Morris" userId="S::morrisj70800@masseyhigh.school.nz::4fab9e21-29a7-4d03-b4c0-6c8a112c783d" providerId="AD" clId="Web-{33F175D3-4D32-71D5-6709-62DB828ADCB0}" dt="2021-06-03T22:51:11.495" v="43"/>
+          <ac:spMkLst>
+            <pc:docMk/>
+            <pc:sldMk cId="4213354389" sldId="260"/>
+            <ac:spMk id="10" creationId="{73DE2CFE-42F2-48F0-8706-5264E012B10C}"/>
+          </ac:spMkLst>
+        </pc:spChg>
+        <pc:picChg chg="add mod ord">
+          <ac:chgData name="Jonny Morris" userId="S::morrisj70800@masseyhigh.school.nz::4fab9e21-29a7-4d03-b4c0-6c8a112c783d" providerId="AD" clId="Web-{33F175D3-4D32-71D5-6709-62DB828ADCB0}" dt="2021-06-03T22:51:11.495" v="43"/>
+          <ac:picMkLst>
+            <pc:docMk/>
+            <pc:sldMk cId="4213354389" sldId="260"/>
+            <ac:picMk id="4" creationId="{DB2173E9-EC0E-4405-B0D1-1F2CC6B9FFC6}"/>
+          </ac:picMkLst>
+        </pc:picChg>
+      </pc:sldChg>
+    </pc:docChg>
+  </pc:docChgLst>
+  <pc:docChgLst>
+    <pc:chgData name="Jonny Morris" userId="S::morrisj70800@masseyhigh.school.nz::4fab9e21-29a7-4d03-b4c0-6c8a112c783d" providerId="AD" clId="Web-{82670D97-0EF6-5614-F833-FE3B0A574D76}"/>
+    <pc:docChg chg="modSld">
+      <pc:chgData name="Jonny Morris" userId="S::morrisj70800@masseyhigh.school.nz::4fab9e21-29a7-4d03-b4c0-6c8a112c783d" providerId="AD" clId="Web-{82670D97-0EF6-5614-F833-FE3B0A574D76}" dt="2021-05-30T21:53:29.949" v="16" actId="14100"/>
+      <pc:docMkLst>
+        <pc:docMk/>
+      </pc:docMkLst>
+      <pc:sldChg chg="addSp delSp modSp">
+        <pc:chgData name="Jonny Morris" userId="S::morrisj70800@masseyhigh.school.nz::4fab9e21-29a7-4d03-b4c0-6c8a112c783d" providerId="AD" clId="Web-{82670D97-0EF6-5614-F833-FE3B0A574D76}" dt="2021-05-30T21:53:29.949" v="16" actId="14100"/>
+        <pc:sldMkLst>
+          <pc:docMk/>
+          <pc:sldMk cId="1121134679" sldId="259"/>
+        </pc:sldMkLst>
+        <pc:spChg chg="mod">
+          <ac:chgData name="Jonny Morris" userId="S::morrisj70800@masseyhigh.school.nz::4fab9e21-29a7-4d03-b4c0-6c8a112c783d" providerId="AD" clId="Web-{82670D97-0EF6-5614-F833-FE3B0A574D76}" dt="2021-05-30T21:53:09.277" v="9" actId="20577"/>
+          <ac:spMkLst>
+            <pc:docMk/>
+            <pc:sldMk cId="1121134679" sldId="259"/>
+            <ac:spMk id="2" creationId="{588E3780-8974-43B7-B56C-88962D87DE18}"/>
+          </ac:spMkLst>
+        </pc:spChg>
+        <pc:spChg chg="del">
+          <ac:chgData name="Jonny Morris" userId="S::morrisj70800@masseyhigh.school.nz::4fab9e21-29a7-4d03-b4c0-6c8a112c783d" providerId="AD" clId="Web-{82670D97-0EF6-5614-F833-FE3B0A574D76}" dt="2021-05-30T21:53:10.495" v="10"/>
+          <ac:spMkLst>
+            <pc:docMk/>
+            <pc:sldMk cId="1121134679" sldId="259"/>
+            <ac:spMk id="3" creationId="{A9883A00-3047-4C01-A803-486F6FC2F7B9}"/>
+          </ac:spMkLst>
+        </pc:spChg>
+        <pc:spChg chg="add mod">
+          <ac:chgData name="Jonny Morris" userId="S::morrisj70800@masseyhigh.school.nz::4fab9e21-29a7-4d03-b4c0-6c8a112c783d" providerId="AD" clId="Web-{82670D97-0EF6-5614-F833-FE3B0A574D76}" dt="2021-05-30T21:53:29.949" v="16" actId="14100"/>
+          <ac:spMkLst>
+            <pc:docMk/>
+            <pc:sldMk cId="1121134679" sldId="259"/>
+            <ac:spMk id="5" creationId="{13770BC4-8233-4892-B0E6-F07AC0ADDCFD}"/>
+          </ac:spMkLst>
+        </pc:spChg>
+        <pc:picChg chg="add mod ord">
+          <ac:chgData name="Jonny Morris" userId="S::morrisj70800@masseyhigh.school.nz::4fab9e21-29a7-4d03-b4c0-6c8a112c783d" providerId="AD" clId="Web-{82670D97-0EF6-5614-F833-FE3B0A574D76}" dt="2021-05-30T21:53:12.824" v="11" actId="1076"/>
+          <ac:picMkLst>
+            <pc:docMk/>
+            <pc:sldMk cId="1121134679" sldId="259"/>
+            <ac:picMk id="4" creationId="{832CB706-A894-4C79-A765-CAC0EEA0D08A}"/>
+          </ac:picMkLst>
+        </pc:picChg>
+      </pc:sldChg>
+    </pc:docChg>
+  </pc:docChgLst>
 </pc:chgInfo>
 </file>
 
@@ -821,7 +989,7 @@
           <a:p>
             <a:fld id="{846CE7D5-CF57-46EF-B807-FDD0502418D4}" type="datetimeFigureOut">
               <a:rPr lang="en-US" smtClean="0"/>
-              <a:t>6/14/2021</a:t>
+              <a:t>6/15/2021</a:t>
             </a:fld>
             <a:endParaRPr lang="en-US"/>
           </a:p>
@@ -989,7 +1157,7 @@
           <a:p>
             <a:fld id="{846CE7D5-CF57-46EF-B807-FDD0502418D4}" type="datetimeFigureOut">
               <a:rPr lang="en-US" smtClean="0"/>
-              <a:t>6/14/2021</a:t>
+              <a:t>6/15/2021</a:t>
             </a:fld>
             <a:endParaRPr lang="en-US"/>
           </a:p>
@@ -1167,7 +1335,7 @@
           <a:p>
             <a:fld id="{846CE7D5-CF57-46EF-B807-FDD0502418D4}" type="datetimeFigureOut">
               <a:rPr lang="en-US" smtClean="0"/>
-              <a:t>6/14/2021</a:t>
+              <a:t>6/15/2021</a:t>
             </a:fld>
             <a:endParaRPr lang="en-US"/>
           </a:p>
@@ -1335,7 +1503,7 @@
           <a:p>
             <a:fld id="{846CE7D5-CF57-46EF-B807-FDD0502418D4}" type="datetimeFigureOut">
               <a:rPr lang="en-US" smtClean="0"/>
-              <a:t>6/14/2021</a:t>
+              <a:t>6/15/2021</a:t>
             </a:fld>
             <a:endParaRPr lang="en-US"/>
           </a:p>
@@ -1580,7 +1748,7 @@
           <a:p>
             <a:fld id="{846CE7D5-CF57-46EF-B807-FDD0502418D4}" type="datetimeFigureOut">
               <a:rPr lang="en-US" smtClean="0"/>
-              <a:t>6/14/2021</a:t>
+              <a:t>6/15/2021</a:t>
             </a:fld>
             <a:endParaRPr lang="en-US"/>
           </a:p>
@@ -1809,7 +1977,7 @@
           <a:p>
             <a:fld id="{846CE7D5-CF57-46EF-B807-FDD0502418D4}" type="datetimeFigureOut">
               <a:rPr lang="en-US" smtClean="0"/>
-              <a:t>6/14/2021</a:t>
+              <a:t>6/15/2021</a:t>
             </a:fld>
             <a:endParaRPr lang="en-US"/>
           </a:p>
@@ -2173,7 +2341,7 @@
           <a:p>
             <a:fld id="{846CE7D5-CF57-46EF-B807-FDD0502418D4}" type="datetimeFigureOut">
               <a:rPr lang="en-US" smtClean="0"/>
-              <a:t>6/14/2021</a:t>
+              <a:t>6/15/2021</a:t>
             </a:fld>
             <a:endParaRPr lang="en-US"/>
           </a:p>
@@ -2290,7 +2458,7 @@
           <a:p>
             <a:fld id="{846CE7D5-CF57-46EF-B807-FDD0502418D4}" type="datetimeFigureOut">
               <a:rPr lang="en-US" smtClean="0"/>
-              <a:t>6/14/2021</a:t>
+              <a:t>6/15/2021</a:t>
             </a:fld>
             <a:endParaRPr lang="en-US"/>
           </a:p>
@@ -2385,7 +2553,7 @@
           <a:p>
             <a:fld id="{846CE7D5-CF57-46EF-B807-FDD0502418D4}" type="datetimeFigureOut">
               <a:rPr lang="en-US" smtClean="0"/>
-              <a:t>6/14/2021</a:t>
+              <a:t>6/15/2021</a:t>
             </a:fld>
             <a:endParaRPr lang="en-US"/>
           </a:p>
@@ -2660,7 +2828,7 @@
           <a:p>
             <a:fld id="{846CE7D5-CF57-46EF-B807-FDD0502418D4}" type="datetimeFigureOut">
               <a:rPr lang="en-US" smtClean="0"/>
-              <a:t>6/14/2021</a:t>
+              <a:t>6/15/2021</a:t>
             </a:fld>
             <a:endParaRPr lang="en-US"/>
           </a:p>
@@ -2915,7 +3083,7 @@
           <a:p>
             <a:fld id="{846CE7D5-CF57-46EF-B807-FDD0502418D4}" type="datetimeFigureOut">
               <a:rPr lang="en-US" smtClean="0"/>
-              <a:t>6/14/2021</a:t>
+              <a:t>6/15/2021</a:t>
             </a:fld>
             <a:endParaRPr lang="en-US"/>
           </a:p>
@@ -3126,7 +3294,7 @@
           <a:p>
             <a:fld id="{846CE7D5-CF57-46EF-B807-FDD0502418D4}" type="datetimeFigureOut">
               <a:rPr lang="en-US" smtClean="0"/>
-              <a:t>6/14/2021</a:t>
+              <a:t>6/15/2021</a:t>
             </a:fld>
             <a:endParaRPr lang="en-US"/>
           </a:p>
@@ -3551,7 +3719,13 @@
           <a:bodyPr/>
           <a:lstStyle/>
           <a:p>
-            <a:endParaRPr lang="en-US"/>
+            <a:r>
+              <a:rPr lang="en-US" dirty="0">
+                <a:cs typeface="Calibri Light"/>
+              </a:rPr>
+              <a:t>Programming Assessment</a:t>
+            </a:r>
+            <a:endParaRPr lang="en-US" dirty="0" err="1"/>
           </a:p>
         </p:txBody>
       </p:sp>
@@ -4589,6 +4763,14 @@
 <file path=ppt/slides/slide8.xml><?xml version="1.0" encoding="utf-8"?>
 <p:sld xmlns:a="http://schemas.openxmlformats.org/drawingml/2006/main" xmlns:r="http://schemas.openxmlformats.org/officeDocument/2006/relationships" xmlns:p="http://schemas.openxmlformats.org/presentationml/2006/main">
   <p:cSld>
+    <p:bg>
+      <p:bgPr>
+        <a:solidFill>
+          <a:schemeClr val="bg1"/>
+        </a:solidFill>
+        <a:effectLst/>
+      </p:bgPr>
+    </p:bg>
     <p:spTree>
       <p:nvGrpSpPr>
         <p:cNvPr id="1" name=""/>
@@ -4619,12 +4801,2865 @@
             <p:ph type="title"/>
           </p:nvPr>
         </p:nvSpPr>
-        <p:spPr/>
-        <p:txBody>
-          <a:bodyPr/>
+        <p:spPr>
+          <a:xfrm>
+            <a:off x="4965430" y="629268"/>
+            <a:ext cx="6586491" cy="1286160"/>
+          </a:xfrm>
+        </p:spPr>
+        <p:txBody>
+          <a:bodyPr vert="horz" lIns="91440" tIns="45720" rIns="91440" bIns="45720" rtlCol="0" anchor="b">
+            <a:normAutofit/>
+          </a:bodyPr>
           <a:lstStyle/>
           <a:p>
+            <a:r>
+              <a:rPr lang="en-US" dirty="0"/>
+              <a:t>Start_GUI V3</a:t>
+            </a:r>
+          </a:p>
+        </p:txBody>
+      </p:sp>
+      <p:sp>
+        <p:nvSpPr>
+          <p:cNvPr id="7" name="TextBox 6">
+            <a:extLst>
+              <a:ext uri="{FF2B5EF4-FFF2-40B4-BE49-F238E27FC236}">
+                <a16:creationId xmlns:a16="http://schemas.microsoft.com/office/drawing/2014/main" id="{575A2884-D3F4-4F04-843C-A1781ED6E8D0}"/>
+              </a:ext>
+            </a:extLst>
+          </p:cNvPr>
+          <p:cNvSpPr txBox="1"/>
+          <p:nvPr/>
+        </p:nvSpPr>
+        <p:spPr>
+          <a:xfrm>
+            <a:off x="4965431" y="2438400"/>
+            <a:ext cx="6586489" cy="3785419"/>
+          </a:xfrm>
+          <a:prstGeom prst="rect">
+            <a:avLst/>
+          </a:prstGeom>
+        </p:spPr>
+        <p:txBody>
+          <a:bodyPr rot="0" spcFirstLastPara="0" vertOverflow="overflow" horzOverflow="overflow" vert="horz" lIns="91440" tIns="45720" rIns="91440" bIns="45720" numCol="1" spcCol="0" rtlCol="0" fromWordArt="0" anchorCtr="0" forceAA="0" compatLnSpc="1">
+            <a:prstTxWarp prst="textNoShape">
+              <a:avLst/>
+            </a:prstTxWarp>
+            <a:normAutofit/>
+          </a:bodyPr>
+          <a:lstStyle/>
+          <a:p>
+            <a:pPr indent="-228600">
+              <a:lnSpc>
+                <a:spcPct val="90000"/>
+              </a:lnSpc>
+              <a:spcAft>
+                <a:spcPts val="600"/>
+              </a:spcAft>
+              <a:buFont typeface="Arial" panose="020B0604020202020204" pitchFamily="34" charset="0"/>
+              <a:buChar char="•"/>
+            </a:pPr>
+            <a:r>
+              <a:rPr lang="en-US" sz="2000" dirty="0"/>
+              <a:t>This will most likely be my final version of my start Gui. I will now begin to develop my game glass and generate questions + answers.  My start Gui now works as I intended it to.</a:t>
+            </a:r>
+          </a:p>
+        </p:txBody>
+      </p:sp>
+      <p:pic>
+        <p:nvPicPr>
+          <p:cNvPr id="6" name="Picture 6" descr="A picture containing text&#10;&#10;Description automatically generated">
+            <a:extLst>
+              <a:ext uri="{FF2B5EF4-FFF2-40B4-BE49-F238E27FC236}">
+                <a16:creationId xmlns:a16="http://schemas.microsoft.com/office/drawing/2014/main" id="{7D7F0479-26D5-4D36-A1D1-4F626F1FAC68}"/>
+              </a:ext>
+            </a:extLst>
+          </p:cNvPr>
+          <p:cNvPicPr>
+            <a:picLocks noGrp="1" noChangeAspect="1"/>
+          </p:cNvPicPr>
+          <p:nvPr>
+            <p:ph idx="1"/>
+          </p:nvPr>
+        </p:nvPicPr>
+        <p:blipFill rotWithShape="1">
+          <a:blip r:embed="rId2"/>
+          <a:srcRect b="5703"/>
+          <a:stretch/>
+        </p:blipFill>
+        <p:spPr>
+          <a:xfrm>
+            <a:off x="20" y="10"/>
+            <a:ext cx="4635571" cy="6857990"/>
+          </a:xfrm>
+          <a:prstGeom prst="rect">
+            <a:avLst/>
+          </a:prstGeom>
+          <a:effectLst/>
+        </p:spPr>
+      </p:pic>
+      <p:cxnSp>
+        <p:nvCxnSpPr>
+          <p:cNvPr id="12" name="Straight Connector 11">
+            <a:extLst>
+              <a:ext uri="{FF2B5EF4-FFF2-40B4-BE49-F238E27FC236}">
+                <a16:creationId xmlns:a16="http://schemas.microsoft.com/office/drawing/2014/main" id="{A7F400EE-A8A5-48AF-B4D6-291B52C6F0B0}"/>
+              </a:ext>
+              <a:ext uri="{C183D7F6-B498-43B3-948B-1728B52AA6E4}">
+                <adec:decorative xmlns:adec="http://schemas.microsoft.com/office/drawing/2017/decorative" val="1"/>
+              </a:ext>
+            </a:extLst>
+          </p:cNvPr>
+          <p:cNvCxnSpPr>
+            <a:cxnSpLocks noGrp="1" noRot="1" noChangeAspect="1" noMove="1" noResize="1" noEditPoints="1" noAdjustHandles="1" noChangeArrowheads="1" noChangeShapeType="1"/>
+          </p:cNvCxnSpPr>
+          <p:nvPr>
+            <p:extLst>
+              <p:ext uri="{386F3935-93C4-4BCD-93E2-E3B085C9AB24}">
+                <p16:designElem xmlns:p16="http://schemas.microsoft.com/office/powerpoint/2015/main" val="1"/>
+              </p:ext>
+            </p:extLst>
+          </p:nvPr>
+        </p:nvCxnSpPr>
+        <p:spPr>
+          <a:xfrm>
+            <a:off x="5080934" y="2115117"/>
+            <a:ext cx="6309360" cy="0"/>
+          </a:xfrm>
+          <a:prstGeom prst="line">
+            <a:avLst/>
+          </a:prstGeom>
+          <a:ln w="19050">
+            <a:solidFill>
+              <a:srgbClr val="FFF700"/>
+            </a:solidFill>
+          </a:ln>
+        </p:spPr>
+        <p:style>
+          <a:lnRef idx="1">
+            <a:schemeClr val="accent1"/>
+          </a:lnRef>
+          <a:fillRef idx="0">
+            <a:schemeClr val="accent1"/>
+          </a:fillRef>
+          <a:effectRef idx="0">
+            <a:schemeClr val="accent1"/>
+          </a:effectRef>
+          <a:fontRef idx="minor">
+            <a:schemeClr val="tx1"/>
+          </a:fontRef>
+        </p:style>
+      </p:cxnSp>
+    </p:spTree>
+    <p:extLst>
+      <p:ext uri="{BB962C8B-B14F-4D97-AF65-F5344CB8AC3E}">
+        <p14:creationId xmlns:p14="http://schemas.microsoft.com/office/powerpoint/2010/main" val="3634938810"/>
+      </p:ext>
+    </p:extLst>
+  </p:cSld>
+  <p:clrMapOvr>
+    <a:masterClrMapping/>
+  </p:clrMapOvr>
+</p:sld>
+</file>
+
+<file path=ppt/slides/slide9.xml><?xml version="1.0" encoding="utf-8"?>
+<p:sld xmlns:a="http://schemas.openxmlformats.org/drawingml/2006/main" xmlns:r="http://schemas.openxmlformats.org/officeDocument/2006/relationships" xmlns:p="http://schemas.openxmlformats.org/presentationml/2006/main">
+  <p:cSld>
+    <p:bg>
+      <p:bgPr>
+        <a:solidFill>
+          <a:schemeClr val="bg1"/>
+        </a:solidFill>
+        <a:effectLst/>
+      </p:bgPr>
+    </p:bg>
+    <p:spTree>
+      <p:nvGrpSpPr>
+        <p:cNvPr id="1" name=""/>
+        <p:cNvGrpSpPr/>
+        <p:nvPr/>
+      </p:nvGrpSpPr>
+      <p:grpSpPr>
+        <a:xfrm>
+          <a:off x="0" y="0"/>
+          <a:ext cx="0" cy="0"/>
+          <a:chOff x="0" y="0"/>
+          <a:chExt cx="0" cy="0"/>
+        </a:xfrm>
+      </p:grpSpPr>
+      <p:sp useBgFill="1">
+        <p:nvSpPr>
+          <p:cNvPr id="10" name="Rectangle 9">
+            <a:extLst>
+              <a:ext uri="{FF2B5EF4-FFF2-40B4-BE49-F238E27FC236}">
+                <a16:creationId xmlns:a16="http://schemas.microsoft.com/office/drawing/2014/main" id="{C232B152-3720-4D3B-97ED-45CE5483F16F}"/>
+              </a:ext>
+              <a:ext uri="{C183D7F6-B498-43B3-948B-1728B52AA6E4}">
+                <adec:decorative xmlns:adec="http://schemas.microsoft.com/office/drawing/2017/decorative" val="1"/>
+              </a:ext>
+            </a:extLst>
+          </p:cNvPr>
+          <p:cNvSpPr>
+            <a:spLocks noGrp="1" noRot="1" noChangeAspect="1" noMove="1" noResize="1" noEditPoints="1" noAdjustHandles="1" noChangeArrowheads="1" noChangeShapeType="1" noTextEdit="1"/>
+          </p:cNvSpPr>
+          <p:nvPr>
+            <p:extLst>
+              <p:ext uri="{386F3935-93C4-4BCD-93E2-E3B085C9AB24}">
+                <p16:designElem xmlns:p16="http://schemas.microsoft.com/office/powerpoint/2015/main" val="1"/>
+              </p:ext>
+            </p:extLst>
+          </p:nvPr>
+        </p:nvSpPr>
+        <p:spPr>
+          <a:xfrm>
+            <a:off x="0" y="0"/>
+            <a:ext cx="12192000" cy="6858000"/>
+          </a:xfrm>
+          <a:prstGeom prst="rect">
+            <a:avLst/>
+          </a:prstGeom>
+          <a:ln w="12700" cap="flat" cmpd="sng" algn="ctr">
+            <a:noFill/>
+            <a:prstDash val="solid"/>
+            <a:miter lim="800000"/>
+          </a:ln>
+          <a:effectLst/>
+        </p:spPr>
+        <p:style>
+          <a:lnRef idx="2">
+            <a:schemeClr val="accent1">
+              <a:shade val="50000"/>
+            </a:schemeClr>
+          </a:lnRef>
+          <a:fillRef idx="1">
+            <a:schemeClr val="accent1"/>
+          </a:fillRef>
+          <a:effectRef idx="0">
+            <a:schemeClr val="accent1"/>
+          </a:effectRef>
+          <a:fontRef idx="minor">
+            <a:schemeClr val="lt1"/>
+          </a:fontRef>
+        </p:style>
+        <p:txBody>
+          <a:bodyPr rtlCol="0" anchor="ctr"/>
+          <a:lstStyle/>
+          <a:p>
+            <a:pPr algn="ctr"/>
             <a:endParaRPr lang="en-US"/>
+          </a:p>
+        </p:txBody>
+      </p:sp>
+      <p:sp>
+        <p:nvSpPr>
+          <p:cNvPr id="12" name="Freeform: Shape 11">
+            <a:extLst>
+              <a:ext uri="{FF2B5EF4-FFF2-40B4-BE49-F238E27FC236}">
+                <a16:creationId xmlns:a16="http://schemas.microsoft.com/office/drawing/2014/main" id="{11BAB570-FF10-4E96-8A3F-FA9804702B89}"/>
+              </a:ext>
+              <a:ext uri="{C183D7F6-B498-43B3-948B-1728B52AA6E4}">
+                <adec:decorative xmlns:adec="http://schemas.microsoft.com/office/drawing/2017/decorative" val="1"/>
+              </a:ext>
+            </a:extLst>
+          </p:cNvPr>
+          <p:cNvSpPr>
+            <a:spLocks noGrp="1" noRot="1" noChangeAspect="1" noMove="1" noResize="1" noEditPoints="1" noAdjustHandles="1" noChangeArrowheads="1" noChangeShapeType="1" noTextEdit="1"/>
+          </p:cNvSpPr>
+          <p:nvPr>
+            <p:extLst>
+              <p:ext uri="{386F3935-93C4-4BCD-93E2-E3B085C9AB24}">
+                <p16:designElem xmlns:p16="http://schemas.microsoft.com/office/powerpoint/2015/main" val="1"/>
+              </p:ext>
+            </p:extLst>
+          </p:nvPr>
+        </p:nvSpPr>
+        <p:spPr bwMode="ltGray">
+          <a:xfrm>
+            <a:off x="0" y="0"/>
+            <a:ext cx="4693698" cy="6858000"/>
+          </a:xfrm>
+          <a:custGeom>
+            <a:avLst/>
+            <a:gdLst>
+              <a:gd name="connsiteX0" fmla="*/ 0 w 4693698"/>
+              <a:gd name="connsiteY0" fmla="*/ 0 h 6858000"/>
+              <a:gd name="connsiteX1" fmla="*/ 420914 w 4693698"/>
+              <a:gd name="connsiteY1" fmla="*/ 0 h 6858000"/>
+              <a:gd name="connsiteX2" fmla="*/ 1582057 w 4693698"/>
+              <a:gd name="connsiteY2" fmla="*/ 0 h 6858000"/>
+              <a:gd name="connsiteX3" fmla="*/ 4503903 w 4693698"/>
+              <a:gd name="connsiteY3" fmla="*/ 0 h 6858000"/>
+              <a:gd name="connsiteX4" fmla="*/ 4508943 w 4693698"/>
+              <a:gd name="connsiteY4" fmla="*/ 66675 h 6858000"/>
+              <a:gd name="connsiteX5" fmla="*/ 4517340 w 4693698"/>
+              <a:gd name="connsiteY5" fmla="*/ 122237 h 6858000"/>
+              <a:gd name="connsiteX6" fmla="*/ 4527418 w 4693698"/>
+              <a:gd name="connsiteY6" fmla="*/ 174625 h 6858000"/>
+              <a:gd name="connsiteX7" fmla="*/ 4544214 w 4693698"/>
+              <a:gd name="connsiteY7" fmla="*/ 217487 h 6858000"/>
+              <a:gd name="connsiteX8" fmla="*/ 4561010 w 4693698"/>
+              <a:gd name="connsiteY8" fmla="*/ 260350 h 6858000"/>
+              <a:gd name="connsiteX9" fmla="*/ 4581165 w 4693698"/>
+              <a:gd name="connsiteY9" fmla="*/ 296862 h 6858000"/>
+              <a:gd name="connsiteX10" fmla="*/ 4601320 w 4693698"/>
+              <a:gd name="connsiteY10" fmla="*/ 334962 h 6858000"/>
+              <a:gd name="connsiteX11" fmla="*/ 4619796 w 4693698"/>
+              <a:gd name="connsiteY11" fmla="*/ 369887 h 6858000"/>
+              <a:gd name="connsiteX12" fmla="*/ 4638271 w 4693698"/>
+              <a:gd name="connsiteY12" fmla="*/ 409575 h 6858000"/>
+              <a:gd name="connsiteX13" fmla="*/ 4655067 w 4693698"/>
+              <a:gd name="connsiteY13" fmla="*/ 450850 h 6858000"/>
+              <a:gd name="connsiteX14" fmla="*/ 4670184 w 4693698"/>
+              <a:gd name="connsiteY14" fmla="*/ 496887 h 6858000"/>
+              <a:gd name="connsiteX15" fmla="*/ 4681941 w 4693698"/>
+              <a:gd name="connsiteY15" fmla="*/ 546100 h 6858000"/>
+              <a:gd name="connsiteX16" fmla="*/ 4690339 w 4693698"/>
+              <a:gd name="connsiteY16" fmla="*/ 606425 h 6858000"/>
+              <a:gd name="connsiteX17" fmla="*/ 4693698 w 4693698"/>
+              <a:gd name="connsiteY17" fmla="*/ 673100 h 6858000"/>
+              <a:gd name="connsiteX18" fmla="*/ 4690339 w 4693698"/>
+              <a:gd name="connsiteY18" fmla="*/ 744537 h 6858000"/>
+              <a:gd name="connsiteX19" fmla="*/ 4681941 w 4693698"/>
+              <a:gd name="connsiteY19" fmla="*/ 801687 h 6858000"/>
+              <a:gd name="connsiteX20" fmla="*/ 4670184 w 4693698"/>
+              <a:gd name="connsiteY20" fmla="*/ 854075 h 6858000"/>
+              <a:gd name="connsiteX21" fmla="*/ 4655067 w 4693698"/>
+              <a:gd name="connsiteY21" fmla="*/ 901700 h 6858000"/>
+              <a:gd name="connsiteX22" fmla="*/ 4638271 w 4693698"/>
+              <a:gd name="connsiteY22" fmla="*/ 942975 h 6858000"/>
+              <a:gd name="connsiteX23" fmla="*/ 4618116 w 4693698"/>
+              <a:gd name="connsiteY23" fmla="*/ 981075 h 6858000"/>
+              <a:gd name="connsiteX24" fmla="*/ 4597961 w 4693698"/>
+              <a:gd name="connsiteY24" fmla="*/ 1017587 h 6858000"/>
+              <a:gd name="connsiteX25" fmla="*/ 4577806 w 4693698"/>
+              <a:gd name="connsiteY25" fmla="*/ 1055687 h 6858000"/>
+              <a:gd name="connsiteX26" fmla="*/ 4559330 w 4693698"/>
+              <a:gd name="connsiteY26" fmla="*/ 1095375 h 6858000"/>
+              <a:gd name="connsiteX27" fmla="*/ 4540854 w 4693698"/>
+              <a:gd name="connsiteY27" fmla="*/ 1136650 h 6858000"/>
+              <a:gd name="connsiteX28" fmla="*/ 4525739 w 4693698"/>
+              <a:gd name="connsiteY28" fmla="*/ 1182687 h 6858000"/>
+              <a:gd name="connsiteX29" fmla="*/ 4515661 w 4693698"/>
+              <a:gd name="connsiteY29" fmla="*/ 1235075 h 6858000"/>
+              <a:gd name="connsiteX30" fmla="*/ 4505583 w 4693698"/>
+              <a:gd name="connsiteY30" fmla="*/ 1295400 h 6858000"/>
+              <a:gd name="connsiteX31" fmla="*/ 4503903 w 4693698"/>
+              <a:gd name="connsiteY31" fmla="*/ 1363662 h 6858000"/>
+              <a:gd name="connsiteX32" fmla="*/ 4505583 w 4693698"/>
+              <a:gd name="connsiteY32" fmla="*/ 1431925 h 6858000"/>
+              <a:gd name="connsiteX33" fmla="*/ 4515661 w 4693698"/>
+              <a:gd name="connsiteY33" fmla="*/ 1492250 h 6858000"/>
+              <a:gd name="connsiteX34" fmla="*/ 4525739 w 4693698"/>
+              <a:gd name="connsiteY34" fmla="*/ 1544637 h 6858000"/>
+              <a:gd name="connsiteX35" fmla="*/ 4540854 w 4693698"/>
+              <a:gd name="connsiteY35" fmla="*/ 1589087 h 6858000"/>
+              <a:gd name="connsiteX36" fmla="*/ 4559330 w 4693698"/>
+              <a:gd name="connsiteY36" fmla="*/ 1631950 h 6858000"/>
+              <a:gd name="connsiteX37" fmla="*/ 4577806 w 4693698"/>
+              <a:gd name="connsiteY37" fmla="*/ 1671637 h 6858000"/>
+              <a:gd name="connsiteX38" fmla="*/ 4597961 w 4693698"/>
+              <a:gd name="connsiteY38" fmla="*/ 1708150 h 6858000"/>
+              <a:gd name="connsiteX39" fmla="*/ 4618116 w 4693698"/>
+              <a:gd name="connsiteY39" fmla="*/ 1743075 h 6858000"/>
+              <a:gd name="connsiteX40" fmla="*/ 4638271 w 4693698"/>
+              <a:gd name="connsiteY40" fmla="*/ 1782762 h 6858000"/>
+              <a:gd name="connsiteX41" fmla="*/ 4655067 w 4693698"/>
+              <a:gd name="connsiteY41" fmla="*/ 1824037 h 6858000"/>
+              <a:gd name="connsiteX42" fmla="*/ 4670184 w 4693698"/>
+              <a:gd name="connsiteY42" fmla="*/ 1870075 h 6858000"/>
+              <a:gd name="connsiteX43" fmla="*/ 4681941 w 4693698"/>
+              <a:gd name="connsiteY43" fmla="*/ 1922462 h 6858000"/>
+              <a:gd name="connsiteX44" fmla="*/ 4690339 w 4693698"/>
+              <a:gd name="connsiteY44" fmla="*/ 1982787 h 6858000"/>
+              <a:gd name="connsiteX45" fmla="*/ 4693698 w 4693698"/>
+              <a:gd name="connsiteY45" fmla="*/ 2051050 h 6858000"/>
+              <a:gd name="connsiteX46" fmla="*/ 4690339 w 4693698"/>
+              <a:gd name="connsiteY46" fmla="*/ 2119312 h 6858000"/>
+              <a:gd name="connsiteX47" fmla="*/ 4681941 w 4693698"/>
+              <a:gd name="connsiteY47" fmla="*/ 2179637 h 6858000"/>
+              <a:gd name="connsiteX48" fmla="*/ 4670184 w 4693698"/>
+              <a:gd name="connsiteY48" fmla="*/ 2232025 h 6858000"/>
+              <a:gd name="connsiteX49" fmla="*/ 4655067 w 4693698"/>
+              <a:gd name="connsiteY49" fmla="*/ 2278062 h 6858000"/>
+              <a:gd name="connsiteX50" fmla="*/ 4638271 w 4693698"/>
+              <a:gd name="connsiteY50" fmla="*/ 2319337 h 6858000"/>
+              <a:gd name="connsiteX51" fmla="*/ 4618116 w 4693698"/>
+              <a:gd name="connsiteY51" fmla="*/ 2359025 h 6858000"/>
+              <a:gd name="connsiteX52" fmla="*/ 4597961 w 4693698"/>
+              <a:gd name="connsiteY52" fmla="*/ 2395537 h 6858000"/>
+              <a:gd name="connsiteX53" fmla="*/ 4577806 w 4693698"/>
+              <a:gd name="connsiteY53" fmla="*/ 2433637 h 6858000"/>
+              <a:gd name="connsiteX54" fmla="*/ 4559330 w 4693698"/>
+              <a:gd name="connsiteY54" fmla="*/ 2471737 h 6858000"/>
+              <a:gd name="connsiteX55" fmla="*/ 4540854 w 4693698"/>
+              <a:gd name="connsiteY55" fmla="*/ 2513012 h 6858000"/>
+              <a:gd name="connsiteX56" fmla="*/ 4525739 w 4693698"/>
+              <a:gd name="connsiteY56" fmla="*/ 2560637 h 6858000"/>
+              <a:gd name="connsiteX57" fmla="*/ 4515661 w 4693698"/>
+              <a:gd name="connsiteY57" fmla="*/ 2613025 h 6858000"/>
+              <a:gd name="connsiteX58" fmla="*/ 4505583 w 4693698"/>
+              <a:gd name="connsiteY58" fmla="*/ 2671762 h 6858000"/>
+              <a:gd name="connsiteX59" fmla="*/ 4503903 w 4693698"/>
+              <a:gd name="connsiteY59" fmla="*/ 2741612 h 6858000"/>
+              <a:gd name="connsiteX60" fmla="*/ 4505583 w 4693698"/>
+              <a:gd name="connsiteY60" fmla="*/ 2809875 h 6858000"/>
+              <a:gd name="connsiteX61" fmla="*/ 4515661 w 4693698"/>
+              <a:gd name="connsiteY61" fmla="*/ 2868612 h 6858000"/>
+              <a:gd name="connsiteX62" fmla="*/ 4525739 w 4693698"/>
+              <a:gd name="connsiteY62" fmla="*/ 2922587 h 6858000"/>
+              <a:gd name="connsiteX63" fmla="*/ 4540854 w 4693698"/>
+              <a:gd name="connsiteY63" fmla="*/ 2967037 h 6858000"/>
+              <a:gd name="connsiteX64" fmla="*/ 4559330 w 4693698"/>
+              <a:gd name="connsiteY64" fmla="*/ 3009900 h 6858000"/>
+              <a:gd name="connsiteX65" fmla="*/ 4577806 w 4693698"/>
+              <a:gd name="connsiteY65" fmla="*/ 3046412 h 6858000"/>
+              <a:gd name="connsiteX66" fmla="*/ 4597961 w 4693698"/>
+              <a:gd name="connsiteY66" fmla="*/ 3084512 h 6858000"/>
+              <a:gd name="connsiteX67" fmla="*/ 4618116 w 4693698"/>
+              <a:gd name="connsiteY67" fmla="*/ 3121025 h 6858000"/>
+              <a:gd name="connsiteX68" fmla="*/ 4638271 w 4693698"/>
+              <a:gd name="connsiteY68" fmla="*/ 3160712 h 6858000"/>
+              <a:gd name="connsiteX69" fmla="*/ 4655067 w 4693698"/>
+              <a:gd name="connsiteY69" fmla="*/ 3201987 h 6858000"/>
+              <a:gd name="connsiteX70" fmla="*/ 4670184 w 4693698"/>
+              <a:gd name="connsiteY70" fmla="*/ 3248025 h 6858000"/>
+              <a:gd name="connsiteX71" fmla="*/ 4681941 w 4693698"/>
+              <a:gd name="connsiteY71" fmla="*/ 3300412 h 6858000"/>
+              <a:gd name="connsiteX72" fmla="*/ 4690339 w 4693698"/>
+              <a:gd name="connsiteY72" fmla="*/ 3360737 h 6858000"/>
+              <a:gd name="connsiteX73" fmla="*/ 4693698 w 4693698"/>
+              <a:gd name="connsiteY73" fmla="*/ 3427412 h 6858000"/>
+              <a:gd name="connsiteX74" fmla="*/ 4690339 w 4693698"/>
+              <a:gd name="connsiteY74" fmla="*/ 3497262 h 6858000"/>
+              <a:gd name="connsiteX75" fmla="*/ 4681941 w 4693698"/>
+              <a:gd name="connsiteY75" fmla="*/ 3557587 h 6858000"/>
+              <a:gd name="connsiteX76" fmla="*/ 4670184 w 4693698"/>
+              <a:gd name="connsiteY76" fmla="*/ 3609975 h 6858000"/>
+              <a:gd name="connsiteX77" fmla="*/ 4655067 w 4693698"/>
+              <a:gd name="connsiteY77" fmla="*/ 3656012 h 6858000"/>
+              <a:gd name="connsiteX78" fmla="*/ 4638271 w 4693698"/>
+              <a:gd name="connsiteY78" fmla="*/ 3697287 h 6858000"/>
+              <a:gd name="connsiteX79" fmla="*/ 4618116 w 4693698"/>
+              <a:gd name="connsiteY79" fmla="*/ 3736975 h 6858000"/>
+              <a:gd name="connsiteX80" fmla="*/ 4577806 w 4693698"/>
+              <a:gd name="connsiteY80" fmla="*/ 3811587 h 6858000"/>
+              <a:gd name="connsiteX81" fmla="*/ 4559330 w 4693698"/>
+              <a:gd name="connsiteY81" fmla="*/ 3848100 h 6858000"/>
+              <a:gd name="connsiteX82" fmla="*/ 4540854 w 4693698"/>
+              <a:gd name="connsiteY82" fmla="*/ 3890962 h 6858000"/>
+              <a:gd name="connsiteX83" fmla="*/ 4525739 w 4693698"/>
+              <a:gd name="connsiteY83" fmla="*/ 3935412 h 6858000"/>
+              <a:gd name="connsiteX84" fmla="*/ 4515661 w 4693698"/>
+              <a:gd name="connsiteY84" fmla="*/ 3987800 h 6858000"/>
+              <a:gd name="connsiteX85" fmla="*/ 4505583 w 4693698"/>
+              <a:gd name="connsiteY85" fmla="*/ 4048125 h 6858000"/>
+              <a:gd name="connsiteX86" fmla="*/ 4503903 w 4693698"/>
+              <a:gd name="connsiteY86" fmla="*/ 4116387 h 6858000"/>
+              <a:gd name="connsiteX87" fmla="*/ 4505583 w 4693698"/>
+              <a:gd name="connsiteY87" fmla="*/ 4186237 h 6858000"/>
+              <a:gd name="connsiteX88" fmla="*/ 4515661 w 4693698"/>
+              <a:gd name="connsiteY88" fmla="*/ 4244975 h 6858000"/>
+              <a:gd name="connsiteX89" fmla="*/ 4525739 w 4693698"/>
+              <a:gd name="connsiteY89" fmla="*/ 4297362 h 6858000"/>
+              <a:gd name="connsiteX90" fmla="*/ 4540854 w 4693698"/>
+              <a:gd name="connsiteY90" fmla="*/ 4343400 h 6858000"/>
+              <a:gd name="connsiteX91" fmla="*/ 4559330 w 4693698"/>
+              <a:gd name="connsiteY91" fmla="*/ 4386262 h 6858000"/>
+              <a:gd name="connsiteX92" fmla="*/ 4577806 w 4693698"/>
+              <a:gd name="connsiteY92" fmla="*/ 4424362 h 6858000"/>
+              <a:gd name="connsiteX93" fmla="*/ 4618116 w 4693698"/>
+              <a:gd name="connsiteY93" fmla="*/ 4498975 h 6858000"/>
+              <a:gd name="connsiteX94" fmla="*/ 4638271 w 4693698"/>
+              <a:gd name="connsiteY94" fmla="*/ 4537075 h 6858000"/>
+              <a:gd name="connsiteX95" fmla="*/ 4655067 w 4693698"/>
+              <a:gd name="connsiteY95" fmla="*/ 4579937 h 6858000"/>
+              <a:gd name="connsiteX96" fmla="*/ 4670184 w 4693698"/>
+              <a:gd name="connsiteY96" fmla="*/ 4625975 h 6858000"/>
+              <a:gd name="connsiteX97" fmla="*/ 4681941 w 4693698"/>
+              <a:gd name="connsiteY97" fmla="*/ 4678362 h 6858000"/>
+              <a:gd name="connsiteX98" fmla="*/ 4690339 w 4693698"/>
+              <a:gd name="connsiteY98" fmla="*/ 4738687 h 6858000"/>
+              <a:gd name="connsiteX99" fmla="*/ 4693698 w 4693698"/>
+              <a:gd name="connsiteY99" fmla="*/ 4806950 h 6858000"/>
+              <a:gd name="connsiteX100" fmla="*/ 4690339 w 4693698"/>
+              <a:gd name="connsiteY100" fmla="*/ 4875212 h 6858000"/>
+              <a:gd name="connsiteX101" fmla="*/ 4681941 w 4693698"/>
+              <a:gd name="connsiteY101" fmla="*/ 4935537 h 6858000"/>
+              <a:gd name="connsiteX102" fmla="*/ 4670184 w 4693698"/>
+              <a:gd name="connsiteY102" fmla="*/ 4987925 h 6858000"/>
+              <a:gd name="connsiteX103" fmla="*/ 4655067 w 4693698"/>
+              <a:gd name="connsiteY103" fmla="*/ 5033962 h 6858000"/>
+              <a:gd name="connsiteX104" fmla="*/ 4638271 w 4693698"/>
+              <a:gd name="connsiteY104" fmla="*/ 5075237 h 6858000"/>
+              <a:gd name="connsiteX105" fmla="*/ 4618116 w 4693698"/>
+              <a:gd name="connsiteY105" fmla="*/ 5114925 h 6858000"/>
+              <a:gd name="connsiteX106" fmla="*/ 4597961 w 4693698"/>
+              <a:gd name="connsiteY106" fmla="*/ 5149850 h 6858000"/>
+              <a:gd name="connsiteX107" fmla="*/ 4577806 w 4693698"/>
+              <a:gd name="connsiteY107" fmla="*/ 5186362 h 6858000"/>
+              <a:gd name="connsiteX108" fmla="*/ 4559330 w 4693698"/>
+              <a:gd name="connsiteY108" fmla="*/ 5226050 h 6858000"/>
+              <a:gd name="connsiteX109" fmla="*/ 4540854 w 4693698"/>
+              <a:gd name="connsiteY109" fmla="*/ 5268912 h 6858000"/>
+              <a:gd name="connsiteX110" fmla="*/ 4525739 w 4693698"/>
+              <a:gd name="connsiteY110" fmla="*/ 5313362 h 6858000"/>
+              <a:gd name="connsiteX111" fmla="*/ 4515661 w 4693698"/>
+              <a:gd name="connsiteY111" fmla="*/ 5365750 h 6858000"/>
+              <a:gd name="connsiteX112" fmla="*/ 4505583 w 4693698"/>
+              <a:gd name="connsiteY112" fmla="*/ 5426075 h 6858000"/>
+              <a:gd name="connsiteX113" fmla="*/ 4503903 w 4693698"/>
+              <a:gd name="connsiteY113" fmla="*/ 5494337 h 6858000"/>
+              <a:gd name="connsiteX114" fmla="*/ 4505583 w 4693698"/>
+              <a:gd name="connsiteY114" fmla="*/ 5562600 h 6858000"/>
+              <a:gd name="connsiteX115" fmla="*/ 4515661 w 4693698"/>
+              <a:gd name="connsiteY115" fmla="*/ 5622925 h 6858000"/>
+              <a:gd name="connsiteX116" fmla="*/ 4525739 w 4693698"/>
+              <a:gd name="connsiteY116" fmla="*/ 5675312 h 6858000"/>
+              <a:gd name="connsiteX117" fmla="*/ 4540854 w 4693698"/>
+              <a:gd name="connsiteY117" fmla="*/ 5721350 h 6858000"/>
+              <a:gd name="connsiteX118" fmla="*/ 4559330 w 4693698"/>
+              <a:gd name="connsiteY118" fmla="*/ 5762625 h 6858000"/>
+              <a:gd name="connsiteX119" fmla="*/ 4577806 w 4693698"/>
+              <a:gd name="connsiteY119" fmla="*/ 5802312 h 6858000"/>
+              <a:gd name="connsiteX120" fmla="*/ 4597961 w 4693698"/>
+              <a:gd name="connsiteY120" fmla="*/ 5840412 h 6858000"/>
+              <a:gd name="connsiteX121" fmla="*/ 4618116 w 4693698"/>
+              <a:gd name="connsiteY121" fmla="*/ 5876925 h 6858000"/>
+              <a:gd name="connsiteX122" fmla="*/ 4638271 w 4693698"/>
+              <a:gd name="connsiteY122" fmla="*/ 5915025 h 6858000"/>
+              <a:gd name="connsiteX123" fmla="*/ 4655067 w 4693698"/>
+              <a:gd name="connsiteY123" fmla="*/ 5956300 h 6858000"/>
+              <a:gd name="connsiteX124" fmla="*/ 4670184 w 4693698"/>
+              <a:gd name="connsiteY124" fmla="*/ 6003925 h 6858000"/>
+              <a:gd name="connsiteX125" fmla="*/ 4681941 w 4693698"/>
+              <a:gd name="connsiteY125" fmla="*/ 6056312 h 6858000"/>
+              <a:gd name="connsiteX126" fmla="*/ 4690339 w 4693698"/>
+              <a:gd name="connsiteY126" fmla="*/ 6113462 h 6858000"/>
+              <a:gd name="connsiteX127" fmla="*/ 4693698 w 4693698"/>
+              <a:gd name="connsiteY127" fmla="*/ 6183312 h 6858000"/>
+              <a:gd name="connsiteX128" fmla="*/ 4690339 w 4693698"/>
+              <a:gd name="connsiteY128" fmla="*/ 6251575 h 6858000"/>
+              <a:gd name="connsiteX129" fmla="*/ 4681941 w 4693698"/>
+              <a:gd name="connsiteY129" fmla="*/ 6311900 h 6858000"/>
+              <a:gd name="connsiteX130" fmla="*/ 4670184 w 4693698"/>
+              <a:gd name="connsiteY130" fmla="*/ 6361112 h 6858000"/>
+              <a:gd name="connsiteX131" fmla="*/ 4655067 w 4693698"/>
+              <a:gd name="connsiteY131" fmla="*/ 6407150 h 6858000"/>
+              <a:gd name="connsiteX132" fmla="*/ 4638271 w 4693698"/>
+              <a:gd name="connsiteY132" fmla="*/ 6448425 h 6858000"/>
+              <a:gd name="connsiteX133" fmla="*/ 4619796 w 4693698"/>
+              <a:gd name="connsiteY133" fmla="*/ 6488112 h 6858000"/>
+              <a:gd name="connsiteX134" fmla="*/ 4601320 w 4693698"/>
+              <a:gd name="connsiteY134" fmla="*/ 6523037 h 6858000"/>
+              <a:gd name="connsiteX135" fmla="*/ 4581165 w 4693698"/>
+              <a:gd name="connsiteY135" fmla="*/ 6561137 h 6858000"/>
+              <a:gd name="connsiteX136" fmla="*/ 4561010 w 4693698"/>
+              <a:gd name="connsiteY136" fmla="*/ 6597650 h 6858000"/>
+              <a:gd name="connsiteX137" fmla="*/ 4544214 w 4693698"/>
+              <a:gd name="connsiteY137" fmla="*/ 6640512 h 6858000"/>
+              <a:gd name="connsiteX138" fmla="*/ 4527418 w 4693698"/>
+              <a:gd name="connsiteY138" fmla="*/ 6683375 h 6858000"/>
+              <a:gd name="connsiteX139" fmla="*/ 4517340 w 4693698"/>
+              <a:gd name="connsiteY139" fmla="*/ 6735762 h 6858000"/>
+              <a:gd name="connsiteX140" fmla="*/ 4508943 w 4693698"/>
+              <a:gd name="connsiteY140" fmla="*/ 6791325 h 6858000"/>
+              <a:gd name="connsiteX141" fmla="*/ 4503903 w 4693698"/>
+              <a:gd name="connsiteY141" fmla="*/ 6858000 h 6858000"/>
+              <a:gd name="connsiteX142" fmla="*/ 1582057 w 4693698"/>
+              <a:gd name="connsiteY142" fmla="*/ 6858000 h 6858000"/>
+              <a:gd name="connsiteX143" fmla="*/ 420914 w 4693698"/>
+              <a:gd name="connsiteY143" fmla="*/ 6858000 h 6858000"/>
+              <a:gd name="connsiteX144" fmla="*/ 0 w 4693698"/>
+              <a:gd name="connsiteY144" fmla="*/ 6858000 h 6858000"/>
+            </a:gdLst>
+            <a:ahLst/>
+            <a:cxnLst>
+              <a:cxn ang="0">
+                <a:pos x="connsiteX0" y="connsiteY0"/>
+              </a:cxn>
+              <a:cxn ang="0">
+                <a:pos x="connsiteX1" y="connsiteY1"/>
+              </a:cxn>
+              <a:cxn ang="0">
+                <a:pos x="connsiteX2" y="connsiteY2"/>
+              </a:cxn>
+              <a:cxn ang="0">
+                <a:pos x="connsiteX3" y="connsiteY3"/>
+              </a:cxn>
+              <a:cxn ang="0">
+                <a:pos x="connsiteX4" y="connsiteY4"/>
+              </a:cxn>
+              <a:cxn ang="0">
+                <a:pos x="connsiteX5" y="connsiteY5"/>
+              </a:cxn>
+              <a:cxn ang="0">
+                <a:pos x="connsiteX6" y="connsiteY6"/>
+              </a:cxn>
+              <a:cxn ang="0">
+                <a:pos x="connsiteX7" y="connsiteY7"/>
+              </a:cxn>
+              <a:cxn ang="0">
+                <a:pos x="connsiteX8" y="connsiteY8"/>
+              </a:cxn>
+              <a:cxn ang="0">
+                <a:pos x="connsiteX9" y="connsiteY9"/>
+              </a:cxn>
+              <a:cxn ang="0">
+                <a:pos x="connsiteX10" y="connsiteY10"/>
+              </a:cxn>
+              <a:cxn ang="0">
+                <a:pos x="connsiteX11" y="connsiteY11"/>
+              </a:cxn>
+              <a:cxn ang="0">
+                <a:pos x="connsiteX12" y="connsiteY12"/>
+              </a:cxn>
+              <a:cxn ang="0">
+                <a:pos x="connsiteX13" y="connsiteY13"/>
+              </a:cxn>
+              <a:cxn ang="0">
+                <a:pos x="connsiteX14" y="connsiteY14"/>
+              </a:cxn>
+              <a:cxn ang="0">
+                <a:pos x="connsiteX15" y="connsiteY15"/>
+              </a:cxn>
+              <a:cxn ang="0">
+                <a:pos x="connsiteX16" y="connsiteY16"/>
+              </a:cxn>
+              <a:cxn ang="0">
+                <a:pos x="connsiteX17" y="connsiteY17"/>
+              </a:cxn>
+              <a:cxn ang="0">
+                <a:pos x="connsiteX18" y="connsiteY18"/>
+              </a:cxn>
+              <a:cxn ang="0">
+                <a:pos x="connsiteX19" y="connsiteY19"/>
+              </a:cxn>
+              <a:cxn ang="0">
+                <a:pos x="connsiteX20" y="connsiteY20"/>
+              </a:cxn>
+              <a:cxn ang="0">
+                <a:pos x="connsiteX21" y="connsiteY21"/>
+              </a:cxn>
+              <a:cxn ang="0">
+                <a:pos x="connsiteX22" y="connsiteY22"/>
+              </a:cxn>
+              <a:cxn ang="0">
+                <a:pos x="connsiteX23" y="connsiteY23"/>
+              </a:cxn>
+              <a:cxn ang="0">
+                <a:pos x="connsiteX24" y="connsiteY24"/>
+              </a:cxn>
+              <a:cxn ang="0">
+                <a:pos x="connsiteX25" y="connsiteY25"/>
+              </a:cxn>
+              <a:cxn ang="0">
+                <a:pos x="connsiteX26" y="connsiteY26"/>
+              </a:cxn>
+              <a:cxn ang="0">
+                <a:pos x="connsiteX27" y="connsiteY27"/>
+              </a:cxn>
+              <a:cxn ang="0">
+                <a:pos x="connsiteX28" y="connsiteY28"/>
+              </a:cxn>
+              <a:cxn ang="0">
+                <a:pos x="connsiteX29" y="connsiteY29"/>
+              </a:cxn>
+              <a:cxn ang="0">
+                <a:pos x="connsiteX30" y="connsiteY30"/>
+              </a:cxn>
+              <a:cxn ang="0">
+                <a:pos x="connsiteX31" y="connsiteY31"/>
+              </a:cxn>
+              <a:cxn ang="0">
+                <a:pos x="connsiteX32" y="connsiteY32"/>
+              </a:cxn>
+              <a:cxn ang="0">
+                <a:pos x="connsiteX33" y="connsiteY33"/>
+              </a:cxn>
+              <a:cxn ang="0">
+                <a:pos x="connsiteX34" y="connsiteY34"/>
+              </a:cxn>
+              <a:cxn ang="0">
+                <a:pos x="connsiteX35" y="connsiteY35"/>
+              </a:cxn>
+              <a:cxn ang="0">
+                <a:pos x="connsiteX36" y="connsiteY36"/>
+              </a:cxn>
+              <a:cxn ang="0">
+                <a:pos x="connsiteX37" y="connsiteY37"/>
+              </a:cxn>
+              <a:cxn ang="0">
+                <a:pos x="connsiteX38" y="connsiteY38"/>
+              </a:cxn>
+              <a:cxn ang="0">
+                <a:pos x="connsiteX39" y="connsiteY39"/>
+              </a:cxn>
+              <a:cxn ang="0">
+                <a:pos x="connsiteX40" y="connsiteY40"/>
+              </a:cxn>
+              <a:cxn ang="0">
+                <a:pos x="connsiteX41" y="connsiteY41"/>
+              </a:cxn>
+              <a:cxn ang="0">
+                <a:pos x="connsiteX42" y="connsiteY42"/>
+              </a:cxn>
+              <a:cxn ang="0">
+                <a:pos x="connsiteX43" y="connsiteY43"/>
+              </a:cxn>
+              <a:cxn ang="0">
+                <a:pos x="connsiteX44" y="connsiteY44"/>
+              </a:cxn>
+              <a:cxn ang="0">
+                <a:pos x="connsiteX45" y="connsiteY45"/>
+              </a:cxn>
+              <a:cxn ang="0">
+                <a:pos x="connsiteX46" y="connsiteY46"/>
+              </a:cxn>
+              <a:cxn ang="0">
+                <a:pos x="connsiteX47" y="connsiteY47"/>
+              </a:cxn>
+              <a:cxn ang="0">
+                <a:pos x="connsiteX48" y="connsiteY48"/>
+              </a:cxn>
+              <a:cxn ang="0">
+                <a:pos x="connsiteX49" y="connsiteY49"/>
+              </a:cxn>
+              <a:cxn ang="0">
+                <a:pos x="connsiteX50" y="connsiteY50"/>
+              </a:cxn>
+              <a:cxn ang="0">
+                <a:pos x="connsiteX51" y="connsiteY51"/>
+              </a:cxn>
+              <a:cxn ang="0">
+                <a:pos x="connsiteX52" y="connsiteY52"/>
+              </a:cxn>
+              <a:cxn ang="0">
+                <a:pos x="connsiteX53" y="connsiteY53"/>
+              </a:cxn>
+              <a:cxn ang="0">
+                <a:pos x="connsiteX54" y="connsiteY54"/>
+              </a:cxn>
+              <a:cxn ang="0">
+                <a:pos x="connsiteX55" y="connsiteY55"/>
+              </a:cxn>
+              <a:cxn ang="0">
+                <a:pos x="connsiteX56" y="connsiteY56"/>
+              </a:cxn>
+              <a:cxn ang="0">
+                <a:pos x="connsiteX57" y="connsiteY57"/>
+              </a:cxn>
+              <a:cxn ang="0">
+                <a:pos x="connsiteX58" y="connsiteY58"/>
+              </a:cxn>
+              <a:cxn ang="0">
+                <a:pos x="connsiteX59" y="connsiteY59"/>
+              </a:cxn>
+              <a:cxn ang="0">
+                <a:pos x="connsiteX60" y="connsiteY60"/>
+              </a:cxn>
+              <a:cxn ang="0">
+                <a:pos x="connsiteX61" y="connsiteY61"/>
+              </a:cxn>
+              <a:cxn ang="0">
+                <a:pos x="connsiteX62" y="connsiteY62"/>
+              </a:cxn>
+              <a:cxn ang="0">
+                <a:pos x="connsiteX63" y="connsiteY63"/>
+              </a:cxn>
+              <a:cxn ang="0">
+                <a:pos x="connsiteX64" y="connsiteY64"/>
+              </a:cxn>
+              <a:cxn ang="0">
+                <a:pos x="connsiteX65" y="connsiteY65"/>
+              </a:cxn>
+              <a:cxn ang="0">
+                <a:pos x="connsiteX66" y="connsiteY66"/>
+              </a:cxn>
+              <a:cxn ang="0">
+                <a:pos x="connsiteX67" y="connsiteY67"/>
+              </a:cxn>
+              <a:cxn ang="0">
+                <a:pos x="connsiteX68" y="connsiteY68"/>
+              </a:cxn>
+              <a:cxn ang="0">
+                <a:pos x="connsiteX69" y="connsiteY69"/>
+              </a:cxn>
+              <a:cxn ang="0">
+                <a:pos x="connsiteX70" y="connsiteY70"/>
+              </a:cxn>
+              <a:cxn ang="0">
+                <a:pos x="connsiteX71" y="connsiteY71"/>
+              </a:cxn>
+              <a:cxn ang="0">
+                <a:pos x="connsiteX72" y="connsiteY72"/>
+              </a:cxn>
+              <a:cxn ang="0">
+                <a:pos x="connsiteX73" y="connsiteY73"/>
+              </a:cxn>
+              <a:cxn ang="0">
+                <a:pos x="connsiteX74" y="connsiteY74"/>
+              </a:cxn>
+              <a:cxn ang="0">
+                <a:pos x="connsiteX75" y="connsiteY75"/>
+              </a:cxn>
+              <a:cxn ang="0">
+                <a:pos x="connsiteX76" y="connsiteY76"/>
+              </a:cxn>
+              <a:cxn ang="0">
+                <a:pos x="connsiteX77" y="connsiteY77"/>
+              </a:cxn>
+              <a:cxn ang="0">
+                <a:pos x="connsiteX78" y="connsiteY78"/>
+              </a:cxn>
+              <a:cxn ang="0">
+                <a:pos x="connsiteX79" y="connsiteY79"/>
+              </a:cxn>
+              <a:cxn ang="0">
+                <a:pos x="connsiteX80" y="connsiteY80"/>
+              </a:cxn>
+              <a:cxn ang="0">
+                <a:pos x="connsiteX81" y="connsiteY81"/>
+              </a:cxn>
+              <a:cxn ang="0">
+                <a:pos x="connsiteX82" y="connsiteY82"/>
+              </a:cxn>
+              <a:cxn ang="0">
+                <a:pos x="connsiteX83" y="connsiteY83"/>
+              </a:cxn>
+              <a:cxn ang="0">
+                <a:pos x="connsiteX84" y="connsiteY84"/>
+              </a:cxn>
+              <a:cxn ang="0">
+                <a:pos x="connsiteX85" y="connsiteY85"/>
+              </a:cxn>
+              <a:cxn ang="0">
+                <a:pos x="connsiteX86" y="connsiteY86"/>
+              </a:cxn>
+              <a:cxn ang="0">
+                <a:pos x="connsiteX87" y="connsiteY87"/>
+              </a:cxn>
+              <a:cxn ang="0">
+                <a:pos x="connsiteX88" y="connsiteY88"/>
+              </a:cxn>
+              <a:cxn ang="0">
+                <a:pos x="connsiteX89" y="connsiteY89"/>
+              </a:cxn>
+              <a:cxn ang="0">
+                <a:pos x="connsiteX90" y="connsiteY90"/>
+              </a:cxn>
+              <a:cxn ang="0">
+                <a:pos x="connsiteX91" y="connsiteY91"/>
+              </a:cxn>
+              <a:cxn ang="0">
+                <a:pos x="connsiteX92" y="connsiteY92"/>
+              </a:cxn>
+              <a:cxn ang="0">
+                <a:pos x="connsiteX93" y="connsiteY93"/>
+              </a:cxn>
+              <a:cxn ang="0">
+                <a:pos x="connsiteX94" y="connsiteY94"/>
+              </a:cxn>
+              <a:cxn ang="0">
+                <a:pos x="connsiteX95" y="connsiteY95"/>
+              </a:cxn>
+              <a:cxn ang="0">
+                <a:pos x="connsiteX96" y="connsiteY96"/>
+              </a:cxn>
+              <a:cxn ang="0">
+                <a:pos x="connsiteX97" y="connsiteY97"/>
+              </a:cxn>
+              <a:cxn ang="0">
+                <a:pos x="connsiteX98" y="connsiteY98"/>
+              </a:cxn>
+              <a:cxn ang="0">
+                <a:pos x="connsiteX99" y="connsiteY99"/>
+              </a:cxn>
+              <a:cxn ang="0">
+                <a:pos x="connsiteX100" y="connsiteY100"/>
+              </a:cxn>
+              <a:cxn ang="0">
+                <a:pos x="connsiteX101" y="connsiteY101"/>
+              </a:cxn>
+              <a:cxn ang="0">
+                <a:pos x="connsiteX102" y="connsiteY102"/>
+              </a:cxn>
+              <a:cxn ang="0">
+                <a:pos x="connsiteX103" y="connsiteY103"/>
+              </a:cxn>
+              <a:cxn ang="0">
+                <a:pos x="connsiteX104" y="connsiteY104"/>
+              </a:cxn>
+              <a:cxn ang="0">
+                <a:pos x="connsiteX105" y="connsiteY105"/>
+              </a:cxn>
+              <a:cxn ang="0">
+                <a:pos x="connsiteX106" y="connsiteY106"/>
+              </a:cxn>
+              <a:cxn ang="0">
+                <a:pos x="connsiteX107" y="connsiteY107"/>
+              </a:cxn>
+              <a:cxn ang="0">
+                <a:pos x="connsiteX108" y="connsiteY108"/>
+              </a:cxn>
+              <a:cxn ang="0">
+                <a:pos x="connsiteX109" y="connsiteY109"/>
+              </a:cxn>
+              <a:cxn ang="0">
+                <a:pos x="connsiteX110" y="connsiteY110"/>
+              </a:cxn>
+              <a:cxn ang="0">
+                <a:pos x="connsiteX111" y="connsiteY111"/>
+              </a:cxn>
+              <a:cxn ang="0">
+                <a:pos x="connsiteX112" y="connsiteY112"/>
+              </a:cxn>
+              <a:cxn ang="0">
+                <a:pos x="connsiteX113" y="connsiteY113"/>
+              </a:cxn>
+              <a:cxn ang="0">
+                <a:pos x="connsiteX114" y="connsiteY114"/>
+              </a:cxn>
+              <a:cxn ang="0">
+                <a:pos x="connsiteX115" y="connsiteY115"/>
+              </a:cxn>
+              <a:cxn ang="0">
+                <a:pos x="connsiteX116" y="connsiteY116"/>
+              </a:cxn>
+              <a:cxn ang="0">
+                <a:pos x="connsiteX117" y="connsiteY117"/>
+              </a:cxn>
+              <a:cxn ang="0">
+                <a:pos x="connsiteX118" y="connsiteY118"/>
+              </a:cxn>
+              <a:cxn ang="0">
+                <a:pos x="connsiteX119" y="connsiteY119"/>
+              </a:cxn>
+              <a:cxn ang="0">
+                <a:pos x="connsiteX120" y="connsiteY120"/>
+              </a:cxn>
+              <a:cxn ang="0">
+                <a:pos x="connsiteX121" y="connsiteY121"/>
+              </a:cxn>
+              <a:cxn ang="0">
+                <a:pos x="connsiteX122" y="connsiteY122"/>
+              </a:cxn>
+              <a:cxn ang="0">
+                <a:pos x="connsiteX123" y="connsiteY123"/>
+              </a:cxn>
+              <a:cxn ang="0">
+                <a:pos x="connsiteX124" y="connsiteY124"/>
+              </a:cxn>
+              <a:cxn ang="0">
+                <a:pos x="connsiteX125" y="connsiteY125"/>
+              </a:cxn>
+              <a:cxn ang="0">
+                <a:pos x="connsiteX126" y="connsiteY126"/>
+              </a:cxn>
+              <a:cxn ang="0">
+                <a:pos x="connsiteX127" y="connsiteY127"/>
+              </a:cxn>
+              <a:cxn ang="0">
+                <a:pos x="connsiteX128" y="connsiteY128"/>
+              </a:cxn>
+              <a:cxn ang="0">
+                <a:pos x="connsiteX129" y="connsiteY129"/>
+              </a:cxn>
+              <a:cxn ang="0">
+                <a:pos x="connsiteX130" y="connsiteY130"/>
+              </a:cxn>
+              <a:cxn ang="0">
+                <a:pos x="connsiteX131" y="connsiteY131"/>
+              </a:cxn>
+              <a:cxn ang="0">
+                <a:pos x="connsiteX132" y="connsiteY132"/>
+              </a:cxn>
+              <a:cxn ang="0">
+                <a:pos x="connsiteX133" y="connsiteY133"/>
+              </a:cxn>
+              <a:cxn ang="0">
+                <a:pos x="connsiteX134" y="connsiteY134"/>
+              </a:cxn>
+              <a:cxn ang="0">
+                <a:pos x="connsiteX135" y="connsiteY135"/>
+              </a:cxn>
+              <a:cxn ang="0">
+                <a:pos x="connsiteX136" y="connsiteY136"/>
+              </a:cxn>
+              <a:cxn ang="0">
+                <a:pos x="connsiteX137" y="connsiteY137"/>
+              </a:cxn>
+              <a:cxn ang="0">
+                <a:pos x="connsiteX138" y="connsiteY138"/>
+              </a:cxn>
+              <a:cxn ang="0">
+                <a:pos x="connsiteX139" y="connsiteY139"/>
+              </a:cxn>
+              <a:cxn ang="0">
+                <a:pos x="connsiteX140" y="connsiteY140"/>
+              </a:cxn>
+              <a:cxn ang="0">
+                <a:pos x="connsiteX141" y="connsiteY141"/>
+              </a:cxn>
+              <a:cxn ang="0">
+                <a:pos x="connsiteX142" y="connsiteY142"/>
+              </a:cxn>
+              <a:cxn ang="0">
+                <a:pos x="connsiteX143" y="connsiteY143"/>
+              </a:cxn>
+              <a:cxn ang="0">
+                <a:pos x="connsiteX144" y="connsiteY144"/>
+              </a:cxn>
+            </a:cxnLst>
+            <a:rect l="l" t="t" r="r" b="b"/>
+            <a:pathLst>
+              <a:path w="4693698" h="6858000">
+                <a:moveTo>
+                  <a:pt x="0" y="0"/>
+                </a:moveTo>
+                <a:lnTo>
+                  <a:pt x="420914" y="0"/>
+                </a:lnTo>
+                <a:lnTo>
+                  <a:pt x="1582057" y="0"/>
+                </a:lnTo>
+                <a:lnTo>
+                  <a:pt x="4503903" y="0"/>
+                </a:lnTo>
+                <a:lnTo>
+                  <a:pt x="4508943" y="66675"/>
+                </a:lnTo>
+                <a:lnTo>
+                  <a:pt x="4517340" y="122237"/>
+                </a:lnTo>
+                <a:lnTo>
+                  <a:pt x="4527418" y="174625"/>
+                </a:lnTo>
+                <a:lnTo>
+                  <a:pt x="4544214" y="217487"/>
+                </a:lnTo>
+                <a:lnTo>
+                  <a:pt x="4561010" y="260350"/>
+                </a:lnTo>
+                <a:lnTo>
+                  <a:pt x="4581165" y="296862"/>
+                </a:lnTo>
+                <a:lnTo>
+                  <a:pt x="4601320" y="334962"/>
+                </a:lnTo>
+                <a:lnTo>
+                  <a:pt x="4619796" y="369887"/>
+                </a:lnTo>
+                <a:lnTo>
+                  <a:pt x="4638271" y="409575"/>
+                </a:lnTo>
+                <a:lnTo>
+                  <a:pt x="4655067" y="450850"/>
+                </a:lnTo>
+                <a:lnTo>
+                  <a:pt x="4670184" y="496887"/>
+                </a:lnTo>
+                <a:lnTo>
+                  <a:pt x="4681941" y="546100"/>
+                </a:lnTo>
+                <a:lnTo>
+                  <a:pt x="4690339" y="606425"/>
+                </a:lnTo>
+                <a:lnTo>
+                  <a:pt x="4693698" y="673100"/>
+                </a:lnTo>
+                <a:lnTo>
+                  <a:pt x="4690339" y="744537"/>
+                </a:lnTo>
+                <a:lnTo>
+                  <a:pt x="4681941" y="801687"/>
+                </a:lnTo>
+                <a:lnTo>
+                  <a:pt x="4670184" y="854075"/>
+                </a:lnTo>
+                <a:lnTo>
+                  <a:pt x="4655067" y="901700"/>
+                </a:lnTo>
+                <a:lnTo>
+                  <a:pt x="4638271" y="942975"/>
+                </a:lnTo>
+                <a:lnTo>
+                  <a:pt x="4618116" y="981075"/>
+                </a:lnTo>
+                <a:lnTo>
+                  <a:pt x="4597961" y="1017587"/>
+                </a:lnTo>
+                <a:lnTo>
+                  <a:pt x="4577806" y="1055687"/>
+                </a:lnTo>
+                <a:lnTo>
+                  <a:pt x="4559330" y="1095375"/>
+                </a:lnTo>
+                <a:lnTo>
+                  <a:pt x="4540854" y="1136650"/>
+                </a:lnTo>
+                <a:lnTo>
+                  <a:pt x="4525739" y="1182687"/>
+                </a:lnTo>
+                <a:lnTo>
+                  <a:pt x="4515661" y="1235075"/>
+                </a:lnTo>
+                <a:lnTo>
+                  <a:pt x="4505583" y="1295400"/>
+                </a:lnTo>
+                <a:lnTo>
+                  <a:pt x="4503903" y="1363662"/>
+                </a:lnTo>
+                <a:lnTo>
+                  <a:pt x="4505583" y="1431925"/>
+                </a:lnTo>
+                <a:lnTo>
+                  <a:pt x="4515661" y="1492250"/>
+                </a:lnTo>
+                <a:lnTo>
+                  <a:pt x="4525739" y="1544637"/>
+                </a:lnTo>
+                <a:lnTo>
+                  <a:pt x="4540854" y="1589087"/>
+                </a:lnTo>
+                <a:lnTo>
+                  <a:pt x="4559330" y="1631950"/>
+                </a:lnTo>
+                <a:lnTo>
+                  <a:pt x="4577806" y="1671637"/>
+                </a:lnTo>
+                <a:lnTo>
+                  <a:pt x="4597961" y="1708150"/>
+                </a:lnTo>
+                <a:lnTo>
+                  <a:pt x="4618116" y="1743075"/>
+                </a:lnTo>
+                <a:lnTo>
+                  <a:pt x="4638271" y="1782762"/>
+                </a:lnTo>
+                <a:lnTo>
+                  <a:pt x="4655067" y="1824037"/>
+                </a:lnTo>
+                <a:lnTo>
+                  <a:pt x="4670184" y="1870075"/>
+                </a:lnTo>
+                <a:lnTo>
+                  <a:pt x="4681941" y="1922462"/>
+                </a:lnTo>
+                <a:lnTo>
+                  <a:pt x="4690339" y="1982787"/>
+                </a:lnTo>
+                <a:lnTo>
+                  <a:pt x="4693698" y="2051050"/>
+                </a:lnTo>
+                <a:lnTo>
+                  <a:pt x="4690339" y="2119312"/>
+                </a:lnTo>
+                <a:lnTo>
+                  <a:pt x="4681941" y="2179637"/>
+                </a:lnTo>
+                <a:lnTo>
+                  <a:pt x="4670184" y="2232025"/>
+                </a:lnTo>
+                <a:lnTo>
+                  <a:pt x="4655067" y="2278062"/>
+                </a:lnTo>
+                <a:lnTo>
+                  <a:pt x="4638271" y="2319337"/>
+                </a:lnTo>
+                <a:lnTo>
+                  <a:pt x="4618116" y="2359025"/>
+                </a:lnTo>
+                <a:lnTo>
+                  <a:pt x="4597961" y="2395537"/>
+                </a:lnTo>
+                <a:lnTo>
+                  <a:pt x="4577806" y="2433637"/>
+                </a:lnTo>
+                <a:lnTo>
+                  <a:pt x="4559330" y="2471737"/>
+                </a:lnTo>
+                <a:lnTo>
+                  <a:pt x="4540854" y="2513012"/>
+                </a:lnTo>
+                <a:lnTo>
+                  <a:pt x="4525739" y="2560637"/>
+                </a:lnTo>
+                <a:lnTo>
+                  <a:pt x="4515661" y="2613025"/>
+                </a:lnTo>
+                <a:lnTo>
+                  <a:pt x="4505583" y="2671762"/>
+                </a:lnTo>
+                <a:lnTo>
+                  <a:pt x="4503903" y="2741612"/>
+                </a:lnTo>
+                <a:lnTo>
+                  <a:pt x="4505583" y="2809875"/>
+                </a:lnTo>
+                <a:lnTo>
+                  <a:pt x="4515661" y="2868612"/>
+                </a:lnTo>
+                <a:lnTo>
+                  <a:pt x="4525739" y="2922587"/>
+                </a:lnTo>
+                <a:lnTo>
+                  <a:pt x="4540854" y="2967037"/>
+                </a:lnTo>
+                <a:lnTo>
+                  <a:pt x="4559330" y="3009900"/>
+                </a:lnTo>
+                <a:lnTo>
+                  <a:pt x="4577806" y="3046412"/>
+                </a:lnTo>
+                <a:lnTo>
+                  <a:pt x="4597961" y="3084512"/>
+                </a:lnTo>
+                <a:lnTo>
+                  <a:pt x="4618116" y="3121025"/>
+                </a:lnTo>
+                <a:lnTo>
+                  <a:pt x="4638271" y="3160712"/>
+                </a:lnTo>
+                <a:lnTo>
+                  <a:pt x="4655067" y="3201987"/>
+                </a:lnTo>
+                <a:lnTo>
+                  <a:pt x="4670184" y="3248025"/>
+                </a:lnTo>
+                <a:lnTo>
+                  <a:pt x="4681941" y="3300412"/>
+                </a:lnTo>
+                <a:lnTo>
+                  <a:pt x="4690339" y="3360737"/>
+                </a:lnTo>
+                <a:lnTo>
+                  <a:pt x="4693698" y="3427412"/>
+                </a:lnTo>
+                <a:lnTo>
+                  <a:pt x="4690339" y="3497262"/>
+                </a:lnTo>
+                <a:lnTo>
+                  <a:pt x="4681941" y="3557587"/>
+                </a:lnTo>
+                <a:lnTo>
+                  <a:pt x="4670184" y="3609975"/>
+                </a:lnTo>
+                <a:lnTo>
+                  <a:pt x="4655067" y="3656012"/>
+                </a:lnTo>
+                <a:lnTo>
+                  <a:pt x="4638271" y="3697287"/>
+                </a:lnTo>
+                <a:lnTo>
+                  <a:pt x="4618116" y="3736975"/>
+                </a:lnTo>
+                <a:lnTo>
+                  <a:pt x="4577806" y="3811587"/>
+                </a:lnTo>
+                <a:lnTo>
+                  <a:pt x="4559330" y="3848100"/>
+                </a:lnTo>
+                <a:lnTo>
+                  <a:pt x="4540854" y="3890962"/>
+                </a:lnTo>
+                <a:lnTo>
+                  <a:pt x="4525739" y="3935412"/>
+                </a:lnTo>
+                <a:lnTo>
+                  <a:pt x="4515661" y="3987800"/>
+                </a:lnTo>
+                <a:lnTo>
+                  <a:pt x="4505583" y="4048125"/>
+                </a:lnTo>
+                <a:lnTo>
+                  <a:pt x="4503903" y="4116387"/>
+                </a:lnTo>
+                <a:lnTo>
+                  <a:pt x="4505583" y="4186237"/>
+                </a:lnTo>
+                <a:lnTo>
+                  <a:pt x="4515661" y="4244975"/>
+                </a:lnTo>
+                <a:lnTo>
+                  <a:pt x="4525739" y="4297362"/>
+                </a:lnTo>
+                <a:lnTo>
+                  <a:pt x="4540854" y="4343400"/>
+                </a:lnTo>
+                <a:lnTo>
+                  <a:pt x="4559330" y="4386262"/>
+                </a:lnTo>
+                <a:lnTo>
+                  <a:pt x="4577806" y="4424362"/>
+                </a:lnTo>
+                <a:lnTo>
+                  <a:pt x="4618116" y="4498975"/>
+                </a:lnTo>
+                <a:lnTo>
+                  <a:pt x="4638271" y="4537075"/>
+                </a:lnTo>
+                <a:lnTo>
+                  <a:pt x="4655067" y="4579937"/>
+                </a:lnTo>
+                <a:lnTo>
+                  <a:pt x="4670184" y="4625975"/>
+                </a:lnTo>
+                <a:lnTo>
+                  <a:pt x="4681941" y="4678362"/>
+                </a:lnTo>
+                <a:lnTo>
+                  <a:pt x="4690339" y="4738687"/>
+                </a:lnTo>
+                <a:lnTo>
+                  <a:pt x="4693698" y="4806950"/>
+                </a:lnTo>
+                <a:lnTo>
+                  <a:pt x="4690339" y="4875212"/>
+                </a:lnTo>
+                <a:lnTo>
+                  <a:pt x="4681941" y="4935537"/>
+                </a:lnTo>
+                <a:lnTo>
+                  <a:pt x="4670184" y="4987925"/>
+                </a:lnTo>
+                <a:lnTo>
+                  <a:pt x="4655067" y="5033962"/>
+                </a:lnTo>
+                <a:lnTo>
+                  <a:pt x="4638271" y="5075237"/>
+                </a:lnTo>
+                <a:lnTo>
+                  <a:pt x="4618116" y="5114925"/>
+                </a:lnTo>
+                <a:lnTo>
+                  <a:pt x="4597961" y="5149850"/>
+                </a:lnTo>
+                <a:lnTo>
+                  <a:pt x="4577806" y="5186362"/>
+                </a:lnTo>
+                <a:lnTo>
+                  <a:pt x="4559330" y="5226050"/>
+                </a:lnTo>
+                <a:lnTo>
+                  <a:pt x="4540854" y="5268912"/>
+                </a:lnTo>
+                <a:lnTo>
+                  <a:pt x="4525739" y="5313362"/>
+                </a:lnTo>
+                <a:lnTo>
+                  <a:pt x="4515661" y="5365750"/>
+                </a:lnTo>
+                <a:lnTo>
+                  <a:pt x="4505583" y="5426075"/>
+                </a:lnTo>
+                <a:lnTo>
+                  <a:pt x="4503903" y="5494337"/>
+                </a:lnTo>
+                <a:lnTo>
+                  <a:pt x="4505583" y="5562600"/>
+                </a:lnTo>
+                <a:lnTo>
+                  <a:pt x="4515661" y="5622925"/>
+                </a:lnTo>
+                <a:lnTo>
+                  <a:pt x="4525739" y="5675312"/>
+                </a:lnTo>
+                <a:lnTo>
+                  <a:pt x="4540854" y="5721350"/>
+                </a:lnTo>
+                <a:lnTo>
+                  <a:pt x="4559330" y="5762625"/>
+                </a:lnTo>
+                <a:lnTo>
+                  <a:pt x="4577806" y="5802312"/>
+                </a:lnTo>
+                <a:lnTo>
+                  <a:pt x="4597961" y="5840412"/>
+                </a:lnTo>
+                <a:lnTo>
+                  <a:pt x="4618116" y="5876925"/>
+                </a:lnTo>
+                <a:lnTo>
+                  <a:pt x="4638271" y="5915025"/>
+                </a:lnTo>
+                <a:lnTo>
+                  <a:pt x="4655067" y="5956300"/>
+                </a:lnTo>
+                <a:lnTo>
+                  <a:pt x="4670184" y="6003925"/>
+                </a:lnTo>
+                <a:lnTo>
+                  <a:pt x="4681941" y="6056312"/>
+                </a:lnTo>
+                <a:lnTo>
+                  <a:pt x="4690339" y="6113462"/>
+                </a:lnTo>
+                <a:lnTo>
+                  <a:pt x="4693698" y="6183312"/>
+                </a:lnTo>
+                <a:lnTo>
+                  <a:pt x="4690339" y="6251575"/>
+                </a:lnTo>
+                <a:lnTo>
+                  <a:pt x="4681941" y="6311900"/>
+                </a:lnTo>
+                <a:lnTo>
+                  <a:pt x="4670184" y="6361112"/>
+                </a:lnTo>
+                <a:lnTo>
+                  <a:pt x="4655067" y="6407150"/>
+                </a:lnTo>
+                <a:lnTo>
+                  <a:pt x="4638271" y="6448425"/>
+                </a:lnTo>
+                <a:lnTo>
+                  <a:pt x="4619796" y="6488112"/>
+                </a:lnTo>
+                <a:lnTo>
+                  <a:pt x="4601320" y="6523037"/>
+                </a:lnTo>
+                <a:lnTo>
+                  <a:pt x="4581165" y="6561137"/>
+                </a:lnTo>
+                <a:lnTo>
+                  <a:pt x="4561010" y="6597650"/>
+                </a:lnTo>
+                <a:lnTo>
+                  <a:pt x="4544214" y="6640512"/>
+                </a:lnTo>
+                <a:lnTo>
+                  <a:pt x="4527418" y="6683375"/>
+                </a:lnTo>
+                <a:lnTo>
+                  <a:pt x="4517340" y="6735762"/>
+                </a:lnTo>
+                <a:lnTo>
+                  <a:pt x="4508943" y="6791325"/>
+                </a:lnTo>
+                <a:lnTo>
+                  <a:pt x="4503903" y="6858000"/>
+                </a:lnTo>
+                <a:lnTo>
+                  <a:pt x="1582057" y="6858000"/>
+                </a:lnTo>
+                <a:lnTo>
+                  <a:pt x="420914" y="6858000"/>
+                </a:lnTo>
+                <a:lnTo>
+                  <a:pt x="0" y="6858000"/>
+                </a:lnTo>
+                <a:close/>
+              </a:path>
+            </a:pathLst>
+          </a:custGeom>
+          <a:solidFill>
+            <a:schemeClr val="tx1"/>
+          </a:solidFill>
+          <a:ln w="0">
+            <a:noFill/>
+            <a:prstDash val="solid"/>
+            <a:round/>
+            <a:headEnd/>
+            <a:tailEnd/>
+          </a:ln>
+        </p:spPr>
+        <p:txBody>
+          <a:bodyPr wrap="square">
+            <a:noAutofit/>
+          </a:bodyPr>
+          <a:lstStyle/>
+          <a:p>
+            <a:endParaRPr lang="en-US" dirty="0"/>
+          </a:p>
+        </p:txBody>
+      </p:sp>
+      <p:sp>
+        <p:nvSpPr>
+          <p:cNvPr id="14" name="Freeform: Shape 13">
+            <a:extLst>
+              <a:ext uri="{FF2B5EF4-FFF2-40B4-BE49-F238E27FC236}">
+                <a16:creationId xmlns:a16="http://schemas.microsoft.com/office/drawing/2014/main" id="{4B9FAFB2-BEB5-4848-8018-BCAD99E2E1AA}"/>
+              </a:ext>
+              <a:ext uri="{C183D7F6-B498-43B3-948B-1728B52AA6E4}">
+                <adec:decorative xmlns:adec="http://schemas.microsoft.com/office/drawing/2017/decorative" val="1"/>
+              </a:ext>
+            </a:extLst>
+          </p:cNvPr>
+          <p:cNvSpPr>
+            <a:spLocks noGrp="1" noRot="1" noChangeAspect="1" noMove="1" noResize="1" noEditPoints="1" noAdjustHandles="1" noChangeArrowheads="1" noChangeShapeType="1" noTextEdit="1"/>
+          </p:cNvSpPr>
+          <p:nvPr>
+            <p:extLst>
+              <p:ext uri="{386F3935-93C4-4BCD-93E2-E3B085C9AB24}">
+                <p16:designElem xmlns:p16="http://schemas.microsoft.com/office/powerpoint/2015/main" val="1"/>
+              </p:ext>
+            </p:extLst>
+          </p:nvPr>
+        </p:nvSpPr>
+        <p:spPr>
+          <a:xfrm flipH="1">
+            <a:off x="0" y="0"/>
+            <a:ext cx="4838076" cy="6858000"/>
+          </a:xfrm>
+          <a:custGeom>
+            <a:avLst/>
+            <a:gdLst>
+              <a:gd name="connsiteX0" fmla="*/ 4838076 w 4838076"/>
+              <a:gd name="connsiteY0" fmla="*/ 0 h 6858000"/>
+              <a:gd name="connsiteX1" fmla="*/ 4417162 w 4838076"/>
+              <a:gd name="connsiteY1" fmla="*/ 0 h 6858000"/>
+              <a:gd name="connsiteX2" fmla="*/ 3459219 w 4838076"/>
+              <a:gd name="connsiteY2" fmla="*/ 0 h 6858000"/>
+              <a:gd name="connsiteX3" fmla="*/ 334174 w 4838076"/>
+              <a:gd name="connsiteY3" fmla="*/ 0 h 6858000"/>
+              <a:gd name="connsiteX4" fmla="*/ 334173 w 4838076"/>
+              <a:gd name="connsiteY4" fmla="*/ 0 h 6858000"/>
+              <a:gd name="connsiteX5" fmla="*/ 189795 w 4838076"/>
+              <a:gd name="connsiteY5" fmla="*/ 0 h 6858000"/>
+              <a:gd name="connsiteX6" fmla="*/ 184756 w 4838076"/>
+              <a:gd name="connsiteY6" fmla="*/ 66675 h 6858000"/>
+              <a:gd name="connsiteX7" fmla="*/ 176358 w 4838076"/>
+              <a:gd name="connsiteY7" fmla="*/ 122237 h 6858000"/>
+              <a:gd name="connsiteX8" fmla="*/ 166281 w 4838076"/>
+              <a:gd name="connsiteY8" fmla="*/ 174625 h 6858000"/>
+              <a:gd name="connsiteX9" fmla="*/ 149485 w 4838076"/>
+              <a:gd name="connsiteY9" fmla="*/ 217487 h 6858000"/>
+              <a:gd name="connsiteX10" fmla="*/ 132689 w 4838076"/>
+              <a:gd name="connsiteY10" fmla="*/ 260350 h 6858000"/>
+              <a:gd name="connsiteX11" fmla="*/ 112534 w 4838076"/>
+              <a:gd name="connsiteY11" fmla="*/ 296862 h 6858000"/>
+              <a:gd name="connsiteX12" fmla="*/ 92379 w 4838076"/>
+              <a:gd name="connsiteY12" fmla="*/ 334962 h 6858000"/>
+              <a:gd name="connsiteX13" fmla="*/ 73903 w 4838076"/>
+              <a:gd name="connsiteY13" fmla="*/ 369887 h 6858000"/>
+              <a:gd name="connsiteX14" fmla="*/ 55427 w 4838076"/>
+              <a:gd name="connsiteY14" fmla="*/ 409575 h 6858000"/>
+              <a:gd name="connsiteX15" fmla="*/ 38632 w 4838076"/>
+              <a:gd name="connsiteY15" fmla="*/ 450850 h 6858000"/>
+              <a:gd name="connsiteX16" fmla="*/ 23515 w 4838076"/>
+              <a:gd name="connsiteY16" fmla="*/ 496887 h 6858000"/>
+              <a:gd name="connsiteX17" fmla="*/ 11758 w 4838076"/>
+              <a:gd name="connsiteY17" fmla="*/ 546100 h 6858000"/>
+              <a:gd name="connsiteX18" fmla="*/ 3359 w 4838076"/>
+              <a:gd name="connsiteY18" fmla="*/ 606425 h 6858000"/>
+              <a:gd name="connsiteX19" fmla="*/ 0 w 4838076"/>
+              <a:gd name="connsiteY19" fmla="*/ 673100 h 6858000"/>
+              <a:gd name="connsiteX20" fmla="*/ 3359 w 4838076"/>
+              <a:gd name="connsiteY20" fmla="*/ 744537 h 6858000"/>
+              <a:gd name="connsiteX21" fmla="*/ 11758 w 4838076"/>
+              <a:gd name="connsiteY21" fmla="*/ 801687 h 6858000"/>
+              <a:gd name="connsiteX22" fmla="*/ 23515 w 4838076"/>
+              <a:gd name="connsiteY22" fmla="*/ 854075 h 6858000"/>
+              <a:gd name="connsiteX23" fmla="*/ 38632 w 4838076"/>
+              <a:gd name="connsiteY23" fmla="*/ 901700 h 6858000"/>
+              <a:gd name="connsiteX24" fmla="*/ 55427 w 4838076"/>
+              <a:gd name="connsiteY24" fmla="*/ 942975 h 6858000"/>
+              <a:gd name="connsiteX25" fmla="*/ 75583 w 4838076"/>
+              <a:gd name="connsiteY25" fmla="*/ 981075 h 6858000"/>
+              <a:gd name="connsiteX26" fmla="*/ 95738 w 4838076"/>
+              <a:gd name="connsiteY26" fmla="*/ 1017587 h 6858000"/>
+              <a:gd name="connsiteX27" fmla="*/ 115893 w 4838076"/>
+              <a:gd name="connsiteY27" fmla="*/ 1055687 h 6858000"/>
+              <a:gd name="connsiteX28" fmla="*/ 134368 w 4838076"/>
+              <a:gd name="connsiteY28" fmla="*/ 1095375 h 6858000"/>
+              <a:gd name="connsiteX29" fmla="*/ 152844 w 4838076"/>
+              <a:gd name="connsiteY29" fmla="*/ 1136650 h 6858000"/>
+              <a:gd name="connsiteX30" fmla="*/ 167960 w 4838076"/>
+              <a:gd name="connsiteY30" fmla="*/ 1182687 h 6858000"/>
+              <a:gd name="connsiteX31" fmla="*/ 178038 w 4838076"/>
+              <a:gd name="connsiteY31" fmla="*/ 1235075 h 6858000"/>
+              <a:gd name="connsiteX32" fmla="*/ 188115 w 4838076"/>
+              <a:gd name="connsiteY32" fmla="*/ 1295400 h 6858000"/>
+              <a:gd name="connsiteX33" fmla="*/ 189795 w 4838076"/>
+              <a:gd name="connsiteY33" fmla="*/ 1363662 h 6858000"/>
+              <a:gd name="connsiteX34" fmla="*/ 188115 w 4838076"/>
+              <a:gd name="connsiteY34" fmla="*/ 1431925 h 6858000"/>
+              <a:gd name="connsiteX35" fmla="*/ 178038 w 4838076"/>
+              <a:gd name="connsiteY35" fmla="*/ 1492250 h 6858000"/>
+              <a:gd name="connsiteX36" fmla="*/ 167960 w 4838076"/>
+              <a:gd name="connsiteY36" fmla="*/ 1544637 h 6858000"/>
+              <a:gd name="connsiteX37" fmla="*/ 152844 w 4838076"/>
+              <a:gd name="connsiteY37" fmla="*/ 1589087 h 6858000"/>
+              <a:gd name="connsiteX38" fmla="*/ 134368 w 4838076"/>
+              <a:gd name="connsiteY38" fmla="*/ 1631950 h 6858000"/>
+              <a:gd name="connsiteX39" fmla="*/ 115893 w 4838076"/>
+              <a:gd name="connsiteY39" fmla="*/ 1671637 h 6858000"/>
+              <a:gd name="connsiteX40" fmla="*/ 95738 w 4838076"/>
+              <a:gd name="connsiteY40" fmla="*/ 1708150 h 6858000"/>
+              <a:gd name="connsiteX41" fmla="*/ 75583 w 4838076"/>
+              <a:gd name="connsiteY41" fmla="*/ 1743075 h 6858000"/>
+              <a:gd name="connsiteX42" fmla="*/ 55427 w 4838076"/>
+              <a:gd name="connsiteY42" fmla="*/ 1782762 h 6858000"/>
+              <a:gd name="connsiteX43" fmla="*/ 38632 w 4838076"/>
+              <a:gd name="connsiteY43" fmla="*/ 1824037 h 6858000"/>
+              <a:gd name="connsiteX44" fmla="*/ 23515 w 4838076"/>
+              <a:gd name="connsiteY44" fmla="*/ 1870075 h 6858000"/>
+              <a:gd name="connsiteX45" fmla="*/ 11758 w 4838076"/>
+              <a:gd name="connsiteY45" fmla="*/ 1922462 h 6858000"/>
+              <a:gd name="connsiteX46" fmla="*/ 3359 w 4838076"/>
+              <a:gd name="connsiteY46" fmla="*/ 1982787 h 6858000"/>
+              <a:gd name="connsiteX47" fmla="*/ 0 w 4838076"/>
+              <a:gd name="connsiteY47" fmla="*/ 2051050 h 6858000"/>
+              <a:gd name="connsiteX48" fmla="*/ 3359 w 4838076"/>
+              <a:gd name="connsiteY48" fmla="*/ 2119312 h 6858000"/>
+              <a:gd name="connsiteX49" fmla="*/ 11758 w 4838076"/>
+              <a:gd name="connsiteY49" fmla="*/ 2179637 h 6858000"/>
+              <a:gd name="connsiteX50" fmla="*/ 23515 w 4838076"/>
+              <a:gd name="connsiteY50" fmla="*/ 2232025 h 6858000"/>
+              <a:gd name="connsiteX51" fmla="*/ 38632 w 4838076"/>
+              <a:gd name="connsiteY51" fmla="*/ 2278062 h 6858000"/>
+              <a:gd name="connsiteX52" fmla="*/ 55427 w 4838076"/>
+              <a:gd name="connsiteY52" fmla="*/ 2319337 h 6858000"/>
+              <a:gd name="connsiteX53" fmla="*/ 75583 w 4838076"/>
+              <a:gd name="connsiteY53" fmla="*/ 2359025 h 6858000"/>
+              <a:gd name="connsiteX54" fmla="*/ 95738 w 4838076"/>
+              <a:gd name="connsiteY54" fmla="*/ 2395537 h 6858000"/>
+              <a:gd name="connsiteX55" fmla="*/ 115893 w 4838076"/>
+              <a:gd name="connsiteY55" fmla="*/ 2433637 h 6858000"/>
+              <a:gd name="connsiteX56" fmla="*/ 134368 w 4838076"/>
+              <a:gd name="connsiteY56" fmla="*/ 2471737 h 6858000"/>
+              <a:gd name="connsiteX57" fmla="*/ 152844 w 4838076"/>
+              <a:gd name="connsiteY57" fmla="*/ 2513012 h 6858000"/>
+              <a:gd name="connsiteX58" fmla="*/ 167960 w 4838076"/>
+              <a:gd name="connsiteY58" fmla="*/ 2560637 h 6858000"/>
+              <a:gd name="connsiteX59" fmla="*/ 178038 w 4838076"/>
+              <a:gd name="connsiteY59" fmla="*/ 2613025 h 6858000"/>
+              <a:gd name="connsiteX60" fmla="*/ 188115 w 4838076"/>
+              <a:gd name="connsiteY60" fmla="*/ 2671762 h 6858000"/>
+              <a:gd name="connsiteX61" fmla="*/ 189795 w 4838076"/>
+              <a:gd name="connsiteY61" fmla="*/ 2741612 h 6858000"/>
+              <a:gd name="connsiteX62" fmla="*/ 188115 w 4838076"/>
+              <a:gd name="connsiteY62" fmla="*/ 2809875 h 6858000"/>
+              <a:gd name="connsiteX63" fmla="*/ 178038 w 4838076"/>
+              <a:gd name="connsiteY63" fmla="*/ 2868612 h 6858000"/>
+              <a:gd name="connsiteX64" fmla="*/ 167960 w 4838076"/>
+              <a:gd name="connsiteY64" fmla="*/ 2922587 h 6858000"/>
+              <a:gd name="connsiteX65" fmla="*/ 152844 w 4838076"/>
+              <a:gd name="connsiteY65" fmla="*/ 2967037 h 6858000"/>
+              <a:gd name="connsiteX66" fmla="*/ 134368 w 4838076"/>
+              <a:gd name="connsiteY66" fmla="*/ 3009900 h 6858000"/>
+              <a:gd name="connsiteX67" fmla="*/ 115893 w 4838076"/>
+              <a:gd name="connsiteY67" fmla="*/ 3046412 h 6858000"/>
+              <a:gd name="connsiteX68" fmla="*/ 95738 w 4838076"/>
+              <a:gd name="connsiteY68" fmla="*/ 3084512 h 6858000"/>
+              <a:gd name="connsiteX69" fmla="*/ 75583 w 4838076"/>
+              <a:gd name="connsiteY69" fmla="*/ 3121025 h 6858000"/>
+              <a:gd name="connsiteX70" fmla="*/ 55427 w 4838076"/>
+              <a:gd name="connsiteY70" fmla="*/ 3160712 h 6858000"/>
+              <a:gd name="connsiteX71" fmla="*/ 38632 w 4838076"/>
+              <a:gd name="connsiteY71" fmla="*/ 3201987 h 6858000"/>
+              <a:gd name="connsiteX72" fmla="*/ 23515 w 4838076"/>
+              <a:gd name="connsiteY72" fmla="*/ 3248025 h 6858000"/>
+              <a:gd name="connsiteX73" fmla="*/ 11758 w 4838076"/>
+              <a:gd name="connsiteY73" fmla="*/ 3300412 h 6858000"/>
+              <a:gd name="connsiteX74" fmla="*/ 3359 w 4838076"/>
+              <a:gd name="connsiteY74" fmla="*/ 3360737 h 6858000"/>
+              <a:gd name="connsiteX75" fmla="*/ 0 w 4838076"/>
+              <a:gd name="connsiteY75" fmla="*/ 3427412 h 6858000"/>
+              <a:gd name="connsiteX76" fmla="*/ 3359 w 4838076"/>
+              <a:gd name="connsiteY76" fmla="*/ 3497262 h 6858000"/>
+              <a:gd name="connsiteX77" fmla="*/ 11758 w 4838076"/>
+              <a:gd name="connsiteY77" fmla="*/ 3557587 h 6858000"/>
+              <a:gd name="connsiteX78" fmla="*/ 23515 w 4838076"/>
+              <a:gd name="connsiteY78" fmla="*/ 3609975 h 6858000"/>
+              <a:gd name="connsiteX79" fmla="*/ 38632 w 4838076"/>
+              <a:gd name="connsiteY79" fmla="*/ 3656012 h 6858000"/>
+              <a:gd name="connsiteX80" fmla="*/ 55427 w 4838076"/>
+              <a:gd name="connsiteY80" fmla="*/ 3697287 h 6858000"/>
+              <a:gd name="connsiteX81" fmla="*/ 75583 w 4838076"/>
+              <a:gd name="connsiteY81" fmla="*/ 3736975 h 6858000"/>
+              <a:gd name="connsiteX82" fmla="*/ 115893 w 4838076"/>
+              <a:gd name="connsiteY82" fmla="*/ 3811587 h 6858000"/>
+              <a:gd name="connsiteX83" fmla="*/ 134368 w 4838076"/>
+              <a:gd name="connsiteY83" fmla="*/ 3848100 h 6858000"/>
+              <a:gd name="connsiteX84" fmla="*/ 152844 w 4838076"/>
+              <a:gd name="connsiteY84" fmla="*/ 3890962 h 6858000"/>
+              <a:gd name="connsiteX85" fmla="*/ 167960 w 4838076"/>
+              <a:gd name="connsiteY85" fmla="*/ 3935412 h 6858000"/>
+              <a:gd name="connsiteX86" fmla="*/ 178038 w 4838076"/>
+              <a:gd name="connsiteY86" fmla="*/ 3987800 h 6858000"/>
+              <a:gd name="connsiteX87" fmla="*/ 188115 w 4838076"/>
+              <a:gd name="connsiteY87" fmla="*/ 4048125 h 6858000"/>
+              <a:gd name="connsiteX88" fmla="*/ 189795 w 4838076"/>
+              <a:gd name="connsiteY88" fmla="*/ 4116387 h 6858000"/>
+              <a:gd name="connsiteX89" fmla="*/ 188115 w 4838076"/>
+              <a:gd name="connsiteY89" fmla="*/ 4186237 h 6858000"/>
+              <a:gd name="connsiteX90" fmla="*/ 178038 w 4838076"/>
+              <a:gd name="connsiteY90" fmla="*/ 4244975 h 6858000"/>
+              <a:gd name="connsiteX91" fmla="*/ 167960 w 4838076"/>
+              <a:gd name="connsiteY91" fmla="*/ 4297362 h 6858000"/>
+              <a:gd name="connsiteX92" fmla="*/ 152844 w 4838076"/>
+              <a:gd name="connsiteY92" fmla="*/ 4343400 h 6858000"/>
+              <a:gd name="connsiteX93" fmla="*/ 134368 w 4838076"/>
+              <a:gd name="connsiteY93" fmla="*/ 4386262 h 6858000"/>
+              <a:gd name="connsiteX94" fmla="*/ 115893 w 4838076"/>
+              <a:gd name="connsiteY94" fmla="*/ 4424362 h 6858000"/>
+              <a:gd name="connsiteX95" fmla="*/ 75583 w 4838076"/>
+              <a:gd name="connsiteY95" fmla="*/ 4498975 h 6858000"/>
+              <a:gd name="connsiteX96" fmla="*/ 55427 w 4838076"/>
+              <a:gd name="connsiteY96" fmla="*/ 4537075 h 6858000"/>
+              <a:gd name="connsiteX97" fmla="*/ 38632 w 4838076"/>
+              <a:gd name="connsiteY97" fmla="*/ 4579937 h 6858000"/>
+              <a:gd name="connsiteX98" fmla="*/ 23515 w 4838076"/>
+              <a:gd name="connsiteY98" fmla="*/ 4625975 h 6858000"/>
+              <a:gd name="connsiteX99" fmla="*/ 11758 w 4838076"/>
+              <a:gd name="connsiteY99" fmla="*/ 4678362 h 6858000"/>
+              <a:gd name="connsiteX100" fmla="*/ 3359 w 4838076"/>
+              <a:gd name="connsiteY100" fmla="*/ 4738687 h 6858000"/>
+              <a:gd name="connsiteX101" fmla="*/ 0 w 4838076"/>
+              <a:gd name="connsiteY101" fmla="*/ 4806950 h 6858000"/>
+              <a:gd name="connsiteX102" fmla="*/ 3359 w 4838076"/>
+              <a:gd name="connsiteY102" fmla="*/ 4875212 h 6858000"/>
+              <a:gd name="connsiteX103" fmla="*/ 11758 w 4838076"/>
+              <a:gd name="connsiteY103" fmla="*/ 4935537 h 6858000"/>
+              <a:gd name="connsiteX104" fmla="*/ 23515 w 4838076"/>
+              <a:gd name="connsiteY104" fmla="*/ 4987925 h 6858000"/>
+              <a:gd name="connsiteX105" fmla="*/ 38632 w 4838076"/>
+              <a:gd name="connsiteY105" fmla="*/ 5033962 h 6858000"/>
+              <a:gd name="connsiteX106" fmla="*/ 55427 w 4838076"/>
+              <a:gd name="connsiteY106" fmla="*/ 5075237 h 6858000"/>
+              <a:gd name="connsiteX107" fmla="*/ 75583 w 4838076"/>
+              <a:gd name="connsiteY107" fmla="*/ 5114925 h 6858000"/>
+              <a:gd name="connsiteX108" fmla="*/ 95738 w 4838076"/>
+              <a:gd name="connsiteY108" fmla="*/ 5149850 h 6858000"/>
+              <a:gd name="connsiteX109" fmla="*/ 115893 w 4838076"/>
+              <a:gd name="connsiteY109" fmla="*/ 5186362 h 6858000"/>
+              <a:gd name="connsiteX110" fmla="*/ 134368 w 4838076"/>
+              <a:gd name="connsiteY110" fmla="*/ 5226050 h 6858000"/>
+              <a:gd name="connsiteX111" fmla="*/ 152844 w 4838076"/>
+              <a:gd name="connsiteY111" fmla="*/ 5268912 h 6858000"/>
+              <a:gd name="connsiteX112" fmla="*/ 167960 w 4838076"/>
+              <a:gd name="connsiteY112" fmla="*/ 5313362 h 6858000"/>
+              <a:gd name="connsiteX113" fmla="*/ 178038 w 4838076"/>
+              <a:gd name="connsiteY113" fmla="*/ 5365750 h 6858000"/>
+              <a:gd name="connsiteX114" fmla="*/ 188115 w 4838076"/>
+              <a:gd name="connsiteY114" fmla="*/ 5426075 h 6858000"/>
+              <a:gd name="connsiteX115" fmla="*/ 189795 w 4838076"/>
+              <a:gd name="connsiteY115" fmla="*/ 5494337 h 6858000"/>
+              <a:gd name="connsiteX116" fmla="*/ 188115 w 4838076"/>
+              <a:gd name="connsiteY116" fmla="*/ 5562600 h 6858000"/>
+              <a:gd name="connsiteX117" fmla="*/ 178038 w 4838076"/>
+              <a:gd name="connsiteY117" fmla="*/ 5622925 h 6858000"/>
+              <a:gd name="connsiteX118" fmla="*/ 167960 w 4838076"/>
+              <a:gd name="connsiteY118" fmla="*/ 5675312 h 6858000"/>
+              <a:gd name="connsiteX119" fmla="*/ 152844 w 4838076"/>
+              <a:gd name="connsiteY119" fmla="*/ 5721350 h 6858000"/>
+              <a:gd name="connsiteX120" fmla="*/ 134368 w 4838076"/>
+              <a:gd name="connsiteY120" fmla="*/ 5762625 h 6858000"/>
+              <a:gd name="connsiteX121" fmla="*/ 115893 w 4838076"/>
+              <a:gd name="connsiteY121" fmla="*/ 5802312 h 6858000"/>
+              <a:gd name="connsiteX122" fmla="*/ 95738 w 4838076"/>
+              <a:gd name="connsiteY122" fmla="*/ 5840412 h 6858000"/>
+              <a:gd name="connsiteX123" fmla="*/ 75583 w 4838076"/>
+              <a:gd name="connsiteY123" fmla="*/ 5876925 h 6858000"/>
+              <a:gd name="connsiteX124" fmla="*/ 55427 w 4838076"/>
+              <a:gd name="connsiteY124" fmla="*/ 5915025 h 6858000"/>
+              <a:gd name="connsiteX125" fmla="*/ 38632 w 4838076"/>
+              <a:gd name="connsiteY125" fmla="*/ 5956300 h 6858000"/>
+              <a:gd name="connsiteX126" fmla="*/ 23515 w 4838076"/>
+              <a:gd name="connsiteY126" fmla="*/ 6003925 h 6858000"/>
+              <a:gd name="connsiteX127" fmla="*/ 11758 w 4838076"/>
+              <a:gd name="connsiteY127" fmla="*/ 6056312 h 6858000"/>
+              <a:gd name="connsiteX128" fmla="*/ 3359 w 4838076"/>
+              <a:gd name="connsiteY128" fmla="*/ 6113462 h 6858000"/>
+              <a:gd name="connsiteX129" fmla="*/ 0 w 4838076"/>
+              <a:gd name="connsiteY129" fmla="*/ 6183312 h 6858000"/>
+              <a:gd name="connsiteX130" fmla="*/ 3359 w 4838076"/>
+              <a:gd name="connsiteY130" fmla="*/ 6251575 h 6858000"/>
+              <a:gd name="connsiteX131" fmla="*/ 11758 w 4838076"/>
+              <a:gd name="connsiteY131" fmla="*/ 6311900 h 6858000"/>
+              <a:gd name="connsiteX132" fmla="*/ 23515 w 4838076"/>
+              <a:gd name="connsiteY132" fmla="*/ 6361112 h 6858000"/>
+              <a:gd name="connsiteX133" fmla="*/ 38632 w 4838076"/>
+              <a:gd name="connsiteY133" fmla="*/ 6407150 h 6858000"/>
+              <a:gd name="connsiteX134" fmla="*/ 55427 w 4838076"/>
+              <a:gd name="connsiteY134" fmla="*/ 6448425 h 6858000"/>
+              <a:gd name="connsiteX135" fmla="*/ 73903 w 4838076"/>
+              <a:gd name="connsiteY135" fmla="*/ 6488112 h 6858000"/>
+              <a:gd name="connsiteX136" fmla="*/ 92379 w 4838076"/>
+              <a:gd name="connsiteY136" fmla="*/ 6523037 h 6858000"/>
+              <a:gd name="connsiteX137" fmla="*/ 112534 w 4838076"/>
+              <a:gd name="connsiteY137" fmla="*/ 6561137 h 6858000"/>
+              <a:gd name="connsiteX138" fmla="*/ 132689 w 4838076"/>
+              <a:gd name="connsiteY138" fmla="*/ 6597650 h 6858000"/>
+              <a:gd name="connsiteX139" fmla="*/ 149485 w 4838076"/>
+              <a:gd name="connsiteY139" fmla="*/ 6640512 h 6858000"/>
+              <a:gd name="connsiteX140" fmla="*/ 166281 w 4838076"/>
+              <a:gd name="connsiteY140" fmla="*/ 6683375 h 6858000"/>
+              <a:gd name="connsiteX141" fmla="*/ 176358 w 4838076"/>
+              <a:gd name="connsiteY141" fmla="*/ 6735762 h 6858000"/>
+              <a:gd name="connsiteX142" fmla="*/ 184756 w 4838076"/>
+              <a:gd name="connsiteY142" fmla="*/ 6791325 h 6858000"/>
+              <a:gd name="connsiteX143" fmla="*/ 189795 w 4838076"/>
+              <a:gd name="connsiteY143" fmla="*/ 6858000 h 6858000"/>
+              <a:gd name="connsiteX144" fmla="*/ 334173 w 4838076"/>
+              <a:gd name="connsiteY144" fmla="*/ 6858000 h 6858000"/>
+              <a:gd name="connsiteX145" fmla="*/ 334174 w 4838076"/>
+              <a:gd name="connsiteY145" fmla="*/ 6858000 h 6858000"/>
+              <a:gd name="connsiteX146" fmla="*/ 3459219 w 4838076"/>
+              <a:gd name="connsiteY146" fmla="*/ 6858000 h 6858000"/>
+              <a:gd name="connsiteX147" fmla="*/ 4417162 w 4838076"/>
+              <a:gd name="connsiteY147" fmla="*/ 6858000 h 6858000"/>
+              <a:gd name="connsiteX148" fmla="*/ 4838076 w 4838076"/>
+              <a:gd name="connsiteY148" fmla="*/ 6858000 h 6858000"/>
+            </a:gdLst>
+            <a:ahLst/>
+            <a:cxnLst>
+              <a:cxn ang="0">
+                <a:pos x="connsiteX0" y="connsiteY0"/>
+              </a:cxn>
+              <a:cxn ang="0">
+                <a:pos x="connsiteX1" y="connsiteY1"/>
+              </a:cxn>
+              <a:cxn ang="0">
+                <a:pos x="connsiteX2" y="connsiteY2"/>
+              </a:cxn>
+              <a:cxn ang="0">
+                <a:pos x="connsiteX3" y="connsiteY3"/>
+              </a:cxn>
+              <a:cxn ang="0">
+                <a:pos x="connsiteX4" y="connsiteY4"/>
+              </a:cxn>
+              <a:cxn ang="0">
+                <a:pos x="connsiteX5" y="connsiteY5"/>
+              </a:cxn>
+              <a:cxn ang="0">
+                <a:pos x="connsiteX6" y="connsiteY6"/>
+              </a:cxn>
+              <a:cxn ang="0">
+                <a:pos x="connsiteX7" y="connsiteY7"/>
+              </a:cxn>
+              <a:cxn ang="0">
+                <a:pos x="connsiteX8" y="connsiteY8"/>
+              </a:cxn>
+              <a:cxn ang="0">
+                <a:pos x="connsiteX9" y="connsiteY9"/>
+              </a:cxn>
+              <a:cxn ang="0">
+                <a:pos x="connsiteX10" y="connsiteY10"/>
+              </a:cxn>
+              <a:cxn ang="0">
+                <a:pos x="connsiteX11" y="connsiteY11"/>
+              </a:cxn>
+              <a:cxn ang="0">
+                <a:pos x="connsiteX12" y="connsiteY12"/>
+              </a:cxn>
+              <a:cxn ang="0">
+                <a:pos x="connsiteX13" y="connsiteY13"/>
+              </a:cxn>
+              <a:cxn ang="0">
+                <a:pos x="connsiteX14" y="connsiteY14"/>
+              </a:cxn>
+              <a:cxn ang="0">
+                <a:pos x="connsiteX15" y="connsiteY15"/>
+              </a:cxn>
+              <a:cxn ang="0">
+                <a:pos x="connsiteX16" y="connsiteY16"/>
+              </a:cxn>
+              <a:cxn ang="0">
+                <a:pos x="connsiteX17" y="connsiteY17"/>
+              </a:cxn>
+              <a:cxn ang="0">
+                <a:pos x="connsiteX18" y="connsiteY18"/>
+              </a:cxn>
+              <a:cxn ang="0">
+                <a:pos x="connsiteX19" y="connsiteY19"/>
+              </a:cxn>
+              <a:cxn ang="0">
+                <a:pos x="connsiteX20" y="connsiteY20"/>
+              </a:cxn>
+              <a:cxn ang="0">
+                <a:pos x="connsiteX21" y="connsiteY21"/>
+              </a:cxn>
+              <a:cxn ang="0">
+                <a:pos x="connsiteX22" y="connsiteY22"/>
+              </a:cxn>
+              <a:cxn ang="0">
+                <a:pos x="connsiteX23" y="connsiteY23"/>
+              </a:cxn>
+              <a:cxn ang="0">
+                <a:pos x="connsiteX24" y="connsiteY24"/>
+              </a:cxn>
+              <a:cxn ang="0">
+                <a:pos x="connsiteX25" y="connsiteY25"/>
+              </a:cxn>
+              <a:cxn ang="0">
+                <a:pos x="connsiteX26" y="connsiteY26"/>
+              </a:cxn>
+              <a:cxn ang="0">
+                <a:pos x="connsiteX27" y="connsiteY27"/>
+              </a:cxn>
+              <a:cxn ang="0">
+                <a:pos x="connsiteX28" y="connsiteY28"/>
+              </a:cxn>
+              <a:cxn ang="0">
+                <a:pos x="connsiteX29" y="connsiteY29"/>
+              </a:cxn>
+              <a:cxn ang="0">
+                <a:pos x="connsiteX30" y="connsiteY30"/>
+              </a:cxn>
+              <a:cxn ang="0">
+                <a:pos x="connsiteX31" y="connsiteY31"/>
+              </a:cxn>
+              <a:cxn ang="0">
+                <a:pos x="connsiteX32" y="connsiteY32"/>
+              </a:cxn>
+              <a:cxn ang="0">
+                <a:pos x="connsiteX33" y="connsiteY33"/>
+              </a:cxn>
+              <a:cxn ang="0">
+                <a:pos x="connsiteX34" y="connsiteY34"/>
+              </a:cxn>
+              <a:cxn ang="0">
+                <a:pos x="connsiteX35" y="connsiteY35"/>
+              </a:cxn>
+              <a:cxn ang="0">
+                <a:pos x="connsiteX36" y="connsiteY36"/>
+              </a:cxn>
+              <a:cxn ang="0">
+                <a:pos x="connsiteX37" y="connsiteY37"/>
+              </a:cxn>
+              <a:cxn ang="0">
+                <a:pos x="connsiteX38" y="connsiteY38"/>
+              </a:cxn>
+              <a:cxn ang="0">
+                <a:pos x="connsiteX39" y="connsiteY39"/>
+              </a:cxn>
+              <a:cxn ang="0">
+                <a:pos x="connsiteX40" y="connsiteY40"/>
+              </a:cxn>
+              <a:cxn ang="0">
+                <a:pos x="connsiteX41" y="connsiteY41"/>
+              </a:cxn>
+              <a:cxn ang="0">
+                <a:pos x="connsiteX42" y="connsiteY42"/>
+              </a:cxn>
+              <a:cxn ang="0">
+                <a:pos x="connsiteX43" y="connsiteY43"/>
+              </a:cxn>
+              <a:cxn ang="0">
+                <a:pos x="connsiteX44" y="connsiteY44"/>
+              </a:cxn>
+              <a:cxn ang="0">
+                <a:pos x="connsiteX45" y="connsiteY45"/>
+              </a:cxn>
+              <a:cxn ang="0">
+                <a:pos x="connsiteX46" y="connsiteY46"/>
+              </a:cxn>
+              <a:cxn ang="0">
+                <a:pos x="connsiteX47" y="connsiteY47"/>
+              </a:cxn>
+              <a:cxn ang="0">
+                <a:pos x="connsiteX48" y="connsiteY48"/>
+              </a:cxn>
+              <a:cxn ang="0">
+                <a:pos x="connsiteX49" y="connsiteY49"/>
+              </a:cxn>
+              <a:cxn ang="0">
+                <a:pos x="connsiteX50" y="connsiteY50"/>
+              </a:cxn>
+              <a:cxn ang="0">
+                <a:pos x="connsiteX51" y="connsiteY51"/>
+              </a:cxn>
+              <a:cxn ang="0">
+                <a:pos x="connsiteX52" y="connsiteY52"/>
+              </a:cxn>
+              <a:cxn ang="0">
+                <a:pos x="connsiteX53" y="connsiteY53"/>
+              </a:cxn>
+              <a:cxn ang="0">
+                <a:pos x="connsiteX54" y="connsiteY54"/>
+              </a:cxn>
+              <a:cxn ang="0">
+                <a:pos x="connsiteX55" y="connsiteY55"/>
+              </a:cxn>
+              <a:cxn ang="0">
+                <a:pos x="connsiteX56" y="connsiteY56"/>
+              </a:cxn>
+              <a:cxn ang="0">
+                <a:pos x="connsiteX57" y="connsiteY57"/>
+              </a:cxn>
+              <a:cxn ang="0">
+                <a:pos x="connsiteX58" y="connsiteY58"/>
+              </a:cxn>
+              <a:cxn ang="0">
+                <a:pos x="connsiteX59" y="connsiteY59"/>
+              </a:cxn>
+              <a:cxn ang="0">
+                <a:pos x="connsiteX60" y="connsiteY60"/>
+              </a:cxn>
+              <a:cxn ang="0">
+                <a:pos x="connsiteX61" y="connsiteY61"/>
+              </a:cxn>
+              <a:cxn ang="0">
+                <a:pos x="connsiteX62" y="connsiteY62"/>
+              </a:cxn>
+              <a:cxn ang="0">
+                <a:pos x="connsiteX63" y="connsiteY63"/>
+              </a:cxn>
+              <a:cxn ang="0">
+                <a:pos x="connsiteX64" y="connsiteY64"/>
+              </a:cxn>
+              <a:cxn ang="0">
+                <a:pos x="connsiteX65" y="connsiteY65"/>
+              </a:cxn>
+              <a:cxn ang="0">
+                <a:pos x="connsiteX66" y="connsiteY66"/>
+              </a:cxn>
+              <a:cxn ang="0">
+                <a:pos x="connsiteX67" y="connsiteY67"/>
+              </a:cxn>
+              <a:cxn ang="0">
+                <a:pos x="connsiteX68" y="connsiteY68"/>
+              </a:cxn>
+              <a:cxn ang="0">
+                <a:pos x="connsiteX69" y="connsiteY69"/>
+              </a:cxn>
+              <a:cxn ang="0">
+                <a:pos x="connsiteX70" y="connsiteY70"/>
+              </a:cxn>
+              <a:cxn ang="0">
+                <a:pos x="connsiteX71" y="connsiteY71"/>
+              </a:cxn>
+              <a:cxn ang="0">
+                <a:pos x="connsiteX72" y="connsiteY72"/>
+              </a:cxn>
+              <a:cxn ang="0">
+                <a:pos x="connsiteX73" y="connsiteY73"/>
+              </a:cxn>
+              <a:cxn ang="0">
+                <a:pos x="connsiteX74" y="connsiteY74"/>
+              </a:cxn>
+              <a:cxn ang="0">
+                <a:pos x="connsiteX75" y="connsiteY75"/>
+              </a:cxn>
+              <a:cxn ang="0">
+                <a:pos x="connsiteX76" y="connsiteY76"/>
+              </a:cxn>
+              <a:cxn ang="0">
+                <a:pos x="connsiteX77" y="connsiteY77"/>
+              </a:cxn>
+              <a:cxn ang="0">
+                <a:pos x="connsiteX78" y="connsiteY78"/>
+              </a:cxn>
+              <a:cxn ang="0">
+                <a:pos x="connsiteX79" y="connsiteY79"/>
+              </a:cxn>
+              <a:cxn ang="0">
+                <a:pos x="connsiteX80" y="connsiteY80"/>
+              </a:cxn>
+              <a:cxn ang="0">
+                <a:pos x="connsiteX81" y="connsiteY81"/>
+              </a:cxn>
+              <a:cxn ang="0">
+                <a:pos x="connsiteX82" y="connsiteY82"/>
+              </a:cxn>
+              <a:cxn ang="0">
+                <a:pos x="connsiteX83" y="connsiteY83"/>
+              </a:cxn>
+              <a:cxn ang="0">
+                <a:pos x="connsiteX84" y="connsiteY84"/>
+              </a:cxn>
+              <a:cxn ang="0">
+                <a:pos x="connsiteX85" y="connsiteY85"/>
+              </a:cxn>
+              <a:cxn ang="0">
+                <a:pos x="connsiteX86" y="connsiteY86"/>
+              </a:cxn>
+              <a:cxn ang="0">
+                <a:pos x="connsiteX87" y="connsiteY87"/>
+              </a:cxn>
+              <a:cxn ang="0">
+                <a:pos x="connsiteX88" y="connsiteY88"/>
+              </a:cxn>
+              <a:cxn ang="0">
+                <a:pos x="connsiteX89" y="connsiteY89"/>
+              </a:cxn>
+              <a:cxn ang="0">
+                <a:pos x="connsiteX90" y="connsiteY90"/>
+              </a:cxn>
+              <a:cxn ang="0">
+                <a:pos x="connsiteX91" y="connsiteY91"/>
+              </a:cxn>
+              <a:cxn ang="0">
+                <a:pos x="connsiteX92" y="connsiteY92"/>
+              </a:cxn>
+              <a:cxn ang="0">
+                <a:pos x="connsiteX93" y="connsiteY93"/>
+              </a:cxn>
+              <a:cxn ang="0">
+                <a:pos x="connsiteX94" y="connsiteY94"/>
+              </a:cxn>
+              <a:cxn ang="0">
+                <a:pos x="connsiteX95" y="connsiteY95"/>
+              </a:cxn>
+              <a:cxn ang="0">
+                <a:pos x="connsiteX96" y="connsiteY96"/>
+              </a:cxn>
+              <a:cxn ang="0">
+                <a:pos x="connsiteX97" y="connsiteY97"/>
+              </a:cxn>
+              <a:cxn ang="0">
+                <a:pos x="connsiteX98" y="connsiteY98"/>
+              </a:cxn>
+              <a:cxn ang="0">
+                <a:pos x="connsiteX99" y="connsiteY99"/>
+              </a:cxn>
+              <a:cxn ang="0">
+                <a:pos x="connsiteX100" y="connsiteY100"/>
+              </a:cxn>
+              <a:cxn ang="0">
+                <a:pos x="connsiteX101" y="connsiteY101"/>
+              </a:cxn>
+              <a:cxn ang="0">
+                <a:pos x="connsiteX102" y="connsiteY102"/>
+              </a:cxn>
+              <a:cxn ang="0">
+                <a:pos x="connsiteX103" y="connsiteY103"/>
+              </a:cxn>
+              <a:cxn ang="0">
+                <a:pos x="connsiteX104" y="connsiteY104"/>
+              </a:cxn>
+              <a:cxn ang="0">
+                <a:pos x="connsiteX105" y="connsiteY105"/>
+              </a:cxn>
+              <a:cxn ang="0">
+                <a:pos x="connsiteX106" y="connsiteY106"/>
+              </a:cxn>
+              <a:cxn ang="0">
+                <a:pos x="connsiteX107" y="connsiteY107"/>
+              </a:cxn>
+              <a:cxn ang="0">
+                <a:pos x="connsiteX108" y="connsiteY108"/>
+              </a:cxn>
+              <a:cxn ang="0">
+                <a:pos x="connsiteX109" y="connsiteY109"/>
+              </a:cxn>
+              <a:cxn ang="0">
+                <a:pos x="connsiteX110" y="connsiteY110"/>
+              </a:cxn>
+              <a:cxn ang="0">
+                <a:pos x="connsiteX111" y="connsiteY111"/>
+              </a:cxn>
+              <a:cxn ang="0">
+                <a:pos x="connsiteX112" y="connsiteY112"/>
+              </a:cxn>
+              <a:cxn ang="0">
+                <a:pos x="connsiteX113" y="connsiteY113"/>
+              </a:cxn>
+              <a:cxn ang="0">
+                <a:pos x="connsiteX114" y="connsiteY114"/>
+              </a:cxn>
+              <a:cxn ang="0">
+                <a:pos x="connsiteX115" y="connsiteY115"/>
+              </a:cxn>
+              <a:cxn ang="0">
+                <a:pos x="connsiteX116" y="connsiteY116"/>
+              </a:cxn>
+              <a:cxn ang="0">
+                <a:pos x="connsiteX117" y="connsiteY117"/>
+              </a:cxn>
+              <a:cxn ang="0">
+                <a:pos x="connsiteX118" y="connsiteY118"/>
+              </a:cxn>
+              <a:cxn ang="0">
+                <a:pos x="connsiteX119" y="connsiteY119"/>
+              </a:cxn>
+              <a:cxn ang="0">
+                <a:pos x="connsiteX120" y="connsiteY120"/>
+              </a:cxn>
+              <a:cxn ang="0">
+                <a:pos x="connsiteX121" y="connsiteY121"/>
+              </a:cxn>
+              <a:cxn ang="0">
+                <a:pos x="connsiteX122" y="connsiteY122"/>
+              </a:cxn>
+              <a:cxn ang="0">
+                <a:pos x="connsiteX123" y="connsiteY123"/>
+              </a:cxn>
+              <a:cxn ang="0">
+                <a:pos x="connsiteX124" y="connsiteY124"/>
+              </a:cxn>
+              <a:cxn ang="0">
+                <a:pos x="connsiteX125" y="connsiteY125"/>
+              </a:cxn>
+              <a:cxn ang="0">
+                <a:pos x="connsiteX126" y="connsiteY126"/>
+              </a:cxn>
+              <a:cxn ang="0">
+                <a:pos x="connsiteX127" y="connsiteY127"/>
+              </a:cxn>
+              <a:cxn ang="0">
+                <a:pos x="connsiteX128" y="connsiteY128"/>
+              </a:cxn>
+              <a:cxn ang="0">
+                <a:pos x="connsiteX129" y="connsiteY129"/>
+              </a:cxn>
+              <a:cxn ang="0">
+                <a:pos x="connsiteX130" y="connsiteY130"/>
+              </a:cxn>
+              <a:cxn ang="0">
+                <a:pos x="connsiteX131" y="connsiteY131"/>
+              </a:cxn>
+              <a:cxn ang="0">
+                <a:pos x="connsiteX132" y="connsiteY132"/>
+              </a:cxn>
+              <a:cxn ang="0">
+                <a:pos x="connsiteX133" y="connsiteY133"/>
+              </a:cxn>
+              <a:cxn ang="0">
+                <a:pos x="connsiteX134" y="connsiteY134"/>
+              </a:cxn>
+              <a:cxn ang="0">
+                <a:pos x="connsiteX135" y="connsiteY135"/>
+              </a:cxn>
+              <a:cxn ang="0">
+                <a:pos x="connsiteX136" y="connsiteY136"/>
+              </a:cxn>
+              <a:cxn ang="0">
+                <a:pos x="connsiteX137" y="connsiteY137"/>
+              </a:cxn>
+              <a:cxn ang="0">
+                <a:pos x="connsiteX138" y="connsiteY138"/>
+              </a:cxn>
+              <a:cxn ang="0">
+                <a:pos x="connsiteX139" y="connsiteY139"/>
+              </a:cxn>
+              <a:cxn ang="0">
+                <a:pos x="connsiteX140" y="connsiteY140"/>
+              </a:cxn>
+              <a:cxn ang="0">
+                <a:pos x="connsiteX141" y="connsiteY141"/>
+              </a:cxn>
+              <a:cxn ang="0">
+                <a:pos x="connsiteX142" y="connsiteY142"/>
+              </a:cxn>
+              <a:cxn ang="0">
+                <a:pos x="connsiteX143" y="connsiteY143"/>
+              </a:cxn>
+              <a:cxn ang="0">
+                <a:pos x="connsiteX144" y="connsiteY144"/>
+              </a:cxn>
+              <a:cxn ang="0">
+                <a:pos x="connsiteX145" y="connsiteY145"/>
+              </a:cxn>
+              <a:cxn ang="0">
+                <a:pos x="connsiteX146" y="connsiteY146"/>
+              </a:cxn>
+              <a:cxn ang="0">
+                <a:pos x="connsiteX147" y="connsiteY147"/>
+              </a:cxn>
+              <a:cxn ang="0">
+                <a:pos x="connsiteX148" y="connsiteY148"/>
+              </a:cxn>
+            </a:cxnLst>
+            <a:rect l="l" t="t" r="r" b="b"/>
+            <a:pathLst>
+              <a:path w="4838076" h="6858000">
+                <a:moveTo>
+                  <a:pt x="4838076" y="0"/>
+                </a:moveTo>
+                <a:lnTo>
+                  <a:pt x="4417162" y="0"/>
+                </a:lnTo>
+                <a:lnTo>
+                  <a:pt x="3459219" y="0"/>
+                </a:lnTo>
+                <a:lnTo>
+                  <a:pt x="334174" y="0"/>
+                </a:lnTo>
+                <a:lnTo>
+                  <a:pt x="334173" y="0"/>
+                </a:lnTo>
+                <a:lnTo>
+                  <a:pt x="189795" y="0"/>
+                </a:lnTo>
+                <a:lnTo>
+                  <a:pt x="184756" y="66675"/>
+                </a:lnTo>
+                <a:lnTo>
+                  <a:pt x="176358" y="122237"/>
+                </a:lnTo>
+                <a:lnTo>
+                  <a:pt x="166281" y="174625"/>
+                </a:lnTo>
+                <a:lnTo>
+                  <a:pt x="149485" y="217487"/>
+                </a:lnTo>
+                <a:lnTo>
+                  <a:pt x="132689" y="260350"/>
+                </a:lnTo>
+                <a:lnTo>
+                  <a:pt x="112534" y="296862"/>
+                </a:lnTo>
+                <a:lnTo>
+                  <a:pt x="92379" y="334962"/>
+                </a:lnTo>
+                <a:lnTo>
+                  <a:pt x="73903" y="369887"/>
+                </a:lnTo>
+                <a:lnTo>
+                  <a:pt x="55427" y="409575"/>
+                </a:lnTo>
+                <a:lnTo>
+                  <a:pt x="38632" y="450850"/>
+                </a:lnTo>
+                <a:lnTo>
+                  <a:pt x="23515" y="496887"/>
+                </a:lnTo>
+                <a:lnTo>
+                  <a:pt x="11758" y="546100"/>
+                </a:lnTo>
+                <a:lnTo>
+                  <a:pt x="3359" y="606425"/>
+                </a:lnTo>
+                <a:lnTo>
+                  <a:pt x="0" y="673100"/>
+                </a:lnTo>
+                <a:lnTo>
+                  <a:pt x="3359" y="744537"/>
+                </a:lnTo>
+                <a:lnTo>
+                  <a:pt x="11758" y="801687"/>
+                </a:lnTo>
+                <a:lnTo>
+                  <a:pt x="23515" y="854075"/>
+                </a:lnTo>
+                <a:lnTo>
+                  <a:pt x="38632" y="901700"/>
+                </a:lnTo>
+                <a:lnTo>
+                  <a:pt x="55427" y="942975"/>
+                </a:lnTo>
+                <a:lnTo>
+                  <a:pt x="75583" y="981075"/>
+                </a:lnTo>
+                <a:lnTo>
+                  <a:pt x="95738" y="1017587"/>
+                </a:lnTo>
+                <a:lnTo>
+                  <a:pt x="115893" y="1055687"/>
+                </a:lnTo>
+                <a:lnTo>
+                  <a:pt x="134368" y="1095375"/>
+                </a:lnTo>
+                <a:lnTo>
+                  <a:pt x="152844" y="1136650"/>
+                </a:lnTo>
+                <a:lnTo>
+                  <a:pt x="167960" y="1182687"/>
+                </a:lnTo>
+                <a:lnTo>
+                  <a:pt x="178038" y="1235075"/>
+                </a:lnTo>
+                <a:lnTo>
+                  <a:pt x="188115" y="1295400"/>
+                </a:lnTo>
+                <a:lnTo>
+                  <a:pt x="189795" y="1363662"/>
+                </a:lnTo>
+                <a:lnTo>
+                  <a:pt x="188115" y="1431925"/>
+                </a:lnTo>
+                <a:lnTo>
+                  <a:pt x="178038" y="1492250"/>
+                </a:lnTo>
+                <a:lnTo>
+                  <a:pt x="167960" y="1544637"/>
+                </a:lnTo>
+                <a:lnTo>
+                  <a:pt x="152844" y="1589087"/>
+                </a:lnTo>
+                <a:lnTo>
+                  <a:pt x="134368" y="1631950"/>
+                </a:lnTo>
+                <a:lnTo>
+                  <a:pt x="115893" y="1671637"/>
+                </a:lnTo>
+                <a:lnTo>
+                  <a:pt x="95738" y="1708150"/>
+                </a:lnTo>
+                <a:lnTo>
+                  <a:pt x="75583" y="1743075"/>
+                </a:lnTo>
+                <a:lnTo>
+                  <a:pt x="55427" y="1782762"/>
+                </a:lnTo>
+                <a:lnTo>
+                  <a:pt x="38632" y="1824037"/>
+                </a:lnTo>
+                <a:lnTo>
+                  <a:pt x="23515" y="1870075"/>
+                </a:lnTo>
+                <a:lnTo>
+                  <a:pt x="11758" y="1922462"/>
+                </a:lnTo>
+                <a:lnTo>
+                  <a:pt x="3359" y="1982787"/>
+                </a:lnTo>
+                <a:lnTo>
+                  <a:pt x="0" y="2051050"/>
+                </a:lnTo>
+                <a:lnTo>
+                  <a:pt x="3359" y="2119312"/>
+                </a:lnTo>
+                <a:lnTo>
+                  <a:pt x="11758" y="2179637"/>
+                </a:lnTo>
+                <a:lnTo>
+                  <a:pt x="23515" y="2232025"/>
+                </a:lnTo>
+                <a:lnTo>
+                  <a:pt x="38632" y="2278062"/>
+                </a:lnTo>
+                <a:lnTo>
+                  <a:pt x="55427" y="2319337"/>
+                </a:lnTo>
+                <a:lnTo>
+                  <a:pt x="75583" y="2359025"/>
+                </a:lnTo>
+                <a:lnTo>
+                  <a:pt x="95738" y="2395537"/>
+                </a:lnTo>
+                <a:lnTo>
+                  <a:pt x="115893" y="2433637"/>
+                </a:lnTo>
+                <a:lnTo>
+                  <a:pt x="134368" y="2471737"/>
+                </a:lnTo>
+                <a:lnTo>
+                  <a:pt x="152844" y="2513012"/>
+                </a:lnTo>
+                <a:lnTo>
+                  <a:pt x="167960" y="2560637"/>
+                </a:lnTo>
+                <a:lnTo>
+                  <a:pt x="178038" y="2613025"/>
+                </a:lnTo>
+                <a:lnTo>
+                  <a:pt x="188115" y="2671762"/>
+                </a:lnTo>
+                <a:lnTo>
+                  <a:pt x="189795" y="2741612"/>
+                </a:lnTo>
+                <a:lnTo>
+                  <a:pt x="188115" y="2809875"/>
+                </a:lnTo>
+                <a:lnTo>
+                  <a:pt x="178038" y="2868612"/>
+                </a:lnTo>
+                <a:lnTo>
+                  <a:pt x="167960" y="2922587"/>
+                </a:lnTo>
+                <a:lnTo>
+                  <a:pt x="152844" y="2967037"/>
+                </a:lnTo>
+                <a:lnTo>
+                  <a:pt x="134368" y="3009900"/>
+                </a:lnTo>
+                <a:lnTo>
+                  <a:pt x="115893" y="3046412"/>
+                </a:lnTo>
+                <a:lnTo>
+                  <a:pt x="95738" y="3084512"/>
+                </a:lnTo>
+                <a:lnTo>
+                  <a:pt x="75583" y="3121025"/>
+                </a:lnTo>
+                <a:lnTo>
+                  <a:pt x="55427" y="3160712"/>
+                </a:lnTo>
+                <a:lnTo>
+                  <a:pt x="38632" y="3201987"/>
+                </a:lnTo>
+                <a:lnTo>
+                  <a:pt x="23515" y="3248025"/>
+                </a:lnTo>
+                <a:lnTo>
+                  <a:pt x="11758" y="3300412"/>
+                </a:lnTo>
+                <a:lnTo>
+                  <a:pt x="3359" y="3360737"/>
+                </a:lnTo>
+                <a:lnTo>
+                  <a:pt x="0" y="3427412"/>
+                </a:lnTo>
+                <a:lnTo>
+                  <a:pt x="3359" y="3497262"/>
+                </a:lnTo>
+                <a:lnTo>
+                  <a:pt x="11758" y="3557587"/>
+                </a:lnTo>
+                <a:lnTo>
+                  <a:pt x="23515" y="3609975"/>
+                </a:lnTo>
+                <a:lnTo>
+                  <a:pt x="38632" y="3656012"/>
+                </a:lnTo>
+                <a:lnTo>
+                  <a:pt x="55427" y="3697287"/>
+                </a:lnTo>
+                <a:lnTo>
+                  <a:pt x="75583" y="3736975"/>
+                </a:lnTo>
+                <a:lnTo>
+                  <a:pt x="115893" y="3811587"/>
+                </a:lnTo>
+                <a:lnTo>
+                  <a:pt x="134368" y="3848100"/>
+                </a:lnTo>
+                <a:lnTo>
+                  <a:pt x="152844" y="3890962"/>
+                </a:lnTo>
+                <a:lnTo>
+                  <a:pt x="167960" y="3935412"/>
+                </a:lnTo>
+                <a:lnTo>
+                  <a:pt x="178038" y="3987800"/>
+                </a:lnTo>
+                <a:lnTo>
+                  <a:pt x="188115" y="4048125"/>
+                </a:lnTo>
+                <a:lnTo>
+                  <a:pt x="189795" y="4116387"/>
+                </a:lnTo>
+                <a:lnTo>
+                  <a:pt x="188115" y="4186237"/>
+                </a:lnTo>
+                <a:lnTo>
+                  <a:pt x="178038" y="4244975"/>
+                </a:lnTo>
+                <a:lnTo>
+                  <a:pt x="167960" y="4297362"/>
+                </a:lnTo>
+                <a:lnTo>
+                  <a:pt x="152844" y="4343400"/>
+                </a:lnTo>
+                <a:lnTo>
+                  <a:pt x="134368" y="4386262"/>
+                </a:lnTo>
+                <a:lnTo>
+                  <a:pt x="115893" y="4424362"/>
+                </a:lnTo>
+                <a:lnTo>
+                  <a:pt x="75583" y="4498975"/>
+                </a:lnTo>
+                <a:lnTo>
+                  <a:pt x="55427" y="4537075"/>
+                </a:lnTo>
+                <a:lnTo>
+                  <a:pt x="38632" y="4579937"/>
+                </a:lnTo>
+                <a:lnTo>
+                  <a:pt x="23515" y="4625975"/>
+                </a:lnTo>
+                <a:lnTo>
+                  <a:pt x="11758" y="4678362"/>
+                </a:lnTo>
+                <a:lnTo>
+                  <a:pt x="3359" y="4738687"/>
+                </a:lnTo>
+                <a:lnTo>
+                  <a:pt x="0" y="4806950"/>
+                </a:lnTo>
+                <a:lnTo>
+                  <a:pt x="3359" y="4875212"/>
+                </a:lnTo>
+                <a:lnTo>
+                  <a:pt x="11758" y="4935537"/>
+                </a:lnTo>
+                <a:lnTo>
+                  <a:pt x="23515" y="4987925"/>
+                </a:lnTo>
+                <a:lnTo>
+                  <a:pt x="38632" y="5033962"/>
+                </a:lnTo>
+                <a:lnTo>
+                  <a:pt x="55427" y="5075237"/>
+                </a:lnTo>
+                <a:lnTo>
+                  <a:pt x="75583" y="5114925"/>
+                </a:lnTo>
+                <a:lnTo>
+                  <a:pt x="95738" y="5149850"/>
+                </a:lnTo>
+                <a:lnTo>
+                  <a:pt x="115893" y="5186362"/>
+                </a:lnTo>
+                <a:lnTo>
+                  <a:pt x="134368" y="5226050"/>
+                </a:lnTo>
+                <a:lnTo>
+                  <a:pt x="152844" y="5268912"/>
+                </a:lnTo>
+                <a:lnTo>
+                  <a:pt x="167960" y="5313362"/>
+                </a:lnTo>
+                <a:lnTo>
+                  <a:pt x="178038" y="5365750"/>
+                </a:lnTo>
+                <a:lnTo>
+                  <a:pt x="188115" y="5426075"/>
+                </a:lnTo>
+                <a:lnTo>
+                  <a:pt x="189795" y="5494337"/>
+                </a:lnTo>
+                <a:lnTo>
+                  <a:pt x="188115" y="5562600"/>
+                </a:lnTo>
+                <a:lnTo>
+                  <a:pt x="178038" y="5622925"/>
+                </a:lnTo>
+                <a:lnTo>
+                  <a:pt x="167960" y="5675312"/>
+                </a:lnTo>
+                <a:lnTo>
+                  <a:pt x="152844" y="5721350"/>
+                </a:lnTo>
+                <a:lnTo>
+                  <a:pt x="134368" y="5762625"/>
+                </a:lnTo>
+                <a:lnTo>
+                  <a:pt x="115893" y="5802312"/>
+                </a:lnTo>
+                <a:lnTo>
+                  <a:pt x="95738" y="5840412"/>
+                </a:lnTo>
+                <a:lnTo>
+                  <a:pt x="75583" y="5876925"/>
+                </a:lnTo>
+                <a:lnTo>
+                  <a:pt x="55427" y="5915025"/>
+                </a:lnTo>
+                <a:lnTo>
+                  <a:pt x="38632" y="5956300"/>
+                </a:lnTo>
+                <a:lnTo>
+                  <a:pt x="23515" y="6003925"/>
+                </a:lnTo>
+                <a:lnTo>
+                  <a:pt x="11758" y="6056312"/>
+                </a:lnTo>
+                <a:lnTo>
+                  <a:pt x="3359" y="6113462"/>
+                </a:lnTo>
+                <a:lnTo>
+                  <a:pt x="0" y="6183312"/>
+                </a:lnTo>
+                <a:lnTo>
+                  <a:pt x="3359" y="6251575"/>
+                </a:lnTo>
+                <a:lnTo>
+                  <a:pt x="11758" y="6311900"/>
+                </a:lnTo>
+                <a:lnTo>
+                  <a:pt x="23515" y="6361112"/>
+                </a:lnTo>
+                <a:lnTo>
+                  <a:pt x="38632" y="6407150"/>
+                </a:lnTo>
+                <a:lnTo>
+                  <a:pt x="55427" y="6448425"/>
+                </a:lnTo>
+                <a:lnTo>
+                  <a:pt x="73903" y="6488112"/>
+                </a:lnTo>
+                <a:lnTo>
+                  <a:pt x="92379" y="6523037"/>
+                </a:lnTo>
+                <a:lnTo>
+                  <a:pt x="112534" y="6561137"/>
+                </a:lnTo>
+                <a:lnTo>
+                  <a:pt x="132689" y="6597650"/>
+                </a:lnTo>
+                <a:lnTo>
+                  <a:pt x="149485" y="6640512"/>
+                </a:lnTo>
+                <a:lnTo>
+                  <a:pt x="166281" y="6683375"/>
+                </a:lnTo>
+                <a:lnTo>
+                  <a:pt x="176358" y="6735762"/>
+                </a:lnTo>
+                <a:lnTo>
+                  <a:pt x="184756" y="6791325"/>
+                </a:lnTo>
+                <a:lnTo>
+                  <a:pt x="189795" y="6858000"/>
+                </a:lnTo>
+                <a:lnTo>
+                  <a:pt x="334173" y="6858000"/>
+                </a:lnTo>
+                <a:lnTo>
+                  <a:pt x="334174" y="6858000"/>
+                </a:lnTo>
+                <a:lnTo>
+                  <a:pt x="3459219" y="6858000"/>
+                </a:lnTo>
+                <a:lnTo>
+                  <a:pt x="4417162" y="6858000"/>
+                </a:lnTo>
+                <a:lnTo>
+                  <a:pt x="4838076" y="6858000"/>
+                </a:lnTo>
+                <a:close/>
+              </a:path>
+            </a:pathLst>
+          </a:custGeom>
+          <a:solidFill>
+            <a:schemeClr val="accent1">
+              <a:lumMod val="50000"/>
+              <a:alpha val="25000"/>
+            </a:schemeClr>
+          </a:solidFill>
+          <a:ln>
+            <a:noFill/>
+          </a:ln>
+        </p:spPr>
+        <p:style>
+          <a:lnRef idx="2">
+            <a:schemeClr val="accent1">
+              <a:shade val="50000"/>
+            </a:schemeClr>
+          </a:lnRef>
+          <a:fillRef idx="1">
+            <a:schemeClr val="accent1"/>
+          </a:fillRef>
+          <a:effectRef idx="0">
+            <a:schemeClr val="accent1"/>
+          </a:effectRef>
+          <a:fontRef idx="minor">
+            <a:schemeClr val="lt1"/>
+          </a:fontRef>
+        </p:style>
+        <p:txBody>
+          <a:bodyPr wrap="square" rtlCol="0" anchor="ctr">
+            <a:noAutofit/>
+          </a:bodyPr>
+          <a:lstStyle/>
+          <a:p>
+            <a:pPr algn="ctr"/>
+            <a:endParaRPr lang="en-US" dirty="0"/>
+          </a:p>
+        </p:txBody>
+      </p:sp>
+      <p:sp>
+        <p:nvSpPr>
+          <p:cNvPr id="2" name="Title 1">
+            <a:extLst>
+              <a:ext uri="{FF2B5EF4-FFF2-40B4-BE49-F238E27FC236}">
+                <a16:creationId xmlns:a16="http://schemas.microsoft.com/office/drawing/2014/main" id="{3E212635-CADE-43BF-A371-49E22896C9EE}"/>
+              </a:ext>
+            </a:extLst>
+          </p:cNvPr>
+          <p:cNvSpPr>
+            <a:spLocks noGrp="1"/>
+          </p:cNvSpPr>
+          <p:nvPr>
+            <p:ph type="title"/>
+          </p:nvPr>
+        </p:nvSpPr>
+        <p:spPr>
+          <a:xfrm>
+            <a:off x="765051" y="662400"/>
+            <a:ext cx="3384000" cy="1492132"/>
+          </a:xfrm>
+        </p:spPr>
+        <p:txBody>
+          <a:bodyPr vert="horz" lIns="91440" tIns="45720" rIns="91440" bIns="45720" rtlCol="0" anchor="t">
+            <a:normAutofit/>
+          </a:bodyPr>
+          <a:lstStyle/>
+          <a:p>
+            <a:r>
+              <a:rPr lang="en-US" kern="1200">
+                <a:solidFill>
+                  <a:schemeClr val="bg1"/>
+                </a:solidFill>
+                <a:latin typeface="+mj-lt"/>
+                <a:ea typeface="+mj-ea"/>
+                <a:cs typeface="+mj-cs"/>
+              </a:rPr>
+              <a:t>Start_GUI Final</a:t>
+            </a:r>
+          </a:p>
+        </p:txBody>
+      </p:sp>
+      <p:sp>
+        <p:nvSpPr>
+          <p:cNvPr id="5" name="TextBox 4">
+            <a:extLst>
+              <a:ext uri="{FF2B5EF4-FFF2-40B4-BE49-F238E27FC236}">
+                <a16:creationId xmlns:a16="http://schemas.microsoft.com/office/drawing/2014/main" id="{F66156E5-FCA1-407A-AF31-9A6D63AAC414}"/>
+              </a:ext>
+            </a:extLst>
+          </p:cNvPr>
+          <p:cNvSpPr txBox="1"/>
+          <p:nvPr/>
+        </p:nvSpPr>
+        <p:spPr>
+          <a:xfrm>
+            <a:off x="765051" y="2286000"/>
+            <a:ext cx="3384000" cy="3844800"/>
+          </a:xfrm>
+          <a:prstGeom prst="rect">
+            <a:avLst/>
+          </a:prstGeom>
+        </p:spPr>
+        <p:txBody>
+          <a:bodyPr rot="0" spcFirstLastPara="0" vertOverflow="overflow" horzOverflow="overflow" vert="horz" lIns="91440" tIns="45720" rIns="91440" bIns="45720" numCol="1" spcCol="0" rtlCol="0" fromWordArt="0" anchorCtr="0" forceAA="0" compatLnSpc="1">
+            <a:prstTxWarp prst="textNoShape">
+              <a:avLst/>
+            </a:prstTxWarp>
+            <a:normAutofit/>
+          </a:bodyPr>
+          <a:lstStyle/>
+          <a:p>
+            <a:pPr indent="-228600">
+              <a:lnSpc>
+                <a:spcPct val="90000"/>
+              </a:lnSpc>
+              <a:spcAft>
+                <a:spcPts val="600"/>
+              </a:spcAft>
+              <a:buFont typeface="Arial" panose="020B0604020202020204" pitchFamily="34" charset="0"/>
+              <a:buChar char="•"/>
+            </a:pPr>
+            <a:r>
+              <a:rPr lang="en-US" sz="2000">
+                <a:solidFill>
+                  <a:schemeClr val="bg1">
+                    <a:alpha val="60000"/>
+                  </a:schemeClr>
+                </a:solidFill>
+              </a:rPr>
+              <a:t>I have decided to remove the roman and Greek options from my quiz and just make it a quiz about the Norse Gods.</a:t>
+            </a:r>
+          </a:p>
+          <a:p>
+            <a:pPr indent="-228600">
+              <a:lnSpc>
+                <a:spcPct val="90000"/>
+              </a:lnSpc>
+              <a:spcAft>
+                <a:spcPts val="600"/>
+              </a:spcAft>
+              <a:buFont typeface="Arial" panose="020B0604020202020204" pitchFamily="34" charset="0"/>
+              <a:buChar char="•"/>
+            </a:pPr>
+            <a:r>
+              <a:rPr lang="en-US" sz="2000">
+                <a:solidFill>
+                  <a:schemeClr val="bg1">
+                    <a:alpha val="60000"/>
+                  </a:schemeClr>
+                </a:solidFill>
+              </a:rPr>
+              <a:t>I made it like this as it would be easier for me to program and make it easier on me.</a:t>
+            </a:r>
           </a:p>
         </p:txBody>
       </p:sp>
@@ -4633,7 +7668,7 @@
           <p:cNvPr id="4" name="Picture 4">
             <a:extLst>
               <a:ext uri="{FF2B5EF4-FFF2-40B4-BE49-F238E27FC236}">
-                <a16:creationId xmlns:a16="http://schemas.microsoft.com/office/drawing/2014/main" id="{7B754C1B-604C-427F-A868-FECC41A85331}"/>
+                <a16:creationId xmlns:a16="http://schemas.microsoft.com/office/drawing/2014/main" id="{A702C9A9-F585-45C7-AC23-C1B81B3EF6BA}"/>
               </a:ext>
             </a:extLst>
           </p:cNvPr>
@@ -4652,15 +7687,18 @@
         </p:blipFill>
         <p:spPr>
           <a:xfrm>
-            <a:off x="839972" y="1687080"/>
-            <a:ext cx="2961327" cy="4351338"/>
+            <a:off x="5963711" y="643469"/>
+            <a:ext cx="4908868" cy="5571062"/>
           </a:xfrm>
+          <a:prstGeom prst="rect">
+            <a:avLst/>
+          </a:prstGeom>
         </p:spPr>
       </p:pic>
     </p:spTree>
     <p:extLst>
       <p:ext uri="{BB962C8B-B14F-4D97-AF65-F5344CB8AC3E}">
-        <p14:creationId xmlns:p14="http://schemas.microsoft.com/office/powerpoint/2010/main" val="3634938810"/>
+        <p14:creationId xmlns:p14="http://schemas.microsoft.com/office/powerpoint/2010/main" val="1522414602"/>
       </p:ext>
     </p:extLst>
   </p:cSld>

--- a/Programming Assesment.pptx
+++ b/Programming Assesment.pptx
@@ -6,14 +6,15 @@
   </p:sldMasterIdLst>
   <p:sldIdLst>
     <p:sldId id="256" r:id="rId2"/>
-    <p:sldId id="262" r:id="rId3"/>
-    <p:sldId id="257" r:id="rId4"/>
-    <p:sldId id="258" r:id="rId5"/>
-    <p:sldId id="259" r:id="rId6"/>
-    <p:sldId id="260" r:id="rId7"/>
-    <p:sldId id="261" r:id="rId8"/>
+    <p:sldId id="257" r:id="rId3"/>
+    <p:sldId id="258" r:id="rId4"/>
+    <p:sldId id="259" r:id="rId5"/>
+    <p:sldId id="260" r:id="rId6"/>
+    <p:sldId id="261" r:id="rId7"/>
+    <p:sldId id="262" r:id="rId8"/>
     <p:sldId id="263" r:id="rId9"/>
     <p:sldId id="264" r:id="rId10"/>
+    <p:sldId id="265" r:id="rId11"/>
   </p:sldIdLst>
   <p:sldSz cx="12192000" cy="6858000"/>
   <p:notesSz cx="6858000" cy="9144000"/>
@@ -132,7 +133,7 @@
     <p1510:client id="{B97A3ED7-EE4A-5CC1-A41D-E85CFB4F2B38}" v="388" dt="2021-06-01T02:31:37.218"/>
     <p1510:client id="{C9F5174C-5619-5E50-BF05-0D84B8F86598}" v="516" dt="2021-06-10T00:06:46.122"/>
     <p1510:client id="{D3BA5852-7B66-A859-35DA-1A7F22D39787}" v="441" dt="2021-06-09T01:12:33.081"/>
-    <p1510:client id="{EE33AF41-30E7-9FB3-CC2C-421B72023142}" v="326" dt="2021-06-16T00:49:48.168"/>
+    <p1510:client id="{EE33AF41-30E7-9FB3-CC2C-421B72023142}" v="357" dt="2021-06-16T01:15:10.236"/>
   </p1510:revLst>
 </p1510:revInfo>
 </file>
@@ -589,8 +590,8 @@
   </pc:docChgLst>
   <pc:docChgLst>
     <pc:chgData name="Jonny Morris" userId="S::morrisj70800@masseyhigh.school.nz::4fab9e21-29a7-4d03-b4c0-6c8a112c783d" providerId="AD" clId="Web-{EE33AF41-30E7-9FB3-CC2C-421B72023142}"/>
-    <pc:docChg chg="addSld modSld">
-      <pc:chgData name="Jonny Morris" userId="S::morrisj70800@masseyhigh.school.nz::4fab9e21-29a7-4d03-b4c0-6c8a112c783d" providerId="AD" clId="Web-{EE33AF41-30E7-9FB3-CC2C-421B72023142}" dt="2021-06-16T00:53:42.955" v="174"/>
+    <pc:docChg chg="addSld modSld sldOrd">
+      <pc:chgData name="Jonny Morris" userId="S::morrisj70800@masseyhigh.school.nz::4fab9e21-29a7-4d03-b4c0-6c8a112c783d" providerId="AD" clId="Web-{EE33AF41-30E7-9FB3-CC2C-421B72023142}" dt="2021-06-16T01:15:50.862" v="196"/>
       <pc:docMkLst>
         <pc:docMk/>
       </pc:docMkLst>
@@ -609,14 +610,171 @@
           </ac:spMkLst>
         </pc:spChg>
       </pc:sldChg>
+      <pc:sldChg chg="addSp delSp modSp">
+        <pc:chgData name="Jonny Morris" userId="S::morrisj70800@masseyhigh.school.nz::4fab9e21-29a7-4d03-b4c0-6c8a112c783d" providerId="AD" clId="Web-{EE33AF41-30E7-9FB3-CC2C-421B72023142}" dt="2021-06-16T01:15:36.049" v="192"/>
+        <pc:sldMkLst>
+          <pc:docMk/>
+          <pc:sldMk cId="4213354389" sldId="260"/>
+        </pc:sldMkLst>
+        <pc:spChg chg="mod">
+          <ac:chgData name="Jonny Morris" userId="S::morrisj70800@masseyhigh.school.nz::4fab9e21-29a7-4d03-b4c0-6c8a112c783d" providerId="AD" clId="Web-{EE33AF41-30E7-9FB3-CC2C-421B72023142}" dt="2021-06-16T01:15:36.049" v="192"/>
+          <ac:spMkLst>
+            <pc:docMk/>
+            <pc:sldMk cId="4213354389" sldId="260"/>
+            <ac:spMk id="2" creationId="{54EC48D4-B0FC-4660-8894-4F1B722EAFD3}"/>
+          </ac:spMkLst>
+        </pc:spChg>
+        <pc:spChg chg="mod">
+          <ac:chgData name="Jonny Morris" userId="S::morrisj70800@masseyhigh.school.nz::4fab9e21-29a7-4d03-b4c0-6c8a112c783d" providerId="AD" clId="Web-{EE33AF41-30E7-9FB3-CC2C-421B72023142}" dt="2021-06-16T01:15:36.049" v="192"/>
+          <ac:spMkLst>
+            <pc:docMk/>
+            <pc:sldMk cId="4213354389" sldId="260"/>
+            <ac:spMk id="5" creationId="{A626E451-29FF-476C-B176-15A181E7FCFB}"/>
+          </ac:spMkLst>
+        </pc:spChg>
+        <pc:spChg chg="del">
+          <ac:chgData name="Jonny Morris" userId="S::morrisj70800@masseyhigh.school.nz::4fab9e21-29a7-4d03-b4c0-6c8a112c783d" providerId="AD" clId="Web-{EE33AF41-30E7-9FB3-CC2C-421B72023142}" dt="2021-06-16T01:15:36.049" v="192"/>
+          <ac:spMkLst>
+            <pc:docMk/>
+            <pc:sldMk cId="4213354389" sldId="260"/>
+            <ac:spMk id="10" creationId="{73DE2CFE-42F2-48F0-8706-5264E012B10C}"/>
+          </ac:spMkLst>
+        </pc:spChg>
+        <pc:spChg chg="add">
+          <ac:chgData name="Jonny Morris" userId="S::morrisj70800@masseyhigh.school.nz::4fab9e21-29a7-4d03-b4c0-6c8a112c783d" providerId="AD" clId="Web-{EE33AF41-30E7-9FB3-CC2C-421B72023142}" dt="2021-06-16T01:15:36.049" v="192"/>
+          <ac:spMkLst>
+            <pc:docMk/>
+            <pc:sldMk cId="4213354389" sldId="260"/>
+            <ac:spMk id="15" creationId="{2B97F24A-32CE-4C1C-A50D-3016B394DCFB}"/>
+          </ac:spMkLst>
+        </pc:spChg>
+        <pc:spChg chg="add">
+          <ac:chgData name="Jonny Morris" userId="S::morrisj70800@masseyhigh.school.nz::4fab9e21-29a7-4d03-b4c0-6c8a112c783d" providerId="AD" clId="Web-{EE33AF41-30E7-9FB3-CC2C-421B72023142}" dt="2021-06-16T01:15:36.049" v="192"/>
+          <ac:spMkLst>
+            <pc:docMk/>
+            <pc:sldMk cId="4213354389" sldId="260"/>
+            <ac:spMk id="17" creationId="{CD8B4F24-440B-49E9-B85D-733523DC064B}"/>
+          </ac:spMkLst>
+        </pc:spChg>
+        <pc:picChg chg="mod">
+          <ac:chgData name="Jonny Morris" userId="S::morrisj70800@masseyhigh.school.nz::4fab9e21-29a7-4d03-b4c0-6c8a112c783d" providerId="AD" clId="Web-{EE33AF41-30E7-9FB3-CC2C-421B72023142}" dt="2021-06-16T01:15:36.049" v="192"/>
+          <ac:picMkLst>
+            <pc:docMk/>
+            <pc:sldMk cId="4213354389" sldId="260"/>
+            <ac:picMk id="4" creationId="{DB2173E9-EC0E-4405-B0D1-1F2CC6B9FFC6}"/>
+          </ac:picMkLst>
+        </pc:picChg>
+      </pc:sldChg>
+      <pc:sldChg chg="addSp delSp modSp">
+        <pc:chgData name="Jonny Morris" userId="S::morrisj70800@masseyhigh.school.nz::4fab9e21-29a7-4d03-b4c0-6c8a112c783d" providerId="AD" clId="Web-{EE33AF41-30E7-9FB3-CC2C-421B72023142}" dt="2021-06-16T01:15:26.408" v="191"/>
+        <pc:sldMkLst>
+          <pc:docMk/>
+          <pc:sldMk cId="1564752394" sldId="261"/>
+        </pc:sldMkLst>
+        <pc:spChg chg="mod">
+          <ac:chgData name="Jonny Morris" userId="S::morrisj70800@masseyhigh.school.nz::4fab9e21-29a7-4d03-b4c0-6c8a112c783d" providerId="AD" clId="Web-{EE33AF41-30E7-9FB3-CC2C-421B72023142}" dt="2021-06-16T01:15:26.408" v="191"/>
+          <ac:spMkLst>
+            <pc:docMk/>
+            <pc:sldMk cId="1564752394" sldId="261"/>
+            <ac:spMk id="2" creationId="{A81619B3-50A6-4AE2-A2F1-2C344111BFA3}"/>
+          </ac:spMkLst>
+        </pc:spChg>
+        <pc:spChg chg="mod">
+          <ac:chgData name="Jonny Morris" userId="S::morrisj70800@masseyhigh.school.nz::4fab9e21-29a7-4d03-b4c0-6c8a112c783d" providerId="AD" clId="Web-{EE33AF41-30E7-9FB3-CC2C-421B72023142}" dt="2021-06-16T01:15:26.408" v="191"/>
+          <ac:spMkLst>
+            <pc:docMk/>
+            <pc:sldMk cId="1564752394" sldId="261"/>
+            <ac:spMk id="5" creationId="{F77A086F-6797-4CAF-8296-05DDDA8099AD}"/>
+          </ac:spMkLst>
+        </pc:spChg>
+        <pc:spChg chg="del">
+          <ac:chgData name="Jonny Morris" userId="S::morrisj70800@masseyhigh.school.nz::4fab9e21-29a7-4d03-b4c0-6c8a112c783d" providerId="AD" clId="Web-{EE33AF41-30E7-9FB3-CC2C-421B72023142}" dt="2021-06-16T01:15:26.408" v="191"/>
+          <ac:spMkLst>
+            <pc:docMk/>
+            <pc:sldMk cId="1564752394" sldId="261"/>
+            <ac:spMk id="11" creationId="{1A95671B-3CC6-4792-9114-B74FAEA224E6}"/>
+          </ac:spMkLst>
+        </pc:spChg>
+        <pc:spChg chg="add">
+          <ac:chgData name="Jonny Morris" userId="S::morrisj70800@masseyhigh.school.nz::4fab9e21-29a7-4d03-b4c0-6c8a112c783d" providerId="AD" clId="Web-{EE33AF41-30E7-9FB3-CC2C-421B72023142}" dt="2021-06-16T01:15:26.408" v="191"/>
+          <ac:spMkLst>
+            <pc:docMk/>
+            <pc:sldMk cId="1564752394" sldId="261"/>
+            <ac:spMk id="13" creationId="{F13C74B1-5B17-4795-BED0-7140497B445A}"/>
+          </ac:spMkLst>
+        </pc:spChg>
+        <pc:spChg chg="add">
+          <ac:chgData name="Jonny Morris" userId="S::morrisj70800@masseyhigh.school.nz::4fab9e21-29a7-4d03-b4c0-6c8a112c783d" providerId="AD" clId="Web-{EE33AF41-30E7-9FB3-CC2C-421B72023142}" dt="2021-06-16T01:15:26.408" v="191"/>
+          <ac:spMkLst>
+            <pc:docMk/>
+            <pc:sldMk cId="1564752394" sldId="261"/>
+            <ac:spMk id="18" creationId="{D4974D33-8DC5-464E-8C6D-BE58F0669C17}"/>
+          </ac:spMkLst>
+        </pc:spChg>
+        <pc:picChg chg="mod">
+          <ac:chgData name="Jonny Morris" userId="S::morrisj70800@masseyhigh.school.nz::4fab9e21-29a7-4d03-b4c0-6c8a112c783d" providerId="AD" clId="Web-{EE33AF41-30E7-9FB3-CC2C-421B72023142}" dt="2021-06-16T01:15:26.408" v="191"/>
+          <ac:picMkLst>
+            <pc:docMk/>
+            <pc:sldMk cId="1564752394" sldId="261"/>
+            <ac:picMk id="4" creationId="{95A9B02B-2840-47F5-851E-CE4DC41FA2E8}"/>
+          </ac:picMkLst>
+        </pc:picChg>
+      </pc:sldChg>
+      <pc:sldChg chg="addSp modSp mod ord setBg">
+        <pc:chgData name="Jonny Morris" userId="S::morrisj70800@masseyhigh.school.nz::4fab9e21-29a7-4d03-b4c0-6c8a112c783d" providerId="AD" clId="Web-{EE33AF41-30E7-9FB3-CC2C-421B72023142}" dt="2021-06-16T01:15:10.236" v="190" actId="20577"/>
+        <pc:sldMkLst>
+          <pc:docMk/>
+          <pc:sldMk cId="2917113191" sldId="262"/>
+        </pc:sldMkLst>
+        <pc:spChg chg="mod">
+          <ac:chgData name="Jonny Morris" userId="S::morrisj70800@masseyhigh.school.nz::4fab9e21-29a7-4d03-b4c0-6c8a112c783d" providerId="AD" clId="Web-{EE33AF41-30E7-9FB3-CC2C-421B72023142}" dt="2021-06-16T01:13:05.826" v="188" actId="20577"/>
+          <ac:spMkLst>
+            <pc:docMk/>
+            <pc:sldMk cId="2917113191" sldId="262"/>
+            <ac:spMk id="2" creationId="{5AE28010-B0EF-44DA-8BCD-4527C8D1D059}"/>
+          </ac:spMkLst>
+        </pc:spChg>
+        <pc:spChg chg="mod">
+          <ac:chgData name="Jonny Morris" userId="S::morrisj70800@masseyhigh.school.nz::4fab9e21-29a7-4d03-b4c0-6c8a112c783d" providerId="AD" clId="Web-{EE33AF41-30E7-9FB3-CC2C-421B72023142}" dt="2021-06-16T01:15:10.236" v="190" actId="20577"/>
+          <ac:spMkLst>
+            <pc:docMk/>
+            <pc:sldMk cId="2917113191" sldId="262"/>
+            <ac:spMk id="5" creationId="{9E912266-C109-4D55-9601-8A9EE4EE52B5}"/>
+          </ac:spMkLst>
+        </pc:spChg>
+        <pc:spChg chg="add">
+          <ac:chgData name="Jonny Morris" userId="S::morrisj70800@masseyhigh.school.nz::4fab9e21-29a7-4d03-b4c0-6c8a112c783d" providerId="AD" clId="Web-{EE33AF41-30E7-9FB3-CC2C-421B72023142}" dt="2021-06-16T01:12:43.060" v="186"/>
+          <ac:spMkLst>
+            <pc:docMk/>
+            <pc:sldMk cId="2917113191" sldId="262"/>
+            <ac:spMk id="10" creationId="{2B97F24A-32CE-4C1C-A50D-3016B394DCFB}"/>
+          </ac:spMkLst>
+        </pc:spChg>
+        <pc:spChg chg="add">
+          <ac:chgData name="Jonny Morris" userId="S::morrisj70800@masseyhigh.school.nz::4fab9e21-29a7-4d03-b4c0-6c8a112c783d" providerId="AD" clId="Web-{EE33AF41-30E7-9FB3-CC2C-421B72023142}" dt="2021-06-16T01:12:43.060" v="186"/>
+          <ac:spMkLst>
+            <pc:docMk/>
+            <pc:sldMk cId="2917113191" sldId="262"/>
+            <ac:spMk id="12" creationId="{CD8B4F24-440B-49E9-B85D-733523DC064B}"/>
+          </ac:spMkLst>
+        </pc:spChg>
+        <pc:picChg chg="mod ord">
+          <ac:chgData name="Jonny Morris" userId="S::morrisj70800@masseyhigh.school.nz::4fab9e21-29a7-4d03-b4c0-6c8a112c783d" providerId="AD" clId="Web-{EE33AF41-30E7-9FB3-CC2C-421B72023142}" dt="2021-06-16T01:12:43.060" v="186"/>
+          <ac:picMkLst>
+            <pc:docMk/>
+            <pc:sldMk cId="2917113191" sldId="262"/>
+            <ac:picMk id="4" creationId="{A23B8DD8-2A29-4176-AF99-EF02CE8EBC35}"/>
+          </ac:picMkLst>
+        </pc:picChg>
+      </pc:sldChg>
       <pc:sldChg chg="addSp delSp modSp mod setBg">
-        <pc:chgData name="Jonny Morris" userId="S::morrisj70800@masseyhigh.school.nz::4fab9e21-29a7-4d03-b4c0-6c8a112c783d" providerId="AD" clId="Web-{EE33AF41-30E7-9FB3-CC2C-421B72023142}" dt="2021-06-16T00:36:08.757" v="102" actId="20577"/>
+        <pc:chgData name="Jonny Morris" userId="S::morrisj70800@masseyhigh.school.nz::4fab9e21-29a7-4d03-b4c0-6c8a112c783d" providerId="AD" clId="Web-{EE33AF41-30E7-9FB3-CC2C-421B72023142}" dt="2021-06-16T01:15:43.768" v="195"/>
         <pc:sldMkLst>
           <pc:docMk/>
           <pc:sldMk cId="3634938810" sldId="263"/>
         </pc:sldMkLst>
         <pc:spChg chg="mod">
-          <ac:chgData name="Jonny Morris" userId="S::morrisj70800@masseyhigh.school.nz::4fab9e21-29a7-4d03-b4c0-6c8a112c783d" providerId="AD" clId="Web-{EE33AF41-30E7-9FB3-CC2C-421B72023142}" dt="2021-06-16T00:35:37.772" v="84" actId="20577"/>
+          <ac:chgData name="Jonny Morris" userId="S::morrisj70800@masseyhigh.school.nz::4fab9e21-29a7-4d03-b4c0-6c8a112c783d" providerId="AD" clId="Web-{EE33AF41-30E7-9FB3-CC2C-421B72023142}" dt="2021-06-16T01:15:43.768" v="195"/>
           <ac:spMkLst>
             <pc:docMk/>
             <pc:sldMk cId="3634938810" sldId="263"/>
@@ -632,11 +790,43 @@
           </ac:spMkLst>
         </pc:spChg>
         <pc:spChg chg="add mod">
-          <ac:chgData name="Jonny Morris" userId="S::morrisj70800@masseyhigh.school.nz::4fab9e21-29a7-4d03-b4c0-6c8a112c783d" providerId="AD" clId="Web-{EE33AF41-30E7-9FB3-CC2C-421B72023142}" dt="2021-06-16T00:36:08.757" v="102" actId="20577"/>
+          <ac:chgData name="Jonny Morris" userId="S::morrisj70800@masseyhigh.school.nz::4fab9e21-29a7-4d03-b4c0-6c8a112c783d" providerId="AD" clId="Web-{EE33AF41-30E7-9FB3-CC2C-421B72023142}" dt="2021-06-16T01:15:43.768" v="195"/>
           <ac:spMkLst>
             <pc:docMk/>
             <pc:sldMk cId="3634938810" sldId="263"/>
             <ac:spMk id="7" creationId="{575A2884-D3F4-4F04-843C-A1781ED6E8D0}"/>
+          </ac:spMkLst>
+        </pc:spChg>
+        <pc:spChg chg="add">
+          <ac:chgData name="Jonny Morris" userId="S::morrisj70800@masseyhigh.school.nz::4fab9e21-29a7-4d03-b4c0-6c8a112c783d" providerId="AD" clId="Web-{EE33AF41-30E7-9FB3-CC2C-421B72023142}" dt="2021-06-16T01:15:43.768" v="195"/>
+          <ac:spMkLst>
+            <pc:docMk/>
+            <pc:sldMk cId="3634938810" sldId="263"/>
+            <ac:spMk id="14" creationId="{2B97F24A-32CE-4C1C-A50D-3016B394DCFB}"/>
+          </ac:spMkLst>
+        </pc:spChg>
+        <pc:spChg chg="add">
+          <ac:chgData name="Jonny Morris" userId="S::morrisj70800@masseyhigh.school.nz::4fab9e21-29a7-4d03-b4c0-6c8a112c783d" providerId="AD" clId="Web-{EE33AF41-30E7-9FB3-CC2C-421B72023142}" dt="2021-06-16T01:15:43.768" v="195"/>
+          <ac:spMkLst>
+            <pc:docMk/>
+            <pc:sldMk cId="3634938810" sldId="263"/>
+            <ac:spMk id="15" creationId="{CD8B4F24-440B-49E9-B85D-733523DC064B}"/>
+          </ac:spMkLst>
+        </pc:spChg>
+        <pc:spChg chg="add del">
+          <ac:chgData name="Jonny Morris" userId="S::morrisj70800@masseyhigh.school.nz::4fab9e21-29a7-4d03-b4c0-6c8a112c783d" providerId="AD" clId="Web-{EE33AF41-30E7-9FB3-CC2C-421B72023142}" dt="2021-06-16T01:15:43.752" v="194"/>
+          <ac:spMkLst>
+            <pc:docMk/>
+            <pc:sldMk cId="3634938810" sldId="263"/>
+            <ac:spMk id="17" creationId="{F13C74B1-5B17-4795-BED0-7140497B445A}"/>
+          </ac:spMkLst>
+        </pc:spChg>
+        <pc:spChg chg="add del">
+          <ac:chgData name="Jonny Morris" userId="S::morrisj70800@masseyhigh.school.nz::4fab9e21-29a7-4d03-b4c0-6c8a112c783d" providerId="AD" clId="Web-{EE33AF41-30E7-9FB3-CC2C-421B72023142}" dt="2021-06-16T01:15:43.752" v="194"/>
+          <ac:spMkLst>
+            <pc:docMk/>
+            <pc:sldMk cId="3634938810" sldId="263"/>
+            <ac:spMk id="19" creationId="{D4974D33-8DC5-464E-8C6D-BE58F0669C17}"/>
           </ac:spMkLst>
         </pc:spChg>
         <pc:picChg chg="del">
@@ -648,15 +838,15 @@
           </ac:picMkLst>
         </pc:picChg>
         <pc:picChg chg="add mod ord">
-          <ac:chgData name="Jonny Morris" userId="S::morrisj70800@masseyhigh.school.nz::4fab9e21-29a7-4d03-b4c0-6c8a112c783d" providerId="AD" clId="Web-{EE33AF41-30E7-9FB3-CC2C-421B72023142}" dt="2021-06-16T00:35:32.491" v="83"/>
+          <ac:chgData name="Jonny Morris" userId="S::morrisj70800@masseyhigh.school.nz::4fab9e21-29a7-4d03-b4c0-6c8a112c783d" providerId="AD" clId="Web-{EE33AF41-30E7-9FB3-CC2C-421B72023142}" dt="2021-06-16T01:15:43.768" v="195"/>
           <ac:picMkLst>
             <pc:docMk/>
             <pc:sldMk cId="3634938810" sldId="263"/>
             <ac:picMk id="6" creationId="{7D7F0479-26D5-4D36-A1D1-4F626F1FAC68}"/>
           </ac:picMkLst>
         </pc:picChg>
-        <pc:cxnChg chg="add">
-          <ac:chgData name="Jonny Morris" userId="S::morrisj70800@masseyhigh.school.nz::4fab9e21-29a7-4d03-b4c0-6c8a112c783d" providerId="AD" clId="Web-{EE33AF41-30E7-9FB3-CC2C-421B72023142}" dt="2021-06-16T00:35:32.491" v="83"/>
+        <pc:cxnChg chg="add del">
+          <ac:chgData name="Jonny Morris" userId="S::morrisj70800@masseyhigh.school.nz::4fab9e21-29a7-4d03-b4c0-6c8a112c783d" providerId="AD" clId="Web-{EE33AF41-30E7-9FB3-CC2C-421B72023142}" dt="2021-06-16T01:15:43.768" v="195"/>
           <ac:cxnSpMkLst>
             <pc:docMk/>
             <pc:sldMk cId="3634938810" sldId="263"/>
@@ -665,13 +855,13 @@
         </pc:cxnChg>
       </pc:sldChg>
       <pc:sldChg chg="addSp delSp modSp new mod setBg">
-        <pc:chgData name="Jonny Morris" userId="S::morrisj70800@masseyhigh.school.nz::4fab9e21-29a7-4d03-b4c0-6c8a112c783d" providerId="AD" clId="Web-{EE33AF41-30E7-9FB3-CC2C-421B72023142}" dt="2021-06-16T00:53:42.955" v="174"/>
+        <pc:chgData name="Jonny Morris" userId="S::morrisj70800@masseyhigh.school.nz::4fab9e21-29a7-4d03-b4c0-6c8a112c783d" providerId="AD" clId="Web-{EE33AF41-30E7-9FB3-CC2C-421B72023142}" dt="2021-06-16T01:15:50.862" v="196"/>
         <pc:sldMkLst>
           <pc:docMk/>
           <pc:sldMk cId="1522414602" sldId="264"/>
         </pc:sldMkLst>
         <pc:spChg chg="mod">
-          <ac:chgData name="Jonny Morris" userId="S::morrisj70800@masseyhigh.school.nz::4fab9e21-29a7-4d03-b4c0-6c8a112c783d" providerId="AD" clId="Web-{EE33AF41-30E7-9FB3-CC2C-421B72023142}" dt="2021-06-16T00:53:42.955" v="174"/>
+          <ac:chgData name="Jonny Morris" userId="S::morrisj70800@masseyhigh.school.nz::4fab9e21-29a7-4d03-b4c0-6c8a112c783d" providerId="AD" clId="Web-{EE33AF41-30E7-9FB3-CC2C-421B72023142}" dt="2021-06-16T01:15:50.862" v="196"/>
           <ac:spMkLst>
             <pc:docMk/>
             <pc:sldMk cId="1522414602" sldId="264"/>
@@ -687,45 +877,76 @@
           </ac:spMkLst>
         </pc:spChg>
         <pc:spChg chg="add mod">
-          <ac:chgData name="Jonny Morris" userId="S::morrisj70800@masseyhigh.school.nz::4fab9e21-29a7-4d03-b4c0-6c8a112c783d" providerId="AD" clId="Web-{EE33AF41-30E7-9FB3-CC2C-421B72023142}" dt="2021-06-16T00:53:42.955" v="174"/>
+          <ac:chgData name="Jonny Morris" userId="S::morrisj70800@masseyhigh.school.nz::4fab9e21-29a7-4d03-b4c0-6c8a112c783d" providerId="AD" clId="Web-{EE33AF41-30E7-9FB3-CC2C-421B72023142}" dt="2021-06-16T01:15:50.862" v="196"/>
           <ac:spMkLst>
             <pc:docMk/>
             <pc:sldMk cId="1522414602" sldId="264"/>
             <ac:spMk id="5" creationId="{F66156E5-FCA1-407A-AF31-9A6D63AAC414}"/>
           </ac:spMkLst>
         </pc:spChg>
-        <pc:spChg chg="add">
-          <ac:chgData name="Jonny Morris" userId="S::morrisj70800@masseyhigh.school.nz::4fab9e21-29a7-4d03-b4c0-6c8a112c783d" providerId="AD" clId="Web-{EE33AF41-30E7-9FB3-CC2C-421B72023142}" dt="2021-06-16T00:53:42.955" v="174"/>
+        <pc:spChg chg="add del">
+          <ac:chgData name="Jonny Morris" userId="S::morrisj70800@masseyhigh.school.nz::4fab9e21-29a7-4d03-b4c0-6c8a112c783d" providerId="AD" clId="Web-{EE33AF41-30E7-9FB3-CC2C-421B72023142}" dt="2021-06-16T01:15:50.862" v="196"/>
           <ac:spMkLst>
             <pc:docMk/>
             <pc:sldMk cId="1522414602" sldId="264"/>
             <ac:spMk id="10" creationId="{C232B152-3720-4D3B-97ED-45CE5483F16F}"/>
           </ac:spMkLst>
         </pc:spChg>
-        <pc:spChg chg="add">
-          <ac:chgData name="Jonny Morris" userId="S::morrisj70800@masseyhigh.school.nz::4fab9e21-29a7-4d03-b4c0-6c8a112c783d" providerId="AD" clId="Web-{EE33AF41-30E7-9FB3-CC2C-421B72023142}" dt="2021-06-16T00:53:42.955" v="174"/>
+        <pc:spChg chg="add del">
+          <ac:chgData name="Jonny Morris" userId="S::morrisj70800@masseyhigh.school.nz::4fab9e21-29a7-4d03-b4c0-6c8a112c783d" providerId="AD" clId="Web-{EE33AF41-30E7-9FB3-CC2C-421B72023142}" dt="2021-06-16T01:15:50.862" v="196"/>
           <ac:spMkLst>
             <pc:docMk/>
             <pc:sldMk cId="1522414602" sldId="264"/>
             <ac:spMk id="12" creationId="{11BAB570-FF10-4E96-8A3F-FA9804702B89}"/>
           </ac:spMkLst>
         </pc:spChg>
-        <pc:spChg chg="add">
-          <ac:chgData name="Jonny Morris" userId="S::morrisj70800@masseyhigh.school.nz::4fab9e21-29a7-4d03-b4c0-6c8a112c783d" providerId="AD" clId="Web-{EE33AF41-30E7-9FB3-CC2C-421B72023142}" dt="2021-06-16T00:53:42.955" v="174"/>
+        <pc:spChg chg="add del">
+          <ac:chgData name="Jonny Morris" userId="S::morrisj70800@masseyhigh.school.nz::4fab9e21-29a7-4d03-b4c0-6c8a112c783d" providerId="AD" clId="Web-{EE33AF41-30E7-9FB3-CC2C-421B72023142}" dt="2021-06-16T01:15:50.862" v="196"/>
           <ac:spMkLst>
             <pc:docMk/>
             <pc:sldMk cId="1522414602" sldId="264"/>
             <ac:spMk id="14" creationId="{4B9FAFB2-BEB5-4848-8018-BCAD99E2E1AA}"/>
           </ac:spMkLst>
         </pc:spChg>
+        <pc:spChg chg="add">
+          <ac:chgData name="Jonny Morris" userId="S::morrisj70800@masseyhigh.school.nz::4fab9e21-29a7-4d03-b4c0-6c8a112c783d" providerId="AD" clId="Web-{EE33AF41-30E7-9FB3-CC2C-421B72023142}" dt="2021-06-16T01:15:50.862" v="196"/>
+          <ac:spMkLst>
+            <pc:docMk/>
+            <pc:sldMk cId="1522414602" sldId="264"/>
+            <ac:spMk id="19" creationId="{2B97F24A-32CE-4C1C-A50D-3016B394DCFB}"/>
+          </ac:spMkLst>
+        </pc:spChg>
+        <pc:spChg chg="add">
+          <ac:chgData name="Jonny Morris" userId="S::morrisj70800@masseyhigh.school.nz::4fab9e21-29a7-4d03-b4c0-6c8a112c783d" providerId="AD" clId="Web-{EE33AF41-30E7-9FB3-CC2C-421B72023142}" dt="2021-06-16T01:15:50.862" v="196"/>
+          <ac:spMkLst>
+            <pc:docMk/>
+            <pc:sldMk cId="1522414602" sldId="264"/>
+            <ac:spMk id="21" creationId="{CD8B4F24-440B-49E9-B85D-733523DC064B}"/>
+          </ac:spMkLst>
+        </pc:spChg>
         <pc:picChg chg="add mod ord">
-          <ac:chgData name="Jonny Morris" userId="S::morrisj70800@masseyhigh.school.nz::4fab9e21-29a7-4d03-b4c0-6c8a112c783d" providerId="AD" clId="Web-{EE33AF41-30E7-9FB3-CC2C-421B72023142}" dt="2021-06-16T00:53:42.955" v="174"/>
+          <ac:chgData name="Jonny Morris" userId="S::morrisj70800@masseyhigh.school.nz::4fab9e21-29a7-4d03-b4c0-6c8a112c783d" providerId="AD" clId="Web-{EE33AF41-30E7-9FB3-CC2C-421B72023142}" dt="2021-06-16T01:15:50.862" v="196"/>
           <ac:picMkLst>
             <pc:docMk/>
             <pc:sldMk cId="1522414602" sldId="264"/>
             <ac:picMk id="4" creationId="{A702C9A9-F585-45C7-AC23-C1B81B3EF6BA}"/>
           </ac:picMkLst>
         </pc:picChg>
+      </pc:sldChg>
+      <pc:sldChg chg="modSp new">
+        <pc:chgData name="Jonny Morris" userId="S::morrisj70800@masseyhigh.school.nz::4fab9e21-29a7-4d03-b4c0-6c8a112c783d" providerId="AD" clId="Web-{EE33AF41-30E7-9FB3-CC2C-421B72023142}" dt="2021-06-16T01:03:57.876" v="178" actId="20577"/>
+        <pc:sldMkLst>
+          <pc:docMk/>
+          <pc:sldMk cId="2312846984" sldId="265"/>
+        </pc:sldMkLst>
+        <pc:spChg chg="mod">
+          <ac:chgData name="Jonny Morris" userId="S::morrisj70800@masseyhigh.school.nz::4fab9e21-29a7-4d03-b4c0-6c8a112c783d" providerId="AD" clId="Web-{EE33AF41-30E7-9FB3-CC2C-421B72023142}" dt="2021-06-16T01:03:57.876" v="178" actId="20577"/>
+          <ac:spMkLst>
+            <pc:docMk/>
+            <pc:sldMk cId="2312846984" sldId="265"/>
+            <ac:spMk id="2" creationId="{A8EFE925-DDD6-457F-95FD-557FF9D76A31}"/>
+          </ac:spMkLst>
+        </pc:spChg>
       </pc:sldChg>
     </pc:docChg>
   </pc:docChgLst>
@@ -3761,6 +3982,92 @@
 </p:sld>
 </file>
 
+<file path=ppt/slides/slide10.xml><?xml version="1.0" encoding="utf-8"?>
+<p:sld xmlns:a="http://schemas.openxmlformats.org/drawingml/2006/main" xmlns:r="http://schemas.openxmlformats.org/officeDocument/2006/relationships" xmlns:p="http://schemas.openxmlformats.org/presentationml/2006/main">
+  <p:cSld>
+    <p:spTree>
+      <p:nvGrpSpPr>
+        <p:cNvPr id="1" name=""/>
+        <p:cNvGrpSpPr/>
+        <p:nvPr/>
+      </p:nvGrpSpPr>
+      <p:grpSpPr>
+        <a:xfrm>
+          <a:off x="0" y="0"/>
+          <a:ext cx="0" cy="0"/>
+          <a:chOff x="0" y="0"/>
+          <a:chExt cx="0" cy="0"/>
+        </a:xfrm>
+      </p:grpSpPr>
+      <p:sp>
+        <p:nvSpPr>
+          <p:cNvPr id="2" name="Title 1">
+            <a:extLst>
+              <a:ext uri="{FF2B5EF4-FFF2-40B4-BE49-F238E27FC236}">
+                <a16:creationId xmlns:a16="http://schemas.microsoft.com/office/drawing/2014/main" id="{A8EFE925-DDD6-457F-95FD-557FF9D76A31}"/>
+              </a:ext>
+            </a:extLst>
+          </p:cNvPr>
+          <p:cNvSpPr>
+            <a:spLocks noGrp="1"/>
+          </p:cNvSpPr>
+          <p:nvPr>
+            <p:ph type="title"/>
+          </p:nvPr>
+        </p:nvSpPr>
+        <p:spPr/>
+        <p:txBody>
+          <a:bodyPr/>
+          <a:lstStyle/>
+          <a:p>
+            <a:r>
+              <a:rPr lang="en-US" dirty="0">
+                <a:cs typeface="Calibri Light"/>
+              </a:rPr>
+              <a:t>Questions + Answers Generator</a:t>
+            </a:r>
+            <a:endParaRPr lang="en-US" dirty="0"/>
+          </a:p>
+        </p:txBody>
+      </p:sp>
+      <p:sp>
+        <p:nvSpPr>
+          <p:cNvPr id="3" name="Content Placeholder 2">
+            <a:extLst>
+              <a:ext uri="{FF2B5EF4-FFF2-40B4-BE49-F238E27FC236}">
+                <a16:creationId xmlns:a16="http://schemas.microsoft.com/office/drawing/2014/main" id="{34773BA4-0F8D-400E-B0F4-F00A6E96838C}"/>
+              </a:ext>
+            </a:extLst>
+          </p:cNvPr>
+          <p:cNvSpPr>
+            <a:spLocks noGrp="1"/>
+          </p:cNvSpPr>
+          <p:nvPr>
+            <p:ph idx="1"/>
+          </p:nvPr>
+        </p:nvSpPr>
+        <p:spPr/>
+        <p:txBody>
+          <a:bodyPr/>
+          <a:lstStyle/>
+          <a:p>
+            <a:endParaRPr lang="en-US"/>
+          </a:p>
+        </p:txBody>
+      </p:sp>
+    </p:spTree>
+    <p:extLst>
+      <p:ext uri="{BB962C8B-B14F-4D97-AF65-F5344CB8AC3E}">
+        <p14:creationId xmlns:p14="http://schemas.microsoft.com/office/powerpoint/2010/main" val="2312846984"/>
+      </p:ext>
+    </p:extLst>
+  </p:cSld>
+  <p:clrMapOvr>
+    <a:masterClrMapping/>
+  </p:clrMapOvr>
+</p:sld>
+</file>
+
 <file path=ppt/slides/slide2.xml><?xml version="1.0" encoding="utf-8"?>
 <p:sld xmlns:a="http://schemas.openxmlformats.org/drawingml/2006/main" xmlns:r="http://schemas.openxmlformats.org/officeDocument/2006/relationships" xmlns:p="http://schemas.openxmlformats.org/presentationml/2006/main">
   <p:cSld>
@@ -3783,7 +4090,7 @@
           <p:cNvPr id="2" name="Title 1">
             <a:extLst>
               <a:ext uri="{FF2B5EF4-FFF2-40B4-BE49-F238E27FC236}">
-                <a16:creationId xmlns:a16="http://schemas.microsoft.com/office/drawing/2014/main" id="{5AE28010-B0EF-44DA-8BCD-4527C8D1D059}"/>
+                <a16:creationId xmlns:a16="http://schemas.microsoft.com/office/drawing/2014/main" id="{4AA7760E-DDE6-43AD-B768-5AF8FC14ECF5}"/>
               </a:ext>
             </a:extLst>
           </p:cNvPr>
@@ -3803,7 +4110,7 @@
               <a:rPr lang="en-US">
                 <a:cs typeface="Calibri Light"/>
               </a:rPr>
-              <a:t>Quiz_GUI v3</a:t>
+              <a:t>QUIZ GUI</a:t>
             </a:r>
             <a:endParaRPr lang="en-US"/>
           </a:p>
@@ -3811,10 +4118,10 @@
       </p:sp>
       <p:pic>
         <p:nvPicPr>
-          <p:cNvPr id="4" name="Picture 4">
+          <p:cNvPr id="4" name="Picture 4" descr="A picture containing graphical user interface&#10;&#10;Description automatically generated">
             <a:extLst>
               <a:ext uri="{FF2B5EF4-FFF2-40B4-BE49-F238E27FC236}">
-                <a16:creationId xmlns:a16="http://schemas.microsoft.com/office/drawing/2014/main" id="{A23B8DD8-2A29-4176-AF99-EF02CE8EBC35}"/>
+                <a16:creationId xmlns:a16="http://schemas.microsoft.com/office/drawing/2014/main" id="{D274BBA2-E442-450E-8D18-87D3DBB0D22E}"/>
               </a:ext>
             </a:extLst>
           </p:cNvPr>
@@ -3833,17 +4140,17 @@
         </p:blipFill>
         <p:spPr>
           <a:xfrm>
-            <a:off x="256478" y="1577762"/>
-            <a:ext cx="3352800" cy="2895600"/>
+            <a:off x="3841606" y="1825625"/>
+            <a:ext cx="4508788" cy="4351338"/>
           </a:xfrm>
         </p:spPr>
       </p:pic>
       <p:sp>
         <p:nvSpPr>
-          <p:cNvPr id="5" name="TextBox 4">
+          <p:cNvPr id="3" name="TextBox 2">
             <a:extLst>
               <a:ext uri="{FF2B5EF4-FFF2-40B4-BE49-F238E27FC236}">
-                <a16:creationId xmlns:a16="http://schemas.microsoft.com/office/drawing/2014/main" id="{9E912266-C109-4D55-9601-8A9EE4EE52B5}"/>
+                <a16:creationId xmlns:a16="http://schemas.microsoft.com/office/drawing/2014/main" id="{3AA76EDA-873B-4C95-9ED7-4CD3ABC97401}"/>
               </a:ext>
             </a:extLst>
           </p:cNvPr>
@@ -3852,8 +4159,8 @@
         </p:nvSpPr>
         <p:spPr>
           <a:xfrm>
-            <a:off x="4361985" y="1574180"/>
-            <a:ext cx="4490224" cy="2031325"/>
+            <a:off x="308264" y="1823605"/>
+            <a:ext cx="2743199" cy="369332"/>
           </a:xfrm>
           <a:prstGeom prst="rect">
             <a:avLst/>
@@ -3869,11 +4176,10 @@
           </a:bodyPr>
           <a:lstStyle/>
           <a:p>
-            <a:r>
-              <a:rPr lang="en-US">
-                <a:cs typeface="Calibri"/>
-              </a:rPr>
-              <a:t>This is my third version of my start gui. I will make it so that when you press one of the buttons it will take you to a quiz where it will display a question and give you 4 different answers. 1 of them will be correct and the other 3 will be randomly generated from a list of answers that I have designed </a:t>
+            <a:pPr algn="l"/>
+            <a:r>
+              <a:rPr lang="en-US"/>
+              <a:t>Click to add text</a:t>
             </a:r>
           </a:p>
         </p:txBody>
@@ -3881,7 +4187,7 @@
     </p:spTree>
     <p:extLst>
       <p:ext uri="{BB962C8B-B14F-4D97-AF65-F5344CB8AC3E}">
-        <p14:creationId xmlns:p14="http://schemas.microsoft.com/office/powerpoint/2010/main" val="2917113191"/>
+        <p14:creationId xmlns:p14="http://schemas.microsoft.com/office/powerpoint/2010/main" val="358461426"/>
       </p:ext>
     </p:extLst>
   </p:cSld>
@@ -3913,7 +4219,7 @@
           <p:cNvPr id="2" name="Title 1">
             <a:extLst>
               <a:ext uri="{FF2B5EF4-FFF2-40B4-BE49-F238E27FC236}">
-                <a16:creationId xmlns:a16="http://schemas.microsoft.com/office/drawing/2014/main" id="{4AA7760E-DDE6-43AD-B768-5AF8FC14ECF5}"/>
+                <a16:creationId xmlns:a16="http://schemas.microsoft.com/office/drawing/2014/main" id="{92EE7463-1C1B-4BDE-94BB-493F7281A42D}"/>
               </a:ext>
             </a:extLst>
           </p:cNvPr>
@@ -3933,7 +4239,7 @@
               <a:rPr lang="en-US">
                 <a:cs typeface="Calibri Light"/>
               </a:rPr>
-              <a:t>QUIZ GUI</a:t>
+              <a:t>Program Structure</a:t>
             </a:r>
             <a:endParaRPr lang="en-US"/>
           </a:p>
@@ -3941,10 +4247,10 @@
       </p:sp>
       <p:pic>
         <p:nvPicPr>
-          <p:cNvPr id="4" name="Picture 4" descr="A picture containing graphical user interface&#10;&#10;Description automatically generated">
+          <p:cNvPr id="4" name="Picture 4" descr="Diagram&#10;&#10;Description automatically generated">
             <a:extLst>
               <a:ext uri="{FF2B5EF4-FFF2-40B4-BE49-F238E27FC236}">
-                <a16:creationId xmlns:a16="http://schemas.microsoft.com/office/drawing/2014/main" id="{D274BBA2-E442-450E-8D18-87D3DBB0D22E}"/>
+                <a16:creationId xmlns:a16="http://schemas.microsoft.com/office/drawing/2014/main" id="{770B29DB-722F-42EE-BD98-08A6A58798B3}"/>
               </a:ext>
             </a:extLst>
           </p:cNvPr>
@@ -3963,8 +4269,8 @@
         </p:blipFill>
         <p:spPr>
           <a:xfrm>
-            <a:off x="3841606" y="1825625"/>
-            <a:ext cx="4508788" cy="4351338"/>
+            <a:off x="4245664" y="1825625"/>
+            <a:ext cx="3700671" cy="4351338"/>
           </a:xfrm>
         </p:spPr>
       </p:pic>
@@ -3973,7 +4279,7 @@
           <p:cNvPr id="3" name="TextBox 2">
             <a:extLst>
               <a:ext uri="{FF2B5EF4-FFF2-40B4-BE49-F238E27FC236}">
-                <a16:creationId xmlns:a16="http://schemas.microsoft.com/office/drawing/2014/main" id="{3AA76EDA-873B-4C95-9ED7-4CD3ABC97401}"/>
+                <a16:creationId xmlns:a16="http://schemas.microsoft.com/office/drawing/2014/main" id="{5D4E9E55-94C1-4FD3-A80E-D9AB284B8D0E}"/>
               </a:ext>
             </a:extLst>
           </p:cNvPr>
@@ -3982,8 +4288,8 @@
         </p:nvSpPr>
         <p:spPr>
           <a:xfrm>
-            <a:off x="308264" y="1823605"/>
-            <a:ext cx="2743199" cy="369332"/>
+            <a:off x="602673" y="1823605"/>
+            <a:ext cx="2743199" cy="3139321"/>
           </a:xfrm>
           <a:prstGeom prst="rect">
             <a:avLst/>
@@ -3999,10 +4305,11 @@
           </a:bodyPr>
           <a:lstStyle/>
           <a:p>
-            <a:pPr algn="l"/>
-            <a:r>
-              <a:rPr lang="en-US"/>
-              <a:t>Click to add text</a:t>
+            <a:r>
+              <a:rPr lang="en-US">
+                <a:cs typeface="Calibri"/>
+              </a:rPr>
+              <a:t>This is a plan of what my coding will need to have in each of my different components so I know what to write when I am doing the coding and making sure I have everything so that the components will work as they should be and I don’t miss out anything.</a:t>
             </a:r>
           </a:p>
         </p:txBody>
@@ -4010,7 +4317,7 @@
     </p:spTree>
     <p:extLst>
       <p:ext uri="{BB962C8B-B14F-4D97-AF65-F5344CB8AC3E}">
-        <p14:creationId xmlns:p14="http://schemas.microsoft.com/office/powerpoint/2010/main" val="358461426"/>
+        <p14:creationId xmlns:p14="http://schemas.microsoft.com/office/powerpoint/2010/main" val="2720713569"/>
       </p:ext>
     </p:extLst>
   </p:cSld>
@@ -4042,7 +4349,7 @@
           <p:cNvPr id="2" name="Title 1">
             <a:extLst>
               <a:ext uri="{FF2B5EF4-FFF2-40B4-BE49-F238E27FC236}">
-                <a16:creationId xmlns:a16="http://schemas.microsoft.com/office/drawing/2014/main" id="{92EE7463-1C1B-4BDE-94BB-493F7281A42D}"/>
+                <a16:creationId xmlns:a16="http://schemas.microsoft.com/office/drawing/2014/main" id="{588E3780-8974-43B7-B56C-88962D87DE18}"/>
               </a:ext>
             </a:extLst>
           </p:cNvPr>
@@ -4062,7 +4369,7 @@
               <a:rPr lang="en-US">
                 <a:cs typeface="Calibri Light"/>
               </a:rPr>
-              <a:t>Program Structure</a:t>
+              <a:t>Questions Making</a:t>
             </a:r>
             <a:endParaRPr lang="en-US"/>
           </a:p>
@@ -4070,10 +4377,10 @@
       </p:sp>
       <p:pic>
         <p:nvPicPr>
-          <p:cNvPr id="4" name="Picture 4" descr="Diagram&#10;&#10;Description automatically generated">
+          <p:cNvPr id="4" name="Picture 4">
             <a:extLst>
               <a:ext uri="{FF2B5EF4-FFF2-40B4-BE49-F238E27FC236}">
-                <a16:creationId xmlns:a16="http://schemas.microsoft.com/office/drawing/2014/main" id="{770B29DB-722F-42EE-BD98-08A6A58798B3}"/>
+                <a16:creationId xmlns:a16="http://schemas.microsoft.com/office/drawing/2014/main" id="{832CB706-A894-4C79-A765-CAC0EEA0D08A}"/>
               </a:ext>
             </a:extLst>
           </p:cNvPr>
@@ -4092,17 +4399,17 @@
         </p:blipFill>
         <p:spPr>
           <a:xfrm>
-            <a:off x="4245664" y="1825625"/>
-            <a:ext cx="3700671" cy="4351338"/>
+            <a:off x="706582" y="1476736"/>
+            <a:ext cx="8267700" cy="1914525"/>
           </a:xfrm>
         </p:spPr>
       </p:pic>
       <p:sp>
         <p:nvSpPr>
-          <p:cNvPr id="3" name="TextBox 2">
+          <p:cNvPr id="5" name="TextBox 4">
             <a:extLst>
               <a:ext uri="{FF2B5EF4-FFF2-40B4-BE49-F238E27FC236}">
-                <a16:creationId xmlns:a16="http://schemas.microsoft.com/office/drawing/2014/main" id="{5D4E9E55-94C1-4FD3-A80E-D9AB284B8D0E}"/>
+                <a16:creationId xmlns:a16="http://schemas.microsoft.com/office/drawing/2014/main" id="{13770BC4-8233-4892-B0E6-F07AC0ADDCFD}"/>
               </a:ext>
             </a:extLst>
           </p:cNvPr>
@@ -4111,8 +4418,8 @@
         </p:nvSpPr>
         <p:spPr>
           <a:xfrm>
-            <a:off x="602673" y="1823605"/>
-            <a:ext cx="2743199" cy="3139321"/>
+            <a:off x="709962" y="3618572"/>
+            <a:ext cx="8309516" cy="1200329"/>
           </a:xfrm>
           <a:prstGeom prst="rect">
             <a:avLst/>
@@ -4129,10 +4436,16 @@
           <a:lstStyle/>
           <a:p>
             <a:r>
+              <a:rPr lang="en-US"/>
+              <a:t>This was just a test of my questioning</a:t>
+            </a:r>
+          </a:p>
+          <a:p>
+            <a:r>
               <a:rPr lang="en-US">
                 <a:cs typeface="Calibri"/>
               </a:rPr>
-              <a:t>This is a plan of what my coding will need to have in each of my different components so I know what to write when I am doing the coding and making sure I have everything so that the components will work as they should be and I don’t miss out anything.</a:t>
+              <a:t>But it is now not a good way to do my questions as it would be much easier if I just made a list of random answers that would go with the real answer instead of making having to make many different answers for each of my questions.</a:t>
             </a:r>
           </a:p>
         </p:txBody>
@@ -4140,7 +4453,7 @@
     </p:spTree>
     <p:extLst>
       <p:ext uri="{BB962C8B-B14F-4D97-AF65-F5344CB8AC3E}">
-        <p14:creationId xmlns:p14="http://schemas.microsoft.com/office/powerpoint/2010/main" val="2720713569"/>
+        <p14:creationId xmlns:p14="http://schemas.microsoft.com/office/powerpoint/2010/main" val="1121134679"/>
       </p:ext>
     </p:extLst>
   </p:cSld>
@@ -4153,6 +4466,14 @@
 <file path=ppt/slides/slide5.xml><?xml version="1.0" encoding="utf-8"?>
 <p:sld xmlns:a="http://schemas.openxmlformats.org/drawingml/2006/main" xmlns:r="http://schemas.openxmlformats.org/officeDocument/2006/relationships" xmlns:p="http://schemas.openxmlformats.org/presentationml/2006/main">
   <p:cSld>
+    <p:bg>
+      <p:bgPr>
+        <a:solidFill>
+          <a:schemeClr val="bg1"/>
+        </a:solidFill>
+        <a:effectLst/>
+      </p:bgPr>
+    </p:bg>
     <p:spTree>
       <p:nvGrpSpPr>
         <p:cNvPr id="1" name=""/>
@@ -4167,12 +4488,72 @@
           <a:chExt cx="0" cy="0"/>
         </a:xfrm>
       </p:grpSpPr>
+      <p:sp useBgFill="1">
+        <p:nvSpPr>
+          <p:cNvPr id="15" name="Rectangle 14">
+            <a:extLst>
+              <a:ext uri="{FF2B5EF4-FFF2-40B4-BE49-F238E27FC236}">
+                <a16:creationId xmlns:a16="http://schemas.microsoft.com/office/drawing/2014/main" id="{2B97F24A-32CE-4C1C-A50D-3016B394DCFB}"/>
+              </a:ext>
+              <a:ext uri="{C183D7F6-B498-43B3-948B-1728B52AA6E4}">
+                <adec:decorative xmlns:adec="http://schemas.microsoft.com/office/drawing/2017/decorative" val="1"/>
+              </a:ext>
+            </a:extLst>
+          </p:cNvPr>
+          <p:cNvSpPr>
+            <a:spLocks noGrp="1" noRot="1" noChangeAspect="1" noMove="1" noResize="1" noEditPoints="1" noAdjustHandles="1" noChangeArrowheads="1" noChangeShapeType="1" noTextEdit="1"/>
+          </p:cNvSpPr>
+          <p:nvPr>
+            <p:extLst>
+              <p:ext uri="{386F3935-93C4-4BCD-93E2-E3B085C9AB24}">
+                <p16:designElem xmlns:p16="http://schemas.microsoft.com/office/powerpoint/2015/main" val="1"/>
+              </p:ext>
+            </p:extLst>
+          </p:nvPr>
+        </p:nvSpPr>
+        <p:spPr>
+          <a:xfrm>
+            <a:off x="0" y="0"/>
+            <a:ext cx="12192000" cy="6858000"/>
+          </a:xfrm>
+          <a:prstGeom prst="rect">
+            <a:avLst/>
+          </a:prstGeom>
+          <a:ln>
+            <a:noFill/>
+          </a:ln>
+        </p:spPr>
+        <p:style>
+          <a:lnRef idx="2">
+            <a:schemeClr val="accent1">
+              <a:shade val="50000"/>
+            </a:schemeClr>
+          </a:lnRef>
+          <a:fillRef idx="1">
+            <a:schemeClr val="accent1"/>
+          </a:fillRef>
+          <a:effectRef idx="0">
+            <a:schemeClr val="accent1"/>
+          </a:effectRef>
+          <a:fontRef idx="minor">
+            <a:schemeClr val="lt1"/>
+          </a:fontRef>
+        </p:style>
+        <p:txBody>
+          <a:bodyPr rtlCol="0" anchor="ctr"/>
+          <a:lstStyle/>
+          <a:p>
+            <a:pPr algn="ctr"/>
+            <a:endParaRPr lang="en-US"/>
+          </a:p>
+        </p:txBody>
+      </p:sp>
       <p:sp>
         <p:nvSpPr>
           <p:cNvPr id="2" name="Title 1">
             <a:extLst>
               <a:ext uri="{FF2B5EF4-FFF2-40B4-BE49-F238E27FC236}">
-                <a16:creationId xmlns:a16="http://schemas.microsoft.com/office/drawing/2014/main" id="{588E3780-8974-43B7-B56C-88962D87DE18}"/>
+                <a16:creationId xmlns:a16="http://schemas.microsoft.com/office/drawing/2014/main" id="{54EC48D4-B0FC-4660-8894-4F1B722EAFD3}"/>
               </a:ext>
             </a:extLst>
           </p:cNvPr>
@@ -4183,18 +4564,349 @@
             <p:ph type="title"/>
           </p:nvPr>
         </p:nvSpPr>
-        <p:spPr/>
-        <p:txBody>
-          <a:bodyPr/>
-          <a:lstStyle/>
-          <a:p>
-            <a:r>
-              <a:rPr lang="en-US">
-                <a:cs typeface="Calibri Light"/>
+        <p:spPr>
+          <a:xfrm>
+            <a:off x="630936" y="639520"/>
+            <a:ext cx="3429000" cy="1719072"/>
+          </a:xfrm>
+        </p:spPr>
+        <p:txBody>
+          <a:bodyPr vert="horz" lIns="91440" tIns="45720" rIns="91440" bIns="45720" rtlCol="0" anchor="b">
+            <a:normAutofit/>
+          </a:bodyPr>
+          <a:lstStyle/>
+          <a:p>
+            <a:r>
+              <a:rPr lang="en-US" sz="5400" kern="1200">
+                <a:solidFill>
+                  <a:schemeClr val="tx1"/>
+                </a:solidFill>
+                <a:latin typeface="+mj-lt"/>
+                <a:ea typeface="+mj-ea"/>
+                <a:cs typeface="+mj-cs"/>
               </a:rPr>
-              <a:t>Questions Making</a:t>
-            </a:r>
+              <a:t>Quiz Start GUI</a:t>
+            </a:r>
+          </a:p>
+        </p:txBody>
+      </p:sp>
+      <p:sp>
+        <p:nvSpPr>
+          <p:cNvPr id="17" name="sketch line">
+            <a:extLst>
+              <a:ext uri="{FF2B5EF4-FFF2-40B4-BE49-F238E27FC236}">
+                <a16:creationId xmlns:a16="http://schemas.microsoft.com/office/drawing/2014/main" id="{CD8B4F24-440B-49E9-B85D-733523DC064B}"/>
+              </a:ext>
+              <a:ext uri="{C183D7F6-B498-43B3-948B-1728B52AA6E4}">
+                <adec:decorative xmlns:adec="http://schemas.microsoft.com/office/drawing/2017/decorative" val="1"/>
+              </a:ext>
+            </a:extLst>
+          </p:cNvPr>
+          <p:cNvSpPr>
+            <a:spLocks noGrp="1" noRot="1" noChangeAspect="1" noMove="1" noResize="1" noEditPoints="1" noAdjustHandles="1" noChangeArrowheads="1" noChangeShapeType="1" noTextEdit="1"/>
+          </p:cNvSpPr>
+          <p:nvPr>
+            <p:extLst>
+              <p:ext uri="{386F3935-93C4-4BCD-93E2-E3B085C9AB24}">
+                <p16:designElem xmlns:p16="http://schemas.microsoft.com/office/powerpoint/2015/main" val="1"/>
+              </p:ext>
+            </p:extLst>
+          </p:nvPr>
+        </p:nvSpPr>
+        <p:spPr>
+          <a:xfrm>
+            <a:off x="643278" y="2573756"/>
+            <a:ext cx="3255095" cy="18288"/>
+          </a:xfrm>
+          <a:custGeom>
+            <a:avLst/>
+            <a:gdLst>
+              <a:gd name="connsiteX0" fmla="*/ 0 w 3255095"/>
+              <a:gd name="connsiteY0" fmla="*/ 0 h 18288"/>
+              <a:gd name="connsiteX1" fmla="*/ 618468 w 3255095"/>
+              <a:gd name="connsiteY1" fmla="*/ 0 h 18288"/>
+              <a:gd name="connsiteX2" fmla="*/ 1269487 w 3255095"/>
+              <a:gd name="connsiteY2" fmla="*/ 0 h 18288"/>
+              <a:gd name="connsiteX3" fmla="*/ 1953057 w 3255095"/>
+              <a:gd name="connsiteY3" fmla="*/ 0 h 18288"/>
+              <a:gd name="connsiteX4" fmla="*/ 2636627 w 3255095"/>
+              <a:gd name="connsiteY4" fmla="*/ 0 h 18288"/>
+              <a:gd name="connsiteX5" fmla="*/ 3255095 w 3255095"/>
+              <a:gd name="connsiteY5" fmla="*/ 0 h 18288"/>
+              <a:gd name="connsiteX6" fmla="*/ 3255095 w 3255095"/>
+              <a:gd name="connsiteY6" fmla="*/ 18288 h 18288"/>
+              <a:gd name="connsiteX7" fmla="*/ 2538974 w 3255095"/>
+              <a:gd name="connsiteY7" fmla="*/ 18288 h 18288"/>
+              <a:gd name="connsiteX8" fmla="*/ 1822853 w 3255095"/>
+              <a:gd name="connsiteY8" fmla="*/ 18288 h 18288"/>
+              <a:gd name="connsiteX9" fmla="*/ 1171834 w 3255095"/>
+              <a:gd name="connsiteY9" fmla="*/ 18288 h 18288"/>
+              <a:gd name="connsiteX10" fmla="*/ 0 w 3255095"/>
+              <a:gd name="connsiteY10" fmla="*/ 18288 h 18288"/>
+              <a:gd name="connsiteX11" fmla="*/ 0 w 3255095"/>
+              <a:gd name="connsiteY11" fmla="*/ 0 h 18288"/>
+            </a:gdLst>
+            <a:ahLst/>
+            <a:cxnLst>
+              <a:cxn ang="0">
+                <a:pos x="connsiteX0" y="connsiteY0"/>
+              </a:cxn>
+              <a:cxn ang="0">
+                <a:pos x="connsiteX1" y="connsiteY1"/>
+              </a:cxn>
+              <a:cxn ang="0">
+                <a:pos x="connsiteX2" y="connsiteY2"/>
+              </a:cxn>
+              <a:cxn ang="0">
+                <a:pos x="connsiteX3" y="connsiteY3"/>
+              </a:cxn>
+              <a:cxn ang="0">
+                <a:pos x="connsiteX4" y="connsiteY4"/>
+              </a:cxn>
+              <a:cxn ang="0">
+                <a:pos x="connsiteX5" y="connsiteY5"/>
+              </a:cxn>
+              <a:cxn ang="0">
+                <a:pos x="connsiteX6" y="connsiteY6"/>
+              </a:cxn>
+              <a:cxn ang="0">
+                <a:pos x="connsiteX7" y="connsiteY7"/>
+              </a:cxn>
+              <a:cxn ang="0">
+                <a:pos x="connsiteX8" y="connsiteY8"/>
+              </a:cxn>
+              <a:cxn ang="0">
+                <a:pos x="connsiteX9" y="connsiteY9"/>
+              </a:cxn>
+              <a:cxn ang="0">
+                <a:pos x="connsiteX10" y="connsiteY10"/>
+              </a:cxn>
+              <a:cxn ang="0">
+                <a:pos x="connsiteX11" y="connsiteY11"/>
+              </a:cxn>
+            </a:cxnLst>
+            <a:rect l="l" t="t" r="r" b="b"/>
+            <a:pathLst>
+              <a:path w="3255095" h="18288" fill="none" extrusionOk="0">
+                <a:moveTo>
+                  <a:pt x="0" y="0"/>
+                </a:moveTo>
+                <a:cubicBezTo>
+                  <a:pt x="240201" y="-22123"/>
+                  <a:pt x="462021" y="-19623"/>
+                  <a:pt x="618468" y="0"/>
+                </a:cubicBezTo>
+                <a:cubicBezTo>
+                  <a:pt x="774915" y="19623"/>
+                  <a:pt x="974734" y="2035"/>
+                  <a:pt x="1269487" y="0"/>
+                </a:cubicBezTo>
+                <a:cubicBezTo>
+                  <a:pt x="1564240" y="-2035"/>
+                  <a:pt x="1733579" y="10639"/>
+                  <a:pt x="1953057" y="0"/>
+                </a:cubicBezTo>
+                <a:cubicBezTo>
+                  <a:pt x="2172535" y="-10639"/>
+                  <a:pt x="2453962" y="14018"/>
+                  <a:pt x="2636627" y="0"/>
+                </a:cubicBezTo>
+                <a:cubicBezTo>
+                  <a:pt x="2819292" y="-14018"/>
+                  <a:pt x="3121375" y="5399"/>
+                  <a:pt x="3255095" y="0"/>
+                </a:cubicBezTo>
+                <a:cubicBezTo>
+                  <a:pt x="3254386" y="8157"/>
+                  <a:pt x="3254682" y="12125"/>
+                  <a:pt x="3255095" y="18288"/>
+                </a:cubicBezTo>
+                <a:cubicBezTo>
+                  <a:pt x="3088545" y="23203"/>
+                  <a:pt x="2687475" y="7419"/>
+                  <a:pt x="2538974" y="18288"/>
+                </a:cubicBezTo>
+                <a:cubicBezTo>
+                  <a:pt x="2390473" y="29157"/>
+                  <a:pt x="2137381" y="-8959"/>
+                  <a:pt x="1822853" y="18288"/>
+                </a:cubicBezTo>
+                <a:cubicBezTo>
+                  <a:pt x="1508325" y="45535"/>
+                  <a:pt x="1466437" y="20385"/>
+                  <a:pt x="1171834" y="18288"/>
+                </a:cubicBezTo>
+                <a:cubicBezTo>
+                  <a:pt x="877231" y="16191"/>
+                  <a:pt x="561097" y="37643"/>
+                  <a:pt x="0" y="18288"/>
+                </a:cubicBezTo>
+                <a:cubicBezTo>
+                  <a:pt x="-46" y="12483"/>
+                  <a:pt x="-203" y="6491"/>
+                  <a:pt x="0" y="0"/>
+                </a:cubicBezTo>
+                <a:close/>
+              </a:path>
+              <a:path w="3255095" h="18288" stroke="0" extrusionOk="0">
+                <a:moveTo>
+                  <a:pt x="0" y="0"/>
+                </a:moveTo>
+                <a:cubicBezTo>
+                  <a:pt x="291965" y="19429"/>
+                  <a:pt x="363155" y="8568"/>
+                  <a:pt x="618468" y="0"/>
+                </a:cubicBezTo>
+                <a:cubicBezTo>
+                  <a:pt x="873781" y="-8568"/>
+                  <a:pt x="904459" y="-19505"/>
+                  <a:pt x="1171834" y="0"/>
+                </a:cubicBezTo>
+                <a:cubicBezTo>
+                  <a:pt x="1439209" y="19505"/>
+                  <a:pt x="1744369" y="9790"/>
+                  <a:pt x="1887955" y="0"/>
+                </a:cubicBezTo>
+                <a:cubicBezTo>
+                  <a:pt x="2031541" y="-9790"/>
+                  <a:pt x="2346378" y="21240"/>
+                  <a:pt x="2506423" y="0"/>
+                </a:cubicBezTo>
+                <a:cubicBezTo>
+                  <a:pt x="2666468" y="-21240"/>
+                  <a:pt x="2990257" y="30414"/>
+                  <a:pt x="3255095" y="0"/>
+                </a:cubicBezTo>
+                <a:cubicBezTo>
+                  <a:pt x="3254831" y="4493"/>
+                  <a:pt x="3255479" y="9472"/>
+                  <a:pt x="3255095" y="18288"/>
+                </a:cubicBezTo>
+                <a:cubicBezTo>
+                  <a:pt x="3120743" y="16690"/>
+                  <a:pt x="2759628" y="42462"/>
+                  <a:pt x="2604076" y="18288"/>
+                </a:cubicBezTo>
+                <a:cubicBezTo>
+                  <a:pt x="2448524" y="-5886"/>
+                  <a:pt x="2184336" y="19599"/>
+                  <a:pt x="1887955" y="18288"/>
+                </a:cubicBezTo>
+                <a:cubicBezTo>
+                  <a:pt x="1591574" y="16977"/>
+                  <a:pt x="1548845" y="6870"/>
+                  <a:pt x="1334589" y="18288"/>
+                </a:cubicBezTo>
+                <a:cubicBezTo>
+                  <a:pt x="1120333" y="29706"/>
+                  <a:pt x="996014" y="9662"/>
+                  <a:pt x="683570" y="18288"/>
+                </a:cubicBezTo>
+                <a:cubicBezTo>
+                  <a:pt x="371126" y="26914"/>
+                  <a:pt x="198687" y="16167"/>
+                  <a:pt x="0" y="18288"/>
+                </a:cubicBezTo>
+                <a:cubicBezTo>
+                  <a:pt x="843" y="9577"/>
+                  <a:pt x="371" y="6900"/>
+                  <a:pt x="0" y="0"/>
+                </a:cubicBezTo>
+                <a:close/>
+              </a:path>
+            </a:pathLst>
+          </a:custGeom>
+          <a:solidFill>
+            <a:schemeClr val="accent2"/>
+          </a:solidFill>
+          <a:ln w="38100" cap="rnd">
+            <a:solidFill>
+              <a:schemeClr val="accent2"/>
+            </a:solidFill>
+            <a:round/>
+            <a:extLst>
+              <a:ext uri="{C807C97D-BFC1-408E-A445-0C87EB9F89A2}">
+                <ask:lineSketchStyleProps xmlns:ask="http://schemas.microsoft.com/office/drawing/2018/sketchyshapes" sd="1219033472">
+                  <a:prstGeom prst="rect">
+                    <a:avLst/>
+                  </a:prstGeom>
+                  <ask:type>
+                    <ask:lineSketchFreehand/>
+                  </ask:type>
+                </ask:lineSketchStyleProps>
+              </a:ext>
+            </a:extLst>
+          </a:ln>
+        </p:spPr>
+        <p:style>
+          <a:lnRef idx="2">
+            <a:schemeClr val="accent1">
+              <a:shade val="50000"/>
+            </a:schemeClr>
+          </a:lnRef>
+          <a:fillRef idx="1">
+            <a:schemeClr val="accent1"/>
+          </a:fillRef>
+          <a:effectRef idx="0">
+            <a:schemeClr val="accent1"/>
+          </a:effectRef>
+          <a:fontRef idx="minor">
+            <a:schemeClr val="lt1"/>
+          </a:fontRef>
+        </p:style>
+        <p:txBody>
+          <a:bodyPr rtlCol="0" anchor="ctr"/>
+          <a:lstStyle/>
+          <a:p>
+            <a:pPr algn="ctr"/>
             <a:endParaRPr lang="en-US"/>
+          </a:p>
+        </p:txBody>
+      </p:sp>
+      <p:sp>
+        <p:nvSpPr>
+          <p:cNvPr id="5" name="TextBox 4">
+            <a:extLst>
+              <a:ext uri="{FF2B5EF4-FFF2-40B4-BE49-F238E27FC236}">
+                <a16:creationId xmlns:a16="http://schemas.microsoft.com/office/drawing/2014/main" id="{A626E451-29FF-476C-B176-15A181E7FCFB}"/>
+              </a:ext>
+            </a:extLst>
+          </p:cNvPr>
+          <p:cNvSpPr txBox="1"/>
+          <p:nvPr/>
+        </p:nvSpPr>
+        <p:spPr>
+          <a:xfrm>
+            <a:off x="630936" y="2807208"/>
+            <a:ext cx="3429000" cy="3410712"/>
+          </a:xfrm>
+          <a:prstGeom prst="rect">
+            <a:avLst/>
+          </a:prstGeom>
+        </p:spPr>
+        <p:txBody>
+          <a:bodyPr rot="0" spcFirstLastPara="0" vertOverflow="overflow" horzOverflow="overflow" vert="horz" lIns="91440" tIns="45720" rIns="91440" bIns="45720" numCol="1" spcCol="0" rtlCol="0" fromWordArt="0" anchor="t" anchorCtr="0" forceAA="0" compatLnSpc="1">
+            <a:prstTxWarp prst="textNoShape">
+              <a:avLst/>
+            </a:prstTxWarp>
+            <a:normAutofit/>
+          </a:bodyPr>
+          <a:lstStyle/>
+          <a:p>
+            <a:pPr indent="-228600">
+              <a:lnSpc>
+                <a:spcPct val="90000"/>
+              </a:lnSpc>
+              <a:spcAft>
+                <a:spcPts val="600"/>
+              </a:spcAft>
+              <a:buFont typeface="Arial" panose="020B0604020202020204" pitchFamily="34" charset="0"/>
+              <a:buChar char="•"/>
+            </a:pPr>
+            <a:r>
+              <a:rPr lang="en-US" sz="2200"/>
+              <a:t>This is just the start of my quiz gui. I recycled most of the cod from a previous project that I had completed .</a:t>
+            </a:r>
           </a:p>
         </p:txBody>
       </p:sp>
@@ -4203,7 +4915,7 @@
           <p:cNvPr id="4" name="Picture 4">
             <a:extLst>
               <a:ext uri="{FF2B5EF4-FFF2-40B4-BE49-F238E27FC236}">
-                <a16:creationId xmlns:a16="http://schemas.microsoft.com/office/drawing/2014/main" id="{832CB706-A894-4C79-A765-CAC0EEA0D08A}"/>
+                <a16:creationId xmlns:a16="http://schemas.microsoft.com/office/drawing/2014/main" id="{DB2173E9-EC0E-4405-B0D1-1F2CC6B9FFC6}"/>
               </a:ext>
             </a:extLst>
           </p:cNvPr>
@@ -4222,61 +4934,18 @@
         </p:blipFill>
         <p:spPr>
           <a:xfrm>
-            <a:off x="706582" y="1476736"/>
-            <a:ext cx="8267700" cy="1914525"/>
-          </a:xfrm>
-        </p:spPr>
-      </p:pic>
-      <p:sp>
-        <p:nvSpPr>
-          <p:cNvPr id="5" name="TextBox 4">
-            <a:extLst>
-              <a:ext uri="{FF2B5EF4-FFF2-40B4-BE49-F238E27FC236}">
-                <a16:creationId xmlns:a16="http://schemas.microsoft.com/office/drawing/2014/main" id="{13770BC4-8233-4892-B0E6-F07AC0ADDCFD}"/>
-              </a:ext>
-            </a:extLst>
-          </p:cNvPr>
-          <p:cNvSpPr txBox="1"/>
-          <p:nvPr/>
-        </p:nvSpPr>
-        <p:spPr>
-          <a:xfrm>
-            <a:off x="709962" y="3618572"/>
-            <a:ext cx="8309516" cy="1200329"/>
+            <a:off x="4654296" y="1049309"/>
+            <a:ext cx="6903720" cy="4759382"/>
           </a:xfrm>
           <a:prstGeom prst="rect">
             <a:avLst/>
           </a:prstGeom>
-          <a:noFill/>
         </p:spPr>
-        <p:txBody>
-          <a:bodyPr rot="0" spcFirstLastPara="0" vertOverflow="overflow" horzOverflow="overflow" vert="horz" wrap="square" lIns="91440" tIns="45720" rIns="91440" bIns="45720" numCol="1" spcCol="0" rtlCol="0" fromWordArt="0" anchor="t" anchorCtr="0" forceAA="0" compatLnSpc="1">
-            <a:prstTxWarp prst="textNoShape">
-              <a:avLst/>
-            </a:prstTxWarp>
-            <a:spAutoFit/>
-          </a:bodyPr>
-          <a:lstStyle/>
-          <a:p>
-            <a:r>
-              <a:rPr lang="en-US"/>
-              <a:t>This was just a test of my questioning</a:t>
-            </a:r>
-          </a:p>
-          <a:p>
-            <a:r>
-              <a:rPr lang="en-US">
-                <a:cs typeface="Calibri"/>
-              </a:rPr>
-              <a:t>But it is now not a good way to do my questions as it would be much easier if I just made a list of random answers that would go with the real answer instead of making having to make many different answers for each of my questions.</a:t>
-            </a:r>
-          </a:p>
-        </p:txBody>
-      </p:sp>
+      </p:pic>
     </p:spTree>
     <p:extLst>
       <p:ext uri="{BB962C8B-B14F-4D97-AF65-F5344CB8AC3E}">
-        <p14:creationId xmlns:p14="http://schemas.microsoft.com/office/powerpoint/2010/main" val="1121134679"/>
+        <p14:creationId xmlns:p14="http://schemas.microsoft.com/office/powerpoint/2010/main" val="4213354389"/>
       </p:ext>
     </p:extLst>
   </p:cSld>
@@ -4311,266 +4980,12 @@
           <a:chExt cx="0" cy="0"/>
         </a:xfrm>
       </p:grpSpPr>
-      <p:sp>
-        <p:nvSpPr>
-          <p:cNvPr id="10" name="Down Arrow 7">
+      <p:sp useBgFill="1">
+        <p:nvSpPr>
+          <p:cNvPr id="13" name="Rectangle 15">
             <a:extLst>
               <a:ext uri="{FF2B5EF4-FFF2-40B4-BE49-F238E27FC236}">
-                <a16:creationId xmlns:a16="http://schemas.microsoft.com/office/drawing/2014/main" id="{73DE2CFE-42F2-48F0-8706-5264E012B10C}"/>
-              </a:ext>
-              <a:ext uri="{C183D7F6-B498-43B3-948B-1728B52AA6E4}">
-                <adec:decorative xmlns:adec="http://schemas.microsoft.com/office/drawing/2017/decorative" val="1"/>
-              </a:ext>
-            </a:extLst>
-          </p:cNvPr>
-          <p:cNvSpPr>
-            <a:spLocks noGrp="1" noRot="1" noChangeAspect="1" noMove="1" noResize="1" noEditPoints="1" noAdjustHandles="1" noChangeArrowheads="1" noChangeShapeType="1" noTextEdit="1"/>
-          </p:cNvSpPr>
-          <p:nvPr>
-            <p:extLst>
-              <p:ext uri="{386F3935-93C4-4BCD-93E2-E3B085C9AB24}">
-                <p16:designElem xmlns:p16="http://schemas.microsoft.com/office/powerpoint/2015/main" val="1"/>
-              </p:ext>
-            </p:extLst>
-          </p:nvPr>
-        </p:nvSpPr>
-        <p:spPr>
-          <a:xfrm rot="16200000">
-            <a:off x="1288521" y="381403"/>
-            <a:ext cx="2200313" cy="3342508"/>
-          </a:xfrm>
-          <a:prstGeom prst="downArrow">
-            <a:avLst>
-              <a:gd name="adj1" fmla="val 100000"/>
-              <a:gd name="adj2" fmla="val 15788"/>
-            </a:avLst>
-          </a:prstGeom>
-          <a:solidFill>
-            <a:srgbClr val="404040"/>
-          </a:solidFill>
-          <a:ln w="53975">
-            <a:noFill/>
-          </a:ln>
-        </p:spPr>
-        <p:style>
-          <a:lnRef idx="2">
-            <a:schemeClr val="accent1">
-              <a:shade val="50000"/>
-            </a:schemeClr>
-          </a:lnRef>
-          <a:fillRef idx="1">
-            <a:schemeClr val="accent1"/>
-          </a:fillRef>
-          <a:effectRef idx="0">
-            <a:schemeClr val="accent1"/>
-          </a:effectRef>
-          <a:fontRef idx="minor">
-            <a:schemeClr val="lt1"/>
-          </a:fontRef>
-        </p:style>
-        <p:txBody>
-          <a:bodyPr rtlCol="0" anchor="ctr"/>
-          <a:lstStyle/>
-          <a:p>
-            <a:pPr marL="0" marR="0" lvl="0" indent="0" algn="ctr" defTabSz="914400" rtl="0" eaLnBrk="1" fontAlgn="auto" latinLnBrk="0" hangingPunct="1">
-              <a:lnSpc>
-                <a:spcPct val="100000"/>
-              </a:lnSpc>
-              <a:spcBef>
-                <a:spcPts val="0"/>
-              </a:spcBef>
-              <a:spcAft>
-                <a:spcPts val="0"/>
-              </a:spcAft>
-              <a:buClrTx/>
-              <a:buSzTx/>
-              <a:buFontTx/>
-              <a:buNone/>
-              <a:tabLst/>
-              <a:defRPr/>
-            </a:pPr>
-            <a:endParaRPr kumimoji="0" lang="en-US" sz="1800" b="0" i="0" u="none" strike="noStrike" kern="1200" cap="none" spc="0" normalizeH="0" baseline="0" noProof="0">
-              <a:ln>
-                <a:noFill/>
-              </a:ln>
-              <a:solidFill>
-                <a:prstClr val="white"/>
-              </a:solidFill>
-              <a:effectLst/>
-              <a:uLnTx/>
-              <a:uFillTx/>
-              <a:latin typeface="Calibri" panose="020F0502020204030204"/>
-              <a:ea typeface="+mn-ea"/>
-              <a:cs typeface="+mn-cs"/>
-            </a:endParaRPr>
-          </a:p>
-        </p:txBody>
-      </p:sp>
-      <p:sp>
-        <p:nvSpPr>
-          <p:cNvPr id="2" name="Title 1">
-            <a:extLst>
-              <a:ext uri="{FF2B5EF4-FFF2-40B4-BE49-F238E27FC236}">
-                <a16:creationId xmlns:a16="http://schemas.microsoft.com/office/drawing/2014/main" id="{54EC48D4-B0FC-4660-8894-4F1B722EAFD3}"/>
-              </a:ext>
-            </a:extLst>
-          </p:cNvPr>
-          <p:cNvSpPr>
-            <a:spLocks noGrp="1"/>
-          </p:cNvSpPr>
-          <p:nvPr>
-            <p:ph type="title"/>
-          </p:nvPr>
-        </p:nvSpPr>
-        <p:spPr>
-          <a:xfrm>
-            <a:off x="966952" y="1204108"/>
-            <a:ext cx="2669406" cy="1781175"/>
-          </a:xfrm>
-        </p:spPr>
-        <p:txBody>
-          <a:bodyPr vert="horz" lIns="91440" tIns="45720" rIns="91440" bIns="45720" rtlCol="0" anchor="ctr">
-            <a:normAutofit/>
-          </a:bodyPr>
-          <a:lstStyle/>
-          <a:p>
-            <a:r>
-              <a:rPr lang="en-US" sz="3200" kern="1200">
-                <a:solidFill>
-                  <a:srgbClr val="FFFFFF"/>
-                </a:solidFill>
-                <a:latin typeface="+mj-lt"/>
-                <a:ea typeface="+mj-ea"/>
-                <a:cs typeface="+mj-cs"/>
-              </a:rPr>
-              <a:t>Quiz Start GUI</a:t>
-            </a:r>
-          </a:p>
-        </p:txBody>
-      </p:sp>
-      <p:sp>
-        <p:nvSpPr>
-          <p:cNvPr id="5" name="TextBox 4">
-            <a:extLst>
-              <a:ext uri="{FF2B5EF4-FFF2-40B4-BE49-F238E27FC236}">
-                <a16:creationId xmlns:a16="http://schemas.microsoft.com/office/drawing/2014/main" id="{A626E451-29FF-476C-B176-15A181E7FCFB}"/>
-              </a:ext>
-            </a:extLst>
-          </p:cNvPr>
-          <p:cNvSpPr txBox="1"/>
-          <p:nvPr/>
-        </p:nvSpPr>
-        <p:spPr>
-          <a:xfrm>
-            <a:off x="966951" y="3355130"/>
-            <a:ext cx="2669407" cy="2427333"/>
-          </a:xfrm>
-          <a:prstGeom prst="rect">
-            <a:avLst/>
-          </a:prstGeom>
-        </p:spPr>
-        <p:txBody>
-          <a:bodyPr rot="0" spcFirstLastPara="0" vertOverflow="overflow" horzOverflow="overflow" vert="horz" lIns="91440" tIns="45720" rIns="91440" bIns="45720" numCol="1" spcCol="0" rtlCol="0" fromWordArt="0" anchorCtr="0" forceAA="0" compatLnSpc="1">
-            <a:prstTxWarp prst="textNoShape">
-              <a:avLst/>
-            </a:prstTxWarp>
-            <a:normAutofit/>
-          </a:bodyPr>
-          <a:lstStyle/>
-          <a:p>
-            <a:pPr indent="-228600">
-              <a:lnSpc>
-                <a:spcPct val="90000"/>
-              </a:lnSpc>
-              <a:spcAft>
-                <a:spcPts val="600"/>
-              </a:spcAft>
-              <a:buFont typeface="Arial" panose="020B0604020202020204" pitchFamily="34" charset="0"/>
-              <a:buChar char="•"/>
-            </a:pPr>
-            <a:r>
-              <a:rPr lang="en-US" sz="1600"/>
-              <a:t>This is just the start of my quiz gui. I recycled most of the cod from a previous project that I had completed .</a:t>
-            </a:r>
-          </a:p>
-        </p:txBody>
-      </p:sp>
-      <p:pic>
-        <p:nvPicPr>
-          <p:cNvPr id="4" name="Picture 4">
-            <a:extLst>
-              <a:ext uri="{FF2B5EF4-FFF2-40B4-BE49-F238E27FC236}">
-                <a16:creationId xmlns:a16="http://schemas.microsoft.com/office/drawing/2014/main" id="{DB2173E9-EC0E-4405-B0D1-1F2CC6B9FFC6}"/>
-              </a:ext>
-            </a:extLst>
-          </p:cNvPr>
-          <p:cNvPicPr>
-            <a:picLocks noGrp="1" noChangeAspect="1"/>
-          </p:cNvPicPr>
-          <p:nvPr>
-            <p:ph idx="1"/>
-          </p:nvPr>
-        </p:nvPicPr>
-        <p:blipFill>
-          <a:blip r:embed="rId2"/>
-          <a:stretch>
-            <a:fillRect/>
-          </a:stretch>
-        </p:blipFill>
-        <p:spPr>
-          <a:xfrm>
-            <a:off x="4662102" y="987789"/>
-            <a:ext cx="6903723" cy="4759384"/>
-          </a:xfrm>
-          <a:prstGeom prst="rect">
-            <a:avLst/>
-          </a:prstGeom>
-        </p:spPr>
-      </p:pic>
-    </p:spTree>
-    <p:extLst>
-      <p:ext uri="{BB962C8B-B14F-4D97-AF65-F5344CB8AC3E}">
-        <p14:creationId xmlns:p14="http://schemas.microsoft.com/office/powerpoint/2010/main" val="4213354389"/>
-      </p:ext>
-    </p:extLst>
-  </p:cSld>
-  <p:clrMapOvr>
-    <a:masterClrMapping/>
-  </p:clrMapOvr>
-</p:sld>
-</file>
-
-<file path=ppt/slides/slide7.xml><?xml version="1.0" encoding="utf-8"?>
-<p:sld xmlns:a="http://schemas.openxmlformats.org/drawingml/2006/main" xmlns:r="http://schemas.openxmlformats.org/officeDocument/2006/relationships" xmlns:p="http://schemas.openxmlformats.org/presentationml/2006/main">
-  <p:cSld>
-    <p:bg>
-      <p:bgPr>
-        <a:solidFill>
-          <a:schemeClr val="bg1"/>
-        </a:solidFill>
-        <a:effectLst/>
-      </p:bgPr>
-    </p:bg>
-    <p:spTree>
-      <p:nvGrpSpPr>
-        <p:cNvPr id="1" name=""/>
-        <p:cNvGrpSpPr/>
-        <p:nvPr/>
-      </p:nvGrpSpPr>
-      <p:grpSpPr>
-        <a:xfrm>
-          <a:off x="0" y="0"/>
-          <a:ext cx="0" cy="0"/>
-          <a:chOff x="0" y="0"/>
-          <a:chExt cx="0" cy="0"/>
-        </a:xfrm>
-      </p:grpSpPr>
-      <p:sp useBgFill="1">
-        <p:nvSpPr>
-          <p:cNvPr id="11" name="Rectangle 9">
-            <a:extLst>
-              <a:ext uri="{FF2B5EF4-FFF2-40B4-BE49-F238E27FC236}">
-                <a16:creationId xmlns:a16="http://schemas.microsoft.com/office/drawing/2014/main" id="{1A95671B-3CC6-4792-9114-B74FAEA224E6}"/>
+                <a16:creationId xmlns:a16="http://schemas.microsoft.com/office/drawing/2014/main" id="{F13C74B1-5B17-4795-BED0-7140497B445A}"/>
               </a:ext>
               <a:ext uri="{C183D7F6-B498-43B3-948B-1728B52AA6E4}">
                 <adec:decorative xmlns:adec="http://schemas.microsoft.com/office/drawing/2017/decorative" val="1"/>
@@ -4643,168 +5058,8 @@
         </p:nvSpPr>
         <p:spPr>
           <a:xfrm>
-            <a:off x="1008184" y="174032"/>
-            <a:ext cx="10175631" cy="1111843"/>
-          </a:xfrm>
-        </p:spPr>
-        <p:txBody>
-          <a:bodyPr vert="horz" lIns="91440" tIns="45720" rIns="91440" bIns="45720" rtlCol="0" anchor="ctr">
-            <a:normAutofit/>
-          </a:bodyPr>
-          <a:lstStyle/>
-          <a:p>
-            <a:pPr algn="ctr"/>
-            <a:r>
-              <a:rPr lang="en-US" sz="4000" kern="1200">
-                <a:solidFill>
-                  <a:schemeClr val="tx1"/>
-                </a:solidFill>
-                <a:latin typeface="+mj-lt"/>
-                <a:ea typeface="+mj-ea"/>
-                <a:cs typeface="+mj-cs"/>
-              </a:rPr>
-              <a:t>Start_Gui_V2</a:t>
-            </a:r>
-          </a:p>
-        </p:txBody>
-      </p:sp>
-      <p:sp>
-        <p:nvSpPr>
-          <p:cNvPr id="5" name="TextBox 4">
-            <a:extLst>
-              <a:ext uri="{FF2B5EF4-FFF2-40B4-BE49-F238E27FC236}">
-                <a16:creationId xmlns:a16="http://schemas.microsoft.com/office/drawing/2014/main" id="{F77A086F-6797-4CAF-8296-05DDDA8099AD}"/>
-              </a:ext>
-            </a:extLst>
-          </p:cNvPr>
-          <p:cNvSpPr txBox="1"/>
-          <p:nvPr/>
-        </p:nvSpPr>
-        <p:spPr>
-          <a:xfrm>
-            <a:off x="1008184" y="1459907"/>
-            <a:ext cx="10175630" cy="767904"/>
-          </a:xfrm>
-          <a:prstGeom prst="rect">
-            <a:avLst/>
-          </a:prstGeom>
-        </p:spPr>
-        <p:txBody>
-          <a:bodyPr rot="0" spcFirstLastPara="0" vertOverflow="overflow" horzOverflow="overflow" vert="horz" lIns="91440" tIns="45720" rIns="91440" bIns="45720" numCol="1" spcCol="0" rtlCol="0" fromWordArt="0" anchor="ctr" anchorCtr="0" forceAA="0" compatLnSpc="1">
-            <a:prstTxWarp prst="textNoShape">
-              <a:avLst/>
-            </a:prstTxWarp>
-            <a:normAutofit/>
-          </a:bodyPr>
-          <a:lstStyle/>
-          <a:p>
-            <a:pPr indent="-228600" algn="ctr">
-              <a:lnSpc>
-                <a:spcPct val="90000"/>
-              </a:lnSpc>
-              <a:spcAft>
-                <a:spcPts val="600"/>
-              </a:spcAft>
-              <a:buFont typeface="Arial" panose="020B0604020202020204" pitchFamily="34" charset="0"/>
-              <a:buChar char="•"/>
-            </a:pPr>
-            <a:r>
-              <a:rPr lang="en-US" sz="1600"/>
-              <a:t>This is a very rough  draft of what I intend my start gui to look like. Ideally  I want to make the pictures smaller and add 2 more pictures of the different gods from the roman and greek periods I will also change the picture of the current god you can see.. And I would like to add a quit button aswell. </a:t>
-            </a:r>
-          </a:p>
-        </p:txBody>
-      </p:sp>
-      <p:pic>
-        <p:nvPicPr>
-          <p:cNvPr id="4" name="Picture 4">
-            <a:extLst>
-              <a:ext uri="{FF2B5EF4-FFF2-40B4-BE49-F238E27FC236}">
-                <a16:creationId xmlns:a16="http://schemas.microsoft.com/office/drawing/2014/main" id="{95A9B02B-2840-47F5-851E-CE4DC41FA2E8}"/>
-              </a:ext>
-            </a:extLst>
-          </p:cNvPr>
-          <p:cNvPicPr>
-            <a:picLocks noGrp="1" noChangeAspect="1"/>
-          </p:cNvPicPr>
-          <p:nvPr>
-            <p:ph idx="1"/>
-          </p:nvPr>
-        </p:nvPicPr>
-        <p:blipFill>
-          <a:blip r:embed="rId2"/>
-          <a:stretch>
-            <a:fillRect/>
-          </a:stretch>
-        </p:blipFill>
-        <p:spPr>
-          <a:xfrm>
-            <a:off x="835154" y="2501473"/>
-            <a:ext cx="10515595" cy="3706745"/>
-          </a:xfrm>
-          <a:prstGeom prst="rect">
-            <a:avLst/>
-          </a:prstGeom>
-        </p:spPr>
-      </p:pic>
-    </p:spTree>
-    <p:extLst>
-      <p:ext uri="{BB962C8B-B14F-4D97-AF65-F5344CB8AC3E}">
-        <p14:creationId xmlns:p14="http://schemas.microsoft.com/office/powerpoint/2010/main" val="1564752394"/>
-      </p:ext>
-    </p:extLst>
-  </p:cSld>
-  <p:clrMapOvr>
-    <a:masterClrMapping/>
-  </p:clrMapOvr>
-</p:sld>
-</file>
-
-<file path=ppt/slides/slide8.xml><?xml version="1.0" encoding="utf-8"?>
-<p:sld xmlns:a="http://schemas.openxmlformats.org/drawingml/2006/main" xmlns:r="http://schemas.openxmlformats.org/officeDocument/2006/relationships" xmlns:p="http://schemas.openxmlformats.org/presentationml/2006/main">
-  <p:cSld>
-    <p:bg>
-      <p:bgPr>
-        <a:solidFill>
-          <a:schemeClr val="bg1"/>
-        </a:solidFill>
-        <a:effectLst/>
-      </p:bgPr>
-    </p:bg>
-    <p:spTree>
-      <p:nvGrpSpPr>
-        <p:cNvPr id="1" name=""/>
-        <p:cNvGrpSpPr/>
-        <p:nvPr/>
-      </p:nvGrpSpPr>
-      <p:grpSpPr>
-        <a:xfrm>
-          <a:off x="0" y="0"/>
-          <a:ext cx="0" cy="0"/>
-          <a:chOff x="0" y="0"/>
-          <a:chExt cx="0" cy="0"/>
-        </a:xfrm>
-      </p:grpSpPr>
-      <p:sp>
-        <p:nvSpPr>
-          <p:cNvPr id="2" name="Title 1">
-            <a:extLst>
-              <a:ext uri="{FF2B5EF4-FFF2-40B4-BE49-F238E27FC236}">
-                <a16:creationId xmlns:a16="http://schemas.microsoft.com/office/drawing/2014/main" id="{40E80544-C795-410D-ACBE-5B39F33D5CE0}"/>
-              </a:ext>
-            </a:extLst>
-          </p:cNvPr>
-          <p:cNvSpPr>
-            <a:spLocks noGrp="1"/>
-          </p:cNvSpPr>
-          <p:nvPr>
-            <p:ph type="title"/>
-          </p:nvPr>
-        </p:nvSpPr>
-        <p:spPr>
-          <a:xfrm>
-            <a:off x="4965430" y="629268"/>
-            <a:ext cx="6586491" cy="1286160"/>
+            <a:off x="640080" y="325369"/>
+            <a:ext cx="4368602" cy="1956841"/>
           </a:xfrm>
         </p:spPr>
         <p:txBody>
@@ -4814,106 +5069,27 @@
           <a:lstStyle/>
           <a:p>
             <a:r>
-              <a:rPr lang="en-US" dirty="0"/>
-              <a:t>Start_GUI V3</a:t>
-            </a:r>
-          </a:p>
-        </p:txBody>
-      </p:sp>
-      <p:sp>
-        <p:nvSpPr>
-          <p:cNvPr id="7" name="TextBox 6">
+              <a:rPr lang="en-US" sz="5400"/>
+              <a:t>Start_Gui_V2</a:t>
+            </a:r>
+          </a:p>
+        </p:txBody>
+      </p:sp>
+      <p:sp>
+        <p:nvSpPr>
+          <p:cNvPr id="18" name="sketchy line">
             <a:extLst>
               <a:ext uri="{FF2B5EF4-FFF2-40B4-BE49-F238E27FC236}">
-                <a16:creationId xmlns:a16="http://schemas.microsoft.com/office/drawing/2014/main" id="{575A2884-D3F4-4F04-843C-A1781ED6E8D0}"/>
-              </a:ext>
-            </a:extLst>
-          </p:cNvPr>
-          <p:cNvSpPr txBox="1"/>
-          <p:nvPr/>
-        </p:nvSpPr>
-        <p:spPr>
-          <a:xfrm>
-            <a:off x="4965431" y="2438400"/>
-            <a:ext cx="6586489" cy="3785419"/>
-          </a:xfrm>
-          <a:prstGeom prst="rect">
-            <a:avLst/>
-          </a:prstGeom>
-        </p:spPr>
-        <p:txBody>
-          <a:bodyPr rot="0" spcFirstLastPara="0" vertOverflow="overflow" horzOverflow="overflow" vert="horz" lIns="91440" tIns="45720" rIns="91440" bIns="45720" numCol="1" spcCol="0" rtlCol="0" fromWordArt="0" anchorCtr="0" forceAA="0" compatLnSpc="1">
-            <a:prstTxWarp prst="textNoShape">
-              <a:avLst/>
-            </a:prstTxWarp>
-            <a:normAutofit/>
-          </a:bodyPr>
-          <a:lstStyle/>
-          <a:p>
-            <a:pPr indent="-228600">
-              <a:lnSpc>
-                <a:spcPct val="90000"/>
-              </a:lnSpc>
-              <a:spcAft>
-                <a:spcPts val="600"/>
-              </a:spcAft>
-              <a:buFont typeface="Arial" panose="020B0604020202020204" pitchFamily="34" charset="0"/>
-              <a:buChar char="•"/>
-            </a:pPr>
-            <a:r>
-              <a:rPr lang="en-US" sz="2000" dirty="0"/>
-              <a:t>This will most likely be my final version of my start Gui. I will now begin to develop my game glass and generate questions + answers.  My start Gui now works as I intended it to.</a:t>
-            </a:r>
-          </a:p>
-        </p:txBody>
-      </p:sp>
-      <p:pic>
-        <p:nvPicPr>
-          <p:cNvPr id="6" name="Picture 6" descr="A picture containing text&#10;&#10;Description automatically generated">
-            <a:extLst>
-              <a:ext uri="{FF2B5EF4-FFF2-40B4-BE49-F238E27FC236}">
-                <a16:creationId xmlns:a16="http://schemas.microsoft.com/office/drawing/2014/main" id="{7D7F0479-26D5-4D36-A1D1-4F626F1FAC68}"/>
-              </a:ext>
-            </a:extLst>
-          </p:cNvPr>
-          <p:cNvPicPr>
-            <a:picLocks noGrp="1" noChangeAspect="1"/>
-          </p:cNvPicPr>
-          <p:nvPr>
-            <p:ph idx="1"/>
-          </p:nvPr>
-        </p:nvPicPr>
-        <p:blipFill rotWithShape="1">
-          <a:blip r:embed="rId2"/>
-          <a:srcRect b="5703"/>
-          <a:stretch/>
-        </p:blipFill>
-        <p:spPr>
-          <a:xfrm>
-            <a:off x="20" y="10"/>
-            <a:ext cx="4635571" cy="6857990"/>
-          </a:xfrm>
-          <a:prstGeom prst="rect">
-            <a:avLst/>
-          </a:prstGeom>
-          <a:effectLst/>
-        </p:spPr>
-      </p:pic>
-      <p:cxnSp>
-        <p:nvCxnSpPr>
-          <p:cNvPr id="12" name="Straight Connector 11">
-            <a:extLst>
-              <a:ext uri="{FF2B5EF4-FFF2-40B4-BE49-F238E27FC236}">
-                <a16:creationId xmlns:a16="http://schemas.microsoft.com/office/drawing/2014/main" id="{A7F400EE-A8A5-48AF-B4D6-291B52C6F0B0}"/>
+                <a16:creationId xmlns:a16="http://schemas.microsoft.com/office/drawing/2014/main" id="{D4974D33-8DC5-464E-8C6D-BE58F0669C17}"/>
               </a:ext>
               <a:ext uri="{C183D7F6-B498-43B3-948B-1728B52AA6E4}">
                 <adec:decorative xmlns:adec="http://schemas.microsoft.com/office/drawing/2017/decorative" val="1"/>
               </a:ext>
             </a:extLst>
           </p:cNvPr>
-          <p:cNvCxnSpPr>
-            <a:cxnSpLocks noGrp="1" noRot="1" noChangeAspect="1" noMove="1" noResize="1" noEditPoints="1" noAdjustHandles="1" noChangeArrowheads="1" noChangeShapeType="1"/>
-          </p:cNvCxnSpPr>
+          <p:cNvSpPr>
+            <a:spLocks noGrp="1" noRot="1" noChangeAspect="1" noMove="1" noResize="1" noEditPoints="1" noAdjustHandles="1" noChangeArrowheads="1" noChangeShapeType="1" noTextEdit="1"/>
+          </p:cNvSpPr>
           <p:nvPr>
             <p:extLst>
               <p:ext uri="{386F3935-93C4-4BCD-93E2-E3B085C9AB24}">
@@ -4921,458 +5097,41 @@
               </p:ext>
             </p:extLst>
           </p:nvPr>
-        </p:nvCxnSpPr>
+        </p:nvSpPr>
         <p:spPr>
           <a:xfrm>
-            <a:off x="5080934" y="2115117"/>
-            <a:ext cx="6309360" cy="0"/>
-          </a:xfrm>
-          <a:prstGeom prst="line">
-            <a:avLst/>
-          </a:prstGeom>
-          <a:ln w="19050">
-            <a:solidFill>
-              <a:srgbClr val="FFF700"/>
-            </a:solidFill>
-          </a:ln>
-        </p:spPr>
-        <p:style>
-          <a:lnRef idx="1">
-            <a:schemeClr val="accent1"/>
-          </a:lnRef>
-          <a:fillRef idx="0">
-            <a:schemeClr val="accent1"/>
-          </a:fillRef>
-          <a:effectRef idx="0">
-            <a:schemeClr val="accent1"/>
-          </a:effectRef>
-          <a:fontRef idx="minor">
-            <a:schemeClr val="tx1"/>
-          </a:fontRef>
-        </p:style>
-      </p:cxnSp>
-    </p:spTree>
-    <p:extLst>
-      <p:ext uri="{BB962C8B-B14F-4D97-AF65-F5344CB8AC3E}">
-        <p14:creationId xmlns:p14="http://schemas.microsoft.com/office/powerpoint/2010/main" val="3634938810"/>
-      </p:ext>
-    </p:extLst>
-  </p:cSld>
-  <p:clrMapOvr>
-    <a:masterClrMapping/>
-  </p:clrMapOvr>
-</p:sld>
-</file>
-
-<file path=ppt/slides/slide9.xml><?xml version="1.0" encoding="utf-8"?>
-<p:sld xmlns:a="http://schemas.openxmlformats.org/drawingml/2006/main" xmlns:r="http://schemas.openxmlformats.org/officeDocument/2006/relationships" xmlns:p="http://schemas.openxmlformats.org/presentationml/2006/main">
-  <p:cSld>
-    <p:bg>
-      <p:bgPr>
-        <a:solidFill>
-          <a:schemeClr val="bg1"/>
-        </a:solidFill>
-        <a:effectLst/>
-      </p:bgPr>
-    </p:bg>
-    <p:spTree>
-      <p:nvGrpSpPr>
-        <p:cNvPr id="1" name=""/>
-        <p:cNvGrpSpPr/>
-        <p:nvPr/>
-      </p:nvGrpSpPr>
-      <p:grpSpPr>
-        <a:xfrm>
-          <a:off x="0" y="0"/>
-          <a:ext cx="0" cy="0"/>
-          <a:chOff x="0" y="0"/>
-          <a:chExt cx="0" cy="0"/>
-        </a:xfrm>
-      </p:grpSpPr>
-      <p:sp useBgFill="1">
-        <p:nvSpPr>
-          <p:cNvPr id="10" name="Rectangle 9">
-            <a:extLst>
-              <a:ext uri="{FF2B5EF4-FFF2-40B4-BE49-F238E27FC236}">
-                <a16:creationId xmlns:a16="http://schemas.microsoft.com/office/drawing/2014/main" id="{C232B152-3720-4D3B-97ED-45CE5483F16F}"/>
-              </a:ext>
-              <a:ext uri="{C183D7F6-B498-43B3-948B-1728B52AA6E4}">
-                <adec:decorative xmlns:adec="http://schemas.microsoft.com/office/drawing/2017/decorative" val="1"/>
-              </a:ext>
-            </a:extLst>
-          </p:cNvPr>
-          <p:cNvSpPr>
-            <a:spLocks noGrp="1" noRot="1" noChangeAspect="1" noMove="1" noResize="1" noEditPoints="1" noAdjustHandles="1" noChangeArrowheads="1" noChangeShapeType="1" noTextEdit="1"/>
-          </p:cNvSpPr>
-          <p:nvPr>
-            <p:extLst>
-              <p:ext uri="{386F3935-93C4-4BCD-93E2-E3B085C9AB24}">
-                <p16:designElem xmlns:p16="http://schemas.microsoft.com/office/powerpoint/2015/main" val="1"/>
-              </p:ext>
-            </p:extLst>
-          </p:nvPr>
-        </p:nvSpPr>
-        <p:spPr>
-          <a:xfrm>
-            <a:off x="0" y="0"/>
-            <a:ext cx="12192000" cy="6858000"/>
-          </a:xfrm>
-          <a:prstGeom prst="rect">
-            <a:avLst/>
-          </a:prstGeom>
-          <a:ln w="12700" cap="flat" cmpd="sng" algn="ctr">
-            <a:noFill/>
-            <a:prstDash val="solid"/>
-            <a:miter lim="800000"/>
-          </a:ln>
-          <a:effectLst/>
-        </p:spPr>
-        <p:style>
-          <a:lnRef idx="2">
-            <a:schemeClr val="accent1">
-              <a:shade val="50000"/>
-            </a:schemeClr>
-          </a:lnRef>
-          <a:fillRef idx="1">
-            <a:schemeClr val="accent1"/>
-          </a:fillRef>
-          <a:effectRef idx="0">
-            <a:schemeClr val="accent1"/>
-          </a:effectRef>
-          <a:fontRef idx="minor">
-            <a:schemeClr val="lt1"/>
-          </a:fontRef>
-        </p:style>
-        <p:txBody>
-          <a:bodyPr rtlCol="0" anchor="ctr"/>
-          <a:lstStyle/>
-          <a:p>
-            <a:pPr algn="ctr"/>
-            <a:endParaRPr lang="en-US"/>
-          </a:p>
-        </p:txBody>
-      </p:sp>
-      <p:sp>
-        <p:nvSpPr>
-          <p:cNvPr id="12" name="Freeform: Shape 11">
-            <a:extLst>
-              <a:ext uri="{FF2B5EF4-FFF2-40B4-BE49-F238E27FC236}">
-                <a16:creationId xmlns:a16="http://schemas.microsoft.com/office/drawing/2014/main" id="{11BAB570-FF10-4E96-8A3F-FA9804702B89}"/>
-              </a:ext>
-              <a:ext uri="{C183D7F6-B498-43B3-948B-1728B52AA6E4}">
-                <adec:decorative xmlns:adec="http://schemas.microsoft.com/office/drawing/2017/decorative" val="1"/>
-              </a:ext>
-            </a:extLst>
-          </p:cNvPr>
-          <p:cNvSpPr>
-            <a:spLocks noGrp="1" noRot="1" noChangeAspect="1" noMove="1" noResize="1" noEditPoints="1" noAdjustHandles="1" noChangeArrowheads="1" noChangeShapeType="1" noTextEdit="1"/>
-          </p:cNvSpPr>
-          <p:nvPr>
-            <p:extLst>
-              <p:ext uri="{386F3935-93C4-4BCD-93E2-E3B085C9AB24}">
-                <p16:designElem xmlns:p16="http://schemas.microsoft.com/office/powerpoint/2015/main" val="1"/>
-              </p:ext>
-            </p:extLst>
-          </p:nvPr>
-        </p:nvSpPr>
-        <p:spPr bwMode="ltGray">
-          <a:xfrm>
-            <a:off x="0" y="0"/>
-            <a:ext cx="4693698" cy="6858000"/>
+            <a:off x="640080" y="2586994"/>
+            <a:ext cx="3474720" cy="18288"/>
           </a:xfrm>
           <a:custGeom>
             <a:avLst/>
             <a:gdLst>
-              <a:gd name="connsiteX0" fmla="*/ 0 w 4693698"/>
-              <a:gd name="connsiteY0" fmla="*/ 0 h 6858000"/>
-              <a:gd name="connsiteX1" fmla="*/ 420914 w 4693698"/>
-              <a:gd name="connsiteY1" fmla="*/ 0 h 6858000"/>
-              <a:gd name="connsiteX2" fmla="*/ 1582057 w 4693698"/>
-              <a:gd name="connsiteY2" fmla="*/ 0 h 6858000"/>
-              <a:gd name="connsiteX3" fmla="*/ 4503903 w 4693698"/>
-              <a:gd name="connsiteY3" fmla="*/ 0 h 6858000"/>
-              <a:gd name="connsiteX4" fmla="*/ 4508943 w 4693698"/>
-              <a:gd name="connsiteY4" fmla="*/ 66675 h 6858000"/>
-              <a:gd name="connsiteX5" fmla="*/ 4517340 w 4693698"/>
-              <a:gd name="connsiteY5" fmla="*/ 122237 h 6858000"/>
-              <a:gd name="connsiteX6" fmla="*/ 4527418 w 4693698"/>
-              <a:gd name="connsiteY6" fmla="*/ 174625 h 6858000"/>
-              <a:gd name="connsiteX7" fmla="*/ 4544214 w 4693698"/>
-              <a:gd name="connsiteY7" fmla="*/ 217487 h 6858000"/>
-              <a:gd name="connsiteX8" fmla="*/ 4561010 w 4693698"/>
-              <a:gd name="connsiteY8" fmla="*/ 260350 h 6858000"/>
-              <a:gd name="connsiteX9" fmla="*/ 4581165 w 4693698"/>
-              <a:gd name="connsiteY9" fmla="*/ 296862 h 6858000"/>
-              <a:gd name="connsiteX10" fmla="*/ 4601320 w 4693698"/>
-              <a:gd name="connsiteY10" fmla="*/ 334962 h 6858000"/>
-              <a:gd name="connsiteX11" fmla="*/ 4619796 w 4693698"/>
-              <a:gd name="connsiteY11" fmla="*/ 369887 h 6858000"/>
-              <a:gd name="connsiteX12" fmla="*/ 4638271 w 4693698"/>
-              <a:gd name="connsiteY12" fmla="*/ 409575 h 6858000"/>
-              <a:gd name="connsiteX13" fmla="*/ 4655067 w 4693698"/>
-              <a:gd name="connsiteY13" fmla="*/ 450850 h 6858000"/>
-              <a:gd name="connsiteX14" fmla="*/ 4670184 w 4693698"/>
-              <a:gd name="connsiteY14" fmla="*/ 496887 h 6858000"/>
-              <a:gd name="connsiteX15" fmla="*/ 4681941 w 4693698"/>
-              <a:gd name="connsiteY15" fmla="*/ 546100 h 6858000"/>
-              <a:gd name="connsiteX16" fmla="*/ 4690339 w 4693698"/>
-              <a:gd name="connsiteY16" fmla="*/ 606425 h 6858000"/>
-              <a:gd name="connsiteX17" fmla="*/ 4693698 w 4693698"/>
-              <a:gd name="connsiteY17" fmla="*/ 673100 h 6858000"/>
-              <a:gd name="connsiteX18" fmla="*/ 4690339 w 4693698"/>
-              <a:gd name="connsiteY18" fmla="*/ 744537 h 6858000"/>
-              <a:gd name="connsiteX19" fmla="*/ 4681941 w 4693698"/>
-              <a:gd name="connsiteY19" fmla="*/ 801687 h 6858000"/>
-              <a:gd name="connsiteX20" fmla="*/ 4670184 w 4693698"/>
-              <a:gd name="connsiteY20" fmla="*/ 854075 h 6858000"/>
-              <a:gd name="connsiteX21" fmla="*/ 4655067 w 4693698"/>
-              <a:gd name="connsiteY21" fmla="*/ 901700 h 6858000"/>
-              <a:gd name="connsiteX22" fmla="*/ 4638271 w 4693698"/>
-              <a:gd name="connsiteY22" fmla="*/ 942975 h 6858000"/>
-              <a:gd name="connsiteX23" fmla="*/ 4618116 w 4693698"/>
-              <a:gd name="connsiteY23" fmla="*/ 981075 h 6858000"/>
-              <a:gd name="connsiteX24" fmla="*/ 4597961 w 4693698"/>
-              <a:gd name="connsiteY24" fmla="*/ 1017587 h 6858000"/>
-              <a:gd name="connsiteX25" fmla="*/ 4577806 w 4693698"/>
-              <a:gd name="connsiteY25" fmla="*/ 1055687 h 6858000"/>
-              <a:gd name="connsiteX26" fmla="*/ 4559330 w 4693698"/>
-              <a:gd name="connsiteY26" fmla="*/ 1095375 h 6858000"/>
-              <a:gd name="connsiteX27" fmla="*/ 4540854 w 4693698"/>
-              <a:gd name="connsiteY27" fmla="*/ 1136650 h 6858000"/>
-              <a:gd name="connsiteX28" fmla="*/ 4525739 w 4693698"/>
-              <a:gd name="connsiteY28" fmla="*/ 1182687 h 6858000"/>
-              <a:gd name="connsiteX29" fmla="*/ 4515661 w 4693698"/>
-              <a:gd name="connsiteY29" fmla="*/ 1235075 h 6858000"/>
-              <a:gd name="connsiteX30" fmla="*/ 4505583 w 4693698"/>
-              <a:gd name="connsiteY30" fmla="*/ 1295400 h 6858000"/>
-              <a:gd name="connsiteX31" fmla="*/ 4503903 w 4693698"/>
-              <a:gd name="connsiteY31" fmla="*/ 1363662 h 6858000"/>
-              <a:gd name="connsiteX32" fmla="*/ 4505583 w 4693698"/>
-              <a:gd name="connsiteY32" fmla="*/ 1431925 h 6858000"/>
-              <a:gd name="connsiteX33" fmla="*/ 4515661 w 4693698"/>
-              <a:gd name="connsiteY33" fmla="*/ 1492250 h 6858000"/>
-              <a:gd name="connsiteX34" fmla="*/ 4525739 w 4693698"/>
-              <a:gd name="connsiteY34" fmla="*/ 1544637 h 6858000"/>
-              <a:gd name="connsiteX35" fmla="*/ 4540854 w 4693698"/>
-              <a:gd name="connsiteY35" fmla="*/ 1589087 h 6858000"/>
-              <a:gd name="connsiteX36" fmla="*/ 4559330 w 4693698"/>
-              <a:gd name="connsiteY36" fmla="*/ 1631950 h 6858000"/>
-              <a:gd name="connsiteX37" fmla="*/ 4577806 w 4693698"/>
-              <a:gd name="connsiteY37" fmla="*/ 1671637 h 6858000"/>
-              <a:gd name="connsiteX38" fmla="*/ 4597961 w 4693698"/>
-              <a:gd name="connsiteY38" fmla="*/ 1708150 h 6858000"/>
-              <a:gd name="connsiteX39" fmla="*/ 4618116 w 4693698"/>
-              <a:gd name="connsiteY39" fmla="*/ 1743075 h 6858000"/>
-              <a:gd name="connsiteX40" fmla="*/ 4638271 w 4693698"/>
-              <a:gd name="connsiteY40" fmla="*/ 1782762 h 6858000"/>
-              <a:gd name="connsiteX41" fmla="*/ 4655067 w 4693698"/>
-              <a:gd name="connsiteY41" fmla="*/ 1824037 h 6858000"/>
-              <a:gd name="connsiteX42" fmla="*/ 4670184 w 4693698"/>
-              <a:gd name="connsiteY42" fmla="*/ 1870075 h 6858000"/>
-              <a:gd name="connsiteX43" fmla="*/ 4681941 w 4693698"/>
-              <a:gd name="connsiteY43" fmla="*/ 1922462 h 6858000"/>
-              <a:gd name="connsiteX44" fmla="*/ 4690339 w 4693698"/>
-              <a:gd name="connsiteY44" fmla="*/ 1982787 h 6858000"/>
-              <a:gd name="connsiteX45" fmla="*/ 4693698 w 4693698"/>
-              <a:gd name="connsiteY45" fmla="*/ 2051050 h 6858000"/>
-              <a:gd name="connsiteX46" fmla="*/ 4690339 w 4693698"/>
-              <a:gd name="connsiteY46" fmla="*/ 2119312 h 6858000"/>
-              <a:gd name="connsiteX47" fmla="*/ 4681941 w 4693698"/>
-              <a:gd name="connsiteY47" fmla="*/ 2179637 h 6858000"/>
-              <a:gd name="connsiteX48" fmla="*/ 4670184 w 4693698"/>
-              <a:gd name="connsiteY48" fmla="*/ 2232025 h 6858000"/>
-              <a:gd name="connsiteX49" fmla="*/ 4655067 w 4693698"/>
-              <a:gd name="connsiteY49" fmla="*/ 2278062 h 6858000"/>
-              <a:gd name="connsiteX50" fmla="*/ 4638271 w 4693698"/>
-              <a:gd name="connsiteY50" fmla="*/ 2319337 h 6858000"/>
-              <a:gd name="connsiteX51" fmla="*/ 4618116 w 4693698"/>
-              <a:gd name="connsiteY51" fmla="*/ 2359025 h 6858000"/>
-              <a:gd name="connsiteX52" fmla="*/ 4597961 w 4693698"/>
-              <a:gd name="connsiteY52" fmla="*/ 2395537 h 6858000"/>
-              <a:gd name="connsiteX53" fmla="*/ 4577806 w 4693698"/>
-              <a:gd name="connsiteY53" fmla="*/ 2433637 h 6858000"/>
-              <a:gd name="connsiteX54" fmla="*/ 4559330 w 4693698"/>
-              <a:gd name="connsiteY54" fmla="*/ 2471737 h 6858000"/>
-              <a:gd name="connsiteX55" fmla="*/ 4540854 w 4693698"/>
-              <a:gd name="connsiteY55" fmla="*/ 2513012 h 6858000"/>
-              <a:gd name="connsiteX56" fmla="*/ 4525739 w 4693698"/>
-              <a:gd name="connsiteY56" fmla="*/ 2560637 h 6858000"/>
-              <a:gd name="connsiteX57" fmla="*/ 4515661 w 4693698"/>
-              <a:gd name="connsiteY57" fmla="*/ 2613025 h 6858000"/>
-              <a:gd name="connsiteX58" fmla="*/ 4505583 w 4693698"/>
-              <a:gd name="connsiteY58" fmla="*/ 2671762 h 6858000"/>
-              <a:gd name="connsiteX59" fmla="*/ 4503903 w 4693698"/>
-              <a:gd name="connsiteY59" fmla="*/ 2741612 h 6858000"/>
-              <a:gd name="connsiteX60" fmla="*/ 4505583 w 4693698"/>
-              <a:gd name="connsiteY60" fmla="*/ 2809875 h 6858000"/>
-              <a:gd name="connsiteX61" fmla="*/ 4515661 w 4693698"/>
-              <a:gd name="connsiteY61" fmla="*/ 2868612 h 6858000"/>
-              <a:gd name="connsiteX62" fmla="*/ 4525739 w 4693698"/>
-              <a:gd name="connsiteY62" fmla="*/ 2922587 h 6858000"/>
-              <a:gd name="connsiteX63" fmla="*/ 4540854 w 4693698"/>
-              <a:gd name="connsiteY63" fmla="*/ 2967037 h 6858000"/>
-              <a:gd name="connsiteX64" fmla="*/ 4559330 w 4693698"/>
-              <a:gd name="connsiteY64" fmla="*/ 3009900 h 6858000"/>
-              <a:gd name="connsiteX65" fmla="*/ 4577806 w 4693698"/>
-              <a:gd name="connsiteY65" fmla="*/ 3046412 h 6858000"/>
-              <a:gd name="connsiteX66" fmla="*/ 4597961 w 4693698"/>
-              <a:gd name="connsiteY66" fmla="*/ 3084512 h 6858000"/>
-              <a:gd name="connsiteX67" fmla="*/ 4618116 w 4693698"/>
-              <a:gd name="connsiteY67" fmla="*/ 3121025 h 6858000"/>
-              <a:gd name="connsiteX68" fmla="*/ 4638271 w 4693698"/>
-              <a:gd name="connsiteY68" fmla="*/ 3160712 h 6858000"/>
-              <a:gd name="connsiteX69" fmla="*/ 4655067 w 4693698"/>
-              <a:gd name="connsiteY69" fmla="*/ 3201987 h 6858000"/>
-              <a:gd name="connsiteX70" fmla="*/ 4670184 w 4693698"/>
-              <a:gd name="connsiteY70" fmla="*/ 3248025 h 6858000"/>
-              <a:gd name="connsiteX71" fmla="*/ 4681941 w 4693698"/>
-              <a:gd name="connsiteY71" fmla="*/ 3300412 h 6858000"/>
-              <a:gd name="connsiteX72" fmla="*/ 4690339 w 4693698"/>
-              <a:gd name="connsiteY72" fmla="*/ 3360737 h 6858000"/>
-              <a:gd name="connsiteX73" fmla="*/ 4693698 w 4693698"/>
-              <a:gd name="connsiteY73" fmla="*/ 3427412 h 6858000"/>
-              <a:gd name="connsiteX74" fmla="*/ 4690339 w 4693698"/>
-              <a:gd name="connsiteY74" fmla="*/ 3497262 h 6858000"/>
-              <a:gd name="connsiteX75" fmla="*/ 4681941 w 4693698"/>
-              <a:gd name="connsiteY75" fmla="*/ 3557587 h 6858000"/>
-              <a:gd name="connsiteX76" fmla="*/ 4670184 w 4693698"/>
-              <a:gd name="connsiteY76" fmla="*/ 3609975 h 6858000"/>
-              <a:gd name="connsiteX77" fmla="*/ 4655067 w 4693698"/>
-              <a:gd name="connsiteY77" fmla="*/ 3656012 h 6858000"/>
-              <a:gd name="connsiteX78" fmla="*/ 4638271 w 4693698"/>
-              <a:gd name="connsiteY78" fmla="*/ 3697287 h 6858000"/>
-              <a:gd name="connsiteX79" fmla="*/ 4618116 w 4693698"/>
-              <a:gd name="connsiteY79" fmla="*/ 3736975 h 6858000"/>
-              <a:gd name="connsiteX80" fmla="*/ 4577806 w 4693698"/>
-              <a:gd name="connsiteY80" fmla="*/ 3811587 h 6858000"/>
-              <a:gd name="connsiteX81" fmla="*/ 4559330 w 4693698"/>
-              <a:gd name="connsiteY81" fmla="*/ 3848100 h 6858000"/>
-              <a:gd name="connsiteX82" fmla="*/ 4540854 w 4693698"/>
-              <a:gd name="connsiteY82" fmla="*/ 3890962 h 6858000"/>
-              <a:gd name="connsiteX83" fmla="*/ 4525739 w 4693698"/>
-              <a:gd name="connsiteY83" fmla="*/ 3935412 h 6858000"/>
-              <a:gd name="connsiteX84" fmla="*/ 4515661 w 4693698"/>
-              <a:gd name="connsiteY84" fmla="*/ 3987800 h 6858000"/>
-              <a:gd name="connsiteX85" fmla="*/ 4505583 w 4693698"/>
-              <a:gd name="connsiteY85" fmla="*/ 4048125 h 6858000"/>
-              <a:gd name="connsiteX86" fmla="*/ 4503903 w 4693698"/>
-              <a:gd name="connsiteY86" fmla="*/ 4116387 h 6858000"/>
-              <a:gd name="connsiteX87" fmla="*/ 4505583 w 4693698"/>
-              <a:gd name="connsiteY87" fmla="*/ 4186237 h 6858000"/>
-              <a:gd name="connsiteX88" fmla="*/ 4515661 w 4693698"/>
-              <a:gd name="connsiteY88" fmla="*/ 4244975 h 6858000"/>
-              <a:gd name="connsiteX89" fmla="*/ 4525739 w 4693698"/>
-              <a:gd name="connsiteY89" fmla="*/ 4297362 h 6858000"/>
-              <a:gd name="connsiteX90" fmla="*/ 4540854 w 4693698"/>
-              <a:gd name="connsiteY90" fmla="*/ 4343400 h 6858000"/>
-              <a:gd name="connsiteX91" fmla="*/ 4559330 w 4693698"/>
-              <a:gd name="connsiteY91" fmla="*/ 4386262 h 6858000"/>
-              <a:gd name="connsiteX92" fmla="*/ 4577806 w 4693698"/>
-              <a:gd name="connsiteY92" fmla="*/ 4424362 h 6858000"/>
-              <a:gd name="connsiteX93" fmla="*/ 4618116 w 4693698"/>
-              <a:gd name="connsiteY93" fmla="*/ 4498975 h 6858000"/>
-              <a:gd name="connsiteX94" fmla="*/ 4638271 w 4693698"/>
-              <a:gd name="connsiteY94" fmla="*/ 4537075 h 6858000"/>
-              <a:gd name="connsiteX95" fmla="*/ 4655067 w 4693698"/>
-              <a:gd name="connsiteY95" fmla="*/ 4579937 h 6858000"/>
-              <a:gd name="connsiteX96" fmla="*/ 4670184 w 4693698"/>
-              <a:gd name="connsiteY96" fmla="*/ 4625975 h 6858000"/>
-              <a:gd name="connsiteX97" fmla="*/ 4681941 w 4693698"/>
-              <a:gd name="connsiteY97" fmla="*/ 4678362 h 6858000"/>
-              <a:gd name="connsiteX98" fmla="*/ 4690339 w 4693698"/>
-              <a:gd name="connsiteY98" fmla="*/ 4738687 h 6858000"/>
-              <a:gd name="connsiteX99" fmla="*/ 4693698 w 4693698"/>
-              <a:gd name="connsiteY99" fmla="*/ 4806950 h 6858000"/>
-              <a:gd name="connsiteX100" fmla="*/ 4690339 w 4693698"/>
-              <a:gd name="connsiteY100" fmla="*/ 4875212 h 6858000"/>
-              <a:gd name="connsiteX101" fmla="*/ 4681941 w 4693698"/>
-              <a:gd name="connsiteY101" fmla="*/ 4935537 h 6858000"/>
-              <a:gd name="connsiteX102" fmla="*/ 4670184 w 4693698"/>
-              <a:gd name="connsiteY102" fmla="*/ 4987925 h 6858000"/>
-              <a:gd name="connsiteX103" fmla="*/ 4655067 w 4693698"/>
-              <a:gd name="connsiteY103" fmla="*/ 5033962 h 6858000"/>
-              <a:gd name="connsiteX104" fmla="*/ 4638271 w 4693698"/>
-              <a:gd name="connsiteY104" fmla="*/ 5075237 h 6858000"/>
-              <a:gd name="connsiteX105" fmla="*/ 4618116 w 4693698"/>
-              <a:gd name="connsiteY105" fmla="*/ 5114925 h 6858000"/>
-              <a:gd name="connsiteX106" fmla="*/ 4597961 w 4693698"/>
-              <a:gd name="connsiteY106" fmla="*/ 5149850 h 6858000"/>
-              <a:gd name="connsiteX107" fmla="*/ 4577806 w 4693698"/>
-              <a:gd name="connsiteY107" fmla="*/ 5186362 h 6858000"/>
-              <a:gd name="connsiteX108" fmla="*/ 4559330 w 4693698"/>
-              <a:gd name="connsiteY108" fmla="*/ 5226050 h 6858000"/>
-              <a:gd name="connsiteX109" fmla="*/ 4540854 w 4693698"/>
-              <a:gd name="connsiteY109" fmla="*/ 5268912 h 6858000"/>
-              <a:gd name="connsiteX110" fmla="*/ 4525739 w 4693698"/>
-              <a:gd name="connsiteY110" fmla="*/ 5313362 h 6858000"/>
-              <a:gd name="connsiteX111" fmla="*/ 4515661 w 4693698"/>
-              <a:gd name="connsiteY111" fmla="*/ 5365750 h 6858000"/>
-              <a:gd name="connsiteX112" fmla="*/ 4505583 w 4693698"/>
-              <a:gd name="connsiteY112" fmla="*/ 5426075 h 6858000"/>
-              <a:gd name="connsiteX113" fmla="*/ 4503903 w 4693698"/>
-              <a:gd name="connsiteY113" fmla="*/ 5494337 h 6858000"/>
-              <a:gd name="connsiteX114" fmla="*/ 4505583 w 4693698"/>
-              <a:gd name="connsiteY114" fmla="*/ 5562600 h 6858000"/>
-              <a:gd name="connsiteX115" fmla="*/ 4515661 w 4693698"/>
-              <a:gd name="connsiteY115" fmla="*/ 5622925 h 6858000"/>
-              <a:gd name="connsiteX116" fmla="*/ 4525739 w 4693698"/>
-              <a:gd name="connsiteY116" fmla="*/ 5675312 h 6858000"/>
-              <a:gd name="connsiteX117" fmla="*/ 4540854 w 4693698"/>
-              <a:gd name="connsiteY117" fmla="*/ 5721350 h 6858000"/>
-              <a:gd name="connsiteX118" fmla="*/ 4559330 w 4693698"/>
-              <a:gd name="connsiteY118" fmla="*/ 5762625 h 6858000"/>
-              <a:gd name="connsiteX119" fmla="*/ 4577806 w 4693698"/>
-              <a:gd name="connsiteY119" fmla="*/ 5802312 h 6858000"/>
-              <a:gd name="connsiteX120" fmla="*/ 4597961 w 4693698"/>
-              <a:gd name="connsiteY120" fmla="*/ 5840412 h 6858000"/>
-              <a:gd name="connsiteX121" fmla="*/ 4618116 w 4693698"/>
-              <a:gd name="connsiteY121" fmla="*/ 5876925 h 6858000"/>
-              <a:gd name="connsiteX122" fmla="*/ 4638271 w 4693698"/>
-              <a:gd name="connsiteY122" fmla="*/ 5915025 h 6858000"/>
-              <a:gd name="connsiteX123" fmla="*/ 4655067 w 4693698"/>
-              <a:gd name="connsiteY123" fmla="*/ 5956300 h 6858000"/>
-              <a:gd name="connsiteX124" fmla="*/ 4670184 w 4693698"/>
-              <a:gd name="connsiteY124" fmla="*/ 6003925 h 6858000"/>
-              <a:gd name="connsiteX125" fmla="*/ 4681941 w 4693698"/>
-              <a:gd name="connsiteY125" fmla="*/ 6056312 h 6858000"/>
-              <a:gd name="connsiteX126" fmla="*/ 4690339 w 4693698"/>
-              <a:gd name="connsiteY126" fmla="*/ 6113462 h 6858000"/>
-              <a:gd name="connsiteX127" fmla="*/ 4693698 w 4693698"/>
-              <a:gd name="connsiteY127" fmla="*/ 6183312 h 6858000"/>
-              <a:gd name="connsiteX128" fmla="*/ 4690339 w 4693698"/>
-              <a:gd name="connsiteY128" fmla="*/ 6251575 h 6858000"/>
-              <a:gd name="connsiteX129" fmla="*/ 4681941 w 4693698"/>
-              <a:gd name="connsiteY129" fmla="*/ 6311900 h 6858000"/>
-              <a:gd name="connsiteX130" fmla="*/ 4670184 w 4693698"/>
-              <a:gd name="connsiteY130" fmla="*/ 6361112 h 6858000"/>
-              <a:gd name="connsiteX131" fmla="*/ 4655067 w 4693698"/>
-              <a:gd name="connsiteY131" fmla="*/ 6407150 h 6858000"/>
-              <a:gd name="connsiteX132" fmla="*/ 4638271 w 4693698"/>
-              <a:gd name="connsiteY132" fmla="*/ 6448425 h 6858000"/>
-              <a:gd name="connsiteX133" fmla="*/ 4619796 w 4693698"/>
-              <a:gd name="connsiteY133" fmla="*/ 6488112 h 6858000"/>
-              <a:gd name="connsiteX134" fmla="*/ 4601320 w 4693698"/>
-              <a:gd name="connsiteY134" fmla="*/ 6523037 h 6858000"/>
-              <a:gd name="connsiteX135" fmla="*/ 4581165 w 4693698"/>
-              <a:gd name="connsiteY135" fmla="*/ 6561137 h 6858000"/>
-              <a:gd name="connsiteX136" fmla="*/ 4561010 w 4693698"/>
-              <a:gd name="connsiteY136" fmla="*/ 6597650 h 6858000"/>
-              <a:gd name="connsiteX137" fmla="*/ 4544214 w 4693698"/>
-              <a:gd name="connsiteY137" fmla="*/ 6640512 h 6858000"/>
-              <a:gd name="connsiteX138" fmla="*/ 4527418 w 4693698"/>
-              <a:gd name="connsiteY138" fmla="*/ 6683375 h 6858000"/>
-              <a:gd name="connsiteX139" fmla="*/ 4517340 w 4693698"/>
-              <a:gd name="connsiteY139" fmla="*/ 6735762 h 6858000"/>
-              <a:gd name="connsiteX140" fmla="*/ 4508943 w 4693698"/>
-              <a:gd name="connsiteY140" fmla="*/ 6791325 h 6858000"/>
-              <a:gd name="connsiteX141" fmla="*/ 4503903 w 4693698"/>
-              <a:gd name="connsiteY141" fmla="*/ 6858000 h 6858000"/>
-              <a:gd name="connsiteX142" fmla="*/ 1582057 w 4693698"/>
-              <a:gd name="connsiteY142" fmla="*/ 6858000 h 6858000"/>
-              <a:gd name="connsiteX143" fmla="*/ 420914 w 4693698"/>
-              <a:gd name="connsiteY143" fmla="*/ 6858000 h 6858000"/>
-              <a:gd name="connsiteX144" fmla="*/ 0 w 4693698"/>
-              <a:gd name="connsiteY144" fmla="*/ 6858000 h 6858000"/>
+              <a:gd name="connsiteX0" fmla="*/ 0 w 3474720"/>
+              <a:gd name="connsiteY0" fmla="*/ 0 h 18288"/>
+              <a:gd name="connsiteX1" fmla="*/ 694944 w 3474720"/>
+              <a:gd name="connsiteY1" fmla="*/ 0 h 18288"/>
+              <a:gd name="connsiteX2" fmla="*/ 1355141 w 3474720"/>
+              <a:gd name="connsiteY2" fmla="*/ 0 h 18288"/>
+              <a:gd name="connsiteX3" fmla="*/ 2015338 w 3474720"/>
+              <a:gd name="connsiteY3" fmla="*/ 0 h 18288"/>
+              <a:gd name="connsiteX4" fmla="*/ 2779776 w 3474720"/>
+              <a:gd name="connsiteY4" fmla="*/ 0 h 18288"/>
+              <a:gd name="connsiteX5" fmla="*/ 3474720 w 3474720"/>
+              <a:gd name="connsiteY5" fmla="*/ 0 h 18288"/>
+              <a:gd name="connsiteX6" fmla="*/ 3474720 w 3474720"/>
+              <a:gd name="connsiteY6" fmla="*/ 18288 h 18288"/>
+              <a:gd name="connsiteX7" fmla="*/ 2779776 w 3474720"/>
+              <a:gd name="connsiteY7" fmla="*/ 18288 h 18288"/>
+              <a:gd name="connsiteX8" fmla="*/ 2189074 w 3474720"/>
+              <a:gd name="connsiteY8" fmla="*/ 18288 h 18288"/>
+              <a:gd name="connsiteX9" fmla="*/ 1528877 w 3474720"/>
+              <a:gd name="connsiteY9" fmla="*/ 18288 h 18288"/>
+              <a:gd name="connsiteX10" fmla="*/ 868680 w 3474720"/>
+              <a:gd name="connsiteY10" fmla="*/ 18288 h 18288"/>
+              <a:gd name="connsiteX11" fmla="*/ 0 w 3474720"/>
+              <a:gd name="connsiteY11" fmla="*/ 18288 h 18288"/>
+              <a:gd name="connsiteX12" fmla="*/ 0 w 3474720"/>
+              <a:gd name="connsiteY12" fmla="*/ 0 h 18288"/>
             </a:gdLst>
             <a:ahLst/>
             <a:cxnLst>
@@ -5415,872 +5174,424 @@
               <a:cxn ang="0">
                 <a:pos x="connsiteX12" y="connsiteY12"/>
               </a:cxn>
-              <a:cxn ang="0">
-                <a:pos x="connsiteX13" y="connsiteY13"/>
-              </a:cxn>
-              <a:cxn ang="0">
-                <a:pos x="connsiteX14" y="connsiteY14"/>
-              </a:cxn>
-              <a:cxn ang="0">
-                <a:pos x="connsiteX15" y="connsiteY15"/>
-              </a:cxn>
-              <a:cxn ang="0">
-                <a:pos x="connsiteX16" y="connsiteY16"/>
-              </a:cxn>
-              <a:cxn ang="0">
-                <a:pos x="connsiteX17" y="connsiteY17"/>
-              </a:cxn>
-              <a:cxn ang="0">
-                <a:pos x="connsiteX18" y="connsiteY18"/>
-              </a:cxn>
-              <a:cxn ang="0">
-                <a:pos x="connsiteX19" y="connsiteY19"/>
-              </a:cxn>
-              <a:cxn ang="0">
-                <a:pos x="connsiteX20" y="connsiteY20"/>
-              </a:cxn>
-              <a:cxn ang="0">
-                <a:pos x="connsiteX21" y="connsiteY21"/>
-              </a:cxn>
-              <a:cxn ang="0">
-                <a:pos x="connsiteX22" y="connsiteY22"/>
-              </a:cxn>
-              <a:cxn ang="0">
-                <a:pos x="connsiteX23" y="connsiteY23"/>
-              </a:cxn>
-              <a:cxn ang="0">
-                <a:pos x="connsiteX24" y="connsiteY24"/>
-              </a:cxn>
-              <a:cxn ang="0">
-                <a:pos x="connsiteX25" y="connsiteY25"/>
-              </a:cxn>
-              <a:cxn ang="0">
-                <a:pos x="connsiteX26" y="connsiteY26"/>
-              </a:cxn>
-              <a:cxn ang="0">
-                <a:pos x="connsiteX27" y="connsiteY27"/>
-              </a:cxn>
-              <a:cxn ang="0">
-                <a:pos x="connsiteX28" y="connsiteY28"/>
-              </a:cxn>
-              <a:cxn ang="0">
-                <a:pos x="connsiteX29" y="connsiteY29"/>
-              </a:cxn>
-              <a:cxn ang="0">
-                <a:pos x="connsiteX30" y="connsiteY30"/>
-              </a:cxn>
-              <a:cxn ang="0">
-                <a:pos x="connsiteX31" y="connsiteY31"/>
-              </a:cxn>
-              <a:cxn ang="0">
-                <a:pos x="connsiteX32" y="connsiteY32"/>
-              </a:cxn>
-              <a:cxn ang="0">
-                <a:pos x="connsiteX33" y="connsiteY33"/>
-              </a:cxn>
-              <a:cxn ang="0">
-                <a:pos x="connsiteX34" y="connsiteY34"/>
-              </a:cxn>
-              <a:cxn ang="0">
-                <a:pos x="connsiteX35" y="connsiteY35"/>
-              </a:cxn>
-              <a:cxn ang="0">
-                <a:pos x="connsiteX36" y="connsiteY36"/>
-              </a:cxn>
-              <a:cxn ang="0">
-                <a:pos x="connsiteX37" y="connsiteY37"/>
-              </a:cxn>
-              <a:cxn ang="0">
-                <a:pos x="connsiteX38" y="connsiteY38"/>
-              </a:cxn>
-              <a:cxn ang="0">
-                <a:pos x="connsiteX39" y="connsiteY39"/>
-              </a:cxn>
-              <a:cxn ang="0">
-                <a:pos x="connsiteX40" y="connsiteY40"/>
-              </a:cxn>
-              <a:cxn ang="0">
-                <a:pos x="connsiteX41" y="connsiteY41"/>
-              </a:cxn>
-              <a:cxn ang="0">
-                <a:pos x="connsiteX42" y="connsiteY42"/>
-              </a:cxn>
-              <a:cxn ang="0">
-                <a:pos x="connsiteX43" y="connsiteY43"/>
-              </a:cxn>
-              <a:cxn ang="0">
-                <a:pos x="connsiteX44" y="connsiteY44"/>
-              </a:cxn>
-              <a:cxn ang="0">
-                <a:pos x="connsiteX45" y="connsiteY45"/>
-              </a:cxn>
-              <a:cxn ang="0">
-                <a:pos x="connsiteX46" y="connsiteY46"/>
-              </a:cxn>
-              <a:cxn ang="0">
-                <a:pos x="connsiteX47" y="connsiteY47"/>
-              </a:cxn>
-              <a:cxn ang="0">
-                <a:pos x="connsiteX48" y="connsiteY48"/>
-              </a:cxn>
-              <a:cxn ang="0">
-                <a:pos x="connsiteX49" y="connsiteY49"/>
-              </a:cxn>
-              <a:cxn ang="0">
-                <a:pos x="connsiteX50" y="connsiteY50"/>
-              </a:cxn>
-              <a:cxn ang="0">
-                <a:pos x="connsiteX51" y="connsiteY51"/>
-              </a:cxn>
-              <a:cxn ang="0">
-                <a:pos x="connsiteX52" y="connsiteY52"/>
-              </a:cxn>
-              <a:cxn ang="0">
-                <a:pos x="connsiteX53" y="connsiteY53"/>
-              </a:cxn>
-              <a:cxn ang="0">
-                <a:pos x="connsiteX54" y="connsiteY54"/>
-              </a:cxn>
-              <a:cxn ang="0">
-                <a:pos x="connsiteX55" y="connsiteY55"/>
-              </a:cxn>
-              <a:cxn ang="0">
-                <a:pos x="connsiteX56" y="connsiteY56"/>
-              </a:cxn>
-              <a:cxn ang="0">
-                <a:pos x="connsiteX57" y="connsiteY57"/>
-              </a:cxn>
-              <a:cxn ang="0">
-                <a:pos x="connsiteX58" y="connsiteY58"/>
-              </a:cxn>
-              <a:cxn ang="0">
-                <a:pos x="connsiteX59" y="connsiteY59"/>
-              </a:cxn>
-              <a:cxn ang="0">
-                <a:pos x="connsiteX60" y="connsiteY60"/>
-              </a:cxn>
-              <a:cxn ang="0">
-                <a:pos x="connsiteX61" y="connsiteY61"/>
-              </a:cxn>
-              <a:cxn ang="0">
-                <a:pos x="connsiteX62" y="connsiteY62"/>
-              </a:cxn>
-              <a:cxn ang="0">
-                <a:pos x="connsiteX63" y="connsiteY63"/>
-              </a:cxn>
-              <a:cxn ang="0">
-                <a:pos x="connsiteX64" y="connsiteY64"/>
-              </a:cxn>
-              <a:cxn ang="0">
-                <a:pos x="connsiteX65" y="connsiteY65"/>
-              </a:cxn>
-              <a:cxn ang="0">
-                <a:pos x="connsiteX66" y="connsiteY66"/>
-              </a:cxn>
-              <a:cxn ang="0">
-                <a:pos x="connsiteX67" y="connsiteY67"/>
-              </a:cxn>
-              <a:cxn ang="0">
-                <a:pos x="connsiteX68" y="connsiteY68"/>
-              </a:cxn>
-              <a:cxn ang="0">
-                <a:pos x="connsiteX69" y="connsiteY69"/>
-              </a:cxn>
-              <a:cxn ang="0">
-                <a:pos x="connsiteX70" y="connsiteY70"/>
-              </a:cxn>
-              <a:cxn ang="0">
-                <a:pos x="connsiteX71" y="connsiteY71"/>
-              </a:cxn>
-              <a:cxn ang="0">
-                <a:pos x="connsiteX72" y="connsiteY72"/>
-              </a:cxn>
-              <a:cxn ang="0">
-                <a:pos x="connsiteX73" y="connsiteY73"/>
-              </a:cxn>
-              <a:cxn ang="0">
-                <a:pos x="connsiteX74" y="connsiteY74"/>
-              </a:cxn>
-              <a:cxn ang="0">
-                <a:pos x="connsiteX75" y="connsiteY75"/>
-              </a:cxn>
-              <a:cxn ang="0">
-                <a:pos x="connsiteX76" y="connsiteY76"/>
-              </a:cxn>
-              <a:cxn ang="0">
-                <a:pos x="connsiteX77" y="connsiteY77"/>
-              </a:cxn>
-              <a:cxn ang="0">
-                <a:pos x="connsiteX78" y="connsiteY78"/>
-              </a:cxn>
-              <a:cxn ang="0">
-                <a:pos x="connsiteX79" y="connsiteY79"/>
-              </a:cxn>
-              <a:cxn ang="0">
-                <a:pos x="connsiteX80" y="connsiteY80"/>
-              </a:cxn>
-              <a:cxn ang="0">
-                <a:pos x="connsiteX81" y="connsiteY81"/>
-              </a:cxn>
-              <a:cxn ang="0">
-                <a:pos x="connsiteX82" y="connsiteY82"/>
-              </a:cxn>
-              <a:cxn ang="0">
-                <a:pos x="connsiteX83" y="connsiteY83"/>
-              </a:cxn>
-              <a:cxn ang="0">
-                <a:pos x="connsiteX84" y="connsiteY84"/>
-              </a:cxn>
-              <a:cxn ang="0">
-                <a:pos x="connsiteX85" y="connsiteY85"/>
-              </a:cxn>
-              <a:cxn ang="0">
-                <a:pos x="connsiteX86" y="connsiteY86"/>
-              </a:cxn>
-              <a:cxn ang="0">
-                <a:pos x="connsiteX87" y="connsiteY87"/>
-              </a:cxn>
-              <a:cxn ang="0">
-                <a:pos x="connsiteX88" y="connsiteY88"/>
-              </a:cxn>
-              <a:cxn ang="0">
-                <a:pos x="connsiteX89" y="connsiteY89"/>
-              </a:cxn>
-              <a:cxn ang="0">
-                <a:pos x="connsiteX90" y="connsiteY90"/>
-              </a:cxn>
-              <a:cxn ang="0">
-                <a:pos x="connsiteX91" y="connsiteY91"/>
-              </a:cxn>
-              <a:cxn ang="0">
-                <a:pos x="connsiteX92" y="connsiteY92"/>
-              </a:cxn>
-              <a:cxn ang="0">
-                <a:pos x="connsiteX93" y="connsiteY93"/>
-              </a:cxn>
-              <a:cxn ang="0">
-                <a:pos x="connsiteX94" y="connsiteY94"/>
-              </a:cxn>
-              <a:cxn ang="0">
-                <a:pos x="connsiteX95" y="connsiteY95"/>
-              </a:cxn>
-              <a:cxn ang="0">
-                <a:pos x="connsiteX96" y="connsiteY96"/>
-              </a:cxn>
-              <a:cxn ang="0">
-                <a:pos x="connsiteX97" y="connsiteY97"/>
-              </a:cxn>
-              <a:cxn ang="0">
-                <a:pos x="connsiteX98" y="connsiteY98"/>
-              </a:cxn>
-              <a:cxn ang="0">
-                <a:pos x="connsiteX99" y="connsiteY99"/>
-              </a:cxn>
-              <a:cxn ang="0">
-                <a:pos x="connsiteX100" y="connsiteY100"/>
-              </a:cxn>
-              <a:cxn ang="0">
-                <a:pos x="connsiteX101" y="connsiteY101"/>
-              </a:cxn>
-              <a:cxn ang="0">
-                <a:pos x="connsiteX102" y="connsiteY102"/>
-              </a:cxn>
-              <a:cxn ang="0">
-                <a:pos x="connsiteX103" y="connsiteY103"/>
-              </a:cxn>
-              <a:cxn ang="0">
-                <a:pos x="connsiteX104" y="connsiteY104"/>
-              </a:cxn>
-              <a:cxn ang="0">
-                <a:pos x="connsiteX105" y="connsiteY105"/>
-              </a:cxn>
-              <a:cxn ang="0">
-                <a:pos x="connsiteX106" y="connsiteY106"/>
-              </a:cxn>
-              <a:cxn ang="0">
-                <a:pos x="connsiteX107" y="connsiteY107"/>
-              </a:cxn>
-              <a:cxn ang="0">
-                <a:pos x="connsiteX108" y="connsiteY108"/>
-              </a:cxn>
-              <a:cxn ang="0">
-                <a:pos x="connsiteX109" y="connsiteY109"/>
-              </a:cxn>
-              <a:cxn ang="0">
-                <a:pos x="connsiteX110" y="connsiteY110"/>
-              </a:cxn>
-              <a:cxn ang="0">
-                <a:pos x="connsiteX111" y="connsiteY111"/>
-              </a:cxn>
-              <a:cxn ang="0">
-                <a:pos x="connsiteX112" y="connsiteY112"/>
-              </a:cxn>
-              <a:cxn ang="0">
-                <a:pos x="connsiteX113" y="connsiteY113"/>
-              </a:cxn>
-              <a:cxn ang="0">
-                <a:pos x="connsiteX114" y="connsiteY114"/>
-              </a:cxn>
-              <a:cxn ang="0">
-                <a:pos x="connsiteX115" y="connsiteY115"/>
-              </a:cxn>
-              <a:cxn ang="0">
-                <a:pos x="connsiteX116" y="connsiteY116"/>
-              </a:cxn>
-              <a:cxn ang="0">
-                <a:pos x="connsiteX117" y="connsiteY117"/>
-              </a:cxn>
-              <a:cxn ang="0">
-                <a:pos x="connsiteX118" y="connsiteY118"/>
-              </a:cxn>
-              <a:cxn ang="0">
-                <a:pos x="connsiteX119" y="connsiteY119"/>
-              </a:cxn>
-              <a:cxn ang="0">
-                <a:pos x="connsiteX120" y="connsiteY120"/>
-              </a:cxn>
-              <a:cxn ang="0">
-                <a:pos x="connsiteX121" y="connsiteY121"/>
-              </a:cxn>
-              <a:cxn ang="0">
-                <a:pos x="connsiteX122" y="connsiteY122"/>
-              </a:cxn>
-              <a:cxn ang="0">
-                <a:pos x="connsiteX123" y="connsiteY123"/>
-              </a:cxn>
-              <a:cxn ang="0">
-                <a:pos x="connsiteX124" y="connsiteY124"/>
-              </a:cxn>
-              <a:cxn ang="0">
-                <a:pos x="connsiteX125" y="connsiteY125"/>
-              </a:cxn>
-              <a:cxn ang="0">
-                <a:pos x="connsiteX126" y="connsiteY126"/>
-              </a:cxn>
-              <a:cxn ang="0">
-                <a:pos x="connsiteX127" y="connsiteY127"/>
-              </a:cxn>
-              <a:cxn ang="0">
-                <a:pos x="connsiteX128" y="connsiteY128"/>
-              </a:cxn>
-              <a:cxn ang="0">
-                <a:pos x="connsiteX129" y="connsiteY129"/>
-              </a:cxn>
-              <a:cxn ang="0">
-                <a:pos x="connsiteX130" y="connsiteY130"/>
-              </a:cxn>
-              <a:cxn ang="0">
-                <a:pos x="connsiteX131" y="connsiteY131"/>
-              </a:cxn>
-              <a:cxn ang="0">
-                <a:pos x="connsiteX132" y="connsiteY132"/>
-              </a:cxn>
-              <a:cxn ang="0">
-                <a:pos x="connsiteX133" y="connsiteY133"/>
-              </a:cxn>
-              <a:cxn ang="0">
-                <a:pos x="connsiteX134" y="connsiteY134"/>
-              </a:cxn>
-              <a:cxn ang="0">
-                <a:pos x="connsiteX135" y="connsiteY135"/>
-              </a:cxn>
-              <a:cxn ang="0">
-                <a:pos x="connsiteX136" y="connsiteY136"/>
-              </a:cxn>
-              <a:cxn ang="0">
-                <a:pos x="connsiteX137" y="connsiteY137"/>
-              </a:cxn>
-              <a:cxn ang="0">
-                <a:pos x="connsiteX138" y="connsiteY138"/>
-              </a:cxn>
-              <a:cxn ang="0">
-                <a:pos x="connsiteX139" y="connsiteY139"/>
-              </a:cxn>
-              <a:cxn ang="0">
-                <a:pos x="connsiteX140" y="connsiteY140"/>
-              </a:cxn>
-              <a:cxn ang="0">
-                <a:pos x="connsiteX141" y="connsiteY141"/>
-              </a:cxn>
-              <a:cxn ang="0">
-                <a:pos x="connsiteX142" y="connsiteY142"/>
-              </a:cxn>
-              <a:cxn ang="0">
-                <a:pos x="connsiteX143" y="connsiteY143"/>
-              </a:cxn>
-              <a:cxn ang="0">
-                <a:pos x="connsiteX144" y="connsiteY144"/>
-              </a:cxn>
             </a:cxnLst>
             <a:rect l="l" t="t" r="r" b="b"/>
             <a:pathLst>
-              <a:path w="4693698" h="6858000">
+              <a:path w="3474720" h="18288" fill="none" extrusionOk="0">
                 <a:moveTo>
                   <a:pt x="0" y="0"/>
                 </a:moveTo>
-                <a:lnTo>
-                  <a:pt x="420914" y="0"/>
-                </a:lnTo>
-                <a:lnTo>
-                  <a:pt x="1582057" y="0"/>
-                </a:lnTo>
-                <a:lnTo>
-                  <a:pt x="4503903" y="0"/>
-                </a:lnTo>
-                <a:lnTo>
-                  <a:pt x="4508943" y="66675"/>
-                </a:lnTo>
-                <a:lnTo>
-                  <a:pt x="4517340" y="122237"/>
-                </a:lnTo>
-                <a:lnTo>
-                  <a:pt x="4527418" y="174625"/>
-                </a:lnTo>
-                <a:lnTo>
-                  <a:pt x="4544214" y="217487"/>
-                </a:lnTo>
-                <a:lnTo>
-                  <a:pt x="4561010" y="260350"/>
-                </a:lnTo>
-                <a:lnTo>
-                  <a:pt x="4581165" y="296862"/>
-                </a:lnTo>
-                <a:lnTo>
-                  <a:pt x="4601320" y="334962"/>
-                </a:lnTo>
-                <a:lnTo>
-                  <a:pt x="4619796" y="369887"/>
-                </a:lnTo>
-                <a:lnTo>
-                  <a:pt x="4638271" y="409575"/>
-                </a:lnTo>
-                <a:lnTo>
-                  <a:pt x="4655067" y="450850"/>
-                </a:lnTo>
-                <a:lnTo>
-                  <a:pt x="4670184" y="496887"/>
-                </a:lnTo>
-                <a:lnTo>
-                  <a:pt x="4681941" y="546100"/>
-                </a:lnTo>
-                <a:lnTo>
-                  <a:pt x="4690339" y="606425"/>
-                </a:lnTo>
-                <a:lnTo>
-                  <a:pt x="4693698" y="673100"/>
-                </a:lnTo>
-                <a:lnTo>
-                  <a:pt x="4690339" y="744537"/>
-                </a:lnTo>
-                <a:lnTo>
-                  <a:pt x="4681941" y="801687"/>
-                </a:lnTo>
-                <a:lnTo>
-                  <a:pt x="4670184" y="854075"/>
-                </a:lnTo>
-                <a:lnTo>
-                  <a:pt x="4655067" y="901700"/>
-                </a:lnTo>
-                <a:lnTo>
-                  <a:pt x="4638271" y="942975"/>
-                </a:lnTo>
-                <a:lnTo>
-                  <a:pt x="4618116" y="981075"/>
-                </a:lnTo>
-                <a:lnTo>
-                  <a:pt x="4597961" y="1017587"/>
-                </a:lnTo>
-                <a:lnTo>
-                  <a:pt x="4577806" y="1055687"/>
-                </a:lnTo>
-                <a:lnTo>
-                  <a:pt x="4559330" y="1095375"/>
-                </a:lnTo>
-                <a:lnTo>
-                  <a:pt x="4540854" y="1136650"/>
-                </a:lnTo>
-                <a:lnTo>
-                  <a:pt x="4525739" y="1182687"/>
-                </a:lnTo>
-                <a:lnTo>
-                  <a:pt x="4515661" y="1235075"/>
-                </a:lnTo>
-                <a:lnTo>
-                  <a:pt x="4505583" y="1295400"/>
-                </a:lnTo>
-                <a:lnTo>
-                  <a:pt x="4503903" y="1363662"/>
-                </a:lnTo>
-                <a:lnTo>
-                  <a:pt x="4505583" y="1431925"/>
-                </a:lnTo>
-                <a:lnTo>
-                  <a:pt x="4515661" y="1492250"/>
-                </a:lnTo>
-                <a:lnTo>
-                  <a:pt x="4525739" y="1544637"/>
-                </a:lnTo>
-                <a:lnTo>
-                  <a:pt x="4540854" y="1589087"/>
-                </a:lnTo>
-                <a:lnTo>
-                  <a:pt x="4559330" y="1631950"/>
-                </a:lnTo>
-                <a:lnTo>
-                  <a:pt x="4577806" y="1671637"/>
-                </a:lnTo>
-                <a:lnTo>
-                  <a:pt x="4597961" y="1708150"/>
-                </a:lnTo>
-                <a:lnTo>
-                  <a:pt x="4618116" y="1743075"/>
-                </a:lnTo>
-                <a:lnTo>
-                  <a:pt x="4638271" y="1782762"/>
-                </a:lnTo>
-                <a:lnTo>
-                  <a:pt x="4655067" y="1824037"/>
-                </a:lnTo>
-                <a:lnTo>
-                  <a:pt x="4670184" y="1870075"/>
-                </a:lnTo>
-                <a:lnTo>
-                  <a:pt x="4681941" y="1922462"/>
-                </a:lnTo>
-                <a:lnTo>
-                  <a:pt x="4690339" y="1982787"/>
-                </a:lnTo>
-                <a:lnTo>
-                  <a:pt x="4693698" y="2051050"/>
-                </a:lnTo>
-                <a:lnTo>
-                  <a:pt x="4690339" y="2119312"/>
-                </a:lnTo>
-                <a:lnTo>
-                  <a:pt x="4681941" y="2179637"/>
-                </a:lnTo>
-                <a:lnTo>
-                  <a:pt x="4670184" y="2232025"/>
-                </a:lnTo>
-                <a:lnTo>
-                  <a:pt x="4655067" y="2278062"/>
-                </a:lnTo>
-                <a:lnTo>
-                  <a:pt x="4638271" y="2319337"/>
-                </a:lnTo>
-                <a:lnTo>
-                  <a:pt x="4618116" y="2359025"/>
-                </a:lnTo>
-                <a:lnTo>
-                  <a:pt x="4597961" y="2395537"/>
-                </a:lnTo>
-                <a:lnTo>
-                  <a:pt x="4577806" y="2433637"/>
-                </a:lnTo>
-                <a:lnTo>
-                  <a:pt x="4559330" y="2471737"/>
-                </a:lnTo>
-                <a:lnTo>
-                  <a:pt x="4540854" y="2513012"/>
-                </a:lnTo>
-                <a:lnTo>
-                  <a:pt x="4525739" y="2560637"/>
-                </a:lnTo>
-                <a:lnTo>
-                  <a:pt x="4515661" y="2613025"/>
-                </a:lnTo>
-                <a:lnTo>
-                  <a:pt x="4505583" y="2671762"/>
-                </a:lnTo>
-                <a:lnTo>
-                  <a:pt x="4503903" y="2741612"/>
-                </a:lnTo>
-                <a:lnTo>
-                  <a:pt x="4505583" y="2809875"/>
-                </a:lnTo>
-                <a:lnTo>
-                  <a:pt x="4515661" y="2868612"/>
-                </a:lnTo>
-                <a:lnTo>
-                  <a:pt x="4525739" y="2922587"/>
-                </a:lnTo>
-                <a:lnTo>
-                  <a:pt x="4540854" y="2967037"/>
-                </a:lnTo>
-                <a:lnTo>
-                  <a:pt x="4559330" y="3009900"/>
-                </a:lnTo>
-                <a:lnTo>
-                  <a:pt x="4577806" y="3046412"/>
-                </a:lnTo>
-                <a:lnTo>
-                  <a:pt x="4597961" y="3084512"/>
-                </a:lnTo>
-                <a:lnTo>
-                  <a:pt x="4618116" y="3121025"/>
-                </a:lnTo>
-                <a:lnTo>
-                  <a:pt x="4638271" y="3160712"/>
-                </a:lnTo>
-                <a:lnTo>
-                  <a:pt x="4655067" y="3201987"/>
-                </a:lnTo>
-                <a:lnTo>
-                  <a:pt x="4670184" y="3248025"/>
-                </a:lnTo>
-                <a:lnTo>
-                  <a:pt x="4681941" y="3300412"/>
-                </a:lnTo>
-                <a:lnTo>
-                  <a:pt x="4690339" y="3360737"/>
-                </a:lnTo>
-                <a:lnTo>
-                  <a:pt x="4693698" y="3427412"/>
-                </a:lnTo>
-                <a:lnTo>
-                  <a:pt x="4690339" y="3497262"/>
-                </a:lnTo>
-                <a:lnTo>
-                  <a:pt x="4681941" y="3557587"/>
-                </a:lnTo>
-                <a:lnTo>
-                  <a:pt x="4670184" y="3609975"/>
-                </a:lnTo>
-                <a:lnTo>
-                  <a:pt x="4655067" y="3656012"/>
-                </a:lnTo>
-                <a:lnTo>
-                  <a:pt x="4638271" y="3697287"/>
-                </a:lnTo>
-                <a:lnTo>
-                  <a:pt x="4618116" y="3736975"/>
-                </a:lnTo>
-                <a:lnTo>
-                  <a:pt x="4577806" y="3811587"/>
-                </a:lnTo>
-                <a:lnTo>
-                  <a:pt x="4559330" y="3848100"/>
-                </a:lnTo>
-                <a:lnTo>
-                  <a:pt x="4540854" y="3890962"/>
-                </a:lnTo>
-                <a:lnTo>
-                  <a:pt x="4525739" y="3935412"/>
-                </a:lnTo>
-                <a:lnTo>
-                  <a:pt x="4515661" y="3987800"/>
-                </a:lnTo>
-                <a:lnTo>
-                  <a:pt x="4505583" y="4048125"/>
-                </a:lnTo>
-                <a:lnTo>
-                  <a:pt x="4503903" y="4116387"/>
-                </a:lnTo>
-                <a:lnTo>
-                  <a:pt x="4505583" y="4186237"/>
-                </a:lnTo>
-                <a:lnTo>
-                  <a:pt x="4515661" y="4244975"/>
-                </a:lnTo>
-                <a:lnTo>
-                  <a:pt x="4525739" y="4297362"/>
-                </a:lnTo>
-                <a:lnTo>
-                  <a:pt x="4540854" y="4343400"/>
-                </a:lnTo>
-                <a:lnTo>
-                  <a:pt x="4559330" y="4386262"/>
-                </a:lnTo>
-                <a:lnTo>
-                  <a:pt x="4577806" y="4424362"/>
-                </a:lnTo>
-                <a:lnTo>
-                  <a:pt x="4618116" y="4498975"/>
-                </a:lnTo>
-                <a:lnTo>
-                  <a:pt x="4638271" y="4537075"/>
-                </a:lnTo>
-                <a:lnTo>
-                  <a:pt x="4655067" y="4579937"/>
-                </a:lnTo>
-                <a:lnTo>
-                  <a:pt x="4670184" y="4625975"/>
-                </a:lnTo>
-                <a:lnTo>
-                  <a:pt x="4681941" y="4678362"/>
-                </a:lnTo>
-                <a:lnTo>
-                  <a:pt x="4690339" y="4738687"/>
-                </a:lnTo>
-                <a:lnTo>
-                  <a:pt x="4693698" y="4806950"/>
-                </a:lnTo>
-                <a:lnTo>
-                  <a:pt x="4690339" y="4875212"/>
-                </a:lnTo>
-                <a:lnTo>
-                  <a:pt x="4681941" y="4935537"/>
-                </a:lnTo>
-                <a:lnTo>
-                  <a:pt x="4670184" y="4987925"/>
-                </a:lnTo>
-                <a:lnTo>
-                  <a:pt x="4655067" y="5033962"/>
-                </a:lnTo>
-                <a:lnTo>
-                  <a:pt x="4638271" y="5075237"/>
-                </a:lnTo>
-                <a:lnTo>
-                  <a:pt x="4618116" y="5114925"/>
-                </a:lnTo>
-                <a:lnTo>
-                  <a:pt x="4597961" y="5149850"/>
-                </a:lnTo>
-                <a:lnTo>
-                  <a:pt x="4577806" y="5186362"/>
-                </a:lnTo>
-                <a:lnTo>
-                  <a:pt x="4559330" y="5226050"/>
-                </a:lnTo>
-                <a:lnTo>
-                  <a:pt x="4540854" y="5268912"/>
-                </a:lnTo>
-                <a:lnTo>
-                  <a:pt x="4525739" y="5313362"/>
-                </a:lnTo>
-                <a:lnTo>
-                  <a:pt x="4515661" y="5365750"/>
-                </a:lnTo>
-                <a:lnTo>
-                  <a:pt x="4505583" y="5426075"/>
-                </a:lnTo>
-                <a:lnTo>
-                  <a:pt x="4503903" y="5494337"/>
-                </a:lnTo>
-                <a:lnTo>
-                  <a:pt x="4505583" y="5562600"/>
-                </a:lnTo>
-                <a:lnTo>
-                  <a:pt x="4515661" y="5622925"/>
-                </a:lnTo>
-                <a:lnTo>
-                  <a:pt x="4525739" y="5675312"/>
-                </a:lnTo>
-                <a:lnTo>
-                  <a:pt x="4540854" y="5721350"/>
-                </a:lnTo>
-                <a:lnTo>
-                  <a:pt x="4559330" y="5762625"/>
-                </a:lnTo>
-                <a:lnTo>
-                  <a:pt x="4577806" y="5802312"/>
-                </a:lnTo>
-                <a:lnTo>
-                  <a:pt x="4597961" y="5840412"/>
-                </a:lnTo>
-                <a:lnTo>
-                  <a:pt x="4618116" y="5876925"/>
-                </a:lnTo>
-                <a:lnTo>
-                  <a:pt x="4638271" y="5915025"/>
-                </a:lnTo>
-                <a:lnTo>
-                  <a:pt x="4655067" y="5956300"/>
-                </a:lnTo>
-                <a:lnTo>
-                  <a:pt x="4670184" y="6003925"/>
-                </a:lnTo>
-                <a:lnTo>
-                  <a:pt x="4681941" y="6056312"/>
-                </a:lnTo>
-                <a:lnTo>
-                  <a:pt x="4690339" y="6113462"/>
-                </a:lnTo>
-                <a:lnTo>
-                  <a:pt x="4693698" y="6183312"/>
-                </a:lnTo>
-                <a:lnTo>
-                  <a:pt x="4690339" y="6251575"/>
-                </a:lnTo>
-                <a:lnTo>
-                  <a:pt x="4681941" y="6311900"/>
-                </a:lnTo>
-                <a:lnTo>
-                  <a:pt x="4670184" y="6361112"/>
-                </a:lnTo>
-                <a:lnTo>
-                  <a:pt x="4655067" y="6407150"/>
-                </a:lnTo>
-                <a:lnTo>
-                  <a:pt x="4638271" y="6448425"/>
-                </a:lnTo>
-                <a:lnTo>
-                  <a:pt x="4619796" y="6488112"/>
-                </a:lnTo>
-                <a:lnTo>
-                  <a:pt x="4601320" y="6523037"/>
-                </a:lnTo>
-                <a:lnTo>
-                  <a:pt x="4581165" y="6561137"/>
-                </a:lnTo>
-                <a:lnTo>
-                  <a:pt x="4561010" y="6597650"/>
-                </a:lnTo>
-                <a:lnTo>
-                  <a:pt x="4544214" y="6640512"/>
-                </a:lnTo>
-                <a:lnTo>
-                  <a:pt x="4527418" y="6683375"/>
-                </a:lnTo>
-                <a:lnTo>
-                  <a:pt x="4517340" y="6735762"/>
-                </a:lnTo>
-                <a:lnTo>
-                  <a:pt x="4508943" y="6791325"/>
-                </a:lnTo>
-                <a:lnTo>
-                  <a:pt x="4503903" y="6858000"/>
-                </a:lnTo>
-                <a:lnTo>
-                  <a:pt x="1582057" y="6858000"/>
-                </a:lnTo>
-                <a:lnTo>
-                  <a:pt x="420914" y="6858000"/>
-                </a:lnTo>
-                <a:lnTo>
-                  <a:pt x="0" y="6858000"/>
-                </a:lnTo>
+                <a:cubicBezTo>
+                  <a:pt x="224454" y="-14544"/>
+                  <a:pt x="495407" y="26540"/>
+                  <a:pt x="694944" y="0"/>
+                </a:cubicBezTo>
+                <a:cubicBezTo>
+                  <a:pt x="894481" y="-26540"/>
+                  <a:pt x="1130063" y="24713"/>
+                  <a:pt x="1355141" y="0"/>
+                </a:cubicBezTo>
+                <a:cubicBezTo>
+                  <a:pt x="1580219" y="-24713"/>
+                  <a:pt x="1820099" y="26695"/>
+                  <a:pt x="2015338" y="0"/>
+                </a:cubicBezTo>
+                <a:cubicBezTo>
+                  <a:pt x="2210577" y="-26695"/>
+                  <a:pt x="2402045" y="165"/>
+                  <a:pt x="2779776" y="0"/>
+                </a:cubicBezTo>
+                <a:cubicBezTo>
+                  <a:pt x="3157507" y="-165"/>
+                  <a:pt x="3286859" y="-15571"/>
+                  <a:pt x="3474720" y="0"/>
+                </a:cubicBezTo>
+                <a:cubicBezTo>
+                  <a:pt x="3474286" y="7551"/>
+                  <a:pt x="3474253" y="9822"/>
+                  <a:pt x="3474720" y="18288"/>
+                </a:cubicBezTo>
+                <a:cubicBezTo>
+                  <a:pt x="3233904" y="29845"/>
+                  <a:pt x="2945134" y="-5256"/>
+                  <a:pt x="2779776" y="18288"/>
+                </a:cubicBezTo>
+                <a:cubicBezTo>
+                  <a:pt x="2614418" y="41832"/>
+                  <a:pt x="2339768" y="22709"/>
+                  <a:pt x="2189074" y="18288"/>
+                </a:cubicBezTo>
+                <a:cubicBezTo>
+                  <a:pt x="2038380" y="13867"/>
+                  <a:pt x="1817434" y="-4947"/>
+                  <a:pt x="1528877" y="18288"/>
+                </a:cubicBezTo>
+                <a:cubicBezTo>
+                  <a:pt x="1240320" y="41523"/>
+                  <a:pt x="1042447" y="37198"/>
+                  <a:pt x="868680" y="18288"/>
+                </a:cubicBezTo>
+                <a:cubicBezTo>
+                  <a:pt x="694913" y="-622"/>
+                  <a:pt x="233232" y="44909"/>
+                  <a:pt x="0" y="18288"/>
+                </a:cubicBezTo>
+                <a:cubicBezTo>
+                  <a:pt x="60" y="11696"/>
+                  <a:pt x="66" y="3758"/>
+                  <a:pt x="0" y="0"/>
+                </a:cubicBezTo>
+                <a:close/>
+              </a:path>
+              <a:path w="3474720" h="18288" stroke="0" extrusionOk="0">
+                <a:moveTo>
+                  <a:pt x="0" y="0"/>
+                </a:moveTo>
+                <a:cubicBezTo>
+                  <a:pt x="202328" y="-14716"/>
+                  <a:pt x="332722" y="-11499"/>
+                  <a:pt x="625450" y="0"/>
+                </a:cubicBezTo>
+                <a:cubicBezTo>
+                  <a:pt x="918178" y="11499"/>
+                  <a:pt x="1096688" y="5123"/>
+                  <a:pt x="1389888" y="0"/>
+                </a:cubicBezTo>
+                <a:cubicBezTo>
+                  <a:pt x="1683088" y="-5123"/>
+                  <a:pt x="1835981" y="-14038"/>
+                  <a:pt x="1980590" y="0"/>
+                </a:cubicBezTo>
+                <a:cubicBezTo>
+                  <a:pt x="2125199" y="14038"/>
+                  <a:pt x="2396099" y="-7203"/>
+                  <a:pt x="2571293" y="0"/>
+                </a:cubicBezTo>
+                <a:cubicBezTo>
+                  <a:pt x="2746487" y="7203"/>
+                  <a:pt x="3041609" y="-12036"/>
+                  <a:pt x="3474720" y="0"/>
+                </a:cubicBezTo>
+                <a:cubicBezTo>
+                  <a:pt x="3474638" y="4406"/>
+                  <a:pt x="3474631" y="9982"/>
+                  <a:pt x="3474720" y="18288"/>
+                </a:cubicBezTo>
+                <a:cubicBezTo>
+                  <a:pt x="3324873" y="21876"/>
+                  <a:pt x="3136771" y="12587"/>
+                  <a:pt x="2814523" y="18288"/>
+                </a:cubicBezTo>
+                <a:cubicBezTo>
+                  <a:pt x="2492275" y="23989"/>
+                  <a:pt x="2294402" y="47111"/>
+                  <a:pt x="2154326" y="18288"/>
+                </a:cubicBezTo>
+                <a:cubicBezTo>
+                  <a:pt x="2014250" y="-10535"/>
+                  <a:pt x="1820317" y="33903"/>
+                  <a:pt x="1494130" y="18288"/>
+                </a:cubicBezTo>
+                <a:cubicBezTo>
+                  <a:pt x="1167943" y="2673"/>
+                  <a:pt x="948432" y="14868"/>
+                  <a:pt x="729691" y="18288"/>
+                </a:cubicBezTo>
+                <a:cubicBezTo>
+                  <a:pt x="510950" y="21708"/>
+                  <a:pt x="264032" y="24354"/>
+                  <a:pt x="0" y="18288"/>
+                </a:cubicBezTo>
+                <a:cubicBezTo>
+                  <a:pt x="189" y="14288"/>
+                  <a:pt x="-703" y="3747"/>
+                  <a:pt x="0" y="0"/>
+                </a:cubicBezTo>
                 <a:close/>
               </a:path>
             </a:pathLst>
           </a:custGeom>
           <a:solidFill>
-            <a:schemeClr val="tx1"/>
+            <a:schemeClr val="accent2"/>
           </a:solidFill>
-          <a:ln w="0">
-            <a:noFill/>
-            <a:prstDash val="solid"/>
+          <a:ln w="44450" cap="rnd">
+            <a:solidFill>
+              <a:schemeClr val="accent2"/>
+            </a:solidFill>
             <a:round/>
-            <a:headEnd/>
-            <a:tailEnd/>
+            <a:extLst>
+              <a:ext uri="{C807C97D-BFC1-408E-A445-0C87EB9F89A2}">
+                <ask:lineSketchStyleProps xmlns:ask="http://schemas.microsoft.com/office/drawing/2018/sketchyshapes" sd="2863741219">
+                  <a:prstGeom prst="rect">
+                    <a:avLst/>
+                  </a:prstGeom>
+                  <ask:type>
+                    <ask:lineSketchFreehand/>
+                  </ask:type>
+                </ask:lineSketchStyleProps>
+              </a:ext>
+            </a:extLst>
           </a:ln>
         </p:spPr>
-        <p:txBody>
-          <a:bodyPr wrap="square">
-            <a:noAutofit/>
-          </a:bodyPr>
-          <a:lstStyle/>
-          <a:p>
-            <a:endParaRPr lang="en-US" dirty="0"/>
-          </a:p>
-        </p:txBody>
-      </p:sp>
-      <p:sp>
-        <p:nvSpPr>
-          <p:cNvPr id="14" name="Freeform: Shape 13">
+        <p:style>
+          <a:lnRef idx="2">
+            <a:schemeClr val="accent1">
+              <a:shade val="50000"/>
+            </a:schemeClr>
+          </a:lnRef>
+          <a:fillRef idx="1">
+            <a:schemeClr val="accent1"/>
+          </a:fillRef>
+          <a:effectRef idx="0">
+            <a:schemeClr val="accent1"/>
+          </a:effectRef>
+          <a:fontRef idx="minor">
+            <a:schemeClr val="lt1"/>
+          </a:fontRef>
+        </p:style>
+        <p:txBody>
+          <a:bodyPr rtlCol="0" anchor="ctr"/>
+          <a:lstStyle/>
+          <a:p>
+            <a:pPr algn="ctr"/>
+            <a:endParaRPr lang="en-US"/>
+          </a:p>
+        </p:txBody>
+      </p:sp>
+      <p:sp>
+        <p:nvSpPr>
+          <p:cNvPr id="5" name="TextBox 4">
             <a:extLst>
               <a:ext uri="{FF2B5EF4-FFF2-40B4-BE49-F238E27FC236}">
-                <a16:creationId xmlns:a16="http://schemas.microsoft.com/office/drawing/2014/main" id="{4B9FAFB2-BEB5-4848-8018-BCAD99E2E1AA}"/>
+                <a16:creationId xmlns:a16="http://schemas.microsoft.com/office/drawing/2014/main" id="{F77A086F-6797-4CAF-8296-05DDDA8099AD}"/>
+              </a:ext>
+            </a:extLst>
+          </p:cNvPr>
+          <p:cNvSpPr txBox="1"/>
+          <p:nvPr/>
+        </p:nvSpPr>
+        <p:spPr>
+          <a:xfrm>
+            <a:off x="640080" y="2872899"/>
+            <a:ext cx="4243589" cy="3320668"/>
+          </a:xfrm>
+          <a:prstGeom prst="rect">
+            <a:avLst/>
+          </a:prstGeom>
+        </p:spPr>
+        <p:txBody>
+          <a:bodyPr rot="0" spcFirstLastPara="0" vertOverflow="overflow" horzOverflow="overflow" vert="horz" lIns="91440" tIns="45720" rIns="91440" bIns="45720" numCol="1" spcCol="0" rtlCol="0" fromWordArt="0" anchorCtr="0" forceAA="0" compatLnSpc="1">
+            <a:prstTxWarp prst="textNoShape">
+              <a:avLst/>
+            </a:prstTxWarp>
+            <a:normAutofit/>
+          </a:bodyPr>
+          <a:lstStyle/>
+          <a:p>
+            <a:pPr indent="-228600">
+              <a:lnSpc>
+                <a:spcPct val="90000"/>
+              </a:lnSpc>
+              <a:spcAft>
+                <a:spcPts val="600"/>
+              </a:spcAft>
+              <a:buFont typeface="Arial" panose="020B0604020202020204" pitchFamily="34" charset="0"/>
+              <a:buChar char="•"/>
+            </a:pPr>
+            <a:r>
+              <a:rPr lang="en-US" sz="2200"/>
+              <a:t>This is a very rough  draft of what I intend my start Gui to look like. Ideally  I want to make the pictures smaller and add 2 more pictures of the different gods from the roman and Greek periods I will also change the picture of the current god you can see.. And I would like to add a quit button Aswell. </a:t>
+            </a:r>
+          </a:p>
+        </p:txBody>
+      </p:sp>
+      <p:pic>
+        <p:nvPicPr>
+          <p:cNvPr id="4" name="Picture 4">
+            <a:extLst>
+              <a:ext uri="{FF2B5EF4-FFF2-40B4-BE49-F238E27FC236}">
+                <a16:creationId xmlns:a16="http://schemas.microsoft.com/office/drawing/2014/main" id="{95A9B02B-2840-47F5-851E-CE4DC41FA2E8}"/>
+              </a:ext>
+            </a:extLst>
+          </p:cNvPr>
+          <p:cNvPicPr>
+            <a:picLocks noGrp="1" noChangeAspect="1"/>
+          </p:cNvPicPr>
+          <p:nvPr>
+            <p:ph idx="1"/>
+          </p:nvPr>
+        </p:nvPicPr>
+        <p:blipFill rotWithShape="1">
+          <a:blip r:embed="rId2"/>
+          <a:srcRect l="31600" r="33043"/>
+          <a:stretch/>
+        </p:blipFill>
+        <p:spPr>
+          <a:xfrm>
+            <a:off x="5311702" y="10"/>
+            <a:ext cx="6878775" cy="6857990"/>
+          </a:xfrm>
+          <a:custGeom>
+            <a:avLst/>
+            <a:gdLst/>
+            <a:ahLst/>
+            <a:cxnLst/>
+            <a:rect l="l" t="t" r="r" b="b"/>
+            <a:pathLst>
+              <a:path w="6878775" h="6858000">
+                <a:moveTo>
+                  <a:pt x="1102973" y="0"/>
+                </a:moveTo>
+                <a:lnTo>
+                  <a:pt x="1160688" y="0"/>
+                </a:lnTo>
+                <a:lnTo>
+                  <a:pt x="983189" y="331786"/>
+                </a:lnTo>
+                <a:cubicBezTo>
+                  <a:pt x="914866" y="469145"/>
+                  <a:pt x="850355" y="608712"/>
+                  <a:pt x="789261" y="750263"/>
+                </a:cubicBezTo>
+                <a:cubicBezTo>
+                  <a:pt x="774307" y="784928"/>
+                  <a:pt x="759992" y="819849"/>
+                  <a:pt x="745295" y="854514"/>
+                </a:cubicBezTo>
+                <a:cubicBezTo>
+                  <a:pt x="756682" y="845393"/>
+                  <a:pt x="765489" y="833492"/>
+                  <a:pt x="770857" y="819975"/>
+                </a:cubicBezTo>
+                <a:cubicBezTo>
+                  <a:pt x="879943" y="589569"/>
+                  <a:pt x="999605" y="365513"/>
+                  <a:pt x="1131329" y="148742"/>
+                </a:cubicBezTo>
+                <a:lnTo>
+                  <a:pt x="1227589" y="0"/>
+                </a:lnTo>
+                <a:lnTo>
+                  <a:pt x="6878775" y="0"/>
+                </a:lnTo>
+                <a:lnTo>
+                  <a:pt x="6878775" y="6858000"/>
+                </a:lnTo>
+                <a:lnTo>
+                  <a:pt x="713521" y="6858000"/>
+                </a:lnTo>
+                <a:lnTo>
+                  <a:pt x="625642" y="6670527"/>
+                </a:lnTo>
+                <a:cubicBezTo>
+                  <a:pt x="507232" y="6398531"/>
+                  <a:pt x="403083" y="6118381"/>
+                  <a:pt x="312785" y="5830359"/>
+                </a:cubicBezTo>
+                <a:cubicBezTo>
+                  <a:pt x="278149" y="5719759"/>
+                  <a:pt x="248879" y="5607635"/>
+                  <a:pt x="212198" y="5480401"/>
+                </a:cubicBezTo>
+                <a:cubicBezTo>
+                  <a:pt x="212208" y="5491601"/>
+                  <a:pt x="212803" y="5502788"/>
+                  <a:pt x="213988" y="5513923"/>
+                </a:cubicBezTo>
+                <a:cubicBezTo>
+                  <a:pt x="264089" y="5723695"/>
+                  <a:pt x="307290" y="5935370"/>
+                  <a:pt x="365826" y="6142729"/>
+                </a:cubicBezTo>
+                <a:cubicBezTo>
+                  <a:pt x="433152" y="6380817"/>
+                  <a:pt x="510068" y="6614016"/>
+                  <a:pt x="597975" y="6841549"/>
+                </a:cubicBezTo>
+                <a:lnTo>
+                  <a:pt x="604824" y="6858000"/>
+                </a:lnTo>
+                <a:lnTo>
+                  <a:pt x="552056" y="6858000"/>
+                </a:lnTo>
+                <a:lnTo>
+                  <a:pt x="539576" y="6828295"/>
+                </a:lnTo>
+                <a:cubicBezTo>
+                  <a:pt x="380597" y="6414594"/>
+                  <a:pt x="260223" y="5988893"/>
+                  <a:pt x="171555" y="5552906"/>
+                </a:cubicBezTo>
+                <a:cubicBezTo>
+                  <a:pt x="91163" y="5157998"/>
+                  <a:pt x="43746" y="4758899"/>
+                  <a:pt x="12305" y="4357388"/>
+                </a:cubicBezTo>
+                <a:cubicBezTo>
+                  <a:pt x="-14281" y="4013908"/>
+                  <a:pt x="4507" y="3672965"/>
+                  <a:pt x="46684" y="3331516"/>
+                </a:cubicBezTo>
+                <a:cubicBezTo>
+                  <a:pt x="127203" y="2664286"/>
+                  <a:pt x="277819" y="2007265"/>
+                  <a:pt x="496065" y="1371196"/>
+                </a:cubicBezTo>
+                <a:cubicBezTo>
+                  <a:pt x="636273" y="966066"/>
+                  <a:pt x="800445" y="573253"/>
+                  <a:pt x="995723" y="196614"/>
+                </a:cubicBezTo>
+                <a:close/>
+              </a:path>
+            </a:pathLst>
+          </a:custGeom>
+        </p:spPr>
+      </p:pic>
+    </p:spTree>
+    <p:extLst>
+      <p:ext uri="{BB962C8B-B14F-4D97-AF65-F5344CB8AC3E}">
+        <p14:creationId xmlns:p14="http://schemas.microsoft.com/office/powerpoint/2010/main" val="1564752394"/>
+      </p:ext>
+    </p:extLst>
+  </p:cSld>
+  <p:clrMapOvr>
+    <a:masterClrMapping/>
+  </p:clrMapOvr>
+</p:sld>
+</file>
+
+<file path=ppt/slides/slide7.xml><?xml version="1.0" encoding="utf-8"?>
+<p:sld xmlns:a="http://schemas.openxmlformats.org/drawingml/2006/main" xmlns:r="http://schemas.openxmlformats.org/officeDocument/2006/relationships" xmlns:p="http://schemas.openxmlformats.org/presentationml/2006/main">
+  <p:cSld>
+    <p:bg>
+      <p:bgPr>
+        <a:solidFill>
+          <a:schemeClr val="bg1"/>
+        </a:solidFill>
+        <a:effectLst/>
+      </p:bgPr>
+    </p:bg>
+    <p:spTree>
+      <p:nvGrpSpPr>
+        <p:cNvPr id="1" name=""/>
+        <p:cNvGrpSpPr/>
+        <p:nvPr/>
+      </p:nvGrpSpPr>
+      <p:grpSpPr>
+        <a:xfrm>
+          <a:off x="0" y="0"/>
+          <a:ext cx="0" cy="0"/>
+          <a:chOff x="0" y="0"/>
+          <a:chExt cx="0" cy="0"/>
+        </a:xfrm>
+      </p:grpSpPr>
+      <p:sp useBgFill="1">
+        <p:nvSpPr>
+          <p:cNvPr id="10" name="Rectangle 9">
+            <a:extLst>
+              <a:ext uri="{FF2B5EF4-FFF2-40B4-BE49-F238E27FC236}">
+                <a16:creationId xmlns:a16="http://schemas.microsoft.com/office/drawing/2014/main" id="{2B97F24A-32CE-4C1C-A50D-3016B394DCFB}"/>
               </a:ext>
               <a:ext uri="{C183D7F6-B498-43B3-948B-1728B52AA6E4}">
                 <adec:decorative xmlns:adec="http://schemas.microsoft.com/office/drawing/2017/decorative" val="1"/>
@@ -6299,311 +5610,148 @@
           </p:nvPr>
         </p:nvSpPr>
         <p:spPr>
-          <a:xfrm flipH="1">
+          <a:xfrm>
             <a:off x="0" y="0"/>
-            <a:ext cx="4838076" cy="6858000"/>
+            <a:ext cx="12192000" cy="6858000"/>
+          </a:xfrm>
+          <a:prstGeom prst="rect">
+            <a:avLst/>
+          </a:prstGeom>
+          <a:ln>
+            <a:noFill/>
+          </a:ln>
+        </p:spPr>
+        <p:style>
+          <a:lnRef idx="2">
+            <a:schemeClr val="accent1">
+              <a:shade val="50000"/>
+            </a:schemeClr>
+          </a:lnRef>
+          <a:fillRef idx="1">
+            <a:schemeClr val="accent1"/>
+          </a:fillRef>
+          <a:effectRef idx="0">
+            <a:schemeClr val="accent1"/>
+          </a:effectRef>
+          <a:fontRef idx="minor">
+            <a:schemeClr val="lt1"/>
+          </a:fontRef>
+        </p:style>
+        <p:txBody>
+          <a:bodyPr rtlCol="0" anchor="ctr"/>
+          <a:lstStyle/>
+          <a:p>
+            <a:pPr algn="ctr"/>
+            <a:endParaRPr lang="en-US"/>
+          </a:p>
+        </p:txBody>
+      </p:sp>
+      <p:sp>
+        <p:nvSpPr>
+          <p:cNvPr id="2" name="Title 1">
+            <a:extLst>
+              <a:ext uri="{FF2B5EF4-FFF2-40B4-BE49-F238E27FC236}">
+                <a16:creationId xmlns:a16="http://schemas.microsoft.com/office/drawing/2014/main" id="{5AE28010-B0EF-44DA-8BCD-4527C8D1D059}"/>
+              </a:ext>
+            </a:extLst>
+          </p:cNvPr>
+          <p:cNvSpPr>
+            <a:spLocks noGrp="1"/>
+          </p:cNvSpPr>
+          <p:nvPr>
+            <p:ph type="title"/>
+          </p:nvPr>
+        </p:nvSpPr>
+        <p:spPr>
+          <a:xfrm>
+            <a:off x="630936" y="639520"/>
+            <a:ext cx="3429000" cy="1719072"/>
+          </a:xfrm>
+        </p:spPr>
+        <p:txBody>
+          <a:bodyPr vert="horz" lIns="91440" tIns="45720" rIns="91440" bIns="45720" rtlCol="0" anchor="b">
+            <a:normAutofit/>
+          </a:bodyPr>
+          <a:lstStyle/>
+          <a:p>
+            <a:r>
+              <a:rPr lang="en-US" sz="5400" kern="1200" dirty="0">
+                <a:latin typeface="+mj-lt"/>
+                <a:ea typeface="+mj-ea"/>
+                <a:cs typeface="+mj-cs"/>
+              </a:rPr>
+              <a:t>Quiz</a:t>
+            </a:r>
+            <a:r>
+              <a:rPr lang="en-US" sz="5400" dirty="0"/>
+              <a:t> </a:t>
+            </a:r>
+            <a:r>
+              <a:rPr lang="en-US" sz="5400" kern="1200" dirty="0">
+                <a:latin typeface="+mj-lt"/>
+                <a:ea typeface="+mj-ea"/>
+                <a:cs typeface="+mj-cs"/>
+              </a:rPr>
+              <a:t>GUI v3</a:t>
+            </a:r>
+          </a:p>
+        </p:txBody>
+      </p:sp>
+      <p:sp>
+        <p:nvSpPr>
+          <p:cNvPr id="12" name="sketch line">
+            <a:extLst>
+              <a:ext uri="{FF2B5EF4-FFF2-40B4-BE49-F238E27FC236}">
+                <a16:creationId xmlns:a16="http://schemas.microsoft.com/office/drawing/2014/main" id="{CD8B4F24-440B-49E9-B85D-733523DC064B}"/>
+              </a:ext>
+              <a:ext uri="{C183D7F6-B498-43B3-948B-1728B52AA6E4}">
+                <adec:decorative xmlns:adec="http://schemas.microsoft.com/office/drawing/2017/decorative" val="1"/>
+              </a:ext>
+            </a:extLst>
+          </p:cNvPr>
+          <p:cNvSpPr>
+            <a:spLocks noGrp="1" noRot="1" noChangeAspect="1" noMove="1" noResize="1" noEditPoints="1" noAdjustHandles="1" noChangeArrowheads="1" noChangeShapeType="1" noTextEdit="1"/>
+          </p:cNvSpPr>
+          <p:nvPr>
+            <p:extLst>
+              <p:ext uri="{386F3935-93C4-4BCD-93E2-E3B085C9AB24}">
+                <p16:designElem xmlns:p16="http://schemas.microsoft.com/office/powerpoint/2015/main" val="1"/>
+              </p:ext>
+            </p:extLst>
+          </p:nvPr>
+        </p:nvSpPr>
+        <p:spPr>
+          <a:xfrm>
+            <a:off x="643278" y="2573756"/>
+            <a:ext cx="3255095" cy="18288"/>
           </a:xfrm>
           <a:custGeom>
             <a:avLst/>
             <a:gdLst>
-              <a:gd name="connsiteX0" fmla="*/ 4838076 w 4838076"/>
-              <a:gd name="connsiteY0" fmla="*/ 0 h 6858000"/>
-              <a:gd name="connsiteX1" fmla="*/ 4417162 w 4838076"/>
-              <a:gd name="connsiteY1" fmla="*/ 0 h 6858000"/>
-              <a:gd name="connsiteX2" fmla="*/ 3459219 w 4838076"/>
-              <a:gd name="connsiteY2" fmla="*/ 0 h 6858000"/>
-              <a:gd name="connsiteX3" fmla="*/ 334174 w 4838076"/>
-              <a:gd name="connsiteY3" fmla="*/ 0 h 6858000"/>
-              <a:gd name="connsiteX4" fmla="*/ 334173 w 4838076"/>
-              <a:gd name="connsiteY4" fmla="*/ 0 h 6858000"/>
-              <a:gd name="connsiteX5" fmla="*/ 189795 w 4838076"/>
-              <a:gd name="connsiteY5" fmla="*/ 0 h 6858000"/>
-              <a:gd name="connsiteX6" fmla="*/ 184756 w 4838076"/>
-              <a:gd name="connsiteY6" fmla="*/ 66675 h 6858000"/>
-              <a:gd name="connsiteX7" fmla="*/ 176358 w 4838076"/>
-              <a:gd name="connsiteY7" fmla="*/ 122237 h 6858000"/>
-              <a:gd name="connsiteX8" fmla="*/ 166281 w 4838076"/>
-              <a:gd name="connsiteY8" fmla="*/ 174625 h 6858000"/>
-              <a:gd name="connsiteX9" fmla="*/ 149485 w 4838076"/>
-              <a:gd name="connsiteY9" fmla="*/ 217487 h 6858000"/>
-              <a:gd name="connsiteX10" fmla="*/ 132689 w 4838076"/>
-              <a:gd name="connsiteY10" fmla="*/ 260350 h 6858000"/>
-              <a:gd name="connsiteX11" fmla="*/ 112534 w 4838076"/>
-              <a:gd name="connsiteY11" fmla="*/ 296862 h 6858000"/>
-              <a:gd name="connsiteX12" fmla="*/ 92379 w 4838076"/>
-              <a:gd name="connsiteY12" fmla="*/ 334962 h 6858000"/>
-              <a:gd name="connsiteX13" fmla="*/ 73903 w 4838076"/>
-              <a:gd name="connsiteY13" fmla="*/ 369887 h 6858000"/>
-              <a:gd name="connsiteX14" fmla="*/ 55427 w 4838076"/>
-              <a:gd name="connsiteY14" fmla="*/ 409575 h 6858000"/>
-              <a:gd name="connsiteX15" fmla="*/ 38632 w 4838076"/>
-              <a:gd name="connsiteY15" fmla="*/ 450850 h 6858000"/>
-              <a:gd name="connsiteX16" fmla="*/ 23515 w 4838076"/>
-              <a:gd name="connsiteY16" fmla="*/ 496887 h 6858000"/>
-              <a:gd name="connsiteX17" fmla="*/ 11758 w 4838076"/>
-              <a:gd name="connsiteY17" fmla="*/ 546100 h 6858000"/>
-              <a:gd name="connsiteX18" fmla="*/ 3359 w 4838076"/>
-              <a:gd name="connsiteY18" fmla="*/ 606425 h 6858000"/>
-              <a:gd name="connsiteX19" fmla="*/ 0 w 4838076"/>
-              <a:gd name="connsiteY19" fmla="*/ 673100 h 6858000"/>
-              <a:gd name="connsiteX20" fmla="*/ 3359 w 4838076"/>
-              <a:gd name="connsiteY20" fmla="*/ 744537 h 6858000"/>
-              <a:gd name="connsiteX21" fmla="*/ 11758 w 4838076"/>
-              <a:gd name="connsiteY21" fmla="*/ 801687 h 6858000"/>
-              <a:gd name="connsiteX22" fmla="*/ 23515 w 4838076"/>
-              <a:gd name="connsiteY22" fmla="*/ 854075 h 6858000"/>
-              <a:gd name="connsiteX23" fmla="*/ 38632 w 4838076"/>
-              <a:gd name="connsiteY23" fmla="*/ 901700 h 6858000"/>
-              <a:gd name="connsiteX24" fmla="*/ 55427 w 4838076"/>
-              <a:gd name="connsiteY24" fmla="*/ 942975 h 6858000"/>
-              <a:gd name="connsiteX25" fmla="*/ 75583 w 4838076"/>
-              <a:gd name="connsiteY25" fmla="*/ 981075 h 6858000"/>
-              <a:gd name="connsiteX26" fmla="*/ 95738 w 4838076"/>
-              <a:gd name="connsiteY26" fmla="*/ 1017587 h 6858000"/>
-              <a:gd name="connsiteX27" fmla="*/ 115893 w 4838076"/>
-              <a:gd name="connsiteY27" fmla="*/ 1055687 h 6858000"/>
-              <a:gd name="connsiteX28" fmla="*/ 134368 w 4838076"/>
-              <a:gd name="connsiteY28" fmla="*/ 1095375 h 6858000"/>
-              <a:gd name="connsiteX29" fmla="*/ 152844 w 4838076"/>
-              <a:gd name="connsiteY29" fmla="*/ 1136650 h 6858000"/>
-              <a:gd name="connsiteX30" fmla="*/ 167960 w 4838076"/>
-              <a:gd name="connsiteY30" fmla="*/ 1182687 h 6858000"/>
-              <a:gd name="connsiteX31" fmla="*/ 178038 w 4838076"/>
-              <a:gd name="connsiteY31" fmla="*/ 1235075 h 6858000"/>
-              <a:gd name="connsiteX32" fmla="*/ 188115 w 4838076"/>
-              <a:gd name="connsiteY32" fmla="*/ 1295400 h 6858000"/>
-              <a:gd name="connsiteX33" fmla="*/ 189795 w 4838076"/>
-              <a:gd name="connsiteY33" fmla="*/ 1363662 h 6858000"/>
-              <a:gd name="connsiteX34" fmla="*/ 188115 w 4838076"/>
-              <a:gd name="connsiteY34" fmla="*/ 1431925 h 6858000"/>
-              <a:gd name="connsiteX35" fmla="*/ 178038 w 4838076"/>
-              <a:gd name="connsiteY35" fmla="*/ 1492250 h 6858000"/>
-              <a:gd name="connsiteX36" fmla="*/ 167960 w 4838076"/>
-              <a:gd name="connsiteY36" fmla="*/ 1544637 h 6858000"/>
-              <a:gd name="connsiteX37" fmla="*/ 152844 w 4838076"/>
-              <a:gd name="connsiteY37" fmla="*/ 1589087 h 6858000"/>
-              <a:gd name="connsiteX38" fmla="*/ 134368 w 4838076"/>
-              <a:gd name="connsiteY38" fmla="*/ 1631950 h 6858000"/>
-              <a:gd name="connsiteX39" fmla="*/ 115893 w 4838076"/>
-              <a:gd name="connsiteY39" fmla="*/ 1671637 h 6858000"/>
-              <a:gd name="connsiteX40" fmla="*/ 95738 w 4838076"/>
-              <a:gd name="connsiteY40" fmla="*/ 1708150 h 6858000"/>
-              <a:gd name="connsiteX41" fmla="*/ 75583 w 4838076"/>
-              <a:gd name="connsiteY41" fmla="*/ 1743075 h 6858000"/>
-              <a:gd name="connsiteX42" fmla="*/ 55427 w 4838076"/>
-              <a:gd name="connsiteY42" fmla="*/ 1782762 h 6858000"/>
-              <a:gd name="connsiteX43" fmla="*/ 38632 w 4838076"/>
-              <a:gd name="connsiteY43" fmla="*/ 1824037 h 6858000"/>
-              <a:gd name="connsiteX44" fmla="*/ 23515 w 4838076"/>
-              <a:gd name="connsiteY44" fmla="*/ 1870075 h 6858000"/>
-              <a:gd name="connsiteX45" fmla="*/ 11758 w 4838076"/>
-              <a:gd name="connsiteY45" fmla="*/ 1922462 h 6858000"/>
-              <a:gd name="connsiteX46" fmla="*/ 3359 w 4838076"/>
-              <a:gd name="connsiteY46" fmla="*/ 1982787 h 6858000"/>
-              <a:gd name="connsiteX47" fmla="*/ 0 w 4838076"/>
-              <a:gd name="connsiteY47" fmla="*/ 2051050 h 6858000"/>
-              <a:gd name="connsiteX48" fmla="*/ 3359 w 4838076"/>
-              <a:gd name="connsiteY48" fmla="*/ 2119312 h 6858000"/>
-              <a:gd name="connsiteX49" fmla="*/ 11758 w 4838076"/>
-              <a:gd name="connsiteY49" fmla="*/ 2179637 h 6858000"/>
-              <a:gd name="connsiteX50" fmla="*/ 23515 w 4838076"/>
-              <a:gd name="connsiteY50" fmla="*/ 2232025 h 6858000"/>
-              <a:gd name="connsiteX51" fmla="*/ 38632 w 4838076"/>
-              <a:gd name="connsiteY51" fmla="*/ 2278062 h 6858000"/>
-              <a:gd name="connsiteX52" fmla="*/ 55427 w 4838076"/>
-              <a:gd name="connsiteY52" fmla="*/ 2319337 h 6858000"/>
-              <a:gd name="connsiteX53" fmla="*/ 75583 w 4838076"/>
-              <a:gd name="connsiteY53" fmla="*/ 2359025 h 6858000"/>
-              <a:gd name="connsiteX54" fmla="*/ 95738 w 4838076"/>
-              <a:gd name="connsiteY54" fmla="*/ 2395537 h 6858000"/>
-              <a:gd name="connsiteX55" fmla="*/ 115893 w 4838076"/>
-              <a:gd name="connsiteY55" fmla="*/ 2433637 h 6858000"/>
-              <a:gd name="connsiteX56" fmla="*/ 134368 w 4838076"/>
-              <a:gd name="connsiteY56" fmla="*/ 2471737 h 6858000"/>
-              <a:gd name="connsiteX57" fmla="*/ 152844 w 4838076"/>
-              <a:gd name="connsiteY57" fmla="*/ 2513012 h 6858000"/>
-              <a:gd name="connsiteX58" fmla="*/ 167960 w 4838076"/>
-              <a:gd name="connsiteY58" fmla="*/ 2560637 h 6858000"/>
-              <a:gd name="connsiteX59" fmla="*/ 178038 w 4838076"/>
-              <a:gd name="connsiteY59" fmla="*/ 2613025 h 6858000"/>
-              <a:gd name="connsiteX60" fmla="*/ 188115 w 4838076"/>
-              <a:gd name="connsiteY60" fmla="*/ 2671762 h 6858000"/>
-              <a:gd name="connsiteX61" fmla="*/ 189795 w 4838076"/>
-              <a:gd name="connsiteY61" fmla="*/ 2741612 h 6858000"/>
-              <a:gd name="connsiteX62" fmla="*/ 188115 w 4838076"/>
-              <a:gd name="connsiteY62" fmla="*/ 2809875 h 6858000"/>
-              <a:gd name="connsiteX63" fmla="*/ 178038 w 4838076"/>
-              <a:gd name="connsiteY63" fmla="*/ 2868612 h 6858000"/>
-              <a:gd name="connsiteX64" fmla="*/ 167960 w 4838076"/>
-              <a:gd name="connsiteY64" fmla="*/ 2922587 h 6858000"/>
-              <a:gd name="connsiteX65" fmla="*/ 152844 w 4838076"/>
-              <a:gd name="connsiteY65" fmla="*/ 2967037 h 6858000"/>
-              <a:gd name="connsiteX66" fmla="*/ 134368 w 4838076"/>
-              <a:gd name="connsiteY66" fmla="*/ 3009900 h 6858000"/>
-              <a:gd name="connsiteX67" fmla="*/ 115893 w 4838076"/>
-              <a:gd name="connsiteY67" fmla="*/ 3046412 h 6858000"/>
-              <a:gd name="connsiteX68" fmla="*/ 95738 w 4838076"/>
-              <a:gd name="connsiteY68" fmla="*/ 3084512 h 6858000"/>
-              <a:gd name="connsiteX69" fmla="*/ 75583 w 4838076"/>
-              <a:gd name="connsiteY69" fmla="*/ 3121025 h 6858000"/>
-              <a:gd name="connsiteX70" fmla="*/ 55427 w 4838076"/>
-              <a:gd name="connsiteY70" fmla="*/ 3160712 h 6858000"/>
-              <a:gd name="connsiteX71" fmla="*/ 38632 w 4838076"/>
-              <a:gd name="connsiteY71" fmla="*/ 3201987 h 6858000"/>
-              <a:gd name="connsiteX72" fmla="*/ 23515 w 4838076"/>
-              <a:gd name="connsiteY72" fmla="*/ 3248025 h 6858000"/>
-              <a:gd name="connsiteX73" fmla="*/ 11758 w 4838076"/>
-              <a:gd name="connsiteY73" fmla="*/ 3300412 h 6858000"/>
-              <a:gd name="connsiteX74" fmla="*/ 3359 w 4838076"/>
-              <a:gd name="connsiteY74" fmla="*/ 3360737 h 6858000"/>
-              <a:gd name="connsiteX75" fmla="*/ 0 w 4838076"/>
-              <a:gd name="connsiteY75" fmla="*/ 3427412 h 6858000"/>
-              <a:gd name="connsiteX76" fmla="*/ 3359 w 4838076"/>
-              <a:gd name="connsiteY76" fmla="*/ 3497262 h 6858000"/>
-              <a:gd name="connsiteX77" fmla="*/ 11758 w 4838076"/>
-              <a:gd name="connsiteY77" fmla="*/ 3557587 h 6858000"/>
-              <a:gd name="connsiteX78" fmla="*/ 23515 w 4838076"/>
-              <a:gd name="connsiteY78" fmla="*/ 3609975 h 6858000"/>
-              <a:gd name="connsiteX79" fmla="*/ 38632 w 4838076"/>
-              <a:gd name="connsiteY79" fmla="*/ 3656012 h 6858000"/>
-              <a:gd name="connsiteX80" fmla="*/ 55427 w 4838076"/>
-              <a:gd name="connsiteY80" fmla="*/ 3697287 h 6858000"/>
-              <a:gd name="connsiteX81" fmla="*/ 75583 w 4838076"/>
-              <a:gd name="connsiteY81" fmla="*/ 3736975 h 6858000"/>
-              <a:gd name="connsiteX82" fmla="*/ 115893 w 4838076"/>
-              <a:gd name="connsiteY82" fmla="*/ 3811587 h 6858000"/>
-              <a:gd name="connsiteX83" fmla="*/ 134368 w 4838076"/>
-              <a:gd name="connsiteY83" fmla="*/ 3848100 h 6858000"/>
-              <a:gd name="connsiteX84" fmla="*/ 152844 w 4838076"/>
-              <a:gd name="connsiteY84" fmla="*/ 3890962 h 6858000"/>
-              <a:gd name="connsiteX85" fmla="*/ 167960 w 4838076"/>
-              <a:gd name="connsiteY85" fmla="*/ 3935412 h 6858000"/>
-              <a:gd name="connsiteX86" fmla="*/ 178038 w 4838076"/>
-              <a:gd name="connsiteY86" fmla="*/ 3987800 h 6858000"/>
-              <a:gd name="connsiteX87" fmla="*/ 188115 w 4838076"/>
-              <a:gd name="connsiteY87" fmla="*/ 4048125 h 6858000"/>
-              <a:gd name="connsiteX88" fmla="*/ 189795 w 4838076"/>
-              <a:gd name="connsiteY88" fmla="*/ 4116387 h 6858000"/>
-              <a:gd name="connsiteX89" fmla="*/ 188115 w 4838076"/>
-              <a:gd name="connsiteY89" fmla="*/ 4186237 h 6858000"/>
-              <a:gd name="connsiteX90" fmla="*/ 178038 w 4838076"/>
-              <a:gd name="connsiteY90" fmla="*/ 4244975 h 6858000"/>
-              <a:gd name="connsiteX91" fmla="*/ 167960 w 4838076"/>
-              <a:gd name="connsiteY91" fmla="*/ 4297362 h 6858000"/>
-              <a:gd name="connsiteX92" fmla="*/ 152844 w 4838076"/>
-              <a:gd name="connsiteY92" fmla="*/ 4343400 h 6858000"/>
-              <a:gd name="connsiteX93" fmla="*/ 134368 w 4838076"/>
-              <a:gd name="connsiteY93" fmla="*/ 4386262 h 6858000"/>
-              <a:gd name="connsiteX94" fmla="*/ 115893 w 4838076"/>
-              <a:gd name="connsiteY94" fmla="*/ 4424362 h 6858000"/>
-              <a:gd name="connsiteX95" fmla="*/ 75583 w 4838076"/>
-              <a:gd name="connsiteY95" fmla="*/ 4498975 h 6858000"/>
-              <a:gd name="connsiteX96" fmla="*/ 55427 w 4838076"/>
-              <a:gd name="connsiteY96" fmla="*/ 4537075 h 6858000"/>
-              <a:gd name="connsiteX97" fmla="*/ 38632 w 4838076"/>
-              <a:gd name="connsiteY97" fmla="*/ 4579937 h 6858000"/>
-              <a:gd name="connsiteX98" fmla="*/ 23515 w 4838076"/>
-              <a:gd name="connsiteY98" fmla="*/ 4625975 h 6858000"/>
-              <a:gd name="connsiteX99" fmla="*/ 11758 w 4838076"/>
-              <a:gd name="connsiteY99" fmla="*/ 4678362 h 6858000"/>
-              <a:gd name="connsiteX100" fmla="*/ 3359 w 4838076"/>
-              <a:gd name="connsiteY100" fmla="*/ 4738687 h 6858000"/>
-              <a:gd name="connsiteX101" fmla="*/ 0 w 4838076"/>
-              <a:gd name="connsiteY101" fmla="*/ 4806950 h 6858000"/>
-              <a:gd name="connsiteX102" fmla="*/ 3359 w 4838076"/>
-              <a:gd name="connsiteY102" fmla="*/ 4875212 h 6858000"/>
-              <a:gd name="connsiteX103" fmla="*/ 11758 w 4838076"/>
-              <a:gd name="connsiteY103" fmla="*/ 4935537 h 6858000"/>
-              <a:gd name="connsiteX104" fmla="*/ 23515 w 4838076"/>
-              <a:gd name="connsiteY104" fmla="*/ 4987925 h 6858000"/>
-              <a:gd name="connsiteX105" fmla="*/ 38632 w 4838076"/>
-              <a:gd name="connsiteY105" fmla="*/ 5033962 h 6858000"/>
-              <a:gd name="connsiteX106" fmla="*/ 55427 w 4838076"/>
-              <a:gd name="connsiteY106" fmla="*/ 5075237 h 6858000"/>
-              <a:gd name="connsiteX107" fmla="*/ 75583 w 4838076"/>
-              <a:gd name="connsiteY107" fmla="*/ 5114925 h 6858000"/>
-              <a:gd name="connsiteX108" fmla="*/ 95738 w 4838076"/>
-              <a:gd name="connsiteY108" fmla="*/ 5149850 h 6858000"/>
-              <a:gd name="connsiteX109" fmla="*/ 115893 w 4838076"/>
-              <a:gd name="connsiteY109" fmla="*/ 5186362 h 6858000"/>
-              <a:gd name="connsiteX110" fmla="*/ 134368 w 4838076"/>
-              <a:gd name="connsiteY110" fmla="*/ 5226050 h 6858000"/>
-              <a:gd name="connsiteX111" fmla="*/ 152844 w 4838076"/>
-              <a:gd name="connsiteY111" fmla="*/ 5268912 h 6858000"/>
-              <a:gd name="connsiteX112" fmla="*/ 167960 w 4838076"/>
-              <a:gd name="connsiteY112" fmla="*/ 5313362 h 6858000"/>
-              <a:gd name="connsiteX113" fmla="*/ 178038 w 4838076"/>
-              <a:gd name="connsiteY113" fmla="*/ 5365750 h 6858000"/>
-              <a:gd name="connsiteX114" fmla="*/ 188115 w 4838076"/>
-              <a:gd name="connsiteY114" fmla="*/ 5426075 h 6858000"/>
-              <a:gd name="connsiteX115" fmla="*/ 189795 w 4838076"/>
-              <a:gd name="connsiteY115" fmla="*/ 5494337 h 6858000"/>
-              <a:gd name="connsiteX116" fmla="*/ 188115 w 4838076"/>
-              <a:gd name="connsiteY116" fmla="*/ 5562600 h 6858000"/>
-              <a:gd name="connsiteX117" fmla="*/ 178038 w 4838076"/>
-              <a:gd name="connsiteY117" fmla="*/ 5622925 h 6858000"/>
-              <a:gd name="connsiteX118" fmla="*/ 167960 w 4838076"/>
-              <a:gd name="connsiteY118" fmla="*/ 5675312 h 6858000"/>
-              <a:gd name="connsiteX119" fmla="*/ 152844 w 4838076"/>
-              <a:gd name="connsiteY119" fmla="*/ 5721350 h 6858000"/>
-              <a:gd name="connsiteX120" fmla="*/ 134368 w 4838076"/>
-              <a:gd name="connsiteY120" fmla="*/ 5762625 h 6858000"/>
-              <a:gd name="connsiteX121" fmla="*/ 115893 w 4838076"/>
-              <a:gd name="connsiteY121" fmla="*/ 5802312 h 6858000"/>
-              <a:gd name="connsiteX122" fmla="*/ 95738 w 4838076"/>
-              <a:gd name="connsiteY122" fmla="*/ 5840412 h 6858000"/>
-              <a:gd name="connsiteX123" fmla="*/ 75583 w 4838076"/>
-              <a:gd name="connsiteY123" fmla="*/ 5876925 h 6858000"/>
-              <a:gd name="connsiteX124" fmla="*/ 55427 w 4838076"/>
-              <a:gd name="connsiteY124" fmla="*/ 5915025 h 6858000"/>
-              <a:gd name="connsiteX125" fmla="*/ 38632 w 4838076"/>
-              <a:gd name="connsiteY125" fmla="*/ 5956300 h 6858000"/>
-              <a:gd name="connsiteX126" fmla="*/ 23515 w 4838076"/>
-              <a:gd name="connsiteY126" fmla="*/ 6003925 h 6858000"/>
-              <a:gd name="connsiteX127" fmla="*/ 11758 w 4838076"/>
-              <a:gd name="connsiteY127" fmla="*/ 6056312 h 6858000"/>
-              <a:gd name="connsiteX128" fmla="*/ 3359 w 4838076"/>
-              <a:gd name="connsiteY128" fmla="*/ 6113462 h 6858000"/>
-              <a:gd name="connsiteX129" fmla="*/ 0 w 4838076"/>
-              <a:gd name="connsiteY129" fmla="*/ 6183312 h 6858000"/>
-              <a:gd name="connsiteX130" fmla="*/ 3359 w 4838076"/>
-              <a:gd name="connsiteY130" fmla="*/ 6251575 h 6858000"/>
-              <a:gd name="connsiteX131" fmla="*/ 11758 w 4838076"/>
-              <a:gd name="connsiteY131" fmla="*/ 6311900 h 6858000"/>
-              <a:gd name="connsiteX132" fmla="*/ 23515 w 4838076"/>
-              <a:gd name="connsiteY132" fmla="*/ 6361112 h 6858000"/>
-              <a:gd name="connsiteX133" fmla="*/ 38632 w 4838076"/>
-              <a:gd name="connsiteY133" fmla="*/ 6407150 h 6858000"/>
-              <a:gd name="connsiteX134" fmla="*/ 55427 w 4838076"/>
-              <a:gd name="connsiteY134" fmla="*/ 6448425 h 6858000"/>
-              <a:gd name="connsiteX135" fmla="*/ 73903 w 4838076"/>
-              <a:gd name="connsiteY135" fmla="*/ 6488112 h 6858000"/>
-              <a:gd name="connsiteX136" fmla="*/ 92379 w 4838076"/>
-              <a:gd name="connsiteY136" fmla="*/ 6523037 h 6858000"/>
-              <a:gd name="connsiteX137" fmla="*/ 112534 w 4838076"/>
-              <a:gd name="connsiteY137" fmla="*/ 6561137 h 6858000"/>
-              <a:gd name="connsiteX138" fmla="*/ 132689 w 4838076"/>
-              <a:gd name="connsiteY138" fmla="*/ 6597650 h 6858000"/>
-              <a:gd name="connsiteX139" fmla="*/ 149485 w 4838076"/>
-              <a:gd name="connsiteY139" fmla="*/ 6640512 h 6858000"/>
-              <a:gd name="connsiteX140" fmla="*/ 166281 w 4838076"/>
-              <a:gd name="connsiteY140" fmla="*/ 6683375 h 6858000"/>
-              <a:gd name="connsiteX141" fmla="*/ 176358 w 4838076"/>
-              <a:gd name="connsiteY141" fmla="*/ 6735762 h 6858000"/>
-              <a:gd name="connsiteX142" fmla="*/ 184756 w 4838076"/>
-              <a:gd name="connsiteY142" fmla="*/ 6791325 h 6858000"/>
-              <a:gd name="connsiteX143" fmla="*/ 189795 w 4838076"/>
-              <a:gd name="connsiteY143" fmla="*/ 6858000 h 6858000"/>
-              <a:gd name="connsiteX144" fmla="*/ 334173 w 4838076"/>
-              <a:gd name="connsiteY144" fmla="*/ 6858000 h 6858000"/>
-              <a:gd name="connsiteX145" fmla="*/ 334174 w 4838076"/>
-              <a:gd name="connsiteY145" fmla="*/ 6858000 h 6858000"/>
-              <a:gd name="connsiteX146" fmla="*/ 3459219 w 4838076"/>
-              <a:gd name="connsiteY146" fmla="*/ 6858000 h 6858000"/>
-              <a:gd name="connsiteX147" fmla="*/ 4417162 w 4838076"/>
-              <a:gd name="connsiteY147" fmla="*/ 6858000 h 6858000"/>
-              <a:gd name="connsiteX148" fmla="*/ 4838076 w 4838076"/>
-              <a:gd name="connsiteY148" fmla="*/ 6858000 h 6858000"/>
+              <a:gd name="connsiteX0" fmla="*/ 0 w 3255095"/>
+              <a:gd name="connsiteY0" fmla="*/ 0 h 18288"/>
+              <a:gd name="connsiteX1" fmla="*/ 618468 w 3255095"/>
+              <a:gd name="connsiteY1" fmla="*/ 0 h 18288"/>
+              <a:gd name="connsiteX2" fmla="*/ 1269487 w 3255095"/>
+              <a:gd name="connsiteY2" fmla="*/ 0 h 18288"/>
+              <a:gd name="connsiteX3" fmla="*/ 1953057 w 3255095"/>
+              <a:gd name="connsiteY3" fmla="*/ 0 h 18288"/>
+              <a:gd name="connsiteX4" fmla="*/ 2636627 w 3255095"/>
+              <a:gd name="connsiteY4" fmla="*/ 0 h 18288"/>
+              <a:gd name="connsiteX5" fmla="*/ 3255095 w 3255095"/>
+              <a:gd name="connsiteY5" fmla="*/ 0 h 18288"/>
+              <a:gd name="connsiteX6" fmla="*/ 3255095 w 3255095"/>
+              <a:gd name="connsiteY6" fmla="*/ 18288 h 18288"/>
+              <a:gd name="connsiteX7" fmla="*/ 2538974 w 3255095"/>
+              <a:gd name="connsiteY7" fmla="*/ 18288 h 18288"/>
+              <a:gd name="connsiteX8" fmla="*/ 1822853 w 3255095"/>
+              <a:gd name="connsiteY8" fmla="*/ 18288 h 18288"/>
+              <a:gd name="connsiteX9" fmla="*/ 1171834 w 3255095"/>
+              <a:gd name="connsiteY9" fmla="*/ 18288 h 18288"/>
+              <a:gd name="connsiteX10" fmla="*/ 0 w 3255095"/>
+              <a:gd name="connsiteY10" fmla="*/ 18288 h 18288"/>
+              <a:gd name="connsiteX11" fmla="*/ 0 w 3255095"/>
+              <a:gd name="connsiteY11" fmla="*/ 0 h 18288"/>
             </a:gdLst>
             <a:ahLst/>
             <a:cxnLst>
@@ -6643,878 +5791,333 @@
               <a:cxn ang="0">
                 <a:pos x="connsiteX11" y="connsiteY11"/>
               </a:cxn>
-              <a:cxn ang="0">
-                <a:pos x="connsiteX12" y="connsiteY12"/>
-              </a:cxn>
-              <a:cxn ang="0">
-                <a:pos x="connsiteX13" y="connsiteY13"/>
-              </a:cxn>
-              <a:cxn ang="0">
-                <a:pos x="connsiteX14" y="connsiteY14"/>
-              </a:cxn>
-              <a:cxn ang="0">
-                <a:pos x="connsiteX15" y="connsiteY15"/>
-              </a:cxn>
-              <a:cxn ang="0">
-                <a:pos x="connsiteX16" y="connsiteY16"/>
-              </a:cxn>
-              <a:cxn ang="0">
-                <a:pos x="connsiteX17" y="connsiteY17"/>
-              </a:cxn>
-              <a:cxn ang="0">
-                <a:pos x="connsiteX18" y="connsiteY18"/>
-              </a:cxn>
-              <a:cxn ang="0">
-                <a:pos x="connsiteX19" y="connsiteY19"/>
-              </a:cxn>
-              <a:cxn ang="0">
-                <a:pos x="connsiteX20" y="connsiteY20"/>
-              </a:cxn>
-              <a:cxn ang="0">
-                <a:pos x="connsiteX21" y="connsiteY21"/>
-              </a:cxn>
-              <a:cxn ang="0">
-                <a:pos x="connsiteX22" y="connsiteY22"/>
-              </a:cxn>
-              <a:cxn ang="0">
-                <a:pos x="connsiteX23" y="connsiteY23"/>
-              </a:cxn>
-              <a:cxn ang="0">
-                <a:pos x="connsiteX24" y="connsiteY24"/>
-              </a:cxn>
-              <a:cxn ang="0">
-                <a:pos x="connsiteX25" y="connsiteY25"/>
-              </a:cxn>
-              <a:cxn ang="0">
-                <a:pos x="connsiteX26" y="connsiteY26"/>
-              </a:cxn>
-              <a:cxn ang="0">
-                <a:pos x="connsiteX27" y="connsiteY27"/>
-              </a:cxn>
-              <a:cxn ang="0">
-                <a:pos x="connsiteX28" y="connsiteY28"/>
-              </a:cxn>
-              <a:cxn ang="0">
-                <a:pos x="connsiteX29" y="connsiteY29"/>
-              </a:cxn>
-              <a:cxn ang="0">
-                <a:pos x="connsiteX30" y="connsiteY30"/>
-              </a:cxn>
-              <a:cxn ang="0">
-                <a:pos x="connsiteX31" y="connsiteY31"/>
-              </a:cxn>
-              <a:cxn ang="0">
-                <a:pos x="connsiteX32" y="connsiteY32"/>
-              </a:cxn>
-              <a:cxn ang="0">
-                <a:pos x="connsiteX33" y="connsiteY33"/>
-              </a:cxn>
-              <a:cxn ang="0">
-                <a:pos x="connsiteX34" y="connsiteY34"/>
-              </a:cxn>
-              <a:cxn ang="0">
-                <a:pos x="connsiteX35" y="connsiteY35"/>
-              </a:cxn>
-              <a:cxn ang="0">
-                <a:pos x="connsiteX36" y="connsiteY36"/>
-              </a:cxn>
-              <a:cxn ang="0">
-                <a:pos x="connsiteX37" y="connsiteY37"/>
-              </a:cxn>
-              <a:cxn ang="0">
-                <a:pos x="connsiteX38" y="connsiteY38"/>
-              </a:cxn>
-              <a:cxn ang="0">
-                <a:pos x="connsiteX39" y="connsiteY39"/>
-              </a:cxn>
-              <a:cxn ang="0">
-                <a:pos x="connsiteX40" y="connsiteY40"/>
-              </a:cxn>
-              <a:cxn ang="0">
-                <a:pos x="connsiteX41" y="connsiteY41"/>
-              </a:cxn>
-              <a:cxn ang="0">
-                <a:pos x="connsiteX42" y="connsiteY42"/>
-              </a:cxn>
-              <a:cxn ang="0">
-                <a:pos x="connsiteX43" y="connsiteY43"/>
-              </a:cxn>
-              <a:cxn ang="0">
-                <a:pos x="connsiteX44" y="connsiteY44"/>
-              </a:cxn>
-              <a:cxn ang="0">
-                <a:pos x="connsiteX45" y="connsiteY45"/>
-              </a:cxn>
-              <a:cxn ang="0">
-                <a:pos x="connsiteX46" y="connsiteY46"/>
-              </a:cxn>
-              <a:cxn ang="0">
-                <a:pos x="connsiteX47" y="connsiteY47"/>
-              </a:cxn>
-              <a:cxn ang="0">
-                <a:pos x="connsiteX48" y="connsiteY48"/>
-              </a:cxn>
-              <a:cxn ang="0">
-                <a:pos x="connsiteX49" y="connsiteY49"/>
-              </a:cxn>
-              <a:cxn ang="0">
-                <a:pos x="connsiteX50" y="connsiteY50"/>
-              </a:cxn>
-              <a:cxn ang="0">
-                <a:pos x="connsiteX51" y="connsiteY51"/>
-              </a:cxn>
-              <a:cxn ang="0">
-                <a:pos x="connsiteX52" y="connsiteY52"/>
-              </a:cxn>
-              <a:cxn ang="0">
-                <a:pos x="connsiteX53" y="connsiteY53"/>
-              </a:cxn>
-              <a:cxn ang="0">
-                <a:pos x="connsiteX54" y="connsiteY54"/>
-              </a:cxn>
-              <a:cxn ang="0">
-                <a:pos x="connsiteX55" y="connsiteY55"/>
-              </a:cxn>
-              <a:cxn ang="0">
-                <a:pos x="connsiteX56" y="connsiteY56"/>
-              </a:cxn>
-              <a:cxn ang="0">
-                <a:pos x="connsiteX57" y="connsiteY57"/>
-              </a:cxn>
-              <a:cxn ang="0">
-                <a:pos x="connsiteX58" y="connsiteY58"/>
-              </a:cxn>
-              <a:cxn ang="0">
-                <a:pos x="connsiteX59" y="connsiteY59"/>
-              </a:cxn>
-              <a:cxn ang="0">
-                <a:pos x="connsiteX60" y="connsiteY60"/>
-              </a:cxn>
-              <a:cxn ang="0">
-                <a:pos x="connsiteX61" y="connsiteY61"/>
-              </a:cxn>
-              <a:cxn ang="0">
-                <a:pos x="connsiteX62" y="connsiteY62"/>
-              </a:cxn>
-              <a:cxn ang="0">
-                <a:pos x="connsiteX63" y="connsiteY63"/>
-              </a:cxn>
-              <a:cxn ang="0">
-                <a:pos x="connsiteX64" y="connsiteY64"/>
-              </a:cxn>
-              <a:cxn ang="0">
-                <a:pos x="connsiteX65" y="connsiteY65"/>
-              </a:cxn>
-              <a:cxn ang="0">
-                <a:pos x="connsiteX66" y="connsiteY66"/>
-              </a:cxn>
-              <a:cxn ang="0">
-                <a:pos x="connsiteX67" y="connsiteY67"/>
-              </a:cxn>
-              <a:cxn ang="0">
-                <a:pos x="connsiteX68" y="connsiteY68"/>
-              </a:cxn>
-              <a:cxn ang="0">
-                <a:pos x="connsiteX69" y="connsiteY69"/>
-              </a:cxn>
-              <a:cxn ang="0">
-                <a:pos x="connsiteX70" y="connsiteY70"/>
-              </a:cxn>
-              <a:cxn ang="0">
-                <a:pos x="connsiteX71" y="connsiteY71"/>
-              </a:cxn>
-              <a:cxn ang="0">
-                <a:pos x="connsiteX72" y="connsiteY72"/>
-              </a:cxn>
-              <a:cxn ang="0">
-                <a:pos x="connsiteX73" y="connsiteY73"/>
-              </a:cxn>
-              <a:cxn ang="0">
-                <a:pos x="connsiteX74" y="connsiteY74"/>
-              </a:cxn>
-              <a:cxn ang="0">
-                <a:pos x="connsiteX75" y="connsiteY75"/>
-              </a:cxn>
-              <a:cxn ang="0">
-                <a:pos x="connsiteX76" y="connsiteY76"/>
-              </a:cxn>
-              <a:cxn ang="0">
-                <a:pos x="connsiteX77" y="connsiteY77"/>
-              </a:cxn>
-              <a:cxn ang="0">
-                <a:pos x="connsiteX78" y="connsiteY78"/>
-              </a:cxn>
-              <a:cxn ang="0">
-                <a:pos x="connsiteX79" y="connsiteY79"/>
-              </a:cxn>
-              <a:cxn ang="0">
-                <a:pos x="connsiteX80" y="connsiteY80"/>
-              </a:cxn>
-              <a:cxn ang="0">
-                <a:pos x="connsiteX81" y="connsiteY81"/>
-              </a:cxn>
-              <a:cxn ang="0">
-                <a:pos x="connsiteX82" y="connsiteY82"/>
-              </a:cxn>
-              <a:cxn ang="0">
-                <a:pos x="connsiteX83" y="connsiteY83"/>
-              </a:cxn>
-              <a:cxn ang="0">
-                <a:pos x="connsiteX84" y="connsiteY84"/>
-              </a:cxn>
-              <a:cxn ang="0">
-                <a:pos x="connsiteX85" y="connsiteY85"/>
-              </a:cxn>
-              <a:cxn ang="0">
-                <a:pos x="connsiteX86" y="connsiteY86"/>
-              </a:cxn>
-              <a:cxn ang="0">
-                <a:pos x="connsiteX87" y="connsiteY87"/>
-              </a:cxn>
-              <a:cxn ang="0">
-                <a:pos x="connsiteX88" y="connsiteY88"/>
-              </a:cxn>
-              <a:cxn ang="0">
-                <a:pos x="connsiteX89" y="connsiteY89"/>
-              </a:cxn>
-              <a:cxn ang="0">
-                <a:pos x="connsiteX90" y="connsiteY90"/>
-              </a:cxn>
-              <a:cxn ang="0">
-                <a:pos x="connsiteX91" y="connsiteY91"/>
-              </a:cxn>
-              <a:cxn ang="0">
-                <a:pos x="connsiteX92" y="connsiteY92"/>
-              </a:cxn>
-              <a:cxn ang="0">
-                <a:pos x="connsiteX93" y="connsiteY93"/>
-              </a:cxn>
-              <a:cxn ang="0">
-                <a:pos x="connsiteX94" y="connsiteY94"/>
-              </a:cxn>
-              <a:cxn ang="0">
-                <a:pos x="connsiteX95" y="connsiteY95"/>
-              </a:cxn>
-              <a:cxn ang="0">
-                <a:pos x="connsiteX96" y="connsiteY96"/>
-              </a:cxn>
-              <a:cxn ang="0">
-                <a:pos x="connsiteX97" y="connsiteY97"/>
-              </a:cxn>
-              <a:cxn ang="0">
-                <a:pos x="connsiteX98" y="connsiteY98"/>
-              </a:cxn>
-              <a:cxn ang="0">
-                <a:pos x="connsiteX99" y="connsiteY99"/>
-              </a:cxn>
-              <a:cxn ang="0">
-                <a:pos x="connsiteX100" y="connsiteY100"/>
-              </a:cxn>
-              <a:cxn ang="0">
-                <a:pos x="connsiteX101" y="connsiteY101"/>
-              </a:cxn>
-              <a:cxn ang="0">
-                <a:pos x="connsiteX102" y="connsiteY102"/>
-              </a:cxn>
-              <a:cxn ang="0">
-                <a:pos x="connsiteX103" y="connsiteY103"/>
-              </a:cxn>
-              <a:cxn ang="0">
-                <a:pos x="connsiteX104" y="connsiteY104"/>
-              </a:cxn>
-              <a:cxn ang="0">
-                <a:pos x="connsiteX105" y="connsiteY105"/>
-              </a:cxn>
-              <a:cxn ang="0">
-                <a:pos x="connsiteX106" y="connsiteY106"/>
-              </a:cxn>
-              <a:cxn ang="0">
-                <a:pos x="connsiteX107" y="connsiteY107"/>
-              </a:cxn>
-              <a:cxn ang="0">
-                <a:pos x="connsiteX108" y="connsiteY108"/>
-              </a:cxn>
-              <a:cxn ang="0">
-                <a:pos x="connsiteX109" y="connsiteY109"/>
-              </a:cxn>
-              <a:cxn ang="0">
-                <a:pos x="connsiteX110" y="connsiteY110"/>
-              </a:cxn>
-              <a:cxn ang="0">
-                <a:pos x="connsiteX111" y="connsiteY111"/>
-              </a:cxn>
-              <a:cxn ang="0">
-                <a:pos x="connsiteX112" y="connsiteY112"/>
-              </a:cxn>
-              <a:cxn ang="0">
-                <a:pos x="connsiteX113" y="connsiteY113"/>
-              </a:cxn>
-              <a:cxn ang="0">
-                <a:pos x="connsiteX114" y="connsiteY114"/>
-              </a:cxn>
-              <a:cxn ang="0">
-                <a:pos x="connsiteX115" y="connsiteY115"/>
-              </a:cxn>
-              <a:cxn ang="0">
-                <a:pos x="connsiteX116" y="connsiteY116"/>
-              </a:cxn>
-              <a:cxn ang="0">
-                <a:pos x="connsiteX117" y="connsiteY117"/>
-              </a:cxn>
-              <a:cxn ang="0">
-                <a:pos x="connsiteX118" y="connsiteY118"/>
-              </a:cxn>
-              <a:cxn ang="0">
-                <a:pos x="connsiteX119" y="connsiteY119"/>
-              </a:cxn>
-              <a:cxn ang="0">
-                <a:pos x="connsiteX120" y="connsiteY120"/>
-              </a:cxn>
-              <a:cxn ang="0">
-                <a:pos x="connsiteX121" y="connsiteY121"/>
-              </a:cxn>
-              <a:cxn ang="0">
-                <a:pos x="connsiteX122" y="connsiteY122"/>
-              </a:cxn>
-              <a:cxn ang="0">
-                <a:pos x="connsiteX123" y="connsiteY123"/>
-              </a:cxn>
-              <a:cxn ang="0">
-                <a:pos x="connsiteX124" y="connsiteY124"/>
-              </a:cxn>
-              <a:cxn ang="0">
-                <a:pos x="connsiteX125" y="connsiteY125"/>
-              </a:cxn>
-              <a:cxn ang="0">
-                <a:pos x="connsiteX126" y="connsiteY126"/>
-              </a:cxn>
-              <a:cxn ang="0">
-                <a:pos x="connsiteX127" y="connsiteY127"/>
-              </a:cxn>
-              <a:cxn ang="0">
-                <a:pos x="connsiteX128" y="connsiteY128"/>
-              </a:cxn>
-              <a:cxn ang="0">
-                <a:pos x="connsiteX129" y="connsiteY129"/>
-              </a:cxn>
-              <a:cxn ang="0">
-                <a:pos x="connsiteX130" y="connsiteY130"/>
-              </a:cxn>
-              <a:cxn ang="0">
-                <a:pos x="connsiteX131" y="connsiteY131"/>
-              </a:cxn>
-              <a:cxn ang="0">
-                <a:pos x="connsiteX132" y="connsiteY132"/>
-              </a:cxn>
-              <a:cxn ang="0">
-                <a:pos x="connsiteX133" y="connsiteY133"/>
-              </a:cxn>
-              <a:cxn ang="0">
-                <a:pos x="connsiteX134" y="connsiteY134"/>
-              </a:cxn>
-              <a:cxn ang="0">
-                <a:pos x="connsiteX135" y="connsiteY135"/>
-              </a:cxn>
-              <a:cxn ang="0">
-                <a:pos x="connsiteX136" y="connsiteY136"/>
-              </a:cxn>
-              <a:cxn ang="0">
-                <a:pos x="connsiteX137" y="connsiteY137"/>
-              </a:cxn>
-              <a:cxn ang="0">
-                <a:pos x="connsiteX138" y="connsiteY138"/>
-              </a:cxn>
-              <a:cxn ang="0">
-                <a:pos x="connsiteX139" y="connsiteY139"/>
-              </a:cxn>
-              <a:cxn ang="0">
-                <a:pos x="connsiteX140" y="connsiteY140"/>
-              </a:cxn>
-              <a:cxn ang="0">
-                <a:pos x="connsiteX141" y="connsiteY141"/>
-              </a:cxn>
-              <a:cxn ang="0">
-                <a:pos x="connsiteX142" y="connsiteY142"/>
-              </a:cxn>
-              <a:cxn ang="0">
-                <a:pos x="connsiteX143" y="connsiteY143"/>
-              </a:cxn>
-              <a:cxn ang="0">
-                <a:pos x="connsiteX144" y="connsiteY144"/>
-              </a:cxn>
-              <a:cxn ang="0">
-                <a:pos x="connsiteX145" y="connsiteY145"/>
-              </a:cxn>
-              <a:cxn ang="0">
-                <a:pos x="connsiteX146" y="connsiteY146"/>
-              </a:cxn>
-              <a:cxn ang="0">
-                <a:pos x="connsiteX147" y="connsiteY147"/>
-              </a:cxn>
-              <a:cxn ang="0">
-                <a:pos x="connsiteX148" y="connsiteY148"/>
-              </a:cxn>
             </a:cxnLst>
             <a:rect l="l" t="t" r="r" b="b"/>
             <a:pathLst>
-              <a:path w="4838076" h="6858000">
+              <a:path w="3255095" h="18288" fill="none" extrusionOk="0">
                 <a:moveTo>
-                  <a:pt x="4838076" y="0"/>
+                  <a:pt x="0" y="0"/>
                 </a:moveTo>
-                <a:lnTo>
-                  <a:pt x="4417162" y="0"/>
-                </a:lnTo>
-                <a:lnTo>
-                  <a:pt x="3459219" y="0"/>
-                </a:lnTo>
-                <a:lnTo>
-                  <a:pt x="334174" y="0"/>
-                </a:lnTo>
-                <a:lnTo>
-                  <a:pt x="334173" y="0"/>
-                </a:lnTo>
-                <a:lnTo>
-                  <a:pt x="189795" y="0"/>
-                </a:lnTo>
-                <a:lnTo>
-                  <a:pt x="184756" y="66675"/>
-                </a:lnTo>
-                <a:lnTo>
-                  <a:pt x="176358" y="122237"/>
-                </a:lnTo>
-                <a:lnTo>
-                  <a:pt x="166281" y="174625"/>
-                </a:lnTo>
-                <a:lnTo>
-                  <a:pt x="149485" y="217487"/>
-                </a:lnTo>
-                <a:lnTo>
-                  <a:pt x="132689" y="260350"/>
-                </a:lnTo>
-                <a:lnTo>
-                  <a:pt x="112534" y="296862"/>
-                </a:lnTo>
-                <a:lnTo>
-                  <a:pt x="92379" y="334962"/>
-                </a:lnTo>
-                <a:lnTo>
-                  <a:pt x="73903" y="369887"/>
-                </a:lnTo>
-                <a:lnTo>
-                  <a:pt x="55427" y="409575"/>
-                </a:lnTo>
-                <a:lnTo>
-                  <a:pt x="38632" y="450850"/>
-                </a:lnTo>
-                <a:lnTo>
-                  <a:pt x="23515" y="496887"/>
-                </a:lnTo>
-                <a:lnTo>
-                  <a:pt x="11758" y="546100"/>
-                </a:lnTo>
-                <a:lnTo>
-                  <a:pt x="3359" y="606425"/>
-                </a:lnTo>
-                <a:lnTo>
-                  <a:pt x="0" y="673100"/>
-                </a:lnTo>
-                <a:lnTo>
-                  <a:pt x="3359" y="744537"/>
-                </a:lnTo>
-                <a:lnTo>
-                  <a:pt x="11758" y="801687"/>
-                </a:lnTo>
-                <a:lnTo>
-                  <a:pt x="23515" y="854075"/>
-                </a:lnTo>
-                <a:lnTo>
-                  <a:pt x="38632" y="901700"/>
-                </a:lnTo>
-                <a:lnTo>
-                  <a:pt x="55427" y="942975"/>
-                </a:lnTo>
-                <a:lnTo>
-                  <a:pt x="75583" y="981075"/>
-                </a:lnTo>
-                <a:lnTo>
-                  <a:pt x="95738" y="1017587"/>
-                </a:lnTo>
-                <a:lnTo>
-                  <a:pt x="115893" y="1055687"/>
-                </a:lnTo>
-                <a:lnTo>
-                  <a:pt x="134368" y="1095375"/>
-                </a:lnTo>
-                <a:lnTo>
-                  <a:pt x="152844" y="1136650"/>
-                </a:lnTo>
-                <a:lnTo>
-                  <a:pt x="167960" y="1182687"/>
-                </a:lnTo>
-                <a:lnTo>
-                  <a:pt x="178038" y="1235075"/>
-                </a:lnTo>
-                <a:lnTo>
-                  <a:pt x="188115" y="1295400"/>
-                </a:lnTo>
-                <a:lnTo>
-                  <a:pt x="189795" y="1363662"/>
-                </a:lnTo>
-                <a:lnTo>
-                  <a:pt x="188115" y="1431925"/>
-                </a:lnTo>
-                <a:lnTo>
-                  <a:pt x="178038" y="1492250"/>
-                </a:lnTo>
-                <a:lnTo>
-                  <a:pt x="167960" y="1544637"/>
-                </a:lnTo>
-                <a:lnTo>
-                  <a:pt x="152844" y="1589087"/>
-                </a:lnTo>
-                <a:lnTo>
-                  <a:pt x="134368" y="1631950"/>
-                </a:lnTo>
-                <a:lnTo>
-                  <a:pt x="115893" y="1671637"/>
-                </a:lnTo>
-                <a:lnTo>
-                  <a:pt x="95738" y="1708150"/>
-                </a:lnTo>
-                <a:lnTo>
-                  <a:pt x="75583" y="1743075"/>
-                </a:lnTo>
-                <a:lnTo>
-                  <a:pt x="55427" y="1782762"/>
-                </a:lnTo>
-                <a:lnTo>
-                  <a:pt x="38632" y="1824037"/>
-                </a:lnTo>
-                <a:lnTo>
-                  <a:pt x="23515" y="1870075"/>
-                </a:lnTo>
-                <a:lnTo>
-                  <a:pt x="11758" y="1922462"/>
-                </a:lnTo>
-                <a:lnTo>
-                  <a:pt x="3359" y="1982787"/>
-                </a:lnTo>
-                <a:lnTo>
-                  <a:pt x="0" y="2051050"/>
-                </a:lnTo>
-                <a:lnTo>
-                  <a:pt x="3359" y="2119312"/>
-                </a:lnTo>
-                <a:lnTo>
-                  <a:pt x="11758" y="2179637"/>
-                </a:lnTo>
-                <a:lnTo>
-                  <a:pt x="23515" y="2232025"/>
-                </a:lnTo>
-                <a:lnTo>
-                  <a:pt x="38632" y="2278062"/>
-                </a:lnTo>
-                <a:lnTo>
-                  <a:pt x="55427" y="2319337"/>
-                </a:lnTo>
-                <a:lnTo>
-                  <a:pt x="75583" y="2359025"/>
-                </a:lnTo>
-                <a:lnTo>
-                  <a:pt x="95738" y="2395537"/>
-                </a:lnTo>
-                <a:lnTo>
-                  <a:pt x="115893" y="2433637"/>
-                </a:lnTo>
-                <a:lnTo>
-                  <a:pt x="134368" y="2471737"/>
-                </a:lnTo>
-                <a:lnTo>
-                  <a:pt x="152844" y="2513012"/>
-                </a:lnTo>
-                <a:lnTo>
-                  <a:pt x="167960" y="2560637"/>
-                </a:lnTo>
-                <a:lnTo>
-                  <a:pt x="178038" y="2613025"/>
-                </a:lnTo>
-                <a:lnTo>
-                  <a:pt x="188115" y="2671762"/>
-                </a:lnTo>
-                <a:lnTo>
-                  <a:pt x="189795" y="2741612"/>
-                </a:lnTo>
-                <a:lnTo>
-                  <a:pt x="188115" y="2809875"/>
-                </a:lnTo>
-                <a:lnTo>
-                  <a:pt x="178038" y="2868612"/>
-                </a:lnTo>
-                <a:lnTo>
-                  <a:pt x="167960" y="2922587"/>
-                </a:lnTo>
-                <a:lnTo>
-                  <a:pt x="152844" y="2967037"/>
-                </a:lnTo>
-                <a:lnTo>
-                  <a:pt x="134368" y="3009900"/>
-                </a:lnTo>
-                <a:lnTo>
-                  <a:pt x="115893" y="3046412"/>
-                </a:lnTo>
-                <a:lnTo>
-                  <a:pt x="95738" y="3084512"/>
-                </a:lnTo>
-                <a:lnTo>
-                  <a:pt x="75583" y="3121025"/>
-                </a:lnTo>
-                <a:lnTo>
-                  <a:pt x="55427" y="3160712"/>
-                </a:lnTo>
-                <a:lnTo>
-                  <a:pt x="38632" y="3201987"/>
-                </a:lnTo>
-                <a:lnTo>
-                  <a:pt x="23515" y="3248025"/>
-                </a:lnTo>
-                <a:lnTo>
-                  <a:pt x="11758" y="3300412"/>
-                </a:lnTo>
-                <a:lnTo>
-                  <a:pt x="3359" y="3360737"/>
-                </a:lnTo>
-                <a:lnTo>
-                  <a:pt x="0" y="3427412"/>
-                </a:lnTo>
-                <a:lnTo>
-                  <a:pt x="3359" y="3497262"/>
-                </a:lnTo>
-                <a:lnTo>
-                  <a:pt x="11758" y="3557587"/>
-                </a:lnTo>
-                <a:lnTo>
-                  <a:pt x="23515" y="3609975"/>
-                </a:lnTo>
-                <a:lnTo>
-                  <a:pt x="38632" y="3656012"/>
-                </a:lnTo>
-                <a:lnTo>
-                  <a:pt x="55427" y="3697287"/>
-                </a:lnTo>
-                <a:lnTo>
-                  <a:pt x="75583" y="3736975"/>
-                </a:lnTo>
-                <a:lnTo>
-                  <a:pt x="115893" y="3811587"/>
-                </a:lnTo>
-                <a:lnTo>
-                  <a:pt x="134368" y="3848100"/>
-                </a:lnTo>
-                <a:lnTo>
-                  <a:pt x="152844" y="3890962"/>
-                </a:lnTo>
-                <a:lnTo>
-                  <a:pt x="167960" y="3935412"/>
-                </a:lnTo>
-                <a:lnTo>
-                  <a:pt x="178038" y="3987800"/>
-                </a:lnTo>
-                <a:lnTo>
-                  <a:pt x="188115" y="4048125"/>
-                </a:lnTo>
-                <a:lnTo>
-                  <a:pt x="189795" y="4116387"/>
-                </a:lnTo>
-                <a:lnTo>
-                  <a:pt x="188115" y="4186237"/>
-                </a:lnTo>
-                <a:lnTo>
-                  <a:pt x="178038" y="4244975"/>
-                </a:lnTo>
-                <a:lnTo>
-                  <a:pt x="167960" y="4297362"/>
-                </a:lnTo>
-                <a:lnTo>
-                  <a:pt x="152844" y="4343400"/>
-                </a:lnTo>
-                <a:lnTo>
-                  <a:pt x="134368" y="4386262"/>
-                </a:lnTo>
-                <a:lnTo>
-                  <a:pt x="115893" y="4424362"/>
-                </a:lnTo>
-                <a:lnTo>
-                  <a:pt x="75583" y="4498975"/>
-                </a:lnTo>
-                <a:lnTo>
-                  <a:pt x="55427" y="4537075"/>
-                </a:lnTo>
-                <a:lnTo>
-                  <a:pt x="38632" y="4579937"/>
-                </a:lnTo>
-                <a:lnTo>
-                  <a:pt x="23515" y="4625975"/>
-                </a:lnTo>
-                <a:lnTo>
-                  <a:pt x="11758" y="4678362"/>
-                </a:lnTo>
-                <a:lnTo>
-                  <a:pt x="3359" y="4738687"/>
-                </a:lnTo>
-                <a:lnTo>
-                  <a:pt x="0" y="4806950"/>
-                </a:lnTo>
-                <a:lnTo>
-                  <a:pt x="3359" y="4875212"/>
-                </a:lnTo>
-                <a:lnTo>
-                  <a:pt x="11758" y="4935537"/>
-                </a:lnTo>
-                <a:lnTo>
-                  <a:pt x="23515" y="4987925"/>
-                </a:lnTo>
-                <a:lnTo>
-                  <a:pt x="38632" y="5033962"/>
-                </a:lnTo>
-                <a:lnTo>
-                  <a:pt x="55427" y="5075237"/>
-                </a:lnTo>
-                <a:lnTo>
-                  <a:pt x="75583" y="5114925"/>
-                </a:lnTo>
-                <a:lnTo>
-                  <a:pt x="95738" y="5149850"/>
-                </a:lnTo>
-                <a:lnTo>
-                  <a:pt x="115893" y="5186362"/>
-                </a:lnTo>
-                <a:lnTo>
-                  <a:pt x="134368" y="5226050"/>
-                </a:lnTo>
-                <a:lnTo>
-                  <a:pt x="152844" y="5268912"/>
-                </a:lnTo>
-                <a:lnTo>
-                  <a:pt x="167960" y="5313362"/>
-                </a:lnTo>
-                <a:lnTo>
-                  <a:pt x="178038" y="5365750"/>
-                </a:lnTo>
-                <a:lnTo>
-                  <a:pt x="188115" y="5426075"/>
-                </a:lnTo>
-                <a:lnTo>
-                  <a:pt x="189795" y="5494337"/>
-                </a:lnTo>
-                <a:lnTo>
-                  <a:pt x="188115" y="5562600"/>
-                </a:lnTo>
-                <a:lnTo>
-                  <a:pt x="178038" y="5622925"/>
-                </a:lnTo>
-                <a:lnTo>
-                  <a:pt x="167960" y="5675312"/>
-                </a:lnTo>
-                <a:lnTo>
-                  <a:pt x="152844" y="5721350"/>
-                </a:lnTo>
-                <a:lnTo>
-                  <a:pt x="134368" y="5762625"/>
-                </a:lnTo>
-                <a:lnTo>
-                  <a:pt x="115893" y="5802312"/>
-                </a:lnTo>
-                <a:lnTo>
-                  <a:pt x="95738" y="5840412"/>
-                </a:lnTo>
-                <a:lnTo>
-                  <a:pt x="75583" y="5876925"/>
-                </a:lnTo>
-                <a:lnTo>
-                  <a:pt x="55427" y="5915025"/>
-                </a:lnTo>
-                <a:lnTo>
-                  <a:pt x="38632" y="5956300"/>
-                </a:lnTo>
-                <a:lnTo>
-                  <a:pt x="23515" y="6003925"/>
-                </a:lnTo>
-                <a:lnTo>
-                  <a:pt x="11758" y="6056312"/>
-                </a:lnTo>
-                <a:lnTo>
-                  <a:pt x="3359" y="6113462"/>
-                </a:lnTo>
-                <a:lnTo>
-                  <a:pt x="0" y="6183312"/>
-                </a:lnTo>
-                <a:lnTo>
-                  <a:pt x="3359" y="6251575"/>
-                </a:lnTo>
-                <a:lnTo>
-                  <a:pt x="11758" y="6311900"/>
-                </a:lnTo>
-                <a:lnTo>
-                  <a:pt x="23515" y="6361112"/>
-                </a:lnTo>
-                <a:lnTo>
-                  <a:pt x="38632" y="6407150"/>
-                </a:lnTo>
-                <a:lnTo>
-                  <a:pt x="55427" y="6448425"/>
-                </a:lnTo>
-                <a:lnTo>
-                  <a:pt x="73903" y="6488112"/>
-                </a:lnTo>
-                <a:lnTo>
-                  <a:pt x="92379" y="6523037"/>
-                </a:lnTo>
-                <a:lnTo>
-                  <a:pt x="112534" y="6561137"/>
-                </a:lnTo>
-                <a:lnTo>
-                  <a:pt x="132689" y="6597650"/>
-                </a:lnTo>
-                <a:lnTo>
-                  <a:pt x="149485" y="6640512"/>
-                </a:lnTo>
-                <a:lnTo>
-                  <a:pt x="166281" y="6683375"/>
-                </a:lnTo>
-                <a:lnTo>
-                  <a:pt x="176358" y="6735762"/>
-                </a:lnTo>
-                <a:lnTo>
-                  <a:pt x="184756" y="6791325"/>
-                </a:lnTo>
-                <a:lnTo>
-                  <a:pt x="189795" y="6858000"/>
-                </a:lnTo>
-                <a:lnTo>
-                  <a:pt x="334173" y="6858000"/>
-                </a:lnTo>
-                <a:lnTo>
-                  <a:pt x="334174" y="6858000"/>
-                </a:lnTo>
-                <a:lnTo>
-                  <a:pt x="3459219" y="6858000"/>
-                </a:lnTo>
-                <a:lnTo>
-                  <a:pt x="4417162" y="6858000"/>
-                </a:lnTo>
-                <a:lnTo>
-                  <a:pt x="4838076" y="6858000"/>
-                </a:lnTo>
+                <a:cubicBezTo>
+                  <a:pt x="240201" y="-22123"/>
+                  <a:pt x="462021" y="-19623"/>
+                  <a:pt x="618468" y="0"/>
+                </a:cubicBezTo>
+                <a:cubicBezTo>
+                  <a:pt x="774915" y="19623"/>
+                  <a:pt x="974734" y="2035"/>
+                  <a:pt x="1269487" y="0"/>
+                </a:cubicBezTo>
+                <a:cubicBezTo>
+                  <a:pt x="1564240" y="-2035"/>
+                  <a:pt x="1733579" y="10639"/>
+                  <a:pt x="1953057" y="0"/>
+                </a:cubicBezTo>
+                <a:cubicBezTo>
+                  <a:pt x="2172535" y="-10639"/>
+                  <a:pt x="2453962" y="14018"/>
+                  <a:pt x="2636627" y="0"/>
+                </a:cubicBezTo>
+                <a:cubicBezTo>
+                  <a:pt x="2819292" y="-14018"/>
+                  <a:pt x="3121375" y="5399"/>
+                  <a:pt x="3255095" y="0"/>
+                </a:cubicBezTo>
+                <a:cubicBezTo>
+                  <a:pt x="3254386" y="8157"/>
+                  <a:pt x="3254682" y="12125"/>
+                  <a:pt x="3255095" y="18288"/>
+                </a:cubicBezTo>
+                <a:cubicBezTo>
+                  <a:pt x="3088545" y="23203"/>
+                  <a:pt x="2687475" y="7419"/>
+                  <a:pt x="2538974" y="18288"/>
+                </a:cubicBezTo>
+                <a:cubicBezTo>
+                  <a:pt x="2390473" y="29157"/>
+                  <a:pt x="2137381" y="-8959"/>
+                  <a:pt x="1822853" y="18288"/>
+                </a:cubicBezTo>
+                <a:cubicBezTo>
+                  <a:pt x="1508325" y="45535"/>
+                  <a:pt x="1466437" y="20385"/>
+                  <a:pt x="1171834" y="18288"/>
+                </a:cubicBezTo>
+                <a:cubicBezTo>
+                  <a:pt x="877231" y="16191"/>
+                  <a:pt x="561097" y="37643"/>
+                  <a:pt x="0" y="18288"/>
+                </a:cubicBezTo>
+                <a:cubicBezTo>
+                  <a:pt x="-46" y="12483"/>
+                  <a:pt x="-203" y="6491"/>
+                  <a:pt x="0" y="0"/>
+                </a:cubicBezTo>
+                <a:close/>
+              </a:path>
+              <a:path w="3255095" h="18288" stroke="0" extrusionOk="0">
+                <a:moveTo>
+                  <a:pt x="0" y="0"/>
+                </a:moveTo>
+                <a:cubicBezTo>
+                  <a:pt x="291965" y="19429"/>
+                  <a:pt x="363155" y="8568"/>
+                  <a:pt x="618468" y="0"/>
+                </a:cubicBezTo>
+                <a:cubicBezTo>
+                  <a:pt x="873781" y="-8568"/>
+                  <a:pt x="904459" y="-19505"/>
+                  <a:pt x="1171834" y="0"/>
+                </a:cubicBezTo>
+                <a:cubicBezTo>
+                  <a:pt x="1439209" y="19505"/>
+                  <a:pt x="1744369" y="9790"/>
+                  <a:pt x="1887955" y="0"/>
+                </a:cubicBezTo>
+                <a:cubicBezTo>
+                  <a:pt x="2031541" y="-9790"/>
+                  <a:pt x="2346378" y="21240"/>
+                  <a:pt x="2506423" y="0"/>
+                </a:cubicBezTo>
+                <a:cubicBezTo>
+                  <a:pt x="2666468" y="-21240"/>
+                  <a:pt x="2990257" y="30414"/>
+                  <a:pt x="3255095" y="0"/>
+                </a:cubicBezTo>
+                <a:cubicBezTo>
+                  <a:pt x="3254831" y="4493"/>
+                  <a:pt x="3255479" y="9472"/>
+                  <a:pt x="3255095" y="18288"/>
+                </a:cubicBezTo>
+                <a:cubicBezTo>
+                  <a:pt x="3120743" y="16690"/>
+                  <a:pt x="2759628" y="42462"/>
+                  <a:pt x="2604076" y="18288"/>
+                </a:cubicBezTo>
+                <a:cubicBezTo>
+                  <a:pt x="2448524" y="-5886"/>
+                  <a:pt x="2184336" y="19599"/>
+                  <a:pt x="1887955" y="18288"/>
+                </a:cubicBezTo>
+                <a:cubicBezTo>
+                  <a:pt x="1591574" y="16977"/>
+                  <a:pt x="1548845" y="6870"/>
+                  <a:pt x="1334589" y="18288"/>
+                </a:cubicBezTo>
+                <a:cubicBezTo>
+                  <a:pt x="1120333" y="29706"/>
+                  <a:pt x="996014" y="9662"/>
+                  <a:pt x="683570" y="18288"/>
+                </a:cubicBezTo>
+                <a:cubicBezTo>
+                  <a:pt x="371126" y="26914"/>
+                  <a:pt x="198687" y="16167"/>
+                  <a:pt x="0" y="18288"/>
+                </a:cubicBezTo>
+                <a:cubicBezTo>
+                  <a:pt x="843" y="9577"/>
+                  <a:pt x="371" y="6900"/>
+                  <a:pt x="0" y="0"/>
+                </a:cubicBezTo>
                 <a:close/>
               </a:path>
             </a:pathLst>
           </a:custGeom>
           <a:solidFill>
+            <a:schemeClr val="accent2"/>
+          </a:solidFill>
+          <a:ln w="38100" cap="rnd">
+            <a:solidFill>
+              <a:schemeClr val="accent2"/>
+            </a:solidFill>
+            <a:round/>
+            <a:extLst>
+              <a:ext uri="{C807C97D-BFC1-408E-A445-0C87EB9F89A2}">
+                <ask:lineSketchStyleProps xmlns:ask="http://schemas.microsoft.com/office/drawing/2018/sketchyshapes" sd="1219033472">
+                  <a:prstGeom prst="rect">
+                    <a:avLst/>
+                  </a:prstGeom>
+                  <ask:type>
+                    <ask:lineSketchFreehand/>
+                  </ask:type>
+                </ask:lineSketchStyleProps>
+              </a:ext>
+            </a:extLst>
+          </a:ln>
+        </p:spPr>
+        <p:style>
+          <a:lnRef idx="2">
             <a:schemeClr val="accent1">
-              <a:lumMod val="50000"/>
-              <a:alpha val="25000"/>
+              <a:shade val="50000"/>
             </a:schemeClr>
-          </a:solidFill>
+          </a:lnRef>
+          <a:fillRef idx="1">
+            <a:schemeClr val="accent1"/>
+          </a:fillRef>
+          <a:effectRef idx="0">
+            <a:schemeClr val="accent1"/>
+          </a:effectRef>
+          <a:fontRef idx="minor">
+            <a:schemeClr val="lt1"/>
+          </a:fontRef>
+        </p:style>
+        <p:txBody>
+          <a:bodyPr rtlCol="0" anchor="ctr"/>
+          <a:lstStyle/>
+          <a:p>
+            <a:pPr algn="ctr"/>
+            <a:endParaRPr lang="en-US"/>
+          </a:p>
+        </p:txBody>
+      </p:sp>
+      <p:sp>
+        <p:nvSpPr>
+          <p:cNvPr id="5" name="TextBox 4">
+            <a:extLst>
+              <a:ext uri="{FF2B5EF4-FFF2-40B4-BE49-F238E27FC236}">
+                <a16:creationId xmlns:a16="http://schemas.microsoft.com/office/drawing/2014/main" id="{9E912266-C109-4D55-9601-8A9EE4EE52B5}"/>
+              </a:ext>
+            </a:extLst>
+          </p:cNvPr>
+          <p:cNvSpPr txBox="1"/>
+          <p:nvPr/>
+        </p:nvSpPr>
+        <p:spPr>
+          <a:xfrm>
+            <a:off x="630936" y="2807208"/>
+            <a:ext cx="3429000" cy="3410712"/>
+          </a:xfrm>
+          <a:prstGeom prst="rect">
+            <a:avLst/>
+          </a:prstGeom>
+        </p:spPr>
+        <p:txBody>
+          <a:bodyPr rot="0" spcFirstLastPara="0" vertOverflow="overflow" horzOverflow="overflow" vert="horz" lIns="91440" tIns="45720" rIns="91440" bIns="45720" numCol="1" spcCol="0" rtlCol="0" fromWordArt="0" anchor="t" anchorCtr="0" forceAA="0" compatLnSpc="1">
+            <a:prstTxWarp prst="textNoShape">
+              <a:avLst/>
+            </a:prstTxWarp>
+            <a:normAutofit/>
+          </a:bodyPr>
+          <a:lstStyle/>
+          <a:p>
+            <a:pPr indent="-228600">
+              <a:lnSpc>
+                <a:spcPct val="90000"/>
+              </a:lnSpc>
+              <a:spcAft>
+                <a:spcPts val="600"/>
+              </a:spcAft>
+              <a:buFont typeface="Arial" panose="020B0604020202020204" pitchFamily="34" charset="0"/>
+              <a:buChar char="•"/>
+            </a:pPr>
+            <a:r>
+              <a:rPr lang="en-US" sz="2000" dirty="0"/>
+              <a:t>This is my third version of my start Gui. I will make it so that when you press one of the buttons it will take you to a quiz where it will display a question and give you 4 different answers. 1 of them will be correct and the other 3 will be randomly generated from a list of answers that I have designed </a:t>
+            </a:r>
+          </a:p>
+        </p:txBody>
+      </p:sp>
+      <p:pic>
+        <p:nvPicPr>
+          <p:cNvPr id="4" name="Picture 4">
+            <a:extLst>
+              <a:ext uri="{FF2B5EF4-FFF2-40B4-BE49-F238E27FC236}">
+                <a16:creationId xmlns:a16="http://schemas.microsoft.com/office/drawing/2014/main" id="{A23B8DD8-2A29-4176-AF99-EF02CE8EBC35}"/>
+              </a:ext>
+            </a:extLst>
+          </p:cNvPr>
+          <p:cNvPicPr>
+            <a:picLocks noGrp="1" noChangeAspect="1"/>
+          </p:cNvPicPr>
+          <p:nvPr>
+            <p:ph idx="1"/>
+          </p:nvPr>
+        </p:nvPicPr>
+        <p:blipFill>
+          <a:blip r:embed="rId2"/>
+          <a:stretch>
+            <a:fillRect/>
+          </a:stretch>
+        </p:blipFill>
+        <p:spPr>
+          <a:xfrm>
+            <a:off x="4876880" y="640080"/>
+            <a:ext cx="6458551" cy="5577840"/>
+          </a:xfrm>
+          <a:prstGeom prst="rect">
+            <a:avLst/>
+          </a:prstGeom>
+        </p:spPr>
+      </p:pic>
+    </p:spTree>
+    <p:extLst>
+      <p:ext uri="{BB962C8B-B14F-4D97-AF65-F5344CB8AC3E}">
+        <p14:creationId xmlns:p14="http://schemas.microsoft.com/office/powerpoint/2010/main" val="2917113191"/>
+      </p:ext>
+    </p:extLst>
+  </p:cSld>
+  <p:clrMapOvr>
+    <a:masterClrMapping/>
+  </p:clrMapOvr>
+</p:sld>
+</file>
+
+<file path=ppt/slides/slide8.xml><?xml version="1.0" encoding="utf-8"?>
+<p:sld xmlns:a="http://schemas.openxmlformats.org/drawingml/2006/main" xmlns:r="http://schemas.openxmlformats.org/officeDocument/2006/relationships" xmlns:p="http://schemas.openxmlformats.org/presentationml/2006/main">
+  <p:cSld>
+    <p:bg>
+      <p:bgPr>
+        <a:solidFill>
+          <a:schemeClr val="bg1"/>
+        </a:solidFill>
+        <a:effectLst/>
+      </p:bgPr>
+    </p:bg>
+    <p:spTree>
+      <p:nvGrpSpPr>
+        <p:cNvPr id="1" name=""/>
+        <p:cNvGrpSpPr/>
+        <p:nvPr/>
+      </p:nvGrpSpPr>
+      <p:grpSpPr>
+        <a:xfrm>
+          <a:off x="0" y="0"/>
+          <a:ext cx="0" cy="0"/>
+          <a:chOff x="0" y="0"/>
+          <a:chExt cx="0" cy="0"/>
+        </a:xfrm>
+      </p:grpSpPr>
+      <p:sp useBgFill="1">
+        <p:nvSpPr>
+          <p:cNvPr id="14" name="Rectangle 16">
+            <a:extLst>
+              <a:ext uri="{FF2B5EF4-FFF2-40B4-BE49-F238E27FC236}">
+                <a16:creationId xmlns:a16="http://schemas.microsoft.com/office/drawing/2014/main" id="{2B97F24A-32CE-4C1C-A50D-3016B394DCFB}"/>
+              </a:ext>
+              <a:ext uri="{C183D7F6-B498-43B3-948B-1728B52AA6E4}">
+                <adec:decorative xmlns:adec="http://schemas.microsoft.com/office/drawing/2017/decorative" val="1"/>
+              </a:ext>
+            </a:extLst>
+          </p:cNvPr>
+          <p:cNvSpPr>
+            <a:spLocks noGrp="1" noRot="1" noChangeAspect="1" noMove="1" noResize="1" noEditPoints="1" noAdjustHandles="1" noChangeArrowheads="1" noChangeShapeType="1" noTextEdit="1"/>
+          </p:cNvSpPr>
+          <p:nvPr>
+            <p:extLst>
+              <p:ext uri="{386F3935-93C4-4BCD-93E2-E3B085C9AB24}">
+                <p16:designElem xmlns:p16="http://schemas.microsoft.com/office/powerpoint/2015/main" val="1"/>
+              </p:ext>
+            </p:extLst>
+          </p:nvPr>
+        </p:nvSpPr>
+        <p:spPr>
+          <a:xfrm>
+            <a:off x="0" y="0"/>
+            <a:ext cx="12192000" cy="6858000"/>
+          </a:xfrm>
+          <a:prstGeom prst="rect">
+            <a:avLst/>
+          </a:prstGeom>
           <a:ln>
             <a:noFill/>
           </a:ln>
@@ -7536,13 +6139,11 @@
           </a:fontRef>
         </p:style>
         <p:txBody>
-          <a:bodyPr wrap="square" rtlCol="0" anchor="ctr">
-            <a:noAutofit/>
-          </a:bodyPr>
+          <a:bodyPr rtlCol="0" anchor="ctr"/>
           <a:lstStyle/>
           <a:p>
             <a:pPr algn="ctr"/>
-            <a:endParaRPr lang="en-US" dirty="0"/>
+            <a:endParaRPr lang="en-US"/>
           </a:p>
         </p:txBody>
       </p:sp>
@@ -7551,7 +6152,7 @@
           <p:cNvPr id="2" name="Title 1">
             <a:extLst>
               <a:ext uri="{FF2B5EF4-FFF2-40B4-BE49-F238E27FC236}">
-                <a16:creationId xmlns:a16="http://schemas.microsoft.com/office/drawing/2014/main" id="{3E212635-CADE-43BF-A371-49E22896C9EE}"/>
+                <a16:creationId xmlns:a16="http://schemas.microsoft.com/office/drawing/2014/main" id="{40E80544-C795-410D-ACBE-5B39F33D5CE0}"/>
               </a:ext>
             </a:extLst>
           </p:cNvPr>
@@ -7564,36 +6165,309 @@
         </p:nvSpPr>
         <p:spPr>
           <a:xfrm>
-            <a:off x="765051" y="662400"/>
-            <a:ext cx="3384000" cy="1492132"/>
+            <a:off x="630936" y="639520"/>
+            <a:ext cx="3429000" cy="1719072"/>
           </a:xfrm>
         </p:spPr>
         <p:txBody>
-          <a:bodyPr vert="horz" lIns="91440" tIns="45720" rIns="91440" bIns="45720" rtlCol="0" anchor="t">
+          <a:bodyPr vert="horz" lIns="91440" tIns="45720" rIns="91440" bIns="45720" rtlCol="0" anchor="b">
             <a:normAutofit/>
           </a:bodyPr>
           <a:lstStyle/>
           <a:p>
             <a:r>
-              <a:rPr lang="en-US" kern="1200">
+              <a:rPr lang="en-US" sz="4600" kern="1200">
                 <a:solidFill>
-                  <a:schemeClr val="bg1"/>
+                  <a:schemeClr val="tx1"/>
                 </a:solidFill>
                 <a:latin typeface="+mj-lt"/>
                 <a:ea typeface="+mj-ea"/>
                 <a:cs typeface="+mj-cs"/>
               </a:rPr>
-              <a:t>Start_GUI Final</a:t>
-            </a:r>
-          </a:p>
-        </p:txBody>
-      </p:sp>
-      <p:sp>
-        <p:nvSpPr>
-          <p:cNvPr id="5" name="TextBox 4">
+              <a:t>Start_GUI V4</a:t>
+            </a:r>
+          </a:p>
+        </p:txBody>
+      </p:sp>
+      <p:sp>
+        <p:nvSpPr>
+          <p:cNvPr id="15" name="sketch line">
             <a:extLst>
               <a:ext uri="{FF2B5EF4-FFF2-40B4-BE49-F238E27FC236}">
-                <a16:creationId xmlns:a16="http://schemas.microsoft.com/office/drawing/2014/main" id="{F66156E5-FCA1-407A-AF31-9A6D63AAC414}"/>
+                <a16:creationId xmlns:a16="http://schemas.microsoft.com/office/drawing/2014/main" id="{CD8B4F24-440B-49E9-B85D-733523DC064B}"/>
+              </a:ext>
+              <a:ext uri="{C183D7F6-B498-43B3-948B-1728B52AA6E4}">
+                <adec:decorative xmlns:adec="http://schemas.microsoft.com/office/drawing/2017/decorative" val="1"/>
+              </a:ext>
+            </a:extLst>
+          </p:cNvPr>
+          <p:cNvSpPr>
+            <a:spLocks noGrp="1" noRot="1" noChangeAspect="1" noMove="1" noResize="1" noEditPoints="1" noAdjustHandles="1" noChangeArrowheads="1" noChangeShapeType="1" noTextEdit="1"/>
+          </p:cNvSpPr>
+          <p:nvPr>
+            <p:extLst>
+              <p:ext uri="{386F3935-93C4-4BCD-93E2-E3B085C9AB24}">
+                <p16:designElem xmlns:p16="http://schemas.microsoft.com/office/powerpoint/2015/main" val="1"/>
+              </p:ext>
+            </p:extLst>
+          </p:nvPr>
+        </p:nvSpPr>
+        <p:spPr>
+          <a:xfrm>
+            <a:off x="643278" y="2573756"/>
+            <a:ext cx="3255095" cy="18288"/>
+          </a:xfrm>
+          <a:custGeom>
+            <a:avLst/>
+            <a:gdLst>
+              <a:gd name="connsiteX0" fmla="*/ 0 w 3255095"/>
+              <a:gd name="connsiteY0" fmla="*/ 0 h 18288"/>
+              <a:gd name="connsiteX1" fmla="*/ 618468 w 3255095"/>
+              <a:gd name="connsiteY1" fmla="*/ 0 h 18288"/>
+              <a:gd name="connsiteX2" fmla="*/ 1269487 w 3255095"/>
+              <a:gd name="connsiteY2" fmla="*/ 0 h 18288"/>
+              <a:gd name="connsiteX3" fmla="*/ 1953057 w 3255095"/>
+              <a:gd name="connsiteY3" fmla="*/ 0 h 18288"/>
+              <a:gd name="connsiteX4" fmla="*/ 2636627 w 3255095"/>
+              <a:gd name="connsiteY4" fmla="*/ 0 h 18288"/>
+              <a:gd name="connsiteX5" fmla="*/ 3255095 w 3255095"/>
+              <a:gd name="connsiteY5" fmla="*/ 0 h 18288"/>
+              <a:gd name="connsiteX6" fmla="*/ 3255095 w 3255095"/>
+              <a:gd name="connsiteY6" fmla="*/ 18288 h 18288"/>
+              <a:gd name="connsiteX7" fmla="*/ 2538974 w 3255095"/>
+              <a:gd name="connsiteY7" fmla="*/ 18288 h 18288"/>
+              <a:gd name="connsiteX8" fmla="*/ 1822853 w 3255095"/>
+              <a:gd name="connsiteY8" fmla="*/ 18288 h 18288"/>
+              <a:gd name="connsiteX9" fmla="*/ 1171834 w 3255095"/>
+              <a:gd name="connsiteY9" fmla="*/ 18288 h 18288"/>
+              <a:gd name="connsiteX10" fmla="*/ 0 w 3255095"/>
+              <a:gd name="connsiteY10" fmla="*/ 18288 h 18288"/>
+              <a:gd name="connsiteX11" fmla="*/ 0 w 3255095"/>
+              <a:gd name="connsiteY11" fmla="*/ 0 h 18288"/>
+            </a:gdLst>
+            <a:ahLst/>
+            <a:cxnLst>
+              <a:cxn ang="0">
+                <a:pos x="connsiteX0" y="connsiteY0"/>
+              </a:cxn>
+              <a:cxn ang="0">
+                <a:pos x="connsiteX1" y="connsiteY1"/>
+              </a:cxn>
+              <a:cxn ang="0">
+                <a:pos x="connsiteX2" y="connsiteY2"/>
+              </a:cxn>
+              <a:cxn ang="0">
+                <a:pos x="connsiteX3" y="connsiteY3"/>
+              </a:cxn>
+              <a:cxn ang="0">
+                <a:pos x="connsiteX4" y="connsiteY4"/>
+              </a:cxn>
+              <a:cxn ang="0">
+                <a:pos x="connsiteX5" y="connsiteY5"/>
+              </a:cxn>
+              <a:cxn ang="0">
+                <a:pos x="connsiteX6" y="connsiteY6"/>
+              </a:cxn>
+              <a:cxn ang="0">
+                <a:pos x="connsiteX7" y="connsiteY7"/>
+              </a:cxn>
+              <a:cxn ang="0">
+                <a:pos x="connsiteX8" y="connsiteY8"/>
+              </a:cxn>
+              <a:cxn ang="0">
+                <a:pos x="connsiteX9" y="connsiteY9"/>
+              </a:cxn>
+              <a:cxn ang="0">
+                <a:pos x="connsiteX10" y="connsiteY10"/>
+              </a:cxn>
+              <a:cxn ang="0">
+                <a:pos x="connsiteX11" y="connsiteY11"/>
+              </a:cxn>
+            </a:cxnLst>
+            <a:rect l="l" t="t" r="r" b="b"/>
+            <a:pathLst>
+              <a:path w="3255095" h="18288" fill="none" extrusionOk="0">
+                <a:moveTo>
+                  <a:pt x="0" y="0"/>
+                </a:moveTo>
+                <a:cubicBezTo>
+                  <a:pt x="240201" y="-22123"/>
+                  <a:pt x="462021" y="-19623"/>
+                  <a:pt x="618468" y="0"/>
+                </a:cubicBezTo>
+                <a:cubicBezTo>
+                  <a:pt x="774915" y="19623"/>
+                  <a:pt x="974734" y="2035"/>
+                  <a:pt x="1269487" y="0"/>
+                </a:cubicBezTo>
+                <a:cubicBezTo>
+                  <a:pt x="1564240" y="-2035"/>
+                  <a:pt x="1733579" y="10639"/>
+                  <a:pt x="1953057" y="0"/>
+                </a:cubicBezTo>
+                <a:cubicBezTo>
+                  <a:pt x="2172535" y="-10639"/>
+                  <a:pt x="2453962" y="14018"/>
+                  <a:pt x="2636627" y="0"/>
+                </a:cubicBezTo>
+                <a:cubicBezTo>
+                  <a:pt x="2819292" y="-14018"/>
+                  <a:pt x="3121375" y="5399"/>
+                  <a:pt x="3255095" y="0"/>
+                </a:cubicBezTo>
+                <a:cubicBezTo>
+                  <a:pt x="3254386" y="8157"/>
+                  <a:pt x="3254682" y="12125"/>
+                  <a:pt x="3255095" y="18288"/>
+                </a:cubicBezTo>
+                <a:cubicBezTo>
+                  <a:pt x="3088545" y="23203"/>
+                  <a:pt x="2687475" y="7419"/>
+                  <a:pt x="2538974" y="18288"/>
+                </a:cubicBezTo>
+                <a:cubicBezTo>
+                  <a:pt x="2390473" y="29157"/>
+                  <a:pt x="2137381" y="-8959"/>
+                  <a:pt x="1822853" y="18288"/>
+                </a:cubicBezTo>
+                <a:cubicBezTo>
+                  <a:pt x="1508325" y="45535"/>
+                  <a:pt x="1466437" y="20385"/>
+                  <a:pt x="1171834" y="18288"/>
+                </a:cubicBezTo>
+                <a:cubicBezTo>
+                  <a:pt x="877231" y="16191"/>
+                  <a:pt x="561097" y="37643"/>
+                  <a:pt x="0" y="18288"/>
+                </a:cubicBezTo>
+                <a:cubicBezTo>
+                  <a:pt x="-46" y="12483"/>
+                  <a:pt x="-203" y="6491"/>
+                  <a:pt x="0" y="0"/>
+                </a:cubicBezTo>
+                <a:close/>
+              </a:path>
+              <a:path w="3255095" h="18288" stroke="0" extrusionOk="0">
+                <a:moveTo>
+                  <a:pt x="0" y="0"/>
+                </a:moveTo>
+                <a:cubicBezTo>
+                  <a:pt x="291965" y="19429"/>
+                  <a:pt x="363155" y="8568"/>
+                  <a:pt x="618468" y="0"/>
+                </a:cubicBezTo>
+                <a:cubicBezTo>
+                  <a:pt x="873781" y="-8568"/>
+                  <a:pt x="904459" y="-19505"/>
+                  <a:pt x="1171834" y="0"/>
+                </a:cubicBezTo>
+                <a:cubicBezTo>
+                  <a:pt x="1439209" y="19505"/>
+                  <a:pt x="1744369" y="9790"/>
+                  <a:pt x="1887955" y="0"/>
+                </a:cubicBezTo>
+                <a:cubicBezTo>
+                  <a:pt x="2031541" y="-9790"/>
+                  <a:pt x="2346378" y="21240"/>
+                  <a:pt x="2506423" y="0"/>
+                </a:cubicBezTo>
+                <a:cubicBezTo>
+                  <a:pt x="2666468" y="-21240"/>
+                  <a:pt x="2990257" y="30414"/>
+                  <a:pt x="3255095" y="0"/>
+                </a:cubicBezTo>
+                <a:cubicBezTo>
+                  <a:pt x="3254831" y="4493"/>
+                  <a:pt x="3255479" y="9472"/>
+                  <a:pt x="3255095" y="18288"/>
+                </a:cubicBezTo>
+                <a:cubicBezTo>
+                  <a:pt x="3120743" y="16690"/>
+                  <a:pt x="2759628" y="42462"/>
+                  <a:pt x="2604076" y="18288"/>
+                </a:cubicBezTo>
+                <a:cubicBezTo>
+                  <a:pt x="2448524" y="-5886"/>
+                  <a:pt x="2184336" y="19599"/>
+                  <a:pt x="1887955" y="18288"/>
+                </a:cubicBezTo>
+                <a:cubicBezTo>
+                  <a:pt x="1591574" y="16977"/>
+                  <a:pt x="1548845" y="6870"/>
+                  <a:pt x="1334589" y="18288"/>
+                </a:cubicBezTo>
+                <a:cubicBezTo>
+                  <a:pt x="1120333" y="29706"/>
+                  <a:pt x="996014" y="9662"/>
+                  <a:pt x="683570" y="18288"/>
+                </a:cubicBezTo>
+                <a:cubicBezTo>
+                  <a:pt x="371126" y="26914"/>
+                  <a:pt x="198687" y="16167"/>
+                  <a:pt x="0" y="18288"/>
+                </a:cubicBezTo>
+                <a:cubicBezTo>
+                  <a:pt x="843" y="9577"/>
+                  <a:pt x="371" y="6900"/>
+                  <a:pt x="0" y="0"/>
+                </a:cubicBezTo>
+                <a:close/>
+              </a:path>
+            </a:pathLst>
+          </a:custGeom>
+          <a:solidFill>
+            <a:schemeClr val="accent2"/>
+          </a:solidFill>
+          <a:ln w="38100" cap="rnd">
+            <a:solidFill>
+              <a:schemeClr val="accent2"/>
+            </a:solidFill>
+            <a:round/>
+            <a:extLst>
+              <a:ext uri="{C807C97D-BFC1-408E-A445-0C87EB9F89A2}">
+                <ask:lineSketchStyleProps xmlns:ask="http://schemas.microsoft.com/office/drawing/2018/sketchyshapes" sd="1219033472">
+                  <a:prstGeom prst="rect">
+                    <a:avLst/>
+                  </a:prstGeom>
+                  <ask:type>
+                    <ask:lineSketchFreehand/>
+                  </ask:type>
+                </ask:lineSketchStyleProps>
+              </a:ext>
+            </a:extLst>
+          </a:ln>
+        </p:spPr>
+        <p:style>
+          <a:lnRef idx="2">
+            <a:schemeClr val="accent1">
+              <a:shade val="50000"/>
+            </a:schemeClr>
+          </a:lnRef>
+          <a:fillRef idx="1">
+            <a:schemeClr val="accent1"/>
+          </a:fillRef>
+          <a:effectRef idx="0">
+            <a:schemeClr val="accent1"/>
+          </a:effectRef>
+          <a:fontRef idx="minor">
+            <a:schemeClr val="lt1"/>
+          </a:fontRef>
+        </p:style>
+        <p:txBody>
+          <a:bodyPr rtlCol="0" anchor="ctr"/>
+          <a:lstStyle/>
+          <a:p>
+            <a:pPr algn="ctr"/>
+            <a:endParaRPr lang="en-US"/>
+          </a:p>
+        </p:txBody>
+      </p:sp>
+      <p:sp>
+        <p:nvSpPr>
+          <p:cNvPr id="7" name="TextBox 6">
+            <a:extLst>
+              <a:ext uri="{FF2B5EF4-FFF2-40B4-BE49-F238E27FC236}">
+                <a16:creationId xmlns:a16="http://schemas.microsoft.com/office/drawing/2014/main" id="{575A2884-D3F4-4F04-843C-A1781ED6E8D0}"/>
               </a:ext>
             </a:extLst>
           </p:cNvPr>
@@ -7602,15 +6476,15 @@
         </p:nvSpPr>
         <p:spPr>
           <a:xfrm>
-            <a:off x="765051" y="2286000"/>
-            <a:ext cx="3384000" cy="3844800"/>
+            <a:off x="630936" y="2807208"/>
+            <a:ext cx="3429000" cy="3410712"/>
           </a:xfrm>
           <a:prstGeom prst="rect">
             <a:avLst/>
           </a:prstGeom>
         </p:spPr>
         <p:txBody>
-          <a:bodyPr rot="0" spcFirstLastPara="0" vertOverflow="overflow" horzOverflow="overflow" vert="horz" lIns="91440" tIns="45720" rIns="91440" bIns="45720" numCol="1" spcCol="0" rtlCol="0" fromWordArt="0" anchorCtr="0" forceAA="0" compatLnSpc="1">
+          <a:bodyPr rot="0" spcFirstLastPara="0" vertOverflow="overflow" horzOverflow="overflow" vert="horz" lIns="91440" tIns="45720" rIns="91440" bIns="45720" numCol="1" spcCol="0" rtlCol="0" fromWordArt="0" anchor="t" anchorCtr="0" forceAA="0" compatLnSpc="1">
             <a:prstTxWarp prst="textNoShape">
               <a:avLst/>
             </a:prstTxWarp>
@@ -7629,16 +6503,485 @@
               <a:buChar char="•"/>
             </a:pPr>
             <a:r>
-              <a:rPr lang="en-US" sz="2000">
+              <a:rPr lang="en-US" sz="2200"/>
+              <a:t>This will most likely be my final version of my start Gui. I will now begin to develop my game glass and generate questions + answers.  My start Gui now works as I intended it to.</a:t>
+            </a:r>
+          </a:p>
+        </p:txBody>
+      </p:sp>
+      <p:pic>
+        <p:nvPicPr>
+          <p:cNvPr id="6" name="Picture 6" descr="A picture containing text&#10;&#10;Description automatically generated">
+            <a:extLst>
+              <a:ext uri="{FF2B5EF4-FFF2-40B4-BE49-F238E27FC236}">
+                <a16:creationId xmlns:a16="http://schemas.microsoft.com/office/drawing/2014/main" id="{7D7F0479-26D5-4D36-A1D1-4F626F1FAC68}"/>
+              </a:ext>
+            </a:extLst>
+          </p:cNvPr>
+          <p:cNvPicPr>
+            <a:picLocks noGrp="1" noChangeAspect="1"/>
+          </p:cNvPicPr>
+          <p:nvPr>
+            <p:ph idx="1"/>
+          </p:nvPr>
+        </p:nvPicPr>
+        <p:blipFill rotWithShape="1">
+          <a:blip r:embed="rId2"/>
+          <a:srcRect b="5703"/>
+          <a:stretch/>
+        </p:blipFill>
+        <p:spPr>
+          <a:xfrm>
+            <a:off x="6221037" y="640080"/>
+            <a:ext cx="3770238" cy="5577840"/>
+          </a:xfrm>
+          <a:prstGeom prst="rect">
+            <a:avLst/>
+          </a:prstGeom>
+        </p:spPr>
+      </p:pic>
+    </p:spTree>
+    <p:extLst>
+      <p:ext uri="{BB962C8B-B14F-4D97-AF65-F5344CB8AC3E}">
+        <p14:creationId xmlns:p14="http://schemas.microsoft.com/office/powerpoint/2010/main" val="3634938810"/>
+      </p:ext>
+    </p:extLst>
+  </p:cSld>
+  <p:clrMapOvr>
+    <a:masterClrMapping/>
+  </p:clrMapOvr>
+</p:sld>
+</file>
+
+<file path=ppt/slides/slide9.xml><?xml version="1.0" encoding="utf-8"?>
+<p:sld xmlns:a="http://schemas.openxmlformats.org/drawingml/2006/main" xmlns:r="http://schemas.openxmlformats.org/officeDocument/2006/relationships" xmlns:p="http://schemas.openxmlformats.org/presentationml/2006/main">
+  <p:cSld>
+    <p:bg>
+      <p:bgPr>
+        <a:solidFill>
+          <a:schemeClr val="bg1"/>
+        </a:solidFill>
+        <a:effectLst/>
+      </p:bgPr>
+    </p:bg>
+    <p:spTree>
+      <p:nvGrpSpPr>
+        <p:cNvPr id="1" name=""/>
+        <p:cNvGrpSpPr/>
+        <p:nvPr/>
+      </p:nvGrpSpPr>
+      <p:grpSpPr>
+        <a:xfrm>
+          <a:off x="0" y="0"/>
+          <a:ext cx="0" cy="0"/>
+          <a:chOff x="0" y="0"/>
+          <a:chExt cx="0" cy="0"/>
+        </a:xfrm>
+      </p:grpSpPr>
+      <p:sp useBgFill="1">
+        <p:nvSpPr>
+          <p:cNvPr id="19" name="Rectangle 18">
+            <a:extLst>
+              <a:ext uri="{FF2B5EF4-FFF2-40B4-BE49-F238E27FC236}">
+                <a16:creationId xmlns:a16="http://schemas.microsoft.com/office/drawing/2014/main" id="{2B97F24A-32CE-4C1C-A50D-3016B394DCFB}"/>
+              </a:ext>
+              <a:ext uri="{C183D7F6-B498-43B3-948B-1728B52AA6E4}">
+                <adec:decorative xmlns:adec="http://schemas.microsoft.com/office/drawing/2017/decorative" val="1"/>
+              </a:ext>
+            </a:extLst>
+          </p:cNvPr>
+          <p:cNvSpPr>
+            <a:spLocks noGrp="1" noRot="1" noChangeAspect="1" noMove="1" noResize="1" noEditPoints="1" noAdjustHandles="1" noChangeArrowheads="1" noChangeShapeType="1" noTextEdit="1"/>
+          </p:cNvSpPr>
+          <p:nvPr>
+            <p:extLst>
+              <p:ext uri="{386F3935-93C4-4BCD-93E2-E3B085C9AB24}">
+                <p16:designElem xmlns:p16="http://schemas.microsoft.com/office/powerpoint/2015/main" val="1"/>
+              </p:ext>
+            </p:extLst>
+          </p:nvPr>
+        </p:nvSpPr>
+        <p:spPr>
+          <a:xfrm>
+            <a:off x="0" y="0"/>
+            <a:ext cx="12192000" cy="6858000"/>
+          </a:xfrm>
+          <a:prstGeom prst="rect">
+            <a:avLst/>
+          </a:prstGeom>
+          <a:ln>
+            <a:noFill/>
+          </a:ln>
+        </p:spPr>
+        <p:style>
+          <a:lnRef idx="2">
+            <a:schemeClr val="accent1">
+              <a:shade val="50000"/>
+            </a:schemeClr>
+          </a:lnRef>
+          <a:fillRef idx="1">
+            <a:schemeClr val="accent1"/>
+          </a:fillRef>
+          <a:effectRef idx="0">
+            <a:schemeClr val="accent1"/>
+          </a:effectRef>
+          <a:fontRef idx="minor">
+            <a:schemeClr val="lt1"/>
+          </a:fontRef>
+        </p:style>
+        <p:txBody>
+          <a:bodyPr rtlCol="0" anchor="ctr"/>
+          <a:lstStyle/>
+          <a:p>
+            <a:pPr algn="ctr"/>
+            <a:endParaRPr lang="en-US"/>
+          </a:p>
+        </p:txBody>
+      </p:sp>
+      <p:sp>
+        <p:nvSpPr>
+          <p:cNvPr id="2" name="Title 1">
+            <a:extLst>
+              <a:ext uri="{FF2B5EF4-FFF2-40B4-BE49-F238E27FC236}">
+                <a16:creationId xmlns:a16="http://schemas.microsoft.com/office/drawing/2014/main" id="{3E212635-CADE-43BF-A371-49E22896C9EE}"/>
+              </a:ext>
+            </a:extLst>
+          </p:cNvPr>
+          <p:cNvSpPr>
+            <a:spLocks noGrp="1"/>
+          </p:cNvSpPr>
+          <p:nvPr>
+            <p:ph type="title"/>
+          </p:nvPr>
+        </p:nvSpPr>
+        <p:spPr>
+          <a:xfrm>
+            <a:off x="630936" y="639520"/>
+            <a:ext cx="3429000" cy="1719072"/>
+          </a:xfrm>
+        </p:spPr>
+        <p:txBody>
+          <a:bodyPr vert="horz" lIns="91440" tIns="45720" rIns="91440" bIns="45720" rtlCol="0" anchor="b">
+            <a:normAutofit/>
+          </a:bodyPr>
+          <a:lstStyle/>
+          <a:p>
+            <a:r>
+              <a:rPr lang="en-US" sz="5400" kern="1200">
                 <a:solidFill>
-                  <a:schemeClr val="bg1">
-                    <a:alpha val="60000"/>
-                  </a:schemeClr>
+                  <a:schemeClr val="tx1"/>
                 </a:solidFill>
+                <a:latin typeface="+mj-lt"/>
+                <a:ea typeface="+mj-ea"/>
+                <a:cs typeface="+mj-cs"/>
               </a:rPr>
-              <a:t>I have decided to remove the roman and Greek options from my quiz and just make it a quiz about the Norse Gods.</a:t>
-            </a:r>
-          </a:p>
+              <a:t>Start GUI V5</a:t>
+            </a:r>
+          </a:p>
+        </p:txBody>
+      </p:sp>
+      <p:sp>
+        <p:nvSpPr>
+          <p:cNvPr id="21" name="sketch line">
+            <a:extLst>
+              <a:ext uri="{FF2B5EF4-FFF2-40B4-BE49-F238E27FC236}">
+                <a16:creationId xmlns:a16="http://schemas.microsoft.com/office/drawing/2014/main" id="{CD8B4F24-440B-49E9-B85D-733523DC064B}"/>
+              </a:ext>
+              <a:ext uri="{C183D7F6-B498-43B3-948B-1728B52AA6E4}">
+                <adec:decorative xmlns:adec="http://schemas.microsoft.com/office/drawing/2017/decorative" val="1"/>
+              </a:ext>
+            </a:extLst>
+          </p:cNvPr>
+          <p:cNvSpPr>
+            <a:spLocks noGrp="1" noRot="1" noChangeAspect="1" noMove="1" noResize="1" noEditPoints="1" noAdjustHandles="1" noChangeArrowheads="1" noChangeShapeType="1" noTextEdit="1"/>
+          </p:cNvSpPr>
+          <p:nvPr>
+            <p:extLst>
+              <p:ext uri="{386F3935-93C4-4BCD-93E2-E3B085C9AB24}">
+                <p16:designElem xmlns:p16="http://schemas.microsoft.com/office/powerpoint/2015/main" val="1"/>
+              </p:ext>
+            </p:extLst>
+          </p:nvPr>
+        </p:nvSpPr>
+        <p:spPr>
+          <a:xfrm>
+            <a:off x="643278" y="2573756"/>
+            <a:ext cx="3255095" cy="18288"/>
+          </a:xfrm>
+          <a:custGeom>
+            <a:avLst/>
+            <a:gdLst>
+              <a:gd name="connsiteX0" fmla="*/ 0 w 3255095"/>
+              <a:gd name="connsiteY0" fmla="*/ 0 h 18288"/>
+              <a:gd name="connsiteX1" fmla="*/ 618468 w 3255095"/>
+              <a:gd name="connsiteY1" fmla="*/ 0 h 18288"/>
+              <a:gd name="connsiteX2" fmla="*/ 1269487 w 3255095"/>
+              <a:gd name="connsiteY2" fmla="*/ 0 h 18288"/>
+              <a:gd name="connsiteX3" fmla="*/ 1953057 w 3255095"/>
+              <a:gd name="connsiteY3" fmla="*/ 0 h 18288"/>
+              <a:gd name="connsiteX4" fmla="*/ 2636627 w 3255095"/>
+              <a:gd name="connsiteY4" fmla="*/ 0 h 18288"/>
+              <a:gd name="connsiteX5" fmla="*/ 3255095 w 3255095"/>
+              <a:gd name="connsiteY5" fmla="*/ 0 h 18288"/>
+              <a:gd name="connsiteX6" fmla="*/ 3255095 w 3255095"/>
+              <a:gd name="connsiteY6" fmla="*/ 18288 h 18288"/>
+              <a:gd name="connsiteX7" fmla="*/ 2538974 w 3255095"/>
+              <a:gd name="connsiteY7" fmla="*/ 18288 h 18288"/>
+              <a:gd name="connsiteX8" fmla="*/ 1822853 w 3255095"/>
+              <a:gd name="connsiteY8" fmla="*/ 18288 h 18288"/>
+              <a:gd name="connsiteX9" fmla="*/ 1171834 w 3255095"/>
+              <a:gd name="connsiteY9" fmla="*/ 18288 h 18288"/>
+              <a:gd name="connsiteX10" fmla="*/ 0 w 3255095"/>
+              <a:gd name="connsiteY10" fmla="*/ 18288 h 18288"/>
+              <a:gd name="connsiteX11" fmla="*/ 0 w 3255095"/>
+              <a:gd name="connsiteY11" fmla="*/ 0 h 18288"/>
+            </a:gdLst>
+            <a:ahLst/>
+            <a:cxnLst>
+              <a:cxn ang="0">
+                <a:pos x="connsiteX0" y="connsiteY0"/>
+              </a:cxn>
+              <a:cxn ang="0">
+                <a:pos x="connsiteX1" y="connsiteY1"/>
+              </a:cxn>
+              <a:cxn ang="0">
+                <a:pos x="connsiteX2" y="connsiteY2"/>
+              </a:cxn>
+              <a:cxn ang="0">
+                <a:pos x="connsiteX3" y="connsiteY3"/>
+              </a:cxn>
+              <a:cxn ang="0">
+                <a:pos x="connsiteX4" y="connsiteY4"/>
+              </a:cxn>
+              <a:cxn ang="0">
+                <a:pos x="connsiteX5" y="connsiteY5"/>
+              </a:cxn>
+              <a:cxn ang="0">
+                <a:pos x="connsiteX6" y="connsiteY6"/>
+              </a:cxn>
+              <a:cxn ang="0">
+                <a:pos x="connsiteX7" y="connsiteY7"/>
+              </a:cxn>
+              <a:cxn ang="0">
+                <a:pos x="connsiteX8" y="connsiteY8"/>
+              </a:cxn>
+              <a:cxn ang="0">
+                <a:pos x="connsiteX9" y="connsiteY9"/>
+              </a:cxn>
+              <a:cxn ang="0">
+                <a:pos x="connsiteX10" y="connsiteY10"/>
+              </a:cxn>
+              <a:cxn ang="0">
+                <a:pos x="connsiteX11" y="connsiteY11"/>
+              </a:cxn>
+            </a:cxnLst>
+            <a:rect l="l" t="t" r="r" b="b"/>
+            <a:pathLst>
+              <a:path w="3255095" h="18288" fill="none" extrusionOk="0">
+                <a:moveTo>
+                  <a:pt x="0" y="0"/>
+                </a:moveTo>
+                <a:cubicBezTo>
+                  <a:pt x="240201" y="-22123"/>
+                  <a:pt x="462021" y="-19623"/>
+                  <a:pt x="618468" y="0"/>
+                </a:cubicBezTo>
+                <a:cubicBezTo>
+                  <a:pt x="774915" y="19623"/>
+                  <a:pt x="974734" y="2035"/>
+                  <a:pt x="1269487" y="0"/>
+                </a:cubicBezTo>
+                <a:cubicBezTo>
+                  <a:pt x="1564240" y="-2035"/>
+                  <a:pt x="1733579" y="10639"/>
+                  <a:pt x="1953057" y="0"/>
+                </a:cubicBezTo>
+                <a:cubicBezTo>
+                  <a:pt x="2172535" y="-10639"/>
+                  <a:pt x="2453962" y="14018"/>
+                  <a:pt x="2636627" y="0"/>
+                </a:cubicBezTo>
+                <a:cubicBezTo>
+                  <a:pt x="2819292" y="-14018"/>
+                  <a:pt x="3121375" y="5399"/>
+                  <a:pt x="3255095" y="0"/>
+                </a:cubicBezTo>
+                <a:cubicBezTo>
+                  <a:pt x="3254386" y="8157"/>
+                  <a:pt x="3254682" y="12125"/>
+                  <a:pt x="3255095" y="18288"/>
+                </a:cubicBezTo>
+                <a:cubicBezTo>
+                  <a:pt x="3088545" y="23203"/>
+                  <a:pt x="2687475" y="7419"/>
+                  <a:pt x="2538974" y="18288"/>
+                </a:cubicBezTo>
+                <a:cubicBezTo>
+                  <a:pt x="2390473" y="29157"/>
+                  <a:pt x="2137381" y="-8959"/>
+                  <a:pt x="1822853" y="18288"/>
+                </a:cubicBezTo>
+                <a:cubicBezTo>
+                  <a:pt x="1508325" y="45535"/>
+                  <a:pt x="1466437" y="20385"/>
+                  <a:pt x="1171834" y="18288"/>
+                </a:cubicBezTo>
+                <a:cubicBezTo>
+                  <a:pt x="877231" y="16191"/>
+                  <a:pt x="561097" y="37643"/>
+                  <a:pt x="0" y="18288"/>
+                </a:cubicBezTo>
+                <a:cubicBezTo>
+                  <a:pt x="-46" y="12483"/>
+                  <a:pt x="-203" y="6491"/>
+                  <a:pt x="0" y="0"/>
+                </a:cubicBezTo>
+                <a:close/>
+              </a:path>
+              <a:path w="3255095" h="18288" stroke="0" extrusionOk="0">
+                <a:moveTo>
+                  <a:pt x="0" y="0"/>
+                </a:moveTo>
+                <a:cubicBezTo>
+                  <a:pt x="291965" y="19429"/>
+                  <a:pt x="363155" y="8568"/>
+                  <a:pt x="618468" y="0"/>
+                </a:cubicBezTo>
+                <a:cubicBezTo>
+                  <a:pt x="873781" y="-8568"/>
+                  <a:pt x="904459" y="-19505"/>
+                  <a:pt x="1171834" y="0"/>
+                </a:cubicBezTo>
+                <a:cubicBezTo>
+                  <a:pt x="1439209" y="19505"/>
+                  <a:pt x="1744369" y="9790"/>
+                  <a:pt x="1887955" y="0"/>
+                </a:cubicBezTo>
+                <a:cubicBezTo>
+                  <a:pt x="2031541" y="-9790"/>
+                  <a:pt x="2346378" y="21240"/>
+                  <a:pt x="2506423" y="0"/>
+                </a:cubicBezTo>
+                <a:cubicBezTo>
+                  <a:pt x="2666468" y="-21240"/>
+                  <a:pt x="2990257" y="30414"/>
+                  <a:pt x="3255095" y="0"/>
+                </a:cubicBezTo>
+                <a:cubicBezTo>
+                  <a:pt x="3254831" y="4493"/>
+                  <a:pt x="3255479" y="9472"/>
+                  <a:pt x="3255095" y="18288"/>
+                </a:cubicBezTo>
+                <a:cubicBezTo>
+                  <a:pt x="3120743" y="16690"/>
+                  <a:pt x="2759628" y="42462"/>
+                  <a:pt x="2604076" y="18288"/>
+                </a:cubicBezTo>
+                <a:cubicBezTo>
+                  <a:pt x="2448524" y="-5886"/>
+                  <a:pt x="2184336" y="19599"/>
+                  <a:pt x="1887955" y="18288"/>
+                </a:cubicBezTo>
+                <a:cubicBezTo>
+                  <a:pt x="1591574" y="16977"/>
+                  <a:pt x="1548845" y="6870"/>
+                  <a:pt x="1334589" y="18288"/>
+                </a:cubicBezTo>
+                <a:cubicBezTo>
+                  <a:pt x="1120333" y="29706"/>
+                  <a:pt x="996014" y="9662"/>
+                  <a:pt x="683570" y="18288"/>
+                </a:cubicBezTo>
+                <a:cubicBezTo>
+                  <a:pt x="371126" y="26914"/>
+                  <a:pt x="198687" y="16167"/>
+                  <a:pt x="0" y="18288"/>
+                </a:cubicBezTo>
+                <a:cubicBezTo>
+                  <a:pt x="843" y="9577"/>
+                  <a:pt x="371" y="6900"/>
+                  <a:pt x="0" y="0"/>
+                </a:cubicBezTo>
+                <a:close/>
+              </a:path>
+            </a:pathLst>
+          </a:custGeom>
+          <a:solidFill>
+            <a:schemeClr val="accent2"/>
+          </a:solidFill>
+          <a:ln w="38100" cap="rnd">
+            <a:solidFill>
+              <a:schemeClr val="accent2"/>
+            </a:solidFill>
+            <a:round/>
+            <a:extLst>
+              <a:ext uri="{C807C97D-BFC1-408E-A445-0C87EB9F89A2}">
+                <ask:lineSketchStyleProps xmlns:ask="http://schemas.microsoft.com/office/drawing/2018/sketchyshapes" sd="1219033472">
+                  <a:prstGeom prst="rect">
+                    <a:avLst/>
+                  </a:prstGeom>
+                  <ask:type>
+                    <ask:lineSketchFreehand/>
+                  </ask:type>
+                </ask:lineSketchStyleProps>
+              </a:ext>
+            </a:extLst>
+          </a:ln>
+        </p:spPr>
+        <p:style>
+          <a:lnRef idx="2">
+            <a:schemeClr val="accent1">
+              <a:shade val="50000"/>
+            </a:schemeClr>
+          </a:lnRef>
+          <a:fillRef idx="1">
+            <a:schemeClr val="accent1"/>
+          </a:fillRef>
+          <a:effectRef idx="0">
+            <a:schemeClr val="accent1"/>
+          </a:effectRef>
+          <a:fontRef idx="minor">
+            <a:schemeClr val="lt1"/>
+          </a:fontRef>
+        </p:style>
+        <p:txBody>
+          <a:bodyPr rtlCol="0" anchor="ctr"/>
+          <a:lstStyle/>
+          <a:p>
+            <a:pPr algn="ctr"/>
+            <a:endParaRPr lang="en-US"/>
+          </a:p>
+        </p:txBody>
+      </p:sp>
+      <p:sp>
+        <p:nvSpPr>
+          <p:cNvPr id="5" name="TextBox 4">
+            <a:extLst>
+              <a:ext uri="{FF2B5EF4-FFF2-40B4-BE49-F238E27FC236}">
+                <a16:creationId xmlns:a16="http://schemas.microsoft.com/office/drawing/2014/main" id="{F66156E5-FCA1-407A-AF31-9A6D63AAC414}"/>
+              </a:ext>
+            </a:extLst>
+          </p:cNvPr>
+          <p:cNvSpPr txBox="1"/>
+          <p:nvPr/>
+        </p:nvSpPr>
+        <p:spPr>
+          <a:xfrm>
+            <a:off x="630936" y="2807208"/>
+            <a:ext cx="3429000" cy="3410712"/>
+          </a:xfrm>
+          <a:prstGeom prst="rect">
+            <a:avLst/>
+          </a:prstGeom>
+        </p:spPr>
+        <p:txBody>
+          <a:bodyPr rot="0" spcFirstLastPara="0" vertOverflow="overflow" horzOverflow="overflow" vert="horz" lIns="91440" tIns="45720" rIns="91440" bIns="45720" numCol="1" spcCol="0" rtlCol="0" fromWordArt="0" anchor="t" anchorCtr="0" forceAA="0" compatLnSpc="1">
+            <a:prstTxWarp prst="textNoShape">
+              <a:avLst/>
+            </a:prstTxWarp>
+            <a:normAutofit/>
+          </a:bodyPr>
+          <a:lstStyle/>
           <a:p>
             <a:pPr indent="-228600">
               <a:lnSpc>
@@ -7651,13 +6994,23 @@
               <a:buChar char="•"/>
             </a:pPr>
             <a:r>
-              <a:rPr lang="en-US" sz="2000">
-                <a:solidFill>
-                  <a:schemeClr val="bg1">
-                    <a:alpha val="60000"/>
-                  </a:schemeClr>
-                </a:solidFill>
-              </a:rPr>
+              <a:rPr lang="en-US" sz="2200"/>
+              <a:t>I have decided to remove the roman and Greek options from my quiz and just make it a quiz about the Norse Gods.</a:t>
+            </a:r>
+          </a:p>
+          <a:p>
+            <a:pPr indent="-228600">
+              <a:lnSpc>
+                <a:spcPct val="90000"/>
+              </a:lnSpc>
+              <a:spcAft>
+                <a:spcPts val="600"/>
+              </a:spcAft>
+              <a:buFont typeface="Arial" panose="020B0604020202020204" pitchFamily="34" charset="0"/>
+              <a:buChar char="•"/>
+            </a:pPr>
+            <a:r>
+              <a:rPr lang="en-US" sz="2200"/>
               <a:t>I made it like this as it would be easier for me to program and make it easier on me.</a:t>
             </a:r>
           </a:p>
@@ -7687,8 +7040,8 @@
         </p:blipFill>
         <p:spPr>
           <a:xfrm>
-            <a:off x="5963711" y="643469"/>
-            <a:ext cx="4908868" cy="5571062"/>
+            <a:off x="5648736" y="640080"/>
+            <a:ext cx="4914840" cy="5577840"/>
           </a:xfrm>
           <a:prstGeom prst="rect">
             <a:avLst/>

--- a/Programming Assesment.pptx
+++ b/Programming Assesment.pptx
@@ -125,6 +125,7 @@
 <p1510:revInfo xmlns:a="http://schemas.openxmlformats.org/drawingml/2006/main" xmlns:r="http://schemas.openxmlformats.org/officeDocument/2006/relationships" xmlns:p1510="http://schemas.microsoft.com/office/powerpoint/2015/10/main">
   <p1510:revLst>
     <p1510:client id="{019C6E3F-A324-5B4C-50AB-15D7FB2CFC33}" v="4" dt="2021-06-15T02:11:27.852"/>
+    <p1510:client id="{2E13400A-93CE-23A9-CF97-FEFD0D57F2B7}" v="207" dt="2021-06-17T22:44:31.234"/>
     <p1510:client id="{3312139C-ECA4-D6E5-6EA0-9FAF5992739F}" v="61" dt="2021-06-15T02:10:40.639"/>
     <p1510:client id="{33F175D3-4D32-71D5-6709-62DB828ADCB0}" v="83" dt="2021-06-03T22:45:46.848"/>
     <p1510:client id="{61852D5F-CC47-4EF3-8523-0D8470090199}" v="32" dt="2021-05-27T22:48:17.050"/>
@@ -1073,6 +1074,62 @@
             <pc:docMk/>
             <pc:sldMk cId="1121134679" sldId="259"/>
             <ac:picMk id="4" creationId="{832CB706-A894-4C79-A765-CAC0EEA0D08A}"/>
+          </ac:picMkLst>
+        </pc:picChg>
+      </pc:sldChg>
+    </pc:docChg>
+  </pc:docChgLst>
+  <pc:docChgLst>
+    <pc:chgData name="Jonny Morris" userId="S::morrisj70800@masseyhigh.school.nz::4fab9e21-29a7-4d03-b4c0-6c8a112c783d" providerId="AD" clId="Web-{2E13400A-93CE-23A9-CF97-FEFD0D57F2B7}"/>
+    <pc:docChg chg="modSld">
+      <pc:chgData name="Jonny Morris" userId="S::morrisj70800@masseyhigh.school.nz::4fab9e21-29a7-4d03-b4c0-6c8a112c783d" providerId="AD" clId="Web-{2E13400A-93CE-23A9-CF97-FEFD0D57F2B7}" dt="2021-06-17T22:44:29.499" v="109" actId="20577"/>
+      <pc:docMkLst>
+        <pc:docMk/>
+      </pc:docMkLst>
+      <pc:sldChg chg="addSp delSp modSp">
+        <pc:chgData name="Jonny Morris" userId="S::morrisj70800@masseyhigh.school.nz::4fab9e21-29a7-4d03-b4c0-6c8a112c783d" providerId="AD" clId="Web-{2E13400A-93CE-23A9-CF97-FEFD0D57F2B7}" dt="2021-06-17T22:44:29.499" v="109" actId="20577"/>
+        <pc:sldMkLst>
+          <pc:docMk/>
+          <pc:sldMk cId="2312846984" sldId="265"/>
+        </pc:sldMkLst>
+        <pc:spChg chg="mod">
+          <ac:chgData name="Jonny Morris" userId="S::morrisj70800@masseyhigh.school.nz::4fab9e21-29a7-4d03-b4c0-6c8a112c783d" providerId="AD" clId="Web-{2E13400A-93CE-23A9-CF97-FEFD0D57F2B7}" dt="2021-06-17T22:42:19.512" v="16" actId="20577"/>
+          <ac:spMkLst>
+            <pc:docMk/>
+            <pc:sldMk cId="2312846984" sldId="265"/>
+            <ac:spMk id="2" creationId="{A8EFE925-DDD6-457F-95FD-557FF9D76A31}"/>
+          </ac:spMkLst>
+        </pc:spChg>
+        <pc:spChg chg="del">
+          <ac:chgData name="Jonny Morris" userId="S::morrisj70800@masseyhigh.school.nz::4fab9e21-29a7-4d03-b4c0-6c8a112c783d" providerId="AD" clId="Web-{2E13400A-93CE-23A9-CF97-FEFD0D57F2B7}" dt="2021-06-17T22:42:20.981" v="17"/>
+          <ac:spMkLst>
+            <pc:docMk/>
+            <pc:sldMk cId="2312846984" sldId="265"/>
+            <ac:spMk id="3" creationId="{34773BA4-0F8D-400E-B0F4-F00A6E96838C}"/>
+          </ac:spMkLst>
+        </pc:spChg>
+        <pc:spChg chg="add mod">
+          <ac:chgData name="Jonny Morris" userId="S::morrisj70800@masseyhigh.school.nz::4fab9e21-29a7-4d03-b4c0-6c8a112c783d" providerId="AD" clId="Web-{2E13400A-93CE-23A9-CF97-FEFD0D57F2B7}" dt="2021-06-17T22:44:29.499" v="109" actId="20577"/>
+          <ac:spMkLst>
+            <pc:docMk/>
+            <pc:sldMk cId="2312846984" sldId="265"/>
+            <ac:spMk id="6" creationId="{7E9094E3-54D3-43D0-833A-501068F2A71A}"/>
+          </ac:spMkLst>
+        </pc:spChg>
+        <pc:picChg chg="add mod ord">
+          <ac:chgData name="Jonny Morris" userId="S::morrisj70800@masseyhigh.school.nz::4fab9e21-29a7-4d03-b4c0-6c8a112c783d" providerId="AD" clId="Web-{2E13400A-93CE-23A9-CF97-FEFD0D57F2B7}" dt="2021-06-17T22:42:24.684" v="18" actId="1076"/>
+          <ac:picMkLst>
+            <pc:docMk/>
+            <pc:sldMk cId="2312846984" sldId="265"/>
+            <ac:picMk id="4" creationId="{BEBED7A8-7A0C-4446-A3F3-AE0384F69625}"/>
+          </ac:picMkLst>
+        </pc:picChg>
+        <pc:picChg chg="add mod">
+          <ac:chgData name="Jonny Morris" userId="S::morrisj70800@masseyhigh.school.nz::4fab9e21-29a7-4d03-b4c0-6c8a112c783d" providerId="AD" clId="Web-{2E13400A-93CE-23A9-CF97-FEFD0D57F2B7}" dt="2021-06-17T22:42:42.637" v="20" actId="1076"/>
+          <ac:picMkLst>
+            <pc:docMk/>
+            <pc:sldMk cId="2312846984" sldId="265"/>
+            <ac:picMk id="5" creationId="{E0886A97-00CE-4C24-AC50-FDB95ED3BEB8}"/>
           </ac:picMkLst>
         </pc:picChg>
       </pc:sldChg>
@@ -1210,7 +1267,7 @@
           <a:p>
             <a:fld id="{846CE7D5-CF57-46EF-B807-FDD0502418D4}" type="datetimeFigureOut">
               <a:rPr lang="en-US" smtClean="0"/>
-              <a:t>6/15/2021</a:t>
+              <a:t>6/17/2021</a:t>
             </a:fld>
             <a:endParaRPr lang="en-US"/>
           </a:p>
@@ -1378,7 +1435,7 @@
           <a:p>
             <a:fld id="{846CE7D5-CF57-46EF-B807-FDD0502418D4}" type="datetimeFigureOut">
               <a:rPr lang="en-US" smtClean="0"/>
-              <a:t>6/15/2021</a:t>
+              <a:t>6/17/2021</a:t>
             </a:fld>
             <a:endParaRPr lang="en-US"/>
           </a:p>
@@ -1556,7 +1613,7 @@
           <a:p>
             <a:fld id="{846CE7D5-CF57-46EF-B807-FDD0502418D4}" type="datetimeFigureOut">
               <a:rPr lang="en-US" smtClean="0"/>
-              <a:t>6/15/2021</a:t>
+              <a:t>6/17/2021</a:t>
             </a:fld>
             <a:endParaRPr lang="en-US"/>
           </a:p>
@@ -1724,7 +1781,7 @@
           <a:p>
             <a:fld id="{846CE7D5-CF57-46EF-B807-FDD0502418D4}" type="datetimeFigureOut">
               <a:rPr lang="en-US" smtClean="0"/>
-              <a:t>6/15/2021</a:t>
+              <a:t>6/17/2021</a:t>
             </a:fld>
             <a:endParaRPr lang="en-US"/>
           </a:p>
@@ -1969,7 +2026,7 @@
           <a:p>
             <a:fld id="{846CE7D5-CF57-46EF-B807-FDD0502418D4}" type="datetimeFigureOut">
               <a:rPr lang="en-US" smtClean="0"/>
-              <a:t>6/15/2021</a:t>
+              <a:t>6/17/2021</a:t>
             </a:fld>
             <a:endParaRPr lang="en-US"/>
           </a:p>
@@ -2198,7 +2255,7 @@
           <a:p>
             <a:fld id="{846CE7D5-CF57-46EF-B807-FDD0502418D4}" type="datetimeFigureOut">
               <a:rPr lang="en-US" smtClean="0"/>
-              <a:t>6/15/2021</a:t>
+              <a:t>6/17/2021</a:t>
             </a:fld>
             <a:endParaRPr lang="en-US"/>
           </a:p>
@@ -2562,7 +2619,7 @@
           <a:p>
             <a:fld id="{846CE7D5-CF57-46EF-B807-FDD0502418D4}" type="datetimeFigureOut">
               <a:rPr lang="en-US" smtClean="0"/>
-              <a:t>6/15/2021</a:t>
+              <a:t>6/17/2021</a:t>
             </a:fld>
             <a:endParaRPr lang="en-US"/>
           </a:p>
@@ -2679,7 +2736,7 @@
           <a:p>
             <a:fld id="{846CE7D5-CF57-46EF-B807-FDD0502418D4}" type="datetimeFigureOut">
               <a:rPr lang="en-US" smtClean="0"/>
-              <a:t>6/15/2021</a:t>
+              <a:t>6/17/2021</a:t>
             </a:fld>
             <a:endParaRPr lang="en-US"/>
           </a:p>
@@ -2774,7 +2831,7 @@
           <a:p>
             <a:fld id="{846CE7D5-CF57-46EF-B807-FDD0502418D4}" type="datetimeFigureOut">
               <a:rPr lang="en-US" smtClean="0"/>
-              <a:t>6/15/2021</a:t>
+              <a:t>6/17/2021</a:t>
             </a:fld>
             <a:endParaRPr lang="en-US"/>
           </a:p>
@@ -3049,7 +3106,7 @@
           <a:p>
             <a:fld id="{846CE7D5-CF57-46EF-B807-FDD0502418D4}" type="datetimeFigureOut">
               <a:rPr lang="en-US" smtClean="0"/>
-              <a:t>6/15/2021</a:t>
+              <a:t>6/17/2021</a:t>
             </a:fld>
             <a:endParaRPr lang="en-US"/>
           </a:p>
@@ -3304,7 +3361,7 @@
           <a:p>
             <a:fld id="{846CE7D5-CF57-46EF-B807-FDD0502418D4}" type="datetimeFigureOut">
               <a:rPr lang="en-US" smtClean="0"/>
-              <a:t>6/15/2021</a:t>
+              <a:t>6/17/2021</a:t>
             </a:fld>
             <a:endParaRPr lang="en-US"/>
           </a:p>
@@ -3515,7 +3572,7 @@
           <a:p>
             <a:fld id="{846CE7D5-CF57-46EF-B807-FDD0502418D4}" type="datetimeFigureOut">
               <a:rPr lang="en-US" smtClean="0"/>
-              <a:t>6/15/2021</a:t>
+              <a:t>6/17/2021</a:t>
             </a:fld>
             <a:endParaRPr lang="en-US"/>
           </a:p>
@@ -4021,37 +4078,116 @@
           <a:lstStyle/>
           <a:p>
             <a:r>
-              <a:rPr lang="en-US" dirty="0">
+              <a:rPr lang="en-US">
                 <a:cs typeface="Calibri Light"/>
               </a:rPr>
-              <a:t>Questions + Answers Generator</a:t>
+              <a:t>Start_Gui Final + Start of game GUI</a:t>
             </a:r>
             <a:endParaRPr lang="en-US" dirty="0"/>
           </a:p>
         </p:txBody>
       </p:sp>
-      <p:sp>
-        <p:nvSpPr>
-          <p:cNvPr id="3" name="Content Placeholder 2">
+      <p:pic>
+        <p:nvPicPr>
+          <p:cNvPr id="4" name="Picture 4" descr="A screenshot of a video game&#10;&#10;Description automatically generated">
             <a:extLst>
               <a:ext uri="{FF2B5EF4-FFF2-40B4-BE49-F238E27FC236}">
-                <a16:creationId xmlns:a16="http://schemas.microsoft.com/office/drawing/2014/main" id="{34773BA4-0F8D-400E-B0F4-F00A6E96838C}"/>
+                <a16:creationId xmlns:a16="http://schemas.microsoft.com/office/drawing/2014/main" id="{BEBED7A8-7A0C-4446-A3F3-AE0384F69625}"/>
               </a:ext>
             </a:extLst>
           </p:cNvPr>
-          <p:cNvSpPr>
-            <a:spLocks noGrp="1"/>
-          </p:cNvSpPr>
+          <p:cNvPicPr>
+            <a:picLocks noGrp="1" noChangeAspect="1"/>
+          </p:cNvPicPr>
           <p:nvPr>
             <p:ph idx="1"/>
           </p:nvPr>
-        </p:nvSpPr>
-        <p:spPr/>
-        <p:txBody>
-          <a:bodyPr/>
-          <a:lstStyle/>
-          <a:p>
-            <a:endParaRPr lang="en-US"/>
+        </p:nvPicPr>
+        <p:blipFill>
+          <a:blip r:embed="rId2"/>
+          <a:stretch>
+            <a:fillRect/>
+          </a:stretch>
+        </p:blipFill>
+        <p:spPr>
+          <a:xfrm>
+            <a:off x="839932" y="1420451"/>
+            <a:ext cx="3238500" cy="4295775"/>
+          </a:xfrm>
+        </p:spPr>
+      </p:pic>
+      <p:pic>
+        <p:nvPicPr>
+          <p:cNvPr id="5" name="Picture 5" descr="Graphical user interface, application&#10;&#10;Description automatically generated">
+            <a:extLst>
+              <a:ext uri="{FF2B5EF4-FFF2-40B4-BE49-F238E27FC236}">
+                <a16:creationId xmlns:a16="http://schemas.microsoft.com/office/drawing/2014/main" id="{E0886A97-00CE-4C24-AC50-FDB95ED3BEB8}"/>
+              </a:ext>
+            </a:extLst>
+          </p:cNvPr>
+          <p:cNvPicPr>
+            <a:picLocks noChangeAspect="1"/>
+          </p:cNvPicPr>
+          <p:nvPr/>
+        </p:nvPicPr>
+        <p:blipFill>
+          <a:blip r:embed="rId3"/>
+          <a:stretch>
+            <a:fillRect/>
+          </a:stretch>
+        </p:blipFill>
+        <p:spPr>
+          <a:xfrm>
+            <a:off x="4083205" y="1712098"/>
+            <a:ext cx="2743200" cy="2876242"/>
+          </a:xfrm>
+          <a:prstGeom prst="rect">
+            <a:avLst/>
+          </a:prstGeom>
+        </p:spPr>
+      </p:pic>
+      <p:sp>
+        <p:nvSpPr>
+          <p:cNvPr id="6" name="TextBox 5">
+            <a:extLst>
+              <a:ext uri="{FF2B5EF4-FFF2-40B4-BE49-F238E27FC236}">
+                <a16:creationId xmlns:a16="http://schemas.microsoft.com/office/drawing/2014/main" id="{7E9094E3-54D3-43D0-833A-501068F2A71A}"/>
+              </a:ext>
+            </a:extLst>
+          </p:cNvPr>
+          <p:cNvSpPr txBox="1"/>
+          <p:nvPr/>
+        </p:nvSpPr>
+        <p:spPr>
+          <a:xfrm>
+            <a:off x="7512205" y="1694985"/>
+            <a:ext cx="2743200" cy="2862322"/>
+          </a:xfrm>
+          <a:prstGeom prst="rect">
+            <a:avLst/>
+          </a:prstGeom>
+          <a:noFill/>
+        </p:spPr>
+        <p:txBody>
+          <a:bodyPr rot="0" spcFirstLastPara="0" vertOverflow="overflow" horzOverflow="overflow" vert="horz" wrap="square" lIns="91440" tIns="45720" rIns="91440" bIns="45720" numCol="1" spcCol="0" rtlCol="0" fromWordArt="0" anchor="t" anchorCtr="0" forceAA="0" compatLnSpc="1">
+            <a:prstTxWarp prst="textNoShape">
+              <a:avLst/>
+            </a:prstTxWarp>
+            <a:spAutoFit/>
+          </a:bodyPr>
+          <a:lstStyle/>
+          <a:p>
+            <a:r>
+              <a:rPr lang="en-US" dirty="0"/>
+              <a:t>This is the final version of my start gui and I have begun developing my game class which you can see </a:t>
+            </a:r>
+            <a:r>
+              <a:rPr lang="en-US"/>
+              <a:t>with the buttons. I will now make it so the game gui is a lot more improved along with it getting the question and maing it so you can choose your answers.</a:t>
+            </a:r>
+            <a:endParaRPr lang="en-US" dirty="0">
+              <a:cs typeface="Calibri"/>
+            </a:endParaRPr>
           </a:p>
         </p:txBody>
       </p:sp>

--- a/Programming Assesment.pptx
+++ b/Programming Assesment.pptx
@@ -15,6 +15,7 @@
     <p:sldId id="263" r:id="rId9"/>
     <p:sldId id="264" r:id="rId10"/>
     <p:sldId id="265" r:id="rId11"/>
+    <p:sldId id="266" r:id="rId12"/>
   </p:sldIdLst>
   <p:sldSz cx="12192000" cy="6858000"/>
   <p:notesSz cx="6858000" cy="9144000"/>
@@ -131,6 +132,7 @@
     <p1510:client id="{61852D5F-CC47-4EF3-8523-0D8470090199}" v="32" dt="2021-05-27T22:48:17.050"/>
     <p1510:client id="{82670D97-0EF6-5614-F833-FE3B0A574D76}" v="27" dt="2021-05-30T21:53:29.949"/>
     <p1510:client id="{8BDA8286-ABF9-455E-92B6-822DD2D54F24}" v="363" dt="2021-06-02T23:33:01.816"/>
+    <p1510:client id="{988D2265-4B4A-D9DD-55B3-4738B025B4A1}" v="233" dt="2021-07-06T02:48:01.413"/>
     <p1510:client id="{B97A3ED7-EE4A-5CC1-A41D-E85CFB4F2B38}" v="388" dt="2021-06-01T02:31:37.218"/>
     <p1510:client id="{C9F5174C-5619-5E50-BF05-0D84B8F86598}" v="516" dt="2021-06-10T00:06:46.122"/>
     <p1510:client id="{D3BA5852-7B66-A859-35DA-1A7F22D39787}" v="441" dt="2021-06-09T01:12:33.081"/>
@@ -506,6 +508,54 @@
             <pc:docMk/>
             <pc:sldMk cId="2917113191" sldId="262"/>
             <ac:picMk id="4" creationId="{A23B8DD8-2A29-4176-AF99-EF02CE8EBC35}"/>
+          </ac:picMkLst>
+        </pc:picChg>
+      </pc:sldChg>
+    </pc:docChg>
+  </pc:docChgLst>
+  <pc:docChgLst>
+    <pc:chgData name="Jonny Morris" userId="S::morrisj70800@masseyhigh.school.nz::4fab9e21-29a7-4d03-b4c0-6c8a112c783d" providerId="AD" clId="Web-{988D2265-4B4A-D9DD-55B3-4738B025B4A1}"/>
+    <pc:docChg chg="addSld modSld">
+      <pc:chgData name="Jonny Morris" userId="S::morrisj70800@masseyhigh.school.nz::4fab9e21-29a7-4d03-b4c0-6c8a112c783d" providerId="AD" clId="Web-{988D2265-4B4A-D9DD-55B3-4738B025B4A1}" dt="2021-07-06T02:48:01.413" v="121" actId="20577"/>
+      <pc:docMkLst>
+        <pc:docMk/>
+      </pc:docMkLst>
+      <pc:sldChg chg="addSp delSp modSp new">
+        <pc:chgData name="Jonny Morris" userId="S::morrisj70800@masseyhigh.school.nz::4fab9e21-29a7-4d03-b4c0-6c8a112c783d" providerId="AD" clId="Web-{988D2265-4B4A-D9DD-55B3-4738B025B4A1}" dt="2021-07-06T02:48:01.413" v="121" actId="20577"/>
+        <pc:sldMkLst>
+          <pc:docMk/>
+          <pc:sldMk cId="1488023128" sldId="266"/>
+        </pc:sldMkLst>
+        <pc:spChg chg="mod">
+          <ac:chgData name="Jonny Morris" userId="S::morrisj70800@masseyhigh.school.nz::4fab9e21-29a7-4d03-b4c0-6c8a112c783d" providerId="AD" clId="Web-{988D2265-4B4A-D9DD-55B3-4738B025B4A1}" dt="2021-07-06T02:45:41.363" v="8" actId="20577"/>
+          <ac:spMkLst>
+            <pc:docMk/>
+            <pc:sldMk cId="1488023128" sldId="266"/>
+            <ac:spMk id="2" creationId="{B44827F1-0ACB-45EB-8481-23D426022B3B}"/>
+          </ac:spMkLst>
+        </pc:spChg>
+        <pc:spChg chg="del">
+          <ac:chgData name="Jonny Morris" userId="S::morrisj70800@masseyhigh.school.nz::4fab9e21-29a7-4d03-b4c0-6c8a112c783d" providerId="AD" clId="Web-{988D2265-4B4A-D9DD-55B3-4738B025B4A1}" dt="2021-07-06T02:45:43.597" v="9"/>
+          <ac:spMkLst>
+            <pc:docMk/>
+            <pc:sldMk cId="1488023128" sldId="266"/>
+            <ac:spMk id="3" creationId="{2F0A10E7-3527-4CC4-A6BD-7503A2BFB7CD}"/>
+          </ac:spMkLst>
+        </pc:spChg>
+        <pc:spChg chg="add mod">
+          <ac:chgData name="Jonny Morris" userId="S::morrisj70800@masseyhigh.school.nz::4fab9e21-29a7-4d03-b4c0-6c8a112c783d" providerId="AD" clId="Web-{988D2265-4B4A-D9DD-55B3-4738B025B4A1}" dt="2021-07-06T02:48:01.413" v="121" actId="20577"/>
+          <ac:spMkLst>
+            <pc:docMk/>
+            <pc:sldMk cId="1488023128" sldId="266"/>
+            <ac:spMk id="5" creationId="{A1ECA617-BBD3-4FC1-B266-8D45DC4EF5DC}"/>
+          </ac:spMkLst>
+        </pc:spChg>
+        <pc:picChg chg="add mod ord">
+          <ac:chgData name="Jonny Morris" userId="S::morrisj70800@masseyhigh.school.nz::4fab9e21-29a7-4d03-b4c0-6c8a112c783d" providerId="AD" clId="Web-{988D2265-4B4A-D9DD-55B3-4738B025B4A1}" dt="2021-07-06T02:45:47.097" v="10" actId="1076"/>
+          <ac:picMkLst>
+            <pc:docMk/>
+            <pc:sldMk cId="1488023128" sldId="266"/>
+            <ac:picMk id="4" creationId="{B76247F6-E9E4-430F-AC50-9019A895D23C}"/>
           </ac:picMkLst>
         </pc:picChg>
       </pc:sldChg>
@@ -1267,7 +1317,7 @@
           <a:p>
             <a:fld id="{846CE7D5-CF57-46EF-B807-FDD0502418D4}" type="datetimeFigureOut">
               <a:rPr lang="en-US" smtClean="0"/>
-              <a:t>6/17/2021</a:t>
+              <a:t>7/5/2021</a:t>
             </a:fld>
             <a:endParaRPr lang="en-US"/>
           </a:p>
@@ -1435,7 +1485,7 @@
           <a:p>
             <a:fld id="{846CE7D5-CF57-46EF-B807-FDD0502418D4}" type="datetimeFigureOut">
               <a:rPr lang="en-US" smtClean="0"/>
-              <a:t>6/17/2021</a:t>
+              <a:t>7/5/2021</a:t>
             </a:fld>
             <a:endParaRPr lang="en-US"/>
           </a:p>
@@ -1613,7 +1663,7 @@
           <a:p>
             <a:fld id="{846CE7D5-CF57-46EF-B807-FDD0502418D4}" type="datetimeFigureOut">
               <a:rPr lang="en-US" smtClean="0"/>
-              <a:t>6/17/2021</a:t>
+              <a:t>7/5/2021</a:t>
             </a:fld>
             <a:endParaRPr lang="en-US"/>
           </a:p>
@@ -1781,7 +1831,7 @@
           <a:p>
             <a:fld id="{846CE7D5-CF57-46EF-B807-FDD0502418D4}" type="datetimeFigureOut">
               <a:rPr lang="en-US" smtClean="0"/>
-              <a:t>6/17/2021</a:t>
+              <a:t>7/5/2021</a:t>
             </a:fld>
             <a:endParaRPr lang="en-US"/>
           </a:p>
@@ -2026,7 +2076,7 @@
           <a:p>
             <a:fld id="{846CE7D5-CF57-46EF-B807-FDD0502418D4}" type="datetimeFigureOut">
               <a:rPr lang="en-US" smtClean="0"/>
-              <a:t>6/17/2021</a:t>
+              <a:t>7/5/2021</a:t>
             </a:fld>
             <a:endParaRPr lang="en-US"/>
           </a:p>
@@ -2255,7 +2305,7 @@
           <a:p>
             <a:fld id="{846CE7D5-CF57-46EF-B807-FDD0502418D4}" type="datetimeFigureOut">
               <a:rPr lang="en-US" smtClean="0"/>
-              <a:t>6/17/2021</a:t>
+              <a:t>7/5/2021</a:t>
             </a:fld>
             <a:endParaRPr lang="en-US"/>
           </a:p>
@@ -2619,7 +2669,7 @@
           <a:p>
             <a:fld id="{846CE7D5-CF57-46EF-B807-FDD0502418D4}" type="datetimeFigureOut">
               <a:rPr lang="en-US" smtClean="0"/>
-              <a:t>6/17/2021</a:t>
+              <a:t>7/5/2021</a:t>
             </a:fld>
             <a:endParaRPr lang="en-US"/>
           </a:p>
@@ -2736,7 +2786,7 @@
           <a:p>
             <a:fld id="{846CE7D5-CF57-46EF-B807-FDD0502418D4}" type="datetimeFigureOut">
               <a:rPr lang="en-US" smtClean="0"/>
-              <a:t>6/17/2021</a:t>
+              <a:t>7/5/2021</a:t>
             </a:fld>
             <a:endParaRPr lang="en-US"/>
           </a:p>
@@ -2831,7 +2881,7 @@
           <a:p>
             <a:fld id="{846CE7D5-CF57-46EF-B807-FDD0502418D4}" type="datetimeFigureOut">
               <a:rPr lang="en-US" smtClean="0"/>
-              <a:t>6/17/2021</a:t>
+              <a:t>7/5/2021</a:t>
             </a:fld>
             <a:endParaRPr lang="en-US"/>
           </a:p>
@@ -3106,7 +3156,7 @@
           <a:p>
             <a:fld id="{846CE7D5-CF57-46EF-B807-FDD0502418D4}" type="datetimeFigureOut">
               <a:rPr lang="en-US" smtClean="0"/>
-              <a:t>6/17/2021</a:t>
+              <a:t>7/5/2021</a:t>
             </a:fld>
             <a:endParaRPr lang="en-US"/>
           </a:p>
@@ -3361,7 +3411,7 @@
           <a:p>
             <a:fld id="{846CE7D5-CF57-46EF-B807-FDD0502418D4}" type="datetimeFigureOut">
               <a:rPr lang="en-US" smtClean="0"/>
-              <a:t>6/17/2021</a:t>
+              <a:t>7/5/2021</a:t>
             </a:fld>
             <a:endParaRPr lang="en-US"/>
           </a:p>
@@ -3572,7 +3622,7 @@
           <a:p>
             <a:fld id="{846CE7D5-CF57-46EF-B807-FDD0502418D4}" type="datetimeFigureOut">
               <a:rPr lang="en-US" smtClean="0"/>
-              <a:t>6/17/2021</a:t>
+              <a:t>7/5/2021</a:t>
             </a:fld>
             <a:endParaRPr lang="en-US"/>
           </a:p>
@@ -4204,6 +4254,142 @@
 </p:sld>
 </file>
 
+<file path=ppt/slides/slide11.xml><?xml version="1.0" encoding="utf-8"?>
+<p:sld xmlns:a="http://schemas.openxmlformats.org/drawingml/2006/main" xmlns:r="http://schemas.openxmlformats.org/officeDocument/2006/relationships" xmlns:p="http://schemas.openxmlformats.org/presentationml/2006/main">
+  <p:cSld>
+    <p:spTree>
+      <p:nvGrpSpPr>
+        <p:cNvPr id="1" name=""/>
+        <p:cNvGrpSpPr/>
+        <p:nvPr/>
+      </p:nvGrpSpPr>
+      <p:grpSpPr>
+        <a:xfrm>
+          <a:off x="0" y="0"/>
+          <a:ext cx="0" cy="0"/>
+          <a:chOff x="0" y="0"/>
+          <a:chExt cx="0" cy="0"/>
+        </a:xfrm>
+      </p:grpSpPr>
+      <p:sp>
+        <p:nvSpPr>
+          <p:cNvPr id="2" name="Title 1">
+            <a:extLst>
+              <a:ext uri="{FF2B5EF4-FFF2-40B4-BE49-F238E27FC236}">
+                <a16:creationId xmlns:a16="http://schemas.microsoft.com/office/drawing/2014/main" id="{B44827F1-0ACB-45EB-8481-23D426022B3B}"/>
+              </a:ext>
+            </a:extLst>
+          </p:cNvPr>
+          <p:cNvSpPr>
+            <a:spLocks noGrp="1"/>
+          </p:cNvSpPr>
+          <p:nvPr>
+            <p:ph type="title"/>
+          </p:nvPr>
+        </p:nvSpPr>
+        <p:spPr/>
+        <p:txBody>
+          <a:bodyPr/>
+          <a:lstStyle/>
+          <a:p>
+            <a:r>
+              <a:rPr lang="en-US" dirty="0">
+                <a:cs typeface="Calibri Light"/>
+              </a:rPr>
+              <a:t>Game Class V_1</a:t>
+            </a:r>
+            <a:endParaRPr lang="en-US" dirty="0"/>
+          </a:p>
+        </p:txBody>
+      </p:sp>
+      <p:pic>
+        <p:nvPicPr>
+          <p:cNvPr id="4" name="Picture 4" descr="Graphical user interface, text, application, chat or text message&#10;&#10;Description automatically generated">
+            <a:extLst>
+              <a:ext uri="{FF2B5EF4-FFF2-40B4-BE49-F238E27FC236}">
+                <a16:creationId xmlns:a16="http://schemas.microsoft.com/office/drawing/2014/main" id="{B76247F6-E9E4-430F-AC50-9019A895D23C}"/>
+              </a:ext>
+            </a:extLst>
+          </p:cNvPr>
+          <p:cNvPicPr>
+            <a:picLocks noGrp="1" noChangeAspect="1"/>
+          </p:cNvPicPr>
+          <p:nvPr>
+            <p:ph idx="1"/>
+          </p:nvPr>
+        </p:nvPicPr>
+        <p:blipFill>
+          <a:blip r:embed="rId2"/>
+          <a:stretch>
+            <a:fillRect/>
+          </a:stretch>
+        </p:blipFill>
+        <p:spPr>
+          <a:xfrm>
+            <a:off x="807893" y="1620910"/>
+            <a:ext cx="2800350" cy="2076450"/>
+          </a:xfrm>
+        </p:spPr>
+      </p:pic>
+      <p:sp>
+        <p:nvSpPr>
+          <p:cNvPr id="5" name="TextBox 4">
+            <a:extLst>
+              <a:ext uri="{FF2B5EF4-FFF2-40B4-BE49-F238E27FC236}">
+                <a16:creationId xmlns:a16="http://schemas.microsoft.com/office/drawing/2014/main" id="{A1ECA617-BBD3-4FC1-B266-8D45DC4EF5DC}"/>
+              </a:ext>
+            </a:extLst>
+          </p:cNvPr>
+          <p:cNvSpPr txBox="1"/>
+          <p:nvPr/>
+        </p:nvSpPr>
+        <p:spPr>
+          <a:xfrm>
+            <a:off x="4724400" y="1620644"/>
+            <a:ext cx="4973443" cy="1477328"/>
+          </a:xfrm>
+          <a:prstGeom prst="rect">
+            <a:avLst/>
+          </a:prstGeom>
+          <a:noFill/>
+        </p:spPr>
+        <p:txBody>
+          <a:bodyPr rot="0" spcFirstLastPara="0" vertOverflow="overflow" horzOverflow="overflow" vert="horz" wrap="square" lIns="91440" tIns="45720" rIns="91440" bIns="45720" numCol="1" spcCol="0" rtlCol="0" fromWordArt="0" anchor="t" anchorCtr="0" forceAA="0" compatLnSpc="1">
+            <a:prstTxWarp prst="textNoShape">
+              <a:avLst/>
+            </a:prstTxWarp>
+            <a:spAutoFit/>
+          </a:bodyPr>
+          <a:lstStyle/>
+          <a:p>
+            <a:r>
+              <a:rPr lang="en-US" dirty="0">
+                <a:cs typeface="Calibri"/>
+              </a:rPr>
+              <a:t>My questions and answer function is not working as I would like it to. It is showing the answers as a question and the questions as answers. In my next game class I will make it so that is working as I </a:t>
+            </a:r>
+            <a:r>
+              <a:rPr lang="en-US">
+                <a:cs typeface="Calibri"/>
+              </a:rPr>
+              <a:t>would like it to.</a:t>
+            </a:r>
+          </a:p>
+        </p:txBody>
+      </p:sp>
+    </p:spTree>
+    <p:extLst>
+      <p:ext uri="{BB962C8B-B14F-4D97-AF65-F5344CB8AC3E}">
+        <p14:creationId xmlns:p14="http://schemas.microsoft.com/office/powerpoint/2010/main" val="1488023128"/>
+      </p:ext>
+    </p:extLst>
+  </p:cSld>
+  <p:clrMapOvr>
+    <a:masterClrMapping/>
+  </p:clrMapOvr>
+</p:sld>
+</file>
+
 <file path=ppt/slides/slide2.xml><?xml version="1.0" encoding="utf-8"?>
 <p:sld xmlns:a="http://schemas.openxmlformats.org/drawingml/2006/main" xmlns:r="http://schemas.openxmlformats.org/officeDocument/2006/relationships" xmlns:p="http://schemas.openxmlformats.org/presentationml/2006/main">
   <p:cSld>

--- a/Programming Assesment.pptx
+++ b/Programming Assesment.pptx
@@ -16,6 +16,7 @@
     <p:sldId id="264" r:id="rId10"/>
     <p:sldId id="265" r:id="rId11"/>
     <p:sldId id="266" r:id="rId12"/>
+    <p:sldId id="267" r:id="rId13"/>
   </p:sldIdLst>
   <p:sldSz cx="12192000" cy="6858000"/>
   <p:notesSz cx="6858000" cy="9144000"/>
@@ -126,13 +127,15 @@
 <p1510:revInfo xmlns:a="http://schemas.openxmlformats.org/drawingml/2006/main" xmlns:r="http://schemas.openxmlformats.org/officeDocument/2006/relationships" xmlns:p1510="http://schemas.microsoft.com/office/powerpoint/2015/10/main">
   <p1510:revLst>
     <p1510:client id="{019C6E3F-A324-5B4C-50AB-15D7FB2CFC33}" v="4" dt="2021-06-15T02:11:27.852"/>
+    <p1510:client id="{1423E2E6-2405-C16D-4FA3-C33C0ADCD3EA}" v="428" dt="2021-07-07T01:30:07.750"/>
+    <p1510:client id="{204B783E-ECB2-56F8-CC10-5A491FD05934}" v="2" dt="2021-07-08T00:02:58.450"/>
     <p1510:client id="{2E13400A-93CE-23A9-CF97-FEFD0D57F2B7}" v="207" dt="2021-06-17T22:44:31.234"/>
     <p1510:client id="{3312139C-ECA4-D6E5-6EA0-9FAF5992739F}" v="61" dt="2021-06-15T02:10:40.639"/>
     <p1510:client id="{33F175D3-4D32-71D5-6709-62DB828ADCB0}" v="83" dt="2021-06-03T22:45:46.848"/>
     <p1510:client id="{61852D5F-CC47-4EF3-8523-0D8470090199}" v="32" dt="2021-05-27T22:48:17.050"/>
     <p1510:client id="{82670D97-0EF6-5614-F833-FE3B0A574D76}" v="27" dt="2021-05-30T21:53:29.949"/>
     <p1510:client id="{8BDA8286-ABF9-455E-92B6-822DD2D54F24}" v="363" dt="2021-06-02T23:33:01.816"/>
-    <p1510:client id="{988D2265-4B4A-D9DD-55B3-4738B025B4A1}" v="233" dt="2021-07-06T02:48:01.413"/>
+    <p1510:client id="{988D2265-4B4A-D9DD-55B3-4738B025B4A1}" v="235" dt="2021-07-06T02:55:57.316"/>
     <p1510:client id="{B97A3ED7-EE4A-5CC1-A41D-E85CFB4F2B38}" v="388" dt="2021-06-01T02:31:37.218"/>
     <p1510:client id="{C9F5174C-5619-5E50-BF05-0D84B8F86598}" v="516" dt="2021-06-10T00:06:46.122"/>
     <p1510:client id="{D3BA5852-7B66-A859-35DA-1A7F22D39787}" v="441" dt="2021-06-09T01:12:33.081"/>
@@ -466,6 +469,54 @@
     </pc:docChg>
   </pc:docChgLst>
   <pc:docChgLst>
+    <pc:chgData name="Jonny Morris" userId="S::morrisj70800@masseyhigh.school.nz::4fab9e21-29a7-4d03-b4c0-6c8a112c783d" providerId="AD" clId="Web-{988D2265-4B4A-D9DD-55B3-4738B025B4A1}"/>
+    <pc:docChg chg="addSld modSld">
+      <pc:chgData name="Jonny Morris" userId="S::morrisj70800@masseyhigh.school.nz::4fab9e21-29a7-4d03-b4c0-6c8a112c783d" providerId="AD" clId="Web-{988D2265-4B4A-D9DD-55B3-4738B025B4A1}" dt="2021-07-06T02:55:57.316" v="122" actId="20577"/>
+      <pc:docMkLst>
+        <pc:docMk/>
+      </pc:docMkLst>
+      <pc:sldChg chg="addSp delSp modSp new">
+        <pc:chgData name="Jonny Morris" userId="S::morrisj70800@masseyhigh.school.nz::4fab9e21-29a7-4d03-b4c0-6c8a112c783d" providerId="AD" clId="Web-{988D2265-4B4A-D9DD-55B3-4738B025B4A1}" dt="2021-07-06T02:55:57.316" v="122" actId="20577"/>
+        <pc:sldMkLst>
+          <pc:docMk/>
+          <pc:sldMk cId="1488023128" sldId="266"/>
+        </pc:sldMkLst>
+        <pc:spChg chg="mod">
+          <ac:chgData name="Jonny Morris" userId="S::morrisj70800@masseyhigh.school.nz::4fab9e21-29a7-4d03-b4c0-6c8a112c783d" providerId="AD" clId="Web-{988D2265-4B4A-D9DD-55B3-4738B025B4A1}" dt="2021-07-06T02:45:41.363" v="8" actId="20577"/>
+          <ac:spMkLst>
+            <pc:docMk/>
+            <pc:sldMk cId="1488023128" sldId="266"/>
+            <ac:spMk id="2" creationId="{B44827F1-0ACB-45EB-8481-23D426022B3B}"/>
+          </ac:spMkLst>
+        </pc:spChg>
+        <pc:spChg chg="del">
+          <ac:chgData name="Jonny Morris" userId="S::morrisj70800@masseyhigh.school.nz::4fab9e21-29a7-4d03-b4c0-6c8a112c783d" providerId="AD" clId="Web-{988D2265-4B4A-D9DD-55B3-4738B025B4A1}" dt="2021-07-06T02:45:43.597" v="9"/>
+          <ac:spMkLst>
+            <pc:docMk/>
+            <pc:sldMk cId="1488023128" sldId="266"/>
+            <ac:spMk id="3" creationId="{2F0A10E7-3527-4CC4-A6BD-7503A2BFB7CD}"/>
+          </ac:spMkLst>
+        </pc:spChg>
+        <pc:spChg chg="add mod">
+          <ac:chgData name="Jonny Morris" userId="S::morrisj70800@masseyhigh.school.nz::4fab9e21-29a7-4d03-b4c0-6c8a112c783d" providerId="AD" clId="Web-{988D2265-4B4A-D9DD-55B3-4738B025B4A1}" dt="2021-07-06T02:55:57.316" v="122" actId="20577"/>
+          <ac:spMkLst>
+            <pc:docMk/>
+            <pc:sldMk cId="1488023128" sldId="266"/>
+            <ac:spMk id="5" creationId="{A1ECA617-BBD3-4FC1-B266-8D45DC4EF5DC}"/>
+          </ac:spMkLst>
+        </pc:spChg>
+        <pc:picChg chg="add mod ord">
+          <ac:chgData name="Jonny Morris" userId="S::morrisj70800@masseyhigh.school.nz::4fab9e21-29a7-4d03-b4c0-6c8a112c783d" providerId="AD" clId="Web-{988D2265-4B4A-D9DD-55B3-4738B025B4A1}" dt="2021-07-06T02:45:47.097" v="10" actId="1076"/>
+          <ac:picMkLst>
+            <pc:docMk/>
+            <pc:sldMk cId="1488023128" sldId="266"/>
+            <ac:picMk id="4" creationId="{B76247F6-E9E4-430F-AC50-9019A895D23C}"/>
+          </ac:picMkLst>
+        </pc:picChg>
+      </pc:sldChg>
+    </pc:docChg>
+  </pc:docChgLst>
+  <pc:docChgLst>
     <pc:chgData name="Jonny Morris" userId="S::morrisj70800@masseyhigh.school.nz::4fab9e21-29a7-4d03-b4c0-6c8a112c783d" providerId="AD" clId="Web-{C9F5174C-5619-5E50-BF05-0D84B8F86598}"/>
     <pc:docChg chg="addSld modSld">
       <pc:chgData name="Jonny Morris" userId="S::morrisj70800@masseyhigh.school.nz::4fab9e21-29a7-4d03-b4c0-6c8a112c783d" providerId="AD" clId="Web-{C9F5174C-5619-5E50-BF05-0D84B8F86598}" dt="2021-06-10T00:06:44.466" v="251" actId="20577"/>
@@ -508,54 +559,6 @@
             <pc:docMk/>
             <pc:sldMk cId="2917113191" sldId="262"/>
             <ac:picMk id="4" creationId="{A23B8DD8-2A29-4176-AF99-EF02CE8EBC35}"/>
-          </ac:picMkLst>
-        </pc:picChg>
-      </pc:sldChg>
-    </pc:docChg>
-  </pc:docChgLst>
-  <pc:docChgLst>
-    <pc:chgData name="Jonny Morris" userId="S::morrisj70800@masseyhigh.school.nz::4fab9e21-29a7-4d03-b4c0-6c8a112c783d" providerId="AD" clId="Web-{988D2265-4B4A-D9DD-55B3-4738B025B4A1}"/>
-    <pc:docChg chg="addSld modSld">
-      <pc:chgData name="Jonny Morris" userId="S::morrisj70800@masseyhigh.school.nz::4fab9e21-29a7-4d03-b4c0-6c8a112c783d" providerId="AD" clId="Web-{988D2265-4B4A-D9DD-55B3-4738B025B4A1}" dt="2021-07-06T02:48:01.413" v="121" actId="20577"/>
-      <pc:docMkLst>
-        <pc:docMk/>
-      </pc:docMkLst>
-      <pc:sldChg chg="addSp delSp modSp new">
-        <pc:chgData name="Jonny Morris" userId="S::morrisj70800@masseyhigh.school.nz::4fab9e21-29a7-4d03-b4c0-6c8a112c783d" providerId="AD" clId="Web-{988D2265-4B4A-D9DD-55B3-4738B025B4A1}" dt="2021-07-06T02:48:01.413" v="121" actId="20577"/>
-        <pc:sldMkLst>
-          <pc:docMk/>
-          <pc:sldMk cId="1488023128" sldId="266"/>
-        </pc:sldMkLst>
-        <pc:spChg chg="mod">
-          <ac:chgData name="Jonny Morris" userId="S::morrisj70800@masseyhigh.school.nz::4fab9e21-29a7-4d03-b4c0-6c8a112c783d" providerId="AD" clId="Web-{988D2265-4B4A-D9DD-55B3-4738B025B4A1}" dt="2021-07-06T02:45:41.363" v="8" actId="20577"/>
-          <ac:spMkLst>
-            <pc:docMk/>
-            <pc:sldMk cId="1488023128" sldId="266"/>
-            <ac:spMk id="2" creationId="{B44827F1-0ACB-45EB-8481-23D426022B3B}"/>
-          </ac:spMkLst>
-        </pc:spChg>
-        <pc:spChg chg="del">
-          <ac:chgData name="Jonny Morris" userId="S::morrisj70800@masseyhigh.school.nz::4fab9e21-29a7-4d03-b4c0-6c8a112c783d" providerId="AD" clId="Web-{988D2265-4B4A-D9DD-55B3-4738B025B4A1}" dt="2021-07-06T02:45:43.597" v="9"/>
-          <ac:spMkLst>
-            <pc:docMk/>
-            <pc:sldMk cId="1488023128" sldId="266"/>
-            <ac:spMk id="3" creationId="{2F0A10E7-3527-4CC4-A6BD-7503A2BFB7CD}"/>
-          </ac:spMkLst>
-        </pc:spChg>
-        <pc:spChg chg="add mod">
-          <ac:chgData name="Jonny Morris" userId="S::morrisj70800@masseyhigh.school.nz::4fab9e21-29a7-4d03-b4c0-6c8a112c783d" providerId="AD" clId="Web-{988D2265-4B4A-D9DD-55B3-4738B025B4A1}" dt="2021-07-06T02:48:01.413" v="121" actId="20577"/>
-          <ac:spMkLst>
-            <pc:docMk/>
-            <pc:sldMk cId="1488023128" sldId="266"/>
-            <ac:spMk id="5" creationId="{A1ECA617-BBD3-4FC1-B266-8D45DC4EF5DC}"/>
-          </ac:spMkLst>
-        </pc:spChg>
-        <pc:picChg chg="add mod ord">
-          <ac:chgData name="Jonny Morris" userId="S::morrisj70800@masseyhigh.school.nz::4fab9e21-29a7-4d03-b4c0-6c8a112c783d" providerId="AD" clId="Web-{988D2265-4B4A-D9DD-55B3-4738B025B4A1}" dt="2021-07-06T02:45:47.097" v="10" actId="1076"/>
-          <ac:picMkLst>
-            <pc:docMk/>
-            <pc:sldMk cId="1488023128" sldId="266"/>
-            <ac:picMk id="4" creationId="{B76247F6-E9E4-430F-AC50-9019A895D23C}"/>
           </ac:picMkLst>
         </pc:picChg>
       </pc:sldChg>
@@ -640,6 +643,30 @@
     </pc:docChg>
   </pc:docChgLst>
   <pc:docChgLst>
+    <pc:chgData name="Jonny Morris" userId="S::morrisj70800@masseyhigh.school.nz::4fab9e21-29a7-4d03-b4c0-6c8a112c783d" providerId="AD" clId="Web-{204B783E-ECB2-56F8-CC10-5A491FD05934}"/>
+    <pc:docChg chg="modSld">
+      <pc:chgData name="Jonny Morris" userId="S::morrisj70800@masseyhigh.school.nz::4fab9e21-29a7-4d03-b4c0-6c8a112c783d" providerId="AD" clId="Web-{204B783E-ECB2-56F8-CC10-5A491FD05934}" dt="2021-07-08T00:02:58.450" v="0" actId="20577"/>
+      <pc:docMkLst>
+        <pc:docMk/>
+      </pc:docMkLst>
+      <pc:sldChg chg="modSp">
+        <pc:chgData name="Jonny Morris" userId="S::morrisj70800@masseyhigh.school.nz::4fab9e21-29a7-4d03-b4c0-6c8a112c783d" providerId="AD" clId="Web-{204B783E-ECB2-56F8-CC10-5A491FD05934}" dt="2021-07-08T00:02:58.450" v="0" actId="20577"/>
+        <pc:sldMkLst>
+          <pc:docMk/>
+          <pc:sldMk cId="4269907770" sldId="267"/>
+        </pc:sldMkLst>
+        <pc:spChg chg="mod">
+          <ac:chgData name="Jonny Morris" userId="S::morrisj70800@masseyhigh.school.nz::4fab9e21-29a7-4d03-b4c0-6c8a112c783d" providerId="AD" clId="Web-{204B783E-ECB2-56F8-CC10-5A491FD05934}" dt="2021-07-08T00:02:58.450" v="0" actId="20577"/>
+          <ac:spMkLst>
+            <pc:docMk/>
+            <pc:sldMk cId="4269907770" sldId="267"/>
+            <ac:spMk id="12" creationId="{73C65C4E-D475-417F-BF9A-4B4476C9B196}"/>
+          </ac:spMkLst>
+        </pc:spChg>
+      </pc:sldChg>
+    </pc:docChg>
+  </pc:docChgLst>
+  <pc:docChgLst>
     <pc:chgData name="Jonny Morris" userId="S::morrisj70800@masseyhigh.school.nz::4fab9e21-29a7-4d03-b4c0-6c8a112c783d" providerId="AD" clId="Web-{EE33AF41-30E7-9FB3-CC2C-421B72023142}"/>
     <pc:docChg chg="addSld modSld sldOrd">
       <pc:chgData name="Jonny Morris" userId="S::morrisj70800@masseyhigh.school.nz::4fab9e21-29a7-4d03-b4c0-6c8a112c783d" providerId="AD" clId="Web-{EE33AF41-30E7-9FB3-CC2C-421B72023142}" dt="2021-06-16T01:15:50.862" v="196"/>
@@ -998,6 +1025,227 @@
             <ac:spMk id="2" creationId="{A8EFE925-DDD6-457F-95FD-557FF9D76A31}"/>
           </ac:spMkLst>
         </pc:spChg>
+      </pc:sldChg>
+    </pc:docChg>
+  </pc:docChgLst>
+  <pc:docChgLst>
+    <pc:chgData name="Jonny Morris" userId="S::morrisj70800@masseyhigh.school.nz::4fab9e21-29a7-4d03-b4c0-6c8a112c783d" providerId="AD" clId="Web-{1423E2E6-2405-C16D-4FA3-C33C0ADCD3EA}"/>
+    <pc:docChg chg="addSld delSld modSld">
+      <pc:chgData name="Jonny Morris" userId="S::morrisj70800@masseyhigh.school.nz::4fab9e21-29a7-4d03-b4c0-6c8a112c783d" providerId="AD" clId="Web-{1423E2E6-2405-C16D-4FA3-C33C0ADCD3EA}" dt="2021-07-07T01:30:07.750" v="234" actId="20577"/>
+      <pc:docMkLst>
+        <pc:docMk/>
+      </pc:docMkLst>
+      <pc:sldChg chg="addSp modSp mod setBg">
+        <pc:chgData name="Jonny Morris" userId="S::morrisj70800@masseyhigh.school.nz::4fab9e21-29a7-4d03-b4c0-6c8a112c783d" providerId="AD" clId="Web-{1423E2E6-2405-C16D-4FA3-C33C0ADCD3EA}" dt="2021-07-07T01:30:07.750" v="234" actId="20577"/>
+        <pc:sldMkLst>
+          <pc:docMk/>
+          <pc:sldMk cId="2312846984" sldId="265"/>
+        </pc:sldMkLst>
+        <pc:spChg chg="mod">
+          <ac:chgData name="Jonny Morris" userId="S::morrisj70800@masseyhigh.school.nz::4fab9e21-29a7-4d03-b4c0-6c8a112c783d" providerId="AD" clId="Web-{1423E2E6-2405-C16D-4FA3-C33C0ADCD3EA}" dt="2021-07-07T01:30:07.750" v="234" actId="20577"/>
+          <ac:spMkLst>
+            <pc:docMk/>
+            <pc:sldMk cId="2312846984" sldId="265"/>
+            <ac:spMk id="2" creationId="{A8EFE925-DDD6-457F-95FD-557FF9D76A31}"/>
+          </ac:spMkLst>
+        </pc:spChg>
+        <pc:spChg chg="mod ord">
+          <ac:chgData name="Jonny Morris" userId="S::morrisj70800@masseyhigh.school.nz::4fab9e21-29a7-4d03-b4c0-6c8a112c783d" providerId="AD" clId="Web-{1423E2E6-2405-C16D-4FA3-C33C0ADCD3EA}" dt="2021-07-07T01:30:01.375" v="233" actId="20577"/>
+          <ac:spMkLst>
+            <pc:docMk/>
+            <pc:sldMk cId="2312846984" sldId="265"/>
+            <ac:spMk id="6" creationId="{7E9094E3-54D3-43D0-833A-501068F2A71A}"/>
+          </ac:spMkLst>
+        </pc:spChg>
+        <pc:spChg chg="add">
+          <ac:chgData name="Jonny Morris" userId="S::morrisj70800@masseyhigh.school.nz::4fab9e21-29a7-4d03-b4c0-6c8a112c783d" providerId="AD" clId="Web-{1423E2E6-2405-C16D-4FA3-C33C0ADCD3EA}" dt="2021-07-07T01:28:25.295" v="229"/>
+          <ac:spMkLst>
+            <pc:docMk/>
+            <pc:sldMk cId="2312846984" sldId="265"/>
+            <ac:spMk id="11" creationId="{352BEC0E-22F8-46D0-9632-375DB541B06C}"/>
+          </ac:spMkLst>
+        </pc:spChg>
+        <pc:spChg chg="add">
+          <ac:chgData name="Jonny Morris" userId="S::morrisj70800@masseyhigh.school.nz::4fab9e21-29a7-4d03-b4c0-6c8a112c783d" providerId="AD" clId="Web-{1423E2E6-2405-C16D-4FA3-C33C0ADCD3EA}" dt="2021-07-07T01:28:25.295" v="229"/>
+          <ac:spMkLst>
+            <pc:docMk/>
+            <pc:sldMk cId="2312846984" sldId="265"/>
+            <ac:spMk id="13" creationId="{3FCFB1DE-0B7E-48CC-BA90-B2AB0889F9D6}"/>
+          </ac:spMkLst>
+        </pc:spChg>
+        <pc:picChg chg="mod">
+          <ac:chgData name="Jonny Morris" userId="S::morrisj70800@masseyhigh.school.nz::4fab9e21-29a7-4d03-b4c0-6c8a112c783d" providerId="AD" clId="Web-{1423E2E6-2405-C16D-4FA3-C33C0ADCD3EA}" dt="2021-07-07T01:28:25.295" v="229"/>
+          <ac:picMkLst>
+            <pc:docMk/>
+            <pc:sldMk cId="2312846984" sldId="265"/>
+            <ac:picMk id="4" creationId="{BEBED7A8-7A0C-4446-A3F3-AE0384F69625}"/>
+          </ac:picMkLst>
+        </pc:picChg>
+        <pc:picChg chg="mod">
+          <ac:chgData name="Jonny Morris" userId="S::morrisj70800@masseyhigh.school.nz::4fab9e21-29a7-4d03-b4c0-6c8a112c783d" providerId="AD" clId="Web-{1423E2E6-2405-C16D-4FA3-C33C0ADCD3EA}" dt="2021-07-07T01:28:25.295" v="229"/>
+          <ac:picMkLst>
+            <pc:docMk/>
+            <pc:sldMk cId="2312846984" sldId="265"/>
+            <ac:picMk id="5" creationId="{E0886A97-00CE-4C24-AC50-FDB95ED3BEB8}"/>
+          </ac:picMkLst>
+        </pc:picChg>
+      </pc:sldChg>
+      <pc:sldChg chg="del">
+        <pc:chgData name="Jonny Morris" userId="S::morrisj70800@masseyhigh.school.nz::4fab9e21-29a7-4d03-b4c0-6c8a112c783d" providerId="AD" clId="Web-{1423E2E6-2405-C16D-4FA3-C33C0ADCD3EA}" dt="2021-07-07T00:45:45.550" v="0"/>
+        <pc:sldMkLst>
+          <pc:docMk/>
+          <pc:sldMk cId="1488023128" sldId="266"/>
+        </pc:sldMkLst>
+      </pc:sldChg>
+      <pc:sldChg chg="addSp delSp modSp new mod setBg">
+        <pc:chgData name="Jonny Morris" userId="S::morrisj70800@masseyhigh.school.nz::4fab9e21-29a7-4d03-b4c0-6c8a112c783d" providerId="AD" clId="Web-{1423E2E6-2405-C16D-4FA3-C33C0ADCD3EA}" dt="2021-07-07T01:28:18.873" v="228"/>
+        <pc:sldMkLst>
+          <pc:docMk/>
+          <pc:sldMk cId="2636441687" sldId="266"/>
+        </pc:sldMkLst>
+        <pc:spChg chg="mod">
+          <ac:chgData name="Jonny Morris" userId="S::morrisj70800@masseyhigh.school.nz::4fab9e21-29a7-4d03-b4c0-6c8a112c783d" providerId="AD" clId="Web-{1423E2E6-2405-C16D-4FA3-C33C0ADCD3EA}" dt="2021-07-07T01:28:18.873" v="228"/>
+          <ac:spMkLst>
+            <pc:docMk/>
+            <pc:sldMk cId="2636441687" sldId="266"/>
+            <ac:spMk id="2" creationId="{9BC228BC-D5D5-4533-A3DA-8647BEA2F76B}"/>
+          </ac:spMkLst>
+        </pc:spChg>
+        <pc:spChg chg="del">
+          <ac:chgData name="Jonny Morris" userId="S::morrisj70800@masseyhigh.school.nz::4fab9e21-29a7-4d03-b4c0-6c8a112c783d" providerId="AD" clId="Web-{1423E2E6-2405-C16D-4FA3-C33C0ADCD3EA}" dt="2021-07-07T00:46:22.863" v="5"/>
+          <ac:spMkLst>
+            <pc:docMk/>
+            <pc:sldMk cId="2636441687" sldId="266"/>
+            <ac:spMk id="3" creationId="{4D848CEF-C1C7-4004-BB33-92F4F5B84725}"/>
+          </ac:spMkLst>
+        </pc:spChg>
+        <pc:spChg chg="add mod">
+          <ac:chgData name="Jonny Morris" userId="S::morrisj70800@masseyhigh.school.nz::4fab9e21-29a7-4d03-b4c0-6c8a112c783d" providerId="AD" clId="Web-{1423E2E6-2405-C16D-4FA3-C33C0ADCD3EA}" dt="2021-07-07T01:28:18.873" v="228"/>
+          <ac:spMkLst>
+            <pc:docMk/>
+            <pc:sldMk cId="2636441687" sldId="266"/>
+            <ac:spMk id="5" creationId="{F48F0990-95DB-44BF-A4B9-E6208FB9263C}"/>
+          </ac:spMkLst>
+        </pc:spChg>
+        <pc:spChg chg="add">
+          <ac:chgData name="Jonny Morris" userId="S::morrisj70800@masseyhigh.school.nz::4fab9e21-29a7-4d03-b4c0-6c8a112c783d" providerId="AD" clId="Web-{1423E2E6-2405-C16D-4FA3-C33C0ADCD3EA}" dt="2021-07-07T01:28:18.873" v="228"/>
+          <ac:spMkLst>
+            <pc:docMk/>
+            <pc:sldMk cId="2636441687" sldId="266"/>
+            <ac:spMk id="10" creationId="{2B97F24A-32CE-4C1C-A50D-3016B394DCFB}"/>
+          </ac:spMkLst>
+        </pc:spChg>
+        <pc:spChg chg="add">
+          <ac:chgData name="Jonny Morris" userId="S::morrisj70800@masseyhigh.school.nz::4fab9e21-29a7-4d03-b4c0-6c8a112c783d" providerId="AD" clId="Web-{1423E2E6-2405-C16D-4FA3-C33C0ADCD3EA}" dt="2021-07-07T01:28:18.873" v="228"/>
+          <ac:spMkLst>
+            <pc:docMk/>
+            <pc:sldMk cId="2636441687" sldId="266"/>
+            <ac:spMk id="12" creationId="{CD8B4F24-440B-49E9-B85D-733523DC064B}"/>
+          </ac:spMkLst>
+        </pc:spChg>
+        <pc:picChg chg="add mod ord">
+          <ac:chgData name="Jonny Morris" userId="S::morrisj70800@masseyhigh.school.nz::4fab9e21-29a7-4d03-b4c0-6c8a112c783d" providerId="AD" clId="Web-{1423E2E6-2405-C16D-4FA3-C33C0ADCD3EA}" dt="2021-07-07T01:28:18.873" v="228"/>
+          <ac:picMkLst>
+            <pc:docMk/>
+            <pc:sldMk cId="2636441687" sldId="266"/>
+            <ac:picMk id="4" creationId="{8C8059C0-D46C-4EE3-8A5A-E4AB3BAE9F38}"/>
+          </ac:picMkLst>
+        </pc:picChg>
+      </pc:sldChg>
+      <pc:sldChg chg="addSp delSp modSp new">
+        <pc:chgData name="Jonny Morris" userId="S::morrisj70800@masseyhigh.school.nz::4fab9e21-29a7-4d03-b4c0-6c8a112c783d" providerId="AD" clId="Web-{1423E2E6-2405-C16D-4FA3-C33C0ADCD3EA}" dt="2021-07-07T01:28:11.076" v="227" actId="20577"/>
+        <pc:sldMkLst>
+          <pc:docMk/>
+          <pc:sldMk cId="4269907770" sldId="267"/>
+        </pc:sldMkLst>
+        <pc:spChg chg="mod">
+          <ac:chgData name="Jonny Morris" userId="S::morrisj70800@masseyhigh.school.nz::4fab9e21-29a7-4d03-b4c0-6c8a112c783d" providerId="AD" clId="Web-{1423E2E6-2405-C16D-4FA3-C33C0ADCD3EA}" dt="2021-07-07T01:24:41.868" v="79" actId="20577"/>
+          <ac:spMkLst>
+            <pc:docMk/>
+            <pc:sldMk cId="4269907770" sldId="267"/>
+            <ac:spMk id="2" creationId="{8791E409-6935-493D-8A4B-DDCE0E6E1583}"/>
+          </ac:spMkLst>
+        </pc:spChg>
+        <pc:spChg chg="del">
+          <ac:chgData name="Jonny Morris" userId="S::morrisj70800@masseyhigh.school.nz::4fab9e21-29a7-4d03-b4c0-6c8a112c783d" providerId="AD" clId="Web-{1423E2E6-2405-C16D-4FA3-C33C0ADCD3EA}" dt="2021-07-07T01:24:43.259" v="80"/>
+          <ac:spMkLst>
+            <pc:docMk/>
+            <pc:sldMk cId="4269907770" sldId="267"/>
+            <ac:spMk id="3" creationId="{D19A3B35-862F-4096-BB70-35208DDA66AB}"/>
+          </ac:spMkLst>
+        </pc:spChg>
+        <pc:spChg chg="add del">
+          <ac:chgData name="Jonny Morris" userId="S::morrisj70800@masseyhigh.school.nz::4fab9e21-29a7-4d03-b4c0-6c8a112c783d" providerId="AD" clId="Web-{1423E2E6-2405-C16D-4FA3-C33C0ADCD3EA}" dt="2021-07-07T01:25:13.197" v="97"/>
+          <ac:spMkLst>
+            <pc:docMk/>
+            <pc:sldMk cId="4269907770" sldId="267"/>
+            <ac:spMk id="5" creationId="{BAC64147-5C51-4090-BA1C-E3850FA01F1A}"/>
+          </ac:spMkLst>
+        </pc:spChg>
+        <pc:spChg chg="add del">
+          <ac:chgData name="Jonny Morris" userId="S::morrisj70800@masseyhigh.school.nz::4fab9e21-29a7-4d03-b4c0-6c8a112c783d" providerId="AD" clId="Web-{1423E2E6-2405-C16D-4FA3-C33C0ADCD3EA}" dt="2021-07-07T01:25:12.712" v="96"/>
+          <ac:spMkLst>
+            <pc:docMk/>
+            <pc:sldMk cId="4269907770" sldId="267"/>
+            <ac:spMk id="6" creationId="{75E74B46-9CAF-4D3A-AAEF-BF73CAC32F76}"/>
+          </ac:spMkLst>
+        </pc:spChg>
+        <pc:spChg chg="add del">
+          <ac:chgData name="Jonny Morris" userId="S::morrisj70800@masseyhigh.school.nz::4fab9e21-29a7-4d03-b4c0-6c8a112c783d" providerId="AD" clId="Web-{1423E2E6-2405-C16D-4FA3-C33C0ADCD3EA}" dt="2021-07-07T01:25:11.978" v="95"/>
+          <ac:spMkLst>
+            <pc:docMk/>
+            <pc:sldMk cId="4269907770" sldId="267"/>
+            <ac:spMk id="7" creationId="{8E53D55C-388E-4783-B523-205D9E057902}"/>
+          </ac:spMkLst>
+        </pc:spChg>
+        <pc:spChg chg="add del">
+          <ac:chgData name="Jonny Morris" userId="S::morrisj70800@masseyhigh.school.nz::4fab9e21-29a7-4d03-b4c0-6c8a112c783d" providerId="AD" clId="Web-{1423E2E6-2405-C16D-4FA3-C33C0ADCD3EA}" dt="2021-07-07T01:25:11.697" v="94"/>
+          <ac:spMkLst>
+            <pc:docMk/>
+            <pc:sldMk cId="4269907770" sldId="267"/>
+            <ac:spMk id="8" creationId="{B143676B-9A77-4034-9091-0C1D716B1D24}"/>
+          </ac:spMkLst>
+        </pc:spChg>
+        <pc:spChg chg="add del">
+          <ac:chgData name="Jonny Morris" userId="S::morrisj70800@masseyhigh.school.nz::4fab9e21-29a7-4d03-b4c0-6c8a112c783d" providerId="AD" clId="Web-{1423E2E6-2405-C16D-4FA3-C33C0ADCD3EA}" dt="2021-07-07T01:25:11.228" v="93"/>
+          <ac:spMkLst>
+            <pc:docMk/>
+            <pc:sldMk cId="4269907770" sldId="267"/>
+            <ac:spMk id="9" creationId="{E6275B4D-E663-473E-BCB1-2FC2124000E5}"/>
+          </ac:spMkLst>
+        </pc:spChg>
+        <pc:spChg chg="add del">
+          <ac:chgData name="Jonny Morris" userId="S::morrisj70800@masseyhigh.school.nz::4fab9e21-29a7-4d03-b4c0-6c8a112c783d" providerId="AD" clId="Web-{1423E2E6-2405-C16D-4FA3-C33C0ADCD3EA}" dt="2021-07-07T01:25:10.697" v="92"/>
+          <ac:spMkLst>
+            <pc:docMk/>
+            <pc:sldMk cId="4269907770" sldId="267"/>
+            <ac:spMk id="10" creationId="{E2B4776C-8E6D-4CC4-8207-9F3220C23531}"/>
+          </ac:spMkLst>
+        </pc:spChg>
+        <pc:spChg chg="add del">
+          <ac:chgData name="Jonny Morris" userId="S::morrisj70800@masseyhigh.school.nz::4fab9e21-29a7-4d03-b4c0-6c8a112c783d" providerId="AD" clId="Web-{1423E2E6-2405-C16D-4FA3-C33C0ADCD3EA}" dt="2021-07-07T01:25:10.384" v="91"/>
+          <ac:spMkLst>
+            <pc:docMk/>
+            <pc:sldMk cId="4269907770" sldId="267"/>
+            <ac:spMk id="11" creationId="{023ED784-A63F-4BB8-824C-ED7720F509BA}"/>
+          </ac:spMkLst>
+        </pc:spChg>
+        <pc:spChg chg="add mod">
+          <ac:chgData name="Jonny Morris" userId="S::morrisj70800@masseyhigh.school.nz::4fab9e21-29a7-4d03-b4c0-6c8a112c783d" providerId="AD" clId="Web-{1423E2E6-2405-C16D-4FA3-C33C0ADCD3EA}" dt="2021-07-07T01:28:11.076" v="227" actId="20577"/>
+          <ac:spMkLst>
+            <pc:docMk/>
+            <pc:sldMk cId="4269907770" sldId="267"/>
+            <ac:spMk id="12" creationId="{73C65C4E-D475-417F-BF9A-4B4476C9B196}"/>
+          </ac:spMkLst>
+        </pc:spChg>
+        <pc:picChg chg="add mod ord">
+          <ac:chgData name="Jonny Morris" userId="S::morrisj70800@masseyhigh.school.nz::4fab9e21-29a7-4d03-b4c0-6c8a112c783d" providerId="AD" clId="Web-{1423E2E6-2405-C16D-4FA3-C33C0ADCD3EA}" dt="2021-07-07T01:24:47.837" v="81" actId="1076"/>
+          <ac:picMkLst>
+            <pc:docMk/>
+            <pc:sldMk cId="4269907770" sldId="267"/>
+            <ac:picMk id="4" creationId="{FE62F3AF-1CA3-49D3-8DB5-5446126C5F63}"/>
+          </ac:picMkLst>
+        </pc:picChg>
       </pc:sldChg>
     </pc:docChg>
   </pc:docChgLst>
@@ -1317,7 +1565,7 @@
           <a:p>
             <a:fld id="{846CE7D5-CF57-46EF-B807-FDD0502418D4}" type="datetimeFigureOut">
               <a:rPr lang="en-US" smtClean="0"/>
-              <a:t>7/5/2021</a:t>
+              <a:t>7/7/2021</a:t>
             </a:fld>
             <a:endParaRPr lang="en-US"/>
           </a:p>
@@ -1485,7 +1733,7 @@
           <a:p>
             <a:fld id="{846CE7D5-CF57-46EF-B807-FDD0502418D4}" type="datetimeFigureOut">
               <a:rPr lang="en-US" smtClean="0"/>
-              <a:t>7/5/2021</a:t>
+              <a:t>7/7/2021</a:t>
             </a:fld>
             <a:endParaRPr lang="en-US"/>
           </a:p>
@@ -1663,7 +1911,7 @@
           <a:p>
             <a:fld id="{846CE7D5-CF57-46EF-B807-FDD0502418D4}" type="datetimeFigureOut">
               <a:rPr lang="en-US" smtClean="0"/>
-              <a:t>7/5/2021</a:t>
+              <a:t>7/7/2021</a:t>
             </a:fld>
             <a:endParaRPr lang="en-US"/>
           </a:p>
@@ -1831,7 +2079,7 @@
           <a:p>
             <a:fld id="{846CE7D5-CF57-46EF-B807-FDD0502418D4}" type="datetimeFigureOut">
               <a:rPr lang="en-US" smtClean="0"/>
-              <a:t>7/5/2021</a:t>
+              <a:t>7/7/2021</a:t>
             </a:fld>
             <a:endParaRPr lang="en-US"/>
           </a:p>
@@ -2076,7 +2324,7 @@
           <a:p>
             <a:fld id="{846CE7D5-CF57-46EF-B807-FDD0502418D4}" type="datetimeFigureOut">
               <a:rPr lang="en-US" smtClean="0"/>
-              <a:t>7/5/2021</a:t>
+              <a:t>7/7/2021</a:t>
             </a:fld>
             <a:endParaRPr lang="en-US"/>
           </a:p>
@@ -2305,7 +2553,7 @@
           <a:p>
             <a:fld id="{846CE7D5-CF57-46EF-B807-FDD0502418D4}" type="datetimeFigureOut">
               <a:rPr lang="en-US" smtClean="0"/>
-              <a:t>7/5/2021</a:t>
+              <a:t>7/7/2021</a:t>
             </a:fld>
             <a:endParaRPr lang="en-US"/>
           </a:p>
@@ -2669,7 +2917,7 @@
           <a:p>
             <a:fld id="{846CE7D5-CF57-46EF-B807-FDD0502418D4}" type="datetimeFigureOut">
               <a:rPr lang="en-US" smtClean="0"/>
-              <a:t>7/5/2021</a:t>
+              <a:t>7/7/2021</a:t>
             </a:fld>
             <a:endParaRPr lang="en-US"/>
           </a:p>
@@ -2786,7 +3034,7 @@
           <a:p>
             <a:fld id="{846CE7D5-CF57-46EF-B807-FDD0502418D4}" type="datetimeFigureOut">
               <a:rPr lang="en-US" smtClean="0"/>
-              <a:t>7/5/2021</a:t>
+              <a:t>7/7/2021</a:t>
             </a:fld>
             <a:endParaRPr lang="en-US"/>
           </a:p>
@@ -2881,7 +3129,7 @@
           <a:p>
             <a:fld id="{846CE7D5-CF57-46EF-B807-FDD0502418D4}" type="datetimeFigureOut">
               <a:rPr lang="en-US" smtClean="0"/>
-              <a:t>7/5/2021</a:t>
+              <a:t>7/7/2021</a:t>
             </a:fld>
             <a:endParaRPr lang="en-US"/>
           </a:p>
@@ -3156,7 +3404,7 @@
           <a:p>
             <a:fld id="{846CE7D5-CF57-46EF-B807-FDD0502418D4}" type="datetimeFigureOut">
               <a:rPr lang="en-US" smtClean="0"/>
-              <a:t>7/5/2021</a:t>
+              <a:t>7/7/2021</a:t>
             </a:fld>
             <a:endParaRPr lang="en-US"/>
           </a:p>
@@ -3411,7 +3659,7 @@
           <a:p>
             <a:fld id="{846CE7D5-CF57-46EF-B807-FDD0502418D4}" type="datetimeFigureOut">
               <a:rPr lang="en-US" smtClean="0"/>
-              <a:t>7/5/2021</a:t>
+              <a:t>7/7/2021</a:t>
             </a:fld>
             <a:endParaRPr lang="en-US"/>
           </a:p>
@@ -3622,7 +3870,7 @@
           <a:p>
             <a:fld id="{846CE7D5-CF57-46EF-B807-FDD0502418D4}" type="datetimeFigureOut">
               <a:rPr lang="en-US" smtClean="0"/>
-              <a:t>7/5/2021</a:t>
+              <a:t>7/7/2021</a:t>
             </a:fld>
             <a:endParaRPr lang="en-US"/>
           </a:p>
@@ -4092,6 +4340,14 @@
 <file path=ppt/slides/slide10.xml><?xml version="1.0" encoding="utf-8"?>
 <p:sld xmlns:a="http://schemas.openxmlformats.org/drawingml/2006/main" xmlns:r="http://schemas.openxmlformats.org/officeDocument/2006/relationships" xmlns:p="http://schemas.openxmlformats.org/presentationml/2006/main">
   <p:cSld>
+    <p:bg>
+      <p:bgPr>
+        <a:solidFill>
+          <a:schemeClr val="bg1"/>
+        </a:solidFill>
+        <a:effectLst/>
+      </p:bgPr>
+    </p:bg>
     <p:spTree>
       <p:nvGrpSpPr>
         <p:cNvPr id="1" name=""/>
@@ -4106,6 +4362,66 @@
           <a:chExt cx="0" cy="0"/>
         </a:xfrm>
       </p:grpSpPr>
+      <p:sp useBgFill="1">
+        <p:nvSpPr>
+          <p:cNvPr id="11" name="Rectangle 10">
+            <a:extLst>
+              <a:ext uri="{FF2B5EF4-FFF2-40B4-BE49-F238E27FC236}">
+                <a16:creationId xmlns:a16="http://schemas.microsoft.com/office/drawing/2014/main" id="{352BEC0E-22F8-46D0-9632-375DB541B06C}"/>
+              </a:ext>
+              <a:ext uri="{C183D7F6-B498-43B3-948B-1728B52AA6E4}">
+                <adec:decorative xmlns:adec="http://schemas.microsoft.com/office/drawing/2017/decorative" val="1"/>
+              </a:ext>
+            </a:extLst>
+          </p:cNvPr>
+          <p:cNvSpPr>
+            <a:spLocks noGrp="1" noRot="1" noChangeAspect="1" noMove="1" noResize="1" noEditPoints="1" noAdjustHandles="1" noChangeArrowheads="1" noChangeShapeType="1" noTextEdit="1"/>
+          </p:cNvSpPr>
+          <p:nvPr>
+            <p:extLst>
+              <p:ext uri="{386F3935-93C4-4BCD-93E2-E3B085C9AB24}">
+                <p16:designElem xmlns:p16="http://schemas.microsoft.com/office/powerpoint/2015/main" val="1"/>
+              </p:ext>
+            </p:extLst>
+          </p:nvPr>
+        </p:nvSpPr>
+        <p:spPr>
+          <a:xfrm>
+            <a:off x="0" y="0"/>
+            <a:ext cx="12188952" cy="6858000"/>
+          </a:xfrm>
+          <a:prstGeom prst="rect">
+            <a:avLst/>
+          </a:prstGeom>
+          <a:ln>
+            <a:noFill/>
+          </a:ln>
+        </p:spPr>
+        <p:style>
+          <a:lnRef idx="2">
+            <a:schemeClr val="accent1">
+              <a:shade val="50000"/>
+            </a:schemeClr>
+          </a:lnRef>
+          <a:fillRef idx="1">
+            <a:schemeClr val="accent1"/>
+          </a:fillRef>
+          <a:effectRef idx="0">
+            <a:schemeClr val="accent1"/>
+          </a:effectRef>
+          <a:fontRef idx="minor">
+            <a:schemeClr val="lt1"/>
+          </a:fontRef>
+        </p:style>
+        <p:txBody>
+          <a:bodyPr rtlCol="0" anchor="ctr"/>
+          <a:lstStyle/>
+          <a:p>
+            <a:pPr algn="ctr"/>
+            <a:endParaRPr lang="en-US"/>
+          </a:p>
+        </p:txBody>
+      </p:sp>
       <p:sp>
         <p:nvSpPr>
           <p:cNvPr id="2" name="Title 1">
@@ -4122,18 +4438,412 @@
             <p:ph type="title"/>
           </p:nvPr>
         </p:nvSpPr>
-        <p:spPr/>
-        <p:txBody>
-          <a:bodyPr/>
+        <p:spPr>
+          <a:xfrm>
+            <a:off x="640080" y="329184"/>
+            <a:ext cx="6894576" cy="1783080"/>
+          </a:xfrm>
+        </p:spPr>
+        <p:txBody>
+          <a:bodyPr vert="horz" lIns="91440" tIns="45720" rIns="91440" bIns="45720" rtlCol="0" anchor="b">
+            <a:normAutofit/>
+          </a:bodyPr>
           <a:lstStyle/>
           <a:p>
             <a:r>
-              <a:rPr lang="en-US">
-                <a:cs typeface="Calibri Light"/>
-              </a:rPr>
-              <a:t>Start_Gui Final + Start of game GUI</a:t>
-            </a:r>
-            <a:endParaRPr lang="en-US" dirty="0"/>
+              <a:rPr lang="en-US" sz="5400"/>
+              <a:t>Start Gui Final + Start of game GUI</a:t>
+            </a:r>
+          </a:p>
+        </p:txBody>
+      </p:sp>
+      <p:sp>
+        <p:nvSpPr>
+          <p:cNvPr id="13" name="sketch line">
+            <a:extLst>
+              <a:ext uri="{FF2B5EF4-FFF2-40B4-BE49-F238E27FC236}">
+                <a16:creationId xmlns:a16="http://schemas.microsoft.com/office/drawing/2014/main" id="{3FCFB1DE-0B7E-48CC-BA90-B2AB0889F9D6}"/>
+              </a:ext>
+              <a:ext uri="{C183D7F6-B498-43B3-948B-1728B52AA6E4}">
+                <adec:decorative xmlns:adec="http://schemas.microsoft.com/office/drawing/2017/decorative" val="1"/>
+              </a:ext>
+            </a:extLst>
+          </p:cNvPr>
+          <p:cNvSpPr>
+            <a:spLocks noGrp="1" noRot="1" noChangeAspect="1" noMove="1" noResize="1" noEditPoints="1" noAdjustHandles="1" noChangeArrowheads="1" noChangeShapeType="1" noTextEdit="1"/>
+          </p:cNvSpPr>
+          <p:nvPr>
+            <p:extLst>
+              <p:ext uri="{386F3935-93C4-4BCD-93E2-E3B085C9AB24}">
+                <p16:designElem xmlns:p16="http://schemas.microsoft.com/office/powerpoint/2015/main" val="1"/>
+              </p:ext>
+            </p:extLst>
+          </p:nvPr>
+        </p:nvSpPr>
+        <p:spPr>
+          <a:xfrm>
+            <a:off x="758952" y="2395728"/>
+            <a:ext cx="4243589" cy="18288"/>
+          </a:xfrm>
+          <a:custGeom>
+            <a:avLst/>
+            <a:gdLst>
+              <a:gd name="connsiteX0" fmla="*/ 0 w 4243589"/>
+              <a:gd name="connsiteY0" fmla="*/ 0 h 18288"/>
+              <a:gd name="connsiteX1" fmla="*/ 478919 w 4243589"/>
+              <a:gd name="connsiteY1" fmla="*/ 0 h 18288"/>
+              <a:gd name="connsiteX2" fmla="*/ 957839 w 4243589"/>
+              <a:gd name="connsiteY2" fmla="*/ 0 h 18288"/>
+              <a:gd name="connsiteX3" fmla="*/ 1521630 w 4243589"/>
+              <a:gd name="connsiteY3" fmla="*/ 0 h 18288"/>
+              <a:gd name="connsiteX4" fmla="*/ 2212729 w 4243589"/>
+              <a:gd name="connsiteY4" fmla="*/ 0 h 18288"/>
+              <a:gd name="connsiteX5" fmla="*/ 2734084 w 4243589"/>
+              <a:gd name="connsiteY5" fmla="*/ 0 h 18288"/>
+              <a:gd name="connsiteX6" fmla="*/ 3255439 w 4243589"/>
+              <a:gd name="connsiteY6" fmla="*/ 0 h 18288"/>
+              <a:gd name="connsiteX7" fmla="*/ 4243589 w 4243589"/>
+              <a:gd name="connsiteY7" fmla="*/ 0 h 18288"/>
+              <a:gd name="connsiteX8" fmla="*/ 4243589 w 4243589"/>
+              <a:gd name="connsiteY8" fmla="*/ 18288 h 18288"/>
+              <a:gd name="connsiteX9" fmla="*/ 3594926 w 4243589"/>
+              <a:gd name="connsiteY9" fmla="*/ 18288 h 18288"/>
+              <a:gd name="connsiteX10" fmla="*/ 3073571 w 4243589"/>
+              <a:gd name="connsiteY10" fmla="*/ 18288 h 18288"/>
+              <a:gd name="connsiteX11" fmla="*/ 2552216 w 4243589"/>
+              <a:gd name="connsiteY11" fmla="*/ 18288 h 18288"/>
+              <a:gd name="connsiteX12" fmla="*/ 1903553 w 4243589"/>
+              <a:gd name="connsiteY12" fmla="*/ 18288 h 18288"/>
+              <a:gd name="connsiteX13" fmla="*/ 1212454 w 4243589"/>
+              <a:gd name="connsiteY13" fmla="*/ 18288 h 18288"/>
+              <a:gd name="connsiteX14" fmla="*/ 733535 w 4243589"/>
+              <a:gd name="connsiteY14" fmla="*/ 18288 h 18288"/>
+              <a:gd name="connsiteX15" fmla="*/ 0 w 4243589"/>
+              <a:gd name="connsiteY15" fmla="*/ 18288 h 18288"/>
+              <a:gd name="connsiteX16" fmla="*/ 0 w 4243589"/>
+              <a:gd name="connsiteY16" fmla="*/ 0 h 18288"/>
+            </a:gdLst>
+            <a:ahLst/>
+            <a:cxnLst>
+              <a:cxn ang="0">
+                <a:pos x="connsiteX0" y="connsiteY0"/>
+              </a:cxn>
+              <a:cxn ang="0">
+                <a:pos x="connsiteX1" y="connsiteY1"/>
+              </a:cxn>
+              <a:cxn ang="0">
+                <a:pos x="connsiteX2" y="connsiteY2"/>
+              </a:cxn>
+              <a:cxn ang="0">
+                <a:pos x="connsiteX3" y="connsiteY3"/>
+              </a:cxn>
+              <a:cxn ang="0">
+                <a:pos x="connsiteX4" y="connsiteY4"/>
+              </a:cxn>
+              <a:cxn ang="0">
+                <a:pos x="connsiteX5" y="connsiteY5"/>
+              </a:cxn>
+              <a:cxn ang="0">
+                <a:pos x="connsiteX6" y="connsiteY6"/>
+              </a:cxn>
+              <a:cxn ang="0">
+                <a:pos x="connsiteX7" y="connsiteY7"/>
+              </a:cxn>
+              <a:cxn ang="0">
+                <a:pos x="connsiteX8" y="connsiteY8"/>
+              </a:cxn>
+              <a:cxn ang="0">
+                <a:pos x="connsiteX9" y="connsiteY9"/>
+              </a:cxn>
+              <a:cxn ang="0">
+                <a:pos x="connsiteX10" y="connsiteY10"/>
+              </a:cxn>
+              <a:cxn ang="0">
+                <a:pos x="connsiteX11" y="connsiteY11"/>
+              </a:cxn>
+              <a:cxn ang="0">
+                <a:pos x="connsiteX12" y="connsiteY12"/>
+              </a:cxn>
+              <a:cxn ang="0">
+                <a:pos x="connsiteX13" y="connsiteY13"/>
+              </a:cxn>
+              <a:cxn ang="0">
+                <a:pos x="connsiteX14" y="connsiteY14"/>
+              </a:cxn>
+              <a:cxn ang="0">
+                <a:pos x="connsiteX15" y="connsiteY15"/>
+              </a:cxn>
+              <a:cxn ang="0">
+                <a:pos x="connsiteX16" y="connsiteY16"/>
+              </a:cxn>
+            </a:cxnLst>
+            <a:rect l="l" t="t" r="r" b="b"/>
+            <a:pathLst>
+              <a:path w="4243589" h="18288" fill="none" extrusionOk="0">
+                <a:moveTo>
+                  <a:pt x="0" y="0"/>
+                </a:moveTo>
+                <a:cubicBezTo>
+                  <a:pt x="213395" y="-21006"/>
+                  <a:pt x="307421" y="-18116"/>
+                  <a:pt x="478919" y="0"/>
+                </a:cubicBezTo>
+                <a:cubicBezTo>
+                  <a:pt x="650417" y="18116"/>
+                  <a:pt x="831092" y="-21237"/>
+                  <a:pt x="957839" y="0"/>
+                </a:cubicBezTo>
+                <a:cubicBezTo>
+                  <a:pt x="1084586" y="21237"/>
+                  <a:pt x="1301682" y="25124"/>
+                  <a:pt x="1521630" y="0"/>
+                </a:cubicBezTo>
+                <a:cubicBezTo>
+                  <a:pt x="1741578" y="-25124"/>
+                  <a:pt x="1970269" y="-29139"/>
+                  <a:pt x="2212729" y="0"/>
+                </a:cubicBezTo>
+                <a:cubicBezTo>
+                  <a:pt x="2455189" y="29139"/>
+                  <a:pt x="2558847" y="-4796"/>
+                  <a:pt x="2734084" y="0"/>
+                </a:cubicBezTo>
+                <a:cubicBezTo>
+                  <a:pt x="2909321" y="4796"/>
+                  <a:pt x="3097217" y="-13409"/>
+                  <a:pt x="3255439" y="0"/>
+                </a:cubicBezTo>
+                <a:cubicBezTo>
+                  <a:pt x="3413662" y="13409"/>
+                  <a:pt x="3979999" y="-10121"/>
+                  <a:pt x="4243589" y="0"/>
+                </a:cubicBezTo>
+                <a:cubicBezTo>
+                  <a:pt x="4244484" y="8974"/>
+                  <a:pt x="4243043" y="9359"/>
+                  <a:pt x="4243589" y="18288"/>
+                </a:cubicBezTo>
+                <a:cubicBezTo>
+                  <a:pt x="4058777" y="31246"/>
+                  <a:pt x="3910348" y="3158"/>
+                  <a:pt x="3594926" y="18288"/>
+                </a:cubicBezTo>
+                <a:cubicBezTo>
+                  <a:pt x="3279504" y="33418"/>
+                  <a:pt x="3319955" y="-3977"/>
+                  <a:pt x="3073571" y="18288"/>
+                </a:cubicBezTo>
+                <a:cubicBezTo>
+                  <a:pt x="2827187" y="40553"/>
+                  <a:pt x="2767387" y="1863"/>
+                  <a:pt x="2552216" y="18288"/>
+                </a:cubicBezTo>
+                <a:cubicBezTo>
+                  <a:pt x="2337046" y="34713"/>
+                  <a:pt x="2181871" y="19527"/>
+                  <a:pt x="1903553" y="18288"/>
+                </a:cubicBezTo>
+                <a:cubicBezTo>
+                  <a:pt x="1625235" y="17049"/>
+                  <a:pt x="1557672" y="24174"/>
+                  <a:pt x="1212454" y="18288"/>
+                </a:cubicBezTo>
+                <a:cubicBezTo>
+                  <a:pt x="867236" y="12402"/>
+                  <a:pt x="874382" y="15627"/>
+                  <a:pt x="733535" y="18288"/>
+                </a:cubicBezTo>
+                <a:cubicBezTo>
+                  <a:pt x="592688" y="20949"/>
+                  <a:pt x="183477" y="14753"/>
+                  <a:pt x="0" y="18288"/>
+                </a:cubicBezTo>
+                <a:cubicBezTo>
+                  <a:pt x="-229" y="14222"/>
+                  <a:pt x="509" y="5816"/>
+                  <a:pt x="0" y="0"/>
+                </a:cubicBezTo>
+                <a:close/>
+              </a:path>
+              <a:path w="4243589" h="18288" stroke="0" extrusionOk="0">
+                <a:moveTo>
+                  <a:pt x="0" y="0"/>
+                </a:moveTo>
+                <a:cubicBezTo>
+                  <a:pt x="143690" y="16630"/>
+                  <a:pt x="266667" y="14847"/>
+                  <a:pt x="521355" y="0"/>
+                </a:cubicBezTo>
+                <a:cubicBezTo>
+                  <a:pt x="776043" y="-14847"/>
+                  <a:pt x="814491" y="-17363"/>
+                  <a:pt x="1000275" y="0"/>
+                </a:cubicBezTo>
+                <a:cubicBezTo>
+                  <a:pt x="1186059" y="17363"/>
+                  <a:pt x="1352504" y="-23507"/>
+                  <a:pt x="1521630" y="0"/>
+                </a:cubicBezTo>
+                <a:cubicBezTo>
+                  <a:pt x="1690756" y="23507"/>
+                  <a:pt x="1889525" y="5871"/>
+                  <a:pt x="2127857" y="0"/>
+                </a:cubicBezTo>
+                <a:cubicBezTo>
+                  <a:pt x="2366189" y="-5871"/>
+                  <a:pt x="2620628" y="-27997"/>
+                  <a:pt x="2776520" y="0"/>
+                </a:cubicBezTo>
+                <a:cubicBezTo>
+                  <a:pt x="2932412" y="27997"/>
+                  <a:pt x="3131683" y="-25073"/>
+                  <a:pt x="3467618" y="0"/>
+                </a:cubicBezTo>
+                <a:cubicBezTo>
+                  <a:pt x="3803553" y="25073"/>
+                  <a:pt x="4017371" y="3071"/>
+                  <a:pt x="4243589" y="0"/>
+                </a:cubicBezTo>
+                <a:cubicBezTo>
+                  <a:pt x="4243134" y="6162"/>
+                  <a:pt x="4243492" y="11775"/>
+                  <a:pt x="4243589" y="18288"/>
+                </a:cubicBezTo>
+                <a:cubicBezTo>
+                  <a:pt x="4017834" y="-5779"/>
+                  <a:pt x="3834586" y="13376"/>
+                  <a:pt x="3594926" y="18288"/>
+                </a:cubicBezTo>
+                <a:cubicBezTo>
+                  <a:pt x="3355266" y="23200"/>
+                  <a:pt x="3204179" y="2869"/>
+                  <a:pt x="2903827" y="18288"/>
+                </a:cubicBezTo>
+                <a:cubicBezTo>
+                  <a:pt x="2603475" y="33707"/>
+                  <a:pt x="2526187" y="46187"/>
+                  <a:pt x="2212729" y="18288"/>
+                </a:cubicBezTo>
+                <a:cubicBezTo>
+                  <a:pt x="1899271" y="-9611"/>
+                  <a:pt x="1966289" y="29692"/>
+                  <a:pt x="1733809" y="18288"/>
+                </a:cubicBezTo>
+                <a:cubicBezTo>
+                  <a:pt x="1501329" y="6884"/>
+                  <a:pt x="1343612" y="12492"/>
+                  <a:pt x="1085146" y="18288"/>
+                </a:cubicBezTo>
+                <a:cubicBezTo>
+                  <a:pt x="826680" y="24084"/>
+                  <a:pt x="778184" y="35607"/>
+                  <a:pt x="521355" y="18288"/>
+                </a:cubicBezTo>
+                <a:cubicBezTo>
+                  <a:pt x="264526" y="969"/>
+                  <a:pt x="120277" y="4268"/>
+                  <a:pt x="0" y="18288"/>
+                </a:cubicBezTo>
+                <a:cubicBezTo>
+                  <a:pt x="766" y="10800"/>
+                  <a:pt x="-457" y="8180"/>
+                  <a:pt x="0" y="0"/>
+                </a:cubicBezTo>
+                <a:close/>
+              </a:path>
+            </a:pathLst>
+          </a:custGeom>
+          <a:solidFill>
+            <a:schemeClr val="accent2"/>
+          </a:solidFill>
+          <a:ln w="41275" cap="rnd">
+            <a:solidFill>
+              <a:schemeClr val="accent2"/>
+            </a:solidFill>
+            <a:round/>
+            <a:extLst>
+              <a:ext uri="{C807C97D-BFC1-408E-A445-0C87EB9F89A2}">
+                <ask:lineSketchStyleProps xmlns:ask="http://schemas.microsoft.com/office/drawing/2018/sketchyshapes" sd="2727557108">
+                  <a:prstGeom prst="rect">
+                    <a:avLst/>
+                  </a:prstGeom>
+                  <ask:type>
+                    <ask:lineSketchFreehand/>
+                  </ask:type>
+                </ask:lineSketchStyleProps>
+              </a:ext>
+            </a:extLst>
+          </a:ln>
+        </p:spPr>
+        <p:style>
+          <a:lnRef idx="2">
+            <a:schemeClr val="accent1">
+              <a:shade val="50000"/>
+            </a:schemeClr>
+          </a:lnRef>
+          <a:fillRef idx="1">
+            <a:schemeClr val="accent1"/>
+          </a:fillRef>
+          <a:effectRef idx="0">
+            <a:schemeClr val="accent1"/>
+          </a:effectRef>
+          <a:fontRef idx="minor">
+            <a:schemeClr val="lt1"/>
+          </a:fontRef>
+        </p:style>
+        <p:txBody>
+          <a:bodyPr rtlCol="0" anchor="ctr"/>
+          <a:lstStyle/>
+          <a:p>
+            <a:pPr algn="ctr"/>
+            <a:endParaRPr lang="en-US"/>
+          </a:p>
+        </p:txBody>
+      </p:sp>
+      <p:sp>
+        <p:nvSpPr>
+          <p:cNvPr id="6" name="TextBox 5">
+            <a:extLst>
+              <a:ext uri="{FF2B5EF4-FFF2-40B4-BE49-F238E27FC236}">
+                <a16:creationId xmlns:a16="http://schemas.microsoft.com/office/drawing/2014/main" id="{7E9094E3-54D3-43D0-833A-501068F2A71A}"/>
+              </a:ext>
+            </a:extLst>
+          </p:cNvPr>
+          <p:cNvSpPr txBox="1"/>
+          <p:nvPr/>
+        </p:nvSpPr>
+        <p:spPr>
+          <a:xfrm>
+            <a:off x="640080" y="2706624"/>
+            <a:ext cx="6894576" cy="3483864"/>
+          </a:xfrm>
+          <a:prstGeom prst="rect">
+            <a:avLst/>
+          </a:prstGeom>
+        </p:spPr>
+        <p:txBody>
+          <a:bodyPr rot="0" spcFirstLastPara="0" vertOverflow="overflow" horzOverflow="overflow" vert="horz" lIns="91440" tIns="45720" rIns="91440" bIns="45720" numCol="1" spcCol="0" rtlCol="0" fromWordArt="0" anchor="t" anchorCtr="0" forceAA="0" compatLnSpc="1">
+            <a:prstTxWarp prst="textNoShape">
+              <a:avLst/>
+            </a:prstTxWarp>
+            <a:normAutofit/>
+          </a:bodyPr>
+          <a:lstStyle/>
+          <a:p>
+            <a:pPr indent="-228600">
+              <a:lnSpc>
+                <a:spcPct val="90000"/>
+              </a:lnSpc>
+              <a:spcAft>
+                <a:spcPts val="600"/>
+              </a:spcAft>
+              <a:buFont typeface="Arial" panose="020B0604020202020204" pitchFamily="34" charset="0"/>
+              <a:buChar char="•"/>
+            </a:pPr>
+            <a:r>
+              <a:rPr lang="en-US" sz="2200"/>
+              <a:t>This is the final version of my start gui and I have begun developing my game class which you can see with the buttons. I will now make it so the game GUI is a lot more improved along with it getting the question and making it so you can choose your answers.</a:t>
+            </a:r>
           </a:p>
         </p:txBody>
       </p:sp>
@@ -4161,9 +4871,12 @@
         </p:blipFill>
         <p:spPr>
           <a:xfrm>
-            <a:off x="839932" y="1420451"/>
-            <a:ext cx="3238500" cy="4295775"/>
+            <a:off x="8578055" y="329183"/>
+            <a:ext cx="2585785" cy="3429969"/>
           </a:xfrm>
+          <a:prstGeom prst="rect">
+            <a:avLst/>
+          </a:prstGeom>
         </p:spPr>
       </p:pic>
       <p:pic>
@@ -4188,59 +4901,14 @@
         </p:blipFill>
         <p:spPr>
           <a:xfrm>
-            <a:off x="4083205" y="1712098"/>
-            <a:ext cx="2743200" cy="2876242"/>
+            <a:off x="8824000" y="4079193"/>
+            <a:ext cx="2075607" cy="2176272"/>
           </a:xfrm>
           <a:prstGeom prst="rect">
             <a:avLst/>
           </a:prstGeom>
         </p:spPr>
       </p:pic>
-      <p:sp>
-        <p:nvSpPr>
-          <p:cNvPr id="6" name="TextBox 5">
-            <a:extLst>
-              <a:ext uri="{FF2B5EF4-FFF2-40B4-BE49-F238E27FC236}">
-                <a16:creationId xmlns:a16="http://schemas.microsoft.com/office/drawing/2014/main" id="{7E9094E3-54D3-43D0-833A-501068F2A71A}"/>
-              </a:ext>
-            </a:extLst>
-          </p:cNvPr>
-          <p:cNvSpPr txBox="1"/>
-          <p:nvPr/>
-        </p:nvSpPr>
-        <p:spPr>
-          <a:xfrm>
-            <a:off x="7512205" y="1694985"/>
-            <a:ext cx="2743200" cy="2862322"/>
-          </a:xfrm>
-          <a:prstGeom prst="rect">
-            <a:avLst/>
-          </a:prstGeom>
-          <a:noFill/>
-        </p:spPr>
-        <p:txBody>
-          <a:bodyPr rot="0" spcFirstLastPara="0" vertOverflow="overflow" horzOverflow="overflow" vert="horz" wrap="square" lIns="91440" tIns="45720" rIns="91440" bIns="45720" numCol="1" spcCol="0" rtlCol="0" fromWordArt="0" anchor="t" anchorCtr="0" forceAA="0" compatLnSpc="1">
-            <a:prstTxWarp prst="textNoShape">
-              <a:avLst/>
-            </a:prstTxWarp>
-            <a:spAutoFit/>
-          </a:bodyPr>
-          <a:lstStyle/>
-          <a:p>
-            <a:r>
-              <a:rPr lang="en-US" dirty="0"/>
-              <a:t>This is the final version of my start gui and I have begun developing my game class which you can see </a:t>
-            </a:r>
-            <a:r>
-              <a:rPr lang="en-US"/>
-              <a:t>with the buttons. I will now make it so the game gui is a lot more improved along with it getting the question and maing it so you can choose your answers.</a:t>
-            </a:r>
-            <a:endParaRPr lang="en-US" dirty="0">
-              <a:cs typeface="Calibri"/>
-            </a:endParaRPr>
-          </a:p>
-        </p:txBody>
-      </p:sp>
     </p:spTree>
     <p:extLst>
       <p:ext uri="{BB962C8B-B14F-4D97-AF65-F5344CB8AC3E}">
@@ -4257,6 +4925,14 @@
 <file path=ppt/slides/slide11.xml><?xml version="1.0" encoding="utf-8"?>
 <p:sld xmlns:a="http://schemas.openxmlformats.org/drawingml/2006/main" xmlns:r="http://schemas.openxmlformats.org/officeDocument/2006/relationships" xmlns:p="http://schemas.openxmlformats.org/presentationml/2006/main">
   <p:cSld>
+    <p:bg>
+      <p:bgPr>
+        <a:solidFill>
+          <a:schemeClr val="bg1"/>
+        </a:solidFill>
+        <a:effectLst/>
+      </p:bgPr>
+    </p:bg>
     <p:spTree>
       <p:nvGrpSpPr>
         <p:cNvPr id="1" name=""/>
@@ -4271,12 +4947,72 @@
           <a:chExt cx="0" cy="0"/>
         </a:xfrm>
       </p:grpSpPr>
+      <p:sp useBgFill="1">
+        <p:nvSpPr>
+          <p:cNvPr id="10" name="Rectangle 9">
+            <a:extLst>
+              <a:ext uri="{FF2B5EF4-FFF2-40B4-BE49-F238E27FC236}">
+                <a16:creationId xmlns:a16="http://schemas.microsoft.com/office/drawing/2014/main" id="{2B97F24A-32CE-4C1C-A50D-3016B394DCFB}"/>
+              </a:ext>
+              <a:ext uri="{C183D7F6-B498-43B3-948B-1728B52AA6E4}">
+                <adec:decorative xmlns:adec="http://schemas.microsoft.com/office/drawing/2017/decorative" val="1"/>
+              </a:ext>
+            </a:extLst>
+          </p:cNvPr>
+          <p:cNvSpPr>
+            <a:spLocks noGrp="1" noRot="1" noChangeAspect="1" noMove="1" noResize="1" noEditPoints="1" noAdjustHandles="1" noChangeArrowheads="1" noChangeShapeType="1" noTextEdit="1"/>
+          </p:cNvSpPr>
+          <p:nvPr>
+            <p:extLst>
+              <p:ext uri="{386F3935-93C4-4BCD-93E2-E3B085C9AB24}">
+                <p16:designElem xmlns:p16="http://schemas.microsoft.com/office/powerpoint/2015/main" val="1"/>
+              </p:ext>
+            </p:extLst>
+          </p:nvPr>
+        </p:nvSpPr>
+        <p:spPr>
+          <a:xfrm>
+            <a:off x="0" y="0"/>
+            <a:ext cx="12192000" cy="6858000"/>
+          </a:xfrm>
+          <a:prstGeom prst="rect">
+            <a:avLst/>
+          </a:prstGeom>
+          <a:ln>
+            <a:noFill/>
+          </a:ln>
+        </p:spPr>
+        <p:style>
+          <a:lnRef idx="2">
+            <a:schemeClr val="accent1">
+              <a:shade val="50000"/>
+            </a:schemeClr>
+          </a:lnRef>
+          <a:fillRef idx="1">
+            <a:schemeClr val="accent1"/>
+          </a:fillRef>
+          <a:effectRef idx="0">
+            <a:schemeClr val="accent1"/>
+          </a:effectRef>
+          <a:fontRef idx="minor">
+            <a:schemeClr val="lt1"/>
+          </a:fontRef>
+        </p:style>
+        <p:txBody>
+          <a:bodyPr rtlCol="0" anchor="ctr"/>
+          <a:lstStyle/>
+          <a:p>
+            <a:pPr algn="ctr"/>
+            <a:endParaRPr lang="en-US"/>
+          </a:p>
+        </p:txBody>
+      </p:sp>
       <p:sp>
         <p:nvSpPr>
           <p:cNvPr id="2" name="Title 1">
             <a:extLst>
               <a:ext uri="{FF2B5EF4-FFF2-40B4-BE49-F238E27FC236}">
-                <a16:creationId xmlns:a16="http://schemas.microsoft.com/office/drawing/2014/main" id="{B44827F1-0ACB-45EB-8481-23D426022B3B}"/>
+                <a16:creationId xmlns:a16="http://schemas.microsoft.com/office/drawing/2014/main" id="{9BC228BC-D5D5-4533-A3DA-8647BEA2F76B}"/>
               </a:ext>
             </a:extLst>
           </p:cNvPr>
@@ -4287,27 +5023,358 @@
             <p:ph type="title"/>
           </p:nvPr>
         </p:nvSpPr>
-        <p:spPr/>
-        <p:txBody>
-          <a:bodyPr/>
+        <p:spPr>
+          <a:xfrm>
+            <a:off x="630936" y="639520"/>
+            <a:ext cx="3429000" cy="1719072"/>
+          </a:xfrm>
+        </p:spPr>
+        <p:txBody>
+          <a:bodyPr vert="horz" lIns="91440" tIns="45720" rIns="91440" bIns="45720" rtlCol="0" anchor="b">
+            <a:normAutofit/>
+          </a:bodyPr>
           <a:lstStyle/>
           <a:p>
             <a:r>
-              <a:rPr lang="en-US" dirty="0">
-                <a:cs typeface="Calibri Light"/>
+              <a:rPr lang="en-US" sz="5400" kern="1200">
+                <a:solidFill>
+                  <a:schemeClr val="tx1"/>
+                </a:solidFill>
+                <a:latin typeface="+mj-lt"/>
+                <a:ea typeface="+mj-ea"/>
+                <a:cs typeface="+mj-cs"/>
               </a:rPr>
-              <a:t>Game Class V_1</a:t>
-            </a:r>
-            <a:endParaRPr lang="en-US" dirty="0"/>
+              <a:t>Game Class V1</a:t>
+            </a:r>
+          </a:p>
+        </p:txBody>
+      </p:sp>
+      <p:sp>
+        <p:nvSpPr>
+          <p:cNvPr id="12" name="sketch line">
+            <a:extLst>
+              <a:ext uri="{FF2B5EF4-FFF2-40B4-BE49-F238E27FC236}">
+                <a16:creationId xmlns:a16="http://schemas.microsoft.com/office/drawing/2014/main" id="{CD8B4F24-440B-49E9-B85D-733523DC064B}"/>
+              </a:ext>
+              <a:ext uri="{C183D7F6-B498-43B3-948B-1728B52AA6E4}">
+                <adec:decorative xmlns:adec="http://schemas.microsoft.com/office/drawing/2017/decorative" val="1"/>
+              </a:ext>
+            </a:extLst>
+          </p:cNvPr>
+          <p:cNvSpPr>
+            <a:spLocks noGrp="1" noRot="1" noChangeAspect="1" noMove="1" noResize="1" noEditPoints="1" noAdjustHandles="1" noChangeArrowheads="1" noChangeShapeType="1" noTextEdit="1"/>
+          </p:cNvSpPr>
+          <p:nvPr>
+            <p:extLst>
+              <p:ext uri="{386F3935-93C4-4BCD-93E2-E3B085C9AB24}">
+                <p16:designElem xmlns:p16="http://schemas.microsoft.com/office/powerpoint/2015/main" val="1"/>
+              </p:ext>
+            </p:extLst>
+          </p:nvPr>
+        </p:nvSpPr>
+        <p:spPr>
+          <a:xfrm>
+            <a:off x="643278" y="2573756"/>
+            <a:ext cx="3255095" cy="18288"/>
+          </a:xfrm>
+          <a:custGeom>
+            <a:avLst/>
+            <a:gdLst>
+              <a:gd name="connsiteX0" fmla="*/ 0 w 3255095"/>
+              <a:gd name="connsiteY0" fmla="*/ 0 h 18288"/>
+              <a:gd name="connsiteX1" fmla="*/ 618468 w 3255095"/>
+              <a:gd name="connsiteY1" fmla="*/ 0 h 18288"/>
+              <a:gd name="connsiteX2" fmla="*/ 1269487 w 3255095"/>
+              <a:gd name="connsiteY2" fmla="*/ 0 h 18288"/>
+              <a:gd name="connsiteX3" fmla="*/ 1953057 w 3255095"/>
+              <a:gd name="connsiteY3" fmla="*/ 0 h 18288"/>
+              <a:gd name="connsiteX4" fmla="*/ 2636627 w 3255095"/>
+              <a:gd name="connsiteY4" fmla="*/ 0 h 18288"/>
+              <a:gd name="connsiteX5" fmla="*/ 3255095 w 3255095"/>
+              <a:gd name="connsiteY5" fmla="*/ 0 h 18288"/>
+              <a:gd name="connsiteX6" fmla="*/ 3255095 w 3255095"/>
+              <a:gd name="connsiteY6" fmla="*/ 18288 h 18288"/>
+              <a:gd name="connsiteX7" fmla="*/ 2538974 w 3255095"/>
+              <a:gd name="connsiteY7" fmla="*/ 18288 h 18288"/>
+              <a:gd name="connsiteX8" fmla="*/ 1822853 w 3255095"/>
+              <a:gd name="connsiteY8" fmla="*/ 18288 h 18288"/>
+              <a:gd name="connsiteX9" fmla="*/ 1171834 w 3255095"/>
+              <a:gd name="connsiteY9" fmla="*/ 18288 h 18288"/>
+              <a:gd name="connsiteX10" fmla="*/ 0 w 3255095"/>
+              <a:gd name="connsiteY10" fmla="*/ 18288 h 18288"/>
+              <a:gd name="connsiteX11" fmla="*/ 0 w 3255095"/>
+              <a:gd name="connsiteY11" fmla="*/ 0 h 18288"/>
+            </a:gdLst>
+            <a:ahLst/>
+            <a:cxnLst>
+              <a:cxn ang="0">
+                <a:pos x="connsiteX0" y="connsiteY0"/>
+              </a:cxn>
+              <a:cxn ang="0">
+                <a:pos x="connsiteX1" y="connsiteY1"/>
+              </a:cxn>
+              <a:cxn ang="0">
+                <a:pos x="connsiteX2" y="connsiteY2"/>
+              </a:cxn>
+              <a:cxn ang="0">
+                <a:pos x="connsiteX3" y="connsiteY3"/>
+              </a:cxn>
+              <a:cxn ang="0">
+                <a:pos x="connsiteX4" y="connsiteY4"/>
+              </a:cxn>
+              <a:cxn ang="0">
+                <a:pos x="connsiteX5" y="connsiteY5"/>
+              </a:cxn>
+              <a:cxn ang="0">
+                <a:pos x="connsiteX6" y="connsiteY6"/>
+              </a:cxn>
+              <a:cxn ang="0">
+                <a:pos x="connsiteX7" y="connsiteY7"/>
+              </a:cxn>
+              <a:cxn ang="0">
+                <a:pos x="connsiteX8" y="connsiteY8"/>
+              </a:cxn>
+              <a:cxn ang="0">
+                <a:pos x="connsiteX9" y="connsiteY9"/>
+              </a:cxn>
+              <a:cxn ang="0">
+                <a:pos x="connsiteX10" y="connsiteY10"/>
+              </a:cxn>
+              <a:cxn ang="0">
+                <a:pos x="connsiteX11" y="connsiteY11"/>
+              </a:cxn>
+            </a:cxnLst>
+            <a:rect l="l" t="t" r="r" b="b"/>
+            <a:pathLst>
+              <a:path w="3255095" h="18288" fill="none" extrusionOk="0">
+                <a:moveTo>
+                  <a:pt x="0" y="0"/>
+                </a:moveTo>
+                <a:cubicBezTo>
+                  <a:pt x="240201" y="-22123"/>
+                  <a:pt x="462021" y="-19623"/>
+                  <a:pt x="618468" y="0"/>
+                </a:cubicBezTo>
+                <a:cubicBezTo>
+                  <a:pt x="774915" y="19623"/>
+                  <a:pt x="974734" y="2035"/>
+                  <a:pt x="1269487" y="0"/>
+                </a:cubicBezTo>
+                <a:cubicBezTo>
+                  <a:pt x="1564240" y="-2035"/>
+                  <a:pt x="1733579" y="10639"/>
+                  <a:pt x="1953057" y="0"/>
+                </a:cubicBezTo>
+                <a:cubicBezTo>
+                  <a:pt x="2172535" y="-10639"/>
+                  <a:pt x="2453962" y="14018"/>
+                  <a:pt x="2636627" y="0"/>
+                </a:cubicBezTo>
+                <a:cubicBezTo>
+                  <a:pt x="2819292" y="-14018"/>
+                  <a:pt x="3121375" y="5399"/>
+                  <a:pt x="3255095" y="0"/>
+                </a:cubicBezTo>
+                <a:cubicBezTo>
+                  <a:pt x="3254386" y="8157"/>
+                  <a:pt x="3254682" y="12125"/>
+                  <a:pt x="3255095" y="18288"/>
+                </a:cubicBezTo>
+                <a:cubicBezTo>
+                  <a:pt x="3088545" y="23203"/>
+                  <a:pt x="2687475" y="7419"/>
+                  <a:pt x="2538974" y="18288"/>
+                </a:cubicBezTo>
+                <a:cubicBezTo>
+                  <a:pt x="2390473" y="29157"/>
+                  <a:pt x="2137381" y="-8959"/>
+                  <a:pt x="1822853" y="18288"/>
+                </a:cubicBezTo>
+                <a:cubicBezTo>
+                  <a:pt x="1508325" y="45535"/>
+                  <a:pt x="1466437" y="20385"/>
+                  <a:pt x="1171834" y="18288"/>
+                </a:cubicBezTo>
+                <a:cubicBezTo>
+                  <a:pt x="877231" y="16191"/>
+                  <a:pt x="561097" y="37643"/>
+                  <a:pt x="0" y="18288"/>
+                </a:cubicBezTo>
+                <a:cubicBezTo>
+                  <a:pt x="-46" y="12483"/>
+                  <a:pt x="-203" y="6491"/>
+                  <a:pt x="0" y="0"/>
+                </a:cubicBezTo>
+                <a:close/>
+              </a:path>
+              <a:path w="3255095" h="18288" stroke="0" extrusionOk="0">
+                <a:moveTo>
+                  <a:pt x="0" y="0"/>
+                </a:moveTo>
+                <a:cubicBezTo>
+                  <a:pt x="291965" y="19429"/>
+                  <a:pt x="363155" y="8568"/>
+                  <a:pt x="618468" y="0"/>
+                </a:cubicBezTo>
+                <a:cubicBezTo>
+                  <a:pt x="873781" y="-8568"/>
+                  <a:pt x="904459" y="-19505"/>
+                  <a:pt x="1171834" y="0"/>
+                </a:cubicBezTo>
+                <a:cubicBezTo>
+                  <a:pt x="1439209" y="19505"/>
+                  <a:pt x="1744369" y="9790"/>
+                  <a:pt x="1887955" y="0"/>
+                </a:cubicBezTo>
+                <a:cubicBezTo>
+                  <a:pt x="2031541" y="-9790"/>
+                  <a:pt x="2346378" y="21240"/>
+                  <a:pt x="2506423" y="0"/>
+                </a:cubicBezTo>
+                <a:cubicBezTo>
+                  <a:pt x="2666468" y="-21240"/>
+                  <a:pt x="2990257" y="30414"/>
+                  <a:pt x="3255095" y="0"/>
+                </a:cubicBezTo>
+                <a:cubicBezTo>
+                  <a:pt x="3254831" y="4493"/>
+                  <a:pt x="3255479" y="9472"/>
+                  <a:pt x="3255095" y="18288"/>
+                </a:cubicBezTo>
+                <a:cubicBezTo>
+                  <a:pt x="3120743" y="16690"/>
+                  <a:pt x="2759628" y="42462"/>
+                  <a:pt x="2604076" y="18288"/>
+                </a:cubicBezTo>
+                <a:cubicBezTo>
+                  <a:pt x="2448524" y="-5886"/>
+                  <a:pt x="2184336" y="19599"/>
+                  <a:pt x="1887955" y="18288"/>
+                </a:cubicBezTo>
+                <a:cubicBezTo>
+                  <a:pt x="1591574" y="16977"/>
+                  <a:pt x="1548845" y="6870"/>
+                  <a:pt x="1334589" y="18288"/>
+                </a:cubicBezTo>
+                <a:cubicBezTo>
+                  <a:pt x="1120333" y="29706"/>
+                  <a:pt x="996014" y="9662"/>
+                  <a:pt x="683570" y="18288"/>
+                </a:cubicBezTo>
+                <a:cubicBezTo>
+                  <a:pt x="371126" y="26914"/>
+                  <a:pt x="198687" y="16167"/>
+                  <a:pt x="0" y="18288"/>
+                </a:cubicBezTo>
+                <a:cubicBezTo>
+                  <a:pt x="843" y="9577"/>
+                  <a:pt x="371" y="6900"/>
+                  <a:pt x="0" y="0"/>
+                </a:cubicBezTo>
+                <a:close/>
+              </a:path>
+            </a:pathLst>
+          </a:custGeom>
+          <a:solidFill>
+            <a:schemeClr val="accent2"/>
+          </a:solidFill>
+          <a:ln w="38100" cap="rnd">
+            <a:solidFill>
+              <a:schemeClr val="accent2"/>
+            </a:solidFill>
+            <a:round/>
+            <a:extLst>
+              <a:ext uri="{C807C97D-BFC1-408E-A445-0C87EB9F89A2}">
+                <ask:lineSketchStyleProps xmlns:ask="http://schemas.microsoft.com/office/drawing/2018/sketchyshapes" sd="1219033472">
+                  <a:prstGeom prst="rect">
+                    <a:avLst/>
+                  </a:prstGeom>
+                  <ask:type>
+                    <ask:lineSketchFreehand/>
+                  </ask:type>
+                </ask:lineSketchStyleProps>
+              </a:ext>
+            </a:extLst>
+          </a:ln>
+        </p:spPr>
+        <p:style>
+          <a:lnRef idx="2">
+            <a:schemeClr val="accent1">
+              <a:shade val="50000"/>
+            </a:schemeClr>
+          </a:lnRef>
+          <a:fillRef idx="1">
+            <a:schemeClr val="accent1"/>
+          </a:fillRef>
+          <a:effectRef idx="0">
+            <a:schemeClr val="accent1"/>
+          </a:effectRef>
+          <a:fontRef idx="minor">
+            <a:schemeClr val="lt1"/>
+          </a:fontRef>
+        </p:style>
+        <p:txBody>
+          <a:bodyPr rtlCol="0" anchor="ctr"/>
+          <a:lstStyle/>
+          <a:p>
+            <a:pPr algn="ctr"/>
+            <a:endParaRPr lang="en-US"/>
+          </a:p>
+        </p:txBody>
+      </p:sp>
+      <p:sp>
+        <p:nvSpPr>
+          <p:cNvPr id="5" name="TextBox 4">
+            <a:extLst>
+              <a:ext uri="{FF2B5EF4-FFF2-40B4-BE49-F238E27FC236}">
+                <a16:creationId xmlns:a16="http://schemas.microsoft.com/office/drawing/2014/main" id="{F48F0990-95DB-44BF-A4B9-E6208FB9263C}"/>
+              </a:ext>
+            </a:extLst>
+          </p:cNvPr>
+          <p:cNvSpPr txBox="1"/>
+          <p:nvPr/>
+        </p:nvSpPr>
+        <p:spPr>
+          <a:xfrm>
+            <a:off x="630936" y="2807208"/>
+            <a:ext cx="3429000" cy="3410712"/>
+          </a:xfrm>
+          <a:prstGeom prst="rect">
+            <a:avLst/>
+          </a:prstGeom>
+        </p:spPr>
+        <p:txBody>
+          <a:bodyPr rot="0" spcFirstLastPara="0" vertOverflow="overflow" horzOverflow="overflow" vert="horz" lIns="91440" tIns="45720" rIns="91440" bIns="45720" numCol="1" spcCol="0" rtlCol="0" fromWordArt="0" anchor="t" anchorCtr="0" forceAA="0" compatLnSpc="1">
+            <a:prstTxWarp prst="textNoShape">
+              <a:avLst/>
+            </a:prstTxWarp>
+            <a:normAutofit/>
+          </a:bodyPr>
+          <a:lstStyle/>
+          <a:p>
+            <a:pPr indent="-228600">
+              <a:lnSpc>
+                <a:spcPct val="90000"/>
+              </a:lnSpc>
+              <a:spcAft>
+                <a:spcPts val="600"/>
+              </a:spcAft>
+              <a:buFont typeface="Arial" panose="020B0604020202020204" pitchFamily="34" charset="0"/>
+              <a:buChar char="•"/>
+            </a:pPr>
+            <a:r>
+              <a:rPr lang="en-US" sz="2200"/>
+              <a:t>This is my first iteration of my game class. I now need to make it grab the Questions And answers from the list that I created so that you can actually play the quiz.</a:t>
+            </a:r>
           </a:p>
         </p:txBody>
       </p:sp>
       <p:pic>
         <p:nvPicPr>
-          <p:cNvPr id="4" name="Picture 4" descr="Graphical user interface, text, application, chat or text message&#10;&#10;Description automatically generated">
+          <p:cNvPr id="4" name="Picture 4" descr="Graphical user interface, application&#10;&#10;Description automatically generated">
             <a:extLst>
               <a:ext uri="{FF2B5EF4-FFF2-40B4-BE49-F238E27FC236}">
-                <a16:creationId xmlns:a16="http://schemas.microsoft.com/office/drawing/2014/main" id="{B76247F6-E9E4-430F-AC50-9019A895D23C}"/>
+                <a16:creationId xmlns:a16="http://schemas.microsoft.com/office/drawing/2014/main" id="{8C8059C0-D46C-4EE3-8A5A-E4AB3BAE9F38}"/>
               </a:ext>
             </a:extLst>
           </p:cNvPr>
@@ -4326,17 +5393,110 @@
         </p:blipFill>
         <p:spPr>
           <a:xfrm>
-            <a:off x="807893" y="1620910"/>
-            <a:ext cx="2800350" cy="2076450"/>
+            <a:off x="4654296" y="672864"/>
+            <a:ext cx="6903720" cy="5512272"/>
+          </a:xfrm>
+          <a:prstGeom prst="rect">
+            <a:avLst/>
+          </a:prstGeom>
+        </p:spPr>
+      </p:pic>
+    </p:spTree>
+    <p:extLst>
+      <p:ext uri="{BB962C8B-B14F-4D97-AF65-F5344CB8AC3E}">
+        <p14:creationId xmlns:p14="http://schemas.microsoft.com/office/powerpoint/2010/main" val="2636441687"/>
+      </p:ext>
+    </p:extLst>
+  </p:cSld>
+  <p:clrMapOvr>
+    <a:masterClrMapping/>
+  </p:clrMapOvr>
+</p:sld>
+</file>
+
+<file path=ppt/slides/slide12.xml><?xml version="1.0" encoding="utf-8"?>
+<p:sld xmlns:a="http://schemas.openxmlformats.org/drawingml/2006/main" xmlns:r="http://schemas.openxmlformats.org/officeDocument/2006/relationships" xmlns:p="http://schemas.openxmlformats.org/presentationml/2006/main">
+  <p:cSld>
+    <p:spTree>
+      <p:nvGrpSpPr>
+        <p:cNvPr id="1" name=""/>
+        <p:cNvGrpSpPr/>
+        <p:nvPr/>
+      </p:nvGrpSpPr>
+      <p:grpSpPr>
+        <a:xfrm>
+          <a:off x="0" y="0"/>
+          <a:ext cx="0" cy="0"/>
+          <a:chOff x="0" y="0"/>
+          <a:chExt cx="0" cy="0"/>
+        </a:xfrm>
+      </p:grpSpPr>
+      <p:sp>
+        <p:nvSpPr>
+          <p:cNvPr id="2" name="Title 1">
+            <a:extLst>
+              <a:ext uri="{FF2B5EF4-FFF2-40B4-BE49-F238E27FC236}">
+                <a16:creationId xmlns:a16="http://schemas.microsoft.com/office/drawing/2014/main" id="{8791E409-6935-493D-8A4B-DDCE0E6E1583}"/>
+              </a:ext>
+            </a:extLst>
+          </p:cNvPr>
+          <p:cNvSpPr>
+            <a:spLocks noGrp="1"/>
+          </p:cNvSpPr>
+          <p:nvPr>
+            <p:ph type="title"/>
+          </p:nvPr>
+        </p:nvSpPr>
+        <p:spPr/>
+        <p:txBody>
+          <a:bodyPr/>
+          <a:lstStyle/>
+          <a:p>
+            <a:r>
+              <a:rPr lang="en-US">
+                <a:cs typeface="Calibri Light"/>
+              </a:rPr>
+              <a:t>Game_Class V2</a:t>
+            </a:r>
+            <a:endParaRPr lang="en-US"/>
+          </a:p>
+        </p:txBody>
+      </p:sp>
+      <p:pic>
+        <p:nvPicPr>
+          <p:cNvPr id="4" name="Picture 4" descr="Graphical user interface, application, table&#10;&#10;Description automatically generated">
+            <a:extLst>
+              <a:ext uri="{FF2B5EF4-FFF2-40B4-BE49-F238E27FC236}">
+                <a16:creationId xmlns:a16="http://schemas.microsoft.com/office/drawing/2014/main" id="{FE62F3AF-1CA3-49D3-8DB5-5446126C5F63}"/>
+              </a:ext>
+            </a:extLst>
+          </p:cNvPr>
+          <p:cNvPicPr>
+            <a:picLocks noGrp="1" noChangeAspect="1"/>
+          </p:cNvPicPr>
+          <p:nvPr>
+            <p:ph idx="1"/>
+          </p:nvPr>
+        </p:nvPicPr>
+        <p:blipFill>
+          <a:blip r:embed="rId2"/>
+          <a:stretch>
+            <a:fillRect/>
+          </a:stretch>
+        </p:blipFill>
+        <p:spPr>
+          <a:xfrm>
+            <a:off x="878032" y="1691481"/>
+            <a:ext cx="2209800" cy="1952625"/>
           </a:xfrm>
         </p:spPr>
       </p:pic>
       <p:sp>
         <p:nvSpPr>
-          <p:cNvPr id="5" name="TextBox 4">
+          <p:cNvPr id="12" name="TextBox 11">
             <a:extLst>
               <a:ext uri="{FF2B5EF4-FFF2-40B4-BE49-F238E27FC236}">
-                <a16:creationId xmlns:a16="http://schemas.microsoft.com/office/drawing/2014/main" id="{A1ECA617-BBD3-4FC1-B266-8D45DC4EF5DC}"/>
+                <a16:creationId xmlns:a16="http://schemas.microsoft.com/office/drawing/2014/main" id="{73C65C4E-D475-417F-BF9A-4B4476C9B196}"/>
               </a:ext>
             </a:extLst>
           </p:cNvPr>
@@ -4345,8 +5505,8 @@
         </p:nvSpPr>
         <p:spPr>
           <a:xfrm>
-            <a:off x="4724400" y="1620644"/>
-            <a:ext cx="4973443" cy="1477328"/>
+            <a:off x="5176257" y="1691501"/>
+            <a:ext cx="4638907" cy="2308324"/>
           </a:xfrm>
           <a:prstGeom prst="rect">
             <a:avLst/>
@@ -4366,13 +5526,19 @@
               <a:rPr lang="en-US" dirty="0">
                 <a:cs typeface="Calibri"/>
               </a:rPr>
-              <a:t>My questions and answer function is not working as I would like it to. It is showing the answers as a question and the questions as answers. In my next game class I will make it so that is working as I </a:t>
+              <a:t>I have made it so that it gathers the questions ans answers from my csv file but it is not yet doing I correctly as it is only giving me the answer and then the </a:t>
             </a:r>
             <a:r>
               <a:rPr lang="en-US">
                 <a:cs typeface="Calibri"/>
               </a:rPr>
-              <a:t>would like it to.</a:t>
+              <a:t>questions,</a:t>
+            </a:r>
+            <a:r>
+              <a:rPr lang="en-US" dirty="0">
+                <a:cs typeface="Calibri"/>
+              </a:rPr>
+              <a:t> but it is supposed to give me the question and then the answers. I need to make a checking function so that It can make sure they did the right/wrong answer and then configure the next button.</a:t>
             </a:r>
           </a:p>
         </p:txBody>
@@ -4380,7 +5546,7 @@
     </p:spTree>
     <p:extLst>
       <p:ext uri="{BB962C8B-B14F-4D97-AF65-F5344CB8AC3E}">
-        <p14:creationId xmlns:p14="http://schemas.microsoft.com/office/powerpoint/2010/main" val="1488023128"/>
+        <p14:creationId xmlns:p14="http://schemas.microsoft.com/office/powerpoint/2010/main" val="4269907770"/>
       </p:ext>
     </p:extLst>
   </p:cSld>

--- a/Programming Assesment.pptx
+++ b/Programming Assesment.pptx
@@ -17,6 +17,7 @@
     <p:sldId id="265" r:id="rId11"/>
     <p:sldId id="266" r:id="rId12"/>
     <p:sldId id="267" r:id="rId13"/>
+    <p:sldId id="268" r:id="rId14"/>
   </p:sldIdLst>
   <p:sldSz cx="12192000" cy="6858000"/>
   <p:notesSz cx="6858000" cy="9144000"/>
@@ -139,6 +140,7 @@
     <p1510:client id="{B97A3ED7-EE4A-5CC1-A41D-E85CFB4F2B38}" v="388" dt="2021-06-01T02:31:37.218"/>
     <p1510:client id="{C9F5174C-5619-5E50-BF05-0D84B8F86598}" v="516" dt="2021-06-10T00:06:46.122"/>
     <p1510:client id="{D3BA5852-7B66-A859-35DA-1A7F22D39787}" v="441" dt="2021-06-09T01:12:33.081"/>
+    <p1510:client id="{E59691CD-4E5D-C9E7-EFEF-F6E12282C375}" v="114" dt="2021-07-08T23:05:40.489"/>
     <p1510:client id="{EE33AF41-30E7-9FB3-CC2C-421B72023142}" v="357" dt="2021-06-16T01:15:10.236"/>
   </p1510:revLst>
 </p1510:revInfo>
@@ -253,6 +255,54 @@
             <pc:docMk/>
             <pc:sldMk cId="1564752394" sldId="261"/>
             <ac:picMk id="4" creationId="{95A9B02B-2840-47F5-851E-CE4DC41FA2E8}"/>
+          </ac:picMkLst>
+        </pc:picChg>
+      </pc:sldChg>
+    </pc:docChg>
+  </pc:docChgLst>
+  <pc:docChgLst>
+    <pc:chgData name="Jonny Morris" userId="S::morrisj70800@masseyhigh.school.nz::4fab9e21-29a7-4d03-b4c0-6c8a112c783d" providerId="AD" clId="Web-{E59691CD-4E5D-C9E7-EFEF-F6E12282C375}"/>
+    <pc:docChg chg="addSld modSld">
+      <pc:chgData name="Jonny Morris" userId="S::morrisj70800@masseyhigh.school.nz::4fab9e21-29a7-4d03-b4c0-6c8a112c783d" providerId="AD" clId="Web-{E59691CD-4E5D-C9E7-EFEF-F6E12282C375}" dt="2021-07-08T23:05:40.489" v="60" actId="20577"/>
+      <pc:docMkLst>
+        <pc:docMk/>
+      </pc:docMkLst>
+      <pc:sldChg chg="addSp delSp modSp new">
+        <pc:chgData name="Jonny Morris" userId="S::morrisj70800@masseyhigh.school.nz::4fab9e21-29a7-4d03-b4c0-6c8a112c783d" providerId="AD" clId="Web-{E59691CD-4E5D-C9E7-EFEF-F6E12282C375}" dt="2021-07-08T23:05:40.489" v="60" actId="20577"/>
+        <pc:sldMkLst>
+          <pc:docMk/>
+          <pc:sldMk cId="524702731" sldId="268"/>
+        </pc:sldMkLst>
+        <pc:spChg chg="mod">
+          <ac:chgData name="Jonny Morris" userId="S::morrisj70800@masseyhigh.school.nz::4fab9e21-29a7-4d03-b4c0-6c8a112c783d" providerId="AD" clId="Web-{E59691CD-4E5D-C9E7-EFEF-F6E12282C375}" dt="2021-07-08T23:04:39.706" v="11" actId="20577"/>
+          <ac:spMkLst>
+            <pc:docMk/>
+            <pc:sldMk cId="524702731" sldId="268"/>
+            <ac:spMk id="2" creationId="{483D429F-7BC2-4E20-BE9B-27C5D72AC8E3}"/>
+          </ac:spMkLst>
+        </pc:spChg>
+        <pc:spChg chg="del">
+          <ac:chgData name="Jonny Morris" userId="S::morrisj70800@masseyhigh.school.nz::4fab9e21-29a7-4d03-b4c0-6c8a112c783d" providerId="AD" clId="Web-{E59691CD-4E5D-C9E7-EFEF-F6E12282C375}" dt="2021-07-08T23:04:40.831" v="12"/>
+          <ac:spMkLst>
+            <pc:docMk/>
+            <pc:sldMk cId="524702731" sldId="268"/>
+            <ac:spMk id="3" creationId="{730A4B5E-2ABD-4C7F-88C2-833D2D29AC55}"/>
+          </ac:spMkLst>
+        </pc:spChg>
+        <pc:spChg chg="add mod">
+          <ac:chgData name="Jonny Morris" userId="S::morrisj70800@masseyhigh.school.nz::4fab9e21-29a7-4d03-b4c0-6c8a112c783d" providerId="AD" clId="Web-{E59691CD-4E5D-C9E7-EFEF-F6E12282C375}" dt="2021-07-08T23:05:40.489" v="60" actId="20577"/>
+          <ac:spMkLst>
+            <pc:docMk/>
+            <pc:sldMk cId="524702731" sldId="268"/>
+            <ac:spMk id="5" creationId="{821B5784-CB47-4620-A5BC-7688DC125044}"/>
+          </ac:spMkLst>
+        </pc:spChg>
+        <pc:picChg chg="add mod ord">
+          <ac:chgData name="Jonny Morris" userId="S::morrisj70800@masseyhigh.school.nz::4fab9e21-29a7-4d03-b4c0-6c8a112c783d" providerId="AD" clId="Web-{E59691CD-4E5D-C9E7-EFEF-F6E12282C375}" dt="2021-07-08T23:04:46.737" v="13" actId="1076"/>
+          <ac:picMkLst>
+            <pc:docMk/>
+            <pc:sldMk cId="524702731" sldId="268"/>
+            <ac:picMk id="4" creationId="{65B03B03-3C5E-43EB-85FE-3BF084D3BBFB}"/>
           </ac:picMkLst>
         </pc:picChg>
       </pc:sldChg>
@@ -1565,7 +1615,7 @@
           <a:p>
             <a:fld id="{846CE7D5-CF57-46EF-B807-FDD0502418D4}" type="datetimeFigureOut">
               <a:rPr lang="en-US" smtClean="0"/>
-              <a:t>7/7/2021</a:t>
+              <a:t>7/8/2021</a:t>
             </a:fld>
             <a:endParaRPr lang="en-US"/>
           </a:p>
@@ -1733,7 +1783,7 @@
           <a:p>
             <a:fld id="{846CE7D5-CF57-46EF-B807-FDD0502418D4}" type="datetimeFigureOut">
               <a:rPr lang="en-US" smtClean="0"/>
-              <a:t>7/7/2021</a:t>
+              <a:t>7/8/2021</a:t>
             </a:fld>
             <a:endParaRPr lang="en-US"/>
           </a:p>
@@ -1911,7 +1961,7 @@
           <a:p>
             <a:fld id="{846CE7D5-CF57-46EF-B807-FDD0502418D4}" type="datetimeFigureOut">
               <a:rPr lang="en-US" smtClean="0"/>
-              <a:t>7/7/2021</a:t>
+              <a:t>7/8/2021</a:t>
             </a:fld>
             <a:endParaRPr lang="en-US"/>
           </a:p>
@@ -2079,7 +2129,7 @@
           <a:p>
             <a:fld id="{846CE7D5-CF57-46EF-B807-FDD0502418D4}" type="datetimeFigureOut">
               <a:rPr lang="en-US" smtClean="0"/>
-              <a:t>7/7/2021</a:t>
+              <a:t>7/8/2021</a:t>
             </a:fld>
             <a:endParaRPr lang="en-US"/>
           </a:p>
@@ -2324,7 +2374,7 @@
           <a:p>
             <a:fld id="{846CE7D5-CF57-46EF-B807-FDD0502418D4}" type="datetimeFigureOut">
               <a:rPr lang="en-US" smtClean="0"/>
-              <a:t>7/7/2021</a:t>
+              <a:t>7/8/2021</a:t>
             </a:fld>
             <a:endParaRPr lang="en-US"/>
           </a:p>
@@ -2553,7 +2603,7 @@
           <a:p>
             <a:fld id="{846CE7D5-CF57-46EF-B807-FDD0502418D4}" type="datetimeFigureOut">
               <a:rPr lang="en-US" smtClean="0"/>
-              <a:t>7/7/2021</a:t>
+              <a:t>7/8/2021</a:t>
             </a:fld>
             <a:endParaRPr lang="en-US"/>
           </a:p>
@@ -2917,7 +2967,7 @@
           <a:p>
             <a:fld id="{846CE7D5-CF57-46EF-B807-FDD0502418D4}" type="datetimeFigureOut">
               <a:rPr lang="en-US" smtClean="0"/>
-              <a:t>7/7/2021</a:t>
+              <a:t>7/8/2021</a:t>
             </a:fld>
             <a:endParaRPr lang="en-US"/>
           </a:p>
@@ -3034,7 +3084,7 @@
           <a:p>
             <a:fld id="{846CE7D5-CF57-46EF-B807-FDD0502418D4}" type="datetimeFigureOut">
               <a:rPr lang="en-US" smtClean="0"/>
-              <a:t>7/7/2021</a:t>
+              <a:t>7/8/2021</a:t>
             </a:fld>
             <a:endParaRPr lang="en-US"/>
           </a:p>
@@ -3129,7 +3179,7 @@
           <a:p>
             <a:fld id="{846CE7D5-CF57-46EF-B807-FDD0502418D4}" type="datetimeFigureOut">
               <a:rPr lang="en-US" smtClean="0"/>
-              <a:t>7/7/2021</a:t>
+              <a:t>7/8/2021</a:t>
             </a:fld>
             <a:endParaRPr lang="en-US"/>
           </a:p>
@@ -3404,7 +3454,7 @@
           <a:p>
             <a:fld id="{846CE7D5-CF57-46EF-B807-FDD0502418D4}" type="datetimeFigureOut">
               <a:rPr lang="en-US" smtClean="0"/>
-              <a:t>7/7/2021</a:t>
+              <a:t>7/8/2021</a:t>
             </a:fld>
             <a:endParaRPr lang="en-US"/>
           </a:p>
@@ -3659,7 +3709,7 @@
           <a:p>
             <a:fld id="{846CE7D5-CF57-46EF-B807-FDD0502418D4}" type="datetimeFigureOut">
               <a:rPr lang="en-US" smtClean="0"/>
-              <a:t>7/7/2021</a:t>
+              <a:t>7/8/2021</a:t>
             </a:fld>
             <a:endParaRPr lang="en-US"/>
           </a:p>
@@ -3870,7 +3920,7 @@
           <a:p>
             <a:fld id="{846CE7D5-CF57-46EF-B807-FDD0502418D4}" type="datetimeFigureOut">
               <a:rPr lang="en-US" smtClean="0"/>
-              <a:t>7/7/2021</a:t>
+              <a:t>7/8/2021</a:t>
             </a:fld>
             <a:endParaRPr lang="en-US"/>
           </a:p>
@@ -5556,6 +5606,157 @@
 </p:sld>
 </file>
 
+<file path=ppt/slides/slide13.xml><?xml version="1.0" encoding="utf-8"?>
+<p:sld xmlns:a="http://schemas.openxmlformats.org/drawingml/2006/main" xmlns:r="http://schemas.openxmlformats.org/officeDocument/2006/relationships" xmlns:p="http://schemas.openxmlformats.org/presentationml/2006/main">
+  <p:cSld>
+    <p:spTree>
+      <p:nvGrpSpPr>
+        <p:cNvPr id="1" name=""/>
+        <p:cNvGrpSpPr/>
+        <p:nvPr/>
+      </p:nvGrpSpPr>
+      <p:grpSpPr>
+        <a:xfrm>
+          <a:off x="0" y="0"/>
+          <a:ext cx="0" cy="0"/>
+          <a:chOff x="0" y="0"/>
+          <a:chExt cx="0" cy="0"/>
+        </a:xfrm>
+      </p:grpSpPr>
+      <p:sp>
+        <p:nvSpPr>
+          <p:cNvPr id="2" name="Title 1">
+            <a:extLst>
+              <a:ext uri="{FF2B5EF4-FFF2-40B4-BE49-F238E27FC236}">
+                <a16:creationId xmlns:a16="http://schemas.microsoft.com/office/drawing/2014/main" id="{483D429F-7BC2-4E20-BE9B-27C5D72AC8E3}"/>
+              </a:ext>
+            </a:extLst>
+          </p:cNvPr>
+          <p:cNvSpPr>
+            <a:spLocks noGrp="1"/>
+          </p:cNvSpPr>
+          <p:nvPr>
+            <p:ph type="title"/>
+          </p:nvPr>
+        </p:nvSpPr>
+        <p:spPr/>
+        <p:txBody>
+          <a:bodyPr/>
+          <a:lstStyle/>
+          <a:p>
+            <a:r>
+              <a:rPr lang="en-US" dirty="0">
+                <a:cs typeface="Calibri Light"/>
+              </a:rPr>
+              <a:t>GAME CLASS GUI</a:t>
+            </a:r>
+            <a:endParaRPr lang="en-US" dirty="0"/>
+          </a:p>
+        </p:txBody>
+      </p:sp>
+      <p:pic>
+        <p:nvPicPr>
+          <p:cNvPr id="4" name="Picture 4" descr="Graphical user interface, text&#10;&#10;Description automatically generated">
+            <a:extLst>
+              <a:ext uri="{FF2B5EF4-FFF2-40B4-BE49-F238E27FC236}">
+                <a16:creationId xmlns:a16="http://schemas.microsoft.com/office/drawing/2014/main" id="{65B03B03-3C5E-43EB-85FE-3BF084D3BBFB}"/>
+              </a:ext>
+            </a:extLst>
+          </p:cNvPr>
+          <p:cNvPicPr>
+            <a:picLocks noGrp="1" noChangeAspect="1"/>
+          </p:cNvPicPr>
+          <p:nvPr>
+            <p:ph idx="1"/>
+          </p:nvPr>
+        </p:nvPicPr>
+        <p:blipFill>
+          <a:blip r:embed="rId2"/>
+          <a:stretch>
+            <a:fillRect/>
+          </a:stretch>
+        </p:blipFill>
+        <p:spPr>
+          <a:xfrm>
+            <a:off x="325582" y="1691481"/>
+            <a:ext cx="3314700" cy="2714625"/>
+          </a:xfrm>
+        </p:spPr>
+      </p:pic>
+      <p:sp>
+        <p:nvSpPr>
+          <p:cNvPr id="5" name="TextBox 4">
+            <a:extLst>
+              <a:ext uri="{FF2B5EF4-FFF2-40B4-BE49-F238E27FC236}">
+                <a16:creationId xmlns:a16="http://schemas.microsoft.com/office/drawing/2014/main" id="{821B5784-CB47-4620-A5BC-7688DC125044}"/>
+              </a:ext>
+            </a:extLst>
+          </p:cNvPr>
+          <p:cNvSpPr txBox="1"/>
+          <p:nvPr/>
+        </p:nvSpPr>
+        <p:spPr>
+          <a:xfrm>
+            <a:off x="5151863" y="1694985"/>
+            <a:ext cx="4787590" cy="923330"/>
+          </a:xfrm>
+          <a:prstGeom prst="rect">
+            <a:avLst/>
+          </a:prstGeom>
+          <a:noFill/>
+        </p:spPr>
+        <p:txBody>
+          <a:bodyPr rot="0" spcFirstLastPara="0" vertOverflow="overflow" horzOverflow="overflow" vert="horz" wrap="square" lIns="91440" tIns="45720" rIns="91440" bIns="45720" numCol="1" spcCol="0" rtlCol="0" fromWordArt="0" anchor="t" anchorCtr="0" forceAA="0" compatLnSpc="1">
+            <a:prstTxWarp prst="textNoShape">
+              <a:avLst/>
+            </a:prstTxWarp>
+            <a:spAutoFit/>
+          </a:bodyPr>
+          <a:lstStyle/>
+          <a:p>
+            <a:r>
+              <a:rPr lang="en-US" dirty="0">
+                <a:cs typeface="Calibri"/>
+              </a:rPr>
+              <a:t>I have changed my </a:t>
+            </a:r>
+            <a:r>
+              <a:rPr lang="en-US" dirty="0" err="1">
+                <a:cs typeface="Calibri"/>
+              </a:rPr>
+              <a:t>gui</a:t>
+            </a:r>
+            <a:r>
+              <a:rPr lang="en-US" dirty="0">
+                <a:cs typeface="Calibri"/>
+              </a:rPr>
+              <a:t> up a bit but I am yet to get my buttons configured so that it will show me </a:t>
+            </a:r>
+            <a:r>
+              <a:rPr lang="en-US">
+                <a:cs typeface="Calibri"/>
+              </a:rPr>
+              <a:t>the questions + answers when it needs to</a:t>
+            </a:r>
+            <a:endParaRPr lang="en-US" dirty="0">
+              <a:cs typeface="Calibri"/>
+            </a:endParaRPr>
+          </a:p>
+        </p:txBody>
+      </p:sp>
+    </p:spTree>
+    <p:extLst>
+      <p:ext uri="{BB962C8B-B14F-4D97-AF65-F5344CB8AC3E}">
+        <p14:creationId xmlns:p14="http://schemas.microsoft.com/office/powerpoint/2010/main" val="524702731"/>
+      </p:ext>
+    </p:extLst>
+  </p:cSld>
+  <p:clrMapOvr>
+    <a:masterClrMapping/>
+  </p:clrMapOvr>
+</p:sld>
+</file>
+
 <file path=ppt/slides/slide2.xml><?xml version="1.0" encoding="utf-8"?>
 <p:sld xmlns:a="http://schemas.openxmlformats.org/drawingml/2006/main" xmlns:r="http://schemas.openxmlformats.org/officeDocument/2006/relationships" xmlns:p="http://schemas.openxmlformats.org/presentationml/2006/main">
   <p:cSld>

--- a/Programming Assesment.pptx
+++ b/Programming Assesment.pptx
@@ -16,8 +16,8 @@
     <p:sldId id="264" r:id="rId10"/>
     <p:sldId id="265" r:id="rId11"/>
     <p:sldId id="266" r:id="rId12"/>
-    <p:sldId id="267" r:id="rId13"/>
-    <p:sldId id="268" r:id="rId14"/>
+    <p:sldId id="268" r:id="rId13"/>
+    <p:sldId id="269" r:id="rId14"/>
   </p:sldIdLst>
   <p:sldSz cx="12192000" cy="6858000"/>
   <p:notesSz cx="6858000" cy="9144000"/>
@@ -130,6 +130,7 @@
     <p1510:client id="{019C6E3F-A324-5B4C-50AB-15D7FB2CFC33}" v="4" dt="2021-06-15T02:11:27.852"/>
     <p1510:client id="{1423E2E6-2405-C16D-4FA3-C33C0ADCD3EA}" v="428" dt="2021-07-07T01:30:07.750"/>
     <p1510:client id="{204B783E-ECB2-56F8-CC10-5A491FD05934}" v="2" dt="2021-07-08T00:02:58.450"/>
+    <p1510:client id="{22F334B9-93C3-3EEA-12FF-70ACE1ACA99D}" v="329" dt="2021-07-25T21:30:59.471"/>
     <p1510:client id="{2E13400A-93CE-23A9-CF97-FEFD0D57F2B7}" v="207" dt="2021-06-17T22:44:31.234"/>
     <p1510:client id="{3312139C-ECA4-D6E5-6EA0-9FAF5992739F}" v="61" dt="2021-06-15T02:10:40.639"/>
     <p1510:client id="{33F175D3-4D32-71D5-6709-62DB828ADCB0}" v="83" dt="2021-06-03T22:45:46.848"/>
@@ -1478,6 +1479,124 @@
             <pc:docMk/>
             <pc:sldMk cId="2312846984" sldId="265"/>
             <ac:picMk id="5" creationId="{E0886A97-00CE-4C24-AC50-FDB95ED3BEB8}"/>
+          </ac:picMkLst>
+        </pc:picChg>
+      </pc:sldChg>
+    </pc:docChg>
+  </pc:docChgLst>
+  <pc:docChgLst>
+    <pc:chgData name="Jonny Morris" userId="S::morrisj70800@masseyhigh.school.nz::4fab9e21-29a7-4d03-b4c0-6c8a112c783d" providerId="AD" clId="Web-{22F334B9-93C3-3EEA-12FF-70ACE1ACA99D}"/>
+    <pc:docChg chg="addSld delSld modSld">
+      <pc:chgData name="Jonny Morris" userId="S::morrisj70800@masseyhigh.school.nz::4fab9e21-29a7-4d03-b4c0-6c8a112c783d" providerId="AD" clId="Web-{22F334B9-93C3-3EEA-12FF-70ACE1ACA99D}" dt="2021-07-25T21:30:59.206" v="171" actId="20577"/>
+      <pc:docMkLst>
+        <pc:docMk/>
+      </pc:docMkLst>
+      <pc:sldChg chg="del">
+        <pc:chgData name="Jonny Morris" userId="S::morrisj70800@masseyhigh.school.nz::4fab9e21-29a7-4d03-b4c0-6c8a112c783d" providerId="AD" clId="Web-{22F334B9-93C3-3EEA-12FF-70ACE1ACA99D}" dt="2021-07-25T21:30:50.487" v="169"/>
+        <pc:sldMkLst>
+          <pc:docMk/>
+          <pc:sldMk cId="4269907770" sldId="267"/>
+        </pc:sldMkLst>
+      </pc:sldChg>
+      <pc:sldChg chg="addSp modSp mod setBg">
+        <pc:chgData name="Jonny Morris" userId="S::morrisj70800@masseyhigh.school.nz::4fab9e21-29a7-4d03-b4c0-6c8a112c783d" providerId="AD" clId="Web-{22F334B9-93C3-3EEA-12FF-70ACE1ACA99D}" dt="2021-07-25T21:30:55.409" v="170" actId="20577"/>
+        <pc:sldMkLst>
+          <pc:docMk/>
+          <pc:sldMk cId="524702731" sldId="268"/>
+        </pc:sldMkLst>
+        <pc:spChg chg="mod">
+          <ac:chgData name="Jonny Morris" userId="S::morrisj70800@masseyhigh.school.nz::4fab9e21-29a7-4d03-b4c0-6c8a112c783d" providerId="AD" clId="Web-{22F334B9-93C3-3EEA-12FF-70ACE1ACA99D}" dt="2021-07-25T21:30:55.409" v="170" actId="20577"/>
+          <ac:spMkLst>
+            <pc:docMk/>
+            <pc:sldMk cId="524702731" sldId="268"/>
+            <ac:spMk id="2" creationId="{483D429F-7BC2-4E20-BE9B-27C5D72AC8E3}"/>
+          </ac:spMkLst>
+        </pc:spChg>
+        <pc:spChg chg="mod">
+          <ac:chgData name="Jonny Morris" userId="S::morrisj70800@masseyhigh.school.nz::4fab9e21-29a7-4d03-b4c0-6c8a112c783d" providerId="AD" clId="Web-{22F334B9-93C3-3EEA-12FF-70ACE1ACA99D}" dt="2021-07-25T21:30:19.548" v="165"/>
+          <ac:spMkLst>
+            <pc:docMk/>
+            <pc:sldMk cId="524702731" sldId="268"/>
+            <ac:spMk id="5" creationId="{821B5784-CB47-4620-A5BC-7688DC125044}"/>
+          </ac:spMkLst>
+        </pc:spChg>
+        <pc:spChg chg="add">
+          <ac:chgData name="Jonny Morris" userId="S::morrisj70800@masseyhigh.school.nz::4fab9e21-29a7-4d03-b4c0-6c8a112c783d" providerId="AD" clId="Web-{22F334B9-93C3-3EEA-12FF-70ACE1ACA99D}" dt="2021-07-25T21:30:19.548" v="165"/>
+          <ac:spMkLst>
+            <pc:docMk/>
+            <pc:sldMk cId="524702731" sldId="268"/>
+            <ac:spMk id="10" creationId="{FF9B822F-893E-44C8-963C-64F50ACECBB2}"/>
+          </ac:spMkLst>
+        </pc:spChg>
+        <pc:spChg chg="add">
+          <ac:chgData name="Jonny Morris" userId="S::morrisj70800@masseyhigh.school.nz::4fab9e21-29a7-4d03-b4c0-6c8a112c783d" providerId="AD" clId="Web-{22F334B9-93C3-3EEA-12FF-70ACE1ACA99D}" dt="2021-07-25T21:30:19.548" v="165"/>
+          <ac:spMkLst>
+            <pc:docMk/>
+            <pc:sldMk cId="524702731" sldId="268"/>
+            <ac:spMk id="12" creationId="{EBF87945-A001-489F-9D9B-7D9435F0B9CA}"/>
+          </ac:spMkLst>
+        </pc:spChg>
+        <pc:picChg chg="mod">
+          <ac:chgData name="Jonny Morris" userId="S::morrisj70800@masseyhigh.school.nz::4fab9e21-29a7-4d03-b4c0-6c8a112c783d" providerId="AD" clId="Web-{22F334B9-93C3-3EEA-12FF-70ACE1ACA99D}" dt="2021-07-25T21:30:19.548" v="165"/>
+          <ac:picMkLst>
+            <pc:docMk/>
+            <pc:sldMk cId="524702731" sldId="268"/>
+            <ac:picMk id="4" creationId="{65B03B03-3C5E-43EB-85FE-3BF084D3BBFB}"/>
+          </ac:picMkLst>
+        </pc:picChg>
+      </pc:sldChg>
+      <pc:sldChg chg="addSp delSp modSp new mod setBg">
+        <pc:chgData name="Jonny Morris" userId="S::morrisj70800@masseyhigh.school.nz::4fab9e21-29a7-4d03-b4c0-6c8a112c783d" providerId="AD" clId="Web-{22F334B9-93C3-3EEA-12FF-70ACE1ACA99D}" dt="2021-07-25T21:30:59.206" v="171" actId="20577"/>
+        <pc:sldMkLst>
+          <pc:docMk/>
+          <pc:sldMk cId="1938919656" sldId="269"/>
+        </pc:sldMkLst>
+        <pc:spChg chg="mod">
+          <ac:chgData name="Jonny Morris" userId="S::morrisj70800@masseyhigh.school.nz::4fab9e21-29a7-4d03-b4c0-6c8a112c783d" providerId="AD" clId="Web-{22F334B9-93C3-3EEA-12FF-70ACE1ACA99D}" dt="2021-07-25T21:30:59.206" v="171" actId="20577"/>
+          <ac:spMkLst>
+            <pc:docMk/>
+            <pc:sldMk cId="1938919656" sldId="269"/>
+            <ac:spMk id="2" creationId="{D2C39AE5-59AF-451C-804A-C1B3DE4C6E9C}"/>
+          </ac:spMkLst>
+        </pc:spChg>
+        <pc:spChg chg="del">
+          <ac:chgData name="Jonny Morris" userId="S::morrisj70800@masseyhigh.school.nz::4fab9e21-29a7-4d03-b4c0-6c8a112c783d" providerId="AD" clId="Web-{22F334B9-93C3-3EEA-12FF-70ACE1ACA99D}" dt="2021-07-25T21:28:03.545" v="44"/>
+          <ac:spMkLst>
+            <pc:docMk/>
+            <pc:sldMk cId="1938919656" sldId="269"/>
+            <ac:spMk id="3" creationId="{D6B1A0A4-C738-4986-A6A1-8779C7F81848}"/>
+          </ac:spMkLst>
+        </pc:spChg>
+        <pc:spChg chg="add mod">
+          <ac:chgData name="Jonny Morris" userId="S::morrisj70800@masseyhigh.school.nz::4fab9e21-29a7-4d03-b4c0-6c8a112c783d" providerId="AD" clId="Web-{22F334B9-93C3-3EEA-12FF-70ACE1ACA99D}" dt="2021-07-25T21:29:57.907" v="160"/>
+          <ac:spMkLst>
+            <pc:docMk/>
+            <pc:sldMk cId="1938919656" sldId="269"/>
+            <ac:spMk id="5" creationId="{1308F4B6-3932-4CFB-B3D1-BE74DF9DF175}"/>
+          </ac:spMkLst>
+        </pc:spChg>
+        <pc:spChg chg="add">
+          <ac:chgData name="Jonny Morris" userId="S::morrisj70800@masseyhigh.school.nz::4fab9e21-29a7-4d03-b4c0-6c8a112c783d" providerId="AD" clId="Web-{22F334B9-93C3-3EEA-12FF-70ACE1ACA99D}" dt="2021-07-25T21:29:57.907" v="160"/>
+          <ac:spMkLst>
+            <pc:docMk/>
+            <pc:sldMk cId="1938919656" sldId="269"/>
+            <ac:spMk id="10" creationId="{FF9B822F-893E-44C8-963C-64F50ACECBB2}"/>
+          </ac:spMkLst>
+        </pc:spChg>
+        <pc:spChg chg="add">
+          <ac:chgData name="Jonny Morris" userId="S::morrisj70800@masseyhigh.school.nz::4fab9e21-29a7-4d03-b4c0-6c8a112c783d" providerId="AD" clId="Web-{22F334B9-93C3-3EEA-12FF-70ACE1ACA99D}" dt="2021-07-25T21:29:57.907" v="160"/>
+          <ac:spMkLst>
+            <pc:docMk/>
+            <pc:sldMk cId="1938919656" sldId="269"/>
+            <ac:spMk id="12" creationId="{EBF87945-A001-489F-9D9B-7D9435F0B9CA}"/>
+          </ac:spMkLst>
+        </pc:spChg>
+        <pc:picChg chg="add mod ord">
+          <ac:chgData name="Jonny Morris" userId="S::morrisj70800@masseyhigh.school.nz::4fab9e21-29a7-4d03-b4c0-6c8a112c783d" providerId="AD" clId="Web-{22F334B9-93C3-3EEA-12FF-70ACE1ACA99D}" dt="2021-07-25T21:29:57.907" v="160"/>
+          <ac:picMkLst>
+            <pc:docMk/>
+            <pc:sldMk cId="1938919656" sldId="269"/>
+            <ac:picMk id="4" creationId="{CAA75ADB-85F9-4BF9-8402-D497E8337B7C}"/>
           </ac:picMkLst>
         </pc:picChg>
       </pc:sldChg>
@@ -1615,7 +1734,7 @@
           <a:p>
             <a:fld id="{846CE7D5-CF57-46EF-B807-FDD0502418D4}" type="datetimeFigureOut">
               <a:rPr lang="en-US" smtClean="0"/>
-              <a:t>7/8/2021</a:t>
+              <a:t>7/25/2021</a:t>
             </a:fld>
             <a:endParaRPr lang="en-US"/>
           </a:p>
@@ -1783,7 +1902,7 @@
           <a:p>
             <a:fld id="{846CE7D5-CF57-46EF-B807-FDD0502418D4}" type="datetimeFigureOut">
               <a:rPr lang="en-US" smtClean="0"/>
-              <a:t>7/8/2021</a:t>
+              <a:t>7/25/2021</a:t>
             </a:fld>
             <a:endParaRPr lang="en-US"/>
           </a:p>
@@ -1961,7 +2080,7 @@
           <a:p>
             <a:fld id="{846CE7D5-CF57-46EF-B807-FDD0502418D4}" type="datetimeFigureOut">
               <a:rPr lang="en-US" smtClean="0"/>
-              <a:t>7/8/2021</a:t>
+              <a:t>7/25/2021</a:t>
             </a:fld>
             <a:endParaRPr lang="en-US"/>
           </a:p>
@@ -2129,7 +2248,7 @@
           <a:p>
             <a:fld id="{846CE7D5-CF57-46EF-B807-FDD0502418D4}" type="datetimeFigureOut">
               <a:rPr lang="en-US" smtClean="0"/>
-              <a:t>7/8/2021</a:t>
+              <a:t>7/25/2021</a:t>
             </a:fld>
             <a:endParaRPr lang="en-US"/>
           </a:p>
@@ -2374,7 +2493,7 @@
           <a:p>
             <a:fld id="{846CE7D5-CF57-46EF-B807-FDD0502418D4}" type="datetimeFigureOut">
               <a:rPr lang="en-US" smtClean="0"/>
-              <a:t>7/8/2021</a:t>
+              <a:t>7/25/2021</a:t>
             </a:fld>
             <a:endParaRPr lang="en-US"/>
           </a:p>
@@ -2603,7 +2722,7 @@
           <a:p>
             <a:fld id="{846CE7D5-CF57-46EF-B807-FDD0502418D4}" type="datetimeFigureOut">
               <a:rPr lang="en-US" smtClean="0"/>
-              <a:t>7/8/2021</a:t>
+              <a:t>7/25/2021</a:t>
             </a:fld>
             <a:endParaRPr lang="en-US"/>
           </a:p>
@@ -2967,7 +3086,7 @@
           <a:p>
             <a:fld id="{846CE7D5-CF57-46EF-B807-FDD0502418D4}" type="datetimeFigureOut">
               <a:rPr lang="en-US" smtClean="0"/>
-              <a:t>7/8/2021</a:t>
+              <a:t>7/25/2021</a:t>
             </a:fld>
             <a:endParaRPr lang="en-US"/>
           </a:p>
@@ -3084,7 +3203,7 @@
           <a:p>
             <a:fld id="{846CE7D5-CF57-46EF-B807-FDD0502418D4}" type="datetimeFigureOut">
               <a:rPr lang="en-US" smtClean="0"/>
-              <a:t>7/8/2021</a:t>
+              <a:t>7/25/2021</a:t>
             </a:fld>
             <a:endParaRPr lang="en-US"/>
           </a:p>
@@ -3179,7 +3298,7 @@
           <a:p>
             <a:fld id="{846CE7D5-CF57-46EF-B807-FDD0502418D4}" type="datetimeFigureOut">
               <a:rPr lang="en-US" smtClean="0"/>
-              <a:t>7/8/2021</a:t>
+              <a:t>7/25/2021</a:t>
             </a:fld>
             <a:endParaRPr lang="en-US"/>
           </a:p>
@@ -3454,7 +3573,7 @@
           <a:p>
             <a:fld id="{846CE7D5-CF57-46EF-B807-FDD0502418D4}" type="datetimeFigureOut">
               <a:rPr lang="en-US" smtClean="0"/>
-              <a:t>7/8/2021</a:t>
+              <a:t>7/25/2021</a:t>
             </a:fld>
             <a:endParaRPr lang="en-US"/>
           </a:p>
@@ -3709,7 +3828,7 @@
           <a:p>
             <a:fld id="{846CE7D5-CF57-46EF-B807-FDD0502418D4}" type="datetimeFigureOut">
               <a:rPr lang="en-US" smtClean="0"/>
-              <a:t>7/8/2021</a:t>
+              <a:t>7/25/2021</a:t>
             </a:fld>
             <a:endParaRPr lang="en-US"/>
           </a:p>
@@ -3920,7 +4039,7 @@
           <a:p>
             <a:fld id="{846CE7D5-CF57-46EF-B807-FDD0502418D4}" type="datetimeFigureOut">
               <a:rPr lang="en-US" smtClean="0"/>
-              <a:t>7/8/2021</a:t>
+              <a:t>7/25/2021</a:t>
             </a:fld>
             <a:endParaRPr lang="en-US"/>
           </a:p>
@@ -5467,6 +5586,14 @@
 <file path=ppt/slides/slide12.xml><?xml version="1.0" encoding="utf-8"?>
 <p:sld xmlns:a="http://schemas.openxmlformats.org/drawingml/2006/main" xmlns:r="http://schemas.openxmlformats.org/officeDocument/2006/relationships" xmlns:p="http://schemas.openxmlformats.org/presentationml/2006/main">
   <p:cSld>
+    <p:bg>
+      <p:bgPr>
+        <a:solidFill>
+          <a:schemeClr val="bg1"/>
+        </a:solidFill>
+        <a:effectLst/>
+      </p:bgPr>
+    </p:bg>
     <p:spTree>
       <p:nvGrpSpPr>
         <p:cNvPr id="1" name=""/>
@@ -5483,10 +5610,155 @@
       </p:grpSpPr>
       <p:sp>
         <p:nvSpPr>
+          <p:cNvPr id="10" name="Rectangle 9">
+            <a:extLst>
+              <a:ext uri="{FF2B5EF4-FFF2-40B4-BE49-F238E27FC236}">
+                <a16:creationId xmlns:a16="http://schemas.microsoft.com/office/drawing/2014/main" id="{FF9B822F-893E-44C8-963C-64F50ACECBB2}"/>
+              </a:ext>
+              <a:ext uri="{C183D7F6-B498-43B3-948B-1728B52AA6E4}">
+                <adec:decorative xmlns:adec="http://schemas.microsoft.com/office/drawing/2017/decorative" val="1"/>
+              </a:ext>
+            </a:extLst>
+          </p:cNvPr>
+          <p:cNvSpPr>
+            <a:spLocks noGrp="1" noRot="1" noChangeAspect="1" noMove="1" noResize="1" noEditPoints="1" noAdjustHandles="1" noChangeArrowheads="1" noChangeShapeType="1" noTextEdit="1"/>
+          </p:cNvSpPr>
+          <p:nvPr>
+            <p:extLst>
+              <p:ext uri="{386F3935-93C4-4BCD-93E2-E3B085C9AB24}">
+                <p16:designElem xmlns:p16="http://schemas.microsoft.com/office/powerpoint/2015/main" val="1"/>
+              </p:ext>
+            </p:extLst>
+          </p:nvPr>
+        </p:nvSpPr>
+        <p:spPr>
+          <a:xfrm>
+            <a:off x="0" y="0"/>
+            <a:ext cx="12192000" cy="6858000"/>
+          </a:xfrm>
+          <a:prstGeom prst="rect">
+            <a:avLst/>
+          </a:prstGeom>
+          <a:solidFill>
+            <a:schemeClr val="bg1"/>
+          </a:solidFill>
+          <a:ln w="12700" cap="flat" cmpd="sng" algn="ctr">
+            <a:noFill/>
+            <a:prstDash val="solid"/>
+            <a:miter lim="800000"/>
+          </a:ln>
+          <a:effectLst/>
+          <a:extLst>
+            <a:ext uri="{91240B29-F687-4F45-9708-019B960494DF}">
+              <a14:hiddenLine xmlns:a14="http://schemas.microsoft.com/office/drawing/2010/main" w="12700" cap="flat" cmpd="sng" algn="ctr">
+                <a:solidFill>
+                  <a:schemeClr val="accent1">
+                    <a:shade val="50000"/>
+                  </a:schemeClr>
+                </a:solidFill>
+                <a:prstDash val="solid"/>
+                <a:miter lim="800000"/>
+              </a14:hiddenLine>
+            </a:ext>
+          </a:extLst>
+        </p:spPr>
+        <p:style>
+          <a:lnRef idx="2">
+            <a:schemeClr val="accent1">
+              <a:shade val="50000"/>
+            </a:schemeClr>
+          </a:lnRef>
+          <a:fillRef idx="1">
+            <a:schemeClr val="accent1"/>
+          </a:fillRef>
+          <a:effectRef idx="0">
+            <a:schemeClr val="accent1"/>
+          </a:effectRef>
+          <a:fontRef idx="minor">
+            <a:schemeClr val="lt1"/>
+          </a:fontRef>
+        </p:style>
+        <p:txBody>
+          <a:bodyPr rtlCol="0" anchor="ctr"/>
+          <a:lstStyle/>
+          <a:p>
+            <a:pPr algn="ctr"/>
+            <a:endParaRPr lang="en-US"/>
+          </a:p>
+        </p:txBody>
+      </p:sp>
+      <p:sp>
+        <p:nvSpPr>
+          <p:cNvPr id="12" name="Rectangle 11">
+            <a:extLst>
+              <a:ext uri="{FF2B5EF4-FFF2-40B4-BE49-F238E27FC236}">
+                <a16:creationId xmlns:a16="http://schemas.microsoft.com/office/drawing/2014/main" id="{EBF87945-A001-489F-9D9B-7D9435F0B9CA}"/>
+              </a:ext>
+              <a:ext uri="{C183D7F6-B498-43B3-948B-1728B52AA6E4}">
+                <adec:decorative xmlns:adec="http://schemas.microsoft.com/office/drawing/2017/decorative" val="1"/>
+              </a:ext>
+            </a:extLst>
+          </p:cNvPr>
+          <p:cNvSpPr>
+            <a:spLocks noGrp="1" noRot="1" noChangeAspect="1" noMove="1" noResize="1" noEditPoints="1" noAdjustHandles="1" noChangeArrowheads="1" noChangeShapeType="1" noTextEdit="1"/>
+          </p:cNvSpPr>
+          <p:nvPr>
+            <p:extLst>
+              <p:ext uri="{386F3935-93C4-4BCD-93E2-E3B085C9AB24}">
+                <p16:designElem xmlns:p16="http://schemas.microsoft.com/office/powerpoint/2015/main" val="1"/>
+              </p:ext>
+            </p:extLst>
+          </p:nvPr>
+        </p:nvSpPr>
+        <p:spPr>
+          <a:xfrm>
+            <a:off x="548639" y="347471"/>
+            <a:ext cx="11100816" cy="1801368"/>
+          </a:xfrm>
+          <a:prstGeom prst="rect">
+            <a:avLst/>
+          </a:prstGeom>
+          <a:solidFill>
+            <a:schemeClr val="tx1">
+              <a:lumMod val="75000"/>
+              <a:lumOff val="25000"/>
+            </a:schemeClr>
+          </a:solidFill>
+          <a:ln>
+            <a:noFill/>
+          </a:ln>
+        </p:spPr>
+        <p:style>
+          <a:lnRef idx="2">
+            <a:schemeClr val="accent1">
+              <a:shade val="50000"/>
+            </a:schemeClr>
+          </a:lnRef>
+          <a:fillRef idx="1">
+            <a:schemeClr val="accent1"/>
+          </a:fillRef>
+          <a:effectRef idx="0">
+            <a:schemeClr val="accent1"/>
+          </a:effectRef>
+          <a:fontRef idx="minor">
+            <a:schemeClr val="lt1"/>
+          </a:fontRef>
+        </p:style>
+        <p:txBody>
+          <a:bodyPr rtlCol="0" anchor="ctr"/>
+          <a:lstStyle/>
+          <a:p>
+            <a:pPr algn="ctr"/>
+            <a:endParaRPr lang="en-US"/>
+          </a:p>
+        </p:txBody>
+      </p:sp>
+      <p:sp>
+        <p:nvSpPr>
           <p:cNvPr id="2" name="Title 1">
             <a:extLst>
               <a:ext uri="{FF2B5EF4-FFF2-40B4-BE49-F238E27FC236}">
-                <a16:creationId xmlns:a16="http://schemas.microsoft.com/office/drawing/2014/main" id="{8791E409-6935-493D-8A4B-DDCE0E6E1583}"/>
+                <a16:creationId xmlns:a16="http://schemas.microsoft.com/office/drawing/2014/main" id="{483D429F-7BC2-4E20-BE9B-27C5D72AC8E3}"/>
               </a:ext>
             </a:extLst>
           </p:cNvPr>
@@ -5497,27 +5769,35 @@
             <p:ph type="title"/>
           </p:nvPr>
         </p:nvSpPr>
-        <p:spPr/>
-        <p:txBody>
-          <a:bodyPr/>
+        <p:spPr>
+          <a:xfrm>
+            <a:off x="838200" y="585216"/>
+            <a:ext cx="10515600" cy="1325563"/>
+          </a:xfrm>
+        </p:spPr>
+        <p:txBody>
+          <a:bodyPr vert="horz" lIns="91440" tIns="45720" rIns="91440" bIns="45720" rtlCol="0" anchor="ctr">
+            <a:normAutofit/>
+          </a:bodyPr>
           <a:lstStyle/>
           <a:p>
             <a:r>
-              <a:rPr lang="en-US">
-                <a:cs typeface="Calibri Light"/>
+              <a:rPr lang="en-US" dirty="0">
+                <a:solidFill>
+                  <a:schemeClr val="bg1"/>
+                </a:solidFill>
               </a:rPr>
-              <a:t>Game_Class V2</a:t>
+              <a:t>GAME CLASS V_2</a:t>
             </a:r>
-            <a:endParaRPr lang="en-US"/>
           </a:p>
         </p:txBody>
       </p:sp>
       <p:pic>
         <p:nvPicPr>
-          <p:cNvPr id="4" name="Picture 4" descr="Graphical user interface, application, table&#10;&#10;Description automatically generated">
+          <p:cNvPr id="4" name="Picture 4" descr="Graphical user interface, text&#10;&#10;Description automatically generated">
             <a:extLst>
               <a:ext uri="{FF2B5EF4-FFF2-40B4-BE49-F238E27FC236}">
-                <a16:creationId xmlns:a16="http://schemas.microsoft.com/office/drawing/2014/main" id="{FE62F3AF-1CA3-49D3-8DB5-5446126C5F63}"/>
+                <a16:creationId xmlns:a16="http://schemas.microsoft.com/office/drawing/2014/main" id="{65B03B03-3C5E-43EB-85FE-3BF084D3BBFB}"/>
               </a:ext>
             </a:extLst>
           </p:cNvPr>
@@ -5528,25 +5808,27 @@
             <p:ph idx="1"/>
           </p:nvPr>
         </p:nvPicPr>
-        <p:blipFill>
+        <p:blipFill rotWithShape="1">
           <a:blip r:embed="rId2"/>
-          <a:stretch>
-            <a:fillRect/>
-          </a:stretch>
+          <a:srcRect t="11757" r="-1" b="16576"/>
+          <a:stretch/>
         </p:blipFill>
         <p:spPr>
           <a:xfrm>
-            <a:off x="878032" y="1691481"/>
-            <a:ext cx="2209800" cy="1952625"/>
+            <a:off x="841248" y="2516777"/>
+            <a:ext cx="6236208" cy="3660185"/>
           </a:xfrm>
+          <a:prstGeom prst="rect">
+            <a:avLst/>
+          </a:prstGeom>
         </p:spPr>
       </p:pic>
       <p:sp>
         <p:nvSpPr>
-          <p:cNvPr id="12" name="TextBox 11">
+          <p:cNvPr id="5" name="TextBox 4">
             <a:extLst>
               <a:ext uri="{FF2B5EF4-FFF2-40B4-BE49-F238E27FC236}">
-                <a16:creationId xmlns:a16="http://schemas.microsoft.com/office/drawing/2014/main" id="{73C65C4E-D475-417F-BF9A-4B4476C9B196}"/>
+                <a16:creationId xmlns:a16="http://schemas.microsoft.com/office/drawing/2014/main" id="{821B5784-CB47-4620-A5BC-7688DC125044}"/>
               </a:ext>
             </a:extLst>
           </p:cNvPr>
@@ -5555,40 +5837,35 @@
         </p:nvSpPr>
         <p:spPr>
           <a:xfrm>
-            <a:off x="5176257" y="1691501"/>
-            <a:ext cx="4638907" cy="2308324"/>
+            <a:off x="7546848" y="2516777"/>
+            <a:ext cx="3803904" cy="3660185"/>
           </a:xfrm>
           <a:prstGeom prst="rect">
             <a:avLst/>
           </a:prstGeom>
-          <a:noFill/>
         </p:spPr>
         <p:txBody>
-          <a:bodyPr rot="0" spcFirstLastPara="0" vertOverflow="overflow" horzOverflow="overflow" vert="horz" wrap="square" lIns="91440" tIns="45720" rIns="91440" bIns="45720" numCol="1" spcCol="0" rtlCol="0" fromWordArt="0" anchor="t" anchorCtr="0" forceAA="0" compatLnSpc="1">
+          <a:bodyPr rot="0" spcFirstLastPara="0" vertOverflow="overflow" horzOverflow="overflow" vert="horz" lIns="91440" tIns="45720" rIns="91440" bIns="45720" numCol="1" spcCol="0" rtlCol="0" fromWordArt="0" anchor="ctr" anchorCtr="0" forceAA="0" compatLnSpc="1">
             <a:prstTxWarp prst="textNoShape">
               <a:avLst/>
             </a:prstTxWarp>
-            <a:spAutoFit/>
+            <a:normAutofit/>
           </a:bodyPr>
           <a:lstStyle/>
           <a:p>
+            <a:pPr indent="-228600">
+              <a:lnSpc>
+                <a:spcPct val="90000"/>
+              </a:lnSpc>
+              <a:spcAft>
+                <a:spcPts val="600"/>
+              </a:spcAft>
+              <a:buFont typeface="Arial" panose="020B0604020202020204" pitchFamily="34" charset="0"/>
+              <a:buChar char="•"/>
+            </a:pPr>
             <a:r>
-              <a:rPr lang="en-US" dirty="0">
-                <a:cs typeface="Calibri"/>
-              </a:rPr>
-              <a:t>I have made it so that it gathers the questions ans answers from my csv file but it is not yet doing I correctly as it is only giving me the answer and then the </a:t>
-            </a:r>
-            <a:r>
-              <a:rPr lang="en-US">
-                <a:cs typeface="Calibri"/>
-              </a:rPr>
-              <a:t>questions,</a:t>
-            </a:r>
-            <a:r>
-              <a:rPr lang="en-US" dirty="0">
-                <a:cs typeface="Calibri"/>
-              </a:rPr>
-              <a:t> but it is supposed to give me the question and then the answers. I need to make a checking function so that It can make sure they did the right/wrong answer and then configure the next button.</a:t>
+              <a:rPr lang="en-US" sz="2200"/>
+              <a:t>I have changed my gui up a bit, but I am yet to get my buttons configured so that it will show me the questions + answers when it needs to. I also plan to add a picture of a Norse god above the answers.</a:t>
             </a:r>
           </a:p>
         </p:txBody>
@@ -5596,7 +5873,7 @@
     </p:spTree>
     <p:extLst>
       <p:ext uri="{BB962C8B-B14F-4D97-AF65-F5344CB8AC3E}">
-        <p14:creationId xmlns:p14="http://schemas.microsoft.com/office/powerpoint/2010/main" val="4269907770"/>
+        <p14:creationId xmlns:p14="http://schemas.microsoft.com/office/powerpoint/2010/main" val="524702731"/>
       </p:ext>
     </p:extLst>
   </p:cSld>
@@ -5609,6 +5886,14 @@
 <file path=ppt/slides/slide13.xml><?xml version="1.0" encoding="utf-8"?>
 <p:sld xmlns:a="http://schemas.openxmlformats.org/drawingml/2006/main" xmlns:r="http://schemas.openxmlformats.org/officeDocument/2006/relationships" xmlns:p="http://schemas.openxmlformats.org/presentationml/2006/main">
   <p:cSld>
+    <p:bg>
+      <p:bgPr>
+        <a:solidFill>
+          <a:schemeClr val="bg1"/>
+        </a:solidFill>
+        <a:effectLst/>
+      </p:bgPr>
+    </p:bg>
     <p:spTree>
       <p:nvGrpSpPr>
         <p:cNvPr id="1" name=""/>
@@ -5625,10 +5910,155 @@
       </p:grpSpPr>
       <p:sp>
         <p:nvSpPr>
+          <p:cNvPr id="10" name="Rectangle 9">
+            <a:extLst>
+              <a:ext uri="{FF2B5EF4-FFF2-40B4-BE49-F238E27FC236}">
+                <a16:creationId xmlns:a16="http://schemas.microsoft.com/office/drawing/2014/main" id="{FF9B822F-893E-44C8-963C-64F50ACECBB2}"/>
+              </a:ext>
+              <a:ext uri="{C183D7F6-B498-43B3-948B-1728B52AA6E4}">
+                <adec:decorative xmlns:adec="http://schemas.microsoft.com/office/drawing/2017/decorative" val="1"/>
+              </a:ext>
+            </a:extLst>
+          </p:cNvPr>
+          <p:cNvSpPr>
+            <a:spLocks noGrp="1" noRot="1" noChangeAspect="1" noMove="1" noResize="1" noEditPoints="1" noAdjustHandles="1" noChangeArrowheads="1" noChangeShapeType="1" noTextEdit="1"/>
+          </p:cNvSpPr>
+          <p:nvPr>
+            <p:extLst>
+              <p:ext uri="{386F3935-93C4-4BCD-93E2-E3B085C9AB24}">
+                <p16:designElem xmlns:p16="http://schemas.microsoft.com/office/powerpoint/2015/main" val="1"/>
+              </p:ext>
+            </p:extLst>
+          </p:nvPr>
+        </p:nvSpPr>
+        <p:spPr>
+          <a:xfrm>
+            <a:off x="0" y="0"/>
+            <a:ext cx="12192000" cy="6858000"/>
+          </a:xfrm>
+          <a:prstGeom prst="rect">
+            <a:avLst/>
+          </a:prstGeom>
+          <a:solidFill>
+            <a:schemeClr val="bg1"/>
+          </a:solidFill>
+          <a:ln w="12700" cap="flat" cmpd="sng" algn="ctr">
+            <a:noFill/>
+            <a:prstDash val="solid"/>
+            <a:miter lim="800000"/>
+          </a:ln>
+          <a:effectLst/>
+          <a:extLst>
+            <a:ext uri="{91240B29-F687-4F45-9708-019B960494DF}">
+              <a14:hiddenLine xmlns:a14="http://schemas.microsoft.com/office/drawing/2010/main" w="12700" cap="flat" cmpd="sng" algn="ctr">
+                <a:solidFill>
+                  <a:schemeClr val="accent1">
+                    <a:shade val="50000"/>
+                  </a:schemeClr>
+                </a:solidFill>
+                <a:prstDash val="solid"/>
+                <a:miter lim="800000"/>
+              </a14:hiddenLine>
+            </a:ext>
+          </a:extLst>
+        </p:spPr>
+        <p:style>
+          <a:lnRef idx="2">
+            <a:schemeClr val="accent1">
+              <a:shade val="50000"/>
+            </a:schemeClr>
+          </a:lnRef>
+          <a:fillRef idx="1">
+            <a:schemeClr val="accent1"/>
+          </a:fillRef>
+          <a:effectRef idx="0">
+            <a:schemeClr val="accent1"/>
+          </a:effectRef>
+          <a:fontRef idx="minor">
+            <a:schemeClr val="lt1"/>
+          </a:fontRef>
+        </p:style>
+        <p:txBody>
+          <a:bodyPr rtlCol="0" anchor="ctr"/>
+          <a:lstStyle/>
+          <a:p>
+            <a:pPr algn="ctr"/>
+            <a:endParaRPr lang="en-US"/>
+          </a:p>
+        </p:txBody>
+      </p:sp>
+      <p:sp>
+        <p:nvSpPr>
+          <p:cNvPr id="12" name="Rectangle 11">
+            <a:extLst>
+              <a:ext uri="{FF2B5EF4-FFF2-40B4-BE49-F238E27FC236}">
+                <a16:creationId xmlns:a16="http://schemas.microsoft.com/office/drawing/2014/main" id="{EBF87945-A001-489F-9D9B-7D9435F0B9CA}"/>
+              </a:ext>
+              <a:ext uri="{C183D7F6-B498-43B3-948B-1728B52AA6E4}">
+                <adec:decorative xmlns:adec="http://schemas.microsoft.com/office/drawing/2017/decorative" val="1"/>
+              </a:ext>
+            </a:extLst>
+          </p:cNvPr>
+          <p:cNvSpPr>
+            <a:spLocks noGrp="1" noRot="1" noChangeAspect="1" noMove="1" noResize="1" noEditPoints="1" noAdjustHandles="1" noChangeArrowheads="1" noChangeShapeType="1" noTextEdit="1"/>
+          </p:cNvSpPr>
+          <p:nvPr>
+            <p:extLst>
+              <p:ext uri="{386F3935-93C4-4BCD-93E2-E3B085C9AB24}">
+                <p16:designElem xmlns:p16="http://schemas.microsoft.com/office/powerpoint/2015/main" val="1"/>
+              </p:ext>
+            </p:extLst>
+          </p:nvPr>
+        </p:nvSpPr>
+        <p:spPr>
+          <a:xfrm>
+            <a:off x="548639" y="347471"/>
+            <a:ext cx="11100816" cy="1801368"/>
+          </a:xfrm>
+          <a:prstGeom prst="rect">
+            <a:avLst/>
+          </a:prstGeom>
+          <a:solidFill>
+            <a:schemeClr val="tx1">
+              <a:lumMod val="75000"/>
+              <a:lumOff val="25000"/>
+            </a:schemeClr>
+          </a:solidFill>
+          <a:ln>
+            <a:noFill/>
+          </a:ln>
+        </p:spPr>
+        <p:style>
+          <a:lnRef idx="2">
+            <a:schemeClr val="accent1">
+              <a:shade val="50000"/>
+            </a:schemeClr>
+          </a:lnRef>
+          <a:fillRef idx="1">
+            <a:schemeClr val="accent1"/>
+          </a:fillRef>
+          <a:effectRef idx="0">
+            <a:schemeClr val="accent1"/>
+          </a:effectRef>
+          <a:fontRef idx="minor">
+            <a:schemeClr val="lt1"/>
+          </a:fontRef>
+        </p:style>
+        <p:txBody>
+          <a:bodyPr rtlCol="0" anchor="ctr"/>
+          <a:lstStyle/>
+          <a:p>
+            <a:pPr algn="ctr"/>
+            <a:endParaRPr lang="en-US"/>
+          </a:p>
+        </p:txBody>
+      </p:sp>
+      <p:sp>
+        <p:nvSpPr>
           <p:cNvPr id="2" name="Title 1">
             <a:extLst>
               <a:ext uri="{FF2B5EF4-FFF2-40B4-BE49-F238E27FC236}">
-                <a16:creationId xmlns:a16="http://schemas.microsoft.com/office/drawing/2014/main" id="{483D429F-7BC2-4E20-BE9B-27C5D72AC8E3}"/>
+                <a16:creationId xmlns:a16="http://schemas.microsoft.com/office/drawing/2014/main" id="{D2C39AE5-59AF-451C-804A-C1B3DE4C6E9C}"/>
               </a:ext>
             </a:extLst>
           </p:cNvPr>
@@ -5639,27 +6069,35 @@
             <p:ph type="title"/>
           </p:nvPr>
         </p:nvSpPr>
-        <p:spPr/>
-        <p:txBody>
-          <a:bodyPr/>
+        <p:spPr>
+          <a:xfrm>
+            <a:off x="838200" y="585216"/>
+            <a:ext cx="10515600" cy="1325563"/>
+          </a:xfrm>
+        </p:spPr>
+        <p:txBody>
+          <a:bodyPr vert="horz" lIns="91440" tIns="45720" rIns="91440" bIns="45720" rtlCol="0" anchor="ctr">
+            <a:normAutofit/>
+          </a:bodyPr>
           <a:lstStyle/>
           <a:p>
             <a:r>
               <a:rPr lang="en-US" dirty="0">
-                <a:cs typeface="Calibri Light"/>
+                <a:solidFill>
+                  <a:schemeClr val="bg1"/>
+                </a:solidFill>
               </a:rPr>
-              <a:t>GAME CLASS GUI</a:t>
+              <a:t>Game Class V_3</a:t>
             </a:r>
-            <a:endParaRPr lang="en-US" dirty="0"/>
           </a:p>
         </p:txBody>
       </p:sp>
       <p:pic>
         <p:nvPicPr>
-          <p:cNvPr id="4" name="Picture 4" descr="Graphical user interface, text&#10;&#10;Description automatically generated">
+          <p:cNvPr id="4" name="Picture 4">
             <a:extLst>
               <a:ext uri="{FF2B5EF4-FFF2-40B4-BE49-F238E27FC236}">
-                <a16:creationId xmlns:a16="http://schemas.microsoft.com/office/drawing/2014/main" id="{65B03B03-3C5E-43EB-85FE-3BF084D3BBFB}"/>
+                <a16:creationId xmlns:a16="http://schemas.microsoft.com/office/drawing/2014/main" id="{CAA75ADB-85F9-4BF9-8402-D497E8337B7C}"/>
               </a:ext>
             </a:extLst>
           </p:cNvPr>
@@ -5670,17 +6108,19 @@
             <p:ph idx="1"/>
           </p:nvPr>
         </p:nvPicPr>
-        <p:blipFill>
+        <p:blipFill rotWithShape="1">
           <a:blip r:embed="rId2"/>
-          <a:stretch>
-            <a:fillRect/>
-          </a:stretch>
+          <a:srcRect l="3832" r="327" b="-3"/>
+          <a:stretch/>
         </p:blipFill>
         <p:spPr>
           <a:xfrm>
-            <a:off x="325582" y="1691481"/>
-            <a:ext cx="3314700" cy="2714625"/>
+            <a:off x="841248" y="2516777"/>
+            <a:ext cx="6236208" cy="3660185"/>
           </a:xfrm>
+          <a:prstGeom prst="rect">
+            <a:avLst/>
+          </a:prstGeom>
         </p:spPr>
       </p:pic>
       <p:sp>
@@ -5688,7 +6128,7 @@
           <p:cNvPr id="5" name="TextBox 4">
             <a:extLst>
               <a:ext uri="{FF2B5EF4-FFF2-40B4-BE49-F238E27FC236}">
-                <a16:creationId xmlns:a16="http://schemas.microsoft.com/office/drawing/2014/main" id="{821B5784-CB47-4620-A5BC-7688DC125044}"/>
+                <a16:creationId xmlns:a16="http://schemas.microsoft.com/office/drawing/2014/main" id="{1308F4B6-3932-4CFB-B3D1-BE74DF9DF175}"/>
               </a:ext>
             </a:extLst>
           </p:cNvPr>
@@ -5697,57 +6137,43 @@
         </p:nvSpPr>
         <p:spPr>
           <a:xfrm>
-            <a:off x="5151863" y="1694985"/>
-            <a:ext cx="4787590" cy="923330"/>
+            <a:off x="7546848" y="2516777"/>
+            <a:ext cx="3803904" cy="3660185"/>
           </a:xfrm>
           <a:prstGeom prst="rect">
             <a:avLst/>
           </a:prstGeom>
-          <a:noFill/>
         </p:spPr>
         <p:txBody>
-          <a:bodyPr rot="0" spcFirstLastPara="0" vertOverflow="overflow" horzOverflow="overflow" vert="horz" wrap="square" lIns="91440" tIns="45720" rIns="91440" bIns="45720" numCol="1" spcCol="0" rtlCol="0" fromWordArt="0" anchor="t" anchorCtr="0" forceAA="0" compatLnSpc="1">
+          <a:bodyPr rot="0" spcFirstLastPara="0" vertOverflow="overflow" horzOverflow="overflow" vert="horz" lIns="91440" tIns="45720" rIns="91440" bIns="45720" numCol="1" spcCol="0" rtlCol="0" fromWordArt="0" anchor="ctr" anchorCtr="0" forceAA="0" compatLnSpc="1">
             <a:prstTxWarp prst="textNoShape">
               <a:avLst/>
             </a:prstTxWarp>
-            <a:spAutoFit/>
+            <a:normAutofit/>
           </a:bodyPr>
           <a:lstStyle/>
           <a:p>
+            <a:pPr indent="-228600">
+              <a:lnSpc>
+                <a:spcPct val="90000"/>
+              </a:lnSpc>
+              <a:spcAft>
+                <a:spcPts val="600"/>
+              </a:spcAft>
+              <a:buFont typeface="Arial" panose="020B0604020202020204" pitchFamily="34" charset="0"/>
+              <a:buChar char="•"/>
+            </a:pPr>
             <a:r>
-              <a:rPr lang="en-US" dirty="0">
-                <a:cs typeface="Calibri"/>
-              </a:rPr>
-              <a:t>I have changed my </a:t>
+              <a:rPr lang="en-US" sz="2200"/>
+              <a:t>This is my second version of my game class.  I have added the picture I wanted to add and got my questions and answers configured but it is showing the invalids in my csv file. I will need to fix this in my code so that it will work as it is intended.</a:t>
             </a:r>
-            <a:r>
-              <a:rPr lang="en-US" dirty="0" err="1">
-                <a:cs typeface="Calibri"/>
-              </a:rPr>
-              <a:t>gui</a:t>
-            </a:r>
-            <a:r>
-              <a:rPr lang="en-US" dirty="0">
-                <a:cs typeface="Calibri"/>
-              </a:rPr>
-              <a:t> up a bit but I am yet to get my buttons configured so that it will show me </a:t>
-            </a:r>
-            <a:r>
-              <a:rPr lang="en-US">
-                <a:cs typeface="Calibri"/>
-              </a:rPr>
-              <a:t>the questions + answers when it needs to</a:t>
-            </a:r>
-            <a:endParaRPr lang="en-US" dirty="0">
-              <a:cs typeface="Calibri"/>
-            </a:endParaRPr>
           </a:p>
         </p:txBody>
       </p:sp>
     </p:spTree>
     <p:extLst>
       <p:ext uri="{BB962C8B-B14F-4D97-AF65-F5344CB8AC3E}">
-        <p14:creationId xmlns:p14="http://schemas.microsoft.com/office/powerpoint/2010/main" val="524702731"/>
+        <p14:creationId xmlns:p14="http://schemas.microsoft.com/office/powerpoint/2010/main" val="1938919656"/>
       </p:ext>
     </p:extLst>
   </p:cSld>

--- a/Programming Assesment.pptx
+++ b/Programming Assesment.pptx
@@ -18,6 +18,7 @@
     <p:sldId id="266" r:id="rId12"/>
     <p:sldId id="268" r:id="rId13"/>
     <p:sldId id="269" r:id="rId14"/>
+    <p:sldId id="270" r:id="rId15"/>
   </p:sldIdLst>
   <p:sldSz cx="12192000" cy="6858000"/>
   <p:notesSz cx="6858000" cy="9144000"/>
@@ -131,11 +132,13 @@
     <p1510:client id="{1423E2E6-2405-C16D-4FA3-C33C0ADCD3EA}" v="428" dt="2021-07-07T01:30:07.750"/>
     <p1510:client id="{204B783E-ECB2-56F8-CC10-5A491FD05934}" v="2" dt="2021-07-08T00:02:58.450"/>
     <p1510:client id="{22F334B9-93C3-3EEA-12FF-70ACE1ACA99D}" v="329" dt="2021-07-25T21:30:59.471"/>
+    <p1510:client id="{2BF45F4D-8CBA-4021-0C0C-AF4D1A6BC7AD}" v="69" dt="2021-07-28T01:09:19.100"/>
     <p1510:client id="{2E13400A-93CE-23A9-CF97-FEFD0D57F2B7}" v="207" dt="2021-06-17T22:44:31.234"/>
     <p1510:client id="{3312139C-ECA4-D6E5-6EA0-9FAF5992739F}" v="61" dt="2021-06-15T02:10:40.639"/>
     <p1510:client id="{33F175D3-4D32-71D5-6709-62DB828ADCB0}" v="83" dt="2021-06-03T22:45:46.848"/>
     <p1510:client id="{61852D5F-CC47-4EF3-8523-0D8470090199}" v="32" dt="2021-05-27T22:48:17.050"/>
     <p1510:client id="{82670D97-0EF6-5614-F833-FE3B0A574D76}" v="27" dt="2021-05-30T21:53:29.949"/>
+    <p1510:client id="{83C94324-EBE6-7120-C8CE-3FACB84F21A0}" v="166" dt="2021-07-27T03:07:43.190"/>
     <p1510:client id="{8BDA8286-ABF9-455E-92B6-822DD2D54F24}" v="363" dt="2021-06-02T23:33:01.816"/>
     <p1510:client id="{988D2265-4B4A-D9DD-55B3-4738B025B4A1}" v="235" dt="2021-07-06T02:55:57.316"/>
     <p1510:client id="{B97A3ED7-EE4A-5CC1-A41D-E85CFB4F2B38}" v="388" dt="2021-06-01T02:31:37.218"/>
@@ -520,48 +523,48 @@
     </pc:docChg>
   </pc:docChgLst>
   <pc:docChgLst>
-    <pc:chgData name="Jonny Morris" userId="S::morrisj70800@masseyhigh.school.nz::4fab9e21-29a7-4d03-b4c0-6c8a112c783d" providerId="AD" clId="Web-{988D2265-4B4A-D9DD-55B3-4738B025B4A1}"/>
+    <pc:chgData name="Jonny Morris" userId="S::morrisj70800@masseyhigh.school.nz::4fab9e21-29a7-4d03-b4c0-6c8a112c783d" providerId="AD" clId="Web-{83C94324-EBE6-7120-C8CE-3FACB84F21A0}"/>
     <pc:docChg chg="addSld modSld">
-      <pc:chgData name="Jonny Morris" userId="S::morrisj70800@masseyhigh.school.nz::4fab9e21-29a7-4d03-b4c0-6c8a112c783d" providerId="AD" clId="Web-{988D2265-4B4A-D9DD-55B3-4738B025B4A1}" dt="2021-07-06T02:55:57.316" v="122" actId="20577"/>
+      <pc:chgData name="Jonny Morris" userId="S::morrisj70800@masseyhigh.school.nz::4fab9e21-29a7-4d03-b4c0-6c8a112c783d" providerId="AD" clId="Web-{83C94324-EBE6-7120-C8CE-3FACB84F21A0}" dt="2021-07-27T03:07:43.190" v="91" actId="1076"/>
       <pc:docMkLst>
         <pc:docMk/>
       </pc:docMkLst>
       <pc:sldChg chg="addSp delSp modSp new">
-        <pc:chgData name="Jonny Morris" userId="S::morrisj70800@masseyhigh.school.nz::4fab9e21-29a7-4d03-b4c0-6c8a112c783d" providerId="AD" clId="Web-{988D2265-4B4A-D9DD-55B3-4738B025B4A1}" dt="2021-07-06T02:55:57.316" v="122" actId="20577"/>
+        <pc:chgData name="Jonny Morris" userId="S::morrisj70800@masseyhigh.school.nz::4fab9e21-29a7-4d03-b4c0-6c8a112c783d" providerId="AD" clId="Web-{83C94324-EBE6-7120-C8CE-3FACB84F21A0}" dt="2021-07-27T03:07:43.190" v="91" actId="1076"/>
         <pc:sldMkLst>
           <pc:docMk/>
-          <pc:sldMk cId="1488023128" sldId="266"/>
+          <pc:sldMk cId="3945650720" sldId="270"/>
         </pc:sldMkLst>
         <pc:spChg chg="mod">
-          <ac:chgData name="Jonny Morris" userId="S::morrisj70800@masseyhigh.school.nz::4fab9e21-29a7-4d03-b4c0-6c8a112c783d" providerId="AD" clId="Web-{988D2265-4B4A-D9DD-55B3-4738B025B4A1}" dt="2021-07-06T02:45:41.363" v="8" actId="20577"/>
-          <ac:spMkLst>
-            <pc:docMk/>
-            <pc:sldMk cId="1488023128" sldId="266"/>
-            <ac:spMk id="2" creationId="{B44827F1-0ACB-45EB-8481-23D426022B3B}"/>
+          <ac:chgData name="Jonny Morris" userId="S::morrisj70800@masseyhigh.school.nz::4fab9e21-29a7-4d03-b4c0-6c8a112c783d" providerId="AD" clId="Web-{83C94324-EBE6-7120-C8CE-3FACB84F21A0}" dt="2021-07-27T03:07:31.314" v="88" actId="20577"/>
+          <ac:spMkLst>
+            <pc:docMk/>
+            <pc:sldMk cId="3945650720" sldId="270"/>
+            <ac:spMk id="2" creationId="{60E7DE14-70EA-44B3-9974-68425BE0CF5E}"/>
           </ac:spMkLst>
         </pc:spChg>
         <pc:spChg chg="del">
-          <ac:chgData name="Jonny Morris" userId="S::morrisj70800@masseyhigh.school.nz::4fab9e21-29a7-4d03-b4c0-6c8a112c783d" providerId="AD" clId="Web-{988D2265-4B4A-D9DD-55B3-4738B025B4A1}" dt="2021-07-06T02:45:43.597" v="9"/>
-          <ac:spMkLst>
-            <pc:docMk/>
-            <pc:sldMk cId="1488023128" sldId="266"/>
-            <ac:spMk id="3" creationId="{2F0A10E7-3527-4CC4-A6BD-7503A2BFB7CD}"/>
+          <ac:chgData name="Jonny Morris" userId="S::morrisj70800@masseyhigh.school.nz::4fab9e21-29a7-4d03-b4c0-6c8a112c783d" providerId="AD" clId="Web-{83C94324-EBE6-7120-C8CE-3FACB84F21A0}" dt="2021-07-27T02:41:30.408" v="12"/>
+          <ac:spMkLst>
+            <pc:docMk/>
+            <pc:sldMk cId="3945650720" sldId="270"/>
+            <ac:spMk id="3" creationId="{A0B925DC-652D-43E8-B69E-BD57D5ECF9D8}"/>
           </ac:spMkLst>
         </pc:spChg>
         <pc:spChg chg="add mod">
-          <ac:chgData name="Jonny Morris" userId="S::morrisj70800@masseyhigh.school.nz::4fab9e21-29a7-4d03-b4c0-6c8a112c783d" providerId="AD" clId="Web-{988D2265-4B4A-D9DD-55B3-4738B025B4A1}" dt="2021-07-06T02:55:57.316" v="122" actId="20577"/>
-          <ac:spMkLst>
-            <pc:docMk/>
-            <pc:sldMk cId="1488023128" sldId="266"/>
-            <ac:spMk id="5" creationId="{A1ECA617-BBD3-4FC1-B266-8D45DC4EF5DC}"/>
+          <ac:chgData name="Jonny Morris" userId="S::morrisj70800@masseyhigh.school.nz::4fab9e21-29a7-4d03-b4c0-6c8a112c783d" providerId="AD" clId="Web-{83C94324-EBE6-7120-C8CE-3FACB84F21A0}" dt="2021-07-27T03:07:43.190" v="91" actId="1076"/>
+          <ac:spMkLst>
+            <pc:docMk/>
+            <pc:sldMk cId="3945650720" sldId="270"/>
+            <ac:spMk id="5" creationId="{8FDA18EA-F9E6-4125-AEBA-086FCF91B257}"/>
           </ac:spMkLst>
         </pc:spChg>
         <pc:picChg chg="add mod ord">
-          <ac:chgData name="Jonny Morris" userId="S::morrisj70800@masseyhigh.school.nz::4fab9e21-29a7-4d03-b4c0-6c8a112c783d" providerId="AD" clId="Web-{988D2265-4B4A-D9DD-55B3-4738B025B4A1}" dt="2021-07-06T02:45:47.097" v="10" actId="1076"/>
+          <ac:chgData name="Jonny Morris" userId="S::morrisj70800@masseyhigh.school.nz::4fab9e21-29a7-4d03-b4c0-6c8a112c783d" providerId="AD" clId="Web-{83C94324-EBE6-7120-C8CE-3FACB84F21A0}" dt="2021-07-27T03:07:34.393" v="89" actId="1076"/>
           <ac:picMkLst>
             <pc:docMk/>
-            <pc:sldMk cId="1488023128" sldId="266"/>
-            <ac:picMk id="4" creationId="{B76247F6-E9E4-430F-AC50-9019A895D23C}"/>
+            <pc:sldMk cId="3945650720" sldId="270"/>
+            <ac:picMk id="4" creationId="{A1706CB7-CC2F-4A7B-8BD0-E211B93323FD}"/>
           </ac:picMkLst>
         </pc:picChg>
       </pc:sldChg>
@@ -616,6 +619,54 @@
     </pc:docChg>
   </pc:docChgLst>
   <pc:docChgLst>
+    <pc:chgData name="Jonny Morris" userId="S::morrisj70800@masseyhigh.school.nz::4fab9e21-29a7-4d03-b4c0-6c8a112c783d" providerId="AD" clId="Web-{988D2265-4B4A-D9DD-55B3-4738B025B4A1}"/>
+    <pc:docChg chg="addSld modSld">
+      <pc:chgData name="Jonny Morris" userId="S::morrisj70800@masseyhigh.school.nz::4fab9e21-29a7-4d03-b4c0-6c8a112c783d" providerId="AD" clId="Web-{988D2265-4B4A-D9DD-55B3-4738B025B4A1}" dt="2021-07-06T02:55:57.316" v="122" actId="20577"/>
+      <pc:docMkLst>
+        <pc:docMk/>
+      </pc:docMkLst>
+      <pc:sldChg chg="addSp delSp modSp new">
+        <pc:chgData name="Jonny Morris" userId="S::morrisj70800@masseyhigh.school.nz::4fab9e21-29a7-4d03-b4c0-6c8a112c783d" providerId="AD" clId="Web-{988D2265-4B4A-D9DD-55B3-4738B025B4A1}" dt="2021-07-06T02:55:57.316" v="122" actId="20577"/>
+        <pc:sldMkLst>
+          <pc:docMk/>
+          <pc:sldMk cId="1488023128" sldId="266"/>
+        </pc:sldMkLst>
+        <pc:spChg chg="mod">
+          <ac:chgData name="Jonny Morris" userId="S::morrisj70800@masseyhigh.school.nz::4fab9e21-29a7-4d03-b4c0-6c8a112c783d" providerId="AD" clId="Web-{988D2265-4B4A-D9DD-55B3-4738B025B4A1}" dt="2021-07-06T02:45:41.363" v="8" actId="20577"/>
+          <ac:spMkLst>
+            <pc:docMk/>
+            <pc:sldMk cId="1488023128" sldId="266"/>
+            <ac:spMk id="2" creationId="{B44827F1-0ACB-45EB-8481-23D426022B3B}"/>
+          </ac:spMkLst>
+        </pc:spChg>
+        <pc:spChg chg="del">
+          <ac:chgData name="Jonny Morris" userId="S::morrisj70800@masseyhigh.school.nz::4fab9e21-29a7-4d03-b4c0-6c8a112c783d" providerId="AD" clId="Web-{988D2265-4B4A-D9DD-55B3-4738B025B4A1}" dt="2021-07-06T02:45:43.597" v="9"/>
+          <ac:spMkLst>
+            <pc:docMk/>
+            <pc:sldMk cId="1488023128" sldId="266"/>
+            <ac:spMk id="3" creationId="{2F0A10E7-3527-4CC4-A6BD-7503A2BFB7CD}"/>
+          </ac:spMkLst>
+        </pc:spChg>
+        <pc:spChg chg="add mod">
+          <ac:chgData name="Jonny Morris" userId="S::morrisj70800@masseyhigh.school.nz::4fab9e21-29a7-4d03-b4c0-6c8a112c783d" providerId="AD" clId="Web-{988D2265-4B4A-D9DD-55B3-4738B025B4A1}" dt="2021-07-06T02:55:57.316" v="122" actId="20577"/>
+          <ac:spMkLst>
+            <pc:docMk/>
+            <pc:sldMk cId="1488023128" sldId="266"/>
+            <ac:spMk id="5" creationId="{A1ECA617-BBD3-4FC1-B266-8D45DC4EF5DC}"/>
+          </ac:spMkLst>
+        </pc:spChg>
+        <pc:picChg chg="add mod ord">
+          <ac:chgData name="Jonny Morris" userId="S::morrisj70800@masseyhigh.school.nz::4fab9e21-29a7-4d03-b4c0-6c8a112c783d" providerId="AD" clId="Web-{988D2265-4B4A-D9DD-55B3-4738B025B4A1}" dt="2021-07-06T02:45:47.097" v="10" actId="1076"/>
+          <ac:picMkLst>
+            <pc:docMk/>
+            <pc:sldMk cId="1488023128" sldId="266"/>
+            <ac:picMk id="4" creationId="{B76247F6-E9E4-430F-AC50-9019A895D23C}"/>
+          </ac:picMkLst>
+        </pc:picChg>
+      </pc:sldChg>
+    </pc:docChg>
+  </pc:docChgLst>
+  <pc:docChgLst>
     <pc:chgData clId="Web-{EE33AF41-30E7-9FB3-CC2C-421B72023142}"/>
     <pc:docChg chg="modSld">
       <pc:chgData name="" userId="" providerId="" clId="Web-{EE33AF41-30E7-9FB3-CC2C-421B72023142}" dt="2021-06-16T00:31:18.610" v="1" actId="20577"/>
@@ -634,6 +685,38 @@
             <pc:docMk/>
             <pc:sldMk cId="109857222" sldId="256"/>
             <ac:spMk id="2" creationId="{00000000-0000-0000-0000-000000000000}"/>
+          </ac:spMkLst>
+        </pc:spChg>
+      </pc:sldChg>
+    </pc:docChg>
+  </pc:docChgLst>
+  <pc:docChgLst>
+    <pc:chgData name="Jonny Morris" userId="S::morrisj70800@masseyhigh.school.nz::4fab9e21-29a7-4d03-b4c0-6c8a112c783d" providerId="AD" clId="Web-{2BF45F4D-8CBA-4021-0C0C-AF4D1A6BC7AD}"/>
+    <pc:docChg chg="modSld">
+      <pc:chgData name="Jonny Morris" userId="S::morrisj70800@masseyhigh.school.nz::4fab9e21-29a7-4d03-b4c0-6c8a112c783d" providerId="AD" clId="Web-{2BF45F4D-8CBA-4021-0C0C-AF4D1A6BC7AD}" dt="2021-07-28T01:09:17.381" v="35" actId="20577"/>
+      <pc:docMkLst>
+        <pc:docMk/>
+      </pc:docMkLst>
+      <pc:sldChg chg="modSp">
+        <pc:chgData name="Jonny Morris" userId="S::morrisj70800@masseyhigh.school.nz::4fab9e21-29a7-4d03-b4c0-6c8a112c783d" providerId="AD" clId="Web-{2BF45F4D-8CBA-4021-0C0C-AF4D1A6BC7AD}" dt="2021-07-28T01:09:17.381" v="35" actId="20577"/>
+        <pc:sldMkLst>
+          <pc:docMk/>
+          <pc:sldMk cId="3945650720" sldId="270"/>
+        </pc:sldMkLst>
+        <pc:spChg chg="mod">
+          <ac:chgData name="Jonny Morris" userId="S::morrisj70800@masseyhigh.school.nz::4fab9e21-29a7-4d03-b4c0-6c8a112c783d" providerId="AD" clId="Web-{2BF45F4D-8CBA-4021-0C0C-AF4D1A6BC7AD}" dt="2021-07-28T01:08:44.740" v="4" actId="20577"/>
+          <ac:spMkLst>
+            <pc:docMk/>
+            <pc:sldMk cId="3945650720" sldId="270"/>
+            <ac:spMk id="2" creationId="{60E7DE14-70EA-44B3-9974-68425BE0CF5E}"/>
+          </ac:spMkLst>
+        </pc:spChg>
+        <pc:spChg chg="mod">
+          <ac:chgData name="Jonny Morris" userId="S::morrisj70800@masseyhigh.school.nz::4fab9e21-29a7-4d03-b4c0-6c8a112c783d" providerId="AD" clId="Web-{2BF45F4D-8CBA-4021-0C0C-AF4D1A6BC7AD}" dt="2021-07-28T01:09:17.381" v="35" actId="20577"/>
+          <ac:spMkLst>
+            <pc:docMk/>
+            <pc:sldMk cId="3945650720" sldId="270"/>
+            <ac:spMk id="5" creationId="{8FDA18EA-F9E6-4125-AEBA-086FCF91B257}"/>
           </ac:spMkLst>
         </pc:spChg>
       </pc:sldChg>
@@ -1734,7 +1817,7 @@
           <a:p>
             <a:fld id="{846CE7D5-CF57-46EF-B807-FDD0502418D4}" type="datetimeFigureOut">
               <a:rPr lang="en-US" smtClean="0"/>
-              <a:t>7/25/2021</a:t>
+              <a:t>7/27/2021</a:t>
             </a:fld>
             <a:endParaRPr lang="en-US"/>
           </a:p>
@@ -1902,7 +1985,7 @@
           <a:p>
             <a:fld id="{846CE7D5-CF57-46EF-B807-FDD0502418D4}" type="datetimeFigureOut">
               <a:rPr lang="en-US" smtClean="0"/>
-              <a:t>7/25/2021</a:t>
+              <a:t>7/27/2021</a:t>
             </a:fld>
             <a:endParaRPr lang="en-US"/>
           </a:p>
@@ -2080,7 +2163,7 @@
           <a:p>
             <a:fld id="{846CE7D5-CF57-46EF-B807-FDD0502418D4}" type="datetimeFigureOut">
               <a:rPr lang="en-US" smtClean="0"/>
-              <a:t>7/25/2021</a:t>
+              <a:t>7/27/2021</a:t>
             </a:fld>
             <a:endParaRPr lang="en-US"/>
           </a:p>
@@ -2248,7 +2331,7 @@
           <a:p>
             <a:fld id="{846CE7D5-CF57-46EF-B807-FDD0502418D4}" type="datetimeFigureOut">
               <a:rPr lang="en-US" smtClean="0"/>
-              <a:t>7/25/2021</a:t>
+              <a:t>7/27/2021</a:t>
             </a:fld>
             <a:endParaRPr lang="en-US"/>
           </a:p>
@@ -2493,7 +2576,7 @@
           <a:p>
             <a:fld id="{846CE7D5-CF57-46EF-B807-FDD0502418D4}" type="datetimeFigureOut">
               <a:rPr lang="en-US" smtClean="0"/>
-              <a:t>7/25/2021</a:t>
+              <a:t>7/27/2021</a:t>
             </a:fld>
             <a:endParaRPr lang="en-US"/>
           </a:p>
@@ -2722,7 +2805,7 @@
           <a:p>
             <a:fld id="{846CE7D5-CF57-46EF-B807-FDD0502418D4}" type="datetimeFigureOut">
               <a:rPr lang="en-US" smtClean="0"/>
-              <a:t>7/25/2021</a:t>
+              <a:t>7/27/2021</a:t>
             </a:fld>
             <a:endParaRPr lang="en-US"/>
           </a:p>
@@ -3086,7 +3169,7 @@
           <a:p>
             <a:fld id="{846CE7D5-CF57-46EF-B807-FDD0502418D4}" type="datetimeFigureOut">
               <a:rPr lang="en-US" smtClean="0"/>
-              <a:t>7/25/2021</a:t>
+              <a:t>7/27/2021</a:t>
             </a:fld>
             <a:endParaRPr lang="en-US"/>
           </a:p>
@@ -3203,7 +3286,7 @@
           <a:p>
             <a:fld id="{846CE7D5-CF57-46EF-B807-FDD0502418D4}" type="datetimeFigureOut">
               <a:rPr lang="en-US" smtClean="0"/>
-              <a:t>7/25/2021</a:t>
+              <a:t>7/27/2021</a:t>
             </a:fld>
             <a:endParaRPr lang="en-US"/>
           </a:p>
@@ -3298,7 +3381,7 @@
           <a:p>
             <a:fld id="{846CE7D5-CF57-46EF-B807-FDD0502418D4}" type="datetimeFigureOut">
               <a:rPr lang="en-US" smtClean="0"/>
-              <a:t>7/25/2021</a:t>
+              <a:t>7/27/2021</a:t>
             </a:fld>
             <a:endParaRPr lang="en-US"/>
           </a:p>
@@ -3573,7 +3656,7 @@
           <a:p>
             <a:fld id="{846CE7D5-CF57-46EF-B807-FDD0502418D4}" type="datetimeFigureOut">
               <a:rPr lang="en-US" smtClean="0"/>
-              <a:t>7/25/2021</a:t>
+              <a:t>7/27/2021</a:t>
             </a:fld>
             <a:endParaRPr lang="en-US"/>
           </a:p>
@@ -3828,7 +3911,7 @@
           <a:p>
             <a:fld id="{846CE7D5-CF57-46EF-B807-FDD0502418D4}" type="datetimeFigureOut">
               <a:rPr lang="en-US" smtClean="0"/>
-              <a:t>7/25/2021</a:t>
+              <a:t>7/27/2021</a:t>
             </a:fld>
             <a:endParaRPr lang="en-US"/>
           </a:p>
@@ -4039,7 +4122,7 @@
           <a:p>
             <a:fld id="{846CE7D5-CF57-46EF-B807-FDD0502418D4}" type="datetimeFigureOut">
               <a:rPr lang="en-US" smtClean="0"/>
-              <a:t>7/25/2021</a:t>
+              <a:t>7/27/2021</a:t>
             </a:fld>
             <a:endParaRPr lang="en-US"/>
           </a:p>
@@ -6183,6 +6266,136 @@
 </p:sld>
 </file>
 
+<file path=ppt/slides/slide14.xml><?xml version="1.0" encoding="utf-8"?>
+<p:sld xmlns:a="http://schemas.openxmlformats.org/drawingml/2006/main" xmlns:r="http://schemas.openxmlformats.org/officeDocument/2006/relationships" xmlns:p="http://schemas.openxmlformats.org/presentationml/2006/main">
+  <p:cSld>
+    <p:spTree>
+      <p:nvGrpSpPr>
+        <p:cNvPr id="1" name=""/>
+        <p:cNvGrpSpPr/>
+        <p:nvPr/>
+      </p:nvGrpSpPr>
+      <p:grpSpPr>
+        <a:xfrm>
+          <a:off x="0" y="0"/>
+          <a:ext cx="0" cy="0"/>
+          <a:chOff x="0" y="0"/>
+          <a:chExt cx="0" cy="0"/>
+        </a:xfrm>
+      </p:grpSpPr>
+      <p:sp>
+        <p:nvSpPr>
+          <p:cNvPr id="2" name="Title 1">
+            <a:extLst>
+              <a:ext uri="{FF2B5EF4-FFF2-40B4-BE49-F238E27FC236}">
+                <a16:creationId xmlns:a16="http://schemas.microsoft.com/office/drawing/2014/main" id="{60E7DE14-70EA-44B3-9974-68425BE0CF5E}"/>
+              </a:ext>
+            </a:extLst>
+          </p:cNvPr>
+          <p:cNvSpPr>
+            <a:spLocks noGrp="1"/>
+          </p:cNvSpPr>
+          <p:nvPr>
+            <p:ph type="title"/>
+          </p:nvPr>
+        </p:nvSpPr>
+        <p:spPr/>
+        <p:txBody>
+          <a:bodyPr/>
+          <a:lstStyle/>
+          <a:p>
+            <a:r>
+              <a:rPr lang="en-US" dirty="0">
+                <a:cs typeface="Calibri Light"/>
+              </a:rPr>
+              <a:t>Game GUI V_3</a:t>
+            </a:r>
+            <a:endParaRPr lang="en-US" dirty="0"/>
+          </a:p>
+        </p:txBody>
+      </p:sp>
+      <p:pic>
+        <p:nvPicPr>
+          <p:cNvPr id="4" name="Picture 4" descr="Graphical user interface&#10;&#10;Description automatically generated">
+            <a:extLst>
+              <a:ext uri="{FF2B5EF4-FFF2-40B4-BE49-F238E27FC236}">
+                <a16:creationId xmlns:a16="http://schemas.microsoft.com/office/drawing/2014/main" id="{A1706CB7-CC2F-4A7B-8BD0-E211B93323FD}"/>
+              </a:ext>
+            </a:extLst>
+          </p:cNvPr>
+          <p:cNvPicPr>
+            <a:picLocks noGrp="1" noChangeAspect="1"/>
+          </p:cNvPicPr>
+          <p:nvPr>
+            <p:ph idx="1"/>
+          </p:nvPr>
+        </p:nvPicPr>
+        <p:blipFill>
+          <a:blip r:embed="rId2"/>
+          <a:stretch>
+            <a:fillRect/>
+          </a:stretch>
+        </p:blipFill>
+        <p:spPr>
+          <a:xfrm>
+            <a:off x="416502" y="1781969"/>
+            <a:ext cx="5779585" cy="3225956"/>
+          </a:xfrm>
+        </p:spPr>
+      </p:pic>
+      <p:sp>
+        <p:nvSpPr>
+          <p:cNvPr id="5" name="TextBox 4">
+            <a:extLst>
+              <a:ext uri="{FF2B5EF4-FFF2-40B4-BE49-F238E27FC236}">
+                <a16:creationId xmlns:a16="http://schemas.microsoft.com/office/drawing/2014/main" id="{8FDA18EA-F9E6-4125-AEBA-086FCF91B257}"/>
+              </a:ext>
+            </a:extLst>
+          </p:cNvPr>
+          <p:cNvSpPr txBox="1"/>
+          <p:nvPr/>
+        </p:nvSpPr>
+        <p:spPr>
+          <a:xfrm>
+            <a:off x="7409563" y="1630359"/>
+            <a:ext cx="2743200" cy="3139321"/>
+          </a:xfrm>
+          <a:prstGeom prst="rect">
+            <a:avLst/>
+          </a:prstGeom>
+          <a:noFill/>
+        </p:spPr>
+        <p:txBody>
+          <a:bodyPr rot="0" spcFirstLastPara="0" vertOverflow="overflow" horzOverflow="overflow" vert="horz" wrap="square" lIns="91440" tIns="45720" rIns="91440" bIns="45720" numCol="1" spcCol="0" rtlCol="0" fromWordArt="0" anchor="t" anchorCtr="0" forceAA="0" compatLnSpc="1">
+            <a:prstTxWarp prst="textNoShape">
+              <a:avLst/>
+            </a:prstTxWarp>
+            <a:spAutoFit/>
+          </a:bodyPr>
+          <a:lstStyle/>
+          <a:p>
+            <a:r>
+              <a:rPr lang="en-US" dirty="0">
+                <a:cs typeface="Calibri"/>
+              </a:rPr>
+              <a:t>Have fixed the bit of my code that was broken and not allowing me to generate my questions and answers now that is working perfectly fine. I would like to add a help, export and stats button to my quiz before I can  move on to my history and stats Gui</a:t>
+            </a:r>
+          </a:p>
+        </p:txBody>
+      </p:sp>
+    </p:spTree>
+    <p:extLst>
+      <p:ext uri="{BB962C8B-B14F-4D97-AF65-F5344CB8AC3E}">
+        <p14:creationId xmlns:p14="http://schemas.microsoft.com/office/powerpoint/2010/main" val="3945650720"/>
+      </p:ext>
+    </p:extLst>
+  </p:cSld>
+  <p:clrMapOvr>
+    <a:masterClrMapping/>
+  </p:clrMapOvr>
+</p:sld>
+</file>
+
 <file path=ppt/slides/slide2.xml><?xml version="1.0" encoding="utf-8"?>
 <p:sld xmlns:a="http://schemas.openxmlformats.org/drawingml/2006/main" xmlns:r="http://schemas.openxmlformats.org/officeDocument/2006/relationships" xmlns:p="http://schemas.openxmlformats.org/presentationml/2006/main">
   <p:cSld>

--- a/Programming Assesment.pptx
+++ b/Programming Assesment.pptx
@@ -19,6 +19,9 @@
     <p:sldId id="268" r:id="rId13"/>
     <p:sldId id="269" r:id="rId14"/>
     <p:sldId id="270" r:id="rId15"/>
+    <p:sldId id="271" r:id="rId16"/>
+    <p:sldId id="272" r:id="rId17"/>
+    <p:sldId id="273" r:id="rId18"/>
   </p:sldIdLst>
   <p:sldSz cx="12192000" cy="6858000"/>
   <p:notesSz cx="6858000" cy="9144000"/>
@@ -144,6 +147,7 @@
     <p1510:client id="{B97A3ED7-EE4A-5CC1-A41D-E85CFB4F2B38}" v="388" dt="2021-06-01T02:31:37.218"/>
     <p1510:client id="{C9F5174C-5619-5E50-BF05-0D84B8F86598}" v="516" dt="2021-06-10T00:06:46.122"/>
     <p1510:client id="{D3BA5852-7B66-A859-35DA-1A7F22D39787}" v="441" dt="2021-06-09T01:12:33.081"/>
+    <p1510:client id="{D504615B-0A5D-73A6-4A18-1D567E10BC58}" v="203" dt="2021-07-28T23:54:11.421"/>
     <p1510:client id="{E59691CD-4E5D-C9E7-EFEF-F6E12282C375}" v="114" dt="2021-07-08T23:05:40.489"/>
     <p1510:client id="{EE33AF41-30E7-9FB3-CC2C-421B72023142}" v="357" dt="2021-06-16T01:15:10.236"/>
   </p1510:revLst>
@@ -687,6 +691,100 @@
             <ac:spMk id="2" creationId="{00000000-0000-0000-0000-000000000000}"/>
           </ac:spMkLst>
         </pc:spChg>
+      </pc:sldChg>
+    </pc:docChg>
+  </pc:docChgLst>
+  <pc:docChgLst>
+    <pc:chgData name="Jonny Morris" userId="S::morrisj70800@masseyhigh.school.nz::4fab9e21-29a7-4d03-b4c0-6c8a112c783d" providerId="AD" clId="Web-{D504615B-0A5D-73A6-4A18-1D567E10BC58}"/>
+    <pc:docChg chg="addSld modSld">
+      <pc:chgData name="Jonny Morris" userId="S::morrisj70800@masseyhigh.school.nz::4fab9e21-29a7-4d03-b4c0-6c8a112c783d" providerId="AD" clId="Web-{D504615B-0A5D-73A6-4A18-1D567E10BC58}" dt="2021-07-28T23:54:11.421" v="108"/>
+      <pc:docMkLst>
+        <pc:docMk/>
+      </pc:docMkLst>
+      <pc:sldChg chg="addSp delSp modSp new">
+        <pc:chgData name="Jonny Morris" userId="S::morrisj70800@masseyhigh.school.nz::4fab9e21-29a7-4d03-b4c0-6c8a112c783d" providerId="AD" clId="Web-{D504615B-0A5D-73A6-4A18-1D567E10BC58}" dt="2021-07-28T23:52:47.638" v="45" actId="20577"/>
+        <pc:sldMkLst>
+          <pc:docMk/>
+          <pc:sldMk cId="2979753223" sldId="271"/>
+        </pc:sldMkLst>
+        <pc:spChg chg="mod">
+          <ac:chgData name="Jonny Morris" userId="S::morrisj70800@masseyhigh.school.nz::4fab9e21-29a7-4d03-b4c0-6c8a112c783d" providerId="AD" clId="Web-{D504615B-0A5D-73A6-4A18-1D567E10BC58}" dt="2021-07-28T23:47:45.944" v="10" actId="20577"/>
+          <ac:spMkLst>
+            <pc:docMk/>
+            <pc:sldMk cId="2979753223" sldId="271"/>
+            <ac:spMk id="2" creationId="{B6F9831D-160A-4D36-8279-AA7751BCE2BE}"/>
+          </ac:spMkLst>
+        </pc:spChg>
+        <pc:spChg chg="del">
+          <ac:chgData name="Jonny Morris" userId="S::morrisj70800@masseyhigh.school.nz::4fab9e21-29a7-4d03-b4c0-6c8a112c783d" providerId="AD" clId="Web-{D504615B-0A5D-73A6-4A18-1D567E10BC58}" dt="2021-07-28T23:51:32.730" v="11"/>
+          <ac:spMkLst>
+            <pc:docMk/>
+            <pc:sldMk cId="2979753223" sldId="271"/>
+            <ac:spMk id="3" creationId="{C0A41AA9-6DC3-4B3A-8EAD-4BE968D983BA}"/>
+          </ac:spMkLst>
+        </pc:spChg>
+        <pc:spChg chg="add mod">
+          <ac:chgData name="Jonny Morris" userId="S::morrisj70800@masseyhigh.school.nz::4fab9e21-29a7-4d03-b4c0-6c8a112c783d" providerId="AD" clId="Web-{D504615B-0A5D-73A6-4A18-1D567E10BC58}" dt="2021-07-28T23:52:47.638" v="45" actId="20577"/>
+          <ac:spMkLst>
+            <pc:docMk/>
+            <pc:sldMk cId="2979753223" sldId="271"/>
+            <ac:spMk id="5" creationId="{051F399E-7412-45E8-93C4-314BD2B3DFBF}"/>
+          </ac:spMkLst>
+        </pc:spChg>
+        <pc:picChg chg="add mod ord">
+          <ac:chgData name="Jonny Morris" userId="S::morrisj70800@masseyhigh.school.nz::4fab9e21-29a7-4d03-b4c0-6c8a112c783d" providerId="AD" clId="Web-{D504615B-0A5D-73A6-4A18-1D567E10BC58}" dt="2021-07-28T23:51:36.871" v="12" actId="1076"/>
+          <ac:picMkLst>
+            <pc:docMk/>
+            <pc:sldMk cId="2979753223" sldId="271"/>
+            <ac:picMk id="4" creationId="{1729CBEA-C57C-4513-830F-C965F939AA8F}"/>
+          </ac:picMkLst>
+        </pc:picChg>
+      </pc:sldChg>
+      <pc:sldChg chg="addSp delSp modSp new">
+        <pc:chgData name="Jonny Morris" userId="S::morrisj70800@masseyhigh.school.nz::4fab9e21-29a7-4d03-b4c0-6c8a112c783d" providerId="AD" clId="Web-{D504615B-0A5D-73A6-4A18-1D567E10BC58}" dt="2021-07-28T23:54:07.639" v="107" actId="20577"/>
+        <pc:sldMkLst>
+          <pc:docMk/>
+          <pc:sldMk cId="1147695793" sldId="272"/>
+        </pc:sldMkLst>
+        <pc:spChg chg="mod">
+          <ac:chgData name="Jonny Morris" userId="S::morrisj70800@masseyhigh.school.nz::4fab9e21-29a7-4d03-b4c0-6c8a112c783d" providerId="AD" clId="Web-{D504615B-0A5D-73A6-4A18-1D567E10BC58}" dt="2021-07-28T23:53:13.107" v="54" actId="20577"/>
+          <ac:spMkLst>
+            <pc:docMk/>
+            <pc:sldMk cId="1147695793" sldId="272"/>
+            <ac:spMk id="2" creationId="{8F9B19EB-AE66-4095-9B45-4E189A272D7C}"/>
+          </ac:spMkLst>
+        </pc:spChg>
+        <pc:spChg chg="del">
+          <ac:chgData name="Jonny Morris" userId="S::morrisj70800@masseyhigh.school.nz::4fab9e21-29a7-4d03-b4c0-6c8a112c783d" providerId="AD" clId="Web-{D504615B-0A5D-73A6-4A18-1D567E10BC58}" dt="2021-07-28T23:53:14.373" v="55"/>
+          <ac:spMkLst>
+            <pc:docMk/>
+            <pc:sldMk cId="1147695793" sldId="272"/>
+            <ac:spMk id="3" creationId="{22281DE9-EE5A-49AE-92C5-4E7D144C3490}"/>
+          </ac:spMkLst>
+        </pc:spChg>
+        <pc:spChg chg="add mod">
+          <ac:chgData name="Jonny Morris" userId="S::morrisj70800@masseyhigh.school.nz::4fab9e21-29a7-4d03-b4c0-6c8a112c783d" providerId="AD" clId="Web-{D504615B-0A5D-73A6-4A18-1D567E10BC58}" dt="2021-07-28T23:54:07.639" v="107" actId="20577"/>
+          <ac:spMkLst>
+            <pc:docMk/>
+            <pc:sldMk cId="1147695793" sldId="272"/>
+            <ac:spMk id="5" creationId="{2451DC0A-CE8C-4807-BE9D-490B61D1DB52}"/>
+          </ac:spMkLst>
+        </pc:spChg>
+        <pc:picChg chg="add mod ord">
+          <ac:chgData name="Jonny Morris" userId="S::morrisj70800@masseyhigh.school.nz::4fab9e21-29a7-4d03-b4c0-6c8a112c783d" providerId="AD" clId="Web-{D504615B-0A5D-73A6-4A18-1D567E10BC58}" dt="2021-07-28T23:53:17.716" v="56" actId="1076"/>
+          <ac:picMkLst>
+            <pc:docMk/>
+            <pc:sldMk cId="1147695793" sldId="272"/>
+            <ac:picMk id="4" creationId="{8438ADBC-F5AF-4A8A-85E8-EE67AC40482F}"/>
+          </ac:picMkLst>
+        </pc:picChg>
+      </pc:sldChg>
+      <pc:sldChg chg="new">
+        <pc:chgData name="Jonny Morris" userId="S::morrisj70800@masseyhigh.school.nz::4fab9e21-29a7-4d03-b4c0-6c8a112c783d" providerId="AD" clId="Web-{D504615B-0A5D-73A6-4A18-1D567E10BC58}" dt="2021-07-28T23:54:11.421" v="108"/>
+        <pc:sldMkLst>
+          <pc:docMk/>
+          <pc:sldMk cId="1323580387" sldId="273"/>
+        </pc:sldMkLst>
       </pc:sldChg>
     </pc:docChg>
   </pc:docChgLst>
@@ -1817,7 +1915,7 @@
           <a:p>
             <a:fld id="{846CE7D5-CF57-46EF-B807-FDD0502418D4}" type="datetimeFigureOut">
               <a:rPr lang="en-US" smtClean="0"/>
-              <a:t>7/27/2021</a:t>
+              <a:t>7/28/2021</a:t>
             </a:fld>
             <a:endParaRPr lang="en-US"/>
           </a:p>
@@ -1985,7 +2083,7 @@
           <a:p>
             <a:fld id="{846CE7D5-CF57-46EF-B807-FDD0502418D4}" type="datetimeFigureOut">
               <a:rPr lang="en-US" smtClean="0"/>
-              <a:t>7/27/2021</a:t>
+              <a:t>7/28/2021</a:t>
             </a:fld>
             <a:endParaRPr lang="en-US"/>
           </a:p>
@@ -2163,7 +2261,7 @@
           <a:p>
             <a:fld id="{846CE7D5-CF57-46EF-B807-FDD0502418D4}" type="datetimeFigureOut">
               <a:rPr lang="en-US" smtClean="0"/>
-              <a:t>7/27/2021</a:t>
+              <a:t>7/28/2021</a:t>
             </a:fld>
             <a:endParaRPr lang="en-US"/>
           </a:p>
@@ -2331,7 +2429,7 @@
           <a:p>
             <a:fld id="{846CE7D5-CF57-46EF-B807-FDD0502418D4}" type="datetimeFigureOut">
               <a:rPr lang="en-US" smtClean="0"/>
-              <a:t>7/27/2021</a:t>
+              <a:t>7/28/2021</a:t>
             </a:fld>
             <a:endParaRPr lang="en-US"/>
           </a:p>
@@ -2576,7 +2674,7 @@
           <a:p>
             <a:fld id="{846CE7D5-CF57-46EF-B807-FDD0502418D4}" type="datetimeFigureOut">
               <a:rPr lang="en-US" smtClean="0"/>
-              <a:t>7/27/2021</a:t>
+              <a:t>7/28/2021</a:t>
             </a:fld>
             <a:endParaRPr lang="en-US"/>
           </a:p>
@@ -2805,7 +2903,7 @@
           <a:p>
             <a:fld id="{846CE7D5-CF57-46EF-B807-FDD0502418D4}" type="datetimeFigureOut">
               <a:rPr lang="en-US" smtClean="0"/>
-              <a:t>7/27/2021</a:t>
+              <a:t>7/28/2021</a:t>
             </a:fld>
             <a:endParaRPr lang="en-US"/>
           </a:p>
@@ -3169,7 +3267,7 @@
           <a:p>
             <a:fld id="{846CE7D5-CF57-46EF-B807-FDD0502418D4}" type="datetimeFigureOut">
               <a:rPr lang="en-US" smtClean="0"/>
-              <a:t>7/27/2021</a:t>
+              <a:t>7/28/2021</a:t>
             </a:fld>
             <a:endParaRPr lang="en-US"/>
           </a:p>
@@ -3286,7 +3384,7 @@
           <a:p>
             <a:fld id="{846CE7D5-CF57-46EF-B807-FDD0502418D4}" type="datetimeFigureOut">
               <a:rPr lang="en-US" smtClean="0"/>
-              <a:t>7/27/2021</a:t>
+              <a:t>7/28/2021</a:t>
             </a:fld>
             <a:endParaRPr lang="en-US"/>
           </a:p>
@@ -3381,7 +3479,7 @@
           <a:p>
             <a:fld id="{846CE7D5-CF57-46EF-B807-FDD0502418D4}" type="datetimeFigureOut">
               <a:rPr lang="en-US" smtClean="0"/>
-              <a:t>7/27/2021</a:t>
+              <a:t>7/28/2021</a:t>
             </a:fld>
             <a:endParaRPr lang="en-US"/>
           </a:p>
@@ -3656,7 +3754,7 @@
           <a:p>
             <a:fld id="{846CE7D5-CF57-46EF-B807-FDD0502418D4}" type="datetimeFigureOut">
               <a:rPr lang="en-US" smtClean="0"/>
-              <a:t>7/27/2021</a:t>
+              <a:t>7/28/2021</a:t>
             </a:fld>
             <a:endParaRPr lang="en-US"/>
           </a:p>
@@ -3911,7 +4009,7 @@
           <a:p>
             <a:fld id="{846CE7D5-CF57-46EF-B807-FDD0502418D4}" type="datetimeFigureOut">
               <a:rPr lang="en-US" smtClean="0"/>
-              <a:t>7/27/2021</a:t>
+              <a:t>7/28/2021</a:t>
             </a:fld>
             <a:endParaRPr lang="en-US"/>
           </a:p>
@@ -4122,7 +4220,7 @@
           <a:p>
             <a:fld id="{846CE7D5-CF57-46EF-B807-FDD0502418D4}" type="datetimeFigureOut">
               <a:rPr lang="en-US" smtClean="0"/>
-              <a:t>7/27/2021</a:t>
+              <a:t>7/28/2021</a:t>
             </a:fld>
             <a:endParaRPr lang="en-US"/>
           </a:p>
@@ -6396,6 +6494,358 @@
 </p:sld>
 </file>
 
+<file path=ppt/slides/slide15.xml><?xml version="1.0" encoding="utf-8"?>
+<p:sld xmlns:a="http://schemas.openxmlformats.org/drawingml/2006/main" xmlns:r="http://schemas.openxmlformats.org/officeDocument/2006/relationships" xmlns:p="http://schemas.openxmlformats.org/presentationml/2006/main">
+  <p:cSld>
+    <p:spTree>
+      <p:nvGrpSpPr>
+        <p:cNvPr id="1" name=""/>
+        <p:cNvGrpSpPr/>
+        <p:nvPr/>
+      </p:nvGrpSpPr>
+      <p:grpSpPr>
+        <a:xfrm>
+          <a:off x="0" y="0"/>
+          <a:ext cx="0" cy="0"/>
+          <a:chOff x="0" y="0"/>
+          <a:chExt cx="0" cy="0"/>
+        </a:xfrm>
+      </p:grpSpPr>
+      <p:sp>
+        <p:nvSpPr>
+          <p:cNvPr id="2" name="Title 1">
+            <a:extLst>
+              <a:ext uri="{FF2B5EF4-FFF2-40B4-BE49-F238E27FC236}">
+                <a16:creationId xmlns:a16="http://schemas.microsoft.com/office/drawing/2014/main" id="{B6F9831D-160A-4D36-8279-AA7751BCE2BE}"/>
+              </a:ext>
+            </a:extLst>
+          </p:cNvPr>
+          <p:cNvSpPr>
+            <a:spLocks noGrp="1"/>
+          </p:cNvSpPr>
+          <p:nvPr>
+            <p:ph type="title"/>
+          </p:nvPr>
+        </p:nvSpPr>
+        <p:spPr/>
+        <p:txBody>
+          <a:bodyPr/>
+          <a:lstStyle/>
+          <a:p>
+            <a:r>
+              <a:rPr lang="en-US" dirty="0" err="1">
+                <a:cs typeface="Calibri Light"/>
+              </a:rPr>
+              <a:t>Game_GUI</a:t>
+            </a:r>
+            <a:r>
+              <a:rPr lang="en-US" dirty="0">
+                <a:cs typeface="Calibri Light"/>
+              </a:rPr>
+              <a:t> DONE</a:t>
+            </a:r>
+            <a:endParaRPr lang="en-US" dirty="0"/>
+          </a:p>
+        </p:txBody>
+      </p:sp>
+      <p:pic>
+        <p:nvPicPr>
+          <p:cNvPr id="4" name="Picture 4" descr="Timeline&#10;&#10;Description automatically generated">
+            <a:extLst>
+              <a:ext uri="{FF2B5EF4-FFF2-40B4-BE49-F238E27FC236}">
+                <a16:creationId xmlns:a16="http://schemas.microsoft.com/office/drawing/2014/main" id="{1729CBEA-C57C-4513-830F-C965F939AA8F}"/>
+              </a:ext>
+            </a:extLst>
+          </p:cNvPr>
+          <p:cNvPicPr>
+            <a:picLocks noGrp="1" noChangeAspect="1"/>
+          </p:cNvPicPr>
+          <p:nvPr>
+            <p:ph idx="1"/>
+          </p:nvPr>
+        </p:nvPicPr>
+        <p:blipFill>
+          <a:blip r:embed="rId2"/>
+          <a:stretch>
+            <a:fillRect/>
+          </a:stretch>
+        </p:blipFill>
+        <p:spPr>
+          <a:xfrm>
+            <a:off x="375090" y="1825625"/>
+            <a:ext cx="6852501" cy="4351338"/>
+          </a:xfrm>
+        </p:spPr>
+      </p:pic>
+      <p:sp>
+        <p:nvSpPr>
+          <p:cNvPr id="5" name="TextBox 4">
+            <a:extLst>
+              <a:ext uri="{FF2B5EF4-FFF2-40B4-BE49-F238E27FC236}">
+                <a16:creationId xmlns:a16="http://schemas.microsoft.com/office/drawing/2014/main" id="{051F399E-7412-45E8-93C4-314BD2B3DFBF}"/>
+              </a:ext>
+            </a:extLst>
+          </p:cNvPr>
+          <p:cNvSpPr txBox="1"/>
+          <p:nvPr/>
+        </p:nvSpPr>
+        <p:spPr>
+          <a:xfrm>
+            <a:off x="7660888" y="1825083"/>
+            <a:ext cx="3198541" cy="646331"/>
+          </a:xfrm>
+          <a:prstGeom prst="rect">
+            <a:avLst/>
+          </a:prstGeom>
+          <a:noFill/>
+        </p:spPr>
+        <p:txBody>
+          <a:bodyPr rot="0" spcFirstLastPara="0" vertOverflow="overflow" horzOverflow="overflow" vert="horz" wrap="square" lIns="91440" tIns="45720" rIns="91440" bIns="45720" numCol="1" spcCol="0" rtlCol="0" fromWordArt="0" anchor="t" anchorCtr="0" forceAA="0" compatLnSpc="1">
+            <a:prstTxWarp prst="textNoShape">
+              <a:avLst/>
+            </a:prstTxWarp>
+            <a:spAutoFit/>
+          </a:bodyPr>
+          <a:lstStyle/>
+          <a:p>
+            <a:r>
+              <a:rPr lang="en-US" dirty="0">
+                <a:cs typeface="Calibri"/>
+              </a:rPr>
+              <a:t>Added help button. This is final version of game class</a:t>
+            </a:r>
+          </a:p>
+        </p:txBody>
+      </p:sp>
+    </p:spTree>
+    <p:extLst>
+      <p:ext uri="{BB962C8B-B14F-4D97-AF65-F5344CB8AC3E}">
+        <p14:creationId xmlns:p14="http://schemas.microsoft.com/office/powerpoint/2010/main" val="2979753223"/>
+      </p:ext>
+    </p:extLst>
+  </p:cSld>
+  <p:clrMapOvr>
+    <a:masterClrMapping/>
+  </p:clrMapOvr>
+</p:sld>
+</file>
+
+<file path=ppt/slides/slide16.xml><?xml version="1.0" encoding="utf-8"?>
+<p:sld xmlns:a="http://schemas.openxmlformats.org/drawingml/2006/main" xmlns:r="http://schemas.openxmlformats.org/officeDocument/2006/relationships" xmlns:p="http://schemas.openxmlformats.org/presentationml/2006/main">
+  <p:cSld>
+    <p:spTree>
+      <p:nvGrpSpPr>
+        <p:cNvPr id="1" name=""/>
+        <p:cNvGrpSpPr/>
+        <p:nvPr/>
+      </p:nvGrpSpPr>
+      <p:grpSpPr>
+        <a:xfrm>
+          <a:off x="0" y="0"/>
+          <a:ext cx="0" cy="0"/>
+          <a:chOff x="0" y="0"/>
+          <a:chExt cx="0" cy="0"/>
+        </a:xfrm>
+      </p:grpSpPr>
+      <p:sp>
+        <p:nvSpPr>
+          <p:cNvPr id="2" name="Title 1">
+            <a:extLst>
+              <a:ext uri="{FF2B5EF4-FFF2-40B4-BE49-F238E27FC236}">
+                <a16:creationId xmlns:a16="http://schemas.microsoft.com/office/drawing/2014/main" id="{8F9B19EB-AE66-4095-9B45-4E189A272D7C}"/>
+              </a:ext>
+            </a:extLst>
+          </p:cNvPr>
+          <p:cNvSpPr>
+            <a:spLocks noGrp="1"/>
+          </p:cNvSpPr>
+          <p:nvPr>
+            <p:ph type="title"/>
+          </p:nvPr>
+        </p:nvSpPr>
+        <p:spPr/>
+        <p:txBody>
+          <a:bodyPr/>
+          <a:lstStyle/>
+          <a:p>
+            <a:r>
+              <a:rPr lang="en-US" dirty="0" err="1">
+                <a:cs typeface="Calibri Light"/>
+              </a:rPr>
+              <a:t>Help_GUI</a:t>
+            </a:r>
+            <a:r>
+              <a:rPr lang="en-US" dirty="0">
+                <a:cs typeface="Calibri Light"/>
+              </a:rPr>
+              <a:t> V1</a:t>
+            </a:r>
+            <a:endParaRPr lang="en-US" dirty="0"/>
+          </a:p>
+        </p:txBody>
+      </p:sp>
+      <p:pic>
+        <p:nvPicPr>
+          <p:cNvPr id="4" name="Picture 4" descr="Graphical user interface, text, application&#10;&#10;Description automatically generated">
+            <a:extLst>
+              <a:ext uri="{FF2B5EF4-FFF2-40B4-BE49-F238E27FC236}">
+                <a16:creationId xmlns:a16="http://schemas.microsoft.com/office/drawing/2014/main" id="{8438ADBC-F5AF-4A8A-85E8-EE67AC40482F}"/>
+              </a:ext>
+            </a:extLst>
+          </p:cNvPr>
+          <p:cNvPicPr>
+            <a:picLocks noGrp="1" noChangeAspect="1"/>
+          </p:cNvPicPr>
+          <p:nvPr>
+            <p:ph idx="1"/>
+          </p:nvPr>
+        </p:nvPicPr>
+        <p:blipFill>
+          <a:blip r:embed="rId2"/>
+          <a:stretch>
+            <a:fillRect/>
+          </a:stretch>
+        </p:blipFill>
+        <p:spPr>
+          <a:xfrm>
+            <a:off x="839710" y="1519334"/>
+            <a:ext cx="3152775" cy="1971675"/>
+          </a:xfrm>
+        </p:spPr>
+      </p:pic>
+      <p:sp>
+        <p:nvSpPr>
+          <p:cNvPr id="5" name="TextBox 4">
+            <a:extLst>
+              <a:ext uri="{FF2B5EF4-FFF2-40B4-BE49-F238E27FC236}">
+                <a16:creationId xmlns:a16="http://schemas.microsoft.com/office/drawing/2014/main" id="{2451DC0A-CE8C-4807-BE9D-490B61D1DB52}"/>
+              </a:ext>
+            </a:extLst>
+          </p:cNvPr>
+          <p:cNvSpPr txBox="1"/>
+          <p:nvPr/>
+        </p:nvSpPr>
+        <p:spPr>
+          <a:xfrm>
+            <a:off x="5123985" y="1713570"/>
+            <a:ext cx="3468029" cy="1200329"/>
+          </a:xfrm>
+          <a:prstGeom prst="rect">
+            <a:avLst/>
+          </a:prstGeom>
+          <a:noFill/>
+        </p:spPr>
+        <p:txBody>
+          <a:bodyPr rot="0" spcFirstLastPara="0" vertOverflow="overflow" horzOverflow="overflow" vert="horz" wrap="square" lIns="91440" tIns="45720" rIns="91440" bIns="45720" numCol="1" spcCol="0" rtlCol="0" fromWordArt="0" anchor="t" anchorCtr="0" forceAA="0" compatLnSpc="1">
+            <a:prstTxWarp prst="textNoShape">
+              <a:avLst/>
+            </a:prstTxWarp>
+            <a:spAutoFit/>
+          </a:bodyPr>
+          <a:lstStyle/>
+          <a:p>
+            <a:r>
+              <a:rPr lang="en-US" dirty="0">
+                <a:cs typeface="Calibri"/>
+              </a:rPr>
+              <a:t>First version of my help class. It is working and doing what it needs to. I can now shift my attention to my history and export classes.</a:t>
+            </a:r>
+          </a:p>
+        </p:txBody>
+      </p:sp>
+    </p:spTree>
+    <p:extLst>
+      <p:ext uri="{BB962C8B-B14F-4D97-AF65-F5344CB8AC3E}">
+        <p14:creationId xmlns:p14="http://schemas.microsoft.com/office/powerpoint/2010/main" val="1147695793"/>
+      </p:ext>
+    </p:extLst>
+  </p:cSld>
+  <p:clrMapOvr>
+    <a:masterClrMapping/>
+  </p:clrMapOvr>
+</p:sld>
+</file>
+
+<file path=ppt/slides/slide17.xml><?xml version="1.0" encoding="utf-8"?>
+<p:sld xmlns:a="http://schemas.openxmlformats.org/drawingml/2006/main" xmlns:r="http://schemas.openxmlformats.org/officeDocument/2006/relationships" xmlns:p="http://schemas.openxmlformats.org/presentationml/2006/main">
+  <p:cSld>
+    <p:spTree>
+      <p:nvGrpSpPr>
+        <p:cNvPr id="1" name=""/>
+        <p:cNvGrpSpPr/>
+        <p:nvPr/>
+      </p:nvGrpSpPr>
+      <p:grpSpPr>
+        <a:xfrm>
+          <a:off x="0" y="0"/>
+          <a:ext cx="0" cy="0"/>
+          <a:chOff x="0" y="0"/>
+          <a:chExt cx="0" cy="0"/>
+        </a:xfrm>
+      </p:grpSpPr>
+      <p:sp>
+        <p:nvSpPr>
+          <p:cNvPr id="2" name="Title 1">
+            <a:extLst>
+              <a:ext uri="{FF2B5EF4-FFF2-40B4-BE49-F238E27FC236}">
+                <a16:creationId xmlns:a16="http://schemas.microsoft.com/office/drawing/2014/main" id="{9CBE8611-D923-452D-A3A1-3B9294584E4C}"/>
+              </a:ext>
+            </a:extLst>
+          </p:cNvPr>
+          <p:cNvSpPr>
+            <a:spLocks noGrp="1"/>
+          </p:cNvSpPr>
+          <p:nvPr>
+            <p:ph type="title"/>
+          </p:nvPr>
+        </p:nvSpPr>
+        <p:spPr/>
+        <p:txBody>
+          <a:bodyPr/>
+          <a:lstStyle/>
+          <a:p>
+            <a:endParaRPr lang="en-US"/>
+          </a:p>
+        </p:txBody>
+      </p:sp>
+      <p:sp>
+        <p:nvSpPr>
+          <p:cNvPr id="3" name="Content Placeholder 2">
+            <a:extLst>
+              <a:ext uri="{FF2B5EF4-FFF2-40B4-BE49-F238E27FC236}">
+                <a16:creationId xmlns:a16="http://schemas.microsoft.com/office/drawing/2014/main" id="{37BE3E49-F03F-4D85-8DBD-C13F465F39C8}"/>
+              </a:ext>
+            </a:extLst>
+          </p:cNvPr>
+          <p:cNvSpPr>
+            <a:spLocks noGrp="1"/>
+          </p:cNvSpPr>
+          <p:nvPr>
+            <p:ph idx="1"/>
+          </p:nvPr>
+        </p:nvSpPr>
+        <p:spPr/>
+        <p:txBody>
+          <a:bodyPr/>
+          <a:lstStyle/>
+          <a:p>
+            <a:endParaRPr lang="en-US"/>
+          </a:p>
+        </p:txBody>
+      </p:sp>
+    </p:spTree>
+    <p:extLst>
+      <p:ext uri="{BB962C8B-B14F-4D97-AF65-F5344CB8AC3E}">
+        <p14:creationId xmlns:p14="http://schemas.microsoft.com/office/powerpoint/2010/main" val="1323580387"/>
+      </p:ext>
+    </p:extLst>
+  </p:cSld>
+  <p:clrMapOvr>
+    <a:masterClrMapping/>
+  </p:clrMapOvr>
+</p:sld>
+</file>
+
 <file path=ppt/slides/slide2.xml><?xml version="1.0" encoding="utf-8"?>
 <p:sld xmlns:a="http://schemas.openxmlformats.org/drawingml/2006/main" xmlns:r="http://schemas.openxmlformats.org/officeDocument/2006/relationships" xmlns:p="http://schemas.openxmlformats.org/presentationml/2006/main">
   <p:cSld>

--- a/Programming Assesment.pptx
+++ b/Programming Assesment.pptx
@@ -22,6 +22,7 @@
     <p:sldId id="271" r:id="rId16"/>
     <p:sldId id="272" r:id="rId17"/>
     <p:sldId id="273" r:id="rId18"/>
+    <p:sldId id="274" r:id="rId19"/>
   </p:sldIdLst>
   <p:sldSz cx="12192000" cy="6858000"/>
   <p:notesSz cx="6858000" cy="9144000"/>
@@ -144,6 +145,7 @@
     <p1510:client id="{83C94324-EBE6-7120-C8CE-3FACB84F21A0}" v="166" dt="2021-07-27T03:07:43.190"/>
     <p1510:client id="{8BDA8286-ABF9-455E-92B6-822DD2D54F24}" v="363" dt="2021-06-02T23:33:01.816"/>
     <p1510:client id="{988D2265-4B4A-D9DD-55B3-4738B025B4A1}" v="235" dt="2021-07-06T02:55:57.316"/>
+    <p1510:client id="{A5E06B29-FEC7-26F9-9B07-2E4AF5693A3B}" v="328" dt="2021-08-03T01:56:47.387"/>
     <p1510:client id="{B97A3ED7-EE4A-5CC1-A41D-E85CFB4F2B38}" v="388" dt="2021-06-01T02:31:37.218"/>
     <p1510:client id="{C9F5174C-5619-5E50-BF05-0D84B8F86598}" v="516" dt="2021-06-10T00:06:46.122"/>
     <p1510:client id="{D3BA5852-7B66-A859-35DA-1A7F22D39787}" v="441" dt="2021-06-09T01:12:33.081"/>
@@ -156,118 +158,6 @@
 
 <file path=ppt/changesInfos/changesInfo1.xml><?xml version="1.0" encoding="utf-8"?>
 <pc:chgInfo xmlns:a="http://schemas.openxmlformats.org/drawingml/2006/main" xmlns:r="http://schemas.openxmlformats.org/officeDocument/2006/relationships" xmlns:ac="http://schemas.microsoft.com/office/drawing/2013/main/command" xmlns:pc="http://schemas.microsoft.com/office/powerpoint/2013/main/command">
-  <pc:docChgLst>
-    <pc:chgData name="Jonny Morris" userId="S::morrisj70800@masseyhigh.school.nz::4fab9e21-29a7-4d03-b4c0-6c8a112c783d" providerId="AD" clId="Web-{D3BA5852-7B66-A859-35DA-1A7F22D39787}"/>
-    <pc:docChg chg="addSld modSld">
-      <pc:chgData name="Jonny Morris" userId="S::morrisj70800@masseyhigh.school.nz::4fab9e21-29a7-4d03-b4c0-6c8a112c783d" providerId="AD" clId="Web-{D3BA5852-7B66-A859-35DA-1A7F22D39787}" dt="2021-06-09T01:12:33.081" v="234" actId="20577"/>
-      <pc:docMkLst>
-        <pc:docMk/>
-      </pc:docMkLst>
-      <pc:sldChg chg="addSp delSp modSp new mod setBg setClrOvrMap">
-        <pc:chgData name="Jonny Morris" userId="S::morrisj70800@masseyhigh.school.nz::4fab9e21-29a7-4d03-b4c0-6c8a112c783d" providerId="AD" clId="Web-{D3BA5852-7B66-A859-35DA-1A7F22D39787}" dt="2021-06-09T01:12:33.081" v="234" actId="20577"/>
-        <pc:sldMkLst>
-          <pc:docMk/>
-          <pc:sldMk cId="1564752394" sldId="261"/>
-        </pc:sldMkLst>
-        <pc:spChg chg="mod ord">
-          <ac:chgData name="Jonny Morris" userId="S::morrisj70800@masseyhigh.school.nz::4fab9e21-29a7-4d03-b4c0-6c8a112c783d" providerId="AD" clId="Web-{D3BA5852-7B66-A859-35DA-1A7F22D39787}" dt="2021-06-09T00:59:57.987" v="149"/>
-          <ac:spMkLst>
-            <pc:docMk/>
-            <pc:sldMk cId="1564752394" sldId="261"/>
-            <ac:spMk id="2" creationId="{A81619B3-50A6-4AE2-A2F1-2C344111BFA3}"/>
-          </ac:spMkLst>
-        </pc:spChg>
-        <pc:spChg chg="del">
-          <ac:chgData name="Jonny Morris" userId="S::morrisj70800@masseyhigh.school.nz::4fab9e21-29a7-4d03-b4c0-6c8a112c783d" providerId="AD" clId="Web-{D3BA5852-7B66-A859-35DA-1A7F22D39787}" dt="2021-06-09T00:42:58.419" v="1"/>
-          <ac:spMkLst>
-            <pc:docMk/>
-            <pc:sldMk cId="1564752394" sldId="261"/>
-            <ac:spMk id="3" creationId="{11D74DFB-90FC-4934-9B45-EC3E31BFCBE1}"/>
-          </ac:spMkLst>
-        </pc:spChg>
-        <pc:spChg chg="add mod">
-          <ac:chgData name="Jonny Morris" userId="S::morrisj70800@masseyhigh.school.nz::4fab9e21-29a7-4d03-b4c0-6c8a112c783d" providerId="AD" clId="Web-{D3BA5852-7B66-A859-35DA-1A7F22D39787}" dt="2021-06-09T01:12:33.081" v="234" actId="20577"/>
-          <ac:spMkLst>
-            <pc:docMk/>
-            <pc:sldMk cId="1564752394" sldId="261"/>
-            <ac:spMk id="5" creationId="{F77A086F-6797-4CAF-8296-05DDDA8099AD}"/>
-          </ac:spMkLst>
-        </pc:spChg>
-        <pc:spChg chg="add del">
-          <ac:chgData name="Jonny Morris" userId="S::morrisj70800@masseyhigh.school.nz::4fab9e21-29a7-4d03-b4c0-6c8a112c783d" providerId="AD" clId="Web-{D3BA5852-7B66-A859-35DA-1A7F22D39787}" dt="2021-06-09T00:59:45.190" v="146"/>
-          <ac:spMkLst>
-            <pc:docMk/>
-            <pc:sldMk cId="1564752394" sldId="261"/>
-            <ac:spMk id="7" creationId="{1A95671B-3CC6-4792-9114-B74FAEA224E6}"/>
-          </ac:spMkLst>
-        </pc:spChg>
-        <pc:spChg chg="add del">
-          <ac:chgData name="Jonny Morris" userId="S::morrisj70800@masseyhigh.school.nz::4fab9e21-29a7-4d03-b4c0-6c8a112c783d" providerId="AD" clId="Web-{D3BA5852-7B66-A859-35DA-1A7F22D39787}" dt="2021-06-09T00:59:57.972" v="148"/>
-          <ac:spMkLst>
-            <pc:docMk/>
-            <pc:sldMk cId="1564752394" sldId="261"/>
-            <ac:spMk id="8" creationId="{305265DC-CF6B-4AE8-B3F3-2A7A16374D31}"/>
-          </ac:spMkLst>
-        </pc:spChg>
-        <pc:spChg chg="add del">
-          <ac:chgData name="Jonny Morris" userId="S::morrisj70800@masseyhigh.school.nz::4fab9e21-29a7-4d03-b4c0-6c8a112c783d" providerId="AD" clId="Web-{D3BA5852-7B66-A859-35DA-1A7F22D39787}" dt="2021-06-09T00:59:42.799" v="144"/>
-          <ac:spMkLst>
-            <pc:docMk/>
-            <pc:sldMk cId="1564752394" sldId="261"/>
-            <ac:spMk id="10" creationId="{9AA72BD9-2C5A-4EDC-931F-5AA08EACA0F3}"/>
-          </ac:spMkLst>
-        </pc:spChg>
-        <pc:spChg chg="add">
-          <ac:chgData name="Jonny Morris" userId="S::morrisj70800@masseyhigh.school.nz::4fab9e21-29a7-4d03-b4c0-6c8a112c783d" providerId="AD" clId="Web-{D3BA5852-7B66-A859-35DA-1A7F22D39787}" dt="2021-06-09T00:59:57.987" v="149"/>
-          <ac:spMkLst>
-            <pc:docMk/>
-            <pc:sldMk cId="1564752394" sldId="261"/>
-            <ac:spMk id="11" creationId="{1A95671B-3CC6-4792-9114-B74FAEA224E6}"/>
-          </ac:spMkLst>
-        </pc:spChg>
-        <pc:spChg chg="add del">
-          <ac:chgData name="Jonny Morris" userId="S::morrisj70800@masseyhigh.school.nz::4fab9e21-29a7-4d03-b4c0-6c8a112c783d" providerId="AD" clId="Web-{D3BA5852-7B66-A859-35DA-1A7F22D39787}" dt="2021-06-09T00:59:42.799" v="144"/>
-          <ac:spMkLst>
-            <pc:docMk/>
-            <pc:sldMk cId="1564752394" sldId="261"/>
-            <ac:spMk id="12" creationId="{DD3981AC-7B61-4947-BCF3-F7AA7FA385B9}"/>
-          </ac:spMkLst>
-        </pc:spChg>
-        <pc:spChg chg="add del">
-          <ac:chgData name="Jonny Morris" userId="S::morrisj70800@masseyhigh.school.nz::4fab9e21-29a7-4d03-b4c0-6c8a112c783d" providerId="AD" clId="Web-{D3BA5852-7B66-A859-35DA-1A7F22D39787}" dt="2021-06-09T00:59:42.799" v="144"/>
-          <ac:spMkLst>
-            <pc:docMk/>
-            <pc:sldMk cId="1564752394" sldId="261"/>
-            <ac:spMk id="14" creationId="{55D4142C-5077-457F-A6AD-3FECFDB39685}"/>
-          </ac:spMkLst>
-        </pc:spChg>
-        <pc:spChg chg="add del">
-          <ac:chgData name="Jonny Morris" userId="S::morrisj70800@masseyhigh.school.nz::4fab9e21-29a7-4d03-b4c0-6c8a112c783d" providerId="AD" clId="Web-{D3BA5852-7B66-A859-35DA-1A7F22D39787}" dt="2021-06-09T00:59:42.799" v="144"/>
-          <ac:spMkLst>
-            <pc:docMk/>
-            <pc:sldMk cId="1564752394" sldId="261"/>
-            <ac:spMk id="16" creationId="{7A5F0580-5EE9-419F-96EE-B6529EF6E7D0}"/>
-          </ac:spMkLst>
-        </pc:spChg>
-        <pc:grpChg chg="add del">
-          <ac:chgData name="Jonny Morris" userId="S::morrisj70800@masseyhigh.school.nz::4fab9e21-29a7-4d03-b4c0-6c8a112c783d" providerId="AD" clId="Web-{D3BA5852-7B66-A859-35DA-1A7F22D39787}" dt="2021-06-09T00:59:57.972" v="148"/>
-          <ac:grpSpMkLst>
-            <pc:docMk/>
-            <pc:sldMk cId="1564752394" sldId="261"/>
-            <ac:grpSpMk id="9" creationId="{37EA779C-87BF-454F-919D-A3DA98FD8A79}"/>
-          </ac:grpSpMkLst>
-        </pc:grpChg>
-        <pc:picChg chg="add mod ord">
-          <ac:chgData name="Jonny Morris" userId="S::morrisj70800@masseyhigh.school.nz::4fab9e21-29a7-4d03-b4c0-6c8a112c783d" providerId="AD" clId="Web-{D3BA5852-7B66-A859-35DA-1A7F22D39787}" dt="2021-06-09T00:59:57.987" v="149"/>
-          <ac:picMkLst>
-            <pc:docMk/>
-            <pc:sldMk cId="1564752394" sldId="261"/>
-            <ac:picMk id="4" creationId="{95A9B02B-2840-47F5-851E-CE4DC41FA2E8}"/>
-          </ac:picMkLst>
-        </pc:picChg>
-      </pc:sldChg>
-    </pc:docChg>
-  </pc:docChgLst>
   <pc:docChgLst>
     <pc:chgData name="Jonny Morris" userId="S::morrisj70800@masseyhigh.school.nz::4fab9e21-29a7-4d03-b4c0-6c8a112c783d" providerId="AD" clId="Web-{E59691CD-4E5D-C9E7-EFEF-F6E12282C375}"/>
     <pc:docChg chg="addSld modSld">
@@ -317,71 +207,1174 @@
     </pc:docChg>
   </pc:docChgLst>
   <pc:docChgLst>
-    <pc:chgData name="Jonny Morris" userId="S::morrisj70800@masseyhigh.school.nz::4fab9e21-29a7-4d03-b4c0-6c8a112c783d" providerId="AD" clId="Web-{3312139C-ECA4-D6E5-6EA0-9FAF5992739F}"/>
+    <pc:chgData name="Jonny Morris" userId="S::morrisj70800@masseyhigh.school.nz::4fab9e21-29a7-4d03-b4c0-6c8a112c783d" providerId="AD" clId="Web-{83C94324-EBE6-7120-C8CE-3FACB84F21A0}"/>
     <pc:docChg chg="addSld modSld">
-      <pc:chgData name="Jonny Morris" userId="S::morrisj70800@masseyhigh.school.nz::4fab9e21-29a7-4d03-b4c0-6c8a112c783d" providerId="AD" clId="Web-{3312139C-ECA4-D6E5-6EA0-9FAF5992739F}" dt="2021-06-15T02:10:40.639" v="39" actId="14100"/>
+      <pc:chgData name="Jonny Morris" userId="S::morrisj70800@masseyhigh.school.nz::4fab9e21-29a7-4d03-b4c0-6c8a112c783d" providerId="AD" clId="Web-{83C94324-EBE6-7120-C8CE-3FACB84F21A0}" dt="2021-07-27T03:07:43.190" v="91" actId="1076"/>
       <pc:docMkLst>
         <pc:docMk/>
       </pc:docMkLst>
-      <pc:sldChg chg="addSp delSp modSp">
-        <pc:chgData name="Jonny Morris" userId="S::morrisj70800@masseyhigh.school.nz::4fab9e21-29a7-4d03-b4c0-6c8a112c783d" providerId="AD" clId="Web-{3312139C-ECA4-D6E5-6EA0-9FAF5992739F}" dt="2021-06-15T02:08:00.534" v="17"/>
+      <pc:sldChg chg="addSp delSp modSp new">
+        <pc:chgData name="Jonny Morris" userId="S::morrisj70800@masseyhigh.school.nz::4fab9e21-29a7-4d03-b4c0-6c8a112c783d" providerId="AD" clId="Web-{83C94324-EBE6-7120-C8CE-3FACB84F21A0}" dt="2021-07-27T03:07:43.190" v="91" actId="1076"/>
+        <pc:sldMkLst>
+          <pc:docMk/>
+          <pc:sldMk cId="3945650720" sldId="270"/>
+        </pc:sldMkLst>
+        <pc:spChg chg="mod">
+          <ac:chgData name="Jonny Morris" userId="S::morrisj70800@masseyhigh.school.nz::4fab9e21-29a7-4d03-b4c0-6c8a112c783d" providerId="AD" clId="Web-{83C94324-EBE6-7120-C8CE-3FACB84F21A0}" dt="2021-07-27T03:07:31.314" v="88" actId="20577"/>
+          <ac:spMkLst>
+            <pc:docMk/>
+            <pc:sldMk cId="3945650720" sldId="270"/>
+            <ac:spMk id="2" creationId="{60E7DE14-70EA-44B3-9974-68425BE0CF5E}"/>
+          </ac:spMkLst>
+        </pc:spChg>
+        <pc:spChg chg="del">
+          <ac:chgData name="Jonny Morris" userId="S::morrisj70800@masseyhigh.school.nz::4fab9e21-29a7-4d03-b4c0-6c8a112c783d" providerId="AD" clId="Web-{83C94324-EBE6-7120-C8CE-3FACB84F21A0}" dt="2021-07-27T02:41:30.408" v="12"/>
+          <ac:spMkLst>
+            <pc:docMk/>
+            <pc:sldMk cId="3945650720" sldId="270"/>
+            <ac:spMk id="3" creationId="{A0B925DC-652D-43E8-B69E-BD57D5ECF9D8}"/>
+          </ac:spMkLst>
+        </pc:spChg>
+        <pc:spChg chg="add mod">
+          <ac:chgData name="Jonny Morris" userId="S::morrisj70800@masseyhigh.school.nz::4fab9e21-29a7-4d03-b4c0-6c8a112c783d" providerId="AD" clId="Web-{83C94324-EBE6-7120-C8CE-3FACB84F21A0}" dt="2021-07-27T03:07:43.190" v="91" actId="1076"/>
+          <ac:spMkLst>
+            <pc:docMk/>
+            <pc:sldMk cId="3945650720" sldId="270"/>
+            <ac:spMk id="5" creationId="{8FDA18EA-F9E6-4125-AEBA-086FCF91B257}"/>
+          </ac:spMkLst>
+        </pc:spChg>
+        <pc:picChg chg="add mod ord">
+          <ac:chgData name="Jonny Morris" userId="S::morrisj70800@masseyhigh.school.nz::4fab9e21-29a7-4d03-b4c0-6c8a112c783d" providerId="AD" clId="Web-{83C94324-EBE6-7120-C8CE-3FACB84F21A0}" dt="2021-07-27T03:07:34.393" v="89" actId="1076"/>
+          <ac:picMkLst>
+            <pc:docMk/>
+            <pc:sldMk cId="3945650720" sldId="270"/>
+            <ac:picMk id="4" creationId="{A1706CB7-CC2F-4A7B-8BD0-E211B93323FD}"/>
+          </ac:picMkLst>
+        </pc:picChg>
+      </pc:sldChg>
+    </pc:docChg>
+  </pc:docChgLst>
+  <pc:docChgLst>
+    <pc:chgData name="Jonny Morris" userId="S::morrisj70800@masseyhigh.school.nz::4fab9e21-29a7-4d03-b4c0-6c8a112c783d" providerId="AD" clId="Web-{1423E2E6-2405-C16D-4FA3-C33C0ADCD3EA}"/>
+    <pc:docChg chg="addSld delSld modSld">
+      <pc:chgData name="Jonny Morris" userId="S::morrisj70800@masseyhigh.school.nz::4fab9e21-29a7-4d03-b4c0-6c8a112c783d" providerId="AD" clId="Web-{1423E2E6-2405-C16D-4FA3-C33C0ADCD3EA}" dt="2021-07-07T01:30:07.750" v="234" actId="20577"/>
+      <pc:docMkLst>
+        <pc:docMk/>
+      </pc:docMkLst>
+      <pc:sldChg chg="addSp modSp mod setBg">
+        <pc:chgData name="Jonny Morris" userId="S::morrisj70800@masseyhigh.school.nz::4fab9e21-29a7-4d03-b4c0-6c8a112c783d" providerId="AD" clId="Web-{1423E2E6-2405-C16D-4FA3-C33C0ADCD3EA}" dt="2021-07-07T01:30:07.750" v="234" actId="20577"/>
+        <pc:sldMkLst>
+          <pc:docMk/>
+          <pc:sldMk cId="2312846984" sldId="265"/>
+        </pc:sldMkLst>
+        <pc:spChg chg="mod">
+          <ac:chgData name="Jonny Morris" userId="S::morrisj70800@masseyhigh.school.nz::4fab9e21-29a7-4d03-b4c0-6c8a112c783d" providerId="AD" clId="Web-{1423E2E6-2405-C16D-4FA3-C33C0ADCD3EA}" dt="2021-07-07T01:30:07.750" v="234" actId="20577"/>
+          <ac:spMkLst>
+            <pc:docMk/>
+            <pc:sldMk cId="2312846984" sldId="265"/>
+            <ac:spMk id="2" creationId="{A8EFE925-DDD6-457F-95FD-557FF9D76A31}"/>
+          </ac:spMkLst>
+        </pc:spChg>
+        <pc:spChg chg="mod ord">
+          <ac:chgData name="Jonny Morris" userId="S::morrisj70800@masseyhigh.school.nz::4fab9e21-29a7-4d03-b4c0-6c8a112c783d" providerId="AD" clId="Web-{1423E2E6-2405-C16D-4FA3-C33C0ADCD3EA}" dt="2021-07-07T01:30:01.375" v="233" actId="20577"/>
+          <ac:spMkLst>
+            <pc:docMk/>
+            <pc:sldMk cId="2312846984" sldId="265"/>
+            <ac:spMk id="6" creationId="{7E9094E3-54D3-43D0-833A-501068F2A71A}"/>
+          </ac:spMkLst>
+        </pc:spChg>
+        <pc:spChg chg="add">
+          <ac:chgData name="Jonny Morris" userId="S::morrisj70800@masseyhigh.school.nz::4fab9e21-29a7-4d03-b4c0-6c8a112c783d" providerId="AD" clId="Web-{1423E2E6-2405-C16D-4FA3-C33C0ADCD3EA}" dt="2021-07-07T01:28:25.295" v="229"/>
+          <ac:spMkLst>
+            <pc:docMk/>
+            <pc:sldMk cId="2312846984" sldId="265"/>
+            <ac:spMk id="11" creationId="{352BEC0E-22F8-46D0-9632-375DB541B06C}"/>
+          </ac:spMkLst>
+        </pc:spChg>
+        <pc:spChg chg="add">
+          <ac:chgData name="Jonny Morris" userId="S::morrisj70800@masseyhigh.school.nz::4fab9e21-29a7-4d03-b4c0-6c8a112c783d" providerId="AD" clId="Web-{1423E2E6-2405-C16D-4FA3-C33C0ADCD3EA}" dt="2021-07-07T01:28:25.295" v="229"/>
+          <ac:spMkLst>
+            <pc:docMk/>
+            <pc:sldMk cId="2312846984" sldId="265"/>
+            <ac:spMk id="13" creationId="{3FCFB1DE-0B7E-48CC-BA90-B2AB0889F9D6}"/>
+          </ac:spMkLst>
+        </pc:spChg>
+        <pc:picChg chg="mod">
+          <ac:chgData name="Jonny Morris" userId="S::morrisj70800@masseyhigh.school.nz::4fab9e21-29a7-4d03-b4c0-6c8a112c783d" providerId="AD" clId="Web-{1423E2E6-2405-C16D-4FA3-C33C0ADCD3EA}" dt="2021-07-07T01:28:25.295" v="229"/>
+          <ac:picMkLst>
+            <pc:docMk/>
+            <pc:sldMk cId="2312846984" sldId="265"/>
+            <ac:picMk id="4" creationId="{BEBED7A8-7A0C-4446-A3F3-AE0384F69625}"/>
+          </ac:picMkLst>
+        </pc:picChg>
+        <pc:picChg chg="mod">
+          <ac:chgData name="Jonny Morris" userId="S::morrisj70800@masseyhigh.school.nz::4fab9e21-29a7-4d03-b4c0-6c8a112c783d" providerId="AD" clId="Web-{1423E2E6-2405-C16D-4FA3-C33C0ADCD3EA}" dt="2021-07-07T01:28:25.295" v="229"/>
+          <ac:picMkLst>
+            <pc:docMk/>
+            <pc:sldMk cId="2312846984" sldId="265"/>
+            <ac:picMk id="5" creationId="{E0886A97-00CE-4C24-AC50-FDB95ED3BEB8}"/>
+          </ac:picMkLst>
+        </pc:picChg>
+      </pc:sldChg>
+      <pc:sldChg chg="del">
+        <pc:chgData name="Jonny Morris" userId="S::morrisj70800@masseyhigh.school.nz::4fab9e21-29a7-4d03-b4c0-6c8a112c783d" providerId="AD" clId="Web-{1423E2E6-2405-C16D-4FA3-C33C0ADCD3EA}" dt="2021-07-07T00:45:45.550" v="0"/>
+        <pc:sldMkLst>
+          <pc:docMk/>
+          <pc:sldMk cId="1488023128" sldId="266"/>
+        </pc:sldMkLst>
+      </pc:sldChg>
+      <pc:sldChg chg="addSp delSp modSp new mod setBg">
+        <pc:chgData name="Jonny Morris" userId="S::morrisj70800@masseyhigh.school.nz::4fab9e21-29a7-4d03-b4c0-6c8a112c783d" providerId="AD" clId="Web-{1423E2E6-2405-C16D-4FA3-C33C0ADCD3EA}" dt="2021-07-07T01:28:18.873" v="228"/>
+        <pc:sldMkLst>
+          <pc:docMk/>
+          <pc:sldMk cId="2636441687" sldId="266"/>
+        </pc:sldMkLst>
+        <pc:spChg chg="mod">
+          <ac:chgData name="Jonny Morris" userId="S::morrisj70800@masseyhigh.school.nz::4fab9e21-29a7-4d03-b4c0-6c8a112c783d" providerId="AD" clId="Web-{1423E2E6-2405-C16D-4FA3-C33C0ADCD3EA}" dt="2021-07-07T01:28:18.873" v="228"/>
+          <ac:spMkLst>
+            <pc:docMk/>
+            <pc:sldMk cId="2636441687" sldId="266"/>
+            <ac:spMk id="2" creationId="{9BC228BC-D5D5-4533-A3DA-8647BEA2F76B}"/>
+          </ac:spMkLst>
+        </pc:spChg>
+        <pc:spChg chg="del">
+          <ac:chgData name="Jonny Morris" userId="S::morrisj70800@masseyhigh.school.nz::4fab9e21-29a7-4d03-b4c0-6c8a112c783d" providerId="AD" clId="Web-{1423E2E6-2405-C16D-4FA3-C33C0ADCD3EA}" dt="2021-07-07T00:46:22.863" v="5"/>
+          <ac:spMkLst>
+            <pc:docMk/>
+            <pc:sldMk cId="2636441687" sldId="266"/>
+            <ac:spMk id="3" creationId="{4D848CEF-C1C7-4004-BB33-92F4F5B84725}"/>
+          </ac:spMkLst>
+        </pc:spChg>
+        <pc:spChg chg="add mod">
+          <ac:chgData name="Jonny Morris" userId="S::morrisj70800@masseyhigh.school.nz::4fab9e21-29a7-4d03-b4c0-6c8a112c783d" providerId="AD" clId="Web-{1423E2E6-2405-C16D-4FA3-C33C0ADCD3EA}" dt="2021-07-07T01:28:18.873" v="228"/>
+          <ac:spMkLst>
+            <pc:docMk/>
+            <pc:sldMk cId="2636441687" sldId="266"/>
+            <ac:spMk id="5" creationId="{F48F0990-95DB-44BF-A4B9-E6208FB9263C}"/>
+          </ac:spMkLst>
+        </pc:spChg>
+        <pc:spChg chg="add">
+          <ac:chgData name="Jonny Morris" userId="S::morrisj70800@masseyhigh.school.nz::4fab9e21-29a7-4d03-b4c0-6c8a112c783d" providerId="AD" clId="Web-{1423E2E6-2405-C16D-4FA3-C33C0ADCD3EA}" dt="2021-07-07T01:28:18.873" v="228"/>
+          <ac:spMkLst>
+            <pc:docMk/>
+            <pc:sldMk cId="2636441687" sldId="266"/>
+            <ac:spMk id="10" creationId="{2B97F24A-32CE-4C1C-A50D-3016B394DCFB}"/>
+          </ac:spMkLst>
+        </pc:spChg>
+        <pc:spChg chg="add">
+          <ac:chgData name="Jonny Morris" userId="S::morrisj70800@masseyhigh.school.nz::4fab9e21-29a7-4d03-b4c0-6c8a112c783d" providerId="AD" clId="Web-{1423E2E6-2405-C16D-4FA3-C33C0ADCD3EA}" dt="2021-07-07T01:28:18.873" v="228"/>
+          <ac:spMkLst>
+            <pc:docMk/>
+            <pc:sldMk cId="2636441687" sldId="266"/>
+            <ac:spMk id="12" creationId="{CD8B4F24-440B-49E9-B85D-733523DC064B}"/>
+          </ac:spMkLst>
+        </pc:spChg>
+        <pc:picChg chg="add mod ord">
+          <ac:chgData name="Jonny Morris" userId="S::morrisj70800@masseyhigh.school.nz::4fab9e21-29a7-4d03-b4c0-6c8a112c783d" providerId="AD" clId="Web-{1423E2E6-2405-C16D-4FA3-C33C0ADCD3EA}" dt="2021-07-07T01:28:18.873" v="228"/>
+          <ac:picMkLst>
+            <pc:docMk/>
+            <pc:sldMk cId="2636441687" sldId="266"/>
+            <ac:picMk id="4" creationId="{8C8059C0-D46C-4EE3-8A5A-E4AB3BAE9F38}"/>
+          </ac:picMkLst>
+        </pc:picChg>
+      </pc:sldChg>
+      <pc:sldChg chg="addSp delSp modSp new">
+        <pc:chgData name="Jonny Morris" userId="S::morrisj70800@masseyhigh.school.nz::4fab9e21-29a7-4d03-b4c0-6c8a112c783d" providerId="AD" clId="Web-{1423E2E6-2405-C16D-4FA3-C33C0ADCD3EA}" dt="2021-07-07T01:28:11.076" v="227" actId="20577"/>
+        <pc:sldMkLst>
+          <pc:docMk/>
+          <pc:sldMk cId="4269907770" sldId="267"/>
+        </pc:sldMkLst>
+        <pc:spChg chg="mod">
+          <ac:chgData name="Jonny Morris" userId="S::morrisj70800@masseyhigh.school.nz::4fab9e21-29a7-4d03-b4c0-6c8a112c783d" providerId="AD" clId="Web-{1423E2E6-2405-C16D-4FA3-C33C0ADCD3EA}" dt="2021-07-07T01:24:41.868" v="79" actId="20577"/>
+          <ac:spMkLst>
+            <pc:docMk/>
+            <pc:sldMk cId="4269907770" sldId="267"/>
+            <ac:spMk id="2" creationId="{8791E409-6935-493D-8A4B-DDCE0E6E1583}"/>
+          </ac:spMkLst>
+        </pc:spChg>
+        <pc:spChg chg="del">
+          <ac:chgData name="Jonny Morris" userId="S::morrisj70800@masseyhigh.school.nz::4fab9e21-29a7-4d03-b4c0-6c8a112c783d" providerId="AD" clId="Web-{1423E2E6-2405-C16D-4FA3-C33C0ADCD3EA}" dt="2021-07-07T01:24:43.259" v="80"/>
+          <ac:spMkLst>
+            <pc:docMk/>
+            <pc:sldMk cId="4269907770" sldId="267"/>
+            <ac:spMk id="3" creationId="{D19A3B35-862F-4096-BB70-35208DDA66AB}"/>
+          </ac:spMkLst>
+        </pc:spChg>
+        <pc:spChg chg="add del">
+          <ac:chgData name="Jonny Morris" userId="S::morrisj70800@masseyhigh.school.nz::4fab9e21-29a7-4d03-b4c0-6c8a112c783d" providerId="AD" clId="Web-{1423E2E6-2405-C16D-4FA3-C33C0ADCD3EA}" dt="2021-07-07T01:25:13.197" v="97"/>
+          <ac:spMkLst>
+            <pc:docMk/>
+            <pc:sldMk cId="4269907770" sldId="267"/>
+            <ac:spMk id="5" creationId="{BAC64147-5C51-4090-BA1C-E3850FA01F1A}"/>
+          </ac:spMkLst>
+        </pc:spChg>
+        <pc:spChg chg="add del">
+          <ac:chgData name="Jonny Morris" userId="S::morrisj70800@masseyhigh.school.nz::4fab9e21-29a7-4d03-b4c0-6c8a112c783d" providerId="AD" clId="Web-{1423E2E6-2405-C16D-4FA3-C33C0ADCD3EA}" dt="2021-07-07T01:25:12.712" v="96"/>
+          <ac:spMkLst>
+            <pc:docMk/>
+            <pc:sldMk cId="4269907770" sldId="267"/>
+            <ac:spMk id="6" creationId="{75E74B46-9CAF-4D3A-AAEF-BF73CAC32F76}"/>
+          </ac:spMkLst>
+        </pc:spChg>
+        <pc:spChg chg="add del">
+          <ac:chgData name="Jonny Morris" userId="S::morrisj70800@masseyhigh.school.nz::4fab9e21-29a7-4d03-b4c0-6c8a112c783d" providerId="AD" clId="Web-{1423E2E6-2405-C16D-4FA3-C33C0ADCD3EA}" dt="2021-07-07T01:25:11.978" v="95"/>
+          <ac:spMkLst>
+            <pc:docMk/>
+            <pc:sldMk cId="4269907770" sldId="267"/>
+            <ac:spMk id="7" creationId="{8E53D55C-388E-4783-B523-205D9E057902}"/>
+          </ac:spMkLst>
+        </pc:spChg>
+        <pc:spChg chg="add del">
+          <ac:chgData name="Jonny Morris" userId="S::morrisj70800@masseyhigh.school.nz::4fab9e21-29a7-4d03-b4c0-6c8a112c783d" providerId="AD" clId="Web-{1423E2E6-2405-C16D-4FA3-C33C0ADCD3EA}" dt="2021-07-07T01:25:11.697" v="94"/>
+          <ac:spMkLst>
+            <pc:docMk/>
+            <pc:sldMk cId="4269907770" sldId="267"/>
+            <ac:spMk id="8" creationId="{B143676B-9A77-4034-9091-0C1D716B1D24}"/>
+          </ac:spMkLst>
+        </pc:spChg>
+        <pc:spChg chg="add del">
+          <ac:chgData name="Jonny Morris" userId="S::morrisj70800@masseyhigh.school.nz::4fab9e21-29a7-4d03-b4c0-6c8a112c783d" providerId="AD" clId="Web-{1423E2E6-2405-C16D-4FA3-C33C0ADCD3EA}" dt="2021-07-07T01:25:11.228" v="93"/>
+          <ac:spMkLst>
+            <pc:docMk/>
+            <pc:sldMk cId="4269907770" sldId="267"/>
+            <ac:spMk id="9" creationId="{E6275B4D-E663-473E-BCB1-2FC2124000E5}"/>
+          </ac:spMkLst>
+        </pc:spChg>
+        <pc:spChg chg="add del">
+          <ac:chgData name="Jonny Morris" userId="S::morrisj70800@masseyhigh.school.nz::4fab9e21-29a7-4d03-b4c0-6c8a112c783d" providerId="AD" clId="Web-{1423E2E6-2405-C16D-4FA3-C33C0ADCD3EA}" dt="2021-07-07T01:25:10.697" v="92"/>
+          <ac:spMkLst>
+            <pc:docMk/>
+            <pc:sldMk cId="4269907770" sldId="267"/>
+            <ac:spMk id="10" creationId="{E2B4776C-8E6D-4CC4-8207-9F3220C23531}"/>
+          </ac:spMkLst>
+        </pc:spChg>
+        <pc:spChg chg="add del">
+          <ac:chgData name="Jonny Morris" userId="S::morrisj70800@masseyhigh.school.nz::4fab9e21-29a7-4d03-b4c0-6c8a112c783d" providerId="AD" clId="Web-{1423E2E6-2405-C16D-4FA3-C33C0ADCD3EA}" dt="2021-07-07T01:25:10.384" v="91"/>
+          <ac:spMkLst>
+            <pc:docMk/>
+            <pc:sldMk cId="4269907770" sldId="267"/>
+            <ac:spMk id="11" creationId="{023ED784-A63F-4BB8-824C-ED7720F509BA}"/>
+          </ac:spMkLst>
+        </pc:spChg>
+        <pc:spChg chg="add mod">
+          <ac:chgData name="Jonny Morris" userId="S::morrisj70800@masseyhigh.school.nz::4fab9e21-29a7-4d03-b4c0-6c8a112c783d" providerId="AD" clId="Web-{1423E2E6-2405-C16D-4FA3-C33C0ADCD3EA}" dt="2021-07-07T01:28:11.076" v="227" actId="20577"/>
+          <ac:spMkLst>
+            <pc:docMk/>
+            <pc:sldMk cId="4269907770" sldId="267"/>
+            <ac:spMk id="12" creationId="{73C65C4E-D475-417F-BF9A-4B4476C9B196}"/>
+          </ac:spMkLst>
+        </pc:spChg>
+        <pc:picChg chg="add mod ord">
+          <ac:chgData name="Jonny Morris" userId="S::morrisj70800@masseyhigh.school.nz::4fab9e21-29a7-4d03-b4c0-6c8a112c783d" providerId="AD" clId="Web-{1423E2E6-2405-C16D-4FA3-C33C0ADCD3EA}" dt="2021-07-07T01:24:47.837" v="81" actId="1076"/>
+          <ac:picMkLst>
+            <pc:docMk/>
+            <pc:sldMk cId="4269907770" sldId="267"/>
+            <ac:picMk id="4" creationId="{FE62F3AF-1CA3-49D3-8DB5-5446126C5F63}"/>
+          </ac:picMkLst>
+        </pc:picChg>
+      </pc:sldChg>
+    </pc:docChg>
+  </pc:docChgLst>
+  <pc:docChgLst>
+    <pc:chgData name="Jonny Morris" userId="S::morrisj70800@masseyhigh.school.nz::4fab9e21-29a7-4d03-b4c0-6c8a112c783d" providerId="AD" clId="Web-{2BF45F4D-8CBA-4021-0C0C-AF4D1A6BC7AD}"/>
+    <pc:docChg chg="modSld">
+      <pc:chgData name="Jonny Morris" userId="S::morrisj70800@masseyhigh.school.nz::4fab9e21-29a7-4d03-b4c0-6c8a112c783d" providerId="AD" clId="Web-{2BF45F4D-8CBA-4021-0C0C-AF4D1A6BC7AD}" dt="2021-07-28T01:09:17.381" v="35" actId="20577"/>
+      <pc:docMkLst>
+        <pc:docMk/>
+      </pc:docMkLst>
+      <pc:sldChg chg="modSp">
+        <pc:chgData name="Jonny Morris" userId="S::morrisj70800@masseyhigh.school.nz::4fab9e21-29a7-4d03-b4c0-6c8a112c783d" providerId="AD" clId="Web-{2BF45F4D-8CBA-4021-0C0C-AF4D1A6BC7AD}" dt="2021-07-28T01:09:17.381" v="35" actId="20577"/>
+        <pc:sldMkLst>
+          <pc:docMk/>
+          <pc:sldMk cId="3945650720" sldId="270"/>
+        </pc:sldMkLst>
+        <pc:spChg chg="mod">
+          <ac:chgData name="Jonny Morris" userId="S::morrisj70800@masseyhigh.school.nz::4fab9e21-29a7-4d03-b4c0-6c8a112c783d" providerId="AD" clId="Web-{2BF45F4D-8CBA-4021-0C0C-AF4D1A6BC7AD}" dt="2021-07-28T01:08:44.740" v="4" actId="20577"/>
+          <ac:spMkLst>
+            <pc:docMk/>
+            <pc:sldMk cId="3945650720" sldId="270"/>
+            <ac:spMk id="2" creationId="{60E7DE14-70EA-44B3-9974-68425BE0CF5E}"/>
+          </ac:spMkLst>
+        </pc:spChg>
+        <pc:spChg chg="mod">
+          <ac:chgData name="Jonny Morris" userId="S::morrisj70800@masseyhigh.school.nz::4fab9e21-29a7-4d03-b4c0-6c8a112c783d" providerId="AD" clId="Web-{2BF45F4D-8CBA-4021-0C0C-AF4D1A6BC7AD}" dt="2021-07-28T01:09:17.381" v="35" actId="20577"/>
+          <ac:spMkLst>
+            <pc:docMk/>
+            <pc:sldMk cId="3945650720" sldId="270"/>
+            <ac:spMk id="5" creationId="{8FDA18EA-F9E6-4125-AEBA-086FCF91B257}"/>
+          </ac:spMkLst>
+        </pc:spChg>
+      </pc:sldChg>
+    </pc:docChg>
+  </pc:docChgLst>
+  <pc:docChgLst>
+    <pc:chgData name="Jonny Morris" userId="S::morrisj70800@masseyhigh.school.nz::4fab9e21-29a7-4d03-b4c0-6c8a112c783d" providerId="AD" clId="Web-{EE33AF41-30E7-9FB3-CC2C-421B72023142}"/>
+    <pc:docChg chg="addSld modSld sldOrd">
+      <pc:chgData name="Jonny Morris" userId="S::morrisj70800@masseyhigh.school.nz::4fab9e21-29a7-4d03-b4c0-6c8a112c783d" providerId="AD" clId="Web-{EE33AF41-30E7-9FB3-CC2C-421B72023142}" dt="2021-06-16T01:15:50.862" v="196"/>
+      <pc:docMkLst>
+        <pc:docMk/>
+      </pc:docMkLst>
+      <pc:sldChg chg="modSp">
+        <pc:chgData name="Jonny Morris" userId="S::morrisj70800@masseyhigh.school.nz::4fab9e21-29a7-4d03-b4c0-6c8a112c783d" providerId="AD" clId="Web-{EE33AF41-30E7-9FB3-CC2C-421B72023142}" dt="2021-06-16T00:31:27.922" v="2" actId="20577"/>
         <pc:sldMkLst>
           <pc:docMk/>
           <pc:sldMk cId="109857222" sldId="256"/>
         </pc:sldMkLst>
         <pc:spChg chg="mod">
-          <ac:chgData name="Jonny Morris" userId="S::morrisj70800@masseyhigh.school.nz::4fab9e21-29a7-4d03-b4c0-6c8a112c783d" providerId="AD" clId="Web-{3312139C-ECA4-D6E5-6EA0-9FAF5992739F}" dt="2021-06-15T02:07:55.206" v="12" actId="20577"/>
+          <ac:chgData name="Jonny Morris" userId="S::morrisj70800@masseyhigh.school.nz::4fab9e21-29a7-4d03-b4c0-6c8a112c783d" providerId="AD" clId="Web-{EE33AF41-30E7-9FB3-CC2C-421B72023142}" dt="2021-06-16T00:31:27.922" v="2" actId="20577"/>
           <ac:spMkLst>
             <pc:docMk/>
             <pc:sldMk cId="109857222" sldId="256"/>
             <ac:spMk id="2" creationId="{00000000-0000-0000-0000-000000000000}"/>
           </ac:spMkLst>
         </pc:spChg>
-        <pc:picChg chg="add del mod">
-          <ac:chgData name="Jonny Morris" userId="S::morrisj70800@masseyhigh.school.nz::4fab9e21-29a7-4d03-b4c0-6c8a112c783d" providerId="AD" clId="Web-{3312139C-ECA4-D6E5-6EA0-9FAF5992739F}" dt="2021-06-15T02:08:00.534" v="17"/>
+      </pc:sldChg>
+      <pc:sldChg chg="addSp delSp modSp">
+        <pc:chgData name="Jonny Morris" userId="S::morrisj70800@masseyhigh.school.nz::4fab9e21-29a7-4d03-b4c0-6c8a112c783d" providerId="AD" clId="Web-{EE33AF41-30E7-9FB3-CC2C-421B72023142}" dt="2021-06-16T01:15:36.049" v="192"/>
+        <pc:sldMkLst>
+          <pc:docMk/>
+          <pc:sldMk cId="4213354389" sldId="260"/>
+        </pc:sldMkLst>
+        <pc:spChg chg="mod">
+          <ac:chgData name="Jonny Morris" userId="S::morrisj70800@masseyhigh.school.nz::4fab9e21-29a7-4d03-b4c0-6c8a112c783d" providerId="AD" clId="Web-{EE33AF41-30E7-9FB3-CC2C-421B72023142}" dt="2021-06-16T01:15:36.049" v="192"/>
+          <ac:spMkLst>
+            <pc:docMk/>
+            <pc:sldMk cId="4213354389" sldId="260"/>
+            <ac:spMk id="2" creationId="{54EC48D4-B0FC-4660-8894-4F1B722EAFD3}"/>
+          </ac:spMkLst>
+        </pc:spChg>
+        <pc:spChg chg="mod">
+          <ac:chgData name="Jonny Morris" userId="S::morrisj70800@masseyhigh.school.nz::4fab9e21-29a7-4d03-b4c0-6c8a112c783d" providerId="AD" clId="Web-{EE33AF41-30E7-9FB3-CC2C-421B72023142}" dt="2021-06-16T01:15:36.049" v="192"/>
+          <ac:spMkLst>
+            <pc:docMk/>
+            <pc:sldMk cId="4213354389" sldId="260"/>
+            <ac:spMk id="5" creationId="{A626E451-29FF-476C-B176-15A181E7FCFB}"/>
+          </ac:spMkLst>
+        </pc:spChg>
+        <pc:spChg chg="del">
+          <ac:chgData name="Jonny Morris" userId="S::morrisj70800@masseyhigh.school.nz::4fab9e21-29a7-4d03-b4c0-6c8a112c783d" providerId="AD" clId="Web-{EE33AF41-30E7-9FB3-CC2C-421B72023142}" dt="2021-06-16T01:15:36.049" v="192"/>
+          <ac:spMkLst>
+            <pc:docMk/>
+            <pc:sldMk cId="4213354389" sldId="260"/>
+            <ac:spMk id="10" creationId="{73DE2CFE-42F2-48F0-8706-5264E012B10C}"/>
+          </ac:spMkLst>
+        </pc:spChg>
+        <pc:spChg chg="add">
+          <ac:chgData name="Jonny Morris" userId="S::morrisj70800@masseyhigh.school.nz::4fab9e21-29a7-4d03-b4c0-6c8a112c783d" providerId="AD" clId="Web-{EE33AF41-30E7-9FB3-CC2C-421B72023142}" dt="2021-06-16T01:15:36.049" v="192"/>
+          <ac:spMkLst>
+            <pc:docMk/>
+            <pc:sldMk cId="4213354389" sldId="260"/>
+            <ac:spMk id="15" creationId="{2B97F24A-32CE-4C1C-A50D-3016B394DCFB}"/>
+          </ac:spMkLst>
+        </pc:spChg>
+        <pc:spChg chg="add">
+          <ac:chgData name="Jonny Morris" userId="S::morrisj70800@masseyhigh.school.nz::4fab9e21-29a7-4d03-b4c0-6c8a112c783d" providerId="AD" clId="Web-{EE33AF41-30E7-9FB3-CC2C-421B72023142}" dt="2021-06-16T01:15:36.049" v="192"/>
+          <ac:spMkLst>
+            <pc:docMk/>
+            <pc:sldMk cId="4213354389" sldId="260"/>
+            <ac:spMk id="17" creationId="{CD8B4F24-440B-49E9-B85D-733523DC064B}"/>
+          </ac:spMkLst>
+        </pc:spChg>
+        <pc:picChg chg="mod">
+          <ac:chgData name="Jonny Morris" userId="S::morrisj70800@masseyhigh.school.nz::4fab9e21-29a7-4d03-b4c0-6c8a112c783d" providerId="AD" clId="Web-{EE33AF41-30E7-9FB3-CC2C-421B72023142}" dt="2021-06-16T01:15:36.049" v="192"/>
           <ac:picMkLst>
             <pc:docMk/>
+            <pc:sldMk cId="4213354389" sldId="260"/>
+            <ac:picMk id="4" creationId="{DB2173E9-EC0E-4405-B0D1-1F2CC6B9FFC6}"/>
+          </ac:picMkLst>
+        </pc:picChg>
+      </pc:sldChg>
+      <pc:sldChg chg="addSp delSp modSp">
+        <pc:chgData name="Jonny Morris" userId="S::morrisj70800@masseyhigh.school.nz::4fab9e21-29a7-4d03-b4c0-6c8a112c783d" providerId="AD" clId="Web-{EE33AF41-30E7-9FB3-CC2C-421B72023142}" dt="2021-06-16T01:15:26.408" v="191"/>
+        <pc:sldMkLst>
+          <pc:docMk/>
+          <pc:sldMk cId="1564752394" sldId="261"/>
+        </pc:sldMkLst>
+        <pc:spChg chg="mod">
+          <ac:chgData name="Jonny Morris" userId="S::morrisj70800@masseyhigh.school.nz::4fab9e21-29a7-4d03-b4c0-6c8a112c783d" providerId="AD" clId="Web-{EE33AF41-30E7-9FB3-CC2C-421B72023142}" dt="2021-06-16T01:15:26.408" v="191"/>
+          <ac:spMkLst>
+            <pc:docMk/>
+            <pc:sldMk cId="1564752394" sldId="261"/>
+            <ac:spMk id="2" creationId="{A81619B3-50A6-4AE2-A2F1-2C344111BFA3}"/>
+          </ac:spMkLst>
+        </pc:spChg>
+        <pc:spChg chg="mod">
+          <ac:chgData name="Jonny Morris" userId="S::morrisj70800@masseyhigh.school.nz::4fab9e21-29a7-4d03-b4c0-6c8a112c783d" providerId="AD" clId="Web-{EE33AF41-30E7-9FB3-CC2C-421B72023142}" dt="2021-06-16T01:15:26.408" v="191"/>
+          <ac:spMkLst>
+            <pc:docMk/>
+            <pc:sldMk cId="1564752394" sldId="261"/>
+            <ac:spMk id="5" creationId="{F77A086F-6797-4CAF-8296-05DDDA8099AD}"/>
+          </ac:spMkLst>
+        </pc:spChg>
+        <pc:spChg chg="del">
+          <ac:chgData name="Jonny Morris" userId="S::morrisj70800@masseyhigh.school.nz::4fab9e21-29a7-4d03-b4c0-6c8a112c783d" providerId="AD" clId="Web-{EE33AF41-30E7-9FB3-CC2C-421B72023142}" dt="2021-06-16T01:15:26.408" v="191"/>
+          <ac:spMkLst>
+            <pc:docMk/>
+            <pc:sldMk cId="1564752394" sldId="261"/>
+            <ac:spMk id="11" creationId="{1A95671B-3CC6-4792-9114-B74FAEA224E6}"/>
+          </ac:spMkLst>
+        </pc:spChg>
+        <pc:spChg chg="add">
+          <ac:chgData name="Jonny Morris" userId="S::morrisj70800@masseyhigh.school.nz::4fab9e21-29a7-4d03-b4c0-6c8a112c783d" providerId="AD" clId="Web-{EE33AF41-30E7-9FB3-CC2C-421B72023142}" dt="2021-06-16T01:15:26.408" v="191"/>
+          <ac:spMkLst>
+            <pc:docMk/>
+            <pc:sldMk cId="1564752394" sldId="261"/>
+            <ac:spMk id="13" creationId="{F13C74B1-5B17-4795-BED0-7140497B445A}"/>
+          </ac:spMkLst>
+        </pc:spChg>
+        <pc:spChg chg="add">
+          <ac:chgData name="Jonny Morris" userId="S::morrisj70800@masseyhigh.school.nz::4fab9e21-29a7-4d03-b4c0-6c8a112c783d" providerId="AD" clId="Web-{EE33AF41-30E7-9FB3-CC2C-421B72023142}" dt="2021-06-16T01:15:26.408" v="191"/>
+          <ac:spMkLst>
+            <pc:docMk/>
+            <pc:sldMk cId="1564752394" sldId="261"/>
+            <ac:spMk id="18" creationId="{D4974D33-8DC5-464E-8C6D-BE58F0669C17}"/>
+          </ac:spMkLst>
+        </pc:spChg>
+        <pc:picChg chg="mod">
+          <ac:chgData name="Jonny Morris" userId="S::morrisj70800@masseyhigh.school.nz::4fab9e21-29a7-4d03-b4c0-6c8a112c783d" providerId="AD" clId="Web-{EE33AF41-30E7-9FB3-CC2C-421B72023142}" dt="2021-06-16T01:15:26.408" v="191"/>
+          <ac:picMkLst>
+            <pc:docMk/>
+            <pc:sldMk cId="1564752394" sldId="261"/>
+            <ac:picMk id="4" creationId="{95A9B02B-2840-47F5-851E-CE4DC41FA2E8}"/>
+          </ac:picMkLst>
+        </pc:picChg>
+      </pc:sldChg>
+      <pc:sldChg chg="addSp modSp mod ord setBg">
+        <pc:chgData name="Jonny Morris" userId="S::morrisj70800@masseyhigh.school.nz::4fab9e21-29a7-4d03-b4c0-6c8a112c783d" providerId="AD" clId="Web-{EE33AF41-30E7-9FB3-CC2C-421B72023142}" dt="2021-06-16T01:15:10.236" v="190" actId="20577"/>
+        <pc:sldMkLst>
+          <pc:docMk/>
+          <pc:sldMk cId="2917113191" sldId="262"/>
+        </pc:sldMkLst>
+        <pc:spChg chg="mod">
+          <ac:chgData name="Jonny Morris" userId="S::morrisj70800@masseyhigh.school.nz::4fab9e21-29a7-4d03-b4c0-6c8a112c783d" providerId="AD" clId="Web-{EE33AF41-30E7-9FB3-CC2C-421B72023142}" dt="2021-06-16T01:13:05.826" v="188" actId="20577"/>
+          <ac:spMkLst>
+            <pc:docMk/>
+            <pc:sldMk cId="2917113191" sldId="262"/>
+            <ac:spMk id="2" creationId="{5AE28010-B0EF-44DA-8BCD-4527C8D1D059}"/>
+          </ac:spMkLst>
+        </pc:spChg>
+        <pc:spChg chg="mod">
+          <ac:chgData name="Jonny Morris" userId="S::morrisj70800@masseyhigh.school.nz::4fab9e21-29a7-4d03-b4c0-6c8a112c783d" providerId="AD" clId="Web-{EE33AF41-30E7-9FB3-CC2C-421B72023142}" dt="2021-06-16T01:15:10.236" v="190" actId="20577"/>
+          <ac:spMkLst>
+            <pc:docMk/>
+            <pc:sldMk cId="2917113191" sldId="262"/>
+            <ac:spMk id="5" creationId="{9E912266-C109-4D55-9601-8A9EE4EE52B5}"/>
+          </ac:spMkLst>
+        </pc:spChg>
+        <pc:spChg chg="add">
+          <ac:chgData name="Jonny Morris" userId="S::morrisj70800@masseyhigh.school.nz::4fab9e21-29a7-4d03-b4c0-6c8a112c783d" providerId="AD" clId="Web-{EE33AF41-30E7-9FB3-CC2C-421B72023142}" dt="2021-06-16T01:12:43.060" v="186"/>
+          <ac:spMkLst>
+            <pc:docMk/>
+            <pc:sldMk cId="2917113191" sldId="262"/>
+            <ac:spMk id="10" creationId="{2B97F24A-32CE-4C1C-A50D-3016B394DCFB}"/>
+          </ac:spMkLst>
+        </pc:spChg>
+        <pc:spChg chg="add">
+          <ac:chgData name="Jonny Morris" userId="S::morrisj70800@masseyhigh.school.nz::4fab9e21-29a7-4d03-b4c0-6c8a112c783d" providerId="AD" clId="Web-{EE33AF41-30E7-9FB3-CC2C-421B72023142}" dt="2021-06-16T01:12:43.060" v="186"/>
+          <ac:spMkLst>
+            <pc:docMk/>
+            <pc:sldMk cId="2917113191" sldId="262"/>
+            <ac:spMk id="12" creationId="{CD8B4F24-440B-49E9-B85D-733523DC064B}"/>
+          </ac:spMkLst>
+        </pc:spChg>
+        <pc:picChg chg="mod ord">
+          <ac:chgData name="Jonny Morris" userId="S::morrisj70800@masseyhigh.school.nz::4fab9e21-29a7-4d03-b4c0-6c8a112c783d" providerId="AD" clId="Web-{EE33AF41-30E7-9FB3-CC2C-421B72023142}" dt="2021-06-16T01:12:43.060" v="186"/>
+          <ac:picMkLst>
+            <pc:docMk/>
+            <pc:sldMk cId="2917113191" sldId="262"/>
+            <ac:picMk id="4" creationId="{A23B8DD8-2A29-4176-AF99-EF02CE8EBC35}"/>
+          </ac:picMkLst>
+        </pc:picChg>
+      </pc:sldChg>
+      <pc:sldChg chg="addSp delSp modSp mod setBg">
+        <pc:chgData name="Jonny Morris" userId="S::morrisj70800@masseyhigh.school.nz::4fab9e21-29a7-4d03-b4c0-6c8a112c783d" providerId="AD" clId="Web-{EE33AF41-30E7-9FB3-CC2C-421B72023142}" dt="2021-06-16T01:15:43.768" v="195"/>
+        <pc:sldMkLst>
+          <pc:docMk/>
+          <pc:sldMk cId="3634938810" sldId="263"/>
+        </pc:sldMkLst>
+        <pc:spChg chg="mod">
+          <ac:chgData name="Jonny Morris" userId="S::morrisj70800@masseyhigh.school.nz::4fab9e21-29a7-4d03-b4c0-6c8a112c783d" providerId="AD" clId="Web-{EE33AF41-30E7-9FB3-CC2C-421B72023142}" dt="2021-06-16T01:15:43.768" v="195"/>
+          <ac:spMkLst>
+            <pc:docMk/>
+            <pc:sldMk cId="3634938810" sldId="263"/>
+            <ac:spMk id="2" creationId="{40E80544-C795-410D-ACBE-5B39F33D5CE0}"/>
+          </ac:spMkLst>
+        </pc:spChg>
+        <pc:spChg chg="add del mod">
+          <ac:chgData name="Jonny Morris" userId="S::morrisj70800@masseyhigh.school.nz::4fab9e21-29a7-4d03-b4c0-6c8a112c783d" providerId="AD" clId="Web-{EE33AF41-30E7-9FB3-CC2C-421B72023142}" dt="2021-06-16T00:34:13.176" v="4"/>
+          <ac:spMkLst>
+            <pc:docMk/>
+            <pc:sldMk cId="3634938810" sldId="263"/>
+            <ac:spMk id="5" creationId="{4FF788E9-73E2-47BE-8F31-A7012EC688A0}"/>
+          </ac:spMkLst>
+        </pc:spChg>
+        <pc:spChg chg="add mod">
+          <ac:chgData name="Jonny Morris" userId="S::morrisj70800@masseyhigh.school.nz::4fab9e21-29a7-4d03-b4c0-6c8a112c783d" providerId="AD" clId="Web-{EE33AF41-30E7-9FB3-CC2C-421B72023142}" dt="2021-06-16T01:15:43.768" v="195"/>
+          <ac:spMkLst>
+            <pc:docMk/>
+            <pc:sldMk cId="3634938810" sldId="263"/>
+            <ac:spMk id="7" creationId="{575A2884-D3F4-4F04-843C-A1781ED6E8D0}"/>
+          </ac:spMkLst>
+        </pc:spChg>
+        <pc:spChg chg="add">
+          <ac:chgData name="Jonny Morris" userId="S::morrisj70800@masseyhigh.school.nz::4fab9e21-29a7-4d03-b4c0-6c8a112c783d" providerId="AD" clId="Web-{EE33AF41-30E7-9FB3-CC2C-421B72023142}" dt="2021-06-16T01:15:43.768" v="195"/>
+          <ac:spMkLst>
+            <pc:docMk/>
+            <pc:sldMk cId="3634938810" sldId="263"/>
+            <ac:spMk id="14" creationId="{2B97F24A-32CE-4C1C-A50D-3016B394DCFB}"/>
+          </ac:spMkLst>
+        </pc:spChg>
+        <pc:spChg chg="add">
+          <ac:chgData name="Jonny Morris" userId="S::morrisj70800@masseyhigh.school.nz::4fab9e21-29a7-4d03-b4c0-6c8a112c783d" providerId="AD" clId="Web-{EE33AF41-30E7-9FB3-CC2C-421B72023142}" dt="2021-06-16T01:15:43.768" v="195"/>
+          <ac:spMkLst>
+            <pc:docMk/>
+            <pc:sldMk cId="3634938810" sldId="263"/>
+            <ac:spMk id="15" creationId="{CD8B4F24-440B-49E9-B85D-733523DC064B}"/>
+          </ac:spMkLst>
+        </pc:spChg>
+        <pc:spChg chg="add del">
+          <ac:chgData name="Jonny Morris" userId="S::morrisj70800@masseyhigh.school.nz::4fab9e21-29a7-4d03-b4c0-6c8a112c783d" providerId="AD" clId="Web-{EE33AF41-30E7-9FB3-CC2C-421B72023142}" dt="2021-06-16T01:15:43.752" v="194"/>
+          <ac:spMkLst>
+            <pc:docMk/>
+            <pc:sldMk cId="3634938810" sldId="263"/>
+            <ac:spMk id="17" creationId="{F13C74B1-5B17-4795-BED0-7140497B445A}"/>
+          </ac:spMkLst>
+        </pc:spChg>
+        <pc:spChg chg="add del">
+          <ac:chgData name="Jonny Morris" userId="S::morrisj70800@masseyhigh.school.nz::4fab9e21-29a7-4d03-b4c0-6c8a112c783d" providerId="AD" clId="Web-{EE33AF41-30E7-9FB3-CC2C-421B72023142}" dt="2021-06-16T01:15:43.752" v="194"/>
+          <ac:spMkLst>
+            <pc:docMk/>
+            <pc:sldMk cId="3634938810" sldId="263"/>
+            <ac:spMk id="19" creationId="{D4974D33-8DC5-464E-8C6D-BE58F0669C17}"/>
+          </ac:spMkLst>
+        </pc:spChg>
+        <pc:picChg chg="del">
+          <ac:chgData name="Jonny Morris" userId="S::morrisj70800@masseyhigh.school.nz::4fab9e21-29a7-4d03-b4c0-6c8a112c783d" providerId="AD" clId="Web-{EE33AF41-30E7-9FB3-CC2C-421B72023142}" dt="2021-06-16T00:34:11.629" v="3"/>
+          <ac:picMkLst>
+            <pc:docMk/>
+            <pc:sldMk cId="3634938810" sldId="263"/>
+            <ac:picMk id="4" creationId="{7B754C1B-604C-427F-A868-FECC41A85331}"/>
+          </ac:picMkLst>
+        </pc:picChg>
+        <pc:picChg chg="add mod ord">
+          <ac:chgData name="Jonny Morris" userId="S::morrisj70800@masseyhigh.school.nz::4fab9e21-29a7-4d03-b4c0-6c8a112c783d" providerId="AD" clId="Web-{EE33AF41-30E7-9FB3-CC2C-421B72023142}" dt="2021-06-16T01:15:43.768" v="195"/>
+          <ac:picMkLst>
+            <pc:docMk/>
+            <pc:sldMk cId="3634938810" sldId="263"/>
+            <ac:picMk id="6" creationId="{7D7F0479-26D5-4D36-A1D1-4F626F1FAC68}"/>
+          </ac:picMkLst>
+        </pc:picChg>
+        <pc:cxnChg chg="add del">
+          <ac:chgData name="Jonny Morris" userId="S::morrisj70800@masseyhigh.school.nz::4fab9e21-29a7-4d03-b4c0-6c8a112c783d" providerId="AD" clId="Web-{EE33AF41-30E7-9FB3-CC2C-421B72023142}" dt="2021-06-16T01:15:43.768" v="195"/>
+          <ac:cxnSpMkLst>
+            <pc:docMk/>
+            <pc:sldMk cId="3634938810" sldId="263"/>
+            <ac:cxnSpMk id="12" creationId="{A7F400EE-A8A5-48AF-B4D6-291B52C6F0B0}"/>
+          </ac:cxnSpMkLst>
+        </pc:cxnChg>
+      </pc:sldChg>
+      <pc:sldChg chg="addSp delSp modSp new mod setBg">
+        <pc:chgData name="Jonny Morris" userId="S::morrisj70800@masseyhigh.school.nz::4fab9e21-29a7-4d03-b4c0-6c8a112c783d" providerId="AD" clId="Web-{EE33AF41-30E7-9FB3-CC2C-421B72023142}" dt="2021-06-16T01:15:50.862" v="196"/>
+        <pc:sldMkLst>
+          <pc:docMk/>
+          <pc:sldMk cId="1522414602" sldId="264"/>
+        </pc:sldMkLst>
+        <pc:spChg chg="mod">
+          <ac:chgData name="Jonny Morris" userId="S::morrisj70800@masseyhigh.school.nz::4fab9e21-29a7-4d03-b4c0-6c8a112c783d" providerId="AD" clId="Web-{EE33AF41-30E7-9FB3-CC2C-421B72023142}" dt="2021-06-16T01:15:50.862" v="196"/>
+          <ac:spMkLst>
+            <pc:docMk/>
+            <pc:sldMk cId="1522414602" sldId="264"/>
+            <ac:spMk id="2" creationId="{3E212635-CADE-43BF-A371-49E22896C9EE}"/>
+          </ac:spMkLst>
+        </pc:spChg>
+        <pc:spChg chg="del">
+          <ac:chgData name="Jonny Morris" userId="S::morrisj70800@masseyhigh.school.nz::4fab9e21-29a7-4d03-b4c0-6c8a112c783d" providerId="AD" clId="Web-{EE33AF41-30E7-9FB3-CC2C-421B72023142}" dt="2021-06-16T00:48:32.119" v="112"/>
+          <ac:spMkLst>
+            <pc:docMk/>
+            <pc:sldMk cId="1522414602" sldId="264"/>
+            <ac:spMk id="3" creationId="{01101CFF-D6AB-414A-84A8-8070870A2170}"/>
+          </ac:spMkLst>
+        </pc:spChg>
+        <pc:spChg chg="add mod">
+          <ac:chgData name="Jonny Morris" userId="S::morrisj70800@masseyhigh.school.nz::4fab9e21-29a7-4d03-b4c0-6c8a112c783d" providerId="AD" clId="Web-{EE33AF41-30E7-9FB3-CC2C-421B72023142}" dt="2021-06-16T01:15:50.862" v="196"/>
+          <ac:spMkLst>
+            <pc:docMk/>
+            <pc:sldMk cId="1522414602" sldId="264"/>
+            <ac:spMk id="5" creationId="{F66156E5-FCA1-407A-AF31-9A6D63AAC414}"/>
+          </ac:spMkLst>
+        </pc:spChg>
+        <pc:spChg chg="add del">
+          <ac:chgData name="Jonny Morris" userId="S::morrisj70800@masseyhigh.school.nz::4fab9e21-29a7-4d03-b4c0-6c8a112c783d" providerId="AD" clId="Web-{EE33AF41-30E7-9FB3-CC2C-421B72023142}" dt="2021-06-16T01:15:50.862" v="196"/>
+          <ac:spMkLst>
+            <pc:docMk/>
+            <pc:sldMk cId="1522414602" sldId="264"/>
+            <ac:spMk id="10" creationId="{C232B152-3720-4D3B-97ED-45CE5483F16F}"/>
+          </ac:spMkLst>
+        </pc:spChg>
+        <pc:spChg chg="add del">
+          <ac:chgData name="Jonny Morris" userId="S::morrisj70800@masseyhigh.school.nz::4fab9e21-29a7-4d03-b4c0-6c8a112c783d" providerId="AD" clId="Web-{EE33AF41-30E7-9FB3-CC2C-421B72023142}" dt="2021-06-16T01:15:50.862" v="196"/>
+          <ac:spMkLst>
+            <pc:docMk/>
+            <pc:sldMk cId="1522414602" sldId="264"/>
+            <ac:spMk id="12" creationId="{11BAB570-FF10-4E96-8A3F-FA9804702B89}"/>
+          </ac:spMkLst>
+        </pc:spChg>
+        <pc:spChg chg="add del">
+          <ac:chgData name="Jonny Morris" userId="S::morrisj70800@masseyhigh.school.nz::4fab9e21-29a7-4d03-b4c0-6c8a112c783d" providerId="AD" clId="Web-{EE33AF41-30E7-9FB3-CC2C-421B72023142}" dt="2021-06-16T01:15:50.862" v="196"/>
+          <ac:spMkLst>
+            <pc:docMk/>
+            <pc:sldMk cId="1522414602" sldId="264"/>
+            <ac:spMk id="14" creationId="{4B9FAFB2-BEB5-4848-8018-BCAD99E2E1AA}"/>
+          </ac:spMkLst>
+        </pc:spChg>
+        <pc:spChg chg="add">
+          <ac:chgData name="Jonny Morris" userId="S::morrisj70800@masseyhigh.school.nz::4fab9e21-29a7-4d03-b4c0-6c8a112c783d" providerId="AD" clId="Web-{EE33AF41-30E7-9FB3-CC2C-421B72023142}" dt="2021-06-16T01:15:50.862" v="196"/>
+          <ac:spMkLst>
+            <pc:docMk/>
+            <pc:sldMk cId="1522414602" sldId="264"/>
+            <ac:spMk id="19" creationId="{2B97F24A-32CE-4C1C-A50D-3016B394DCFB}"/>
+          </ac:spMkLst>
+        </pc:spChg>
+        <pc:spChg chg="add">
+          <ac:chgData name="Jonny Morris" userId="S::morrisj70800@masseyhigh.school.nz::4fab9e21-29a7-4d03-b4c0-6c8a112c783d" providerId="AD" clId="Web-{EE33AF41-30E7-9FB3-CC2C-421B72023142}" dt="2021-06-16T01:15:50.862" v="196"/>
+          <ac:spMkLst>
+            <pc:docMk/>
+            <pc:sldMk cId="1522414602" sldId="264"/>
+            <ac:spMk id="21" creationId="{CD8B4F24-440B-49E9-B85D-733523DC064B}"/>
+          </ac:spMkLst>
+        </pc:spChg>
+        <pc:picChg chg="add mod ord">
+          <ac:chgData name="Jonny Morris" userId="S::morrisj70800@masseyhigh.school.nz::4fab9e21-29a7-4d03-b4c0-6c8a112c783d" providerId="AD" clId="Web-{EE33AF41-30E7-9FB3-CC2C-421B72023142}" dt="2021-06-16T01:15:50.862" v="196"/>
+          <ac:picMkLst>
+            <pc:docMk/>
+            <pc:sldMk cId="1522414602" sldId="264"/>
+            <ac:picMk id="4" creationId="{A702C9A9-F585-45C7-AC23-C1B81B3EF6BA}"/>
+          </ac:picMkLst>
+        </pc:picChg>
+      </pc:sldChg>
+      <pc:sldChg chg="modSp new">
+        <pc:chgData name="Jonny Morris" userId="S::morrisj70800@masseyhigh.school.nz::4fab9e21-29a7-4d03-b4c0-6c8a112c783d" providerId="AD" clId="Web-{EE33AF41-30E7-9FB3-CC2C-421B72023142}" dt="2021-06-16T01:03:57.876" v="178" actId="20577"/>
+        <pc:sldMkLst>
+          <pc:docMk/>
+          <pc:sldMk cId="2312846984" sldId="265"/>
+        </pc:sldMkLst>
+        <pc:spChg chg="mod">
+          <ac:chgData name="Jonny Morris" userId="S::morrisj70800@masseyhigh.school.nz::4fab9e21-29a7-4d03-b4c0-6c8a112c783d" providerId="AD" clId="Web-{EE33AF41-30E7-9FB3-CC2C-421B72023142}" dt="2021-06-16T01:03:57.876" v="178" actId="20577"/>
+          <ac:spMkLst>
+            <pc:docMk/>
+            <pc:sldMk cId="2312846984" sldId="265"/>
+            <ac:spMk id="2" creationId="{A8EFE925-DDD6-457F-95FD-557FF9D76A31}"/>
+          </ac:spMkLst>
+        </pc:spChg>
+      </pc:sldChg>
+    </pc:docChg>
+  </pc:docChgLst>
+  <pc:docChgLst>
+    <pc:chgData name="Jonny Morris" userId="S::morrisj70800@masseyhigh.school.nz::4fab9e21-29a7-4d03-b4c0-6c8a112c783d" providerId="AD" clId="Web-{988D2265-4B4A-D9DD-55B3-4738B025B4A1}"/>
+    <pc:docChg chg="addSld modSld">
+      <pc:chgData name="Jonny Morris" userId="S::morrisj70800@masseyhigh.school.nz::4fab9e21-29a7-4d03-b4c0-6c8a112c783d" providerId="AD" clId="Web-{988D2265-4B4A-D9DD-55B3-4738B025B4A1}" dt="2021-07-06T02:55:57.316" v="122" actId="20577"/>
+      <pc:docMkLst>
+        <pc:docMk/>
+      </pc:docMkLst>
+      <pc:sldChg chg="addSp delSp modSp new">
+        <pc:chgData name="Jonny Morris" userId="S::morrisj70800@masseyhigh.school.nz::4fab9e21-29a7-4d03-b4c0-6c8a112c783d" providerId="AD" clId="Web-{988D2265-4B4A-D9DD-55B3-4738B025B4A1}" dt="2021-07-06T02:55:57.316" v="122" actId="20577"/>
+        <pc:sldMkLst>
+          <pc:docMk/>
+          <pc:sldMk cId="1488023128" sldId="266"/>
+        </pc:sldMkLst>
+        <pc:spChg chg="mod">
+          <ac:chgData name="Jonny Morris" userId="S::morrisj70800@masseyhigh.school.nz::4fab9e21-29a7-4d03-b4c0-6c8a112c783d" providerId="AD" clId="Web-{988D2265-4B4A-D9DD-55B3-4738B025B4A1}" dt="2021-07-06T02:45:41.363" v="8" actId="20577"/>
+          <ac:spMkLst>
+            <pc:docMk/>
+            <pc:sldMk cId="1488023128" sldId="266"/>
+            <ac:spMk id="2" creationId="{B44827F1-0ACB-45EB-8481-23D426022B3B}"/>
+          </ac:spMkLst>
+        </pc:spChg>
+        <pc:spChg chg="del">
+          <ac:chgData name="Jonny Morris" userId="S::morrisj70800@masseyhigh.school.nz::4fab9e21-29a7-4d03-b4c0-6c8a112c783d" providerId="AD" clId="Web-{988D2265-4B4A-D9DD-55B3-4738B025B4A1}" dt="2021-07-06T02:45:43.597" v="9"/>
+          <ac:spMkLst>
+            <pc:docMk/>
+            <pc:sldMk cId="1488023128" sldId="266"/>
+            <ac:spMk id="3" creationId="{2F0A10E7-3527-4CC4-A6BD-7503A2BFB7CD}"/>
+          </ac:spMkLst>
+        </pc:spChg>
+        <pc:spChg chg="add mod">
+          <ac:chgData name="Jonny Morris" userId="S::morrisj70800@masseyhigh.school.nz::4fab9e21-29a7-4d03-b4c0-6c8a112c783d" providerId="AD" clId="Web-{988D2265-4B4A-D9DD-55B3-4738B025B4A1}" dt="2021-07-06T02:55:57.316" v="122" actId="20577"/>
+          <ac:spMkLst>
+            <pc:docMk/>
+            <pc:sldMk cId="1488023128" sldId="266"/>
+            <ac:spMk id="5" creationId="{A1ECA617-BBD3-4FC1-B266-8D45DC4EF5DC}"/>
+          </ac:spMkLst>
+        </pc:spChg>
+        <pc:picChg chg="add mod ord">
+          <ac:chgData name="Jonny Morris" userId="S::morrisj70800@masseyhigh.school.nz::4fab9e21-29a7-4d03-b4c0-6c8a112c783d" providerId="AD" clId="Web-{988D2265-4B4A-D9DD-55B3-4738B025B4A1}" dt="2021-07-06T02:45:47.097" v="10" actId="1076"/>
+          <ac:picMkLst>
+            <pc:docMk/>
+            <pc:sldMk cId="1488023128" sldId="266"/>
+            <ac:picMk id="4" creationId="{B76247F6-E9E4-430F-AC50-9019A895D23C}"/>
+          </ac:picMkLst>
+        </pc:picChg>
+      </pc:sldChg>
+    </pc:docChg>
+  </pc:docChgLst>
+  <pc:docChgLst>
+    <pc:chgData name="Jonny Morris" userId="S::morrisj70800@masseyhigh.school.nz::4fab9e21-29a7-4d03-b4c0-6c8a112c783d" providerId="AD" clId="Web-{204B783E-ECB2-56F8-CC10-5A491FD05934}"/>
+    <pc:docChg chg="modSld">
+      <pc:chgData name="Jonny Morris" userId="S::morrisj70800@masseyhigh.school.nz::4fab9e21-29a7-4d03-b4c0-6c8a112c783d" providerId="AD" clId="Web-{204B783E-ECB2-56F8-CC10-5A491FD05934}" dt="2021-07-08T00:02:58.450" v="0" actId="20577"/>
+      <pc:docMkLst>
+        <pc:docMk/>
+      </pc:docMkLst>
+      <pc:sldChg chg="modSp">
+        <pc:chgData name="Jonny Morris" userId="S::morrisj70800@masseyhigh.school.nz::4fab9e21-29a7-4d03-b4c0-6c8a112c783d" providerId="AD" clId="Web-{204B783E-ECB2-56F8-CC10-5A491FD05934}" dt="2021-07-08T00:02:58.450" v="0" actId="20577"/>
+        <pc:sldMkLst>
+          <pc:docMk/>
+          <pc:sldMk cId="4269907770" sldId="267"/>
+        </pc:sldMkLst>
+        <pc:spChg chg="mod">
+          <ac:chgData name="Jonny Morris" userId="S::morrisj70800@masseyhigh.school.nz::4fab9e21-29a7-4d03-b4c0-6c8a112c783d" providerId="AD" clId="Web-{204B783E-ECB2-56F8-CC10-5A491FD05934}" dt="2021-07-08T00:02:58.450" v="0" actId="20577"/>
+          <ac:spMkLst>
+            <pc:docMk/>
+            <pc:sldMk cId="4269907770" sldId="267"/>
+            <ac:spMk id="12" creationId="{73C65C4E-D475-417F-BF9A-4B4476C9B196}"/>
+          </ac:spMkLst>
+        </pc:spChg>
+      </pc:sldChg>
+    </pc:docChg>
+  </pc:docChgLst>
+  <pc:docChgLst>
+    <pc:chgData name="Jonny Morris" userId="S::morrisj70800@masseyhigh.school.nz::4fab9e21-29a7-4d03-b4c0-6c8a112c783d" providerId="AD" clId="Web-{33F175D3-4D32-71D5-6709-62DB828ADCB0}"/>
+    <pc:docChg chg="modSld">
+      <pc:chgData name="Jonny Morris" userId="S::morrisj70800@masseyhigh.school.nz::4fab9e21-29a7-4d03-b4c0-6c8a112c783d" providerId="AD" clId="Web-{33F175D3-4D32-71D5-6709-62DB828ADCB0}" dt="2021-06-03T22:51:11.495" v="43"/>
+      <pc:docMkLst>
+        <pc:docMk/>
+      </pc:docMkLst>
+      <pc:sldChg chg="addSp delSp modSp mod setBg">
+        <pc:chgData name="Jonny Morris" userId="S::morrisj70800@masseyhigh.school.nz::4fab9e21-29a7-4d03-b4c0-6c8a112c783d" providerId="AD" clId="Web-{33F175D3-4D32-71D5-6709-62DB828ADCB0}" dt="2021-06-03T22:51:11.495" v="43"/>
+        <pc:sldMkLst>
+          <pc:docMk/>
+          <pc:sldMk cId="4213354389" sldId="260"/>
+        </pc:sldMkLst>
+        <pc:spChg chg="mod">
+          <ac:chgData name="Jonny Morris" userId="S::morrisj70800@masseyhigh.school.nz::4fab9e21-29a7-4d03-b4c0-6c8a112c783d" providerId="AD" clId="Web-{33F175D3-4D32-71D5-6709-62DB828ADCB0}" dt="2021-06-03T22:51:11.495" v="43"/>
+          <ac:spMkLst>
+            <pc:docMk/>
+            <pc:sldMk cId="4213354389" sldId="260"/>
+            <ac:spMk id="2" creationId="{54EC48D4-B0FC-4660-8894-4F1B722EAFD3}"/>
+          </ac:spMkLst>
+        </pc:spChg>
+        <pc:spChg chg="del">
+          <ac:chgData name="Jonny Morris" userId="S::morrisj70800@masseyhigh.school.nz::4fab9e21-29a7-4d03-b4c0-6c8a112c783d" providerId="AD" clId="Web-{33F175D3-4D32-71D5-6709-62DB828ADCB0}" dt="2021-06-03T22:44:55.988" v="0"/>
+          <ac:spMkLst>
+            <pc:docMk/>
+            <pc:sldMk cId="4213354389" sldId="260"/>
+            <ac:spMk id="3" creationId="{1E8EF868-1C38-43AA-BA0A-E75CFB29EE0D}"/>
+          </ac:spMkLst>
+        </pc:spChg>
+        <pc:spChg chg="add mod">
+          <ac:chgData name="Jonny Morris" userId="S::morrisj70800@masseyhigh.school.nz::4fab9e21-29a7-4d03-b4c0-6c8a112c783d" providerId="AD" clId="Web-{33F175D3-4D32-71D5-6709-62DB828ADCB0}" dt="2021-06-03T22:51:11.495" v="43"/>
+          <ac:spMkLst>
+            <pc:docMk/>
+            <pc:sldMk cId="4213354389" sldId="260"/>
+            <ac:spMk id="5" creationId="{A626E451-29FF-476C-B176-15A181E7FCFB}"/>
+          </ac:spMkLst>
+        </pc:spChg>
+        <pc:spChg chg="add">
+          <ac:chgData name="Jonny Morris" userId="S::morrisj70800@masseyhigh.school.nz::4fab9e21-29a7-4d03-b4c0-6c8a112c783d" providerId="AD" clId="Web-{33F175D3-4D32-71D5-6709-62DB828ADCB0}" dt="2021-06-03T22:51:11.495" v="43"/>
+          <ac:spMkLst>
+            <pc:docMk/>
+            <pc:sldMk cId="4213354389" sldId="260"/>
+            <ac:spMk id="10" creationId="{73DE2CFE-42F2-48F0-8706-5264E012B10C}"/>
+          </ac:spMkLst>
+        </pc:spChg>
+        <pc:picChg chg="add mod ord">
+          <ac:chgData name="Jonny Morris" userId="S::morrisj70800@masseyhigh.school.nz::4fab9e21-29a7-4d03-b4c0-6c8a112c783d" providerId="AD" clId="Web-{33F175D3-4D32-71D5-6709-62DB828ADCB0}" dt="2021-06-03T22:51:11.495" v="43"/>
+          <ac:picMkLst>
+            <pc:docMk/>
+            <pc:sldMk cId="4213354389" sldId="260"/>
+            <ac:picMk id="4" creationId="{DB2173E9-EC0E-4405-B0D1-1F2CC6B9FFC6}"/>
+          </ac:picMkLst>
+        </pc:picChg>
+      </pc:sldChg>
+    </pc:docChg>
+  </pc:docChgLst>
+  <pc:docChgLst>
+    <pc:chgData name="Jonny Morris" userId="S::morrisj70800@masseyhigh.school.nz::4fab9e21-29a7-4d03-b4c0-6c8a112c783d" providerId="AD" clId="Web-{8BDA8286-ABF9-455E-92B6-822DD2D54F24}"/>
+    <pc:docChg chg="modSld">
+      <pc:chgData name="Jonny Morris" userId="S::morrisj70800@masseyhigh.school.nz::4fab9e21-29a7-4d03-b4c0-6c8a112c783d" providerId="AD" clId="Web-{8BDA8286-ABF9-455E-92B6-822DD2D54F24}" dt="2021-06-02T23:33:01.816" v="185" actId="14100"/>
+      <pc:docMkLst>
+        <pc:docMk/>
+      </pc:docMkLst>
+      <pc:sldChg chg="addSp modSp">
+        <pc:chgData name="Jonny Morris" userId="S::morrisj70800@masseyhigh.school.nz::4fab9e21-29a7-4d03-b4c0-6c8a112c783d" providerId="AD" clId="Web-{8BDA8286-ABF9-455E-92B6-822DD2D54F24}" dt="2021-06-02T23:33:01.816" v="185" actId="14100"/>
+        <pc:sldMkLst>
+          <pc:docMk/>
+          <pc:sldMk cId="358461426" sldId="257"/>
+        </pc:sldMkLst>
+        <pc:spChg chg="add mod">
+          <ac:chgData name="Jonny Morris" userId="S::morrisj70800@masseyhigh.school.nz::4fab9e21-29a7-4d03-b4c0-6c8a112c783d" providerId="AD" clId="Web-{8BDA8286-ABF9-455E-92B6-822DD2D54F24}" dt="2021-06-02T23:33:01.816" v="185" actId="14100"/>
+          <ac:spMkLst>
+            <pc:docMk/>
+            <pc:sldMk cId="358461426" sldId="257"/>
+            <ac:spMk id="3" creationId="{3AA76EDA-873B-4C95-9ED7-4CD3ABC97401}"/>
+          </ac:spMkLst>
+        </pc:spChg>
+      </pc:sldChg>
+      <pc:sldChg chg="addSp modSp">
+        <pc:chgData name="Jonny Morris" userId="S::morrisj70800@masseyhigh.school.nz::4fab9e21-29a7-4d03-b4c0-6c8a112c783d" providerId="AD" clId="Web-{8BDA8286-ABF9-455E-92B6-822DD2D54F24}" dt="2021-06-02T23:32:14.187" v="182" actId="20577"/>
+        <pc:sldMkLst>
+          <pc:docMk/>
+          <pc:sldMk cId="2720713569" sldId="258"/>
+        </pc:sldMkLst>
+        <pc:spChg chg="add mod">
+          <ac:chgData name="Jonny Morris" userId="S::morrisj70800@masseyhigh.school.nz::4fab9e21-29a7-4d03-b4c0-6c8a112c783d" providerId="AD" clId="Web-{8BDA8286-ABF9-455E-92B6-822DD2D54F24}" dt="2021-06-02T23:32:14.187" v="182" actId="20577"/>
+          <ac:spMkLst>
+            <pc:docMk/>
+            <pc:sldMk cId="2720713569" sldId="258"/>
+            <ac:spMk id="3" creationId="{5D4E9E55-94C1-4FD3-A80E-D9AB284B8D0E}"/>
+          </ac:spMkLst>
+        </pc:spChg>
+      </pc:sldChg>
+      <pc:sldChg chg="modSp">
+        <pc:chgData name="Jonny Morris" userId="S::morrisj70800@masseyhigh.school.nz::4fab9e21-29a7-4d03-b4c0-6c8a112c783d" providerId="AD" clId="Web-{8BDA8286-ABF9-455E-92B6-822DD2D54F24}" dt="2021-06-02T23:28:21.230" v="4" actId="20577"/>
+        <pc:sldMkLst>
+          <pc:docMk/>
+          <pc:sldMk cId="1121134679" sldId="259"/>
+        </pc:sldMkLst>
+        <pc:spChg chg="mod">
+          <ac:chgData name="Jonny Morris" userId="S::morrisj70800@masseyhigh.school.nz::4fab9e21-29a7-4d03-b4c0-6c8a112c783d" providerId="AD" clId="Web-{8BDA8286-ABF9-455E-92B6-822DD2D54F24}" dt="2021-06-02T23:28:21.230" v="4" actId="20577"/>
+          <ac:spMkLst>
+            <pc:docMk/>
+            <pc:sldMk cId="1121134679" sldId="259"/>
+            <ac:spMk id="2" creationId="{588E3780-8974-43B7-B56C-88962D87DE18}"/>
+          </ac:spMkLst>
+        </pc:spChg>
+      </pc:sldChg>
+    </pc:docChg>
+  </pc:docChgLst>
+  <pc:docChgLst>
+    <pc:chgData name="Jonny Morris" userId="S::morrisj70800@masseyhigh.school.nz::4fab9e21-29a7-4d03-b4c0-6c8a112c783d" providerId="AD" clId="Web-{61852D5F-CC47-4EF3-8523-0D8470090199}"/>
+    <pc:docChg chg="addSld modSld">
+      <pc:chgData name="Jonny Morris" userId="S::morrisj70800@masseyhigh.school.nz::4fab9e21-29a7-4d03-b4c0-6c8a112c783d" providerId="AD" clId="Web-{61852D5F-CC47-4EF3-8523-0D8470090199}" dt="2021-05-27T22:48:16.206" v="16" actId="20577"/>
+      <pc:docMkLst>
+        <pc:docMk/>
+      </pc:docMkLst>
+      <pc:sldChg chg="modSp">
+        <pc:chgData name="Jonny Morris" userId="S::morrisj70800@masseyhigh.school.nz::4fab9e21-29a7-4d03-b4c0-6c8a112c783d" providerId="AD" clId="Web-{61852D5F-CC47-4EF3-8523-0D8470090199}" dt="2021-05-27T22:43:03.745" v="0" actId="1076"/>
+        <pc:sldMkLst>
+          <pc:docMk/>
+          <pc:sldMk cId="109857222" sldId="256"/>
+        </pc:sldMkLst>
+        <pc:spChg chg="mod">
+          <ac:chgData name="Jonny Morris" userId="S::morrisj70800@masseyhigh.school.nz::4fab9e21-29a7-4d03-b4c0-6c8a112c783d" providerId="AD" clId="Web-{61852D5F-CC47-4EF3-8523-0D8470090199}" dt="2021-05-27T22:43:03.745" v="0" actId="1076"/>
+          <ac:spMkLst>
+            <pc:docMk/>
             <pc:sldMk cId="109857222" sldId="256"/>
-            <ac:picMk id="4" creationId="{6D1D8967-C6E2-4034-BB3C-C8B3C41033E7}"/>
+            <ac:spMk id="2" creationId="{00000000-0000-0000-0000-000000000000}"/>
+          </ac:spMkLst>
+        </pc:spChg>
+      </pc:sldChg>
+      <pc:sldChg chg="addSp delSp modSp new">
+        <pc:chgData name="Jonny Morris" userId="S::morrisj70800@masseyhigh.school.nz::4fab9e21-29a7-4d03-b4c0-6c8a112c783d" providerId="AD" clId="Web-{61852D5F-CC47-4EF3-8523-0D8470090199}" dt="2021-05-27T22:48:16.206" v="16" actId="20577"/>
+        <pc:sldMkLst>
+          <pc:docMk/>
+          <pc:sldMk cId="358461426" sldId="257"/>
+        </pc:sldMkLst>
+        <pc:spChg chg="mod">
+          <ac:chgData name="Jonny Morris" userId="S::morrisj70800@masseyhigh.school.nz::4fab9e21-29a7-4d03-b4c0-6c8a112c783d" providerId="AD" clId="Web-{61852D5F-CC47-4EF3-8523-0D8470090199}" dt="2021-05-27T22:48:16.206" v="16" actId="20577"/>
+          <ac:spMkLst>
+            <pc:docMk/>
+            <pc:sldMk cId="358461426" sldId="257"/>
+            <ac:spMk id="2" creationId="{4AA7760E-DDE6-43AD-B768-5AF8FC14ECF5}"/>
+          </ac:spMkLst>
+        </pc:spChg>
+        <pc:spChg chg="del">
+          <ac:chgData name="Jonny Morris" userId="S::morrisj70800@masseyhigh.school.nz::4fab9e21-29a7-4d03-b4c0-6c8a112c783d" providerId="AD" clId="Web-{61852D5F-CC47-4EF3-8523-0D8470090199}" dt="2021-05-27T22:44:00.074" v="5"/>
+          <ac:spMkLst>
+            <pc:docMk/>
+            <pc:sldMk cId="358461426" sldId="257"/>
+            <ac:spMk id="3" creationId="{D8C59009-2A6A-4F56-A1D2-A2B19FFCCCED}"/>
+          </ac:spMkLst>
+        </pc:spChg>
+        <pc:picChg chg="add mod ord">
+          <ac:chgData name="Jonny Morris" userId="S::morrisj70800@masseyhigh.school.nz::4fab9e21-29a7-4d03-b4c0-6c8a112c783d" providerId="AD" clId="Web-{61852D5F-CC47-4EF3-8523-0D8470090199}" dt="2021-05-27T22:44:00.074" v="5"/>
+          <ac:picMkLst>
+            <pc:docMk/>
+            <pc:sldMk cId="358461426" sldId="257"/>
+            <ac:picMk id="4" creationId="{D274BBA2-E442-450E-8D18-87D3DBB0D22E}"/>
           </ac:picMkLst>
         </pc:picChg>
       </pc:sldChg>
       <pc:sldChg chg="addSp delSp modSp new">
-        <pc:chgData name="Jonny Morris" userId="S::morrisj70800@masseyhigh.school.nz::4fab9e21-29a7-4d03-b4c0-6c8a112c783d" providerId="AD" clId="Web-{3312139C-ECA4-D6E5-6EA0-9FAF5992739F}" dt="2021-06-15T02:10:40.639" v="39" actId="14100"/>
+        <pc:chgData name="Jonny Morris" userId="S::morrisj70800@masseyhigh.school.nz::4fab9e21-29a7-4d03-b4c0-6c8a112c783d" providerId="AD" clId="Web-{61852D5F-CC47-4EF3-8523-0D8470090199}" dt="2021-05-27T22:48:10.550" v="14" actId="20577"/>
         <pc:sldMkLst>
           <pc:docMk/>
-          <pc:sldMk cId="3210139407" sldId="263"/>
+          <pc:sldMk cId="2720713569" sldId="258"/>
         </pc:sldMkLst>
         <pc:spChg chg="mod">
-          <ac:chgData name="Jonny Morris" userId="S::morrisj70800@masseyhigh.school.nz::4fab9e21-29a7-4d03-b4c0-6c8a112c783d" providerId="AD" clId="Web-{3312139C-ECA4-D6E5-6EA0-9FAF5992739F}" dt="2021-06-15T02:08:23.942" v="34" actId="20577"/>
-          <ac:spMkLst>
-            <pc:docMk/>
-            <pc:sldMk cId="3210139407" sldId="263"/>
-            <ac:spMk id="2" creationId="{A1F03816-608E-4768-91BC-5675075A7D2E}"/>
+          <ac:chgData name="Jonny Morris" userId="S::morrisj70800@masseyhigh.school.nz::4fab9e21-29a7-4d03-b4c0-6c8a112c783d" providerId="AD" clId="Web-{61852D5F-CC47-4EF3-8523-0D8470090199}" dt="2021-05-27T22:48:10.550" v="14" actId="20577"/>
+          <ac:spMkLst>
+            <pc:docMk/>
+            <pc:sldMk cId="2720713569" sldId="258"/>
+            <ac:spMk id="2" creationId="{92EE7463-1C1B-4BDE-94BB-493F7281A42D}"/>
           </ac:spMkLst>
         </pc:spChg>
         <pc:spChg chg="del">
-          <ac:chgData name="Jonny Morris" userId="S::morrisj70800@masseyhigh.school.nz::4fab9e21-29a7-4d03-b4c0-6c8a112c783d" providerId="AD" clId="Web-{3312139C-ECA4-D6E5-6EA0-9FAF5992739F}" dt="2021-06-15T02:08:09.363" v="19"/>
-          <ac:spMkLst>
-            <pc:docMk/>
-            <pc:sldMk cId="3210139407" sldId="263"/>
-            <ac:spMk id="3" creationId="{051DA18D-7A50-4959-92AF-556161888C20}"/>
+          <ac:chgData name="Jonny Morris" userId="S::morrisj70800@masseyhigh.school.nz::4fab9e21-29a7-4d03-b4c0-6c8a112c783d" providerId="AD" clId="Web-{61852D5F-CC47-4EF3-8523-0D8470090199}" dt="2021-05-27T22:45:14.639" v="6"/>
+          <ac:spMkLst>
+            <pc:docMk/>
+            <pc:sldMk cId="2720713569" sldId="258"/>
+            <ac:spMk id="3" creationId="{CD403E76-3547-4C2A-A26C-57E96749ADF9}"/>
+          </ac:spMkLst>
+        </pc:spChg>
+        <pc:picChg chg="add mod ord">
+          <ac:chgData name="Jonny Morris" userId="S::morrisj70800@masseyhigh.school.nz::4fab9e21-29a7-4d03-b4c0-6c8a112c783d" providerId="AD" clId="Web-{61852D5F-CC47-4EF3-8523-0D8470090199}" dt="2021-05-27T22:45:14.639" v="6"/>
+          <ac:picMkLst>
+            <pc:docMk/>
+            <pc:sldMk cId="2720713569" sldId="258"/>
+            <ac:picMk id="4" creationId="{770B29DB-722F-42EE-BD98-08A6A58798B3}"/>
+          </ac:picMkLst>
+        </pc:picChg>
+      </pc:sldChg>
+      <pc:sldChg chg="new">
+        <pc:chgData name="Jonny Morris" userId="S::morrisj70800@masseyhigh.school.nz::4fab9e21-29a7-4d03-b4c0-6c8a112c783d" providerId="AD" clId="Web-{61852D5F-CC47-4EF3-8523-0D8470090199}" dt="2021-05-27T22:43:29.355" v="3"/>
+        <pc:sldMkLst>
+          <pc:docMk/>
+          <pc:sldMk cId="1121134679" sldId="259"/>
+        </pc:sldMkLst>
+      </pc:sldChg>
+      <pc:sldChg chg="new">
+        <pc:chgData name="Jonny Morris" userId="S::morrisj70800@masseyhigh.school.nz::4fab9e21-29a7-4d03-b4c0-6c8a112c783d" providerId="AD" clId="Web-{61852D5F-CC47-4EF3-8523-0D8470090199}" dt="2021-05-27T22:43:31.902" v="4"/>
+        <pc:sldMkLst>
+          <pc:docMk/>
+          <pc:sldMk cId="4213354389" sldId="260"/>
+        </pc:sldMkLst>
+      </pc:sldChg>
+    </pc:docChg>
+  </pc:docChgLst>
+  <pc:docChgLst>
+    <pc:chgData name="Jonny Morris" userId="S::morrisj70800@masseyhigh.school.nz::4fab9e21-29a7-4d03-b4c0-6c8a112c783d" providerId="AD" clId="Web-{A5E06B29-FEC7-26F9-9B07-2E4AF5693A3B}"/>
+    <pc:docChg chg="addSld modSld">
+      <pc:chgData name="Jonny Morris" userId="S::morrisj70800@masseyhigh.school.nz::4fab9e21-29a7-4d03-b4c0-6c8a112c783d" providerId="AD" clId="Web-{A5E06B29-FEC7-26F9-9B07-2E4AF5693A3B}" dt="2021-08-03T01:56:47.387" v="168" actId="20577"/>
+      <pc:docMkLst>
+        <pc:docMk/>
+      </pc:docMkLst>
+      <pc:sldChg chg="addSp delSp modSp">
+        <pc:chgData name="Jonny Morris" userId="S::morrisj70800@masseyhigh.school.nz::4fab9e21-29a7-4d03-b4c0-6c8a112c783d" providerId="AD" clId="Web-{A5E06B29-FEC7-26F9-9B07-2E4AF5693A3B}" dt="2021-08-03T01:55:20.588" v="87" actId="20577"/>
+        <pc:sldMkLst>
+          <pc:docMk/>
+          <pc:sldMk cId="1323580387" sldId="273"/>
+        </pc:sldMkLst>
+        <pc:spChg chg="mod">
+          <ac:chgData name="Jonny Morris" userId="S::morrisj70800@masseyhigh.school.nz::4fab9e21-29a7-4d03-b4c0-6c8a112c783d" providerId="AD" clId="Web-{A5E06B29-FEC7-26F9-9B07-2E4AF5693A3B}" dt="2021-08-03T01:36:02.186" v="10" actId="20577"/>
+          <ac:spMkLst>
+            <pc:docMk/>
+            <pc:sldMk cId="1323580387" sldId="273"/>
+            <ac:spMk id="2" creationId="{9CBE8611-D923-452D-A3A1-3B9294584E4C}"/>
+          </ac:spMkLst>
+        </pc:spChg>
+        <pc:spChg chg="del">
+          <ac:chgData name="Jonny Morris" userId="S::morrisj70800@masseyhigh.school.nz::4fab9e21-29a7-4d03-b4c0-6c8a112c783d" providerId="AD" clId="Web-{A5E06B29-FEC7-26F9-9B07-2E4AF5693A3B}" dt="2021-08-03T01:54:30.915" v="11"/>
+          <ac:spMkLst>
+            <pc:docMk/>
+            <pc:sldMk cId="1323580387" sldId="273"/>
+            <ac:spMk id="3" creationId="{37BE3E49-F03F-4D85-8DBD-C13F465F39C8}"/>
           </ac:spMkLst>
         </pc:spChg>
         <pc:spChg chg="add mod">
-          <ac:chgData name="Jonny Morris" userId="S::morrisj70800@masseyhigh.school.nz::4fab9e21-29a7-4d03-b4c0-6c8a112c783d" providerId="AD" clId="Web-{3312139C-ECA4-D6E5-6EA0-9FAF5992739F}" dt="2021-06-15T02:10:40.639" v="39" actId="14100"/>
-          <ac:spMkLst>
-            <pc:docMk/>
-            <pc:sldMk cId="3210139407" sldId="263"/>
-            <ac:spMk id="5" creationId="{ED8DD957-DAE6-4C20-809E-897DC17E1B0F}"/>
+          <ac:chgData name="Jonny Morris" userId="S::morrisj70800@masseyhigh.school.nz::4fab9e21-29a7-4d03-b4c0-6c8a112c783d" providerId="AD" clId="Web-{A5E06B29-FEC7-26F9-9B07-2E4AF5693A3B}" dt="2021-08-03T01:55:20.588" v="87" actId="20577"/>
+          <ac:spMkLst>
+            <pc:docMk/>
+            <pc:sldMk cId="1323580387" sldId="273"/>
+            <ac:spMk id="5" creationId="{7289C07D-6306-43CA-BD99-6E1012B6AADC}"/>
           </ac:spMkLst>
         </pc:spChg>
         <pc:picChg chg="add mod ord">
-          <ac:chgData name="Jonny Morris" userId="S::morrisj70800@masseyhigh.school.nz::4fab9e21-29a7-4d03-b4c0-6c8a112c783d" providerId="AD" clId="Web-{3312139C-ECA4-D6E5-6EA0-9FAF5992739F}" dt="2021-06-15T02:08:29.193" v="35" actId="1076"/>
+          <ac:chgData name="Jonny Morris" userId="S::morrisj70800@masseyhigh.school.nz::4fab9e21-29a7-4d03-b4c0-6c8a112c783d" providerId="AD" clId="Web-{A5E06B29-FEC7-26F9-9B07-2E4AF5693A3B}" dt="2021-08-03T01:54:34.071" v="12" actId="1076"/>
           <ac:picMkLst>
             <pc:docMk/>
-            <pc:sldMk cId="3210139407" sldId="263"/>
-            <ac:picMk id="4" creationId="{BBCB68B3-086F-4AC7-9B28-0F9C2FFC13BC}"/>
+            <pc:sldMk cId="1323580387" sldId="273"/>
+            <ac:picMk id="4" creationId="{9BBC0BB1-05B1-4C7A-BAA6-9D1A3EC4405E}"/>
+          </ac:picMkLst>
+        </pc:picChg>
+      </pc:sldChg>
+      <pc:sldChg chg="addSp delSp modSp new">
+        <pc:chgData name="Jonny Morris" userId="S::morrisj70800@masseyhigh.school.nz::4fab9e21-29a7-4d03-b4c0-6c8a112c783d" providerId="AD" clId="Web-{A5E06B29-FEC7-26F9-9B07-2E4AF5693A3B}" dt="2021-08-03T01:56:47.387" v="168" actId="20577"/>
+        <pc:sldMkLst>
+          <pc:docMk/>
+          <pc:sldMk cId="2698637891" sldId="274"/>
+        </pc:sldMkLst>
+        <pc:spChg chg="mod">
+          <ac:chgData name="Jonny Morris" userId="S::morrisj70800@masseyhigh.school.nz::4fab9e21-29a7-4d03-b4c0-6c8a112c783d" providerId="AD" clId="Web-{A5E06B29-FEC7-26F9-9B07-2E4AF5693A3B}" dt="2021-08-03T01:55:48.573" v="90" actId="20577"/>
+          <ac:spMkLst>
+            <pc:docMk/>
+            <pc:sldMk cId="2698637891" sldId="274"/>
+            <ac:spMk id="2" creationId="{84D0D12E-199B-43E5-985E-D1696BFD8418}"/>
+          </ac:spMkLst>
+        </pc:spChg>
+        <pc:spChg chg="del">
+          <ac:chgData name="Jonny Morris" userId="S::morrisj70800@masseyhigh.school.nz::4fab9e21-29a7-4d03-b4c0-6c8a112c783d" providerId="AD" clId="Web-{A5E06B29-FEC7-26F9-9B07-2E4AF5693A3B}" dt="2021-08-03T01:55:49.308" v="91"/>
+          <ac:spMkLst>
+            <pc:docMk/>
+            <pc:sldMk cId="2698637891" sldId="274"/>
+            <ac:spMk id="3" creationId="{C93DAE75-3706-4025-B29B-83FE29B43254}"/>
+          </ac:spMkLst>
+        </pc:spChg>
+        <pc:spChg chg="add mod">
+          <ac:chgData name="Jonny Morris" userId="S::morrisj70800@masseyhigh.school.nz::4fab9e21-29a7-4d03-b4c0-6c8a112c783d" providerId="AD" clId="Web-{A5E06B29-FEC7-26F9-9B07-2E4AF5693A3B}" dt="2021-08-03T01:56:47.387" v="168" actId="20577"/>
+          <ac:spMkLst>
+            <pc:docMk/>
+            <pc:sldMk cId="2698637891" sldId="274"/>
+            <ac:spMk id="5" creationId="{5F27FE93-30F7-4FFA-9B48-9F56B1846238}"/>
+          </ac:spMkLst>
+        </pc:spChg>
+        <pc:picChg chg="add mod ord">
+          <ac:chgData name="Jonny Morris" userId="S::morrisj70800@masseyhigh.school.nz::4fab9e21-29a7-4d03-b4c0-6c8a112c783d" providerId="AD" clId="Web-{A5E06B29-FEC7-26F9-9B07-2E4AF5693A3B}" dt="2021-08-03T01:55:50.886" v="92" actId="1076"/>
+          <ac:picMkLst>
+            <pc:docMk/>
+            <pc:sldMk cId="2698637891" sldId="274"/>
+            <ac:picMk id="4" creationId="{B604AD74-1755-4B20-8AD5-BBD46A5255B2}"/>
+          </ac:picMkLst>
+        </pc:picChg>
+      </pc:sldChg>
+    </pc:docChg>
+  </pc:docChgLst>
+  <pc:docChgLst>
+    <pc:chgData name="Jonny Morris" userId="S::morrisj70800@masseyhigh.school.nz::4fab9e21-29a7-4d03-b4c0-6c8a112c783d" providerId="AD" clId="Web-{D504615B-0A5D-73A6-4A18-1D567E10BC58}"/>
+    <pc:docChg chg="addSld modSld">
+      <pc:chgData name="Jonny Morris" userId="S::morrisj70800@masseyhigh.school.nz::4fab9e21-29a7-4d03-b4c0-6c8a112c783d" providerId="AD" clId="Web-{D504615B-0A5D-73A6-4A18-1D567E10BC58}" dt="2021-07-28T23:54:11.421" v="108"/>
+      <pc:docMkLst>
+        <pc:docMk/>
+      </pc:docMkLst>
+      <pc:sldChg chg="addSp delSp modSp new">
+        <pc:chgData name="Jonny Morris" userId="S::morrisj70800@masseyhigh.school.nz::4fab9e21-29a7-4d03-b4c0-6c8a112c783d" providerId="AD" clId="Web-{D504615B-0A5D-73A6-4A18-1D567E10BC58}" dt="2021-07-28T23:52:47.638" v="45" actId="20577"/>
+        <pc:sldMkLst>
+          <pc:docMk/>
+          <pc:sldMk cId="2979753223" sldId="271"/>
+        </pc:sldMkLst>
+        <pc:spChg chg="mod">
+          <ac:chgData name="Jonny Morris" userId="S::morrisj70800@masseyhigh.school.nz::4fab9e21-29a7-4d03-b4c0-6c8a112c783d" providerId="AD" clId="Web-{D504615B-0A5D-73A6-4A18-1D567E10BC58}" dt="2021-07-28T23:47:45.944" v="10" actId="20577"/>
+          <ac:spMkLst>
+            <pc:docMk/>
+            <pc:sldMk cId="2979753223" sldId="271"/>
+            <ac:spMk id="2" creationId="{B6F9831D-160A-4D36-8279-AA7751BCE2BE}"/>
+          </ac:spMkLst>
+        </pc:spChg>
+        <pc:spChg chg="del">
+          <ac:chgData name="Jonny Morris" userId="S::morrisj70800@masseyhigh.school.nz::4fab9e21-29a7-4d03-b4c0-6c8a112c783d" providerId="AD" clId="Web-{D504615B-0A5D-73A6-4A18-1D567E10BC58}" dt="2021-07-28T23:51:32.730" v="11"/>
+          <ac:spMkLst>
+            <pc:docMk/>
+            <pc:sldMk cId="2979753223" sldId="271"/>
+            <ac:spMk id="3" creationId="{C0A41AA9-6DC3-4B3A-8EAD-4BE968D983BA}"/>
+          </ac:spMkLst>
+        </pc:spChg>
+        <pc:spChg chg="add mod">
+          <ac:chgData name="Jonny Morris" userId="S::morrisj70800@masseyhigh.school.nz::4fab9e21-29a7-4d03-b4c0-6c8a112c783d" providerId="AD" clId="Web-{D504615B-0A5D-73A6-4A18-1D567E10BC58}" dt="2021-07-28T23:52:47.638" v="45" actId="20577"/>
+          <ac:spMkLst>
+            <pc:docMk/>
+            <pc:sldMk cId="2979753223" sldId="271"/>
+            <ac:spMk id="5" creationId="{051F399E-7412-45E8-93C4-314BD2B3DFBF}"/>
+          </ac:spMkLst>
+        </pc:spChg>
+        <pc:picChg chg="add mod ord">
+          <ac:chgData name="Jonny Morris" userId="S::morrisj70800@masseyhigh.school.nz::4fab9e21-29a7-4d03-b4c0-6c8a112c783d" providerId="AD" clId="Web-{D504615B-0A5D-73A6-4A18-1D567E10BC58}" dt="2021-07-28T23:51:36.871" v="12" actId="1076"/>
+          <ac:picMkLst>
+            <pc:docMk/>
+            <pc:sldMk cId="2979753223" sldId="271"/>
+            <ac:picMk id="4" creationId="{1729CBEA-C57C-4513-830F-C965F939AA8F}"/>
+          </ac:picMkLst>
+        </pc:picChg>
+      </pc:sldChg>
+      <pc:sldChg chg="addSp delSp modSp new">
+        <pc:chgData name="Jonny Morris" userId="S::morrisj70800@masseyhigh.school.nz::4fab9e21-29a7-4d03-b4c0-6c8a112c783d" providerId="AD" clId="Web-{D504615B-0A5D-73A6-4A18-1D567E10BC58}" dt="2021-07-28T23:54:07.639" v="107" actId="20577"/>
+        <pc:sldMkLst>
+          <pc:docMk/>
+          <pc:sldMk cId="1147695793" sldId="272"/>
+        </pc:sldMkLst>
+        <pc:spChg chg="mod">
+          <ac:chgData name="Jonny Morris" userId="S::morrisj70800@masseyhigh.school.nz::4fab9e21-29a7-4d03-b4c0-6c8a112c783d" providerId="AD" clId="Web-{D504615B-0A5D-73A6-4A18-1D567E10BC58}" dt="2021-07-28T23:53:13.107" v="54" actId="20577"/>
+          <ac:spMkLst>
+            <pc:docMk/>
+            <pc:sldMk cId="1147695793" sldId="272"/>
+            <ac:spMk id="2" creationId="{8F9B19EB-AE66-4095-9B45-4E189A272D7C}"/>
+          </ac:spMkLst>
+        </pc:spChg>
+        <pc:spChg chg="del">
+          <ac:chgData name="Jonny Morris" userId="S::morrisj70800@masseyhigh.school.nz::4fab9e21-29a7-4d03-b4c0-6c8a112c783d" providerId="AD" clId="Web-{D504615B-0A5D-73A6-4A18-1D567E10BC58}" dt="2021-07-28T23:53:14.373" v="55"/>
+          <ac:spMkLst>
+            <pc:docMk/>
+            <pc:sldMk cId="1147695793" sldId="272"/>
+            <ac:spMk id="3" creationId="{22281DE9-EE5A-49AE-92C5-4E7D144C3490}"/>
+          </ac:spMkLst>
+        </pc:spChg>
+        <pc:spChg chg="add mod">
+          <ac:chgData name="Jonny Morris" userId="S::morrisj70800@masseyhigh.school.nz::4fab9e21-29a7-4d03-b4c0-6c8a112c783d" providerId="AD" clId="Web-{D504615B-0A5D-73A6-4A18-1D567E10BC58}" dt="2021-07-28T23:54:07.639" v="107" actId="20577"/>
+          <ac:spMkLst>
+            <pc:docMk/>
+            <pc:sldMk cId="1147695793" sldId="272"/>
+            <ac:spMk id="5" creationId="{2451DC0A-CE8C-4807-BE9D-490B61D1DB52}"/>
+          </ac:spMkLst>
+        </pc:spChg>
+        <pc:picChg chg="add mod ord">
+          <ac:chgData name="Jonny Morris" userId="S::morrisj70800@masseyhigh.school.nz::4fab9e21-29a7-4d03-b4c0-6c8a112c783d" providerId="AD" clId="Web-{D504615B-0A5D-73A6-4A18-1D567E10BC58}" dt="2021-07-28T23:53:17.716" v="56" actId="1076"/>
+          <ac:picMkLst>
+            <pc:docMk/>
+            <pc:sldMk cId="1147695793" sldId="272"/>
+            <ac:picMk id="4" creationId="{8438ADBC-F5AF-4A8A-85E8-EE67AC40482F}"/>
+          </ac:picMkLst>
+        </pc:picChg>
+      </pc:sldChg>
+      <pc:sldChg chg="new">
+        <pc:chgData name="Jonny Morris" userId="S::morrisj70800@masseyhigh.school.nz::4fab9e21-29a7-4d03-b4c0-6c8a112c783d" providerId="AD" clId="Web-{D504615B-0A5D-73A6-4A18-1D567E10BC58}" dt="2021-07-28T23:54:11.421" v="108"/>
+        <pc:sldMkLst>
+          <pc:docMk/>
+          <pc:sldMk cId="1323580387" sldId="273"/>
+        </pc:sldMkLst>
+      </pc:sldChg>
+    </pc:docChg>
+  </pc:docChgLst>
+  <pc:docChgLst>
+    <pc:chgData name="Jonny Morris" userId="S::morrisj70800@masseyhigh.school.nz::4fab9e21-29a7-4d03-b4c0-6c8a112c783d" providerId="AD" clId="Web-{C9F5174C-5619-5E50-BF05-0D84B8F86598}"/>
+    <pc:docChg chg="addSld modSld">
+      <pc:chgData name="Jonny Morris" userId="S::morrisj70800@masseyhigh.school.nz::4fab9e21-29a7-4d03-b4c0-6c8a112c783d" providerId="AD" clId="Web-{C9F5174C-5619-5E50-BF05-0D84B8F86598}" dt="2021-06-10T00:06:44.466" v="251" actId="20577"/>
+      <pc:docMkLst>
+        <pc:docMk/>
+      </pc:docMkLst>
+      <pc:sldChg chg="addSp delSp modSp new">
+        <pc:chgData name="Jonny Morris" userId="S::morrisj70800@masseyhigh.school.nz::4fab9e21-29a7-4d03-b4c0-6c8a112c783d" providerId="AD" clId="Web-{C9F5174C-5619-5E50-BF05-0D84B8F86598}" dt="2021-06-10T00:06:44.466" v="251" actId="20577"/>
+        <pc:sldMkLst>
+          <pc:docMk/>
+          <pc:sldMk cId="2917113191" sldId="262"/>
+        </pc:sldMkLst>
+        <pc:spChg chg="mod">
+          <ac:chgData name="Jonny Morris" userId="S::morrisj70800@masseyhigh.school.nz::4fab9e21-29a7-4d03-b4c0-6c8a112c783d" providerId="AD" clId="Web-{C9F5174C-5619-5E50-BF05-0D84B8F86598}" dt="2021-06-10T00:04:38.541" v="19" actId="20577"/>
+          <ac:spMkLst>
+            <pc:docMk/>
+            <pc:sldMk cId="2917113191" sldId="262"/>
+            <ac:spMk id="2" creationId="{5AE28010-B0EF-44DA-8BCD-4527C8D1D059}"/>
+          </ac:spMkLst>
+        </pc:spChg>
+        <pc:spChg chg="del">
+          <ac:chgData name="Jonny Morris" userId="S::morrisj70800@masseyhigh.school.nz::4fab9e21-29a7-4d03-b4c0-6c8a112c783d" providerId="AD" clId="Web-{C9F5174C-5619-5E50-BF05-0D84B8F86598}" dt="2021-06-10T00:04:40.900" v="20"/>
+          <ac:spMkLst>
+            <pc:docMk/>
+            <pc:sldMk cId="2917113191" sldId="262"/>
+            <ac:spMk id="3" creationId="{E7D04A62-9223-4F4D-B02C-FF5C63AE999B}"/>
+          </ac:spMkLst>
+        </pc:spChg>
+        <pc:spChg chg="add mod">
+          <ac:chgData name="Jonny Morris" userId="S::morrisj70800@masseyhigh.school.nz::4fab9e21-29a7-4d03-b4c0-6c8a112c783d" providerId="AD" clId="Web-{C9F5174C-5619-5E50-BF05-0D84B8F86598}" dt="2021-06-10T00:06:44.466" v="251" actId="20577"/>
+          <ac:spMkLst>
+            <pc:docMk/>
+            <pc:sldMk cId="2917113191" sldId="262"/>
+            <ac:spMk id="5" creationId="{9E912266-C109-4D55-9601-8A9EE4EE52B5}"/>
+          </ac:spMkLst>
+        </pc:spChg>
+        <pc:picChg chg="add mod ord">
+          <ac:chgData name="Jonny Morris" userId="S::morrisj70800@masseyhigh.school.nz::4fab9e21-29a7-4d03-b4c0-6c8a112c783d" providerId="AD" clId="Web-{C9F5174C-5619-5E50-BF05-0D84B8F86598}" dt="2021-06-10T00:04:44.416" v="22" actId="1076"/>
+          <ac:picMkLst>
+            <pc:docMk/>
+            <pc:sldMk cId="2917113191" sldId="262"/>
+            <ac:picMk id="4" creationId="{A23B8DD8-2A29-4176-AF99-EF02CE8EBC35}"/>
           </ac:picMkLst>
         </pc:picChg>
       </pc:sldChg>
@@ -427,1239 +1420,112 @@
     </pc:docChg>
   </pc:docChgLst>
   <pc:docChgLst>
-    <pc:chgData name="Jonny Morris" userId="S::morrisj70800@masseyhigh.school.nz::4fab9e21-29a7-4d03-b4c0-6c8a112c783d" providerId="AD" clId="Web-{61852D5F-CC47-4EF3-8523-0D8470090199}"/>
+    <pc:chgData name="Jonny Morris" userId="S::morrisj70800@masseyhigh.school.nz::4fab9e21-29a7-4d03-b4c0-6c8a112c783d" providerId="AD" clId="Web-{D3BA5852-7B66-A859-35DA-1A7F22D39787}"/>
     <pc:docChg chg="addSld modSld">
-      <pc:chgData name="Jonny Morris" userId="S::morrisj70800@masseyhigh.school.nz::4fab9e21-29a7-4d03-b4c0-6c8a112c783d" providerId="AD" clId="Web-{61852D5F-CC47-4EF3-8523-0D8470090199}" dt="2021-05-27T22:48:16.206" v="16" actId="20577"/>
+      <pc:chgData name="Jonny Morris" userId="S::morrisj70800@masseyhigh.school.nz::4fab9e21-29a7-4d03-b4c0-6c8a112c783d" providerId="AD" clId="Web-{D3BA5852-7B66-A859-35DA-1A7F22D39787}" dt="2021-06-09T01:12:33.081" v="234" actId="20577"/>
       <pc:docMkLst>
         <pc:docMk/>
       </pc:docMkLst>
-      <pc:sldChg chg="modSp">
-        <pc:chgData name="Jonny Morris" userId="S::morrisj70800@masseyhigh.school.nz::4fab9e21-29a7-4d03-b4c0-6c8a112c783d" providerId="AD" clId="Web-{61852D5F-CC47-4EF3-8523-0D8470090199}" dt="2021-05-27T22:43:03.745" v="0" actId="1076"/>
-        <pc:sldMkLst>
-          <pc:docMk/>
-          <pc:sldMk cId="109857222" sldId="256"/>
-        </pc:sldMkLst>
-        <pc:spChg chg="mod">
-          <ac:chgData name="Jonny Morris" userId="S::morrisj70800@masseyhigh.school.nz::4fab9e21-29a7-4d03-b4c0-6c8a112c783d" providerId="AD" clId="Web-{61852D5F-CC47-4EF3-8523-0D8470090199}" dt="2021-05-27T22:43:03.745" v="0" actId="1076"/>
-          <ac:spMkLst>
-            <pc:docMk/>
-            <pc:sldMk cId="109857222" sldId="256"/>
-            <ac:spMk id="2" creationId="{00000000-0000-0000-0000-000000000000}"/>
-          </ac:spMkLst>
-        </pc:spChg>
-      </pc:sldChg>
-      <pc:sldChg chg="addSp delSp modSp new">
-        <pc:chgData name="Jonny Morris" userId="S::morrisj70800@masseyhigh.school.nz::4fab9e21-29a7-4d03-b4c0-6c8a112c783d" providerId="AD" clId="Web-{61852D5F-CC47-4EF3-8523-0D8470090199}" dt="2021-05-27T22:48:16.206" v="16" actId="20577"/>
-        <pc:sldMkLst>
-          <pc:docMk/>
-          <pc:sldMk cId="358461426" sldId="257"/>
-        </pc:sldMkLst>
-        <pc:spChg chg="mod">
-          <ac:chgData name="Jonny Morris" userId="S::morrisj70800@masseyhigh.school.nz::4fab9e21-29a7-4d03-b4c0-6c8a112c783d" providerId="AD" clId="Web-{61852D5F-CC47-4EF3-8523-0D8470090199}" dt="2021-05-27T22:48:16.206" v="16" actId="20577"/>
-          <ac:spMkLst>
-            <pc:docMk/>
-            <pc:sldMk cId="358461426" sldId="257"/>
-            <ac:spMk id="2" creationId="{4AA7760E-DDE6-43AD-B768-5AF8FC14ECF5}"/>
-          </ac:spMkLst>
-        </pc:spChg>
-        <pc:spChg chg="del">
-          <ac:chgData name="Jonny Morris" userId="S::morrisj70800@masseyhigh.school.nz::4fab9e21-29a7-4d03-b4c0-6c8a112c783d" providerId="AD" clId="Web-{61852D5F-CC47-4EF3-8523-0D8470090199}" dt="2021-05-27T22:44:00.074" v="5"/>
-          <ac:spMkLst>
-            <pc:docMk/>
-            <pc:sldMk cId="358461426" sldId="257"/>
-            <ac:spMk id="3" creationId="{D8C59009-2A6A-4F56-A1D2-A2B19FFCCCED}"/>
-          </ac:spMkLst>
-        </pc:spChg>
-        <pc:picChg chg="add mod ord">
-          <ac:chgData name="Jonny Morris" userId="S::morrisj70800@masseyhigh.school.nz::4fab9e21-29a7-4d03-b4c0-6c8a112c783d" providerId="AD" clId="Web-{61852D5F-CC47-4EF3-8523-0D8470090199}" dt="2021-05-27T22:44:00.074" v="5"/>
-          <ac:picMkLst>
-            <pc:docMk/>
-            <pc:sldMk cId="358461426" sldId="257"/>
-            <ac:picMk id="4" creationId="{D274BBA2-E442-450E-8D18-87D3DBB0D22E}"/>
-          </ac:picMkLst>
-        </pc:picChg>
-      </pc:sldChg>
-      <pc:sldChg chg="addSp delSp modSp new">
-        <pc:chgData name="Jonny Morris" userId="S::morrisj70800@masseyhigh.school.nz::4fab9e21-29a7-4d03-b4c0-6c8a112c783d" providerId="AD" clId="Web-{61852D5F-CC47-4EF3-8523-0D8470090199}" dt="2021-05-27T22:48:10.550" v="14" actId="20577"/>
-        <pc:sldMkLst>
-          <pc:docMk/>
-          <pc:sldMk cId="2720713569" sldId="258"/>
-        </pc:sldMkLst>
-        <pc:spChg chg="mod">
-          <ac:chgData name="Jonny Morris" userId="S::morrisj70800@masseyhigh.school.nz::4fab9e21-29a7-4d03-b4c0-6c8a112c783d" providerId="AD" clId="Web-{61852D5F-CC47-4EF3-8523-0D8470090199}" dt="2021-05-27T22:48:10.550" v="14" actId="20577"/>
-          <ac:spMkLst>
-            <pc:docMk/>
-            <pc:sldMk cId="2720713569" sldId="258"/>
-            <ac:spMk id="2" creationId="{92EE7463-1C1B-4BDE-94BB-493F7281A42D}"/>
-          </ac:spMkLst>
-        </pc:spChg>
-        <pc:spChg chg="del">
-          <ac:chgData name="Jonny Morris" userId="S::morrisj70800@masseyhigh.school.nz::4fab9e21-29a7-4d03-b4c0-6c8a112c783d" providerId="AD" clId="Web-{61852D5F-CC47-4EF3-8523-0D8470090199}" dt="2021-05-27T22:45:14.639" v="6"/>
-          <ac:spMkLst>
-            <pc:docMk/>
-            <pc:sldMk cId="2720713569" sldId="258"/>
-            <ac:spMk id="3" creationId="{CD403E76-3547-4C2A-A26C-57E96749ADF9}"/>
-          </ac:spMkLst>
-        </pc:spChg>
-        <pc:picChg chg="add mod ord">
-          <ac:chgData name="Jonny Morris" userId="S::morrisj70800@masseyhigh.school.nz::4fab9e21-29a7-4d03-b4c0-6c8a112c783d" providerId="AD" clId="Web-{61852D5F-CC47-4EF3-8523-0D8470090199}" dt="2021-05-27T22:45:14.639" v="6"/>
-          <ac:picMkLst>
-            <pc:docMk/>
-            <pc:sldMk cId="2720713569" sldId="258"/>
-            <ac:picMk id="4" creationId="{770B29DB-722F-42EE-BD98-08A6A58798B3}"/>
-          </ac:picMkLst>
-        </pc:picChg>
-      </pc:sldChg>
-      <pc:sldChg chg="new">
-        <pc:chgData name="Jonny Morris" userId="S::morrisj70800@masseyhigh.school.nz::4fab9e21-29a7-4d03-b4c0-6c8a112c783d" providerId="AD" clId="Web-{61852D5F-CC47-4EF3-8523-0D8470090199}" dt="2021-05-27T22:43:29.355" v="3"/>
-        <pc:sldMkLst>
-          <pc:docMk/>
-          <pc:sldMk cId="1121134679" sldId="259"/>
-        </pc:sldMkLst>
-      </pc:sldChg>
-      <pc:sldChg chg="new">
-        <pc:chgData name="Jonny Morris" userId="S::morrisj70800@masseyhigh.school.nz::4fab9e21-29a7-4d03-b4c0-6c8a112c783d" providerId="AD" clId="Web-{61852D5F-CC47-4EF3-8523-0D8470090199}" dt="2021-05-27T22:43:31.902" v="4"/>
-        <pc:sldMkLst>
-          <pc:docMk/>
-          <pc:sldMk cId="4213354389" sldId="260"/>
-        </pc:sldMkLst>
-      </pc:sldChg>
-    </pc:docChg>
-  </pc:docChgLst>
-  <pc:docChgLst>
-    <pc:chgData name="Jonny Morris" userId="S::morrisj70800@masseyhigh.school.nz::4fab9e21-29a7-4d03-b4c0-6c8a112c783d" providerId="AD" clId="Web-{83C94324-EBE6-7120-C8CE-3FACB84F21A0}"/>
-    <pc:docChg chg="addSld modSld">
-      <pc:chgData name="Jonny Morris" userId="S::morrisj70800@masseyhigh.school.nz::4fab9e21-29a7-4d03-b4c0-6c8a112c783d" providerId="AD" clId="Web-{83C94324-EBE6-7120-C8CE-3FACB84F21A0}" dt="2021-07-27T03:07:43.190" v="91" actId="1076"/>
-      <pc:docMkLst>
-        <pc:docMk/>
-      </pc:docMkLst>
-      <pc:sldChg chg="addSp delSp modSp new">
-        <pc:chgData name="Jonny Morris" userId="S::morrisj70800@masseyhigh.school.nz::4fab9e21-29a7-4d03-b4c0-6c8a112c783d" providerId="AD" clId="Web-{83C94324-EBE6-7120-C8CE-3FACB84F21A0}" dt="2021-07-27T03:07:43.190" v="91" actId="1076"/>
-        <pc:sldMkLst>
-          <pc:docMk/>
-          <pc:sldMk cId="3945650720" sldId="270"/>
-        </pc:sldMkLst>
-        <pc:spChg chg="mod">
-          <ac:chgData name="Jonny Morris" userId="S::morrisj70800@masseyhigh.school.nz::4fab9e21-29a7-4d03-b4c0-6c8a112c783d" providerId="AD" clId="Web-{83C94324-EBE6-7120-C8CE-3FACB84F21A0}" dt="2021-07-27T03:07:31.314" v="88" actId="20577"/>
-          <ac:spMkLst>
-            <pc:docMk/>
-            <pc:sldMk cId="3945650720" sldId="270"/>
-            <ac:spMk id="2" creationId="{60E7DE14-70EA-44B3-9974-68425BE0CF5E}"/>
-          </ac:spMkLst>
-        </pc:spChg>
-        <pc:spChg chg="del">
-          <ac:chgData name="Jonny Morris" userId="S::morrisj70800@masseyhigh.school.nz::4fab9e21-29a7-4d03-b4c0-6c8a112c783d" providerId="AD" clId="Web-{83C94324-EBE6-7120-C8CE-3FACB84F21A0}" dt="2021-07-27T02:41:30.408" v="12"/>
-          <ac:spMkLst>
-            <pc:docMk/>
-            <pc:sldMk cId="3945650720" sldId="270"/>
-            <ac:spMk id="3" creationId="{A0B925DC-652D-43E8-B69E-BD57D5ECF9D8}"/>
-          </ac:spMkLst>
-        </pc:spChg>
-        <pc:spChg chg="add mod">
-          <ac:chgData name="Jonny Morris" userId="S::morrisj70800@masseyhigh.school.nz::4fab9e21-29a7-4d03-b4c0-6c8a112c783d" providerId="AD" clId="Web-{83C94324-EBE6-7120-C8CE-3FACB84F21A0}" dt="2021-07-27T03:07:43.190" v="91" actId="1076"/>
-          <ac:spMkLst>
-            <pc:docMk/>
-            <pc:sldMk cId="3945650720" sldId="270"/>
-            <ac:spMk id="5" creationId="{8FDA18EA-F9E6-4125-AEBA-086FCF91B257}"/>
-          </ac:spMkLst>
-        </pc:spChg>
-        <pc:picChg chg="add mod ord">
-          <ac:chgData name="Jonny Morris" userId="S::morrisj70800@masseyhigh.school.nz::4fab9e21-29a7-4d03-b4c0-6c8a112c783d" providerId="AD" clId="Web-{83C94324-EBE6-7120-C8CE-3FACB84F21A0}" dt="2021-07-27T03:07:34.393" v="89" actId="1076"/>
-          <ac:picMkLst>
-            <pc:docMk/>
-            <pc:sldMk cId="3945650720" sldId="270"/>
-            <ac:picMk id="4" creationId="{A1706CB7-CC2F-4A7B-8BD0-E211B93323FD}"/>
-          </ac:picMkLst>
-        </pc:picChg>
-      </pc:sldChg>
-    </pc:docChg>
-  </pc:docChgLst>
-  <pc:docChgLst>
-    <pc:chgData name="Jonny Morris" userId="S::morrisj70800@masseyhigh.school.nz::4fab9e21-29a7-4d03-b4c0-6c8a112c783d" providerId="AD" clId="Web-{C9F5174C-5619-5E50-BF05-0D84B8F86598}"/>
-    <pc:docChg chg="addSld modSld">
-      <pc:chgData name="Jonny Morris" userId="S::morrisj70800@masseyhigh.school.nz::4fab9e21-29a7-4d03-b4c0-6c8a112c783d" providerId="AD" clId="Web-{C9F5174C-5619-5E50-BF05-0D84B8F86598}" dt="2021-06-10T00:06:44.466" v="251" actId="20577"/>
-      <pc:docMkLst>
-        <pc:docMk/>
-      </pc:docMkLst>
-      <pc:sldChg chg="addSp delSp modSp new">
-        <pc:chgData name="Jonny Morris" userId="S::morrisj70800@masseyhigh.school.nz::4fab9e21-29a7-4d03-b4c0-6c8a112c783d" providerId="AD" clId="Web-{C9F5174C-5619-5E50-BF05-0D84B8F86598}" dt="2021-06-10T00:06:44.466" v="251" actId="20577"/>
-        <pc:sldMkLst>
-          <pc:docMk/>
-          <pc:sldMk cId="2917113191" sldId="262"/>
-        </pc:sldMkLst>
-        <pc:spChg chg="mod">
-          <ac:chgData name="Jonny Morris" userId="S::morrisj70800@masseyhigh.school.nz::4fab9e21-29a7-4d03-b4c0-6c8a112c783d" providerId="AD" clId="Web-{C9F5174C-5619-5E50-BF05-0D84B8F86598}" dt="2021-06-10T00:04:38.541" v="19" actId="20577"/>
-          <ac:spMkLst>
-            <pc:docMk/>
-            <pc:sldMk cId="2917113191" sldId="262"/>
-            <ac:spMk id="2" creationId="{5AE28010-B0EF-44DA-8BCD-4527C8D1D059}"/>
-          </ac:spMkLst>
-        </pc:spChg>
-        <pc:spChg chg="del">
-          <ac:chgData name="Jonny Morris" userId="S::morrisj70800@masseyhigh.school.nz::4fab9e21-29a7-4d03-b4c0-6c8a112c783d" providerId="AD" clId="Web-{C9F5174C-5619-5E50-BF05-0D84B8F86598}" dt="2021-06-10T00:04:40.900" v="20"/>
-          <ac:spMkLst>
-            <pc:docMk/>
-            <pc:sldMk cId="2917113191" sldId="262"/>
-            <ac:spMk id="3" creationId="{E7D04A62-9223-4F4D-B02C-FF5C63AE999B}"/>
-          </ac:spMkLst>
-        </pc:spChg>
-        <pc:spChg chg="add mod">
-          <ac:chgData name="Jonny Morris" userId="S::morrisj70800@masseyhigh.school.nz::4fab9e21-29a7-4d03-b4c0-6c8a112c783d" providerId="AD" clId="Web-{C9F5174C-5619-5E50-BF05-0D84B8F86598}" dt="2021-06-10T00:06:44.466" v="251" actId="20577"/>
-          <ac:spMkLst>
-            <pc:docMk/>
-            <pc:sldMk cId="2917113191" sldId="262"/>
-            <ac:spMk id="5" creationId="{9E912266-C109-4D55-9601-8A9EE4EE52B5}"/>
-          </ac:spMkLst>
-        </pc:spChg>
-        <pc:picChg chg="add mod ord">
-          <ac:chgData name="Jonny Morris" userId="S::morrisj70800@masseyhigh.school.nz::4fab9e21-29a7-4d03-b4c0-6c8a112c783d" providerId="AD" clId="Web-{C9F5174C-5619-5E50-BF05-0D84B8F86598}" dt="2021-06-10T00:04:44.416" v="22" actId="1076"/>
-          <ac:picMkLst>
-            <pc:docMk/>
-            <pc:sldMk cId="2917113191" sldId="262"/>
-            <ac:picMk id="4" creationId="{A23B8DD8-2A29-4176-AF99-EF02CE8EBC35}"/>
-          </ac:picMkLst>
-        </pc:picChg>
-      </pc:sldChg>
-    </pc:docChg>
-  </pc:docChgLst>
-  <pc:docChgLst>
-    <pc:chgData name="Jonny Morris" userId="S::morrisj70800@masseyhigh.school.nz::4fab9e21-29a7-4d03-b4c0-6c8a112c783d" providerId="AD" clId="Web-{988D2265-4B4A-D9DD-55B3-4738B025B4A1}"/>
-    <pc:docChg chg="addSld modSld">
-      <pc:chgData name="Jonny Morris" userId="S::morrisj70800@masseyhigh.school.nz::4fab9e21-29a7-4d03-b4c0-6c8a112c783d" providerId="AD" clId="Web-{988D2265-4B4A-D9DD-55B3-4738B025B4A1}" dt="2021-07-06T02:55:57.316" v="122" actId="20577"/>
-      <pc:docMkLst>
-        <pc:docMk/>
-      </pc:docMkLst>
-      <pc:sldChg chg="addSp delSp modSp new">
-        <pc:chgData name="Jonny Morris" userId="S::morrisj70800@masseyhigh.school.nz::4fab9e21-29a7-4d03-b4c0-6c8a112c783d" providerId="AD" clId="Web-{988D2265-4B4A-D9DD-55B3-4738B025B4A1}" dt="2021-07-06T02:55:57.316" v="122" actId="20577"/>
-        <pc:sldMkLst>
-          <pc:docMk/>
-          <pc:sldMk cId="1488023128" sldId="266"/>
-        </pc:sldMkLst>
-        <pc:spChg chg="mod">
-          <ac:chgData name="Jonny Morris" userId="S::morrisj70800@masseyhigh.school.nz::4fab9e21-29a7-4d03-b4c0-6c8a112c783d" providerId="AD" clId="Web-{988D2265-4B4A-D9DD-55B3-4738B025B4A1}" dt="2021-07-06T02:45:41.363" v="8" actId="20577"/>
-          <ac:spMkLst>
-            <pc:docMk/>
-            <pc:sldMk cId="1488023128" sldId="266"/>
-            <ac:spMk id="2" creationId="{B44827F1-0ACB-45EB-8481-23D426022B3B}"/>
-          </ac:spMkLst>
-        </pc:spChg>
-        <pc:spChg chg="del">
-          <ac:chgData name="Jonny Morris" userId="S::morrisj70800@masseyhigh.school.nz::4fab9e21-29a7-4d03-b4c0-6c8a112c783d" providerId="AD" clId="Web-{988D2265-4B4A-D9DD-55B3-4738B025B4A1}" dt="2021-07-06T02:45:43.597" v="9"/>
-          <ac:spMkLst>
-            <pc:docMk/>
-            <pc:sldMk cId="1488023128" sldId="266"/>
-            <ac:spMk id="3" creationId="{2F0A10E7-3527-4CC4-A6BD-7503A2BFB7CD}"/>
-          </ac:spMkLst>
-        </pc:spChg>
-        <pc:spChg chg="add mod">
-          <ac:chgData name="Jonny Morris" userId="S::morrisj70800@masseyhigh.school.nz::4fab9e21-29a7-4d03-b4c0-6c8a112c783d" providerId="AD" clId="Web-{988D2265-4B4A-D9DD-55B3-4738B025B4A1}" dt="2021-07-06T02:55:57.316" v="122" actId="20577"/>
-          <ac:spMkLst>
-            <pc:docMk/>
-            <pc:sldMk cId="1488023128" sldId="266"/>
-            <ac:spMk id="5" creationId="{A1ECA617-BBD3-4FC1-B266-8D45DC4EF5DC}"/>
-          </ac:spMkLst>
-        </pc:spChg>
-        <pc:picChg chg="add mod ord">
-          <ac:chgData name="Jonny Morris" userId="S::morrisj70800@masseyhigh.school.nz::4fab9e21-29a7-4d03-b4c0-6c8a112c783d" providerId="AD" clId="Web-{988D2265-4B4A-D9DD-55B3-4738B025B4A1}" dt="2021-07-06T02:45:47.097" v="10" actId="1076"/>
-          <ac:picMkLst>
-            <pc:docMk/>
-            <pc:sldMk cId="1488023128" sldId="266"/>
-            <ac:picMk id="4" creationId="{B76247F6-E9E4-430F-AC50-9019A895D23C}"/>
-          </ac:picMkLst>
-        </pc:picChg>
-      </pc:sldChg>
-    </pc:docChg>
-  </pc:docChgLst>
-  <pc:docChgLst>
-    <pc:chgData clId="Web-{EE33AF41-30E7-9FB3-CC2C-421B72023142}"/>
-    <pc:docChg chg="modSld">
-      <pc:chgData name="" userId="" providerId="" clId="Web-{EE33AF41-30E7-9FB3-CC2C-421B72023142}" dt="2021-06-16T00:31:18.610" v="1" actId="20577"/>
-      <pc:docMkLst>
-        <pc:docMk/>
-      </pc:docMkLst>
-      <pc:sldChg chg="modSp">
-        <pc:chgData name="" userId="" providerId="" clId="Web-{EE33AF41-30E7-9FB3-CC2C-421B72023142}" dt="2021-06-16T00:31:18.610" v="1" actId="20577"/>
-        <pc:sldMkLst>
-          <pc:docMk/>
-          <pc:sldMk cId="109857222" sldId="256"/>
-        </pc:sldMkLst>
-        <pc:spChg chg="mod">
-          <ac:chgData name="" userId="" providerId="" clId="Web-{EE33AF41-30E7-9FB3-CC2C-421B72023142}" dt="2021-06-16T00:31:18.610" v="1" actId="20577"/>
-          <ac:spMkLst>
-            <pc:docMk/>
-            <pc:sldMk cId="109857222" sldId="256"/>
-            <ac:spMk id="2" creationId="{00000000-0000-0000-0000-000000000000}"/>
-          </ac:spMkLst>
-        </pc:spChg>
-      </pc:sldChg>
-    </pc:docChg>
-  </pc:docChgLst>
-  <pc:docChgLst>
-    <pc:chgData name="Jonny Morris" userId="S::morrisj70800@masseyhigh.school.nz::4fab9e21-29a7-4d03-b4c0-6c8a112c783d" providerId="AD" clId="Web-{D504615B-0A5D-73A6-4A18-1D567E10BC58}"/>
-    <pc:docChg chg="addSld modSld">
-      <pc:chgData name="Jonny Morris" userId="S::morrisj70800@masseyhigh.school.nz::4fab9e21-29a7-4d03-b4c0-6c8a112c783d" providerId="AD" clId="Web-{D504615B-0A5D-73A6-4A18-1D567E10BC58}" dt="2021-07-28T23:54:11.421" v="108"/>
-      <pc:docMkLst>
-        <pc:docMk/>
-      </pc:docMkLst>
-      <pc:sldChg chg="addSp delSp modSp new">
-        <pc:chgData name="Jonny Morris" userId="S::morrisj70800@masseyhigh.school.nz::4fab9e21-29a7-4d03-b4c0-6c8a112c783d" providerId="AD" clId="Web-{D504615B-0A5D-73A6-4A18-1D567E10BC58}" dt="2021-07-28T23:52:47.638" v="45" actId="20577"/>
-        <pc:sldMkLst>
-          <pc:docMk/>
-          <pc:sldMk cId="2979753223" sldId="271"/>
-        </pc:sldMkLst>
-        <pc:spChg chg="mod">
-          <ac:chgData name="Jonny Morris" userId="S::morrisj70800@masseyhigh.school.nz::4fab9e21-29a7-4d03-b4c0-6c8a112c783d" providerId="AD" clId="Web-{D504615B-0A5D-73A6-4A18-1D567E10BC58}" dt="2021-07-28T23:47:45.944" v="10" actId="20577"/>
-          <ac:spMkLst>
-            <pc:docMk/>
-            <pc:sldMk cId="2979753223" sldId="271"/>
-            <ac:spMk id="2" creationId="{B6F9831D-160A-4D36-8279-AA7751BCE2BE}"/>
-          </ac:spMkLst>
-        </pc:spChg>
-        <pc:spChg chg="del">
-          <ac:chgData name="Jonny Morris" userId="S::morrisj70800@masseyhigh.school.nz::4fab9e21-29a7-4d03-b4c0-6c8a112c783d" providerId="AD" clId="Web-{D504615B-0A5D-73A6-4A18-1D567E10BC58}" dt="2021-07-28T23:51:32.730" v="11"/>
-          <ac:spMkLst>
-            <pc:docMk/>
-            <pc:sldMk cId="2979753223" sldId="271"/>
-            <ac:spMk id="3" creationId="{C0A41AA9-6DC3-4B3A-8EAD-4BE968D983BA}"/>
-          </ac:spMkLst>
-        </pc:spChg>
-        <pc:spChg chg="add mod">
-          <ac:chgData name="Jonny Morris" userId="S::morrisj70800@masseyhigh.school.nz::4fab9e21-29a7-4d03-b4c0-6c8a112c783d" providerId="AD" clId="Web-{D504615B-0A5D-73A6-4A18-1D567E10BC58}" dt="2021-07-28T23:52:47.638" v="45" actId="20577"/>
-          <ac:spMkLst>
-            <pc:docMk/>
-            <pc:sldMk cId="2979753223" sldId="271"/>
-            <ac:spMk id="5" creationId="{051F399E-7412-45E8-93C4-314BD2B3DFBF}"/>
-          </ac:spMkLst>
-        </pc:spChg>
-        <pc:picChg chg="add mod ord">
-          <ac:chgData name="Jonny Morris" userId="S::morrisj70800@masseyhigh.school.nz::4fab9e21-29a7-4d03-b4c0-6c8a112c783d" providerId="AD" clId="Web-{D504615B-0A5D-73A6-4A18-1D567E10BC58}" dt="2021-07-28T23:51:36.871" v="12" actId="1076"/>
-          <ac:picMkLst>
-            <pc:docMk/>
-            <pc:sldMk cId="2979753223" sldId="271"/>
-            <ac:picMk id="4" creationId="{1729CBEA-C57C-4513-830F-C965F939AA8F}"/>
-          </ac:picMkLst>
-        </pc:picChg>
-      </pc:sldChg>
-      <pc:sldChg chg="addSp delSp modSp new">
-        <pc:chgData name="Jonny Morris" userId="S::morrisj70800@masseyhigh.school.nz::4fab9e21-29a7-4d03-b4c0-6c8a112c783d" providerId="AD" clId="Web-{D504615B-0A5D-73A6-4A18-1D567E10BC58}" dt="2021-07-28T23:54:07.639" v="107" actId="20577"/>
-        <pc:sldMkLst>
-          <pc:docMk/>
-          <pc:sldMk cId="1147695793" sldId="272"/>
-        </pc:sldMkLst>
-        <pc:spChg chg="mod">
-          <ac:chgData name="Jonny Morris" userId="S::morrisj70800@masseyhigh.school.nz::4fab9e21-29a7-4d03-b4c0-6c8a112c783d" providerId="AD" clId="Web-{D504615B-0A5D-73A6-4A18-1D567E10BC58}" dt="2021-07-28T23:53:13.107" v="54" actId="20577"/>
-          <ac:spMkLst>
-            <pc:docMk/>
-            <pc:sldMk cId="1147695793" sldId="272"/>
-            <ac:spMk id="2" creationId="{8F9B19EB-AE66-4095-9B45-4E189A272D7C}"/>
-          </ac:spMkLst>
-        </pc:spChg>
-        <pc:spChg chg="del">
-          <ac:chgData name="Jonny Morris" userId="S::morrisj70800@masseyhigh.school.nz::4fab9e21-29a7-4d03-b4c0-6c8a112c783d" providerId="AD" clId="Web-{D504615B-0A5D-73A6-4A18-1D567E10BC58}" dt="2021-07-28T23:53:14.373" v="55"/>
-          <ac:spMkLst>
-            <pc:docMk/>
-            <pc:sldMk cId="1147695793" sldId="272"/>
-            <ac:spMk id="3" creationId="{22281DE9-EE5A-49AE-92C5-4E7D144C3490}"/>
-          </ac:spMkLst>
-        </pc:spChg>
-        <pc:spChg chg="add mod">
-          <ac:chgData name="Jonny Morris" userId="S::morrisj70800@masseyhigh.school.nz::4fab9e21-29a7-4d03-b4c0-6c8a112c783d" providerId="AD" clId="Web-{D504615B-0A5D-73A6-4A18-1D567E10BC58}" dt="2021-07-28T23:54:07.639" v="107" actId="20577"/>
-          <ac:spMkLst>
-            <pc:docMk/>
-            <pc:sldMk cId="1147695793" sldId="272"/>
-            <ac:spMk id="5" creationId="{2451DC0A-CE8C-4807-BE9D-490B61D1DB52}"/>
-          </ac:spMkLst>
-        </pc:spChg>
-        <pc:picChg chg="add mod ord">
-          <ac:chgData name="Jonny Morris" userId="S::morrisj70800@masseyhigh.school.nz::4fab9e21-29a7-4d03-b4c0-6c8a112c783d" providerId="AD" clId="Web-{D504615B-0A5D-73A6-4A18-1D567E10BC58}" dt="2021-07-28T23:53:17.716" v="56" actId="1076"/>
-          <ac:picMkLst>
-            <pc:docMk/>
-            <pc:sldMk cId="1147695793" sldId="272"/>
-            <ac:picMk id="4" creationId="{8438ADBC-F5AF-4A8A-85E8-EE67AC40482F}"/>
-          </ac:picMkLst>
-        </pc:picChg>
-      </pc:sldChg>
-      <pc:sldChg chg="new">
-        <pc:chgData name="Jonny Morris" userId="S::morrisj70800@masseyhigh.school.nz::4fab9e21-29a7-4d03-b4c0-6c8a112c783d" providerId="AD" clId="Web-{D504615B-0A5D-73A6-4A18-1D567E10BC58}" dt="2021-07-28T23:54:11.421" v="108"/>
-        <pc:sldMkLst>
-          <pc:docMk/>
-          <pc:sldMk cId="1323580387" sldId="273"/>
-        </pc:sldMkLst>
-      </pc:sldChg>
-    </pc:docChg>
-  </pc:docChgLst>
-  <pc:docChgLst>
-    <pc:chgData name="Jonny Morris" userId="S::morrisj70800@masseyhigh.school.nz::4fab9e21-29a7-4d03-b4c0-6c8a112c783d" providerId="AD" clId="Web-{2BF45F4D-8CBA-4021-0C0C-AF4D1A6BC7AD}"/>
-    <pc:docChg chg="modSld">
-      <pc:chgData name="Jonny Morris" userId="S::morrisj70800@masseyhigh.school.nz::4fab9e21-29a7-4d03-b4c0-6c8a112c783d" providerId="AD" clId="Web-{2BF45F4D-8CBA-4021-0C0C-AF4D1A6BC7AD}" dt="2021-07-28T01:09:17.381" v="35" actId="20577"/>
-      <pc:docMkLst>
-        <pc:docMk/>
-      </pc:docMkLst>
-      <pc:sldChg chg="modSp">
-        <pc:chgData name="Jonny Morris" userId="S::morrisj70800@masseyhigh.school.nz::4fab9e21-29a7-4d03-b4c0-6c8a112c783d" providerId="AD" clId="Web-{2BF45F4D-8CBA-4021-0C0C-AF4D1A6BC7AD}" dt="2021-07-28T01:09:17.381" v="35" actId="20577"/>
-        <pc:sldMkLst>
-          <pc:docMk/>
-          <pc:sldMk cId="3945650720" sldId="270"/>
-        </pc:sldMkLst>
-        <pc:spChg chg="mod">
-          <ac:chgData name="Jonny Morris" userId="S::morrisj70800@masseyhigh.school.nz::4fab9e21-29a7-4d03-b4c0-6c8a112c783d" providerId="AD" clId="Web-{2BF45F4D-8CBA-4021-0C0C-AF4D1A6BC7AD}" dt="2021-07-28T01:08:44.740" v="4" actId="20577"/>
-          <ac:spMkLst>
-            <pc:docMk/>
-            <pc:sldMk cId="3945650720" sldId="270"/>
-            <ac:spMk id="2" creationId="{60E7DE14-70EA-44B3-9974-68425BE0CF5E}"/>
-          </ac:spMkLst>
-        </pc:spChg>
-        <pc:spChg chg="mod">
-          <ac:chgData name="Jonny Morris" userId="S::morrisj70800@masseyhigh.school.nz::4fab9e21-29a7-4d03-b4c0-6c8a112c783d" providerId="AD" clId="Web-{2BF45F4D-8CBA-4021-0C0C-AF4D1A6BC7AD}" dt="2021-07-28T01:09:17.381" v="35" actId="20577"/>
-          <ac:spMkLst>
-            <pc:docMk/>
-            <pc:sldMk cId="3945650720" sldId="270"/>
-            <ac:spMk id="5" creationId="{8FDA18EA-F9E6-4125-AEBA-086FCF91B257}"/>
-          </ac:spMkLst>
-        </pc:spChg>
-      </pc:sldChg>
-    </pc:docChg>
-  </pc:docChgLst>
-  <pc:docChgLst>
-    <pc:chgData name="Jonny Morris" userId="S::morrisj70800@masseyhigh.school.nz::4fab9e21-29a7-4d03-b4c0-6c8a112c783d" providerId="AD" clId="Web-{8BDA8286-ABF9-455E-92B6-822DD2D54F24}"/>
-    <pc:docChg chg="modSld">
-      <pc:chgData name="Jonny Morris" userId="S::morrisj70800@masseyhigh.school.nz::4fab9e21-29a7-4d03-b4c0-6c8a112c783d" providerId="AD" clId="Web-{8BDA8286-ABF9-455E-92B6-822DD2D54F24}" dt="2021-06-02T23:33:01.816" v="185" actId="14100"/>
-      <pc:docMkLst>
-        <pc:docMk/>
-      </pc:docMkLst>
-      <pc:sldChg chg="addSp modSp">
-        <pc:chgData name="Jonny Morris" userId="S::morrisj70800@masseyhigh.school.nz::4fab9e21-29a7-4d03-b4c0-6c8a112c783d" providerId="AD" clId="Web-{8BDA8286-ABF9-455E-92B6-822DD2D54F24}" dt="2021-06-02T23:33:01.816" v="185" actId="14100"/>
-        <pc:sldMkLst>
-          <pc:docMk/>
-          <pc:sldMk cId="358461426" sldId="257"/>
-        </pc:sldMkLst>
-        <pc:spChg chg="add mod">
-          <ac:chgData name="Jonny Morris" userId="S::morrisj70800@masseyhigh.school.nz::4fab9e21-29a7-4d03-b4c0-6c8a112c783d" providerId="AD" clId="Web-{8BDA8286-ABF9-455E-92B6-822DD2D54F24}" dt="2021-06-02T23:33:01.816" v="185" actId="14100"/>
-          <ac:spMkLst>
-            <pc:docMk/>
-            <pc:sldMk cId="358461426" sldId="257"/>
-            <ac:spMk id="3" creationId="{3AA76EDA-873B-4C95-9ED7-4CD3ABC97401}"/>
-          </ac:spMkLst>
-        </pc:spChg>
-      </pc:sldChg>
-      <pc:sldChg chg="addSp modSp">
-        <pc:chgData name="Jonny Morris" userId="S::morrisj70800@masseyhigh.school.nz::4fab9e21-29a7-4d03-b4c0-6c8a112c783d" providerId="AD" clId="Web-{8BDA8286-ABF9-455E-92B6-822DD2D54F24}" dt="2021-06-02T23:32:14.187" v="182" actId="20577"/>
-        <pc:sldMkLst>
-          <pc:docMk/>
-          <pc:sldMk cId="2720713569" sldId="258"/>
-        </pc:sldMkLst>
-        <pc:spChg chg="add mod">
-          <ac:chgData name="Jonny Morris" userId="S::morrisj70800@masseyhigh.school.nz::4fab9e21-29a7-4d03-b4c0-6c8a112c783d" providerId="AD" clId="Web-{8BDA8286-ABF9-455E-92B6-822DD2D54F24}" dt="2021-06-02T23:32:14.187" v="182" actId="20577"/>
-          <ac:spMkLst>
-            <pc:docMk/>
-            <pc:sldMk cId="2720713569" sldId="258"/>
-            <ac:spMk id="3" creationId="{5D4E9E55-94C1-4FD3-A80E-D9AB284B8D0E}"/>
-          </ac:spMkLst>
-        </pc:spChg>
-      </pc:sldChg>
-      <pc:sldChg chg="modSp">
-        <pc:chgData name="Jonny Morris" userId="S::morrisj70800@masseyhigh.school.nz::4fab9e21-29a7-4d03-b4c0-6c8a112c783d" providerId="AD" clId="Web-{8BDA8286-ABF9-455E-92B6-822DD2D54F24}" dt="2021-06-02T23:28:21.230" v="4" actId="20577"/>
-        <pc:sldMkLst>
-          <pc:docMk/>
-          <pc:sldMk cId="1121134679" sldId="259"/>
-        </pc:sldMkLst>
-        <pc:spChg chg="mod">
-          <ac:chgData name="Jonny Morris" userId="S::morrisj70800@masseyhigh.school.nz::4fab9e21-29a7-4d03-b4c0-6c8a112c783d" providerId="AD" clId="Web-{8BDA8286-ABF9-455E-92B6-822DD2D54F24}" dt="2021-06-02T23:28:21.230" v="4" actId="20577"/>
-          <ac:spMkLst>
-            <pc:docMk/>
-            <pc:sldMk cId="1121134679" sldId="259"/>
-            <ac:spMk id="2" creationId="{588E3780-8974-43B7-B56C-88962D87DE18}"/>
-          </ac:spMkLst>
-        </pc:spChg>
-      </pc:sldChg>
-    </pc:docChg>
-  </pc:docChgLst>
-  <pc:docChgLst>
-    <pc:chgData name="Jonny Morris" userId="S::morrisj70800@masseyhigh.school.nz::4fab9e21-29a7-4d03-b4c0-6c8a112c783d" providerId="AD" clId="Web-{204B783E-ECB2-56F8-CC10-5A491FD05934}"/>
-    <pc:docChg chg="modSld">
-      <pc:chgData name="Jonny Morris" userId="S::morrisj70800@masseyhigh.school.nz::4fab9e21-29a7-4d03-b4c0-6c8a112c783d" providerId="AD" clId="Web-{204B783E-ECB2-56F8-CC10-5A491FD05934}" dt="2021-07-08T00:02:58.450" v="0" actId="20577"/>
-      <pc:docMkLst>
-        <pc:docMk/>
-      </pc:docMkLst>
-      <pc:sldChg chg="modSp">
-        <pc:chgData name="Jonny Morris" userId="S::morrisj70800@masseyhigh.school.nz::4fab9e21-29a7-4d03-b4c0-6c8a112c783d" providerId="AD" clId="Web-{204B783E-ECB2-56F8-CC10-5A491FD05934}" dt="2021-07-08T00:02:58.450" v="0" actId="20577"/>
-        <pc:sldMkLst>
-          <pc:docMk/>
-          <pc:sldMk cId="4269907770" sldId="267"/>
-        </pc:sldMkLst>
-        <pc:spChg chg="mod">
-          <ac:chgData name="Jonny Morris" userId="S::morrisj70800@masseyhigh.school.nz::4fab9e21-29a7-4d03-b4c0-6c8a112c783d" providerId="AD" clId="Web-{204B783E-ECB2-56F8-CC10-5A491FD05934}" dt="2021-07-08T00:02:58.450" v="0" actId="20577"/>
-          <ac:spMkLst>
-            <pc:docMk/>
-            <pc:sldMk cId="4269907770" sldId="267"/>
-            <ac:spMk id="12" creationId="{73C65C4E-D475-417F-BF9A-4B4476C9B196}"/>
-          </ac:spMkLst>
-        </pc:spChg>
-      </pc:sldChg>
-    </pc:docChg>
-  </pc:docChgLst>
-  <pc:docChgLst>
-    <pc:chgData name="Jonny Morris" userId="S::morrisj70800@masseyhigh.school.nz::4fab9e21-29a7-4d03-b4c0-6c8a112c783d" providerId="AD" clId="Web-{EE33AF41-30E7-9FB3-CC2C-421B72023142}"/>
-    <pc:docChg chg="addSld modSld sldOrd">
-      <pc:chgData name="Jonny Morris" userId="S::morrisj70800@masseyhigh.school.nz::4fab9e21-29a7-4d03-b4c0-6c8a112c783d" providerId="AD" clId="Web-{EE33AF41-30E7-9FB3-CC2C-421B72023142}" dt="2021-06-16T01:15:50.862" v="196"/>
-      <pc:docMkLst>
-        <pc:docMk/>
-      </pc:docMkLst>
-      <pc:sldChg chg="modSp">
-        <pc:chgData name="Jonny Morris" userId="S::morrisj70800@masseyhigh.school.nz::4fab9e21-29a7-4d03-b4c0-6c8a112c783d" providerId="AD" clId="Web-{EE33AF41-30E7-9FB3-CC2C-421B72023142}" dt="2021-06-16T00:31:27.922" v="2" actId="20577"/>
-        <pc:sldMkLst>
-          <pc:docMk/>
-          <pc:sldMk cId="109857222" sldId="256"/>
-        </pc:sldMkLst>
-        <pc:spChg chg="mod">
-          <ac:chgData name="Jonny Morris" userId="S::morrisj70800@masseyhigh.school.nz::4fab9e21-29a7-4d03-b4c0-6c8a112c783d" providerId="AD" clId="Web-{EE33AF41-30E7-9FB3-CC2C-421B72023142}" dt="2021-06-16T00:31:27.922" v="2" actId="20577"/>
-          <ac:spMkLst>
-            <pc:docMk/>
-            <pc:sldMk cId="109857222" sldId="256"/>
-            <ac:spMk id="2" creationId="{00000000-0000-0000-0000-000000000000}"/>
-          </ac:spMkLst>
-        </pc:spChg>
-      </pc:sldChg>
-      <pc:sldChg chg="addSp delSp modSp">
-        <pc:chgData name="Jonny Morris" userId="S::morrisj70800@masseyhigh.school.nz::4fab9e21-29a7-4d03-b4c0-6c8a112c783d" providerId="AD" clId="Web-{EE33AF41-30E7-9FB3-CC2C-421B72023142}" dt="2021-06-16T01:15:36.049" v="192"/>
-        <pc:sldMkLst>
-          <pc:docMk/>
-          <pc:sldMk cId="4213354389" sldId="260"/>
-        </pc:sldMkLst>
-        <pc:spChg chg="mod">
-          <ac:chgData name="Jonny Morris" userId="S::morrisj70800@masseyhigh.school.nz::4fab9e21-29a7-4d03-b4c0-6c8a112c783d" providerId="AD" clId="Web-{EE33AF41-30E7-9FB3-CC2C-421B72023142}" dt="2021-06-16T01:15:36.049" v="192"/>
-          <ac:spMkLst>
-            <pc:docMk/>
-            <pc:sldMk cId="4213354389" sldId="260"/>
-            <ac:spMk id="2" creationId="{54EC48D4-B0FC-4660-8894-4F1B722EAFD3}"/>
-          </ac:spMkLst>
-        </pc:spChg>
-        <pc:spChg chg="mod">
-          <ac:chgData name="Jonny Morris" userId="S::morrisj70800@masseyhigh.school.nz::4fab9e21-29a7-4d03-b4c0-6c8a112c783d" providerId="AD" clId="Web-{EE33AF41-30E7-9FB3-CC2C-421B72023142}" dt="2021-06-16T01:15:36.049" v="192"/>
-          <ac:spMkLst>
-            <pc:docMk/>
-            <pc:sldMk cId="4213354389" sldId="260"/>
-            <ac:spMk id="5" creationId="{A626E451-29FF-476C-B176-15A181E7FCFB}"/>
-          </ac:spMkLst>
-        </pc:spChg>
-        <pc:spChg chg="del">
-          <ac:chgData name="Jonny Morris" userId="S::morrisj70800@masseyhigh.school.nz::4fab9e21-29a7-4d03-b4c0-6c8a112c783d" providerId="AD" clId="Web-{EE33AF41-30E7-9FB3-CC2C-421B72023142}" dt="2021-06-16T01:15:36.049" v="192"/>
-          <ac:spMkLst>
-            <pc:docMk/>
-            <pc:sldMk cId="4213354389" sldId="260"/>
-            <ac:spMk id="10" creationId="{73DE2CFE-42F2-48F0-8706-5264E012B10C}"/>
-          </ac:spMkLst>
-        </pc:spChg>
-        <pc:spChg chg="add">
-          <ac:chgData name="Jonny Morris" userId="S::morrisj70800@masseyhigh.school.nz::4fab9e21-29a7-4d03-b4c0-6c8a112c783d" providerId="AD" clId="Web-{EE33AF41-30E7-9FB3-CC2C-421B72023142}" dt="2021-06-16T01:15:36.049" v="192"/>
-          <ac:spMkLst>
-            <pc:docMk/>
-            <pc:sldMk cId="4213354389" sldId="260"/>
-            <ac:spMk id="15" creationId="{2B97F24A-32CE-4C1C-A50D-3016B394DCFB}"/>
-          </ac:spMkLst>
-        </pc:spChg>
-        <pc:spChg chg="add">
-          <ac:chgData name="Jonny Morris" userId="S::morrisj70800@masseyhigh.school.nz::4fab9e21-29a7-4d03-b4c0-6c8a112c783d" providerId="AD" clId="Web-{EE33AF41-30E7-9FB3-CC2C-421B72023142}" dt="2021-06-16T01:15:36.049" v="192"/>
-          <ac:spMkLst>
-            <pc:docMk/>
-            <pc:sldMk cId="4213354389" sldId="260"/>
-            <ac:spMk id="17" creationId="{CD8B4F24-440B-49E9-B85D-733523DC064B}"/>
-          </ac:spMkLst>
-        </pc:spChg>
-        <pc:picChg chg="mod">
-          <ac:chgData name="Jonny Morris" userId="S::morrisj70800@masseyhigh.school.nz::4fab9e21-29a7-4d03-b4c0-6c8a112c783d" providerId="AD" clId="Web-{EE33AF41-30E7-9FB3-CC2C-421B72023142}" dt="2021-06-16T01:15:36.049" v="192"/>
-          <ac:picMkLst>
-            <pc:docMk/>
-            <pc:sldMk cId="4213354389" sldId="260"/>
-            <ac:picMk id="4" creationId="{DB2173E9-EC0E-4405-B0D1-1F2CC6B9FFC6}"/>
-          </ac:picMkLst>
-        </pc:picChg>
-      </pc:sldChg>
-      <pc:sldChg chg="addSp delSp modSp">
-        <pc:chgData name="Jonny Morris" userId="S::morrisj70800@masseyhigh.school.nz::4fab9e21-29a7-4d03-b4c0-6c8a112c783d" providerId="AD" clId="Web-{EE33AF41-30E7-9FB3-CC2C-421B72023142}" dt="2021-06-16T01:15:26.408" v="191"/>
+      <pc:sldChg chg="addSp delSp modSp new mod setBg setClrOvrMap">
+        <pc:chgData name="Jonny Morris" userId="S::morrisj70800@masseyhigh.school.nz::4fab9e21-29a7-4d03-b4c0-6c8a112c783d" providerId="AD" clId="Web-{D3BA5852-7B66-A859-35DA-1A7F22D39787}" dt="2021-06-09T01:12:33.081" v="234" actId="20577"/>
         <pc:sldMkLst>
           <pc:docMk/>
           <pc:sldMk cId="1564752394" sldId="261"/>
         </pc:sldMkLst>
-        <pc:spChg chg="mod">
-          <ac:chgData name="Jonny Morris" userId="S::morrisj70800@masseyhigh.school.nz::4fab9e21-29a7-4d03-b4c0-6c8a112c783d" providerId="AD" clId="Web-{EE33AF41-30E7-9FB3-CC2C-421B72023142}" dt="2021-06-16T01:15:26.408" v="191"/>
+        <pc:spChg chg="mod ord">
+          <ac:chgData name="Jonny Morris" userId="S::morrisj70800@masseyhigh.school.nz::4fab9e21-29a7-4d03-b4c0-6c8a112c783d" providerId="AD" clId="Web-{D3BA5852-7B66-A859-35DA-1A7F22D39787}" dt="2021-06-09T00:59:57.987" v="149"/>
           <ac:spMkLst>
             <pc:docMk/>
             <pc:sldMk cId="1564752394" sldId="261"/>
             <ac:spMk id="2" creationId="{A81619B3-50A6-4AE2-A2F1-2C344111BFA3}"/>
           </ac:spMkLst>
         </pc:spChg>
-        <pc:spChg chg="mod">
-          <ac:chgData name="Jonny Morris" userId="S::morrisj70800@masseyhigh.school.nz::4fab9e21-29a7-4d03-b4c0-6c8a112c783d" providerId="AD" clId="Web-{EE33AF41-30E7-9FB3-CC2C-421B72023142}" dt="2021-06-16T01:15:26.408" v="191"/>
+        <pc:spChg chg="del">
+          <ac:chgData name="Jonny Morris" userId="S::morrisj70800@masseyhigh.school.nz::4fab9e21-29a7-4d03-b4c0-6c8a112c783d" providerId="AD" clId="Web-{D3BA5852-7B66-A859-35DA-1A7F22D39787}" dt="2021-06-09T00:42:58.419" v="1"/>
+          <ac:spMkLst>
+            <pc:docMk/>
+            <pc:sldMk cId="1564752394" sldId="261"/>
+            <ac:spMk id="3" creationId="{11D74DFB-90FC-4934-9B45-EC3E31BFCBE1}"/>
+          </ac:spMkLst>
+        </pc:spChg>
+        <pc:spChg chg="add mod">
+          <ac:chgData name="Jonny Morris" userId="S::morrisj70800@masseyhigh.school.nz::4fab9e21-29a7-4d03-b4c0-6c8a112c783d" providerId="AD" clId="Web-{D3BA5852-7B66-A859-35DA-1A7F22D39787}" dt="2021-06-09T01:12:33.081" v="234" actId="20577"/>
           <ac:spMkLst>
             <pc:docMk/>
             <pc:sldMk cId="1564752394" sldId="261"/>
             <ac:spMk id="5" creationId="{F77A086F-6797-4CAF-8296-05DDDA8099AD}"/>
           </ac:spMkLst>
         </pc:spChg>
-        <pc:spChg chg="del">
-          <ac:chgData name="Jonny Morris" userId="S::morrisj70800@masseyhigh.school.nz::4fab9e21-29a7-4d03-b4c0-6c8a112c783d" providerId="AD" clId="Web-{EE33AF41-30E7-9FB3-CC2C-421B72023142}" dt="2021-06-16T01:15:26.408" v="191"/>
+        <pc:spChg chg="add del">
+          <ac:chgData name="Jonny Morris" userId="S::morrisj70800@masseyhigh.school.nz::4fab9e21-29a7-4d03-b4c0-6c8a112c783d" providerId="AD" clId="Web-{D3BA5852-7B66-A859-35DA-1A7F22D39787}" dt="2021-06-09T00:59:45.190" v="146"/>
+          <ac:spMkLst>
+            <pc:docMk/>
+            <pc:sldMk cId="1564752394" sldId="261"/>
+            <ac:spMk id="7" creationId="{1A95671B-3CC6-4792-9114-B74FAEA224E6}"/>
+          </ac:spMkLst>
+        </pc:spChg>
+        <pc:spChg chg="add del">
+          <ac:chgData name="Jonny Morris" userId="S::morrisj70800@masseyhigh.school.nz::4fab9e21-29a7-4d03-b4c0-6c8a112c783d" providerId="AD" clId="Web-{D3BA5852-7B66-A859-35DA-1A7F22D39787}" dt="2021-06-09T00:59:57.972" v="148"/>
+          <ac:spMkLst>
+            <pc:docMk/>
+            <pc:sldMk cId="1564752394" sldId="261"/>
+            <ac:spMk id="8" creationId="{305265DC-CF6B-4AE8-B3F3-2A7A16374D31}"/>
+          </ac:spMkLst>
+        </pc:spChg>
+        <pc:spChg chg="add del">
+          <ac:chgData name="Jonny Morris" userId="S::morrisj70800@masseyhigh.school.nz::4fab9e21-29a7-4d03-b4c0-6c8a112c783d" providerId="AD" clId="Web-{D3BA5852-7B66-A859-35DA-1A7F22D39787}" dt="2021-06-09T00:59:42.799" v="144"/>
+          <ac:spMkLst>
+            <pc:docMk/>
+            <pc:sldMk cId="1564752394" sldId="261"/>
+            <ac:spMk id="10" creationId="{9AA72BD9-2C5A-4EDC-931F-5AA08EACA0F3}"/>
+          </ac:spMkLst>
+        </pc:spChg>
+        <pc:spChg chg="add">
+          <ac:chgData name="Jonny Morris" userId="S::morrisj70800@masseyhigh.school.nz::4fab9e21-29a7-4d03-b4c0-6c8a112c783d" providerId="AD" clId="Web-{D3BA5852-7B66-A859-35DA-1A7F22D39787}" dt="2021-06-09T00:59:57.987" v="149"/>
           <ac:spMkLst>
             <pc:docMk/>
             <pc:sldMk cId="1564752394" sldId="261"/>
             <ac:spMk id="11" creationId="{1A95671B-3CC6-4792-9114-B74FAEA224E6}"/>
           </ac:spMkLst>
         </pc:spChg>
-        <pc:spChg chg="add">
-          <ac:chgData name="Jonny Morris" userId="S::morrisj70800@masseyhigh.school.nz::4fab9e21-29a7-4d03-b4c0-6c8a112c783d" providerId="AD" clId="Web-{EE33AF41-30E7-9FB3-CC2C-421B72023142}" dt="2021-06-16T01:15:26.408" v="191"/>
+        <pc:spChg chg="add del">
+          <ac:chgData name="Jonny Morris" userId="S::morrisj70800@masseyhigh.school.nz::4fab9e21-29a7-4d03-b4c0-6c8a112c783d" providerId="AD" clId="Web-{D3BA5852-7B66-A859-35DA-1A7F22D39787}" dt="2021-06-09T00:59:42.799" v="144"/>
           <ac:spMkLst>
             <pc:docMk/>
             <pc:sldMk cId="1564752394" sldId="261"/>
-            <ac:spMk id="13" creationId="{F13C74B1-5B17-4795-BED0-7140497B445A}"/>
-          </ac:spMkLst>
-        </pc:spChg>
-        <pc:spChg chg="add">
-          <ac:chgData name="Jonny Morris" userId="S::morrisj70800@masseyhigh.school.nz::4fab9e21-29a7-4d03-b4c0-6c8a112c783d" providerId="AD" clId="Web-{EE33AF41-30E7-9FB3-CC2C-421B72023142}" dt="2021-06-16T01:15:26.408" v="191"/>
+            <ac:spMk id="12" creationId="{DD3981AC-7B61-4947-BCF3-F7AA7FA385B9}"/>
+          </ac:spMkLst>
+        </pc:spChg>
+        <pc:spChg chg="add del">
+          <ac:chgData name="Jonny Morris" userId="S::morrisj70800@masseyhigh.school.nz::4fab9e21-29a7-4d03-b4c0-6c8a112c783d" providerId="AD" clId="Web-{D3BA5852-7B66-A859-35DA-1A7F22D39787}" dt="2021-06-09T00:59:42.799" v="144"/>
           <ac:spMkLst>
             <pc:docMk/>
             <pc:sldMk cId="1564752394" sldId="261"/>
-            <ac:spMk id="18" creationId="{D4974D33-8DC5-464E-8C6D-BE58F0669C17}"/>
-          </ac:spMkLst>
-        </pc:spChg>
-        <pc:picChg chg="mod">
-          <ac:chgData name="Jonny Morris" userId="S::morrisj70800@masseyhigh.school.nz::4fab9e21-29a7-4d03-b4c0-6c8a112c783d" providerId="AD" clId="Web-{EE33AF41-30E7-9FB3-CC2C-421B72023142}" dt="2021-06-16T01:15:26.408" v="191"/>
+            <ac:spMk id="14" creationId="{55D4142C-5077-457F-A6AD-3FECFDB39685}"/>
+          </ac:spMkLst>
+        </pc:spChg>
+        <pc:spChg chg="add del">
+          <ac:chgData name="Jonny Morris" userId="S::morrisj70800@masseyhigh.school.nz::4fab9e21-29a7-4d03-b4c0-6c8a112c783d" providerId="AD" clId="Web-{D3BA5852-7B66-A859-35DA-1A7F22D39787}" dt="2021-06-09T00:59:42.799" v="144"/>
+          <ac:spMkLst>
+            <pc:docMk/>
+            <pc:sldMk cId="1564752394" sldId="261"/>
+            <ac:spMk id="16" creationId="{7A5F0580-5EE9-419F-96EE-B6529EF6E7D0}"/>
+          </ac:spMkLst>
+        </pc:spChg>
+        <pc:grpChg chg="add del">
+          <ac:chgData name="Jonny Morris" userId="S::morrisj70800@masseyhigh.school.nz::4fab9e21-29a7-4d03-b4c0-6c8a112c783d" providerId="AD" clId="Web-{D3BA5852-7B66-A859-35DA-1A7F22D39787}" dt="2021-06-09T00:59:57.972" v="148"/>
+          <ac:grpSpMkLst>
+            <pc:docMk/>
+            <pc:sldMk cId="1564752394" sldId="261"/>
+            <ac:grpSpMk id="9" creationId="{37EA779C-87BF-454F-919D-A3DA98FD8A79}"/>
+          </ac:grpSpMkLst>
+        </pc:grpChg>
+        <pc:picChg chg="add mod ord">
+          <ac:chgData name="Jonny Morris" userId="S::morrisj70800@masseyhigh.school.nz::4fab9e21-29a7-4d03-b4c0-6c8a112c783d" providerId="AD" clId="Web-{D3BA5852-7B66-A859-35DA-1A7F22D39787}" dt="2021-06-09T00:59:57.987" v="149"/>
           <ac:picMkLst>
             <pc:docMk/>
             <pc:sldMk cId="1564752394" sldId="261"/>
             <ac:picMk id="4" creationId="{95A9B02B-2840-47F5-851E-CE4DC41FA2E8}"/>
-          </ac:picMkLst>
-        </pc:picChg>
-      </pc:sldChg>
-      <pc:sldChg chg="addSp modSp mod ord setBg">
-        <pc:chgData name="Jonny Morris" userId="S::morrisj70800@masseyhigh.school.nz::4fab9e21-29a7-4d03-b4c0-6c8a112c783d" providerId="AD" clId="Web-{EE33AF41-30E7-9FB3-CC2C-421B72023142}" dt="2021-06-16T01:15:10.236" v="190" actId="20577"/>
-        <pc:sldMkLst>
-          <pc:docMk/>
-          <pc:sldMk cId="2917113191" sldId="262"/>
-        </pc:sldMkLst>
-        <pc:spChg chg="mod">
-          <ac:chgData name="Jonny Morris" userId="S::morrisj70800@masseyhigh.school.nz::4fab9e21-29a7-4d03-b4c0-6c8a112c783d" providerId="AD" clId="Web-{EE33AF41-30E7-9FB3-CC2C-421B72023142}" dt="2021-06-16T01:13:05.826" v="188" actId="20577"/>
-          <ac:spMkLst>
-            <pc:docMk/>
-            <pc:sldMk cId="2917113191" sldId="262"/>
-            <ac:spMk id="2" creationId="{5AE28010-B0EF-44DA-8BCD-4527C8D1D059}"/>
-          </ac:spMkLst>
-        </pc:spChg>
-        <pc:spChg chg="mod">
-          <ac:chgData name="Jonny Morris" userId="S::morrisj70800@masseyhigh.school.nz::4fab9e21-29a7-4d03-b4c0-6c8a112c783d" providerId="AD" clId="Web-{EE33AF41-30E7-9FB3-CC2C-421B72023142}" dt="2021-06-16T01:15:10.236" v="190" actId="20577"/>
-          <ac:spMkLst>
-            <pc:docMk/>
-            <pc:sldMk cId="2917113191" sldId="262"/>
-            <ac:spMk id="5" creationId="{9E912266-C109-4D55-9601-8A9EE4EE52B5}"/>
-          </ac:spMkLst>
-        </pc:spChg>
-        <pc:spChg chg="add">
-          <ac:chgData name="Jonny Morris" userId="S::morrisj70800@masseyhigh.school.nz::4fab9e21-29a7-4d03-b4c0-6c8a112c783d" providerId="AD" clId="Web-{EE33AF41-30E7-9FB3-CC2C-421B72023142}" dt="2021-06-16T01:12:43.060" v="186"/>
-          <ac:spMkLst>
-            <pc:docMk/>
-            <pc:sldMk cId="2917113191" sldId="262"/>
-            <ac:spMk id="10" creationId="{2B97F24A-32CE-4C1C-A50D-3016B394DCFB}"/>
-          </ac:spMkLst>
-        </pc:spChg>
-        <pc:spChg chg="add">
-          <ac:chgData name="Jonny Morris" userId="S::morrisj70800@masseyhigh.school.nz::4fab9e21-29a7-4d03-b4c0-6c8a112c783d" providerId="AD" clId="Web-{EE33AF41-30E7-9FB3-CC2C-421B72023142}" dt="2021-06-16T01:12:43.060" v="186"/>
-          <ac:spMkLst>
-            <pc:docMk/>
-            <pc:sldMk cId="2917113191" sldId="262"/>
-            <ac:spMk id="12" creationId="{CD8B4F24-440B-49E9-B85D-733523DC064B}"/>
-          </ac:spMkLst>
-        </pc:spChg>
-        <pc:picChg chg="mod ord">
-          <ac:chgData name="Jonny Morris" userId="S::morrisj70800@masseyhigh.school.nz::4fab9e21-29a7-4d03-b4c0-6c8a112c783d" providerId="AD" clId="Web-{EE33AF41-30E7-9FB3-CC2C-421B72023142}" dt="2021-06-16T01:12:43.060" v="186"/>
-          <ac:picMkLst>
-            <pc:docMk/>
-            <pc:sldMk cId="2917113191" sldId="262"/>
-            <ac:picMk id="4" creationId="{A23B8DD8-2A29-4176-AF99-EF02CE8EBC35}"/>
-          </ac:picMkLst>
-        </pc:picChg>
-      </pc:sldChg>
-      <pc:sldChg chg="addSp delSp modSp mod setBg">
-        <pc:chgData name="Jonny Morris" userId="S::morrisj70800@masseyhigh.school.nz::4fab9e21-29a7-4d03-b4c0-6c8a112c783d" providerId="AD" clId="Web-{EE33AF41-30E7-9FB3-CC2C-421B72023142}" dt="2021-06-16T01:15:43.768" v="195"/>
-        <pc:sldMkLst>
-          <pc:docMk/>
-          <pc:sldMk cId="3634938810" sldId="263"/>
-        </pc:sldMkLst>
-        <pc:spChg chg="mod">
-          <ac:chgData name="Jonny Morris" userId="S::morrisj70800@masseyhigh.school.nz::4fab9e21-29a7-4d03-b4c0-6c8a112c783d" providerId="AD" clId="Web-{EE33AF41-30E7-9FB3-CC2C-421B72023142}" dt="2021-06-16T01:15:43.768" v="195"/>
-          <ac:spMkLst>
-            <pc:docMk/>
-            <pc:sldMk cId="3634938810" sldId="263"/>
-            <ac:spMk id="2" creationId="{40E80544-C795-410D-ACBE-5B39F33D5CE0}"/>
-          </ac:spMkLst>
-        </pc:spChg>
-        <pc:spChg chg="add del mod">
-          <ac:chgData name="Jonny Morris" userId="S::morrisj70800@masseyhigh.school.nz::4fab9e21-29a7-4d03-b4c0-6c8a112c783d" providerId="AD" clId="Web-{EE33AF41-30E7-9FB3-CC2C-421B72023142}" dt="2021-06-16T00:34:13.176" v="4"/>
-          <ac:spMkLst>
-            <pc:docMk/>
-            <pc:sldMk cId="3634938810" sldId="263"/>
-            <ac:spMk id="5" creationId="{4FF788E9-73E2-47BE-8F31-A7012EC688A0}"/>
-          </ac:spMkLst>
-        </pc:spChg>
-        <pc:spChg chg="add mod">
-          <ac:chgData name="Jonny Morris" userId="S::morrisj70800@masseyhigh.school.nz::4fab9e21-29a7-4d03-b4c0-6c8a112c783d" providerId="AD" clId="Web-{EE33AF41-30E7-9FB3-CC2C-421B72023142}" dt="2021-06-16T01:15:43.768" v="195"/>
-          <ac:spMkLst>
-            <pc:docMk/>
-            <pc:sldMk cId="3634938810" sldId="263"/>
-            <ac:spMk id="7" creationId="{575A2884-D3F4-4F04-843C-A1781ED6E8D0}"/>
-          </ac:spMkLst>
-        </pc:spChg>
-        <pc:spChg chg="add">
-          <ac:chgData name="Jonny Morris" userId="S::morrisj70800@masseyhigh.school.nz::4fab9e21-29a7-4d03-b4c0-6c8a112c783d" providerId="AD" clId="Web-{EE33AF41-30E7-9FB3-CC2C-421B72023142}" dt="2021-06-16T01:15:43.768" v="195"/>
-          <ac:spMkLst>
-            <pc:docMk/>
-            <pc:sldMk cId="3634938810" sldId="263"/>
-            <ac:spMk id="14" creationId="{2B97F24A-32CE-4C1C-A50D-3016B394DCFB}"/>
-          </ac:spMkLst>
-        </pc:spChg>
-        <pc:spChg chg="add">
-          <ac:chgData name="Jonny Morris" userId="S::morrisj70800@masseyhigh.school.nz::4fab9e21-29a7-4d03-b4c0-6c8a112c783d" providerId="AD" clId="Web-{EE33AF41-30E7-9FB3-CC2C-421B72023142}" dt="2021-06-16T01:15:43.768" v="195"/>
-          <ac:spMkLst>
-            <pc:docMk/>
-            <pc:sldMk cId="3634938810" sldId="263"/>
-            <ac:spMk id="15" creationId="{CD8B4F24-440B-49E9-B85D-733523DC064B}"/>
-          </ac:spMkLst>
-        </pc:spChg>
-        <pc:spChg chg="add del">
-          <ac:chgData name="Jonny Morris" userId="S::morrisj70800@masseyhigh.school.nz::4fab9e21-29a7-4d03-b4c0-6c8a112c783d" providerId="AD" clId="Web-{EE33AF41-30E7-9FB3-CC2C-421B72023142}" dt="2021-06-16T01:15:43.752" v="194"/>
-          <ac:spMkLst>
-            <pc:docMk/>
-            <pc:sldMk cId="3634938810" sldId="263"/>
-            <ac:spMk id="17" creationId="{F13C74B1-5B17-4795-BED0-7140497B445A}"/>
-          </ac:spMkLst>
-        </pc:spChg>
-        <pc:spChg chg="add del">
-          <ac:chgData name="Jonny Morris" userId="S::morrisj70800@masseyhigh.school.nz::4fab9e21-29a7-4d03-b4c0-6c8a112c783d" providerId="AD" clId="Web-{EE33AF41-30E7-9FB3-CC2C-421B72023142}" dt="2021-06-16T01:15:43.752" v="194"/>
-          <ac:spMkLst>
-            <pc:docMk/>
-            <pc:sldMk cId="3634938810" sldId="263"/>
-            <ac:spMk id="19" creationId="{D4974D33-8DC5-464E-8C6D-BE58F0669C17}"/>
-          </ac:spMkLst>
-        </pc:spChg>
-        <pc:picChg chg="del">
-          <ac:chgData name="Jonny Morris" userId="S::morrisj70800@masseyhigh.school.nz::4fab9e21-29a7-4d03-b4c0-6c8a112c783d" providerId="AD" clId="Web-{EE33AF41-30E7-9FB3-CC2C-421B72023142}" dt="2021-06-16T00:34:11.629" v="3"/>
-          <ac:picMkLst>
-            <pc:docMk/>
-            <pc:sldMk cId="3634938810" sldId="263"/>
-            <ac:picMk id="4" creationId="{7B754C1B-604C-427F-A868-FECC41A85331}"/>
-          </ac:picMkLst>
-        </pc:picChg>
-        <pc:picChg chg="add mod ord">
-          <ac:chgData name="Jonny Morris" userId="S::morrisj70800@masseyhigh.school.nz::4fab9e21-29a7-4d03-b4c0-6c8a112c783d" providerId="AD" clId="Web-{EE33AF41-30E7-9FB3-CC2C-421B72023142}" dt="2021-06-16T01:15:43.768" v="195"/>
-          <ac:picMkLst>
-            <pc:docMk/>
-            <pc:sldMk cId="3634938810" sldId="263"/>
-            <ac:picMk id="6" creationId="{7D7F0479-26D5-4D36-A1D1-4F626F1FAC68}"/>
-          </ac:picMkLst>
-        </pc:picChg>
-        <pc:cxnChg chg="add del">
-          <ac:chgData name="Jonny Morris" userId="S::morrisj70800@masseyhigh.school.nz::4fab9e21-29a7-4d03-b4c0-6c8a112c783d" providerId="AD" clId="Web-{EE33AF41-30E7-9FB3-CC2C-421B72023142}" dt="2021-06-16T01:15:43.768" v="195"/>
-          <ac:cxnSpMkLst>
-            <pc:docMk/>
-            <pc:sldMk cId="3634938810" sldId="263"/>
-            <ac:cxnSpMk id="12" creationId="{A7F400EE-A8A5-48AF-B4D6-291B52C6F0B0}"/>
-          </ac:cxnSpMkLst>
-        </pc:cxnChg>
-      </pc:sldChg>
-      <pc:sldChg chg="addSp delSp modSp new mod setBg">
-        <pc:chgData name="Jonny Morris" userId="S::morrisj70800@masseyhigh.school.nz::4fab9e21-29a7-4d03-b4c0-6c8a112c783d" providerId="AD" clId="Web-{EE33AF41-30E7-9FB3-CC2C-421B72023142}" dt="2021-06-16T01:15:50.862" v="196"/>
-        <pc:sldMkLst>
-          <pc:docMk/>
-          <pc:sldMk cId="1522414602" sldId="264"/>
-        </pc:sldMkLst>
-        <pc:spChg chg="mod">
-          <ac:chgData name="Jonny Morris" userId="S::morrisj70800@masseyhigh.school.nz::4fab9e21-29a7-4d03-b4c0-6c8a112c783d" providerId="AD" clId="Web-{EE33AF41-30E7-9FB3-CC2C-421B72023142}" dt="2021-06-16T01:15:50.862" v="196"/>
-          <ac:spMkLst>
-            <pc:docMk/>
-            <pc:sldMk cId="1522414602" sldId="264"/>
-            <ac:spMk id="2" creationId="{3E212635-CADE-43BF-A371-49E22896C9EE}"/>
-          </ac:spMkLst>
-        </pc:spChg>
-        <pc:spChg chg="del">
-          <ac:chgData name="Jonny Morris" userId="S::morrisj70800@masseyhigh.school.nz::4fab9e21-29a7-4d03-b4c0-6c8a112c783d" providerId="AD" clId="Web-{EE33AF41-30E7-9FB3-CC2C-421B72023142}" dt="2021-06-16T00:48:32.119" v="112"/>
-          <ac:spMkLst>
-            <pc:docMk/>
-            <pc:sldMk cId="1522414602" sldId="264"/>
-            <ac:spMk id="3" creationId="{01101CFF-D6AB-414A-84A8-8070870A2170}"/>
-          </ac:spMkLst>
-        </pc:spChg>
-        <pc:spChg chg="add mod">
-          <ac:chgData name="Jonny Morris" userId="S::morrisj70800@masseyhigh.school.nz::4fab9e21-29a7-4d03-b4c0-6c8a112c783d" providerId="AD" clId="Web-{EE33AF41-30E7-9FB3-CC2C-421B72023142}" dt="2021-06-16T01:15:50.862" v="196"/>
-          <ac:spMkLst>
-            <pc:docMk/>
-            <pc:sldMk cId="1522414602" sldId="264"/>
-            <ac:spMk id="5" creationId="{F66156E5-FCA1-407A-AF31-9A6D63AAC414}"/>
-          </ac:spMkLst>
-        </pc:spChg>
-        <pc:spChg chg="add del">
-          <ac:chgData name="Jonny Morris" userId="S::morrisj70800@masseyhigh.school.nz::4fab9e21-29a7-4d03-b4c0-6c8a112c783d" providerId="AD" clId="Web-{EE33AF41-30E7-9FB3-CC2C-421B72023142}" dt="2021-06-16T01:15:50.862" v="196"/>
-          <ac:spMkLst>
-            <pc:docMk/>
-            <pc:sldMk cId="1522414602" sldId="264"/>
-            <ac:spMk id="10" creationId="{C232B152-3720-4D3B-97ED-45CE5483F16F}"/>
-          </ac:spMkLst>
-        </pc:spChg>
-        <pc:spChg chg="add del">
-          <ac:chgData name="Jonny Morris" userId="S::morrisj70800@masseyhigh.school.nz::4fab9e21-29a7-4d03-b4c0-6c8a112c783d" providerId="AD" clId="Web-{EE33AF41-30E7-9FB3-CC2C-421B72023142}" dt="2021-06-16T01:15:50.862" v="196"/>
-          <ac:spMkLst>
-            <pc:docMk/>
-            <pc:sldMk cId="1522414602" sldId="264"/>
-            <ac:spMk id="12" creationId="{11BAB570-FF10-4E96-8A3F-FA9804702B89}"/>
-          </ac:spMkLst>
-        </pc:spChg>
-        <pc:spChg chg="add del">
-          <ac:chgData name="Jonny Morris" userId="S::morrisj70800@masseyhigh.school.nz::4fab9e21-29a7-4d03-b4c0-6c8a112c783d" providerId="AD" clId="Web-{EE33AF41-30E7-9FB3-CC2C-421B72023142}" dt="2021-06-16T01:15:50.862" v="196"/>
-          <ac:spMkLst>
-            <pc:docMk/>
-            <pc:sldMk cId="1522414602" sldId="264"/>
-            <ac:spMk id="14" creationId="{4B9FAFB2-BEB5-4848-8018-BCAD99E2E1AA}"/>
-          </ac:spMkLst>
-        </pc:spChg>
-        <pc:spChg chg="add">
-          <ac:chgData name="Jonny Morris" userId="S::morrisj70800@masseyhigh.school.nz::4fab9e21-29a7-4d03-b4c0-6c8a112c783d" providerId="AD" clId="Web-{EE33AF41-30E7-9FB3-CC2C-421B72023142}" dt="2021-06-16T01:15:50.862" v="196"/>
-          <ac:spMkLst>
-            <pc:docMk/>
-            <pc:sldMk cId="1522414602" sldId="264"/>
-            <ac:spMk id="19" creationId="{2B97F24A-32CE-4C1C-A50D-3016B394DCFB}"/>
-          </ac:spMkLst>
-        </pc:spChg>
-        <pc:spChg chg="add">
-          <ac:chgData name="Jonny Morris" userId="S::morrisj70800@masseyhigh.school.nz::4fab9e21-29a7-4d03-b4c0-6c8a112c783d" providerId="AD" clId="Web-{EE33AF41-30E7-9FB3-CC2C-421B72023142}" dt="2021-06-16T01:15:50.862" v="196"/>
-          <ac:spMkLst>
-            <pc:docMk/>
-            <pc:sldMk cId="1522414602" sldId="264"/>
-            <ac:spMk id="21" creationId="{CD8B4F24-440B-49E9-B85D-733523DC064B}"/>
-          </ac:spMkLst>
-        </pc:spChg>
-        <pc:picChg chg="add mod ord">
-          <ac:chgData name="Jonny Morris" userId="S::morrisj70800@masseyhigh.school.nz::4fab9e21-29a7-4d03-b4c0-6c8a112c783d" providerId="AD" clId="Web-{EE33AF41-30E7-9FB3-CC2C-421B72023142}" dt="2021-06-16T01:15:50.862" v="196"/>
-          <ac:picMkLst>
-            <pc:docMk/>
-            <pc:sldMk cId="1522414602" sldId="264"/>
-            <ac:picMk id="4" creationId="{A702C9A9-F585-45C7-AC23-C1B81B3EF6BA}"/>
-          </ac:picMkLst>
-        </pc:picChg>
-      </pc:sldChg>
-      <pc:sldChg chg="modSp new">
-        <pc:chgData name="Jonny Morris" userId="S::morrisj70800@masseyhigh.school.nz::4fab9e21-29a7-4d03-b4c0-6c8a112c783d" providerId="AD" clId="Web-{EE33AF41-30E7-9FB3-CC2C-421B72023142}" dt="2021-06-16T01:03:57.876" v="178" actId="20577"/>
-        <pc:sldMkLst>
-          <pc:docMk/>
-          <pc:sldMk cId="2312846984" sldId="265"/>
-        </pc:sldMkLst>
-        <pc:spChg chg="mod">
-          <ac:chgData name="Jonny Morris" userId="S::morrisj70800@masseyhigh.school.nz::4fab9e21-29a7-4d03-b4c0-6c8a112c783d" providerId="AD" clId="Web-{EE33AF41-30E7-9FB3-CC2C-421B72023142}" dt="2021-06-16T01:03:57.876" v="178" actId="20577"/>
-          <ac:spMkLst>
-            <pc:docMk/>
-            <pc:sldMk cId="2312846984" sldId="265"/>
-            <ac:spMk id="2" creationId="{A8EFE925-DDD6-457F-95FD-557FF9D76A31}"/>
-          </ac:spMkLst>
-        </pc:spChg>
-      </pc:sldChg>
-    </pc:docChg>
-  </pc:docChgLst>
-  <pc:docChgLst>
-    <pc:chgData name="Jonny Morris" userId="S::morrisj70800@masseyhigh.school.nz::4fab9e21-29a7-4d03-b4c0-6c8a112c783d" providerId="AD" clId="Web-{1423E2E6-2405-C16D-4FA3-C33C0ADCD3EA}"/>
-    <pc:docChg chg="addSld delSld modSld">
-      <pc:chgData name="Jonny Morris" userId="S::morrisj70800@masseyhigh.school.nz::4fab9e21-29a7-4d03-b4c0-6c8a112c783d" providerId="AD" clId="Web-{1423E2E6-2405-C16D-4FA3-C33C0ADCD3EA}" dt="2021-07-07T01:30:07.750" v="234" actId="20577"/>
-      <pc:docMkLst>
-        <pc:docMk/>
-      </pc:docMkLst>
-      <pc:sldChg chg="addSp modSp mod setBg">
-        <pc:chgData name="Jonny Morris" userId="S::morrisj70800@masseyhigh.school.nz::4fab9e21-29a7-4d03-b4c0-6c8a112c783d" providerId="AD" clId="Web-{1423E2E6-2405-C16D-4FA3-C33C0ADCD3EA}" dt="2021-07-07T01:30:07.750" v="234" actId="20577"/>
-        <pc:sldMkLst>
-          <pc:docMk/>
-          <pc:sldMk cId="2312846984" sldId="265"/>
-        </pc:sldMkLst>
-        <pc:spChg chg="mod">
-          <ac:chgData name="Jonny Morris" userId="S::morrisj70800@masseyhigh.school.nz::4fab9e21-29a7-4d03-b4c0-6c8a112c783d" providerId="AD" clId="Web-{1423E2E6-2405-C16D-4FA3-C33C0ADCD3EA}" dt="2021-07-07T01:30:07.750" v="234" actId="20577"/>
-          <ac:spMkLst>
-            <pc:docMk/>
-            <pc:sldMk cId="2312846984" sldId="265"/>
-            <ac:spMk id="2" creationId="{A8EFE925-DDD6-457F-95FD-557FF9D76A31}"/>
-          </ac:spMkLst>
-        </pc:spChg>
-        <pc:spChg chg="mod ord">
-          <ac:chgData name="Jonny Morris" userId="S::morrisj70800@masseyhigh.school.nz::4fab9e21-29a7-4d03-b4c0-6c8a112c783d" providerId="AD" clId="Web-{1423E2E6-2405-C16D-4FA3-C33C0ADCD3EA}" dt="2021-07-07T01:30:01.375" v="233" actId="20577"/>
-          <ac:spMkLst>
-            <pc:docMk/>
-            <pc:sldMk cId="2312846984" sldId="265"/>
-            <ac:spMk id="6" creationId="{7E9094E3-54D3-43D0-833A-501068F2A71A}"/>
-          </ac:spMkLst>
-        </pc:spChg>
-        <pc:spChg chg="add">
-          <ac:chgData name="Jonny Morris" userId="S::morrisj70800@masseyhigh.school.nz::4fab9e21-29a7-4d03-b4c0-6c8a112c783d" providerId="AD" clId="Web-{1423E2E6-2405-C16D-4FA3-C33C0ADCD3EA}" dt="2021-07-07T01:28:25.295" v="229"/>
-          <ac:spMkLst>
-            <pc:docMk/>
-            <pc:sldMk cId="2312846984" sldId="265"/>
-            <ac:spMk id="11" creationId="{352BEC0E-22F8-46D0-9632-375DB541B06C}"/>
-          </ac:spMkLst>
-        </pc:spChg>
-        <pc:spChg chg="add">
-          <ac:chgData name="Jonny Morris" userId="S::morrisj70800@masseyhigh.school.nz::4fab9e21-29a7-4d03-b4c0-6c8a112c783d" providerId="AD" clId="Web-{1423E2E6-2405-C16D-4FA3-C33C0ADCD3EA}" dt="2021-07-07T01:28:25.295" v="229"/>
-          <ac:spMkLst>
-            <pc:docMk/>
-            <pc:sldMk cId="2312846984" sldId="265"/>
-            <ac:spMk id="13" creationId="{3FCFB1DE-0B7E-48CC-BA90-B2AB0889F9D6}"/>
-          </ac:spMkLst>
-        </pc:spChg>
-        <pc:picChg chg="mod">
-          <ac:chgData name="Jonny Morris" userId="S::morrisj70800@masseyhigh.school.nz::4fab9e21-29a7-4d03-b4c0-6c8a112c783d" providerId="AD" clId="Web-{1423E2E6-2405-C16D-4FA3-C33C0ADCD3EA}" dt="2021-07-07T01:28:25.295" v="229"/>
-          <ac:picMkLst>
-            <pc:docMk/>
-            <pc:sldMk cId="2312846984" sldId="265"/>
-            <ac:picMk id="4" creationId="{BEBED7A8-7A0C-4446-A3F3-AE0384F69625}"/>
-          </ac:picMkLst>
-        </pc:picChg>
-        <pc:picChg chg="mod">
-          <ac:chgData name="Jonny Morris" userId="S::morrisj70800@masseyhigh.school.nz::4fab9e21-29a7-4d03-b4c0-6c8a112c783d" providerId="AD" clId="Web-{1423E2E6-2405-C16D-4FA3-C33C0ADCD3EA}" dt="2021-07-07T01:28:25.295" v="229"/>
-          <ac:picMkLst>
-            <pc:docMk/>
-            <pc:sldMk cId="2312846984" sldId="265"/>
-            <ac:picMk id="5" creationId="{E0886A97-00CE-4C24-AC50-FDB95ED3BEB8}"/>
-          </ac:picMkLst>
-        </pc:picChg>
-      </pc:sldChg>
-      <pc:sldChg chg="del">
-        <pc:chgData name="Jonny Morris" userId="S::morrisj70800@masseyhigh.school.nz::4fab9e21-29a7-4d03-b4c0-6c8a112c783d" providerId="AD" clId="Web-{1423E2E6-2405-C16D-4FA3-C33C0ADCD3EA}" dt="2021-07-07T00:45:45.550" v="0"/>
-        <pc:sldMkLst>
-          <pc:docMk/>
-          <pc:sldMk cId="1488023128" sldId="266"/>
-        </pc:sldMkLst>
-      </pc:sldChg>
-      <pc:sldChg chg="addSp delSp modSp new mod setBg">
-        <pc:chgData name="Jonny Morris" userId="S::morrisj70800@masseyhigh.school.nz::4fab9e21-29a7-4d03-b4c0-6c8a112c783d" providerId="AD" clId="Web-{1423E2E6-2405-C16D-4FA3-C33C0ADCD3EA}" dt="2021-07-07T01:28:18.873" v="228"/>
-        <pc:sldMkLst>
-          <pc:docMk/>
-          <pc:sldMk cId="2636441687" sldId="266"/>
-        </pc:sldMkLst>
-        <pc:spChg chg="mod">
-          <ac:chgData name="Jonny Morris" userId="S::morrisj70800@masseyhigh.school.nz::4fab9e21-29a7-4d03-b4c0-6c8a112c783d" providerId="AD" clId="Web-{1423E2E6-2405-C16D-4FA3-C33C0ADCD3EA}" dt="2021-07-07T01:28:18.873" v="228"/>
-          <ac:spMkLst>
-            <pc:docMk/>
-            <pc:sldMk cId="2636441687" sldId="266"/>
-            <ac:spMk id="2" creationId="{9BC228BC-D5D5-4533-A3DA-8647BEA2F76B}"/>
-          </ac:spMkLst>
-        </pc:spChg>
-        <pc:spChg chg="del">
-          <ac:chgData name="Jonny Morris" userId="S::morrisj70800@masseyhigh.school.nz::4fab9e21-29a7-4d03-b4c0-6c8a112c783d" providerId="AD" clId="Web-{1423E2E6-2405-C16D-4FA3-C33C0ADCD3EA}" dt="2021-07-07T00:46:22.863" v="5"/>
-          <ac:spMkLst>
-            <pc:docMk/>
-            <pc:sldMk cId="2636441687" sldId="266"/>
-            <ac:spMk id="3" creationId="{4D848CEF-C1C7-4004-BB33-92F4F5B84725}"/>
-          </ac:spMkLst>
-        </pc:spChg>
-        <pc:spChg chg="add mod">
-          <ac:chgData name="Jonny Morris" userId="S::morrisj70800@masseyhigh.school.nz::4fab9e21-29a7-4d03-b4c0-6c8a112c783d" providerId="AD" clId="Web-{1423E2E6-2405-C16D-4FA3-C33C0ADCD3EA}" dt="2021-07-07T01:28:18.873" v="228"/>
-          <ac:spMkLst>
-            <pc:docMk/>
-            <pc:sldMk cId="2636441687" sldId="266"/>
-            <ac:spMk id="5" creationId="{F48F0990-95DB-44BF-A4B9-E6208FB9263C}"/>
-          </ac:spMkLst>
-        </pc:spChg>
-        <pc:spChg chg="add">
-          <ac:chgData name="Jonny Morris" userId="S::morrisj70800@masseyhigh.school.nz::4fab9e21-29a7-4d03-b4c0-6c8a112c783d" providerId="AD" clId="Web-{1423E2E6-2405-C16D-4FA3-C33C0ADCD3EA}" dt="2021-07-07T01:28:18.873" v="228"/>
-          <ac:spMkLst>
-            <pc:docMk/>
-            <pc:sldMk cId="2636441687" sldId="266"/>
-            <ac:spMk id="10" creationId="{2B97F24A-32CE-4C1C-A50D-3016B394DCFB}"/>
-          </ac:spMkLst>
-        </pc:spChg>
-        <pc:spChg chg="add">
-          <ac:chgData name="Jonny Morris" userId="S::morrisj70800@masseyhigh.school.nz::4fab9e21-29a7-4d03-b4c0-6c8a112c783d" providerId="AD" clId="Web-{1423E2E6-2405-C16D-4FA3-C33C0ADCD3EA}" dt="2021-07-07T01:28:18.873" v="228"/>
-          <ac:spMkLst>
-            <pc:docMk/>
-            <pc:sldMk cId="2636441687" sldId="266"/>
-            <ac:spMk id="12" creationId="{CD8B4F24-440B-49E9-B85D-733523DC064B}"/>
-          </ac:spMkLst>
-        </pc:spChg>
-        <pc:picChg chg="add mod ord">
-          <ac:chgData name="Jonny Morris" userId="S::morrisj70800@masseyhigh.school.nz::4fab9e21-29a7-4d03-b4c0-6c8a112c783d" providerId="AD" clId="Web-{1423E2E6-2405-C16D-4FA3-C33C0ADCD3EA}" dt="2021-07-07T01:28:18.873" v="228"/>
-          <ac:picMkLst>
-            <pc:docMk/>
-            <pc:sldMk cId="2636441687" sldId="266"/>
-            <ac:picMk id="4" creationId="{8C8059C0-D46C-4EE3-8A5A-E4AB3BAE9F38}"/>
-          </ac:picMkLst>
-        </pc:picChg>
-      </pc:sldChg>
-      <pc:sldChg chg="addSp delSp modSp new">
-        <pc:chgData name="Jonny Morris" userId="S::morrisj70800@masseyhigh.school.nz::4fab9e21-29a7-4d03-b4c0-6c8a112c783d" providerId="AD" clId="Web-{1423E2E6-2405-C16D-4FA3-C33C0ADCD3EA}" dt="2021-07-07T01:28:11.076" v="227" actId="20577"/>
-        <pc:sldMkLst>
-          <pc:docMk/>
-          <pc:sldMk cId="4269907770" sldId="267"/>
-        </pc:sldMkLst>
-        <pc:spChg chg="mod">
-          <ac:chgData name="Jonny Morris" userId="S::morrisj70800@masseyhigh.school.nz::4fab9e21-29a7-4d03-b4c0-6c8a112c783d" providerId="AD" clId="Web-{1423E2E6-2405-C16D-4FA3-C33C0ADCD3EA}" dt="2021-07-07T01:24:41.868" v="79" actId="20577"/>
-          <ac:spMkLst>
-            <pc:docMk/>
-            <pc:sldMk cId="4269907770" sldId="267"/>
-            <ac:spMk id="2" creationId="{8791E409-6935-493D-8A4B-DDCE0E6E1583}"/>
-          </ac:spMkLst>
-        </pc:spChg>
-        <pc:spChg chg="del">
-          <ac:chgData name="Jonny Morris" userId="S::morrisj70800@masseyhigh.school.nz::4fab9e21-29a7-4d03-b4c0-6c8a112c783d" providerId="AD" clId="Web-{1423E2E6-2405-C16D-4FA3-C33C0ADCD3EA}" dt="2021-07-07T01:24:43.259" v="80"/>
-          <ac:spMkLst>
-            <pc:docMk/>
-            <pc:sldMk cId="4269907770" sldId="267"/>
-            <ac:spMk id="3" creationId="{D19A3B35-862F-4096-BB70-35208DDA66AB}"/>
-          </ac:spMkLst>
-        </pc:spChg>
-        <pc:spChg chg="add del">
-          <ac:chgData name="Jonny Morris" userId="S::morrisj70800@masseyhigh.school.nz::4fab9e21-29a7-4d03-b4c0-6c8a112c783d" providerId="AD" clId="Web-{1423E2E6-2405-C16D-4FA3-C33C0ADCD3EA}" dt="2021-07-07T01:25:13.197" v="97"/>
-          <ac:spMkLst>
-            <pc:docMk/>
-            <pc:sldMk cId="4269907770" sldId="267"/>
-            <ac:spMk id="5" creationId="{BAC64147-5C51-4090-BA1C-E3850FA01F1A}"/>
-          </ac:spMkLst>
-        </pc:spChg>
-        <pc:spChg chg="add del">
-          <ac:chgData name="Jonny Morris" userId="S::morrisj70800@masseyhigh.school.nz::4fab9e21-29a7-4d03-b4c0-6c8a112c783d" providerId="AD" clId="Web-{1423E2E6-2405-C16D-4FA3-C33C0ADCD3EA}" dt="2021-07-07T01:25:12.712" v="96"/>
-          <ac:spMkLst>
-            <pc:docMk/>
-            <pc:sldMk cId="4269907770" sldId="267"/>
-            <ac:spMk id="6" creationId="{75E74B46-9CAF-4D3A-AAEF-BF73CAC32F76}"/>
-          </ac:spMkLst>
-        </pc:spChg>
-        <pc:spChg chg="add del">
-          <ac:chgData name="Jonny Morris" userId="S::morrisj70800@masseyhigh.school.nz::4fab9e21-29a7-4d03-b4c0-6c8a112c783d" providerId="AD" clId="Web-{1423E2E6-2405-C16D-4FA3-C33C0ADCD3EA}" dt="2021-07-07T01:25:11.978" v="95"/>
-          <ac:spMkLst>
-            <pc:docMk/>
-            <pc:sldMk cId="4269907770" sldId="267"/>
-            <ac:spMk id="7" creationId="{8E53D55C-388E-4783-B523-205D9E057902}"/>
-          </ac:spMkLst>
-        </pc:spChg>
-        <pc:spChg chg="add del">
-          <ac:chgData name="Jonny Morris" userId="S::morrisj70800@masseyhigh.school.nz::4fab9e21-29a7-4d03-b4c0-6c8a112c783d" providerId="AD" clId="Web-{1423E2E6-2405-C16D-4FA3-C33C0ADCD3EA}" dt="2021-07-07T01:25:11.697" v="94"/>
-          <ac:spMkLst>
-            <pc:docMk/>
-            <pc:sldMk cId="4269907770" sldId="267"/>
-            <ac:spMk id="8" creationId="{B143676B-9A77-4034-9091-0C1D716B1D24}"/>
-          </ac:spMkLst>
-        </pc:spChg>
-        <pc:spChg chg="add del">
-          <ac:chgData name="Jonny Morris" userId="S::morrisj70800@masseyhigh.school.nz::4fab9e21-29a7-4d03-b4c0-6c8a112c783d" providerId="AD" clId="Web-{1423E2E6-2405-C16D-4FA3-C33C0ADCD3EA}" dt="2021-07-07T01:25:11.228" v="93"/>
-          <ac:spMkLst>
-            <pc:docMk/>
-            <pc:sldMk cId="4269907770" sldId="267"/>
-            <ac:spMk id="9" creationId="{E6275B4D-E663-473E-BCB1-2FC2124000E5}"/>
-          </ac:spMkLst>
-        </pc:spChg>
-        <pc:spChg chg="add del">
-          <ac:chgData name="Jonny Morris" userId="S::morrisj70800@masseyhigh.school.nz::4fab9e21-29a7-4d03-b4c0-6c8a112c783d" providerId="AD" clId="Web-{1423E2E6-2405-C16D-4FA3-C33C0ADCD3EA}" dt="2021-07-07T01:25:10.697" v="92"/>
-          <ac:spMkLst>
-            <pc:docMk/>
-            <pc:sldMk cId="4269907770" sldId="267"/>
-            <ac:spMk id="10" creationId="{E2B4776C-8E6D-4CC4-8207-9F3220C23531}"/>
-          </ac:spMkLst>
-        </pc:spChg>
-        <pc:spChg chg="add del">
-          <ac:chgData name="Jonny Morris" userId="S::morrisj70800@masseyhigh.school.nz::4fab9e21-29a7-4d03-b4c0-6c8a112c783d" providerId="AD" clId="Web-{1423E2E6-2405-C16D-4FA3-C33C0ADCD3EA}" dt="2021-07-07T01:25:10.384" v="91"/>
-          <ac:spMkLst>
-            <pc:docMk/>
-            <pc:sldMk cId="4269907770" sldId="267"/>
-            <ac:spMk id="11" creationId="{023ED784-A63F-4BB8-824C-ED7720F509BA}"/>
-          </ac:spMkLst>
-        </pc:spChg>
-        <pc:spChg chg="add mod">
-          <ac:chgData name="Jonny Morris" userId="S::morrisj70800@masseyhigh.school.nz::4fab9e21-29a7-4d03-b4c0-6c8a112c783d" providerId="AD" clId="Web-{1423E2E6-2405-C16D-4FA3-C33C0ADCD3EA}" dt="2021-07-07T01:28:11.076" v="227" actId="20577"/>
-          <ac:spMkLst>
-            <pc:docMk/>
-            <pc:sldMk cId="4269907770" sldId="267"/>
-            <ac:spMk id="12" creationId="{73C65C4E-D475-417F-BF9A-4B4476C9B196}"/>
-          </ac:spMkLst>
-        </pc:spChg>
-        <pc:picChg chg="add mod ord">
-          <ac:chgData name="Jonny Morris" userId="S::morrisj70800@masseyhigh.school.nz::4fab9e21-29a7-4d03-b4c0-6c8a112c783d" providerId="AD" clId="Web-{1423E2E6-2405-C16D-4FA3-C33C0ADCD3EA}" dt="2021-07-07T01:24:47.837" v="81" actId="1076"/>
-          <ac:picMkLst>
-            <pc:docMk/>
-            <pc:sldMk cId="4269907770" sldId="267"/>
-            <ac:picMk id="4" creationId="{FE62F3AF-1CA3-49D3-8DB5-5446126C5F63}"/>
-          </ac:picMkLst>
-        </pc:picChg>
-      </pc:sldChg>
-    </pc:docChg>
-  </pc:docChgLst>
-  <pc:docChgLst>
-    <pc:chgData name="Jonny Morris" userId="S::morrisj70800@masseyhigh.school.nz::4fab9e21-29a7-4d03-b4c0-6c8a112c783d" providerId="AD" clId="Web-{B97A3ED7-EE4A-5CC1-A41D-E85CFB4F2B38}"/>
-    <pc:docChg chg="modSld">
-      <pc:chgData name="Jonny Morris" userId="S::morrisj70800@masseyhigh.school.nz::4fab9e21-29a7-4d03-b4c0-6c8a112c783d" providerId="AD" clId="Web-{B97A3ED7-EE4A-5CC1-A41D-E85CFB4F2B38}" dt="2021-06-01T02:31:37.218" v="183" actId="20577"/>
-      <pc:docMkLst>
-        <pc:docMk/>
-      </pc:docMkLst>
-      <pc:sldChg chg="modSp">
-        <pc:chgData name="Jonny Morris" userId="S::morrisj70800@masseyhigh.school.nz::4fab9e21-29a7-4d03-b4c0-6c8a112c783d" providerId="AD" clId="Web-{B97A3ED7-EE4A-5CC1-A41D-E85CFB4F2B38}" dt="2021-06-01T02:31:37.218" v="183" actId="20577"/>
-        <pc:sldMkLst>
-          <pc:docMk/>
-          <pc:sldMk cId="1121134679" sldId="259"/>
-        </pc:sldMkLst>
-        <pc:spChg chg="mod">
-          <ac:chgData name="Jonny Morris" userId="S::morrisj70800@masseyhigh.school.nz::4fab9e21-29a7-4d03-b4c0-6c8a112c783d" providerId="AD" clId="Web-{B97A3ED7-EE4A-5CC1-A41D-E85CFB4F2B38}" dt="2021-06-01T02:31:37.218" v="183" actId="20577"/>
-          <ac:spMkLst>
-            <pc:docMk/>
-            <pc:sldMk cId="1121134679" sldId="259"/>
-            <ac:spMk id="5" creationId="{13770BC4-8233-4892-B0E6-F07AC0ADDCFD}"/>
-          </ac:spMkLst>
-        </pc:spChg>
-      </pc:sldChg>
-    </pc:docChg>
-  </pc:docChgLst>
-  <pc:docChgLst>
-    <pc:chgData name="Jonny Morris" userId="S::morrisj70800@masseyhigh.school.nz::4fab9e21-29a7-4d03-b4c0-6c8a112c783d" providerId="AD" clId="Web-{33F175D3-4D32-71D5-6709-62DB828ADCB0}"/>
-    <pc:docChg chg="modSld">
-      <pc:chgData name="Jonny Morris" userId="S::morrisj70800@masseyhigh.school.nz::4fab9e21-29a7-4d03-b4c0-6c8a112c783d" providerId="AD" clId="Web-{33F175D3-4D32-71D5-6709-62DB828ADCB0}" dt="2021-06-03T22:51:11.495" v="43"/>
-      <pc:docMkLst>
-        <pc:docMk/>
-      </pc:docMkLst>
-      <pc:sldChg chg="addSp delSp modSp mod setBg">
-        <pc:chgData name="Jonny Morris" userId="S::morrisj70800@masseyhigh.school.nz::4fab9e21-29a7-4d03-b4c0-6c8a112c783d" providerId="AD" clId="Web-{33F175D3-4D32-71D5-6709-62DB828ADCB0}" dt="2021-06-03T22:51:11.495" v="43"/>
-        <pc:sldMkLst>
-          <pc:docMk/>
-          <pc:sldMk cId="4213354389" sldId="260"/>
-        </pc:sldMkLst>
-        <pc:spChg chg="mod">
-          <ac:chgData name="Jonny Morris" userId="S::morrisj70800@masseyhigh.school.nz::4fab9e21-29a7-4d03-b4c0-6c8a112c783d" providerId="AD" clId="Web-{33F175D3-4D32-71D5-6709-62DB828ADCB0}" dt="2021-06-03T22:51:11.495" v="43"/>
-          <ac:spMkLst>
-            <pc:docMk/>
-            <pc:sldMk cId="4213354389" sldId="260"/>
-            <ac:spMk id="2" creationId="{54EC48D4-B0FC-4660-8894-4F1B722EAFD3}"/>
-          </ac:spMkLst>
-        </pc:spChg>
-        <pc:spChg chg="del">
-          <ac:chgData name="Jonny Morris" userId="S::morrisj70800@masseyhigh.school.nz::4fab9e21-29a7-4d03-b4c0-6c8a112c783d" providerId="AD" clId="Web-{33F175D3-4D32-71D5-6709-62DB828ADCB0}" dt="2021-06-03T22:44:55.988" v="0"/>
-          <ac:spMkLst>
-            <pc:docMk/>
-            <pc:sldMk cId="4213354389" sldId="260"/>
-            <ac:spMk id="3" creationId="{1E8EF868-1C38-43AA-BA0A-E75CFB29EE0D}"/>
-          </ac:spMkLst>
-        </pc:spChg>
-        <pc:spChg chg="add mod">
-          <ac:chgData name="Jonny Morris" userId="S::morrisj70800@masseyhigh.school.nz::4fab9e21-29a7-4d03-b4c0-6c8a112c783d" providerId="AD" clId="Web-{33F175D3-4D32-71D5-6709-62DB828ADCB0}" dt="2021-06-03T22:51:11.495" v="43"/>
-          <ac:spMkLst>
-            <pc:docMk/>
-            <pc:sldMk cId="4213354389" sldId="260"/>
-            <ac:spMk id="5" creationId="{A626E451-29FF-476C-B176-15A181E7FCFB}"/>
-          </ac:spMkLst>
-        </pc:spChg>
-        <pc:spChg chg="add">
-          <ac:chgData name="Jonny Morris" userId="S::morrisj70800@masseyhigh.school.nz::4fab9e21-29a7-4d03-b4c0-6c8a112c783d" providerId="AD" clId="Web-{33F175D3-4D32-71D5-6709-62DB828ADCB0}" dt="2021-06-03T22:51:11.495" v="43"/>
-          <ac:spMkLst>
-            <pc:docMk/>
-            <pc:sldMk cId="4213354389" sldId="260"/>
-            <ac:spMk id="10" creationId="{73DE2CFE-42F2-48F0-8706-5264E012B10C}"/>
-          </ac:spMkLst>
-        </pc:spChg>
-        <pc:picChg chg="add mod ord">
-          <ac:chgData name="Jonny Morris" userId="S::morrisj70800@masseyhigh.school.nz::4fab9e21-29a7-4d03-b4c0-6c8a112c783d" providerId="AD" clId="Web-{33F175D3-4D32-71D5-6709-62DB828ADCB0}" dt="2021-06-03T22:51:11.495" v="43"/>
-          <ac:picMkLst>
-            <pc:docMk/>
-            <pc:sldMk cId="4213354389" sldId="260"/>
-            <ac:picMk id="4" creationId="{DB2173E9-EC0E-4405-B0D1-1F2CC6B9FFC6}"/>
-          </ac:picMkLst>
-        </pc:picChg>
-      </pc:sldChg>
-    </pc:docChg>
-  </pc:docChgLst>
-  <pc:docChgLst>
-    <pc:chgData name="Jonny Morris" userId="S::morrisj70800@masseyhigh.school.nz::4fab9e21-29a7-4d03-b4c0-6c8a112c783d" providerId="AD" clId="Web-{82670D97-0EF6-5614-F833-FE3B0A574D76}"/>
-    <pc:docChg chg="modSld">
-      <pc:chgData name="Jonny Morris" userId="S::morrisj70800@masseyhigh.school.nz::4fab9e21-29a7-4d03-b4c0-6c8a112c783d" providerId="AD" clId="Web-{82670D97-0EF6-5614-F833-FE3B0A574D76}" dt="2021-05-30T21:53:29.949" v="16" actId="14100"/>
-      <pc:docMkLst>
-        <pc:docMk/>
-      </pc:docMkLst>
-      <pc:sldChg chg="addSp delSp modSp">
-        <pc:chgData name="Jonny Morris" userId="S::morrisj70800@masseyhigh.school.nz::4fab9e21-29a7-4d03-b4c0-6c8a112c783d" providerId="AD" clId="Web-{82670D97-0EF6-5614-F833-FE3B0A574D76}" dt="2021-05-30T21:53:29.949" v="16" actId="14100"/>
-        <pc:sldMkLst>
-          <pc:docMk/>
-          <pc:sldMk cId="1121134679" sldId="259"/>
-        </pc:sldMkLst>
-        <pc:spChg chg="mod">
-          <ac:chgData name="Jonny Morris" userId="S::morrisj70800@masseyhigh.school.nz::4fab9e21-29a7-4d03-b4c0-6c8a112c783d" providerId="AD" clId="Web-{82670D97-0EF6-5614-F833-FE3B0A574D76}" dt="2021-05-30T21:53:09.277" v="9" actId="20577"/>
-          <ac:spMkLst>
-            <pc:docMk/>
-            <pc:sldMk cId="1121134679" sldId="259"/>
-            <ac:spMk id="2" creationId="{588E3780-8974-43B7-B56C-88962D87DE18}"/>
-          </ac:spMkLst>
-        </pc:spChg>
-        <pc:spChg chg="del">
-          <ac:chgData name="Jonny Morris" userId="S::morrisj70800@masseyhigh.school.nz::4fab9e21-29a7-4d03-b4c0-6c8a112c783d" providerId="AD" clId="Web-{82670D97-0EF6-5614-F833-FE3B0A574D76}" dt="2021-05-30T21:53:10.495" v="10"/>
-          <ac:spMkLst>
-            <pc:docMk/>
-            <pc:sldMk cId="1121134679" sldId="259"/>
-            <ac:spMk id="3" creationId="{A9883A00-3047-4C01-A803-486F6FC2F7B9}"/>
-          </ac:spMkLst>
-        </pc:spChg>
-        <pc:spChg chg="add mod">
-          <ac:chgData name="Jonny Morris" userId="S::morrisj70800@masseyhigh.school.nz::4fab9e21-29a7-4d03-b4c0-6c8a112c783d" providerId="AD" clId="Web-{82670D97-0EF6-5614-F833-FE3B0A574D76}" dt="2021-05-30T21:53:29.949" v="16" actId="14100"/>
-          <ac:spMkLst>
-            <pc:docMk/>
-            <pc:sldMk cId="1121134679" sldId="259"/>
-            <ac:spMk id="5" creationId="{13770BC4-8233-4892-B0E6-F07AC0ADDCFD}"/>
-          </ac:spMkLst>
-        </pc:spChg>
-        <pc:picChg chg="add mod ord">
-          <ac:chgData name="Jonny Morris" userId="S::morrisj70800@masseyhigh.school.nz::4fab9e21-29a7-4d03-b4c0-6c8a112c783d" providerId="AD" clId="Web-{82670D97-0EF6-5614-F833-FE3B0A574D76}" dt="2021-05-30T21:53:12.824" v="11" actId="1076"/>
-          <ac:picMkLst>
-            <pc:docMk/>
-            <pc:sldMk cId="1121134679" sldId="259"/>
-            <ac:picMk id="4" creationId="{832CB706-A894-4C79-A765-CAC0EEA0D08A}"/>
-          </ac:picMkLst>
-        </pc:picChg>
-      </pc:sldChg>
-    </pc:docChg>
-  </pc:docChgLst>
-  <pc:docChgLst>
-    <pc:chgData name="Jonny Morris" userId="S::morrisj70800@masseyhigh.school.nz::4fab9e21-29a7-4d03-b4c0-6c8a112c783d" providerId="AD" clId="Web-{2E13400A-93CE-23A9-CF97-FEFD0D57F2B7}"/>
-    <pc:docChg chg="modSld">
-      <pc:chgData name="Jonny Morris" userId="S::morrisj70800@masseyhigh.school.nz::4fab9e21-29a7-4d03-b4c0-6c8a112c783d" providerId="AD" clId="Web-{2E13400A-93CE-23A9-CF97-FEFD0D57F2B7}" dt="2021-06-17T22:44:29.499" v="109" actId="20577"/>
-      <pc:docMkLst>
-        <pc:docMk/>
-      </pc:docMkLst>
-      <pc:sldChg chg="addSp delSp modSp">
-        <pc:chgData name="Jonny Morris" userId="S::morrisj70800@masseyhigh.school.nz::4fab9e21-29a7-4d03-b4c0-6c8a112c783d" providerId="AD" clId="Web-{2E13400A-93CE-23A9-CF97-FEFD0D57F2B7}" dt="2021-06-17T22:44:29.499" v="109" actId="20577"/>
-        <pc:sldMkLst>
-          <pc:docMk/>
-          <pc:sldMk cId="2312846984" sldId="265"/>
-        </pc:sldMkLst>
-        <pc:spChg chg="mod">
-          <ac:chgData name="Jonny Morris" userId="S::morrisj70800@masseyhigh.school.nz::4fab9e21-29a7-4d03-b4c0-6c8a112c783d" providerId="AD" clId="Web-{2E13400A-93CE-23A9-CF97-FEFD0D57F2B7}" dt="2021-06-17T22:42:19.512" v="16" actId="20577"/>
-          <ac:spMkLst>
-            <pc:docMk/>
-            <pc:sldMk cId="2312846984" sldId="265"/>
-            <ac:spMk id="2" creationId="{A8EFE925-DDD6-457F-95FD-557FF9D76A31}"/>
-          </ac:spMkLst>
-        </pc:spChg>
-        <pc:spChg chg="del">
-          <ac:chgData name="Jonny Morris" userId="S::morrisj70800@masseyhigh.school.nz::4fab9e21-29a7-4d03-b4c0-6c8a112c783d" providerId="AD" clId="Web-{2E13400A-93CE-23A9-CF97-FEFD0D57F2B7}" dt="2021-06-17T22:42:20.981" v="17"/>
-          <ac:spMkLst>
-            <pc:docMk/>
-            <pc:sldMk cId="2312846984" sldId="265"/>
-            <ac:spMk id="3" creationId="{34773BA4-0F8D-400E-B0F4-F00A6E96838C}"/>
-          </ac:spMkLst>
-        </pc:spChg>
-        <pc:spChg chg="add mod">
-          <ac:chgData name="Jonny Morris" userId="S::morrisj70800@masseyhigh.school.nz::4fab9e21-29a7-4d03-b4c0-6c8a112c783d" providerId="AD" clId="Web-{2E13400A-93CE-23A9-CF97-FEFD0D57F2B7}" dt="2021-06-17T22:44:29.499" v="109" actId="20577"/>
-          <ac:spMkLst>
-            <pc:docMk/>
-            <pc:sldMk cId="2312846984" sldId="265"/>
-            <ac:spMk id="6" creationId="{7E9094E3-54D3-43D0-833A-501068F2A71A}"/>
-          </ac:spMkLst>
-        </pc:spChg>
-        <pc:picChg chg="add mod ord">
-          <ac:chgData name="Jonny Morris" userId="S::morrisj70800@masseyhigh.school.nz::4fab9e21-29a7-4d03-b4c0-6c8a112c783d" providerId="AD" clId="Web-{2E13400A-93CE-23A9-CF97-FEFD0D57F2B7}" dt="2021-06-17T22:42:24.684" v="18" actId="1076"/>
-          <ac:picMkLst>
-            <pc:docMk/>
-            <pc:sldMk cId="2312846984" sldId="265"/>
-            <ac:picMk id="4" creationId="{BEBED7A8-7A0C-4446-A3F3-AE0384F69625}"/>
-          </ac:picMkLst>
-        </pc:picChg>
-        <pc:picChg chg="add mod">
-          <ac:chgData name="Jonny Morris" userId="S::morrisj70800@masseyhigh.school.nz::4fab9e21-29a7-4d03-b4c0-6c8a112c783d" providerId="AD" clId="Web-{2E13400A-93CE-23A9-CF97-FEFD0D57F2B7}" dt="2021-06-17T22:42:42.637" v="20" actId="1076"/>
-          <ac:picMkLst>
-            <pc:docMk/>
-            <pc:sldMk cId="2312846984" sldId="265"/>
-            <ac:picMk id="5" creationId="{E0886A97-00CE-4C24-AC50-FDB95ED3BEB8}"/>
           </ac:picMkLst>
         </pc:picChg>
       </pc:sldChg>
@@ -1780,6 +1646,229 @@
             <ac:picMk id="4" creationId="{CAA75ADB-85F9-4BF9-8402-D497E8337B7C}"/>
           </ac:picMkLst>
         </pc:picChg>
+      </pc:sldChg>
+    </pc:docChg>
+  </pc:docChgLst>
+  <pc:docChgLst>
+    <pc:chgData name="Jonny Morris" userId="S::morrisj70800@masseyhigh.school.nz::4fab9e21-29a7-4d03-b4c0-6c8a112c783d" providerId="AD" clId="Web-{3312139C-ECA4-D6E5-6EA0-9FAF5992739F}"/>
+    <pc:docChg chg="addSld modSld">
+      <pc:chgData name="Jonny Morris" userId="S::morrisj70800@masseyhigh.school.nz::4fab9e21-29a7-4d03-b4c0-6c8a112c783d" providerId="AD" clId="Web-{3312139C-ECA4-D6E5-6EA0-9FAF5992739F}" dt="2021-06-15T02:10:40.639" v="39" actId="14100"/>
+      <pc:docMkLst>
+        <pc:docMk/>
+      </pc:docMkLst>
+      <pc:sldChg chg="addSp delSp modSp">
+        <pc:chgData name="Jonny Morris" userId="S::morrisj70800@masseyhigh.school.nz::4fab9e21-29a7-4d03-b4c0-6c8a112c783d" providerId="AD" clId="Web-{3312139C-ECA4-D6E5-6EA0-9FAF5992739F}" dt="2021-06-15T02:08:00.534" v="17"/>
+        <pc:sldMkLst>
+          <pc:docMk/>
+          <pc:sldMk cId="109857222" sldId="256"/>
+        </pc:sldMkLst>
+        <pc:spChg chg="mod">
+          <ac:chgData name="Jonny Morris" userId="S::morrisj70800@masseyhigh.school.nz::4fab9e21-29a7-4d03-b4c0-6c8a112c783d" providerId="AD" clId="Web-{3312139C-ECA4-D6E5-6EA0-9FAF5992739F}" dt="2021-06-15T02:07:55.206" v="12" actId="20577"/>
+          <ac:spMkLst>
+            <pc:docMk/>
+            <pc:sldMk cId="109857222" sldId="256"/>
+            <ac:spMk id="2" creationId="{00000000-0000-0000-0000-000000000000}"/>
+          </ac:spMkLst>
+        </pc:spChg>
+        <pc:picChg chg="add del mod">
+          <ac:chgData name="Jonny Morris" userId="S::morrisj70800@masseyhigh.school.nz::4fab9e21-29a7-4d03-b4c0-6c8a112c783d" providerId="AD" clId="Web-{3312139C-ECA4-D6E5-6EA0-9FAF5992739F}" dt="2021-06-15T02:08:00.534" v="17"/>
+          <ac:picMkLst>
+            <pc:docMk/>
+            <pc:sldMk cId="109857222" sldId="256"/>
+            <ac:picMk id="4" creationId="{6D1D8967-C6E2-4034-BB3C-C8B3C41033E7}"/>
+          </ac:picMkLst>
+        </pc:picChg>
+      </pc:sldChg>
+      <pc:sldChg chg="addSp delSp modSp new">
+        <pc:chgData name="Jonny Morris" userId="S::morrisj70800@masseyhigh.school.nz::4fab9e21-29a7-4d03-b4c0-6c8a112c783d" providerId="AD" clId="Web-{3312139C-ECA4-D6E5-6EA0-9FAF5992739F}" dt="2021-06-15T02:10:40.639" v="39" actId="14100"/>
+        <pc:sldMkLst>
+          <pc:docMk/>
+          <pc:sldMk cId="3210139407" sldId="263"/>
+        </pc:sldMkLst>
+        <pc:spChg chg="mod">
+          <ac:chgData name="Jonny Morris" userId="S::morrisj70800@masseyhigh.school.nz::4fab9e21-29a7-4d03-b4c0-6c8a112c783d" providerId="AD" clId="Web-{3312139C-ECA4-D6E5-6EA0-9FAF5992739F}" dt="2021-06-15T02:08:23.942" v="34" actId="20577"/>
+          <ac:spMkLst>
+            <pc:docMk/>
+            <pc:sldMk cId="3210139407" sldId="263"/>
+            <ac:spMk id="2" creationId="{A1F03816-608E-4768-91BC-5675075A7D2E}"/>
+          </ac:spMkLst>
+        </pc:spChg>
+        <pc:spChg chg="del">
+          <ac:chgData name="Jonny Morris" userId="S::morrisj70800@masseyhigh.school.nz::4fab9e21-29a7-4d03-b4c0-6c8a112c783d" providerId="AD" clId="Web-{3312139C-ECA4-D6E5-6EA0-9FAF5992739F}" dt="2021-06-15T02:08:09.363" v="19"/>
+          <ac:spMkLst>
+            <pc:docMk/>
+            <pc:sldMk cId="3210139407" sldId="263"/>
+            <ac:spMk id="3" creationId="{051DA18D-7A50-4959-92AF-556161888C20}"/>
+          </ac:spMkLst>
+        </pc:spChg>
+        <pc:spChg chg="add mod">
+          <ac:chgData name="Jonny Morris" userId="S::morrisj70800@masseyhigh.school.nz::4fab9e21-29a7-4d03-b4c0-6c8a112c783d" providerId="AD" clId="Web-{3312139C-ECA4-D6E5-6EA0-9FAF5992739F}" dt="2021-06-15T02:10:40.639" v="39" actId="14100"/>
+          <ac:spMkLst>
+            <pc:docMk/>
+            <pc:sldMk cId="3210139407" sldId="263"/>
+            <ac:spMk id="5" creationId="{ED8DD957-DAE6-4C20-809E-897DC17E1B0F}"/>
+          </ac:spMkLst>
+        </pc:spChg>
+        <pc:picChg chg="add mod ord">
+          <ac:chgData name="Jonny Morris" userId="S::morrisj70800@masseyhigh.school.nz::4fab9e21-29a7-4d03-b4c0-6c8a112c783d" providerId="AD" clId="Web-{3312139C-ECA4-D6E5-6EA0-9FAF5992739F}" dt="2021-06-15T02:08:29.193" v="35" actId="1076"/>
+          <ac:picMkLst>
+            <pc:docMk/>
+            <pc:sldMk cId="3210139407" sldId="263"/>
+            <ac:picMk id="4" creationId="{BBCB68B3-086F-4AC7-9B28-0F9C2FFC13BC}"/>
+          </ac:picMkLst>
+        </pc:picChg>
+      </pc:sldChg>
+    </pc:docChg>
+  </pc:docChgLst>
+  <pc:docChgLst>
+    <pc:chgData name="Jonny Morris" userId="S::morrisj70800@masseyhigh.school.nz::4fab9e21-29a7-4d03-b4c0-6c8a112c783d" providerId="AD" clId="Web-{2E13400A-93CE-23A9-CF97-FEFD0D57F2B7}"/>
+    <pc:docChg chg="modSld">
+      <pc:chgData name="Jonny Morris" userId="S::morrisj70800@masseyhigh.school.nz::4fab9e21-29a7-4d03-b4c0-6c8a112c783d" providerId="AD" clId="Web-{2E13400A-93CE-23A9-CF97-FEFD0D57F2B7}" dt="2021-06-17T22:44:29.499" v="109" actId="20577"/>
+      <pc:docMkLst>
+        <pc:docMk/>
+      </pc:docMkLst>
+      <pc:sldChg chg="addSp delSp modSp">
+        <pc:chgData name="Jonny Morris" userId="S::morrisj70800@masseyhigh.school.nz::4fab9e21-29a7-4d03-b4c0-6c8a112c783d" providerId="AD" clId="Web-{2E13400A-93CE-23A9-CF97-FEFD0D57F2B7}" dt="2021-06-17T22:44:29.499" v="109" actId="20577"/>
+        <pc:sldMkLst>
+          <pc:docMk/>
+          <pc:sldMk cId="2312846984" sldId="265"/>
+        </pc:sldMkLst>
+        <pc:spChg chg="mod">
+          <ac:chgData name="Jonny Morris" userId="S::morrisj70800@masseyhigh.school.nz::4fab9e21-29a7-4d03-b4c0-6c8a112c783d" providerId="AD" clId="Web-{2E13400A-93CE-23A9-CF97-FEFD0D57F2B7}" dt="2021-06-17T22:42:19.512" v="16" actId="20577"/>
+          <ac:spMkLst>
+            <pc:docMk/>
+            <pc:sldMk cId="2312846984" sldId="265"/>
+            <ac:spMk id="2" creationId="{A8EFE925-DDD6-457F-95FD-557FF9D76A31}"/>
+          </ac:spMkLst>
+        </pc:spChg>
+        <pc:spChg chg="del">
+          <ac:chgData name="Jonny Morris" userId="S::morrisj70800@masseyhigh.school.nz::4fab9e21-29a7-4d03-b4c0-6c8a112c783d" providerId="AD" clId="Web-{2E13400A-93CE-23A9-CF97-FEFD0D57F2B7}" dt="2021-06-17T22:42:20.981" v="17"/>
+          <ac:spMkLst>
+            <pc:docMk/>
+            <pc:sldMk cId="2312846984" sldId="265"/>
+            <ac:spMk id="3" creationId="{34773BA4-0F8D-400E-B0F4-F00A6E96838C}"/>
+          </ac:spMkLst>
+        </pc:spChg>
+        <pc:spChg chg="add mod">
+          <ac:chgData name="Jonny Morris" userId="S::morrisj70800@masseyhigh.school.nz::4fab9e21-29a7-4d03-b4c0-6c8a112c783d" providerId="AD" clId="Web-{2E13400A-93CE-23A9-CF97-FEFD0D57F2B7}" dt="2021-06-17T22:44:29.499" v="109" actId="20577"/>
+          <ac:spMkLst>
+            <pc:docMk/>
+            <pc:sldMk cId="2312846984" sldId="265"/>
+            <ac:spMk id="6" creationId="{7E9094E3-54D3-43D0-833A-501068F2A71A}"/>
+          </ac:spMkLst>
+        </pc:spChg>
+        <pc:picChg chg="add mod ord">
+          <ac:chgData name="Jonny Morris" userId="S::morrisj70800@masseyhigh.school.nz::4fab9e21-29a7-4d03-b4c0-6c8a112c783d" providerId="AD" clId="Web-{2E13400A-93CE-23A9-CF97-FEFD0D57F2B7}" dt="2021-06-17T22:42:24.684" v="18" actId="1076"/>
+          <ac:picMkLst>
+            <pc:docMk/>
+            <pc:sldMk cId="2312846984" sldId="265"/>
+            <ac:picMk id="4" creationId="{BEBED7A8-7A0C-4446-A3F3-AE0384F69625}"/>
+          </ac:picMkLst>
+        </pc:picChg>
+        <pc:picChg chg="add mod">
+          <ac:chgData name="Jonny Morris" userId="S::morrisj70800@masseyhigh.school.nz::4fab9e21-29a7-4d03-b4c0-6c8a112c783d" providerId="AD" clId="Web-{2E13400A-93CE-23A9-CF97-FEFD0D57F2B7}" dt="2021-06-17T22:42:42.637" v="20" actId="1076"/>
+          <ac:picMkLst>
+            <pc:docMk/>
+            <pc:sldMk cId="2312846984" sldId="265"/>
+            <ac:picMk id="5" creationId="{E0886A97-00CE-4C24-AC50-FDB95ED3BEB8}"/>
+          </ac:picMkLst>
+        </pc:picChg>
+      </pc:sldChg>
+    </pc:docChg>
+  </pc:docChgLst>
+  <pc:docChgLst>
+    <pc:chgData clId="Web-{EE33AF41-30E7-9FB3-CC2C-421B72023142}"/>
+    <pc:docChg chg="modSld">
+      <pc:chgData name="" userId="" providerId="" clId="Web-{EE33AF41-30E7-9FB3-CC2C-421B72023142}" dt="2021-06-16T00:31:18.610" v="1" actId="20577"/>
+      <pc:docMkLst>
+        <pc:docMk/>
+      </pc:docMkLst>
+      <pc:sldChg chg="modSp">
+        <pc:chgData name="" userId="" providerId="" clId="Web-{EE33AF41-30E7-9FB3-CC2C-421B72023142}" dt="2021-06-16T00:31:18.610" v="1" actId="20577"/>
+        <pc:sldMkLst>
+          <pc:docMk/>
+          <pc:sldMk cId="109857222" sldId="256"/>
+        </pc:sldMkLst>
+        <pc:spChg chg="mod">
+          <ac:chgData name="" userId="" providerId="" clId="Web-{EE33AF41-30E7-9FB3-CC2C-421B72023142}" dt="2021-06-16T00:31:18.610" v="1" actId="20577"/>
+          <ac:spMkLst>
+            <pc:docMk/>
+            <pc:sldMk cId="109857222" sldId="256"/>
+            <ac:spMk id="2" creationId="{00000000-0000-0000-0000-000000000000}"/>
+          </ac:spMkLst>
+        </pc:spChg>
+      </pc:sldChg>
+    </pc:docChg>
+  </pc:docChgLst>
+  <pc:docChgLst>
+    <pc:chgData name="Jonny Morris" userId="S::morrisj70800@masseyhigh.school.nz::4fab9e21-29a7-4d03-b4c0-6c8a112c783d" providerId="AD" clId="Web-{82670D97-0EF6-5614-F833-FE3B0A574D76}"/>
+    <pc:docChg chg="modSld">
+      <pc:chgData name="Jonny Morris" userId="S::morrisj70800@masseyhigh.school.nz::4fab9e21-29a7-4d03-b4c0-6c8a112c783d" providerId="AD" clId="Web-{82670D97-0EF6-5614-F833-FE3B0A574D76}" dt="2021-05-30T21:53:29.949" v="16" actId="14100"/>
+      <pc:docMkLst>
+        <pc:docMk/>
+      </pc:docMkLst>
+      <pc:sldChg chg="addSp delSp modSp">
+        <pc:chgData name="Jonny Morris" userId="S::morrisj70800@masseyhigh.school.nz::4fab9e21-29a7-4d03-b4c0-6c8a112c783d" providerId="AD" clId="Web-{82670D97-0EF6-5614-F833-FE3B0A574D76}" dt="2021-05-30T21:53:29.949" v="16" actId="14100"/>
+        <pc:sldMkLst>
+          <pc:docMk/>
+          <pc:sldMk cId="1121134679" sldId="259"/>
+        </pc:sldMkLst>
+        <pc:spChg chg="mod">
+          <ac:chgData name="Jonny Morris" userId="S::morrisj70800@masseyhigh.school.nz::4fab9e21-29a7-4d03-b4c0-6c8a112c783d" providerId="AD" clId="Web-{82670D97-0EF6-5614-F833-FE3B0A574D76}" dt="2021-05-30T21:53:09.277" v="9" actId="20577"/>
+          <ac:spMkLst>
+            <pc:docMk/>
+            <pc:sldMk cId="1121134679" sldId="259"/>
+            <ac:spMk id="2" creationId="{588E3780-8974-43B7-B56C-88962D87DE18}"/>
+          </ac:spMkLst>
+        </pc:spChg>
+        <pc:spChg chg="del">
+          <ac:chgData name="Jonny Morris" userId="S::morrisj70800@masseyhigh.school.nz::4fab9e21-29a7-4d03-b4c0-6c8a112c783d" providerId="AD" clId="Web-{82670D97-0EF6-5614-F833-FE3B0A574D76}" dt="2021-05-30T21:53:10.495" v="10"/>
+          <ac:spMkLst>
+            <pc:docMk/>
+            <pc:sldMk cId="1121134679" sldId="259"/>
+            <ac:spMk id="3" creationId="{A9883A00-3047-4C01-A803-486F6FC2F7B9}"/>
+          </ac:spMkLst>
+        </pc:spChg>
+        <pc:spChg chg="add mod">
+          <ac:chgData name="Jonny Morris" userId="S::morrisj70800@masseyhigh.school.nz::4fab9e21-29a7-4d03-b4c0-6c8a112c783d" providerId="AD" clId="Web-{82670D97-0EF6-5614-F833-FE3B0A574D76}" dt="2021-05-30T21:53:29.949" v="16" actId="14100"/>
+          <ac:spMkLst>
+            <pc:docMk/>
+            <pc:sldMk cId="1121134679" sldId="259"/>
+            <ac:spMk id="5" creationId="{13770BC4-8233-4892-B0E6-F07AC0ADDCFD}"/>
+          </ac:spMkLst>
+        </pc:spChg>
+        <pc:picChg chg="add mod ord">
+          <ac:chgData name="Jonny Morris" userId="S::morrisj70800@masseyhigh.school.nz::4fab9e21-29a7-4d03-b4c0-6c8a112c783d" providerId="AD" clId="Web-{82670D97-0EF6-5614-F833-FE3B0A574D76}" dt="2021-05-30T21:53:12.824" v="11" actId="1076"/>
+          <ac:picMkLst>
+            <pc:docMk/>
+            <pc:sldMk cId="1121134679" sldId="259"/>
+            <ac:picMk id="4" creationId="{832CB706-A894-4C79-A765-CAC0EEA0D08A}"/>
+          </ac:picMkLst>
+        </pc:picChg>
+      </pc:sldChg>
+    </pc:docChg>
+  </pc:docChgLst>
+  <pc:docChgLst>
+    <pc:chgData name="Jonny Morris" userId="S::morrisj70800@masseyhigh.school.nz::4fab9e21-29a7-4d03-b4c0-6c8a112c783d" providerId="AD" clId="Web-{B97A3ED7-EE4A-5CC1-A41D-E85CFB4F2B38}"/>
+    <pc:docChg chg="modSld">
+      <pc:chgData name="Jonny Morris" userId="S::morrisj70800@masseyhigh.school.nz::4fab9e21-29a7-4d03-b4c0-6c8a112c783d" providerId="AD" clId="Web-{B97A3ED7-EE4A-5CC1-A41D-E85CFB4F2B38}" dt="2021-06-01T02:31:37.218" v="183" actId="20577"/>
+      <pc:docMkLst>
+        <pc:docMk/>
+      </pc:docMkLst>
+      <pc:sldChg chg="modSp">
+        <pc:chgData name="Jonny Morris" userId="S::morrisj70800@masseyhigh.school.nz::4fab9e21-29a7-4d03-b4c0-6c8a112c783d" providerId="AD" clId="Web-{B97A3ED7-EE4A-5CC1-A41D-E85CFB4F2B38}" dt="2021-06-01T02:31:37.218" v="183" actId="20577"/>
+        <pc:sldMkLst>
+          <pc:docMk/>
+          <pc:sldMk cId="1121134679" sldId="259"/>
+        </pc:sldMkLst>
+        <pc:spChg chg="mod">
+          <ac:chgData name="Jonny Morris" userId="S::morrisj70800@masseyhigh.school.nz::4fab9e21-29a7-4d03-b4c0-6c8a112c783d" providerId="AD" clId="Web-{B97A3ED7-EE4A-5CC1-A41D-E85CFB4F2B38}" dt="2021-06-01T02:31:37.218" v="183" actId="20577"/>
+          <ac:spMkLst>
+            <pc:docMk/>
+            <pc:sldMk cId="1121134679" sldId="259"/>
+            <ac:spMk id="5" creationId="{13770BC4-8233-4892-B0E6-F07AC0ADDCFD}"/>
+          </ac:spMkLst>
+        </pc:spChg>
       </pc:sldChg>
     </pc:docChg>
   </pc:docChgLst>
@@ -1915,7 +2004,7 @@
           <a:p>
             <a:fld id="{846CE7D5-CF57-46EF-B807-FDD0502418D4}" type="datetimeFigureOut">
               <a:rPr lang="en-US" smtClean="0"/>
-              <a:t>7/28/2021</a:t>
+              <a:t>8/2/2021</a:t>
             </a:fld>
             <a:endParaRPr lang="en-US"/>
           </a:p>
@@ -2083,7 +2172,7 @@
           <a:p>
             <a:fld id="{846CE7D5-CF57-46EF-B807-FDD0502418D4}" type="datetimeFigureOut">
               <a:rPr lang="en-US" smtClean="0"/>
-              <a:t>7/28/2021</a:t>
+              <a:t>8/2/2021</a:t>
             </a:fld>
             <a:endParaRPr lang="en-US"/>
           </a:p>
@@ -2261,7 +2350,7 @@
           <a:p>
             <a:fld id="{846CE7D5-CF57-46EF-B807-FDD0502418D4}" type="datetimeFigureOut">
               <a:rPr lang="en-US" smtClean="0"/>
-              <a:t>7/28/2021</a:t>
+              <a:t>8/2/2021</a:t>
             </a:fld>
             <a:endParaRPr lang="en-US"/>
           </a:p>
@@ -2429,7 +2518,7 @@
           <a:p>
             <a:fld id="{846CE7D5-CF57-46EF-B807-FDD0502418D4}" type="datetimeFigureOut">
               <a:rPr lang="en-US" smtClean="0"/>
-              <a:t>7/28/2021</a:t>
+              <a:t>8/2/2021</a:t>
             </a:fld>
             <a:endParaRPr lang="en-US"/>
           </a:p>
@@ -2674,7 +2763,7 @@
           <a:p>
             <a:fld id="{846CE7D5-CF57-46EF-B807-FDD0502418D4}" type="datetimeFigureOut">
               <a:rPr lang="en-US" smtClean="0"/>
-              <a:t>7/28/2021</a:t>
+              <a:t>8/2/2021</a:t>
             </a:fld>
             <a:endParaRPr lang="en-US"/>
           </a:p>
@@ -2903,7 +2992,7 @@
           <a:p>
             <a:fld id="{846CE7D5-CF57-46EF-B807-FDD0502418D4}" type="datetimeFigureOut">
               <a:rPr lang="en-US" smtClean="0"/>
-              <a:t>7/28/2021</a:t>
+              <a:t>8/2/2021</a:t>
             </a:fld>
             <a:endParaRPr lang="en-US"/>
           </a:p>
@@ -3267,7 +3356,7 @@
           <a:p>
             <a:fld id="{846CE7D5-CF57-46EF-B807-FDD0502418D4}" type="datetimeFigureOut">
               <a:rPr lang="en-US" smtClean="0"/>
-              <a:t>7/28/2021</a:t>
+              <a:t>8/2/2021</a:t>
             </a:fld>
             <a:endParaRPr lang="en-US"/>
           </a:p>
@@ -3384,7 +3473,7 @@
           <a:p>
             <a:fld id="{846CE7D5-CF57-46EF-B807-FDD0502418D4}" type="datetimeFigureOut">
               <a:rPr lang="en-US" smtClean="0"/>
-              <a:t>7/28/2021</a:t>
+              <a:t>8/2/2021</a:t>
             </a:fld>
             <a:endParaRPr lang="en-US"/>
           </a:p>
@@ -3479,7 +3568,7 @@
           <a:p>
             <a:fld id="{846CE7D5-CF57-46EF-B807-FDD0502418D4}" type="datetimeFigureOut">
               <a:rPr lang="en-US" smtClean="0"/>
-              <a:t>7/28/2021</a:t>
+              <a:t>8/2/2021</a:t>
             </a:fld>
             <a:endParaRPr lang="en-US"/>
           </a:p>
@@ -3754,7 +3843,7 @@
           <a:p>
             <a:fld id="{846CE7D5-CF57-46EF-B807-FDD0502418D4}" type="datetimeFigureOut">
               <a:rPr lang="en-US" smtClean="0"/>
-              <a:t>7/28/2021</a:t>
+              <a:t>8/2/2021</a:t>
             </a:fld>
             <a:endParaRPr lang="en-US"/>
           </a:p>
@@ -4009,7 +4098,7 @@
           <a:p>
             <a:fld id="{846CE7D5-CF57-46EF-B807-FDD0502418D4}" type="datetimeFigureOut">
               <a:rPr lang="en-US" smtClean="0"/>
-              <a:t>7/28/2021</a:t>
+              <a:t>8/2/2021</a:t>
             </a:fld>
             <a:endParaRPr lang="en-US"/>
           </a:p>
@@ -4220,7 +4309,7 @@
           <a:p>
             <a:fld id="{846CE7D5-CF57-46EF-B807-FDD0502418D4}" type="datetimeFigureOut">
               <a:rPr lang="en-US" smtClean="0"/>
-              <a:t>7/28/2021</a:t>
+              <a:t>8/2/2021</a:t>
             </a:fld>
             <a:endParaRPr lang="en-US"/>
           </a:p>
@@ -4646,12 +4735,12 @@
           <a:lstStyle/>
           <a:p>
             <a:r>
-              <a:rPr lang="en-US" dirty="0">
+              <a:rPr lang="en-US">
                 <a:cs typeface="Calibri Light"/>
               </a:rPr>
               <a:t>Programming Assessment</a:t>
             </a:r>
-            <a:endParaRPr lang="en-US" dirty="0" err="1"/>
+            <a:endParaRPr lang="en-US" err="1"/>
           </a:p>
         </p:txBody>
       </p:sp>
@@ -5963,7 +6052,7 @@
           <a:lstStyle/>
           <a:p>
             <a:r>
-              <a:rPr lang="en-US" dirty="0">
+              <a:rPr lang="en-US">
                 <a:solidFill>
                   <a:schemeClr val="bg1"/>
                 </a:solidFill>
@@ -6263,7 +6352,7 @@
           <a:lstStyle/>
           <a:p>
             <a:r>
-              <a:rPr lang="en-US" dirty="0">
+              <a:rPr lang="en-US">
                 <a:solidFill>
                   <a:schemeClr val="bg1"/>
                 </a:solidFill>
@@ -6403,12 +6492,12 @@
           <a:lstStyle/>
           <a:p>
             <a:r>
-              <a:rPr lang="en-US" dirty="0">
+              <a:rPr lang="en-US">
                 <a:cs typeface="Calibri Light"/>
               </a:rPr>
               <a:t>Game GUI V_3</a:t>
             </a:r>
-            <a:endParaRPr lang="en-US" dirty="0"/>
+            <a:endParaRPr lang="en-US"/>
           </a:p>
         </p:txBody>
       </p:sp>
@@ -6473,7 +6562,7 @@
           <a:lstStyle/>
           <a:p>
             <a:r>
-              <a:rPr lang="en-US" dirty="0">
+              <a:rPr lang="en-US">
                 <a:cs typeface="Calibri"/>
               </a:rPr>
               <a:t>Have fixed the bit of my code that was broken and not allowing me to generate my questions and answers now that is working perfectly fine. I would like to add a help, export and stats button to my quiz before I can  move on to my history and stats Gui</a:t>
@@ -6533,18 +6622,18 @@
           <a:lstStyle/>
           <a:p>
             <a:r>
-              <a:rPr lang="en-US" dirty="0" err="1">
+              <a:rPr lang="en-US" err="1">
                 <a:cs typeface="Calibri Light"/>
               </a:rPr>
               <a:t>Game_GUI</a:t>
             </a:r>
             <a:r>
-              <a:rPr lang="en-US" dirty="0">
+              <a:rPr lang="en-US">
                 <a:cs typeface="Calibri Light"/>
               </a:rPr>
               <a:t> DONE</a:t>
             </a:r>
-            <a:endParaRPr lang="en-US" dirty="0"/>
+            <a:endParaRPr lang="en-US"/>
           </a:p>
         </p:txBody>
       </p:sp>
@@ -6609,7 +6698,7 @@
           <a:lstStyle/>
           <a:p>
             <a:r>
-              <a:rPr lang="en-US" dirty="0">
+              <a:rPr lang="en-US">
                 <a:cs typeface="Calibri"/>
               </a:rPr>
               <a:t>Added help button. This is final version of game class</a:t>
@@ -6669,18 +6758,18 @@
           <a:lstStyle/>
           <a:p>
             <a:r>
-              <a:rPr lang="en-US" dirty="0" err="1">
+              <a:rPr lang="en-US" err="1">
                 <a:cs typeface="Calibri Light"/>
               </a:rPr>
               <a:t>Help_GUI</a:t>
             </a:r>
             <a:r>
-              <a:rPr lang="en-US" dirty="0">
+              <a:rPr lang="en-US">
                 <a:cs typeface="Calibri Light"/>
               </a:rPr>
               <a:t> V1</a:t>
             </a:r>
-            <a:endParaRPr lang="en-US" dirty="0"/>
+            <a:endParaRPr lang="en-US"/>
           </a:p>
         </p:txBody>
       </p:sp>
@@ -6745,7 +6834,7 @@
           <a:lstStyle/>
           <a:p>
             <a:r>
-              <a:rPr lang="en-US" dirty="0">
+              <a:rPr lang="en-US">
                 <a:cs typeface="Calibri"/>
               </a:rPr>
               <a:t>First version of my help class. It is working and doing what it needs to. I can now shift my attention to my history and export classes.</a:t>
@@ -6804,16 +6893,126 @@
           <a:bodyPr/>
           <a:lstStyle/>
           <a:p>
+            <a:r>
+              <a:rPr lang="en-US">
+                <a:cs typeface="Calibri Light"/>
+              </a:rPr>
+              <a:t>History Class v1</a:t>
+            </a:r>
             <a:endParaRPr lang="en-US"/>
           </a:p>
         </p:txBody>
       </p:sp>
-      <p:sp>
-        <p:nvSpPr>
-          <p:cNvPr id="3" name="Content Placeholder 2">
+      <p:pic>
+        <p:nvPicPr>
+          <p:cNvPr id="4" name="Picture 4" descr="Text&#10;&#10;Description automatically generated">
             <a:extLst>
               <a:ext uri="{FF2B5EF4-FFF2-40B4-BE49-F238E27FC236}">
-                <a16:creationId xmlns:a16="http://schemas.microsoft.com/office/drawing/2014/main" id="{37BE3E49-F03F-4D85-8DBD-C13F465F39C8}"/>
+                <a16:creationId xmlns:a16="http://schemas.microsoft.com/office/drawing/2014/main" id="{9BBC0BB1-05B1-4C7A-BAA6-9D1A3EC4405E}"/>
+              </a:ext>
+            </a:extLst>
+          </p:cNvPr>
+          <p:cNvPicPr>
+            <a:picLocks noGrp="1" noChangeAspect="1"/>
+          </p:cNvPicPr>
+          <p:nvPr>
+            <p:ph idx="1"/>
+          </p:nvPr>
+        </p:nvPicPr>
+        <p:blipFill>
+          <a:blip r:embed="rId2"/>
+          <a:stretch>
+            <a:fillRect/>
+          </a:stretch>
+        </p:blipFill>
+        <p:spPr>
+          <a:xfrm>
+            <a:off x="841036" y="1709461"/>
+            <a:ext cx="2924175" cy="1724025"/>
+          </a:xfrm>
+        </p:spPr>
+      </p:pic>
+      <p:sp>
+        <p:nvSpPr>
+          <p:cNvPr id="5" name="TextBox 4">
+            <a:extLst>
+              <a:ext uri="{FF2B5EF4-FFF2-40B4-BE49-F238E27FC236}">
+                <a16:creationId xmlns:a16="http://schemas.microsoft.com/office/drawing/2014/main" id="{7289C07D-6306-43CA-BD99-6E1012B6AADC}"/>
+              </a:ext>
+            </a:extLst>
+          </p:cNvPr>
+          <p:cNvSpPr txBox="1"/>
+          <p:nvPr/>
+        </p:nvSpPr>
+        <p:spPr>
+          <a:xfrm>
+            <a:off x="6062785" y="1695938"/>
+            <a:ext cx="3690814" cy="1200329"/>
+          </a:xfrm>
+          <a:prstGeom prst="rect">
+            <a:avLst/>
+          </a:prstGeom>
+          <a:noFill/>
+        </p:spPr>
+        <p:txBody>
+          <a:bodyPr rot="0" spcFirstLastPara="0" vertOverflow="overflow" horzOverflow="overflow" vert="horz" wrap="square" lIns="91440" tIns="45720" rIns="91440" bIns="45720" numCol="1" spcCol="0" rtlCol="0" fromWordArt="0" anchor="t" anchorCtr="0" forceAA="0" compatLnSpc="1">
+            <a:prstTxWarp prst="textNoShape">
+              <a:avLst/>
+            </a:prstTxWarp>
+            <a:spAutoFit/>
+          </a:bodyPr>
+          <a:lstStyle/>
+          <a:p>
+            <a:r>
+              <a:rPr lang="en-US" dirty="0"/>
+              <a:t>First verison of </a:t>
+            </a:r>
+            <a:r>
+              <a:rPr lang="en-US"/>
+              <a:t>my History class will leave it for now as I need to finish the assesment asap and now I can focus on my stats and export classes</a:t>
+            </a:r>
+            <a:endParaRPr lang="en-US" dirty="0">
+              <a:cs typeface="Calibri"/>
+            </a:endParaRPr>
+          </a:p>
+        </p:txBody>
+      </p:sp>
+    </p:spTree>
+    <p:extLst>
+      <p:ext uri="{BB962C8B-B14F-4D97-AF65-F5344CB8AC3E}">
+        <p14:creationId xmlns:p14="http://schemas.microsoft.com/office/powerpoint/2010/main" val="1323580387"/>
+      </p:ext>
+    </p:extLst>
+  </p:cSld>
+  <p:clrMapOvr>
+    <a:masterClrMapping/>
+  </p:clrMapOvr>
+</p:sld>
+</file>
+
+<file path=ppt/slides/slide18.xml><?xml version="1.0" encoding="utf-8"?>
+<p:sld xmlns:a="http://schemas.openxmlformats.org/drawingml/2006/main" xmlns:r="http://schemas.openxmlformats.org/officeDocument/2006/relationships" xmlns:p="http://schemas.openxmlformats.org/presentationml/2006/main">
+  <p:cSld>
+    <p:spTree>
+      <p:nvGrpSpPr>
+        <p:cNvPr id="1" name=""/>
+        <p:cNvGrpSpPr/>
+        <p:nvPr/>
+      </p:nvGrpSpPr>
+      <p:grpSpPr>
+        <a:xfrm>
+          <a:off x="0" y="0"/>
+          <a:ext cx="0" cy="0"/>
+          <a:chOff x="0" y="0"/>
+          <a:chExt cx="0" cy="0"/>
+        </a:xfrm>
+      </p:grpSpPr>
+      <p:sp>
+        <p:nvSpPr>
+          <p:cNvPr id="2" name="Title 1">
+            <a:extLst>
+              <a:ext uri="{FF2B5EF4-FFF2-40B4-BE49-F238E27FC236}">
+                <a16:creationId xmlns:a16="http://schemas.microsoft.com/office/drawing/2014/main" id="{84D0D12E-199B-43E5-985E-D1696BFD8418}"/>
               </a:ext>
             </a:extLst>
           </p:cNvPr>
@@ -6821,7 +7020,7 @@
             <a:spLocks noGrp="1"/>
           </p:cNvSpPr>
           <p:nvPr>
-            <p:ph idx="1"/>
+            <p:ph type="title"/>
           </p:nvPr>
         </p:nvSpPr>
         <p:spPr/>
@@ -6829,14 +7028,98 @@
           <a:bodyPr/>
           <a:lstStyle/>
           <a:p>
+            <a:r>
+              <a:rPr lang="en-US">
+                <a:cs typeface="Calibri Light"/>
+              </a:rPr>
+              <a:t>Export Class</a:t>
+            </a:r>
             <a:endParaRPr lang="en-US"/>
+          </a:p>
+        </p:txBody>
+      </p:sp>
+      <p:pic>
+        <p:nvPicPr>
+          <p:cNvPr id="4" name="Picture 4" descr="Graphical user interface, text&#10;&#10;Description automatically generated">
+            <a:extLst>
+              <a:ext uri="{FF2B5EF4-FFF2-40B4-BE49-F238E27FC236}">
+                <a16:creationId xmlns:a16="http://schemas.microsoft.com/office/drawing/2014/main" id="{B604AD74-1755-4B20-8AD5-BBD46A5255B2}"/>
+              </a:ext>
+            </a:extLst>
+          </p:cNvPr>
+          <p:cNvPicPr>
+            <a:picLocks noGrp="1" noChangeAspect="1"/>
+          </p:cNvPicPr>
+          <p:nvPr>
+            <p:ph idx="1"/>
+          </p:nvPr>
+        </p:nvPicPr>
+        <p:blipFill>
+          <a:blip r:embed="rId2"/>
+          <a:stretch>
+            <a:fillRect/>
+          </a:stretch>
+        </p:blipFill>
+        <p:spPr>
+          <a:xfrm>
+            <a:off x="635610" y="1637994"/>
+            <a:ext cx="2714625" cy="2733675"/>
+          </a:xfrm>
+        </p:spPr>
+      </p:pic>
+      <p:sp>
+        <p:nvSpPr>
+          <p:cNvPr id="5" name="TextBox 4">
+            <a:extLst>
+              <a:ext uri="{FF2B5EF4-FFF2-40B4-BE49-F238E27FC236}">
+                <a16:creationId xmlns:a16="http://schemas.microsoft.com/office/drawing/2014/main" id="{5F27FE93-30F7-4FFA-9B48-9F56B1846238}"/>
+              </a:ext>
+            </a:extLst>
+          </p:cNvPr>
+          <p:cNvSpPr txBox="1"/>
+          <p:nvPr/>
+        </p:nvSpPr>
+        <p:spPr>
+          <a:xfrm>
+            <a:off x="6678246" y="1637323"/>
+            <a:ext cx="4247660" cy="1200329"/>
+          </a:xfrm>
+          <a:prstGeom prst="rect">
+            <a:avLst/>
+          </a:prstGeom>
+          <a:noFill/>
+        </p:spPr>
+        <p:txBody>
+          <a:bodyPr rot="0" spcFirstLastPara="0" vertOverflow="overflow" horzOverflow="overflow" vert="horz" wrap="square" lIns="91440" tIns="45720" rIns="91440" bIns="45720" numCol="1" spcCol="0" rtlCol="0" fromWordArt="0" anchor="t" anchorCtr="0" forceAA="0" compatLnSpc="1">
+            <a:prstTxWarp prst="textNoShape">
+              <a:avLst/>
+            </a:prstTxWarp>
+            <a:spAutoFit/>
+          </a:bodyPr>
+          <a:lstStyle/>
+          <a:p>
+            <a:r>
+              <a:rPr lang="en-US" dirty="0">
+                <a:cs typeface="Calibri"/>
+              </a:rPr>
+              <a:t>This Export class is from mystery box, and it works exactly how it should. This will be my </a:t>
+            </a:r>
+            <a:r>
+              <a:rPr lang="en-US">
+                <a:cs typeface="Calibri"/>
+              </a:rPr>
+              <a:t>first and final version of my export class. I will come back to it if I need to.</a:t>
+            </a:r>
+            <a:endParaRPr lang="en-US" dirty="0">
+              <a:cs typeface="Calibri"/>
+            </a:endParaRPr>
           </a:p>
         </p:txBody>
       </p:sp>
     </p:spTree>
     <p:extLst>
       <p:ext uri="{BB962C8B-B14F-4D97-AF65-F5344CB8AC3E}">
-        <p14:creationId xmlns:p14="http://schemas.microsoft.com/office/powerpoint/2010/main" val="1323580387"/>
+        <p14:creationId xmlns:p14="http://schemas.microsoft.com/office/powerpoint/2010/main" val="2698637891"/>
       </p:ext>
     </p:extLst>
   </p:cSld>
@@ -8453,7 +8736,7 @@
           <a:lstStyle/>
           <a:p>
             <a:r>
-              <a:rPr lang="en-US" sz="5400" kern="1200" dirty="0">
+              <a:rPr lang="en-US" sz="5400" kern="1200">
                 <a:latin typeface="+mj-lt"/>
                 <a:ea typeface="+mj-ea"/>
                 <a:cs typeface="+mj-cs"/>
@@ -8461,11 +8744,11 @@
               <a:t>Quiz</a:t>
             </a:r>
             <a:r>
-              <a:rPr lang="en-US" sz="5400" dirty="0"/>
+              <a:rPr lang="en-US" sz="5400"/>
               <a:t> </a:t>
             </a:r>
             <a:r>
-              <a:rPr lang="en-US" sz="5400" kern="1200" dirty="0">
+              <a:rPr lang="en-US" sz="5400" kern="1200">
                 <a:latin typeface="+mj-lt"/>
                 <a:ea typeface="+mj-ea"/>
                 <a:cs typeface="+mj-cs"/>
@@ -8789,7 +9072,7 @@
               <a:buChar char="•"/>
             </a:pPr>
             <a:r>
-              <a:rPr lang="en-US" sz="2000" dirty="0"/>
+              <a:rPr lang="en-US" sz="2000"/>
               <a:t>This is my third version of my start Gui. I will make it so that when you press one of the buttons it will take you to a quiz where it will display a question and give you 4 different answers. 1 of them will be correct and the other 3 will be randomly generated from a list of answers that I have designed </a:t>
             </a:r>
           </a:p>

--- a/Programming Assesment.pptx
+++ b/Programming Assesment.pptx
@@ -14,15 +14,19 @@
     <p:sldId id="262" r:id="rId8"/>
     <p:sldId id="263" r:id="rId9"/>
     <p:sldId id="264" r:id="rId10"/>
-    <p:sldId id="265" r:id="rId11"/>
-    <p:sldId id="266" r:id="rId12"/>
-    <p:sldId id="268" r:id="rId13"/>
-    <p:sldId id="269" r:id="rId14"/>
-    <p:sldId id="270" r:id="rId15"/>
-    <p:sldId id="271" r:id="rId16"/>
-    <p:sldId id="272" r:id="rId17"/>
-    <p:sldId id="273" r:id="rId18"/>
-    <p:sldId id="274" r:id="rId19"/>
+    <p:sldId id="276" r:id="rId11"/>
+    <p:sldId id="265" r:id="rId12"/>
+    <p:sldId id="266" r:id="rId13"/>
+    <p:sldId id="268" r:id="rId14"/>
+    <p:sldId id="269" r:id="rId15"/>
+    <p:sldId id="270" r:id="rId16"/>
+    <p:sldId id="271" r:id="rId17"/>
+    <p:sldId id="277" r:id="rId18"/>
+    <p:sldId id="272" r:id="rId19"/>
+    <p:sldId id="275" r:id="rId20"/>
+    <p:sldId id="278" r:id="rId21"/>
+    <p:sldId id="273" r:id="rId22"/>
+    <p:sldId id="274" r:id="rId23"/>
   </p:sldIdLst>
   <p:sldSz cx="12192000" cy="6858000"/>
   <p:notesSz cx="6858000" cy="9144000"/>
@@ -140,6 +144,7 @@
     <p1510:client id="{2E13400A-93CE-23A9-CF97-FEFD0D57F2B7}" v="207" dt="2021-06-17T22:44:31.234"/>
     <p1510:client id="{3312139C-ECA4-D6E5-6EA0-9FAF5992739F}" v="61" dt="2021-06-15T02:10:40.639"/>
     <p1510:client id="{33F175D3-4D32-71D5-6709-62DB828ADCB0}" v="83" dt="2021-06-03T22:45:46.848"/>
+    <p1510:client id="{49827196-21C6-0A67-9751-F39B4B6EF412}" v="910" dt="2021-08-05T00:27:52.848"/>
     <p1510:client id="{61852D5F-CC47-4EF3-8523-0D8470090199}" v="32" dt="2021-05-27T22:48:17.050"/>
     <p1510:client id="{82670D97-0EF6-5614-F833-FE3B0A574D76}" v="27" dt="2021-05-30T21:53:29.949"/>
     <p1510:client id="{83C94324-EBE6-7120-C8CE-3FACB84F21A0}" v="166" dt="2021-07-27T03:07:43.190"/>
@@ -1526,6 +1531,438 @@
             <pc:docMk/>
             <pc:sldMk cId="1564752394" sldId="261"/>
             <ac:picMk id="4" creationId="{95A9B02B-2840-47F5-851E-CE4DC41FA2E8}"/>
+          </ac:picMkLst>
+        </pc:picChg>
+      </pc:sldChg>
+    </pc:docChg>
+  </pc:docChgLst>
+  <pc:docChgLst>
+    <pc:chgData name="Jonny Morris" userId="S::morrisj70800@masseyhigh.school.nz::4fab9e21-29a7-4d03-b4c0-6c8a112c783d" providerId="AD" clId="Web-{49827196-21C6-0A67-9751-F39B4B6EF412}"/>
+    <pc:docChg chg="addSld modSld sldOrd">
+      <pc:chgData name="Jonny Morris" userId="S::morrisj70800@masseyhigh.school.nz::4fab9e21-29a7-4d03-b4c0-6c8a112c783d" providerId="AD" clId="Web-{49827196-21C6-0A67-9751-F39B4B6EF412}" dt="2021-08-05T00:27:52.848" v="492" actId="20577"/>
+      <pc:docMkLst>
+        <pc:docMk/>
+      </pc:docMkLst>
+      <pc:sldChg chg="modSp">
+        <pc:chgData name="Jonny Morris" userId="S::morrisj70800@masseyhigh.school.nz::4fab9e21-29a7-4d03-b4c0-6c8a112c783d" providerId="AD" clId="Web-{49827196-21C6-0A67-9751-F39B4B6EF412}" dt="2021-08-04T23:38:07.572" v="16" actId="20577"/>
+        <pc:sldMkLst>
+          <pc:docMk/>
+          <pc:sldMk cId="109857222" sldId="256"/>
+        </pc:sldMkLst>
+        <pc:spChg chg="mod">
+          <ac:chgData name="Jonny Morris" userId="S::morrisj70800@masseyhigh.school.nz::4fab9e21-29a7-4d03-b4c0-6c8a112c783d" providerId="AD" clId="Web-{49827196-21C6-0A67-9751-F39B4B6EF412}" dt="2021-08-04T23:38:07.572" v="16" actId="20577"/>
+          <ac:spMkLst>
+            <pc:docMk/>
+            <pc:sldMk cId="109857222" sldId="256"/>
+            <ac:spMk id="3" creationId="{00000000-0000-0000-0000-000000000000}"/>
+          </ac:spMkLst>
+        </pc:spChg>
+      </pc:sldChg>
+      <pc:sldChg chg="addSp delSp">
+        <pc:chgData name="Jonny Morris" userId="S::morrisj70800@masseyhigh.school.nz::4fab9e21-29a7-4d03-b4c0-6c8a112c783d" providerId="AD" clId="Web-{49827196-21C6-0A67-9751-F39B4B6EF412}" dt="2021-08-04T23:44:43.502" v="63"/>
+        <pc:sldMkLst>
+          <pc:docMk/>
+          <pc:sldMk cId="1522414602" sldId="264"/>
+        </pc:sldMkLst>
+        <pc:spChg chg="add del">
+          <ac:chgData name="Jonny Morris" userId="S::morrisj70800@masseyhigh.school.nz::4fab9e21-29a7-4d03-b4c0-6c8a112c783d" providerId="AD" clId="Web-{49827196-21C6-0A67-9751-F39B4B6EF412}" dt="2021-08-04T23:44:43.502" v="63"/>
+          <ac:spMkLst>
+            <pc:docMk/>
+            <pc:sldMk cId="1522414602" sldId="264"/>
+            <ac:spMk id="3" creationId="{1D1B0197-77EF-4543-8D84-AEDEB334764C}"/>
+          </ac:spMkLst>
+        </pc:spChg>
+      </pc:sldChg>
+      <pc:sldChg chg="addSp modSp mod setBg">
+        <pc:chgData name="Jonny Morris" userId="S::morrisj70800@masseyhigh.school.nz::4fab9e21-29a7-4d03-b4c0-6c8a112c783d" providerId="AD" clId="Web-{49827196-21C6-0A67-9751-F39B4B6EF412}" dt="2021-08-04T23:54:01.403" v="252"/>
+        <pc:sldMkLst>
+          <pc:docMk/>
+          <pc:sldMk cId="3945650720" sldId="270"/>
+        </pc:sldMkLst>
+        <pc:spChg chg="mod">
+          <ac:chgData name="Jonny Morris" userId="S::morrisj70800@masseyhigh.school.nz::4fab9e21-29a7-4d03-b4c0-6c8a112c783d" providerId="AD" clId="Web-{49827196-21C6-0A67-9751-F39B4B6EF412}" dt="2021-08-04T23:54:01.403" v="252"/>
+          <ac:spMkLst>
+            <pc:docMk/>
+            <pc:sldMk cId="3945650720" sldId="270"/>
+            <ac:spMk id="2" creationId="{60E7DE14-70EA-44B3-9974-68425BE0CF5E}"/>
+          </ac:spMkLst>
+        </pc:spChg>
+        <pc:spChg chg="mod">
+          <ac:chgData name="Jonny Morris" userId="S::morrisj70800@masseyhigh.school.nz::4fab9e21-29a7-4d03-b4c0-6c8a112c783d" providerId="AD" clId="Web-{49827196-21C6-0A67-9751-F39B4B6EF412}" dt="2021-08-04T23:54:01.403" v="252"/>
+          <ac:spMkLst>
+            <pc:docMk/>
+            <pc:sldMk cId="3945650720" sldId="270"/>
+            <ac:spMk id="5" creationId="{8FDA18EA-F9E6-4125-AEBA-086FCF91B257}"/>
+          </ac:spMkLst>
+        </pc:spChg>
+        <pc:spChg chg="add">
+          <ac:chgData name="Jonny Morris" userId="S::morrisj70800@masseyhigh.school.nz::4fab9e21-29a7-4d03-b4c0-6c8a112c783d" providerId="AD" clId="Web-{49827196-21C6-0A67-9751-F39B4B6EF412}" dt="2021-08-04T23:54:01.403" v="252"/>
+          <ac:spMkLst>
+            <pc:docMk/>
+            <pc:sldMk cId="3945650720" sldId="270"/>
+            <ac:spMk id="10" creationId="{FF9B822F-893E-44C8-963C-64F50ACECBB2}"/>
+          </ac:spMkLst>
+        </pc:spChg>
+        <pc:spChg chg="add">
+          <ac:chgData name="Jonny Morris" userId="S::morrisj70800@masseyhigh.school.nz::4fab9e21-29a7-4d03-b4c0-6c8a112c783d" providerId="AD" clId="Web-{49827196-21C6-0A67-9751-F39B4B6EF412}" dt="2021-08-04T23:54:01.403" v="252"/>
+          <ac:spMkLst>
+            <pc:docMk/>
+            <pc:sldMk cId="3945650720" sldId="270"/>
+            <ac:spMk id="12" creationId="{EBF87945-A001-489F-9D9B-7D9435F0B9CA}"/>
+          </ac:spMkLst>
+        </pc:spChg>
+        <pc:picChg chg="mod">
+          <ac:chgData name="Jonny Morris" userId="S::morrisj70800@masseyhigh.school.nz::4fab9e21-29a7-4d03-b4c0-6c8a112c783d" providerId="AD" clId="Web-{49827196-21C6-0A67-9751-F39B4B6EF412}" dt="2021-08-04T23:54:01.403" v="252"/>
+          <ac:picMkLst>
+            <pc:docMk/>
+            <pc:sldMk cId="3945650720" sldId="270"/>
+            <ac:picMk id="4" creationId="{A1706CB7-CC2F-4A7B-8BD0-E211B93323FD}"/>
+          </ac:picMkLst>
+        </pc:picChg>
+      </pc:sldChg>
+      <pc:sldChg chg="addSp modSp mod setBg addAnim">
+        <pc:chgData name="Jonny Morris" userId="S::morrisj70800@masseyhigh.school.nz::4fab9e21-29a7-4d03-b4c0-6c8a112c783d" providerId="AD" clId="Web-{49827196-21C6-0A67-9751-F39B4B6EF412}" dt="2021-08-04T23:54:05.200" v="254"/>
+        <pc:sldMkLst>
+          <pc:docMk/>
+          <pc:sldMk cId="2979753223" sldId="271"/>
+        </pc:sldMkLst>
+        <pc:spChg chg="mod">
+          <ac:chgData name="Jonny Morris" userId="S::morrisj70800@masseyhigh.school.nz::4fab9e21-29a7-4d03-b4c0-6c8a112c783d" providerId="AD" clId="Web-{49827196-21C6-0A67-9751-F39B4B6EF412}" dt="2021-08-04T23:54:05.200" v="253"/>
+          <ac:spMkLst>
+            <pc:docMk/>
+            <pc:sldMk cId="2979753223" sldId="271"/>
+            <ac:spMk id="2" creationId="{B6F9831D-160A-4D36-8279-AA7751BCE2BE}"/>
+          </ac:spMkLst>
+        </pc:spChg>
+        <pc:spChg chg="mod">
+          <ac:chgData name="Jonny Morris" userId="S::morrisj70800@masseyhigh.school.nz::4fab9e21-29a7-4d03-b4c0-6c8a112c783d" providerId="AD" clId="Web-{49827196-21C6-0A67-9751-F39B4B6EF412}" dt="2021-08-04T23:54:05.200" v="253"/>
+          <ac:spMkLst>
+            <pc:docMk/>
+            <pc:sldMk cId="2979753223" sldId="271"/>
+            <ac:spMk id="5" creationId="{051F399E-7412-45E8-93C4-314BD2B3DFBF}"/>
+          </ac:spMkLst>
+        </pc:spChg>
+        <pc:spChg chg="add">
+          <ac:chgData name="Jonny Morris" userId="S::morrisj70800@masseyhigh.school.nz::4fab9e21-29a7-4d03-b4c0-6c8a112c783d" providerId="AD" clId="Web-{49827196-21C6-0A67-9751-F39B4B6EF412}" dt="2021-08-04T23:54:05.200" v="253"/>
+          <ac:spMkLst>
+            <pc:docMk/>
+            <pc:sldMk cId="2979753223" sldId="271"/>
+            <ac:spMk id="10" creationId="{FF9B822F-893E-44C8-963C-64F50ACECBB2}"/>
+          </ac:spMkLst>
+        </pc:spChg>
+        <pc:spChg chg="add">
+          <ac:chgData name="Jonny Morris" userId="S::morrisj70800@masseyhigh.school.nz::4fab9e21-29a7-4d03-b4c0-6c8a112c783d" providerId="AD" clId="Web-{49827196-21C6-0A67-9751-F39B4B6EF412}" dt="2021-08-04T23:54:05.200" v="253"/>
+          <ac:spMkLst>
+            <pc:docMk/>
+            <pc:sldMk cId="2979753223" sldId="271"/>
+            <ac:spMk id="12" creationId="{EBF87945-A001-489F-9D9B-7D9435F0B9CA}"/>
+          </ac:spMkLst>
+        </pc:spChg>
+        <pc:picChg chg="mod">
+          <ac:chgData name="Jonny Morris" userId="S::morrisj70800@masseyhigh.school.nz::4fab9e21-29a7-4d03-b4c0-6c8a112c783d" providerId="AD" clId="Web-{49827196-21C6-0A67-9751-F39B4B6EF412}" dt="2021-08-04T23:54:05.200" v="253"/>
+          <ac:picMkLst>
+            <pc:docMk/>
+            <pc:sldMk cId="2979753223" sldId="271"/>
+            <ac:picMk id="4" creationId="{1729CBEA-C57C-4513-830F-C965F939AA8F}"/>
+          </ac:picMkLst>
+        </pc:picChg>
+      </pc:sldChg>
+      <pc:sldChg chg="addSp modSp mod setBg">
+        <pc:chgData name="Jonny Morris" userId="S::morrisj70800@masseyhigh.school.nz::4fab9e21-29a7-4d03-b4c0-6c8a112c783d" providerId="AD" clId="Web-{49827196-21C6-0A67-9751-F39B4B6EF412}" dt="2021-08-04T23:54:13.059" v="256"/>
+        <pc:sldMkLst>
+          <pc:docMk/>
+          <pc:sldMk cId="1147695793" sldId="272"/>
+        </pc:sldMkLst>
+        <pc:spChg chg="mod">
+          <ac:chgData name="Jonny Morris" userId="S::morrisj70800@masseyhigh.school.nz::4fab9e21-29a7-4d03-b4c0-6c8a112c783d" providerId="AD" clId="Web-{49827196-21C6-0A67-9751-F39B4B6EF412}" dt="2021-08-04T23:54:13.059" v="256"/>
+          <ac:spMkLst>
+            <pc:docMk/>
+            <pc:sldMk cId="1147695793" sldId="272"/>
+            <ac:spMk id="2" creationId="{8F9B19EB-AE66-4095-9B45-4E189A272D7C}"/>
+          </ac:spMkLst>
+        </pc:spChg>
+        <pc:spChg chg="mod">
+          <ac:chgData name="Jonny Morris" userId="S::morrisj70800@masseyhigh.school.nz::4fab9e21-29a7-4d03-b4c0-6c8a112c783d" providerId="AD" clId="Web-{49827196-21C6-0A67-9751-F39B4B6EF412}" dt="2021-08-04T23:54:13.059" v="256"/>
+          <ac:spMkLst>
+            <pc:docMk/>
+            <pc:sldMk cId="1147695793" sldId="272"/>
+            <ac:spMk id="5" creationId="{2451DC0A-CE8C-4807-BE9D-490B61D1DB52}"/>
+          </ac:spMkLst>
+        </pc:spChg>
+        <pc:spChg chg="add">
+          <ac:chgData name="Jonny Morris" userId="S::morrisj70800@masseyhigh.school.nz::4fab9e21-29a7-4d03-b4c0-6c8a112c783d" providerId="AD" clId="Web-{49827196-21C6-0A67-9751-F39B4B6EF412}" dt="2021-08-04T23:54:13.059" v="256"/>
+          <ac:spMkLst>
+            <pc:docMk/>
+            <pc:sldMk cId="1147695793" sldId="272"/>
+            <ac:spMk id="10" creationId="{FF9B822F-893E-44C8-963C-64F50ACECBB2}"/>
+          </ac:spMkLst>
+        </pc:spChg>
+        <pc:spChg chg="add">
+          <ac:chgData name="Jonny Morris" userId="S::morrisj70800@masseyhigh.school.nz::4fab9e21-29a7-4d03-b4c0-6c8a112c783d" providerId="AD" clId="Web-{49827196-21C6-0A67-9751-F39B4B6EF412}" dt="2021-08-04T23:54:13.059" v="256"/>
+          <ac:spMkLst>
+            <pc:docMk/>
+            <pc:sldMk cId="1147695793" sldId="272"/>
+            <ac:spMk id="12" creationId="{EBF87945-A001-489F-9D9B-7D9435F0B9CA}"/>
+          </ac:spMkLst>
+        </pc:spChg>
+        <pc:picChg chg="mod">
+          <ac:chgData name="Jonny Morris" userId="S::morrisj70800@masseyhigh.school.nz::4fab9e21-29a7-4d03-b4c0-6c8a112c783d" providerId="AD" clId="Web-{49827196-21C6-0A67-9751-F39B4B6EF412}" dt="2021-08-04T23:54:13.059" v="256"/>
+          <ac:picMkLst>
+            <pc:docMk/>
+            <pc:sldMk cId="1147695793" sldId="272"/>
+            <ac:picMk id="4" creationId="{8438ADBC-F5AF-4A8A-85E8-EE67AC40482F}"/>
+          </ac:picMkLst>
+        </pc:picChg>
+      </pc:sldChg>
+      <pc:sldChg chg="addSp delSp modSp new mod ord setBg setClrOvrMap">
+        <pc:chgData name="Jonny Morris" userId="S::morrisj70800@masseyhigh.school.nz::4fab9e21-29a7-4d03-b4c0-6c8a112c783d" providerId="AD" clId="Web-{49827196-21C6-0A67-9751-F39B4B6EF412}" dt="2021-08-04T23:54:19.966" v="259"/>
+        <pc:sldMkLst>
+          <pc:docMk/>
+          <pc:sldMk cId="4073712171" sldId="275"/>
+        </pc:sldMkLst>
+        <pc:spChg chg="mod">
+          <ac:chgData name="Jonny Morris" userId="S::morrisj70800@masseyhigh.school.nz::4fab9e21-29a7-4d03-b4c0-6c8a112c783d" providerId="AD" clId="Web-{49827196-21C6-0A67-9751-F39B4B6EF412}" dt="2021-08-04T23:54:19.966" v="259"/>
+          <ac:spMkLst>
+            <pc:docMk/>
+            <pc:sldMk cId="4073712171" sldId="275"/>
+            <ac:spMk id="2" creationId="{3338A35F-DABA-455B-8609-6074B938D782}"/>
+          </ac:spMkLst>
+        </pc:spChg>
+        <pc:spChg chg="del">
+          <ac:chgData name="Jonny Morris" userId="S::morrisj70800@masseyhigh.school.nz::4fab9e21-29a7-4d03-b4c0-6c8a112c783d" providerId="AD" clId="Web-{49827196-21C6-0A67-9751-F39B4B6EF412}" dt="2021-08-04T23:41:19.170" v="23"/>
+          <ac:spMkLst>
+            <pc:docMk/>
+            <pc:sldMk cId="4073712171" sldId="275"/>
+            <ac:spMk id="3" creationId="{84F87CD9-B59B-469E-A943-48812D4F2089}"/>
+          </ac:spMkLst>
+        </pc:spChg>
+        <pc:spChg chg="add mod">
+          <ac:chgData name="Jonny Morris" userId="S::morrisj70800@masseyhigh.school.nz::4fab9e21-29a7-4d03-b4c0-6c8a112c783d" providerId="AD" clId="Web-{49827196-21C6-0A67-9751-F39B4B6EF412}" dt="2021-08-04T23:54:19.966" v="259"/>
+          <ac:spMkLst>
+            <pc:docMk/>
+            <pc:sldMk cId="4073712171" sldId="275"/>
+            <ac:spMk id="5" creationId="{CBF23F37-2278-4E92-B09D-D23C6A43DF06}"/>
+          </ac:spMkLst>
+        </pc:spChg>
+        <pc:spChg chg="add">
+          <ac:chgData name="Jonny Morris" userId="S::morrisj70800@masseyhigh.school.nz::4fab9e21-29a7-4d03-b4c0-6c8a112c783d" providerId="AD" clId="Web-{49827196-21C6-0A67-9751-F39B4B6EF412}" dt="2021-08-04T23:54:19.966" v="259"/>
+          <ac:spMkLst>
+            <pc:docMk/>
+            <pc:sldMk cId="4073712171" sldId="275"/>
+            <ac:spMk id="7" creationId="{F2B38F72-8FC4-4001-8C67-FA6B86DEC767}"/>
+          </ac:spMkLst>
+        </pc:spChg>
+        <pc:spChg chg="add del">
+          <ac:chgData name="Jonny Morris" userId="S::morrisj70800@masseyhigh.school.nz::4fab9e21-29a7-4d03-b4c0-6c8a112c783d" providerId="AD" clId="Web-{49827196-21C6-0A67-9751-F39B4B6EF412}" dt="2021-08-04T23:54:19.966" v="258"/>
+          <ac:spMkLst>
+            <pc:docMk/>
+            <pc:sldMk cId="4073712171" sldId="275"/>
+            <ac:spMk id="10" creationId="{FF9B822F-893E-44C8-963C-64F50ACECBB2}"/>
+          </ac:spMkLst>
+        </pc:spChg>
+        <pc:spChg chg="add del">
+          <ac:chgData name="Jonny Morris" userId="S::morrisj70800@masseyhigh.school.nz::4fab9e21-29a7-4d03-b4c0-6c8a112c783d" providerId="AD" clId="Web-{49827196-21C6-0A67-9751-F39B4B6EF412}" dt="2021-08-04T23:54:19.966" v="258"/>
+          <ac:spMkLst>
+            <pc:docMk/>
+            <pc:sldMk cId="4073712171" sldId="275"/>
+            <ac:spMk id="12" creationId="{EBF87945-A001-489F-9D9B-7D9435F0B9CA}"/>
+          </ac:spMkLst>
+        </pc:spChg>
+        <pc:picChg chg="add mod ord">
+          <ac:chgData name="Jonny Morris" userId="S::morrisj70800@masseyhigh.school.nz::4fab9e21-29a7-4d03-b4c0-6c8a112c783d" providerId="AD" clId="Web-{49827196-21C6-0A67-9751-F39B4B6EF412}" dt="2021-08-04T23:54:19.966" v="259"/>
+          <ac:picMkLst>
+            <pc:docMk/>
+            <pc:sldMk cId="4073712171" sldId="275"/>
+            <ac:picMk id="4" creationId="{E47BF48B-7588-4313-AA40-790DCA6BB714}"/>
+          </ac:picMkLst>
+        </pc:picChg>
+      </pc:sldChg>
+      <pc:sldChg chg="modSp new">
+        <pc:chgData name="Jonny Morris" userId="S::morrisj70800@masseyhigh.school.nz::4fab9e21-29a7-4d03-b4c0-6c8a112c783d" providerId="AD" clId="Web-{49827196-21C6-0A67-9751-F39B4B6EF412}" dt="2021-08-04T23:47:39.380" v="122" actId="20577"/>
+        <pc:sldMkLst>
+          <pc:docMk/>
+          <pc:sldMk cId="2978787033" sldId="276"/>
+        </pc:sldMkLst>
+        <pc:spChg chg="mod">
+          <ac:chgData name="Jonny Morris" userId="S::morrisj70800@masseyhigh.school.nz::4fab9e21-29a7-4d03-b4c0-6c8a112c783d" providerId="AD" clId="Web-{49827196-21C6-0A67-9751-F39B4B6EF412}" dt="2021-08-04T23:45:28.331" v="72" actId="20577"/>
+          <ac:spMkLst>
+            <pc:docMk/>
+            <pc:sldMk cId="2978787033" sldId="276"/>
+            <ac:spMk id="2" creationId="{CD6BF71A-171F-4E6E-A394-A1CFC42C4768}"/>
+          </ac:spMkLst>
+        </pc:spChg>
+        <pc:spChg chg="mod">
+          <ac:chgData name="Jonny Morris" userId="S::morrisj70800@masseyhigh.school.nz::4fab9e21-29a7-4d03-b4c0-6c8a112c783d" providerId="AD" clId="Web-{49827196-21C6-0A67-9751-F39B4B6EF412}" dt="2021-08-04T23:47:39.380" v="122" actId="20577"/>
+          <ac:spMkLst>
+            <pc:docMk/>
+            <pc:sldMk cId="2978787033" sldId="276"/>
+            <ac:spMk id="3" creationId="{E51BD6D8-6E8E-4D51-B2DF-71FD7FCC74C9}"/>
+          </ac:spMkLst>
+        </pc:spChg>
+      </pc:sldChg>
+      <pc:sldChg chg="addSp delSp modSp new mod setBg">
+        <pc:chgData name="Jonny Morris" userId="S::morrisj70800@masseyhigh.school.nz::4fab9e21-29a7-4d03-b4c0-6c8a112c783d" providerId="AD" clId="Web-{49827196-21C6-0A67-9751-F39B4B6EF412}" dt="2021-08-05T00:27:52.848" v="492" actId="20577"/>
+        <pc:sldMkLst>
+          <pc:docMk/>
+          <pc:sldMk cId="794014388" sldId="277"/>
+        </pc:sldMkLst>
+        <pc:spChg chg="mod">
+          <ac:chgData name="Jonny Morris" userId="S::morrisj70800@masseyhigh.school.nz::4fab9e21-29a7-4d03-b4c0-6c8a112c783d" providerId="AD" clId="Web-{49827196-21C6-0A67-9751-F39B4B6EF412}" dt="2021-08-04T23:54:08.637" v="255"/>
+          <ac:spMkLst>
+            <pc:docMk/>
+            <pc:sldMk cId="794014388" sldId="277"/>
+            <ac:spMk id="2" creationId="{82FB8FBF-1031-46B5-A87C-F43678C019B8}"/>
+          </ac:spMkLst>
+        </pc:spChg>
+        <pc:spChg chg="del">
+          <ac:chgData name="Jonny Morris" userId="S::morrisj70800@masseyhigh.school.nz::4fab9e21-29a7-4d03-b4c0-6c8a112c783d" providerId="AD" clId="Web-{49827196-21C6-0A67-9751-F39B4B6EF412}" dt="2021-08-04T23:48:24.803" v="128"/>
+          <ac:spMkLst>
+            <pc:docMk/>
+            <pc:sldMk cId="794014388" sldId="277"/>
+            <ac:spMk id="3" creationId="{9015748C-E572-4FE6-B78F-902598971B39}"/>
+          </ac:spMkLst>
+        </pc:spChg>
+        <pc:spChg chg="add mod">
+          <ac:chgData name="Jonny Morris" userId="S::morrisj70800@masseyhigh.school.nz::4fab9e21-29a7-4d03-b4c0-6c8a112c783d" providerId="AD" clId="Web-{49827196-21C6-0A67-9751-F39B4B6EF412}" dt="2021-08-05T00:26:39.300" v="457" actId="1076"/>
+          <ac:spMkLst>
+            <pc:docMk/>
+            <pc:sldMk cId="794014388" sldId="277"/>
+            <ac:spMk id="5" creationId="{6BD91205-CFFE-4DB2-B4FA-3B66A4D4EB17}"/>
+          </ac:spMkLst>
+        </pc:spChg>
+        <pc:spChg chg="add del mod">
+          <ac:chgData name="Jonny Morris" userId="S::morrisj70800@masseyhigh.school.nz::4fab9e21-29a7-4d03-b4c0-6c8a112c783d" providerId="AD" clId="Web-{49827196-21C6-0A67-9751-F39B4B6EF412}" dt="2021-08-05T00:06:27.683" v="400"/>
+          <ac:spMkLst>
+            <pc:docMk/>
+            <pc:sldMk cId="794014388" sldId="277"/>
+            <ac:spMk id="7" creationId="{29572142-1AC4-4E18-A83A-CD45370C3146}"/>
+          </ac:spMkLst>
+        </pc:spChg>
+        <pc:spChg chg="add">
+          <ac:chgData name="Jonny Morris" userId="S::morrisj70800@masseyhigh.school.nz::4fab9e21-29a7-4d03-b4c0-6c8a112c783d" providerId="AD" clId="Web-{49827196-21C6-0A67-9751-F39B4B6EF412}" dt="2021-08-04T23:54:08.637" v="255"/>
+          <ac:spMkLst>
+            <pc:docMk/>
+            <pc:sldMk cId="794014388" sldId="277"/>
+            <ac:spMk id="10" creationId="{FF9B822F-893E-44C8-963C-64F50ACECBB2}"/>
+          </ac:spMkLst>
+        </pc:spChg>
+        <pc:spChg chg="add del">
+          <ac:chgData name="Jonny Morris" userId="S::morrisj70800@masseyhigh.school.nz::4fab9e21-29a7-4d03-b4c0-6c8a112c783d" providerId="AD" clId="Web-{49827196-21C6-0A67-9751-F39B4B6EF412}" dt="2021-08-05T00:26:36.331" v="456"/>
+          <ac:spMkLst>
+            <pc:docMk/>
+            <pc:sldMk cId="794014388" sldId="277"/>
+            <ac:spMk id="11" creationId="{6F81A4CD-04B0-43A5-A754-1779698E46E3}"/>
+          </ac:spMkLst>
+        </pc:spChg>
+        <pc:spChg chg="add">
+          <ac:chgData name="Jonny Morris" userId="S::morrisj70800@masseyhigh.school.nz::4fab9e21-29a7-4d03-b4c0-6c8a112c783d" providerId="AD" clId="Web-{49827196-21C6-0A67-9751-F39B4B6EF412}" dt="2021-08-04T23:54:08.637" v="255"/>
+          <ac:spMkLst>
+            <pc:docMk/>
+            <pc:sldMk cId="794014388" sldId="277"/>
+            <ac:spMk id="12" creationId="{EBF87945-A001-489F-9D9B-7D9435F0B9CA}"/>
+          </ac:spMkLst>
+        </pc:spChg>
+        <pc:spChg chg="add mod">
+          <ac:chgData name="Jonny Morris" userId="S::morrisj70800@masseyhigh.school.nz::4fab9e21-29a7-4d03-b4c0-6c8a112c783d" providerId="AD" clId="Web-{49827196-21C6-0A67-9751-F39B4B6EF412}" dt="2021-08-05T00:27:52.848" v="492" actId="20577"/>
+          <ac:spMkLst>
+            <pc:docMk/>
+            <pc:sldMk cId="794014388" sldId="277"/>
+            <ac:spMk id="13" creationId="{F13D55FB-4924-4928-8E29-4D38F59B4ECB}"/>
+          </ac:spMkLst>
+        </pc:spChg>
+        <pc:picChg chg="add del mod ord">
+          <ac:chgData name="Jonny Morris" userId="S::morrisj70800@masseyhigh.school.nz::4fab9e21-29a7-4d03-b4c0-6c8a112c783d" providerId="AD" clId="Web-{49827196-21C6-0A67-9751-F39B4B6EF412}" dt="2021-08-05T00:06:10.651" v="398"/>
+          <ac:picMkLst>
+            <pc:docMk/>
+            <pc:sldMk cId="794014388" sldId="277"/>
+            <ac:picMk id="4" creationId="{1DC74A34-08A5-4B79-AD70-B1A4EF3D6447}"/>
+          </ac:picMkLst>
+        </pc:picChg>
+        <pc:picChg chg="add mod ord">
+          <ac:chgData name="Jonny Morris" userId="S::morrisj70800@masseyhigh.school.nz::4fab9e21-29a7-4d03-b4c0-6c8a112c783d" providerId="AD" clId="Web-{49827196-21C6-0A67-9751-F39B4B6EF412}" dt="2021-08-05T00:26:05.346" v="447" actId="1076"/>
+          <ac:picMkLst>
+            <pc:docMk/>
+            <pc:sldMk cId="794014388" sldId="277"/>
+            <ac:picMk id="8" creationId="{D7FC79EA-84EE-4982-9317-98CCF21BC847}"/>
+          </ac:picMkLst>
+        </pc:picChg>
+        <pc:picChg chg="add mod">
+          <ac:chgData name="Jonny Morris" userId="S::morrisj70800@masseyhigh.school.nz::4fab9e21-29a7-4d03-b4c0-6c8a112c783d" providerId="AD" clId="Web-{49827196-21C6-0A67-9751-F39B4B6EF412}" dt="2021-08-05T00:26:34.550" v="455" actId="1076"/>
+          <ac:picMkLst>
+            <pc:docMk/>
+            <pc:sldMk cId="794014388" sldId="277"/>
+            <ac:picMk id="9" creationId="{750F2E14-5FA7-47BD-97CC-8BC03DBB67FA}"/>
+          </ac:picMkLst>
+        </pc:picChg>
+      </pc:sldChg>
+      <pc:sldChg chg="addSp delSp modSp new mod setBg setClrOvrMap">
+        <pc:chgData name="Jonny Morris" userId="S::morrisj70800@masseyhigh.school.nz::4fab9e21-29a7-4d03-b4c0-6c8a112c783d" providerId="AD" clId="Web-{49827196-21C6-0A67-9751-F39B4B6EF412}" dt="2021-08-05T00:18:17.806" v="445" actId="20577"/>
+        <pc:sldMkLst>
+          <pc:docMk/>
+          <pc:sldMk cId="446857315" sldId="278"/>
+        </pc:sldMkLst>
+        <pc:spChg chg="mod">
+          <ac:chgData name="Jonny Morris" userId="S::morrisj70800@masseyhigh.school.nz::4fab9e21-29a7-4d03-b4c0-6c8a112c783d" providerId="AD" clId="Web-{49827196-21C6-0A67-9751-F39B4B6EF412}" dt="2021-08-04T23:59:28.534" v="263"/>
+          <ac:spMkLst>
+            <pc:docMk/>
+            <pc:sldMk cId="446857315" sldId="278"/>
+            <ac:spMk id="2" creationId="{EBD7D066-8CE0-4FF3-8DC5-ECEB4DD8FB3E}"/>
+          </ac:spMkLst>
+        </pc:spChg>
+        <pc:spChg chg="del">
+          <ac:chgData name="Jonny Morris" userId="S::morrisj70800@masseyhigh.school.nz::4fab9e21-29a7-4d03-b4c0-6c8a112c783d" providerId="AD" clId="Web-{49827196-21C6-0A67-9751-F39B4B6EF412}" dt="2021-08-04T23:59:13.659" v="260"/>
+          <ac:spMkLst>
+            <pc:docMk/>
+            <pc:sldMk cId="446857315" sldId="278"/>
+            <ac:spMk id="3" creationId="{CF8036E7-5E6E-41FA-AF88-F4362D96C3E8}"/>
+          </ac:spMkLst>
+        </pc:spChg>
+        <pc:spChg chg="add mod">
+          <ac:chgData name="Jonny Morris" userId="S::morrisj70800@masseyhigh.school.nz::4fab9e21-29a7-4d03-b4c0-6c8a112c783d" providerId="AD" clId="Web-{49827196-21C6-0A67-9751-F39B4B6EF412}" dt="2021-08-05T00:17:46.680" v="431" actId="20577"/>
+          <ac:spMkLst>
+            <pc:docMk/>
+            <pc:sldMk cId="446857315" sldId="278"/>
+            <ac:spMk id="5" creationId="{FB094B74-0B5A-45CD-B694-352345F0BA54}"/>
+          </ac:spMkLst>
+        </pc:spChg>
+        <pc:spChg chg="add mod">
+          <ac:chgData name="Jonny Morris" userId="S::morrisj70800@masseyhigh.school.nz::4fab9e21-29a7-4d03-b4c0-6c8a112c783d" providerId="AD" clId="Web-{49827196-21C6-0A67-9751-F39B4B6EF412}" dt="2021-08-05T00:18:17.806" v="445" actId="20577"/>
+          <ac:spMkLst>
+            <pc:docMk/>
+            <pc:sldMk cId="446857315" sldId="278"/>
+            <ac:spMk id="7" creationId="{E503F48E-5D6B-4297-B4BA-E1202BFA09DD}"/>
+          </ac:spMkLst>
+        </pc:spChg>
+        <pc:spChg chg="add del">
+          <ac:chgData name="Jonny Morris" userId="S::morrisj70800@masseyhigh.school.nz::4fab9e21-29a7-4d03-b4c0-6c8a112c783d" providerId="AD" clId="Web-{49827196-21C6-0A67-9751-F39B4B6EF412}" dt="2021-08-04T23:59:28.534" v="263"/>
+          <ac:spMkLst>
+            <pc:docMk/>
+            <pc:sldMk cId="446857315" sldId="278"/>
+            <ac:spMk id="8" creationId="{1C8CEBBE-4037-4ADF-8051-0781B96BB7A1}"/>
+          </ac:spMkLst>
+        </pc:spChg>
+        <pc:spChg chg="add del">
+          <ac:chgData name="Jonny Morris" userId="S::morrisj70800@masseyhigh.school.nz::4fab9e21-29a7-4d03-b4c0-6c8a112c783d" providerId="AD" clId="Web-{49827196-21C6-0A67-9751-F39B4B6EF412}" dt="2021-08-04T23:59:28.534" v="263"/>
+          <ac:spMkLst>
+            <pc:docMk/>
+            <pc:sldMk cId="446857315" sldId="278"/>
+            <ac:spMk id="11" creationId="{F2B38F72-8FC4-4001-8C67-FA6B86DEC767}"/>
+          </ac:spMkLst>
+        </pc:spChg>
+        <pc:picChg chg="add mod ord">
+          <ac:chgData name="Jonny Morris" userId="S::morrisj70800@masseyhigh.school.nz::4fab9e21-29a7-4d03-b4c0-6c8a112c783d" providerId="AD" clId="Web-{49827196-21C6-0A67-9751-F39B4B6EF412}" dt="2021-08-05T00:17:17.867" v="405" actId="14100"/>
+          <ac:picMkLst>
+            <pc:docMk/>
+            <pc:sldMk cId="446857315" sldId="278"/>
+            <ac:picMk id="4" creationId="{4FB97E77-E247-4A24-B0FF-F97706586B45}"/>
+          </ac:picMkLst>
+        </pc:picChg>
+        <pc:picChg chg="add mod">
+          <ac:chgData name="Jonny Morris" userId="S::morrisj70800@masseyhigh.school.nz::4fab9e21-29a7-4d03-b4c0-6c8a112c783d" providerId="AD" clId="Web-{49827196-21C6-0A67-9751-F39B4B6EF412}" dt="2021-08-05T00:17:23.774" v="408" actId="14100"/>
+          <ac:picMkLst>
+            <pc:docMk/>
+            <pc:sldMk cId="446857315" sldId="278"/>
+            <ac:picMk id="6" creationId="{05759C2A-6B97-41F9-8679-DBBB986216A1}"/>
           </ac:picMkLst>
         </pc:picChg>
       </pc:sldChg>
@@ -2004,7 +2441,7 @@
           <a:p>
             <a:fld id="{846CE7D5-CF57-46EF-B807-FDD0502418D4}" type="datetimeFigureOut">
               <a:rPr lang="en-US" smtClean="0"/>
-              <a:t>8/2/2021</a:t>
+              <a:t>8/4/2021</a:t>
             </a:fld>
             <a:endParaRPr lang="en-US"/>
           </a:p>
@@ -2172,7 +2609,7 @@
           <a:p>
             <a:fld id="{846CE7D5-CF57-46EF-B807-FDD0502418D4}" type="datetimeFigureOut">
               <a:rPr lang="en-US" smtClean="0"/>
-              <a:t>8/2/2021</a:t>
+              <a:t>8/4/2021</a:t>
             </a:fld>
             <a:endParaRPr lang="en-US"/>
           </a:p>
@@ -2350,7 +2787,7 @@
           <a:p>
             <a:fld id="{846CE7D5-CF57-46EF-B807-FDD0502418D4}" type="datetimeFigureOut">
               <a:rPr lang="en-US" smtClean="0"/>
-              <a:t>8/2/2021</a:t>
+              <a:t>8/4/2021</a:t>
             </a:fld>
             <a:endParaRPr lang="en-US"/>
           </a:p>
@@ -2518,7 +2955,7 @@
           <a:p>
             <a:fld id="{846CE7D5-CF57-46EF-B807-FDD0502418D4}" type="datetimeFigureOut">
               <a:rPr lang="en-US" smtClean="0"/>
-              <a:t>8/2/2021</a:t>
+              <a:t>8/4/2021</a:t>
             </a:fld>
             <a:endParaRPr lang="en-US"/>
           </a:p>
@@ -2763,7 +3200,7 @@
           <a:p>
             <a:fld id="{846CE7D5-CF57-46EF-B807-FDD0502418D4}" type="datetimeFigureOut">
               <a:rPr lang="en-US" smtClean="0"/>
-              <a:t>8/2/2021</a:t>
+              <a:t>8/4/2021</a:t>
             </a:fld>
             <a:endParaRPr lang="en-US"/>
           </a:p>
@@ -2992,7 +3429,7 @@
           <a:p>
             <a:fld id="{846CE7D5-CF57-46EF-B807-FDD0502418D4}" type="datetimeFigureOut">
               <a:rPr lang="en-US" smtClean="0"/>
-              <a:t>8/2/2021</a:t>
+              <a:t>8/4/2021</a:t>
             </a:fld>
             <a:endParaRPr lang="en-US"/>
           </a:p>
@@ -3356,7 +3793,7 @@
           <a:p>
             <a:fld id="{846CE7D5-CF57-46EF-B807-FDD0502418D4}" type="datetimeFigureOut">
               <a:rPr lang="en-US" smtClean="0"/>
-              <a:t>8/2/2021</a:t>
+              <a:t>8/4/2021</a:t>
             </a:fld>
             <a:endParaRPr lang="en-US"/>
           </a:p>
@@ -3473,7 +3910,7 @@
           <a:p>
             <a:fld id="{846CE7D5-CF57-46EF-B807-FDD0502418D4}" type="datetimeFigureOut">
               <a:rPr lang="en-US" smtClean="0"/>
-              <a:t>8/2/2021</a:t>
+              <a:t>8/4/2021</a:t>
             </a:fld>
             <a:endParaRPr lang="en-US"/>
           </a:p>
@@ -3568,7 +4005,7 @@
           <a:p>
             <a:fld id="{846CE7D5-CF57-46EF-B807-FDD0502418D4}" type="datetimeFigureOut">
               <a:rPr lang="en-US" smtClean="0"/>
-              <a:t>8/2/2021</a:t>
+              <a:t>8/4/2021</a:t>
             </a:fld>
             <a:endParaRPr lang="en-US"/>
           </a:p>
@@ -3843,7 +4280,7 @@
           <a:p>
             <a:fld id="{846CE7D5-CF57-46EF-B807-FDD0502418D4}" type="datetimeFigureOut">
               <a:rPr lang="en-US" smtClean="0"/>
-              <a:t>8/2/2021</a:t>
+              <a:t>8/4/2021</a:t>
             </a:fld>
             <a:endParaRPr lang="en-US"/>
           </a:p>
@@ -4098,7 +4535,7 @@
           <a:p>
             <a:fld id="{846CE7D5-CF57-46EF-B807-FDD0502418D4}" type="datetimeFigureOut">
               <a:rPr lang="en-US" smtClean="0"/>
-              <a:t>8/2/2021</a:t>
+              <a:t>8/4/2021</a:t>
             </a:fld>
             <a:endParaRPr lang="en-US"/>
           </a:p>
@@ -4309,7 +4746,7 @@
           <a:p>
             <a:fld id="{846CE7D5-CF57-46EF-B807-FDD0502418D4}" type="datetimeFigureOut">
               <a:rPr lang="en-US" smtClean="0"/>
-              <a:t>8/2/2021</a:t>
+              <a:t>8/4/2021</a:t>
             </a:fld>
             <a:endParaRPr lang="en-US"/>
           </a:p>
@@ -4756,10 +5193,31 @@
         </p:nvSpPr>
         <p:spPr/>
         <p:txBody>
-          <a:bodyPr/>
+          <a:bodyPr vert="horz" lIns="91440" tIns="45720" rIns="91440" bIns="45720" rtlCol="0" anchor="t">
+            <a:normAutofit/>
+          </a:bodyPr>
           <a:lstStyle/>
           <a:p>
-            <a:endParaRPr lang="en-US"/>
+            <a:r>
+              <a:rPr lang="en-US" dirty="0">
+                <a:cs typeface="Calibri"/>
+              </a:rPr>
+              <a:t>Project on </a:t>
+            </a:r>
+            <a:r>
+              <a:rPr lang="en-US" dirty="0" err="1">
+                <a:cs typeface="Calibri"/>
+              </a:rPr>
+              <a:t>Github</a:t>
+            </a:r>
+            <a:endParaRPr lang="en-US">
+              <a:cs typeface="Calibri"/>
+            </a:endParaRPr>
+          </a:p>
+          <a:p>
+            <a:endParaRPr lang="en-US" dirty="0">
+              <a:cs typeface="Calibri"/>
+            </a:endParaRPr>
           </a:p>
         </p:txBody>
       </p:sp>
@@ -4777,6 +5235,133 @@
 </file>
 
 <file path=ppt/slides/slide10.xml><?xml version="1.0" encoding="utf-8"?>
+<p:sld xmlns:a="http://schemas.openxmlformats.org/drawingml/2006/main" xmlns:r="http://schemas.openxmlformats.org/officeDocument/2006/relationships" xmlns:p="http://schemas.openxmlformats.org/presentationml/2006/main">
+  <p:cSld>
+    <p:spTree>
+      <p:nvGrpSpPr>
+        <p:cNvPr id="1" name=""/>
+        <p:cNvGrpSpPr/>
+        <p:nvPr/>
+      </p:nvGrpSpPr>
+      <p:grpSpPr>
+        <a:xfrm>
+          <a:off x="0" y="0"/>
+          <a:ext cx="0" cy="0"/>
+          <a:chOff x="0" y="0"/>
+          <a:chExt cx="0" cy="0"/>
+        </a:xfrm>
+      </p:grpSpPr>
+      <p:sp>
+        <p:nvSpPr>
+          <p:cNvPr id="2" name="Title 1">
+            <a:extLst>
+              <a:ext uri="{FF2B5EF4-FFF2-40B4-BE49-F238E27FC236}">
+                <a16:creationId xmlns:a16="http://schemas.microsoft.com/office/drawing/2014/main" id="{CD6BF71A-171F-4E6E-A394-A1CFC42C4768}"/>
+              </a:ext>
+            </a:extLst>
+          </p:cNvPr>
+          <p:cNvSpPr>
+            <a:spLocks noGrp="1"/>
+          </p:cNvSpPr>
+          <p:nvPr>
+            <p:ph type="title"/>
+          </p:nvPr>
+        </p:nvSpPr>
+        <p:spPr/>
+        <p:txBody>
+          <a:bodyPr/>
+          <a:lstStyle/>
+          <a:p>
+            <a:r>
+              <a:rPr lang="en-US" dirty="0">
+                <a:cs typeface="Calibri Light"/>
+              </a:rPr>
+              <a:t>Start GUI Test Plan</a:t>
+            </a:r>
+            <a:endParaRPr lang="en-US" dirty="0"/>
+          </a:p>
+        </p:txBody>
+      </p:sp>
+      <p:sp>
+        <p:nvSpPr>
+          <p:cNvPr id="3" name="Content Placeholder 2">
+            <a:extLst>
+              <a:ext uri="{FF2B5EF4-FFF2-40B4-BE49-F238E27FC236}">
+                <a16:creationId xmlns:a16="http://schemas.microsoft.com/office/drawing/2014/main" id="{E51BD6D8-6E8E-4D51-B2DF-71FD7FCC74C9}"/>
+              </a:ext>
+            </a:extLst>
+          </p:cNvPr>
+          <p:cNvSpPr>
+            <a:spLocks noGrp="1"/>
+          </p:cNvSpPr>
+          <p:nvPr>
+            <p:ph idx="1"/>
+          </p:nvPr>
+        </p:nvSpPr>
+        <p:spPr/>
+        <p:txBody>
+          <a:bodyPr vert="horz" lIns="91440" tIns="45720" rIns="91440" bIns="45720" rtlCol="0" anchor="t">
+            <a:normAutofit/>
+          </a:bodyPr>
+          <a:lstStyle/>
+          <a:p>
+            <a:r>
+              <a:rPr lang="en-US" dirty="0">
+                <a:cs typeface="Calibri"/>
+              </a:rPr>
+              <a:t>Press Play Button.                              </a:t>
+            </a:r>
+          </a:p>
+          <a:p>
+            <a:endParaRPr lang="en-US" dirty="0">
+              <a:cs typeface="Calibri"/>
+            </a:endParaRPr>
+          </a:p>
+          <a:p>
+            <a:r>
+              <a:rPr lang="en-US" dirty="0">
+                <a:cs typeface="Calibri"/>
+              </a:rPr>
+              <a:t>Press Exit Button in the Top right.</a:t>
+            </a:r>
+          </a:p>
+          <a:p>
+            <a:endParaRPr lang="en-US" dirty="0">
+              <a:cs typeface="Calibri"/>
+            </a:endParaRPr>
+          </a:p>
+          <a:p>
+            <a:r>
+              <a:rPr lang="en-US" dirty="0">
+                <a:cs typeface="Calibri"/>
+              </a:rPr>
+              <a:t>Play Button Works</a:t>
+            </a:r>
+          </a:p>
+          <a:p>
+            <a:r>
+              <a:rPr lang="en-US" dirty="0">
+                <a:cs typeface="Calibri"/>
+              </a:rPr>
+              <a:t>Exit Button also Works</a:t>
+            </a:r>
+          </a:p>
+        </p:txBody>
+      </p:sp>
+    </p:spTree>
+    <p:extLst>
+      <p:ext uri="{BB962C8B-B14F-4D97-AF65-F5344CB8AC3E}">
+        <p14:creationId xmlns:p14="http://schemas.microsoft.com/office/powerpoint/2010/main" val="2978787033"/>
+      </p:ext>
+    </p:extLst>
+  </p:cSld>
+  <p:clrMapOvr>
+    <a:masterClrMapping/>
+  </p:clrMapOvr>
+</p:sld>
+</file>
+
+<file path=ppt/slides/slide11.xml><?xml version="1.0" encoding="utf-8"?>
 <p:sld xmlns:a="http://schemas.openxmlformats.org/drawingml/2006/main" xmlns:r="http://schemas.openxmlformats.org/officeDocument/2006/relationships" xmlns:p="http://schemas.openxmlformats.org/presentationml/2006/main">
   <p:cSld>
     <p:bg>
@@ -5361,7 +5946,7 @@
 </p:sld>
 </file>
 
-<file path=ppt/slides/slide11.xml><?xml version="1.0" encoding="utf-8"?>
+<file path=ppt/slides/slide12.xml><?xml version="1.0" encoding="utf-8"?>
 <p:sld xmlns:a="http://schemas.openxmlformats.org/drawingml/2006/main" xmlns:r="http://schemas.openxmlformats.org/officeDocument/2006/relationships" xmlns:p="http://schemas.openxmlformats.org/presentationml/2006/main">
   <p:cSld>
     <p:bg>
@@ -5853,7 +6438,7 @@
 </p:sld>
 </file>
 
-<file path=ppt/slides/slide12.xml><?xml version="1.0" encoding="utf-8"?>
+<file path=ppt/slides/slide13.xml><?xml version="1.0" encoding="utf-8"?>
 <p:sld xmlns:a="http://schemas.openxmlformats.org/drawingml/2006/main" xmlns:r="http://schemas.openxmlformats.org/officeDocument/2006/relationships" xmlns:p="http://schemas.openxmlformats.org/presentationml/2006/main">
   <p:cSld>
     <p:bg>
@@ -6153,7 +6738,7 @@
 </p:sld>
 </file>
 
-<file path=ppt/slides/slide13.xml><?xml version="1.0" encoding="utf-8"?>
+<file path=ppt/slides/slide14.xml><?xml version="1.0" encoding="utf-8"?>
 <p:sld xmlns:a="http://schemas.openxmlformats.org/drawingml/2006/main" xmlns:r="http://schemas.openxmlformats.org/officeDocument/2006/relationships" xmlns:p="http://schemas.openxmlformats.org/presentationml/2006/main">
   <p:cSld>
     <p:bg>
@@ -6453,9 +7038,17 @@
 </p:sld>
 </file>
 
-<file path=ppt/slides/slide14.xml><?xml version="1.0" encoding="utf-8"?>
+<file path=ppt/slides/slide15.xml><?xml version="1.0" encoding="utf-8"?>
 <p:sld xmlns:a="http://schemas.openxmlformats.org/drawingml/2006/main" xmlns:r="http://schemas.openxmlformats.org/officeDocument/2006/relationships" xmlns:p="http://schemas.openxmlformats.org/presentationml/2006/main">
   <p:cSld>
+    <p:bg>
+      <p:bgPr>
+        <a:solidFill>
+          <a:schemeClr val="bg1"/>
+        </a:solidFill>
+        <a:effectLst/>
+      </p:bgPr>
+    </p:bg>
     <p:spTree>
       <p:nvGrpSpPr>
         <p:cNvPr id="1" name=""/>
@@ -6472,6 +7065,151 @@
       </p:grpSpPr>
       <p:sp>
         <p:nvSpPr>
+          <p:cNvPr id="10" name="Rectangle 9">
+            <a:extLst>
+              <a:ext uri="{FF2B5EF4-FFF2-40B4-BE49-F238E27FC236}">
+                <a16:creationId xmlns:a16="http://schemas.microsoft.com/office/drawing/2014/main" id="{FF9B822F-893E-44C8-963C-64F50ACECBB2}"/>
+              </a:ext>
+              <a:ext uri="{C183D7F6-B498-43B3-948B-1728B52AA6E4}">
+                <adec:decorative xmlns:adec="http://schemas.microsoft.com/office/drawing/2017/decorative" val="1"/>
+              </a:ext>
+            </a:extLst>
+          </p:cNvPr>
+          <p:cNvSpPr>
+            <a:spLocks noGrp="1" noRot="1" noChangeAspect="1" noMove="1" noResize="1" noEditPoints="1" noAdjustHandles="1" noChangeArrowheads="1" noChangeShapeType="1" noTextEdit="1"/>
+          </p:cNvSpPr>
+          <p:nvPr>
+            <p:extLst>
+              <p:ext uri="{386F3935-93C4-4BCD-93E2-E3B085C9AB24}">
+                <p16:designElem xmlns:p16="http://schemas.microsoft.com/office/powerpoint/2015/main" val="1"/>
+              </p:ext>
+            </p:extLst>
+          </p:nvPr>
+        </p:nvSpPr>
+        <p:spPr>
+          <a:xfrm>
+            <a:off x="0" y="0"/>
+            <a:ext cx="12192000" cy="6858000"/>
+          </a:xfrm>
+          <a:prstGeom prst="rect">
+            <a:avLst/>
+          </a:prstGeom>
+          <a:solidFill>
+            <a:schemeClr val="bg1"/>
+          </a:solidFill>
+          <a:ln w="12700" cap="flat" cmpd="sng" algn="ctr">
+            <a:noFill/>
+            <a:prstDash val="solid"/>
+            <a:miter lim="800000"/>
+          </a:ln>
+          <a:effectLst/>
+          <a:extLst>
+            <a:ext uri="{91240B29-F687-4F45-9708-019B960494DF}">
+              <a14:hiddenLine xmlns:a14="http://schemas.microsoft.com/office/drawing/2010/main" w="12700" cap="flat" cmpd="sng" algn="ctr">
+                <a:solidFill>
+                  <a:schemeClr val="accent1">
+                    <a:shade val="50000"/>
+                  </a:schemeClr>
+                </a:solidFill>
+                <a:prstDash val="solid"/>
+                <a:miter lim="800000"/>
+              </a14:hiddenLine>
+            </a:ext>
+          </a:extLst>
+        </p:spPr>
+        <p:style>
+          <a:lnRef idx="2">
+            <a:schemeClr val="accent1">
+              <a:shade val="50000"/>
+            </a:schemeClr>
+          </a:lnRef>
+          <a:fillRef idx="1">
+            <a:schemeClr val="accent1"/>
+          </a:fillRef>
+          <a:effectRef idx="0">
+            <a:schemeClr val="accent1"/>
+          </a:effectRef>
+          <a:fontRef idx="minor">
+            <a:schemeClr val="lt1"/>
+          </a:fontRef>
+        </p:style>
+        <p:txBody>
+          <a:bodyPr rtlCol="0" anchor="ctr"/>
+          <a:lstStyle/>
+          <a:p>
+            <a:pPr algn="ctr"/>
+            <a:endParaRPr lang="en-US"/>
+          </a:p>
+        </p:txBody>
+      </p:sp>
+      <p:sp>
+        <p:nvSpPr>
+          <p:cNvPr id="12" name="Rectangle 11">
+            <a:extLst>
+              <a:ext uri="{FF2B5EF4-FFF2-40B4-BE49-F238E27FC236}">
+                <a16:creationId xmlns:a16="http://schemas.microsoft.com/office/drawing/2014/main" id="{EBF87945-A001-489F-9D9B-7D9435F0B9CA}"/>
+              </a:ext>
+              <a:ext uri="{C183D7F6-B498-43B3-948B-1728B52AA6E4}">
+                <adec:decorative xmlns:adec="http://schemas.microsoft.com/office/drawing/2017/decorative" val="1"/>
+              </a:ext>
+            </a:extLst>
+          </p:cNvPr>
+          <p:cNvSpPr>
+            <a:spLocks noGrp="1" noRot="1" noChangeAspect="1" noMove="1" noResize="1" noEditPoints="1" noAdjustHandles="1" noChangeArrowheads="1" noChangeShapeType="1" noTextEdit="1"/>
+          </p:cNvSpPr>
+          <p:nvPr>
+            <p:extLst>
+              <p:ext uri="{386F3935-93C4-4BCD-93E2-E3B085C9AB24}">
+                <p16:designElem xmlns:p16="http://schemas.microsoft.com/office/powerpoint/2015/main" val="1"/>
+              </p:ext>
+            </p:extLst>
+          </p:nvPr>
+        </p:nvSpPr>
+        <p:spPr>
+          <a:xfrm>
+            <a:off x="548639" y="347471"/>
+            <a:ext cx="11100816" cy="1801368"/>
+          </a:xfrm>
+          <a:prstGeom prst="rect">
+            <a:avLst/>
+          </a:prstGeom>
+          <a:solidFill>
+            <a:schemeClr val="tx1">
+              <a:lumMod val="75000"/>
+              <a:lumOff val="25000"/>
+            </a:schemeClr>
+          </a:solidFill>
+          <a:ln>
+            <a:noFill/>
+          </a:ln>
+        </p:spPr>
+        <p:style>
+          <a:lnRef idx="2">
+            <a:schemeClr val="accent1">
+              <a:shade val="50000"/>
+            </a:schemeClr>
+          </a:lnRef>
+          <a:fillRef idx="1">
+            <a:schemeClr val="accent1"/>
+          </a:fillRef>
+          <a:effectRef idx="0">
+            <a:schemeClr val="accent1"/>
+          </a:effectRef>
+          <a:fontRef idx="minor">
+            <a:schemeClr val="lt1"/>
+          </a:fontRef>
+        </p:style>
+        <p:txBody>
+          <a:bodyPr rtlCol="0" anchor="ctr"/>
+          <a:lstStyle/>
+          <a:p>
+            <a:pPr algn="ctr"/>
+            <a:endParaRPr lang="en-US"/>
+          </a:p>
+        </p:txBody>
+      </p:sp>
+      <p:sp>
+        <p:nvSpPr>
           <p:cNvPr id="2" name="Title 1">
             <a:extLst>
               <a:ext uri="{FF2B5EF4-FFF2-40B4-BE49-F238E27FC236}">
@@ -6486,18 +7224,26 @@
             <p:ph type="title"/>
           </p:nvPr>
         </p:nvSpPr>
-        <p:spPr/>
-        <p:txBody>
-          <a:bodyPr/>
+        <p:spPr>
+          <a:xfrm>
+            <a:off x="838200" y="585216"/>
+            <a:ext cx="10515600" cy="1325563"/>
+          </a:xfrm>
+        </p:spPr>
+        <p:txBody>
+          <a:bodyPr vert="horz" lIns="91440" tIns="45720" rIns="91440" bIns="45720" rtlCol="0" anchor="ctr">
+            <a:normAutofit/>
+          </a:bodyPr>
           <a:lstStyle/>
           <a:p>
             <a:r>
               <a:rPr lang="en-US">
-                <a:cs typeface="Calibri Light"/>
+                <a:solidFill>
+                  <a:schemeClr val="bg1"/>
+                </a:solidFill>
               </a:rPr>
               <a:t>Game GUI V_3</a:t>
             </a:r>
-            <a:endParaRPr lang="en-US"/>
           </a:p>
         </p:txBody>
       </p:sp>
@@ -6517,17 +7263,19 @@
             <p:ph idx="1"/>
           </p:nvPr>
         </p:nvPicPr>
-        <p:blipFill>
+        <p:blipFill rotWithShape="1">
           <a:blip r:embed="rId2"/>
-          <a:stretch>
-            <a:fillRect/>
-          </a:stretch>
+          <a:srcRect r="4587" b="-1"/>
+          <a:stretch/>
         </p:blipFill>
         <p:spPr>
           <a:xfrm>
-            <a:off x="416502" y="1781969"/>
-            <a:ext cx="5779585" cy="3225956"/>
+            <a:off x="841248" y="2516777"/>
+            <a:ext cx="6236208" cy="3660185"/>
           </a:xfrm>
+          <a:prstGeom prst="rect">
+            <a:avLst/>
+          </a:prstGeom>
         </p:spPr>
       </p:pic>
       <p:sp>
@@ -6544,27 +7292,34 @@
         </p:nvSpPr>
         <p:spPr>
           <a:xfrm>
-            <a:off x="7409563" y="1630359"/>
-            <a:ext cx="2743200" cy="3139321"/>
+            <a:off x="7546848" y="2516777"/>
+            <a:ext cx="3803904" cy="3660185"/>
           </a:xfrm>
           <a:prstGeom prst="rect">
             <a:avLst/>
           </a:prstGeom>
-          <a:noFill/>
         </p:spPr>
         <p:txBody>
-          <a:bodyPr rot="0" spcFirstLastPara="0" vertOverflow="overflow" horzOverflow="overflow" vert="horz" wrap="square" lIns="91440" tIns="45720" rIns="91440" bIns="45720" numCol="1" spcCol="0" rtlCol="0" fromWordArt="0" anchor="t" anchorCtr="0" forceAA="0" compatLnSpc="1">
+          <a:bodyPr rot="0" spcFirstLastPara="0" vertOverflow="overflow" horzOverflow="overflow" vert="horz" lIns="91440" tIns="45720" rIns="91440" bIns="45720" numCol="1" spcCol="0" rtlCol="0" fromWordArt="0" anchor="ctr" anchorCtr="0" forceAA="0" compatLnSpc="1">
             <a:prstTxWarp prst="textNoShape">
               <a:avLst/>
             </a:prstTxWarp>
-            <a:spAutoFit/>
+            <a:normAutofit/>
           </a:bodyPr>
           <a:lstStyle/>
           <a:p>
+            <a:pPr indent="-228600">
+              <a:lnSpc>
+                <a:spcPct val="90000"/>
+              </a:lnSpc>
+              <a:spcAft>
+                <a:spcPts val="600"/>
+              </a:spcAft>
+              <a:buFont typeface="Arial" panose="020B0604020202020204" pitchFamily="34" charset="0"/>
+              <a:buChar char="•"/>
+            </a:pPr>
             <a:r>
-              <a:rPr lang="en-US">
-                <a:cs typeface="Calibri"/>
-              </a:rPr>
+              <a:rPr lang="en-US" sz="2200"/>
               <a:t>Have fixed the bit of my code that was broken and not allowing me to generate my questions and answers now that is working perfectly fine. I would like to add a help, export and stats button to my quiz before I can  move on to my history and stats Gui</a:t>
             </a:r>
           </a:p>
@@ -6583,9 +7338,17 @@
 </p:sld>
 </file>
 
-<file path=ppt/slides/slide15.xml><?xml version="1.0" encoding="utf-8"?>
+<file path=ppt/slides/slide16.xml><?xml version="1.0" encoding="utf-8"?>
 <p:sld xmlns:a="http://schemas.openxmlformats.org/drawingml/2006/main" xmlns:r="http://schemas.openxmlformats.org/officeDocument/2006/relationships" xmlns:p="http://schemas.openxmlformats.org/presentationml/2006/main">
   <p:cSld>
+    <p:bg>
+      <p:bgPr>
+        <a:solidFill>
+          <a:schemeClr val="bg1"/>
+        </a:solidFill>
+        <a:effectLst/>
+      </p:bgPr>
+    </p:bg>
     <p:spTree>
       <p:nvGrpSpPr>
         <p:cNvPr id="1" name=""/>
@@ -6602,6 +7365,151 @@
       </p:grpSpPr>
       <p:sp>
         <p:nvSpPr>
+          <p:cNvPr id="10" name="Rectangle 9">
+            <a:extLst>
+              <a:ext uri="{FF2B5EF4-FFF2-40B4-BE49-F238E27FC236}">
+                <a16:creationId xmlns:a16="http://schemas.microsoft.com/office/drawing/2014/main" id="{FF9B822F-893E-44C8-963C-64F50ACECBB2}"/>
+              </a:ext>
+              <a:ext uri="{C183D7F6-B498-43B3-948B-1728B52AA6E4}">
+                <adec:decorative xmlns:adec="http://schemas.microsoft.com/office/drawing/2017/decorative" val="1"/>
+              </a:ext>
+            </a:extLst>
+          </p:cNvPr>
+          <p:cNvSpPr>
+            <a:spLocks noGrp="1" noRot="1" noChangeAspect="1" noMove="1" noResize="1" noEditPoints="1" noAdjustHandles="1" noChangeArrowheads="1" noChangeShapeType="1" noTextEdit="1"/>
+          </p:cNvSpPr>
+          <p:nvPr>
+            <p:extLst>
+              <p:ext uri="{386F3935-93C4-4BCD-93E2-E3B085C9AB24}">
+                <p16:designElem xmlns:p16="http://schemas.microsoft.com/office/powerpoint/2015/main" val="1"/>
+              </p:ext>
+            </p:extLst>
+          </p:nvPr>
+        </p:nvSpPr>
+        <p:spPr>
+          <a:xfrm>
+            <a:off x="0" y="0"/>
+            <a:ext cx="12192000" cy="6858000"/>
+          </a:xfrm>
+          <a:prstGeom prst="rect">
+            <a:avLst/>
+          </a:prstGeom>
+          <a:solidFill>
+            <a:schemeClr val="bg1"/>
+          </a:solidFill>
+          <a:ln w="12700" cap="flat" cmpd="sng" algn="ctr">
+            <a:noFill/>
+            <a:prstDash val="solid"/>
+            <a:miter lim="800000"/>
+          </a:ln>
+          <a:effectLst/>
+          <a:extLst>
+            <a:ext uri="{91240B29-F687-4F45-9708-019B960494DF}">
+              <a14:hiddenLine xmlns:a14="http://schemas.microsoft.com/office/drawing/2010/main" w="12700" cap="flat" cmpd="sng" algn="ctr">
+                <a:solidFill>
+                  <a:schemeClr val="accent1">
+                    <a:shade val="50000"/>
+                  </a:schemeClr>
+                </a:solidFill>
+                <a:prstDash val="solid"/>
+                <a:miter lim="800000"/>
+              </a14:hiddenLine>
+            </a:ext>
+          </a:extLst>
+        </p:spPr>
+        <p:style>
+          <a:lnRef idx="2">
+            <a:schemeClr val="accent1">
+              <a:shade val="50000"/>
+            </a:schemeClr>
+          </a:lnRef>
+          <a:fillRef idx="1">
+            <a:schemeClr val="accent1"/>
+          </a:fillRef>
+          <a:effectRef idx="0">
+            <a:schemeClr val="accent1"/>
+          </a:effectRef>
+          <a:fontRef idx="minor">
+            <a:schemeClr val="lt1"/>
+          </a:fontRef>
+        </p:style>
+        <p:txBody>
+          <a:bodyPr rtlCol="0" anchor="ctr"/>
+          <a:lstStyle/>
+          <a:p>
+            <a:pPr algn="ctr"/>
+            <a:endParaRPr lang="en-US"/>
+          </a:p>
+        </p:txBody>
+      </p:sp>
+      <p:sp>
+        <p:nvSpPr>
+          <p:cNvPr id="12" name="Rectangle 11">
+            <a:extLst>
+              <a:ext uri="{FF2B5EF4-FFF2-40B4-BE49-F238E27FC236}">
+                <a16:creationId xmlns:a16="http://schemas.microsoft.com/office/drawing/2014/main" id="{EBF87945-A001-489F-9D9B-7D9435F0B9CA}"/>
+              </a:ext>
+              <a:ext uri="{C183D7F6-B498-43B3-948B-1728B52AA6E4}">
+                <adec:decorative xmlns:adec="http://schemas.microsoft.com/office/drawing/2017/decorative" val="1"/>
+              </a:ext>
+            </a:extLst>
+          </p:cNvPr>
+          <p:cNvSpPr>
+            <a:spLocks noGrp="1" noRot="1" noChangeAspect="1" noMove="1" noResize="1" noEditPoints="1" noAdjustHandles="1" noChangeArrowheads="1" noChangeShapeType="1" noTextEdit="1"/>
+          </p:cNvSpPr>
+          <p:nvPr>
+            <p:extLst>
+              <p:ext uri="{386F3935-93C4-4BCD-93E2-E3B085C9AB24}">
+                <p16:designElem xmlns:p16="http://schemas.microsoft.com/office/powerpoint/2015/main" val="1"/>
+              </p:ext>
+            </p:extLst>
+          </p:nvPr>
+        </p:nvSpPr>
+        <p:spPr>
+          <a:xfrm>
+            <a:off x="548639" y="347471"/>
+            <a:ext cx="11100816" cy="1801368"/>
+          </a:xfrm>
+          <a:prstGeom prst="rect">
+            <a:avLst/>
+          </a:prstGeom>
+          <a:solidFill>
+            <a:schemeClr val="tx1">
+              <a:lumMod val="75000"/>
+              <a:lumOff val="25000"/>
+            </a:schemeClr>
+          </a:solidFill>
+          <a:ln>
+            <a:noFill/>
+          </a:ln>
+        </p:spPr>
+        <p:style>
+          <a:lnRef idx="2">
+            <a:schemeClr val="accent1">
+              <a:shade val="50000"/>
+            </a:schemeClr>
+          </a:lnRef>
+          <a:fillRef idx="1">
+            <a:schemeClr val="accent1"/>
+          </a:fillRef>
+          <a:effectRef idx="0">
+            <a:schemeClr val="accent1"/>
+          </a:effectRef>
+          <a:fontRef idx="minor">
+            <a:schemeClr val="lt1"/>
+          </a:fontRef>
+        </p:style>
+        <p:txBody>
+          <a:bodyPr rtlCol="0" anchor="ctr"/>
+          <a:lstStyle/>
+          <a:p>
+            <a:pPr algn="ctr"/>
+            <a:endParaRPr lang="en-US"/>
+          </a:p>
+        </p:txBody>
+      </p:sp>
+      <p:sp>
+        <p:nvSpPr>
           <p:cNvPr id="2" name="Title 1">
             <a:extLst>
               <a:ext uri="{FF2B5EF4-FFF2-40B4-BE49-F238E27FC236}">
@@ -6616,24 +7524,26 @@
             <p:ph type="title"/>
           </p:nvPr>
         </p:nvSpPr>
-        <p:spPr/>
-        <p:txBody>
-          <a:bodyPr/>
+        <p:spPr>
+          <a:xfrm>
+            <a:off x="838200" y="585216"/>
+            <a:ext cx="10515600" cy="1325563"/>
+          </a:xfrm>
+        </p:spPr>
+        <p:txBody>
+          <a:bodyPr vert="horz" lIns="91440" tIns="45720" rIns="91440" bIns="45720" rtlCol="0" anchor="ctr">
+            <a:normAutofit/>
+          </a:bodyPr>
           <a:lstStyle/>
           <a:p>
-            <a:r>
-              <a:rPr lang="en-US" err="1">
-                <a:cs typeface="Calibri Light"/>
-              </a:rPr>
-              <a:t>Game_GUI</a:t>
-            </a:r>
             <a:r>
               <a:rPr lang="en-US">
-                <a:cs typeface="Calibri Light"/>
+                <a:solidFill>
+                  <a:schemeClr val="bg1"/>
+                </a:solidFill>
               </a:rPr>
-              <a:t> DONE</a:t>
+              <a:t>Game_GUI V_4</a:t>
             </a:r>
-            <a:endParaRPr lang="en-US"/>
           </a:p>
         </p:txBody>
       </p:sp>
@@ -6653,17 +7563,19 @@
             <p:ph idx="1"/>
           </p:nvPr>
         </p:nvPicPr>
-        <p:blipFill>
+        <p:blipFill rotWithShape="1">
           <a:blip r:embed="rId2"/>
-          <a:stretch>
-            <a:fillRect/>
-          </a:stretch>
+          <a:srcRect t="4623" r="3" b="2951"/>
+          <a:stretch/>
         </p:blipFill>
         <p:spPr>
           <a:xfrm>
-            <a:off x="375090" y="1825625"/>
-            <a:ext cx="6852501" cy="4351338"/>
+            <a:off x="841248" y="2516777"/>
+            <a:ext cx="6236208" cy="3660185"/>
           </a:xfrm>
+          <a:prstGeom prst="rect">
+            <a:avLst/>
+          </a:prstGeom>
         </p:spPr>
       </p:pic>
       <p:sp>
@@ -6680,27 +7592,34 @@
         </p:nvSpPr>
         <p:spPr>
           <a:xfrm>
-            <a:off x="7660888" y="1825083"/>
-            <a:ext cx="3198541" cy="646331"/>
+            <a:off x="7546848" y="2516777"/>
+            <a:ext cx="3803904" cy="3660185"/>
           </a:xfrm>
           <a:prstGeom prst="rect">
             <a:avLst/>
           </a:prstGeom>
-          <a:noFill/>
         </p:spPr>
         <p:txBody>
-          <a:bodyPr rot="0" spcFirstLastPara="0" vertOverflow="overflow" horzOverflow="overflow" vert="horz" wrap="square" lIns="91440" tIns="45720" rIns="91440" bIns="45720" numCol="1" spcCol="0" rtlCol="0" fromWordArt="0" anchor="t" anchorCtr="0" forceAA="0" compatLnSpc="1">
+          <a:bodyPr rot="0" spcFirstLastPara="0" vertOverflow="overflow" horzOverflow="overflow" vert="horz" lIns="91440" tIns="45720" rIns="91440" bIns="45720" numCol="1" spcCol="0" rtlCol="0" fromWordArt="0" anchor="ctr" anchorCtr="0" forceAA="0" compatLnSpc="1">
             <a:prstTxWarp prst="textNoShape">
               <a:avLst/>
             </a:prstTxWarp>
-            <a:spAutoFit/>
+            <a:normAutofit/>
           </a:bodyPr>
           <a:lstStyle/>
           <a:p>
+            <a:pPr indent="-228600">
+              <a:lnSpc>
+                <a:spcPct val="90000"/>
+              </a:lnSpc>
+              <a:spcAft>
+                <a:spcPts val="600"/>
+              </a:spcAft>
+              <a:buFont typeface="Arial" panose="020B0604020202020204" pitchFamily="34" charset="0"/>
+              <a:buChar char="•"/>
+            </a:pPr>
             <a:r>
-              <a:rPr lang="en-US">
-                <a:cs typeface="Calibri"/>
-              </a:rPr>
+              <a:rPr lang="en-US" sz="2200"/>
               <a:t>Added help button. This is final version of game class</a:t>
             </a:r>
           </a:p>
@@ -6716,12 +7635,112 @@
   <p:clrMapOvr>
     <a:masterClrMapping/>
   </p:clrMapOvr>
+  <p:timing>
+    <p:tnLst>
+      <p:par>
+        <p:cTn id="1" dur="indefinite" restart="never" nodeType="tmRoot">
+          <p:childTnLst>
+            <p:seq concurrent="1" nextAc="seek">
+              <p:cTn id="2" dur="indefinite" nodeType="mainSeq">
+                <p:childTnLst>
+                  <p:par>
+                    <p:cTn id="3" fill="hold">
+                      <p:stCondLst>
+                        <p:cond delay="indefinite"/>
+                        <p:cond evt="onBegin" delay="0">
+                          <p:tn val="2"/>
+                        </p:cond>
+                      </p:stCondLst>
+                      <p:childTnLst>
+                        <p:par>
+                          <p:cTn id="4" fill="hold">
+                            <p:stCondLst>
+                              <p:cond delay="0"/>
+                            </p:stCondLst>
+                            <p:childTnLst>
+                              <p:par>
+                                <p:cTn id="5" presetID="10" presetClass="entr" presetSubtype="0" fill="hold" grpId="0" nodeType="withEffect">
+                                  <p:stCondLst>
+                                    <p:cond delay="1000"/>
+                                  </p:stCondLst>
+                                  <p:iterate>
+                                    <p:tmPct val="10000"/>
+                                  </p:iterate>
+                                  <p:childTnLst>
+                                    <p:set>
+                                      <p:cBhvr>
+                                        <p:cTn id="6" dur="1" fill="hold">
+                                          <p:stCondLst>
+                                            <p:cond delay="0"/>
+                                          </p:stCondLst>
+                                        </p:cTn>
+                                        <p:tgtEl>
+                                          <p:spTgt spid="2"/>
+                                        </p:tgtEl>
+                                        <p:attrNameLst>
+                                          <p:attrName>style.visibility</p:attrName>
+                                        </p:attrNameLst>
+                                      </p:cBhvr>
+                                      <p:to>
+                                        <p:strVal val="visible"/>
+                                      </p:to>
+                                    </p:set>
+                                    <p:animEffect transition="in" filter="fade">
+                                      <p:cBhvr>
+                                        <p:cTn id="7" dur="700"/>
+                                        <p:tgtEl>
+                                          <p:spTgt spid="2"/>
+                                        </p:tgtEl>
+                                      </p:cBhvr>
+                                    </p:animEffect>
+                                  </p:childTnLst>
+                                </p:cTn>
+                              </p:par>
+                            </p:childTnLst>
+                          </p:cTn>
+                        </p:par>
+                      </p:childTnLst>
+                    </p:cTn>
+                  </p:par>
+                </p:childTnLst>
+              </p:cTn>
+              <p:prevCondLst>
+                <p:cond evt="onPrev" delay="0">
+                  <p:tgtEl>
+                    <p:sldTgt/>
+                  </p:tgtEl>
+                </p:cond>
+              </p:prevCondLst>
+              <p:nextCondLst>
+                <p:cond evt="onNext" delay="0">
+                  <p:tgtEl>
+                    <p:sldTgt/>
+                  </p:tgtEl>
+                </p:cond>
+              </p:nextCondLst>
+            </p:seq>
+          </p:childTnLst>
+        </p:cTn>
+      </p:par>
+    </p:tnLst>
+    <p:bldLst>
+      <p:bldP spid="2" grpId="0"/>
+    </p:bldLst>
+  </p:timing>
 </p:sld>
 </file>
 
-<file path=ppt/slides/slide16.xml><?xml version="1.0" encoding="utf-8"?>
+<file path=ppt/slides/slide17.xml><?xml version="1.0" encoding="utf-8"?>
 <p:sld xmlns:a="http://schemas.openxmlformats.org/drawingml/2006/main" xmlns:r="http://schemas.openxmlformats.org/officeDocument/2006/relationships" xmlns:p="http://schemas.openxmlformats.org/presentationml/2006/main">
   <p:cSld>
+    <p:bg>
+      <p:bgPr>
+        <a:solidFill>
+          <a:schemeClr val="bg1"/>
+        </a:solidFill>
+        <a:effectLst/>
+      </p:bgPr>
+    </p:bg>
     <p:spTree>
       <p:nvGrpSpPr>
         <p:cNvPr id="1" name=""/>
@@ -6738,10 +7757,155 @@
       </p:grpSpPr>
       <p:sp>
         <p:nvSpPr>
+          <p:cNvPr id="10" name="Rectangle 9">
+            <a:extLst>
+              <a:ext uri="{FF2B5EF4-FFF2-40B4-BE49-F238E27FC236}">
+                <a16:creationId xmlns:a16="http://schemas.microsoft.com/office/drawing/2014/main" id="{FF9B822F-893E-44C8-963C-64F50ACECBB2}"/>
+              </a:ext>
+              <a:ext uri="{C183D7F6-B498-43B3-948B-1728B52AA6E4}">
+                <adec:decorative xmlns:adec="http://schemas.microsoft.com/office/drawing/2017/decorative" val="1"/>
+              </a:ext>
+            </a:extLst>
+          </p:cNvPr>
+          <p:cNvSpPr>
+            <a:spLocks noGrp="1" noRot="1" noChangeAspect="1" noMove="1" noResize="1" noEditPoints="1" noAdjustHandles="1" noChangeArrowheads="1" noChangeShapeType="1" noTextEdit="1"/>
+          </p:cNvSpPr>
+          <p:nvPr>
+            <p:extLst>
+              <p:ext uri="{386F3935-93C4-4BCD-93E2-E3B085C9AB24}">
+                <p16:designElem xmlns:p16="http://schemas.microsoft.com/office/powerpoint/2015/main" val="1"/>
+              </p:ext>
+            </p:extLst>
+          </p:nvPr>
+        </p:nvSpPr>
+        <p:spPr>
+          <a:xfrm>
+            <a:off x="0" y="0"/>
+            <a:ext cx="12192000" cy="6858000"/>
+          </a:xfrm>
+          <a:prstGeom prst="rect">
+            <a:avLst/>
+          </a:prstGeom>
+          <a:solidFill>
+            <a:schemeClr val="bg1"/>
+          </a:solidFill>
+          <a:ln w="12700" cap="flat" cmpd="sng" algn="ctr">
+            <a:noFill/>
+            <a:prstDash val="solid"/>
+            <a:miter lim="800000"/>
+          </a:ln>
+          <a:effectLst/>
+          <a:extLst>
+            <a:ext uri="{91240B29-F687-4F45-9708-019B960494DF}">
+              <a14:hiddenLine xmlns:a14="http://schemas.microsoft.com/office/drawing/2010/main" w="12700" cap="flat" cmpd="sng" algn="ctr">
+                <a:solidFill>
+                  <a:schemeClr val="accent1">
+                    <a:shade val="50000"/>
+                  </a:schemeClr>
+                </a:solidFill>
+                <a:prstDash val="solid"/>
+                <a:miter lim="800000"/>
+              </a14:hiddenLine>
+            </a:ext>
+          </a:extLst>
+        </p:spPr>
+        <p:style>
+          <a:lnRef idx="2">
+            <a:schemeClr val="accent1">
+              <a:shade val="50000"/>
+            </a:schemeClr>
+          </a:lnRef>
+          <a:fillRef idx="1">
+            <a:schemeClr val="accent1"/>
+          </a:fillRef>
+          <a:effectRef idx="0">
+            <a:schemeClr val="accent1"/>
+          </a:effectRef>
+          <a:fontRef idx="minor">
+            <a:schemeClr val="lt1"/>
+          </a:fontRef>
+        </p:style>
+        <p:txBody>
+          <a:bodyPr rtlCol="0" anchor="ctr"/>
+          <a:lstStyle/>
+          <a:p>
+            <a:pPr algn="ctr"/>
+            <a:endParaRPr lang="en-US"/>
+          </a:p>
+        </p:txBody>
+      </p:sp>
+      <p:sp>
+        <p:nvSpPr>
+          <p:cNvPr id="12" name="Rectangle 11">
+            <a:extLst>
+              <a:ext uri="{FF2B5EF4-FFF2-40B4-BE49-F238E27FC236}">
+                <a16:creationId xmlns:a16="http://schemas.microsoft.com/office/drawing/2014/main" id="{EBF87945-A001-489F-9D9B-7D9435F0B9CA}"/>
+              </a:ext>
+              <a:ext uri="{C183D7F6-B498-43B3-948B-1728B52AA6E4}">
+                <adec:decorative xmlns:adec="http://schemas.microsoft.com/office/drawing/2017/decorative" val="1"/>
+              </a:ext>
+            </a:extLst>
+          </p:cNvPr>
+          <p:cNvSpPr>
+            <a:spLocks noGrp="1" noRot="1" noChangeAspect="1" noMove="1" noResize="1" noEditPoints="1" noAdjustHandles="1" noChangeArrowheads="1" noChangeShapeType="1" noTextEdit="1"/>
+          </p:cNvSpPr>
+          <p:nvPr>
+            <p:extLst>
+              <p:ext uri="{386F3935-93C4-4BCD-93E2-E3B085C9AB24}">
+                <p16:designElem xmlns:p16="http://schemas.microsoft.com/office/powerpoint/2015/main" val="1"/>
+              </p:ext>
+            </p:extLst>
+          </p:nvPr>
+        </p:nvSpPr>
+        <p:spPr>
+          <a:xfrm>
+            <a:off x="548639" y="347471"/>
+            <a:ext cx="11100816" cy="1801368"/>
+          </a:xfrm>
+          <a:prstGeom prst="rect">
+            <a:avLst/>
+          </a:prstGeom>
+          <a:solidFill>
+            <a:schemeClr val="tx1">
+              <a:lumMod val="75000"/>
+              <a:lumOff val="25000"/>
+            </a:schemeClr>
+          </a:solidFill>
+          <a:ln>
+            <a:noFill/>
+          </a:ln>
+        </p:spPr>
+        <p:style>
+          <a:lnRef idx="2">
+            <a:schemeClr val="accent1">
+              <a:shade val="50000"/>
+            </a:schemeClr>
+          </a:lnRef>
+          <a:fillRef idx="1">
+            <a:schemeClr val="accent1"/>
+          </a:fillRef>
+          <a:effectRef idx="0">
+            <a:schemeClr val="accent1"/>
+          </a:effectRef>
+          <a:fontRef idx="minor">
+            <a:schemeClr val="lt1"/>
+          </a:fontRef>
+        </p:style>
+        <p:txBody>
+          <a:bodyPr rtlCol="0" anchor="ctr"/>
+          <a:lstStyle/>
+          <a:p>
+            <a:pPr algn="ctr"/>
+            <a:endParaRPr lang="en-US"/>
+          </a:p>
+        </p:txBody>
+      </p:sp>
+      <p:sp>
+        <p:nvSpPr>
           <p:cNvPr id="2" name="Title 1">
             <a:extLst>
               <a:ext uri="{FF2B5EF4-FFF2-40B4-BE49-F238E27FC236}">
-                <a16:creationId xmlns:a16="http://schemas.microsoft.com/office/drawing/2014/main" id="{8F9B19EB-AE66-4095-9B45-4E189A272D7C}"/>
+                <a16:creationId xmlns:a16="http://schemas.microsoft.com/office/drawing/2014/main" id="{82FB8FBF-1031-46B5-A87C-F43678C019B8}"/>
               </a:ext>
             </a:extLst>
           </p:cNvPr>
@@ -6752,33 +7916,91 @@
             <p:ph type="title"/>
           </p:nvPr>
         </p:nvSpPr>
-        <p:spPr/>
-        <p:txBody>
-          <a:bodyPr/>
+        <p:spPr>
+          <a:xfrm>
+            <a:off x="838200" y="585216"/>
+            <a:ext cx="10515600" cy="1325563"/>
+          </a:xfrm>
+        </p:spPr>
+        <p:txBody>
+          <a:bodyPr vert="horz" lIns="91440" tIns="45720" rIns="91440" bIns="45720" rtlCol="0" anchor="ctr">
+            <a:normAutofit/>
+          </a:bodyPr>
           <a:lstStyle/>
           <a:p>
             <a:r>
-              <a:rPr lang="en-US" err="1">
-                <a:cs typeface="Calibri Light"/>
+              <a:rPr lang="en-US">
+                <a:solidFill>
+                  <a:schemeClr val="bg1"/>
+                </a:solidFill>
               </a:rPr>
-              <a:t>Help_GUI</a:t>
+              <a:t>Game_GUI Final </a:t>
+            </a:r>
+          </a:p>
+        </p:txBody>
+      </p:sp>
+      <p:sp>
+        <p:nvSpPr>
+          <p:cNvPr id="5" name="TextBox 4">
+            <a:extLst>
+              <a:ext uri="{FF2B5EF4-FFF2-40B4-BE49-F238E27FC236}">
+                <a16:creationId xmlns:a16="http://schemas.microsoft.com/office/drawing/2014/main" id="{6BD91205-CFFE-4DB2-B4FA-3B66A4D4EB17}"/>
+              </a:ext>
+            </a:extLst>
+          </p:cNvPr>
+          <p:cNvSpPr txBox="1"/>
+          <p:nvPr/>
+        </p:nvSpPr>
+        <p:spPr>
+          <a:xfrm>
+            <a:off x="177751" y="4691264"/>
+            <a:ext cx="3813196" cy="723698"/>
+          </a:xfrm>
+          <a:prstGeom prst="rect">
+            <a:avLst/>
+          </a:prstGeom>
+        </p:spPr>
+        <p:txBody>
+          <a:bodyPr rot="0" spcFirstLastPara="0" vertOverflow="overflow" horzOverflow="overflow" vert="horz" lIns="91440" tIns="45720" rIns="91440" bIns="45720" numCol="1" spcCol="0" rtlCol="0" fromWordArt="0" anchor="ctr" anchorCtr="0" forceAA="0" compatLnSpc="1">
+            <a:prstTxWarp prst="textNoShape">
+              <a:avLst/>
+            </a:prstTxWarp>
+            <a:normAutofit lnSpcReduction="10000"/>
+          </a:bodyPr>
+          <a:lstStyle/>
+          <a:p>
+            <a:pPr>
+              <a:lnSpc>
+                <a:spcPct val="90000"/>
+              </a:lnSpc>
+              <a:spcAft>
+                <a:spcPts val="600"/>
+              </a:spcAft>
+            </a:pPr>
+            <a:r>
+              <a:rPr lang="en-US" sz="1200" dirty="0"/>
+              <a:t>This is the final version of my game </a:t>
             </a:r>
             <a:r>
-              <a:rPr lang="en-US">
-                <a:cs typeface="Calibri Light"/>
-              </a:rPr>
-              <a:t> V1</a:t>
+              <a:rPr lang="en-US" sz="1200" dirty="0" err="1"/>
+              <a:t>gui</a:t>
             </a:r>
-            <a:endParaRPr lang="en-US"/>
+            <a:r>
+              <a:rPr lang="en-US" sz="1200" dirty="0"/>
+              <a:t>. I have added the export/save button and have made sure that my question generation is working perfectly fine. I will now work on my help classes and then my history class.</a:t>
+            </a:r>
+            <a:endParaRPr lang="en-US" sz="1200" dirty="0">
+              <a:cs typeface="Calibri"/>
+            </a:endParaRPr>
           </a:p>
         </p:txBody>
       </p:sp>
       <p:pic>
         <p:nvPicPr>
-          <p:cNvPr id="4" name="Picture 4" descr="Graphical user interface, text, application&#10;&#10;Description automatically generated">
+          <p:cNvPr id="8" name="Picture 8" descr="Timeline&#10;&#10;Description automatically generated">
             <a:extLst>
               <a:ext uri="{FF2B5EF4-FFF2-40B4-BE49-F238E27FC236}">
-                <a16:creationId xmlns:a16="http://schemas.microsoft.com/office/drawing/2014/main" id="{8438ADBC-F5AF-4A8A-85E8-EE67AC40482F}"/>
+                <a16:creationId xmlns:a16="http://schemas.microsoft.com/office/drawing/2014/main" id="{D7FC79EA-84EE-4982-9317-98CCF21BC847}"/>
               </a:ext>
             </a:extLst>
           </p:cNvPr>
@@ -6797,17 +8019,47 @@
         </p:blipFill>
         <p:spPr>
           <a:xfrm>
-            <a:off x="839710" y="1519334"/>
-            <a:ext cx="3152775" cy="1971675"/>
+            <a:off x="547234" y="2122991"/>
+            <a:ext cx="2538971" cy="2399875"/>
           </a:xfrm>
         </p:spPr>
       </p:pic>
-      <p:sp>
-        <p:nvSpPr>
-          <p:cNvPr id="5" name="TextBox 4">
+      <p:pic>
+        <p:nvPicPr>
+          <p:cNvPr id="9" name="Picture 10" descr="Timeline&#10;&#10;Description automatically generated">
             <a:extLst>
               <a:ext uri="{FF2B5EF4-FFF2-40B4-BE49-F238E27FC236}">
-                <a16:creationId xmlns:a16="http://schemas.microsoft.com/office/drawing/2014/main" id="{2451DC0A-CE8C-4807-BE9D-490B61D1DB52}"/>
+                <a16:creationId xmlns:a16="http://schemas.microsoft.com/office/drawing/2014/main" id="{750F2E14-5FA7-47BD-97CC-8BC03DBB67FA}"/>
+              </a:ext>
+            </a:extLst>
+          </p:cNvPr>
+          <p:cNvPicPr>
+            <a:picLocks noChangeAspect="1"/>
+          </p:cNvPicPr>
+          <p:nvPr/>
+        </p:nvPicPr>
+        <p:blipFill>
+          <a:blip r:embed="rId3"/>
+          <a:stretch>
+            <a:fillRect/>
+          </a:stretch>
+        </p:blipFill>
+        <p:spPr>
+          <a:xfrm>
+            <a:off x="9091961" y="2150809"/>
+            <a:ext cx="2557347" cy="2398409"/>
+          </a:xfrm>
+          <a:prstGeom prst="rect">
+            <a:avLst/>
+          </a:prstGeom>
+        </p:spPr>
+      </p:pic>
+      <p:sp>
+        <p:nvSpPr>
+          <p:cNvPr id="13" name="TextBox 12">
+            <a:extLst>
+              <a:ext uri="{FF2B5EF4-FFF2-40B4-BE49-F238E27FC236}">
+                <a16:creationId xmlns:a16="http://schemas.microsoft.com/office/drawing/2014/main" id="{F13D55FB-4924-4928-8E29-4D38F59B4ECB}"/>
               </a:ext>
             </a:extLst>
           </p:cNvPr>
@@ -6816,8 +8068,8 @@
         </p:nvSpPr>
         <p:spPr>
           <a:xfrm>
-            <a:off x="5123985" y="1713570"/>
-            <a:ext cx="3468029" cy="1200329"/>
+            <a:off x="9002519" y="4644251"/>
+            <a:ext cx="2743200" cy="923330"/>
           </a:xfrm>
           <a:prstGeom prst="rect">
             <a:avLst/>
@@ -6834,10 +8086,10 @@
           <a:lstStyle/>
           <a:p>
             <a:r>
-              <a:rPr lang="en-US">
+              <a:rPr lang="en-US" dirty="0">
                 <a:cs typeface="Calibri"/>
               </a:rPr>
-              <a:t>First version of my help class. It is working and doing what it needs to. I can now shift my attention to my history and export classes.</a:t>
+              <a:t>I have changed where the Question so it is easier to identify it.</a:t>
             </a:r>
           </a:p>
         </p:txBody>
@@ -6845,7 +8097,7 @@
     </p:spTree>
     <p:extLst>
       <p:ext uri="{BB962C8B-B14F-4D97-AF65-F5344CB8AC3E}">
-        <p14:creationId xmlns:p14="http://schemas.microsoft.com/office/powerpoint/2010/main" val="1147695793"/>
+        <p14:creationId xmlns:p14="http://schemas.microsoft.com/office/powerpoint/2010/main" val="794014388"/>
       </p:ext>
     </p:extLst>
   </p:cSld>
@@ -6855,9 +8107,17 @@
 </p:sld>
 </file>
 
-<file path=ppt/slides/slide17.xml><?xml version="1.0" encoding="utf-8"?>
+<file path=ppt/slides/slide18.xml><?xml version="1.0" encoding="utf-8"?>
 <p:sld xmlns:a="http://schemas.openxmlformats.org/drawingml/2006/main" xmlns:r="http://schemas.openxmlformats.org/officeDocument/2006/relationships" xmlns:p="http://schemas.openxmlformats.org/presentationml/2006/main">
   <p:cSld>
+    <p:bg>
+      <p:bgPr>
+        <a:solidFill>
+          <a:schemeClr val="bg1"/>
+        </a:solidFill>
+        <a:effectLst/>
+      </p:bgPr>
+    </p:bg>
     <p:spTree>
       <p:nvGrpSpPr>
         <p:cNvPr id="1" name=""/>
@@ -6874,10 +8134,155 @@
       </p:grpSpPr>
       <p:sp>
         <p:nvSpPr>
+          <p:cNvPr id="10" name="Rectangle 9">
+            <a:extLst>
+              <a:ext uri="{FF2B5EF4-FFF2-40B4-BE49-F238E27FC236}">
+                <a16:creationId xmlns:a16="http://schemas.microsoft.com/office/drawing/2014/main" id="{FF9B822F-893E-44C8-963C-64F50ACECBB2}"/>
+              </a:ext>
+              <a:ext uri="{C183D7F6-B498-43B3-948B-1728B52AA6E4}">
+                <adec:decorative xmlns:adec="http://schemas.microsoft.com/office/drawing/2017/decorative" val="1"/>
+              </a:ext>
+            </a:extLst>
+          </p:cNvPr>
+          <p:cNvSpPr>
+            <a:spLocks noGrp="1" noRot="1" noChangeAspect="1" noMove="1" noResize="1" noEditPoints="1" noAdjustHandles="1" noChangeArrowheads="1" noChangeShapeType="1" noTextEdit="1"/>
+          </p:cNvSpPr>
+          <p:nvPr>
+            <p:extLst>
+              <p:ext uri="{386F3935-93C4-4BCD-93E2-E3B085C9AB24}">
+                <p16:designElem xmlns:p16="http://schemas.microsoft.com/office/powerpoint/2015/main" val="1"/>
+              </p:ext>
+            </p:extLst>
+          </p:nvPr>
+        </p:nvSpPr>
+        <p:spPr>
+          <a:xfrm>
+            <a:off x="0" y="0"/>
+            <a:ext cx="12192000" cy="6858000"/>
+          </a:xfrm>
+          <a:prstGeom prst="rect">
+            <a:avLst/>
+          </a:prstGeom>
+          <a:solidFill>
+            <a:schemeClr val="bg1"/>
+          </a:solidFill>
+          <a:ln w="12700" cap="flat" cmpd="sng" algn="ctr">
+            <a:noFill/>
+            <a:prstDash val="solid"/>
+            <a:miter lim="800000"/>
+          </a:ln>
+          <a:effectLst/>
+          <a:extLst>
+            <a:ext uri="{91240B29-F687-4F45-9708-019B960494DF}">
+              <a14:hiddenLine xmlns:a14="http://schemas.microsoft.com/office/drawing/2010/main" w="12700" cap="flat" cmpd="sng" algn="ctr">
+                <a:solidFill>
+                  <a:schemeClr val="accent1">
+                    <a:shade val="50000"/>
+                  </a:schemeClr>
+                </a:solidFill>
+                <a:prstDash val="solid"/>
+                <a:miter lim="800000"/>
+              </a14:hiddenLine>
+            </a:ext>
+          </a:extLst>
+        </p:spPr>
+        <p:style>
+          <a:lnRef idx="2">
+            <a:schemeClr val="accent1">
+              <a:shade val="50000"/>
+            </a:schemeClr>
+          </a:lnRef>
+          <a:fillRef idx="1">
+            <a:schemeClr val="accent1"/>
+          </a:fillRef>
+          <a:effectRef idx="0">
+            <a:schemeClr val="accent1"/>
+          </a:effectRef>
+          <a:fontRef idx="minor">
+            <a:schemeClr val="lt1"/>
+          </a:fontRef>
+        </p:style>
+        <p:txBody>
+          <a:bodyPr rtlCol="0" anchor="ctr"/>
+          <a:lstStyle/>
+          <a:p>
+            <a:pPr algn="ctr"/>
+            <a:endParaRPr lang="en-US"/>
+          </a:p>
+        </p:txBody>
+      </p:sp>
+      <p:sp>
+        <p:nvSpPr>
+          <p:cNvPr id="12" name="Rectangle 11">
+            <a:extLst>
+              <a:ext uri="{FF2B5EF4-FFF2-40B4-BE49-F238E27FC236}">
+                <a16:creationId xmlns:a16="http://schemas.microsoft.com/office/drawing/2014/main" id="{EBF87945-A001-489F-9D9B-7D9435F0B9CA}"/>
+              </a:ext>
+              <a:ext uri="{C183D7F6-B498-43B3-948B-1728B52AA6E4}">
+                <adec:decorative xmlns:adec="http://schemas.microsoft.com/office/drawing/2017/decorative" val="1"/>
+              </a:ext>
+            </a:extLst>
+          </p:cNvPr>
+          <p:cNvSpPr>
+            <a:spLocks noGrp="1" noRot="1" noChangeAspect="1" noMove="1" noResize="1" noEditPoints="1" noAdjustHandles="1" noChangeArrowheads="1" noChangeShapeType="1" noTextEdit="1"/>
+          </p:cNvSpPr>
+          <p:nvPr>
+            <p:extLst>
+              <p:ext uri="{386F3935-93C4-4BCD-93E2-E3B085C9AB24}">
+                <p16:designElem xmlns:p16="http://schemas.microsoft.com/office/powerpoint/2015/main" val="1"/>
+              </p:ext>
+            </p:extLst>
+          </p:nvPr>
+        </p:nvSpPr>
+        <p:spPr>
+          <a:xfrm>
+            <a:off x="548639" y="347471"/>
+            <a:ext cx="11100816" cy="1801368"/>
+          </a:xfrm>
+          <a:prstGeom prst="rect">
+            <a:avLst/>
+          </a:prstGeom>
+          <a:solidFill>
+            <a:schemeClr val="tx1">
+              <a:lumMod val="75000"/>
+              <a:lumOff val="25000"/>
+            </a:schemeClr>
+          </a:solidFill>
+          <a:ln>
+            <a:noFill/>
+          </a:ln>
+        </p:spPr>
+        <p:style>
+          <a:lnRef idx="2">
+            <a:schemeClr val="accent1">
+              <a:shade val="50000"/>
+            </a:schemeClr>
+          </a:lnRef>
+          <a:fillRef idx="1">
+            <a:schemeClr val="accent1"/>
+          </a:fillRef>
+          <a:effectRef idx="0">
+            <a:schemeClr val="accent1"/>
+          </a:effectRef>
+          <a:fontRef idx="minor">
+            <a:schemeClr val="lt1"/>
+          </a:fontRef>
+        </p:style>
+        <p:txBody>
+          <a:bodyPr rtlCol="0" anchor="ctr"/>
+          <a:lstStyle/>
+          <a:p>
+            <a:pPr algn="ctr"/>
+            <a:endParaRPr lang="en-US"/>
+          </a:p>
+        </p:txBody>
+      </p:sp>
+      <p:sp>
+        <p:nvSpPr>
           <p:cNvPr id="2" name="Title 1">
             <a:extLst>
               <a:ext uri="{FF2B5EF4-FFF2-40B4-BE49-F238E27FC236}">
-                <a16:creationId xmlns:a16="http://schemas.microsoft.com/office/drawing/2014/main" id="{9CBE8611-D923-452D-A3A1-3B9294584E4C}"/>
+                <a16:creationId xmlns:a16="http://schemas.microsoft.com/office/drawing/2014/main" id="{8F9B19EB-AE66-4095-9B45-4E189A272D7C}"/>
               </a:ext>
             </a:extLst>
           </p:cNvPr>
@@ -6888,27 +8293,35 @@
             <p:ph type="title"/>
           </p:nvPr>
         </p:nvSpPr>
-        <p:spPr/>
-        <p:txBody>
-          <a:bodyPr/>
+        <p:spPr>
+          <a:xfrm>
+            <a:off x="838200" y="585216"/>
+            <a:ext cx="10515600" cy="1325563"/>
+          </a:xfrm>
+        </p:spPr>
+        <p:txBody>
+          <a:bodyPr vert="horz" lIns="91440" tIns="45720" rIns="91440" bIns="45720" rtlCol="0" anchor="ctr">
+            <a:normAutofit/>
+          </a:bodyPr>
           <a:lstStyle/>
           <a:p>
             <a:r>
               <a:rPr lang="en-US">
-                <a:cs typeface="Calibri Light"/>
+                <a:solidFill>
+                  <a:schemeClr val="bg1"/>
+                </a:solidFill>
               </a:rPr>
-              <a:t>History Class v1</a:t>
+              <a:t>Help_GUI V1</a:t>
             </a:r>
-            <a:endParaRPr lang="en-US"/>
           </a:p>
         </p:txBody>
       </p:sp>
       <p:pic>
         <p:nvPicPr>
-          <p:cNvPr id="4" name="Picture 4" descr="Text&#10;&#10;Description automatically generated">
+          <p:cNvPr id="4" name="Picture 4" descr="Graphical user interface, text, application&#10;&#10;Description automatically generated">
             <a:extLst>
               <a:ext uri="{FF2B5EF4-FFF2-40B4-BE49-F238E27FC236}">
-                <a16:creationId xmlns:a16="http://schemas.microsoft.com/office/drawing/2014/main" id="{9BBC0BB1-05B1-4C7A-BAA6-9D1A3EC4405E}"/>
+                <a16:creationId xmlns:a16="http://schemas.microsoft.com/office/drawing/2014/main" id="{8438ADBC-F5AF-4A8A-85E8-EE67AC40482F}"/>
               </a:ext>
             </a:extLst>
           </p:cNvPr>
@@ -6919,17 +8332,19 @@
             <p:ph idx="1"/>
           </p:nvPr>
         </p:nvPicPr>
-        <p:blipFill>
+        <p:blipFill rotWithShape="1">
           <a:blip r:embed="rId2"/>
-          <a:stretch>
-            <a:fillRect/>
-          </a:stretch>
+          <a:srcRect t="2134" r="3" b="4017"/>
+          <a:stretch/>
         </p:blipFill>
         <p:spPr>
           <a:xfrm>
-            <a:off x="841036" y="1709461"/>
-            <a:ext cx="2924175" cy="1724025"/>
+            <a:off x="841248" y="2516777"/>
+            <a:ext cx="6236208" cy="3660185"/>
           </a:xfrm>
+          <a:prstGeom prst="rect">
+            <a:avLst/>
+          </a:prstGeom>
         </p:spPr>
       </p:pic>
       <p:sp>
@@ -6937,7 +8352,7 @@
           <p:cNvPr id="5" name="TextBox 4">
             <a:extLst>
               <a:ext uri="{FF2B5EF4-FFF2-40B4-BE49-F238E27FC236}">
-                <a16:creationId xmlns:a16="http://schemas.microsoft.com/office/drawing/2014/main" id="{7289C07D-6306-43CA-BD99-6E1012B6AADC}"/>
+                <a16:creationId xmlns:a16="http://schemas.microsoft.com/office/drawing/2014/main" id="{2451DC0A-CE8C-4807-BE9D-490B61D1DB52}"/>
               </a:ext>
             </a:extLst>
           </p:cNvPr>
@@ -6946,41 +8361,43 @@
         </p:nvSpPr>
         <p:spPr>
           <a:xfrm>
-            <a:off x="6062785" y="1695938"/>
-            <a:ext cx="3690814" cy="1200329"/>
+            <a:off x="7546848" y="2516777"/>
+            <a:ext cx="3803904" cy="3660185"/>
           </a:xfrm>
           <a:prstGeom prst="rect">
             <a:avLst/>
           </a:prstGeom>
-          <a:noFill/>
         </p:spPr>
         <p:txBody>
-          <a:bodyPr rot="0" spcFirstLastPara="0" vertOverflow="overflow" horzOverflow="overflow" vert="horz" wrap="square" lIns="91440" tIns="45720" rIns="91440" bIns="45720" numCol="1" spcCol="0" rtlCol="0" fromWordArt="0" anchor="t" anchorCtr="0" forceAA="0" compatLnSpc="1">
+          <a:bodyPr rot="0" spcFirstLastPara="0" vertOverflow="overflow" horzOverflow="overflow" vert="horz" lIns="91440" tIns="45720" rIns="91440" bIns="45720" numCol="1" spcCol="0" rtlCol="0" fromWordArt="0" anchor="ctr" anchorCtr="0" forceAA="0" compatLnSpc="1">
             <a:prstTxWarp prst="textNoShape">
               <a:avLst/>
             </a:prstTxWarp>
-            <a:spAutoFit/>
+            <a:normAutofit/>
           </a:bodyPr>
           <a:lstStyle/>
           <a:p>
+            <a:pPr indent="-228600">
+              <a:lnSpc>
+                <a:spcPct val="90000"/>
+              </a:lnSpc>
+              <a:spcAft>
+                <a:spcPts val="600"/>
+              </a:spcAft>
+              <a:buFont typeface="Arial" panose="020B0604020202020204" pitchFamily="34" charset="0"/>
+              <a:buChar char="•"/>
+            </a:pPr>
             <a:r>
-              <a:rPr lang="en-US" dirty="0"/>
-              <a:t>First verison of </a:t>
+              <a:rPr lang="en-US" sz="2200"/>
+              <a:t>First version of my help class. It is working and doing what it needs to. I can now shift my attention to my history and export classes.</a:t>
             </a:r>
-            <a:r>
-              <a:rPr lang="en-US"/>
-              <a:t>my History class will leave it for now as I need to finish the assesment asap and now I can focus on my stats and export classes</a:t>
-            </a:r>
-            <a:endParaRPr lang="en-US" dirty="0">
-              <a:cs typeface="Calibri"/>
-            </a:endParaRPr>
           </a:p>
         </p:txBody>
       </p:sp>
     </p:spTree>
     <p:extLst>
       <p:ext uri="{BB962C8B-B14F-4D97-AF65-F5344CB8AC3E}">
-        <p14:creationId xmlns:p14="http://schemas.microsoft.com/office/powerpoint/2010/main" val="1323580387"/>
+        <p14:creationId xmlns:p14="http://schemas.microsoft.com/office/powerpoint/2010/main" val="1147695793"/>
       </p:ext>
     </p:extLst>
   </p:cSld>
@@ -6990,9 +8407,17 @@
 </p:sld>
 </file>
 
-<file path=ppt/slides/slide18.xml><?xml version="1.0" encoding="utf-8"?>
+<file path=ppt/slides/slide19.xml><?xml version="1.0" encoding="utf-8"?>
 <p:sld xmlns:a="http://schemas.openxmlformats.org/drawingml/2006/main" xmlns:r="http://schemas.openxmlformats.org/officeDocument/2006/relationships" xmlns:p="http://schemas.openxmlformats.org/presentationml/2006/main">
   <p:cSld>
+    <p:bg>
+      <p:bgPr>
+        <a:solidFill>
+          <a:schemeClr val="bg1"/>
+        </a:solidFill>
+        <a:effectLst/>
+      </p:bgPr>
+    </p:bg>
     <p:spTree>
       <p:nvGrpSpPr>
         <p:cNvPr id="1" name=""/>
@@ -7012,7 +8437,7 @@
           <p:cNvPr id="2" name="Title 1">
             <a:extLst>
               <a:ext uri="{FF2B5EF4-FFF2-40B4-BE49-F238E27FC236}">
-                <a16:creationId xmlns:a16="http://schemas.microsoft.com/office/drawing/2014/main" id="{84D0D12E-199B-43E5-985E-D1696BFD8418}"/>
+                <a16:creationId xmlns:a16="http://schemas.microsoft.com/office/drawing/2014/main" id="{3338A35F-DABA-455B-8609-6074B938D782}"/>
               </a:ext>
             </a:extLst>
           </p:cNvPr>
@@ -7023,27 +8448,141 @@
             <p:ph type="title"/>
           </p:nvPr>
         </p:nvSpPr>
-        <p:spPr/>
-        <p:txBody>
-          <a:bodyPr/>
+        <p:spPr>
+          <a:xfrm>
+            <a:off x="648929" y="629266"/>
+            <a:ext cx="3667039" cy="1676603"/>
+          </a:xfrm>
+        </p:spPr>
+        <p:txBody>
+          <a:bodyPr vert="horz" lIns="91440" tIns="45720" rIns="91440" bIns="45720" rtlCol="0" anchor="ctr">
+            <a:normAutofit/>
+          </a:bodyPr>
           <a:lstStyle/>
           <a:p>
             <a:r>
-              <a:rPr lang="en-US">
-                <a:cs typeface="Calibri Light"/>
-              </a:rPr>
-              <a:t>Export Class</a:t>
+              <a:rPr lang="en-US" sz="3600"/>
+              <a:t>Help GUI_V2</a:t>
             </a:r>
+          </a:p>
+        </p:txBody>
+      </p:sp>
+      <p:sp>
+        <p:nvSpPr>
+          <p:cNvPr id="5" name="TextBox 4">
+            <a:extLst>
+              <a:ext uri="{FF2B5EF4-FFF2-40B4-BE49-F238E27FC236}">
+                <a16:creationId xmlns:a16="http://schemas.microsoft.com/office/drawing/2014/main" id="{CBF23F37-2278-4E92-B09D-D23C6A43DF06}"/>
+              </a:ext>
+            </a:extLst>
+          </p:cNvPr>
+          <p:cNvSpPr txBox="1"/>
+          <p:nvPr/>
+        </p:nvSpPr>
+        <p:spPr>
+          <a:xfrm>
+            <a:off x="648931" y="2438401"/>
+            <a:ext cx="3667036" cy="3779520"/>
+          </a:xfrm>
+          <a:prstGeom prst="rect">
+            <a:avLst/>
+          </a:prstGeom>
+        </p:spPr>
+        <p:txBody>
+          <a:bodyPr rot="0" spcFirstLastPara="0" vertOverflow="overflow" horzOverflow="overflow" vert="horz" lIns="91440" tIns="45720" rIns="91440" bIns="45720" numCol="1" spcCol="0" rtlCol="0" fromWordArt="0" anchorCtr="0" forceAA="0" compatLnSpc="1">
+            <a:prstTxWarp prst="textNoShape">
+              <a:avLst/>
+            </a:prstTxWarp>
+            <a:normAutofit/>
+          </a:bodyPr>
+          <a:lstStyle/>
+          <a:p>
+            <a:pPr indent="-228600">
+              <a:lnSpc>
+                <a:spcPct val="90000"/>
+              </a:lnSpc>
+              <a:spcAft>
+                <a:spcPts val="600"/>
+              </a:spcAft>
+              <a:buFont typeface="Arial" panose="020B0604020202020204" pitchFamily="34" charset="0"/>
+              <a:buChar char="•"/>
+            </a:pPr>
+            <a:r>
+              <a:rPr lang="en-US"/>
+              <a:t>Updated my help GUI to make it clearer to those that read it and do need help when they do the quiz. Will need to make it even better which you will see in my next Help Gui </a:t>
+            </a:r>
+          </a:p>
+        </p:txBody>
+      </p:sp>
+      <p:sp>
+        <p:nvSpPr>
+          <p:cNvPr id="7" name="Rectangle 9">
+            <a:extLst>
+              <a:ext uri="{FF2B5EF4-FFF2-40B4-BE49-F238E27FC236}">
+                <a16:creationId xmlns:a16="http://schemas.microsoft.com/office/drawing/2014/main" id="{F2B38F72-8FC4-4001-8C67-FA6B86DEC767}"/>
+              </a:ext>
+              <a:ext uri="{C183D7F6-B498-43B3-948B-1728B52AA6E4}">
+                <adec:decorative xmlns:adec="http://schemas.microsoft.com/office/drawing/2017/decorative" val="1"/>
+              </a:ext>
+            </a:extLst>
+          </p:cNvPr>
+          <p:cNvSpPr>
+            <a:spLocks noGrp="1" noRot="1" noChangeAspect="1" noMove="1" noResize="1" noEditPoints="1" noAdjustHandles="1" noChangeArrowheads="1" noChangeShapeType="1" noTextEdit="1"/>
+          </p:cNvSpPr>
+          <p:nvPr>
+            <p:extLst>
+              <p:ext uri="{386F3935-93C4-4BCD-93E2-E3B085C9AB24}">
+                <p16:designElem xmlns:p16="http://schemas.microsoft.com/office/powerpoint/2015/main" val="1"/>
+              </p:ext>
+            </p:extLst>
+          </p:nvPr>
+        </p:nvSpPr>
+        <p:spPr>
+          <a:xfrm>
+            <a:off x="4636008" y="2"/>
+            <a:ext cx="7555992" cy="6857998"/>
+          </a:xfrm>
+          <a:prstGeom prst="rect">
+            <a:avLst/>
+          </a:prstGeom>
+          <a:solidFill>
+            <a:schemeClr val="tx1"/>
+          </a:solidFill>
+          <a:ln>
+            <a:noFill/>
+          </a:ln>
+        </p:spPr>
+        <p:style>
+          <a:lnRef idx="2">
+            <a:schemeClr val="accent1">
+              <a:shade val="50000"/>
+            </a:schemeClr>
+          </a:lnRef>
+          <a:fillRef idx="1">
+            <a:schemeClr val="accent1"/>
+          </a:fillRef>
+          <a:effectRef idx="0">
+            <a:schemeClr val="accent1"/>
+          </a:effectRef>
+          <a:fontRef idx="minor">
+            <a:schemeClr val="lt1"/>
+          </a:fontRef>
+        </p:style>
+        <p:txBody>
+          <a:bodyPr rtlCol="0" anchor="ctr"/>
+          <a:lstStyle/>
+          <a:p>
+            <a:pPr algn="ctr"/>
             <a:endParaRPr lang="en-US"/>
           </a:p>
         </p:txBody>
       </p:sp>
       <p:pic>
         <p:nvPicPr>
-          <p:cNvPr id="4" name="Picture 4" descr="Graphical user interface, text&#10;&#10;Description automatically generated">
+          <p:cNvPr id="4" name="Picture 4" descr="Graphical user interface, text, application&#10;&#10;Description automatically generated">
             <a:extLst>
               <a:ext uri="{FF2B5EF4-FFF2-40B4-BE49-F238E27FC236}">
-                <a16:creationId xmlns:a16="http://schemas.microsoft.com/office/drawing/2014/main" id="{B604AD74-1755-4B20-8AD5-BBD46A5255B2}"/>
+                <a16:creationId xmlns:a16="http://schemas.microsoft.com/office/drawing/2014/main" id="{E47BF48B-7588-4313-AA40-790DCA6BB714}"/>
               </a:ext>
             </a:extLst>
           </p:cNvPr>
@@ -7054,77 +8593,31 @@
             <p:ph idx="1"/>
           </p:nvPr>
         </p:nvPicPr>
-        <p:blipFill>
+        <p:blipFill rotWithShape="1">
           <a:blip r:embed="rId2"/>
-          <a:stretch>
-            <a:fillRect/>
-          </a:stretch>
+          <a:srcRect t="2924" b="3312"/>
+          <a:stretch/>
         </p:blipFill>
         <p:spPr>
           <a:xfrm>
-            <a:off x="635610" y="1637994"/>
-            <a:ext cx="2714625" cy="2733675"/>
-          </a:xfrm>
-        </p:spPr>
-      </p:pic>
-      <p:sp>
-        <p:nvSpPr>
-          <p:cNvPr id="5" name="TextBox 4">
-            <a:extLst>
-              <a:ext uri="{FF2B5EF4-FFF2-40B4-BE49-F238E27FC236}">
-                <a16:creationId xmlns:a16="http://schemas.microsoft.com/office/drawing/2014/main" id="{5F27FE93-30F7-4FFA-9B48-9F56B1846238}"/>
-              </a:ext>
-            </a:extLst>
-          </p:cNvPr>
-          <p:cNvSpPr txBox="1"/>
-          <p:nvPr/>
-        </p:nvSpPr>
-        <p:spPr>
-          <a:xfrm>
-            <a:off x="6678246" y="1637323"/>
-            <a:ext cx="4247660" cy="1200329"/>
+            <a:off x="5276088" y="640082"/>
+            <a:ext cx="6276250" cy="5577838"/>
           </a:xfrm>
           <a:prstGeom prst="rect">
             <a:avLst/>
           </a:prstGeom>
-          <a:noFill/>
+          <a:effectLst/>
         </p:spPr>
-        <p:txBody>
-          <a:bodyPr rot="0" spcFirstLastPara="0" vertOverflow="overflow" horzOverflow="overflow" vert="horz" wrap="square" lIns="91440" tIns="45720" rIns="91440" bIns="45720" numCol="1" spcCol="0" rtlCol="0" fromWordArt="0" anchor="t" anchorCtr="0" forceAA="0" compatLnSpc="1">
-            <a:prstTxWarp prst="textNoShape">
-              <a:avLst/>
-            </a:prstTxWarp>
-            <a:spAutoFit/>
-          </a:bodyPr>
-          <a:lstStyle/>
-          <a:p>
-            <a:r>
-              <a:rPr lang="en-US" dirty="0">
-                <a:cs typeface="Calibri"/>
-              </a:rPr>
-              <a:t>This Export class is from mystery box, and it works exactly how it should. This will be my </a:t>
-            </a:r>
-            <a:r>
-              <a:rPr lang="en-US">
-                <a:cs typeface="Calibri"/>
-              </a:rPr>
-              <a:t>first and final version of my export class. I will come back to it if I need to.</a:t>
-            </a:r>
-            <a:endParaRPr lang="en-US" dirty="0">
-              <a:cs typeface="Calibri"/>
-            </a:endParaRPr>
-          </a:p>
-        </p:txBody>
-      </p:sp>
+      </p:pic>
     </p:spTree>
     <p:extLst>
       <p:ext uri="{BB962C8B-B14F-4D97-AF65-F5344CB8AC3E}">
-        <p14:creationId xmlns:p14="http://schemas.microsoft.com/office/powerpoint/2010/main" val="2698637891"/>
+        <p14:creationId xmlns:p14="http://schemas.microsoft.com/office/powerpoint/2010/main" val="4073712171"/>
       </p:ext>
     </p:extLst>
   </p:cSld>
   <p:clrMapOvr>
-    <a:masterClrMapping/>
+    <a:overrideClrMapping bg1="dk1" tx1="lt1" bg2="dk2" tx2="lt2" accent1="accent1" accent2="accent2" accent3="accent3" accent4="accent4" accent5="accent5" accent6="accent6" hlink="hlink" folHlink="folHlink"/>
   </p:clrMapOvr>
 </p:sld>
 </file>
@@ -7249,6 +8742,474 @@
     <p:extLst>
       <p:ext uri="{BB962C8B-B14F-4D97-AF65-F5344CB8AC3E}">
         <p14:creationId xmlns:p14="http://schemas.microsoft.com/office/powerpoint/2010/main" val="358461426"/>
+      </p:ext>
+    </p:extLst>
+  </p:cSld>
+  <p:clrMapOvr>
+    <a:masterClrMapping/>
+  </p:clrMapOvr>
+</p:sld>
+</file>
+
+<file path=ppt/slides/slide20.xml><?xml version="1.0" encoding="utf-8"?>
+<p:sld xmlns:a="http://schemas.openxmlformats.org/drawingml/2006/main" xmlns:r="http://schemas.openxmlformats.org/officeDocument/2006/relationships" xmlns:p="http://schemas.openxmlformats.org/presentationml/2006/main">
+  <p:cSld>
+    <p:spTree>
+      <p:nvGrpSpPr>
+        <p:cNvPr id="1" name=""/>
+        <p:cNvGrpSpPr/>
+        <p:nvPr/>
+      </p:nvGrpSpPr>
+      <p:grpSpPr>
+        <a:xfrm>
+          <a:off x="0" y="0"/>
+          <a:ext cx="0" cy="0"/>
+          <a:chOff x="0" y="0"/>
+          <a:chExt cx="0" cy="0"/>
+        </a:xfrm>
+      </p:grpSpPr>
+      <p:sp>
+        <p:nvSpPr>
+          <p:cNvPr id="2" name="Title 1">
+            <a:extLst>
+              <a:ext uri="{FF2B5EF4-FFF2-40B4-BE49-F238E27FC236}">
+                <a16:creationId xmlns:a16="http://schemas.microsoft.com/office/drawing/2014/main" id="{EBD7D066-8CE0-4FF3-8DC5-ECEB4DD8FB3E}"/>
+              </a:ext>
+            </a:extLst>
+          </p:cNvPr>
+          <p:cNvSpPr>
+            <a:spLocks noGrp="1"/>
+          </p:cNvSpPr>
+          <p:nvPr>
+            <p:ph type="title"/>
+          </p:nvPr>
+        </p:nvSpPr>
+        <p:spPr/>
+        <p:txBody>
+          <a:bodyPr/>
+          <a:lstStyle/>
+          <a:p>
+            <a:endParaRPr lang="en-US"/>
+          </a:p>
+        </p:txBody>
+      </p:sp>
+      <p:pic>
+        <p:nvPicPr>
+          <p:cNvPr id="4" name="Picture 4" descr="Text, timeline&#10;&#10;Description automatically generated">
+            <a:extLst>
+              <a:ext uri="{FF2B5EF4-FFF2-40B4-BE49-F238E27FC236}">
+                <a16:creationId xmlns:a16="http://schemas.microsoft.com/office/drawing/2014/main" id="{4FB97E77-E247-4A24-B0FF-F97706586B45}"/>
+              </a:ext>
+            </a:extLst>
+          </p:cNvPr>
+          <p:cNvPicPr>
+            <a:picLocks noGrp="1" noChangeAspect="1"/>
+          </p:cNvPicPr>
+          <p:nvPr>
+            <p:ph idx="1"/>
+          </p:nvPr>
+        </p:nvPicPr>
+        <p:blipFill>
+          <a:blip r:embed="rId2"/>
+          <a:stretch>
+            <a:fillRect/>
+          </a:stretch>
+        </p:blipFill>
+        <p:spPr>
+          <a:xfrm>
+            <a:off x="684871" y="1794630"/>
+            <a:ext cx="1947747" cy="2248133"/>
+          </a:xfrm>
+        </p:spPr>
+      </p:pic>
+      <p:sp>
+        <p:nvSpPr>
+          <p:cNvPr id="5" name="TextBox 4">
+            <a:extLst>
+              <a:ext uri="{FF2B5EF4-FFF2-40B4-BE49-F238E27FC236}">
+                <a16:creationId xmlns:a16="http://schemas.microsoft.com/office/drawing/2014/main" id="{FB094B74-0B5A-45CD-B694-352345F0BA54}"/>
+              </a:ext>
+            </a:extLst>
+          </p:cNvPr>
+          <p:cNvSpPr txBox="1"/>
+          <p:nvPr/>
+        </p:nvSpPr>
+        <p:spPr>
+          <a:xfrm>
+            <a:off x="245327" y="4046035"/>
+            <a:ext cx="2436542" cy="1569660"/>
+          </a:xfrm>
+          <a:prstGeom prst="rect">
+            <a:avLst/>
+          </a:prstGeom>
+          <a:noFill/>
+        </p:spPr>
+        <p:txBody>
+          <a:bodyPr rot="0" spcFirstLastPara="0" vertOverflow="overflow" horzOverflow="overflow" vert="horz" wrap="square" lIns="91440" tIns="45720" rIns="91440" bIns="45720" numCol="1" spcCol="0" rtlCol="0" fromWordArt="0" anchor="t" anchorCtr="0" forceAA="0" compatLnSpc="1">
+            <a:prstTxWarp prst="textNoShape">
+              <a:avLst/>
+            </a:prstTxWarp>
+            <a:spAutoFit/>
+          </a:bodyPr>
+          <a:lstStyle/>
+          <a:p>
+            <a:r>
+              <a:rPr lang="en-US" sz="1200" dirty="0">
+                <a:cs typeface="Calibri"/>
+              </a:rPr>
+              <a:t>Have updated my help class so that the instructions / help are clear so that it is easier to find what you are looking for. One difference in the code was to hold the help text in a different string in the label. This made it easier to direct your self to where you are.</a:t>
+            </a:r>
+          </a:p>
+        </p:txBody>
+      </p:sp>
+      <p:pic>
+        <p:nvPicPr>
+          <p:cNvPr id="6" name="Picture 6" descr="Text, timeline&#10;&#10;Description automatically generated">
+            <a:extLst>
+              <a:ext uri="{FF2B5EF4-FFF2-40B4-BE49-F238E27FC236}">
+                <a16:creationId xmlns:a16="http://schemas.microsoft.com/office/drawing/2014/main" id="{05759C2A-6B97-41F9-8679-DBBB986216A1}"/>
+              </a:ext>
+            </a:extLst>
+          </p:cNvPr>
+          <p:cNvPicPr>
+            <a:picLocks noChangeAspect="1"/>
+          </p:cNvPicPr>
+          <p:nvPr/>
+        </p:nvPicPr>
+        <p:blipFill>
+          <a:blip r:embed="rId3"/>
+          <a:stretch>
+            <a:fillRect/>
+          </a:stretch>
+        </p:blipFill>
+        <p:spPr>
+          <a:xfrm>
+            <a:off x="2958790" y="1753114"/>
+            <a:ext cx="1934737" cy="2255236"/>
+          </a:xfrm>
+          <a:prstGeom prst="rect">
+            <a:avLst/>
+          </a:prstGeom>
+        </p:spPr>
+      </p:pic>
+      <p:sp>
+        <p:nvSpPr>
+          <p:cNvPr id="7" name="TextBox 6">
+            <a:extLst>
+              <a:ext uri="{FF2B5EF4-FFF2-40B4-BE49-F238E27FC236}">
+                <a16:creationId xmlns:a16="http://schemas.microsoft.com/office/drawing/2014/main" id="{E503F48E-5D6B-4297-B4BA-E1202BFA09DD}"/>
+              </a:ext>
+            </a:extLst>
+          </p:cNvPr>
+          <p:cNvSpPr txBox="1"/>
+          <p:nvPr/>
+        </p:nvSpPr>
+        <p:spPr>
+          <a:xfrm>
+            <a:off x="2930912" y="4046034"/>
+            <a:ext cx="1962615" cy="461665"/>
+          </a:xfrm>
+          <a:prstGeom prst="rect">
+            <a:avLst/>
+          </a:prstGeom>
+          <a:noFill/>
+        </p:spPr>
+        <p:txBody>
+          <a:bodyPr rot="0" spcFirstLastPara="0" vertOverflow="overflow" horzOverflow="overflow" vert="horz" wrap="square" lIns="91440" tIns="45720" rIns="91440" bIns="45720" numCol="1" spcCol="0" rtlCol="0" fromWordArt="0" anchor="t" anchorCtr="0" forceAA="0" compatLnSpc="1">
+            <a:prstTxWarp prst="textNoShape">
+              <a:avLst/>
+            </a:prstTxWarp>
+            <a:spAutoFit/>
+          </a:bodyPr>
+          <a:lstStyle/>
+          <a:p>
+            <a:r>
+              <a:rPr lang="en-US" sz="1200" dirty="0">
+                <a:cs typeface="Calibri"/>
+              </a:rPr>
+              <a:t>Have fixed a error I made in the text</a:t>
+            </a:r>
+          </a:p>
+        </p:txBody>
+      </p:sp>
+    </p:spTree>
+    <p:extLst>
+      <p:ext uri="{BB962C8B-B14F-4D97-AF65-F5344CB8AC3E}">
+        <p14:creationId xmlns:p14="http://schemas.microsoft.com/office/powerpoint/2010/main" val="446857315"/>
+      </p:ext>
+    </p:extLst>
+  </p:cSld>
+  <p:clrMapOvr>
+    <a:masterClrMapping/>
+  </p:clrMapOvr>
+</p:sld>
+</file>
+
+<file path=ppt/slides/slide21.xml><?xml version="1.0" encoding="utf-8"?>
+<p:sld xmlns:a="http://schemas.openxmlformats.org/drawingml/2006/main" xmlns:r="http://schemas.openxmlformats.org/officeDocument/2006/relationships" xmlns:p="http://schemas.openxmlformats.org/presentationml/2006/main">
+  <p:cSld>
+    <p:spTree>
+      <p:nvGrpSpPr>
+        <p:cNvPr id="1" name=""/>
+        <p:cNvGrpSpPr/>
+        <p:nvPr/>
+      </p:nvGrpSpPr>
+      <p:grpSpPr>
+        <a:xfrm>
+          <a:off x="0" y="0"/>
+          <a:ext cx="0" cy="0"/>
+          <a:chOff x="0" y="0"/>
+          <a:chExt cx="0" cy="0"/>
+        </a:xfrm>
+      </p:grpSpPr>
+      <p:sp>
+        <p:nvSpPr>
+          <p:cNvPr id="2" name="Title 1">
+            <a:extLst>
+              <a:ext uri="{FF2B5EF4-FFF2-40B4-BE49-F238E27FC236}">
+                <a16:creationId xmlns:a16="http://schemas.microsoft.com/office/drawing/2014/main" id="{9CBE8611-D923-452D-A3A1-3B9294584E4C}"/>
+              </a:ext>
+            </a:extLst>
+          </p:cNvPr>
+          <p:cNvSpPr>
+            <a:spLocks noGrp="1"/>
+          </p:cNvSpPr>
+          <p:nvPr>
+            <p:ph type="title"/>
+          </p:nvPr>
+        </p:nvSpPr>
+        <p:spPr/>
+        <p:txBody>
+          <a:bodyPr/>
+          <a:lstStyle/>
+          <a:p>
+            <a:r>
+              <a:rPr lang="en-US">
+                <a:cs typeface="Calibri Light"/>
+              </a:rPr>
+              <a:t>History Class v1</a:t>
+            </a:r>
+            <a:endParaRPr lang="en-US"/>
+          </a:p>
+        </p:txBody>
+      </p:sp>
+      <p:pic>
+        <p:nvPicPr>
+          <p:cNvPr id="4" name="Picture 4" descr="Text&#10;&#10;Description automatically generated">
+            <a:extLst>
+              <a:ext uri="{FF2B5EF4-FFF2-40B4-BE49-F238E27FC236}">
+                <a16:creationId xmlns:a16="http://schemas.microsoft.com/office/drawing/2014/main" id="{9BBC0BB1-05B1-4C7A-BAA6-9D1A3EC4405E}"/>
+              </a:ext>
+            </a:extLst>
+          </p:cNvPr>
+          <p:cNvPicPr>
+            <a:picLocks noGrp="1" noChangeAspect="1"/>
+          </p:cNvPicPr>
+          <p:nvPr>
+            <p:ph idx="1"/>
+          </p:nvPr>
+        </p:nvPicPr>
+        <p:blipFill>
+          <a:blip r:embed="rId2"/>
+          <a:stretch>
+            <a:fillRect/>
+          </a:stretch>
+        </p:blipFill>
+        <p:spPr>
+          <a:xfrm>
+            <a:off x="841036" y="1709461"/>
+            <a:ext cx="2924175" cy="1724025"/>
+          </a:xfrm>
+        </p:spPr>
+      </p:pic>
+      <p:sp>
+        <p:nvSpPr>
+          <p:cNvPr id="5" name="TextBox 4">
+            <a:extLst>
+              <a:ext uri="{FF2B5EF4-FFF2-40B4-BE49-F238E27FC236}">
+                <a16:creationId xmlns:a16="http://schemas.microsoft.com/office/drawing/2014/main" id="{7289C07D-6306-43CA-BD99-6E1012B6AADC}"/>
+              </a:ext>
+            </a:extLst>
+          </p:cNvPr>
+          <p:cNvSpPr txBox="1"/>
+          <p:nvPr/>
+        </p:nvSpPr>
+        <p:spPr>
+          <a:xfrm>
+            <a:off x="6062785" y="1695938"/>
+            <a:ext cx="3690814" cy="1200329"/>
+          </a:xfrm>
+          <a:prstGeom prst="rect">
+            <a:avLst/>
+          </a:prstGeom>
+          <a:noFill/>
+        </p:spPr>
+        <p:txBody>
+          <a:bodyPr rot="0" spcFirstLastPara="0" vertOverflow="overflow" horzOverflow="overflow" vert="horz" wrap="square" lIns="91440" tIns="45720" rIns="91440" bIns="45720" numCol="1" spcCol="0" rtlCol="0" fromWordArt="0" anchor="t" anchorCtr="0" forceAA="0" compatLnSpc="1">
+            <a:prstTxWarp prst="textNoShape">
+              <a:avLst/>
+            </a:prstTxWarp>
+            <a:spAutoFit/>
+          </a:bodyPr>
+          <a:lstStyle/>
+          <a:p>
+            <a:r>
+              <a:rPr lang="en-US" dirty="0"/>
+              <a:t>First verison of </a:t>
+            </a:r>
+            <a:r>
+              <a:rPr lang="en-US"/>
+              <a:t>my History class will leave it for now as I need to finish the assesment asap and now I can focus on my stats and export classes</a:t>
+            </a:r>
+            <a:endParaRPr lang="en-US" dirty="0">
+              <a:cs typeface="Calibri"/>
+            </a:endParaRPr>
+          </a:p>
+        </p:txBody>
+      </p:sp>
+    </p:spTree>
+    <p:extLst>
+      <p:ext uri="{BB962C8B-B14F-4D97-AF65-F5344CB8AC3E}">
+        <p14:creationId xmlns:p14="http://schemas.microsoft.com/office/powerpoint/2010/main" val="1323580387"/>
+      </p:ext>
+    </p:extLst>
+  </p:cSld>
+  <p:clrMapOvr>
+    <a:masterClrMapping/>
+  </p:clrMapOvr>
+</p:sld>
+</file>
+
+<file path=ppt/slides/slide22.xml><?xml version="1.0" encoding="utf-8"?>
+<p:sld xmlns:a="http://schemas.openxmlformats.org/drawingml/2006/main" xmlns:r="http://schemas.openxmlformats.org/officeDocument/2006/relationships" xmlns:p="http://schemas.openxmlformats.org/presentationml/2006/main">
+  <p:cSld>
+    <p:spTree>
+      <p:nvGrpSpPr>
+        <p:cNvPr id="1" name=""/>
+        <p:cNvGrpSpPr/>
+        <p:nvPr/>
+      </p:nvGrpSpPr>
+      <p:grpSpPr>
+        <a:xfrm>
+          <a:off x="0" y="0"/>
+          <a:ext cx="0" cy="0"/>
+          <a:chOff x="0" y="0"/>
+          <a:chExt cx="0" cy="0"/>
+        </a:xfrm>
+      </p:grpSpPr>
+      <p:sp>
+        <p:nvSpPr>
+          <p:cNvPr id="2" name="Title 1">
+            <a:extLst>
+              <a:ext uri="{FF2B5EF4-FFF2-40B4-BE49-F238E27FC236}">
+                <a16:creationId xmlns:a16="http://schemas.microsoft.com/office/drawing/2014/main" id="{84D0D12E-199B-43E5-985E-D1696BFD8418}"/>
+              </a:ext>
+            </a:extLst>
+          </p:cNvPr>
+          <p:cNvSpPr>
+            <a:spLocks noGrp="1"/>
+          </p:cNvSpPr>
+          <p:nvPr>
+            <p:ph type="title"/>
+          </p:nvPr>
+        </p:nvSpPr>
+        <p:spPr/>
+        <p:txBody>
+          <a:bodyPr/>
+          <a:lstStyle/>
+          <a:p>
+            <a:r>
+              <a:rPr lang="en-US">
+                <a:cs typeface="Calibri Light"/>
+              </a:rPr>
+              <a:t>Export Class</a:t>
+            </a:r>
+            <a:endParaRPr lang="en-US"/>
+          </a:p>
+        </p:txBody>
+      </p:sp>
+      <p:pic>
+        <p:nvPicPr>
+          <p:cNvPr id="4" name="Picture 4" descr="Graphical user interface, text&#10;&#10;Description automatically generated">
+            <a:extLst>
+              <a:ext uri="{FF2B5EF4-FFF2-40B4-BE49-F238E27FC236}">
+                <a16:creationId xmlns:a16="http://schemas.microsoft.com/office/drawing/2014/main" id="{B604AD74-1755-4B20-8AD5-BBD46A5255B2}"/>
+              </a:ext>
+            </a:extLst>
+          </p:cNvPr>
+          <p:cNvPicPr>
+            <a:picLocks noGrp="1" noChangeAspect="1"/>
+          </p:cNvPicPr>
+          <p:nvPr>
+            <p:ph idx="1"/>
+          </p:nvPr>
+        </p:nvPicPr>
+        <p:blipFill>
+          <a:blip r:embed="rId2"/>
+          <a:stretch>
+            <a:fillRect/>
+          </a:stretch>
+        </p:blipFill>
+        <p:spPr>
+          <a:xfrm>
+            <a:off x="635610" y="1637994"/>
+            <a:ext cx="2714625" cy="2733675"/>
+          </a:xfrm>
+        </p:spPr>
+      </p:pic>
+      <p:sp>
+        <p:nvSpPr>
+          <p:cNvPr id="5" name="TextBox 4">
+            <a:extLst>
+              <a:ext uri="{FF2B5EF4-FFF2-40B4-BE49-F238E27FC236}">
+                <a16:creationId xmlns:a16="http://schemas.microsoft.com/office/drawing/2014/main" id="{5F27FE93-30F7-4FFA-9B48-9F56B1846238}"/>
+              </a:ext>
+            </a:extLst>
+          </p:cNvPr>
+          <p:cNvSpPr txBox="1"/>
+          <p:nvPr/>
+        </p:nvSpPr>
+        <p:spPr>
+          <a:xfrm>
+            <a:off x="6678246" y="1637323"/>
+            <a:ext cx="4247660" cy="1200329"/>
+          </a:xfrm>
+          <a:prstGeom prst="rect">
+            <a:avLst/>
+          </a:prstGeom>
+          <a:noFill/>
+        </p:spPr>
+        <p:txBody>
+          <a:bodyPr rot="0" spcFirstLastPara="0" vertOverflow="overflow" horzOverflow="overflow" vert="horz" wrap="square" lIns="91440" tIns="45720" rIns="91440" bIns="45720" numCol="1" spcCol="0" rtlCol="0" fromWordArt="0" anchor="t" anchorCtr="0" forceAA="0" compatLnSpc="1">
+            <a:prstTxWarp prst="textNoShape">
+              <a:avLst/>
+            </a:prstTxWarp>
+            <a:spAutoFit/>
+          </a:bodyPr>
+          <a:lstStyle/>
+          <a:p>
+            <a:r>
+              <a:rPr lang="en-US" dirty="0">
+                <a:cs typeface="Calibri"/>
+              </a:rPr>
+              <a:t>This Export class is from mystery box, and it works exactly how it should. This will be my </a:t>
+            </a:r>
+            <a:r>
+              <a:rPr lang="en-US">
+                <a:cs typeface="Calibri"/>
+              </a:rPr>
+              <a:t>first and final version of my export class. I will come back to it if I need to.</a:t>
+            </a:r>
+            <a:endParaRPr lang="en-US" dirty="0">
+              <a:cs typeface="Calibri"/>
+            </a:endParaRPr>
+          </a:p>
+        </p:txBody>
+      </p:sp>
+    </p:spTree>
+    <p:extLst>
+      <p:ext uri="{BB962C8B-B14F-4D97-AF65-F5344CB8AC3E}">
+        <p14:creationId xmlns:p14="http://schemas.microsoft.com/office/powerpoint/2010/main" val="2698637891"/>
       </p:ext>
     </p:extLst>
   </p:cSld>

--- a/Programming Assesment.pptx
+++ b/Programming Assesment.pptx
@@ -26,7 +26,6 @@
     <p:sldId id="275" r:id="rId20"/>
     <p:sldId id="278" r:id="rId21"/>
     <p:sldId id="273" r:id="rId22"/>
-    <p:sldId id="274" r:id="rId23"/>
   </p:sldIdLst>
   <p:sldSz cx="12192000" cy="6858000"/>
   <p:notesSz cx="6858000" cy="9144000"/>
@@ -157,6 +156,7 @@
     <p1510:client id="{D504615B-0A5D-73A6-4A18-1D567E10BC58}" v="203" dt="2021-07-28T23:54:11.421"/>
     <p1510:client id="{E59691CD-4E5D-C9E7-EFEF-F6E12282C375}" v="114" dt="2021-07-08T23:05:40.489"/>
     <p1510:client id="{EE33AF41-30E7-9FB3-CC2C-421B72023142}" v="357" dt="2021-06-16T01:15:10.236"/>
+    <p1510:client id="{F57D3202-7313-FB6F-E63F-9E0CBAF4F64B}" v="285" dt="2021-08-05T22:36:08.008"/>
   </p1510:revLst>
 </p1510:revInfo>
 </file>
@@ -477,6 +477,193 @@
             <ac:picMk id="4" creationId="{FE62F3AF-1CA3-49D3-8DB5-5446126C5F63}"/>
           </ac:picMkLst>
         </pc:picChg>
+      </pc:sldChg>
+    </pc:docChg>
+  </pc:docChgLst>
+  <pc:docChgLst>
+    <pc:chgData name="Jonny Morris" userId="S::morrisj70800@masseyhigh.school.nz::4fab9e21-29a7-4d03-b4c0-6c8a112c783d" providerId="AD" clId="Web-{F57D3202-7313-FB6F-E63F-9E0CBAF4F64B}"/>
+    <pc:docChg chg="delSld modSld">
+      <pc:chgData name="Jonny Morris" userId="S::morrisj70800@masseyhigh.school.nz::4fab9e21-29a7-4d03-b4c0-6c8a112c783d" providerId="AD" clId="Web-{F57D3202-7313-FB6F-E63F-9E0CBAF4F64B}" dt="2021-08-05T22:36:08.008" v="157" actId="1076"/>
+      <pc:docMkLst>
+        <pc:docMk/>
+      </pc:docMkLst>
+      <pc:sldChg chg="modSp">
+        <pc:chgData name="Jonny Morris" userId="S::morrisj70800@masseyhigh.school.nz::4fab9e21-29a7-4d03-b4c0-6c8a112c783d" providerId="AD" clId="Web-{F57D3202-7313-FB6F-E63F-9E0CBAF4F64B}" dt="2021-08-05T22:32:45.082" v="142" actId="20577"/>
+        <pc:sldMkLst>
+          <pc:docMk/>
+          <pc:sldMk cId="358461426" sldId="257"/>
+        </pc:sldMkLst>
+        <pc:spChg chg="mod">
+          <ac:chgData name="Jonny Morris" userId="S::morrisj70800@masseyhigh.school.nz::4fab9e21-29a7-4d03-b4c0-6c8a112c783d" providerId="AD" clId="Web-{F57D3202-7313-FB6F-E63F-9E0CBAF4F64B}" dt="2021-08-05T22:32:45.082" v="142" actId="20577"/>
+          <ac:spMkLst>
+            <pc:docMk/>
+            <pc:sldMk cId="358461426" sldId="257"/>
+            <ac:spMk id="2" creationId="{4AA7760E-DDE6-43AD-B768-5AF8FC14ECF5}"/>
+          </ac:spMkLst>
+        </pc:spChg>
+      </pc:sldChg>
+      <pc:sldChg chg="addSp modSp">
+        <pc:chgData name="Jonny Morris" userId="S::morrisj70800@masseyhigh.school.nz::4fab9e21-29a7-4d03-b4c0-6c8a112c783d" providerId="AD" clId="Web-{F57D3202-7313-FB6F-E63F-9E0CBAF4F64B}" dt="2021-08-05T22:29:48.406" v="131" actId="20577"/>
+        <pc:sldMkLst>
+          <pc:docMk/>
+          <pc:sldMk cId="1147695793" sldId="272"/>
+        </pc:sldMkLst>
+        <pc:spChg chg="add mod">
+          <ac:chgData name="Jonny Morris" userId="S::morrisj70800@masseyhigh.school.nz::4fab9e21-29a7-4d03-b4c0-6c8a112c783d" providerId="AD" clId="Web-{F57D3202-7313-FB6F-E63F-9E0CBAF4F64B}" dt="2021-08-05T22:29:48.406" v="131" actId="20577"/>
+          <ac:spMkLst>
+            <pc:docMk/>
+            <pc:sldMk cId="1147695793" sldId="272"/>
+            <ac:spMk id="3" creationId="{E8F3B7F1-F1A5-4A4D-9F13-25DAC43D3B1A}"/>
+          </ac:spMkLst>
+        </pc:spChg>
+        <pc:spChg chg="mod">
+          <ac:chgData name="Jonny Morris" userId="S::morrisj70800@masseyhigh.school.nz::4fab9e21-29a7-4d03-b4c0-6c8a112c783d" providerId="AD" clId="Web-{F57D3202-7313-FB6F-E63F-9E0CBAF4F64B}" dt="2021-08-05T22:29:19.265" v="94" actId="14100"/>
+          <ac:spMkLst>
+            <pc:docMk/>
+            <pc:sldMk cId="1147695793" sldId="272"/>
+            <ac:spMk id="5" creationId="{2451DC0A-CE8C-4807-BE9D-490B61D1DB52}"/>
+          </ac:spMkLst>
+        </pc:spChg>
+      </pc:sldChg>
+      <pc:sldChg chg="addSp delSp modSp">
+        <pc:chgData name="Jonny Morris" userId="S::morrisj70800@masseyhigh.school.nz::4fab9e21-29a7-4d03-b4c0-6c8a112c783d" providerId="AD" clId="Web-{F57D3202-7313-FB6F-E63F-9E0CBAF4F64B}" dt="2021-08-05T22:35:39.257" v="155" actId="20577"/>
+        <pc:sldMkLst>
+          <pc:docMk/>
+          <pc:sldMk cId="1323580387" sldId="273"/>
+        </pc:sldMkLst>
+        <pc:spChg chg="mod">
+          <ac:chgData name="Jonny Morris" userId="S::morrisj70800@masseyhigh.school.nz::4fab9e21-29a7-4d03-b4c0-6c8a112c783d" providerId="AD" clId="Web-{F57D3202-7313-FB6F-E63F-9E0CBAF4F64B}" dt="2021-08-05T22:19:35.408" v="15" actId="20577"/>
+          <ac:spMkLst>
+            <pc:docMk/>
+            <pc:sldMk cId="1323580387" sldId="273"/>
+            <ac:spMk id="2" creationId="{9CBE8611-D923-452D-A3A1-3B9294584E4C}"/>
+          </ac:spMkLst>
+        </pc:spChg>
+        <pc:spChg chg="mod">
+          <ac:chgData name="Jonny Morris" userId="S::morrisj70800@masseyhigh.school.nz::4fab9e21-29a7-4d03-b4c0-6c8a112c783d" providerId="AD" clId="Web-{F57D3202-7313-FB6F-E63F-9E0CBAF4F64B}" dt="2021-08-05T22:35:33.117" v="150" actId="20577"/>
+          <ac:spMkLst>
+            <pc:docMk/>
+            <pc:sldMk cId="1323580387" sldId="273"/>
+            <ac:spMk id="5" creationId="{7289C07D-6306-43CA-BD99-6E1012B6AADC}"/>
+          </ac:spMkLst>
+        </pc:spChg>
+        <pc:spChg chg="add mod">
+          <ac:chgData name="Jonny Morris" userId="S::morrisj70800@masseyhigh.school.nz::4fab9e21-29a7-4d03-b4c0-6c8a112c783d" providerId="AD" clId="Web-{F57D3202-7313-FB6F-E63F-9E0CBAF4F64B}" dt="2021-08-05T22:35:39.257" v="155" actId="20577"/>
+          <ac:spMkLst>
+            <pc:docMk/>
+            <pc:sldMk cId="1323580387" sldId="273"/>
+            <ac:spMk id="7" creationId="{9915111D-00E1-4691-A4CA-A4843CDEA2A0}"/>
+          </ac:spMkLst>
+        </pc:spChg>
+        <pc:spChg chg="add del mod">
+          <ac:chgData name="Jonny Morris" userId="S::morrisj70800@masseyhigh.school.nz::4fab9e21-29a7-4d03-b4c0-6c8a112c783d" providerId="AD" clId="Web-{F57D3202-7313-FB6F-E63F-9E0CBAF4F64B}" dt="2021-08-05T22:35:29.148" v="146"/>
+          <ac:spMkLst>
+            <pc:docMk/>
+            <pc:sldMk cId="1323580387" sldId="273"/>
+            <ac:spMk id="8" creationId="{00899538-5E92-4097-BEF4-F537A197EEBB}"/>
+          </ac:spMkLst>
+        </pc:spChg>
+        <pc:picChg chg="add mod">
+          <ac:chgData name="Jonny Morris" userId="S::morrisj70800@masseyhigh.school.nz::4fab9e21-29a7-4d03-b4c0-6c8a112c783d" providerId="AD" clId="Web-{F57D3202-7313-FB6F-E63F-9E0CBAF4F64B}" dt="2021-08-05T22:19:17.938" v="4" actId="1076"/>
+          <ac:picMkLst>
+            <pc:docMk/>
+            <pc:sldMk cId="1323580387" sldId="273"/>
+            <ac:picMk id="3" creationId="{45ACC6E0-72D7-4BF3-920E-844DC0D1754B}"/>
+          </ac:picMkLst>
+        </pc:picChg>
+      </pc:sldChg>
+      <pc:sldChg chg="del">
+        <pc:chgData name="Jonny Morris" userId="S::morrisj70800@masseyhigh.school.nz::4fab9e21-29a7-4d03-b4c0-6c8a112c783d" providerId="AD" clId="Web-{F57D3202-7313-FB6F-E63F-9E0CBAF4F64B}" dt="2021-08-05T22:20:07.111" v="29"/>
+        <pc:sldMkLst>
+          <pc:docMk/>
+          <pc:sldMk cId="2698637891" sldId="274"/>
+        </pc:sldMkLst>
+      </pc:sldChg>
+      <pc:sldChg chg="addSp modSp">
+        <pc:chgData name="Jonny Morris" userId="S::morrisj70800@masseyhigh.school.nz::4fab9e21-29a7-4d03-b4c0-6c8a112c783d" providerId="AD" clId="Web-{F57D3202-7313-FB6F-E63F-9E0CBAF4F64B}" dt="2021-08-05T22:24:38.602" v="89" actId="1076"/>
+        <pc:sldMkLst>
+          <pc:docMk/>
+          <pc:sldMk cId="794014388" sldId="277"/>
+        </pc:sldMkLst>
+        <pc:spChg chg="add mod">
+          <ac:chgData name="Jonny Morris" userId="S::morrisj70800@masseyhigh.school.nz::4fab9e21-29a7-4d03-b4c0-6c8a112c783d" providerId="AD" clId="Web-{F57D3202-7313-FB6F-E63F-9E0CBAF4F64B}" dt="2021-08-05T22:24:38.602" v="89" actId="1076"/>
+          <ac:spMkLst>
+            <pc:docMk/>
+            <pc:sldMk cId="794014388" sldId="277"/>
+            <ac:spMk id="3" creationId="{4B047900-5E69-46F9-82BF-92D25456A05F}"/>
+          </ac:spMkLst>
+        </pc:spChg>
+        <pc:spChg chg="mod">
+          <ac:chgData name="Jonny Morris" userId="S::morrisj70800@masseyhigh.school.nz::4fab9e21-29a7-4d03-b4c0-6c8a112c783d" providerId="AD" clId="Web-{F57D3202-7313-FB6F-E63F-9E0CBAF4F64B}" dt="2021-08-05T22:24:28.070" v="88" actId="20577"/>
+          <ac:spMkLst>
+            <pc:docMk/>
+            <pc:sldMk cId="794014388" sldId="277"/>
+            <ac:spMk id="13" creationId="{F13D55FB-4924-4928-8E29-4D38F59B4ECB}"/>
+          </ac:spMkLst>
+        </pc:spChg>
+      </pc:sldChg>
+      <pc:sldChg chg="addSp modSp mod setBg">
+        <pc:chgData name="Jonny Morris" userId="S::morrisj70800@masseyhigh.school.nz::4fab9e21-29a7-4d03-b4c0-6c8a112c783d" providerId="AD" clId="Web-{F57D3202-7313-FB6F-E63F-9E0CBAF4F64B}" dt="2021-08-05T22:36:08.008" v="157" actId="1076"/>
+        <pc:sldMkLst>
+          <pc:docMk/>
+          <pc:sldMk cId="446857315" sldId="278"/>
+        </pc:sldMkLst>
+        <pc:spChg chg="mod">
+          <ac:chgData name="Jonny Morris" userId="S::morrisj70800@masseyhigh.school.nz::4fab9e21-29a7-4d03-b4c0-6c8a112c783d" providerId="AD" clId="Web-{F57D3202-7313-FB6F-E63F-9E0CBAF4F64B}" dt="2021-08-05T22:35:53.727" v="156"/>
+          <ac:spMkLst>
+            <pc:docMk/>
+            <pc:sldMk cId="446857315" sldId="278"/>
+            <ac:spMk id="2" creationId="{EBD7D066-8CE0-4FF3-8DC5-ECEB4DD8FB3E}"/>
+          </ac:spMkLst>
+        </pc:spChg>
+        <pc:spChg chg="mod">
+          <ac:chgData name="Jonny Morris" userId="S::morrisj70800@masseyhigh.school.nz::4fab9e21-29a7-4d03-b4c0-6c8a112c783d" providerId="AD" clId="Web-{F57D3202-7313-FB6F-E63F-9E0CBAF4F64B}" dt="2021-08-05T22:35:53.727" v="156"/>
+          <ac:spMkLst>
+            <pc:docMk/>
+            <pc:sldMk cId="446857315" sldId="278"/>
+            <ac:spMk id="5" creationId="{FB094B74-0B5A-45CD-B694-352345F0BA54}"/>
+          </ac:spMkLst>
+        </pc:spChg>
+        <pc:spChg chg="mod">
+          <ac:chgData name="Jonny Morris" userId="S::morrisj70800@masseyhigh.school.nz::4fab9e21-29a7-4d03-b4c0-6c8a112c783d" providerId="AD" clId="Web-{F57D3202-7313-FB6F-E63F-9E0CBAF4F64B}" dt="2021-08-05T22:36:08.008" v="157" actId="1076"/>
+          <ac:spMkLst>
+            <pc:docMk/>
+            <pc:sldMk cId="446857315" sldId="278"/>
+            <ac:spMk id="7" creationId="{E503F48E-5D6B-4297-B4BA-E1202BFA09DD}"/>
+          </ac:spMkLst>
+        </pc:spChg>
+        <pc:spChg chg="add">
+          <ac:chgData name="Jonny Morris" userId="S::morrisj70800@masseyhigh.school.nz::4fab9e21-29a7-4d03-b4c0-6c8a112c783d" providerId="AD" clId="Web-{F57D3202-7313-FB6F-E63F-9E0CBAF4F64B}" dt="2021-08-05T22:35:53.727" v="156"/>
+          <ac:spMkLst>
+            <pc:docMk/>
+            <pc:sldMk cId="446857315" sldId="278"/>
+            <ac:spMk id="12" creationId="{5E52985E-2553-471E-82AA-5ED7A329890A}"/>
+          </ac:spMkLst>
+        </pc:spChg>
+        <pc:picChg chg="mod ord">
+          <ac:chgData name="Jonny Morris" userId="S::morrisj70800@masseyhigh.school.nz::4fab9e21-29a7-4d03-b4c0-6c8a112c783d" providerId="AD" clId="Web-{F57D3202-7313-FB6F-E63F-9E0CBAF4F64B}" dt="2021-08-05T22:35:53.727" v="156"/>
+          <ac:picMkLst>
+            <pc:docMk/>
+            <pc:sldMk cId="446857315" sldId="278"/>
+            <ac:picMk id="4" creationId="{4FB97E77-E247-4A24-B0FF-F97706586B45}"/>
+          </ac:picMkLst>
+        </pc:picChg>
+        <pc:picChg chg="mod">
+          <ac:chgData name="Jonny Morris" userId="S::morrisj70800@masseyhigh.school.nz::4fab9e21-29a7-4d03-b4c0-6c8a112c783d" providerId="AD" clId="Web-{F57D3202-7313-FB6F-E63F-9E0CBAF4F64B}" dt="2021-08-05T22:35:53.727" v="156"/>
+          <ac:picMkLst>
+            <pc:docMk/>
+            <pc:sldMk cId="446857315" sldId="278"/>
+            <ac:picMk id="6" creationId="{05759C2A-6B97-41F9-8679-DBBB986216A1}"/>
+          </ac:picMkLst>
+        </pc:picChg>
+        <pc:cxnChg chg="add">
+          <ac:chgData name="Jonny Morris" userId="S::morrisj70800@masseyhigh.school.nz::4fab9e21-29a7-4d03-b4c0-6c8a112c783d" providerId="AD" clId="Web-{F57D3202-7313-FB6F-E63F-9E0CBAF4F64B}" dt="2021-08-05T22:35:53.727" v="156"/>
+          <ac:cxnSpMkLst>
+            <pc:docMk/>
+            <pc:sldMk cId="446857315" sldId="278"/>
+            <ac:cxnSpMk id="14" creationId="{DAE3ABC6-4042-4293-A7DF-F01181363B7E}"/>
+          </ac:cxnSpMkLst>
+        </pc:cxnChg>
       </pc:sldChg>
     </pc:docChg>
   </pc:docChgLst>
@@ -2441,7 +2628,7 @@
           <a:p>
             <a:fld id="{846CE7D5-CF57-46EF-B807-FDD0502418D4}" type="datetimeFigureOut">
               <a:rPr lang="en-US" smtClean="0"/>
-              <a:t>8/4/2021</a:t>
+              <a:t>8/5/2021</a:t>
             </a:fld>
             <a:endParaRPr lang="en-US"/>
           </a:p>
@@ -2609,7 +2796,7 @@
           <a:p>
             <a:fld id="{846CE7D5-CF57-46EF-B807-FDD0502418D4}" type="datetimeFigureOut">
               <a:rPr lang="en-US" smtClean="0"/>
-              <a:t>8/4/2021</a:t>
+              <a:t>8/5/2021</a:t>
             </a:fld>
             <a:endParaRPr lang="en-US"/>
           </a:p>
@@ -2787,7 +2974,7 @@
           <a:p>
             <a:fld id="{846CE7D5-CF57-46EF-B807-FDD0502418D4}" type="datetimeFigureOut">
               <a:rPr lang="en-US" smtClean="0"/>
-              <a:t>8/4/2021</a:t>
+              <a:t>8/5/2021</a:t>
             </a:fld>
             <a:endParaRPr lang="en-US"/>
           </a:p>
@@ -2955,7 +3142,7 @@
           <a:p>
             <a:fld id="{846CE7D5-CF57-46EF-B807-FDD0502418D4}" type="datetimeFigureOut">
               <a:rPr lang="en-US" smtClean="0"/>
-              <a:t>8/4/2021</a:t>
+              <a:t>8/5/2021</a:t>
             </a:fld>
             <a:endParaRPr lang="en-US"/>
           </a:p>
@@ -3200,7 +3387,7 @@
           <a:p>
             <a:fld id="{846CE7D5-CF57-46EF-B807-FDD0502418D4}" type="datetimeFigureOut">
               <a:rPr lang="en-US" smtClean="0"/>
-              <a:t>8/4/2021</a:t>
+              <a:t>8/5/2021</a:t>
             </a:fld>
             <a:endParaRPr lang="en-US"/>
           </a:p>
@@ -3429,7 +3616,7 @@
           <a:p>
             <a:fld id="{846CE7D5-CF57-46EF-B807-FDD0502418D4}" type="datetimeFigureOut">
               <a:rPr lang="en-US" smtClean="0"/>
-              <a:t>8/4/2021</a:t>
+              <a:t>8/5/2021</a:t>
             </a:fld>
             <a:endParaRPr lang="en-US"/>
           </a:p>
@@ -3793,7 +3980,7 @@
           <a:p>
             <a:fld id="{846CE7D5-CF57-46EF-B807-FDD0502418D4}" type="datetimeFigureOut">
               <a:rPr lang="en-US" smtClean="0"/>
-              <a:t>8/4/2021</a:t>
+              <a:t>8/5/2021</a:t>
             </a:fld>
             <a:endParaRPr lang="en-US"/>
           </a:p>
@@ -3910,7 +4097,7 @@
           <a:p>
             <a:fld id="{846CE7D5-CF57-46EF-B807-FDD0502418D4}" type="datetimeFigureOut">
               <a:rPr lang="en-US" smtClean="0"/>
-              <a:t>8/4/2021</a:t>
+              <a:t>8/5/2021</a:t>
             </a:fld>
             <a:endParaRPr lang="en-US"/>
           </a:p>
@@ -4005,7 +4192,7 @@
           <a:p>
             <a:fld id="{846CE7D5-CF57-46EF-B807-FDD0502418D4}" type="datetimeFigureOut">
               <a:rPr lang="en-US" smtClean="0"/>
-              <a:t>8/4/2021</a:t>
+              <a:t>8/5/2021</a:t>
             </a:fld>
             <a:endParaRPr lang="en-US"/>
           </a:p>
@@ -4280,7 +4467,7 @@
           <a:p>
             <a:fld id="{846CE7D5-CF57-46EF-B807-FDD0502418D4}" type="datetimeFigureOut">
               <a:rPr lang="en-US" smtClean="0"/>
-              <a:t>8/4/2021</a:t>
+              <a:t>8/5/2021</a:t>
             </a:fld>
             <a:endParaRPr lang="en-US"/>
           </a:p>
@@ -4535,7 +4722,7 @@
           <a:p>
             <a:fld id="{846CE7D5-CF57-46EF-B807-FDD0502418D4}" type="datetimeFigureOut">
               <a:rPr lang="en-US" smtClean="0"/>
-              <a:t>8/4/2021</a:t>
+              <a:t>8/5/2021</a:t>
             </a:fld>
             <a:endParaRPr lang="en-US"/>
           </a:p>
@@ -4746,7 +4933,7 @@
           <a:p>
             <a:fld id="{846CE7D5-CF57-46EF-B807-FDD0502418D4}" type="datetimeFigureOut">
               <a:rPr lang="en-US" smtClean="0"/>
-              <a:t>8/4/2021</a:t>
+              <a:t>8/5/2021</a:t>
             </a:fld>
             <a:endParaRPr lang="en-US"/>
           </a:p>
@@ -8069,7 +8256,7 @@
         <p:spPr>
           <a:xfrm>
             <a:off x="9002519" y="4644251"/>
-            <a:ext cx="2743200" cy="923330"/>
+            <a:ext cx="2743200" cy="461665"/>
           </a:xfrm>
           <a:prstGeom prst="rect">
             <a:avLst/>
@@ -8086,10 +8273,62 @@
           <a:lstStyle/>
           <a:p>
             <a:r>
-              <a:rPr lang="en-US" dirty="0">
+              <a:rPr lang="en-US" sz="1200" dirty="0">
                 <a:cs typeface="Calibri"/>
               </a:rPr>
               <a:t>I have changed where the Question so it is easier to identify it.</a:t>
+            </a:r>
+          </a:p>
+        </p:txBody>
+      </p:sp>
+      <p:sp>
+        <p:nvSpPr>
+          <p:cNvPr id="3" name="TextBox 2">
+            <a:extLst>
+              <a:ext uri="{FF2B5EF4-FFF2-40B4-BE49-F238E27FC236}">
+                <a16:creationId xmlns:a16="http://schemas.microsoft.com/office/drawing/2014/main" id="{4B047900-5E69-46F9-82BF-92D25456A05F}"/>
+              </a:ext>
+            </a:extLst>
+          </p:cNvPr>
+          <p:cNvSpPr txBox="1"/>
+          <p:nvPr/>
+        </p:nvSpPr>
+        <p:spPr>
+          <a:xfrm>
+            <a:off x="208156" y="5384180"/>
+            <a:ext cx="2743200" cy="646331"/>
+          </a:xfrm>
+          <a:prstGeom prst="rect">
+            <a:avLst/>
+          </a:prstGeom>
+          <a:noFill/>
+        </p:spPr>
+        <p:txBody>
+          <a:bodyPr rot="0" spcFirstLastPara="0" vertOverflow="overflow" horzOverflow="overflow" vert="horz" wrap="square" lIns="91440" tIns="45720" rIns="91440" bIns="45720" numCol="1" spcCol="0" rtlCol="0" fromWordArt="0" anchor="t" anchorCtr="0" forceAA="0" compatLnSpc="1">
+            <a:prstTxWarp prst="textNoShape">
+              <a:avLst/>
+            </a:prstTxWarp>
+            <a:spAutoFit/>
+          </a:bodyPr>
+          <a:lstStyle/>
+          <a:p>
+            <a:r>
+              <a:rPr lang="en-US" sz="1200" dirty="0">
+                <a:cs typeface="Calibri"/>
+              </a:rPr>
+              <a:t>The picture in my GUI is not a hint but it is rather there to help the </a:t>
+            </a:r>
+            <a:r>
+              <a:rPr lang="en-US" sz="1200" dirty="0" err="1">
+                <a:cs typeface="Calibri"/>
+              </a:rPr>
+              <a:t>gui</a:t>
+            </a:r>
+            <a:r>
+              <a:rPr lang="en-US" sz="1200" dirty="0">
+                <a:cs typeface="Calibri"/>
+              </a:rPr>
+              <a:t> look more flashy.</a:t>
             </a:r>
           </a:p>
         </p:txBody>
@@ -8362,7 +8601,7 @@
         <p:spPr>
           <a:xfrm>
             <a:off x="7546848" y="2516777"/>
-            <a:ext cx="3803904" cy="3660185"/>
+            <a:ext cx="3813196" cy="1253381"/>
           </a:xfrm>
           <a:prstGeom prst="rect">
             <a:avLst/>
@@ -8373,7 +8612,7 @@
             <a:prstTxWarp prst="textNoShape">
               <a:avLst/>
             </a:prstTxWarp>
-            <a:normAutofit/>
+            <a:normAutofit fontScale="92500"/>
           </a:bodyPr>
           <a:lstStyle/>
           <a:p>
@@ -8390,6 +8629,46 @@
             <a:r>
               <a:rPr lang="en-US" sz="2200"/>
               <a:t>First version of my help class. It is working and doing what it needs to. I can now shift my attention to my history and export classes.</a:t>
+            </a:r>
+          </a:p>
+        </p:txBody>
+      </p:sp>
+      <p:sp>
+        <p:nvSpPr>
+          <p:cNvPr id="3" name="TextBox 2">
+            <a:extLst>
+              <a:ext uri="{FF2B5EF4-FFF2-40B4-BE49-F238E27FC236}">
+                <a16:creationId xmlns:a16="http://schemas.microsoft.com/office/drawing/2014/main" id="{E8F3B7F1-F1A5-4A4D-9F13-25DAC43D3B1A}"/>
+              </a:ext>
+            </a:extLst>
+          </p:cNvPr>
+          <p:cNvSpPr txBox="1"/>
+          <p:nvPr/>
+        </p:nvSpPr>
+        <p:spPr>
+          <a:xfrm>
+            <a:off x="7549376" y="3767254"/>
+            <a:ext cx="2743200" cy="923330"/>
+          </a:xfrm>
+          <a:prstGeom prst="rect">
+            <a:avLst/>
+          </a:prstGeom>
+          <a:noFill/>
+        </p:spPr>
+        <p:txBody>
+          <a:bodyPr rot="0" spcFirstLastPara="0" vertOverflow="overflow" horzOverflow="overflow" vert="horz" wrap="square" lIns="91440" tIns="45720" rIns="91440" bIns="45720" numCol="1" spcCol="0" rtlCol="0" fromWordArt="0" anchor="t" anchorCtr="0" forceAA="0" compatLnSpc="1">
+            <a:prstTxWarp prst="textNoShape">
+              <a:avLst/>
+            </a:prstTxWarp>
+            <a:spAutoFit/>
+          </a:bodyPr>
+          <a:lstStyle/>
+          <a:p>
+            <a:r>
+              <a:rPr lang="en-US" dirty="0">
+                <a:cs typeface="Calibri"/>
+              </a:rPr>
+              <a:t>I recycled most of the code from a previous project that I worked on.</a:t>
             </a:r>
           </a:p>
         </p:txBody>
@@ -8661,12 +8940,11 @@
           <a:lstStyle/>
           <a:p>
             <a:r>
-              <a:rPr lang="en-US">
+              <a:rPr lang="en-US" dirty="0">
                 <a:cs typeface="Calibri Light"/>
               </a:rPr>
-              <a:t>QUIZ GUI</a:t>
+              <a:t>Quiz GUI Structure</a:t>
             </a:r>
-            <a:endParaRPr lang="en-US"/>
           </a:p>
         </p:txBody>
       </p:sp>
@@ -8754,6 +9032,14 @@
 <file path=ppt/slides/slide20.xml><?xml version="1.0" encoding="utf-8"?>
 <p:sld xmlns:a="http://schemas.openxmlformats.org/drawingml/2006/main" xmlns:r="http://schemas.openxmlformats.org/officeDocument/2006/relationships" xmlns:p="http://schemas.openxmlformats.org/presentationml/2006/main">
   <p:cSld>
+    <p:bg>
+      <p:bgPr>
+        <a:solidFill>
+          <a:schemeClr val="bg1"/>
+        </a:solidFill>
+        <a:effectLst/>
+      </p:bgPr>
+    </p:bg>
     <p:spTree>
       <p:nvGrpSpPr>
         <p:cNvPr id="1" name=""/>
@@ -8770,6 +9056,106 @@
       </p:grpSpPr>
       <p:sp>
         <p:nvSpPr>
+          <p:cNvPr id="12" name="Rectangle 11">
+            <a:extLst>
+              <a:ext uri="{FF2B5EF4-FFF2-40B4-BE49-F238E27FC236}">
+                <a16:creationId xmlns:a16="http://schemas.microsoft.com/office/drawing/2014/main" id="{5E52985E-2553-471E-82AA-5ED7A329890A}"/>
+              </a:ext>
+              <a:ext uri="{C183D7F6-B498-43B3-948B-1728B52AA6E4}">
+                <adec:decorative xmlns:adec="http://schemas.microsoft.com/office/drawing/2017/decorative" val="1"/>
+              </a:ext>
+            </a:extLst>
+          </p:cNvPr>
+          <p:cNvSpPr>
+            <a:spLocks noGrp="1" noRot="1" noChangeAspect="1" noMove="1" noResize="1" noEditPoints="1" noAdjustHandles="1" noChangeArrowheads="1" noChangeShapeType="1" noTextEdit="1"/>
+          </p:cNvSpPr>
+          <p:nvPr>
+            <p:extLst>
+              <p:ext uri="{386F3935-93C4-4BCD-93E2-E3B085C9AB24}">
+                <p16:designElem xmlns:p16="http://schemas.microsoft.com/office/powerpoint/2015/main" val="1"/>
+              </p:ext>
+            </p:extLst>
+          </p:nvPr>
+        </p:nvSpPr>
+        <p:spPr bwMode="ltGray">
+          <a:xfrm>
+            <a:off x="393308" y="352931"/>
+            <a:ext cx="11438793" cy="1844256"/>
+          </a:xfrm>
+          <a:prstGeom prst="rect">
+            <a:avLst/>
+          </a:prstGeom>
+          <a:solidFill>
+            <a:schemeClr val="tx1">
+              <a:lumMod val="75000"/>
+              <a:lumOff val="25000"/>
+            </a:schemeClr>
+          </a:solidFill>
+          <a:ln w="127000" cap="sq" cmpd="thinThick">
+            <a:solidFill>
+              <a:schemeClr val="tx1">
+                <a:lumMod val="75000"/>
+                <a:lumOff val="25000"/>
+              </a:schemeClr>
+            </a:solidFill>
+          </a:ln>
+        </p:spPr>
+        <p:style>
+          <a:lnRef idx="2">
+            <a:schemeClr val="accent1">
+              <a:shade val="50000"/>
+            </a:schemeClr>
+          </a:lnRef>
+          <a:fillRef idx="1">
+            <a:schemeClr val="accent1"/>
+          </a:fillRef>
+          <a:effectRef idx="0">
+            <a:schemeClr val="accent1"/>
+          </a:effectRef>
+          <a:fontRef idx="minor">
+            <a:schemeClr val="lt1"/>
+          </a:fontRef>
+        </p:style>
+        <p:txBody>
+          <a:bodyPr rtlCol="0" anchor="ctr"/>
+          <a:lstStyle/>
+          <a:p>
+            <a:pPr marL="0" marR="0" lvl="0" indent="0" algn="ctr" defTabSz="914400" rtl="0" eaLnBrk="1" fontAlgn="auto" latinLnBrk="0" hangingPunct="1">
+              <a:lnSpc>
+                <a:spcPct val="100000"/>
+              </a:lnSpc>
+              <a:spcBef>
+                <a:spcPts val="0"/>
+              </a:spcBef>
+              <a:spcAft>
+                <a:spcPts val="0"/>
+              </a:spcAft>
+              <a:buClrTx/>
+              <a:buSzTx/>
+              <a:buFontTx/>
+              <a:buNone/>
+              <a:tabLst/>
+              <a:defRPr/>
+            </a:pPr>
+            <a:endParaRPr kumimoji="0" lang="en-US" sz="1800" b="0" i="0" u="none" strike="noStrike" kern="1200" cap="none" spc="0" normalizeH="0" baseline="0" noProof="0">
+              <a:ln>
+                <a:noFill/>
+              </a:ln>
+              <a:solidFill>
+                <a:prstClr val="white"/>
+              </a:solidFill>
+              <a:effectLst/>
+              <a:uLnTx/>
+              <a:uFillTx/>
+              <a:latin typeface="Calibri" panose="020F0502020204030204"/>
+              <a:ea typeface="+mn-ea"/>
+              <a:cs typeface="+mn-cs"/>
+            </a:endParaRPr>
+          </a:p>
+        </p:txBody>
+      </p:sp>
+      <p:sp>
+        <p:nvSpPr>
           <p:cNvPr id="2" name="Title 1">
             <a:extLst>
               <a:ext uri="{FF2B5EF4-FFF2-40B4-BE49-F238E27FC236}">
@@ -8784,12 +9170,132 @@
             <p:ph type="title"/>
           </p:nvPr>
         </p:nvSpPr>
-        <p:spPr/>
-        <p:txBody>
-          <a:bodyPr/>
+        <p:spPr>
+          <a:xfrm>
+            <a:off x="649270" y="506727"/>
+            <a:ext cx="3885141" cy="1526741"/>
+          </a:xfrm>
+        </p:spPr>
+        <p:txBody>
+          <a:bodyPr vert="horz" lIns="91440" tIns="45720" rIns="91440" bIns="45720" rtlCol="0" anchor="ctr">
+            <a:normAutofit/>
+          </a:bodyPr>
           <a:lstStyle/>
           <a:p>
-            <a:endParaRPr lang="en-US"/>
+            <a:pPr algn="r"/>
+            <a:r>
+              <a:rPr lang="en-US" sz="3000">
+                <a:solidFill>
+                  <a:schemeClr val="bg1"/>
+                </a:solidFill>
+              </a:rPr>
+              <a:t>Help GUI Final</a:t>
+            </a:r>
+          </a:p>
+        </p:txBody>
+      </p:sp>
+      <p:cxnSp>
+        <p:nvCxnSpPr>
+          <p:cNvPr id="14" name="Straight Connector 13">
+            <a:extLst>
+              <a:ext uri="{FF2B5EF4-FFF2-40B4-BE49-F238E27FC236}">
+                <a16:creationId xmlns:a16="http://schemas.microsoft.com/office/drawing/2014/main" id="{DAE3ABC6-4042-4293-A7DF-F01181363B7E}"/>
+              </a:ext>
+              <a:ext uri="{C183D7F6-B498-43B3-948B-1728B52AA6E4}">
+                <adec:decorative xmlns:adec="http://schemas.microsoft.com/office/drawing/2017/decorative" val="1"/>
+              </a:ext>
+            </a:extLst>
+          </p:cNvPr>
+          <p:cNvCxnSpPr>
+            <a:cxnSpLocks noGrp="1" noRot="1" noChangeAspect="1" noMove="1" noResize="1" noEditPoints="1" noAdjustHandles="1" noChangeArrowheads="1" noChangeShapeType="1"/>
+          </p:cNvCxnSpPr>
+          <p:nvPr>
+            <p:extLst>
+              <p:ext uri="{386F3935-93C4-4BCD-93E2-E3B085C9AB24}">
+                <p16:designElem xmlns:p16="http://schemas.microsoft.com/office/powerpoint/2015/main" val="1"/>
+              </p:ext>
+            </p:extLst>
+          </p:nvPr>
+        </p:nvCxnSpPr>
+        <p:spPr>
+          <a:xfrm flipV="1">
+            <a:off x="4739873" y="580963"/>
+            <a:ext cx="0" cy="1371600"/>
+          </a:xfrm>
+          <a:prstGeom prst="line">
+            <a:avLst/>
+          </a:prstGeom>
+          <a:ln w="19050">
+            <a:solidFill>
+              <a:schemeClr val="bg1">
+                <a:alpha val="75000"/>
+              </a:schemeClr>
+            </a:solidFill>
+          </a:ln>
+        </p:spPr>
+        <p:style>
+          <a:lnRef idx="1">
+            <a:schemeClr val="accent1"/>
+          </a:lnRef>
+          <a:fillRef idx="0">
+            <a:schemeClr val="accent1"/>
+          </a:fillRef>
+          <a:effectRef idx="0">
+            <a:schemeClr val="accent1"/>
+          </a:effectRef>
+          <a:fontRef idx="minor">
+            <a:schemeClr val="tx1"/>
+          </a:fontRef>
+        </p:style>
+      </p:cxnSp>
+      <p:sp>
+        <p:nvSpPr>
+          <p:cNvPr id="5" name="TextBox 4">
+            <a:extLst>
+              <a:ext uri="{FF2B5EF4-FFF2-40B4-BE49-F238E27FC236}">
+                <a16:creationId xmlns:a16="http://schemas.microsoft.com/office/drawing/2014/main" id="{FB094B74-0B5A-45CD-B694-352345F0BA54}"/>
+              </a:ext>
+            </a:extLst>
+          </p:cNvPr>
+          <p:cNvSpPr txBox="1"/>
+          <p:nvPr/>
+        </p:nvSpPr>
+        <p:spPr>
+          <a:xfrm>
+            <a:off x="4945336" y="506727"/>
+            <a:ext cx="6609921" cy="1526741"/>
+          </a:xfrm>
+          <a:prstGeom prst="rect">
+            <a:avLst/>
+          </a:prstGeom>
+        </p:spPr>
+        <p:txBody>
+          <a:bodyPr rot="0" spcFirstLastPara="0" vertOverflow="overflow" horzOverflow="overflow" vert="horz" lIns="91440" tIns="45720" rIns="91440" bIns="45720" numCol="1" spcCol="0" rtlCol="0" fromWordArt="0" anchor="ctr" anchorCtr="0" forceAA="0" compatLnSpc="1">
+            <a:prstTxWarp prst="textNoShape">
+              <a:avLst/>
+            </a:prstTxWarp>
+            <a:normAutofit/>
+          </a:bodyPr>
+          <a:lstStyle/>
+          <a:p>
+            <a:pPr indent="-228600">
+              <a:lnSpc>
+                <a:spcPct val="90000"/>
+              </a:lnSpc>
+              <a:spcAft>
+                <a:spcPts val="600"/>
+              </a:spcAft>
+              <a:buFont typeface="Arial" panose="020B0604020202020204" pitchFamily="34" charset="0"/>
+              <a:buChar char="•"/>
+            </a:pPr>
+            <a:r>
+              <a:rPr lang="en-US" sz="2000">
+                <a:solidFill>
+                  <a:schemeClr val="bg1"/>
+                </a:solidFill>
+              </a:rPr>
+              <a:t>Have updated my help class so that the instructions / help are clear so that it is easier to find what you are looking for. One difference in the code was to hold the help text in a different string in the label. This made it easier to direct yourself to where you are.</a:t>
+            </a:r>
           </a:p>
         </p:txBody>
       </p:sp>
@@ -8817,51 +9323,14 @@
         </p:blipFill>
         <p:spPr>
           <a:xfrm>
-            <a:off x="684871" y="1794630"/>
-            <a:ext cx="1947747" cy="2248133"/>
-          </a:xfrm>
-        </p:spPr>
-      </p:pic>
-      <p:sp>
-        <p:nvSpPr>
-          <p:cNvPr id="5" name="TextBox 4">
-            <a:extLst>
-              <a:ext uri="{FF2B5EF4-FFF2-40B4-BE49-F238E27FC236}">
-                <a16:creationId xmlns:a16="http://schemas.microsoft.com/office/drawing/2014/main" id="{FB094B74-0B5A-45CD-B694-352345F0BA54}"/>
-              </a:ext>
-            </a:extLst>
-          </p:cNvPr>
-          <p:cNvSpPr txBox="1"/>
-          <p:nvPr/>
-        </p:nvSpPr>
-        <p:spPr>
-          <a:xfrm>
-            <a:off x="245327" y="4046035"/>
-            <a:ext cx="2436542" cy="1569660"/>
+            <a:off x="1548779" y="2523915"/>
+            <a:ext cx="3248538" cy="3749040"/>
           </a:xfrm>
           <a:prstGeom prst="rect">
             <a:avLst/>
           </a:prstGeom>
-          <a:noFill/>
         </p:spPr>
-        <p:txBody>
-          <a:bodyPr rot="0" spcFirstLastPara="0" vertOverflow="overflow" horzOverflow="overflow" vert="horz" wrap="square" lIns="91440" tIns="45720" rIns="91440" bIns="45720" numCol="1" spcCol="0" rtlCol="0" fromWordArt="0" anchor="t" anchorCtr="0" forceAA="0" compatLnSpc="1">
-            <a:prstTxWarp prst="textNoShape">
-              <a:avLst/>
-            </a:prstTxWarp>
-            <a:spAutoFit/>
-          </a:bodyPr>
-          <a:lstStyle/>
-          <a:p>
-            <a:r>
-              <a:rPr lang="en-US" sz="1200" dirty="0">
-                <a:cs typeface="Calibri"/>
-              </a:rPr>
-              <a:t>Have updated my help class so that the instructions / help are clear so that it is easier to find what you are looking for. One difference in the code was to hold the help text in a different string in the label. This made it easier to direct your self to where you are.</a:t>
-            </a:r>
-          </a:p>
-        </p:txBody>
-      </p:sp>
+      </p:pic>
       <p:pic>
         <p:nvPicPr>
           <p:cNvPr id="6" name="Picture 6" descr="Text, timeline&#10;&#10;Description automatically generated">
@@ -8884,8 +9353,8 @@
         </p:blipFill>
         <p:spPr>
           <a:xfrm>
-            <a:off x="2958790" y="1753114"/>
-            <a:ext cx="1934737" cy="2255236"/>
+            <a:off x="7419831" y="2527997"/>
+            <a:ext cx="3210764" cy="3749040"/>
           </a:xfrm>
           <a:prstGeom prst="rect">
             <a:avLst/>
@@ -8906,7 +9375,7 @@
         </p:nvSpPr>
         <p:spPr>
           <a:xfrm>
-            <a:off x="2930912" y="4046034"/>
+            <a:off x="8088351" y="6266985"/>
             <a:ext cx="1962615" cy="461665"/>
           </a:xfrm>
           <a:prstGeom prst="rect">
@@ -8923,12 +9392,20 @@
           </a:bodyPr>
           <a:lstStyle/>
           <a:p>
+            <a:pPr>
+              <a:spcAft>
+                <a:spcPts val="600"/>
+              </a:spcAft>
+            </a:pPr>
             <a:r>
               <a:rPr lang="en-US" sz="1200" dirty="0">
                 <a:cs typeface="Calibri"/>
               </a:rPr>
-              <a:t>Have fixed a error I made in the text</a:t>
+              <a:t>Have fixed an error I made in the text</a:t>
             </a:r>
+            <a:endParaRPr lang="en-US" sz="1200">
+              <a:cs typeface="Calibri"/>
+            </a:endParaRPr>
           </a:p>
         </p:txBody>
       </p:sp>
@@ -8984,12 +9461,12 @@
           <a:lstStyle/>
           <a:p>
             <a:r>
-              <a:rPr lang="en-US">
+              <a:rPr lang="en-US" dirty="0">
                 <a:cs typeface="Calibri Light"/>
               </a:rPr>
-              <a:t>History Class v1</a:t>
+              <a:t>History + Export Classes</a:t>
             </a:r>
-            <a:endParaRPr lang="en-US"/>
+            <a:endParaRPr lang="en-US" dirty="0" err="1"/>
           </a:p>
         </p:txBody>
       </p:sp>
@@ -9036,7 +9513,7 @@
         </p:nvSpPr>
         <p:spPr>
           <a:xfrm>
-            <a:off x="6062785" y="1695938"/>
+            <a:off x="3795370" y="1900377"/>
             <a:ext cx="3690814" cy="1200329"/>
           </a:xfrm>
           <a:prstGeom prst="rect">
@@ -9054,115 +9531,65 @@
           <a:lstStyle/>
           <a:p>
             <a:r>
-              <a:rPr lang="en-US" dirty="0"/>
-              <a:t>First verison of </a:t>
+              <a:rPr lang="en-US" sz="1200" dirty="0"/>
+              <a:t>First version of my History class will leave it for now as I need to finish the assessment asap and now, I can focus on my stats and export classes</a:t>
             </a:r>
+            <a:endParaRPr lang="en-US" sz="1200" dirty="0">
+              <a:cs typeface="Calibri" panose="020F0502020204030204"/>
+            </a:endParaRPr>
+          </a:p>
+          <a:p>
             <a:r>
-              <a:rPr lang="en-US"/>
-              <a:t>my History class will leave it for now as I need to finish the assesment asap and now I can focus on my stats and export classes</a:t>
+              <a:rPr lang="en-US" sz="1200" dirty="0">
+                <a:ea typeface="+mn-lt"/>
+                <a:cs typeface="+mn-lt"/>
+              </a:rPr>
+              <a:t>I recycled most of the code from a previous project that I worked on. </a:t>
             </a:r>
-            <a:endParaRPr lang="en-US" dirty="0">
+          </a:p>
+          <a:p>
+            <a:endParaRPr lang="en-US" sz="1200" dirty="0">
               <a:cs typeface="Calibri"/>
             </a:endParaRPr>
           </a:p>
         </p:txBody>
       </p:sp>
-    </p:spTree>
-    <p:extLst>
-      <p:ext uri="{BB962C8B-B14F-4D97-AF65-F5344CB8AC3E}">
-        <p14:creationId xmlns:p14="http://schemas.microsoft.com/office/powerpoint/2010/main" val="1323580387"/>
-      </p:ext>
-    </p:extLst>
-  </p:cSld>
-  <p:clrMapOvr>
-    <a:masterClrMapping/>
-  </p:clrMapOvr>
-</p:sld>
-</file>
-
-<file path=ppt/slides/slide22.xml><?xml version="1.0" encoding="utf-8"?>
-<p:sld xmlns:a="http://schemas.openxmlformats.org/drawingml/2006/main" xmlns:r="http://schemas.openxmlformats.org/officeDocument/2006/relationships" xmlns:p="http://schemas.openxmlformats.org/presentationml/2006/main">
-  <p:cSld>
-    <p:spTree>
-      <p:nvGrpSpPr>
-        <p:cNvPr id="1" name=""/>
-        <p:cNvGrpSpPr/>
-        <p:nvPr/>
-      </p:nvGrpSpPr>
-      <p:grpSpPr>
-        <a:xfrm>
-          <a:off x="0" y="0"/>
-          <a:ext cx="0" cy="0"/>
-          <a:chOff x="0" y="0"/>
-          <a:chExt cx="0" cy="0"/>
-        </a:xfrm>
-      </p:grpSpPr>
-      <p:sp>
-        <p:nvSpPr>
-          <p:cNvPr id="2" name="Title 1">
+      <p:pic>
+        <p:nvPicPr>
+          <p:cNvPr id="3" name="Picture 4" descr="Graphical user interface, text&#10;&#10;Description automatically generated">
             <a:extLst>
               <a:ext uri="{FF2B5EF4-FFF2-40B4-BE49-F238E27FC236}">
-                <a16:creationId xmlns:a16="http://schemas.microsoft.com/office/drawing/2014/main" id="{84D0D12E-199B-43E5-985E-D1696BFD8418}"/>
-              </a:ext>
-            </a:extLst>
-          </p:cNvPr>
-          <p:cNvSpPr>
-            <a:spLocks noGrp="1"/>
-          </p:cNvSpPr>
-          <p:nvPr>
-            <p:ph type="title"/>
-          </p:nvPr>
-        </p:nvSpPr>
-        <p:spPr/>
-        <p:txBody>
-          <a:bodyPr/>
-          <a:lstStyle/>
-          <a:p>
-            <a:r>
-              <a:rPr lang="en-US">
-                <a:cs typeface="Calibri Light"/>
-              </a:rPr>
-              <a:t>Export Class</a:t>
-            </a:r>
-            <a:endParaRPr lang="en-US"/>
-          </a:p>
-        </p:txBody>
-      </p:sp>
-      <p:pic>
-        <p:nvPicPr>
-          <p:cNvPr id="4" name="Picture 4" descr="Graphical user interface, text&#10;&#10;Description automatically generated">
-            <a:extLst>
-              <a:ext uri="{FF2B5EF4-FFF2-40B4-BE49-F238E27FC236}">
-                <a16:creationId xmlns:a16="http://schemas.microsoft.com/office/drawing/2014/main" id="{B604AD74-1755-4B20-8AD5-BBD46A5255B2}"/>
+                <a16:creationId xmlns:a16="http://schemas.microsoft.com/office/drawing/2014/main" id="{45ACC6E0-72D7-4BF3-920E-844DC0D1754B}"/>
               </a:ext>
             </a:extLst>
           </p:cNvPr>
           <p:cNvPicPr>
-            <a:picLocks noGrp="1" noChangeAspect="1"/>
+            <a:picLocks noChangeAspect="1"/>
           </p:cNvPicPr>
-          <p:nvPr>
-            <p:ph idx="1"/>
-          </p:nvPr>
+          <p:nvPr/>
         </p:nvPicPr>
         <p:blipFill>
-          <a:blip r:embed="rId2"/>
+          <a:blip r:embed="rId3"/>
           <a:stretch>
             <a:fillRect/>
           </a:stretch>
         </p:blipFill>
         <p:spPr>
           <a:xfrm>
-            <a:off x="635610" y="1637994"/>
+            <a:off x="904042" y="3638244"/>
             <a:ext cx="2714625" cy="2733675"/>
           </a:xfrm>
+          <a:prstGeom prst="rect">
+            <a:avLst/>
+          </a:prstGeom>
         </p:spPr>
       </p:pic>
       <p:sp>
         <p:nvSpPr>
-          <p:cNvPr id="5" name="TextBox 4">
+          <p:cNvPr id="7" name="TextBox 6">
             <a:extLst>
               <a:ext uri="{FF2B5EF4-FFF2-40B4-BE49-F238E27FC236}">
-                <a16:creationId xmlns:a16="http://schemas.microsoft.com/office/drawing/2014/main" id="{5F27FE93-30F7-4FFA-9B48-9F56B1846238}"/>
+                <a16:creationId xmlns:a16="http://schemas.microsoft.com/office/drawing/2014/main" id="{9915111D-00E1-4691-A4CA-A4843CDEA2A0}"/>
               </a:ext>
             </a:extLst>
           </p:cNvPr>
@@ -9171,8 +9598,8 @@
         </p:nvSpPr>
         <p:spPr>
           <a:xfrm>
-            <a:off x="6678246" y="1637323"/>
-            <a:ext cx="4247660" cy="1200329"/>
+            <a:off x="3757961" y="4073912"/>
+            <a:ext cx="2743200" cy="1569660"/>
           </a:xfrm>
           <a:prstGeom prst="rect">
             <a:avLst/>
@@ -9189,18 +9616,27 @@
           <a:lstStyle/>
           <a:p>
             <a:r>
-              <a:rPr lang="en-US" dirty="0">
+              <a:rPr lang="en-US" sz="1200" dirty="0"/>
+              <a:t>This Export class is from mystery box, and it works exactly how it should. This will be my first and final version of my export class. I will come back to it if I need to.</a:t>
+            </a:r>
+            <a:r>
+              <a:rPr lang="en-US" sz="1200" dirty="0">
                 <a:cs typeface="Calibri"/>
               </a:rPr>
-              <a:t>This Export class is from mystery box, and it works exactly how it should. This will be my </a:t>
+              <a:t>​</a:t>
             </a:r>
+          </a:p>
+          <a:p>
             <a:r>
-              <a:rPr lang="en-US">
-                <a:cs typeface="Calibri"/>
+              <a:rPr lang="en-US" sz="1200" dirty="0">
+                <a:ea typeface="+mn-lt"/>
+                <a:cs typeface="+mn-lt"/>
               </a:rPr>
-              <a:t>first and final version of my export class. I will come back to it if I need to.</a:t>
+              <a:t>I recycled most of the code from a previous project that I worked on. </a:t>
             </a:r>
-            <a:endParaRPr lang="en-US" dirty="0">
+          </a:p>
+          <a:p>
+            <a:endParaRPr lang="en-US" sz="1200" dirty="0">
               <a:cs typeface="Calibri"/>
             </a:endParaRPr>
           </a:p>
@@ -9209,7 +9645,7 @@
     </p:spTree>
     <p:extLst>
       <p:ext uri="{BB962C8B-B14F-4D97-AF65-F5344CB8AC3E}">
-        <p14:creationId xmlns:p14="http://schemas.microsoft.com/office/powerpoint/2010/main" val="2698637891"/>
+        <p14:creationId xmlns:p14="http://schemas.microsoft.com/office/powerpoint/2010/main" val="1323580387"/>
       </p:ext>
     </p:extLst>
   </p:cSld>

--- a/Programming Assesment.pptx
+++ b/Programming Assesment.pptx
@@ -26,6 +26,7 @@
     <p:sldId id="275" r:id="rId20"/>
     <p:sldId id="278" r:id="rId21"/>
     <p:sldId id="273" r:id="rId22"/>
+    <p:sldId id="279" r:id="rId23"/>
   </p:sldIdLst>
   <p:sldSz cx="12192000" cy="6858000"/>
   <p:notesSz cx="6858000" cy="9144000"/>
@@ -156,7 +157,7 @@
     <p1510:client id="{D504615B-0A5D-73A6-4A18-1D567E10BC58}" v="203" dt="2021-07-28T23:54:11.421"/>
     <p1510:client id="{E59691CD-4E5D-C9E7-EFEF-F6E12282C375}" v="114" dt="2021-07-08T23:05:40.489"/>
     <p1510:client id="{EE33AF41-30E7-9FB3-CC2C-421B72023142}" v="357" dt="2021-06-16T01:15:10.236"/>
-    <p1510:client id="{F57D3202-7313-FB6F-E63F-9E0CBAF4F64B}" v="285" dt="2021-08-05T22:36:08.008"/>
+    <p1510:client id="{F57D3202-7313-FB6F-E63F-9E0CBAF4F64B}" v="386" dt="2021-08-05T22:52:58.047"/>
   </p1510:revLst>
 </p1510:revInfo>
 </file>
@@ -482,25 +483,759 @@
   </pc:docChgLst>
   <pc:docChgLst>
     <pc:chgData name="Jonny Morris" userId="S::morrisj70800@masseyhigh.school.nz::4fab9e21-29a7-4d03-b4c0-6c8a112c783d" providerId="AD" clId="Web-{F57D3202-7313-FB6F-E63F-9E0CBAF4F64B}"/>
-    <pc:docChg chg="delSld modSld">
-      <pc:chgData name="Jonny Morris" userId="S::morrisj70800@masseyhigh.school.nz::4fab9e21-29a7-4d03-b4c0-6c8a112c783d" providerId="AD" clId="Web-{F57D3202-7313-FB6F-E63F-9E0CBAF4F64B}" dt="2021-08-05T22:36:08.008" v="157" actId="1076"/>
+    <pc:docChg chg="addSld delSld modSld">
+      <pc:chgData name="Jonny Morris" userId="S::morrisj70800@masseyhigh.school.nz::4fab9e21-29a7-4d03-b4c0-6c8a112c783d" providerId="AD" clId="Web-{F57D3202-7313-FB6F-E63F-9E0CBAF4F64B}" dt="2021-08-05T22:52:58.047" v="225" actId="20577"/>
       <pc:docMkLst>
         <pc:docMk/>
       </pc:docMkLst>
-      <pc:sldChg chg="modSp">
-        <pc:chgData name="Jonny Morris" userId="S::morrisj70800@masseyhigh.school.nz::4fab9e21-29a7-4d03-b4c0-6c8a112c783d" providerId="AD" clId="Web-{F57D3202-7313-FB6F-E63F-9E0CBAF4F64B}" dt="2021-08-05T22:32:45.082" v="142" actId="20577"/>
+      <pc:sldChg chg="addSp delSp modSp mod setBg addAnim">
+        <pc:chgData name="Jonny Morris" userId="S::morrisj70800@masseyhigh.school.nz::4fab9e21-29a7-4d03-b4c0-6c8a112c783d" providerId="AD" clId="Web-{F57D3202-7313-FB6F-E63F-9E0CBAF4F64B}" dt="2021-08-05T22:42:17.157" v="166"/>
+        <pc:sldMkLst>
+          <pc:docMk/>
+          <pc:sldMk cId="109857222" sldId="256"/>
+        </pc:sldMkLst>
+        <pc:spChg chg="mod">
+          <ac:chgData name="Jonny Morris" userId="S::morrisj70800@masseyhigh.school.nz::4fab9e21-29a7-4d03-b4c0-6c8a112c783d" providerId="AD" clId="Web-{F57D3202-7313-FB6F-E63F-9E0CBAF4F64B}" dt="2021-08-05T22:42:17.157" v="164"/>
+          <ac:spMkLst>
+            <pc:docMk/>
+            <pc:sldMk cId="109857222" sldId="256"/>
+            <ac:spMk id="2" creationId="{00000000-0000-0000-0000-000000000000}"/>
+          </ac:spMkLst>
+        </pc:spChg>
+        <pc:spChg chg="mod">
+          <ac:chgData name="Jonny Morris" userId="S::morrisj70800@masseyhigh.school.nz::4fab9e21-29a7-4d03-b4c0-6c8a112c783d" providerId="AD" clId="Web-{F57D3202-7313-FB6F-E63F-9E0CBAF4F64B}" dt="2021-08-05T22:42:17.157" v="164"/>
+          <ac:spMkLst>
+            <pc:docMk/>
+            <pc:sldMk cId="109857222" sldId="256"/>
+            <ac:spMk id="3" creationId="{00000000-0000-0000-0000-000000000000}"/>
+          </ac:spMkLst>
+        </pc:spChg>
+        <pc:spChg chg="add del">
+          <ac:chgData name="Jonny Morris" userId="S::morrisj70800@masseyhigh.school.nz::4fab9e21-29a7-4d03-b4c0-6c8a112c783d" providerId="AD" clId="Web-{F57D3202-7313-FB6F-E63F-9E0CBAF4F64B}" dt="2021-08-05T22:42:09.313" v="163"/>
+          <ac:spMkLst>
+            <pc:docMk/>
+            <pc:sldMk cId="109857222" sldId="256"/>
+            <ac:spMk id="4" creationId="{9FB64B41-E7AA-4D62-918E-E4430AC1D60C}"/>
+          </ac:spMkLst>
+        </pc:spChg>
+        <pc:spChg chg="add">
+          <ac:chgData name="Jonny Morris" userId="S::morrisj70800@masseyhigh.school.nz::4fab9e21-29a7-4d03-b4c0-6c8a112c783d" providerId="AD" clId="Web-{F57D3202-7313-FB6F-E63F-9E0CBAF4F64B}" dt="2021-08-05T22:42:17.157" v="164"/>
+          <ac:spMkLst>
+            <pc:docMk/>
+            <pc:sldMk cId="109857222" sldId="256"/>
+            <ac:spMk id="9" creationId="{87CC2527-562A-4F69-B487-4371E5B243E7}"/>
+          </ac:spMkLst>
+        </pc:spChg>
+        <pc:picChg chg="add">
+          <ac:chgData name="Jonny Morris" userId="S::morrisj70800@masseyhigh.school.nz::4fab9e21-29a7-4d03-b4c0-6c8a112c783d" providerId="AD" clId="Web-{F57D3202-7313-FB6F-E63F-9E0CBAF4F64B}" dt="2021-08-05T22:42:17.157" v="164"/>
+          <ac:picMkLst>
+            <pc:docMk/>
+            <pc:sldMk cId="109857222" sldId="256"/>
+            <ac:picMk id="5" creationId="{41646346-4A38-4F42-8D3A-D22504B09823}"/>
+          </ac:picMkLst>
+        </pc:picChg>
+        <pc:cxnChg chg="add">
+          <ac:chgData name="Jonny Morris" userId="S::morrisj70800@masseyhigh.school.nz::4fab9e21-29a7-4d03-b4c0-6c8a112c783d" providerId="AD" clId="Web-{F57D3202-7313-FB6F-E63F-9E0CBAF4F64B}" dt="2021-08-05T22:42:17.157" v="164"/>
+          <ac:cxnSpMkLst>
+            <pc:docMk/>
+            <pc:sldMk cId="109857222" sldId="256"/>
+            <ac:cxnSpMk id="11" creationId="{BCDAEC91-5BCE-4B55-9CC0-43EF94CB734B}"/>
+          </ac:cxnSpMkLst>
+        </pc:cxnChg>
+      </pc:sldChg>
+      <pc:sldChg chg="addSp delSp modSp mod setBg">
+        <pc:chgData name="Jonny Morris" userId="S::morrisj70800@masseyhigh.school.nz::4fab9e21-29a7-4d03-b4c0-6c8a112c783d" providerId="AD" clId="Web-{F57D3202-7313-FB6F-E63F-9E0CBAF4F64B}" dt="2021-08-05T22:42:25.501" v="168"/>
         <pc:sldMkLst>
           <pc:docMk/>
           <pc:sldMk cId="358461426" sldId="257"/>
         </pc:sldMkLst>
         <pc:spChg chg="mod">
-          <ac:chgData name="Jonny Morris" userId="S::morrisj70800@masseyhigh.school.nz::4fab9e21-29a7-4d03-b4c0-6c8a112c783d" providerId="AD" clId="Web-{F57D3202-7313-FB6F-E63F-9E0CBAF4F64B}" dt="2021-08-05T22:32:45.082" v="142" actId="20577"/>
+          <ac:chgData name="Jonny Morris" userId="S::morrisj70800@masseyhigh.school.nz::4fab9e21-29a7-4d03-b4c0-6c8a112c783d" providerId="AD" clId="Web-{F57D3202-7313-FB6F-E63F-9E0CBAF4F64B}" dt="2021-08-05T22:42:22.485" v="167"/>
           <ac:spMkLst>
             <pc:docMk/>
             <pc:sldMk cId="358461426" sldId="257"/>
             <ac:spMk id="2" creationId="{4AA7760E-DDE6-43AD-B768-5AF8FC14ECF5}"/>
           </ac:spMkLst>
         </pc:spChg>
+        <pc:spChg chg="del mod">
+          <ac:chgData name="Jonny Morris" userId="S::morrisj70800@masseyhigh.school.nz::4fab9e21-29a7-4d03-b4c0-6c8a112c783d" providerId="AD" clId="Web-{F57D3202-7313-FB6F-E63F-9E0CBAF4F64B}" dt="2021-08-05T22:42:25.501" v="168"/>
+          <ac:spMkLst>
+            <pc:docMk/>
+            <pc:sldMk cId="358461426" sldId="257"/>
+            <ac:spMk id="3" creationId="{3AA76EDA-873B-4C95-9ED7-4CD3ABC97401}"/>
+          </ac:spMkLst>
+        </pc:spChg>
+        <pc:spChg chg="add">
+          <ac:chgData name="Jonny Morris" userId="S::morrisj70800@masseyhigh.school.nz::4fab9e21-29a7-4d03-b4c0-6c8a112c783d" providerId="AD" clId="Web-{F57D3202-7313-FB6F-E63F-9E0CBAF4F64B}" dt="2021-08-05T22:42:22.485" v="167"/>
+          <ac:spMkLst>
+            <pc:docMk/>
+            <pc:sldMk cId="358461426" sldId="257"/>
+            <ac:spMk id="9" creationId="{35F0E358-1E49-4920-80D8-C3D138708838}"/>
+          </ac:spMkLst>
+        </pc:spChg>
+        <pc:spChg chg="add">
+          <ac:chgData name="Jonny Morris" userId="S::morrisj70800@masseyhigh.school.nz::4fab9e21-29a7-4d03-b4c0-6c8a112c783d" providerId="AD" clId="Web-{F57D3202-7313-FB6F-E63F-9E0CBAF4F64B}" dt="2021-08-05T22:42:22.485" v="167"/>
+          <ac:spMkLst>
+            <pc:docMk/>
+            <pc:sldMk cId="358461426" sldId="257"/>
+            <ac:spMk id="11" creationId="{E2D2362D-7010-4036-B9CA-03DFC8EB3B01}"/>
+          </ac:spMkLst>
+        </pc:spChg>
+        <pc:spChg chg="add">
+          <ac:chgData name="Jonny Morris" userId="S::morrisj70800@masseyhigh.school.nz::4fab9e21-29a7-4d03-b4c0-6c8a112c783d" providerId="AD" clId="Web-{F57D3202-7313-FB6F-E63F-9E0CBAF4F64B}" dt="2021-08-05T22:42:22.485" v="167"/>
+          <ac:spMkLst>
+            <pc:docMk/>
+            <pc:sldMk cId="358461426" sldId="257"/>
+            <ac:spMk id="13" creationId="{DC85BF5E-2BD6-4E5B-8EA3-420B45BB03FA}"/>
+          </ac:spMkLst>
+        </pc:spChg>
+        <pc:spChg chg="add">
+          <ac:chgData name="Jonny Morris" userId="S::morrisj70800@masseyhigh.school.nz::4fab9e21-29a7-4d03-b4c0-6c8a112c783d" providerId="AD" clId="Web-{F57D3202-7313-FB6F-E63F-9E0CBAF4F64B}" dt="2021-08-05T22:42:22.485" v="167"/>
+          <ac:spMkLst>
+            <pc:docMk/>
+            <pc:sldMk cId="358461426" sldId="257"/>
+            <ac:spMk id="15" creationId="{740D8E28-91B5-42B0-9D6C-B777D8AD90C2}"/>
+          </ac:spMkLst>
+        </pc:spChg>
+        <pc:picChg chg="mod">
+          <ac:chgData name="Jonny Morris" userId="S::morrisj70800@masseyhigh.school.nz::4fab9e21-29a7-4d03-b4c0-6c8a112c783d" providerId="AD" clId="Web-{F57D3202-7313-FB6F-E63F-9E0CBAF4F64B}" dt="2021-08-05T22:42:22.485" v="167"/>
+          <ac:picMkLst>
+            <pc:docMk/>
+            <pc:sldMk cId="358461426" sldId="257"/>
+            <ac:picMk id="4" creationId="{D274BBA2-E442-450E-8D18-87D3DBB0D22E}"/>
+          </ac:picMkLst>
+        </pc:picChg>
+      </pc:sldChg>
+      <pc:sldChg chg="addSp modSp mod setBg setClrOvrMap">
+        <pc:chgData name="Jonny Morris" userId="S::morrisj70800@masseyhigh.school.nz::4fab9e21-29a7-4d03-b4c0-6c8a112c783d" providerId="AD" clId="Web-{F57D3202-7313-FB6F-E63F-9E0CBAF4F64B}" dt="2021-08-05T22:42:29.720" v="169"/>
+        <pc:sldMkLst>
+          <pc:docMk/>
+          <pc:sldMk cId="2720713569" sldId="258"/>
+        </pc:sldMkLst>
+        <pc:spChg chg="mod">
+          <ac:chgData name="Jonny Morris" userId="S::morrisj70800@masseyhigh.school.nz::4fab9e21-29a7-4d03-b4c0-6c8a112c783d" providerId="AD" clId="Web-{F57D3202-7313-FB6F-E63F-9E0CBAF4F64B}" dt="2021-08-05T22:42:29.720" v="169"/>
+          <ac:spMkLst>
+            <pc:docMk/>
+            <pc:sldMk cId="2720713569" sldId="258"/>
+            <ac:spMk id="2" creationId="{92EE7463-1C1B-4BDE-94BB-493F7281A42D}"/>
+          </ac:spMkLst>
+        </pc:spChg>
+        <pc:spChg chg="mod">
+          <ac:chgData name="Jonny Morris" userId="S::morrisj70800@masseyhigh.school.nz::4fab9e21-29a7-4d03-b4c0-6c8a112c783d" providerId="AD" clId="Web-{F57D3202-7313-FB6F-E63F-9E0CBAF4F64B}" dt="2021-08-05T22:42:29.720" v="169"/>
+          <ac:spMkLst>
+            <pc:docMk/>
+            <pc:sldMk cId="2720713569" sldId="258"/>
+            <ac:spMk id="3" creationId="{5D4E9E55-94C1-4FD3-A80E-D9AB284B8D0E}"/>
+          </ac:spMkLst>
+        </pc:spChg>
+        <pc:spChg chg="add">
+          <ac:chgData name="Jonny Morris" userId="S::morrisj70800@masseyhigh.school.nz::4fab9e21-29a7-4d03-b4c0-6c8a112c783d" providerId="AD" clId="Web-{F57D3202-7313-FB6F-E63F-9E0CBAF4F64B}" dt="2021-08-05T22:42:29.720" v="169"/>
+          <ac:spMkLst>
+            <pc:docMk/>
+            <pc:sldMk cId="2720713569" sldId="258"/>
+            <ac:spMk id="9" creationId="{C7FA33FF-088D-4F16-95A2-2C64D353DEA8}"/>
+          </ac:spMkLst>
+        </pc:spChg>
+        <pc:spChg chg="add">
+          <ac:chgData name="Jonny Morris" userId="S::morrisj70800@masseyhigh.school.nz::4fab9e21-29a7-4d03-b4c0-6c8a112c783d" providerId="AD" clId="Web-{F57D3202-7313-FB6F-E63F-9E0CBAF4F64B}" dt="2021-08-05T22:42:29.720" v="169"/>
+          <ac:spMkLst>
+            <pc:docMk/>
+            <pc:sldMk cId="2720713569" sldId="258"/>
+            <ac:spMk id="11" creationId="{A376EFB1-01CF-419F-ABF1-2AF02BBFCBD1}"/>
+          </ac:spMkLst>
+        </pc:spChg>
+        <pc:spChg chg="add">
+          <ac:chgData name="Jonny Morris" userId="S::morrisj70800@masseyhigh.school.nz::4fab9e21-29a7-4d03-b4c0-6c8a112c783d" providerId="AD" clId="Web-{F57D3202-7313-FB6F-E63F-9E0CBAF4F64B}" dt="2021-08-05T22:42:29.720" v="169"/>
+          <ac:spMkLst>
+            <pc:docMk/>
+            <pc:sldMk cId="2720713569" sldId="258"/>
+            <ac:spMk id="13" creationId="{FF9DEA15-78BD-4750-AA18-B9F28A6D5AB8}"/>
+          </ac:spMkLst>
+        </pc:spChg>
+        <pc:picChg chg="mod ord">
+          <ac:chgData name="Jonny Morris" userId="S::morrisj70800@masseyhigh.school.nz::4fab9e21-29a7-4d03-b4c0-6c8a112c783d" providerId="AD" clId="Web-{F57D3202-7313-FB6F-E63F-9E0CBAF4F64B}" dt="2021-08-05T22:42:29.720" v="169"/>
+          <ac:picMkLst>
+            <pc:docMk/>
+            <pc:sldMk cId="2720713569" sldId="258"/>
+            <ac:picMk id="4" creationId="{770B29DB-722F-42EE-BD98-08A6A58798B3}"/>
+          </ac:picMkLst>
+        </pc:picChg>
+      </pc:sldChg>
+      <pc:sldChg chg="addSp delSp modSp mod setBg setClrOvrMap">
+        <pc:chgData name="Jonny Morris" userId="S::morrisj70800@masseyhigh.school.nz::4fab9e21-29a7-4d03-b4c0-6c8a112c783d" providerId="AD" clId="Web-{F57D3202-7313-FB6F-E63F-9E0CBAF4F64B}" dt="2021-08-05T22:43:10.658" v="180" actId="1076"/>
+        <pc:sldMkLst>
+          <pc:docMk/>
+          <pc:sldMk cId="1121134679" sldId="259"/>
+        </pc:sldMkLst>
+        <pc:spChg chg="mod ord">
+          <ac:chgData name="Jonny Morris" userId="S::morrisj70800@masseyhigh.school.nz::4fab9e21-29a7-4d03-b4c0-6c8a112c783d" providerId="AD" clId="Web-{F57D3202-7313-FB6F-E63F-9E0CBAF4F64B}" dt="2021-08-05T22:42:37.626" v="170"/>
+          <ac:spMkLst>
+            <pc:docMk/>
+            <pc:sldMk cId="1121134679" sldId="259"/>
+            <ac:spMk id="2" creationId="{588E3780-8974-43B7-B56C-88962D87DE18}"/>
+          </ac:spMkLst>
+        </pc:spChg>
+        <pc:spChg chg="mod">
+          <ac:chgData name="Jonny Morris" userId="S::morrisj70800@masseyhigh.school.nz::4fab9e21-29a7-4d03-b4c0-6c8a112c783d" providerId="AD" clId="Web-{F57D3202-7313-FB6F-E63F-9E0CBAF4F64B}" dt="2021-08-05T22:42:37.626" v="170"/>
+          <ac:spMkLst>
+            <pc:docMk/>
+            <pc:sldMk cId="1121134679" sldId="259"/>
+            <ac:spMk id="5" creationId="{13770BC4-8233-4892-B0E6-F07AC0ADDCFD}"/>
+          </ac:spMkLst>
+        </pc:spChg>
+        <pc:spChg chg="add del mod">
+          <ac:chgData name="Jonny Morris" userId="S::morrisj70800@masseyhigh.school.nz::4fab9e21-29a7-4d03-b4c0-6c8a112c783d" providerId="AD" clId="Web-{F57D3202-7313-FB6F-E63F-9E0CBAF4F64B}" dt="2021-08-05T22:43:08.611" v="179"/>
+          <ac:spMkLst>
+            <pc:docMk/>
+            <pc:sldMk cId="1121134679" sldId="259"/>
+            <ac:spMk id="6" creationId="{98E57EEF-E1B6-4039-9A15-193254535190}"/>
+          </ac:spMkLst>
+        </pc:spChg>
+        <pc:spChg chg="add">
+          <ac:chgData name="Jonny Morris" userId="S::morrisj70800@masseyhigh.school.nz::4fab9e21-29a7-4d03-b4c0-6c8a112c783d" providerId="AD" clId="Web-{F57D3202-7313-FB6F-E63F-9E0CBAF4F64B}" dt="2021-08-05T22:42:37.626" v="170"/>
+          <ac:spMkLst>
+            <pc:docMk/>
+            <pc:sldMk cId="1121134679" sldId="259"/>
+            <ac:spMk id="10" creationId="{68A4132F-DEC6-4332-A00C-A11AD4519B6C}"/>
+          </ac:spMkLst>
+        </pc:spChg>
+        <pc:spChg chg="add">
+          <ac:chgData name="Jonny Morris" userId="S::morrisj70800@masseyhigh.school.nz::4fab9e21-29a7-4d03-b4c0-6c8a112c783d" providerId="AD" clId="Web-{F57D3202-7313-FB6F-E63F-9E0CBAF4F64B}" dt="2021-08-05T22:42:37.626" v="170"/>
+          <ac:spMkLst>
+            <pc:docMk/>
+            <pc:sldMk cId="1121134679" sldId="259"/>
+            <ac:spMk id="12" creationId="{64965EAE-E41A-435F-B993-07E824B6C977}"/>
+          </ac:spMkLst>
+        </pc:spChg>
+        <pc:spChg chg="add">
+          <ac:chgData name="Jonny Morris" userId="S::morrisj70800@masseyhigh.school.nz::4fab9e21-29a7-4d03-b4c0-6c8a112c783d" providerId="AD" clId="Web-{F57D3202-7313-FB6F-E63F-9E0CBAF4F64B}" dt="2021-08-05T22:42:37.626" v="170"/>
+          <ac:spMkLst>
+            <pc:docMk/>
+            <pc:sldMk cId="1121134679" sldId="259"/>
+            <ac:spMk id="14" creationId="{152F8994-E6D4-4311-9548-C3607BC43645}"/>
+          </ac:spMkLst>
+        </pc:spChg>
+        <pc:picChg chg="del mod">
+          <ac:chgData name="Jonny Morris" userId="S::morrisj70800@masseyhigh.school.nz::4fab9e21-29a7-4d03-b4c0-6c8a112c783d" providerId="AD" clId="Web-{F57D3202-7313-FB6F-E63F-9E0CBAF4F64B}" dt="2021-08-05T22:43:07.455" v="178"/>
+          <ac:picMkLst>
+            <pc:docMk/>
+            <pc:sldMk cId="1121134679" sldId="259"/>
+            <ac:picMk id="4" creationId="{832CB706-A894-4C79-A765-CAC0EEA0D08A}"/>
+          </ac:picMkLst>
+        </pc:picChg>
+        <pc:picChg chg="add mod ord">
+          <ac:chgData name="Jonny Morris" userId="S::morrisj70800@masseyhigh.school.nz::4fab9e21-29a7-4d03-b4c0-6c8a112c783d" providerId="AD" clId="Web-{F57D3202-7313-FB6F-E63F-9E0CBAF4F64B}" dt="2021-08-05T22:43:10.658" v="180" actId="1076"/>
+          <ac:picMkLst>
+            <pc:docMk/>
+            <pc:sldMk cId="1121134679" sldId="259"/>
+            <ac:picMk id="7" creationId="{4E016AE9-E290-4EF9-9B18-FD846DC91EA9}"/>
+          </ac:picMkLst>
+        </pc:picChg>
+      </pc:sldChg>
+      <pc:sldChg chg="addSp delSp modSp mod setClrOvrMap">
+        <pc:chgData name="Jonny Morris" userId="S::morrisj70800@masseyhigh.school.nz::4fab9e21-29a7-4d03-b4c0-6c8a112c783d" providerId="AD" clId="Web-{F57D3202-7313-FB6F-E63F-9E0CBAF4F64B}" dt="2021-08-05T22:43:16.315" v="181"/>
+        <pc:sldMkLst>
+          <pc:docMk/>
+          <pc:sldMk cId="4213354389" sldId="260"/>
+        </pc:sldMkLst>
+        <pc:spChg chg="mod">
+          <ac:chgData name="Jonny Morris" userId="S::morrisj70800@masseyhigh.school.nz::4fab9e21-29a7-4d03-b4c0-6c8a112c783d" providerId="AD" clId="Web-{F57D3202-7313-FB6F-E63F-9E0CBAF4F64B}" dt="2021-08-05T22:43:16.315" v="181"/>
+          <ac:spMkLst>
+            <pc:docMk/>
+            <pc:sldMk cId="4213354389" sldId="260"/>
+            <ac:spMk id="2" creationId="{54EC48D4-B0FC-4660-8894-4F1B722EAFD3}"/>
+          </ac:spMkLst>
+        </pc:spChg>
+        <pc:spChg chg="mod">
+          <ac:chgData name="Jonny Morris" userId="S::morrisj70800@masseyhigh.school.nz::4fab9e21-29a7-4d03-b4c0-6c8a112c783d" providerId="AD" clId="Web-{F57D3202-7313-FB6F-E63F-9E0CBAF4F64B}" dt="2021-08-05T22:43:16.315" v="181"/>
+          <ac:spMkLst>
+            <pc:docMk/>
+            <pc:sldMk cId="4213354389" sldId="260"/>
+            <ac:spMk id="5" creationId="{A626E451-29FF-476C-B176-15A181E7FCFB}"/>
+          </ac:spMkLst>
+        </pc:spChg>
+        <pc:spChg chg="del">
+          <ac:chgData name="Jonny Morris" userId="S::morrisj70800@masseyhigh.school.nz::4fab9e21-29a7-4d03-b4c0-6c8a112c783d" providerId="AD" clId="Web-{F57D3202-7313-FB6F-E63F-9E0CBAF4F64B}" dt="2021-08-05T22:43:16.315" v="181"/>
+          <ac:spMkLst>
+            <pc:docMk/>
+            <pc:sldMk cId="4213354389" sldId="260"/>
+            <ac:spMk id="15" creationId="{2B97F24A-32CE-4C1C-A50D-3016B394DCFB}"/>
+          </ac:spMkLst>
+        </pc:spChg>
+        <pc:spChg chg="del">
+          <ac:chgData name="Jonny Morris" userId="S::morrisj70800@masseyhigh.school.nz::4fab9e21-29a7-4d03-b4c0-6c8a112c783d" providerId="AD" clId="Web-{F57D3202-7313-FB6F-E63F-9E0CBAF4F64B}" dt="2021-08-05T22:43:16.315" v="181"/>
+          <ac:spMkLst>
+            <pc:docMk/>
+            <pc:sldMk cId="4213354389" sldId="260"/>
+            <ac:spMk id="17" creationId="{CD8B4F24-440B-49E9-B85D-733523DC064B}"/>
+          </ac:spMkLst>
+        </pc:spChg>
+        <pc:spChg chg="add">
+          <ac:chgData name="Jonny Morris" userId="S::morrisj70800@masseyhigh.school.nz::4fab9e21-29a7-4d03-b4c0-6c8a112c783d" providerId="AD" clId="Web-{F57D3202-7313-FB6F-E63F-9E0CBAF4F64B}" dt="2021-08-05T22:43:16.315" v="181"/>
+          <ac:spMkLst>
+            <pc:docMk/>
+            <pc:sldMk cId="4213354389" sldId="260"/>
+            <ac:spMk id="22" creationId="{C7FA33FF-088D-4F16-95A2-2C64D353DEA8}"/>
+          </ac:spMkLst>
+        </pc:spChg>
+        <pc:spChg chg="add">
+          <ac:chgData name="Jonny Morris" userId="S::morrisj70800@masseyhigh.school.nz::4fab9e21-29a7-4d03-b4c0-6c8a112c783d" providerId="AD" clId="Web-{F57D3202-7313-FB6F-E63F-9E0CBAF4F64B}" dt="2021-08-05T22:43:16.315" v="181"/>
+          <ac:spMkLst>
+            <pc:docMk/>
+            <pc:sldMk cId="4213354389" sldId="260"/>
+            <ac:spMk id="24" creationId="{A376EFB1-01CF-419F-ABF1-2AF02BBFCBD1}"/>
+          </ac:spMkLst>
+        </pc:spChg>
+        <pc:spChg chg="add">
+          <ac:chgData name="Jonny Morris" userId="S::morrisj70800@masseyhigh.school.nz::4fab9e21-29a7-4d03-b4c0-6c8a112c783d" providerId="AD" clId="Web-{F57D3202-7313-FB6F-E63F-9E0CBAF4F64B}" dt="2021-08-05T22:43:16.315" v="181"/>
+          <ac:spMkLst>
+            <pc:docMk/>
+            <pc:sldMk cId="4213354389" sldId="260"/>
+            <ac:spMk id="26" creationId="{FF9DEA15-78BD-4750-AA18-B9F28A6D5AB8}"/>
+          </ac:spMkLst>
+        </pc:spChg>
+        <pc:picChg chg="mod">
+          <ac:chgData name="Jonny Morris" userId="S::morrisj70800@masseyhigh.school.nz::4fab9e21-29a7-4d03-b4c0-6c8a112c783d" providerId="AD" clId="Web-{F57D3202-7313-FB6F-E63F-9E0CBAF4F64B}" dt="2021-08-05T22:43:16.315" v="181"/>
+          <ac:picMkLst>
+            <pc:docMk/>
+            <pc:sldMk cId="4213354389" sldId="260"/>
+            <ac:picMk id="4" creationId="{DB2173E9-EC0E-4405-B0D1-1F2CC6B9FFC6}"/>
+          </ac:picMkLst>
+        </pc:picChg>
+      </pc:sldChg>
+      <pc:sldChg chg="addSp delSp modSp mod setClrOvrMap">
+        <pc:chgData name="Jonny Morris" userId="S::morrisj70800@masseyhigh.school.nz::4fab9e21-29a7-4d03-b4c0-6c8a112c783d" providerId="AD" clId="Web-{F57D3202-7313-FB6F-E63F-9E0CBAF4F64B}" dt="2021-08-05T22:43:19.924" v="182"/>
+        <pc:sldMkLst>
+          <pc:docMk/>
+          <pc:sldMk cId="1564752394" sldId="261"/>
+        </pc:sldMkLst>
+        <pc:spChg chg="mod">
+          <ac:chgData name="Jonny Morris" userId="S::morrisj70800@masseyhigh.school.nz::4fab9e21-29a7-4d03-b4c0-6c8a112c783d" providerId="AD" clId="Web-{F57D3202-7313-FB6F-E63F-9E0CBAF4F64B}" dt="2021-08-05T22:43:19.924" v="182"/>
+          <ac:spMkLst>
+            <pc:docMk/>
+            <pc:sldMk cId="1564752394" sldId="261"/>
+            <ac:spMk id="2" creationId="{A81619B3-50A6-4AE2-A2F1-2C344111BFA3}"/>
+          </ac:spMkLst>
+        </pc:spChg>
+        <pc:spChg chg="mod">
+          <ac:chgData name="Jonny Morris" userId="S::morrisj70800@masseyhigh.school.nz::4fab9e21-29a7-4d03-b4c0-6c8a112c783d" providerId="AD" clId="Web-{F57D3202-7313-FB6F-E63F-9E0CBAF4F64B}" dt="2021-08-05T22:43:19.924" v="182"/>
+          <ac:spMkLst>
+            <pc:docMk/>
+            <pc:sldMk cId="1564752394" sldId="261"/>
+            <ac:spMk id="5" creationId="{F77A086F-6797-4CAF-8296-05DDDA8099AD}"/>
+          </ac:spMkLst>
+        </pc:spChg>
+        <pc:spChg chg="del">
+          <ac:chgData name="Jonny Morris" userId="S::morrisj70800@masseyhigh.school.nz::4fab9e21-29a7-4d03-b4c0-6c8a112c783d" providerId="AD" clId="Web-{F57D3202-7313-FB6F-E63F-9E0CBAF4F64B}" dt="2021-08-05T22:43:19.924" v="182"/>
+          <ac:spMkLst>
+            <pc:docMk/>
+            <pc:sldMk cId="1564752394" sldId="261"/>
+            <ac:spMk id="13" creationId="{F13C74B1-5B17-4795-BED0-7140497B445A}"/>
+          </ac:spMkLst>
+        </pc:spChg>
+        <pc:spChg chg="del">
+          <ac:chgData name="Jonny Morris" userId="S::morrisj70800@masseyhigh.school.nz::4fab9e21-29a7-4d03-b4c0-6c8a112c783d" providerId="AD" clId="Web-{F57D3202-7313-FB6F-E63F-9E0CBAF4F64B}" dt="2021-08-05T22:43:19.924" v="182"/>
+          <ac:spMkLst>
+            <pc:docMk/>
+            <pc:sldMk cId="1564752394" sldId="261"/>
+            <ac:spMk id="18" creationId="{D4974D33-8DC5-464E-8C6D-BE58F0669C17}"/>
+          </ac:spMkLst>
+        </pc:spChg>
+        <pc:spChg chg="add">
+          <ac:chgData name="Jonny Morris" userId="S::morrisj70800@masseyhigh.school.nz::4fab9e21-29a7-4d03-b4c0-6c8a112c783d" providerId="AD" clId="Web-{F57D3202-7313-FB6F-E63F-9E0CBAF4F64B}" dt="2021-08-05T22:43:19.924" v="182"/>
+          <ac:spMkLst>
+            <pc:docMk/>
+            <pc:sldMk cId="1564752394" sldId="261"/>
+            <ac:spMk id="23" creationId="{C7FA33FF-088D-4F16-95A2-2C64D353DEA8}"/>
+          </ac:spMkLst>
+        </pc:spChg>
+        <pc:spChg chg="add">
+          <ac:chgData name="Jonny Morris" userId="S::morrisj70800@masseyhigh.school.nz::4fab9e21-29a7-4d03-b4c0-6c8a112c783d" providerId="AD" clId="Web-{F57D3202-7313-FB6F-E63F-9E0CBAF4F64B}" dt="2021-08-05T22:43:19.924" v="182"/>
+          <ac:spMkLst>
+            <pc:docMk/>
+            <pc:sldMk cId="1564752394" sldId="261"/>
+            <ac:spMk id="25" creationId="{A376EFB1-01CF-419F-ABF1-2AF02BBFCBD1}"/>
+          </ac:spMkLst>
+        </pc:spChg>
+        <pc:spChg chg="add">
+          <ac:chgData name="Jonny Morris" userId="S::morrisj70800@masseyhigh.school.nz::4fab9e21-29a7-4d03-b4c0-6c8a112c783d" providerId="AD" clId="Web-{F57D3202-7313-FB6F-E63F-9E0CBAF4F64B}" dt="2021-08-05T22:43:19.924" v="182"/>
+          <ac:spMkLst>
+            <pc:docMk/>
+            <pc:sldMk cId="1564752394" sldId="261"/>
+            <ac:spMk id="27" creationId="{FF9DEA15-78BD-4750-AA18-B9F28A6D5AB8}"/>
+          </ac:spMkLst>
+        </pc:spChg>
+        <pc:picChg chg="mod">
+          <ac:chgData name="Jonny Morris" userId="S::morrisj70800@masseyhigh.school.nz::4fab9e21-29a7-4d03-b4c0-6c8a112c783d" providerId="AD" clId="Web-{F57D3202-7313-FB6F-E63F-9E0CBAF4F64B}" dt="2021-08-05T22:43:19.924" v="182"/>
+          <ac:picMkLst>
+            <pc:docMk/>
+            <pc:sldMk cId="1564752394" sldId="261"/>
+            <ac:picMk id="4" creationId="{95A9B02B-2840-47F5-851E-CE4DC41FA2E8}"/>
+          </ac:picMkLst>
+        </pc:picChg>
+      </pc:sldChg>
+      <pc:sldChg chg="addSp delSp modSp mod setClrOvrMap">
+        <pc:chgData name="Jonny Morris" userId="S::morrisj70800@masseyhigh.school.nz::4fab9e21-29a7-4d03-b4c0-6c8a112c783d" providerId="AD" clId="Web-{F57D3202-7313-FB6F-E63F-9E0CBAF4F64B}" dt="2021-08-05T22:43:23.956" v="183"/>
+        <pc:sldMkLst>
+          <pc:docMk/>
+          <pc:sldMk cId="2917113191" sldId="262"/>
+        </pc:sldMkLst>
+        <pc:spChg chg="mod">
+          <ac:chgData name="Jonny Morris" userId="S::morrisj70800@masseyhigh.school.nz::4fab9e21-29a7-4d03-b4c0-6c8a112c783d" providerId="AD" clId="Web-{F57D3202-7313-FB6F-E63F-9E0CBAF4F64B}" dt="2021-08-05T22:43:23.956" v="183"/>
+          <ac:spMkLst>
+            <pc:docMk/>
+            <pc:sldMk cId="2917113191" sldId="262"/>
+            <ac:spMk id="2" creationId="{5AE28010-B0EF-44DA-8BCD-4527C8D1D059}"/>
+          </ac:spMkLst>
+        </pc:spChg>
+        <pc:spChg chg="mod">
+          <ac:chgData name="Jonny Morris" userId="S::morrisj70800@masseyhigh.school.nz::4fab9e21-29a7-4d03-b4c0-6c8a112c783d" providerId="AD" clId="Web-{F57D3202-7313-FB6F-E63F-9E0CBAF4F64B}" dt="2021-08-05T22:43:23.956" v="183"/>
+          <ac:spMkLst>
+            <pc:docMk/>
+            <pc:sldMk cId="2917113191" sldId="262"/>
+            <ac:spMk id="5" creationId="{9E912266-C109-4D55-9601-8A9EE4EE52B5}"/>
+          </ac:spMkLst>
+        </pc:spChg>
+        <pc:spChg chg="del">
+          <ac:chgData name="Jonny Morris" userId="S::morrisj70800@masseyhigh.school.nz::4fab9e21-29a7-4d03-b4c0-6c8a112c783d" providerId="AD" clId="Web-{F57D3202-7313-FB6F-E63F-9E0CBAF4F64B}" dt="2021-08-05T22:43:23.956" v="183"/>
+          <ac:spMkLst>
+            <pc:docMk/>
+            <pc:sldMk cId="2917113191" sldId="262"/>
+            <ac:spMk id="10" creationId="{2B97F24A-32CE-4C1C-A50D-3016B394DCFB}"/>
+          </ac:spMkLst>
+        </pc:spChg>
+        <pc:spChg chg="del">
+          <ac:chgData name="Jonny Morris" userId="S::morrisj70800@masseyhigh.school.nz::4fab9e21-29a7-4d03-b4c0-6c8a112c783d" providerId="AD" clId="Web-{F57D3202-7313-FB6F-E63F-9E0CBAF4F64B}" dt="2021-08-05T22:43:23.956" v="183"/>
+          <ac:spMkLst>
+            <pc:docMk/>
+            <pc:sldMk cId="2917113191" sldId="262"/>
+            <ac:spMk id="12" creationId="{CD8B4F24-440B-49E9-B85D-733523DC064B}"/>
+          </ac:spMkLst>
+        </pc:spChg>
+        <pc:spChg chg="add">
+          <ac:chgData name="Jonny Morris" userId="S::morrisj70800@masseyhigh.school.nz::4fab9e21-29a7-4d03-b4c0-6c8a112c783d" providerId="AD" clId="Web-{F57D3202-7313-FB6F-E63F-9E0CBAF4F64B}" dt="2021-08-05T22:43:23.956" v="183"/>
+          <ac:spMkLst>
+            <pc:docMk/>
+            <pc:sldMk cId="2917113191" sldId="262"/>
+            <ac:spMk id="17" creationId="{C7FA33FF-088D-4F16-95A2-2C64D353DEA8}"/>
+          </ac:spMkLst>
+        </pc:spChg>
+        <pc:spChg chg="add">
+          <ac:chgData name="Jonny Morris" userId="S::morrisj70800@masseyhigh.school.nz::4fab9e21-29a7-4d03-b4c0-6c8a112c783d" providerId="AD" clId="Web-{F57D3202-7313-FB6F-E63F-9E0CBAF4F64B}" dt="2021-08-05T22:43:23.956" v="183"/>
+          <ac:spMkLst>
+            <pc:docMk/>
+            <pc:sldMk cId="2917113191" sldId="262"/>
+            <ac:spMk id="19" creationId="{A376EFB1-01CF-419F-ABF1-2AF02BBFCBD1}"/>
+          </ac:spMkLst>
+        </pc:spChg>
+        <pc:spChg chg="add">
+          <ac:chgData name="Jonny Morris" userId="S::morrisj70800@masseyhigh.school.nz::4fab9e21-29a7-4d03-b4c0-6c8a112c783d" providerId="AD" clId="Web-{F57D3202-7313-FB6F-E63F-9E0CBAF4F64B}" dt="2021-08-05T22:43:23.956" v="183"/>
+          <ac:spMkLst>
+            <pc:docMk/>
+            <pc:sldMk cId="2917113191" sldId="262"/>
+            <ac:spMk id="21" creationId="{FF9DEA15-78BD-4750-AA18-B9F28A6D5AB8}"/>
+          </ac:spMkLst>
+        </pc:spChg>
+        <pc:picChg chg="mod">
+          <ac:chgData name="Jonny Morris" userId="S::morrisj70800@masseyhigh.school.nz::4fab9e21-29a7-4d03-b4c0-6c8a112c783d" providerId="AD" clId="Web-{F57D3202-7313-FB6F-E63F-9E0CBAF4F64B}" dt="2021-08-05T22:43:23.956" v="183"/>
+          <ac:picMkLst>
+            <pc:docMk/>
+            <pc:sldMk cId="2917113191" sldId="262"/>
+            <ac:picMk id="4" creationId="{A23B8DD8-2A29-4176-AF99-EF02CE8EBC35}"/>
+          </ac:picMkLst>
+        </pc:picChg>
+      </pc:sldChg>
+      <pc:sldChg chg="addSp delSp modSp mod setClrOvrMap">
+        <pc:chgData name="Jonny Morris" userId="S::morrisj70800@masseyhigh.school.nz::4fab9e21-29a7-4d03-b4c0-6c8a112c783d" providerId="AD" clId="Web-{F57D3202-7313-FB6F-E63F-9E0CBAF4F64B}" dt="2021-08-05T22:43:28.268" v="184"/>
+        <pc:sldMkLst>
+          <pc:docMk/>
+          <pc:sldMk cId="3634938810" sldId="263"/>
+        </pc:sldMkLst>
+        <pc:spChg chg="mod">
+          <ac:chgData name="Jonny Morris" userId="S::morrisj70800@masseyhigh.school.nz::4fab9e21-29a7-4d03-b4c0-6c8a112c783d" providerId="AD" clId="Web-{F57D3202-7313-FB6F-E63F-9E0CBAF4F64B}" dt="2021-08-05T22:43:28.268" v="184"/>
+          <ac:spMkLst>
+            <pc:docMk/>
+            <pc:sldMk cId="3634938810" sldId="263"/>
+            <ac:spMk id="2" creationId="{40E80544-C795-410D-ACBE-5B39F33D5CE0}"/>
+          </ac:spMkLst>
+        </pc:spChg>
+        <pc:spChg chg="mod">
+          <ac:chgData name="Jonny Morris" userId="S::morrisj70800@masseyhigh.school.nz::4fab9e21-29a7-4d03-b4c0-6c8a112c783d" providerId="AD" clId="Web-{F57D3202-7313-FB6F-E63F-9E0CBAF4F64B}" dt="2021-08-05T22:43:28.268" v="184"/>
+          <ac:spMkLst>
+            <pc:docMk/>
+            <pc:sldMk cId="3634938810" sldId="263"/>
+            <ac:spMk id="7" creationId="{575A2884-D3F4-4F04-843C-A1781ED6E8D0}"/>
+          </ac:spMkLst>
+        </pc:spChg>
+        <pc:spChg chg="del">
+          <ac:chgData name="Jonny Morris" userId="S::morrisj70800@masseyhigh.school.nz::4fab9e21-29a7-4d03-b4c0-6c8a112c783d" providerId="AD" clId="Web-{F57D3202-7313-FB6F-E63F-9E0CBAF4F64B}" dt="2021-08-05T22:43:28.268" v="184"/>
+          <ac:spMkLst>
+            <pc:docMk/>
+            <pc:sldMk cId="3634938810" sldId="263"/>
+            <ac:spMk id="14" creationId="{2B97F24A-32CE-4C1C-A50D-3016B394DCFB}"/>
+          </ac:spMkLst>
+        </pc:spChg>
+        <pc:spChg chg="del">
+          <ac:chgData name="Jonny Morris" userId="S::morrisj70800@masseyhigh.school.nz::4fab9e21-29a7-4d03-b4c0-6c8a112c783d" providerId="AD" clId="Web-{F57D3202-7313-FB6F-E63F-9E0CBAF4F64B}" dt="2021-08-05T22:43:28.268" v="184"/>
+          <ac:spMkLst>
+            <pc:docMk/>
+            <pc:sldMk cId="3634938810" sldId="263"/>
+            <ac:spMk id="15" creationId="{CD8B4F24-440B-49E9-B85D-733523DC064B}"/>
+          </ac:spMkLst>
+        </pc:spChg>
+        <pc:spChg chg="add">
+          <ac:chgData name="Jonny Morris" userId="S::morrisj70800@masseyhigh.school.nz::4fab9e21-29a7-4d03-b4c0-6c8a112c783d" providerId="AD" clId="Web-{F57D3202-7313-FB6F-E63F-9E0CBAF4F64B}" dt="2021-08-05T22:43:28.268" v="184"/>
+          <ac:spMkLst>
+            <pc:docMk/>
+            <pc:sldMk cId="3634938810" sldId="263"/>
+            <ac:spMk id="20" creationId="{C7FA33FF-088D-4F16-95A2-2C64D353DEA8}"/>
+          </ac:spMkLst>
+        </pc:spChg>
+        <pc:spChg chg="add">
+          <ac:chgData name="Jonny Morris" userId="S::morrisj70800@masseyhigh.school.nz::4fab9e21-29a7-4d03-b4c0-6c8a112c783d" providerId="AD" clId="Web-{F57D3202-7313-FB6F-E63F-9E0CBAF4F64B}" dt="2021-08-05T22:43:28.268" v="184"/>
+          <ac:spMkLst>
+            <pc:docMk/>
+            <pc:sldMk cId="3634938810" sldId="263"/>
+            <ac:spMk id="22" creationId="{A376EFB1-01CF-419F-ABF1-2AF02BBFCBD1}"/>
+          </ac:spMkLst>
+        </pc:spChg>
+        <pc:spChg chg="add">
+          <ac:chgData name="Jonny Morris" userId="S::morrisj70800@masseyhigh.school.nz::4fab9e21-29a7-4d03-b4c0-6c8a112c783d" providerId="AD" clId="Web-{F57D3202-7313-FB6F-E63F-9E0CBAF4F64B}" dt="2021-08-05T22:43:28.268" v="184"/>
+          <ac:spMkLst>
+            <pc:docMk/>
+            <pc:sldMk cId="3634938810" sldId="263"/>
+            <ac:spMk id="24" creationId="{FF9DEA15-78BD-4750-AA18-B9F28A6D5AB8}"/>
+          </ac:spMkLst>
+        </pc:spChg>
+        <pc:picChg chg="mod">
+          <ac:chgData name="Jonny Morris" userId="S::morrisj70800@masseyhigh.school.nz::4fab9e21-29a7-4d03-b4c0-6c8a112c783d" providerId="AD" clId="Web-{F57D3202-7313-FB6F-E63F-9E0CBAF4F64B}" dt="2021-08-05T22:43:28.268" v="184"/>
+          <ac:picMkLst>
+            <pc:docMk/>
+            <pc:sldMk cId="3634938810" sldId="263"/>
+            <ac:picMk id="6" creationId="{7D7F0479-26D5-4D36-A1D1-4F626F1FAC68}"/>
+          </ac:picMkLst>
+        </pc:picChg>
+      </pc:sldChg>
+      <pc:sldChg chg="addSp delSp modSp mod setClrOvrMap">
+        <pc:chgData name="Jonny Morris" userId="S::morrisj70800@masseyhigh.school.nz::4fab9e21-29a7-4d03-b4c0-6c8a112c783d" providerId="AD" clId="Web-{F57D3202-7313-FB6F-E63F-9E0CBAF4F64B}" dt="2021-08-05T22:43:38.940" v="185"/>
+        <pc:sldMkLst>
+          <pc:docMk/>
+          <pc:sldMk cId="1522414602" sldId="264"/>
+        </pc:sldMkLst>
+        <pc:spChg chg="mod">
+          <ac:chgData name="Jonny Morris" userId="S::morrisj70800@masseyhigh.school.nz::4fab9e21-29a7-4d03-b4c0-6c8a112c783d" providerId="AD" clId="Web-{F57D3202-7313-FB6F-E63F-9E0CBAF4F64B}" dt="2021-08-05T22:43:38.940" v="185"/>
+          <ac:spMkLst>
+            <pc:docMk/>
+            <pc:sldMk cId="1522414602" sldId="264"/>
+            <ac:spMk id="2" creationId="{3E212635-CADE-43BF-A371-49E22896C9EE}"/>
+          </ac:spMkLst>
+        </pc:spChg>
+        <pc:spChg chg="mod">
+          <ac:chgData name="Jonny Morris" userId="S::morrisj70800@masseyhigh.school.nz::4fab9e21-29a7-4d03-b4c0-6c8a112c783d" providerId="AD" clId="Web-{F57D3202-7313-FB6F-E63F-9E0CBAF4F64B}" dt="2021-08-05T22:43:38.940" v="185"/>
+          <ac:spMkLst>
+            <pc:docMk/>
+            <pc:sldMk cId="1522414602" sldId="264"/>
+            <ac:spMk id="5" creationId="{F66156E5-FCA1-407A-AF31-9A6D63AAC414}"/>
+          </ac:spMkLst>
+        </pc:spChg>
+        <pc:spChg chg="del">
+          <ac:chgData name="Jonny Morris" userId="S::morrisj70800@masseyhigh.school.nz::4fab9e21-29a7-4d03-b4c0-6c8a112c783d" providerId="AD" clId="Web-{F57D3202-7313-FB6F-E63F-9E0CBAF4F64B}" dt="2021-08-05T22:43:38.940" v="185"/>
+          <ac:spMkLst>
+            <pc:docMk/>
+            <pc:sldMk cId="1522414602" sldId="264"/>
+            <ac:spMk id="19" creationId="{2B97F24A-32CE-4C1C-A50D-3016B394DCFB}"/>
+          </ac:spMkLst>
+        </pc:spChg>
+        <pc:spChg chg="del">
+          <ac:chgData name="Jonny Morris" userId="S::morrisj70800@masseyhigh.school.nz::4fab9e21-29a7-4d03-b4c0-6c8a112c783d" providerId="AD" clId="Web-{F57D3202-7313-FB6F-E63F-9E0CBAF4F64B}" dt="2021-08-05T22:43:38.940" v="185"/>
+          <ac:spMkLst>
+            <pc:docMk/>
+            <pc:sldMk cId="1522414602" sldId="264"/>
+            <ac:spMk id="21" creationId="{CD8B4F24-440B-49E9-B85D-733523DC064B}"/>
+          </ac:spMkLst>
+        </pc:spChg>
+        <pc:spChg chg="add">
+          <ac:chgData name="Jonny Morris" userId="S::morrisj70800@masseyhigh.school.nz::4fab9e21-29a7-4d03-b4c0-6c8a112c783d" providerId="AD" clId="Web-{F57D3202-7313-FB6F-E63F-9E0CBAF4F64B}" dt="2021-08-05T22:43:38.940" v="185"/>
+          <ac:spMkLst>
+            <pc:docMk/>
+            <pc:sldMk cId="1522414602" sldId="264"/>
+            <ac:spMk id="26" creationId="{C7FA33FF-088D-4F16-95A2-2C64D353DEA8}"/>
+          </ac:spMkLst>
+        </pc:spChg>
+        <pc:spChg chg="add">
+          <ac:chgData name="Jonny Morris" userId="S::morrisj70800@masseyhigh.school.nz::4fab9e21-29a7-4d03-b4c0-6c8a112c783d" providerId="AD" clId="Web-{F57D3202-7313-FB6F-E63F-9E0CBAF4F64B}" dt="2021-08-05T22:43:38.940" v="185"/>
+          <ac:spMkLst>
+            <pc:docMk/>
+            <pc:sldMk cId="1522414602" sldId="264"/>
+            <ac:spMk id="28" creationId="{A376EFB1-01CF-419F-ABF1-2AF02BBFCBD1}"/>
+          </ac:spMkLst>
+        </pc:spChg>
+        <pc:spChg chg="add">
+          <ac:chgData name="Jonny Morris" userId="S::morrisj70800@masseyhigh.school.nz::4fab9e21-29a7-4d03-b4c0-6c8a112c783d" providerId="AD" clId="Web-{F57D3202-7313-FB6F-E63F-9E0CBAF4F64B}" dt="2021-08-05T22:43:38.940" v="185"/>
+          <ac:spMkLst>
+            <pc:docMk/>
+            <pc:sldMk cId="1522414602" sldId="264"/>
+            <ac:spMk id="30" creationId="{FF9DEA15-78BD-4750-AA18-B9F28A6D5AB8}"/>
+          </ac:spMkLst>
+        </pc:spChg>
+        <pc:picChg chg="mod">
+          <ac:chgData name="Jonny Morris" userId="S::morrisj70800@masseyhigh.school.nz::4fab9e21-29a7-4d03-b4c0-6c8a112c783d" providerId="AD" clId="Web-{F57D3202-7313-FB6F-E63F-9E0CBAF4F64B}" dt="2021-08-05T22:43:38.940" v="185"/>
+          <ac:picMkLst>
+            <pc:docMk/>
+            <pc:sldMk cId="1522414602" sldId="264"/>
+            <ac:picMk id="4" creationId="{A702C9A9-F585-45C7-AC23-C1B81B3EF6BA}"/>
+          </ac:picMkLst>
+        </pc:picChg>
+      </pc:sldChg>
+      <pc:sldChg chg="addSp delSp modSp mod setClrOvrMap">
+        <pc:chgData name="Jonny Morris" userId="S::morrisj70800@masseyhigh.school.nz::4fab9e21-29a7-4d03-b4c0-6c8a112c783d" providerId="AD" clId="Web-{F57D3202-7313-FB6F-E63F-9E0CBAF4F64B}" dt="2021-08-05T22:43:48.394" v="186"/>
+        <pc:sldMkLst>
+          <pc:docMk/>
+          <pc:sldMk cId="2312846984" sldId="265"/>
+        </pc:sldMkLst>
+        <pc:spChg chg="mod">
+          <ac:chgData name="Jonny Morris" userId="S::morrisj70800@masseyhigh.school.nz::4fab9e21-29a7-4d03-b4c0-6c8a112c783d" providerId="AD" clId="Web-{F57D3202-7313-FB6F-E63F-9E0CBAF4F64B}" dt="2021-08-05T22:43:48.394" v="186"/>
+          <ac:spMkLst>
+            <pc:docMk/>
+            <pc:sldMk cId="2312846984" sldId="265"/>
+            <ac:spMk id="2" creationId="{A8EFE925-DDD6-457F-95FD-557FF9D76A31}"/>
+          </ac:spMkLst>
+        </pc:spChg>
+        <pc:spChg chg="mod">
+          <ac:chgData name="Jonny Morris" userId="S::morrisj70800@masseyhigh.school.nz::4fab9e21-29a7-4d03-b4c0-6c8a112c783d" providerId="AD" clId="Web-{F57D3202-7313-FB6F-E63F-9E0CBAF4F64B}" dt="2021-08-05T22:43:48.394" v="186"/>
+          <ac:spMkLst>
+            <pc:docMk/>
+            <pc:sldMk cId="2312846984" sldId="265"/>
+            <ac:spMk id="6" creationId="{7E9094E3-54D3-43D0-833A-501068F2A71A}"/>
+          </ac:spMkLst>
+        </pc:spChg>
+        <pc:spChg chg="del">
+          <ac:chgData name="Jonny Morris" userId="S::morrisj70800@masseyhigh.school.nz::4fab9e21-29a7-4d03-b4c0-6c8a112c783d" providerId="AD" clId="Web-{F57D3202-7313-FB6F-E63F-9E0CBAF4F64B}" dt="2021-08-05T22:43:48.394" v="186"/>
+          <ac:spMkLst>
+            <pc:docMk/>
+            <pc:sldMk cId="2312846984" sldId="265"/>
+            <ac:spMk id="11" creationId="{352BEC0E-22F8-46D0-9632-375DB541B06C}"/>
+          </ac:spMkLst>
+        </pc:spChg>
+        <pc:spChg chg="del">
+          <ac:chgData name="Jonny Morris" userId="S::morrisj70800@masseyhigh.school.nz::4fab9e21-29a7-4d03-b4c0-6c8a112c783d" providerId="AD" clId="Web-{F57D3202-7313-FB6F-E63F-9E0CBAF4F64B}" dt="2021-08-05T22:43:48.394" v="186"/>
+          <ac:spMkLst>
+            <pc:docMk/>
+            <pc:sldMk cId="2312846984" sldId="265"/>
+            <ac:spMk id="13" creationId="{3FCFB1DE-0B7E-48CC-BA90-B2AB0889F9D6}"/>
+          </ac:spMkLst>
+        </pc:spChg>
+        <pc:spChg chg="add">
+          <ac:chgData name="Jonny Morris" userId="S::morrisj70800@masseyhigh.school.nz::4fab9e21-29a7-4d03-b4c0-6c8a112c783d" providerId="AD" clId="Web-{F57D3202-7313-FB6F-E63F-9E0CBAF4F64B}" dt="2021-08-05T22:43:48.394" v="186"/>
+          <ac:spMkLst>
+            <pc:docMk/>
+            <pc:sldMk cId="2312846984" sldId="265"/>
+            <ac:spMk id="18" creationId="{C7FA33FF-088D-4F16-95A2-2C64D353DEA8}"/>
+          </ac:spMkLst>
+        </pc:spChg>
+        <pc:spChg chg="add">
+          <ac:chgData name="Jonny Morris" userId="S::morrisj70800@masseyhigh.school.nz::4fab9e21-29a7-4d03-b4c0-6c8a112c783d" providerId="AD" clId="Web-{F57D3202-7313-FB6F-E63F-9E0CBAF4F64B}" dt="2021-08-05T22:43:48.394" v="186"/>
+          <ac:spMkLst>
+            <pc:docMk/>
+            <pc:sldMk cId="2312846984" sldId="265"/>
+            <ac:spMk id="20" creationId="{A376EFB1-01CF-419F-ABF1-2AF02BBFCBD1}"/>
+          </ac:spMkLst>
+        </pc:spChg>
+        <pc:spChg chg="add">
+          <ac:chgData name="Jonny Morris" userId="S::morrisj70800@masseyhigh.school.nz::4fab9e21-29a7-4d03-b4c0-6c8a112c783d" providerId="AD" clId="Web-{F57D3202-7313-FB6F-E63F-9E0CBAF4F64B}" dt="2021-08-05T22:43:48.394" v="186"/>
+          <ac:spMkLst>
+            <pc:docMk/>
+            <pc:sldMk cId="2312846984" sldId="265"/>
+            <ac:spMk id="22" creationId="{FF9DEA15-78BD-4750-AA18-B9F28A6D5AB8}"/>
+          </ac:spMkLst>
+        </pc:spChg>
+        <pc:picChg chg="mod">
+          <ac:chgData name="Jonny Morris" userId="S::morrisj70800@masseyhigh.school.nz::4fab9e21-29a7-4d03-b4c0-6c8a112c783d" providerId="AD" clId="Web-{F57D3202-7313-FB6F-E63F-9E0CBAF4F64B}" dt="2021-08-05T22:43:48.394" v="186"/>
+          <ac:picMkLst>
+            <pc:docMk/>
+            <pc:sldMk cId="2312846984" sldId="265"/>
+            <ac:picMk id="4" creationId="{BEBED7A8-7A0C-4446-A3F3-AE0384F69625}"/>
+          </ac:picMkLst>
+        </pc:picChg>
+        <pc:picChg chg="mod">
+          <ac:chgData name="Jonny Morris" userId="S::morrisj70800@masseyhigh.school.nz::4fab9e21-29a7-4d03-b4c0-6c8a112c783d" providerId="AD" clId="Web-{F57D3202-7313-FB6F-E63F-9E0CBAF4F64B}" dt="2021-08-05T22:43:48.394" v="186"/>
+          <ac:picMkLst>
+            <pc:docMk/>
+            <pc:sldMk cId="2312846984" sldId="265"/>
+            <ac:picMk id="5" creationId="{E0886A97-00CE-4C24-AC50-FDB95ED3BEB8}"/>
+          </ac:picMkLst>
+        </pc:picChg>
+      </pc:sldChg>
+      <pc:sldChg chg="addSp delSp modSp mod setClrOvrMap">
+        <pc:chgData name="Jonny Morris" userId="S::morrisj70800@masseyhigh.school.nz::4fab9e21-29a7-4d03-b4c0-6c8a112c783d" providerId="AD" clId="Web-{F57D3202-7313-FB6F-E63F-9E0CBAF4F64B}" dt="2021-08-05T22:44:12.066" v="187"/>
+        <pc:sldMkLst>
+          <pc:docMk/>
+          <pc:sldMk cId="2636441687" sldId="266"/>
+        </pc:sldMkLst>
+        <pc:spChg chg="mod">
+          <ac:chgData name="Jonny Morris" userId="S::morrisj70800@masseyhigh.school.nz::4fab9e21-29a7-4d03-b4c0-6c8a112c783d" providerId="AD" clId="Web-{F57D3202-7313-FB6F-E63F-9E0CBAF4F64B}" dt="2021-08-05T22:44:12.066" v="187"/>
+          <ac:spMkLst>
+            <pc:docMk/>
+            <pc:sldMk cId="2636441687" sldId="266"/>
+            <ac:spMk id="2" creationId="{9BC228BC-D5D5-4533-A3DA-8647BEA2F76B}"/>
+          </ac:spMkLst>
+        </pc:spChg>
+        <pc:spChg chg="mod">
+          <ac:chgData name="Jonny Morris" userId="S::morrisj70800@masseyhigh.school.nz::4fab9e21-29a7-4d03-b4c0-6c8a112c783d" providerId="AD" clId="Web-{F57D3202-7313-FB6F-E63F-9E0CBAF4F64B}" dt="2021-08-05T22:44:12.066" v="187"/>
+          <ac:spMkLst>
+            <pc:docMk/>
+            <pc:sldMk cId="2636441687" sldId="266"/>
+            <ac:spMk id="5" creationId="{F48F0990-95DB-44BF-A4B9-E6208FB9263C}"/>
+          </ac:spMkLst>
+        </pc:spChg>
+        <pc:spChg chg="del">
+          <ac:chgData name="Jonny Morris" userId="S::morrisj70800@masseyhigh.school.nz::4fab9e21-29a7-4d03-b4c0-6c8a112c783d" providerId="AD" clId="Web-{F57D3202-7313-FB6F-E63F-9E0CBAF4F64B}" dt="2021-08-05T22:44:12.066" v="187"/>
+          <ac:spMkLst>
+            <pc:docMk/>
+            <pc:sldMk cId="2636441687" sldId="266"/>
+            <ac:spMk id="10" creationId="{2B97F24A-32CE-4C1C-A50D-3016B394DCFB}"/>
+          </ac:spMkLst>
+        </pc:spChg>
+        <pc:spChg chg="del">
+          <ac:chgData name="Jonny Morris" userId="S::morrisj70800@masseyhigh.school.nz::4fab9e21-29a7-4d03-b4c0-6c8a112c783d" providerId="AD" clId="Web-{F57D3202-7313-FB6F-E63F-9E0CBAF4F64B}" dt="2021-08-05T22:44:12.066" v="187"/>
+          <ac:spMkLst>
+            <pc:docMk/>
+            <pc:sldMk cId="2636441687" sldId="266"/>
+            <ac:spMk id="12" creationId="{CD8B4F24-440B-49E9-B85D-733523DC064B}"/>
+          </ac:spMkLst>
+        </pc:spChg>
+        <pc:spChg chg="add">
+          <ac:chgData name="Jonny Morris" userId="S::morrisj70800@masseyhigh.school.nz::4fab9e21-29a7-4d03-b4c0-6c8a112c783d" providerId="AD" clId="Web-{F57D3202-7313-FB6F-E63F-9E0CBAF4F64B}" dt="2021-08-05T22:44:12.066" v="187"/>
+          <ac:spMkLst>
+            <pc:docMk/>
+            <pc:sldMk cId="2636441687" sldId="266"/>
+            <ac:spMk id="17" creationId="{C7FA33FF-088D-4F16-95A2-2C64D353DEA8}"/>
+          </ac:spMkLst>
+        </pc:spChg>
+        <pc:spChg chg="add">
+          <ac:chgData name="Jonny Morris" userId="S::morrisj70800@masseyhigh.school.nz::4fab9e21-29a7-4d03-b4c0-6c8a112c783d" providerId="AD" clId="Web-{F57D3202-7313-FB6F-E63F-9E0CBAF4F64B}" dt="2021-08-05T22:44:12.066" v="187"/>
+          <ac:spMkLst>
+            <pc:docMk/>
+            <pc:sldMk cId="2636441687" sldId="266"/>
+            <ac:spMk id="19" creationId="{A376EFB1-01CF-419F-ABF1-2AF02BBFCBD1}"/>
+          </ac:spMkLst>
+        </pc:spChg>
+        <pc:spChg chg="add">
+          <ac:chgData name="Jonny Morris" userId="S::morrisj70800@masseyhigh.school.nz::4fab9e21-29a7-4d03-b4c0-6c8a112c783d" providerId="AD" clId="Web-{F57D3202-7313-FB6F-E63F-9E0CBAF4F64B}" dt="2021-08-05T22:44:12.066" v="187"/>
+          <ac:spMkLst>
+            <pc:docMk/>
+            <pc:sldMk cId="2636441687" sldId="266"/>
+            <ac:spMk id="21" creationId="{FF9DEA15-78BD-4750-AA18-B9F28A6D5AB8}"/>
+          </ac:spMkLst>
+        </pc:spChg>
+        <pc:picChg chg="mod">
+          <ac:chgData name="Jonny Morris" userId="S::morrisj70800@masseyhigh.school.nz::4fab9e21-29a7-4d03-b4c0-6c8a112c783d" providerId="AD" clId="Web-{F57D3202-7313-FB6F-E63F-9E0CBAF4F64B}" dt="2021-08-05T22:44:12.066" v="187"/>
+          <ac:picMkLst>
+            <pc:docMk/>
+            <pc:sldMk cId="2636441687" sldId="266"/>
+            <ac:picMk id="4" creationId="{8C8059C0-D46C-4EE3-8A5A-E4AB3BAE9F38}"/>
+          </ac:picMkLst>
+        </pc:picChg>
       </pc:sldChg>
       <pc:sldChg chg="addSp modSp">
         <pc:chgData name="Jonny Morris" userId="S::morrisj70800@masseyhigh.school.nz::4fab9e21-29a7-4d03-b4c0-6c8a112c783d" providerId="AD" clId="Web-{F57D3202-7313-FB6F-E63F-9E0CBAF4F64B}" dt="2021-08-05T22:29:48.406" v="131" actId="20577"/>
@@ -580,13 +1315,13 @@
         </pc:sldMkLst>
       </pc:sldChg>
       <pc:sldChg chg="addSp modSp">
-        <pc:chgData name="Jonny Morris" userId="S::morrisj70800@masseyhigh.school.nz::4fab9e21-29a7-4d03-b4c0-6c8a112c783d" providerId="AD" clId="Web-{F57D3202-7313-FB6F-E63F-9E0CBAF4F64B}" dt="2021-08-05T22:24:38.602" v="89" actId="1076"/>
+        <pc:chgData name="Jonny Morris" userId="S::morrisj70800@masseyhigh.school.nz::4fab9e21-29a7-4d03-b4c0-6c8a112c783d" providerId="AD" clId="Web-{F57D3202-7313-FB6F-E63F-9E0CBAF4F64B}" dt="2021-08-05T22:52:58.047" v="225" actId="20577"/>
         <pc:sldMkLst>
           <pc:docMk/>
           <pc:sldMk cId="794014388" sldId="277"/>
         </pc:sldMkLst>
         <pc:spChg chg="add mod">
-          <ac:chgData name="Jonny Morris" userId="S::morrisj70800@masseyhigh.school.nz::4fab9e21-29a7-4d03-b4c0-6c8a112c783d" providerId="AD" clId="Web-{F57D3202-7313-FB6F-E63F-9E0CBAF4F64B}" dt="2021-08-05T22:24:38.602" v="89" actId="1076"/>
+          <ac:chgData name="Jonny Morris" userId="S::morrisj70800@masseyhigh.school.nz::4fab9e21-29a7-4d03-b4c0-6c8a112c783d" providerId="AD" clId="Web-{F57D3202-7313-FB6F-E63F-9E0CBAF4F64B}" dt="2021-08-05T22:52:58.047" v="225" actId="20577"/>
           <ac:spMkLst>
             <pc:docMk/>
             <pc:sldMk cId="794014388" sldId="277"/>
@@ -594,13 +1329,21 @@
           </ac:spMkLst>
         </pc:spChg>
         <pc:spChg chg="mod">
-          <ac:chgData name="Jonny Morris" userId="S::morrisj70800@masseyhigh.school.nz::4fab9e21-29a7-4d03-b4c0-6c8a112c783d" providerId="AD" clId="Web-{F57D3202-7313-FB6F-E63F-9E0CBAF4F64B}" dt="2021-08-05T22:24:28.070" v="88" actId="20577"/>
+          <ac:chgData name="Jonny Morris" userId="S::morrisj70800@masseyhigh.school.nz::4fab9e21-29a7-4d03-b4c0-6c8a112c783d" providerId="AD" clId="Web-{F57D3202-7313-FB6F-E63F-9E0CBAF4F64B}" dt="2021-08-05T22:51:37.279" v="223" actId="20577"/>
           <ac:spMkLst>
             <pc:docMk/>
             <pc:sldMk cId="794014388" sldId="277"/>
             <ac:spMk id="13" creationId="{F13D55FB-4924-4928-8E29-4D38F59B4ECB}"/>
           </ac:spMkLst>
         </pc:spChg>
+        <pc:picChg chg="mod">
+          <ac:chgData name="Jonny Morris" userId="S::morrisj70800@masseyhigh.school.nz::4fab9e21-29a7-4d03-b4c0-6c8a112c783d" providerId="AD" clId="Web-{F57D3202-7313-FB6F-E63F-9E0CBAF4F64B}" dt="2021-08-05T22:51:17.044" v="199" actId="1076"/>
+          <ac:picMkLst>
+            <pc:docMk/>
+            <pc:sldMk cId="794014388" sldId="277"/>
+            <ac:picMk id="9" creationId="{750F2E14-5FA7-47BD-97CC-8BC03DBB67FA}"/>
+          </ac:picMkLst>
+        </pc:picChg>
       </pc:sldChg>
       <pc:sldChg chg="addSp modSp mod setBg">
         <pc:chgData name="Jonny Morris" userId="S::morrisj70800@masseyhigh.school.nz::4fab9e21-29a7-4d03-b4c0-6c8a112c783d" providerId="AD" clId="Web-{F57D3202-7313-FB6F-E63F-9E0CBAF4F64B}" dt="2021-08-05T22:36:08.008" v="157" actId="1076"/>
@@ -664,6 +1407,21 @@
             <ac:cxnSpMk id="14" creationId="{DAE3ABC6-4042-4293-A7DF-F01181363B7E}"/>
           </ac:cxnSpMkLst>
         </pc:cxnChg>
+      </pc:sldChg>
+      <pc:sldChg chg="modSp new mod modShow">
+        <pc:chgData name="Jonny Morris" userId="S::morrisj70800@masseyhigh.school.nz::4fab9e21-29a7-4d03-b4c0-6c8a112c783d" providerId="AD" clId="Web-{F57D3202-7313-FB6F-E63F-9E0CBAF4F64B}" dt="2021-08-05T22:46:17.803" v="198"/>
+        <pc:sldMkLst>
+          <pc:docMk/>
+          <pc:sldMk cId="904073479" sldId="279"/>
+        </pc:sldMkLst>
+        <pc:spChg chg="mod">
+          <ac:chgData name="Jonny Morris" userId="S::morrisj70800@masseyhigh.school.nz::4fab9e21-29a7-4d03-b4c0-6c8a112c783d" providerId="AD" clId="Web-{F57D3202-7313-FB6F-E63F-9E0CBAF4F64B}" dt="2021-08-05T22:44:40.785" v="197" actId="20577"/>
+          <ac:spMkLst>
+            <pc:docMk/>
+            <pc:sldMk cId="904073479" sldId="279"/>
+            <ac:spMk id="2" creationId="{7C80B9F5-78F4-4D03-9BC7-70EBC18C0AF7}"/>
+          </ac:spMkLst>
+        </pc:spChg>
       </pc:sldChg>
     </pc:docChg>
   </pc:docChgLst>
@@ -5324,6 +6082,14 @@
 <file path=ppt/slides/slide1.xml><?xml version="1.0" encoding="utf-8"?>
 <p:sld xmlns:a="http://schemas.openxmlformats.org/drawingml/2006/main" xmlns:r="http://schemas.openxmlformats.org/officeDocument/2006/relationships" xmlns:p="http://schemas.openxmlformats.org/presentationml/2006/main">
   <p:cSld>
+    <p:bg>
+      <p:bgPr>
+        <a:solidFill>
+          <a:schemeClr val="bg1"/>
+        </a:solidFill>
+        <a:effectLst/>
+      </p:bgPr>
+    </p:bg>
     <p:spTree>
       <p:nvGrpSpPr>
         <p:cNvPr id="1" name=""/>
@@ -5338,6 +6104,177 @@
           <a:chExt cx="0" cy="0"/>
         </a:xfrm>
       </p:grpSpPr>
+      <p:pic>
+        <p:nvPicPr>
+          <p:cNvPr id="5" name="Picture 4" descr="Abstract background of data">
+            <a:extLst>
+              <a:ext uri="{FF2B5EF4-FFF2-40B4-BE49-F238E27FC236}">
+                <a16:creationId xmlns:a16="http://schemas.microsoft.com/office/drawing/2014/main" id="{41646346-4A38-4F42-8D3A-D22504B09823}"/>
+              </a:ext>
+            </a:extLst>
+          </p:cNvPr>
+          <p:cNvPicPr>
+            <a:picLocks noChangeAspect="1"/>
+          </p:cNvPicPr>
+          <p:nvPr/>
+        </p:nvPicPr>
+        <p:blipFill rotWithShape="1">
+          <a:blip r:embed="rId2"/>
+          <a:srcRect r="-2" b="-2"/>
+          <a:stretch/>
+        </p:blipFill>
+        <p:spPr>
+          <a:xfrm>
+            <a:off x="20" y="10"/>
+            <a:ext cx="12191980" cy="6857990"/>
+          </a:xfrm>
+          <a:prstGeom prst="rect">
+            <a:avLst/>
+          </a:prstGeom>
+        </p:spPr>
+      </p:pic>
+      <p:sp>
+        <p:nvSpPr>
+          <p:cNvPr id="9" name="Freeform 5">
+            <a:extLst>
+              <a:ext uri="{FF2B5EF4-FFF2-40B4-BE49-F238E27FC236}">
+                <a16:creationId xmlns:a16="http://schemas.microsoft.com/office/drawing/2014/main" id="{87CC2527-562A-4F69-B487-4371E5B243E7}"/>
+              </a:ext>
+              <a:ext uri="{C183D7F6-B498-43B3-948B-1728B52AA6E4}">
+                <adec:decorative xmlns:adec="http://schemas.microsoft.com/office/drawing/2017/decorative" val="1"/>
+              </a:ext>
+            </a:extLst>
+          </p:cNvPr>
+          <p:cNvSpPr>
+            <a:spLocks noGrp="1" noRot="1" noChangeAspect="1" noMove="1" noResize="1" noEditPoints="1" noAdjustHandles="1" noChangeArrowheads="1" noChangeShapeType="1" noTextEdit="1"/>
+          </p:cNvSpPr>
+          <p:nvPr>
+            <p:extLst>
+              <p:ext uri="{386F3935-93C4-4BCD-93E2-E3B085C9AB24}">
+                <p16:designElem xmlns:p16="http://schemas.microsoft.com/office/powerpoint/2015/main" val="1"/>
+              </p:ext>
+            </p:extLst>
+          </p:nvPr>
+        </p:nvSpPr>
+        <p:spPr bwMode="grayWhite">
+          <a:xfrm>
+            <a:off x="7488621" y="2277613"/>
+            <a:ext cx="4703379" cy="4580387"/>
+          </a:xfrm>
+          <a:custGeom>
+            <a:avLst/>
+            <a:gdLst>
+              <a:gd name="T0" fmla="*/ 1333 w 1333"/>
+              <a:gd name="T1" fmla="*/ 1031 h 1298"/>
+              <a:gd name="T2" fmla="*/ 1333 w 1333"/>
+              <a:gd name="T3" fmla="*/ 380 h 1298"/>
+              <a:gd name="T4" fmla="*/ 706 w 1333"/>
+              <a:gd name="T5" fmla="*/ 0 h 1298"/>
+              <a:gd name="T6" fmla="*/ 0 w 1333"/>
+              <a:gd name="T7" fmla="*/ 706 h 1298"/>
+              <a:gd name="T8" fmla="*/ 323 w 1333"/>
+              <a:gd name="T9" fmla="*/ 1298 h 1298"/>
+              <a:gd name="T10" fmla="*/ 1090 w 1333"/>
+              <a:gd name="T11" fmla="*/ 1298 h 1298"/>
+              <a:gd name="T12" fmla="*/ 1333 w 1333"/>
+              <a:gd name="T13" fmla="*/ 1031 h 1298"/>
+            </a:gdLst>
+            <a:ahLst/>
+            <a:cxnLst>
+              <a:cxn ang="0">
+                <a:pos x="T0" y="T1"/>
+              </a:cxn>
+              <a:cxn ang="0">
+                <a:pos x="T2" y="T3"/>
+              </a:cxn>
+              <a:cxn ang="0">
+                <a:pos x="T4" y="T5"/>
+              </a:cxn>
+              <a:cxn ang="0">
+                <a:pos x="T6" y="T7"/>
+              </a:cxn>
+              <a:cxn ang="0">
+                <a:pos x="T8" y="T9"/>
+              </a:cxn>
+              <a:cxn ang="0">
+                <a:pos x="T10" y="T11"/>
+              </a:cxn>
+              <a:cxn ang="0">
+                <a:pos x="T12" y="T13"/>
+              </a:cxn>
+            </a:cxnLst>
+            <a:rect l="0" t="0" r="r" b="b"/>
+            <a:pathLst>
+              <a:path w="1333" h="1298">
+                <a:moveTo>
+                  <a:pt x="1333" y="1031"/>
+                </a:moveTo>
+                <a:cubicBezTo>
+                  <a:pt x="1333" y="380"/>
+                  <a:pt x="1333" y="380"/>
+                  <a:pt x="1333" y="380"/>
+                </a:cubicBezTo>
+                <a:cubicBezTo>
+                  <a:pt x="1215" y="154"/>
+                  <a:pt x="979" y="0"/>
+                  <a:pt x="706" y="0"/>
+                </a:cubicBezTo>
+                <a:cubicBezTo>
+                  <a:pt x="317" y="0"/>
+                  <a:pt x="0" y="316"/>
+                  <a:pt x="0" y="706"/>
+                </a:cubicBezTo>
+                <a:cubicBezTo>
+                  <a:pt x="0" y="954"/>
+                  <a:pt x="129" y="1172"/>
+                  <a:pt x="323" y="1298"/>
+                </a:cubicBezTo>
+                <a:cubicBezTo>
+                  <a:pt x="1090" y="1298"/>
+                  <a:pt x="1090" y="1298"/>
+                  <a:pt x="1090" y="1298"/>
+                </a:cubicBezTo>
+                <a:cubicBezTo>
+                  <a:pt x="1193" y="1232"/>
+                  <a:pt x="1276" y="1140"/>
+                  <a:pt x="1333" y="1031"/>
+                </a:cubicBezTo>
+                <a:close/>
+              </a:path>
+            </a:pathLst>
+          </a:custGeom>
+          <a:solidFill>
+            <a:schemeClr val="bg1">
+              <a:alpha val="70000"/>
+            </a:schemeClr>
+          </a:solidFill>
+          <a:ln w="50800" cap="sq" cmpd="dbl">
+            <a:noFill/>
+            <a:miter lim="800000"/>
+          </a:ln>
+          <a:effectLst/>
+        </p:spPr>
+        <p:txBody>
+          <a:bodyPr vert="horz" lIns="91440" tIns="45720" rIns="91440" bIns="45720" rtlCol="0" anchor="t">
+            <a:normAutofit/>
+          </a:bodyPr>
+          <a:lstStyle/>
+          <a:p>
+            <a:pPr algn="ctr">
+              <a:spcAft>
+                <a:spcPts val="1000"/>
+              </a:spcAft>
+              <a:buClr>
+                <a:schemeClr val="tx1"/>
+              </a:buClr>
+              <a:buSzPct val="100000"/>
+              <a:buFont typeface="Arial"/>
+              <a:buNone/>
+            </a:pPr>
+            <a:endParaRPr lang="en-US" sz="1600" cap="all"/>
+          </a:p>
+        </p:txBody>
+      </p:sp>
       <p:sp>
         <p:nvSpPr>
           <p:cNvPr id="2" name="Title 1"/>
@@ -5350,21 +6287,23 @@
         </p:nvSpPr>
         <p:spPr>
           <a:xfrm>
-            <a:off x="1524000" y="462583"/>
-            <a:ext cx="9144000" cy="2387600"/>
+            <a:off x="8022021" y="3231931"/>
+            <a:ext cx="3852041" cy="1834056"/>
           </a:xfrm>
         </p:spPr>
         <p:txBody>
-          <a:bodyPr/>
+          <a:bodyPr>
+            <a:normAutofit/>
+          </a:bodyPr>
           <a:lstStyle/>
           <a:p>
             <a:r>
-              <a:rPr lang="en-US">
+              <a:rPr lang="en-US" sz="4000">
                 <a:cs typeface="Calibri Light"/>
               </a:rPr>
               <a:t>Programming Assessment</a:t>
             </a:r>
-            <a:endParaRPr lang="en-US" err="1"/>
+            <a:endParaRPr lang="en-US" sz="4000"/>
           </a:p>
         </p:txBody>
       </p:sp>
@@ -5378,36 +6317,86 @@
             <p:ph type="subTitle" idx="1"/>
           </p:nvPr>
         </p:nvSpPr>
-        <p:spPr/>
+        <p:spPr>
+          <a:xfrm>
+            <a:off x="7782910" y="5242675"/>
+            <a:ext cx="4330262" cy="683284"/>
+          </a:xfrm>
+        </p:spPr>
         <p:txBody>
-          <a:bodyPr vert="horz" lIns="91440" tIns="45720" rIns="91440" bIns="45720" rtlCol="0" anchor="t">
+          <a:bodyPr vert="horz" lIns="91440" tIns="45720" rIns="91440" bIns="45720" rtlCol="0">
             <a:normAutofit/>
           </a:bodyPr>
           <a:lstStyle/>
           <a:p>
-            <a:r>
-              <a:rPr lang="en-US" dirty="0">
-                <a:cs typeface="Calibri"/>
-              </a:rPr>
-              <a:t>Project on </a:t>
-            </a:r>
-            <a:r>
-              <a:rPr lang="en-US" dirty="0" err="1">
-                <a:cs typeface="Calibri"/>
-              </a:rPr>
-              <a:t>Github</a:t>
-            </a:r>
-            <a:endParaRPr lang="en-US">
+            <a:endParaRPr lang="en-US" sz="2000">
               <a:cs typeface="Calibri"/>
             </a:endParaRPr>
           </a:p>
           <a:p>
-            <a:endParaRPr lang="en-US" dirty="0">
-              <a:cs typeface="Calibri"/>
+            <a:endParaRPr lang="en-US" sz="2000">
+              <a:ea typeface="+mn-lt"/>
+              <a:cs typeface="+mn-lt"/>
             </a:endParaRPr>
           </a:p>
         </p:txBody>
       </p:sp>
+      <p:cxnSp>
+        <p:nvCxnSpPr>
+          <p:cNvPr id="11" name="Straight Connector 10">
+            <a:extLst>
+              <a:ext uri="{FF2B5EF4-FFF2-40B4-BE49-F238E27FC236}">
+                <a16:creationId xmlns:a16="http://schemas.microsoft.com/office/drawing/2014/main" id="{BCDAEC91-5BCE-4B55-9CC0-43EF94CB734B}"/>
+              </a:ext>
+              <a:ext uri="{C183D7F6-B498-43B3-948B-1728B52AA6E4}">
+                <adec:decorative xmlns:adec="http://schemas.microsoft.com/office/drawing/2017/decorative" val="1"/>
+              </a:ext>
+            </a:extLst>
+          </p:cNvPr>
+          <p:cNvCxnSpPr>
+            <a:cxnSpLocks noGrp="1" noRot="1" noChangeAspect="1" noMove="1" noResize="1" noEditPoints="1" noAdjustHandles="1" noChangeArrowheads="1" noChangeShapeType="1"/>
+          </p:cNvCxnSpPr>
+          <p:nvPr>
+            <p:extLst>
+              <p:ext uri="{386F3935-93C4-4BCD-93E2-E3B085C9AB24}">
+                <p16:designElem xmlns:p16="http://schemas.microsoft.com/office/powerpoint/2015/main" val="1"/>
+              </p:ext>
+            </p:extLst>
+          </p:nvPr>
+        </p:nvCxnSpPr>
+        <p:spPr>
+          <a:xfrm>
+            <a:off x="9480331" y="5123793"/>
+            <a:ext cx="935420" cy="0"/>
+          </a:xfrm>
+          <a:prstGeom prst="line">
+            <a:avLst/>
+          </a:prstGeom>
+          <a:ln w="25400" cap="sq">
+            <a:solidFill>
+              <a:schemeClr val="tx1">
+                <a:lumMod val="85000"/>
+                <a:lumOff val="15000"/>
+              </a:schemeClr>
+            </a:solidFill>
+            <a:bevel/>
+          </a:ln>
+        </p:spPr>
+        <p:style>
+          <a:lnRef idx="1">
+            <a:schemeClr val="accent1"/>
+          </a:lnRef>
+          <a:fillRef idx="0">
+            <a:schemeClr val="accent1"/>
+          </a:fillRef>
+          <a:effectRef idx="0">
+            <a:schemeClr val="accent1"/>
+          </a:effectRef>
+          <a:fontRef idx="minor">
+            <a:schemeClr val="tx1"/>
+          </a:fontRef>
+        </p:style>
+      </p:cxnSp>
     </p:spTree>
     <p:extLst>
       <p:ext uri="{BB962C8B-B14F-4D97-AF65-F5344CB8AC3E}">
@@ -5418,6 +6407,150 @@
   <p:clrMapOvr>
     <a:masterClrMapping/>
   </p:clrMapOvr>
+  <p:timing>
+    <p:tnLst>
+      <p:par>
+        <p:cTn id="1" dur="indefinite" restart="never" nodeType="tmRoot">
+          <p:childTnLst>
+            <p:seq concurrent="1" nextAc="seek">
+              <p:cTn id="2" dur="indefinite" nodeType="mainSeq">
+                <p:childTnLst>
+                  <p:par>
+                    <p:cTn id="3" fill="hold">
+                      <p:stCondLst>
+                        <p:cond delay="indefinite"/>
+                        <p:cond evt="onBegin" delay="0">
+                          <p:tn val="2"/>
+                        </p:cond>
+                      </p:stCondLst>
+                      <p:childTnLst>
+                        <p:par>
+                          <p:cTn id="4" fill="hold">
+                            <p:stCondLst>
+                              <p:cond delay="0"/>
+                            </p:stCondLst>
+                            <p:childTnLst>
+                              <p:par>
+                                <p:cTn id="5" presetID="10" presetClass="entr" presetSubtype="0" fill="hold" grpId="0" nodeType="withEffect" nodePh="1">
+                                  <p:stCondLst>
+                                    <p:cond delay="2000"/>
+                                  </p:stCondLst>
+                                  <p:endCondLst>
+                                    <p:cond evt="begin" delay="0">
+                                      <p:tn val="5"/>
+                                    </p:cond>
+                                  </p:endCondLst>
+                                  <p:iterate type="lt">
+                                    <p:tmPct val="10000"/>
+                                  </p:iterate>
+                                  <p:childTnLst>
+                                    <p:set>
+                                      <p:cBhvr>
+                                        <p:cTn id="6" dur="1" fill="hold">
+                                          <p:stCondLst>
+                                            <p:cond delay="0"/>
+                                          </p:stCondLst>
+                                        </p:cTn>
+                                        <p:tgtEl>
+                                          <p:spTgt spid="3">
+                                            <p:txEl>
+                                              <p:pRg st="0" end="0"/>
+                                            </p:txEl>
+                                          </p:spTgt>
+                                        </p:tgtEl>
+                                        <p:attrNameLst>
+                                          <p:attrName>style.visibility</p:attrName>
+                                        </p:attrNameLst>
+                                      </p:cBhvr>
+                                      <p:to>
+                                        <p:strVal val="visible"/>
+                                      </p:to>
+                                    </p:set>
+                                    <p:animEffect transition="in" filter="fade">
+                                      <p:cBhvr>
+                                        <p:cTn id="7" dur="400"/>
+                                        <p:tgtEl>
+                                          <p:spTgt spid="3">
+                                            <p:txEl>
+                                              <p:pRg st="0" end="0"/>
+                                            </p:txEl>
+                                          </p:spTgt>
+                                        </p:tgtEl>
+                                      </p:cBhvr>
+                                    </p:animEffect>
+                                  </p:childTnLst>
+                                </p:cTn>
+                              </p:par>
+                              <p:par>
+                                <p:cTn id="8" presetID="10" presetClass="entr" presetSubtype="0" fill="hold" grpId="0" nodeType="withEffect">
+                                  <p:stCondLst>
+                                    <p:cond delay="1000"/>
+                                  </p:stCondLst>
+                                  <p:iterate type="lt">
+                                    <p:tmPct val="10000"/>
+                                  </p:iterate>
+                                  <p:childTnLst>
+                                    <p:set>
+                                      <p:cBhvr>
+                                        <p:cTn id="9" dur="1" fill="hold">
+                                          <p:stCondLst>
+                                            <p:cond delay="0"/>
+                                          </p:stCondLst>
+                                        </p:cTn>
+                                        <p:tgtEl>
+                                          <p:spTgt spid="2"/>
+                                        </p:tgtEl>
+                                        <p:attrNameLst>
+                                          <p:attrName>style.visibility</p:attrName>
+                                        </p:attrNameLst>
+                                      </p:cBhvr>
+                                      <p:to>
+                                        <p:strVal val="visible"/>
+                                      </p:to>
+                                    </p:set>
+                                    <p:animEffect transition="in" filter="fade">
+                                      <p:cBhvr>
+                                        <p:cTn id="10" dur="400"/>
+                                        <p:tgtEl>
+                                          <p:spTgt spid="2"/>
+                                        </p:tgtEl>
+                                      </p:cBhvr>
+                                    </p:animEffect>
+                                  </p:childTnLst>
+                                </p:cTn>
+                              </p:par>
+                            </p:childTnLst>
+                          </p:cTn>
+                        </p:par>
+                      </p:childTnLst>
+                    </p:cTn>
+                  </p:par>
+                </p:childTnLst>
+              </p:cTn>
+              <p:prevCondLst>
+                <p:cond evt="onPrev" delay="0">
+                  <p:tgtEl>
+                    <p:sldTgt/>
+                  </p:tgtEl>
+                </p:cond>
+              </p:prevCondLst>
+              <p:nextCondLst>
+                <p:cond evt="onNext" delay="0">
+                  <p:tgtEl>
+                    <p:sldTgt/>
+                  </p:tgtEl>
+                </p:cond>
+              </p:nextCondLst>
+            </p:seq>
+          </p:childTnLst>
+        </p:cTn>
+      </p:par>
+    </p:tnLst>
+    <p:bldLst>
+      <p:bldP spid="2" grpId="0"/>
+      <p:bldP spid="3" grpId="0" build="p"/>
+    </p:bldLst>
+  </p:timing>
 </p:sld>
 </file>
 
@@ -5573,12 +6706,12 @@
           <a:chExt cx="0" cy="0"/>
         </a:xfrm>
       </p:grpSpPr>
-      <p:sp useBgFill="1">
+      <p:sp>
         <p:nvSpPr>
-          <p:cNvPr id="11" name="Rectangle 10">
+          <p:cNvPr id="18" name="Rectangle 17">
             <a:extLst>
               <a:ext uri="{FF2B5EF4-FFF2-40B4-BE49-F238E27FC236}">
-                <a16:creationId xmlns:a16="http://schemas.microsoft.com/office/drawing/2014/main" id="{352BEC0E-22F8-46D0-9632-375DB541B06C}"/>
+                <a16:creationId xmlns:a16="http://schemas.microsoft.com/office/drawing/2014/main" id="{C7FA33FF-088D-4F16-95A2-2C64D353DEA8}"/>
               </a:ext>
               <a:ext uri="{C183D7F6-B498-43B3-948B-1728B52AA6E4}">
                 <adec:decorative xmlns:adec="http://schemas.microsoft.com/office/drawing/2017/decorative" val="1"/>
@@ -5598,12 +6731,15 @@
         </p:nvSpPr>
         <p:spPr>
           <a:xfrm>
-            <a:off x="0" y="0"/>
+            <a:off x="3048" y="0"/>
             <a:ext cx="12188952" cy="6858000"/>
           </a:xfrm>
           <a:prstGeom prst="rect">
             <a:avLst/>
           </a:prstGeom>
+          <a:solidFill>
+            <a:schemeClr val="tx1"/>
+          </a:solidFill>
           <a:ln>
             <a:noFill/>
           </a:ln>
@@ -5635,45 +6771,10 @@
       </p:sp>
       <p:sp>
         <p:nvSpPr>
-          <p:cNvPr id="2" name="Title 1">
+          <p:cNvPr id="20" name="Rectangle 19">
             <a:extLst>
               <a:ext uri="{FF2B5EF4-FFF2-40B4-BE49-F238E27FC236}">
-                <a16:creationId xmlns:a16="http://schemas.microsoft.com/office/drawing/2014/main" id="{A8EFE925-DDD6-457F-95FD-557FF9D76A31}"/>
-              </a:ext>
-            </a:extLst>
-          </p:cNvPr>
-          <p:cNvSpPr>
-            <a:spLocks noGrp="1"/>
-          </p:cNvSpPr>
-          <p:nvPr>
-            <p:ph type="title"/>
-          </p:nvPr>
-        </p:nvSpPr>
-        <p:spPr>
-          <a:xfrm>
-            <a:off x="640080" y="329184"/>
-            <a:ext cx="6894576" cy="1783080"/>
-          </a:xfrm>
-        </p:spPr>
-        <p:txBody>
-          <a:bodyPr vert="horz" lIns="91440" tIns="45720" rIns="91440" bIns="45720" rtlCol="0" anchor="b">
-            <a:normAutofit/>
-          </a:bodyPr>
-          <a:lstStyle/>
-          <a:p>
-            <a:r>
-              <a:rPr lang="en-US" sz="5400"/>
-              <a:t>Start Gui Final + Start of game GUI</a:t>
-            </a:r>
-          </a:p>
-        </p:txBody>
-      </p:sp>
-      <p:sp>
-        <p:nvSpPr>
-          <p:cNvPr id="13" name="sketch line">
-            <a:extLst>
-              <a:ext uri="{FF2B5EF4-FFF2-40B4-BE49-F238E27FC236}">
-                <a16:creationId xmlns:a16="http://schemas.microsoft.com/office/drawing/2014/main" id="{3FCFB1DE-0B7E-48CC-BA90-B2AB0889F9D6}"/>
+                <a16:creationId xmlns:a16="http://schemas.microsoft.com/office/drawing/2014/main" id="{A376EFB1-01CF-419F-ABF1-2AF02BBFCBD1}"/>
               </a:ext>
               <a:ext uri="{C183D7F6-B498-43B3-948B-1728B52AA6E4}">
                 <adec:decorative xmlns:adec="http://schemas.microsoft.com/office/drawing/2017/decorative" val="1"/>
@@ -5693,297 +6794,19 @@
         </p:nvSpPr>
         <p:spPr>
           <a:xfrm>
-            <a:off x="758952" y="2395728"/>
-            <a:ext cx="4243589" cy="18288"/>
+            <a:off x="-1" y="0"/>
+            <a:ext cx="6464595" cy="6858000"/>
           </a:xfrm>
-          <a:custGeom>
+          <a:prstGeom prst="rect">
             <a:avLst/>
-            <a:gdLst>
-              <a:gd name="connsiteX0" fmla="*/ 0 w 4243589"/>
-              <a:gd name="connsiteY0" fmla="*/ 0 h 18288"/>
-              <a:gd name="connsiteX1" fmla="*/ 478919 w 4243589"/>
-              <a:gd name="connsiteY1" fmla="*/ 0 h 18288"/>
-              <a:gd name="connsiteX2" fmla="*/ 957839 w 4243589"/>
-              <a:gd name="connsiteY2" fmla="*/ 0 h 18288"/>
-              <a:gd name="connsiteX3" fmla="*/ 1521630 w 4243589"/>
-              <a:gd name="connsiteY3" fmla="*/ 0 h 18288"/>
-              <a:gd name="connsiteX4" fmla="*/ 2212729 w 4243589"/>
-              <a:gd name="connsiteY4" fmla="*/ 0 h 18288"/>
-              <a:gd name="connsiteX5" fmla="*/ 2734084 w 4243589"/>
-              <a:gd name="connsiteY5" fmla="*/ 0 h 18288"/>
-              <a:gd name="connsiteX6" fmla="*/ 3255439 w 4243589"/>
-              <a:gd name="connsiteY6" fmla="*/ 0 h 18288"/>
-              <a:gd name="connsiteX7" fmla="*/ 4243589 w 4243589"/>
-              <a:gd name="connsiteY7" fmla="*/ 0 h 18288"/>
-              <a:gd name="connsiteX8" fmla="*/ 4243589 w 4243589"/>
-              <a:gd name="connsiteY8" fmla="*/ 18288 h 18288"/>
-              <a:gd name="connsiteX9" fmla="*/ 3594926 w 4243589"/>
-              <a:gd name="connsiteY9" fmla="*/ 18288 h 18288"/>
-              <a:gd name="connsiteX10" fmla="*/ 3073571 w 4243589"/>
-              <a:gd name="connsiteY10" fmla="*/ 18288 h 18288"/>
-              <a:gd name="connsiteX11" fmla="*/ 2552216 w 4243589"/>
-              <a:gd name="connsiteY11" fmla="*/ 18288 h 18288"/>
-              <a:gd name="connsiteX12" fmla="*/ 1903553 w 4243589"/>
-              <a:gd name="connsiteY12" fmla="*/ 18288 h 18288"/>
-              <a:gd name="connsiteX13" fmla="*/ 1212454 w 4243589"/>
-              <a:gd name="connsiteY13" fmla="*/ 18288 h 18288"/>
-              <a:gd name="connsiteX14" fmla="*/ 733535 w 4243589"/>
-              <a:gd name="connsiteY14" fmla="*/ 18288 h 18288"/>
-              <a:gd name="connsiteX15" fmla="*/ 0 w 4243589"/>
-              <a:gd name="connsiteY15" fmla="*/ 18288 h 18288"/>
-              <a:gd name="connsiteX16" fmla="*/ 0 w 4243589"/>
-              <a:gd name="connsiteY16" fmla="*/ 0 h 18288"/>
-            </a:gdLst>
-            <a:ahLst/>
-            <a:cxnLst>
-              <a:cxn ang="0">
-                <a:pos x="connsiteX0" y="connsiteY0"/>
-              </a:cxn>
-              <a:cxn ang="0">
-                <a:pos x="connsiteX1" y="connsiteY1"/>
-              </a:cxn>
-              <a:cxn ang="0">
-                <a:pos x="connsiteX2" y="connsiteY2"/>
-              </a:cxn>
-              <a:cxn ang="0">
-                <a:pos x="connsiteX3" y="connsiteY3"/>
-              </a:cxn>
-              <a:cxn ang="0">
-                <a:pos x="connsiteX4" y="connsiteY4"/>
-              </a:cxn>
-              <a:cxn ang="0">
-                <a:pos x="connsiteX5" y="connsiteY5"/>
-              </a:cxn>
-              <a:cxn ang="0">
-                <a:pos x="connsiteX6" y="connsiteY6"/>
-              </a:cxn>
-              <a:cxn ang="0">
-                <a:pos x="connsiteX7" y="connsiteY7"/>
-              </a:cxn>
-              <a:cxn ang="0">
-                <a:pos x="connsiteX8" y="connsiteY8"/>
-              </a:cxn>
-              <a:cxn ang="0">
-                <a:pos x="connsiteX9" y="connsiteY9"/>
-              </a:cxn>
-              <a:cxn ang="0">
-                <a:pos x="connsiteX10" y="connsiteY10"/>
-              </a:cxn>
-              <a:cxn ang="0">
-                <a:pos x="connsiteX11" y="connsiteY11"/>
-              </a:cxn>
-              <a:cxn ang="0">
-                <a:pos x="connsiteX12" y="connsiteY12"/>
-              </a:cxn>
-              <a:cxn ang="0">
-                <a:pos x="connsiteX13" y="connsiteY13"/>
-              </a:cxn>
-              <a:cxn ang="0">
-                <a:pos x="connsiteX14" y="connsiteY14"/>
-              </a:cxn>
-              <a:cxn ang="0">
-                <a:pos x="connsiteX15" y="connsiteY15"/>
-              </a:cxn>
-              <a:cxn ang="0">
-                <a:pos x="connsiteX16" y="connsiteY16"/>
-              </a:cxn>
-            </a:cxnLst>
-            <a:rect l="l" t="t" r="r" b="b"/>
-            <a:pathLst>
-              <a:path w="4243589" h="18288" fill="none" extrusionOk="0">
-                <a:moveTo>
-                  <a:pt x="0" y="0"/>
-                </a:moveTo>
-                <a:cubicBezTo>
-                  <a:pt x="213395" y="-21006"/>
-                  <a:pt x="307421" y="-18116"/>
-                  <a:pt x="478919" y="0"/>
-                </a:cubicBezTo>
-                <a:cubicBezTo>
-                  <a:pt x="650417" y="18116"/>
-                  <a:pt x="831092" y="-21237"/>
-                  <a:pt x="957839" y="0"/>
-                </a:cubicBezTo>
-                <a:cubicBezTo>
-                  <a:pt x="1084586" y="21237"/>
-                  <a:pt x="1301682" y="25124"/>
-                  <a:pt x="1521630" y="0"/>
-                </a:cubicBezTo>
-                <a:cubicBezTo>
-                  <a:pt x="1741578" y="-25124"/>
-                  <a:pt x="1970269" y="-29139"/>
-                  <a:pt x="2212729" y="0"/>
-                </a:cubicBezTo>
-                <a:cubicBezTo>
-                  <a:pt x="2455189" y="29139"/>
-                  <a:pt x="2558847" y="-4796"/>
-                  <a:pt x="2734084" y="0"/>
-                </a:cubicBezTo>
-                <a:cubicBezTo>
-                  <a:pt x="2909321" y="4796"/>
-                  <a:pt x="3097217" y="-13409"/>
-                  <a:pt x="3255439" y="0"/>
-                </a:cubicBezTo>
-                <a:cubicBezTo>
-                  <a:pt x="3413662" y="13409"/>
-                  <a:pt x="3979999" y="-10121"/>
-                  <a:pt x="4243589" y="0"/>
-                </a:cubicBezTo>
-                <a:cubicBezTo>
-                  <a:pt x="4244484" y="8974"/>
-                  <a:pt x="4243043" y="9359"/>
-                  <a:pt x="4243589" y="18288"/>
-                </a:cubicBezTo>
-                <a:cubicBezTo>
-                  <a:pt x="4058777" y="31246"/>
-                  <a:pt x="3910348" y="3158"/>
-                  <a:pt x="3594926" y="18288"/>
-                </a:cubicBezTo>
-                <a:cubicBezTo>
-                  <a:pt x="3279504" y="33418"/>
-                  <a:pt x="3319955" y="-3977"/>
-                  <a:pt x="3073571" y="18288"/>
-                </a:cubicBezTo>
-                <a:cubicBezTo>
-                  <a:pt x="2827187" y="40553"/>
-                  <a:pt x="2767387" y="1863"/>
-                  <a:pt x="2552216" y="18288"/>
-                </a:cubicBezTo>
-                <a:cubicBezTo>
-                  <a:pt x="2337046" y="34713"/>
-                  <a:pt x="2181871" y="19527"/>
-                  <a:pt x="1903553" y="18288"/>
-                </a:cubicBezTo>
-                <a:cubicBezTo>
-                  <a:pt x="1625235" y="17049"/>
-                  <a:pt x="1557672" y="24174"/>
-                  <a:pt x="1212454" y="18288"/>
-                </a:cubicBezTo>
-                <a:cubicBezTo>
-                  <a:pt x="867236" y="12402"/>
-                  <a:pt x="874382" y="15627"/>
-                  <a:pt x="733535" y="18288"/>
-                </a:cubicBezTo>
-                <a:cubicBezTo>
-                  <a:pt x="592688" y="20949"/>
-                  <a:pt x="183477" y="14753"/>
-                  <a:pt x="0" y="18288"/>
-                </a:cubicBezTo>
-                <a:cubicBezTo>
-                  <a:pt x="-229" y="14222"/>
-                  <a:pt x="509" y="5816"/>
-                  <a:pt x="0" y="0"/>
-                </a:cubicBezTo>
-                <a:close/>
-              </a:path>
-              <a:path w="4243589" h="18288" stroke="0" extrusionOk="0">
-                <a:moveTo>
-                  <a:pt x="0" y="0"/>
-                </a:moveTo>
-                <a:cubicBezTo>
-                  <a:pt x="143690" y="16630"/>
-                  <a:pt x="266667" y="14847"/>
-                  <a:pt x="521355" y="0"/>
-                </a:cubicBezTo>
-                <a:cubicBezTo>
-                  <a:pt x="776043" y="-14847"/>
-                  <a:pt x="814491" y="-17363"/>
-                  <a:pt x="1000275" y="0"/>
-                </a:cubicBezTo>
-                <a:cubicBezTo>
-                  <a:pt x="1186059" y="17363"/>
-                  <a:pt x="1352504" y="-23507"/>
-                  <a:pt x="1521630" y="0"/>
-                </a:cubicBezTo>
-                <a:cubicBezTo>
-                  <a:pt x="1690756" y="23507"/>
-                  <a:pt x="1889525" y="5871"/>
-                  <a:pt x="2127857" y="0"/>
-                </a:cubicBezTo>
-                <a:cubicBezTo>
-                  <a:pt x="2366189" y="-5871"/>
-                  <a:pt x="2620628" y="-27997"/>
-                  <a:pt x="2776520" y="0"/>
-                </a:cubicBezTo>
-                <a:cubicBezTo>
-                  <a:pt x="2932412" y="27997"/>
-                  <a:pt x="3131683" y="-25073"/>
-                  <a:pt x="3467618" y="0"/>
-                </a:cubicBezTo>
-                <a:cubicBezTo>
-                  <a:pt x="3803553" y="25073"/>
-                  <a:pt x="4017371" y="3071"/>
-                  <a:pt x="4243589" y="0"/>
-                </a:cubicBezTo>
-                <a:cubicBezTo>
-                  <a:pt x="4243134" y="6162"/>
-                  <a:pt x="4243492" y="11775"/>
-                  <a:pt x="4243589" y="18288"/>
-                </a:cubicBezTo>
-                <a:cubicBezTo>
-                  <a:pt x="4017834" y="-5779"/>
-                  <a:pt x="3834586" y="13376"/>
-                  <a:pt x="3594926" y="18288"/>
-                </a:cubicBezTo>
-                <a:cubicBezTo>
-                  <a:pt x="3355266" y="23200"/>
-                  <a:pt x="3204179" y="2869"/>
-                  <a:pt x="2903827" y="18288"/>
-                </a:cubicBezTo>
-                <a:cubicBezTo>
-                  <a:pt x="2603475" y="33707"/>
-                  <a:pt x="2526187" y="46187"/>
-                  <a:pt x="2212729" y="18288"/>
-                </a:cubicBezTo>
-                <a:cubicBezTo>
-                  <a:pt x="1899271" y="-9611"/>
-                  <a:pt x="1966289" y="29692"/>
-                  <a:pt x="1733809" y="18288"/>
-                </a:cubicBezTo>
-                <a:cubicBezTo>
-                  <a:pt x="1501329" y="6884"/>
-                  <a:pt x="1343612" y="12492"/>
-                  <a:pt x="1085146" y="18288"/>
-                </a:cubicBezTo>
-                <a:cubicBezTo>
-                  <a:pt x="826680" y="24084"/>
-                  <a:pt x="778184" y="35607"/>
-                  <a:pt x="521355" y="18288"/>
-                </a:cubicBezTo>
-                <a:cubicBezTo>
-                  <a:pt x="264526" y="969"/>
-                  <a:pt x="120277" y="4268"/>
-                  <a:pt x="0" y="18288"/>
-                </a:cubicBezTo>
-                <a:cubicBezTo>
-                  <a:pt x="766" y="10800"/>
-                  <a:pt x="-457" y="8180"/>
-                  <a:pt x="0" y="0"/>
-                </a:cubicBezTo>
-                <a:close/>
-              </a:path>
-            </a:pathLst>
-          </a:custGeom>
+          </a:prstGeom>
           <a:solidFill>
-            <a:schemeClr val="accent2"/>
+            <a:schemeClr val="bg1">
+              <a:alpha val="81000"/>
+            </a:schemeClr>
           </a:solidFill>
-          <a:ln w="41275" cap="rnd">
-            <a:solidFill>
-              <a:schemeClr val="accent2"/>
-            </a:solidFill>
-            <a:round/>
-            <a:extLst>
-              <a:ext uri="{C807C97D-BFC1-408E-A445-0C87EB9F89A2}">
-                <ask:lineSketchStyleProps xmlns:ask="http://schemas.microsoft.com/office/drawing/2018/sketchyshapes" sd="2727557108">
-                  <a:prstGeom prst="rect">
-                    <a:avLst/>
-                  </a:prstGeom>
-                  <ask:type>
-                    <ask:lineSketchFreehand/>
-                  </ask:type>
-                </ask:lineSketchStyleProps>
-              </a:ext>
-            </a:extLst>
+          <a:ln>
+            <a:noFill/>
           </a:ln>
         </p:spPr>
         <p:style>
@@ -6013,6 +6836,151 @@
       </p:sp>
       <p:sp>
         <p:nvSpPr>
+          <p:cNvPr id="22" name="Freeform: Shape 21">
+            <a:extLst>
+              <a:ext uri="{FF2B5EF4-FFF2-40B4-BE49-F238E27FC236}">
+                <a16:creationId xmlns:a16="http://schemas.microsoft.com/office/drawing/2014/main" id="{FF9DEA15-78BD-4750-AA18-B9F28A6D5AB8}"/>
+              </a:ext>
+              <a:ext uri="{C183D7F6-B498-43B3-948B-1728B52AA6E4}">
+                <adec:decorative xmlns:adec="http://schemas.microsoft.com/office/drawing/2017/decorative" val="1"/>
+              </a:ext>
+            </a:extLst>
+          </p:cNvPr>
+          <p:cNvSpPr>
+            <a:spLocks noGrp="1" noRot="1" noChangeAspect="1" noMove="1" noResize="1" noEditPoints="1" noAdjustHandles="1" noChangeArrowheads="1" noChangeShapeType="1" noTextEdit="1"/>
+          </p:cNvSpPr>
+          <p:nvPr>
+            <p:extLst>
+              <p:ext uri="{386F3935-93C4-4BCD-93E2-E3B085C9AB24}">
+                <p16:designElem xmlns:p16="http://schemas.microsoft.com/office/powerpoint/2015/main" val="1"/>
+              </p:ext>
+            </p:extLst>
+          </p:nvPr>
+        </p:nvSpPr>
+        <p:spPr>
+          <a:xfrm>
+            <a:off x="-1" y="0"/>
+            <a:ext cx="4546337" cy="6858000"/>
+          </a:xfrm>
+          <a:custGeom>
+            <a:avLst/>
+            <a:gdLst>
+              <a:gd name="connsiteX0" fmla="*/ 0 w 4319042"/>
+              <a:gd name="connsiteY0" fmla="*/ 0 h 6858000"/>
+              <a:gd name="connsiteX1" fmla="*/ 1142888 w 4319042"/>
+              <a:gd name="connsiteY1" fmla="*/ 0 h 6858000"/>
+              <a:gd name="connsiteX2" fmla="*/ 4319042 w 4319042"/>
+              <a:gd name="connsiteY2" fmla="*/ 6858000 h 6858000"/>
+              <a:gd name="connsiteX3" fmla="*/ 0 w 4319042"/>
+              <a:gd name="connsiteY3" fmla="*/ 6858000 h 6858000"/>
+            </a:gdLst>
+            <a:ahLst/>
+            <a:cxnLst>
+              <a:cxn ang="0">
+                <a:pos x="connsiteX0" y="connsiteY0"/>
+              </a:cxn>
+              <a:cxn ang="0">
+                <a:pos x="connsiteX1" y="connsiteY1"/>
+              </a:cxn>
+              <a:cxn ang="0">
+                <a:pos x="connsiteX2" y="connsiteY2"/>
+              </a:cxn>
+              <a:cxn ang="0">
+                <a:pos x="connsiteX3" y="connsiteY3"/>
+              </a:cxn>
+            </a:cxnLst>
+            <a:rect l="l" t="t" r="r" b="b"/>
+            <a:pathLst>
+              <a:path w="4319042" h="6858000">
+                <a:moveTo>
+                  <a:pt x="0" y="0"/>
+                </a:moveTo>
+                <a:lnTo>
+                  <a:pt x="1142888" y="0"/>
+                </a:lnTo>
+                <a:lnTo>
+                  <a:pt x="4319042" y="6858000"/>
+                </a:lnTo>
+                <a:lnTo>
+                  <a:pt x="0" y="6858000"/>
+                </a:lnTo>
+                <a:close/>
+              </a:path>
+            </a:pathLst>
+          </a:custGeom>
+          <a:solidFill>
+            <a:schemeClr val="bg1">
+              <a:alpha val="35000"/>
+            </a:schemeClr>
+          </a:solidFill>
+          <a:ln>
+            <a:noFill/>
+          </a:ln>
+        </p:spPr>
+        <p:style>
+          <a:lnRef idx="2">
+            <a:schemeClr val="accent1">
+              <a:shade val="50000"/>
+            </a:schemeClr>
+          </a:lnRef>
+          <a:fillRef idx="1">
+            <a:schemeClr val="accent1"/>
+          </a:fillRef>
+          <a:effectRef idx="0">
+            <a:schemeClr val="accent1"/>
+          </a:effectRef>
+          <a:fontRef idx="minor">
+            <a:schemeClr val="lt1"/>
+          </a:fontRef>
+        </p:style>
+        <p:txBody>
+          <a:bodyPr wrap="square" rtlCol="0" anchor="ctr">
+            <a:noAutofit/>
+          </a:bodyPr>
+          <a:lstStyle/>
+          <a:p>
+            <a:pPr algn="ctr"/>
+            <a:endParaRPr lang="en-US"/>
+          </a:p>
+        </p:txBody>
+      </p:sp>
+      <p:sp>
+        <p:nvSpPr>
+          <p:cNvPr id="2" name="Title 1">
+            <a:extLst>
+              <a:ext uri="{FF2B5EF4-FFF2-40B4-BE49-F238E27FC236}">
+                <a16:creationId xmlns:a16="http://schemas.microsoft.com/office/drawing/2014/main" id="{A8EFE925-DDD6-457F-95FD-557FF9D76A31}"/>
+              </a:ext>
+            </a:extLst>
+          </p:cNvPr>
+          <p:cNvSpPr>
+            <a:spLocks noGrp="1"/>
+          </p:cNvSpPr>
+          <p:nvPr>
+            <p:ph type="title"/>
+          </p:nvPr>
+        </p:nvSpPr>
+        <p:spPr>
+          <a:xfrm>
+            <a:off x="804672" y="640263"/>
+            <a:ext cx="5221266" cy="1344975"/>
+          </a:xfrm>
+        </p:spPr>
+        <p:txBody>
+          <a:bodyPr vert="horz" lIns="91440" tIns="45720" rIns="91440" bIns="45720" rtlCol="0" anchor="ctr">
+            <a:normAutofit/>
+          </a:bodyPr>
+          <a:lstStyle/>
+          <a:p>
+            <a:r>
+              <a:rPr lang="en-US" sz="4000"/>
+              <a:t>Start Gui Final + Start of game GUI</a:t>
+            </a:r>
+          </a:p>
+        </p:txBody>
+      </p:sp>
+      <p:sp>
+        <p:nvSpPr>
           <p:cNvPr id="6" name="TextBox 5">
             <a:extLst>
               <a:ext uri="{FF2B5EF4-FFF2-40B4-BE49-F238E27FC236}">
@@ -6025,15 +6993,15 @@
         </p:nvSpPr>
         <p:spPr>
           <a:xfrm>
-            <a:off x="640080" y="2706624"/>
-            <a:ext cx="6894576" cy="3483864"/>
+            <a:off x="804672" y="2121763"/>
+            <a:ext cx="5235490" cy="3773010"/>
           </a:xfrm>
           <a:prstGeom prst="rect">
             <a:avLst/>
           </a:prstGeom>
         </p:spPr>
         <p:txBody>
-          <a:bodyPr rot="0" spcFirstLastPara="0" vertOverflow="overflow" horzOverflow="overflow" vert="horz" lIns="91440" tIns="45720" rIns="91440" bIns="45720" numCol="1" spcCol="0" rtlCol="0" fromWordArt="0" anchor="t" anchorCtr="0" forceAA="0" compatLnSpc="1">
+          <a:bodyPr rot="0" spcFirstLastPara="0" vertOverflow="overflow" horzOverflow="overflow" vert="horz" lIns="91440" tIns="45720" rIns="91440" bIns="45720" numCol="1" spcCol="0" rtlCol="0" fromWordArt="0" anchorCtr="0" forceAA="0" compatLnSpc="1">
             <a:prstTxWarp prst="textNoShape">
               <a:avLst/>
             </a:prstTxWarp>
@@ -6052,7 +7020,7 @@
               <a:buChar char="•"/>
             </a:pPr>
             <a:r>
-              <a:rPr lang="en-US" sz="2200"/>
+              <a:rPr lang="en-US" sz="2000"/>
               <a:t>This is the final version of my start gui and I have begun developing my game class which you can see with the buttons. I will now make it so the game GUI is a lot more improved along with it getting the question and making it so you can choose your answers.</a:t>
             </a:r>
           </a:p>
@@ -6082,8 +7050,8 @@
         </p:blipFill>
         <p:spPr>
           <a:xfrm>
-            <a:off x="8578055" y="329183"/>
-            <a:ext cx="2585785" cy="3429969"/>
+            <a:off x="7021741" y="484632"/>
+            <a:ext cx="2088724" cy="2770632"/>
           </a:xfrm>
           <a:prstGeom prst="rect">
             <a:avLst/>
@@ -6112,8 +7080,8 @@
         </p:blipFill>
         <p:spPr>
           <a:xfrm>
-            <a:off x="8824000" y="4079193"/>
-            <a:ext cx="2075607" cy="2176272"/>
+            <a:off x="7021741" y="3447287"/>
+            <a:ext cx="2642475" cy="2770632"/>
           </a:xfrm>
           <a:prstGeom prst="rect">
             <a:avLst/>
@@ -6128,7 +7096,7 @@
     </p:extLst>
   </p:cSld>
   <p:clrMapOvr>
-    <a:masterClrMapping/>
+    <a:overrideClrMapping bg1="dk1" tx1="lt1" bg2="dk2" tx2="lt2" accent1="accent1" accent2="accent2" accent3="accent3" accent4="accent4" accent5="accent5" accent6="accent6" hlink="hlink" folHlink="folHlink"/>
   </p:clrMapOvr>
 </p:sld>
 </file>
@@ -6158,12 +7126,12 @@
           <a:chExt cx="0" cy="0"/>
         </a:xfrm>
       </p:grpSpPr>
-      <p:sp useBgFill="1">
+      <p:sp>
         <p:nvSpPr>
-          <p:cNvPr id="10" name="Rectangle 9">
+          <p:cNvPr id="17" name="Rectangle 16">
             <a:extLst>
               <a:ext uri="{FF2B5EF4-FFF2-40B4-BE49-F238E27FC236}">
-                <a16:creationId xmlns:a16="http://schemas.microsoft.com/office/drawing/2014/main" id="{2B97F24A-32CE-4C1C-A50D-3016B394DCFB}"/>
+                <a16:creationId xmlns:a16="http://schemas.microsoft.com/office/drawing/2014/main" id="{C7FA33FF-088D-4F16-95A2-2C64D353DEA8}"/>
               </a:ext>
               <a:ext uri="{C183D7F6-B498-43B3-948B-1728B52AA6E4}">
                 <adec:decorative xmlns:adec="http://schemas.microsoft.com/office/drawing/2017/decorative" val="1"/>
@@ -6183,12 +7151,15 @@
         </p:nvSpPr>
         <p:spPr>
           <a:xfrm>
-            <a:off x="0" y="0"/>
-            <a:ext cx="12192000" cy="6858000"/>
+            <a:off x="1524" y="0"/>
+            <a:ext cx="12188952" cy="6858000"/>
           </a:xfrm>
           <a:prstGeom prst="rect">
             <a:avLst/>
           </a:prstGeom>
+          <a:solidFill>
+            <a:schemeClr val="tx1"/>
+          </a:solidFill>
           <a:ln>
             <a:noFill/>
           </a:ln>
@@ -6220,52 +7191,10 @@
       </p:sp>
       <p:sp>
         <p:nvSpPr>
-          <p:cNvPr id="2" name="Title 1">
+          <p:cNvPr id="19" name="Rectangle 18">
             <a:extLst>
               <a:ext uri="{FF2B5EF4-FFF2-40B4-BE49-F238E27FC236}">
-                <a16:creationId xmlns:a16="http://schemas.microsoft.com/office/drawing/2014/main" id="{9BC228BC-D5D5-4533-A3DA-8647BEA2F76B}"/>
-              </a:ext>
-            </a:extLst>
-          </p:cNvPr>
-          <p:cNvSpPr>
-            <a:spLocks noGrp="1"/>
-          </p:cNvSpPr>
-          <p:nvPr>
-            <p:ph type="title"/>
-          </p:nvPr>
-        </p:nvSpPr>
-        <p:spPr>
-          <a:xfrm>
-            <a:off x="630936" y="639520"/>
-            <a:ext cx="3429000" cy="1719072"/>
-          </a:xfrm>
-        </p:spPr>
-        <p:txBody>
-          <a:bodyPr vert="horz" lIns="91440" tIns="45720" rIns="91440" bIns="45720" rtlCol="0" anchor="b">
-            <a:normAutofit/>
-          </a:bodyPr>
-          <a:lstStyle/>
-          <a:p>
-            <a:r>
-              <a:rPr lang="en-US" sz="5400" kern="1200">
-                <a:solidFill>
-                  <a:schemeClr val="tx1"/>
-                </a:solidFill>
-                <a:latin typeface="+mj-lt"/>
-                <a:ea typeface="+mj-ea"/>
-                <a:cs typeface="+mj-cs"/>
-              </a:rPr>
-              <a:t>Game Class V1</a:t>
-            </a:r>
-          </a:p>
-        </p:txBody>
-      </p:sp>
-      <p:sp>
-        <p:nvSpPr>
-          <p:cNvPr id="12" name="sketch line">
-            <a:extLst>
-              <a:ext uri="{FF2B5EF4-FFF2-40B4-BE49-F238E27FC236}">
-                <a16:creationId xmlns:a16="http://schemas.microsoft.com/office/drawing/2014/main" id="{CD8B4F24-440B-49E9-B85D-733523DC064B}"/>
+                <a16:creationId xmlns:a16="http://schemas.microsoft.com/office/drawing/2014/main" id="{A376EFB1-01CF-419F-ABF1-2AF02BBFCBD1}"/>
               </a:ext>
               <a:ext uri="{C183D7F6-B498-43B3-948B-1728B52AA6E4}">
                 <adec:decorative xmlns:adec="http://schemas.microsoft.com/office/drawing/2017/decorative" val="1"/>
@@ -6285,227 +7214,19 @@
         </p:nvSpPr>
         <p:spPr>
           <a:xfrm>
-            <a:off x="643278" y="2573756"/>
-            <a:ext cx="3255095" cy="18288"/>
+            <a:off x="-1" y="0"/>
+            <a:ext cx="6464595" cy="6858000"/>
           </a:xfrm>
-          <a:custGeom>
+          <a:prstGeom prst="rect">
             <a:avLst/>
-            <a:gdLst>
-              <a:gd name="connsiteX0" fmla="*/ 0 w 3255095"/>
-              <a:gd name="connsiteY0" fmla="*/ 0 h 18288"/>
-              <a:gd name="connsiteX1" fmla="*/ 618468 w 3255095"/>
-              <a:gd name="connsiteY1" fmla="*/ 0 h 18288"/>
-              <a:gd name="connsiteX2" fmla="*/ 1269487 w 3255095"/>
-              <a:gd name="connsiteY2" fmla="*/ 0 h 18288"/>
-              <a:gd name="connsiteX3" fmla="*/ 1953057 w 3255095"/>
-              <a:gd name="connsiteY3" fmla="*/ 0 h 18288"/>
-              <a:gd name="connsiteX4" fmla="*/ 2636627 w 3255095"/>
-              <a:gd name="connsiteY4" fmla="*/ 0 h 18288"/>
-              <a:gd name="connsiteX5" fmla="*/ 3255095 w 3255095"/>
-              <a:gd name="connsiteY5" fmla="*/ 0 h 18288"/>
-              <a:gd name="connsiteX6" fmla="*/ 3255095 w 3255095"/>
-              <a:gd name="connsiteY6" fmla="*/ 18288 h 18288"/>
-              <a:gd name="connsiteX7" fmla="*/ 2538974 w 3255095"/>
-              <a:gd name="connsiteY7" fmla="*/ 18288 h 18288"/>
-              <a:gd name="connsiteX8" fmla="*/ 1822853 w 3255095"/>
-              <a:gd name="connsiteY8" fmla="*/ 18288 h 18288"/>
-              <a:gd name="connsiteX9" fmla="*/ 1171834 w 3255095"/>
-              <a:gd name="connsiteY9" fmla="*/ 18288 h 18288"/>
-              <a:gd name="connsiteX10" fmla="*/ 0 w 3255095"/>
-              <a:gd name="connsiteY10" fmla="*/ 18288 h 18288"/>
-              <a:gd name="connsiteX11" fmla="*/ 0 w 3255095"/>
-              <a:gd name="connsiteY11" fmla="*/ 0 h 18288"/>
-            </a:gdLst>
-            <a:ahLst/>
-            <a:cxnLst>
-              <a:cxn ang="0">
-                <a:pos x="connsiteX0" y="connsiteY0"/>
-              </a:cxn>
-              <a:cxn ang="0">
-                <a:pos x="connsiteX1" y="connsiteY1"/>
-              </a:cxn>
-              <a:cxn ang="0">
-                <a:pos x="connsiteX2" y="connsiteY2"/>
-              </a:cxn>
-              <a:cxn ang="0">
-                <a:pos x="connsiteX3" y="connsiteY3"/>
-              </a:cxn>
-              <a:cxn ang="0">
-                <a:pos x="connsiteX4" y="connsiteY4"/>
-              </a:cxn>
-              <a:cxn ang="0">
-                <a:pos x="connsiteX5" y="connsiteY5"/>
-              </a:cxn>
-              <a:cxn ang="0">
-                <a:pos x="connsiteX6" y="connsiteY6"/>
-              </a:cxn>
-              <a:cxn ang="0">
-                <a:pos x="connsiteX7" y="connsiteY7"/>
-              </a:cxn>
-              <a:cxn ang="0">
-                <a:pos x="connsiteX8" y="connsiteY8"/>
-              </a:cxn>
-              <a:cxn ang="0">
-                <a:pos x="connsiteX9" y="connsiteY9"/>
-              </a:cxn>
-              <a:cxn ang="0">
-                <a:pos x="connsiteX10" y="connsiteY10"/>
-              </a:cxn>
-              <a:cxn ang="0">
-                <a:pos x="connsiteX11" y="connsiteY11"/>
-              </a:cxn>
-            </a:cxnLst>
-            <a:rect l="l" t="t" r="r" b="b"/>
-            <a:pathLst>
-              <a:path w="3255095" h="18288" fill="none" extrusionOk="0">
-                <a:moveTo>
-                  <a:pt x="0" y="0"/>
-                </a:moveTo>
-                <a:cubicBezTo>
-                  <a:pt x="240201" y="-22123"/>
-                  <a:pt x="462021" y="-19623"/>
-                  <a:pt x="618468" y="0"/>
-                </a:cubicBezTo>
-                <a:cubicBezTo>
-                  <a:pt x="774915" y="19623"/>
-                  <a:pt x="974734" y="2035"/>
-                  <a:pt x="1269487" y="0"/>
-                </a:cubicBezTo>
-                <a:cubicBezTo>
-                  <a:pt x="1564240" y="-2035"/>
-                  <a:pt x="1733579" y="10639"/>
-                  <a:pt x="1953057" y="0"/>
-                </a:cubicBezTo>
-                <a:cubicBezTo>
-                  <a:pt x="2172535" y="-10639"/>
-                  <a:pt x="2453962" y="14018"/>
-                  <a:pt x="2636627" y="0"/>
-                </a:cubicBezTo>
-                <a:cubicBezTo>
-                  <a:pt x="2819292" y="-14018"/>
-                  <a:pt x="3121375" y="5399"/>
-                  <a:pt x="3255095" y="0"/>
-                </a:cubicBezTo>
-                <a:cubicBezTo>
-                  <a:pt x="3254386" y="8157"/>
-                  <a:pt x="3254682" y="12125"/>
-                  <a:pt x="3255095" y="18288"/>
-                </a:cubicBezTo>
-                <a:cubicBezTo>
-                  <a:pt x="3088545" y="23203"/>
-                  <a:pt x="2687475" y="7419"/>
-                  <a:pt x="2538974" y="18288"/>
-                </a:cubicBezTo>
-                <a:cubicBezTo>
-                  <a:pt x="2390473" y="29157"/>
-                  <a:pt x="2137381" y="-8959"/>
-                  <a:pt x="1822853" y="18288"/>
-                </a:cubicBezTo>
-                <a:cubicBezTo>
-                  <a:pt x="1508325" y="45535"/>
-                  <a:pt x="1466437" y="20385"/>
-                  <a:pt x="1171834" y="18288"/>
-                </a:cubicBezTo>
-                <a:cubicBezTo>
-                  <a:pt x="877231" y="16191"/>
-                  <a:pt x="561097" y="37643"/>
-                  <a:pt x="0" y="18288"/>
-                </a:cubicBezTo>
-                <a:cubicBezTo>
-                  <a:pt x="-46" y="12483"/>
-                  <a:pt x="-203" y="6491"/>
-                  <a:pt x="0" y="0"/>
-                </a:cubicBezTo>
-                <a:close/>
-              </a:path>
-              <a:path w="3255095" h="18288" stroke="0" extrusionOk="0">
-                <a:moveTo>
-                  <a:pt x="0" y="0"/>
-                </a:moveTo>
-                <a:cubicBezTo>
-                  <a:pt x="291965" y="19429"/>
-                  <a:pt x="363155" y="8568"/>
-                  <a:pt x="618468" y="0"/>
-                </a:cubicBezTo>
-                <a:cubicBezTo>
-                  <a:pt x="873781" y="-8568"/>
-                  <a:pt x="904459" y="-19505"/>
-                  <a:pt x="1171834" y="0"/>
-                </a:cubicBezTo>
-                <a:cubicBezTo>
-                  <a:pt x="1439209" y="19505"/>
-                  <a:pt x="1744369" y="9790"/>
-                  <a:pt x="1887955" y="0"/>
-                </a:cubicBezTo>
-                <a:cubicBezTo>
-                  <a:pt x="2031541" y="-9790"/>
-                  <a:pt x="2346378" y="21240"/>
-                  <a:pt x="2506423" y="0"/>
-                </a:cubicBezTo>
-                <a:cubicBezTo>
-                  <a:pt x="2666468" y="-21240"/>
-                  <a:pt x="2990257" y="30414"/>
-                  <a:pt x="3255095" y="0"/>
-                </a:cubicBezTo>
-                <a:cubicBezTo>
-                  <a:pt x="3254831" y="4493"/>
-                  <a:pt x="3255479" y="9472"/>
-                  <a:pt x="3255095" y="18288"/>
-                </a:cubicBezTo>
-                <a:cubicBezTo>
-                  <a:pt x="3120743" y="16690"/>
-                  <a:pt x="2759628" y="42462"/>
-                  <a:pt x="2604076" y="18288"/>
-                </a:cubicBezTo>
-                <a:cubicBezTo>
-                  <a:pt x="2448524" y="-5886"/>
-                  <a:pt x="2184336" y="19599"/>
-                  <a:pt x="1887955" y="18288"/>
-                </a:cubicBezTo>
-                <a:cubicBezTo>
-                  <a:pt x="1591574" y="16977"/>
-                  <a:pt x="1548845" y="6870"/>
-                  <a:pt x="1334589" y="18288"/>
-                </a:cubicBezTo>
-                <a:cubicBezTo>
-                  <a:pt x="1120333" y="29706"/>
-                  <a:pt x="996014" y="9662"/>
-                  <a:pt x="683570" y="18288"/>
-                </a:cubicBezTo>
-                <a:cubicBezTo>
-                  <a:pt x="371126" y="26914"/>
-                  <a:pt x="198687" y="16167"/>
-                  <a:pt x="0" y="18288"/>
-                </a:cubicBezTo>
-                <a:cubicBezTo>
-                  <a:pt x="843" y="9577"/>
-                  <a:pt x="371" y="6900"/>
-                  <a:pt x="0" y="0"/>
-                </a:cubicBezTo>
-                <a:close/>
-              </a:path>
-            </a:pathLst>
-          </a:custGeom>
+          </a:prstGeom>
           <a:solidFill>
-            <a:schemeClr val="accent2"/>
+            <a:schemeClr val="bg1">
+              <a:alpha val="81000"/>
+            </a:schemeClr>
           </a:solidFill>
-          <a:ln w="38100" cap="rnd">
-            <a:solidFill>
-              <a:schemeClr val="accent2"/>
-            </a:solidFill>
-            <a:round/>
-            <a:extLst>
-              <a:ext uri="{C807C97D-BFC1-408E-A445-0C87EB9F89A2}">
-                <ask:lineSketchStyleProps xmlns:ask="http://schemas.microsoft.com/office/drawing/2018/sketchyshapes" sd="1219033472">
-                  <a:prstGeom prst="rect">
-                    <a:avLst/>
-                  </a:prstGeom>
-                  <ask:type>
-                    <ask:lineSketchFreehand/>
-                  </ask:type>
-                </ask:lineSketchStyleProps>
-              </a:ext>
-            </a:extLst>
+          <a:ln>
+            <a:noFill/>
           </a:ln>
         </p:spPr>
         <p:style>
@@ -6535,6 +7256,158 @@
       </p:sp>
       <p:sp>
         <p:nvSpPr>
+          <p:cNvPr id="21" name="Freeform: Shape 20">
+            <a:extLst>
+              <a:ext uri="{FF2B5EF4-FFF2-40B4-BE49-F238E27FC236}">
+                <a16:creationId xmlns:a16="http://schemas.microsoft.com/office/drawing/2014/main" id="{FF9DEA15-78BD-4750-AA18-B9F28A6D5AB8}"/>
+              </a:ext>
+              <a:ext uri="{C183D7F6-B498-43B3-948B-1728B52AA6E4}">
+                <adec:decorative xmlns:adec="http://schemas.microsoft.com/office/drawing/2017/decorative" val="1"/>
+              </a:ext>
+            </a:extLst>
+          </p:cNvPr>
+          <p:cNvSpPr>
+            <a:spLocks noGrp="1" noRot="1" noChangeAspect="1" noMove="1" noResize="1" noEditPoints="1" noAdjustHandles="1" noChangeArrowheads="1" noChangeShapeType="1" noTextEdit="1"/>
+          </p:cNvSpPr>
+          <p:nvPr>
+            <p:extLst>
+              <p:ext uri="{386F3935-93C4-4BCD-93E2-E3B085C9AB24}">
+                <p16:designElem xmlns:p16="http://schemas.microsoft.com/office/powerpoint/2015/main" val="1"/>
+              </p:ext>
+            </p:extLst>
+          </p:nvPr>
+        </p:nvSpPr>
+        <p:spPr>
+          <a:xfrm>
+            <a:off x="-1" y="0"/>
+            <a:ext cx="4546337" cy="6858000"/>
+          </a:xfrm>
+          <a:custGeom>
+            <a:avLst/>
+            <a:gdLst>
+              <a:gd name="connsiteX0" fmla="*/ 0 w 4319042"/>
+              <a:gd name="connsiteY0" fmla="*/ 0 h 6858000"/>
+              <a:gd name="connsiteX1" fmla="*/ 1142888 w 4319042"/>
+              <a:gd name="connsiteY1" fmla="*/ 0 h 6858000"/>
+              <a:gd name="connsiteX2" fmla="*/ 4319042 w 4319042"/>
+              <a:gd name="connsiteY2" fmla="*/ 6858000 h 6858000"/>
+              <a:gd name="connsiteX3" fmla="*/ 0 w 4319042"/>
+              <a:gd name="connsiteY3" fmla="*/ 6858000 h 6858000"/>
+            </a:gdLst>
+            <a:ahLst/>
+            <a:cxnLst>
+              <a:cxn ang="0">
+                <a:pos x="connsiteX0" y="connsiteY0"/>
+              </a:cxn>
+              <a:cxn ang="0">
+                <a:pos x="connsiteX1" y="connsiteY1"/>
+              </a:cxn>
+              <a:cxn ang="0">
+                <a:pos x="connsiteX2" y="connsiteY2"/>
+              </a:cxn>
+              <a:cxn ang="0">
+                <a:pos x="connsiteX3" y="connsiteY3"/>
+              </a:cxn>
+            </a:cxnLst>
+            <a:rect l="l" t="t" r="r" b="b"/>
+            <a:pathLst>
+              <a:path w="4319042" h="6858000">
+                <a:moveTo>
+                  <a:pt x="0" y="0"/>
+                </a:moveTo>
+                <a:lnTo>
+                  <a:pt x="1142888" y="0"/>
+                </a:lnTo>
+                <a:lnTo>
+                  <a:pt x="4319042" y="6858000"/>
+                </a:lnTo>
+                <a:lnTo>
+                  <a:pt x="0" y="6858000"/>
+                </a:lnTo>
+                <a:close/>
+              </a:path>
+            </a:pathLst>
+          </a:custGeom>
+          <a:solidFill>
+            <a:schemeClr val="bg1">
+              <a:alpha val="35000"/>
+            </a:schemeClr>
+          </a:solidFill>
+          <a:ln>
+            <a:noFill/>
+          </a:ln>
+        </p:spPr>
+        <p:style>
+          <a:lnRef idx="2">
+            <a:schemeClr val="accent1">
+              <a:shade val="50000"/>
+            </a:schemeClr>
+          </a:lnRef>
+          <a:fillRef idx="1">
+            <a:schemeClr val="accent1"/>
+          </a:fillRef>
+          <a:effectRef idx="0">
+            <a:schemeClr val="accent1"/>
+          </a:effectRef>
+          <a:fontRef idx="minor">
+            <a:schemeClr val="lt1"/>
+          </a:fontRef>
+        </p:style>
+        <p:txBody>
+          <a:bodyPr wrap="square" rtlCol="0" anchor="ctr">
+            <a:noAutofit/>
+          </a:bodyPr>
+          <a:lstStyle/>
+          <a:p>
+            <a:pPr algn="ctr"/>
+            <a:endParaRPr lang="en-US"/>
+          </a:p>
+        </p:txBody>
+      </p:sp>
+      <p:sp>
+        <p:nvSpPr>
+          <p:cNvPr id="2" name="Title 1">
+            <a:extLst>
+              <a:ext uri="{FF2B5EF4-FFF2-40B4-BE49-F238E27FC236}">
+                <a16:creationId xmlns:a16="http://schemas.microsoft.com/office/drawing/2014/main" id="{9BC228BC-D5D5-4533-A3DA-8647BEA2F76B}"/>
+              </a:ext>
+            </a:extLst>
+          </p:cNvPr>
+          <p:cNvSpPr>
+            <a:spLocks noGrp="1"/>
+          </p:cNvSpPr>
+          <p:nvPr>
+            <p:ph type="title"/>
+          </p:nvPr>
+        </p:nvSpPr>
+        <p:spPr>
+          <a:xfrm>
+            <a:off x="804672" y="640263"/>
+            <a:ext cx="5157216" cy="1344975"/>
+          </a:xfrm>
+        </p:spPr>
+        <p:txBody>
+          <a:bodyPr vert="horz" lIns="91440" tIns="45720" rIns="91440" bIns="45720" rtlCol="0" anchor="ctr">
+            <a:normAutofit/>
+          </a:bodyPr>
+          <a:lstStyle/>
+          <a:p>
+            <a:r>
+              <a:rPr lang="en-US" sz="4000" kern="1200">
+                <a:solidFill>
+                  <a:schemeClr val="tx1"/>
+                </a:solidFill>
+                <a:latin typeface="+mj-lt"/>
+                <a:ea typeface="+mj-ea"/>
+                <a:cs typeface="+mj-cs"/>
+              </a:rPr>
+              <a:t>Game Class V1</a:t>
+            </a:r>
+          </a:p>
+        </p:txBody>
+      </p:sp>
+      <p:sp>
+        <p:nvSpPr>
           <p:cNvPr id="5" name="TextBox 4">
             <a:extLst>
               <a:ext uri="{FF2B5EF4-FFF2-40B4-BE49-F238E27FC236}">
@@ -6547,15 +7420,15 @@
         </p:nvSpPr>
         <p:spPr>
           <a:xfrm>
-            <a:off x="630936" y="2807208"/>
-            <a:ext cx="3429000" cy="3410712"/>
+            <a:off x="804672" y="2121763"/>
+            <a:ext cx="5157216" cy="3773010"/>
           </a:xfrm>
           <a:prstGeom prst="rect">
             <a:avLst/>
           </a:prstGeom>
         </p:spPr>
         <p:txBody>
-          <a:bodyPr rot="0" spcFirstLastPara="0" vertOverflow="overflow" horzOverflow="overflow" vert="horz" lIns="91440" tIns="45720" rIns="91440" bIns="45720" numCol="1" spcCol="0" rtlCol="0" fromWordArt="0" anchor="t" anchorCtr="0" forceAA="0" compatLnSpc="1">
+          <a:bodyPr rot="0" spcFirstLastPara="0" vertOverflow="overflow" horzOverflow="overflow" vert="horz" lIns="91440" tIns="45720" rIns="91440" bIns="45720" numCol="1" spcCol="0" rtlCol="0" fromWordArt="0" anchorCtr="0" forceAA="0" compatLnSpc="1">
             <a:prstTxWarp prst="textNoShape">
               <a:avLst/>
             </a:prstTxWarp>
@@ -6574,7 +7447,7 @@
               <a:buChar char="•"/>
             </a:pPr>
             <a:r>
-              <a:rPr lang="en-US" sz="2200"/>
+              <a:rPr lang="en-US" sz="2000"/>
               <a:t>This is my first iteration of my game class. I now need to make it grab the Questions And answers from the list that I created so that you can actually play the quiz.</a:t>
             </a:r>
           </a:p>
@@ -6604,8 +7477,8 @@
         </p:blipFill>
         <p:spPr>
           <a:xfrm>
-            <a:off x="4654296" y="672864"/>
-            <a:ext cx="6903720" cy="5512272"/>
+            <a:off x="6969642" y="1460162"/>
+            <a:ext cx="4736963" cy="3782226"/>
           </a:xfrm>
           <a:prstGeom prst="rect">
             <a:avLst/>
@@ -6620,7 +7493,7 @@
     </p:extLst>
   </p:cSld>
   <p:clrMapOvr>
-    <a:masterClrMapping/>
+    <a:overrideClrMapping bg1="dk1" tx1="lt1" bg2="dk2" tx2="lt2" accent1="accent1" accent2="accent2" accent3="accent3" accent4="accent4" accent5="accent5" accent6="accent6" hlink="hlink" folHlink="folHlink"/>
   </p:clrMapOvr>
 </p:sld>
 </file>
@@ -8233,7 +9106,7 @@
         </p:blipFill>
         <p:spPr>
           <a:xfrm>
-            <a:off x="9091961" y="2150809"/>
+            <a:off x="4752278" y="2122931"/>
             <a:ext cx="2557347" cy="2398409"/>
           </a:xfrm>
           <a:prstGeom prst="rect">
@@ -8255,7 +9128,7 @@
         </p:nvSpPr>
         <p:spPr>
           <a:xfrm>
-            <a:off x="9002519" y="4644251"/>
+            <a:off x="4727885" y="4746470"/>
             <a:ext cx="2743200" cy="461665"/>
           </a:xfrm>
           <a:prstGeom prst="rect">
@@ -8276,7 +9149,7 @@
               <a:rPr lang="en-US" sz="1200" dirty="0">
                 <a:cs typeface="Calibri"/>
               </a:rPr>
-              <a:t>I have changed where the Question so it is easier to identify it.</a:t>
+              <a:t>I have changed where the Question is in a more logical place </a:t>
             </a:r>
           </a:p>
         </p:txBody>
@@ -8328,7 +9201,7 @@
               <a:rPr lang="en-US" sz="1200" dirty="0">
                 <a:cs typeface="Calibri"/>
               </a:rPr>
-              <a:t> look more flashy.</a:t>
+              <a:t> look flashier.</a:t>
             </a:r>
           </a:p>
         </p:txBody>
@@ -8904,6 +9777,14 @@
 <file path=ppt/slides/slide2.xml><?xml version="1.0" encoding="utf-8"?>
 <p:sld xmlns:a="http://schemas.openxmlformats.org/drawingml/2006/main" xmlns:r="http://schemas.openxmlformats.org/officeDocument/2006/relationships" xmlns:p="http://schemas.openxmlformats.org/presentationml/2006/main">
   <p:cSld>
+    <p:bg>
+      <p:bgPr>
+        <a:solidFill>
+          <a:schemeClr val="bg1"/>
+        </a:solidFill>
+        <a:effectLst/>
+      </p:bgPr>
+    </p:bg>
     <p:spTree>
       <p:nvGrpSpPr>
         <p:cNvPr id="1" name=""/>
@@ -8918,6 +9799,1331 @@
           <a:chExt cx="0" cy="0"/>
         </a:xfrm>
       </p:grpSpPr>
+      <p:sp useBgFill="1">
+        <p:nvSpPr>
+          <p:cNvPr id="9" name="Rectangle 8">
+            <a:extLst>
+              <a:ext uri="{FF2B5EF4-FFF2-40B4-BE49-F238E27FC236}">
+                <a16:creationId xmlns:a16="http://schemas.microsoft.com/office/drawing/2014/main" id="{35F0E358-1E49-4920-80D8-C3D138708838}"/>
+              </a:ext>
+              <a:ext uri="{C183D7F6-B498-43B3-948B-1728B52AA6E4}">
+                <adec:decorative xmlns:adec="http://schemas.microsoft.com/office/drawing/2017/decorative" val="1"/>
+              </a:ext>
+            </a:extLst>
+          </p:cNvPr>
+          <p:cNvSpPr>
+            <a:spLocks noGrp="1" noRot="1" noChangeAspect="1" noMove="1" noResize="1" noEditPoints="1" noAdjustHandles="1" noChangeArrowheads="1" noChangeShapeType="1" noTextEdit="1"/>
+          </p:cNvSpPr>
+          <p:nvPr>
+            <p:extLst>
+              <p:ext uri="{386F3935-93C4-4BCD-93E2-E3B085C9AB24}">
+                <p16:designElem xmlns:p16="http://schemas.microsoft.com/office/powerpoint/2015/main" val="1"/>
+              </p:ext>
+            </p:extLst>
+          </p:nvPr>
+        </p:nvSpPr>
+        <p:spPr>
+          <a:xfrm>
+            <a:off x="0" y="0"/>
+            <a:ext cx="12192000" cy="6858000"/>
+          </a:xfrm>
+          <a:prstGeom prst="rect">
+            <a:avLst/>
+          </a:prstGeom>
+          <a:ln w="12700" cap="flat" cmpd="sng" algn="ctr">
+            <a:noFill/>
+            <a:prstDash val="solid"/>
+            <a:miter lim="800000"/>
+          </a:ln>
+          <a:effectLst/>
+        </p:spPr>
+        <p:style>
+          <a:lnRef idx="2">
+            <a:schemeClr val="accent1">
+              <a:shade val="50000"/>
+            </a:schemeClr>
+          </a:lnRef>
+          <a:fillRef idx="1">
+            <a:schemeClr val="accent1"/>
+          </a:fillRef>
+          <a:effectRef idx="0">
+            <a:schemeClr val="accent1"/>
+          </a:effectRef>
+          <a:fontRef idx="minor">
+            <a:schemeClr val="lt1"/>
+          </a:fontRef>
+        </p:style>
+        <p:txBody>
+          <a:bodyPr rtlCol="0" anchor="ctr"/>
+          <a:lstStyle/>
+          <a:p>
+            <a:pPr algn="ctr"/>
+            <a:endParaRPr lang="en-US" dirty="0"/>
+          </a:p>
+        </p:txBody>
+      </p:sp>
+      <p:sp useBgFill="1">
+        <p:nvSpPr>
+          <p:cNvPr id="11" name="Rectangle 10">
+            <a:extLst>
+              <a:ext uri="{FF2B5EF4-FFF2-40B4-BE49-F238E27FC236}">
+                <a16:creationId xmlns:a16="http://schemas.microsoft.com/office/drawing/2014/main" id="{E2D2362D-7010-4036-B9CA-03DFC8EB3B01}"/>
+              </a:ext>
+              <a:ext uri="{C183D7F6-B498-43B3-948B-1728B52AA6E4}">
+                <adec:decorative xmlns:adec="http://schemas.microsoft.com/office/drawing/2017/decorative" val="1"/>
+              </a:ext>
+            </a:extLst>
+          </p:cNvPr>
+          <p:cNvSpPr>
+            <a:spLocks noGrp="1" noRot="1" noChangeAspect="1" noMove="1" noResize="1" noEditPoints="1" noAdjustHandles="1" noChangeArrowheads="1" noChangeShapeType="1" noTextEdit="1"/>
+          </p:cNvSpPr>
+          <p:nvPr>
+            <p:extLst>
+              <p:ext uri="{386F3935-93C4-4BCD-93E2-E3B085C9AB24}">
+                <p16:designElem xmlns:p16="http://schemas.microsoft.com/office/powerpoint/2015/main" val="1"/>
+              </p:ext>
+            </p:extLst>
+          </p:nvPr>
+        </p:nvSpPr>
+        <p:spPr>
+          <a:xfrm>
+            <a:off x="0" y="0"/>
+            <a:ext cx="12192000" cy="6858000"/>
+          </a:xfrm>
+          <a:prstGeom prst="rect">
+            <a:avLst/>
+          </a:prstGeom>
+          <a:ln w="12700" cap="flat" cmpd="sng" algn="ctr">
+            <a:noFill/>
+            <a:prstDash val="solid"/>
+            <a:miter lim="800000"/>
+          </a:ln>
+          <a:effectLst/>
+        </p:spPr>
+        <p:style>
+          <a:lnRef idx="2">
+            <a:schemeClr val="accent1">
+              <a:shade val="50000"/>
+            </a:schemeClr>
+          </a:lnRef>
+          <a:fillRef idx="1">
+            <a:schemeClr val="accent1"/>
+          </a:fillRef>
+          <a:effectRef idx="0">
+            <a:schemeClr val="accent1"/>
+          </a:effectRef>
+          <a:fontRef idx="minor">
+            <a:schemeClr val="lt1"/>
+          </a:fontRef>
+        </p:style>
+        <p:txBody>
+          <a:bodyPr rtlCol="0" anchor="ctr"/>
+          <a:lstStyle/>
+          <a:p>
+            <a:pPr algn="ctr"/>
+            <a:endParaRPr lang="en-US" dirty="0"/>
+          </a:p>
+        </p:txBody>
+      </p:sp>
+      <p:sp>
+        <p:nvSpPr>
+          <p:cNvPr id="13" name="Freeform: Shape 12">
+            <a:extLst>
+              <a:ext uri="{FF2B5EF4-FFF2-40B4-BE49-F238E27FC236}">
+                <a16:creationId xmlns:a16="http://schemas.microsoft.com/office/drawing/2014/main" id="{DC85BF5E-2BD6-4E5B-8EA3-420B45BB03FA}"/>
+              </a:ext>
+              <a:ext uri="{C183D7F6-B498-43B3-948B-1728B52AA6E4}">
+                <adec:decorative xmlns:adec="http://schemas.microsoft.com/office/drawing/2017/decorative" val="1"/>
+              </a:ext>
+            </a:extLst>
+          </p:cNvPr>
+          <p:cNvSpPr>
+            <a:spLocks noGrp="1" noRot="1" noChangeAspect="1" noMove="1" noResize="1" noEditPoints="1" noAdjustHandles="1" noChangeArrowheads="1" noChangeShapeType="1" noTextEdit="1"/>
+          </p:cNvSpPr>
+          <p:nvPr>
+            <p:extLst>
+              <p:ext uri="{386F3935-93C4-4BCD-93E2-E3B085C9AB24}">
+                <p16:designElem xmlns:p16="http://schemas.microsoft.com/office/powerpoint/2015/main" val="1"/>
+              </p:ext>
+            </p:extLst>
+          </p:nvPr>
+        </p:nvSpPr>
+        <p:spPr bwMode="ltGray">
+          <a:xfrm>
+            <a:off x="7389812" y="0"/>
+            <a:ext cx="4802188" cy="6858000"/>
+          </a:xfrm>
+          <a:custGeom>
+            <a:avLst/>
+            <a:gdLst>
+              <a:gd name="connsiteX0" fmla="*/ 0 w 4802188"/>
+              <a:gd name="connsiteY0" fmla="*/ 0 h 6858000"/>
+              <a:gd name="connsiteX1" fmla="*/ 4802188 w 4802188"/>
+              <a:gd name="connsiteY1" fmla="*/ 0 h 6858000"/>
+              <a:gd name="connsiteX2" fmla="*/ 4802188 w 4802188"/>
+              <a:gd name="connsiteY2" fmla="*/ 6858000 h 6858000"/>
+              <a:gd name="connsiteX3" fmla="*/ 0 w 4802188"/>
+              <a:gd name="connsiteY3" fmla="*/ 6858000 h 6858000"/>
+              <a:gd name="connsiteX4" fmla="*/ 4763 w 4802188"/>
+              <a:gd name="connsiteY4" fmla="*/ 6791325 h 6858000"/>
+              <a:gd name="connsiteX5" fmla="*/ 12700 w 4802188"/>
+              <a:gd name="connsiteY5" fmla="*/ 6735762 h 6858000"/>
+              <a:gd name="connsiteX6" fmla="*/ 22225 w 4802188"/>
+              <a:gd name="connsiteY6" fmla="*/ 6683375 h 6858000"/>
+              <a:gd name="connsiteX7" fmla="*/ 38100 w 4802188"/>
+              <a:gd name="connsiteY7" fmla="*/ 6640512 h 6858000"/>
+              <a:gd name="connsiteX8" fmla="*/ 53975 w 4802188"/>
+              <a:gd name="connsiteY8" fmla="*/ 6597650 h 6858000"/>
+              <a:gd name="connsiteX9" fmla="*/ 73025 w 4802188"/>
+              <a:gd name="connsiteY9" fmla="*/ 6561137 h 6858000"/>
+              <a:gd name="connsiteX10" fmla="*/ 92075 w 4802188"/>
+              <a:gd name="connsiteY10" fmla="*/ 6523037 h 6858000"/>
+              <a:gd name="connsiteX11" fmla="*/ 109538 w 4802188"/>
+              <a:gd name="connsiteY11" fmla="*/ 6488112 h 6858000"/>
+              <a:gd name="connsiteX12" fmla="*/ 127000 w 4802188"/>
+              <a:gd name="connsiteY12" fmla="*/ 6448425 h 6858000"/>
+              <a:gd name="connsiteX13" fmla="*/ 142875 w 4802188"/>
+              <a:gd name="connsiteY13" fmla="*/ 6407150 h 6858000"/>
+              <a:gd name="connsiteX14" fmla="*/ 157163 w 4802188"/>
+              <a:gd name="connsiteY14" fmla="*/ 6361112 h 6858000"/>
+              <a:gd name="connsiteX15" fmla="*/ 168275 w 4802188"/>
+              <a:gd name="connsiteY15" fmla="*/ 6311900 h 6858000"/>
+              <a:gd name="connsiteX16" fmla="*/ 176213 w 4802188"/>
+              <a:gd name="connsiteY16" fmla="*/ 6251575 h 6858000"/>
+              <a:gd name="connsiteX17" fmla="*/ 179388 w 4802188"/>
+              <a:gd name="connsiteY17" fmla="*/ 6183312 h 6858000"/>
+              <a:gd name="connsiteX18" fmla="*/ 176213 w 4802188"/>
+              <a:gd name="connsiteY18" fmla="*/ 6113462 h 6858000"/>
+              <a:gd name="connsiteX19" fmla="*/ 168275 w 4802188"/>
+              <a:gd name="connsiteY19" fmla="*/ 6056312 h 6858000"/>
+              <a:gd name="connsiteX20" fmla="*/ 157163 w 4802188"/>
+              <a:gd name="connsiteY20" fmla="*/ 6003925 h 6858000"/>
+              <a:gd name="connsiteX21" fmla="*/ 142875 w 4802188"/>
+              <a:gd name="connsiteY21" fmla="*/ 5956300 h 6858000"/>
+              <a:gd name="connsiteX22" fmla="*/ 127000 w 4802188"/>
+              <a:gd name="connsiteY22" fmla="*/ 5915025 h 6858000"/>
+              <a:gd name="connsiteX23" fmla="*/ 107950 w 4802188"/>
+              <a:gd name="connsiteY23" fmla="*/ 5876925 h 6858000"/>
+              <a:gd name="connsiteX24" fmla="*/ 88900 w 4802188"/>
+              <a:gd name="connsiteY24" fmla="*/ 5840412 h 6858000"/>
+              <a:gd name="connsiteX25" fmla="*/ 69850 w 4802188"/>
+              <a:gd name="connsiteY25" fmla="*/ 5802312 h 6858000"/>
+              <a:gd name="connsiteX26" fmla="*/ 52388 w 4802188"/>
+              <a:gd name="connsiteY26" fmla="*/ 5762625 h 6858000"/>
+              <a:gd name="connsiteX27" fmla="*/ 34925 w 4802188"/>
+              <a:gd name="connsiteY27" fmla="*/ 5721350 h 6858000"/>
+              <a:gd name="connsiteX28" fmla="*/ 20638 w 4802188"/>
+              <a:gd name="connsiteY28" fmla="*/ 5675312 h 6858000"/>
+              <a:gd name="connsiteX29" fmla="*/ 11113 w 4802188"/>
+              <a:gd name="connsiteY29" fmla="*/ 5622925 h 6858000"/>
+              <a:gd name="connsiteX30" fmla="*/ 1588 w 4802188"/>
+              <a:gd name="connsiteY30" fmla="*/ 5562600 h 6858000"/>
+              <a:gd name="connsiteX31" fmla="*/ 0 w 4802188"/>
+              <a:gd name="connsiteY31" fmla="*/ 5494337 h 6858000"/>
+              <a:gd name="connsiteX32" fmla="*/ 1588 w 4802188"/>
+              <a:gd name="connsiteY32" fmla="*/ 5426075 h 6858000"/>
+              <a:gd name="connsiteX33" fmla="*/ 11113 w 4802188"/>
+              <a:gd name="connsiteY33" fmla="*/ 5365750 h 6858000"/>
+              <a:gd name="connsiteX34" fmla="*/ 20638 w 4802188"/>
+              <a:gd name="connsiteY34" fmla="*/ 5313362 h 6858000"/>
+              <a:gd name="connsiteX35" fmla="*/ 34925 w 4802188"/>
+              <a:gd name="connsiteY35" fmla="*/ 5268912 h 6858000"/>
+              <a:gd name="connsiteX36" fmla="*/ 52388 w 4802188"/>
+              <a:gd name="connsiteY36" fmla="*/ 5226050 h 6858000"/>
+              <a:gd name="connsiteX37" fmla="*/ 69850 w 4802188"/>
+              <a:gd name="connsiteY37" fmla="*/ 5186362 h 6858000"/>
+              <a:gd name="connsiteX38" fmla="*/ 88900 w 4802188"/>
+              <a:gd name="connsiteY38" fmla="*/ 5149850 h 6858000"/>
+              <a:gd name="connsiteX39" fmla="*/ 107950 w 4802188"/>
+              <a:gd name="connsiteY39" fmla="*/ 5114925 h 6858000"/>
+              <a:gd name="connsiteX40" fmla="*/ 127000 w 4802188"/>
+              <a:gd name="connsiteY40" fmla="*/ 5075237 h 6858000"/>
+              <a:gd name="connsiteX41" fmla="*/ 142875 w 4802188"/>
+              <a:gd name="connsiteY41" fmla="*/ 5033962 h 6858000"/>
+              <a:gd name="connsiteX42" fmla="*/ 157163 w 4802188"/>
+              <a:gd name="connsiteY42" fmla="*/ 4987925 h 6858000"/>
+              <a:gd name="connsiteX43" fmla="*/ 168275 w 4802188"/>
+              <a:gd name="connsiteY43" fmla="*/ 4935537 h 6858000"/>
+              <a:gd name="connsiteX44" fmla="*/ 176213 w 4802188"/>
+              <a:gd name="connsiteY44" fmla="*/ 4875212 h 6858000"/>
+              <a:gd name="connsiteX45" fmla="*/ 179388 w 4802188"/>
+              <a:gd name="connsiteY45" fmla="*/ 4806950 h 6858000"/>
+              <a:gd name="connsiteX46" fmla="*/ 176213 w 4802188"/>
+              <a:gd name="connsiteY46" fmla="*/ 4738687 h 6858000"/>
+              <a:gd name="connsiteX47" fmla="*/ 168275 w 4802188"/>
+              <a:gd name="connsiteY47" fmla="*/ 4678362 h 6858000"/>
+              <a:gd name="connsiteX48" fmla="*/ 157163 w 4802188"/>
+              <a:gd name="connsiteY48" fmla="*/ 4625975 h 6858000"/>
+              <a:gd name="connsiteX49" fmla="*/ 142875 w 4802188"/>
+              <a:gd name="connsiteY49" fmla="*/ 4579937 h 6858000"/>
+              <a:gd name="connsiteX50" fmla="*/ 127000 w 4802188"/>
+              <a:gd name="connsiteY50" fmla="*/ 4537075 h 6858000"/>
+              <a:gd name="connsiteX51" fmla="*/ 107950 w 4802188"/>
+              <a:gd name="connsiteY51" fmla="*/ 4498975 h 6858000"/>
+              <a:gd name="connsiteX52" fmla="*/ 69850 w 4802188"/>
+              <a:gd name="connsiteY52" fmla="*/ 4424362 h 6858000"/>
+              <a:gd name="connsiteX53" fmla="*/ 52388 w 4802188"/>
+              <a:gd name="connsiteY53" fmla="*/ 4386262 h 6858000"/>
+              <a:gd name="connsiteX54" fmla="*/ 34925 w 4802188"/>
+              <a:gd name="connsiteY54" fmla="*/ 4343400 h 6858000"/>
+              <a:gd name="connsiteX55" fmla="*/ 20638 w 4802188"/>
+              <a:gd name="connsiteY55" fmla="*/ 4297362 h 6858000"/>
+              <a:gd name="connsiteX56" fmla="*/ 11113 w 4802188"/>
+              <a:gd name="connsiteY56" fmla="*/ 4244975 h 6858000"/>
+              <a:gd name="connsiteX57" fmla="*/ 1588 w 4802188"/>
+              <a:gd name="connsiteY57" fmla="*/ 4186237 h 6858000"/>
+              <a:gd name="connsiteX58" fmla="*/ 0 w 4802188"/>
+              <a:gd name="connsiteY58" fmla="*/ 4116387 h 6858000"/>
+              <a:gd name="connsiteX59" fmla="*/ 1588 w 4802188"/>
+              <a:gd name="connsiteY59" fmla="*/ 4048125 h 6858000"/>
+              <a:gd name="connsiteX60" fmla="*/ 11113 w 4802188"/>
+              <a:gd name="connsiteY60" fmla="*/ 3987800 h 6858000"/>
+              <a:gd name="connsiteX61" fmla="*/ 20638 w 4802188"/>
+              <a:gd name="connsiteY61" fmla="*/ 3935412 h 6858000"/>
+              <a:gd name="connsiteX62" fmla="*/ 34925 w 4802188"/>
+              <a:gd name="connsiteY62" fmla="*/ 3890962 h 6858000"/>
+              <a:gd name="connsiteX63" fmla="*/ 52388 w 4802188"/>
+              <a:gd name="connsiteY63" fmla="*/ 3848100 h 6858000"/>
+              <a:gd name="connsiteX64" fmla="*/ 69850 w 4802188"/>
+              <a:gd name="connsiteY64" fmla="*/ 3811587 h 6858000"/>
+              <a:gd name="connsiteX65" fmla="*/ 107950 w 4802188"/>
+              <a:gd name="connsiteY65" fmla="*/ 3736975 h 6858000"/>
+              <a:gd name="connsiteX66" fmla="*/ 127000 w 4802188"/>
+              <a:gd name="connsiteY66" fmla="*/ 3697287 h 6858000"/>
+              <a:gd name="connsiteX67" fmla="*/ 142875 w 4802188"/>
+              <a:gd name="connsiteY67" fmla="*/ 3656012 h 6858000"/>
+              <a:gd name="connsiteX68" fmla="*/ 157163 w 4802188"/>
+              <a:gd name="connsiteY68" fmla="*/ 3609975 h 6858000"/>
+              <a:gd name="connsiteX69" fmla="*/ 168275 w 4802188"/>
+              <a:gd name="connsiteY69" fmla="*/ 3557587 h 6858000"/>
+              <a:gd name="connsiteX70" fmla="*/ 176213 w 4802188"/>
+              <a:gd name="connsiteY70" fmla="*/ 3497262 h 6858000"/>
+              <a:gd name="connsiteX71" fmla="*/ 179388 w 4802188"/>
+              <a:gd name="connsiteY71" fmla="*/ 3427412 h 6858000"/>
+              <a:gd name="connsiteX72" fmla="*/ 176213 w 4802188"/>
+              <a:gd name="connsiteY72" fmla="*/ 3360737 h 6858000"/>
+              <a:gd name="connsiteX73" fmla="*/ 168275 w 4802188"/>
+              <a:gd name="connsiteY73" fmla="*/ 3300412 h 6858000"/>
+              <a:gd name="connsiteX74" fmla="*/ 157163 w 4802188"/>
+              <a:gd name="connsiteY74" fmla="*/ 3248025 h 6858000"/>
+              <a:gd name="connsiteX75" fmla="*/ 142875 w 4802188"/>
+              <a:gd name="connsiteY75" fmla="*/ 3201987 h 6858000"/>
+              <a:gd name="connsiteX76" fmla="*/ 127000 w 4802188"/>
+              <a:gd name="connsiteY76" fmla="*/ 3160712 h 6858000"/>
+              <a:gd name="connsiteX77" fmla="*/ 107950 w 4802188"/>
+              <a:gd name="connsiteY77" fmla="*/ 3121025 h 6858000"/>
+              <a:gd name="connsiteX78" fmla="*/ 88900 w 4802188"/>
+              <a:gd name="connsiteY78" fmla="*/ 3084512 h 6858000"/>
+              <a:gd name="connsiteX79" fmla="*/ 69850 w 4802188"/>
+              <a:gd name="connsiteY79" fmla="*/ 3046412 h 6858000"/>
+              <a:gd name="connsiteX80" fmla="*/ 52388 w 4802188"/>
+              <a:gd name="connsiteY80" fmla="*/ 3009900 h 6858000"/>
+              <a:gd name="connsiteX81" fmla="*/ 34925 w 4802188"/>
+              <a:gd name="connsiteY81" fmla="*/ 2967037 h 6858000"/>
+              <a:gd name="connsiteX82" fmla="*/ 20638 w 4802188"/>
+              <a:gd name="connsiteY82" fmla="*/ 2922587 h 6858000"/>
+              <a:gd name="connsiteX83" fmla="*/ 11113 w 4802188"/>
+              <a:gd name="connsiteY83" fmla="*/ 2868612 h 6858000"/>
+              <a:gd name="connsiteX84" fmla="*/ 1588 w 4802188"/>
+              <a:gd name="connsiteY84" fmla="*/ 2809875 h 6858000"/>
+              <a:gd name="connsiteX85" fmla="*/ 0 w 4802188"/>
+              <a:gd name="connsiteY85" fmla="*/ 2741612 h 6858000"/>
+              <a:gd name="connsiteX86" fmla="*/ 1588 w 4802188"/>
+              <a:gd name="connsiteY86" fmla="*/ 2671762 h 6858000"/>
+              <a:gd name="connsiteX87" fmla="*/ 11113 w 4802188"/>
+              <a:gd name="connsiteY87" fmla="*/ 2613025 h 6858000"/>
+              <a:gd name="connsiteX88" fmla="*/ 20638 w 4802188"/>
+              <a:gd name="connsiteY88" fmla="*/ 2560637 h 6858000"/>
+              <a:gd name="connsiteX89" fmla="*/ 34925 w 4802188"/>
+              <a:gd name="connsiteY89" fmla="*/ 2513012 h 6858000"/>
+              <a:gd name="connsiteX90" fmla="*/ 52388 w 4802188"/>
+              <a:gd name="connsiteY90" fmla="*/ 2471737 h 6858000"/>
+              <a:gd name="connsiteX91" fmla="*/ 69850 w 4802188"/>
+              <a:gd name="connsiteY91" fmla="*/ 2433637 h 6858000"/>
+              <a:gd name="connsiteX92" fmla="*/ 88900 w 4802188"/>
+              <a:gd name="connsiteY92" fmla="*/ 2395537 h 6858000"/>
+              <a:gd name="connsiteX93" fmla="*/ 107950 w 4802188"/>
+              <a:gd name="connsiteY93" fmla="*/ 2359025 h 6858000"/>
+              <a:gd name="connsiteX94" fmla="*/ 127000 w 4802188"/>
+              <a:gd name="connsiteY94" fmla="*/ 2319337 h 6858000"/>
+              <a:gd name="connsiteX95" fmla="*/ 142875 w 4802188"/>
+              <a:gd name="connsiteY95" fmla="*/ 2278062 h 6858000"/>
+              <a:gd name="connsiteX96" fmla="*/ 157163 w 4802188"/>
+              <a:gd name="connsiteY96" fmla="*/ 2232025 h 6858000"/>
+              <a:gd name="connsiteX97" fmla="*/ 168275 w 4802188"/>
+              <a:gd name="connsiteY97" fmla="*/ 2179637 h 6858000"/>
+              <a:gd name="connsiteX98" fmla="*/ 176213 w 4802188"/>
+              <a:gd name="connsiteY98" fmla="*/ 2119312 h 6858000"/>
+              <a:gd name="connsiteX99" fmla="*/ 179388 w 4802188"/>
+              <a:gd name="connsiteY99" fmla="*/ 2051050 h 6858000"/>
+              <a:gd name="connsiteX100" fmla="*/ 176213 w 4802188"/>
+              <a:gd name="connsiteY100" fmla="*/ 1982787 h 6858000"/>
+              <a:gd name="connsiteX101" fmla="*/ 168275 w 4802188"/>
+              <a:gd name="connsiteY101" fmla="*/ 1922462 h 6858000"/>
+              <a:gd name="connsiteX102" fmla="*/ 157163 w 4802188"/>
+              <a:gd name="connsiteY102" fmla="*/ 1870075 h 6858000"/>
+              <a:gd name="connsiteX103" fmla="*/ 142875 w 4802188"/>
+              <a:gd name="connsiteY103" fmla="*/ 1824037 h 6858000"/>
+              <a:gd name="connsiteX104" fmla="*/ 127000 w 4802188"/>
+              <a:gd name="connsiteY104" fmla="*/ 1782762 h 6858000"/>
+              <a:gd name="connsiteX105" fmla="*/ 107950 w 4802188"/>
+              <a:gd name="connsiteY105" fmla="*/ 1743075 h 6858000"/>
+              <a:gd name="connsiteX106" fmla="*/ 88900 w 4802188"/>
+              <a:gd name="connsiteY106" fmla="*/ 1708150 h 6858000"/>
+              <a:gd name="connsiteX107" fmla="*/ 69850 w 4802188"/>
+              <a:gd name="connsiteY107" fmla="*/ 1671637 h 6858000"/>
+              <a:gd name="connsiteX108" fmla="*/ 52388 w 4802188"/>
+              <a:gd name="connsiteY108" fmla="*/ 1631950 h 6858000"/>
+              <a:gd name="connsiteX109" fmla="*/ 34925 w 4802188"/>
+              <a:gd name="connsiteY109" fmla="*/ 1589087 h 6858000"/>
+              <a:gd name="connsiteX110" fmla="*/ 20638 w 4802188"/>
+              <a:gd name="connsiteY110" fmla="*/ 1544637 h 6858000"/>
+              <a:gd name="connsiteX111" fmla="*/ 11113 w 4802188"/>
+              <a:gd name="connsiteY111" fmla="*/ 1492250 h 6858000"/>
+              <a:gd name="connsiteX112" fmla="*/ 1588 w 4802188"/>
+              <a:gd name="connsiteY112" fmla="*/ 1431925 h 6858000"/>
+              <a:gd name="connsiteX113" fmla="*/ 0 w 4802188"/>
+              <a:gd name="connsiteY113" fmla="*/ 1363662 h 6858000"/>
+              <a:gd name="connsiteX114" fmla="*/ 1588 w 4802188"/>
+              <a:gd name="connsiteY114" fmla="*/ 1295400 h 6858000"/>
+              <a:gd name="connsiteX115" fmla="*/ 11113 w 4802188"/>
+              <a:gd name="connsiteY115" fmla="*/ 1235075 h 6858000"/>
+              <a:gd name="connsiteX116" fmla="*/ 20638 w 4802188"/>
+              <a:gd name="connsiteY116" fmla="*/ 1182687 h 6858000"/>
+              <a:gd name="connsiteX117" fmla="*/ 34925 w 4802188"/>
+              <a:gd name="connsiteY117" fmla="*/ 1136650 h 6858000"/>
+              <a:gd name="connsiteX118" fmla="*/ 52388 w 4802188"/>
+              <a:gd name="connsiteY118" fmla="*/ 1095375 h 6858000"/>
+              <a:gd name="connsiteX119" fmla="*/ 69850 w 4802188"/>
+              <a:gd name="connsiteY119" fmla="*/ 1055687 h 6858000"/>
+              <a:gd name="connsiteX120" fmla="*/ 88900 w 4802188"/>
+              <a:gd name="connsiteY120" fmla="*/ 1017587 h 6858000"/>
+              <a:gd name="connsiteX121" fmla="*/ 107950 w 4802188"/>
+              <a:gd name="connsiteY121" fmla="*/ 981075 h 6858000"/>
+              <a:gd name="connsiteX122" fmla="*/ 127000 w 4802188"/>
+              <a:gd name="connsiteY122" fmla="*/ 942975 h 6858000"/>
+              <a:gd name="connsiteX123" fmla="*/ 142875 w 4802188"/>
+              <a:gd name="connsiteY123" fmla="*/ 901700 h 6858000"/>
+              <a:gd name="connsiteX124" fmla="*/ 157163 w 4802188"/>
+              <a:gd name="connsiteY124" fmla="*/ 854075 h 6858000"/>
+              <a:gd name="connsiteX125" fmla="*/ 168275 w 4802188"/>
+              <a:gd name="connsiteY125" fmla="*/ 801687 h 6858000"/>
+              <a:gd name="connsiteX126" fmla="*/ 176213 w 4802188"/>
+              <a:gd name="connsiteY126" fmla="*/ 744537 h 6858000"/>
+              <a:gd name="connsiteX127" fmla="*/ 179388 w 4802188"/>
+              <a:gd name="connsiteY127" fmla="*/ 673100 h 6858000"/>
+              <a:gd name="connsiteX128" fmla="*/ 176213 w 4802188"/>
+              <a:gd name="connsiteY128" fmla="*/ 606425 h 6858000"/>
+              <a:gd name="connsiteX129" fmla="*/ 168275 w 4802188"/>
+              <a:gd name="connsiteY129" fmla="*/ 546100 h 6858000"/>
+              <a:gd name="connsiteX130" fmla="*/ 157163 w 4802188"/>
+              <a:gd name="connsiteY130" fmla="*/ 496887 h 6858000"/>
+              <a:gd name="connsiteX131" fmla="*/ 142875 w 4802188"/>
+              <a:gd name="connsiteY131" fmla="*/ 450850 h 6858000"/>
+              <a:gd name="connsiteX132" fmla="*/ 127000 w 4802188"/>
+              <a:gd name="connsiteY132" fmla="*/ 409575 h 6858000"/>
+              <a:gd name="connsiteX133" fmla="*/ 109538 w 4802188"/>
+              <a:gd name="connsiteY133" fmla="*/ 369887 h 6858000"/>
+              <a:gd name="connsiteX134" fmla="*/ 92075 w 4802188"/>
+              <a:gd name="connsiteY134" fmla="*/ 334962 h 6858000"/>
+              <a:gd name="connsiteX135" fmla="*/ 73025 w 4802188"/>
+              <a:gd name="connsiteY135" fmla="*/ 296862 h 6858000"/>
+              <a:gd name="connsiteX136" fmla="*/ 53975 w 4802188"/>
+              <a:gd name="connsiteY136" fmla="*/ 260350 h 6858000"/>
+              <a:gd name="connsiteX137" fmla="*/ 38100 w 4802188"/>
+              <a:gd name="connsiteY137" fmla="*/ 217487 h 6858000"/>
+              <a:gd name="connsiteX138" fmla="*/ 22225 w 4802188"/>
+              <a:gd name="connsiteY138" fmla="*/ 174625 h 6858000"/>
+              <a:gd name="connsiteX139" fmla="*/ 12700 w 4802188"/>
+              <a:gd name="connsiteY139" fmla="*/ 122237 h 6858000"/>
+              <a:gd name="connsiteX140" fmla="*/ 4763 w 4802188"/>
+              <a:gd name="connsiteY140" fmla="*/ 66675 h 6858000"/>
+            </a:gdLst>
+            <a:ahLst/>
+            <a:cxnLst>
+              <a:cxn ang="0">
+                <a:pos x="connsiteX0" y="connsiteY0"/>
+              </a:cxn>
+              <a:cxn ang="0">
+                <a:pos x="connsiteX1" y="connsiteY1"/>
+              </a:cxn>
+              <a:cxn ang="0">
+                <a:pos x="connsiteX2" y="connsiteY2"/>
+              </a:cxn>
+              <a:cxn ang="0">
+                <a:pos x="connsiteX3" y="connsiteY3"/>
+              </a:cxn>
+              <a:cxn ang="0">
+                <a:pos x="connsiteX4" y="connsiteY4"/>
+              </a:cxn>
+              <a:cxn ang="0">
+                <a:pos x="connsiteX5" y="connsiteY5"/>
+              </a:cxn>
+              <a:cxn ang="0">
+                <a:pos x="connsiteX6" y="connsiteY6"/>
+              </a:cxn>
+              <a:cxn ang="0">
+                <a:pos x="connsiteX7" y="connsiteY7"/>
+              </a:cxn>
+              <a:cxn ang="0">
+                <a:pos x="connsiteX8" y="connsiteY8"/>
+              </a:cxn>
+              <a:cxn ang="0">
+                <a:pos x="connsiteX9" y="connsiteY9"/>
+              </a:cxn>
+              <a:cxn ang="0">
+                <a:pos x="connsiteX10" y="connsiteY10"/>
+              </a:cxn>
+              <a:cxn ang="0">
+                <a:pos x="connsiteX11" y="connsiteY11"/>
+              </a:cxn>
+              <a:cxn ang="0">
+                <a:pos x="connsiteX12" y="connsiteY12"/>
+              </a:cxn>
+              <a:cxn ang="0">
+                <a:pos x="connsiteX13" y="connsiteY13"/>
+              </a:cxn>
+              <a:cxn ang="0">
+                <a:pos x="connsiteX14" y="connsiteY14"/>
+              </a:cxn>
+              <a:cxn ang="0">
+                <a:pos x="connsiteX15" y="connsiteY15"/>
+              </a:cxn>
+              <a:cxn ang="0">
+                <a:pos x="connsiteX16" y="connsiteY16"/>
+              </a:cxn>
+              <a:cxn ang="0">
+                <a:pos x="connsiteX17" y="connsiteY17"/>
+              </a:cxn>
+              <a:cxn ang="0">
+                <a:pos x="connsiteX18" y="connsiteY18"/>
+              </a:cxn>
+              <a:cxn ang="0">
+                <a:pos x="connsiteX19" y="connsiteY19"/>
+              </a:cxn>
+              <a:cxn ang="0">
+                <a:pos x="connsiteX20" y="connsiteY20"/>
+              </a:cxn>
+              <a:cxn ang="0">
+                <a:pos x="connsiteX21" y="connsiteY21"/>
+              </a:cxn>
+              <a:cxn ang="0">
+                <a:pos x="connsiteX22" y="connsiteY22"/>
+              </a:cxn>
+              <a:cxn ang="0">
+                <a:pos x="connsiteX23" y="connsiteY23"/>
+              </a:cxn>
+              <a:cxn ang="0">
+                <a:pos x="connsiteX24" y="connsiteY24"/>
+              </a:cxn>
+              <a:cxn ang="0">
+                <a:pos x="connsiteX25" y="connsiteY25"/>
+              </a:cxn>
+              <a:cxn ang="0">
+                <a:pos x="connsiteX26" y="connsiteY26"/>
+              </a:cxn>
+              <a:cxn ang="0">
+                <a:pos x="connsiteX27" y="connsiteY27"/>
+              </a:cxn>
+              <a:cxn ang="0">
+                <a:pos x="connsiteX28" y="connsiteY28"/>
+              </a:cxn>
+              <a:cxn ang="0">
+                <a:pos x="connsiteX29" y="connsiteY29"/>
+              </a:cxn>
+              <a:cxn ang="0">
+                <a:pos x="connsiteX30" y="connsiteY30"/>
+              </a:cxn>
+              <a:cxn ang="0">
+                <a:pos x="connsiteX31" y="connsiteY31"/>
+              </a:cxn>
+              <a:cxn ang="0">
+                <a:pos x="connsiteX32" y="connsiteY32"/>
+              </a:cxn>
+              <a:cxn ang="0">
+                <a:pos x="connsiteX33" y="connsiteY33"/>
+              </a:cxn>
+              <a:cxn ang="0">
+                <a:pos x="connsiteX34" y="connsiteY34"/>
+              </a:cxn>
+              <a:cxn ang="0">
+                <a:pos x="connsiteX35" y="connsiteY35"/>
+              </a:cxn>
+              <a:cxn ang="0">
+                <a:pos x="connsiteX36" y="connsiteY36"/>
+              </a:cxn>
+              <a:cxn ang="0">
+                <a:pos x="connsiteX37" y="connsiteY37"/>
+              </a:cxn>
+              <a:cxn ang="0">
+                <a:pos x="connsiteX38" y="connsiteY38"/>
+              </a:cxn>
+              <a:cxn ang="0">
+                <a:pos x="connsiteX39" y="connsiteY39"/>
+              </a:cxn>
+              <a:cxn ang="0">
+                <a:pos x="connsiteX40" y="connsiteY40"/>
+              </a:cxn>
+              <a:cxn ang="0">
+                <a:pos x="connsiteX41" y="connsiteY41"/>
+              </a:cxn>
+              <a:cxn ang="0">
+                <a:pos x="connsiteX42" y="connsiteY42"/>
+              </a:cxn>
+              <a:cxn ang="0">
+                <a:pos x="connsiteX43" y="connsiteY43"/>
+              </a:cxn>
+              <a:cxn ang="0">
+                <a:pos x="connsiteX44" y="connsiteY44"/>
+              </a:cxn>
+              <a:cxn ang="0">
+                <a:pos x="connsiteX45" y="connsiteY45"/>
+              </a:cxn>
+              <a:cxn ang="0">
+                <a:pos x="connsiteX46" y="connsiteY46"/>
+              </a:cxn>
+              <a:cxn ang="0">
+                <a:pos x="connsiteX47" y="connsiteY47"/>
+              </a:cxn>
+              <a:cxn ang="0">
+                <a:pos x="connsiteX48" y="connsiteY48"/>
+              </a:cxn>
+              <a:cxn ang="0">
+                <a:pos x="connsiteX49" y="connsiteY49"/>
+              </a:cxn>
+              <a:cxn ang="0">
+                <a:pos x="connsiteX50" y="connsiteY50"/>
+              </a:cxn>
+              <a:cxn ang="0">
+                <a:pos x="connsiteX51" y="connsiteY51"/>
+              </a:cxn>
+              <a:cxn ang="0">
+                <a:pos x="connsiteX52" y="connsiteY52"/>
+              </a:cxn>
+              <a:cxn ang="0">
+                <a:pos x="connsiteX53" y="connsiteY53"/>
+              </a:cxn>
+              <a:cxn ang="0">
+                <a:pos x="connsiteX54" y="connsiteY54"/>
+              </a:cxn>
+              <a:cxn ang="0">
+                <a:pos x="connsiteX55" y="connsiteY55"/>
+              </a:cxn>
+              <a:cxn ang="0">
+                <a:pos x="connsiteX56" y="connsiteY56"/>
+              </a:cxn>
+              <a:cxn ang="0">
+                <a:pos x="connsiteX57" y="connsiteY57"/>
+              </a:cxn>
+              <a:cxn ang="0">
+                <a:pos x="connsiteX58" y="connsiteY58"/>
+              </a:cxn>
+              <a:cxn ang="0">
+                <a:pos x="connsiteX59" y="connsiteY59"/>
+              </a:cxn>
+              <a:cxn ang="0">
+                <a:pos x="connsiteX60" y="connsiteY60"/>
+              </a:cxn>
+              <a:cxn ang="0">
+                <a:pos x="connsiteX61" y="connsiteY61"/>
+              </a:cxn>
+              <a:cxn ang="0">
+                <a:pos x="connsiteX62" y="connsiteY62"/>
+              </a:cxn>
+              <a:cxn ang="0">
+                <a:pos x="connsiteX63" y="connsiteY63"/>
+              </a:cxn>
+              <a:cxn ang="0">
+                <a:pos x="connsiteX64" y="connsiteY64"/>
+              </a:cxn>
+              <a:cxn ang="0">
+                <a:pos x="connsiteX65" y="connsiteY65"/>
+              </a:cxn>
+              <a:cxn ang="0">
+                <a:pos x="connsiteX66" y="connsiteY66"/>
+              </a:cxn>
+              <a:cxn ang="0">
+                <a:pos x="connsiteX67" y="connsiteY67"/>
+              </a:cxn>
+              <a:cxn ang="0">
+                <a:pos x="connsiteX68" y="connsiteY68"/>
+              </a:cxn>
+              <a:cxn ang="0">
+                <a:pos x="connsiteX69" y="connsiteY69"/>
+              </a:cxn>
+              <a:cxn ang="0">
+                <a:pos x="connsiteX70" y="connsiteY70"/>
+              </a:cxn>
+              <a:cxn ang="0">
+                <a:pos x="connsiteX71" y="connsiteY71"/>
+              </a:cxn>
+              <a:cxn ang="0">
+                <a:pos x="connsiteX72" y="connsiteY72"/>
+              </a:cxn>
+              <a:cxn ang="0">
+                <a:pos x="connsiteX73" y="connsiteY73"/>
+              </a:cxn>
+              <a:cxn ang="0">
+                <a:pos x="connsiteX74" y="connsiteY74"/>
+              </a:cxn>
+              <a:cxn ang="0">
+                <a:pos x="connsiteX75" y="connsiteY75"/>
+              </a:cxn>
+              <a:cxn ang="0">
+                <a:pos x="connsiteX76" y="connsiteY76"/>
+              </a:cxn>
+              <a:cxn ang="0">
+                <a:pos x="connsiteX77" y="connsiteY77"/>
+              </a:cxn>
+              <a:cxn ang="0">
+                <a:pos x="connsiteX78" y="connsiteY78"/>
+              </a:cxn>
+              <a:cxn ang="0">
+                <a:pos x="connsiteX79" y="connsiteY79"/>
+              </a:cxn>
+              <a:cxn ang="0">
+                <a:pos x="connsiteX80" y="connsiteY80"/>
+              </a:cxn>
+              <a:cxn ang="0">
+                <a:pos x="connsiteX81" y="connsiteY81"/>
+              </a:cxn>
+              <a:cxn ang="0">
+                <a:pos x="connsiteX82" y="connsiteY82"/>
+              </a:cxn>
+              <a:cxn ang="0">
+                <a:pos x="connsiteX83" y="connsiteY83"/>
+              </a:cxn>
+              <a:cxn ang="0">
+                <a:pos x="connsiteX84" y="connsiteY84"/>
+              </a:cxn>
+              <a:cxn ang="0">
+                <a:pos x="connsiteX85" y="connsiteY85"/>
+              </a:cxn>
+              <a:cxn ang="0">
+                <a:pos x="connsiteX86" y="connsiteY86"/>
+              </a:cxn>
+              <a:cxn ang="0">
+                <a:pos x="connsiteX87" y="connsiteY87"/>
+              </a:cxn>
+              <a:cxn ang="0">
+                <a:pos x="connsiteX88" y="connsiteY88"/>
+              </a:cxn>
+              <a:cxn ang="0">
+                <a:pos x="connsiteX89" y="connsiteY89"/>
+              </a:cxn>
+              <a:cxn ang="0">
+                <a:pos x="connsiteX90" y="connsiteY90"/>
+              </a:cxn>
+              <a:cxn ang="0">
+                <a:pos x="connsiteX91" y="connsiteY91"/>
+              </a:cxn>
+              <a:cxn ang="0">
+                <a:pos x="connsiteX92" y="connsiteY92"/>
+              </a:cxn>
+              <a:cxn ang="0">
+                <a:pos x="connsiteX93" y="connsiteY93"/>
+              </a:cxn>
+              <a:cxn ang="0">
+                <a:pos x="connsiteX94" y="connsiteY94"/>
+              </a:cxn>
+              <a:cxn ang="0">
+                <a:pos x="connsiteX95" y="connsiteY95"/>
+              </a:cxn>
+              <a:cxn ang="0">
+                <a:pos x="connsiteX96" y="connsiteY96"/>
+              </a:cxn>
+              <a:cxn ang="0">
+                <a:pos x="connsiteX97" y="connsiteY97"/>
+              </a:cxn>
+              <a:cxn ang="0">
+                <a:pos x="connsiteX98" y="connsiteY98"/>
+              </a:cxn>
+              <a:cxn ang="0">
+                <a:pos x="connsiteX99" y="connsiteY99"/>
+              </a:cxn>
+              <a:cxn ang="0">
+                <a:pos x="connsiteX100" y="connsiteY100"/>
+              </a:cxn>
+              <a:cxn ang="0">
+                <a:pos x="connsiteX101" y="connsiteY101"/>
+              </a:cxn>
+              <a:cxn ang="0">
+                <a:pos x="connsiteX102" y="connsiteY102"/>
+              </a:cxn>
+              <a:cxn ang="0">
+                <a:pos x="connsiteX103" y="connsiteY103"/>
+              </a:cxn>
+              <a:cxn ang="0">
+                <a:pos x="connsiteX104" y="connsiteY104"/>
+              </a:cxn>
+              <a:cxn ang="0">
+                <a:pos x="connsiteX105" y="connsiteY105"/>
+              </a:cxn>
+              <a:cxn ang="0">
+                <a:pos x="connsiteX106" y="connsiteY106"/>
+              </a:cxn>
+              <a:cxn ang="0">
+                <a:pos x="connsiteX107" y="connsiteY107"/>
+              </a:cxn>
+              <a:cxn ang="0">
+                <a:pos x="connsiteX108" y="connsiteY108"/>
+              </a:cxn>
+              <a:cxn ang="0">
+                <a:pos x="connsiteX109" y="connsiteY109"/>
+              </a:cxn>
+              <a:cxn ang="0">
+                <a:pos x="connsiteX110" y="connsiteY110"/>
+              </a:cxn>
+              <a:cxn ang="0">
+                <a:pos x="connsiteX111" y="connsiteY111"/>
+              </a:cxn>
+              <a:cxn ang="0">
+                <a:pos x="connsiteX112" y="connsiteY112"/>
+              </a:cxn>
+              <a:cxn ang="0">
+                <a:pos x="connsiteX113" y="connsiteY113"/>
+              </a:cxn>
+              <a:cxn ang="0">
+                <a:pos x="connsiteX114" y="connsiteY114"/>
+              </a:cxn>
+              <a:cxn ang="0">
+                <a:pos x="connsiteX115" y="connsiteY115"/>
+              </a:cxn>
+              <a:cxn ang="0">
+                <a:pos x="connsiteX116" y="connsiteY116"/>
+              </a:cxn>
+              <a:cxn ang="0">
+                <a:pos x="connsiteX117" y="connsiteY117"/>
+              </a:cxn>
+              <a:cxn ang="0">
+                <a:pos x="connsiteX118" y="connsiteY118"/>
+              </a:cxn>
+              <a:cxn ang="0">
+                <a:pos x="connsiteX119" y="connsiteY119"/>
+              </a:cxn>
+              <a:cxn ang="0">
+                <a:pos x="connsiteX120" y="connsiteY120"/>
+              </a:cxn>
+              <a:cxn ang="0">
+                <a:pos x="connsiteX121" y="connsiteY121"/>
+              </a:cxn>
+              <a:cxn ang="0">
+                <a:pos x="connsiteX122" y="connsiteY122"/>
+              </a:cxn>
+              <a:cxn ang="0">
+                <a:pos x="connsiteX123" y="connsiteY123"/>
+              </a:cxn>
+              <a:cxn ang="0">
+                <a:pos x="connsiteX124" y="connsiteY124"/>
+              </a:cxn>
+              <a:cxn ang="0">
+                <a:pos x="connsiteX125" y="connsiteY125"/>
+              </a:cxn>
+              <a:cxn ang="0">
+                <a:pos x="connsiteX126" y="connsiteY126"/>
+              </a:cxn>
+              <a:cxn ang="0">
+                <a:pos x="connsiteX127" y="connsiteY127"/>
+              </a:cxn>
+              <a:cxn ang="0">
+                <a:pos x="connsiteX128" y="connsiteY128"/>
+              </a:cxn>
+              <a:cxn ang="0">
+                <a:pos x="connsiteX129" y="connsiteY129"/>
+              </a:cxn>
+              <a:cxn ang="0">
+                <a:pos x="connsiteX130" y="connsiteY130"/>
+              </a:cxn>
+              <a:cxn ang="0">
+                <a:pos x="connsiteX131" y="connsiteY131"/>
+              </a:cxn>
+              <a:cxn ang="0">
+                <a:pos x="connsiteX132" y="connsiteY132"/>
+              </a:cxn>
+              <a:cxn ang="0">
+                <a:pos x="connsiteX133" y="connsiteY133"/>
+              </a:cxn>
+              <a:cxn ang="0">
+                <a:pos x="connsiteX134" y="connsiteY134"/>
+              </a:cxn>
+              <a:cxn ang="0">
+                <a:pos x="connsiteX135" y="connsiteY135"/>
+              </a:cxn>
+              <a:cxn ang="0">
+                <a:pos x="connsiteX136" y="connsiteY136"/>
+              </a:cxn>
+              <a:cxn ang="0">
+                <a:pos x="connsiteX137" y="connsiteY137"/>
+              </a:cxn>
+              <a:cxn ang="0">
+                <a:pos x="connsiteX138" y="connsiteY138"/>
+              </a:cxn>
+              <a:cxn ang="0">
+                <a:pos x="connsiteX139" y="connsiteY139"/>
+              </a:cxn>
+              <a:cxn ang="0">
+                <a:pos x="connsiteX140" y="connsiteY140"/>
+              </a:cxn>
+            </a:cxnLst>
+            <a:rect l="l" t="t" r="r" b="b"/>
+            <a:pathLst>
+              <a:path w="4802188" h="6858000">
+                <a:moveTo>
+                  <a:pt x="0" y="0"/>
+                </a:moveTo>
+                <a:lnTo>
+                  <a:pt x="4802188" y="0"/>
+                </a:lnTo>
+                <a:lnTo>
+                  <a:pt x="4802188" y="6858000"/>
+                </a:lnTo>
+                <a:lnTo>
+                  <a:pt x="0" y="6858000"/>
+                </a:lnTo>
+                <a:lnTo>
+                  <a:pt x="4763" y="6791325"/>
+                </a:lnTo>
+                <a:lnTo>
+                  <a:pt x="12700" y="6735762"/>
+                </a:lnTo>
+                <a:lnTo>
+                  <a:pt x="22225" y="6683375"/>
+                </a:lnTo>
+                <a:lnTo>
+                  <a:pt x="38100" y="6640512"/>
+                </a:lnTo>
+                <a:lnTo>
+                  <a:pt x="53975" y="6597650"/>
+                </a:lnTo>
+                <a:lnTo>
+                  <a:pt x="73025" y="6561137"/>
+                </a:lnTo>
+                <a:lnTo>
+                  <a:pt x="92075" y="6523037"/>
+                </a:lnTo>
+                <a:lnTo>
+                  <a:pt x="109538" y="6488112"/>
+                </a:lnTo>
+                <a:lnTo>
+                  <a:pt x="127000" y="6448425"/>
+                </a:lnTo>
+                <a:lnTo>
+                  <a:pt x="142875" y="6407150"/>
+                </a:lnTo>
+                <a:lnTo>
+                  <a:pt x="157163" y="6361112"/>
+                </a:lnTo>
+                <a:lnTo>
+                  <a:pt x="168275" y="6311900"/>
+                </a:lnTo>
+                <a:lnTo>
+                  <a:pt x="176213" y="6251575"/>
+                </a:lnTo>
+                <a:lnTo>
+                  <a:pt x="179388" y="6183312"/>
+                </a:lnTo>
+                <a:lnTo>
+                  <a:pt x="176213" y="6113462"/>
+                </a:lnTo>
+                <a:lnTo>
+                  <a:pt x="168275" y="6056312"/>
+                </a:lnTo>
+                <a:lnTo>
+                  <a:pt x="157163" y="6003925"/>
+                </a:lnTo>
+                <a:lnTo>
+                  <a:pt x="142875" y="5956300"/>
+                </a:lnTo>
+                <a:lnTo>
+                  <a:pt x="127000" y="5915025"/>
+                </a:lnTo>
+                <a:lnTo>
+                  <a:pt x="107950" y="5876925"/>
+                </a:lnTo>
+                <a:lnTo>
+                  <a:pt x="88900" y="5840412"/>
+                </a:lnTo>
+                <a:lnTo>
+                  <a:pt x="69850" y="5802312"/>
+                </a:lnTo>
+                <a:lnTo>
+                  <a:pt x="52388" y="5762625"/>
+                </a:lnTo>
+                <a:lnTo>
+                  <a:pt x="34925" y="5721350"/>
+                </a:lnTo>
+                <a:lnTo>
+                  <a:pt x="20638" y="5675312"/>
+                </a:lnTo>
+                <a:lnTo>
+                  <a:pt x="11113" y="5622925"/>
+                </a:lnTo>
+                <a:lnTo>
+                  <a:pt x="1588" y="5562600"/>
+                </a:lnTo>
+                <a:lnTo>
+                  <a:pt x="0" y="5494337"/>
+                </a:lnTo>
+                <a:lnTo>
+                  <a:pt x="1588" y="5426075"/>
+                </a:lnTo>
+                <a:lnTo>
+                  <a:pt x="11113" y="5365750"/>
+                </a:lnTo>
+                <a:lnTo>
+                  <a:pt x="20638" y="5313362"/>
+                </a:lnTo>
+                <a:lnTo>
+                  <a:pt x="34925" y="5268912"/>
+                </a:lnTo>
+                <a:lnTo>
+                  <a:pt x="52388" y="5226050"/>
+                </a:lnTo>
+                <a:lnTo>
+                  <a:pt x="69850" y="5186362"/>
+                </a:lnTo>
+                <a:lnTo>
+                  <a:pt x="88900" y="5149850"/>
+                </a:lnTo>
+                <a:lnTo>
+                  <a:pt x="107950" y="5114925"/>
+                </a:lnTo>
+                <a:lnTo>
+                  <a:pt x="127000" y="5075237"/>
+                </a:lnTo>
+                <a:lnTo>
+                  <a:pt x="142875" y="5033962"/>
+                </a:lnTo>
+                <a:lnTo>
+                  <a:pt x="157163" y="4987925"/>
+                </a:lnTo>
+                <a:lnTo>
+                  <a:pt x="168275" y="4935537"/>
+                </a:lnTo>
+                <a:lnTo>
+                  <a:pt x="176213" y="4875212"/>
+                </a:lnTo>
+                <a:lnTo>
+                  <a:pt x="179388" y="4806950"/>
+                </a:lnTo>
+                <a:lnTo>
+                  <a:pt x="176213" y="4738687"/>
+                </a:lnTo>
+                <a:lnTo>
+                  <a:pt x="168275" y="4678362"/>
+                </a:lnTo>
+                <a:lnTo>
+                  <a:pt x="157163" y="4625975"/>
+                </a:lnTo>
+                <a:lnTo>
+                  <a:pt x="142875" y="4579937"/>
+                </a:lnTo>
+                <a:lnTo>
+                  <a:pt x="127000" y="4537075"/>
+                </a:lnTo>
+                <a:lnTo>
+                  <a:pt x="107950" y="4498975"/>
+                </a:lnTo>
+                <a:lnTo>
+                  <a:pt x="69850" y="4424362"/>
+                </a:lnTo>
+                <a:lnTo>
+                  <a:pt x="52388" y="4386262"/>
+                </a:lnTo>
+                <a:lnTo>
+                  <a:pt x="34925" y="4343400"/>
+                </a:lnTo>
+                <a:lnTo>
+                  <a:pt x="20638" y="4297362"/>
+                </a:lnTo>
+                <a:lnTo>
+                  <a:pt x="11113" y="4244975"/>
+                </a:lnTo>
+                <a:lnTo>
+                  <a:pt x="1588" y="4186237"/>
+                </a:lnTo>
+                <a:lnTo>
+                  <a:pt x="0" y="4116387"/>
+                </a:lnTo>
+                <a:lnTo>
+                  <a:pt x="1588" y="4048125"/>
+                </a:lnTo>
+                <a:lnTo>
+                  <a:pt x="11113" y="3987800"/>
+                </a:lnTo>
+                <a:lnTo>
+                  <a:pt x="20638" y="3935412"/>
+                </a:lnTo>
+                <a:lnTo>
+                  <a:pt x="34925" y="3890962"/>
+                </a:lnTo>
+                <a:lnTo>
+                  <a:pt x="52388" y="3848100"/>
+                </a:lnTo>
+                <a:lnTo>
+                  <a:pt x="69850" y="3811587"/>
+                </a:lnTo>
+                <a:lnTo>
+                  <a:pt x="107950" y="3736975"/>
+                </a:lnTo>
+                <a:lnTo>
+                  <a:pt x="127000" y="3697287"/>
+                </a:lnTo>
+                <a:lnTo>
+                  <a:pt x="142875" y="3656012"/>
+                </a:lnTo>
+                <a:lnTo>
+                  <a:pt x="157163" y="3609975"/>
+                </a:lnTo>
+                <a:lnTo>
+                  <a:pt x="168275" y="3557587"/>
+                </a:lnTo>
+                <a:lnTo>
+                  <a:pt x="176213" y="3497262"/>
+                </a:lnTo>
+                <a:lnTo>
+                  <a:pt x="179388" y="3427412"/>
+                </a:lnTo>
+                <a:lnTo>
+                  <a:pt x="176213" y="3360737"/>
+                </a:lnTo>
+                <a:lnTo>
+                  <a:pt x="168275" y="3300412"/>
+                </a:lnTo>
+                <a:lnTo>
+                  <a:pt x="157163" y="3248025"/>
+                </a:lnTo>
+                <a:lnTo>
+                  <a:pt x="142875" y="3201987"/>
+                </a:lnTo>
+                <a:lnTo>
+                  <a:pt x="127000" y="3160712"/>
+                </a:lnTo>
+                <a:lnTo>
+                  <a:pt x="107950" y="3121025"/>
+                </a:lnTo>
+                <a:lnTo>
+                  <a:pt x="88900" y="3084512"/>
+                </a:lnTo>
+                <a:lnTo>
+                  <a:pt x="69850" y="3046412"/>
+                </a:lnTo>
+                <a:lnTo>
+                  <a:pt x="52388" y="3009900"/>
+                </a:lnTo>
+                <a:lnTo>
+                  <a:pt x="34925" y="2967037"/>
+                </a:lnTo>
+                <a:lnTo>
+                  <a:pt x="20638" y="2922587"/>
+                </a:lnTo>
+                <a:lnTo>
+                  <a:pt x="11113" y="2868612"/>
+                </a:lnTo>
+                <a:lnTo>
+                  <a:pt x="1588" y="2809875"/>
+                </a:lnTo>
+                <a:lnTo>
+                  <a:pt x="0" y="2741612"/>
+                </a:lnTo>
+                <a:lnTo>
+                  <a:pt x="1588" y="2671762"/>
+                </a:lnTo>
+                <a:lnTo>
+                  <a:pt x="11113" y="2613025"/>
+                </a:lnTo>
+                <a:lnTo>
+                  <a:pt x="20638" y="2560637"/>
+                </a:lnTo>
+                <a:lnTo>
+                  <a:pt x="34925" y="2513012"/>
+                </a:lnTo>
+                <a:lnTo>
+                  <a:pt x="52388" y="2471737"/>
+                </a:lnTo>
+                <a:lnTo>
+                  <a:pt x="69850" y="2433637"/>
+                </a:lnTo>
+                <a:lnTo>
+                  <a:pt x="88900" y="2395537"/>
+                </a:lnTo>
+                <a:lnTo>
+                  <a:pt x="107950" y="2359025"/>
+                </a:lnTo>
+                <a:lnTo>
+                  <a:pt x="127000" y="2319337"/>
+                </a:lnTo>
+                <a:lnTo>
+                  <a:pt x="142875" y="2278062"/>
+                </a:lnTo>
+                <a:lnTo>
+                  <a:pt x="157163" y="2232025"/>
+                </a:lnTo>
+                <a:lnTo>
+                  <a:pt x="168275" y="2179637"/>
+                </a:lnTo>
+                <a:lnTo>
+                  <a:pt x="176213" y="2119312"/>
+                </a:lnTo>
+                <a:lnTo>
+                  <a:pt x="179388" y="2051050"/>
+                </a:lnTo>
+                <a:lnTo>
+                  <a:pt x="176213" y="1982787"/>
+                </a:lnTo>
+                <a:lnTo>
+                  <a:pt x="168275" y="1922462"/>
+                </a:lnTo>
+                <a:lnTo>
+                  <a:pt x="157163" y="1870075"/>
+                </a:lnTo>
+                <a:lnTo>
+                  <a:pt x="142875" y="1824037"/>
+                </a:lnTo>
+                <a:lnTo>
+                  <a:pt x="127000" y="1782762"/>
+                </a:lnTo>
+                <a:lnTo>
+                  <a:pt x="107950" y="1743075"/>
+                </a:lnTo>
+                <a:lnTo>
+                  <a:pt x="88900" y="1708150"/>
+                </a:lnTo>
+                <a:lnTo>
+                  <a:pt x="69850" y="1671637"/>
+                </a:lnTo>
+                <a:lnTo>
+                  <a:pt x="52388" y="1631950"/>
+                </a:lnTo>
+                <a:lnTo>
+                  <a:pt x="34925" y="1589087"/>
+                </a:lnTo>
+                <a:lnTo>
+                  <a:pt x="20638" y="1544637"/>
+                </a:lnTo>
+                <a:lnTo>
+                  <a:pt x="11113" y="1492250"/>
+                </a:lnTo>
+                <a:lnTo>
+                  <a:pt x="1588" y="1431925"/>
+                </a:lnTo>
+                <a:lnTo>
+                  <a:pt x="0" y="1363662"/>
+                </a:lnTo>
+                <a:lnTo>
+                  <a:pt x="1588" y="1295400"/>
+                </a:lnTo>
+                <a:lnTo>
+                  <a:pt x="11113" y="1235075"/>
+                </a:lnTo>
+                <a:lnTo>
+                  <a:pt x="20638" y="1182687"/>
+                </a:lnTo>
+                <a:lnTo>
+                  <a:pt x="34925" y="1136650"/>
+                </a:lnTo>
+                <a:lnTo>
+                  <a:pt x="52388" y="1095375"/>
+                </a:lnTo>
+                <a:lnTo>
+                  <a:pt x="69850" y="1055687"/>
+                </a:lnTo>
+                <a:lnTo>
+                  <a:pt x="88900" y="1017587"/>
+                </a:lnTo>
+                <a:lnTo>
+                  <a:pt x="107950" y="981075"/>
+                </a:lnTo>
+                <a:lnTo>
+                  <a:pt x="127000" y="942975"/>
+                </a:lnTo>
+                <a:lnTo>
+                  <a:pt x="142875" y="901700"/>
+                </a:lnTo>
+                <a:lnTo>
+                  <a:pt x="157163" y="854075"/>
+                </a:lnTo>
+                <a:lnTo>
+                  <a:pt x="168275" y="801687"/>
+                </a:lnTo>
+                <a:lnTo>
+                  <a:pt x="176213" y="744537"/>
+                </a:lnTo>
+                <a:lnTo>
+                  <a:pt x="179388" y="673100"/>
+                </a:lnTo>
+                <a:lnTo>
+                  <a:pt x="176213" y="606425"/>
+                </a:lnTo>
+                <a:lnTo>
+                  <a:pt x="168275" y="546100"/>
+                </a:lnTo>
+                <a:lnTo>
+                  <a:pt x="157163" y="496887"/>
+                </a:lnTo>
+                <a:lnTo>
+                  <a:pt x="142875" y="450850"/>
+                </a:lnTo>
+                <a:lnTo>
+                  <a:pt x="127000" y="409575"/>
+                </a:lnTo>
+                <a:lnTo>
+                  <a:pt x="109538" y="369887"/>
+                </a:lnTo>
+                <a:lnTo>
+                  <a:pt x="92075" y="334962"/>
+                </a:lnTo>
+                <a:lnTo>
+                  <a:pt x="73025" y="296862"/>
+                </a:lnTo>
+                <a:lnTo>
+                  <a:pt x="53975" y="260350"/>
+                </a:lnTo>
+                <a:lnTo>
+                  <a:pt x="38100" y="217487"/>
+                </a:lnTo>
+                <a:lnTo>
+                  <a:pt x="22225" y="174625"/>
+                </a:lnTo>
+                <a:lnTo>
+                  <a:pt x="12700" y="122237"/>
+                </a:lnTo>
+                <a:lnTo>
+                  <a:pt x="4763" y="66675"/>
+                </a:lnTo>
+                <a:close/>
+              </a:path>
+            </a:pathLst>
+          </a:custGeom>
+          <a:solidFill>
+            <a:schemeClr val="accent1">
+              <a:lumMod val="50000"/>
+              <a:alpha val="25000"/>
+            </a:schemeClr>
+          </a:solidFill>
+          <a:ln w="0">
+            <a:noFill/>
+            <a:prstDash val="solid"/>
+            <a:round/>
+            <a:headEnd/>
+            <a:tailEnd/>
+          </a:ln>
+        </p:spPr>
+        <p:txBody>
+          <a:bodyPr wrap="square" rtlCol="0" anchor="ctr">
+            <a:noAutofit/>
+          </a:bodyPr>
+          <a:lstStyle/>
+          <a:p>
+            <a:pPr algn="ctr" defTabSz="457200"/>
+            <a:endParaRPr lang="en-US" dirty="0">
+              <a:solidFill>
+                <a:schemeClr val="tx1"/>
+              </a:solidFill>
+            </a:endParaRPr>
+          </a:p>
+        </p:txBody>
+      </p:sp>
       <p:sp>
         <p:nvSpPr>
           <p:cNvPr id="2" name="Title 1">
@@ -8934,17 +11140,1242 @@
             <p:ph type="title"/>
           </p:nvPr>
         </p:nvSpPr>
-        <p:spPr/>
+        <p:spPr>
+          <a:xfrm>
+            <a:off x="8016641" y="662400"/>
+            <a:ext cx="3410309" cy="1492132"/>
+          </a:xfrm>
+        </p:spPr>
         <p:txBody>
-          <a:bodyPr/>
+          <a:bodyPr vert="horz" lIns="91440" tIns="45720" rIns="91440" bIns="45720" rtlCol="0" anchor="t">
+            <a:normAutofit/>
+          </a:bodyPr>
           <a:lstStyle/>
           <a:p>
             <a:r>
-              <a:rPr lang="en-US" dirty="0">
-                <a:cs typeface="Calibri Light"/>
+              <a:rPr lang="en-US" kern="1200">
+                <a:solidFill>
+                  <a:schemeClr val="tx1"/>
+                </a:solidFill>
+                <a:latin typeface="+mj-lt"/>
+                <a:ea typeface="+mj-ea"/>
+                <a:cs typeface="+mj-cs"/>
               </a:rPr>
               <a:t>Quiz GUI Structure</a:t>
             </a:r>
+          </a:p>
+        </p:txBody>
+      </p:sp>
+      <p:sp>
+        <p:nvSpPr>
+          <p:cNvPr id="15" name="Freeform: Shape 14">
+            <a:extLst>
+              <a:ext uri="{FF2B5EF4-FFF2-40B4-BE49-F238E27FC236}">
+                <a16:creationId xmlns:a16="http://schemas.microsoft.com/office/drawing/2014/main" id="{740D8E28-91B5-42B0-9D6C-B777D8AD90C2}"/>
+              </a:ext>
+              <a:ext uri="{C183D7F6-B498-43B3-948B-1728B52AA6E4}">
+                <adec:decorative xmlns:adec="http://schemas.microsoft.com/office/drawing/2017/decorative" val="1"/>
+              </a:ext>
+            </a:extLst>
+          </p:cNvPr>
+          <p:cNvSpPr>
+            <a:spLocks noGrp="1" noRot="1" noChangeAspect="1" noMove="1" noResize="1" noEditPoints="1" noAdjustHandles="1" noChangeArrowheads="1" noChangeShapeType="1" noTextEdit="1"/>
+          </p:cNvSpPr>
+          <p:nvPr>
+            <p:extLst>
+              <p:ext uri="{386F3935-93C4-4BCD-93E2-E3B085C9AB24}">
+                <p16:designElem xmlns:p16="http://schemas.microsoft.com/office/powerpoint/2015/main" val="1"/>
+              </p:ext>
+            </p:extLst>
+          </p:nvPr>
+        </p:nvSpPr>
+        <p:spPr>
+          <a:xfrm>
+            <a:off x="0" y="0"/>
+            <a:ext cx="7713579" cy="6858000"/>
+          </a:xfrm>
+          <a:custGeom>
+            <a:avLst/>
+            <a:gdLst>
+              <a:gd name="connsiteX0" fmla="*/ 0 w 7713579"/>
+              <a:gd name="connsiteY0" fmla="*/ 0 h 6858000"/>
+              <a:gd name="connsiteX1" fmla="*/ 7534191 w 7713579"/>
+              <a:gd name="connsiteY1" fmla="*/ 0 h 6858000"/>
+              <a:gd name="connsiteX2" fmla="*/ 7538954 w 7713579"/>
+              <a:gd name="connsiteY2" fmla="*/ 66675 h 6858000"/>
+              <a:gd name="connsiteX3" fmla="*/ 7546891 w 7713579"/>
+              <a:gd name="connsiteY3" fmla="*/ 122237 h 6858000"/>
+              <a:gd name="connsiteX4" fmla="*/ 7556416 w 7713579"/>
+              <a:gd name="connsiteY4" fmla="*/ 174625 h 6858000"/>
+              <a:gd name="connsiteX5" fmla="*/ 7572291 w 7713579"/>
+              <a:gd name="connsiteY5" fmla="*/ 217487 h 6858000"/>
+              <a:gd name="connsiteX6" fmla="*/ 7588166 w 7713579"/>
+              <a:gd name="connsiteY6" fmla="*/ 260350 h 6858000"/>
+              <a:gd name="connsiteX7" fmla="*/ 7607216 w 7713579"/>
+              <a:gd name="connsiteY7" fmla="*/ 296862 h 6858000"/>
+              <a:gd name="connsiteX8" fmla="*/ 7626266 w 7713579"/>
+              <a:gd name="connsiteY8" fmla="*/ 334962 h 6858000"/>
+              <a:gd name="connsiteX9" fmla="*/ 7643729 w 7713579"/>
+              <a:gd name="connsiteY9" fmla="*/ 369887 h 6858000"/>
+              <a:gd name="connsiteX10" fmla="*/ 7661191 w 7713579"/>
+              <a:gd name="connsiteY10" fmla="*/ 409575 h 6858000"/>
+              <a:gd name="connsiteX11" fmla="*/ 7677066 w 7713579"/>
+              <a:gd name="connsiteY11" fmla="*/ 450850 h 6858000"/>
+              <a:gd name="connsiteX12" fmla="*/ 7691354 w 7713579"/>
+              <a:gd name="connsiteY12" fmla="*/ 496887 h 6858000"/>
+              <a:gd name="connsiteX13" fmla="*/ 7702466 w 7713579"/>
+              <a:gd name="connsiteY13" fmla="*/ 546100 h 6858000"/>
+              <a:gd name="connsiteX14" fmla="*/ 7710404 w 7713579"/>
+              <a:gd name="connsiteY14" fmla="*/ 606425 h 6858000"/>
+              <a:gd name="connsiteX15" fmla="*/ 7713579 w 7713579"/>
+              <a:gd name="connsiteY15" fmla="*/ 673100 h 6858000"/>
+              <a:gd name="connsiteX16" fmla="*/ 7710404 w 7713579"/>
+              <a:gd name="connsiteY16" fmla="*/ 744537 h 6858000"/>
+              <a:gd name="connsiteX17" fmla="*/ 7702466 w 7713579"/>
+              <a:gd name="connsiteY17" fmla="*/ 801687 h 6858000"/>
+              <a:gd name="connsiteX18" fmla="*/ 7691354 w 7713579"/>
+              <a:gd name="connsiteY18" fmla="*/ 854075 h 6858000"/>
+              <a:gd name="connsiteX19" fmla="*/ 7677066 w 7713579"/>
+              <a:gd name="connsiteY19" fmla="*/ 901700 h 6858000"/>
+              <a:gd name="connsiteX20" fmla="*/ 7661191 w 7713579"/>
+              <a:gd name="connsiteY20" fmla="*/ 942975 h 6858000"/>
+              <a:gd name="connsiteX21" fmla="*/ 7642141 w 7713579"/>
+              <a:gd name="connsiteY21" fmla="*/ 981075 h 6858000"/>
+              <a:gd name="connsiteX22" fmla="*/ 7623091 w 7713579"/>
+              <a:gd name="connsiteY22" fmla="*/ 1017587 h 6858000"/>
+              <a:gd name="connsiteX23" fmla="*/ 7604041 w 7713579"/>
+              <a:gd name="connsiteY23" fmla="*/ 1055687 h 6858000"/>
+              <a:gd name="connsiteX24" fmla="*/ 7586579 w 7713579"/>
+              <a:gd name="connsiteY24" fmla="*/ 1095375 h 6858000"/>
+              <a:gd name="connsiteX25" fmla="*/ 7569116 w 7713579"/>
+              <a:gd name="connsiteY25" fmla="*/ 1136650 h 6858000"/>
+              <a:gd name="connsiteX26" fmla="*/ 7554829 w 7713579"/>
+              <a:gd name="connsiteY26" fmla="*/ 1182687 h 6858000"/>
+              <a:gd name="connsiteX27" fmla="*/ 7545304 w 7713579"/>
+              <a:gd name="connsiteY27" fmla="*/ 1235075 h 6858000"/>
+              <a:gd name="connsiteX28" fmla="*/ 7535779 w 7713579"/>
+              <a:gd name="connsiteY28" fmla="*/ 1295400 h 6858000"/>
+              <a:gd name="connsiteX29" fmla="*/ 7534191 w 7713579"/>
+              <a:gd name="connsiteY29" fmla="*/ 1363662 h 6858000"/>
+              <a:gd name="connsiteX30" fmla="*/ 7535779 w 7713579"/>
+              <a:gd name="connsiteY30" fmla="*/ 1431925 h 6858000"/>
+              <a:gd name="connsiteX31" fmla="*/ 7545304 w 7713579"/>
+              <a:gd name="connsiteY31" fmla="*/ 1492250 h 6858000"/>
+              <a:gd name="connsiteX32" fmla="*/ 7554829 w 7713579"/>
+              <a:gd name="connsiteY32" fmla="*/ 1544637 h 6858000"/>
+              <a:gd name="connsiteX33" fmla="*/ 7569116 w 7713579"/>
+              <a:gd name="connsiteY33" fmla="*/ 1589087 h 6858000"/>
+              <a:gd name="connsiteX34" fmla="*/ 7586579 w 7713579"/>
+              <a:gd name="connsiteY34" fmla="*/ 1631950 h 6858000"/>
+              <a:gd name="connsiteX35" fmla="*/ 7604041 w 7713579"/>
+              <a:gd name="connsiteY35" fmla="*/ 1671637 h 6858000"/>
+              <a:gd name="connsiteX36" fmla="*/ 7623091 w 7713579"/>
+              <a:gd name="connsiteY36" fmla="*/ 1708150 h 6858000"/>
+              <a:gd name="connsiteX37" fmla="*/ 7642141 w 7713579"/>
+              <a:gd name="connsiteY37" fmla="*/ 1743075 h 6858000"/>
+              <a:gd name="connsiteX38" fmla="*/ 7661191 w 7713579"/>
+              <a:gd name="connsiteY38" fmla="*/ 1782762 h 6858000"/>
+              <a:gd name="connsiteX39" fmla="*/ 7677066 w 7713579"/>
+              <a:gd name="connsiteY39" fmla="*/ 1824037 h 6858000"/>
+              <a:gd name="connsiteX40" fmla="*/ 7691354 w 7713579"/>
+              <a:gd name="connsiteY40" fmla="*/ 1870075 h 6858000"/>
+              <a:gd name="connsiteX41" fmla="*/ 7702466 w 7713579"/>
+              <a:gd name="connsiteY41" fmla="*/ 1922462 h 6858000"/>
+              <a:gd name="connsiteX42" fmla="*/ 7710404 w 7713579"/>
+              <a:gd name="connsiteY42" fmla="*/ 1982787 h 6858000"/>
+              <a:gd name="connsiteX43" fmla="*/ 7713579 w 7713579"/>
+              <a:gd name="connsiteY43" fmla="*/ 2051050 h 6858000"/>
+              <a:gd name="connsiteX44" fmla="*/ 7710404 w 7713579"/>
+              <a:gd name="connsiteY44" fmla="*/ 2119312 h 6858000"/>
+              <a:gd name="connsiteX45" fmla="*/ 7702466 w 7713579"/>
+              <a:gd name="connsiteY45" fmla="*/ 2179637 h 6858000"/>
+              <a:gd name="connsiteX46" fmla="*/ 7691354 w 7713579"/>
+              <a:gd name="connsiteY46" fmla="*/ 2232025 h 6858000"/>
+              <a:gd name="connsiteX47" fmla="*/ 7677066 w 7713579"/>
+              <a:gd name="connsiteY47" fmla="*/ 2278062 h 6858000"/>
+              <a:gd name="connsiteX48" fmla="*/ 7661191 w 7713579"/>
+              <a:gd name="connsiteY48" fmla="*/ 2319337 h 6858000"/>
+              <a:gd name="connsiteX49" fmla="*/ 7642141 w 7713579"/>
+              <a:gd name="connsiteY49" fmla="*/ 2359025 h 6858000"/>
+              <a:gd name="connsiteX50" fmla="*/ 7623091 w 7713579"/>
+              <a:gd name="connsiteY50" fmla="*/ 2395537 h 6858000"/>
+              <a:gd name="connsiteX51" fmla="*/ 7604041 w 7713579"/>
+              <a:gd name="connsiteY51" fmla="*/ 2433637 h 6858000"/>
+              <a:gd name="connsiteX52" fmla="*/ 7586579 w 7713579"/>
+              <a:gd name="connsiteY52" fmla="*/ 2471737 h 6858000"/>
+              <a:gd name="connsiteX53" fmla="*/ 7569116 w 7713579"/>
+              <a:gd name="connsiteY53" fmla="*/ 2513012 h 6858000"/>
+              <a:gd name="connsiteX54" fmla="*/ 7554829 w 7713579"/>
+              <a:gd name="connsiteY54" fmla="*/ 2560637 h 6858000"/>
+              <a:gd name="connsiteX55" fmla="*/ 7545304 w 7713579"/>
+              <a:gd name="connsiteY55" fmla="*/ 2613025 h 6858000"/>
+              <a:gd name="connsiteX56" fmla="*/ 7535779 w 7713579"/>
+              <a:gd name="connsiteY56" fmla="*/ 2671762 h 6858000"/>
+              <a:gd name="connsiteX57" fmla="*/ 7534191 w 7713579"/>
+              <a:gd name="connsiteY57" fmla="*/ 2741612 h 6858000"/>
+              <a:gd name="connsiteX58" fmla="*/ 7535779 w 7713579"/>
+              <a:gd name="connsiteY58" fmla="*/ 2809875 h 6858000"/>
+              <a:gd name="connsiteX59" fmla="*/ 7545304 w 7713579"/>
+              <a:gd name="connsiteY59" fmla="*/ 2868612 h 6858000"/>
+              <a:gd name="connsiteX60" fmla="*/ 7554829 w 7713579"/>
+              <a:gd name="connsiteY60" fmla="*/ 2922587 h 6858000"/>
+              <a:gd name="connsiteX61" fmla="*/ 7569116 w 7713579"/>
+              <a:gd name="connsiteY61" fmla="*/ 2967037 h 6858000"/>
+              <a:gd name="connsiteX62" fmla="*/ 7586579 w 7713579"/>
+              <a:gd name="connsiteY62" fmla="*/ 3009900 h 6858000"/>
+              <a:gd name="connsiteX63" fmla="*/ 7604041 w 7713579"/>
+              <a:gd name="connsiteY63" fmla="*/ 3046412 h 6858000"/>
+              <a:gd name="connsiteX64" fmla="*/ 7623091 w 7713579"/>
+              <a:gd name="connsiteY64" fmla="*/ 3084512 h 6858000"/>
+              <a:gd name="connsiteX65" fmla="*/ 7642141 w 7713579"/>
+              <a:gd name="connsiteY65" fmla="*/ 3121025 h 6858000"/>
+              <a:gd name="connsiteX66" fmla="*/ 7661191 w 7713579"/>
+              <a:gd name="connsiteY66" fmla="*/ 3160712 h 6858000"/>
+              <a:gd name="connsiteX67" fmla="*/ 7677066 w 7713579"/>
+              <a:gd name="connsiteY67" fmla="*/ 3201987 h 6858000"/>
+              <a:gd name="connsiteX68" fmla="*/ 7691354 w 7713579"/>
+              <a:gd name="connsiteY68" fmla="*/ 3248025 h 6858000"/>
+              <a:gd name="connsiteX69" fmla="*/ 7702466 w 7713579"/>
+              <a:gd name="connsiteY69" fmla="*/ 3300412 h 6858000"/>
+              <a:gd name="connsiteX70" fmla="*/ 7710404 w 7713579"/>
+              <a:gd name="connsiteY70" fmla="*/ 3360737 h 6858000"/>
+              <a:gd name="connsiteX71" fmla="*/ 7713579 w 7713579"/>
+              <a:gd name="connsiteY71" fmla="*/ 3427412 h 6858000"/>
+              <a:gd name="connsiteX72" fmla="*/ 7710404 w 7713579"/>
+              <a:gd name="connsiteY72" fmla="*/ 3497262 h 6858000"/>
+              <a:gd name="connsiteX73" fmla="*/ 7702466 w 7713579"/>
+              <a:gd name="connsiteY73" fmla="*/ 3557587 h 6858000"/>
+              <a:gd name="connsiteX74" fmla="*/ 7691354 w 7713579"/>
+              <a:gd name="connsiteY74" fmla="*/ 3609975 h 6858000"/>
+              <a:gd name="connsiteX75" fmla="*/ 7677066 w 7713579"/>
+              <a:gd name="connsiteY75" fmla="*/ 3656012 h 6858000"/>
+              <a:gd name="connsiteX76" fmla="*/ 7661191 w 7713579"/>
+              <a:gd name="connsiteY76" fmla="*/ 3697287 h 6858000"/>
+              <a:gd name="connsiteX77" fmla="*/ 7642141 w 7713579"/>
+              <a:gd name="connsiteY77" fmla="*/ 3736975 h 6858000"/>
+              <a:gd name="connsiteX78" fmla="*/ 7604041 w 7713579"/>
+              <a:gd name="connsiteY78" fmla="*/ 3811587 h 6858000"/>
+              <a:gd name="connsiteX79" fmla="*/ 7586579 w 7713579"/>
+              <a:gd name="connsiteY79" fmla="*/ 3848100 h 6858000"/>
+              <a:gd name="connsiteX80" fmla="*/ 7569116 w 7713579"/>
+              <a:gd name="connsiteY80" fmla="*/ 3890962 h 6858000"/>
+              <a:gd name="connsiteX81" fmla="*/ 7554829 w 7713579"/>
+              <a:gd name="connsiteY81" fmla="*/ 3935412 h 6858000"/>
+              <a:gd name="connsiteX82" fmla="*/ 7545304 w 7713579"/>
+              <a:gd name="connsiteY82" fmla="*/ 3987800 h 6858000"/>
+              <a:gd name="connsiteX83" fmla="*/ 7535779 w 7713579"/>
+              <a:gd name="connsiteY83" fmla="*/ 4048125 h 6858000"/>
+              <a:gd name="connsiteX84" fmla="*/ 7534191 w 7713579"/>
+              <a:gd name="connsiteY84" fmla="*/ 4116387 h 6858000"/>
+              <a:gd name="connsiteX85" fmla="*/ 7535779 w 7713579"/>
+              <a:gd name="connsiteY85" fmla="*/ 4186237 h 6858000"/>
+              <a:gd name="connsiteX86" fmla="*/ 7545304 w 7713579"/>
+              <a:gd name="connsiteY86" fmla="*/ 4244975 h 6858000"/>
+              <a:gd name="connsiteX87" fmla="*/ 7554829 w 7713579"/>
+              <a:gd name="connsiteY87" fmla="*/ 4297362 h 6858000"/>
+              <a:gd name="connsiteX88" fmla="*/ 7569116 w 7713579"/>
+              <a:gd name="connsiteY88" fmla="*/ 4343400 h 6858000"/>
+              <a:gd name="connsiteX89" fmla="*/ 7586579 w 7713579"/>
+              <a:gd name="connsiteY89" fmla="*/ 4386262 h 6858000"/>
+              <a:gd name="connsiteX90" fmla="*/ 7604041 w 7713579"/>
+              <a:gd name="connsiteY90" fmla="*/ 4424362 h 6858000"/>
+              <a:gd name="connsiteX91" fmla="*/ 7642141 w 7713579"/>
+              <a:gd name="connsiteY91" fmla="*/ 4498975 h 6858000"/>
+              <a:gd name="connsiteX92" fmla="*/ 7661191 w 7713579"/>
+              <a:gd name="connsiteY92" fmla="*/ 4537075 h 6858000"/>
+              <a:gd name="connsiteX93" fmla="*/ 7677066 w 7713579"/>
+              <a:gd name="connsiteY93" fmla="*/ 4579937 h 6858000"/>
+              <a:gd name="connsiteX94" fmla="*/ 7691354 w 7713579"/>
+              <a:gd name="connsiteY94" fmla="*/ 4625975 h 6858000"/>
+              <a:gd name="connsiteX95" fmla="*/ 7702466 w 7713579"/>
+              <a:gd name="connsiteY95" fmla="*/ 4678362 h 6858000"/>
+              <a:gd name="connsiteX96" fmla="*/ 7710404 w 7713579"/>
+              <a:gd name="connsiteY96" fmla="*/ 4738687 h 6858000"/>
+              <a:gd name="connsiteX97" fmla="*/ 7713579 w 7713579"/>
+              <a:gd name="connsiteY97" fmla="*/ 4806950 h 6858000"/>
+              <a:gd name="connsiteX98" fmla="*/ 7710404 w 7713579"/>
+              <a:gd name="connsiteY98" fmla="*/ 4875212 h 6858000"/>
+              <a:gd name="connsiteX99" fmla="*/ 7702466 w 7713579"/>
+              <a:gd name="connsiteY99" fmla="*/ 4935537 h 6858000"/>
+              <a:gd name="connsiteX100" fmla="*/ 7691354 w 7713579"/>
+              <a:gd name="connsiteY100" fmla="*/ 4987925 h 6858000"/>
+              <a:gd name="connsiteX101" fmla="*/ 7677066 w 7713579"/>
+              <a:gd name="connsiteY101" fmla="*/ 5033962 h 6858000"/>
+              <a:gd name="connsiteX102" fmla="*/ 7661191 w 7713579"/>
+              <a:gd name="connsiteY102" fmla="*/ 5075237 h 6858000"/>
+              <a:gd name="connsiteX103" fmla="*/ 7642141 w 7713579"/>
+              <a:gd name="connsiteY103" fmla="*/ 5114925 h 6858000"/>
+              <a:gd name="connsiteX104" fmla="*/ 7623091 w 7713579"/>
+              <a:gd name="connsiteY104" fmla="*/ 5149850 h 6858000"/>
+              <a:gd name="connsiteX105" fmla="*/ 7604041 w 7713579"/>
+              <a:gd name="connsiteY105" fmla="*/ 5186362 h 6858000"/>
+              <a:gd name="connsiteX106" fmla="*/ 7586579 w 7713579"/>
+              <a:gd name="connsiteY106" fmla="*/ 5226050 h 6858000"/>
+              <a:gd name="connsiteX107" fmla="*/ 7569116 w 7713579"/>
+              <a:gd name="connsiteY107" fmla="*/ 5268912 h 6858000"/>
+              <a:gd name="connsiteX108" fmla="*/ 7554829 w 7713579"/>
+              <a:gd name="connsiteY108" fmla="*/ 5313362 h 6858000"/>
+              <a:gd name="connsiteX109" fmla="*/ 7545304 w 7713579"/>
+              <a:gd name="connsiteY109" fmla="*/ 5365750 h 6858000"/>
+              <a:gd name="connsiteX110" fmla="*/ 7535779 w 7713579"/>
+              <a:gd name="connsiteY110" fmla="*/ 5426075 h 6858000"/>
+              <a:gd name="connsiteX111" fmla="*/ 7534191 w 7713579"/>
+              <a:gd name="connsiteY111" fmla="*/ 5494337 h 6858000"/>
+              <a:gd name="connsiteX112" fmla="*/ 7535779 w 7713579"/>
+              <a:gd name="connsiteY112" fmla="*/ 5562600 h 6858000"/>
+              <a:gd name="connsiteX113" fmla="*/ 7545304 w 7713579"/>
+              <a:gd name="connsiteY113" fmla="*/ 5622925 h 6858000"/>
+              <a:gd name="connsiteX114" fmla="*/ 7554829 w 7713579"/>
+              <a:gd name="connsiteY114" fmla="*/ 5675312 h 6858000"/>
+              <a:gd name="connsiteX115" fmla="*/ 7569116 w 7713579"/>
+              <a:gd name="connsiteY115" fmla="*/ 5721350 h 6858000"/>
+              <a:gd name="connsiteX116" fmla="*/ 7586579 w 7713579"/>
+              <a:gd name="connsiteY116" fmla="*/ 5762625 h 6858000"/>
+              <a:gd name="connsiteX117" fmla="*/ 7604041 w 7713579"/>
+              <a:gd name="connsiteY117" fmla="*/ 5802312 h 6858000"/>
+              <a:gd name="connsiteX118" fmla="*/ 7623091 w 7713579"/>
+              <a:gd name="connsiteY118" fmla="*/ 5840412 h 6858000"/>
+              <a:gd name="connsiteX119" fmla="*/ 7642141 w 7713579"/>
+              <a:gd name="connsiteY119" fmla="*/ 5876925 h 6858000"/>
+              <a:gd name="connsiteX120" fmla="*/ 7661191 w 7713579"/>
+              <a:gd name="connsiteY120" fmla="*/ 5915025 h 6858000"/>
+              <a:gd name="connsiteX121" fmla="*/ 7677066 w 7713579"/>
+              <a:gd name="connsiteY121" fmla="*/ 5956300 h 6858000"/>
+              <a:gd name="connsiteX122" fmla="*/ 7691354 w 7713579"/>
+              <a:gd name="connsiteY122" fmla="*/ 6003925 h 6858000"/>
+              <a:gd name="connsiteX123" fmla="*/ 7702466 w 7713579"/>
+              <a:gd name="connsiteY123" fmla="*/ 6056312 h 6858000"/>
+              <a:gd name="connsiteX124" fmla="*/ 7710404 w 7713579"/>
+              <a:gd name="connsiteY124" fmla="*/ 6113462 h 6858000"/>
+              <a:gd name="connsiteX125" fmla="*/ 7713579 w 7713579"/>
+              <a:gd name="connsiteY125" fmla="*/ 6183312 h 6858000"/>
+              <a:gd name="connsiteX126" fmla="*/ 7710404 w 7713579"/>
+              <a:gd name="connsiteY126" fmla="*/ 6251575 h 6858000"/>
+              <a:gd name="connsiteX127" fmla="*/ 7702466 w 7713579"/>
+              <a:gd name="connsiteY127" fmla="*/ 6311900 h 6858000"/>
+              <a:gd name="connsiteX128" fmla="*/ 7691354 w 7713579"/>
+              <a:gd name="connsiteY128" fmla="*/ 6361112 h 6858000"/>
+              <a:gd name="connsiteX129" fmla="*/ 7677066 w 7713579"/>
+              <a:gd name="connsiteY129" fmla="*/ 6407150 h 6858000"/>
+              <a:gd name="connsiteX130" fmla="*/ 7661191 w 7713579"/>
+              <a:gd name="connsiteY130" fmla="*/ 6448425 h 6858000"/>
+              <a:gd name="connsiteX131" fmla="*/ 7643729 w 7713579"/>
+              <a:gd name="connsiteY131" fmla="*/ 6488112 h 6858000"/>
+              <a:gd name="connsiteX132" fmla="*/ 7626266 w 7713579"/>
+              <a:gd name="connsiteY132" fmla="*/ 6523037 h 6858000"/>
+              <a:gd name="connsiteX133" fmla="*/ 7607216 w 7713579"/>
+              <a:gd name="connsiteY133" fmla="*/ 6561137 h 6858000"/>
+              <a:gd name="connsiteX134" fmla="*/ 7588166 w 7713579"/>
+              <a:gd name="connsiteY134" fmla="*/ 6597650 h 6858000"/>
+              <a:gd name="connsiteX135" fmla="*/ 7572291 w 7713579"/>
+              <a:gd name="connsiteY135" fmla="*/ 6640512 h 6858000"/>
+              <a:gd name="connsiteX136" fmla="*/ 7556416 w 7713579"/>
+              <a:gd name="connsiteY136" fmla="*/ 6683375 h 6858000"/>
+              <a:gd name="connsiteX137" fmla="*/ 7546891 w 7713579"/>
+              <a:gd name="connsiteY137" fmla="*/ 6735762 h 6858000"/>
+              <a:gd name="connsiteX138" fmla="*/ 7538954 w 7713579"/>
+              <a:gd name="connsiteY138" fmla="*/ 6791325 h 6858000"/>
+              <a:gd name="connsiteX139" fmla="*/ 7534191 w 7713579"/>
+              <a:gd name="connsiteY139" fmla="*/ 6858000 h 6858000"/>
+              <a:gd name="connsiteX140" fmla="*/ 0 w 7713579"/>
+              <a:gd name="connsiteY140" fmla="*/ 6858000 h 6858000"/>
+              <a:gd name="connsiteX141" fmla="*/ 0 w 7713579"/>
+              <a:gd name="connsiteY141" fmla="*/ 0 h 6858000"/>
+            </a:gdLst>
+            <a:ahLst/>
+            <a:cxnLst>
+              <a:cxn ang="0">
+                <a:pos x="connsiteX0" y="connsiteY0"/>
+              </a:cxn>
+              <a:cxn ang="0">
+                <a:pos x="connsiteX1" y="connsiteY1"/>
+              </a:cxn>
+              <a:cxn ang="0">
+                <a:pos x="connsiteX2" y="connsiteY2"/>
+              </a:cxn>
+              <a:cxn ang="0">
+                <a:pos x="connsiteX3" y="connsiteY3"/>
+              </a:cxn>
+              <a:cxn ang="0">
+                <a:pos x="connsiteX4" y="connsiteY4"/>
+              </a:cxn>
+              <a:cxn ang="0">
+                <a:pos x="connsiteX5" y="connsiteY5"/>
+              </a:cxn>
+              <a:cxn ang="0">
+                <a:pos x="connsiteX6" y="connsiteY6"/>
+              </a:cxn>
+              <a:cxn ang="0">
+                <a:pos x="connsiteX7" y="connsiteY7"/>
+              </a:cxn>
+              <a:cxn ang="0">
+                <a:pos x="connsiteX8" y="connsiteY8"/>
+              </a:cxn>
+              <a:cxn ang="0">
+                <a:pos x="connsiteX9" y="connsiteY9"/>
+              </a:cxn>
+              <a:cxn ang="0">
+                <a:pos x="connsiteX10" y="connsiteY10"/>
+              </a:cxn>
+              <a:cxn ang="0">
+                <a:pos x="connsiteX11" y="connsiteY11"/>
+              </a:cxn>
+              <a:cxn ang="0">
+                <a:pos x="connsiteX12" y="connsiteY12"/>
+              </a:cxn>
+              <a:cxn ang="0">
+                <a:pos x="connsiteX13" y="connsiteY13"/>
+              </a:cxn>
+              <a:cxn ang="0">
+                <a:pos x="connsiteX14" y="connsiteY14"/>
+              </a:cxn>
+              <a:cxn ang="0">
+                <a:pos x="connsiteX15" y="connsiteY15"/>
+              </a:cxn>
+              <a:cxn ang="0">
+                <a:pos x="connsiteX16" y="connsiteY16"/>
+              </a:cxn>
+              <a:cxn ang="0">
+                <a:pos x="connsiteX17" y="connsiteY17"/>
+              </a:cxn>
+              <a:cxn ang="0">
+                <a:pos x="connsiteX18" y="connsiteY18"/>
+              </a:cxn>
+              <a:cxn ang="0">
+                <a:pos x="connsiteX19" y="connsiteY19"/>
+              </a:cxn>
+              <a:cxn ang="0">
+                <a:pos x="connsiteX20" y="connsiteY20"/>
+              </a:cxn>
+              <a:cxn ang="0">
+                <a:pos x="connsiteX21" y="connsiteY21"/>
+              </a:cxn>
+              <a:cxn ang="0">
+                <a:pos x="connsiteX22" y="connsiteY22"/>
+              </a:cxn>
+              <a:cxn ang="0">
+                <a:pos x="connsiteX23" y="connsiteY23"/>
+              </a:cxn>
+              <a:cxn ang="0">
+                <a:pos x="connsiteX24" y="connsiteY24"/>
+              </a:cxn>
+              <a:cxn ang="0">
+                <a:pos x="connsiteX25" y="connsiteY25"/>
+              </a:cxn>
+              <a:cxn ang="0">
+                <a:pos x="connsiteX26" y="connsiteY26"/>
+              </a:cxn>
+              <a:cxn ang="0">
+                <a:pos x="connsiteX27" y="connsiteY27"/>
+              </a:cxn>
+              <a:cxn ang="0">
+                <a:pos x="connsiteX28" y="connsiteY28"/>
+              </a:cxn>
+              <a:cxn ang="0">
+                <a:pos x="connsiteX29" y="connsiteY29"/>
+              </a:cxn>
+              <a:cxn ang="0">
+                <a:pos x="connsiteX30" y="connsiteY30"/>
+              </a:cxn>
+              <a:cxn ang="0">
+                <a:pos x="connsiteX31" y="connsiteY31"/>
+              </a:cxn>
+              <a:cxn ang="0">
+                <a:pos x="connsiteX32" y="connsiteY32"/>
+              </a:cxn>
+              <a:cxn ang="0">
+                <a:pos x="connsiteX33" y="connsiteY33"/>
+              </a:cxn>
+              <a:cxn ang="0">
+                <a:pos x="connsiteX34" y="connsiteY34"/>
+              </a:cxn>
+              <a:cxn ang="0">
+                <a:pos x="connsiteX35" y="connsiteY35"/>
+              </a:cxn>
+              <a:cxn ang="0">
+                <a:pos x="connsiteX36" y="connsiteY36"/>
+              </a:cxn>
+              <a:cxn ang="0">
+                <a:pos x="connsiteX37" y="connsiteY37"/>
+              </a:cxn>
+              <a:cxn ang="0">
+                <a:pos x="connsiteX38" y="connsiteY38"/>
+              </a:cxn>
+              <a:cxn ang="0">
+                <a:pos x="connsiteX39" y="connsiteY39"/>
+              </a:cxn>
+              <a:cxn ang="0">
+                <a:pos x="connsiteX40" y="connsiteY40"/>
+              </a:cxn>
+              <a:cxn ang="0">
+                <a:pos x="connsiteX41" y="connsiteY41"/>
+              </a:cxn>
+              <a:cxn ang="0">
+                <a:pos x="connsiteX42" y="connsiteY42"/>
+              </a:cxn>
+              <a:cxn ang="0">
+                <a:pos x="connsiteX43" y="connsiteY43"/>
+              </a:cxn>
+              <a:cxn ang="0">
+                <a:pos x="connsiteX44" y="connsiteY44"/>
+              </a:cxn>
+              <a:cxn ang="0">
+                <a:pos x="connsiteX45" y="connsiteY45"/>
+              </a:cxn>
+              <a:cxn ang="0">
+                <a:pos x="connsiteX46" y="connsiteY46"/>
+              </a:cxn>
+              <a:cxn ang="0">
+                <a:pos x="connsiteX47" y="connsiteY47"/>
+              </a:cxn>
+              <a:cxn ang="0">
+                <a:pos x="connsiteX48" y="connsiteY48"/>
+              </a:cxn>
+              <a:cxn ang="0">
+                <a:pos x="connsiteX49" y="connsiteY49"/>
+              </a:cxn>
+              <a:cxn ang="0">
+                <a:pos x="connsiteX50" y="connsiteY50"/>
+              </a:cxn>
+              <a:cxn ang="0">
+                <a:pos x="connsiteX51" y="connsiteY51"/>
+              </a:cxn>
+              <a:cxn ang="0">
+                <a:pos x="connsiteX52" y="connsiteY52"/>
+              </a:cxn>
+              <a:cxn ang="0">
+                <a:pos x="connsiteX53" y="connsiteY53"/>
+              </a:cxn>
+              <a:cxn ang="0">
+                <a:pos x="connsiteX54" y="connsiteY54"/>
+              </a:cxn>
+              <a:cxn ang="0">
+                <a:pos x="connsiteX55" y="connsiteY55"/>
+              </a:cxn>
+              <a:cxn ang="0">
+                <a:pos x="connsiteX56" y="connsiteY56"/>
+              </a:cxn>
+              <a:cxn ang="0">
+                <a:pos x="connsiteX57" y="connsiteY57"/>
+              </a:cxn>
+              <a:cxn ang="0">
+                <a:pos x="connsiteX58" y="connsiteY58"/>
+              </a:cxn>
+              <a:cxn ang="0">
+                <a:pos x="connsiteX59" y="connsiteY59"/>
+              </a:cxn>
+              <a:cxn ang="0">
+                <a:pos x="connsiteX60" y="connsiteY60"/>
+              </a:cxn>
+              <a:cxn ang="0">
+                <a:pos x="connsiteX61" y="connsiteY61"/>
+              </a:cxn>
+              <a:cxn ang="0">
+                <a:pos x="connsiteX62" y="connsiteY62"/>
+              </a:cxn>
+              <a:cxn ang="0">
+                <a:pos x="connsiteX63" y="connsiteY63"/>
+              </a:cxn>
+              <a:cxn ang="0">
+                <a:pos x="connsiteX64" y="connsiteY64"/>
+              </a:cxn>
+              <a:cxn ang="0">
+                <a:pos x="connsiteX65" y="connsiteY65"/>
+              </a:cxn>
+              <a:cxn ang="0">
+                <a:pos x="connsiteX66" y="connsiteY66"/>
+              </a:cxn>
+              <a:cxn ang="0">
+                <a:pos x="connsiteX67" y="connsiteY67"/>
+              </a:cxn>
+              <a:cxn ang="0">
+                <a:pos x="connsiteX68" y="connsiteY68"/>
+              </a:cxn>
+              <a:cxn ang="0">
+                <a:pos x="connsiteX69" y="connsiteY69"/>
+              </a:cxn>
+              <a:cxn ang="0">
+                <a:pos x="connsiteX70" y="connsiteY70"/>
+              </a:cxn>
+              <a:cxn ang="0">
+                <a:pos x="connsiteX71" y="connsiteY71"/>
+              </a:cxn>
+              <a:cxn ang="0">
+                <a:pos x="connsiteX72" y="connsiteY72"/>
+              </a:cxn>
+              <a:cxn ang="0">
+                <a:pos x="connsiteX73" y="connsiteY73"/>
+              </a:cxn>
+              <a:cxn ang="0">
+                <a:pos x="connsiteX74" y="connsiteY74"/>
+              </a:cxn>
+              <a:cxn ang="0">
+                <a:pos x="connsiteX75" y="connsiteY75"/>
+              </a:cxn>
+              <a:cxn ang="0">
+                <a:pos x="connsiteX76" y="connsiteY76"/>
+              </a:cxn>
+              <a:cxn ang="0">
+                <a:pos x="connsiteX77" y="connsiteY77"/>
+              </a:cxn>
+              <a:cxn ang="0">
+                <a:pos x="connsiteX78" y="connsiteY78"/>
+              </a:cxn>
+              <a:cxn ang="0">
+                <a:pos x="connsiteX79" y="connsiteY79"/>
+              </a:cxn>
+              <a:cxn ang="0">
+                <a:pos x="connsiteX80" y="connsiteY80"/>
+              </a:cxn>
+              <a:cxn ang="0">
+                <a:pos x="connsiteX81" y="connsiteY81"/>
+              </a:cxn>
+              <a:cxn ang="0">
+                <a:pos x="connsiteX82" y="connsiteY82"/>
+              </a:cxn>
+              <a:cxn ang="0">
+                <a:pos x="connsiteX83" y="connsiteY83"/>
+              </a:cxn>
+              <a:cxn ang="0">
+                <a:pos x="connsiteX84" y="connsiteY84"/>
+              </a:cxn>
+              <a:cxn ang="0">
+                <a:pos x="connsiteX85" y="connsiteY85"/>
+              </a:cxn>
+              <a:cxn ang="0">
+                <a:pos x="connsiteX86" y="connsiteY86"/>
+              </a:cxn>
+              <a:cxn ang="0">
+                <a:pos x="connsiteX87" y="connsiteY87"/>
+              </a:cxn>
+              <a:cxn ang="0">
+                <a:pos x="connsiteX88" y="connsiteY88"/>
+              </a:cxn>
+              <a:cxn ang="0">
+                <a:pos x="connsiteX89" y="connsiteY89"/>
+              </a:cxn>
+              <a:cxn ang="0">
+                <a:pos x="connsiteX90" y="connsiteY90"/>
+              </a:cxn>
+              <a:cxn ang="0">
+                <a:pos x="connsiteX91" y="connsiteY91"/>
+              </a:cxn>
+              <a:cxn ang="0">
+                <a:pos x="connsiteX92" y="connsiteY92"/>
+              </a:cxn>
+              <a:cxn ang="0">
+                <a:pos x="connsiteX93" y="connsiteY93"/>
+              </a:cxn>
+              <a:cxn ang="0">
+                <a:pos x="connsiteX94" y="connsiteY94"/>
+              </a:cxn>
+              <a:cxn ang="0">
+                <a:pos x="connsiteX95" y="connsiteY95"/>
+              </a:cxn>
+              <a:cxn ang="0">
+                <a:pos x="connsiteX96" y="connsiteY96"/>
+              </a:cxn>
+              <a:cxn ang="0">
+                <a:pos x="connsiteX97" y="connsiteY97"/>
+              </a:cxn>
+              <a:cxn ang="0">
+                <a:pos x="connsiteX98" y="connsiteY98"/>
+              </a:cxn>
+              <a:cxn ang="0">
+                <a:pos x="connsiteX99" y="connsiteY99"/>
+              </a:cxn>
+              <a:cxn ang="0">
+                <a:pos x="connsiteX100" y="connsiteY100"/>
+              </a:cxn>
+              <a:cxn ang="0">
+                <a:pos x="connsiteX101" y="connsiteY101"/>
+              </a:cxn>
+              <a:cxn ang="0">
+                <a:pos x="connsiteX102" y="connsiteY102"/>
+              </a:cxn>
+              <a:cxn ang="0">
+                <a:pos x="connsiteX103" y="connsiteY103"/>
+              </a:cxn>
+              <a:cxn ang="0">
+                <a:pos x="connsiteX104" y="connsiteY104"/>
+              </a:cxn>
+              <a:cxn ang="0">
+                <a:pos x="connsiteX105" y="connsiteY105"/>
+              </a:cxn>
+              <a:cxn ang="0">
+                <a:pos x="connsiteX106" y="connsiteY106"/>
+              </a:cxn>
+              <a:cxn ang="0">
+                <a:pos x="connsiteX107" y="connsiteY107"/>
+              </a:cxn>
+              <a:cxn ang="0">
+                <a:pos x="connsiteX108" y="connsiteY108"/>
+              </a:cxn>
+              <a:cxn ang="0">
+                <a:pos x="connsiteX109" y="connsiteY109"/>
+              </a:cxn>
+              <a:cxn ang="0">
+                <a:pos x="connsiteX110" y="connsiteY110"/>
+              </a:cxn>
+              <a:cxn ang="0">
+                <a:pos x="connsiteX111" y="connsiteY111"/>
+              </a:cxn>
+              <a:cxn ang="0">
+                <a:pos x="connsiteX112" y="connsiteY112"/>
+              </a:cxn>
+              <a:cxn ang="0">
+                <a:pos x="connsiteX113" y="connsiteY113"/>
+              </a:cxn>
+              <a:cxn ang="0">
+                <a:pos x="connsiteX114" y="connsiteY114"/>
+              </a:cxn>
+              <a:cxn ang="0">
+                <a:pos x="connsiteX115" y="connsiteY115"/>
+              </a:cxn>
+              <a:cxn ang="0">
+                <a:pos x="connsiteX116" y="connsiteY116"/>
+              </a:cxn>
+              <a:cxn ang="0">
+                <a:pos x="connsiteX117" y="connsiteY117"/>
+              </a:cxn>
+              <a:cxn ang="0">
+                <a:pos x="connsiteX118" y="connsiteY118"/>
+              </a:cxn>
+              <a:cxn ang="0">
+                <a:pos x="connsiteX119" y="connsiteY119"/>
+              </a:cxn>
+              <a:cxn ang="0">
+                <a:pos x="connsiteX120" y="connsiteY120"/>
+              </a:cxn>
+              <a:cxn ang="0">
+                <a:pos x="connsiteX121" y="connsiteY121"/>
+              </a:cxn>
+              <a:cxn ang="0">
+                <a:pos x="connsiteX122" y="connsiteY122"/>
+              </a:cxn>
+              <a:cxn ang="0">
+                <a:pos x="connsiteX123" y="connsiteY123"/>
+              </a:cxn>
+              <a:cxn ang="0">
+                <a:pos x="connsiteX124" y="connsiteY124"/>
+              </a:cxn>
+              <a:cxn ang="0">
+                <a:pos x="connsiteX125" y="connsiteY125"/>
+              </a:cxn>
+              <a:cxn ang="0">
+                <a:pos x="connsiteX126" y="connsiteY126"/>
+              </a:cxn>
+              <a:cxn ang="0">
+                <a:pos x="connsiteX127" y="connsiteY127"/>
+              </a:cxn>
+              <a:cxn ang="0">
+                <a:pos x="connsiteX128" y="connsiteY128"/>
+              </a:cxn>
+              <a:cxn ang="0">
+                <a:pos x="connsiteX129" y="connsiteY129"/>
+              </a:cxn>
+              <a:cxn ang="0">
+                <a:pos x="connsiteX130" y="connsiteY130"/>
+              </a:cxn>
+              <a:cxn ang="0">
+                <a:pos x="connsiteX131" y="connsiteY131"/>
+              </a:cxn>
+              <a:cxn ang="0">
+                <a:pos x="connsiteX132" y="connsiteY132"/>
+              </a:cxn>
+              <a:cxn ang="0">
+                <a:pos x="connsiteX133" y="connsiteY133"/>
+              </a:cxn>
+              <a:cxn ang="0">
+                <a:pos x="connsiteX134" y="connsiteY134"/>
+              </a:cxn>
+              <a:cxn ang="0">
+                <a:pos x="connsiteX135" y="connsiteY135"/>
+              </a:cxn>
+              <a:cxn ang="0">
+                <a:pos x="connsiteX136" y="connsiteY136"/>
+              </a:cxn>
+              <a:cxn ang="0">
+                <a:pos x="connsiteX137" y="connsiteY137"/>
+              </a:cxn>
+              <a:cxn ang="0">
+                <a:pos x="connsiteX138" y="connsiteY138"/>
+              </a:cxn>
+              <a:cxn ang="0">
+                <a:pos x="connsiteX139" y="connsiteY139"/>
+              </a:cxn>
+              <a:cxn ang="0">
+                <a:pos x="connsiteX140" y="connsiteY140"/>
+              </a:cxn>
+              <a:cxn ang="0">
+                <a:pos x="connsiteX141" y="connsiteY141"/>
+              </a:cxn>
+            </a:cxnLst>
+            <a:rect l="l" t="t" r="r" b="b"/>
+            <a:pathLst>
+              <a:path w="7713579" h="6858000">
+                <a:moveTo>
+                  <a:pt x="0" y="0"/>
+                </a:moveTo>
+                <a:lnTo>
+                  <a:pt x="7534191" y="0"/>
+                </a:lnTo>
+                <a:lnTo>
+                  <a:pt x="7538954" y="66675"/>
+                </a:lnTo>
+                <a:lnTo>
+                  <a:pt x="7546891" y="122237"/>
+                </a:lnTo>
+                <a:lnTo>
+                  <a:pt x="7556416" y="174625"/>
+                </a:lnTo>
+                <a:lnTo>
+                  <a:pt x="7572291" y="217487"/>
+                </a:lnTo>
+                <a:lnTo>
+                  <a:pt x="7588166" y="260350"/>
+                </a:lnTo>
+                <a:lnTo>
+                  <a:pt x="7607216" y="296862"/>
+                </a:lnTo>
+                <a:lnTo>
+                  <a:pt x="7626266" y="334962"/>
+                </a:lnTo>
+                <a:lnTo>
+                  <a:pt x="7643729" y="369887"/>
+                </a:lnTo>
+                <a:lnTo>
+                  <a:pt x="7661191" y="409575"/>
+                </a:lnTo>
+                <a:lnTo>
+                  <a:pt x="7677066" y="450850"/>
+                </a:lnTo>
+                <a:lnTo>
+                  <a:pt x="7691354" y="496887"/>
+                </a:lnTo>
+                <a:lnTo>
+                  <a:pt x="7702466" y="546100"/>
+                </a:lnTo>
+                <a:lnTo>
+                  <a:pt x="7710404" y="606425"/>
+                </a:lnTo>
+                <a:lnTo>
+                  <a:pt x="7713579" y="673100"/>
+                </a:lnTo>
+                <a:lnTo>
+                  <a:pt x="7710404" y="744537"/>
+                </a:lnTo>
+                <a:lnTo>
+                  <a:pt x="7702466" y="801687"/>
+                </a:lnTo>
+                <a:lnTo>
+                  <a:pt x="7691354" y="854075"/>
+                </a:lnTo>
+                <a:lnTo>
+                  <a:pt x="7677066" y="901700"/>
+                </a:lnTo>
+                <a:lnTo>
+                  <a:pt x="7661191" y="942975"/>
+                </a:lnTo>
+                <a:lnTo>
+                  <a:pt x="7642141" y="981075"/>
+                </a:lnTo>
+                <a:lnTo>
+                  <a:pt x="7623091" y="1017587"/>
+                </a:lnTo>
+                <a:lnTo>
+                  <a:pt x="7604041" y="1055687"/>
+                </a:lnTo>
+                <a:lnTo>
+                  <a:pt x="7586579" y="1095375"/>
+                </a:lnTo>
+                <a:lnTo>
+                  <a:pt x="7569116" y="1136650"/>
+                </a:lnTo>
+                <a:lnTo>
+                  <a:pt x="7554829" y="1182687"/>
+                </a:lnTo>
+                <a:lnTo>
+                  <a:pt x="7545304" y="1235075"/>
+                </a:lnTo>
+                <a:lnTo>
+                  <a:pt x="7535779" y="1295400"/>
+                </a:lnTo>
+                <a:lnTo>
+                  <a:pt x="7534191" y="1363662"/>
+                </a:lnTo>
+                <a:lnTo>
+                  <a:pt x="7535779" y="1431925"/>
+                </a:lnTo>
+                <a:lnTo>
+                  <a:pt x="7545304" y="1492250"/>
+                </a:lnTo>
+                <a:lnTo>
+                  <a:pt x="7554829" y="1544637"/>
+                </a:lnTo>
+                <a:lnTo>
+                  <a:pt x="7569116" y="1589087"/>
+                </a:lnTo>
+                <a:lnTo>
+                  <a:pt x="7586579" y="1631950"/>
+                </a:lnTo>
+                <a:lnTo>
+                  <a:pt x="7604041" y="1671637"/>
+                </a:lnTo>
+                <a:lnTo>
+                  <a:pt x="7623091" y="1708150"/>
+                </a:lnTo>
+                <a:lnTo>
+                  <a:pt x="7642141" y="1743075"/>
+                </a:lnTo>
+                <a:lnTo>
+                  <a:pt x="7661191" y="1782762"/>
+                </a:lnTo>
+                <a:lnTo>
+                  <a:pt x="7677066" y="1824037"/>
+                </a:lnTo>
+                <a:lnTo>
+                  <a:pt x="7691354" y="1870075"/>
+                </a:lnTo>
+                <a:lnTo>
+                  <a:pt x="7702466" y="1922462"/>
+                </a:lnTo>
+                <a:lnTo>
+                  <a:pt x="7710404" y="1982787"/>
+                </a:lnTo>
+                <a:lnTo>
+                  <a:pt x="7713579" y="2051050"/>
+                </a:lnTo>
+                <a:lnTo>
+                  <a:pt x="7710404" y="2119312"/>
+                </a:lnTo>
+                <a:lnTo>
+                  <a:pt x="7702466" y="2179637"/>
+                </a:lnTo>
+                <a:lnTo>
+                  <a:pt x="7691354" y="2232025"/>
+                </a:lnTo>
+                <a:lnTo>
+                  <a:pt x="7677066" y="2278062"/>
+                </a:lnTo>
+                <a:lnTo>
+                  <a:pt x="7661191" y="2319337"/>
+                </a:lnTo>
+                <a:lnTo>
+                  <a:pt x="7642141" y="2359025"/>
+                </a:lnTo>
+                <a:lnTo>
+                  <a:pt x="7623091" y="2395537"/>
+                </a:lnTo>
+                <a:lnTo>
+                  <a:pt x="7604041" y="2433637"/>
+                </a:lnTo>
+                <a:lnTo>
+                  <a:pt x="7586579" y="2471737"/>
+                </a:lnTo>
+                <a:lnTo>
+                  <a:pt x="7569116" y="2513012"/>
+                </a:lnTo>
+                <a:lnTo>
+                  <a:pt x="7554829" y="2560637"/>
+                </a:lnTo>
+                <a:lnTo>
+                  <a:pt x="7545304" y="2613025"/>
+                </a:lnTo>
+                <a:lnTo>
+                  <a:pt x="7535779" y="2671762"/>
+                </a:lnTo>
+                <a:lnTo>
+                  <a:pt x="7534191" y="2741612"/>
+                </a:lnTo>
+                <a:lnTo>
+                  <a:pt x="7535779" y="2809875"/>
+                </a:lnTo>
+                <a:lnTo>
+                  <a:pt x="7545304" y="2868612"/>
+                </a:lnTo>
+                <a:lnTo>
+                  <a:pt x="7554829" y="2922587"/>
+                </a:lnTo>
+                <a:lnTo>
+                  <a:pt x="7569116" y="2967037"/>
+                </a:lnTo>
+                <a:lnTo>
+                  <a:pt x="7586579" y="3009900"/>
+                </a:lnTo>
+                <a:lnTo>
+                  <a:pt x="7604041" y="3046412"/>
+                </a:lnTo>
+                <a:lnTo>
+                  <a:pt x="7623091" y="3084512"/>
+                </a:lnTo>
+                <a:lnTo>
+                  <a:pt x="7642141" y="3121025"/>
+                </a:lnTo>
+                <a:lnTo>
+                  <a:pt x="7661191" y="3160712"/>
+                </a:lnTo>
+                <a:lnTo>
+                  <a:pt x="7677066" y="3201987"/>
+                </a:lnTo>
+                <a:lnTo>
+                  <a:pt x="7691354" y="3248025"/>
+                </a:lnTo>
+                <a:lnTo>
+                  <a:pt x="7702466" y="3300412"/>
+                </a:lnTo>
+                <a:lnTo>
+                  <a:pt x="7710404" y="3360737"/>
+                </a:lnTo>
+                <a:lnTo>
+                  <a:pt x="7713579" y="3427412"/>
+                </a:lnTo>
+                <a:lnTo>
+                  <a:pt x="7710404" y="3497262"/>
+                </a:lnTo>
+                <a:lnTo>
+                  <a:pt x="7702466" y="3557587"/>
+                </a:lnTo>
+                <a:lnTo>
+                  <a:pt x="7691354" y="3609975"/>
+                </a:lnTo>
+                <a:lnTo>
+                  <a:pt x="7677066" y="3656012"/>
+                </a:lnTo>
+                <a:lnTo>
+                  <a:pt x="7661191" y="3697287"/>
+                </a:lnTo>
+                <a:lnTo>
+                  <a:pt x="7642141" y="3736975"/>
+                </a:lnTo>
+                <a:lnTo>
+                  <a:pt x="7604041" y="3811587"/>
+                </a:lnTo>
+                <a:lnTo>
+                  <a:pt x="7586579" y="3848100"/>
+                </a:lnTo>
+                <a:lnTo>
+                  <a:pt x="7569116" y="3890962"/>
+                </a:lnTo>
+                <a:lnTo>
+                  <a:pt x="7554829" y="3935412"/>
+                </a:lnTo>
+                <a:lnTo>
+                  <a:pt x="7545304" y="3987800"/>
+                </a:lnTo>
+                <a:lnTo>
+                  <a:pt x="7535779" y="4048125"/>
+                </a:lnTo>
+                <a:lnTo>
+                  <a:pt x="7534191" y="4116387"/>
+                </a:lnTo>
+                <a:lnTo>
+                  <a:pt x="7535779" y="4186237"/>
+                </a:lnTo>
+                <a:lnTo>
+                  <a:pt x="7545304" y="4244975"/>
+                </a:lnTo>
+                <a:lnTo>
+                  <a:pt x="7554829" y="4297362"/>
+                </a:lnTo>
+                <a:lnTo>
+                  <a:pt x="7569116" y="4343400"/>
+                </a:lnTo>
+                <a:lnTo>
+                  <a:pt x="7586579" y="4386262"/>
+                </a:lnTo>
+                <a:lnTo>
+                  <a:pt x="7604041" y="4424362"/>
+                </a:lnTo>
+                <a:lnTo>
+                  <a:pt x="7642141" y="4498975"/>
+                </a:lnTo>
+                <a:lnTo>
+                  <a:pt x="7661191" y="4537075"/>
+                </a:lnTo>
+                <a:lnTo>
+                  <a:pt x="7677066" y="4579937"/>
+                </a:lnTo>
+                <a:lnTo>
+                  <a:pt x="7691354" y="4625975"/>
+                </a:lnTo>
+                <a:lnTo>
+                  <a:pt x="7702466" y="4678362"/>
+                </a:lnTo>
+                <a:lnTo>
+                  <a:pt x="7710404" y="4738687"/>
+                </a:lnTo>
+                <a:lnTo>
+                  <a:pt x="7713579" y="4806950"/>
+                </a:lnTo>
+                <a:lnTo>
+                  <a:pt x="7710404" y="4875212"/>
+                </a:lnTo>
+                <a:lnTo>
+                  <a:pt x="7702466" y="4935537"/>
+                </a:lnTo>
+                <a:lnTo>
+                  <a:pt x="7691354" y="4987925"/>
+                </a:lnTo>
+                <a:lnTo>
+                  <a:pt x="7677066" y="5033962"/>
+                </a:lnTo>
+                <a:lnTo>
+                  <a:pt x="7661191" y="5075237"/>
+                </a:lnTo>
+                <a:lnTo>
+                  <a:pt x="7642141" y="5114925"/>
+                </a:lnTo>
+                <a:lnTo>
+                  <a:pt x="7623091" y="5149850"/>
+                </a:lnTo>
+                <a:lnTo>
+                  <a:pt x="7604041" y="5186362"/>
+                </a:lnTo>
+                <a:lnTo>
+                  <a:pt x="7586579" y="5226050"/>
+                </a:lnTo>
+                <a:lnTo>
+                  <a:pt x="7569116" y="5268912"/>
+                </a:lnTo>
+                <a:lnTo>
+                  <a:pt x="7554829" y="5313362"/>
+                </a:lnTo>
+                <a:lnTo>
+                  <a:pt x="7545304" y="5365750"/>
+                </a:lnTo>
+                <a:lnTo>
+                  <a:pt x="7535779" y="5426075"/>
+                </a:lnTo>
+                <a:lnTo>
+                  <a:pt x="7534191" y="5494337"/>
+                </a:lnTo>
+                <a:lnTo>
+                  <a:pt x="7535779" y="5562600"/>
+                </a:lnTo>
+                <a:lnTo>
+                  <a:pt x="7545304" y="5622925"/>
+                </a:lnTo>
+                <a:lnTo>
+                  <a:pt x="7554829" y="5675312"/>
+                </a:lnTo>
+                <a:lnTo>
+                  <a:pt x="7569116" y="5721350"/>
+                </a:lnTo>
+                <a:lnTo>
+                  <a:pt x="7586579" y="5762625"/>
+                </a:lnTo>
+                <a:lnTo>
+                  <a:pt x="7604041" y="5802312"/>
+                </a:lnTo>
+                <a:lnTo>
+                  <a:pt x="7623091" y="5840412"/>
+                </a:lnTo>
+                <a:lnTo>
+                  <a:pt x="7642141" y="5876925"/>
+                </a:lnTo>
+                <a:lnTo>
+                  <a:pt x="7661191" y="5915025"/>
+                </a:lnTo>
+                <a:lnTo>
+                  <a:pt x="7677066" y="5956300"/>
+                </a:lnTo>
+                <a:lnTo>
+                  <a:pt x="7691354" y="6003925"/>
+                </a:lnTo>
+                <a:lnTo>
+                  <a:pt x="7702466" y="6056312"/>
+                </a:lnTo>
+                <a:lnTo>
+                  <a:pt x="7710404" y="6113462"/>
+                </a:lnTo>
+                <a:lnTo>
+                  <a:pt x="7713579" y="6183312"/>
+                </a:lnTo>
+                <a:lnTo>
+                  <a:pt x="7710404" y="6251575"/>
+                </a:lnTo>
+                <a:lnTo>
+                  <a:pt x="7702466" y="6311900"/>
+                </a:lnTo>
+                <a:lnTo>
+                  <a:pt x="7691354" y="6361112"/>
+                </a:lnTo>
+                <a:lnTo>
+                  <a:pt x="7677066" y="6407150"/>
+                </a:lnTo>
+                <a:lnTo>
+                  <a:pt x="7661191" y="6448425"/>
+                </a:lnTo>
+                <a:lnTo>
+                  <a:pt x="7643729" y="6488112"/>
+                </a:lnTo>
+                <a:lnTo>
+                  <a:pt x="7626266" y="6523037"/>
+                </a:lnTo>
+                <a:lnTo>
+                  <a:pt x="7607216" y="6561137"/>
+                </a:lnTo>
+                <a:lnTo>
+                  <a:pt x="7588166" y="6597650"/>
+                </a:lnTo>
+                <a:lnTo>
+                  <a:pt x="7572291" y="6640512"/>
+                </a:lnTo>
+                <a:lnTo>
+                  <a:pt x="7556416" y="6683375"/>
+                </a:lnTo>
+                <a:lnTo>
+                  <a:pt x="7546891" y="6735762"/>
+                </a:lnTo>
+                <a:lnTo>
+                  <a:pt x="7538954" y="6791325"/>
+                </a:lnTo>
+                <a:lnTo>
+                  <a:pt x="7534191" y="6858000"/>
+                </a:lnTo>
+                <a:lnTo>
+                  <a:pt x="0" y="6858000"/>
+                </a:lnTo>
+                <a:lnTo>
+                  <a:pt x="0" y="0"/>
+                </a:lnTo>
+                <a:close/>
+              </a:path>
+            </a:pathLst>
+          </a:custGeom>
+          <a:solidFill>
+            <a:srgbClr val="FFFFFF"/>
+          </a:solidFill>
+          <a:ln w="12700" cap="flat" cmpd="sng" algn="ctr">
+            <a:noFill/>
+            <a:prstDash val="solid"/>
+            <a:miter lim="800000"/>
+          </a:ln>
+          <a:effectLst/>
+        </p:spPr>
+        <p:style>
+          <a:lnRef idx="2">
+            <a:schemeClr val="accent1">
+              <a:shade val="50000"/>
+            </a:schemeClr>
+          </a:lnRef>
+          <a:fillRef idx="1">
+            <a:schemeClr val="accent1"/>
+          </a:fillRef>
+          <a:effectRef idx="0">
+            <a:schemeClr val="accent1"/>
+          </a:effectRef>
+          <a:fontRef idx="minor">
+            <a:schemeClr val="lt1"/>
+          </a:fontRef>
+        </p:style>
+        <p:txBody>
+          <a:bodyPr rtlCol="0" anchor="ctr"/>
+          <a:lstStyle/>
+          <a:p>
+            <a:pPr algn="ctr"/>
+            <a:endParaRPr lang="en-US"/>
           </a:p>
         </p:txBody>
       </p:sp>
@@ -8972,50 +12403,14 @@
         </p:blipFill>
         <p:spPr>
           <a:xfrm>
-            <a:off x="3841606" y="1825625"/>
-            <a:ext cx="4508788" cy="4351338"/>
-          </a:xfrm>
-        </p:spPr>
-      </p:pic>
-      <p:sp>
-        <p:nvSpPr>
-          <p:cNvPr id="3" name="TextBox 2">
-            <a:extLst>
-              <a:ext uri="{FF2B5EF4-FFF2-40B4-BE49-F238E27FC236}">
-                <a16:creationId xmlns:a16="http://schemas.microsoft.com/office/drawing/2014/main" id="{3AA76EDA-873B-4C95-9ED7-4CD3ABC97401}"/>
-              </a:ext>
-            </a:extLst>
-          </p:cNvPr>
-          <p:cNvSpPr txBox="1"/>
-          <p:nvPr/>
-        </p:nvSpPr>
-        <p:spPr>
-          <a:xfrm>
-            <a:off x="308264" y="1823605"/>
-            <a:ext cx="2743199" cy="369332"/>
+            <a:off x="886438" y="643469"/>
+            <a:ext cx="5773121" cy="5571062"/>
           </a:xfrm>
           <a:prstGeom prst="rect">
             <a:avLst/>
           </a:prstGeom>
-          <a:noFill/>
         </p:spPr>
-        <p:txBody>
-          <a:bodyPr rot="0" spcFirstLastPara="0" vertOverflow="overflow" horzOverflow="overflow" vert="horz" wrap="square" lIns="91440" tIns="45720" rIns="91440" bIns="45720" numCol="1" spcCol="0" rtlCol="0" fromWordArt="0" anchor="t" anchorCtr="0" forceAA="0" compatLnSpc="1">
-            <a:prstTxWarp prst="textNoShape">
-              <a:avLst/>
-            </a:prstTxWarp>
-            <a:spAutoFit/>
-          </a:bodyPr>
-          <a:lstStyle/>
-          <a:p>
-            <a:pPr algn="l"/>
-            <a:r>
-              <a:rPr lang="en-US"/>
-              <a:t>Click to add text</a:t>
-            </a:r>
-          </a:p>
-        </p:txBody>
-      </p:sp>
+      </p:pic>
     </p:spTree>
     <p:extLst>
       <p:ext uri="{BB962C8B-B14F-4D97-AF65-F5344CB8AC3E}">
@@ -9655,8 +13050,8 @@
 </p:sld>
 </file>
 
-<file path=ppt/slides/slide3.xml><?xml version="1.0" encoding="utf-8"?>
-<p:sld xmlns:a="http://schemas.openxmlformats.org/drawingml/2006/main" xmlns:r="http://schemas.openxmlformats.org/officeDocument/2006/relationships" xmlns:p="http://schemas.openxmlformats.org/presentationml/2006/main">
+<file path=ppt/slides/slide22.xml><?xml version="1.0" encoding="utf-8"?>
+<p:sld xmlns:a="http://schemas.openxmlformats.org/drawingml/2006/main" xmlns:r="http://schemas.openxmlformats.org/officeDocument/2006/relationships" xmlns:p="http://schemas.openxmlformats.org/presentationml/2006/main" show="0">
   <p:cSld>
     <p:spTree>
       <p:nvGrpSpPr>
@@ -9677,7 +13072,7 @@
           <p:cNvPr id="2" name="Title 1">
             <a:extLst>
               <a:ext uri="{FF2B5EF4-FFF2-40B4-BE49-F238E27FC236}">
-                <a16:creationId xmlns:a16="http://schemas.microsoft.com/office/drawing/2014/main" id="{92EE7463-1C1B-4BDE-94BB-493F7281A42D}"/>
+                <a16:creationId xmlns:a16="http://schemas.microsoft.com/office/drawing/2014/main" id="{7C80B9F5-78F4-4D03-9BC7-70EBC18C0AF7}"/>
               </a:ext>
             </a:extLst>
           </p:cNvPr>
@@ -9693,13 +13088,399 @@
           <a:bodyPr/>
           <a:lstStyle/>
           <a:p>
+            <a:endParaRPr lang="en-US" dirty="0">
+              <a:cs typeface="Calibri Light"/>
+            </a:endParaRPr>
+          </a:p>
+        </p:txBody>
+      </p:sp>
+      <p:sp>
+        <p:nvSpPr>
+          <p:cNvPr id="3" name="Content Placeholder 2">
+            <a:extLst>
+              <a:ext uri="{FF2B5EF4-FFF2-40B4-BE49-F238E27FC236}">
+                <a16:creationId xmlns:a16="http://schemas.microsoft.com/office/drawing/2014/main" id="{9982A0AC-C691-42BC-85F1-995929D1A6F1}"/>
+              </a:ext>
+            </a:extLst>
+          </p:cNvPr>
+          <p:cNvSpPr>
+            <a:spLocks noGrp="1"/>
+          </p:cNvSpPr>
+          <p:nvPr>
+            <p:ph idx="1"/>
+          </p:nvPr>
+        </p:nvSpPr>
+        <p:spPr/>
+        <p:txBody>
+          <a:bodyPr/>
+          <a:lstStyle/>
+          <a:p>
+            <a:endParaRPr lang="en-US"/>
+          </a:p>
+        </p:txBody>
+      </p:sp>
+    </p:spTree>
+    <p:extLst>
+      <p:ext uri="{BB962C8B-B14F-4D97-AF65-F5344CB8AC3E}">
+        <p14:creationId xmlns:p14="http://schemas.microsoft.com/office/powerpoint/2010/main" val="904073479"/>
+      </p:ext>
+    </p:extLst>
+  </p:cSld>
+  <p:clrMapOvr>
+    <a:masterClrMapping/>
+  </p:clrMapOvr>
+</p:sld>
+</file>
+
+<file path=ppt/slides/slide3.xml><?xml version="1.0" encoding="utf-8"?>
+<p:sld xmlns:a="http://schemas.openxmlformats.org/drawingml/2006/main" xmlns:r="http://schemas.openxmlformats.org/officeDocument/2006/relationships" xmlns:p="http://schemas.openxmlformats.org/presentationml/2006/main">
+  <p:cSld>
+    <p:bg>
+      <p:bgPr>
+        <a:solidFill>
+          <a:schemeClr val="bg1"/>
+        </a:solidFill>
+        <a:effectLst/>
+      </p:bgPr>
+    </p:bg>
+    <p:spTree>
+      <p:nvGrpSpPr>
+        <p:cNvPr id="1" name=""/>
+        <p:cNvGrpSpPr/>
+        <p:nvPr/>
+      </p:nvGrpSpPr>
+      <p:grpSpPr>
+        <a:xfrm>
+          <a:off x="0" y="0"/>
+          <a:ext cx="0" cy="0"/>
+          <a:chOff x="0" y="0"/>
+          <a:chExt cx="0" cy="0"/>
+        </a:xfrm>
+      </p:grpSpPr>
+      <p:sp>
+        <p:nvSpPr>
+          <p:cNvPr id="9" name="Rectangle 8">
+            <a:extLst>
+              <a:ext uri="{FF2B5EF4-FFF2-40B4-BE49-F238E27FC236}">
+                <a16:creationId xmlns:a16="http://schemas.microsoft.com/office/drawing/2014/main" id="{C7FA33FF-088D-4F16-95A2-2C64D353DEA8}"/>
+              </a:ext>
+              <a:ext uri="{C183D7F6-B498-43B3-948B-1728B52AA6E4}">
+                <adec:decorative xmlns:adec="http://schemas.microsoft.com/office/drawing/2017/decorative" val="1"/>
+              </a:ext>
+            </a:extLst>
+          </p:cNvPr>
+          <p:cNvSpPr>
+            <a:spLocks noGrp="1" noRot="1" noChangeAspect="1" noMove="1" noResize="1" noEditPoints="1" noAdjustHandles="1" noChangeArrowheads="1" noChangeShapeType="1" noTextEdit="1"/>
+          </p:cNvSpPr>
+          <p:nvPr>
+            <p:extLst>
+              <p:ext uri="{386F3935-93C4-4BCD-93E2-E3B085C9AB24}">
+                <p16:designElem xmlns:p16="http://schemas.microsoft.com/office/powerpoint/2015/main" val="1"/>
+              </p:ext>
+            </p:extLst>
+          </p:nvPr>
+        </p:nvSpPr>
+        <p:spPr>
+          <a:xfrm>
+            <a:off x="1524" y="0"/>
+            <a:ext cx="12188952" cy="6858000"/>
+          </a:xfrm>
+          <a:prstGeom prst="rect">
+            <a:avLst/>
+          </a:prstGeom>
+          <a:solidFill>
+            <a:schemeClr val="tx1"/>
+          </a:solidFill>
+          <a:ln>
+            <a:noFill/>
+          </a:ln>
+        </p:spPr>
+        <p:style>
+          <a:lnRef idx="2">
+            <a:schemeClr val="accent1">
+              <a:shade val="50000"/>
+            </a:schemeClr>
+          </a:lnRef>
+          <a:fillRef idx="1">
+            <a:schemeClr val="accent1"/>
+          </a:fillRef>
+          <a:effectRef idx="0">
+            <a:schemeClr val="accent1"/>
+          </a:effectRef>
+          <a:fontRef idx="minor">
+            <a:schemeClr val="lt1"/>
+          </a:fontRef>
+        </p:style>
+        <p:txBody>
+          <a:bodyPr rtlCol="0" anchor="ctr"/>
+          <a:lstStyle/>
+          <a:p>
+            <a:pPr algn="ctr"/>
+            <a:endParaRPr lang="en-US"/>
+          </a:p>
+        </p:txBody>
+      </p:sp>
+      <p:sp>
+        <p:nvSpPr>
+          <p:cNvPr id="11" name="Rectangle 10">
+            <a:extLst>
+              <a:ext uri="{FF2B5EF4-FFF2-40B4-BE49-F238E27FC236}">
+                <a16:creationId xmlns:a16="http://schemas.microsoft.com/office/drawing/2014/main" id="{A376EFB1-01CF-419F-ABF1-2AF02BBFCBD1}"/>
+              </a:ext>
+              <a:ext uri="{C183D7F6-B498-43B3-948B-1728B52AA6E4}">
+                <adec:decorative xmlns:adec="http://schemas.microsoft.com/office/drawing/2017/decorative" val="1"/>
+              </a:ext>
+            </a:extLst>
+          </p:cNvPr>
+          <p:cNvSpPr>
+            <a:spLocks noGrp="1" noRot="1" noChangeAspect="1" noMove="1" noResize="1" noEditPoints="1" noAdjustHandles="1" noChangeArrowheads="1" noChangeShapeType="1" noTextEdit="1"/>
+          </p:cNvSpPr>
+          <p:nvPr>
+            <p:extLst>
+              <p:ext uri="{386F3935-93C4-4BCD-93E2-E3B085C9AB24}">
+                <p16:designElem xmlns:p16="http://schemas.microsoft.com/office/powerpoint/2015/main" val="1"/>
+              </p:ext>
+            </p:extLst>
+          </p:nvPr>
+        </p:nvSpPr>
+        <p:spPr>
+          <a:xfrm>
+            <a:off x="-1" y="0"/>
+            <a:ext cx="6464595" cy="6858000"/>
+          </a:xfrm>
+          <a:prstGeom prst="rect">
+            <a:avLst/>
+          </a:prstGeom>
+          <a:solidFill>
+            <a:schemeClr val="bg1">
+              <a:alpha val="81000"/>
+            </a:schemeClr>
+          </a:solidFill>
+          <a:ln>
+            <a:noFill/>
+          </a:ln>
+        </p:spPr>
+        <p:style>
+          <a:lnRef idx="2">
+            <a:schemeClr val="accent1">
+              <a:shade val="50000"/>
+            </a:schemeClr>
+          </a:lnRef>
+          <a:fillRef idx="1">
+            <a:schemeClr val="accent1"/>
+          </a:fillRef>
+          <a:effectRef idx="0">
+            <a:schemeClr val="accent1"/>
+          </a:effectRef>
+          <a:fontRef idx="minor">
+            <a:schemeClr val="lt1"/>
+          </a:fontRef>
+        </p:style>
+        <p:txBody>
+          <a:bodyPr rtlCol="0" anchor="ctr"/>
+          <a:lstStyle/>
+          <a:p>
+            <a:pPr algn="ctr"/>
+            <a:endParaRPr lang="en-US"/>
+          </a:p>
+        </p:txBody>
+      </p:sp>
+      <p:sp>
+        <p:nvSpPr>
+          <p:cNvPr id="13" name="Freeform: Shape 12">
+            <a:extLst>
+              <a:ext uri="{FF2B5EF4-FFF2-40B4-BE49-F238E27FC236}">
+                <a16:creationId xmlns:a16="http://schemas.microsoft.com/office/drawing/2014/main" id="{FF9DEA15-78BD-4750-AA18-B9F28A6D5AB8}"/>
+              </a:ext>
+              <a:ext uri="{C183D7F6-B498-43B3-948B-1728B52AA6E4}">
+                <adec:decorative xmlns:adec="http://schemas.microsoft.com/office/drawing/2017/decorative" val="1"/>
+              </a:ext>
+            </a:extLst>
+          </p:cNvPr>
+          <p:cNvSpPr>
+            <a:spLocks noGrp="1" noRot="1" noChangeAspect="1" noMove="1" noResize="1" noEditPoints="1" noAdjustHandles="1" noChangeArrowheads="1" noChangeShapeType="1" noTextEdit="1"/>
+          </p:cNvSpPr>
+          <p:nvPr>
+            <p:extLst>
+              <p:ext uri="{386F3935-93C4-4BCD-93E2-E3B085C9AB24}">
+                <p16:designElem xmlns:p16="http://schemas.microsoft.com/office/powerpoint/2015/main" val="1"/>
+              </p:ext>
+            </p:extLst>
+          </p:nvPr>
+        </p:nvSpPr>
+        <p:spPr>
+          <a:xfrm>
+            <a:off x="-1" y="0"/>
+            <a:ext cx="4546337" cy="6858000"/>
+          </a:xfrm>
+          <a:custGeom>
+            <a:avLst/>
+            <a:gdLst>
+              <a:gd name="connsiteX0" fmla="*/ 0 w 4319042"/>
+              <a:gd name="connsiteY0" fmla="*/ 0 h 6858000"/>
+              <a:gd name="connsiteX1" fmla="*/ 1142888 w 4319042"/>
+              <a:gd name="connsiteY1" fmla="*/ 0 h 6858000"/>
+              <a:gd name="connsiteX2" fmla="*/ 4319042 w 4319042"/>
+              <a:gd name="connsiteY2" fmla="*/ 6858000 h 6858000"/>
+              <a:gd name="connsiteX3" fmla="*/ 0 w 4319042"/>
+              <a:gd name="connsiteY3" fmla="*/ 6858000 h 6858000"/>
+            </a:gdLst>
+            <a:ahLst/>
+            <a:cxnLst>
+              <a:cxn ang="0">
+                <a:pos x="connsiteX0" y="connsiteY0"/>
+              </a:cxn>
+              <a:cxn ang="0">
+                <a:pos x="connsiteX1" y="connsiteY1"/>
+              </a:cxn>
+              <a:cxn ang="0">
+                <a:pos x="connsiteX2" y="connsiteY2"/>
+              </a:cxn>
+              <a:cxn ang="0">
+                <a:pos x="connsiteX3" y="connsiteY3"/>
+              </a:cxn>
+            </a:cxnLst>
+            <a:rect l="l" t="t" r="r" b="b"/>
+            <a:pathLst>
+              <a:path w="4319042" h="6858000">
+                <a:moveTo>
+                  <a:pt x="0" y="0"/>
+                </a:moveTo>
+                <a:lnTo>
+                  <a:pt x="1142888" y="0"/>
+                </a:lnTo>
+                <a:lnTo>
+                  <a:pt x="4319042" y="6858000"/>
+                </a:lnTo>
+                <a:lnTo>
+                  <a:pt x="0" y="6858000"/>
+                </a:lnTo>
+                <a:close/>
+              </a:path>
+            </a:pathLst>
+          </a:custGeom>
+          <a:solidFill>
+            <a:schemeClr val="bg1">
+              <a:alpha val="35000"/>
+            </a:schemeClr>
+          </a:solidFill>
+          <a:ln>
+            <a:noFill/>
+          </a:ln>
+        </p:spPr>
+        <p:style>
+          <a:lnRef idx="2">
+            <a:schemeClr val="accent1">
+              <a:shade val="50000"/>
+            </a:schemeClr>
+          </a:lnRef>
+          <a:fillRef idx="1">
+            <a:schemeClr val="accent1"/>
+          </a:fillRef>
+          <a:effectRef idx="0">
+            <a:schemeClr val="accent1"/>
+          </a:effectRef>
+          <a:fontRef idx="minor">
+            <a:schemeClr val="lt1"/>
+          </a:fontRef>
+        </p:style>
+        <p:txBody>
+          <a:bodyPr wrap="square" rtlCol="0" anchor="ctr">
+            <a:noAutofit/>
+          </a:bodyPr>
+          <a:lstStyle/>
+          <a:p>
+            <a:pPr algn="ctr"/>
+            <a:endParaRPr lang="en-US"/>
+          </a:p>
+        </p:txBody>
+      </p:sp>
+      <p:sp>
+        <p:nvSpPr>
+          <p:cNvPr id="2" name="Title 1">
+            <a:extLst>
+              <a:ext uri="{FF2B5EF4-FFF2-40B4-BE49-F238E27FC236}">
+                <a16:creationId xmlns:a16="http://schemas.microsoft.com/office/drawing/2014/main" id="{92EE7463-1C1B-4BDE-94BB-493F7281A42D}"/>
+              </a:ext>
+            </a:extLst>
+          </p:cNvPr>
+          <p:cNvSpPr>
+            <a:spLocks noGrp="1"/>
+          </p:cNvSpPr>
+          <p:nvPr>
+            <p:ph type="title"/>
+          </p:nvPr>
+        </p:nvSpPr>
+        <p:spPr>
+          <a:xfrm>
+            <a:off x="804672" y="640263"/>
+            <a:ext cx="5157216" cy="1344975"/>
+          </a:xfrm>
+        </p:spPr>
+        <p:txBody>
+          <a:bodyPr vert="horz" lIns="91440" tIns="45720" rIns="91440" bIns="45720" rtlCol="0" anchor="ctr">
+            <a:normAutofit/>
+          </a:bodyPr>
+          <a:lstStyle/>
+          <a:p>
             <a:r>
-              <a:rPr lang="en-US">
-                <a:cs typeface="Calibri Light"/>
+              <a:rPr lang="en-US" sz="4000" kern="1200">
+                <a:solidFill>
+                  <a:schemeClr val="tx1"/>
+                </a:solidFill>
+                <a:latin typeface="+mj-lt"/>
+                <a:ea typeface="+mj-ea"/>
+                <a:cs typeface="+mj-cs"/>
               </a:rPr>
               <a:t>Program Structure</a:t>
             </a:r>
-            <a:endParaRPr lang="en-US"/>
+          </a:p>
+        </p:txBody>
+      </p:sp>
+      <p:sp>
+        <p:nvSpPr>
+          <p:cNvPr id="3" name="TextBox 2">
+            <a:extLst>
+              <a:ext uri="{FF2B5EF4-FFF2-40B4-BE49-F238E27FC236}">
+                <a16:creationId xmlns:a16="http://schemas.microsoft.com/office/drawing/2014/main" id="{5D4E9E55-94C1-4FD3-A80E-D9AB284B8D0E}"/>
+              </a:ext>
+            </a:extLst>
+          </p:cNvPr>
+          <p:cNvSpPr txBox="1"/>
+          <p:nvPr/>
+        </p:nvSpPr>
+        <p:spPr>
+          <a:xfrm>
+            <a:off x="804672" y="2121763"/>
+            <a:ext cx="5157216" cy="3773010"/>
+          </a:xfrm>
+          <a:prstGeom prst="rect">
+            <a:avLst/>
+          </a:prstGeom>
+        </p:spPr>
+        <p:txBody>
+          <a:bodyPr rot="0" spcFirstLastPara="0" vertOverflow="overflow" horzOverflow="overflow" vert="horz" lIns="91440" tIns="45720" rIns="91440" bIns="45720" numCol="1" spcCol="0" rtlCol="0" fromWordArt="0" anchorCtr="0" forceAA="0" compatLnSpc="1">
+            <a:prstTxWarp prst="textNoShape">
+              <a:avLst/>
+            </a:prstTxWarp>
+            <a:normAutofit/>
+          </a:bodyPr>
+          <a:lstStyle/>
+          <a:p>
+            <a:pPr indent="-228600">
+              <a:lnSpc>
+                <a:spcPct val="90000"/>
+              </a:lnSpc>
+              <a:spcAft>
+                <a:spcPts val="600"/>
+              </a:spcAft>
+              <a:buFont typeface="Arial" panose="020B0604020202020204" pitchFamily="34" charset="0"/>
+              <a:buChar char="•"/>
+            </a:pPr>
+            <a:r>
+              <a:rPr lang="en-US" sz="2000"/>
+              <a:t>This is a plan of what my coding will need to have in each of my different components so I know what to write when I am doing the coding and making sure I have everything so that the components will work as they should be and I don’t miss out anything.</a:t>
+            </a:r>
           </a:p>
         </p:txBody>
       </p:sp>
@@ -9727,51 +13508,14 @@
         </p:blipFill>
         <p:spPr>
           <a:xfrm>
-            <a:off x="4245664" y="1825625"/>
-            <a:ext cx="3700671" cy="4351338"/>
-          </a:xfrm>
-        </p:spPr>
-      </p:pic>
-      <p:sp>
-        <p:nvSpPr>
-          <p:cNvPr id="3" name="TextBox 2">
-            <a:extLst>
-              <a:ext uri="{FF2B5EF4-FFF2-40B4-BE49-F238E27FC236}">
-                <a16:creationId xmlns:a16="http://schemas.microsoft.com/office/drawing/2014/main" id="{5D4E9E55-94C1-4FD3-A80E-D9AB284B8D0E}"/>
-              </a:ext>
-            </a:extLst>
-          </p:cNvPr>
-          <p:cNvSpPr txBox="1"/>
-          <p:nvPr/>
-        </p:nvSpPr>
-        <p:spPr>
-          <a:xfrm>
-            <a:off x="602673" y="1823605"/>
-            <a:ext cx="2743199" cy="3139321"/>
+            <a:off x="6969642" y="566358"/>
+            <a:ext cx="4736963" cy="5569835"/>
           </a:xfrm>
           <a:prstGeom prst="rect">
             <a:avLst/>
           </a:prstGeom>
-          <a:noFill/>
         </p:spPr>
-        <p:txBody>
-          <a:bodyPr rot="0" spcFirstLastPara="0" vertOverflow="overflow" horzOverflow="overflow" vert="horz" wrap="square" lIns="91440" tIns="45720" rIns="91440" bIns="45720" numCol="1" spcCol="0" rtlCol="0" fromWordArt="0" anchor="t" anchorCtr="0" forceAA="0" compatLnSpc="1">
-            <a:prstTxWarp prst="textNoShape">
-              <a:avLst/>
-            </a:prstTxWarp>
-            <a:spAutoFit/>
-          </a:bodyPr>
-          <a:lstStyle/>
-          <a:p>
-            <a:r>
-              <a:rPr lang="en-US">
-                <a:cs typeface="Calibri"/>
-              </a:rPr>
-              <a:t>This is a plan of what my coding will need to have in each of my different components so I know what to write when I am doing the coding and making sure I have everything so that the components will work as they should be and I don’t miss out anything.</a:t>
-            </a:r>
-          </a:p>
-        </p:txBody>
-      </p:sp>
+      </p:pic>
     </p:spTree>
     <p:extLst>
       <p:ext uri="{BB962C8B-B14F-4D97-AF65-F5344CB8AC3E}">
@@ -9780,7 +13524,7 @@
     </p:extLst>
   </p:cSld>
   <p:clrMapOvr>
-    <a:masterClrMapping/>
+    <a:overrideClrMapping bg1="dk1" tx1="lt1" bg2="dk2" tx2="lt2" accent1="accent1" accent2="accent2" accent3="accent3" accent4="accent4" accent5="accent5" accent6="accent6" hlink="hlink" folHlink="folHlink"/>
   </p:clrMapOvr>
 </p:sld>
 </file>
@@ -9788,6 +13532,14 @@
 <file path=ppt/slides/slide4.xml><?xml version="1.0" encoding="utf-8"?>
 <p:sld xmlns:a="http://schemas.openxmlformats.org/drawingml/2006/main" xmlns:r="http://schemas.openxmlformats.org/officeDocument/2006/relationships" xmlns:p="http://schemas.openxmlformats.org/presentationml/2006/main">
   <p:cSld>
+    <p:bg>
+      <p:bgPr>
+        <a:solidFill>
+          <a:schemeClr val="bg1"/>
+        </a:solidFill>
+        <a:effectLst/>
+      </p:bgPr>
+    </p:bg>
     <p:spTree>
       <p:nvGrpSpPr>
         <p:cNvPr id="1" name=""/>
@@ -9804,6 +13556,292 @@
       </p:grpSpPr>
       <p:sp>
         <p:nvSpPr>
+          <p:cNvPr id="10" name="Rectangle 9">
+            <a:extLst>
+              <a:ext uri="{FF2B5EF4-FFF2-40B4-BE49-F238E27FC236}">
+                <a16:creationId xmlns:a16="http://schemas.microsoft.com/office/drawing/2014/main" id="{68A4132F-DEC6-4332-A00C-A11AD4519B6C}"/>
+              </a:ext>
+              <a:ext uri="{C183D7F6-B498-43B3-948B-1728B52AA6E4}">
+                <adec:decorative xmlns:adec="http://schemas.microsoft.com/office/drawing/2017/decorative" val="1"/>
+              </a:ext>
+            </a:extLst>
+          </p:cNvPr>
+          <p:cNvSpPr>
+            <a:spLocks noGrp="1" noRot="1" noChangeAspect="1" noMove="1" noResize="1" noEditPoints="1" noAdjustHandles="1" noChangeArrowheads="1" noChangeShapeType="1" noTextEdit="1"/>
+          </p:cNvSpPr>
+          <p:nvPr>
+            <p:extLst>
+              <p:ext uri="{386F3935-93C4-4BCD-93E2-E3B085C9AB24}">
+                <p16:designElem xmlns:p16="http://schemas.microsoft.com/office/powerpoint/2015/main" val="1"/>
+              </p:ext>
+            </p:extLst>
+          </p:nvPr>
+        </p:nvSpPr>
+        <p:spPr>
+          <a:xfrm>
+            <a:off x="1525" y="0"/>
+            <a:ext cx="12190475" cy="6858000"/>
+          </a:xfrm>
+          <a:prstGeom prst="rect">
+            <a:avLst/>
+          </a:prstGeom>
+          <a:solidFill>
+            <a:schemeClr val="tx1"/>
+          </a:solidFill>
+          <a:ln>
+            <a:noFill/>
+          </a:ln>
+        </p:spPr>
+        <p:style>
+          <a:lnRef idx="2">
+            <a:schemeClr val="accent1">
+              <a:shade val="50000"/>
+            </a:schemeClr>
+          </a:lnRef>
+          <a:fillRef idx="1">
+            <a:schemeClr val="accent1"/>
+          </a:fillRef>
+          <a:effectRef idx="0">
+            <a:schemeClr val="accent1"/>
+          </a:effectRef>
+          <a:fontRef idx="minor">
+            <a:schemeClr val="lt1"/>
+          </a:fontRef>
+        </p:style>
+        <p:txBody>
+          <a:bodyPr rtlCol="0" anchor="ctr"/>
+          <a:lstStyle/>
+          <a:p>
+            <a:pPr algn="ctr"/>
+            <a:endParaRPr lang="en-US"/>
+          </a:p>
+        </p:txBody>
+      </p:sp>
+      <p:sp>
+        <p:nvSpPr>
+          <p:cNvPr id="12" name="Freeform: Shape 11">
+            <a:extLst>
+              <a:ext uri="{FF2B5EF4-FFF2-40B4-BE49-F238E27FC236}">
+                <a16:creationId xmlns:a16="http://schemas.microsoft.com/office/drawing/2014/main" id="{64965EAE-E41A-435F-B993-07E824B6C977}"/>
+              </a:ext>
+              <a:ext uri="{C183D7F6-B498-43B3-948B-1728B52AA6E4}">
+                <adec:decorative xmlns:adec="http://schemas.microsoft.com/office/drawing/2017/decorative" val="1"/>
+              </a:ext>
+            </a:extLst>
+          </p:cNvPr>
+          <p:cNvSpPr>
+            <a:spLocks noGrp="1" noRot="1" noChangeAspect="1" noMove="1" noResize="1" noEditPoints="1" noAdjustHandles="1" noChangeArrowheads="1" noChangeShapeType="1" noTextEdit="1"/>
+          </p:cNvSpPr>
+          <p:nvPr>
+            <p:extLst>
+              <p:ext uri="{386F3935-93C4-4BCD-93E2-E3B085C9AB24}">
+                <p16:designElem xmlns:p16="http://schemas.microsoft.com/office/powerpoint/2015/main" val="1"/>
+              </p:ext>
+            </p:extLst>
+          </p:nvPr>
+        </p:nvSpPr>
+        <p:spPr>
+          <a:xfrm flipV="1">
+            <a:off x="1" y="0"/>
+            <a:ext cx="7539895" cy="6858000"/>
+          </a:xfrm>
+          <a:custGeom>
+            <a:avLst/>
+            <a:gdLst>
+              <a:gd name="connsiteX0" fmla="*/ 7539895 w 7539895"/>
+              <a:gd name="connsiteY0" fmla="*/ 6858000 h 6858000"/>
+              <a:gd name="connsiteX1" fmla="*/ 0 w 7539895"/>
+              <a:gd name="connsiteY1" fmla="*/ 6858000 h 6858000"/>
+              <a:gd name="connsiteX2" fmla="*/ 0 w 7539895"/>
+              <a:gd name="connsiteY2" fmla="*/ 0 h 6858000"/>
+              <a:gd name="connsiteX3" fmla="*/ 4363741 w 7539895"/>
+              <a:gd name="connsiteY3" fmla="*/ 0 h 6858000"/>
+            </a:gdLst>
+            <a:ahLst/>
+            <a:cxnLst>
+              <a:cxn ang="0">
+                <a:pos x="connsiteX0" y="connsiteY0"/>
+              </a:cxn>
+              <a:cxn ang="0">
+                <a:pos x="connsiteX1" y="connsiteY1"/>
+              </a:cxn>
+              <a:cxn ang="0">
+                <a:pos x="connsiteX2" y="connsiteY2"/>
+              </a:cxn>
+              <a:cxn ang="0">
+                <a:pos x="connsiteX3" y="connsiteY3"/>
+              </a:cxn>
+            </a:cxnLst>
+            <a:rect l="l" t="t" r="r" b="b"/>
+            <a:pathLst>
+              <a:path w="7539895" h="6858000">
+                <a:moveTo>
+                  <a:pt x="7539895" y="6858000"/>
+                </a:moveTo>
+                <a:lnTo>
+                  <a:pt x="0" y="6858000"/>
+                </a:lnTo>
+                <a:lnTo>
+                  <a:pt x="0" y="0"/>
+                </a:lnTo>
+                <a:lnTo>
+                  <a:pt x="4363741" y="0"/>
+                </a:lnTo>
+                <a:close/>
+              </a:path>
+            </a:pathLst>
+          </a:custGeom>
+          <a:solidFill>
+            <a:schemeClr val="bg1">
+              <a:lumMod val="85000"/>
+              <a:lumOff val="15000"/>
+              <a:alpha val="70000"/>
+            </a:schemeClr>
+          </a:solidFill>
+          <a:ln>
+            <a:noFill/>
+          </a:ln>
+        </p:spPr>
+        <p:style>
+          <a:lnRef idx="2">
+            <a:schemeClr val="accent1">
+              <a:shade val="50000"/>
+            </a:schemeClr>
+          </a:lnRef>
+          <a:fillRef idx="1">
+            <a:schemeClr val="accent1"/>
+          </a:fillRef>
+          <a:effectRef idx="0">
+            <a:schemeClr val="accent1"/>
+          </a:effectRef>
+          <a:fontRef idx="minor">
+            <a:schemeClr val="lt1"/>
+          </a:fontRef>
+        </p:style>
+        <p:txBody>
+          <a:bodyPr wrap="square" rtlCol="0" anchor="ctr">
+            <a:noAutofit/>
+          </a:bodyPr>
+          <a:lstStyle/>
+          <a:p>
+            <a:pPr algn="ctr"/>
+            <a:endParaRPr lang="en-US"/>
+          </a:p>
+        </p:txBody>
+      </p:sp>
+      <p:sp>
+        <p:nvSpPr>
+          <p:cNvPr id="14" name="Freeform: Shape 13">
+            <a:extLst>
+              <a:ext uri="{FF2B5EF4-FFF2-40B4-BE49-F238E27FC236}">
+                <a16:creationId xmlns:a16="http://schemas.microsoft.com/office/drawing/2014/main" id="{152F8994-E6D4-4311-9548-C3607BC43645}"/>
+              </a:ext>
+              <a:ext uri="{C183D7F6-B498-43B3-948B-1728B52AA6E4}">
+                <adec:decorative xmlns:adec="http://schemas.microsoft.com/office/drawing/2017/decorative" val="1"/>
+              </a:ext>
+            </a:extLst>
+          </p:cNvPr>
+          <p:cNvSpPr>
+            <a:spLocks noGrp="1" noRot="1" noChangeAspect="1" noMove="1" noResize="1" noEditPoints="1" noAdjustHandles="1" noChangeArrowheads="1" noChangeShapeType="1" noTextEdit="1"/>
+          </p:cNvSpPr>
+          <p:nvPr>
+            <p:extLst>
+              <p:ext uri="{386F3935-93C4-4BCD-93E2-E3B085C9AB24}">
+                <p16:designElem xmlns:p16="http://schemas.microsoft.com/office/powerpoint/2015/main" val="1"/>
+              </p:ext>
+            </p:extLst>
+          </p:nvPr>
+        </p:nvSpPr>
+        <p:spPr>
+          <a:xfrm flipV="1">
+            <a:off x="0" y="0"/>
+            <a:ext cx="7092985" cy="6858000"/>
+          </a:xfrm>
+          <a:custGeom>
+            <a:avLst/>
+            <a:gdLst>
+              <a:gd name="connsiteX0" fmla="*/ 7092985 w 7092985"/>
+              <a:gd name="connsiteY0" fmla="*/ 6858000 h 6858000"/>
+              <a:gd name="connsiteX1" fmla="*/ 0 w 7092985"/>
+              <a:gd name="connsiteY1" fmla="*/ 6858000 h 6858000"/>
+              <a:gd name="connsiteX2" fmla="*/ 0 w 7092985"/>
+              <a:gd name="connsiteY2" fmla="*/ 0 h 6858000"/>
+              <a:gd name="connsiteX3" fmla="*/ 3916831 w 7092985"/>
+              <a:gd name="connsiteY3" fmla="*/ 0 h 6858000"/>
+            </a:gdLst>
+            <a:ahLst/>
+            <a:cxnLst>
+              <a:cxn ang="0">
+                <a:pos x="connsiteX0" y="connsiteY0"/>
+              </a:cxn>
+              <a:cxn ang="0">
+                <a:pos x="connsiteX1" y="connsiteY1"/>
+              </a:cxn>
+              <a:cxn ang="0">
+                <a:pos x="connsiteX2" y="connsiteY2"/>
+              </a:cxn>
+              <a:cxn ang="0">
+                <a:pos x="connsiteX3" y="connsiteY3"/>
+              </a:cxn>
+            </a:cxnLst>
+            <a:rect l="l" t="t" r="r" b="b"/>
+            <a:pathLst>
+              <a:path w="7092985" h="6858000">
+                <a:moveTo>
+                  <a:pt x="7092985" y="6858000"/>
+                </a:moveTo>
+                <a:lnTo>
+                  <a:pt x="0" y="6858000"/>
+                </a:lnTo>
+                <a:lnTo>
+                  <a:pt x="0" y="0"/>
+                </a:lnTo>
+                <a:lnTo>
+                  <a:pt x="3916831" y="0"/>
+                </a:lnTo>
+                <a:close/>
+              </a:path>
+            </a:pathLst>
+          </a:custGeom>
+          <a:solidFill>
+            <a:schemeClr val="bg1">
+              <a:lumMod val="85000"/>
+              <a:lumOff val="15000"/>
+            </a:schemeClr>
+          </a:solidFill>
+          <a:ln>
+            <a:noFill/>
+          </a:ln>
+        </p:spPr>
+        <p:style>
+          <a:lnRef idx="2">
+            <a:schemeClr val="accent1">
+              <a:shade val="50000"/>
+            </a:schemeClr>
+          </a:lnRef>
+          <a:fillRef idx="1">
+            <a:schemeClr val="accent1"/>
+          </a:fillRef>
+          <a:effectRef idx="0">
+            <a:schemeClr val="accent1"/>
+          </a:effectRef>
+          <a:fontRef idx="minor">
+            <a:schemeClr val="lt1"/>
+          </a:fontRef>
+        </p:style>
+        <p:txBody>
+          <a:bodyPr wrap="square" rtlCol="0" anchor="ctr">
+            <a:noAutofit/>
+          </a:bodyPr>
+          <a:lstStyle/>
+          <a:p>
+            <a:pPr algn="ctr"/>
+            <a:endParaRPr lang="en-US"/>
+          </a:p>
+        </p:txBody>
+      </p:sp>
+      <p:sp>
+        <p:nvSpPr>
           <p:cNvPr id="2" name="Title 1">
             <a:extLst>
               <a:ext uri="{FF2B5EF4-FFF2-40B4-BE49-F238E27FC236}">
@@ -9818,27 +13856,101 @@
             <p:ph type="title"/>
           </p:nvPr>
         </p:nvSpPr>
-        <p:spPr/>
+        <p:spPr>
+          <a:xfrm>
+            <a:off x="838199" y="365125"/>
+            <a:ext cx="5529943" cy="1325563"/>
+          </a:xfrm>
+        </p:spPr>
         <p:txBody>
-          <a:bodyPr/>
+          <a:bodyPr vert="horz" lIns="91440" tIns="45720" rIns="91440" bIns="45720" rtlCol="0" anchor="ctr">
+            <a:normAutofit/>
+          </a:bodyPr>
           <a:lstStyle/>
           <a:p>
             <a:r>
-              <a:rPr lang="en-US">
-                <a:cs typeface="Calibri Light"/>
+              <a:rPr lang="en-US" kern="1200">
+                <a:solidFill>
+                  <a:schemeClr val="tx1"/>
+                </a:solidFill>
+                <a:latin typeface="+mj-lt"/>
+                <a:ea typeface="+mj-ea"/>
+                <a:cs typeface="+mj-cs"/>
               </a:rPr>
               <a:t>Questions Making</a:t>
             </a:r>
-            <a:endParaRPr lang="en-US"/>
+          </a:p>
+        </p:txBody>
+      </p:sp>
+      <p:sp>
+        <p:nvSpPr>
+          <p:cNvPr id="5" name="TextBox 4">
+            <a:extLst>
+              <a:ext uri="{FF2B5EF4-FFF2-40B4-BE49-F238E27FC236}">
+                <a16:creationId xmlns:a16="http://schemas.microsoft.com/office/drawing/2014/main" id="{13770BC4-8233-4892-B0E6-F07AC0ADDCFD}"/>
+              </a:ext>
+            </a:extLst>
+          </p:cNvPr>
+          <p:cNvSpPr txBox="1"/>
+          <p:nvPr/>
+        </p:nvSpPr>
+        <p:spPr>
+          <a:xfrm>
+            <a:off x="838199" y="1825625"/>
+            <a:ext cx="4128169" cy="3399518"/>
+          </a:xfrm>
+          <a:prstGeom prst="rect">
+            <a:avLst/>
+          </a:prstGeom>
+        </p:spPr>
+        <p:txBody>
+          <a:bodyPr rot="0" spcFirstLastPara="0" vertOverflow="overflow" horzOverflow="overflow" vert="horz" lIns="91440" tIns="45720" rIns="91440" bIns="45720" numCol="1" spcCol="0" rtlCol="0" fromWordArt="0" anchorCtr="0" forceAA="0" compatLnSpc="1">
+            <a:prstTxWarp prst="textNoShape">
+              <a:avLst/>
+            </a:prstTxWarp>
+            <a:normAutofit/>
+          </a:bodyPr>
+          <a:lstStyle/>
+          <a:p>
+            <a:pPr indent="-228600">
+              <a:lnSpc>
+                <a:spcPct val="90000"/>
+              </a:lnSpc>
+              <a:spcAft>
+                <a:spcPts val="600"/>
+              </a:spcAft>
+              <a:buFont typeface="Arial" panose="020B0604020202020204" pitchFamily="34" charset="0"/>
+              <a:buChar char="•"/>
+            </a:pPr>
+            <a:r>
+              <a:rPr lang="en-US" sz="2000"/>
+              <a:t>This was just a test of my questioning</a:t>
+            </a:r>
+          </a:p>
+          <a:p>
+            <a:pPr indent="-228600">
+              <a:lnSpc>
+                <a:spcPct val="90000"/>
+              </a:lnSpc>
+              <a:spcAft>
+                <a:spcPts val="600"/>
+              </a:spcAft>
+              <a:buFont typeface="Arial" panose="020B0604020202020204" pitchFamily="34" charset="0"/>
+              <a:buChar char="•"/>
+            </a:pPr>
+            <a:r>
+              <a:rPr lang="en-US" sz="2000"/>
+              <a:t>But it is now not a good way to do my questions as it would be much easier if I just made a list of random answers that would go with the real answer instead of making having to make many different answers for each of my questions.</a:t>
+            </a:r>
           </a:p>
         </p:txBody>
       </p:sp>
       <p:pic>
         <p:nvPicPr>
-          <p:cNvPr id="4" name="Picture 4">
+          <p:cNvPr id="7" name="Picture 7" descr="Table&#10;&#10;Description automatically generated">
             <a:extLst>
               <a:ext uri="{FF2B5EF4-FFF2-40B4-BE49-F238E27FC236}">
-                <a16:creationId xmlns:a16="http://schemas.microsoft.com/office/drawing/2014/main" id="{832CB706-A894-4C79-A765-CAC0EEA0D08A}"/>
+                <a16:creationId xmlns:a16="http://schemas.microsoft.com/office/drawing/2014/main" id="{4E016AE9-E290-4EF9-9B18-FD846DC91EA9}"/>
               </a:ext>
             </a:extLst>
           </p:cNvPr>
@@ -9857,57 +13969,11 @@
         </p:blipFill>
         <p:spPr>
           <a:xfrm>
-            <a:off x="706582" y="1476736"/>
-            <a:ext cx="8267700" cy="1914525"/>
+            <a:off x="5890864" y="2872349"/>
+            <a:ext cx="6153150" cy="1514475"/>
           </a:xfrm>
         </p:spPr>
       </p:pic>
-      <p:sp>
-        <p:nvSpPr>
-          <p:cNvPr id="5" name="TextBox 4">
-            <a:extLst>
-              <a:ext uri="{FF2B5EF4-FFF2-40B4-BE49-F238E27FC236}">
-                <a16:creationId xmlns:a16="http://schemas.microsoft.com/office/drawing/2014/main" id="{13770BC4-8233-4892-B0E6-F07AC0ADDCFD}"/>
-              </a:ext>
-            </a:extLst>
-          </p:cNvPr>
-          <p:cNvSpPr txBox="1"/>
-          <p:nvPr/>
-        </p:nvSpPr>
-        <p:spPr>
-          <a:xfrm>
-            <a:off x="709962" y="3618572"/>
-            <a:ext cx="8309516" cy="1200329"/>
-          </a:xfrm>
-          <a:prstGeom prst="rect">
-            <a:avLst/>
-          </a:prstGeom>
-          <a:noFill/>
-        </p:spPr>
-        <p:txBody>
-          <a:bodyPr rot="0" spcFirstLastPara="0" vertOverflow="overflow" horzOverflow="overflow" vert="horz" wrap="square" lIns="91440" tIns="45720" rIns="91440" bIns="45720" numCol="1" spcCol="0" rtlCol="0" fromWordArt="0" anchor="t" anchorCtr="0" forceAA="0" compatLnSpc="1">
-            <a:prstTxWarp prst="textNoShape">
-              <a:avLst/>
-            </a:prstTxWarp>
-            <a:spAutoFit/>
-          </a:bodyPr>
-          <a:lstStyle/>
-          <a:p>
-            <a:r>
-              <a:rPr lang="en-US"/>
-              <a:t>This was just a test of my questioning</a:t>
-            </a:r>
-          </a:p>
-          <a:p>
-            <a:r>
-              <a:rPr lang="en-US">
-                <a:cs typeface="Calibri"/>
-              </a:rPr>
-              <a:t>But it is now not a good way to do my questions as it would be much easier if I just made a list of random answers that would go with the real answer instead of making having to make many different answers for each of my questions.</a:t>
-            </a:r>
-          </a:p>
-        </p:txBody>
-      </p:sp>
     </p:spTree>
     <p:extLst>
       <p:ext uri="{BB962C8B-B14F-4D97-AF65-F5344CB8AC3E}">
@@ -9916,7 +13982,7 @@
     </p:extLst>
   </p:cSld>
   <p:clrMapOvr>
-    <a:masterClrMapping/>
+    <a:overrideClrMapping bg1="dk1" tx1="lt1" bg2="dk2" tx2="lt2" accent1="accent1" accent2="accent2" accent3="accent3" accent4="accent4" accent5="accent5" accent6="accent6" hlink="hlink" folHlink="folHlink"/>
   </p:clrMapOvr>
 </p:sld>
 </file>
@@ -9946,12 +14012,12 @@
           <a:chExt cx="0" cy="0"/>
         </a:xfrm>
       </p:grpSpPr>
-      <p:sp useBgFill="1">
+      <p:sp>
         <p:nvSpPr>
-          <p:cNvPr id="15" name="Rectangle 14">
+          <p:cNvPr id="22" name="Rectangle 21">
             <a:extLst>
               <a:ext uri="{FF2B5EF4-FFF2-40B4-BE49-F238E27FC236}">
-                <a16:creationId xmlns:a16="http://schemas.microsoft.com/office/drawing/2014/main" id="{2B97F24A-32CE-4C1C-A50D-3016B394DCFB}"/>
+                <a16:creationId xmlns:a16="http://schemas.microsoft.com/office/drawing/2014/main" id="{C7FA33FF-088D-4F16-95A2-2C64D353DEA8}"/>
               </a:ext>
               <a:ext uri="{C183D7F6-B498-43B3-948B-1728B52AA6E4}">
                 <adec:decorative xmlns:adec="http://schemas.microsoft.com/office/drawing/2017/decorative" val="1"/>
@@ -9971,12 +14037,15 @@
         </p:nvSpPr>
         <p:spPr>
           <a:xfrm>
-            <a:off x="0" y="0"/>
-            <a:ext cx="12192000" cy="6858000"/>
+            <a:off x="1524" y="0"/>
+            <a:ext cx="12188952" cy="6858000"/>
           </a:xfrm>
           <a:prstGeom prst="rect">
             <a:avLst/>
           </a:prstGeom>
+          <a:solidFill>
+            <a:schemeClr val="tx1"/>
+          </a:solidFill>
           <a:ln>
             <a:noFill/>
           </a:ln>
@@ -10008,52 +14077,10 @@
       </p:sp>
       <p:sp>
         <p:nvSpPr>
-          <p:cNvPr id="2" name="Title 1">
+          <p:cNvPr id="24" name="Rectangle 23">
             <a:extLst>
               <a:ext uri="{FF2B5EF4-FFF2-40B4-BE49-F238E27FC236}">
-                <a16:creationId xmlns:a16="http://schemas.microsoft.com/office/drawing/2014/main" id="{54EC48D4-B0FC-4660-8894-4F1B722EAFD3}"/>
-              </a:ext>
-            </a:extLst>
-          </p:cNvPr>
-          <p:cNvSpPr>
-            <a:spLocks noGrp="1"/>
-          </p:cNvSpPr>
-          <p:nvPr>
-            <p:ph type="title"/>
-          </p:nvPr>
-        </p:nvSpPr>
-        <p:spPr>
-          <a:xfrm>
-            <a:off x="630936" y="639520"/>
-            <a:ext cx="3429000" cy="1719072"/>
-          </a:xfrm>
-        </p:spPr>
-        <p:txBody>
-          <a:bodyPr vert="horz" lIns="91440" tIns="45720" rIns="91440" bIns="45720" rtlCol="0" anchor="b">
-            <a:normAutofit/>
-          </a:bodyPr>
-          <a:lstStyle/>
-          <a:p>
-            <a:r>
-              <a:rPr lang="en-US" sz="5400" kern="1200">
-                <a:solidFill>
-                  <a:schemeClr val="tx1"/>
-                </a:solidFill>
-                <a:latin typeface="+mj-lt"/>
-                <a:ea typeface="+mj-ea"/>
-                <a:cs typeface="+mj-cs"/>
-              </a:rPr>
-              <a:t>Quiz Start GUI</a:t>
-            </a:r>
-          </a:p>
-        </p:txBody>
-      </p:sp>
-      <p:sp>
-        <p:nvSpPr>
-          <p:cNvPr id="17" name="sketch line">
-            <a:extLst>
-              <a:ext uri="{FF2B5EF4-FFF2-40B4-BE49-F238E27FC236}">
-                <a16:creationId xmlns:a16="http://schemas.microsoft.com/office/drawing/2014/main" id="{CD8B4F24-440B-49E9-B85D-733523DC064B}"/>
+                <a16:creationId xmlns:a16="http://schemas.microsoft.com/office/drawing/2014/main" id="{A376EFB1-01CF-419F-ABF1-2AF02BBFCBD1}"/>
               </a:ext>
               <a:ext uri="{C183D7F6-B498-43B3-948B-1728B52AA6E4}">
                 <adec:decorative xmlns:adec="http://schemas.microsoft.com/office/drawing/2017/decorative" val="1"/>
@@ -10073,227 +14100,19 @@
         </p:nvSpPr>
         <p:spPr>
           <a:xfrm>
-            <a:off x="643278" y="2573756"/>
-            <a:ext cx="3255095" cy="18288"/>
+            <a:off x="-1" y="0"/>
+            <a:ext cx="6464595" cy="6858000"/>
           </a:xfrm>
-          <a:custGeom>
+          <a:prstGeom prst="rect">
             <a:avLst/>
-            <a:gdLst>
-              <a:gd name="connsiteX0" fmla="*/ 0 w 3255095"/>
-              <a:gd name="connsiteY0" fmla="*/ 0 h 18288"/>
-              <a:gd name="connsiteX1" fmla="*/ 618468 w 3255095"/>
-              <a:gd name="connsiteY1" fmla="*/ 0 h 18288"/>
-              <a:gd name="connsiteX2" fmla="*/ 1269487 w 3255095"/>
-              <a:gd name="connsiteY2" fmla="*/ 0 h 18288"/>
-              <a:gd name="connsiteX3" fmla="*/ 1953057 w 3255095"/>
-              <a:gd name="connsiteY3" fmla="*/ 0 h 18288"/>
-              <a:gd name="connsiteX4" fmla="*/ 2636627 w 3255095"/>
-              <a:gd name="connsiteY4" fmla="*/ 0 h 18288"/>
-              <a:gd name="connsiteX5" fmla="*/ 3255095 w 3255095"/>
-              <a:gd name="connsiteY5" fmla="*/ 0 h 18288"/>
-              <a:gd name="connsiteX6" fmla="*/ 3255095 w 3255095"/>
-              <a:gd name="connsiteY6" fmla="*/ 18288 h 18288"/>
-              <a:gd name="connsiteX7" fmla="*/ 2538974 w 3255095"/>
-              <a:gd name="connsiteY7" fmla="*/ 18288 h 18288"/>
-              <a:gd name="connsiteX8" fmla="*/ 1822853 w 3255095"/>
-              <a:gd name="connsiteY8" fmla="*/ 18288 h 18288"/>
-              <a:gd name="connsiteX9" fmla="*/ 1171834 w 3255095"/>
-              <a:gd name="connsiteY9" fmla="*/ 18288 h 18288"/>
-              <a:gd name="connsiteX10" fmla="*/ 0 w 3255095"/>
-              <a:gd name="connsiteY10" fmla="*/ 18288 h 18288"/>
-              <a:gd name="connsiteX11" fmla="*/ 0 w 3255095"/>
-              <a:gd name="connsiteY11" fmla="*/ 0 h 18288"/>
-            </a:gdLst>
-            <a:ahLst/>
-            <a:cxnLst>
-              <a:cxn ang="0">
-                <a:pos x="connsiteX0" y="connsiteY0"/>
-              </a:cxn>
-              <a:cxn ang="0">
-                <a:pos x="connsiteX1" y="connsiteY1"/>
-              </a:cxn>
-              <a:cxn ang="0">
-                <a:pos x="connsiteX2" y="connsiteY2"/>
-              </a:cxn>
-              <a:cxn ang="0">
-                <a:pos x="connsiteX3" y="connsiteY3"/>
-              </a:cxn>
-              <a:cxn ang="0">
-                <a:pos x="connsiteX4" y="connsiteY4"/>
-              </a:cxn>
-              <a:cxn ang="0">
-                <a:pos x="connsiteX5" y="connsiteY5"/>
-              </a:cxn>
-              <a:cxn ang="0">
-                <a:pos x="connsiteX6" y="connsiteY6"/>
-              </a:cxn>
-              <a:cxn ang="0">
-                <a:pos x="connsiteX7" y="connsiteY7"/>
-              </a:cxn>
-              <a:cxn ang="0">
-                <a:pos x="connsiteX8" y="connsiteY8"/>
-              </a:cxn>
-              <a:cxn ang="0">
-                <a:pos x="connsiteX9" y="connsiteY9"/>
-              </a:cxn>
-              <a:cxn ang="0">
-                <a:pos x="connsiteX10" y="connsiteY10"/>
-              </a:cxn>
-              <a:cxn ang="0">
-                <a:pos x="connsiteX11" y="connsiteY11"/>
-              </a:cxn>
-            </a:cxnLst>
-            <a:rect l="l" t="t" r="r" b="b"/>
-            <a:pathLst>
-              <a:path w="3255095" h="18288" fill="none" extrusionOk="0">
-                <a:moveTo>
-                  <a:pt x="0" y="0"/>
-                </a:moveTo>
-                <a:cubicBezTo>
-                  <a:pt x="240201" y="-22123"/>
-                  <a:pt x="462021" y="-19623"/>
-                  <a:pt x="618468" y="0"/>
-                </a:cubicBezTo>
-                <a:cubicBezTo>
-                  <a:pt x="774915" y="19623"/>
-                  <a:pt x="974734" y="2035"/>
-                  <a:pt x="1269487" y="0"/>
-                </a:cubicBezTo>
-                <a:cubicBezTo>
-                  <a:pt x="1564240" y="-2035"/>
-                  <a:pt x="1733579" y="10639"/>
-                  <a:pt x="1953057" y="0"/>
-                </a:cubicBezTo>
-                <a:cubicBezTo>
-                  <a:pt x="2172535" y="-10639"/>
-                  <a:pt x="2453962" y="14018"/>
-                  <a:pt x="2636627" y="0"/>
-                </a:cubicBezTo>
-                <a:cubicBezTo>
-                  <a:pt x="2819292" y="-14018"/>
-                  <a:pt x="3121375" y="5399"/>
-                  <a:pt x="3255095" y="0"/>
-                </a:cubicBezTo>
-                <a:cubicBezTo>
-                  <a:pt x="3254386" y="8157"/>
-                  <a:pt x="3254682" y="12125"/>
-                  <a:pt x="3255095" y="18288"/>
-                </a:cubicBezTo>
-                <a:cubicBezTo>
-                  <a:pt x="3088545" y="23203"/>
-                  <a:pt x="2687475" y="7419"/>
-                  <a:pt x="2538974" y="18288"/>
-                </a:cubicBezTo>
-                <a:cubicBezTo>
-                  <a:pt x="2390473" y="29157"/>
-                  <a:pt x="2137381" y="-8959"/>
-                  <a:pt x="1822853" y="18288"/>
-                </a:cubicBezTo>
-                <a:cubicBezTo>
-                  <a:pt x="1508325" y="45535"/>
-                  <a:pt x="1466437" y="20385"/>
-                  <a:pt x="1171834" y="18288"/>
-                </a:cubicBezTo>
-                <a:cubicBezTo>
-                  <a:pt x="877231" y="16191"/>
-                  <a:pt x="561097" y="37643"/>
-                  <a:pt x="0" y="18288"/>
-                </a:cubicBezTo>
-                <a:cubicBezTo>
-                  <a:pt x="-46" y="12483"/>
-                  <a:pt x="-203" y="6491"/>
-                  <a:pt x="0" y="0"/>
-                </a:cubicBezTo>
-                <a:close/>
-              </a:path>
-              <a:path w="3255095" h="18288" stroke="0" extrusionOk="0">
-                <a:moveTo>
-                  <a:pt x="0" y="0"/>
-                </a:moveTo>
-                <a:cubicBezTo>
-                  <a:pt x="291965" y="19429"/>
-                  <a:pt x="363155" y="8568"/>
-                  <a:pt x="618468" y="0"/>
-                </a:cubicBezTo>
-                <a:cubicBezTo>
-                  <a:pt x="873781" y="-8568"/>
-                  <a:pt x="904459" y="-19505"/>
-                  <a:pt x="1171834" y="0"/>
-                </a:cubicBezTo>
-                <a:cubicBezTo>
-                  <a:pt x="1439209" y="19505"/>
-                  <a:pt x="1744369" y="9790"/>
-                  <a:pt x="1887955" y="0"/>
-                </a:cubicBezTo>
-                <a:cubicBezTo>
-                  <a:pt x="2031541" y="-9790"/>
-                  <a:pt x="2346378" y="21240"/>
-                  <a:pt x="2506423" y="0"/>
-                </a:cubicBezTo>
-                <a:cubicBezTo>
-                  <a:pt x="2666468" y="-21240"/>
-                  <a:pt x="2990257" y="30414"/>
-                  <a:pt x="3255095" y="0"/>
-                </a:cubicBezTo>
-                <a:cubicBezTo>
-                  <a:pt x="3254831" y="4493"/>
-                  <a:pt x="3255479" y="9472"/>
-                  <a:pt x="3255095" y="18288"/>
-                </a:cubicBezTo>
-                <a:cubicBezTo>
-                  <a:pt x="3120743" y="16690"/>
-                  <a:pt x="2759628" y="42462"/>
-                  <a:pt x="2604076" y="18288"/>
-                </a:cubicBezTo>
-                <a:cubicBezTo>
-                  <a:pt x="2448524" y="-5886"/>
-                  <a:pt x="2184336" y="19599"/>
-                  <a:pt x="1887955" y="18288"/>
-                </a:cubicBezTo>
-                <a:cubicBezTo>
-                  <a:pt x="1591574" y="16977"/>
-                  <a:pt x="1548845" y="6870"/>
-                  <a:pt x="1334589" y="18288"/>
-                </a:cubicBezTo>
-                <a:cubicBezTo>
-                  <a:pt x="1120333" y="29706"/>
-                  <a:pt x="996014" y="9662"/>
-                  <a:pt x="683570" y="18288"/>
-                </a:cubicBezTo>
-                <a:cubicBezTo>
-                  <a:pt x="371126" y="26914"/>
-                  <a:pt x="198687" y="16167"/>
-                  <a:pt x="0" y="18288"/>
-                </a:cubicBezTo>
-                <a:cubicBezTo>
-                  <a:pt x="843" y="9577"/>
-                  <a:pt x="371" y="6900"/>
-                  <a:pt x="0" y="0"/>
-                </a:cubicBezTo>
-                <a:close/>
-              </a:path>
-            </a:pathLst>
-          </a:custGeom>
+          </a:prstGeom>
           <a:solidFill>
-            <a:schemeClr val="accent2"/>
+            <a:schemeClr val="bg1">
+              <a:alpha val="81000"/>
+            </a:schemeClr>
           </a:solidFill>
-          <a:ln w="38100" cap="rnd">
-            <a:solidFill>
-              <a:schemeClr val="accent2"/>
-            </a:solidFill>
-            <a:round/>
-            <a:extLst>
-              <a:ext uri="{C807C97D-BFC1-408E-A445-0C87EB9F89A2}">
-                <ask:lineSketchStyleProps xmlns:ask="http://schemas.microsoft.com/office/drawing/2018/sketchyshapes" sd="1219033472">
-                  <a:prstGeom prst="rect">
-                    <a:avLst/>
-                  </a:prstGeom>
-                  <ask:type>
-                    <ask:lineSketchFreehand/>
-                  </ask:type>
-                </ask:lineSketchStyleProps>
-              </a:ext>
-            </a:extLst>
+          <a:ln>
+            <a:noFill/>
           </a:ln>
         </p:spPr>
         <p:style>
@@ -10323,6 +14142,158 @@
       </p:sp>
       <p:sp>
         <p:nvSpPr>
+          <p:cNvPr id="26" name="Freeform: Shape 25">
+            <a:extLst>
+              <a:ext uri="{FF2B5EF4-FFF2-40B4-BE49-F238E27FC236}">
+                <a16:creationId xmlns:a16="http://schemas.microsoft.com/office/drawing/2014/main" id="{FF9DEA15-78BD-4750-AA18-B9F28A6D5AB8}"/>
+              </a:ext>
+              <a:ext uri="{C183D7F6-B498-43B3-948B-1728B52AA6E4}">
+                <adec:decorative xmlns:adec="http://schemas.microsoft.com/office/drawing/2017/decorative" val="1"/>
+              </a:ext>
+            </a:extLst>
+          </p:cNvPr>
+          <p:cNvSpPr>
+            <a:spLocks noGrp="1" noRot="1" noChangeAspect="1" noMove="1" noResize="1" noEditPoints="1" noAdjustHandles="1" noChangeArrowheads="1" noChangeShapeType="1" noTextEdit="1"/>
+          </p:cNvSpPr>
+          <p:nvPr>
+            <p:extLst>
+              <p:ext uri="{386F3935-93C4-4BCD-93E2-E3B085C9AB24}">
+                <p16:designElem xmlns:p16="http://schemas.microsoft.com/office/powerpoint/2015/main" val="1"/>
+              </p:ext>
+            </p:extLst>
+          </p:nvPr>
+        </p:nvSpPr>
+        <p:spPr>
+          <a:xfrm>
+            <a:off x="-1" y="0"/>
+            <a:ext cx="4546337" cy="6858000"/>
+          </a:xfrm>
+          <a:custGeom>
+            <a:avLst/>
+            <a:gdLst>
+              <a:gd name="connsiteX0" fmla="*/ 0 w 4319042"/>
+              <a:gd name="connsiteY0" fmla="*/ 0 h 6858000"/>
+              <a:gd name="connsiteX1" fmla="*/ 1142888 w 4319042"/>
+              <a:gd name="connsiteY1" fmla="*/ 0 h 6858000"/>
+              <a:gd name="connsiteX2" fmla="*/ 4319042 w 4319042"/>
+              <a:gd name="connsiteY2" fmla="*/ 6858000 h 6858000"/>
+              <a:gd name="connsiteX3" fmla="*/ 0 w 4319042"/>
+              <a:gd name="connsiteY3" fmla="*/ 6858000 h 6858000"/>
+            </a:gdLst>
+            <a:ahLst/>
+            <a:cxnLst>
+              <a:cxn ang="0">
+                <a:pos x="connsiteX0" y="connsiteY0"/>
+              </a:cxn>
+              <a:cxn ang="0">
+                <a:pos x="connsiteX1" y="connsiteY1"/>
+              </a:cxn>
+              <a:cxn ang="0">
+                <a:pos x="connsiteX2" y="connsiteY2"/>
+              </a:cxn>
+              <a:cxn ang="0">
+                <a:pos x="connsiteX3" y="connsiteY3"/>
+              </a:cxn>
+            </a:cxnLst>
+            <a:rect l="l" t="t" r="r" b="b"/>
+            <a:pathLst>
+              <a:path w="4319042" h="6858000">
+                <a:moveTo>
+                  <a:pt x="0" y="0"/>
+                </a:moveTo>
+                <a:lnTo>
+                  <a:pt x="1142888" y="0"/>
+                </a:lnTo>
+                <a:lnTo>
+                  <a:pt x="4319042" y="6858000"/>
+                </a:lnTo>
+                <a:lnTo>
+                  <a:pt x="0" y="6858000"/>
+                </a:lnTo>
+                <a:close/>
+              </a:path>
+            </a:pathLst>
+          </a:custGeom>
+          <a:solidFill>
+            <a:schemeClr val="bg1">
+              <a:alpha val="35000"/>
+            </a:schemeClr>
+          </a:solidFill>
+          <a:ln>
+            <a:noFill/>
+          </a:ln>
+        </p:spPr>
+        <p:style>
+          <a:lnRef idx="2">
+            <a:schemeClr val="accent1">
+              <a:shade val="50000"/>
+            </a:schemeClr>
+          </a:lnRef>
+          <a:fillRef idx="1">
+            <a:schemeClr val="accent1"/>
+          </a:fillRef>
+          <a:effectRef idx="0">
+            <a:schemeClr val="accent1"/>
+          </a:effectRef>
+          <a:fontRef idx="minor">
+            <a:schemeClr val="lt1"/>
+          </a:fontRef>
+        </p:style>
+        <p:txBody>
+          <a:bodyPr wrap="square" rtlCol="0" anchor="ctr">
+            <a:noAutofit/>
+          </a:bodyPr>
+          <a:lstStyle/>
+          <a:p>
+            <a:pPr algn="ctr"/>
+            <a:endParaRPr lang="en-US"/>
+          </a:p>
+        </p:txBody>
+      </p:sp>
+      <p:sp>
+        <p:nvSpPr>
+          <p:cNvPr id="2" name="Title 1">
+            <a:extLst>
+              <a:ext uri="{FF2B5EF4-FFF2-40B4-BE49-F238E27FC236}">
+                <a16:creationId xmlns:a16="http://schemas.microsoft.com/office/drawing/2014/main" id="{54EC48D4-B0FC-4660-8894-4F1B722EAFD3}"/>
+              </a:ext>
+            </a:extLst>
+          </p:cNvPr>
+          <p:cNvSpPr>
+            <a:spLocks noGrp="1"/>
+          </p:cNvSpPr>
+          <p:nvPr>
+            <p:ph type="title"/>
+          </p:nvPr>
+        </p:nvSpPr>
+        <p:spPr>
+          <a:xfrm>
+            <a:off x="804672" y="640263"/>
+            <a:ext cx="5157216" cy="1344975"/>
+          </a:xfrm>
+        </p:spPr>
+        <p:txBody>
+          <a:bodyPr vert="horz" lIns="91440" tIns="45720" rIns="91440" bIns="45720" rtlCol="0" anchor="ctr">
+            <a:normAutofit/>
+          </a:bodyPr>
+          <a:lstStyle/>
+          <a:p>
+            <a:r>
+              <a:rPr lang="en-US" sz="4000" kern="1200">
+                <a:solidFill>
+                  <a:schemeClr val="tx1"/>
+                </a:solidFill>
+                <a:latin typeface="+mj-lt"/>
+                <a:ea typeface="+mj-ea"/>
+                <a:cs typeface="+mj-cs"/>
+              </a:rPr>
+              <a:t>Quiz Start GUI</a:t>
+            </a:r>
+          </a:p>
+        </p:txBody>
+      </p:sp>
+      <p:sp>
+        <p:nvSpPr>
           <p:cNvPr id="5" name="TextBox 4">
             <a:extLst>
               <a:ext uri="{FF2B5EF4-FFF2-40B4-BE49-F238E27FC236}">
@@ -10335,15 +14306,15 @@
         </p:nvSpPr>
         <p:spPr>
           <a:xfrm>
-            <a:off x="630936" y="2807208"/>
-            <a:ext cx="3429000" cy="3410712"/>
+            <a:off x="804672" y="2121763"/>
+            <a:ext cx="5157216" cy="3773010"/>
           </a:xfrm>
           <a:prstGeom prst="rect">
             <a:avLst/>
           </a:prstGeom>
         </p:spPr>
         <p:txBody>
-          <a:bodyPr rot="0" spcFirstLastPara="0" vertOverflow="overflow" horzOverflow="overflow" vert="horz" lIns="91440" tIns="45720" rIns="91440" bIns="45720" numCol="1" spcCol="0" rtlCol="0" fromWordArt="0" anchor="t" anchorCtr="0" forceAA="0" compatLnSpc="1">
+          <a:bodyPr rot="0" spcFirstLastPara="0" vertOverflow="overflow" horzOverflow="overflow" vert="horz" lIns="91440" tIns="45720" rIns="91440" bIns="45720" numCol="1" spcCol="0" rtlCol="0" fromWordArt="0" anchorCtr="0" forceAA="0" compatLnSpc="1">
             <a:prstTxWarp prst="textNoShape">
               <a:avLst/>
             </a:prstTxWarp>
@@ -10362,7 +14333,7 @@
               <a:buChar char="•"/>
             </a:pPr>
             <a:r>
-              <a:rPr lang="en-US" sz="2200"/>
+              <a:rPr lang="en-US" sz="2000"/>
               <a:t>This is just the start of my quiz gui. I recycled most of the cod from a previous project that I had completed .</a:t>
             </a:r>
           </a:p>
@@ -10392,8 +14363,8 @@
         </p:blipFill>
         <p:spPr>
           <a:xfrm>
-            <a:off x="4654296" y="1049309"/>
-            <a:ext cx="6903720" cy="4759382"/>
+            <a:off x="6969642" y="1718459"/>
+            <a:ext cx="4736963" cy="3265633"/>
           </a:xfrm>
           <a:prstGeom prst="rect">
             <a:avLst/>
@@ -10408,7 +14379,7 @@
     </p:extLst>
   </p:cSld>
   <p:clrMapOvr>
-    <a:masterClrMapping/>
+    <a:overrideClrMapping bg1="dk1" tx1="lt1" bg2="dk2" tx2="lt2" accent1="accent1" accent2="accent2" accent3="accent3" accent4="accent4" accent5="accent5" accent6="accent6" hlink="hlink" folHlink="folHlink"/>
   </p:clrMapOvr>
 </p:sld>
 </file>
@@ -10438,12 +14409,12 @@
           <a:chExt cx="0" cy="0"/>
         </a:xfrm>
       </p:grpSpPr>
-      <p:sp useBgFill="1">
+      <p:sp>
         <p:nvSpPr>
-          <p:cNvPr id="13" name="Rectangle 15">
+          <p:cNvPr id="23" name="Rectangle 22">
             <a:extLst>
               <a:ext uri="{FF2B5EF4-FFF2-40B4-BE49-F238E27FC236}">
-                <a16:creationId xmlns:a16="http://schemas.microsoft.com/office/drawing/2014/main" id="{F13C74B1-5B17-4795-BED0-7140497B445A}"/>
+                <a16:creationId xmlns:a16="http://schemas.microsoft.com/office/drawing/2014/main" id="{C7FA33FF-088D-4F16-95A2-2C64D353DEA8}"/>
               </a:ext>
               <a:ext uri="{C183D7F6-B498-43B3-948B-1728B52AA6E4}">
                 <adec:decorative xmlns:adec="http://schemas.microsoft.com/office/drawing/2017/decorative" val="1"/>
@@ -10463,12 +14434,15 @@
         </p:nvSpPr>
         <p:spPr>
           <a:xfrm>
-            <a:off x="0" y="0"/>
+            <a:off x="1524" y="0"/>
             <a:ext cx="12188952" cy="6858000"/>
           </a:xfrm>
           <a:prstGeom prst="rect">
             <a:avLst/>
           </a:prstGeom>
+          <a:solidFill>
+            <a:schemeClr val="tx1"/>
+          </a:solidFill>
           <a:ln>
             <a:noFill/>
           </a:ln>
@@ -10500,45 +14474,10 @@
       </p:sp>
       <p:sp>
         <p:nvSpPr>
-          <p:cNvPr id="2" name="Title 1">
+          <p:cNvPr id="25" name="Rectangle 24">
             <a:extLst>
               <a:ext uri="{FF2B5EF4-FFF2-40B4-BE49-F238E27FC236}">
-                <a16:creationId xmlns:a16="http://schemas.microsoft.com/office/drawing/2014/main" id="{A81619B3-50A6-4AE2-A2F1-2C344111BFA3}"/>
-              </a:ext>
-            </a:extLst>
-          </p:cNvPr>
-          <p:cNvSpPr>
-            <a:spLocks noGrp="1"/>
-          </p:cNvSpPr>
-          <p:nvPr>
-            <p:ph type="title"/>
-          </p:nvPr>
-        </p:nvSpPr>
-        <p:spPr>
-          <a:xfrm>
-            <a:off x="640080" y="325369"/>
-            <a:ext cx="4368602" cy="1956841"/>
-          </a:xfrm>
-        </p:spPr>
-        <p:txBody>
-          <a:bodyPr vert="horz" lIns="91440" tIns="45720" rIns="91440" bIns="45720" rtlCol="0" anchor="b">
-            <a:normAutofit/>
-          </a:bodyPr>
-          <a:lstStyle/>
-          <a:p>
-            <a:r>
-              <a:rPr lang="en-US" sz="5400"/>
-              <a:t>Start_Gui_V2</a:t>
-            </a:r>
-          </a:p>
-        </p:txBody>
-      </p:sp>
-      <p:sp>
-        <p:nvSpPr>
-          <p:cNvPr id="18" name="sketchy line">
-            <a:extLst>
-              <a:ext uri="{FF2B5EF4-FFF2-40B4-BE49-F238E27FC236}">
-                <a16:creationId xmlns:a16="http://schemas.microsoft.com/office/drawing/2014/main" id="{D4974D33-8DC5-464E-8C6D-BE58F0669C17}"/>
+                <a16:creationId xmlns:a16="http://schemas.microsoft.com/office/drawing/2014/main" id="{A376EFB1-01CF-419F-ABF1-2AF02BBFCBD1}"/>
               </a:ext>
               <a:ext uri="{C183D7F6-B498-43B3-948B-1728B52AA6E4}">
                 <adec:decorative xmlns:adec="http://schemas.microsoft.com/office/drawing/2017/decorative" val="1"/>
@@ -10558,237 +14497,19 @@
         </p:nvSpPr>
         <p:spPr>
           <a:xfrm>
-            <a:off x="640080" y="2586994"/>
-            <a:ext cx="3474720" cy="18288"/>
+            <a:off x="-1" y="0"/>
+            <a:ext cx="6464595" cy="6858000"/>
           </a:xfrm>
-          <a:custGeom>
+          <a:prstGeom prst="rect">
             <a:avLst/>
-            <a:gdLst>
-              <a:gd name="connsiteX0" fmla="*/ 0 w 3474720"/>
-              <a:gd name="connsiteY0" fmla="*/ 0 h 18288"/>
-              <a:gd name="connsiteX1" fmla="*/ 694944 w 3474720"/>
-              <a:gd name="connsiteY1" fmla="*/ 0 h 18288"/>
-              <a:gd name="connsiteX2" fmla="*/ 1355141 w 3474720"/>
-              <a:gd name="connsiteY2" fmla="*/ 0 h 18288"/>
-              <a:gd name="connsiteX3" fmla="*/ 2015338 w 3474720"/>
-              <a:gd name="connsiteY3" fmla="*/ 0 h 18288"/>
-              <a:gd name="connsiteX4" fmla="*/ 2779776 w 3474720"/>
-              <a:gd name="connsiteY4" fmla="*/ 0 h 18288"/>
-              <a:gd name="connsiteX5" fmla="*/ 3474720 w 3474720"/>
-              <a:gd name="connsiteY5" fmla="*/ 0 h 18288"/>
-              <a:gd name="connsiteX6" fmla="*/ 3474720 w 3474720"/>
-              <a:gd name="connsiteY6" fmla="*/ 18288 h 18288"/>
-              <a:gd name="connsiteX7" fmla="*/ 2779776 w 3474720"/>
-              <a:gd name="connsiteY7" fmla="*/ 18288 h 18288"/>
-              <a:gd name="connsiteX8" fmla="*/ 2189074 w 3474720"/>
-              <a:gd name="connsiteY8" fmla="*/ 18288 h 18288"/>
-              <a:gd name="connsiteX9" fmla="*/ 1528877 w 3474720"/>
-              <a:gd name="connsiteY9" fmla="*/ 18288 h 18288"/>
-              <a:gd name="connsiteX10" fmla="*/ 868680 w 3474720"/>
-              <a:gd name="connsiteY10" fmla="*/ 18288 h 18288"/>
-              <a:gd name="connsiteX11" fmla="*/ 0 w 3474720"/>
-              <a:gd name="connsiteY11" fmla="*/ 18288 h 18288"/>
-              <a:gd name="connsiteX12" fmla="*/ 0 w 3474720"/>
-              <a:gd name="connsiteY12" fmla="*/ 0 h 18288"/>
-            </a:gdLst>
-            <a:ahLst/>
-            <a:cxnLst>
-              <a:cxn ang="0">
-                <a:pos x="connsiteX0" y="connsiteY0"/>
-              </a:cxn>
-              <a:cxn ang="0">
-                <a:pos x="connsiteX1" y="connsiteY1"/>
-              </a:cxn>
-              <a:cxn ang="0">
-                <a:pos x="connsiteX2" y="connsiteY2"/>
-              </a:cxn>
-              <a:cxn ang="0">
-                <a:pos x="connsiteX3" y="connsiteY3"/>
-              </a:cxn>
-              <a:cxn ang="0">
-                <a:pos x="connsiteX4" y="connsiteY4"/>
-              </a:cxn>
-              <a:cxn ang="0">
-                <a:pos x="connsiteX5" y="connsiteY5"/>
-              </a:cxn>
-              <a:cxn ang="0">
-                <a:pos x="connsiteX6" y="connsiteY6"/>
-              </a:cxn>
-              <a:cxn ang="0">
-                <a:pos x="connsiteX7" y="connsiteY7"/>
-              </a:cxn>
-              <a:cxn ang="0">
-                <a:pos x="connsiteX8" y="connsiteY8"/>
-              </a:cxn>
-              <a:cxn ang="0">
-                <a:pos x="connsiteX9" y="connsiteY9"/>
-              </a:cxn>
-              <a:cxn ang="0">
-                <a:pos x="connsiteX10" y="connsiteY10"/>
-              </a:cxn>
-              <a:cxn ang="0">
-                <a:pos x="connsiteX11" y="connsiteY11"/>
-              </a:cxn>
-              <a:cxn ang="0">
-                <a:pos x="connsiteX12" y="connsiteY12"/>
-              </a:cxn>
-            </a:cxnLst>
-            <a:rect l="l" t="t" r="r" b="b"/>
-            <a:pathLst>
-              <a:path w="3474720" h="18288" fill="none" extrusionOk="0">
-                <a:moveTo>
-                  <a:pt x="0" y="0"/>
-                </a:moveTo>
-                <a:cubicBezTo>
-                  <a:pt x="224454" y="-14544"/>
-                  <a:pt x="495407" y="26540"/>
-                  <a:pt x="694944" y="0"/>
-                </a:cubicBezTo>
-                <a:cubicBezTo>
-                  <a:pt x="894481" y="-26540"/>
-                  <a:pt x="1130063" y="24713"/>
-                  <a:pt x="1355141" y="0"/>
-                </a:cubicBezTo>
-                <a:cubicBezTo>
-                  <a:pt x="1580219" y="-24713"/>
-                  <a:pt x="1820099" y="26695"/>
-                  <a:pt x="2015338" y="0"/>
-                </a:cubicBezTo>
-                <a:cubicBezTo>
-                  <a:pt x="2210577" y="-26695"/>
-                  <a:pt x="2402045" y="165"/>
-                  <a:pt x="2779776" y="0"/>
-                </a:cubicBezTo>
-                <a:cubicBezTo>
-                  <a:pt x="3157507" y="-165"/>
-                  <a:pt x="3286859" y="-15571"/>
-                  <a:pt x="3474720" y="0"/>
-                </a:cubicBezTo>
-                <a:cubicBezTo>
-                  <a:pt x="3474286" y="7551"/>
-                  <a:pt x="3474253" y="9822"/>
-                  <a:pt x="3474720" y="18288"/>
-                </a:cubicBezTo>
-                <a:cubicBezTo>
-                  <a:pt x="3233904" y="29845"/>
-                  <a:pt x="2945134" y="-5256"/>
-                  <a:pt x="2779776" y="18288"/>
-                </a:cubicBezTo>
-                <a:cubicBezTo>
-                  <a:pt x="2614418" y="41832"/>
-                  <a:pt x="2339768" y="22709"/>
-                  <a:pt x="2189074" y="18288"/>
-                </a:cubicBezTo>
-                <a:cubicBezTo>
-                  <a:pt x="2038380" y="13867"/>
-                  <a:pt x="1817434" y="-4947"/>
-                  <a:pt x="1528877" y="18288"/>
-                </a:cubicBezTo>
-                <a:cubicBezTo>
-                  <a:pt x="1240320" y="41523"/>
-                  <a:pt x="1042447" y="37198"/>
-                  <a:pt x="868680" y="18288"/>
-                </a:cubicBezTo>
-                <a:cubicBezTo>
-                  <a:pt x="694913" y="-622"/>
-                  <a:pt x="233232" y="44909"/>
-                  <a:pt x="0" y="18288"/>
-                </a:cubicBezTo>
-                <a:cubicBezTo>
-                  <a:pt x="60" y="11696"/>
-                  <a:pt x="66" y="3758"/>
-                  <a:pt x="0" y="0"/>
-                </a:cubicBezTo>
-                <a:close/>
-              </a:path>
-              <a:path w="3474720" h="18288" stroke="0" extrusionOk="0">
-                <a:moveTo>
-                  <a:pt x="0" y="0"/>
-                </a:moveTo>
-                <a:cubicBezTo>
-                  <a:pt x="202328" y="-14716"/>
-                  <a:pt x="332722" y="-11499"/>
-                  <a:pt x="625450" y="0"/>
-                </a:cubicBezTo>
-                <a:cubicBezTo>
-                  <a:pt x="918178" y="11499"/>
-                  <a:pt x="1096688" y="5123"/>
-                  <a:pt x="1389888" y="0"/>
-                </a:cubicBezTo>
-                <a:cubicBezTo>
-                  <a:pt x="1683088" y="-5123"/>
-                  <a:pt x="1835981" y="-14038"/>
-                  <a:pt x="1980590" y="0"/>
-                </a:cubicBezTo>
-                <a:cubicBezTo>
-                  <a:pt x="2125199" y="14038"/>
-                  <a:pt x="2396099" y="-7203"/>
-                  <a:pt x="2571293" y="0"/>
-                </a:cubicBezTo>
-                <a:cubicBezTo>
-                  <a:pt x="2746487" y="7203"/>
-                  <a:pt x="3041609" y="-12036"/>
-                  <a:pt x="3474720" y="0"/>
-                </a:cubicBezTo>
-                <a:cubicBezTo>
-                  <a:pt x="3474638" y="4406"/>
-                  <a:pt x="3474631" y="9982"/>
-                  <a:pt x="3474720" y="18288"/>
-                </a:cubicBezTo>
-                <a:cubicBezTo>
-                  <a:pt x="3324873" y="21876"/>
-                  <a:pt x="3136771" y="12587"/>
-                  <a:pt x="2814523" y="18288"/>
-                </a:cubicBezTo>
-                <a:cubicBezTo>
-                  <a:pt x="2492275" y="23989"/>
-                  <a:pt x="2294402" y="47111"/>
-                  <a:pt x="2154326" y="18288"/>
-                </a:cubicBezTo>
-                <a:cubicBezTo>
-                  <a:pt x="2014250" y="-10535"/>
-                  <a:pt x="1820317" y="33903"/>
-                  <a:pt x="1494130" y="18288"/>
-                </a:cubicBezTo>
-                <a:cubicBezTo>
-                  <a:pt x="1167943" y="2673"/>
-                  <a:pt x="948432" y="14868"/>
-                  <a:pt x="729691" y="18288"/>
-                </a:cubicBezTo>
-                <a:cubicBezTo>
-                  <a:pt x="510950" y="21708"/>
-                  <a:pt x="264032" y="24354"/>
-                  <a:pt x="0" y="18288"/>
-                </a:cubicBezTo>
-                <a:cubicBezTo>
-                  <a:pt x="189" y="14288"/>
-                  <a:pt x="-703" y="3747"/>
-                  <a:pt x="0" y="0"/>
-                </a:cubicBezTo>
-                <a:close/>
-              </a:path>
-            </a:pathLst>
-          </a:custGeom>
+          </a:prstGeom>
           <a:solidFill>
-            <a:schemeClr val="accent2"/>
+            <a:schemeClr val="bg1">
+              <a:alpha val="81000"/>
+            </a:schemeClr>
           </a:solidFill>
-          <a:ln w="44450" cap="rnd">
-            <a:solidFill>
-              <a:schemeClr val="accent2"/>
-            </a:solidFill>
-            <a:round/>
-            <a:extLst>
-              <a:ext uri="{C807C97D-BFC1-408E-A445-0C87EB9F89A2}">
-                <ask:lineSketchStyleProps xmlns:ask="http://schemas.microsoft.com/office/drawing/2018/sketchyshapes" sd="2863741219">
-                  <a:prstGeom prst="rect">
-                    <a:avLst/>
-                  </a:prstGeom>
-                  <ask:type>
-                    <ask:lineSketchFreehand/>
-                  </ask:type>
-                </ask:lineSketchStyleProps>
-              </a:ext>
-            </a:extLst>
+          <a:ln>
+            <a:noFill/>
           </a:ln>
         </p:spPr>
         <p:style>
@@ -10818,6 +14539,158 @@
       </p:sp>
       <p:sp>
         <p:nvSpPr>
+          <p:cNvPr id="27" name="Freeform: Shape 26">
+            <a:extLst>
+              <a:ext uri="{FF2B5EF4-FFF2-40B4-BE49-F238E27FC236}">
+                <a16:creationId xmlns:a16="http://schemas.microsoft.com/office/drawing/2014/main" id="{FF9DEA15-78BD-4750-AA18-B9F28A6D5AB8}"/>
+              </a:ext>
+              <a:ext uri="{C183D7F6-B498-43B3-948B-1728B52AA6E4}">
+                <adec:decorative xmlns:adec="http://schemas.microsoft.com/office/drawing/2017/decorative" val="1"/>
+              </a:ext>
+            </a:extLst>
+          </p:cNvPr>
+          <p:cNvSpPr>
+            <a:spLocks noGrp="1" noRot="1" noChangeAspect="1" noMove="1" noResize="1" noEditPoints="1" noAdjustHandles="1" noChangeArrowheads="1" noChangeShapeType="1" noTextEdit="1"/>
+          </p:cNvSpPr>
+          <p:nvPr>
+            <p:extLst>
+              <p:ext uri="{386F3935-93C4-4BCD-93E2-E3B085C9AB24}">
+                <p16:designElem xmlns:p16="http://schemas.microsoft.com/office/powerpoint/2015/main" val="1"/>
+              </p:ext>
+            </p:extLst>
+          </p:nvPr>
+        </p:nvSpPr>
+        <p:spPr>
+          <a:xfrm>
+            <a:off x="-1" y="0"/>
+            <a:ext cx="4546337" cy="6858000"/>
+          </a:xfrm>
+          <a:custGeom>
+            <a:avLst/>
+            <a:gdLst>
+              <a:gd name="connsiteX0" fmla="*/ 0 w 4319042"/>
+              <a:gd name="connsiteY0" fmla="*/ 0 h 6858000"/>
+              <a:gd name="connsiteX1" fmla="*/ 1142888 w 4319042"/>
+              <a:gd name="connsiteY1" fmla="*/ 0 h 6858000"/>
+              <a:gd name="connsiteX2" fmla="*/ 4319042 w 4319042"/>
+              <a:gd name="connsiteY2" fmla="*/ 6858000 h 6858000"/>
+              <a:gd name="connsiteX3" fmla="*/ 0 w 4319042"/>
+              <a:gd name="connsiteY3" fmla="*/ 6858000 h 6858000"/>
+            </a:gdLst>
+            <a:ahLst/>
+            <a:cxnLst>
+              <a:cxn ang="0">
+                <a:pos x="connsiteX0" y="connsiteY0"/>
+              </a:cxn>
+              <a:cxn ang="0">
+                <a:pos x="connsiteX1" y="connsiteY1"/>
+              </a:cxn>
+              <a:cxn ang="0">
+                <a:pos x="connsiteX2" y="connsiteY2"/>
+              </a:cxn>
+              <a:cxn ang="0">
+                <a:pos x="connsiteX3" y="connsiteY3"/>
+              </a:cxn>
+            </a:cxnLst>
+            <a:rect l="l" t="t" r="r" b="b"/>
+            <a:pathLst>
+              <a:path w="4319042" h="6858000">
+                <a:moveTo>
+                  <a:pt x="0" y="0"/>
+                </a:moveTo>
+                <a:lnTo>
+                  <a:pt x="1142888" y="0"/>
+                </a:lnTo>
+                <a:lnTo>
+                  <a:pt x="4319042" y="6858000"/>
+                </a:lnTo>
+                <a:lnTo>
+                  <a:pt x="0" y="6858000"/>
+                </a:lnTo>
+                <a:close/>
+              </a:path>
+            </a:pathLst>
+          </a:custGeom>
+          <a:solidFill>
+            <a:schemeClr val="bg1">
+              <a:alpha val="35000"/>
+            </a:schemeClr>
+          </a:solidFill>
+          <a:ln>
+            <a:noFill/>
+          </a:ln>
+        </p:spPr>
+        <p:style>
+          <a:lnRef idx="2">
+            <a:schemeClr val="accent1">
+              <a:shade val="50000"/>
+            </a:schemeClr>
+          </a:lnRef>
+          <a:fillRef idx="1">
+            <a:schemeClr val="accent1"/>
+          </a:fillRef>
+          <a:effectRef idx="0">
+            <a:schemeClr val="accent1"/>
+          </a:effectRef>
+          <a:fontRef idx="minor">
+            <a:schemeClr val="lt1"/>
+          </a:fontRef>
+        </p:style>
+        <p:txBody>
+          <a:bodyPr wrap="square" rtlCol="0" anchor="ctr">
+            <a:noAutofit/>
+          </a:bodyPr>
+          <a:lstStyle/>
+          <a:p>
+            <a:pPr algn="ctr"/>
+            <a:endParaRPr lang="en-US"/>
+          </a:p>
+        </p:txBody>
+      </p:sp>
+      <p:sp>
+        <p:nvSpPr>
+          <p:cNvPr id="2" name="Title 1">
+            <a:extLst>
+              <a:ext uri="{FF2B5EF4-FFF2-40B4-BE49-F238E27FC236}">
+                <a16:creationId xmlns:a16="http://schemas.microsoft.com/office/drawing/2014/main" id="{A81619B3-50A6-4AE2-A2F1-2C344111BFA3}"/>
+              </a:ext>
+            </a:extLst>
+          </p:cNvPr>
+          <p:cNvSpPr>
+            <a:spLocks noGrp="1"/>
+          </p:cNvSpPr>
+          <p:nvPr>
+            <p:ph type="title"/>
+          </p:nvPr>
+        </p:nvSpPr>
+        <p:spPr>
+          <a:xfrm>
+            <a:off x="804672" y="640263"/>
+            <a:ext cx="5157216" cy="1344975"/>
+          </a:xfrm>
+        </p:spPr>
+        <p:txBody>
+          <a:bodyPr vert="horz" lIns="91440" tIns="45720" rIns="91440" bIns="45720" rtlCol="0" anchor="ctr">
+            <a:normAutofit/>
+          </a:bodyPr>
+          <a:lstStyle/>
+          <a:p>
+            <a:r>
+              <a:rPr lang="en-US" sz="4000" kern="1200">
+                <a:solidFill>
+                  <a:schemeClr val="tx1"/>
+                </a:solidFill>
+                <a:latin typeface="+mj-lt"/>
+                <a:ea typeface="+mj-ea"/>
+                <a:cs typeface="+mj-cs"/>
+              </a:rPr>
+              <a:t>Start_Gui_V2</a:t>
+            </a:r>
+          </a:p>
+        </p:txBody>
+      </p:sp>
+      <p:sp>
+        <p:nvSpPr>
           <p:cNvPr id="5" name="TextBox 4">
             <a:extLst>
               <a:ext uri="{FF2B5EF4-FFF2-40B4-BE49-F238E27FC236}">
@@ -10830,8 +14703,8 @@
         </p:nvSpPr>
         <p:spPr>
           <a:xfrm>
-            <a:off x="640080" y="2872899"/>
-            <a:ext cx="4243589" cy="3320668"/>
+            <a:off x="804672" y="2121763"/>
+            <a:ext cx="5157216" cy="3773010"/>
           </a:xfrm>
           <a:prstGeom prst="rect">
             <a:avLst/>
@@ -10857,7 +14730,7 @@
               <a:buChar char="•"/>
             </a:pPr>
             <a:r>
-              <a:rPr lang="en-US" sz="2200"/>
+              <a:rPr lang="en-US" sz="2000"/>
               <a:t>This is a very rough  draft of what I intend my start Gui to look like. Ideally  I want to make the pictures smaller and add 2 more pictures of the different gods from the roman and Greek periods I will also change the picture of the current god you can see.. And I would like to add a quit button Aswell. </a:t>
             </a:r>
           </a:p>
@@ -10886,124 +14759,12 @@
         </p:blipFill>
         <p:spPr>
           <a:xfrm>
-            <a:off x="5311702" y="10"/>
-            <a:ext cx="6878775" cy="6857990"/>
+            <a:off x="6969642" y="989961"/>
+            <a:ext cx="4736963" cy="4722628"/>
           </a:xfrm>
-          <a:custGeom>
+          <a:prstGeom prst="rect">
             <a:avLst/>
-            <a:gdLst/>
-            <a:ahLst/>
-            <a:cxnLst/>
-            <a:rect l="l" t="t" r="r" b="b"/>
-            <a:pathLst>
-              <a:path w="6878775" h="6858000">
-                <a:moveTo>
-                  <a:pt x="1102973" y="0"/>
-                </a:moveTo>
-                <a:lnTo>
-                  <a:pt x="1160688" y="0"/>
-                </a:lnTo>
-                <a:lnTo>
-                  <a:pt x="983189" y="331786"/>
-                </a:lnTo>
-                <a:cubicBezTo>
-                  <a:pt x="914866" y="469145"/>
-                  <a:pt x="850355" y="608712"/>
-                  <a:pt x="789261" y="750263"/>
-                </a:cubicBezTo>
-                <a:cubicBezTo>
-                  <a:pt x="774307" y="784928"/>
-                  <a:pt x="759992" y="819849"/>
-                  <a:pt x="745295" y="854514"/>
-                </a:cubicBezTo>
-                <a:cubicBezTo>
-                  <a:pt x="756682" y="845393"/>
-                  <a:pt x="765489" y="833492"/>
-                  <a:pt x="770857" y="819975"/>
-                </a:cubicBezTo>
-                <a:cubicBezTo>
-                  <a:pt x="879943" y="589569"/>
-                  <a:pt x="999605" y="365513"/>
-                  <a:pt x="1131329" y="148742"/>
-                </a:cubicBezTo>
-                <a:lnTo>
-                  <a:pt x="1227589" y="0"/>
-                </a:lnTo>
-                <a:lnTo>
-                  <a:pt x="6878775" y="0"/>
-                </a:lnTo>
-                <a:lnTo>
-                  <a:pt x="6878775" y="6858000"/>
-                </a:lnTo>
-                <a:lnTo>
-                  <a:pt x="713521" y="6858000"/>
-                </a:lnTo>
-                <a:lnTo>
-                  <a:pt x="625642" y="6670527"/>
-                </a:lnTo>
-                <a:cubicBezTo>
-                  <a:pt x="507232" y="6398531"/>
-                  <a:pt x="403083" y="6118381"/>
-                  <a:pt x="312785" y="5830359"/>
-                </a:cubicBezTo>
-                <a:cubicBezTo>
-                  <a:pt x="278149" y="5719759"/>
-                  <a:pt x="248879" y="5607635"/>
-                  <a:pt x="212198" y="5480401"/>
-                </a:cubicBezTo>
-                <a:cubicBezTo>
-                  <a:pt x="212208" y="5491601"/>
-                  <a:pt x="212803" y="5502788"/>
-                  <a:pt x="213988" y="5513923"/>
-                </a:cubicBezTo>
-                <a:cubicBezTo>
-                  <a:pt x="264089" y="5723695"/>
-                  <a:pt x="307290" y="5935370"/>
-                  <a:pt x="365826" y="6142729"/>
-                </a:cubicBezTo>
-                <a:cubicBezTo>
-                  <a:pt x="433152" y="6380817"/>
-                  <a:pt x="510068" y="6614016"/>
-                  <a:pt x="597975" y="6841549"/>
-                </a:cubicBezTo>
-                <a:lnTo>
-                  <a:pt x="604824" y="6858000"/>
-                </a:lnTo>
-                <a:lnTo>
-                  <a:pt x="552056" y="6858000"/>
-                </a:lnTo>
-                <a:lnTo>
-                  <a:pt x="539576" y="6828295"/>
-                </a:lnTo>
-                <a:cubicBezTo>
-                  <a:pt x="380597" y="6414594"/>
-                  <a:pt x="260223" y="5988893"/>
-                  <a:pt x="171555" y="5552906"/>
-                </a:cubicBezTo>
-                <a:cubicBezTo>
-                  <a:pt x="91163" y="5157998"/>
-                  <a:pt x="43746" y="4758899"/>
-                  <a:pt x="12305" y="4357388"/>
-                </a:cubicBezTo>
-                <a:cubicBezTo>
-                  <a:pt x="-14281" y="4013908"/>
-                  <a:pt x="4507" y="3672965"/>
-                  <a:pt x="46684" y="3331516"/>
-                </a:cubicBezTo>
-                <a:cubicBezTo>
-                  <a:pt x="127203" y="2664286"/>
-                  <a:pt x="277819" y="2007265"/>
-                  <a:pt x="496065" y="1371196"/>
-                </a:cubicBezTo>
-                <a:cubicBezTo>
-                  <a:pt x="636273" y="966066"/>
-                  <a:pt x="800445" y="573253"/>
-                  <a:pt x="995723" y="196614"/>
-                </a:cubicBezTo>
-                <a:close/>
-              </a:path>
-            </a:pathLst>
-          </a:custGeom>
+          </a:prstGeom>
         </p:spPr>
       </p:pic>
     </p:spTree>
@@ -11014,7 +14775,7 @@
     </p:extLst>
   </p:cSld>
   <p:clrMapOvr>
-    <a:masterClrMapping/>
+    <a:overrideClrMapping bg1="dk1" tx1="lt1" bg2="dk2" tx2="lt2" accent1="accent1" accent2="accent2" accent3="accent3" accent4="accent4" accent5="accent5" accent6="accent6" hlink="hlink" folHlink="folHlink"/>
   </p:clrMapOvr>
 </p:sld>
 </file>
@@ -11044,12 +14805,12 @@
           <a:chExt cx="0" cy="0"/>
         </a:xfrm>
       </p:grpSpPr>
-      <p:sp useBgFill="1">
+      <p:sp>
         <p:nvSpPr>
-          <p:cNvPr id="10" name="Rectangle 9">
+          <p:cNvPr id="17" name="Rectangle 16">
             <a:extLst>
               <a:ext uri="{FF2B5EF4-FFF2-40B4-BE49-F238E27FC236}">
-                <a16:creationId xmlns:a16="http://schemas.microsoft.com/office/drawing/2014/main" id="{2B97F24A-32CE-4C1C-A50D-3016B394DCFB}"/>
+                <a16:creationId xmlns:a16="http://schemas.microsoft.com/office/drawing/2014/main" id="{C7FA33FF-088D-4F16-95A2-2C64D353DEA8}"/>
               </a:ext>
               <a:ext uri="{C183D7F6-B498-43B3-948B-1728B52AA6E4}">
                 <adec:decorative xmlns:adec="http://schemas.microsoft.com/office/drawing/2017/decorative" val="1"/>
@@ -11069,12 +14830,15 @@
         </p:nvSpPr>
         <p:spPr>
           <a:xfrm>
-            <a:off x="0" y="0"/>
-            <a:ext cx="12192000" cy="6858000"/>
+            <a:off x="1524" y="0"/>
+            <a:ext cx="12188952" cy="6858000"/>
           </a:xfrm>
           <a:prstGeom prst="rect">
             <a:avLst/>
           </a:prstGeom>
+          <a:solidFill>
+            <a:schemeClr val="tx1"/>
+          </a:solidFill>
           <a:ln>
             <a:noFill/>
           </a:ln>
@@ -11106,61 +14870,10 @@
       </p:sp>
       <p:sp>
         <p:nvSpPr>
-          <p:cNvPr id="2" name="Title 1">
+          <p:cNvPr id="19" name="Rectangle 18">
             <a:extLst>
               <a:ext uri="{FF2B5EF4-FFF2-40B4-BE49-F238E27FC236}">
-                <a16:creationId xmlns:a16="http://schemas.microsoft.com/office/drawing/2014/main" id="{5AE28010-B0EF-44DA-8BCD-4527C8D1D059}"/>
-              </a:ext>
-            </a:extLst>
-          </p:cNvPr>
-          <p:cNvSpPr>
-            <a:spLocks noGrp="1"/>
-          </p:cNvSpPr>
-          <p:nvPr>
-            <p:ph type="title"/>
-          </p:nvPr>
-        </p:nvSpPr>
-        <p:spPr>
-          <a:xfrm>
-            <a:off x="630936" y="639520"/>
-            <a:ext cx="3429000" cy="1719072"/>
-          </a:xfrm>
-        </p:spPr>
-        <p:txBody>
-          <a:bodyPr vert="horz" lIns="91440" tIns="45720" rIns="91440" bIns="45720" rtlCol="0" anchor="b">
-            <a:normAutofit/>
-          </a:bodyPr>
-          <a:lstStyle/>
-          <a:p>
-            <a:r>
-              <a:rPr lang="en-US" sz="5400" kern="1200">
-                <a:latin typeface="+mj-lt"/>
-                <a:ea typeface="+mj-ea"/>
-                <a:cs typeface="+mj-cs"/>
-              </a:rPr>
-              <a:t>Quiz</a:t>
-            </a:r>
-            <a:r>
-              <a:rPr lang="en-US" sz="5400"/>
-              <a:t> </a:t>
-            </a:r>
-            <a:r>
-              <a:rPr lang="en-US" sz="5400" kern="1200">
-                <a:latin typeface="+mj-lt"/>
-                <a:ea typeface="+mj-ea"/>
-                <a:cs typeface="+mj-cs"/>
-              </a:rPr>
-              <a:t>GUI v3</a:t>
-            </a:r>
-          </a:p>
-        </p:txBody>
-      </p:sp>
-      <p:sp>
-        <p:nvSpPr>
-          <p:cNvPr id="12" name="sketch line">
-            <a:extLst>
-              <a:ext uri="{FF2B5EF4-FFF2-40B4-BE49-F238E27FC236}">
-                <a16:creationId xmlns:a16="http://schemas.microsoft.com/office/drawing/2014/main" id="{CD8B4F24-440B-49E9-B85D-733523DC064B}"/>
+                <a16:creationId xmlns:a16="http://schemas.microsoft.com/office/drawing/2014/main" id="{A376EFB1-01CF-419F-ABF1-2AF02BBFCBD1}"/>
               </a:ext>
               <a:ext uri="{C183D7F6-B498-43B3-948B-1728B52AA6E4}">
                 <adec:decorative xmlns:adec="http://schemas.microsoft.com/office/drawing/2017/decorative" val="1"/>
@@ -11180,227 +14893,19 @@
         </p:nvSpPr>
         <p:spPr>
           <a:xfrm>
-            <a:off x="643278" y="2573756"/>
-            <a:ext cx="3255095" cy="18288"/>
+            <a:off x="-1" y="0"/>
+            <a:ext cx="6464595" cy="6858000"/>
           </a:xfrm>
-          <a:custGeom>
+          <a:prstGeom prst="rect">
             <a:avLst/>
-            <a:gdLst>
-              <a:gd name="connsiteX0" fmla="*/ 0 w 3255095"/>
-              <a:gd name="connsiteY0" fmla="*/ 0 h 18288"/>
-              <a:gd name="connsiteX1" fmla="*/ 618468 w 3255095"/>
-              <a:gd name="connsiteY1" fmla="*/ 0 h 18288"/>
-              <a:gd name="connsiteX2" fmla="*/ 1269487 w 3255095"/>
-              <a:gd name="connsiteY2" fmla="*/ 0 h 18288"/>
-              <a:gd name="connsiteX3" fmla="*/ 1953057 w 3255095"/>
-              <a:gd name="connsiteY3" fmla="*/ 0 h 18288"/>
-              <a:gd name="connsiteX4" fmla="*/ 2636627 w 3255095"/>
-              <a:gd name="connsiteY4" fmla="*/ 0 h 18288"/>
-              <a:gd name="connsiteX5" fmla="*/ 3255095 w 3255095"/>
-              <a:gd name="connsiteY5" fmla="*/ 0 h 18288"/>
-              <a:gd name="connsiteX6" fmla="*/ 3255095 w 3255095"/>
-              <a:gd name="connsiteY6" fmla="*/ 18288 h 18288"/>
-              <a:gd name="connsiteX7" fmla="*/ 2538974 w 3255095"/>
-              <a:gd name="connsiteY7" fmla="*/ 18288 h 18288"/>
-              <a:gd name="connsiteX8" fmla="*/ 1822853 w 3255095"/>
-              <a:gd name="connsiteY8" fmla="*/ 18288 h 18288"/>
-              <a:gd name="connsiteX9" fmla="*/ 1171834 w 3255095"/>
-              <a:gd name="connsiteY9" fmla="*/ 18288 h 18288"/>
-              <a:gd name="connsiteX10" fmla="*/ 0 w 3255095"/>
-              <a:gd name="connsiteY10" fmla="*/ 18288 h 18288"/>
-              <a:gd name="connsiteX11" fmla="*/ 0 w 3255095"/>
-              <a:gd name="connsiteY11" fmla="*/ 0 h 18288"/>
-            </a:gdLst>
-            <a:ahLst/>
-            <a:cxnLst>
-              <a:cxn ang="0">
-                <a:pos x="connsiteX0" y="connsiteY0"/>
-              </a:cxn>
-              <a:cxn ang="0">
-                <a:pos x="connsiteX1" y="connsiteY1"/>
-              </a:cxn>
-              <a:cxn ang="0">
-                <a:pos x="connsiteX2" y="connsiteY2"/>
-              </a:cxn>
-              <a:cxn ang="0">
-                <a:pos x="connsiteX3" y="connsiteY3"/>
-              </a:cxn>
-              <a:cxn ang="0">
-                <a:pos x="connsiteX4" y="connsiteY4"/>
-              </a:cxn>
-              <a:cxn ang="0">
-                <a:pos x="connsiteX5" y="connsiteY5"/>
-              </a:cxn>
-              <a:cxn ang="0">
-                <a:pos x="connsiteX6" y="connsiteY6"/>
-              </a:cxn>
-              <a:cxn ang="0">
-                <a:pos x="connsiteX7" y="connsiteY7"/>
-              </a:cxn>
-              <a:cxn ang="0">
-                <a:pos x="connsiteX8" y="connsiteY8"/>
-              </a:cxn>
-              <a:cxn ang="0">
-                <a:pos x="connsiteX9" y="connsiteY9"/>
-              </a:cxn>
-              <a:cxn ang="0">
-                <a:pos x="connsiteX10" y="connsiteY10"/>
-              </a:cxn>
-              <a:cxn ang="0">
-                <a:pos x="connsiteX11" y="connsiteY11"/>
-              </a:cxn>
-            </a:cxnLst>
-            <a:rect l="l" t="t" r="r" b="b"/>
-            <a:pathLst>
-              <a:path w="3255095" h="18288" fill="none" extrusionOk="0">
-                <a:moveTo>
-                  <a:pt x="0" y="0"/>
-                </a:moveTo>
-                <a:cubicBezTo>
-                  <a:pt x="240201" y="-22123"/>
-                  <a:pt x="462021" y="-19623"/>
-                  <a:pt x="618468" y="0"/>
-                </a:cubicBezTo>
-                <a:cubicBezTo>
-                  <a:pt x="774915" y="19623"/>
-                  <a:pt x="974734" y="2035"/>
-                  <a:pt x="1269487" y="0"/>
-                </a:cubicBezTo>
-                <a:cubicBezTo>
-                  <a:pt x="1564240" y="-2035"/>
-                  <a:pt x="1733579" y="10639"/>
-                  <a:pt x="1953057" y="0"/>
-                </a:cubicBezTo>
-                <a:cubicBezTo>
-                  <a:pt x="2172535" y="-10639"/>
-                  <a:pt x="2453962" y="14018"/>
-                  <a:pt x="2636627" y="0"/>
-                </a:cubicBezTo>
-                <a:cubicBezTo>
-                  <a:pt x="2819292" y="-14018"/>
-                  <a:pt x="3121375" y="5399"/>
-                  <a:pt x="3255095" y="0"/>
-                </a:cubicBezTo>
-                <a:cubicBezTo>
-                  <a:pt x="3254386" y="8157"/>
-                  <a:pt x="3254682" y="12125"/>
-                  <a:pt x="3255095" y="18288"/>
-                </a:cubicBezTo>
-                <a:cubicBezTo>
-                  <a:pt x="3088545" y="23203"/>
-                  <a:pt x="2687475" y="7419"/>
-                  <a:pt x="2538974" y="18288"/>
-                </a:cubicBezTo>
-                <a:cubicBezTo>
-                  <a:pt x="2390473" y="29157"/>
-                  <a:pt x="2137381" y="-8959"/>
-                  <a:pt x="1822853" y="18288"/>
-                </a:cubicBezTo>
-                <a:cubicBezTo>
-                  <a:pt x="1508325" y="45535"/>
-                  <a:pt x="1466437" y="20385"/>
-                  <a:pt x="1171834" y="18288"/>
-                </a:cubicBezTo>
-                <a:cubicBezTo>
-                  <a:pt x="877231" y="16191"/>
-                  <a:pt x="561097" y="37643"/>
-                  <a:pt x="0" y="18288"/>
-                </a:cubicBezTo>
-                <a:cubicBezTo>
-                  <a:pt x="-46" y="12483"/>
-                  <a:pt x="-203" y="6491"/>
-                  <a:pt x="0" y="0"/>
-                </a:cubicBezTo>
-                <a:close/>
-              </a:path>
-              <a:path w="3255095" h="18288" stroke="0" extrusionOk="0">
-                <a:moveTo>
-                  <a:pt x="0" y="0"/>
-                </a:moveTo>
-                <a:cubicBezTo>
-                  <a:pt x="291965" y="19429"/>
-                  <a:pt x="363155" y="8568"/>
-                  <a:pt x="618468" y="0"/>
-                </a:cubicBezTo>
-                <a:cubicBezTo>
-                  <a:pt x="873781" y="-8568"/>
-                  <a:pt x="904459" y="-19505"/>
-                  <a:pt x="1171834" y="0"/>
-                </a:cubicBezTo>
-                <a:cubicBezTo>
-                  <a:pt x="1439209" y="19505"/>
-                  <a:pt x="1744369" y="9790"/>
-                  <a:pt x="1887955" y="0"/>
-                </a:cubicBezTo>
-                <a:cubicBezTo>
-                  <a:pt x="2031541" y="-9790"/>
-                  <a:pt x="2346378" y="21240"/>
-                  <a:pt x="2506423" y="0"/>
-                </a:cubicBezTo>
-                <a:cubicBezTo>
-                  <a:pt x="2666468" y="-21240"/>
-                  <a:pt x="2990257" y="30414"/>
-                  <a:pt x="3255095" y="0"/>
-                </a:cubicBezTo>
-                <a:cubicBezTo>
-                  <a:pt x="3254831" y="4493"/>
-                  <a:pt x="3255479" y="9472"/>
-                  <a:pt x="3255095" y="18288"/>
-                </a:cubicBezTo>
-                <a:cubicBezTo>
-                  <a:pt x="3120743" y="16690"/>
-                  <a:pt x="2759628" y="42462"/>
-                  <a:pt x="2604076" y="18288"/>
-                </a:cubicBezTo>
-                <a:cubicBezTo>
-                  <a:pt x="2448524" y="-5886"/>
-                  <a:pt x="2184336" y="19599"/>
-                  <a:pt x="1887955" y="18288"/>
-                </a:cubicBezTo>
-                <a:cubicBezTo>
-                  <a:pt x="1591574" y="16977"/>
-                  <a:pt x="1548845" y="6870"/>
-                  <a:pt x="1334589" y="18288"/>
-                </a:cubicBezTo>
-                <a:cubicBezTo>
-                  <a:pt x="1120333" y="29706"/>
-                  <a:pt x="996014" y="9662"/>
-                  <a:pt x="683570" y="18288"/>
-                </a:cubicBezTo>
-                <a:cubicBezTo>
-                  <a:pt x="371126" y="26914"/>
-                  <a:pt x="198687" y="16167"/>
-                  <a:pt x="0" y="18288"/>
-                </a:cubicBezTo>
-                <a:cubicBezTo>
-                  <a:pt x="843" y="9577"/>
-                  <a:pt x="371" y="6900"/>
-                  <a:pt x="0" y="0"/>
-                </a:cubicBezTo>
-                <a:close/>
-              </a:path>
-            </a:pathLst>
-          </a:custGeom>
+          </a:prstGeom>
           <a:solidFill>
-            <a:schemeClr val="accent2"/>
+            <a:schemeClr val="bg1">
+              <a:alpha val="81000"/>
+            </a:schemeClr>
           </a:solidFill>
-          <a:ln w="38100" cap="rnd">
-            <a:solidFill>
-              <a:schemeClr val="accent2"/>
-            </a:solidFill>
-            <a:round/>
-            <a:extLst>
-              <a:ext uri="{C807C97D-BFC1-408E-A445-0C87EB9F89A2}">
-                <ask:lineSketchStyleProps xmlns:ask="http://schemas.microsoft.com/office/drawing/2018/sketchyshapes" sd="1219033472">
-                  <a:prstGeom prst="rect">
-                    <a:avLst/>
-                  </a:prstGeom>
-                  <ask:type>
-                    <ask:lineSketchFreehand/>
-                  </ask:type>
-                </ask:lineSketchStyleProps>
-              </a:ext>
-            </a:extLst>
+          <a:ln>
+            <a:noFill/>
           </a:ln>
         </p:spPr>
         <p:style>
@@ -11430,6 +14935,158 @@
       </p:sp>
       <p:sp>
         <p:nvSpPr>
+          <p:cNvPr id="21" name="Freeform: Shape 20">
+            <a:extLst>
+              <a:ext uri="{FF2B5EF4-FFF2-40B4-BE49-F238E27FC236}">
+                <a16:creationId xmlns:a16="http://schemas.microsoft.com/office/drawing/2014/main" id="{FF9DEA15-78BD-4750-AA18-B9F28A6D5AB8}"/>
+              </a:ext>
+              <a:ext uri="{C183D7F6-B498-43B3-948B-1728B52AA6E4}">
+                <adec:decorative xmlns:adec="http://schemas.microsoft.com/office/drawing/2017/decorative" val="1"/>
+              </a:ext>
+            </a:extLst>
+          </p:cNvPr>
+          <p:cNvSpPr>
+            <a:spLocks noGrp="1" noRot="1" noChangeAspect="1" noMove="1" noResize="1" noEditPoints="1" noAdjustHandles="1" noChangeArrowheads="1" noChangeShapeType="1" noTextEdit="1"/>
+          </p:cNvSpPr>
+          <p:nvPr>
+            <p:extLst>
+              <p:ext uri="{386F3935-93C4-4BCD-93E2-E3B085C9AB24}">
+                <p16:designElem xmlns:p16="http://schemas.microsoft.com/office/powerpoint/2015/main" val="1"/>
+              </p:ext>
+            </p:extLst>
+          </p:nvPr>
+        </p:nvSpPr>
+        <p:spPr>
+          <a:xfrm>
+            <a:off x="-1" y="0"/>
+            <a:ext cx="4546337" cy="6858000"/>
+          </a:xfrm>
+          <a:custGeom>
+            <a:avLst/>
+            <a:gdLst>
+              <a:gd name="connsiteX0" fmla="*/ 0 w 4319042"/>
+              <a:gd name="connsiteY0" fmla="*/ 0 h 6858000"/>
+              <a:gd name="connsiteX1" fmla="*/ 1142888 w 4319042"/>
+              <a:gd name="connsiteY1" fmla="*/ 0 h 6858000"/>
+              <a:gd name="connsiteX2" fmla="*/ 4319042 w 4319042"/>
+              <a:gd name="connsiteY2" fmla="*/ 6858000 h 6858000"/>
+              <a:gd name="connsiteX3" fmla="*/ 0 w 4319042"/>
+              <a:gd name="connsiteY3" fmla="*/ 6858000 h 6858000"/>
+            </a:gdLst>
+            <a:ahLst/>
+            <a:cxnLst>
+              <a:cxn ang="0">
+                <a:pos x="connsiteX0" y="connsiteY0"/>
+              </a:cxn>
+              <a:cxn ang="0">
+                <a:pos x="connsiteX1" y="connsiteY1"/>
+              </a:cxn>
+              <a:cxn ang="0">
+                <a:pos x="connsiteX2" y="connsiteY2"/>
+              </a:cxn>
+              <a:cxn ang="0">
+                <a:pos x="connsiteX3" y="connsiteY3"/>
+              </a:cxn>
+            </a:cxnLst>
+            <a:rect l="l" t="t" r="r" b="b"/>
+            <a:pathLst>
+              <a:path w="4319042" h="6858000">
+                <a:moveTo>
+                  <a:pt x="0" y="0"/>
+                </a:moveTo>
+                <a:lnTo>
+                  <a:pt x="1142888" y="0"/>
+                </a:lnTo>
+                <a:lnTo>
+                  <a:pt x="4319042" y="6858000"/>
+                </a:lnTo>
+                <a:lnTo>
+                  <a:pt x="0" y="6858000"/>
+                </a:lnTo>
+                <a:close/>
+              </a:path>
+            </a:pathLst>
+          </a:custGeom>
+          <a:solidFill>
+            <a:schemeClr val="bg1">
+              <a:alpha val="35000"/>
+            </a:schemeClr>
+          </a:solidFill>
+          <a:ln>
+            <a:noFill/>
+          </a:ln>
+        </p:spPr>
+        <p:style>
+          <a:lnRef idx="2">
+            <a:schemeClr val="accent1">
+              <a:shade val="50000"/>
+            </a:schemeClr>
+          </a:lnRef>
+          <a:fillRef idx="1">
+            <a:schemeClr val="accent1"/>
+          </a:fillRef>
+          <a:effectRef idx="0">
+            <a:schemeClr val="accent1"/>
+          </a:effectRef>
+          <a:fontRef idx="minor">
+            <a:schemeClr val="lt1"/>
+          </a:fontRef>
+        </p:style>
+        <p:txBody>
+          <a:bodyPr wrap="square" rtlCol="0" anchor="ctr">
+            <a:noAutofit/>
+          </a:bodyPr>
+          <a:lstStyle/>
+          <a:p>
+            <a:pPr algn="ctr"/>
+            <a:endParaRPr lang="en-US"/>
+          </a:p>
+        </p:txBody>
+      </p:sp>
+      <p:sp>
+        <p:nvSpPr>
+          <p:cNvPr id="2" name="Title 1">
+            <a:extLst>
+              <a:ext uri="{FF2B5EF4-FFF2-40B4-BE49-F238E27FC236}">
+                <a16:creationId xmlns:a16="http://schemas.microsoft.com/office/drawing/2014/main" id="{5AE28010-B0EF-44DA-8BCD-4527C8D1D059}"/>
+              </a:ext>
+            </a:extLst>
+          </p:cNvPr>
+          <p:cNvSpPr>
+            <a:spLocks noGrp="1"/>
+          </p:cNvSpPr>
+          <p:nvPr>
+            <p:ph type="title"/>
+          </p:nvPr>
+        </p:nvSpPr>
+        <p:spPr>
+          <a:xfrm>
+            <a:off x="804672" y="640263"/>
+            <a:ext cx="5157216" cy="1344975"/>
+          </a:xfrm>
+        </p:spPr>
+        <p:txBody>
+          <a:bodyPr vert="horz" lIns="91440" tIns="45720" rIns="91440" bIns="45720" rtlCol="0" anchor="ctr">
+            <a:normAutofit/>
+          </a:bodyPr>
+          <a:lstStyle/>
+          <a:p>
+            <a:r>
+              <a:rPr lang="en-US" sz="4000" kern="1200">
+                <a:solidFill>
+                  <a:schemeClr val="tx1"/>
+                </a:solidFill>
+                <a:latin typeface="+mj-lt"/>
+                <a:ea typeface="+mj-ea"/>
+                <a:cs typeface="+mj-cs"/>
+              </a:rPr>
+              <a:t>Quiz GUI v3</a:t>
+            </a:r>
+          </a:p>
+        </p:txBody>
+      </p:sp>
+      <p:sp>
+        <p:nvSpPr>
           <p:cNvPr id="5" name="TextBox 4">
             <a:extLst>
               <a:ext uri="{FF2B5EF4-FFF2-40B4-BE49-F238E27FC236}">
@@ -11442,15 +15099,15 @@
         </p:nvSpPr>
         <p:spPr>
           <a:xfrm>
-            <a:off x="630936" y="2807208"/>
-            <a:ext cx="3429000" cy="3410712"/>
+            <a:off x="804672" y="2121763"/>
+            <a:ext cx="5157216" cy="3773010"/>
           </a:xfrm>
           <a:prstGeom prst="rect">
             <a:avLst/>
           </a:prstGeom>
         </p:spPr>
         <p:txBody>
-          <a:bodyPr rot="0" spcFirstLastPara="0" vertOverflow="overflow" horzOverflow="overflow" vert="horz" lIns="91440" tIns="45720" rIns="91440" bIns="45720" numCol="1" spcCol="0" rtlCol="0" fromWordArt="0" anchor="t" anchorCtr="0" forceAA="0" compatLnSpc="1">
+          <a:bodyPr rot="0" spcFirstLastPara="0" vertOverflow="overflow" horzOverflow="overflow" vert="horz" lIns="91440" tIns="45720" rIns="91440" bIns="45720" numCol="1" spcCol="0" rtlCol="0" fromWordArt="0" anchorCtr="0" forceAA="0" compatLnSpc="1">
             <a:prstTxWarp prst="textNoShape">
               <a:avLst/>
             </a:prstTxWarp>
@@ -11499,8 +15156,8 @@
         </p:blipFill>
         <p:spPr>
           <a:xfrm>
-            <a:off x="4876880" y="640080"/>
-            <a:ext cx="6458551" cy="5577840"/>
+            <a:off x="6969642" y="1305769"/>
+            <a:ext cx="4736963" cy="4091013"/>
           </a:xfrm>
           <a:prstGeom prst="rect">
             <a:avLst/>
@@ -11515,7 +15172,7 @@
     </p:extLst>
   </p:cSld>
   <p:clrMapOvr>
-    <a:masterClrMapping/>
+    <a:overrideClrMapping bg1="dk1" tx1="lt1" bg2="dk2" tx2="lt2" accent1="accent1" accent2="accent2" accent3="accent3" accent4="accent4" accent5="accent5" accent6="accent6" hlink="hlink" folHlink="folHlink"/>
   </p:clrMapOvr>
 </p:sld>
 </file>
@@ -11545,12 +15202,12 @@
           <a:chExt cx="0" cy="0"/>
         </a:xfrm>
       </p:grpSpPr>
-      <p:sp useBgFill="1">
+      <p:sp>
         <p:nvSpPr>
-          <p:cNvPr id="14" name="Rectangle 16">
+          <p:cNvPr id="20" name="Rectangle 19">
             <a:extLst>
               <a:ext uri="{FF2B5EF4-FFF2-40B4-BE49-F238E27FC236}">
-                <a16:creationId xmlns:a16="http://schemas.microsoft.com/office/drawing/2014/main" id="{2B97F24A-32CE-4C1C-A50D-3016B394DCFB}"/>
+                <a16:creationId xmlns:a16="http://schemas.microsoft.com/office/drawing/2014/main" id="{C7FA33FF-088D-4F16-95A2-2C64D353DEA8}"/>
               </a:ext>
               <a:ext uri="{C183D7F6-B498-43B3-948B-1728B52AA6E4}">
                 <adec:decorative xmlns:adec="http://schemas.microsoft.com/office/drawing/2017/decorative" val="1"/>
@@ -11570,12 +15227,15 @@
         </p:nvSpPr>
         <p:spPr>
           <a:xfrm>
-            <a:off x="0" y="0"/>
-            <a:ext cx="12192000" cy="6858000"/>
+            <a:off x="1524" y="0"/>
+            <a:ext cx="12188952" cy="6858000"/>
           </a:xfrm>
           <a:prstGeom prst="rect">
             <a:avLst/>
           </a:prstGeom>
+          <a:solidFill>
+            <a:schemeClr val="tx1"/>
+          </a:solidFill>
           <a:ln>
             <a:noFill/>
           </a:ln>
@@ -11607,52 +15267,10 @@
       </p:sp>
       <p:sp>
         <p:nvSpPr>
-          <p:cNvPr id="2" name="Title 1">
+          <p:cNvPr id="22" name="Rectangle 21">
             <a:extLst>
               <a:ext uri="{FF2B5EF4-FFF2-40B4-BE49-F238E27FC236}">
-                <a16:creationId xmlns:a16="http://schemas.microsoft.com/office/drawing/2014/main" id="{40E80544-C795-410D-ACBE-5B39F33D5CE0}"/>
-              </a:ext>
-            </a:extLst>
-          </p:cNvPr>
-          <p:cNvSpPr>
-            <a:spLocks noGrp="1"/>
-          </p:cNvSpPr>
-          <p:nvPr>
-            <p:ph type="title"/>
-          </p:nvPr>
-        </p:nvSpPr>
-        <p:spPr>
-          <a:xfrm>
-            <a:off x="630936" y="639520"/>
-            <a:ext cx="3429000" cy="1719072"/>
-          </a:xfrm>
-        </p:spPr>
-        <p:txBody>
-          <a:bodyPr vert="horz" lIns="91440" tIns="45720" rIns="91440" bIns="45720" rtlCol="0" anchor="b">
-            <a:normAutofit/>
-          </a:bodyPr>
-          <a:lstStyle/>
-          <a:p>
-            <a:r>
-              <a:rPr lang="en-US" sz="4600" kern="1200">
-                <a:solidFill>
-                  <a:schemeClr val="tx1"/>
-                </a:solidFill>
-                <a:latin typeface="+mj-lt"/>
-                <a:ea typeface="+mj-ea"/>
-                <a:cs typeface="+mj-cs"/>
-              </a:rPr>
-              <a:t>Start_GUI V4</a:t>
-            </a:r>
-          </a:p>
-        </p:txBody>
-      </p:sp>
-      <p:sp>
-        <p:nvSpPr>
-          <p:cNvPr id="15" name="sketch line">
-            <a:extLst>
-              <a:ext uri="{FF2B5EF4-FFF2-40B4-BE49-F238E27FC236}">
-                <a16:creationId xmlns:a16="http://schemas.microsoft.com/office/drawing/2014/main" id="{CD8B4F24-440B-49E9-B85D-733523DC064B}"/>
+                <a16:creationId xmlns:a16="http://schemas.microsoft.com/office/drawing/2014/main" id="{A376EFB1-01CF-419F-ABF1-2AF02BBFCBD1}"/>
               </a:ext>
               <a:ext uri="{C183D7F6-B498-43B3-948B-1728B52AA6E4}">
                 <adec:decorative xmlns:adec="http://schemas.microsoft.com/office/drawing/2017/decorative" val="1"/>
@@ -11672,227 +15290,19 @@
         </p:nvSpPr>
         <p:spPr>
           <a:xfrm>
-            <a:off x="643278" y="2573756"/>
-            <a:ext cx="3255095" cy="18288"/>
+            <a:off x="-1" y="0"/>
+            <a:ext cx="6464595" cy="6858000"/>
           </a:xfrm>
-          <a:custGeom>
+          <a:prstGeom prst="rect">
             <a:avLst/>
-            <a:gdLst>
-              <a:gd name="connsiteX0" fmla="*/ 0 w 3255095"/>
-              <a:gd name="connsiteY0" fmla="*/ 0 h 18288"/>
-              <a:gd name="connsiteX1" fmla="*/ 618468 w 3255095"/>
-              <a:gd name="connsiteY1" fmla="*/ 0 h 18288"/>
-              <a:gd name="connsiteX2" fmla="*/ 1269487 w 3255095"/>
-              <a:gd name="connsiteY2" fmla="*/ 0 h 18288"/>
-              <a:gd name="connsiteX3" fmla="*/ 1953057 w 3255095"/>
-              <a:gd name="connsiteY3" fmla="*/ 0 h 18288"/>
-              <a:gd name="connsiteX4" fmla="*/ 2636627 w 3255095"/>
-              <a:gd name="connsiteY4" fmla="*/ 0 h 18288"/>
-              <a:gd name="connsiteX5" fmla="*/ 3255095 w 3255095"/>
-              <a:gd name="connsiteY5" fmla="*/ 0 h 18288"/>
-              <a:gd name="connsiteX6" fmla="*/ 3255095 w 3255095"/>
-              <a:gd name="connsiteY6" fmla="*/ 18288 h 18288"/>
-              <a:gd name="connsiteX7" fmla="*/ 2538974 w 3255095"/>
-              <a:gd name="connsiteY7" fmla="*/ 18288 h 18288"/>
-              <a:gd name="connsiteX8" fmla="*/ 1822853 w 3255095"/>
-              <a:gd name="connsiteY8" fmla="*/ 18288 h 18288"/>
-              <a:gd name="connsiteX9" fmla="*/ 1171834 w 3255095"/>
-              <a:gd name="connsiteY9" fmla="*/ 18288 h 18288"/>
-              <a:gd name="connsiteX10" fmla="*/ 0 w 3255095"/>
-              <a:gd name="connsiteY10" fmla="*/ 18288 h 18288"/>
-              <a:gd name="connsiteX11" fmla="*/ 0 w 3255095"/>
-              <a:gd name="connsiteY11" fmla="*/ 0 h 18288"/>
-            </a:gdLst>
-            <a:ahLst/>
-            <a:cxnLst>
-              <a:cxn ang="0">
-                <a:pos x="connsiteX0" y="connsiteY0"/>
-              </a:cxn>
-              <a:cxn ang="0">
-                <a:pos x="connsiteX1" y="connsiteY1"/>
-              </a:cxn>
-              <a:cxn ang="0">
-                <a:pos x="connsiteX2" y="connsiteY2"/>
-              </a:cxn>
-              <a:cxn ang="0">
-                <a:pos x="connsiteX3" y="connsiteY3"/>
-              </a:cxn>
-              <a:cxn ang="0">
-                <a:pos x="connsiteX4" y="connsiteY4"/>
-              </a:cxn>
-              <a:cxn ang="0">
-                <a:pos x="connsiteX5" y="connsiteY5"/>
-              </a:cxn>
-              <a:cxn ang="0">
-                <a:pos x="connsiteX6" y="connsiteY6"/>
-              </a:cxn>
-              <a:cxn ang="0">
-                <a:pos x="connsiteX7" y="connsiteY7"/>
-              </a:cxn>
-              <a:cxn ang="0">
-                <a:pos x="connsiteX8" y="connsiteY8"/>
-              </a:cxn>
-              <a:cxn ang="0">
-                <a:pos x="connsiteX9" y="connsiteY9"/>
-              </a:cxn>
-              <a:cxn ang="0">
-                <a:pos x="connsiteX10" y="connsiteY10"/>
-              </a:cxn>
-              <a:cxn ang="0">
-                <a:pos x="connsiteX11" y="connsiteY11"/>
-              </a:cxn>
-            </a:cxnLst>
-            <a:rect l="l" t="t" r="r" b="b"/>
-            <a:pathLst>
-              <a:path w="3255095" h="18288" fill="none" extrusionOk="0">
-                <a:moveTo>
-                  <a:pt x="0" y="0"/>
-                </a:moveTo>
-                <a:cubicBezTo>
-                  <a:pt x="240201" y="-22123"/>
-                  <a:pt x="462021" y="-19623"/>
-                  <a:pt x="618468" y="0"/>
-                </a:cubicBezTo>
-                <a:cubicBezTo>
-                  <a:pt x="774915" y="19623"/>
-                  <a:pt x="974734" y="2035"/>
-                  <a:pt x="1269487" y="0"/>
-                </a:cubicBezTo>
-                <a:cubicBezTo>
-                  <a:pt x="1564240" y="-2035"/>
-                  <a:pt x="1733579" y="10639"/>
-                  <a:pt x="1953057" y="0"/>
-                </a:cubicBezTo>
-                <a:cubicBezTo>
-                  <a:pt x="2172535" y="-10639"/>
-                  <a:pt x="2453962" y="14018"/>
-                  <a:pt x="2636627" y="0"/>
-                </a:cubicBezTo>
-                <a:cubicBezTo>
-                  <a:pt x="2819292" y="-14018"/>
-                  <a:pt x="3121375" y="5399"/>
-                  <a:pt x="3255095" y="0"/>
-                </a:cubicBezTo>
-                <a:cubicBezTo>
-                  <a:pt x="3254386" y="8157"/>
-                  <a:pt x="3254682" y="12125"/>
-                  <a:pt x="3255095" y="18288"/>
-                </a:cubicBezTo>
-                <a:cubicBezTo>
-                  <a:pt x="3088545" y="23203"/>
-                  <a:pt x="2687475" y="7419"/>
-                  <a:pt x="2538974" y="18288"/>
-                </a:cubicBezTo>
-                <a:cubicBezTo>
-                  <a:pt x="2390473" y="29157"/>
-                  <a:pt x="2137381" y="-8959"/>
-                  <a:pt x="1822853" y="18288"/>
-                </a:cubicBezTo>
-                <a:cubicBezTo>
-                  <a:pt x="1508325" y="45535"/>
-                  <a:pt x="1466437" y="20385"/>
-                  <a:pt x="1171834" y="18288"/>
-                </a:cubicBezTo>
-                <a:cubicBezTo>
-                  <a:pt x="877231" y="16191"/>
-                  <a:pt x="561097" y="37643"/>
-                  <a:pt x="0" y="18288"/>
-                </a:cubicBezTo>
-                <a:cubicBezTo>
-                  <a:pt x="-46" y="12483"/>
-                  <a:pt x="-203" y="6491"/>
-                  <a:pt x="0" y="0"/>
-                </a:cubicBezTo>
-                <a:close/>
-              </a:path>
-              <a:path w="3255095" h="18288" stroke="0" extrusionOk="0">
-                <a:moveTo>
-                  <a:pt x="0" y="0"/>
-                </a:moveTo>
-                <a:cubicBezTo>
-                  <a:pt x="291965" y="19429"/>
-                  <a:pt x="363155" y="8568"/>
-                  <a:pt x="618468" y="0"/>
-                </a:cubicBezTo>
-                <a:cubicBezTo>
-                  <a:pt x="873781" y="-8568"/>
-                  <a:pt x="904459" y="-19505"/>
-                  <a:pt x="1171834" y="0"/>
-                </a:cubicBezTo>
-                <a:cubicBezTo>
-                  <a:pt x="1439209" y="19505"/>
-                  <a:pt x="1744369" y="9790"/>
-                  <a:pt x="1887955" y="0"/>
-                </a:cubicBezTo>
-                <a:cubicBezTo>
-                  <a:pt x="2031541" y="-9790"/>
-                  <a:pt x="2346378" y="21240"/>
-                  <a:pt x="2506423" y="0"/>
-                </a:cubicBezTo>
-                <a:cubicBezTo>
-                  <a:pt x="2666468" y="-21240"/>
-                  <a:pt x="2990257" y="30414"/>
-                  <a:pt x="3255095" y="0"/>
-                </a:cubicBezTo>
-                <a:cubicBezTo>
-                  <a:pt x="3254831" y="4493"/>
-                  <a:pt x="3255479" y="9472"/>
-                  <a:pt x="3255095" y="18288"/>
-                </a:cubicBezTo>
-                <a:cubicBezTo>
-                  <a:pt x="3120743" y="16690"/>
-                  <a:pt x="2759628" y="42462"/>
-                  <a:pt x="2604076" y="18288"/>
-                </a:cubicBezTo>
-                <a:cubicBezTo>
-                  <a:pt x="2448524" y="-5886"/>
-                  <a:pt x="2184336" y="19599"/>
-                  <a:pt x="1887955" y="18288"/>
-                </a:cubicBezTo>
-                <a:cubicBezTo>
-                  <a:pt x="1591574" y="16977"/>
-                  <a:pt x="1548845" y="6870"/>
-                  <a:pt x="1334589" y="18288"/>
-                </a:cubicBezTo>
-                <a:cubicBezTo>
-                  <a:pt x="1120333" y="29706"/>
-                  <a:pt x="996014" y="9662"/>
-                  <a:pt x="683570" y="18288"/>
-                </a:cubicBezTo>
-                <a:cubicBezTo>
-                  <a:pt x="371126" y="26914"/>
-                  <a:pt x="198687" y="16167"/>
-                  <a:pt x="0" y="18288"/>
-                </a:cubicBezTo>
-                <a:cubicBezTo>
-                  <a:pt x="843" y="9577"/>
-                  <a:pt x="371" y="6900"/>
-                  <a:pt x="0" y="0"/>
-                </a:cubicBezTo>
-                <a:close/>
-              </a:path>
-            </a:pathLst>
-          </a:custGeom>
+          </a:prstGeom>
           <a:solidFill>
-            <a:schemeClr val="accent2"/>
+            <a:schemeClr val="bg1">
+              <a:alpha val="81000"/>
+            </a:schemeClr>
           </a:solidFill>
-          <a:ln w="38100" cap="rnd">
-            <a:solidFill>
-              <a:schemeClr val="accent2"/>
-            </a:solidFill>
-            <a:round/>
-            <a:extLst>
-              <a:ext uri="{C807C97D-BFC1-408E-A445-0C87EB9F89A2}">
-                <ask:lineSketchStyleProps xmlns:ask="http://schemas.microsoft.com/office/drawing/2018/sketchyshapes" sd="1219033472">
-                  <a:prstGeom prst="rect">
-                    <a:avLst/>
-                  </a:prstGeom>
-                  <ask:type>
-                    <ask:lineSketchFreehand/>
-                  </ask:type>
-                </ask:lineSketchStyleProps>
-              </a:ext>
-            </a:extLst>
+          <a:ln>
+            <a:noFill/>
           </a:ln>
         </p:spPr>
         <p:style>
@@ -11922,6 +15332,158 @@
       </p:sp>
       <p:sp>
         <p:nvSpPr>
+          <p:cNvPr id="24" name="Freeform: Shape 23">
+            <a:extLst>
+              <a:ext uri="{FF2B5EF4-FFF2-40B4-BE49-F238E27FC236}">
+                <a16:creationId xmlns:a16="http://schemas.microsoft.com/office/drawing/2014/main" id="{FF9DEA15-78BD-4750-AA18-B9F28A6D5AB8}"/>
+              </a:ext>
+              <a:ext uri="{C183D7F6-B498-43B3-948B-1728B52AA6E4}">
+                <adec:decorative xmlns:adec="http://schemas.microsoft.com/office/drawing/2017/decorative" val="1"/>
+              </a:ext>
+            </a:extLst>
+          </p:cNvPr>
+          <p:cNvSpPr>
+            <a:spLocks noGrp="1" noRot="1" noChangeAspect="1" noMove="1" noResize="1" noEditPoints="1" noAdjustHandles="1" noChangeArrowheads="1" noChangeShapeType="1" noTextEdit="1"/>
+          </p:cNvSpPr>
+          <p:nvPr>
+            <p:extLst>
+              <p:ext uri="{386F3935-93C4-4BCD-93E2-E3B085C9AB24}">
+                <p16:designElem xmlns:p16="http://schemas.microsoft.com/office/powerpoint/2015/main" val="1"/>
+              </p:ext>
+            </p:extLst>
+          </p:nvPr>
+        </p:nvSpPr>
+        <p:spPr>
+          <a:xfrm>
+            <a:off x="-1" y="0"/>
+            <a:ext cx="4546337" cy="6858000"/>
+          </a:xfrm>
+          <a:custGeom>
+            <a:avLst/>
+            <a:gdLst>
+              <a:gd name="connsiteX0" fmla="*/ 0 w 4319042"/>
+              <a:gd name="connsiteY0" fmla="*/ 0 h 6858000"/>
+              <a:gd name="connsiteX1" fmla="*/ 1142888 w 4319042"/>
+              <a:gd name="connsiteY1" fmla="*/ 0 h 6858000"/>
+              <a:gd name="connsiteX2" fmla="*/ 4319042 w 4319042"/>
+              <a:gd name="connsiteY2" fmla="*/ 6858000 h 6858000"/>
+              <a:gd name="connsiteX3" fmla="*/ 0 w 4319042"/>
+              <a:gd name="connsiteY3" fmla="*/ 6858000 h 6858000"/>
+            </a:gdLst>
+            <a:ahLst/>
+            <a:cxnLst>
+              <a:cxn ang="0">
+                <a:pos x="connsiteX0" y="connsiteY0"/>
+              </a:cxn>
+              <a:cxn ang="0">
+                <a:pos x="connsiteX1" y="connsiteY1"/>
+              </a:cxn>
+              <a:cxn ang="0">
+                <a:pos x="connsiteX2" y="connsiteY2"/>
+              </a:cxn>
+              <a:cxn ang="0">
+                <a:pos x="connsiteX3" y="connsiteY3"/>
+              </a:cxn>
+            </a:cxnLst>
+            <a:rect l="l" t="t" r="r" b="b"/>
+            <a:pathLst>
+              <a:path w="4319042" h="6858000">
+                <a:moveTo>
+                  <a:pt x="0" y="0"/>
+                </a:moveTo>
+                <a:lnTo>
+                  <a:pt x="1142888" y="0"/>
+                </a:lnTo>
+                <a:lnTo>
+                  <a:pt x="4319042" y="6858000"/>
+                </a:lnTo>
+                <a:lnTo>
+                  <a:pt x="0" y="6858000"/>
+                </a:lnTo>
+                <a:close/>
+              </a:path>
+            </a:pathLst>
+          </a:custGeom>
+          <a:solidFill>
+            <a:schemeClr val="bg1">
+              <a:alpha val="35000"/>
+            </a:schemeClr>
+          </a:solidFill>
+          <a:ln>
+            <a:noFill/>
+          </a:ln>
+        </p:spPr>
+        <p:style>
+          <a:lnRef idx="2">
+            <a:schemeClr val="accent1">
+              <a:shade val="50000"/>
+            </a:schemeClr>
+          </a:lnRef>
+          <a:fillRef idx="1">
+            <a:schemeClr val="accent1"/>
+          </a:fillRef>
+          <a:effectRef idx="0">
+            <a:schemeClr val="accent1"/>
+          </a:effectRef>
+          <a:fontRef idx="minor">
+            <a:schemeClr val="lt1"/>
+          </a:fontRef>
+        </p:style>
+        <p:txBody>
+          <a:bodyPr wrap="square" rtlCol="0" anchor="ctr">
+            <a:noAutofit/>
+          </a:bodyPr>
+          <a:lstStyle/>
+          <a:p>
+            <a:pPr algn="ctr"/>
+            <a:endParaRPr lang="en-US"/>
+          </a:p>
+        </p:txBody>
+      </p:sp>
+      <p:sp>
+        <p:nvSpPr>
+          <p:cNvPr id="2" name="Title 1">
+            <a:extLst>
+              <a:ext uri="{FF2B5EF4-FFF2-40B4-BE49-F238E27FC236}">
+                <a16:creationId xmlns:a16="http://schemas.microsoft.com/office/drawing/2014/main" id="{40E80544-C795-410D-ACBE-5B39F33D5CE0}"/>
+              </a:ext>
+            </a:extLst>
+          </p:cNvPr>
+          <p:cNvSpPr>
+            <a:spLocks noGrp="1"/>
+          </p:cNvSpPr>
+          <p:nvPr>
+            <p:ph type="title"/>
+          </p:nvPr>
+        </p:nvSpPr>
+        <p:spPr>
+          <a:xfrm>
+            <a:off x="804672" y="640263"/>
+            <a:ext cx="5157216" cy="1344975"/>
+          </a:xfrm>
+        </p:spPr>
+        <p:txBody>
+          <a:bodyPr vert="horz" lIns="91440" tIns="45720" rIns="91440" bIns="45720" rtlCol="0" anchor="ctr">
+            <a:normAutofit/>
+          </a:bodyPr>
+          <a:lstStyle/>
+          <a:p>
+            <a:r>
+              <a:rPr lang="en-US" sz="4000" kern="1200">
+                <a:solidFill>
+                  <a:schemeClr val="tx1"/>
+                </a:solidFill>
+                <a:latin typeface="+mj-lt"/>
+                <a:ea typeface="+mj-ea"/>
+                <a:cs typeface="+mj-cs"/>
+              </a:rPr>
+              <a:t>Start_GUI V4</a:t>
+            </a:r>
+          </a:p>
+        </p:txBody>
+      </p:sp>
+      <p:sp>
+        <p:nvSpPr>
           <p:cNvPr id="7" name="TextBox 6">
             <a:extLst>
               <a:ext uri="{FF2B5EF4-FFF2-40B4-BE49-F238E27FC236}">
@@ -11934,15 +15496,15 @@
         </p:nvSpPr>
         <p:spPr>
           <a:xfrm>
-            <a:off x="630936" y="2807208"/>
-            <a:ext cx="3429000" cy="3410712"/>
+            <a:off x="804672" y="2121763"/>
+            <a:ext cx="5157216" cy="3773010"/>
           </a:xfrm>
           <a:prstGeom prst="rect">
             <a:avLst/>
           </a:prstGeom>
         </p:spPr>
         <p:txBody>
-          <a:bodyPr rot="0" spcFirstLastPara="0" vertOverflow="overflow" horzOverflow="overflow" vert="horz" lIns="91440" tIns="45720" rIns="91440" bIns="45720" numCol="1" spcCol="0" rtlCol="0" fromWordArt="0" anchor="t" anchorCtr="0" forceAA="0" compatLnSpc="1">
+          <a:bodyPr rot="0" spcFirstLastPara="0" vertOverflow="overflow" horzOverflow="overflow" vert="horz" lIns="91440" tIns="45720" rIns="91440" bIns="45720" numCol="1" spcCol="0" rtlCol="0" fromWordArt="0" anchorCtr="0" forceAA="0" compatLnSpc="1">
             <a:prstTxWarp prst="textNoShape">
               <a:avLst/>
             </a:prstTxWarp>
@@ -11961,7 +15523,7 @@
               <a:buChar char="•"/>
             </a:pPr>
             <a:r>
-              <a:rPr lang="en-US" sz="2200"/>
+              <a:rPr lang="en-US" sz="2000"/>
               <a:t>This will most likely be my final version of my start Gui. I will now begin to develop my game glass and generate questions + answers.  My start Gui now works as I intended it to.</a:t>
             </a:r>
           </a:p>
@@ -11990,8 +15552,8 @@
         </p:blipFill>
         <p:spPr>
           <a:xfrm>
-            <a:off x="6221037" y="640080"/>
-            <a:ext cx="3770238" cy="5577840"/>
+            <a:off x="7400469" y="484632"/>
+            <a:ext cx="3875309" cy="5733287"/>
           </a:xfrm>
           <a:prstGeom prst="rect">
             <a:avLst/>
@@ -12006,7 +15568,7 @@
     </p:extLst>
   </p:cSld>
   <p:clrMapOvr>
-    <a:masterClrMapping/>
+    <a:overrideClrMapping bg1="dk1" tx1="lt1" bg2="dk2" tx2="lt2" accent1="accent1" accent2="accent2" accent3="accent3" accent4="accent4" accent5="accent5" accent6="accent6" hlink="hlink" folHlink="folHlink"/>
   </p:clrMapOvr>
 </p:sld>
 </file>
@@ -12036,12 +15598,12 @@
           <a:chExt cx="0" cy="0"/>
         </a:xfrm>
       </p:grpSpPr>
-      <p:sp useBgFill="1">
+      <p:sp>
         <p:nvSpPr>
-          <p:cNvPr id="19" name="Rectangle 18">
+          <p:cNvPr id="26" name="Rectangle 25">
             <a:extLst>
               <a:ext uri="{FF2B5EF4-FFF2-40B4-BE49-F238E27FC236}">
-                <a16:creationId xmlns:a16="http://schemas.microsoft.com/office/drawing/2014/main" id="{2B97F24A-32CE-4C1C-A50D-3016B394DCFB}"/>
+                <a16:creationId xmlns:a16="http://schemas.microsoft.com/office/drawing/2014/main" id="{C7FA33FF-088D-4F16-95A2-2C64D353DEA8}"/>
               </a:ext>
               <a:ext uri="{C183D7F6-B498-43B3-948B-1728B52AA6E4}">
                 <adec:decorative xmlns:adec="http://schemas.microsoft.com/office/drawing/2017/decorative" val="1"/>
@@ -12061,12 +15623,15 @@
         </p:nvSpPr>
         <p:spPr>
           <a:xfrm>
-            <a:off x="0" y="0"/>
-            <a:ext cx="12192000" cy="6858000"/>
+            <a:off x="1524" y="0"/>
+            <a:ext cx="12188952" cy="6858000"/>
           </a:xfrm>
           <a:prstGeom prst="rect">
             <a:avLst/>
           </a:prstGeom>
+          <a:solidFill>
+            <a:schemeClr val="tx1"/>
+          </a:solidFill>
           <a:ln>
             <a:noFill/>
           </a:ln>
@@ -12098,52 +15663,10 @@
       </p:sp>
       <p:sp>
         <p:nvSpPr>
-          <p:cNvPr id="2" name="Title 1">
+          <p:cNvPr id="28" name="Rectangle 27">
             <a:extLst>
               <a:ext uri="{FF2B5EF4-FFF2-40B4-BE49-F238E27FC236}">
-                <a16:creationId xmlns:a16="http://schemas.microsoft.com/office/drawing/2014/main" id="{3E212635-CADE-43BF-A371-49E22896C9EE}"/>
-              </a:ext>
-            </a:extLst>
-          </p:cNvPr>
-          <p:cNvSpPr>
-            <a:spLocks noGrp="1"/>
-          </p:cNvSpPr>
-          <p:nvPr>
-            <p:ph type="title"/>
-          </p:nvPr>
-        </p:nvSpPr>
-        <p:spPr>
-          <a:xfrm>
-            <a:off x="630936" y="639520"/>
-            <a:ext cx="3429000" cy="1719072"/>
-          </a:xfrm>
-        </p:spPr>
-        <p:txBody>
-          <a:bodyPr vert="horz" lIns="91440" tIns="45720" rIns="91440" bIns="45720" rtlCol="0" anchor="b">
-            <a:normAutofit/>
-          </a:bodyPr>
-          <a:lstStyle/>
-          <a:p>
-            <a:r>
-              <a:rPr lang="en-US" sz="5400" kern="1200">
-                <a:solidFill>
-                  <a:schemeClr val="tx1"/>
-                </a:solidFill>
-                <a:latin typeface="+mj-lt"/>
-                <a:ea typeface="+mj-ea"/>
-                <a:cs typeface="+mj-cs"/>
-              </a:rPr>
-              <a:t>Start GUI V5</a:t>
-            </a:r>
-          </a:p>
-        </p:txBody>
-      </p:sp>
-      <p:sp>
-        <p:nvSpPr>
-          <p:cNvPr id="21" name="sketch line">
-            <a:extLst>
-              <a:ext uri="{FF2B5EF4-FFF2-40B4-BE49-F238E27FC236}">
-                <a16:creationId xmlns:a16="http://schemas.microsoft.com/office/drawing/2014/main" id="{CD8B4F24-440B-49E9-B85D-733523DC064B}"/>
+                <a16:creationId xmlns:a16="http://schemas.microsoft.com/office/drawing/2014/main" id="{A376EFB1-01CF-419F-ABF1-2AF02BBFCBD1}"/>
               </a:ext>
               <a:ext uri="{C183D7F6-B498-43B3-948B-1728B52AA6E4}">
                 <adec:decorative xmlns:adec="http://schemas.microsoft.com/office/drawing/2017/decorative" val="1"/>
@@ -12163,227 +15686,19 @@
         </p:nvSpPr>
         <p:spPr>
           <a:xfrm>
-            <a:off x="643278" y="2573756"/>
-            <a:ext cx="3255095" cy="18288"/>
+            <a:off x="-1" y="0"/>
+            <a:ext cx="6464595" cy="6858000"/>
           </a:xfrm>
-          <a:custGeom>
+          <a:prstGeom prst="rect">
             <a:avLst/>
-            <a:gdLst>
-              <a:gd name="connsiteX0" fmla="*/ 0 w 3255095"/>
-              <a:gd name="connsiteY0" fmla="*/ 0 h 18288"/>
-              <a:gd name="connsiteX1" fmla="*/ 618468 w 3255095"/>
-              <a:gd name="connsiteY1" fmla="*/ 0 h 18288"/>
-              <a:gd name="connsiteX2" fmla="*/ 1269487 w 3255095"/>
-              <a:gd name="connsiteY2" fmla="*/ 0 h 18288"/>
-              <a:gd name="connsiteX3" fmla="*/ 1953057 w 3255095"/>
-              <a:gd name="connsiteY3" fmla="*/ 0 h 18288"/>
-              <a:gd name="connsiteX4" fmla="*/ 2636627 w 3255095"/>
-              <a:gd name="connsiteY4" fmla="*/ 0 h 18288"/>
-              <a:gd name="connsiteX5" fmla="*/ 3255095 w 3255095"/>
-              <a:gd name="connsiteY5" fmla="*/ 0 h 18288"/>
-              <a:gd name="connsiteX6" fmla="*/ 3255095 w 3255095"/>
-              <a:gd name="connsiteY6" fmla="*/ 18288 h 18288"/>
-              <a:gd name="connsiteX7" fmla="*/ 2538974 w 3255095"/>
-              <a:gd name="connsiteY7" fmla="*/ 18288 h 18288"/>
-              <a:gd name="connsiteX8" fmla="*/ 1822853 w 3255095"/>
-              <a:gd name="connsiteY8" fmla="*/ 18288 h 18288"/>
-              <a:gd name="connsiteX9" fmla="*/ 1171834 w 3255095"/>
-              <a:gd name="connsiteY9" fmla="*/ 18288 h 18288"/>
-              <a:gd name="connsiteX10" fmla="*/ 0 w 3255095"/>
-              <a:gd name="connsiteY10" fmla="*/ 18288 h 18288"/>
-              <a:gd name="connsiteX11" fmla="*/ 0 w 3255095"/>
-              <a:gd name="connsiteY11" fmla="*/ 0 h 18288"/>
-            </a:gdLst>
-            <a:ahLst/>
-            <a:cxnLst>
-              <a:cxn ang="0">
-                <a:pos x="connsiteX0" y="connsiteY0"/>
-              </a:cxn>
-              <a:cxn ang="0">
-                <a:pos x="connsiteX1" y="connsiteY1"/>
-              </a:cxn>
-              <a:cxn ang="0">
-                <a:pos x="connsiteX2" y="connsiteY2"/>
-              </a:cxn>
-              <a:cxn ang="0">
-                <a:pos x="connsiteX3" y="connsiteY3"/>
-              </a:cxn>
-              <a:cxn ang="0">
-                <a:pos x="connsiteX4" y="connsiteY4"/>
-              </a:cxn>
-              <a:cxn ang="0">
-                <a:pos x="connsiteX5" y="connsiteY5"/>
-              </a:cxn>
-              <a:cxn ang="0">
-                <a:pos x="connsiteX6" y="connsiteY6"/>
-              </a:cxn>
-              <a:cxn ang="0">
-                <a:pos x="connsiteX7" y="connsiteY7"/>
-              </a:cxn>
-              <a:cxn ang="0">
-                <a:pos x="connsiteX8" y="connsiteY8"/>
-              </a:cxn>
-              <a:cxn ang="0">
-                <a:pos x="connsiteX9" y="connsiteY9"/>
-              </a:cxn>
-              <a:cxn ang="0">
-                <a:pos x="connsiteX10" y="connsiteY10"/>
-              </a:cxn>
-              <a:cxn ang="0">
-                <a:pos x="connsiteX11" y="connsiteY11"/>
-              </a:cxn>
-            </a:cxnLst>
-            <a:rect l="l" t="t" r="r" b="b"/>
-            <a:pathLst>
-              <a:path w="3255095" h="18288" fill="none" extrusionOk="0">
-                <a:moveTo>
-                  <a:pt x="0" y="0"/>
-                </a:moveTo>
-                <a:cubicBezTo>
-                  <a:pt x="240201" y="-22123"/>
-                  <a:pt x="462021" y="-19623"/>
-                  <a:pt x="618468" y="0"/>
-                </a:cubicBezTo>
-                <a:cubicBezTo>
-                  <a:pt x="774915" y="19623"/>
-                  <a:pt x="974734" y="2035"/>
-                  <a:pt x="1269487" y="0"/>
-                </a:cubicBezTo>
-                <a:cubicBezTo>
-                  <a:pt x="1564240" y="-2035"/>
-                  <a:pt x="1733579" y="10639"/>
-                  <a:pt x="1953057" y="0"/>
-                </a:cubicBezTo>
-                <a:cubicBezTo>
-                  <a:pt x="2172535" y="-10639"/>
-                  <a:pt x="2453962" y="14018"/>
-                  <a:pt x="2636627" y="0"/>
-                </a:cubicBezTo>
-                <a:cubicBezTo>
-                  <a:pt x="2819292" y="-14018"/>
-                  <a:pt x="3121375" y="5399"/>
-                  <a:pt x="3255095" y="0"/>
-                </a:cubicBezTo>
-                <a:cubicBezTo>
-                  <a:pt x="3254386" y="8157"/>
-                  <a:pt x="3254682" y="12125"/>
-                  <a:pt x="3255095" y="18288"/>
-                </a:cubicBezTo>
-                <a:cubicBezTo>
-                  <a:pt x="3088545" y="23203"/>
-                  <a:pt x="2687475" y="7419"/>
-                  <a:pt x="2538974" y="18288"/>
-                </a:cubicBezTo>
-                <a:cubicBezTo>
-                  <a:pt x="2390473" y="29157"/>
-                  <a:pt x="2137381" y="-8959"/>
-                  <a:pt x="1822853" y="18288"/>
-                </a:cubicBezTo>
-                <a:cubicBezTo>
-                  <a:pt x="1508325" y="45535"/>
-                  <a:pt x="1466437" y="20385"/>
-                  <a:pt x="1171834" y="18288"/>
-                </a:cubicBezTo>
-                <a:cubicBezTo>
-                  <a:pt x="877231" y="16191"/>
-                  <a:pt x="561097" y="37643"/>
-                  <a:pt x="0" y="18288"/>
-                </a:cubicBezTo>
-                <a:cubicBezTo>
-                  <a:pt x="-46" y="12483"/>
-                  <a:pt x="-203" y="6491"/>
-                  <a:pt x="0" y="0"/>
-                </a:cubicBezTo>
-                <a:close/>
-              </a:path>
-              <a:path w="3255095" h="18288" stroke="0" extrusionOk="0">
-                <a:moveTo>
-                  <a:pt x="0" y="0"/>
-                </a:moveTo>
-                <a:cubicBezTo>
-                  <a:pt x="291965" y="19429"/>
-                  <a:pt x="363155" y="8568"/>
-                  <a:pt x="618468" y="0"/>
-                </a:cubicBezTo>
-                <a:cubicBezTo>
-                  <a:pt x="873781" y="-8568"/>
-                  <a:pt x="904459" y="-19505"/>
-                  <a:pt x="1171834" y="0"/>
-                </a:cubicBezTo>
-                <a:cubicBezTo>
-                  <a:pt x="1439209" y="19505"/>
-                  <a:pt x="1744369" y="9790"/>
-                  <a:pt x="1887955" y="0"/>
-                </a:cubicBezTo>
-                <a:cubicBezTo>
-                  <a:pt x="2031541" y="-9790"/>
-                  <a:pt x="2346378" y="21240"/>
-                  <a:pt x="2506423" y="0"/>
-                </a:cubicBezTo>
-                <a:cubicBezTo>
-                  <a:pt x="2666468" y="-21240"/>
-                  <a:pt x="2990257" y="30414"/>
-                  <a:pt x="3255095" y="0"/>
-                </a:cubicBezTo>
-                <a:cubicBezTo>
-                  <a:pt x="3254831" y="4493"/>
-                  <a:pt x="3255479" y="9472"/>
-                  <a:pt x="3255095" y="18288"/>
-                </a:cubicBezTo>
-                <a:cubicBezTo>
-                  <a:pt x="3120743" y="16690"/>
-                  <a:pt x="2759628" y="42462"/>
-                  <a:pt x="2604076" y="18288"/>
-                </a:cubicBezTo>
-                <a:cubicBezTo>
-                  <a:pt x="2448524" y="-5886"/>
-                  <a:pt x="2184336" y="19599"/>
-                  <a:pt x="1887955" y="18288"/>
-                </a:cubicBezTo>
-                <a:cubicBezTo>
-                  <a:pt x="1591574" y="16977"/>
-                  <a:pt x="1548845" y="6870"/>
-                  <a:pt x="1334589" y="18288"/>
-                </a:cubicBezTo>
-                <a:cubicBezTo>
-                  <a:pt x="1120333" y="29706"/>
-                  <a:pt x="996014" y="9662"/>
-                  <a:pt x="683570" y="18288"/>
-                </a:cubicBezTo>
-                <a:cubicBezTo>
-                  <a:pt x="371126" y="26914"/>
-                  <a:pt x="198687" y="16167"/>
-                  <a:pt x="0" y="18288"/>
-                </a:cubicBezTo>
-                <a:cubicBezTo>
-                  <a:pt x="843" y="9577"/>
-                  <a:pt x="371" y="6900"/>
-                  <a:pt x="0" y="0"/>
-                </a:cubicBezTo>
-                <a:close/>
-              </a:path>
-            </a:pathLst>
-          </a:custGeom>
+          </a:prstGeom>
           <a:solidFill>
-            <a:schemeClr val="accent2"/>
+            <a:schemeClr val="bg1">
+              <a:alpha val="81000"/>
+            </a:schemeClr>
           </a:solidFill>
-          <a:ln w="38100" cap="rnd">
-            <a:solidFill>
-              <a:schemeClr val="accent2"/>
-            </a:solidFill>
-            <a:round/>
-            <a:extLst>
-              <a:ext uri="{C807C97D-BFC1-408E-A445-0C87EB9F89A2}">
-                <ask:lineSketchStyleProps xmlns:ask="http://schemas.microsoft.com/office/drawing/2018/sketchyshapes" sd="1219033472">
-                  <a:prstGeom prst="rect">
-                    <a:avLst/>
-                  </a:prstGeom>
-                  <ask:type>
-                    <ask:lineSketchFreehand/>
-                  </ask:type>
-                </ask:lineSketchStyleProps>
-              </a:ext>
-            </a:extLst>
+          <a:ln>
+            <a:noFill/>
           </a:ln>
         </p:spPr>
         <p:style>
@@ -12413,6 +15728,158 @@
       </p:sp>
       <p:sp>
         <p:nvSpPr>
+          <p:cNvPr id="30" name="Freeform: Shape 29">
+            <a:extLst>
+              <a:ext uri="{FF2B5EF4-FFF2-40B4-BE49-F238E27FC236}">
+                <a16:creationId xmlns:a16="http://schemas.microsoft.com/office/drawing/2014/main" id="{FF9DEA15-78BD-4750-AA18-B9F28A6D5AB8}"/>
+              </a:ext>
+              <a:ext uri="{C183D7F6-B498-43B3-948B-1728B52AA6E4}">
+                <adec:decorative xmlns:adec="http://schemas.microsoft.com/office/drawing/2017/decorative" val="1"/>
+              </a:ext>
+            </a:extLst>
+          </p:cNvPr>
+          <p:cNvSpPr>
+            <a:spLocks noGrp="1" noRot="1" noChangeAspect="1" noMove="1" noResize="1" noEditPoints="1" noAdjustHandles="1" noChangeArrowheads="1" noChangeShapeType="1" noTextEdit="1"/>
+          </p:cNvSpPr>
+          <p:nvPr>
+            <p:extLst>
+              <p:ext uri="{386F3935-93C4-4BCD-93E2-E3B085C9AB24}">
+                <p16:designElem xmlns:p16="http://schemas.microsoft.com/office/powerpoint/2015/main" val="1"/>
+              </p:ext>
+            </p:extLst>
+          </p:nvPr>
+        </p:nvSpPr>
+        <p:spPr>
+          <a:xfrm>
+            <a:off x="-1" y="0"/>
+            <a:ext cx="4546337" cy="6858000"/>
+          </a:xfrm>
+          <a:custGeom>
+            <a:avLst/>
+            <a:gdLst>
+              <a:gd name="connsiteX0" fmla="*/ 0 w 4319042"/>
+              <a:gd name="connsiteY0" fmla="*/ 0 h 6858000"/>
+              <a:gd name="connsiteX1" fmla="*/ 1142888 w 4319042"/>
+              <a:gd name="connsiteY1" fmla="*/ 0 h 6858000"/>
+              <a:gd name="connsiteX2" fmla="*/ 4319042 w 4319042"/>
+              <a:gd name="connsiteY2" fmla="*/ 6858000 h 6858000"/>
+              <a:gd name="connsiteX3" fmla="*/ 0 w 4319042"/>
+              <a:gd name="connsiteY3" fmla="*/ 6858000 h 6858000"/>
+            </a:gdLst>
+            <a:ahLst/>
+            <a:cxnLst>
+              <a:cxn ang="0">
+                <a:pos x="connsiteX0" y="connsiteY0"/>
+              </a:cxn>
+              <a:cxn ang="0">
+                <a:pos x="connsiteX1" y="connsiteY1"/>
+              </a:cxn>
+              <a:cxn ang="0">
+                <a:pos x="connsiteX2" y="connsiteY2"/>
+              </a:cxn>
+              <a:cxn ang="0">
+                <a:pos x="connsiteX3" y="connsiteY3"/>
+              </a:cxn>
+            </a:cxnLst>
+            <a:rect l="l" t="t" r="r" b="b"/>
+            <a:pathLst>
+              <a:path w="4319042" h="6858000">
+                <a:moveTo>
+                  <a:pt x="0" y="0"/>
+                </a:moveTo>
+                <a:lnTo>
+                  <a:pt x="1142888" y="0"/>
+                </a:lnTo>
+                <a:lnTo>
+                  <a:pt x="4319042" y="6858000"/>
+                </a:lnTo>
+                <a:lnTo>
+                  <a:pt x="0" y="6858000"/>
+                </a:lnTo>
+                <a:close/>
+              </a:path>
+            </a:pathLst>
+          </a:custGeom>
+          <a:solidFill>
+            <a:schemeClr val="bg1">
+              <a:alpha val="35000"/>
+            </a:schemeClr>
+          </a:solidFill>
+          <a:ln>
+            <a:noFill/>
+          </a:ln>
+        </p:spPr>
+        <p:style>
+          <a:lnRef idx="2">
+            <a:schemeClr val="accent1">
+              <a:shade val="50000"/>
+            </a:schemeClr>
+          </a:lnRef>
+          <a:fillRef idx="1">
+            <a:schemeClr val="accent1"/>
+          </a:fillRef>
+          <a:effectRef idx="0">
+            <a:schemeClr val="accent1"/>
+          </a:effectRef>
+          <a:fontRef idx="minor">
+            <a:schemeClr val="lt1"/>
+          </a:fontRef>
+        </p:style>
+        <p:txBody>
+          <a:bodyPr wrap="square" rtlCol="0" anchor="ctr">
+            <a:noAutofit/>
+          </a:bodyPr>
+          <a:lstStyle/>
+          <a:p>
+            <a:pPr algn="ctr"/>
+            <a:endParaRPr lang="en-US"/>
+          </a:p>
+        </p:txBody>
+      </p:sp>
+      <p:sp>
+        <p:nvSpPr>
+          <p:cNvPr id="2" name="Title 1">
+            <a:extLst>
+              <a:ext uri="{FF2B5EF4-FFF2-40B4-BE49-F238E27FC236}">
+                <a16:creationId xmlns:a16="http://schemas.microsoft.com/office/drawing/2014/main" id="{3E212635-CADE-43BF-A371-49E22896C9EE}"/>
+              </a:ext>
+            </a:extLst>
+          </p:cNvPr>
+          <p:cNvSpPr>
+            <a:spLocks noGrp="1"/>
+          </p:cNvSpPr>
+          <p:nvPr>
+            <p:ph type="title"/>
+          </p:nvPr>
+        </p:nvSpPr>
+        <p:spPr>
+          <a:xfrm>
+            <a:off x="804672" y="640263"/>
+            <a:ext cx="5157216" cy="1344975"/>
+          </a:xfrm>
+        </p:spPr>
+        <p:txBody>
+          <a:bodyPr vert="horz" lIns="91440" tIns="45720" rIns="91440" bIns="45720" rtlCol="0" anchor="ctr">
+            <a:normAutofit/>
+          </a:bodyPr>
+          <a:lstStyle/>
+          <a:p>
+            <a:r>
+              <a:rPr lang="en-US" sz="4000" kern="1200">
+                <a:solidFill>
+                  <a:schemeClr val="tx1"/>
+                </a:solidFill>
+                <a:latin typeface="+mj-lt"/>
+                <a:ea typeface="+mj-ea"/>
+                <a:cs typeface="+mj-cs"/>
+              </a:rPr>
+              <a:t>Start GUI V5</a:t>
+            </a:r>
+          </a:p>
+        </p:txBody>
+      </p:sp>
+      <p:sp>
+        <p:nvSpPr>
           <p:cNvPr id="5" name="TextBox 4">
             <a:extLst>
               <a:ext uri="{FF2B5EF4-FFF2-40B4-BE49-F238E27FC236}">
@@ -12425,15 +15892,15 @@
         </p:nvSpPr>
         <p:spPr>
           <a:xfrm>
-            <a:off x="630936" y="2807208"/>
-            <a:ext cx="3429000" cy="3410712"/>
+            <a:off x="804672" y="2121763"/>
+            <a:ext cx="5157216" cy="3773010"/>
           </a:xfrm>
           <a:prstGeom prst="rect">
             <a:avLst/>
           </a:prstGeom>
         </p:spPr>
         <p:txBody>
-          <a:bodyPr rot="0" spcFirstLastPara="0" vertOverflow="overflow" horzOverflow="overflow" vert="horz" lIns="91440" tIns="45720" rIns="91440" bIns="45720" numCol="1" spcCol="0" rtlCol="0" fromWordArt="0" anchor="t" anchorCtr="0" forceAA="0" compatLnSpc="1">
+          <a:bodyPr rot="0" spcFirstLastPara="0" vertOverflow="overflow" horzOverflow="overflow" vert="horz" lIns="91440" tIns="45720" rIns="91440" bIns="45720" numCol="1" spcCol="0" rtlCol="0" fromWordArt="0" anchorCtr="0" forceAA="0" compatLnSpc="1">
             <a:prstTxWarp prst="textNoShape">
               <a:avLst/>
             </a:prstTxWarp>
@@ -12452,7 +15919,7 @@
               <a:buChar char="•"/>
             </a:pPr>
             <a:r>
-              <a:rPr lang="en-US" sz="2200"/>
+              <a:rPr lang="en-US" sz="2000"/>
               <a:t>I have decided to remove the roman and Greek options from my quiz and just make it a quiz about the Norse Gods.</a:t>
             </a:r>
           </a:p>
@@ -12468,7 +15935,7 @@
               <a:buChar char="•"/>
             </a:pPr>
             <a:r>
-              <a:rPr lang="en-US" sz="2200"/>
+              <a:rPr lang="en-US" sz="2000"/>
               <a:t>I made it like this as it would be easier for me to program and make it easier on me.</a:t>
             </a:r>
           </a:p>
@@ -12498,8 +15965,8 @@
         </p:blipFill>
         <p:spPr>
           <a:xfrm>
-            <a:off x="5648736" y="640080"/>
-            <a:ext cx="4914840" cy="5577840"/>
+            <a:off x="6969642" y="663292"/>
+            <a:ext cx="4736963" cy="5375966"/>
           </a:xfrm>
           <a:prstGeom prst="rect">
             <a:avLst/>
@@ -12514,7 +15981,7 @@
     </p:extLst>
   </p:cSld>
   <p:clrMapOvr>
-    <a:masterClrMapping/>
+    <a:overrideClrMapping bg1="dk1" tx1="lt1" bg2="dk2" tx2="lt2" accent1="accent1" accent2="accent2" accent3="accent3" accent4="accent4" accent5="accent5" accent6="accent6" hlink="hlink" folHlink="folHlink"/>
   </p:clrMapOvr>
 </p:sld>
 </file>

--- a/Programming Assesment.pptx
+++ b/Programming Assesment.pptx
@@ -144,6 +144,7 @@
     <p1510:client id="{2E13400A-93CE-23A9-CF97-FEFD0D57F2B7}" v="207" dt="2021-06-17T22:44:31.234"/>
     <p1510:client id="{3312139C-ECA4-D6E5-6EA0-9FAF5992739F}" v="61" dt="2021-06-15T02:10:40.639"/>
     <p1510:client id="{33F175D3-4D32-71D5-6709-62DB828ADCB0}" v="83" dt="2021-06-03T22:45:46.848"/>
+    <p1510:client id="{3F6F0A08-4B79-B2D2-3EE0-907CA52DA6F9}" v="6" dt="2021-08-08T21:17:57.099"/>
     <p1510:client id="{49827196-21C6-0A67-9751-F39B4B6EF412}" v="910" dt="2021-08-05T00:27:52.848"/>
     <p1510:client id="{61852D5F-CC47-4EF3-8523-0D8470090199}" v="32" dt="2021-05-27T22:48:17.050"/>
     <p1510:client id="{82670D97-0EF6-5614-F833-FE3B0A574D76}" v="27" dt="2021-05-30T21:53:29.949"/>
@@ -1454,6 +1455,38 @@
             <ac:spMk id="5" creationId="{8FDA18EA-F9E6-4125-AEBA-086FCF91B257}"/>
           </ac:spMkLst>
         </pc:spChg>
+      </pc:sldChg>
+    </pc:docChg>
+  </pc:docChgLst>
+  <pc:docChgLst>
+    <pc:chgData name="Jonny Morris" userId="S::morrisj70800@masseyhigh.school.nz::4fab9e21-29a7-4d03-b4c0-6c8a112c783d" providerId="AD" clId="Web-{3F6F0A08-4B79-B2D2-3EE0-907CA52DA6F9}"/>
+    <pc:docChg chg="modSld">
+      <pc:chgData name="Jonny Morris" userId="S::morrisj70800@masseyhigh.school.nz::4fab9e21-29a7-4d03-b4c0-6c8a112c783d" providerId="AD" clId="Web-{3F6F0A08-4B79-B2D2-3EE0-907CA52DA6F9}" dt="2021-08-08T21:17:57.099" v="3" actId="1076"/>
+      <pc:docMkLst>
+        <pc:docMk/>
+      </pc:docMkLst>
+      <pc:sldChg chg="addSp modSp">
+        <pc:chgData name="Jonny Morris" userId="S::morrisj70800@masseyhigh.school.nz::4fab9e21-29a7-4d03-b4c0-6c8a112c783d" providerId="AD" clId="Web-{3F6F0A08-4B79-B2D2-3EE0-907CA52DA6F9}" dt="2021-08-08T21:17:57.099" v="3" actId="1076"/>
+        <pc:sldMkLst>
+          <pc:docMk/>
+          <pc:sldMk cId="1323580387" sldId="273"/>
+        </pc:sldMkLst>
+        <pc:picChg chg="add mod">
+          <ac:chgData name="Jonny Morris" userId="S::morrisj70800@masseyhigh.school.nz::4fab9e21-29a7-4d03-b4c0-6c8a112c783d" providerId="AD" clId="Web-{3F6F0A08-4B79-B2D2-3EE0-907CA52DA6F9}" dt="2021-08-08T21:17:26.255" v="1" actId="1076"/>
+          <ac:picMkLst>
+            <pc:docMk/>
+            <pc:sldMk cId="1323580387" sldId="273"/>
+            <ac:picMk id="6" creationId="{4DE411ED-E7DE-421B-AD9F-4D3217A0DB0F}"/>
+          </ac:picMkLst>
+        </pc:picChg>
+        <pc:picChg chg="add mod">
+          <ac:chgData name="Jonny Morris" userId="S::morrisj70800@masseyhigh.school.nz::4fab9e21-29a7-4d03-b4c0-6c8a112c783d" providerId="AD" clId="Web-{3F6F0A08-4B79-B2D2-3EE0-907CA52DA6F9}" dt="2021-08-08T21:17:57.099" v="3" actId="1076"/>
+          <ac:picMkLst>
+            <pc:docMk/>
+            <pc:sldMk cId="1323580387" sldId="273"/>
+            <ac:picMk id="8" creationId="{580DDA5C-D79D-48B2-B6D7-28865CE037D3}"/>
+          </ac:picMkLst>
+        </pc:picChg>
       </pc:sldChg>
     </pc:docChg>
   </pc:docChgLst>
@@ -3386,7 +3419,7 @@
           <a:p>
             <a:fld id="{846CE7D5-CF57-46EF-B807-FDD0502418D4}" type="datetimeFigureOut">
               <a:rPr lang="en-US" smtClean="0"/>
-              <a:t>8/5/2021</a:t>
+              <a:t>8/8/2021</a:t>
             </a:fld>
             <a:endParaRPr lang="en-US"/>
           </a:p>
@@ -3554,7 +3587,7 @@
           <a:p>
             <a:fld id="{846CE7D5-CF57-46EF-B807-FDD0502418D4}" type="datetimeFigureOut">
               <a:rPr lang="en-US" smtClean="0"/>
-              <a:t>8/5/2021</a:t>
+              <a:t>8/8/2021</a:t>
             </a:fld>
             <a:endParaRPr lang="en-US"/>
           </a:p>
@@ -3732,7 +3765,7 @@
           <a:p>
             <a:fld id="{846CE7D5-CF57-46EF-B807-FDD0502418D4}" type="datetimeFigureOut">
               <a:rPr lang="en-US" smtClean="0"/>
-              <a:t>8/5/2021</a:t>
+              <a:t>8/8/2021</a:t>
             </a:fld>
             <a:endParaRPr lang="en-US"/>
           </a:p>
@@ -3900,7 +3933,7 @@
           <a:p>
             <a:fld id="{846CE7D5-CF57-46EF-B807-FDD0502418D4}" type="datetimeFigureOut">
               <a:rPr lang="en-US" smtClean="0"/>
-              <a:t>8/5/2021</a:t>
+              <a:t>8/8/2021</a:t>
             </a:fld>
             <a:endParaRPr lang="en-US"/>
           </a:p>
@@ -4145,7 +4178,7 @@
           <a:p>
             <a:fld id="{846CE7D5-CF57-46EF-B807-FDD0502418D4}" type="datetimeFigureOut">
               <a:rPr lang="en-US" smtClean="0"/>
-              <a:t>8/5/2021</a:t>
+              <a:t>8/8/2021</a:t>
             </a:fld>
             <a:endParaRPr lang="en-US"/>
           </a:p>
@@ -4374,7 +4407,7 @@
           <a:p>
             <a:fld id="{846CE7D5-CF57-46EF-B807-FDD0502418D4}" type="datetimeFigureOut">
               <a:rPr lang="en-US" smtClean="0"/>
-              <a:t>8/5/2021</a:t>
+              <a:t>8/8/2021</a:t>
             </a:fld>
             <a:endParaRPr lang="en-US"/>
           </a:p>
@@ -4738,7 +4771,7 @@
           <a:p>
             <a:fld id="{846CE7D5-CF57-46EF-B807-FDD0502418D4}" type="datetimeFigureOut">
               <a:rPr lang="en-US" smtClean="0"/>
-              <a:t>8/5/2021</a:t>
+              <a:t>8/8/2021</a:t>
             </a:fld>
             <a:endParaRPr lang="en-US"/>
           </a:p>
@@ -4855,7 +4888,7 @@
           <a:p>
             <a:fld id="{846CE7D5-CF57-46EF-B807-FDD0502418D4}" type="datetimeFigureOut">
               <a:rPr lang="en-US" smtClean="0"/>
-              <a:t>8/5/2021</a:t>
+              <a:t>8/8/2021</a:t>
             </a:fld>
             <a:endParaRPr lang="en-US"/>
           </a:p>
@@ -4950,7 +4983,7 @@
           <a:p>
             <a:fld id="{846CE7D5-CF57-46EF-B807-FDD0502418D4}" type="datetimeFigureOut">
               <a:rPr lang="en-US" smtClean="0"/>
-              <a:t>8/5/2021</a:t>
+              <a:t>8/8/2021</a:t>
             </a:fld>
             <a:endParaRPr lang="en-US"/>
           </a:p>
@@ -5225,7 +5258,7 @@
           <a:p>
             <a:fld id="{846CE7D5-CF57-46EF-B807-FDD0502418D4}" type="datetimeFigureOut">
               <a:rPr lang="en-US" smtClean="0"/>
-              <a:t>8/5/2021</a:t>
+              <a:t>8/8/2021</a:t>
             </a:fld>
             <a:endParaRPr lang="en-US"/>
           </a:p>
@@ -5480,7 +5513,7 @@
           <a:p>
             <a:fld id="{846CE7D5-CF57-46EF-B807-FDD0502418D4}" type="datetimeFigureOut">
               <a:rPr lang="en-US" smtClean="0"/>
-              <a:t>8/5/2021</a:t>
+              <a:t>8/8/2021</a:t>
             </a:fld>
             <a:endParaRPr lang="en-US"/>
           </a:p>
@@ -5691,7 +5724,7 @@
           <a:p>
             <a:fld id="{846CE7D5-CF57-46EF-B807-FDD0502418D4}" type="datetimeFigureOut">
               <a:rPr lang="en-US" smtClean="0"/>
-              <a:t>8/5/2021</a:t>
+              <a:t>8/8/2021</a:t>
             </a:fld>
             <a:endParaRPr lang="en-US"/>
           </a:p>
@@ -13037,6 +13070,66 @@
           </a:p>
         </p:txBody>
       </p:sp>
+      <p:pic>
+        <p:nvPicPr>
+          <p:cNvPr id="6" name="Picture 7" descr="Graphical user interface, text, application&#10;&#10;Description automatically generated">
+            <a:extLst>
+              <a:ext uri="{FF2B5EF4-FFF2-40B4-BE49-F238E27FC236}">
+                <a16:creationId xmlns:a16="http://schemas.microsoft.com/office/drawing/2014/main" id="{4DE411ED-E7DE-421B-AD9F-4D3217A0DB0F}"/>
+              </a:ext>
+            </a:extLst>
+          </p:cNvPr>
+          <p:cNvPicPr>
+            <a:picLocks noChangeAspect="1"/>
+          </p:cNvPicPr>
+          <p:nvPr/>
+        </p:nvPicPr>
+        <p:blipFill>
+          <a:blip r:embed="rId4"/>
+          <a:stretch>
+            <a:fillRect/>
+          </a:stretch>
+        </p:blipFill>
+        <p:spPr>
+          <a:xfrm>
+            <a:off x="7936923" y="1742410"/>
+            <a:ext cx="2743200" cy="1658679"/>
+          </a:xfrm>
+          <a:prstGeom prst="rect">
+            <a:avLst/>
+          </a:prstGeom>
+        </p:spPr>
+      </p:pic>
+      <p:pic>
+        <p:nvPicPr>
+          <p:cNvPr id="8" name="Picture 8" descr="Graphical user interface, text, application&#10;&#10;Description automatically generated">
+            <a:extLst>
+              <a:ext uri="{FF2B5EF4-FFF2-40B4-BE49-F238E27FC236}">
+                <a16:creationId xmlns:a16="http://schemas.microsoft.com/office/drawing/2014/main" id="{580DDA5C-D79D-48B2-B6D7-28865CE037D3}"/>
+              </a:ext>
+            </a:extLst>
+          </p:cNvPr>
+          <p:cNvPicPr>
+            <a:picLocks noChangeAspect="1"/>
+          </p:cNvPicPr>
+          <p:nvPr/>
+        </p:nvPicPr>
+        <p:blipFill>
+          <a:blip r:embed="rId5"/>
+          <a:stretch>
+            <a:fillRect/>
+          </a:stretch>
+        </p:blipFill>
+        <p:spPr>
+          <a:xfrm>
+            <a:off x="8019005" y="3632394"/>
+            <a:ext cx="2714625" cy="2752725"/>
+          </a:xfrm>
+          <a:prstGeom prst="rect">
+            <a:avLst/>
+          </a:prstGeom>
+        </p:spPr>
+      </p:pic>
     </p:spTree>
     <p:extLst>
       <p:ext uri="{BB962C8B-B14F-4D97-AF65-F5344CB8AC3E}">
